--- a/ppt/TableauPrepBuilderIntroV1_1.pptx
+++ b/ppt/TableauPrepBuilderIntroV1_1.pptx
@@ -5,10 +5,10 @@
     <p:sldMasterId id="2147483660" r:id="rId4"/>
   </p:sldMasterIdLst>
   <p:notesMasterIdLst>
-    <p:notesMasterId r:id="rId61"/>
+    <p:notesMasterId r:id="rId64"/>
   </p:notesMasterIdLst>
   <p:handoutMasterIdLst>
-    <p:handoutMasterId r:id="rId62"/>
+    <p:handoutMasterId r:id="rId65"/>
   </p:handoutMasterIdLst>
   <p:sldIdLst>
     <p:sldId id="323" r:id="rId5"/>
@@ -20,53 +20,56 @@
     <p:sldId id="329" r:id="rId11"/>
     <p:sldId id="330" r:id="rId12"/>
     <p:sldId id="331" r:id="rId13"/>
-    <p:sldId id="342" r:id="rId14"/>
-    <p:sldId id="343" r:id="rId15"/>
-    <p:sldId id="344" r:id="rId16"/>
-    <p:sldId id="345" r:id="rId17"/>
-    <p:sldId id="346" r:id="rId18"/>
-    <p:sldId id="409" r:id="rId19"/>
-    <p:sldId id="401" r:id="rId20"/>
-    <p:sldId id="402" r:id="rId21"/>
-    <p:sldId id="403" r:id="rId22"/>
-    <p:sldId id="404" r:id="rId23"/>
-    <p:sldId id="405" r:id="rId24"/>
-    <p:sldId id="406" r:id="rId25"/>
-    <p:sldId id="407" r:id="rId26"/>
-    <p:sldId id="408" r:id="rId27"/>
-    <p:sldId id="410" r:id="rId28"/>
-    <p:sldId id="396" r:id="rId29"/>
-    <p:sldId id="397" r:id="rId30"/>
-    <p:sldId id="398" r:id="rId31"/>
-    <p:sldId id="399" r:id="rId32"/>
-    <p:sldId id="400" r:id="rId33"/>
-    <p:sldId id="411" r:id="rId34"/>
-    <p:sldId id="392" r:id="rId35"/>
-    <p:sldId id="393" r:id="rId36"/>
-    <p:sldId id="394" r:id="rId37"/>
-    <p:sldId id="395" r:id="rId38"/>
-    <p:sldId id="412" r:id="rId39"/>
-    <p:sldId id="386" r:id="rId40"/>
-    <p:sldId id="387" r:id="rId41"/>
-    <p:sldId id="388" r:id="rId42"/>
-    <p:sldId id="389" r:id="rId43"/>
-    <p:sldId id="390" r:id="rId44"/>
-    <p:sldId id="391" r:id="rId45"/>
-    <p:sldId id="413" r:id="rId46"/>
-    <p:sldId id="374" r:id="rId47"/>
-    <p:sldId id="375" r:id="rId48"/>
-    <p:sldId id="376" r:id="rId49"/>
-    <p:sldId id="377" r:id="rId50"/>
-    <p:sldId id="378" r:id="rId51"/>
-    <p:sldId id="379" r:id="rId52"/>
-    <p:sldId id="414" r:id="rId53"/>
-    <p:sldId id="381" r:id="rId54"/>
-    <p:sldId id="382" r:id="rId55"/>
-    <p:sldId id="383" r:id="rId56"/>
-    <p:sldId id="384" r:id="rId57"/>
-    <p:sldId id="385" r:id="rId58"/>
-    <p:sldId id="415" r:id="rId59"/>
-    <p:sldId id="340" r:id="rId60"/>
+    <p:sldId id="416" r:id="rId14"/>
+    <p:sldId id="417" r:id="rId15"/>
+    <p:sldId id="418" r:id="rId16"/>
+    <p:sldId id="342" r:id="rId17"/>
+    <p:sldId id="343" r:id="rId18"/>
+    <p:sldId id="344" r:id="rId19"/>
+    <p:sldId id="345" r:id="rId20"/>
+    <p:sldId id="346" r:id="rId21"/>
+    <p:sldId id="409" r:id="rId22"/>
+    <p:sldId id="401" r:id="rId23"/>
+    <p:sldId id="402" r:id="rId24"/>
+    <p:sldId id="403" r:id="rId25"/>
+    <p:sldId id="404" r:id="rId26"/>
+    <p:sldId id="405" r:id="rId27"/>
+    <p:sldId id="406" r:id="rId28"/>
+    <p:sldId id="407" r:id="rId29"/>
+    <p:sldId id="408" r:id="rId30"/>
+    <p:sldId id="410" r:id="rId31"/>
+    <p:sldId id="396" r:id="rId32"/>
+    <p:sldId id="397" r:id="rId33"/>
+    <p:sldId id="398" r:id="rId34"/>
+    <p:sldId id="399" r:id="rId35"/>
+    <p:sldId id="400" r:id="rId36"/>
+    <p:sldId id="411" r:id="rId37"/>
+    <p:sldId id="392" r:id="rId38"/>
+    <p:sldId id="393" r:id="rId39"/>
+    <p:sldId id="394" r:id="rId40"/>
+    <p:sldId id="395" r:id="rId41"/>
+    <p:sldId id="412" r:id="rId42"/>
+    <p:sldId id="386" r:id="rId43"/>
+    <p:sldId id="387" r:id="rId44"/>
+    <p:sldId id="388" r:id="rId45"/>
+    <p:sldId id="389" r:id="rId46"/>
+    <p:sldId id="390" r:id="rId47"/>
+    <p:sldId id="391" r:id="rId48"/>
+    <p:sldId id="413" r:id="rId49"/>
+    <p:sldId id="374" r:id="rId50"/>
+    <p:sldId id="375" r:id="rId51"/>
+    <p:sldId id="376" r:id="rId52"/>
+    <p:sldId id="377" r:id="rId53"/>
+    <p:sldId id="378" r:id="rId54"/>
+    <p:sldId id="379" r:id="rId55"/>
+    <p:sldId id="414" r:id="rId56"/>
+    <p:sldId id="381" r:id="rId57"/>
+    <p:sldId id="382" r:id="rId58"/>
+    <p:sldId id="383" r:id="rId59"/>
+    <p:sldId id="384" r:id="rId60"/>
+    <p:sldId id="385" r:id="rId61"/>
+    <p:sldId id="415" r:id="rId62"/>
+    <p:sldId id="340" r:id="rId63"/>
   </p:sldIdLst>
   <p:sldSz cx="12192000" cy="6858000"/>
   <p:notesSz cx="9309100" cy="7053263"/>
@@ -211,7 +214,14 @@
             <p14:sldId id="331"/>
           </p14:sldIdLst>
         </p14:section>
-        <p14:section name="Module 1: Introduction and Prep Builder" id="{98F94D3A-15E3-4D17-80BB-8918625923CE}">
+        <p14:section name="Module 1: ETL" id="{2DA96C91-37FF-0A4F-82F0-9341DCD5D040}">
+          <p14:sldIdLst>
+            <p14:sldId id="416"/>
+            <p14:sldId id="417"/>
+            <p14:sldId id="418"/>
+          </p14:sldIdLst>
+        </p14:section>
+        <p14:section name="Module 2: Introduction and Prep Builder" id="{98F94D3A-15E3-4D17-80BB-8918625923CE}">
           <p14:sldIdLst>
             <p14:sldId id="342"/>
             <p14:sldId id="343"/>
@@ -446,7 +456,7 @@
               <a:pPr>
                 <a:defRPr/>
               </a:pPr>
-              <a:t>1/18/20</a:t>
+              <a:t>1/19/20</a:t>
             </a:fld>
             <a:endParaRPr lang="en-US"/>
           </a:p>
@@ -665,7 +675,7 @@
               <a:pPr>
                 <a:defRPr/>
               </a:pPr>
-              <a:t>1/18/20</a:t>
+              <a:t>1/19/20</a:t>
             </a:fld>
             <a:endParaRPr lang="en-US"/>
           </a:p>
@@ -4122,7 +4132,13 @@
       </p:grpSpPr>
       <p:sp>
         <p:nvSpPr>
-          <p:cNvPr id="2" name="Title 1"/>
+          <p:cNvPr id="2" name="Title 1">
+            <a:extLst>
+              <a:ext uri="{FF2B5EF4-FFF2-40B4-BE49-F238E27FC236}">
+                <a16:creationId xmlns:a16="http://schemas.microsoft.com/office/drawing/2014/main" id="{2B2593B2-3B52-CB45-B091-CA3700E3B2A1}"/>
+              </a:ext>
+            </a:extLst>
+          </p:cNvPr>
           <p:cNvSpPr>
             <a:spLocks noGrp="1"/>
           </p:cNvSpPr>
@@ -4132,48 +4148,20 @@
         </p:nvSpPr>
         <p:spPr/>
         <p:txBody>
-          <a:bodyPr>
-            <a:normAutofit/>
-          </a:bodyPr>
-          <a:lstStyle/>
-          <a:p>
-            <a:r>
-              <a:rPr lang="en-US" dirty="0"/>
-              <a:t>Introduction &amp; Tableau Prep Builder</a:t>
-            </a:r>
-          </a:p>
-          <a:p>
-            <a:endParaRPr lang="en-US" dirty="0"/>
-          </a:p>
-        </p:txBody>
-      </p:sp>
-      <p:sp>
-        <p:nvSpPr>
-          <p:cNvPr id="4" name="Slide Number Placeholder 3"/>
-          <p:cNvSpPr>
-            <a:spLocks noGrp="1"/>
-          </p:cNvSpPr>
-          <p:nvPr>
-            <p:ph type="sldNum" sz="quarter" idx="4294967295"/>
-          </p:nvPr>
-        </p:nvSpPr>
-        <p:spPr/>
-        <p:txBody>
-          <a:bodyPr/>
-          <a:lstStyle/>
-          <a:p>
-            <a:fld id="{4FAB73BC-B049-4115-A692-8D63A059BFB8}" type="slidenum">
-              <a:rPr lang="en-US" smtClean="0"/>
-              <a:t>10</a:t>
-            </a:fld>
-            <a:endParaRPr lang="en-US" dirty="0"/>
+          <a:bodyPr/>
+          <a:lstStyle/>
+          <a:p>
+            <a:r>
+              <a:rPr lang="en-US" dirty="0"/>
+              <a:t>ETL</a:t>
+            </a:r>
           </a:p>
         </p:txBody>
       </p:sp>
     </p:spTree>
     <p:extLst>
       <p:ext uri="{BB962C8B-B14F-4D97-AF65-F5344CB8AC3E}">
-        <p14:creationId xmlns:p14="http://schemas.microsoft.com/office/powerpoint/2010/main" val="765774969"/>
+        <p14:creationId xmlns:p14="http://schemas.microsoft.com/office/powerpoint/2010/main" val="931031284"/>
       </p:ext>
     </p:extLst>
   </p:cSld>
@@ -4202,7 +4190,13 @@
       </p:grpSpPr>
       <p:sp>
         <p:nvSpPr>
-          <p:cNvPr id="2" name="Title 1"/>
+          <p:cNvPr id="2" name="Title 1">
+            <a:extLst>
+              <a:ext uri="{FF2B5EF4-FFF2-40B4-BE49-F238E27FC236}">
+                <a16:creationId xmlns:a16="http://schemas.microsoft.com/office/drawing/2014/main" id="{32C5EA30-8993-874B-8B34-462F8D4BEF4D}"/>
+              </a:ext>
+            </a:extLst>
+          </p:cNvPr>
           <p:cNvSpPr>
             <a:spLocks noGrp="1"/>
           </p:cNvSpPr>
@@ -4212,24 +4206,25 @@
         </p:nvSpPr>
         <p:spPr/>
         <p:txBody>
-          <a:bodyPr>
-            <a:normAutofit/>
-          </a:bodyPr>
-          <a:lstStyle/>
-          <a:p>
-            <a:r>
-              <a:rPr lang="en-US" dirty="0"/>
-              <a:t>Tableau Prep Builder</a:t>
-            </a:r>
-          </a:p>
-          <a:p>
-            <a:endParaRPr lang="en-US" dirty="0"/>
-          </a:p>
-        </p:txBody>
-      </p:sp>
-      <p:sp>
-        <p:nvSpPr>
-          <p:cNvPr id="5" name="Text Placeholder 4"/>
+          <a:bodyPr/>
+          <a:lstStyle/>
+          <a:p>
+            <a:r>
+              <a:rPr lang="en-US" dirty="0"/>
+              <a:t>What is ETL?</a:t>
+            </a:r>
+          </a:p>
+        </p:txBody>
+      </p:sp>
+      <p:sp>
+        <p:nvSpPr>
+          <p:cNvPr id="3" name="Text Placeholder 2">
+            <a:extLst>
+              <a:ext uri="{FF2B5EF4-FFF2-40B4-BE49-F238E27FC236}">
+                <a16:creationId xmlns:a16="http://schemas.microsoft.com/office/drawing/2014/main" id="{DF8EF0C6-E868-B44E-A8CC-C0F92B763F23}"/>
+              </a:ext>
+            </a:extLst>
+          </p:cNvPr>
           <p:cNvSpPr>
             <a:spLocks noGrp="1"/>
           </p:cNvSpPr>
@@ -4242,37 +4237,29 @@
           <a:bodyPr/>
           <a:lstStyle/>
           <a:p>
-            <a:endParaRPr lang="en-US"/>
-          </a:p>
-        </p:txBody>
-      </p:sp>
-      <p:sp>
-        <p:nvSpPr>
-          <p:cNvPr id="4" name="Slide Number Placeholder 3"/>
-          <p:cNvSpPr>
-            <a:spLocks noGrp="1"/>
-          </p:cNvSpPr>
-          <p:nvPr>
-            <p:ph type="sldNum" sz="quarter" idx="4294967295"/>
-          </p:nvPr>
-        </p:nvSpPr>
-        <p:spPr/>
-        <p:txBody>
-          <a:bodyPr/>
-          <a:lstStyle/>
-          <a:p>
-            <a:fld id="{4FAB73BC-B049-4115-A692-8D63A059BFB8}" type="slidenum">
-              <a:rPr lang="en-US" smtClean="0"/>
-              <a:t>11</a:t>
-            </a:fld>
-            <a:endParaRPr lang="en-US" dirty="0"/>
+            <a:r>
+              <a:rPr lang="en-US" dirty="0"/>
+              <a:t>Extract: Get the data from its current location</a:t>
+            </a:r>
+          </a:p>
+          <a:p>
+            <a:r>
+              <a:rPr lang="en-US" dirty="0"/>
+              <a:t>Transform: Modify the data to suit your analytical needs</a:t>
+            </a:r>
+          </a:p>
+          <a:p>
+            <a:r>
+              <a:rPr lang="en-US" dirty="0"/>
+              <a:t>Load: Transfer the data to the repository your analytical tool will use</a:t>
+            </a:r>
           </a:p>
         </p:txBody>
       </p:sp>
     </p:spTree>
     <p:extLst>
       <p:ext uri="{BB962C8B-B14F-4D97-AF65-F5344CB8AC3E}">
-        <p14:creationId xmlns:p14="http://schemas.microsoft.com/office/powerpoint/2010/main" val="3047944977"/>
+        <p14:creationId xmlns:p14="http://schemas.microsoft.com/office/powerpoint/2010/main" val="2657623878"/>
       </p:ext>
     </p:extLst>
   </p:cSld>
@@ -4301,7 +4288,13 @@
       </p:grpSpPr>
       <p:sp>
         <p:nvSpPr>
-          <p:cNvPr id="2" name="Title 1"/>
+          <p:cNvPr id="2" name="Title 1">
+            <a:extLst>
+              <a:ext uri="{FF2B5EF4-FFF2-40B4-BE49-F238E27FC236}">
+                <a16:creationId xmlns:a16="http://schemas.microsoft.com/office/drawing/2014/main" id="{8C5EC9C9-5B2F-BD4C-B178-ECF70FF2DC75}"/>
+              </a:ext>
+            </a:extLst>
+          </p:cNvPr>
           <p:cNvSpPr>
             <a:spLocks noGrp="1"/>
           </p:cNvSpPr>
@@ -4311,24 +4304,25 @@
         </p:nvSpPr>
         <p:spPr/>
         <p:txBody>
-          <a:bodyPr>
-            <a:normAutofit/>
-          </a:bodyPr>
-          <a:lstStyle/>
-          <a:p>
-            <a:r>
-              <a:rPr lang="en-US" dirty="0"/>
-              <a:t>Tableau Prep Builder Interface</a:t>
-            </a:r>
-          </a:p>
-          <a:p>
-            <a:endParaRPr lang="en-US" dirty="0"/>
-          </a:p>
-        </p:txBody>
-      </p:sp>
-      <p:sp>
-        <p:nvSpPr>
-          <p:cNvPr id="5" name="Text Placeholder 4"/>
+          <a:bodyPr/>
+          <a:lstStyle/>
+          <a:p>
+            <a:r>
+              <a:rPr lang="en-US" dirty="0"/>
+              <a:t>Extract</a:t>
+            </a:r>
+          </a:p>
+        </p:txBody>
+      </p:sp>
+      <p:sp>
+        <p:nvSpPr>
+          <p:cNvPr id="3" name="Text Placeholder 2">
+            <a:extLst>
+              <a:ext uri="{FF2B5EF4-FFF2-40B4-BE49-F238E27FC236}">
+                <a16:creationId xmlns:a16="http://schemas.microsoft.com/office/drawing/2014/main" id="{9584EB7B-6396-A648-A5AF-4509B0BAF6F9}"/>
+              </a:ext>
+            </a:extLst>
+          </p:cNvPr>
           <p:cNvSpPr>
             <a:spLocks noGrp="1"/>
           </p:cNvSpPr>
@@ -4342,36 +4336,13 @@
           <a:lstStyle/>
           <a:p>
             <a:endParaRPr lang="en-US"/>
-          </a:p>
-        </p:txBody>
-      </p:sp>
-      <p:sp>
-        <p:nvSpPr>
-          <p:cNvPr id="4" name="Slide Number Placeholder 3"/>
-          <p:cNvSpPr>
-            <a:spLocks noGrp="1"/>
-          </p:cNvSpPr>
-          <p:nvPr>
-            <p:ph type="sldNum" sz="quarter" idx="4294967295"/>
-          </p:nvPr>
-        </p:nvSpPr>
-        <p:spPr/>
-        <p:txBody>
-          <a:bodyPr/>
-          <a:lstStyle/>
-          <a:p>
-            <a:fld id="{4FAB73BC-B049-4115-A692-8D63A059BFB8}" type="slidenum">
-              <a:rPr lang="en-US" smtClean="0"/>
-              <a:t>12</a:t>
-            </a:fld>
-            <a:endParaRPr lang="en-US" dirty="0"/>
           </a:p>
         </p:txBody>
       </p:sp>
     </p:spTree>
     <p:extLst>
       <p:ext uri="{BB962C8B-B14F-4D97-AF65-F5344CB8AC3E}">
-        <p14:creationId xmlns:p14="http://schemas.microsoft.com/office/powerpoint/2010/main" val="368237020"/>
+        <p14:creationId xmlns:p14="http://schemas.microsoft.com/office/powerpoint/2010/main" val="1415337276"/>
       </p:ext>
     </p:extLst>
   </p:cSld>
@@ -4417,30 +4388,11 @@
           <a:p>
             <a:r>
               <a:rPr lang="en-US" dirty="0"/>
-              <a:t>Steps in Tableau Prep Builder</a:t>
+              <a:t>Introduction &amp; Tableau Prep Builder</a:t>
             </a:r>
           </a:p>
           <a:p>
             <a:endParaRPr lang="en-US" dirty="0"/>
-          </a:p>
-        </p:txBody>
-      </p:sp>
-      <p:sp>
-        <p:nvSpPr>
-          <p:cNvPr id="5" name="Text Placeholder 4"/>
-          <p:cNvSpPr>
-            <a:spLocks noGrp="1"/>
-          </p:cNvSpPr>
-          <p:nvPr>
-            <p:ph type="body" sz="quarter" idx="10"/>
-          </p:nvPr>
-        </p:nvSpPr>
-        <p:spPr/>
-        <p:txBody>
-          <a:bodyPr/>
-          <a:lstStyle/>
-          <a:p>
-            <a:endParaRPr lang="en-US"/>
           </a:p>
         </p:txBody>
       </p:sp>
@@ -4470,7 +4422,7 @@
     </p:spTree>
     <p:extLst>
       <p:ext uri="{BB962C8B-B14F-4D97-AF65-F5344CB8AC3E}">
-        <p14:creationId xmlns:p14="http://schemas.microsoft.com/office/powerpoint/2010/main" val="1798720831"/>
+        <p14:creationId xmlns:p14="http://schemas.microsoft.com/office/powerpoint/2010/main" val="765774969"/>
       </p:ext>
     </p:extLst>
   </p:cSld>
@@ -4516,11 +4468,8 @@
           <a:p>
             <a:r>
               <a:rPr lang="en-US" dirty="0"/>
-              <a:t>Features of a Workflow</a:t>
-            </a:r>
-          </a:p>
-          <a:p>
-            <a:endParaRPr lang="en-US" dirty="0"/>
+              <a:t>Tableau Prep Builder</a:t>
+            </a:r>
           </a:p>
           <a:p>
             <a:endParaRPr lang="en-US" dirty="0"/>
@@ -4572,7 +4521,7 @@
     </p:spTree>
     <p:extLst>
       <p:ext uri="{BB962C8B-B14F-4D97-AF65-F5344CB8AC3E}">
-        <p14:creationId xmlns:p14="http://schemas.microsoft.com/office/powerpoint/2010/main" val="28198983"/>
+        <p14:creationId xmlns:p14="http://schemas.microsoft.com/office/powerpoint/2010/main" val="3047944977"/>
       </p:ext>
     </p:extLst>
   </p:cSld>
@@ -4601,12 +4550,39 @@
       </p:grpSpPr>
       <p:sp>
         <p:nvSpPr>
-          <p:cNvPr id="13" name="Subtitle 12"/>
-          <p:cNvSpPr>
-            <a:spLocks noGrp="1"/>
-          </p:cNvSpPr>
-          <p:nvPr>
-            <p:ph type="subTitle" idx="1"/>
+          <p:cNvPr id="2" name="Title 1"/>
+          <p:cNvSpPr>
+            <a:spLocks noGrp="1"/>
+          </p:cNvSpPr>
+          <p:nvPr>
+            <p:ph type="title"/>
+          </p:nvPr>
+        </p:nvSpPr>
+        <p:spPr/>
+        <p:txBody>
+          <a:bodyPr>
+            <a:normAutofit/>
+          </a:bodyPr>
+          <a:lstStyle/>
+          <a:p>
+            <a:r>
+              <a:rPr lang="en-US" dirty="0"/>
+              <a:t>Tableau Prep Builder Interface</a:t>
+            </a:r>
+          </a:p>
+          <a:p>
+            <a:endParaRPr lang="en-US" dirty="0"/>
+          </a:p>
+        </p:txBody>
+      </p:sp>
+      <p:sp>
+        <p:nvSpPr>
+          <p:cNvPr id="5" name="Text Placeholder 4"/>
+          <p:cNvSpPr>
+            <a:spLocks noGrp="1"/>
+          </p:cNvSpPr>
+          <p:nvPr>
+            <p:ph type="body" sz="quarter" idx="10"/>
           </p:nvPr>
         </p:nvSpPr>
         <p:spPr/>
@@ -4620,54 +4596,31 @@
       </p:sp>
       <p:sp>
         <p:nvSpPr>
-          <p:cNvPr id="14" name="Text Placeholder 13"/>
-          <p:cNvSpPr>
-            <a:spLocks noGrp="1"/>
-          </p:cNvSpPr>
-          <p:nvPr>
-            <p:ph type="body" sz="quarter" idx="11"/>
-          </p:nvPr>
-        </p:nvSpPr>
-        <p:spPr/>
-        <p:txBody>
-          <a:bodyPr/>
-          <a:lstStyle/>
-          <a:p>
-            <a:endParaRPr lang="en-US"/>
-          </a:p>
-        </p:txBody>
-      </p:sp>
-      <p:sp>
-        <p:nvSpPr>
-          <p:cNvPr id="8" name="Title 7"/>
-          <p:cNvSpPr>
-            <a:spLocks noGrp="1"/>
-          </p:cNvSpPr>
-          <p:nvPr>
-            <p:ph type="title"/>
-          </p:nvPr>
-        </p:nvSpPr>
-        <p:spPr>
-          <a:xfrm>
-            <a:off x="762000" y="457200"/>
-            <a:ext cx="7239000" cy="1295400"/>
-          </a:xfrm>
-        </p:spPr>
-        <p:txBody>
-          <a:bodyPr/>
-          <a:lstStyle/>
-          <a:p>
-            <a:r>
-              <a:rPr lang="en-US" dirty="0"/>
-              <a:t>Lab 1: Getting started with Tableau Prep Builder</a:t>
-            </a:r>
+          <p:cNvPr id="4" name="Slide Number Placeholder 3"/>
+          <p:cNvSpPr>
+            <a:spLocks noGrp="1"/>
+          </p:cNvSpPr>
+          <p:nvPr>
+            <p:ph type="sldNum" sz="quarter" idx="4294967295"/>
+          </p:nvPr>
+        </p:nvSpPr>
+        <p:spPr/>
+        <p:txBody>
+          <a:bodyPr/>
+          <a:lstStyle/>
+          <a:p>
+            <a:fld id="{4FAB73BC-B049-4115-A692-8D63A059BFB8}" type="slidenum">
+              <a:rPr lang="en-US" smtClean="0"/>
+              <a:t>15</a:t>
+            </a:fld>
+            <a:endParaRPr lang="en-US" dirty="0"/>
           </a:p>
         </p:txBody>
       </p:sp>
     </p:spTree>
     <p:extLst>
       <p:ext uri="{BB962C8B-B14F-4D97-AF65-F5344CB8AC3E}">
-        <p14:creationId xmlns:p14="http://schemas.microsoft.com/office/powerpoint/2010/main" val="390888726"/>
+        <p14:creationId xmlns:p14="http://schemas.microsoft.com/office/powerpoint/2010/main" val="368237020"/>
       </p:ext>
     </p:extLst>
   </p:cSld>
@@ -4713,11 +4666,30 @@
           <a:p>
             <a:r>
               <a:rPr lang="en-US" dirty="0"/>
-              <a:t>Input and Output</a:t>
+              <a:t>Steps in Tableau Prep Builder</a:t>
             </a:r>
           </a:p>
           <a:p>
             <a:endParaRPr lang="en-US" dirty="0"/>
+          </a:p>
+        </p:txBody>
+      </p:sp>
+      <p:sp>
+        <p:nvSpPr>
+          <p:cNvPr id="5" name="Text Placeholder 4"/>
+          <p:cNvSpPr>
+            <a:spLocks noGrp="1"/>
+          </p:cNvSpPr>
+          <p:nvPr>
+            <p:ph type="body" sz="quarter" idx="10"/>
+          </p:nvPr>
+        </p:nvSpPr>
+        <p:spPr/>
+        <p:txBody>
+          <a:bodyPr/>
+          <a:lstStyle/>
+          <a:p>
+            <a:endParaRPr lang="en-US"/>
           </a:p>
         </p:txBody>
       </p:sp>
@@ -4747,7 +4719,7 @@
     </p:spTree>
     <p:extLst>
       <p:ext uri="{BB962C8B-B14F-4D97-AF65-F5344CB8AC3E}">
-        <p14:creationId xmlns:p14="http://schemas.microsoft.com/office/powerpoint/2010/main" val="605862206"/>
+        <p14:creationId xmlns:p14="http://schemas.microsoft.com/office/powerpoint/2010/main" val="1798720831"/>
       </p:ext>
     </p:extLst>
   </p:cSld>
@@ -4793,8 +4765,11 @@
           <a:p>
             <a:r>
               <a:rPr lang="en-US" dirty="0"/>
-              <a:t>Connect to Microsoft Excel</a:t>
-            </a:r>
+              <a:t>Features of a Workflow</a:t>
+            </a:r>
+          </a:p>
+          <a:p>
+            <a:endParaRPr lang="en-US" dirty="0"/>
           </a:p>
           <a:p>
             <a:endParaRPr lang="en-US" dirty="0"/>
@@ -4846,7 +4821,7 @@
     </p:spTree>
     <p:extLst>
       <p:ext uri="{BB962C8B-B14F-4D97-AF65-F5344CB8AC3E}">
-        <p14:creationId xmlns:p14="http://schemas.microsoft.com/office/powerpoint/2010/main" val="908011306"/>
+        <p14:creationId xmlns:p14="http://schemas.microsoft.com/office/powerpoint/2010/main" val="28198983"/>
       </p:ext>
     </p:extLst>
   </p:cSld>
@@ -4875,7 +4850,45 @@
       </p:grpSpPr>
       <p:sp>
         <p:nvSpPr>
-          <p:cNvPr id="2" name="Title 1"/>
+          <p:cNvPr id="13" name="Subtitle 12"/>
+          <p:cNvSpPr>
+            <a:spLocks noGrp="1"/>
+          </p:cNvSpPr>
+          <p:nvPr>
+            <p:ph type="subTitle" idx="1"/>
+          </p:nvPr>
+        </p:nvSpPr>
+        <p:spPr/>
+        <p:txBody>
+          <a:bodyPr/>
+          <a:lstStyle/>
+          <a:p>
+            <a:endParaRPr lang="en-US"/>
+          </a:p>
+        </p:txBody>
+      </p:sp>
+      <p:sp>
+        <p:nvSpPr>
+          <p:cNvPr id="14" name="Text Placeholder 13"/>
+          <p:cNvSpPr>
+            <a:spLocks noGrp="1"/>
+          </p:cNvSpPr>
+          <p:nvPr>
+            <p:ph type="body" sz="quarter" idx="11"/>
+          </p:nvPr>
+        </p:nvSpPr>
+        <p:spPr/>
+        <p:txBody>
+          <a:bodyPr/>
+          <a:lstStyle/>
+          <a:p>
+            <a:endParaRPr lang="en-US"/>
+          </a:p>
+        </p:txBody>
+      </p:sp>
+      <p:sp>
+        <p:nvSpPr>
+          <p:cNvPr id="8" name="Title 7"/>
           <p:cNvSpPr>
             <a:spLocks noGrp="1"/>
           </p:cNvSpPr>
@@ -4883,69 +4896,27 @@
             <p:ph type="title"/>
           </p:nvPr>
         </p:nvSpPr>
-        <p:spPr/>
-        <p:txBody>
-          <a:bodyPr>
-            <a:normAutofit/>
-          </a:bodyPr>
-          <a:lstStyle/>
-          <a:p>
-            <a:r>
-              <a:rPr lang="en-US" dirty="0"/>
-              <a:t>Data Interpreter</a:t>
-            </a:r>
-          </a:p>
-          <a:p>
-            <a:endParaRPr lang="en-US" dirty="0"/>
-          </a:p>
-        </p:txBody>
-      </p:sp>
-      <p:sp>
-        <p:nvSpPr>
-          <p:cNvPr id="5" name="Text Placeholder 4"/>
-          <p:cNvSpPr>
-            <a:spLocks noGrp="1"/>
-          </p:cNvSpPr>
-          <p:nvPr>
-            <p:ph type="body" sz="quarter" idx="10"/>
-          </p:nvPr>
-        </p:nvSpPr>
-        <p:spPr/>
-        <p:txBody>
-          <a:bodyPr/>
-          <a:lstStyle/>
-          <a:p>
-            <a:endParaRPr lang="en-US"/>
-          </a:p>
-        </p:txBody>
-      </p:sp>
-      <p:sp>
-        <p:nvSpPr>
-          <p:cNvPr id="4" name="Slide Number Placeholder 3"/>
-          <p:cNvSpPr>
-            <a:spLocks noGrp="1"/>
-          </p:cNvSpPr>
-          <p:nvPr>
-            <p:ph type="sldNum" sz="quarter" idx="4294967295"/>
-          </p:nvPr>
-        </p:nvSpPr>
-        <p:spPr/>
-        <p:txBody>
-          <a:bodyPr/>
-          <a:lstStyle/>
-          <a:p>
-            <a:fld id="{4FAB73BC-B049-4115-A692-8D63A059BFB8}" type="slidenum">
-              <a:rPr lang="en-US" smtClean="0"/>
-              <a:t>18</a:t>
-            </a:fld>
-            <a:endParaRPr lang="en-US" dirty="0"/>
+        <p:spPr>
+          <a:xfrm>
+            <a:off x="762000" y="457200"/>
+            <a:ext cx="7239000" cy="1295400"/>
+          </a:xfrm>
+        </p:spPr>
+        <p:txBody>
+          <a:bodyPr/>
+          <a:lstStyle/>
+          <a:p>
+            <a:r>
+              <a:rPr lang="en-US" dirty="0"/>
+              <a:t>Lab 1: Getting started with Tableau Prep Builder</a:t>
+            </a:r>
           </a:p>
         </p:txBody>
       </p:sp>
     </p:spTree>
     <p:extLst>
       <p:ext uri="{BB962C8B-B14F-4D97-AF65-F5344CB8AC3E}">
-        <p14:creationId xmlns:p14="http://schemas.microsoft.com/office/powerpoint/2010/main" val="1285337620"/>
+        <p14:creationId xmlns:p14="http://schemas.microsoft.com/office/powerpoint/2010/main" val="390888726"/>
       </p:ext>
     </p:extLst>
   </p:cSld>
@@ -4991,30 +4962,11 @@
           <a:p>
             <a:r>
               <a:rPr lang="en-US" dirty="0"/>
-              <a:t>Configuration Window</a:t>
+              <a:t>Input and Output</a:t>
             </a:r>
           </a:p>
           <a:p>
             <a:endParaRPr lang="en-US" dirty="0"/>
-          </a:p>
-        </p:txBody>
-      </p:sp>
-      <p:sp>
-        <p:nvSpPr>
-          <p:cNvPr id="5" name="Text Placeholder 4"/>
-          <p:cNvSpPr>
-            <a:spLocks noGrp="1"/>
-          </p:cNvSpPr>
-          <p:nvPr>
-            <p:ph type="body" sz="quarter" idx="10"/>
-          </p:nvPr>
-        </p:nvSpPr>
-        <p:spPr/>
-        <p:txBody>
-          <a:bodyPr/>
-          <a:lstStyle/>
-          <a:p>
-            <a:endParaRPr lang="en-US"/>
           </a:p>
         </p:txBody>
       </p:sp>
@@ -5044,7 +4996,7 @@
     </p:spTree>
     <p:extLst>
       <p:ext uri="{BB962C8B-B14F-4D97-AF65-F5344CB8AC3E}">
-        <p14:creationId xmlns:p14="http://schemas.microsoft.com/office/powerpoint/2010/main" val="481877264"/>
+        <p14:creationId xmlns:p14="http://schemas.microsoft.com/office/powerpoint/2010/main" val="605862206"/>
       </p:ext>
     </p:extLst>
   </p:cSld>
@@ -5142,7 +5094,7 @@
           <a:p>
             <a:r>
               <a:rPr lang="en-US" dirty="0"/>
-              <a:t>Data Sampling</a:t>
+              <a:t>Connect to Microsoft Excel</a:t>
             </a:r>
           </a:p>
           <a:p>
@@ -5195,7 +5147,7 @@
     </p:spTree>
     <p:extLst>
       <p:ext uri="{BB962C8B-B14F-4D97-AF65-F5344CB8AC3E}">
-        <p14:creationId xmlns:p14="http://schemas.microsoft.com/office/powerpoint/2010/main" val="2374453051"/>
+        <p14:creationId xmlns:p14="http://schemas.microsoft.com/office/powerpoint/2010/main" val="908011306"/>
       </p:ext>
     </p:extLst>
   </p:cSld>
@@ -5241,7 +5193,7 @@
           <a:p>
             <a:r>
               <a:rPr lang="en-US" dirty="0"/>
-              <a:t>Connect to Tableau Data Extract File</a:t>
+              <a:t>Data Interpreter</a:t>
             </a:r>
           </a:p>
           <a:p>
@@ -5294,7 +5246,7 @@
     </p:spTree>
     <p:extLst>
       <p:ext uri="{BB962C8B-B14F-4D97-AF65-F5344CB8AC3E}">
-        <p14:creationId xmlns:p14="http://schemas.microsoft.com/office/powerpoint/2010/main" val="4195757070"/>
+        <p14:creationId xmlns:p14="http://schemas.microsoft.com/office/powerpoint/2010/main" val="1285337620"/>
       </p:ext>
     </p:extLst>
   </p:cSld>
@@ -5340,7 +5292,7 @@
           <a:p>
             <a:r>
               <a:rPr lang="en-US" dirty="0"/>
-              <a:t>Connect to Text File</a:t>
+              <a:t>Configuration Window</a:t>
             </a:r>
           </a:p>
           <a:p>
@@ -5393,7 +5345,7 @@
     </p:spTree>
     <p:extLst>
       <p:ext uri="{BB962C8B-B14F-4D97-AF65-F5344CB8AC3E}">
-        <p14:creationId xmlns:p14="http://schemas.microsoft.com/office/powerpoint/2010/main" val="3357100315"/>
+        <p14:creationId xmlns:p14="http://schemas.microsoft.com/office/powerpoint/2010/main" val="481877264"/>
       </p:ext>
     </p:extLst>
   </p:cSld>
@@ -5439,7 +5391,7 @@
           <a:p>
             <a:r>
               <a:rPr lang="en-US" dirty="0"/>
-              <a:t>Other Features</a:t>
+              <a:t>Data Sampling</a:t>
             </a:r>
           </a:p>
           <a:p>
@@ -5492,7 +5444,7 @@
     </p:spTree>
     <p:extLst>
       <p:ext uri="{BB962C8B-B14F-4D97-AF65-F5344CB8AC3E}">
-        <p14:creationId xmlns:p14="http://schemas.microsoft.com/office/powerpoint/2010/main" val="1262942265"/>
+        <p14:creationId xmlns:p14="http://schemas.microsoft.com/office/powerpoint/2010/main" val="2374453051"/>
       </p:ext>
     </p:extLst>
   </p:cSld>
@@ -5521,12 +5473,39 @@
       </p:grpSpPr>
       <p:sp>
         <p:nvSpPr>
-          <p:cNvPr id="2" name="Subtitle 1"/>
-          <p:cNvSpPr>
-            <a:spLocks noGrp="1"/>
-          </p:cNvSpPr>
-          <p:nvPr>
-            <p:ph type="subTitle" idx="1"/>
+          <p:cNvPr id="2" name="Title 1"/>
+          <p:cNvSpPr>
+            <a:spLocks noGrp="1"/>
+          </p:cNvSpPr>
+          <p:nvPr>
+            <p:ph type="title"/>
+          </p:nvPr>
+        </p:nvSpPr>
+        <p:spPr/>
+        <p:txBody>
+          <a:bodyPr>
+            <a:normAutofit/>
+          </a:bodyPr>
+          <a:lstStyle/>
+          <a:p>
+            <a:r>
+              <a:rPr lang="en-US" dirty="0"/>
+              <a:t>Connect to Tableau Data Extract File</a:t>
+            </a:r>
+          </a:p>
+          <a:p>
+            <a:endParaRPr lang="en-US" dirty="0"/>
+          </a:p>
+        </p:txBody>
+      </p:sp>
+      <p:sp>
+        <p:nvSpPr>
+          <p:cNvPr id="5" name="Text Placeholder 4"/>
+          <p:cNvSpPr>
+            <a:spLocks noGrp="1"/>
+          </p:cNvSpPr>
+          <p:nvPr>
+            <p:ph type="body" sz="quarter" idx="10"/>
           </p:nvPr>
         </p:nvSpPr>
         <p:spPr/>
@@ -5540,46 +5519,31 @@
       </p:sp>
       <p:sp>
         <p:nvSpPr>
-          <p:cNvPr id="3" name="Text Placeholder 2"/>
-          <p:cNvSpPr>
-            <a:spLocks noGrp="1"/>
-          </p:cNvSpPr>
-          <p:nvPr>
-            <p:ph type="body" sz="quarter" idx="11"/>
-          </p:nvPr>
-        </p:nvSpPr>
-        <p:spPr/>
-        <p:txBody>
-          <a:bodyPr/>
-          <a:lstStyle/>
-          <a:p>
-            <a:endParaRPr lang="en-US"/>
-          </a:p>
-        </p:txBody>
-      </p:sp>
-      <p:sp>
-        <p:nvSpPr>
-          <p:cNvPr id="4" name="Title 3"/>
-          <p:cNvSpPr>
-            <a:spLocks noGrp="1"/>
-          </p:cNvSpPr>
-          <p:nvPr>
-            <p:ph type="title"/>
-          </p:nvPr>
-        </p:nvSpPr>
-        <p:spPr/>
-        <p:txBody>
-          <a:bodyPr/>
-          <a:lstStyle/>
-          <a:p>
-            <a:endParaRPr lang="en-US"/>
+          <p:cNvPr id="4" name="Slide Number Placeholder 3"/>
+          <p:cNvSpPr>
+            <a:spLocks noGrp="1"/>
+          </p:cNvSpPr>
+          <p:nvPr>
+            <p:ph type="sldNum" sz="quarter" idx="4294967295"/>
+          </p:nvPr>
+        </p:nvSpPr>
+        <p:spPr/>
+        <p:txBody>
+          <a:bodyPr/>
+          <a:lstStyle/>
+          <a:p>
+            <a:fld id="{4FAB73BC-B049-4115-A692-8D63A059BFB8}" type="slidenum">
+              <a:rPr lang="en-US" smtClean="0"/>
+              <a:t>24</a:t>
+            </a:fld>
+            <a:endParaRPr lang="en-US" dirty="0"/>
           </a:p>
         </p:txBody>
       </p:sp>
     </p:spTree>
     <p:extLst>
       <p:ext uri="{BB962C8B-B14F-4D97-AF65-F5344CB8AC3E}">
-        <p14:creationId xmlns:p14="http://schemas.microsoft.com/office/powerpoint/2010/main" val="2350608883"/>
+        <p14:creationId xmlns:p14="http://schemas.microsoft.com/office/powerpoint/2010/main" val="4195757070"/>
       </p:ext>
     </p:extLst>
   </p:cSld>
@@ -5625,11 +5589,30 @@
           <a:p>
             <a:r>
               <a:rPr lang="en-US" dirty="0"/>
-              <a:t>Data Cleaning</a:t>
+              <a:t>Connect to Text File</a:t>
             </a:r>
           </a:p>
           <a:p>
             <a:endParaRPr lang="en-US" dirty="0"/>
+          </a:p>
+        </p:txBody>
+      </p:sp>
+      <p:sp>
+        <p:nvSpPr>
+          <p:cNvPr id="5" name="Text Placeholder 4"/>
+          <p:cNvSpPr>
+            <a:spLocks noGrp="1"/>
+          </p:cNvSpPr>
+          <p:nvPr>
+            <p:ph type="body" sz="quarter" idx="10"/>
+          </p:nvPr>
+        </p:nvSpPr>
+        <p:spPr/>
+        <p:txBody>
+          <a:bodyPr/>
+          <a:lstStyle/>
+          <a:p>
+            <a:endParaRPr lang="en-US"/>
           </a:p>
         </p:txBody>
       </p:sp>
@@ -5659,7 +5642,7 @@
     </p:spTree>
     <p:extLst>
       <p:ext uri="{BB962C8B-B14F-4D97-AF65-F5344CB8AC3E}">
-        <p14:creationId xmlns:p14="http://schemas.microsoft.com/office/powerpoint/2010/main" val="3574167115"/>
+        <p14:creationId xmlns:p14="http://schemas.microsoft.com/office/powerpoint/2010/main" val="3357100315"/>
       </p:ext>
     </p:extLst>
   </p:cSld>
@@ -5705,7 +5688,7 @@
           <a:p>
             <a:r>
               <a:rPr lang="en-US" dirty="0"/>
-              <a:t>Profile Pane: An In-Depth Analysis</a:t>
+              <a:t>Other Features</a:t>
             </a:r>
           </a:p>
           <a:p>
@@ -5758,7 +5741,7 @@
     </p:spTree>
     <p:extLst>
       <p:ext uri="{BB962C8B-B14F-4D97-AF65-F5344CB8AC3E}">
-        <p14:creationId xmlns:p14="http://schemas.microsoft.com/office/powerpoint/2010/main" val="1414652983"/>
+        <p14:creationId xmlns:p14="http://schemas.microsoft.com/office/powerpoint/2010/main" val="1262942265"/>
       </p:ext>
     </p:extLst>
   </p:cSld>
@@ -5787,7 +5770,45 @@
       </p:grpSpPr>
       <p:sp>
         <p:nvSpPr>
-          <p:cNvPr id="2" name="Title 1"/>
+          <p:cNvPr id="2" name="Subtitle 1"/>
+          <p:cNvSpPr>
+            <a:spLocks noGrp="1"/>
+          </p:cNvSpPr>
+          <p:nvPr>
+            <p:ph type="subTitle" idx="1"/>
+          </p:nvPr>
+        </p:nvSpPr>
+        <p:spPr/>
+        <p:txBody>
+          <a:bodyPr/>
+          <a:lstStyle/>
+          <a:p>
+            <a:endParaRPr lang="en-US"/>
+          </a:p>
+        </p:txBody>
+      </p:sp>
+      <p:sp>
+        <p:nvSpPr>
+          <p:cNvPr id="3" name="Text Placeholder 2"/>
+          <p:cNvSpPr>
+            <a:spLocks noGrp="1"/>
+          </p:cNvSpPr>
+          <p:nvPr>
+            <p:ph type="body" sz="quarter" idx="11"/>
+          </p:nvPr>
+        </p:nvSpPr>
+        <p:spPr/>
+        <p:txBody>
+          <a:bodyPr/>
+          <a:lstStyle/>
+          <a:p>
+            <a:endParaRPr lang="en-US"/>
+          </a:p>
+        </p:txBody>
+      </p:sp>
+      <p:sp>
+        <p:nvSpPr>
+          <p:cNvPr id="4" name="Title 3"/>
           <p:cNvSpPr>
             <a:spLocks noGrp="1"/>
           </p:cNvSpPr>
@@ -5797,67 +5818,17 @@
         </p:nvSpPr>
         <p:spPr/>
         <p:txBody>
-          <a:bodyPr>
-            <a:normAutofit/>
-          </a:bodyPr>
-          <a:lstStyle/>
-          <a:p>
-            <a:r>
-              <a:rPr lang="en-US" dirty="0"/>
-              <a:t>Functions</a:t>
-            </a:r>
-          </a:p>
-          <a:p>
-            <a:endParaRPr lang="en-US" dirty="0"/>
-          </a:p>
-        </p:txBody>
-      </p:sp>
-      <p:sp>
-        <p:nvSpPr>
-          <p:cNvPr id="5" name="Text Placeholder 4"/>
-          <p:cNvSpPr>
-            <a:spLocks noGrp="1"/>
-          </p:cNvSpPr>
-          <p:nvPr>
-            <p:ph type="body" sz="quarter" idx="10"/>
-          </p:nvPr>
-        </p:nvSpPr>
-        <p:spPr/>
-        <p:txBody>
           <a:bodyPr/>
           <a:lstStyle/>
           <a:p>
             <a:endParaRPr lang="en-US"/>
-          </a:p>
-        </p:txBody>
-      </p:sp>
-      <p:sp>
-        <p:nvSpPr>
-          <p:cNvPr id="4" name="Slide Number Placeholder 3"/>
-          <p:cNvSpPr>
-            <a:spLocks noGrp="1"/>
-          </p:cNvSpPr>
-          <p:nvPr>
-            <p:ph type="sldNum" sz="quarter" idx="4294967295"/>
-          </p:nvPr>
-        </p:nvSpPr>
-        <p:spPr/>
-        <p:txBody>
-          <a:bodyPr/>
-          <a:lstStyle/>
-          <a:p>
-            <a:fld id="{4FAB73BC-B049-4115-A692-8D63A059BFB8}" type="slidenum">
-              <a:rPr lang="en-US" smtClean="0"/>
-              <a:t>27</a:t>
-            </a:fld>
-            <a:endParaRPr lang="en-US" dirty="0"/>
           </a:p>
         </p:txBody>
       </p:sp>
     </p:spTree>
     <p:extLst>
       <p:ext uri="{BB962C8B-B14F-4D97-AF65-F5344CB8AC3E}">
-        <p14:creationId xmlns:p14="http://schemas.microsoft.com/office/powerpoint/2010/main" val="1219868799"/>
+        <p14:creationId xmlns:p14="http://schemas.microsoft.com/office/powerpoint/2010/main" val="2350608883"/>
       </p:ext>
     </p:extLst>
   </p:cSld>
@@ -5903,30 +5874,11 @@
           <a:p>
             <a:r>
               <a:rPr lang="en-US" dirty="0"/>
-              <a:t>Tracking Changes</a:t>
+              <a:t>Data Cleaning</a:t>
             </a:r>
           </a:p>
           <a:p>
             <a:endParaRPr lang="en-US" dirty="0"/>
-          </a:p>
-        </p:txBody>
-      </p:sp>
-      <p:sp>
-        <p:nvSpPr>
-          <p:cNvPr id="5" name="Text Placeholder 4"/>
-          <p:cNvSpPr>
-            <a:spLocks noGrp="1"/>
-          </p:cNvSpPr>
-          <p:nvPr>
-            <p:ph type="body" sz="quarter" idx="10"/>
-          </p:nvPr>
-        </p:nvSpPr>
-        <p:spPr/>
-        <p:txBody>
-          <a:bodyPr/>
-          <a:lstStyle/>
-          <a:p>
-            <a:endParaRPr lang="en-US"/>
           </a:p>
         </p:txBody>
       </p:sp>
@@ -5956,7 +5908,7 @@
     </p:spTree>
     <p:extLst>
       <p:ext uri="{BB962C8B-B14F-4D97-AF65-F5344CB8AC3E}">
-        <p14:creationId xmlns:p14="http://schemas.microsoft.com/office/powerpoint/2010/main" val="1777712413"/>
+        <p14:creationId xmlns:p14="http://schemas.microsoft.com/office/powerpoint/2010/main" val="3574167115"/>
       </p:ext>
     </p:extLst>
   </p:cSld>
@@ -6002,7 +5954,7 @@
           <a:p>
             <a:r>
               <a:rPr lang="en-US" dirty="0"/>
-              <a:t>String Calculations</a:t>
+              <a:t>Profile Pane: An In-Depth Analysis</a:t>
             </a:r>
           </a:p>
           <a:p>
@@ -6055,7 +6007,7 @@
     </p:spTree>
     <p:extLst>
       <p:ext uri="{BB962C8B-B14F-4D97-AF65-F5344CB8AC3E}">
-        <p14:creationId xmlns:p14="http://schemas.microsoft.com/office/powerpoint/2010/main" val="4039495164"/>
+        <p14:creationId xmlns:p14="http://schemas.microsoft.com/office/powerpoint/2010/main" val="1414652983"/>
       </p:ext>
     </p:extLst>
   </p:cSld>
@@ -6194,12 +6146,39 @@
       </p:grpSpPr>
       <p:sp>
         <p:nvSpPr>
-          <p:cNvPr id="5" name="Subtitle 4"/>
-          <p:cNvSpPr>
-            <a:spLocks noGrp="1"/>
-          </p:cNvSpPr>
-          <p:nvPr>
-            <p:ph type="subTitle" idx="1"/>
+          <p:cNvPr id="2" name="Title 1"/>
+          <p:cNvSpPr>
+            <a:spLocks noGrp="1"/>
+          </p:cNvSpPr>
+          <p:nvPr>
+            <p:ph type="title"/>
+          </p:nvPr>
+        </p:nvSpPr>
+        <p:spPr/>
+        <p:txBody>
+          <a:bodyPr>
+            <a:normAutofit/>
+          </a:bodyPr>
+          <a:lstStyle/>
+          <a:p>
+            <a:r>
+              <a:rPr lang="en-US" dirty="0"/>
+              <a:t>Functions</a:t>
+            </a:r>
+          </a:p>
+          <a:p>
+            <a:endParaRPr lang="en-US" dirty="0"/>
+          </a:p>
+        </p:txBody>
+      </p:sp>
+      <p:sp>
+        <p:nvSpPr>
+          <p:cNvPr id="5" name="Text Placeholder 4"/>
+          <p:cNvSpPr>
+            <a:spLocks noGrp="1"/>
+          </p:cNvSpPr>
+          <p:nvPr>
+            <p:ph type="body" sz="quarter" idx="10"/>
           </p:nvPr>
         </p:nvSpPr>
         <p:spPr/>
@@ -6213,46 +6192,31 @@
       </p:sp>
       <p:sp>
         <p:nvSpPr>
-          <p:cNvPr id="6" name="Text Placeholder 5"/>
-          <p:cNvSpPr>
-            <a:spLocks noGrp="1"/>
-          </p:cNvSpPr>
-          <p:nvPr>
-            <p:ph type="body" sz="quarter" idx="11"/>
-          </p:nvPr>
-        </p:nvSpPr>
-        <p:spPr/>
-        <p:txBody>
-          <a:bodyPr/>
-          <a:lstStyle/>
-          <a:p>
-            <a:endParaRPr lang="en-US"/>
-          </a:p>
-        </p:txBody>
-      </p:sp>
-      <p:sp>
-        <p:nvSpPr>
-          <p:cNvPr id="4" name="Title 3"/>
-          <p:cNvSpPr>
-            <a:spLocks noGrp="1"/>
-          </p:cNvSpPr>
-          <p:nvPr>
-            <p:ph type="title"/>
-          </p:nvPr>
-        </p:nvSpPr>
-        <p:spPr/>
-        <p:txBody>
-          <a:bodyPr/>
-          <a:lstStyle/>
-          <a:p>
-            <a:endParaRPr lang="en-US"/>
+          <p:cNvPr id="4" name="Slide Number Placeholder 3"/>
+          <p:cNvSpPr>
+            <a:spLocks noGrp="1"/>
+          </p:cNvSpPr>
+          <p:nvPr>
+            <p:ph type="sldNum" sz="quarter" idx="4294967295"/>
+          </p:nvPr>
+        </p:nvSpPr>
+        <p:spPr/>
+        <p:txBody>
+          <a:bodyPr/>
+          <a:lstStyle/>
+          <a:p>
+            <a:fld id="{4FAB73BC-B049-4115-A692-8D63A059BFB8}" type="slidenum">
+              <a:rPr lang="en-US" smtClean="0"/>
+              <a:t>30</a:t>
+            </a:fld>
+            <a:endParaRPr lang="en-US" dirty="0"/>
           </a:p>
         </p:txBody>
       </p:sp>
     </p:spTree>
     <p:extLst>
       <p:ext uri="{BB962C8B-B14F-4D97-AF65-F5344CB8AC3E}">
-        <p14:creationId xmlns:p14="http://schemas.microsoft.com/office/powerpoint/2010/main" val="4078939970"/>
+        <p14:creationId xmlns:p14="http://schemas.microsoft.com/office/powerpoint/2010/main" val="1219868799"/>
       </p:ext>
     </p:extLst>
   </p:cSld>
@@ -6298,11 +6262,30 @@
           <a:p>
             <a:r>
               <a:rPr lang="en-US" dirty="0"/>
-              <a:t>Group and Replace</a:t>
+              <a:t>Tracking Changes</a:t>
             </a:r>
           </a:p>
           <a:p>
             <a:endParaRPr lang="en-US" dirty="0"/>
+          </a:p>
+        </p:txBody>
+      </p:sp>
+      <p:sp>
+        <p:nvSpPr>
+          <p:cNvPr id="5" name="Text Placeholder 4"/>
+          <p:cNvSpPr>
+            <a:spLocks noGrp="1"/>
+          </p:cNvSpPr>
+          <p:nvPr>
+            <p:ph type="body" sz="quarter" idx="10"/>
+          </p:nvPr>
+        </p:nvSpPr>
+        <p:spPr/>
+        <p:txBody>
+          <a:bodyPr/>
+          <a:lstStyle/>
+          <a:p>
+            <a:endParaRPr lang="en-US"/>
           </a:p>
         </p:txBody>
       </p:sp>
@@ -6332,7 +6315,7 @@
     </p:spTree>
     <p:extLst>
       <p:ext uri="{BB962C8B-B14F-4D97-AF65-F5344CB8AC3E}">
-        <p14:creationId xmlns:p14="http://schemas.microsoft.com/office/powerpoint/2010/main" val="3690503997"/>
+        <p14:creationId xmlns:p14="http://schemas.microsoft.com/office/powerpoint/2010/main" val="1777712413"/>
       </p:ext>
     </p:extLst>
   </p:cSld>
@@ -6371,12 +6354,14 @@
         </p:nvSpPr>
         <p:spPr/>
         <p:txBody>
-          <a:bodyPr/>
-          <a:lstStyle/>
-          <a:p>
-            <a:r>
-              <a:rPr lang="en-US"/>
-              <a:t>Automatic Group and Replace Functions</a:t>
+          <a:bodyPr>
+            <a:normAutofit/>
+          </a:bodyPr>
+          <a:lstStyle/>
+          <a:p>
+            <a:r>
+              <a:rPr lang="en-US" dirty="0"/>
+              <a:t>String Calculations</a:t>
             </a:r>
           </a:p>
           <a:p>
@@ -6386,7 +6371,7 @@
       </p:sp>
       <p:sp>
         <p:nvSpPr>
-          <p:cNvPr id="8" name="Text Placeholder 7"/>
+          <p:cNvPr id="5" name="Text Placeholder 4"/>
           <p:cNvSpPr>
             <a:spLocks noGrp="1"/>
           </p:cNvSpPr>
@@ -6420,7 +6405,6 @@
           <a:p>
             <a:fld id="{4FAB73BC-B049-4115-A692-8D63A059BFB8}" type="slidenum">
               <a:rPr lang="en-US" smtClean="0"/>
-              <a:pPr/>
               <a:t>32</a:t>
             </a:fld>
             <a:endParaRPr lang="en-US" dirty="0"/>
@@ -6430,7 +6414,7 @@
     </p:spTree>
     <p:extLst>
       <p:ext uri="{BB962C8B-B14F-4D97-AF65-F5344CB8AC3E}">
-        <p14:creationId xmlns:p14="http://schemas.microsoft.com/office/powerpoint/2010/main" val="2414697677"/>
+        <p14:creationId xmlns:p14="http://schemas.microsoft.com/office/powerpoint/2010/main" val="4039495164"/>
       </p:ext>
     </p:extLst>
   </p:cSld>
@@ -6459,7 +6443,45 @@
       </p:grpSpPr>
       <p:sp>
         <p:nvSpPr>
-          <p:cNvPr id="2" name="Title 1"/>
+          <p:cNvPr id="5" name="Subtitle 4"/>
+          <p:cNvSpPr>
+            <a:spLocks noGrp="1"/>
+          </p:cNvSpPr>
+          <p:nvPr>
+            <p:ph type="subTitle" idx="1"/>
+          </p:nvPr>
+        </p:nvSpPr>
+        <p:spPr/>
+        <p:txBody>
+          <a:bodyPr/>
+          <a:lstStyle/>
+          <a:p>
+            <a:endParaRPr lang="en-US"/>
+          </a:p>
+        </p:txBody>
+      </p:sp>
+      <p:sp>
+        <p:nvSpPr>
+          <p:cNvPr id="6" name="Text Placeholder 5"/>
+          <p:cNvSpPr>
+            <a:spLocks noGrp="1"/>
+          </p:cNvSpPr>
+          <p:nvPr>
+            <p:ph type="body" sz="quarter" idx="11"/>
+          </p:nvPr>
+        </p:nvSpPr>
+        <p:spPr/>
+        <p:txBody>
+          <a:bodyPr/>
+          <a:lstStyle/>
+          <a:p>
+            <a:endParaRPr lang="en-US"/>
+          </a:p>
+        </p:txBody>
+      </p:sp>
+      <p:sp>
+        <p:nvSpPr>
+          <p:cNvPr id="4" name="Title 3"/>
           <p:cNvSpPr>
             <a:spLocks noGrp="1"/>
           </p:cNvSpPr>
@@ -6472,63 +6494,14 @@
           <a:bodyPr/>
           <a:lstStyle/>
           <a:p>
-            <a:r>
-              <a:rPr lang="en-US"/>
-              <a:t>Manual Grouping</a:t>
-            </a:r>
-          </a:p>
-          <a:p>
-            <a:endParaRPr lang="en-US" dirty="0"/>
-          </a:p>
-        </p:txBody>
-      </p:sp>
-      <p:sp>
-        <p:nvSpPr>
-          <p:cNvPr id="8" name="Text Placeholder 7"/>
-          <p:cNvSpPr>
-            <a:spLocks noGrp="1"/>
-          </p:cNvSpPr>
-          <p:nvPr>
-            <p:ph type="body" sz="quarter" idx="10"/>
-          </p:nvPr>
-        </p:nvSpPr>
-        <p:spPr/>
-        <p:txBody>
-          <a:bodyPr/>
-          <a:lstStyle/>
-          <a:p>
             <a:endParaRPr lang="en-US"/>
-          </a:p>
-        </p:txBody>
-      </p:sp>
-      <p:sp>
-        <p:nvSpPr>
-          <p:cNvPr id="4" name="Slide Number Placeholder 3"/>
-          <p:cNvSpPr>
-            <a:spLocks noGrp="1"/>
-          </p:cNvSpPr>
-          <p:nvPr>
-            <p:ph type="sldNum" sz="quarter" idx="4294967295"/>
-          </p:nvPr>
-        </p:nvSpPr>
-        <p:spPr/>
-        <p:txBody>
-          <a:bodyPr/>
-          <a:lstStyle/>
-          <a:p>
-            <a:fld id="{4FAB73BC-B049-4115-A692-8D63A059BFB8}" type="slidenum">
-              <a:rPr lang="en-US" smtClean="0"/>
-              <a:pPr/>
-              <a:t>33</a:t>
-            </a:fld>
-            <a:endParaRPr lang="en-US" dirty="0"/>
           </a:p>
         </p:txBody>
       </p:sp>
     </p:spTree>
     <p:extLst>
       <p:ext uri="{BB962C8B-B14F-4D97-AF65-F5344CB8AC3E}">
-        <p14:creationId xmlns:p14="http://schemas.microsoft.com/office/powerpoint/2010/main" val="2177486930"/>
+        <p14:creationId xmlns:p14="http://schemas.microsoft.com/office/powerpoint/2010/main" val="4078939970"/>
       </p:ext>
     </p:extLst>
   </p:cSld>
@@ -6567,35 +6540,18 @@
         </p:nvSpPr>
         <p:spPr/>
         <p:txBody>
-          <a:bodyPr/>
-          <a:lstStyle/>
-          <a:p>
-            <a:r>
-              <a:rPr lang="en-US"/>
-              <a:t>Examples</a:t>
+          <a:bodyPr>
+            <a:normAutofit/>
+          </a:bodyPr>
+          <a:lstStyle/>
+          <a:p>
+            <a:r>
+              <a:rPr lang="en-US" dirty="0"/>
+              <a:t>Group and Replace</a:t>
             </a:r>
           </a:p>
           <a:p>
             <a:endParaRPr lang="en-US" dirty="0"/>
-          </a:p>
-        </p:txBody>
-      </p:sp>
-      <p:sp>
-        <p:nvSpPr>
-          <p:cNvPr id="8" name="Text Placeholder 7"/>
-          <p:cNvSpPr>
-            <a:spLocks noGrp="1"/>
-          </p:cNvSpPr>
-          <p:nvPr>
-            <p:ph type="body" sz="quarter" idx="10"/>
-          </p:nvPr>
-        </p:nvSpPr>
-        <p:spPr/>
-        <p:txBody>
-          <a:bodyPr/>
-          <a:lstStyle/>
-          <a:p>
-            <a:endParaRPr lang="en-US"/>
           </a:p>
         </p:txBody>
       </p:sp>
@@ -6616,7 +6572,6 @@
           <a:p>
             <a:fld id="{4FAB73BC-B049-4115-A692-8D63A059BFB8}" type="slidenum">
               <a:rPr lang="en-US" smtClean="0"/>
-              <a:pPr/>
               <a:t>34</a:t>
             </a:fld>
             <a:endParaRPr lang="en-US" dirty="0"/>
@@ -6626,7 +6581,7 @@
     </p:spTree>
     <p:extLst>
       <p:ext uri="{BB962C8B-B14F-4D97-AF65-F5344CB8AC3E}">
-        <p14:creationId xmlns:p14="http://schemas.microsoft.com/office/powerpoint/2010/main" val="3724569971"/>
+        <p14:creationId xmlns:p14="http://schemas.microsoft.com/office/powerpoint/2010/main" val="3690503997"/>
       </p:ext>
     </p:extLst>
   </p:cSld>
@@ -6655,12 +6610,37 @@
       </p:grpSpPr>
       <p:sp>
         <p:nvSpPr>
-          <p:cNvPr id="2" name="Subtitle 1"/>
-          <p:cNvSpPr>
-            <a:spLocks noGrp="1"/>
-          </p:cNvSpPr>
-          <p:nvPr>
-            <p:ph type="subTitle" idx="1"/>
+          <p:cNvPr id="2" name="Title 1"/>
+          <p:cNvSpPr>
+            <a:spLocks noGrp="1"/>
+          </p:cNvSpPr>
+          <p:nvPr>
+            <p:ph type="title"/>
+          </p:nvPr>
+        </p:nvSpPr>
+        <p:spPr/>
+        <p:txBody>
+          <a:bodyPr/>
+          <a:lstStyle/>
+          <a:p>
+            <a:r>
+              <a:rPr lang="en-US"/>
+              <a:t>Automatic Group and Replace Functions</a:t>
+            </a:r>
+          </a:p>
+          <a:p>
+            <a:endParaRPr lang="en-US" dirty="0"/>
+          </a:p>
+        </p:txBody>
+      </p:sp>
+      <p:sp>
+        <p:nvSpPr>
+          <p:cNvPr id="8" name="Text Placeholder 7"/>
+          <p:cNvSpPr>
+            <a:spLocks noGrp="1"/>
+          </p:cNvSpPr>
+          <p:nvPr>
+            <p:ph type="body" sz="quarter" idx="10"/>
           </p:nvPr>
         </p:nvSpPr>
         <p:spPr/>
@@ -6674,46 +6654,32 @@
       </p:sp>
       <p:sp>
         <p:nvSpPr>
-          <p:cNvPr id="3" name="Text Placeholder 2"/>
-          <p:cNvSpPr>
-            <a:spLocks noGrp="1"/>
-          </p:cNvSpPr>
-          <p:nvPr>
-            <p:ph type="body" sz="quarter" idx="11"/>
-          </p:nvPr>
-        </p:nvSpPr>
-        <p:spPr/>
-        <p:txBody>
-          <a:bodyPr/>
-          <a:lstStyle/>
-          <a:p>
-            <a:endParaRPr lang="en-US"/>
-          </a:p>
-        </p:txBody>
-      </p:sp>
-      <p:sp>
-        <p:nvSpPr>
-          <p:cNvPr id="4" name="Title 3"/>
-          <p:cNvSpPr>
-            <a:spLocks noGrp="1"/>
-          </p:cNvSpPr>
-          <p:nvPr>
-            <p:ph type="title"/>
-          </p:nvPr>
-        </p:nvSpPr>
-        <p:spPr/>
-        <p:txBody>
-          <a:bodyPr/>
-          <a:lstStyle/>
-          <a:p>
-            <a:endParaRPr lang="en-US"/>
+          <p:cNvPr id="4" name="Slide Number Placeholder 3"/>
+          <p:cNvSpPr>
+            <a:spLocks noGrp="1"/>
+          </p:cNvSpPr>
+          <p:nvPr>
+            <p:ph type="sldNum" sz="quarter" idx="4294967295"/>
+          </p:nvPr>
+        </p:nvSpPr>
+        <p:spPr/>
+        <p:txBody>
+          <a:bodyPr/>
+          <a:lstStyle/>
+          <a:p>
+            <a:fld id="{4FAB73BC-B049-4115-A692-8D63A059BFB8}" type="slidenum">
+              <a:rPr lang="en-US" smtClean="0"/>
+              <a:pPr/>
+              <a:t>35</a:t>
+            </a:fld>
+            <a:endParaRPr lang="en-US" dirty="0"/>
           </a:p>
         </p:txBody>
       </p:sp>
     </p:spTree>
     <p:extLst>
       <p:ext uri="{BB962C8B-B14F-4D97-AF65-F5344CB8AC3E}">
-        <p14:creationId xmlns:p14="http://schemas.microsoft.com/office/powerpoint/2010/main" val="1648934747"/>
+        <p14:creationId xmlns:p14="http://schemas.microsoft.com/office/powerpoint/2010/main" val="2414697677"/>
       </p:ext>
     </p:extLst>
   </p:cSld>
@@ -6752,18 +6718,35 @@
         </p:nvSpPr>
         <p:spPr/>
         <p:txBody>
-          <a:bodyPr>
-            <a:normAutofit/>
-          </a:bodyPr>
-          <a:lstStyle/>
-          <a:p>
-            <a:r>
-              <a:rPr lang="en-US" dirty="0"/>
-              <a:t>Aggregation and Pivot</a:t>
+          <a:bodyPr/>
+          <a:lstStyle/>
+          <a:p>
+            <a:r>
+              <a:rPr lang="en-US"/>
+              <a:t>Manual Grouping</a:t>
             </a:r>
           </a:p>
           <a:p>
             <a:endParaRPr lang="en-US" dirty="0"/>
+          </a:p>
+        </p:txBody>
+      </p:sp>
+      <p:sp>
+        <p:nvSpPr>
+          <p:cNvPr id="8" name="Text Placeholder 7"/>
+          <p:cNvSpPr>
+            <a:spLocks noGrp="1"/>
+          </p:cNvSpPr>
+          <p:nvPr>
+            <p:ph type="body" sz="quarter" idx="10"/>
+          </p:nvPr>
+        </p:nvSpPr>
+        <p:spPr/>
+        <p:txBody>
+          <a:bodyPr/>
+          <a:lstStyle/>
+          <a:p>
+            <a:endParaRPr lang="en-US"/>
           </a:p>
         </p:txBody>
       </p:sp>
@@ -6784,6 +6767,7 @@
           <a:p>
             <a:fld id="{4FAB73BC-B049-4115-A692-8D63A059BFB8}" type="slidenum">
               <a:rPr lang="en-US" smtClean="0"/>
+              <a:pPr/>
               <a:t>36</a:t>
             </a:fld>
             <a:endParaRPr lang="en-US" dirty="0"/>
@@ -6793,7 +6777,7 @@
     </p:spTree>
     <p:extLst>
       <p:ext uri="{BB962C8B-B14F-4D97-AF65-F5344CB8AC3E}">
-        <p14:creationId xmlns:p14="http://schemas.microsoft.com/office/powerpoint/2010/main" val="1958751481"/>
+        <p14:creationId xmlns:p14="http://schemas.microsoft.com/office/powerpoint/2010/main" val="2177486930"/>
       </p:ext>
     </p:extLst>
   </p:cSld>
@@ -6832,14 +6816,12 @@
         </p:nvSpPr>
         <p:spPr/>
         <p:txBody>
-          <a:bodyPr>
-            <a:normAutofit/>
-          </a:bodyPr>
-          <a:lstStyle/>
-          <a:p>
-            <a:r>
-              <a:rPr lang="en-US" dirty="0"/>
-              <a:t>Aggregations</a:t>
+          <a:bodyPr/>
+          <a:lstStyle/>
+          <a:p>
+            <a:r>
+              <a:rPr lang="en-US"/>
+              <a:t>Examples</a:t>
             </a:r>
           </a:p>
           <a:p>
@@ -6849,7 +6831,7 @@
       </p:sp>
       <p:sp>
         <p:nvSpPr>
-          <p:cNvPr id="5" name="Text Placeholder 4"/>
+          <p:cNvPr id="8" name="Text Placeholder 7"/>
           <p:cNvSpPr>
             <a:spLocks noGrp="1"/>
           </p:cNvSpPr>
@@ -6883,6 +6865,7 @@
           <a:p>
             <a:fld id="{4FAB73BC-B049-4115-A692-8D63A059BFB8}" type="slidenum">
               <a:rPr lang="en-US" smtClean="0"/>
+              <a:pPr/>
               <a:t>37</a:t>
             </a:fld>
             <a:endParaRPr lang="en-US" dirty="0"/>
@@ -6892,7 +6875,7 @@
     </p:spTree>
     <p:extLst>
       <p:ext uri="{BB962C8B-B14F-4D97-AF65-F5344CB8AC3E}">
-        <p14:creationId xmlns:p14="http://schemas.microsoft.com/office/powerpoint/2010/main" val="2391791631"/>
+        <p14:creationId xmlns:p14="http://schemas.microsoft.com/office/powerpoint/2010/main" val="3724569971"/>
       </p:ext>
     </p:extLst>
   </p:cSld>
@@ -6921,7 +6904,45 @@
       </p:grpSpPr>
       <p:sp>
         <p:nvSpPr>
-          <p:cNvPr id="2" name="Title 1"/>
+          <p:cNvPr id="2" name="Subtitle 1"/>
+          <p:cNvSpPr>
+            <a:spLocks noGrp="1"/>
+          </p:cNvSpPr>
+          <p:nvPr>
+            <p:ph type="subTitle" idx="1"/>
+          </p:nvPr>
+        </p:nvSpPr>
+        <p:spPr/>
+        <p:txBody>
+          <a:bodyPr/>
+          <a:lstStyle/>
+          <a:p>
+            <a:endParaRPr lang="en-US"/>
+          </a:p>
+        </p:txBody>
+      </p:sp>
+      <p:sp>
+        <p:nvSpPr>
+          <p:cNvPr id="3" name="Text Placeholder 2"/>
+          <p:cNvSpPr>
+            <a:spLocks noGrp="1"/>
+          </p:cNvSpPr>
+          <p:nvPr>
+            <p:ph type="body" sz="quarter" idx="11"/>
+          </p:nvPr>
+        </p:nvSpPr>
+        <p:spPr/>
+        <p:txBody>
+          <a:bodyPr/>
+          <a:lstStyle/>
+          <a:p>
+            <a:endParaRPr lang="en-US"/>
+          </a:p>
+        </p:txBody>
+      </p:sp>
+      <p:sp>
+        <p:nvSpPr>
+          <p:cNvPr id="4" name="Title 3"/>
           <p:cNvSpPr>
             <a:spLocks noGrp="1"/>
           </p:cNvSpPr>
@@ -6931,67 +6952,17 @@
         </p:nvSpPr>
         <p:spPr/>
         <p:txBody>
-          <a:bodyPr>
-            <a:normAutofit/>
-          </a:bodyPr>
-          <a:lstStyle/>
-          <a:p>
-            <a:r>
-              <a:rPr lang="en-US" dirty="0"/>
-              <a:t>Aggregation Functions</a:t>
-            </a:r>
-          </a:p>
-          <a:p>
-            <a:endParaRPr lang="en-US" dirty="0"/>
-          </a:p>
-        </p:txBody>
-      </p:sp>
-      <p:sp>
-        <p:nvSpPr>
-          <p:cNvPr id="5" name="Text Placeholder 4"/>
-          <p:cNvSpPr>
-            <a:spLocks noGrp="1"/>
-          </p:cNvSpPr>
-          <p:nvPr>
-            <p:ph type="body" sz="quarter" idx="10"/>
-          </p:nvPr>
-        </p:nvSpPr>
-        <p:spPr/>
-        <p:txBody>
           <a:bodyPr/>
           <a:lstStyle/>
           <a:p>
             <a:endParaRPr lang="en-US"/>
-          </a:p>
-        </p:txBody>
-      </p:sp>
-      <p:sp>
-        <p:nvSpPr>
-          <p:cNvPr id="4" name="Slide Number Placeholder 3"/>
-          <p:cNvSpPr>
-            <a:spLocks noGrp="1"/>
-          </p:cNvSpPr>
-          <p:nvPr>
-            <p:ph type="sldNum" sz="quarter" idx="4294967295"/>
-          </p:nvPr>
-        </p:nvSpPr>
-        <p:spPr/>
-        <p:txBody>
-          <a:bodyPr/>
-          <a:lstStyle/>
-          <a:p>
-            <a:fld id="{4FAB73BC-B049-4115-A692-8D63A059BFB8}" type="slidenum">
-              <a:rPr lang="en-US" smtClean="0"/>
-              <a:t>38</a:t>
-            </a:fld>
-            <a:endParaRPr lang="en-US" dirty="0"/>
           </a:p>
         </p:txBody>
       </p:sp>
     </p:spTree>
     <p:extLst>
       <p:ext uri="{BB962C8B-B14F-4D97-AF65-F5344CB8AC3E}">
-        <p14:creationId xmlns:p14="http://schemas.microsoft.com/office/powerpoint/2010/main" val="23337854"/>
+        <p14:creationId xmlns:p14="http://schemas.microsoft.com/office/powerpoint/2010/main" val="1648934747"/>
       </p:ext>
     </p:extLst>
   </p:cSld>
@@ -7037,30 +7008,11 @@
           <a:p>
             <a:r>
               <a:rPr lang="en-US" dirty="0"/>
-              <a:t>Group By</a:t>
+              <a:t>Aggregation and Pivot</a:t>
             </a:r>
           </a:p>
           <a:p>
             <a:endParaRPr lang="en-US" dirty="0"/>
-          </a:p>
-        </p:txBody>
-      </p:sp>
-      <p:sp>
-        <p:nvSpPr>
-          <p:cNvPr id="5" name="Text Placeholder 4"/>
-          <p:cNvSpPr>
-            <a:spLocks noGrp="1"/>
-          </p:cNvSpPr>
-          <p:nvPr>
-            <p:ph type="body" sz="quarter" idx="10"/>
-          </p:nvPr>
-        </p:nvSpPr>
-        <p:spPr/>
-        <p:txBody>
-          <a:bodyPr/>
-          <a:lstStyle/>
-          <a:p>
-            <a:endParaRPr lang="en-US"/>
           </a:p>
         </p:txBody>
       </p:sp>
@@ -7090,7 +7042,7 @@
     </p:spTree>
     <p:extLst>
       <p:ext uri="{BB962C8B-B14F-4D97-AF65-F5344CB8AC3E}">
-        <p14:creationId xmlns:p14="http://schemas.microsoft.com/office/powerpoint/2010/main" val="1951688755"/>
+        <p14:creationId xmlns:p14="http://schemas.microsoft.com/office/powerpoint/2010/main" val="1958751481"/>
       </p:ext>
     </p:extLst>
   </p:cSld>
@@ -7682,7 +7634,7 @@
           <a:p>
             <a:r>
               <a:rPr lang="en-US" dirty="0"/>
-              <a:t>Examples</a:t>
+              <a:t>Aggregations</a:t>
             </a:r>
           </a:p>
           <a:p>
@@ -7735,7 +7687,7 @@
     </p:spTree>
     <p:extLst>
       <p:ext uri="{BB962C8B-B14F-4D97-AF65-F5344CB8AC3E}">
-        <p14:creationId xmlns:p14="http://schemas.microsoft.com/office/powerpoint/2010/main" val="2788349869"/>
+        <p14:creationId xmlns:p14="http://schemas.microsoft.com/office/powerpoint/2010/main" val="2391791631"/>
       </p:ext>
     </p:extLst>
   </p:cSld>
@@ -7781,7 +7733,7 @@
           <a:p>
             <a:r>
               <a:rPr lang="en-US" dirty="0"/>
-              <a:t>Pivot</a:t>
+              <a:t>Aggregation Functions</a:t>
             </a:r>
           </a:p>
           <a:p>
@@ -7834,7 +7786,7 @@
     </p:spTree>
     <p:extLst>
       <p:ext uri="{BB962C8B-B14F-4D97-AF65-F5344CB8AC3E}">
-        <p14:creationId xmlns:p14="http://schemas.microsoft.com/office/powerpoint/2010/main" val="3940517650"/>
+        <p14:creationId xmlns:p14="http://schemas.microsoft.com/office/powerpoint/2010/main" val="23337854"/>
       </p:ext>
     </p:extLst>
   </p:cSld>
@@ -7863,12 +7815,39 @@
       </p:grpSpPr>
       <p:sp>
         <p:nvSpPr>
-          <p:cNvPr id="2" name="Subtitle 1"/>
-          <p:cNvSpPr>
-            <a:spLocks noGrp="1"/>
-          </p:cNvSpPr>
-          <p:nvPr>
-            <p:ph type="subTitle" idx="1"/>
+          <p:cNvPr id="2" name="Title 1"/>
+          <p:cNvSpPr>
+            <a:spLocks noGrp="1"/>
+          </p:cNvSpPr>
+          <p:nvPr>
+            <p:ph type="title"/>
+          </p:nvPr>
+        </p:nvSpPr>
+        <p:spPr/>
+        <p:txBody>
+          <a:bodyPr>
+            <a:normAutofit/>
+          </a:bodyPr>
+          <a:lstStyle/>
+          <a:p>
+            <a:r>
+              <a:rPr lang="en-US" dirty="0"/>
+              <a:t>Group By</a:t>
+            </a:r>
+          </a:p>
+          <a:p>
+            <a:endParaRPr lang="en-US" dirty="0"/>
+          </a:p>
+        </p:txBody>
+      </p:sp>
+      <p:sp>
+        <p:nvSpPr>
+          <p:cNvPr id="5" name="Text Placeholder 4"/>
+          <p:cNvSpPr>
+            <a:spLocks noGrp="1"/>
+          </p:cNvSpPr>
+          <p:nvPr>
+            <p:ph type="body" sz="quarter" idx="10"/>
           </p:nvPr>
         </p:nvSpPr>
         <p:spPr/>
@@ -7882,46 +7861,31 @@
       </p:sp>
       <p:sp>
         <p:nvSpPr>
-          <p:cNvPr id="3" name="Text Placeholder 2"/>
-          <p:cNvSpPr>
-            <a:spLocks noGrp="1"/>
-          </p:cNvSpPr>
-          <p:nvPr>
-            <p:ph type="body" sz="quarter" idx="11"/>
-          </p:nvPr>
-        </p:nvSpPr>
-        <p:spPr/>
-        <p:txBody>
-          <a:bodyPr/>
-          <a:lstStyle/>
-          <a:p>
-            <a:endParaRPr lang="en-US"/>
-          </a:p>
-        </p:txBody>
-      </p:sp>
-      <p:sp>
-        <p:nvSpPr>
-          <p:cNvPr id="4" name="Title 3"/>
-          <p:cNvSpPr>
-            <a:spLocks noGrp="1"/>
-          </p:cNvSpPr>
-          <p:nvPr>
-            <p:ph type="title"/>
-          </p:nvPr>
-        </p:nvSpPr>
-        <p:spPr/>
-        <p:txBody>
-          <a:bodyPr/>
-          <a:lstStyle/>
-          <a:p>
-            <a:endParaRPr lang="en-US"/>
+          <p:cNvPr id="4" name="Slide Number Placeholder 3"/>
+          <p:cNvSpPr>
+            <a:spLocks noGrp="1"/>
+          </p:cNvSpPr>
+          <p:nvPr>
+            <p:ph type="sldNum" sz="quarter" idx="4294967295"/>
+          </p:nvPr>
+        </p:nvSpPr>
+        <p:spPr/>
+        <p:txBody>
+          <a:bodyPr/>
+          <a:lstStyle/>
+          <a:p>
+            <a:fld id="{4FAB73BC-B049-4115-A692-8D63A059BFB8}" type="slidenum">
+              <a:rPr lang="en-US" smtClean="0"/>
+              <a:t>42</a:t>
+            </a:fld>
+            <a:endParaRPr lang="en-US" dirty="0"/>
           </a:p>
         </p:txBody>
       </p:sp>
     </p:spTree>
     <p:extLst>
       <p:ext uri="{BB962C8B-B14F-4D97-AF65-F5344CB8AC3E}">
-        <p14:creationId xmlns:p14="http://schemas.microsoft.com/office/powerpoint/2010/main" val="2143564651"/>
+        <p14:creationId xmlns:p14="http://schemas.microsoft.com/office/powerpoint/2010/main" val="1951688755"/>
       </p:ext>
     </p:extLst>
   </p:cSld>
@@ -7967,11 +7931,30 @@
           <a:p>
             <a:r>
               <a:rPr lang="en-US" dirty="0"/>
-              <a:t>Joins and Unions</a:t>
+              <a:t>Examples</a:t>
             </a:r>
           </a:p>
           <a:p>
             <a:endParaRPr lang="en-US" dirty="0"/>
+          </a:p>
+        </p:txBody>
+      </p:sp>
+      <p:sp>
+        <p:nvSpPr>
+          <p:cNvPr id="5" name="Text Placeholder 4"/>
+          <p:cNvSpPr>
+            <a:spLocks noGrp="1"/>
+          </p:cNvSpPr>
+          <p:nvPr>
+            <p:ph type="body" sz="quarter" idx="10"/>
+          </p:nvPr>
+        </p:nvSpPr>
+        <p:spPr/>
+        <p:txBody>
+          <a:bodyPr/>
+          <a:lstStyle/>
+          <a:p>
+            <a:endParaRPr lang="en-US"/>
           </a:p>
         </p:txBody>
       </p:sp>
@@ -8001,7 +7984,7 @@
     </p:spTree>
     <p:extLst>
       <p:ext uri="{BB962C8B-B14F-4D97-AF65-F5344CB8AC3E}">
-        <p14:creationId xmlns:p14="http://schemas.microsoft.com/office/powerpoint/2010/main" val="1240370214"/>
+        <p14:creationId xmlns:p14="http://schemas.microsoft.com/office/powerpoint/2010/main" val="2788349869"/>
       </p:ext>
     </p:extLst>
   </p:cSld>
@@ -8047,7 +8030,7 @@
           <a:p>
             <a:r>
               <a:rPr lang="en-US" dirty="0"/>
-              <a:t>Join</a:t>
+              <a:t>Pivot</a:t>
             </a:r>
           </a:p>
           <a:p>
@@ -8100,7 +8083,7 @@
     </p:spTree>
     <p:extLst>
       <p:ext uri="{BB962C8B-B14F-4D97-AF65-F5344CB8AC3E}">
-        <p14:creationId xmlns:p14="http://schemas.microsoft.com/office/powerpoint/2010/main" val="2599561476"/>
+        <p14:creationId xmlns:p14="http://schemas.microsoft.com/office/powerpoint/2010/main" val="3940517650"/>
       </p:ext>
     </p:extLst>
   </p:cSld>
@@ -8129,7 +8112,45 @@
       </p:grpSpPr>
       <p:sp>
         <p:nvSpPr>
-          <p:cNvPr id="2" name="Title 1"/>
+          <p:cNvPr id="2" name="Subtitle 1"/>
+          <p:cNvSpPr>
+            <a:spLocks noGrp="1"/>
+          </p:cNvSpPr>
+          <p:nvPr>
+            <p:ph type="subTitle" idx="1"/>
+          </p:nvPr>
+        </p:nvSpPr>
+        <p:spPr/>
+        <p:txBody>
+          <a:bodyPr/>
+          <a:lstStyle/>
+          <a:p>
+            <a:endParaRPr lang="en-US"/>
+          </a:p>
+        </p:txBody>
+      </p:sp>
+      <p:sp>
+        <p:nvSpPr>
+          <p:cNvPr id="3" name="Text Placeholder 2"/>
+          <p:cNvSpPr>
+            <a:spLocks noGrp="1"/>
+          </p:cNvSpPr>
+          <p:nvPr>
+            <p:ph type="body" sz="quarter" idx="11"/>
+          </p:nvPr>
+        </p:nvSpPr>
+        <p:spPr/>
+        <p:txBody>
+          <a:bodyPr/>
+          <a:lstStyle/>
+          <a:p>
+            <a:endParaRPr lang="en-US"/>
+          </a:p>
+        </p:txBody>
+      </p:sp>
+      <p:sp>
+        <p:nvSpPr>
+          <p:cNvPr id="4" name="Title 3"/>
           <p:cNvSpPr>
             <a:spLocks noGrp="1"/>
           </p:cNvSpPr>
@@ -8139,67 +8160,17 @@
         </p:nvSpPr>
         <p:spPr/>
         <p:txBody>
-          <a:bodyPr>
-            <a:normAutofit/>
-          </a:bodyPr>
-          <a:lstStyle/>
-          <a:p>
-            <a:r>
-              <a:rPr lang="en-US" dirty="0"/>
-              <a:t>Types of Joins</a:t>
-            </a:r>
-          </a:p>
-          <a:p>
-            <a:endParaRPr lang="en-US" dirty="0"/>
-          </a:p>
-        </p:txBody>
-      </p:sp>
-      <p:sp>
-        <p:nvSpPr>
-          <p:cNvPr id="5" name="Text Placeholder 4"/>
-          <p:cNvSpPr>
-            <a:spLocks noGrp="1"/>
-          </p:cNvSpPr>
-          <p:nvPr>
-            <p:ph type="body" sz="quarter" idx="10"/>
-          </p:nvPr>
-        </p:nvSpPr>
-        <p:spPr/>
-        <p:txBody>
           <a:bodyPr/>
           <a:lstStyle/>
           <a:p>
             <a:endParaRPr lang="en-US"/>
-          </a:p>
-        </p:txBody>
-      </p:sp>
-      <p:sp>
-        <p:nvSpPr>
-          <p:cNvPr id="4" name="Slide Number Placeholder 3"/>
-          <p:cNvSpPr>
-            <a:spLocks noGrp="1"/>
-          </p:cNvSpPr>
-          <p:nvPr>
-            <p:ph type="sldNum" sz="quarter" idx="4294967295"/>
-          </p:nvPr>
-        </p:nvSpPr>
-        <p:spPr/>
-        <p:txBody>
-          <a:bodyPr/>
-          <a:lstStyle/>
-          <a:p>
-            <a:fld id="{4FAB73BC-B049-4115-A692-8D63A059BFB8}" type="slidenum">
-              <a:rPr lang="en-US" smtClean="0"/>
-              <a:t>45</a:t>
-            </a:fld>
-            <a:endParaRPr lang="en-US" dirty="0"/>
           </a:p>
         </p:txBody>
       </p:sp>
     </p:spTree>
     <p:extLst>
       <p:ext uri="{BB962C8B-B14F-4D97-AF65-F5344CB8AC3E}">
-        <p14:creationId xmlns:p14="http://schemas.microsoft.com/office/powerpoint/2010/main" val="3596709695"/>
+        <p14:creationId xmlns:p14="http://schemas.microsoft.com/office/powerpoint/2010/main" val="2143564651"/>
       </p:ext>
     </p:extLst>
   </p:cSld>
@@ -8245,30 +8216,11 @@
           <a:p>
             <a:r>
               <a:rPr lang="en-US" dirty="0"/>
-              <a:t>Example</a:t>
+              <a:t>Joins and Unions</a:t>
             </a:r>
           </a:p>
           <a:p>
             <a:endParaRPr lang="en-US" dirty="0"/>
-          </a:p>
-        </p:txBody>
-      </p:sp>
-      <p:sp>
-        <p:nvSpPr>
-          <p:cNvPr id="5" name="Text Placeholder 4"/>
-          <p:cNvSpPr>
-            <a:spLocks noGrp="1"/>
-          </p:cNvSpPr>
-          <p:nvPr>
-            <p:ph type="body" sz="quarter" idx="10"/>
-          </p:nvPr>
-        </p:nvSpPr>
-        <p:spPr/>
-        <p:txBody>
-          <a:bodyPr/>
-          <a:lstStyle/>
-          <a:p>
-            <a:endParaRPr lang="en-US"/>
           </a:p>
         </p:txBody>
       </p:sp>
@@ -8298,7 +8250,7 @@
     </p:spTree>
     <p:extLst>
       <p:ext uri="{BB962C8B-B14F-4D97-AF65-F5344CB8AC3E}">
-        <p14:creationId xmlns:p14="http://schemas.microsoft.com/office/powerpoint/2010/main" val="3653774116"/>
+        <p14:creationId xmlns:p14="http://schemas.microsoft.com/office/powerpoint/2010/main" val="1240370214"/>
       </p:ext>
     </p:extLst>
   </p:cSld>
@@ -8344,7 +8296,7 @@
           <a:p>
             <a:r>
               <a:rPr lang="en-US" dirty="0"/>
-              <a:t>Union</a:t>
+              <a:t>Join</a:t>
             </a:r>
           </a:p>
           <a:p>
@@ -8397,7 +8349,7 @@
     </p:spTree>
     <p:extLst>
       <p:ext uri="{BB962C8B-B14F-4D97-AF65-F5344CB8AC3E}">
-        <p14:creationId xmlns:p14="http://schemas.microsoft.com/office/powerpoint/2010/main" val="1635834936"/>
+        <p14:creationId xmlns:p14="http://schemas.microsoft.com/office/powerpoint/2010/main" val="2599561476"/>
       </p:ext>
     </p:extLst>
   </p:cSld>
@@ -8443,7 +8395,7 @@
           <a:p>
             <a:r>
               <a:rPr lang="en-US" dirty="0"/>
-              <a:t>Example</a:t>
+              <a:t>Types of Joins</a:t>
             </a:r>
           </a:p>
           <a:p>
@@ -8496,7 +8448,7 @@
     </p:spTree>
     <p:extLst>
       <p:ext uri="{BB962C8B-B14F-4D97-AF65-F5344CB8AC3E}">
-        <p14:creationId xmlns:p14="http://schemas.microsoft.com/office/powerpoint/2010/main" val="609212388"/>
+        <p14:creationId xmlns:p14="http://schemas.microsoft.com/office/powerpoint/2010/main" val="3596709695"/>
       </p:ext>
     </p:extLst>
   </p:cSld>
@@ -8525,12 +8477,39 @@
       </p:grpSpPr>
       <p:sp>
         <p:nvSpPr>
-          <p:cNvPr id="2" name="Subtitle 1"/>
-          <p:cNvSpPr>
-            <a:spLocks noGrp="1"/>
-          </p:cNvSpPr>
-          <p:nvPr>
-            <p:ph type="subTitle" idx="1"/>
+          <p:cNvPr id="2" name="Title 1"/>
+          <p:cNvSpPr>
+            <a:spLocks noGrp="1"/>
+          </p:cNvSpPr>
+          <p:nvPr>
+            <p:ph type="title"/>
+          </p:nvPr>
+        </p:nvSpPr>
+        <p:spPr/>
+        <p:txBody>
+          <a:bodyPr>
+            <a:normAutofit/>
+          </a:bodyPr>
+          <a:lstStyle/>
+          <a:p>
+            <a:r>
+              <a:rPr lang="en-US" dirty="0"/>
+              <a:t>Example</a:t>
+            </a:r>
+          </a:p>
+          <a:p>
+            <a:endParaRPr lang="en-US" dirty="0"/>
+          </a:p>
+        </p:txBody>
+      </p:sp>
+      <p:sp>
+        <p:nvSpPr>
+          <p:cNvPr id="5" name="Text Placeholder 4"/>
+          <p:cNvSpPr>
+            <a:spLocks noGrp="1"/>
+          </p:cNvSpPr>
+          <p:nvPr>
+            <p:ph type="body" sz="quarter" idx="10"/>
           </p:nvPr>
         </p:nvSpPr>
         <p:spPr/>
@@ -8544,46 +8523,31 @@
       </p:sp>
       <p:sp>
         <p:nvSpPr>
-          <p:cNvPr id="3" name="Text Placeholder 2"/>
-          <p:cNvSpPr>
-            <a:spLocks noGrp="1"/>
-          </p:cNvSpPr>
-          <p:nvPr>
-            <p:ph type="body" sz="quarter" idx="11"/>
-          </p:nvPr>
-        </p:nvSpPr>
-        <p:spPr/>
-        <p:txBody>
-          <a:bodyPr/>
-          <a:lstStyle/>
-          <a:p>
-            <a:endParaRPr lang="en-US"/>
-          </a:p>
-        </p:txBody>
-      </p:sp>
-      <p:sp>
-        <p:nvSpPr>
-          <p:cNvPr id="4" name="Title 3"/>
-          <p:cNvSpPr>
-            <a:spLocks noGrp="1"/>
-          </p:cNvSpPr>
-          <p:nvPr>
-            <p:ph type="title"/>
-          </p:nvPr>
-        </p:nvSpPr>
-        <p:spPr/>
-        <p:txBody>
-          <a:bodyPr/>
-          <a:lstStyle/>
-          <a:p>
-            <a:endParaRPr lang="en-US"/>
+          <p:cNvPr id="4" name="Slide Number Placeholder 3"/>
+          <p:cNvSpPr>
+            <a:spLocks noGrp="1"/>
+          </p:cNvSpPr>
+          <p:nvPr>
+            <p:ph type="sldNum" sz="quarter" idx="4294967295"/>
+          </p:nvPr>
+        </p:nvSpPr>
+        <p:spPr/>
+        <p:txBody>
+          <a:bodyPr/>
+          <a:lstStyle/>
+          <a:p>
+            <a:fld id="{4FAB73BC-B049-4115-A692-8D63A059BFB8}" type="slidenum">
+              <a:rPr lang="en-US" smtClean="0"/>
+              <a:t>49</a:t>
+            </a:fld>
+            <a:endParaRPr lang="en-US" dirty="0"/>
           </a:p>
         </p:txBody>
       </p:sp>
     </p:spTree>
     <p:extLst>
       <p:ext uri="{BB962C8B-B14F-4D97-AF65-F5344CB8AC3E}">
-        <p14:creationId xmlns:p14="http://schemas.microsoft.com/office/powerpoint/2010/main" val="2176800069"/>
+        <p14:creationId xmlns:p14="http://schemas.microsoft.com/office/powerpoint/2010/main" val="3653774116"/>
       </p:ext>
     </p:extLst>
   </p:cSld>
@@ -8806,11 +8770,30 @@
           <a:p>
             <a:r>
               <a:rPr lang="en-US" dirty="0"/>
-              <a:t>Tableau Prep Builder Conductor</a:t>
+              <a:t>Union</a:t>
             </a:r>
           </a:p>
           <a:p>
             <a:endParaRPr lang="en-US" dirty="0"/>
+          </a:p>
+        </p:txBody>
+      </p:sp>
+      <p:sp>
+        <p:nvSpPr>
+          <p:cNvPr id="5" name="Text Placeholder 4"/>
+          <p:cNvSpPr>
+            <a:spLocks noGrp="1"/>
+          </p:cNvSpPr>
+          <p:nvPr>
+            <p:ph type="body" sz="quarter" idx="10"/>
+          </p:nvPr>
+        </p:nvSpPr>
+        <p:spPr/>
+        <p:txBody>
+          <a:bodyPr/>
+          <a:lstStyle/>
+          <a:p>
+            <a:endParaRPr lang="en-US"/>
           </a:p>
         </p:txBody>
       </p:sp>
@@ -8840,7 +8823,7 @@
     </p:spTree>
     <p:extLst>
       <p:ext uri="{BB962C8B-B14F-4D97-AF65-F5344CB8AC3E}">
-        <p14:creationId xmlns:p14="http://schemas.microsoft.com/office/powerpoint/2010/main" val="710894456"/>
+        <p14:creationId xmlns:p14="http://schemas.microsoft.com/office/powerpoint/2010/main" val="1635834936"/>
       </p:ext>
     </p:extLst>
   </p:cSld>
@@ -8886,7 +8869,7 @@
           <a:p>
             <a:r>
               <a:rPr lang="en-US" dirty="0"/>
-              <a:t>Tableau Prep Builder Conductor</a:t>
+              <a:t>Example</a:t>
             </a:r>
           </a:p>
           <a:p>
@@ -8939,7 +8922,7 @@
     </p:spTree>
     <p:extLst>
       <p:ext uri="{BB962C8B-B14F-4D97-AF65-F5344CB8AC3E}">
-        <p14:creationId xmlns:p14="http://schemas.microsoft.com/office/powerpoint/2010/main" val="3097242473"/>
+        <p14:creationId xmlns:p14="http://schemas.microsoft.com/office/powerpoint/2010/main" val="609212388"/>
       </p:ext>
     </p:extLst>
   </p:cSld>
@@ -8968,7 +8951,45 @@
       </p:grpSpPr>
       <p:sp>
         <p:nvSpPr>
-          <p:cNvPr id="2" name="Title 1"/>
+          <p:cNvPr id="2" name="Subtitle 1"/>
+          <p:cNvSpPr>
+            <a:spLocks noGrp="1"/>
+          </p:cNvSpPr>
+          <p:nvPr>
+            <p:ph type="subTitle" idx="1"/>
+          </p:nvPr>
+        </p:nvSpPr>
+        <p:spPr/>
+        <p:txBody>
+          <a:bodyPr/>
+          <a:lstStyle/>
+          <a:p>
+            <a:endParaRPr lang="en-US"/>
+          </a:p>
+        </p:txBody>
+      </p:sp>
+      <p:sp>
+        <p:nvSpPr>
+          <p:cNvPr id="3" name="Text Placeholder 2"/>
+          <p:cNvSpPr>
+            <a:spLocks noGrp="1"/>
+          </p:cNvSpPr>
+          <p:nvPr>
+            <p:ph type="body" sz="quarter" idx="11"/>
+          </p:nvPr>
+        </p:nvSpPr>
+        <p:spPr/>
+        <p:txBody>
+          <a:bodyPr/>
+          <a:lstStyle/>
+          <a:p>
+            <a:endParaRPr lang="en-US"/>
+          </a:p>
+        </p:txBody>
+      </p:sp>
+      <p:sp>
+        <p:nvSpPr>
+          <p:cNvPr id="4" name="Title 3"/>
           <p:cNvSpPr>
             <a:spLocks noGrp="1"/>
           </p:cNvSpPr>
@@ -8978,67 +8999,17 @@
         </p:nvSpPr>
         <p:spPr/>
         <p:txBody>
-          <a:bodyPr>
-            <a:normAutofit/>
-          </a:bodyPr>
-          <a:lstStyle/>
-          <a:p>
-            <a:r>
-              <a:rPr lang="en-US" dirty="0"/>
-              <a:t>Prerequisites</a:t>
-            </a:r>
-          </a:p>
-          <a:p>
-            <a:endParaRPr lang="en-US" dirty="0"/>
-          </a:p>
-        </p:txBody>
-      </p:sp>
-      <p:sp>
-        <p:nvSpPr>
-          <p:cNvPr id="5" name="Text Placeholder 4"/>
-          <p:cNvSpPr>
-            <a:spLocks noGrp="1"/>
-          </p:cNvSpPr>
-          <p:nvPr>
-            <p:ph type="body" sz="quarter" idx="10"/>
-          </p:nvPr>
-        </p:nvSpPr>
-        <p:spPr/>
-        <p:txBody>
           <a:bodyPr/>
           <a:lstStyle/>
           <a:p>
             <a:endParaRPr lang="en-US"/>
-          </a:p>
-        </p:txBody>
-      </p:sp>
-      <p:sp>
-        <p:nvSpPr>
-          <p:cNvPr id="4" name="Slide Number Placeholder 3"/>
-          <p:cNvSpPr>
-            <a:spLocks noGrp="1"/>
-          </p:cNvSpPr>
-          <p:nvPr>
-            <p:ph type="sldNum" sz="quarter" idx="4294967295"/>
-          </p:nvPr>
-        </p:nvSpPr>
-        <p:spPr/>
-        <p:txBody>
-          <a:bodyPr/>
-          <a:lstStyle/>
-          <a:p>
-            <a:fld id="{4FAB73BC-B049-4115-A692-8D63A059BFB8}" type="slidenum">
-              <a:rPr lang="en-US" smtClean="0"/>
-              <a:t>52</a:t>
-            </a:fld>
-            <a:endParaRPr lang="en-US" dirty="0"/>
           </a:p>
         </p:txBody>
       </p:sp>
     </p:spTree>
     <p:extLst>
       <p:ext uri="{BB962C8B-B14F-4D97-AF65-F5344CB8AC3E}">
-        <p14:creationId xmlns:p14="http://schemas.microsoft.com/office/powerpoint/2010/main" val="2790491849"/>
+        <p14:creationId xmlns:p14="http://schemas.microsoft.com/office/powerpoint/2010/main" val="2176800069"/>
       </p:ext>
     </p:extLst>
   </p:cSld>
@@ -9084,30 +9055,11 @@
           <a:p>
             <a:r>
               <a:rPr lang="en-US" dirty="0"/>
-              <a:t>Publishing Workflows to Server (Discussed)</a:t>
+              <a:t>Tableau Prep Builder Conductor</a:t>
             </a:r>
           </a:p>
           <a:p>
             <a:endParaRPr lang="en-US" dirty="0"/>
-          </a:p>
-        </p:txBody>
-      </p:sp>
-      <p:sp>
-        <p:nvSpPr>
-          <p:cNvPr id="5" name="Text Placeholder 4"/>
-          <p:cNvSpPr>
-            <a:spLocks noGrp="1"/>
-          </p:cNvSpPr>
-          <p:nvPr>
-            <p:ph type="body" sz="quarter" idx="10"/>
-          </p:nvPr>
-        </p:nvSpPr>
-        <p:spPr/>
-        <p:txBody>
-          <a:bodyPr/>
-          <a:lstStyle/>
-          <a:p>
-            <a:endParaRPr lang="en-US"/>
           </a:p>
         </p:txBody>
       </p:sp>
@@ -9137,7 +9089,7 @@
     </p:spTree>
     <p:extLst>
       <p:ext uri="{BB962C8B-B14F-4D97-AF65-F5344CB8AC3E}">
-        <p14:creationId xmlns:p14="http://schemas.microsoft.com/office/powerpoint/2010/main" val="2246816309"/>
+        <p14:creationId xmlns:p14="http://schemas.microsoft.com/office/powerpoint/2010/main" val="710894456"/>
       </p:ext>
     </p:extLst>
   </p:cSld>
@@ -9176,12 +9128,14 @@
         </p:nvSpPr>
         <p:spPr/>
         <p:txBody>
-          <a:bodyPr/>
-          <a:lstStyle/>
-          <a:p>
-            <a:r>
-              <a:rPr lang="en-US" dirty="0"/>
-              <a:t>Scheduling Workflows to Server (Discussed)</a:t>
+          <a:bodyPr>
+            <a:normAutofit/>
+          </a:bodyPr>
+          <a:lstStyle/>
+          <a:p>
+            <a:r>
+              <a:rPr lang="en-US" dirty="0"/>
+              <a:t>Tableau Prep Builder Conductor</a:t>
             </a:r>
           </a:p>
           <a:p>
@@ -9234,7 +9188,7 @@
     </p:spTree>
     <p:extLst>
       <p:ext uri="{BB962C8B-B14F-4D97-AF65-F5344CB8AC3E}">
-        <p14:creationId xmlns:p14="http://schemas.microsoft.com/office/powerpoint/2010/main" val="2531394161"/>
+        <p14:creationId xmlns:p14="http://schemas.microsoft.com/office/powerpoint/2010/main" val="3097242473"/>
       </p:ext>
     </p:extLst>
   </p:cSld>
@@ -9263,6 +9217,301 @@
       </p:grpSpPr>
       <p:sp>
         <p:nvSpPr>
+          <p:cNvPr id="2" name="Title 1"/>
+          <p:cNvSpPr>
+            <a:spLocks noGrp="1"/>
+          </p:cNvSpPr>
+          <p:nvPr>
+            <p:ph type="title"/>
+          </p:nvPr>
+        </p:nvSpPr>
+        <p:spPr/>
+        <p:txBody>
+          <a:bodyPr>
+            <a:normAutofit/>
+          </a:bodyPr>
+          <a:lstStyle/>
+          <a:p>
+            <a:r>
+              <a:rPr lang="en-US" dirty="0"/>
+              <a:t>Prerequisites</a:t>
+            </a:r>
+          </a:p>
+          <a:p>
+            <a:endParaRPr lang="en-US" dirty="0"/>
+          </a:p>
+        </p:txBody>
+      </p:sp>
+      <p:sp>
+        <p:nvSpPr>
+          <p:cNvPr id="5" name="Text Placeholder 4"/>
+          <p:cNvSpPr>
+            <a:spLocks noGrp="1"/>
+          </p:cNvSpPr>
+          <p:nvPr>
+            <p:ph type="body" sz="quarter" idx="10"/>
+          </p:nvPr>
+        </p:nvSpPr>
+        <p:spPr/>
+        <p:txBody>
+          <a:bodyPr/>
+          <a:lstStyle/>
+          <a:p>
+            <a:endParaRPr lang="en-US"/>
+          </a:p>
+        </p:txBody>
+      </p:sp>
+      <p:sp>
+        <p:nvSpPr>
+          <p:cNvPr id="4" name="Slide Number Placeholder 3"/>
+          <p:cNvSpPr>
+            <a:spLocks noGrp="1"/>
+          </p:cNvSpPr>
+          <p:nvPr>
+            <p:ph type="sldNum" sz="quarter" idx="4294967295"/>
+          </p:nvPr>
+        </p:nvSpPr>
+        <p:spPr/>
+        <p:txBody>
+          <a:bodyPr/>
+          <a:lstStyle/>
+          <a:p>
+            <a:fld id="{4FAB73BC-B049-4115-A692-8D63A059BFB8}" type="slidenum">
+              <a:rPr lang="en-US" smtClean="0"/>
+              <a:t>55</a:t>
+            </a:fld>
+            <a:endParaRPr lang="en-US" dirty="0"/>
+          </a:p>
+        </p:txBody>
+      </p:sp>
+    </p:spTree>
+    <p:extLst>
+      <p:ext uri="{BB962C8B-B14F-4D97-AF65-F5344CB8AC3E}">
+        <p14:creationId xmlns:p14="http://schemas.microsoft.com/office/powerpoint/2010/main" val="2790491849"/>
+      </p:ext>
+    </p:extLst>
+  </p:cSld>
+  <p:clrMapOvr>
+    <a:masterClrMapping/>
+  </p:clrMapOvr>
+</p:sld>
+</file>
+
+<file path=ppt/slides/slide56.xml><?xml version="1.0" encoding="utf-8"?>
+<p:sld xmlns:a="http://schemas.openxmlformats.org/drawingml/2006/main" xmlns:r="http://schemas.openxmlformats.org/officeDocument/2006/relationships" xmlns:p="http://schemas.openxmlformats.org/presentationml/2006/main">
+  <p:cSld>
+    <p:spTree>
+      <p:nvGrpSpPr>
+        <p:cNvPr id="1" name=""/>
+        <p:cNvGrpSpPr/>
+        <p:nvPr/>
+      </p:nvGrpSpPr>
+      <p:grpSpPr>
+        <a:xfrm>
+          <a:off x="0" y="0"/>
+          <a:ext cx="0" cy="0"/>
+          <a:chOff x="0" y="0"/>
+          <a:chExt cx="0" cy="0"/>
+        </a:xfrm>
+      </p:grpSpPr>
+      <p:sp>
+        <p:nvSpPr>
+          <p:cNvPr id="2" name="Title 1"/>
+          <p:cNvSpPr>
+            <a:spLocks noGrp="1"/>
+          </p:cNvSpPr>
+          <p:nvPr>
+            <p:ph type="title"/>
+          </p:nvPr>
+        </p:nvSpPr>
+        <p:spPr/>
+        <p:txBody>
+          <a:bodyPr>
+            <a:normAutofit/>
+          </a:bodyPr>
+          <a:lstStyle/>
+          <a:p>
+            <a:r>
+              <a:rPr lang="en-US" dirty="0"/>
+              <a:t>Publishing Workflows to Server (Discussed)</a:t>
+            </a:r>
+          </a:p>
+          <a:p>
+            <a:endParaRPr lang="en-US" dirty="0"/>
+          </a:p>
+        </p:txBody>
+      </p:sp>
+      <p:sp>
+        <p:nvSpPr>
+          <p:cNvPr id="5" name="Text Placeholder 4"/>
+          <p:cNvSpPr>
+            <a:spLocks noGrp="1"/>
+          </p:cNvSpPr>
+          <p:nvPr>
+            <p:ph type="body" sz="quarter" idx="10"/>
+          </p:nvPr>
+        </p:nvSpPr>
+        <p:spPr/>
+        <p:txBody>
+          <a:bodyPr/>
+          <a:lstStyle/>
+          <a:p>
+            <a:endParaRPr lang="en-US"/>
+          </a:p>
+        </p:txBody>
+      </p:sp>
+      <p:sp>
+        <p:nvSpPr>
+          <p:cNvPr id="4" name="Slide Number Placeholder 3"/>
+          <p:cNvSpPr>
+            <a:spLocks noGrp="1"/>
+          </p:cNvSpPr>
+          <p:nvPr>
+            <p:ph type="sldNum" sz="quarter" idx="4294967295"/>
+          </p:nvPr>
+        </p:nvSpPr>
+        <p:spPr/>
+        <p:txBody>
+          <a:bodyPr/>
+          <a:lstStyle/>
+          <a:p>
+            <a:fld id="{4FAB73BC-B049-4115-A692-8D63A059BFB8}" type="slidenum">
+              <a:rPr lang="en-US" smtClean="0"/>
+              <a:t>56</a:t>
+            </a:fld>
+            <a:endParaRPr lang="en-US" dirty="0"/>
+          </a:p>
+        </p:txBody>
+      </p:sp>
+    </p:spTree>
+    <p:extLst>
+      <p:ext uri="{BB962C8B-B14F-4D97-AF65-F5344CB8AC3E}">
+        <p14:creationId xmlns:p14="http://schemas.microsoft.com/office/powerpoint/2010/main" val="2246816309"/>
+      </p:ext>
+    </p:extLst>
+  </p:cSld>
+  <p:clrMapOvr>
+    <a:masterClrMapping/>
+  </p:clrMapOvr>
+</p:sld>
+</file>
+
+<file path=ppt/slides/slide57.xml><?xml version="1.0" encoding="utf-8"?>
+<p:sld xmlns:a="http://schemas.openxmlformats.org/drawingml/2006/main" xmlns:r="http://schemas.openxmlformats.org/officeDocument/2006/relationships" xmlns:p="http://schemas.openxmlformats.org/presentationml/2006/main">
+  <p:cSld>
+    <p:spTree>
+      <p:nvGrpSpPr>
+        <p:cNvPr id="1" name=""/>
+        <p:cNvGrpSpPr/>
+        <p:nvPr/>
+      </p:nvGrpSpPr>
+      <p:grpSpPr>
+        <a:xfrm>
+          <a:off x="0" y="0"/>
+          <a:ext cx="0" cy="0"/>
+          <a:chOff x="0" y="0"/>
+          <a:chExt cx="0" cy="0"/>
+        </a:xfrm>
+      </p:grpSpPr>
+      <p:sp>
+        <p:nvSpPr>
+          <p:cNvPr id="2" name="Title 1"/>
+          <p:cNvSpPr>
+            <a:spLocks noGrp="1"/>
+          </p:cNvSpPr>
+          <p:nvPr>
+            <p:ph type="title"/>
+          </p:nvPr>
+        </p:nvSpPr>
+        <p:spPr/>
+        <p:txBody>
+          <a:bodyPr/>
+          <a:lstStyle/>
+          <a:p>
+            <a:r>
+              <a:rPr lang="en-US" dirty="0"/>
+              <a:t>Scheduling Workflows to Server (Discussed)</a:t>
+            </a:r>
+          </a:p>
+          <a:p>
+            <a:endParaRPr lang="en-US" dirty="0"/>
+          </a:p>
+        </p:txBody>
+      </p:sp>
+      <p:sp>
+        <p:nvSpPr>
+          <p:cNvPr id="5" name="Text Placeholder 4"/>
+          <p:cNvSpPr>
+            <a:spLocks noGrp="1"/>
+          </p:cNvSpPr>
+          <p:nvPr>
+            <p:ph type="body" sz="quarter" idx="10"/>
+          </p:nvPr>
+        </p:nvSpPr>
+        <p:spPr/>
+        <p:txBody>
+          <a:bodyPr/>
+          <a:lstStyle/>
+          <a:p>
+            <a:endParaRPr lang="en-US"/>
+          </a:p>
+        </p:txBody>
+      </p:sp>
+      <p:sp>
+        <p:nvSpPr>
+          <p:cNvPr id="4" name="Slide Number Placeholder 3"/>
+          <p:cNvSpPr>
+            <a:spLocks noGrp="1"/>
+          </p:cNvSpPr>
+          <p:nvPr>
+            <p:ph type="sldNum" sz="quarter" idx="4294967295"/>
+          </p:nvPr>
+        </p:nvSpPr>
+        <p:spPr/>
+        <p:txBody>
+          <a:bodyPr/>
+          <a:lstStyle/>
+          <a:p>
+            <a:fld id="{4FAB73BC-B049-4115-A692-8D63A059BFB8}" type="slidenum">
+              <a:rPr lang="en-US" smtClean="0"/>
+              <a:t>57</a:t>
+            </a:fld>
+            <a:endParaRPr lang="en-US" dirty="0"/>
+          </a:p>
+        </p:txBody>
+      </p:sp>
+    </p:spTree>
+    <p:extLst>
+      <p:ext uri="{BB962C8B-B14F-4D97-AF65-F5344CB8AC3E}">
+        <p14:creationId xmlns:p14="http://schemas.microsoft.com/office/powerpoint/2010/main" val="2531394161"/>
+      </p:ext>
+    </p:extLst>
+  </p:cSld>
+  <p:clrMapOvr>
+    <a:masterClrMapping/>
+  </p:clrMapOvr>
+</p:sld>
+</file>
+
+<file path=ppt/slides/slide58.xml><?xml version="1.0" encoding="utf-8"?>
+<p:sld xmlns:a="http://schemas.openxmlformats.org/drawingml/2006/main" xmlns:r="http://schemas.openxmlformats.org/officeDocument/2006/relationships" xmlns:p="http://schemas.openxmlformats.org/presentationml/2006/main">
+  <p:cSld>
+    <p:spTree>
+      <p:nvGrpSpPr>
+        <p:cNvPr id="1" name=""/>
+        <p:cNvGrpSpPr/>
+        <p:nvPr/>
+      </p:nvGrpSpPr>
+      <p:grpSpPr>
+        <a:xfrm>
+          <a:off x="0" y="0"/>
+          <a:ext cx="0" cy="0"/>
+          <a:chOff x="0" y="0"/>
+          <a:chExt cx="0" cy="0"/>
+        </a:xfrm>
+      </p:grpSpPr>
+      <p:sp>
+        <p:nvSpPr>
           <p:cNvPr id="2" name="Subtitle 1"/>
           <p:cNvSpPr>
             <a:spLocks noGrp="1"/>
@@ -9331,7 +9580,7 @@
 </p:sld>
 </file>
 
-<file path=ppt/slides/slide56.xml><?xml version="1.0" encoding="utf-8"?>
+<file path=ppt/slides/slide59.xml><?xml version="1.0" encoding="utf-8"?>
 <p:sld xmlns:a="http://schemas.openxmlformats.org/drawingml/2006/main" xmlns:r="http://schemas.openxmlformats.org/officeDocument/2006/relationships" xmlns:p="http://schemas.openxmlformats.org/presentationml/2006/main">
   <p:cSld>
     <p:spTree>
@@ -11349,6 +11598,21 @@
 </file>
 
 <file path=customXml/item1.xml><?xml version="1.0" encoding="utf-8"?>
+<?mso-contentType ?>
+<FormTemplates xmlns="http://schemas.microsoft.com/sharepoint/v3/contenttype/forms">
+  <Display>DocumentLibraryForm</Display>
+  <Edit>DocumentLibraryForm</Edit>
+  <New>DocumentLibraryForm</New>
+</FormTemplates>
+</file>
+
+<file path=customXml/item2.xml><?xml version="1.0" encoding="utf-8"?>
+<p:properties xmlns:p="http://schemas.microsoft.com/office/2006/metadata/properties" xmlns:xsi="http://www.w3.org/2001/XMLSchema-instance" xmlns:pc="http://schemas.microsoft.com/office/infopath/2007/PartnerControls">
+  <documentManagement/>
+</p:properties>
+</file>
+
+<file path=customXml/item3.xml><?xml version="1.0" encoding="utf-8"?>
 <ct:contentTypeSchema xmlns:ct="http://schemas.microsoft.com/office/2006/metadata/contentType" xmlns:ma="http://schemas.microsoft.com/office/2006/metadata/properties/metaAttributes" ct:_="" ma:_="" ma:contentTypeName="Document" ma:contentTypeID="0x010100DF17D0A5D2A94D41851BD81F437949EB" ma:contentTypeVersion="4" ma:contentTypeDescription="Create a new document." ma:contentTypeScope="" ma:versionID="86394c489d6ea242463219402424de30">
   <xsd:schema xmlns:xsd="http://www.w3.org/2001/XMLSchema" xmlns:xs="http://www.w3.org/2001/XMLSchema" xmlns:p="http://schemas.microsoft.com/office/2006/metadata/properties" xmlns:ns2="8ae4afce-818c-4ab4-8e35-377c82201c18" xmlns:ns3="6549f357-ea04-4fdc-a4ff-01e398dbae1f" targetNamespace="http://schemas.microsoft.com/office/2006/metadata/properties" ma:root="true" ma:fieldsID="fe252f9ea815bb7a68216b40880644e9" ns2:_="" ns3:_="">
     <xsd:import namespace="8ae4afce-818c-4ab4-8e35-377c82201c18"/>
@@ -11513,22 +11777,32 @@
 </ct:contentTypeSchema>
 </file>
 
-<file path=customXml/item2.xml><?xml version="1.0" encoding="utf-8"?>
-<?mso-contentType ?>
-<FormTemplates xmlns="http://schemas.microsoft.com/sharepoint/v3/contenttype/forms">
-  <Display>DocumentLibraryForm</Display>
-  <Edit>DocumentLibraryForm</Edit>
-  <New>DocumentLibraryForm</New>
-</FormTemplates>
+<file path=customXml/itemProps1.xml><?xml version="1.0" encoding="utf-8"?>
+<ds:datastoreItem xmlns:ds="http://schemas.openxmlformats.org/officeDocument/2006/customXml" ds:itemID="{7FBE9ADF-F1D8-4E9F-83D5-C6625824914C}">
+  <ds:schemaRefs>
+    <ds:schemaRef ds:uri="http://schemas.microsoft.com/sharepoint/v3/contenttype/forms"/>
+  </ds:schemaRefs>
+</ds:datastoreItem>
 </file>
 
-<file path=customXml/item3.xml><?xml version="1.0" encoding="utf-8"?>
-<p:properties xmlns:p="http://schemas.microsoft.com/office/2006/metadata/properties" xmlns:xsi="http://www.w3.org/2001/XMLSchema-instance" xmlns:pc="http://schemas.microsoft.com/office/infopath/2007/PartnerControls">
-  <documentManagement/>
-</p:properties>
+<file path=customXml/itemProps2.xml><?xml version="1.0" encoding="utf-8"?>
+<ds:datastoreItem xmlns:ds="http://schemas.openxmlformats.org/officeDocument/2006/customXml" ds:itemID="{FF9AC6B8-7021-4B23-A9AF-61295A177099}">
+  <ds:schemaRefs>
+    <ds:schemaRef ds:uri="http://schemas.microsoft.com/office/infopath/2007/PartnerControls"/>
+    <ds:schemaRef ds:uri="http://purl.org/dc/dcmitype/"/>
+    <ds:schemaRef ds:uri="http://schemas.microsoft.com/office/2006/metadata/properties"/>
+    <ds:schemaRef ds:uri="http://www.w3.org/XML/1998/namespace"/>
+    <ds:schemaRef ds:uri="http://schemas.microsoft.com/office/2006/documentManagement/types"/>
+    <ds:schemaRef ds:uri="6549f357-ea04-4fdc-a4ff-01e398dbae1f"/>
+    <ds:schemaRef ds:uri="http://schemas.openxmlformats.org/package/2006/metadata/core-properties"/>
+    <ds:schemaRef ds:uri="8ae4afce-818c-4ab4-8e35-377c82201c18"/>
+    <ds:schemaRef ds:uri="http://purl.org/dc/terms/"/>
+    <ds:schemaRef ds:uri="http://purl.org/dc/elements/1.1/"/>
+  </ds:schemaRefs>
+</ds:datastoreItem>
 </file>
 
-<file path=customXml/itemProps1.xml><?xml version="1.0" encoding="utf-8"?>
+<file path=customXml/itemProps3.xml><?xml version="1.0" encoding="utf-8"?>
 <ds:datastoreItem xmlns:ds="http://schemas.openxmlformats.org/officeDocument/2006/customXml" ds:itemID="{5E59C5BB-F795-4F02-AFC2-70EF9316FDF1}">
   <ds:schemaRefs>
     <ds:schemaRef ds:uri="http://schemas.microsoft.com/office/2006/metadata/contentType"/>
@@ -11545,29 +11819,4 @@
     <ds:schemaRef ds:uri="http://schemas.microsoft.com/internal/obd"/>
   </ds:schemaRefs>
 </ds:datastoreItem>
-</file>
-
-<file path=customXml/itemProps2.xml><?xml version="1.0" encoding="utf-8"?>
-<ds:datastoreItem xmlns:ds="http://schemas.openxmlformats.org/officeDocument/2006/customXml" ds:itemID="{7FBE9ADF-F1D8-4E9F-83D5-C6625824914C}">
-  <ds:schemaRefs>
-    <ds:schemaRef ds:uri="http://schemas.microsoft.com/sharepoint/v3/contenttype/forms"/>
-  </ds:schemaRefs>
-</ds:datastoreItem>
-</file>
-
-<file path=customXml/itemProps3.xml><?xml version="1.0" encoding="utf-8"?>
-<ds:datastoreItem xmlns:ds="http://schemas.openxmlformats.org/officeDocument/2006/customXml" ds:itemID="{FF9AC6B8-7021-4B23-A9AF-61295A177099}">
-  <ds:schemaRefs>
-    <ds:schemaRef ds:uri="http://schemas.microsoft.com/office/infopath/2007/PartnerControls"/>
-    <ds:schemaRef ds:uri="http://purl.org/dc/dcmitype/"/>
-    <ds:schemaRef ds:uri="http://schemas.microsoft.com/office/2006/metadata/properties"/>
-    <ds:schemaRef ds:uri="http://www.w3.org/XML/1998/namespace"/>
-    <ds:schemaRef ds:uri="http://schemas.microsoft.com/office/2006/documentManagement/types"/>
-    <ds:schemaRef ds:uri="6549f357-ea04-4fdc-a4ff-01e398dbae1f"/>
-    <ds:schemaRef ds:uri="http://schemas.openxmlformats.org/package/2006/metadata/core-properties"/>
-    <ds:schemaRef ds:uri="8ae4afce-818c-4ab4-8e35-377c82201c18"/>
-    <ds:schemaRef ds:uri="http://purl.org/dc/terms/"/>
-    <ds:schemaRef ds:uri="http://purl.org/dc/elements/1.1/"/>
-  </ds:schemaRefs>
-</ds:datastoreItem>
 </file>
--- a/ppt/TableauPrepBuilderIntroV1_1.pptx
+++ b/ppt/TableauPrepBuilderIntroV1_1.pptx
@@ -5,10 +5,10 @@
     <p:sldMasterId id="2147483660" r:id="rId4"/>
   </p:sldMasterIdLst>
   <p:notesMasterIdLst>
-    <p:notesMasterId r:id="rId64"/>
+    <p:notesMasterId r:id="rId65"/>
   </p:notesMasterIdLst>
   <p:handoutMasterIdLst>
-    <p:handoutMasterId r:id="rId65"/>
+    <p:handoutMasterId r:id="rId66"/>
   </p:handoutMasterIdLst>
   <p:sldIdLst>
     <p:sldId id="323" r:id="rId5"/>
@@ -23,53 +23,54 @@
     <p:sldId id="416" r:id="rId14"/>
     <p:sldId id="417" r:id="rId15"/>
     <p:sldId id="418" r:id="rId16"/>
-    <p:sldId id="342" r:id="rId17"/>
-    <p:sldId id="343" r:id="rId18"/>
-    <p:sldId id="344" r:id="rId19"/>
-    <p:sldId id="345" r:id="rId20"/>
-    <p:sldId id="346" r:id="rId21"/>
-    <p:sldId id="409" r:id="rId22"/>
-    <p:sldId id="401" r:id="rId23"/>
-    <p:sldId id="402" r:id="rId24"/>
-    <p:sldId id="403" r:id="rId25"/>
-    <p:sldId id="404" r:id="rId26"/>
-    <p:sldId id="405" r:id="rId27"/>
-    <p:sldId id="406" r:id="rId28"/>
-    <p:sldId id="407" r:id="rId29"/>
-    <p:sldId id="408" r:id="rId30"/>
-    <p:sldId id="410" r:id="rId31"/>
-    <p:sldId id="396" r:id="rId32"/>
-    <p:sldId id="397" r:id="rId33"/>
-    <p:sldId id="398" r:id="rId34"/>
-    <p:sldId id="399" r:id="rId35"/>
-    <p:sldId id="400" r:id="rId36"/>
-    <p:sldId id="411" r:id="rId37"/>
-    <p:sldId id="392" r:id="rId38"/>
-    <p:sldId id="393" r:id="rId39"/>
-    <p:sldId id="394" r:id="rId40"/>
-    <p:sldId id="395" r:id="rId41"/>
-    <p:sldId id="412" r:id="rId42"/>
-    <p:sldId id="386" r:id="rId43"/>
-    <p:sldId id="387" r:id="rId44"/>
-    <p:sldId id="388" r:id="rId45"/>
-    <p:sldId id="389" r:id="rId46"/>
-    <p:sldId id="390" r:id="rId47"/>
-    <p:sldId id="391" r:id="rId48"/>
-    <p:sldId id="413" r:id="rId49"/>
-    <p:sldId id="374" r:id="rId50"/>
-    <p:sldId id="375" r:id="rId51"/>
-    <p:sldId id="376" r:id="rId52"/>
-    <p:sldId id="377" r:id="rId53"/>
-    <p:sldId id="378" r:id="rId54"/>
-    <p:sldId id="379" r:id="rId55"/>
-    <p:sldId id="414" r:id="rId56"/>
-    <p:sldId id="381" r:id="rId57"/>
-    <p:sldId id="382" r:id="rId58"/>
-    <p:sldId id="383" r:id="rId59"/>
-    <p:sldId id="384" r:id="rId60"/>
-    <p:sldId id="385" r:id="rId61"/>
-    <p:sldId id="415" r:id="rId62"/>
-    <p:sldId id="340" r:id="rId63"/>
+    <p:sldId id="419" r:id="rId17"/>
+    <p:sldId id="342" r:id="rId18"/>
+    <p:sldId id="343" r:id="rId19"/>
+    <p:sldId id="344" r:id="rId20"/>
+    <p:sldId id="345" r:id="rId21"/>
+    <p:sldId id="346" r:id="rId22"/>
+    <p:sldId id="409" r:id="rId23"/>
+    <p:sldId id="401" r:id="rId24"/>
+    <p:sldId id="402" r:id="rId25"/>
+    <p:sldId id="403" r:id="rId26"/>
+    <p:sldId id="404" r:id="rId27"/>
+    <p:sldId id="405" r:id="rId28"/>
+    <p:sldId id="406" r:id="rId29"/>
+    <p:sldId id="407" r:id="rId30"/>
+    <p:sldId id="408" r:id="rId31"/>
+    <p:sldId id="410" r:id="rId32"/>
+    <p:sldId id="396" r:id="rId33"/>
+    <p:sldId id="397" r:id="rId34"/>
+    <p:sldId id="398" r:id="rId35"/>
+    <p:sldId id="399" r:id="rId36"/>
+    <p:sldId id="400" r:id="rId37"/>
+    <p:sldId id="411" r:id="rId38"/>
+    <p:sldId id="392" r:id="rId39"/>
+    <p:sldId id="393" r:id="rId40"/>
+    <p:sldId id="394" r:id="rId41"/>
+    <p:sldId id="395" r:id="rId42"/>
+    <p:sldId id="412" r:id="rId43"/>
+    <p:sldId id="386" r:id="rId44"/>
+    <p:sldId id="387" r:id="rId45"/>
+    <p:sldId id="388" r:id="rId46"/>
+    <p:sldId id="389" r:id="rId47"/>
+    <p:sldId id="390" r:id="rId48"/>
+    <p:sldId id="391" r:id="rId49"/>
+    <p:sldId id="413" r:id="rId50"/>
+    <p:sldId id="374" r:id="rId51"/>
+    <p:sldId id="375" r:id="rId52"/>
+    <p:sldId id="376" r:id="rId53"/>
+    <p:sldId id="377" r:id="rId54"/>
+    <p:sldId id="378" r:id="rId55"/>
+    <p:sldId id="379" r:id="rId56"/>
+    <p:sldId id="414" r:id="rId57"/>
+    <p:sldId id="381" r:id="rId58"/>
+    <p:sldId id="382" r:id="rId59"/>
+    <p:sldId id="383" r:id="rId60"/>
+    <p:sldId id="384" r:id="rId61"/>
+    <p:sldId id="385" r:id="rId62"/>
+    <p:sldId id="415" r:id="rId63"/>
+    <p:sldId id="340" r:id="rId64"/>
   </p:sldIdLst>
   <p:sldSz cx="12192000" cy="6858000"/>
   <p:notesSz cx="9309100" cy="7053263"/>
@@ -219,6 +220,7 @@
             <p14:sldId id="416"/>
             <p14:sldId id="417"/>
             <p14:sldId id="418"/>
+            <p14:sldId id="419"/>
           </p14:sldIdLst>
         </p14:section>
         <p14:section name="Module 2: Introduction and Prep Builder" id="{98F94D3A-15E3-4D17-80BB-8918625923CE}">
@@ -4371,7 +4373,13 @@
       </p:grpSpPr>
       <p:sp>
         <p:nvSpPr>
-          <p:cNvPr id="2" name="Title 1"/>
+          <p:cNvPr id="2" name="Title 1">
+            <a:extLst>
+              <a:ext uri="{FF2B5EF4-FFF2-40B4-BE49-F238E27FC236}">
+                <a16:creationId xmlns:a16="http://schemas.microsoft.com/office/drawing/2014/main" id="{07DCD22A-61E4-514E-8746-B1822EBDD5CD}"/>
+              </a:ext>
+            </a:extLst>
+          </p:cNvPr>
           <p:cNvSpPr>
             <a:spLocks noGrp="1"/>
           </p:cNvSpPr>
@@ -4381,48 +4389,42 @@
         </p:nvSpPr>
         <p:spPr/>
         <p:txBody>
-          <a:bodyPr>
-            <a:normAutofit/>
-          </a:bodyPr>
-          <a:lstStyle/>
-          <a:p>
-            <a:r>
-              <a:rPr lang="en-US" dirty="0"/>
-              <a:t>Introduction &amp; Tableau Prep Builder</a:t>
-            </a:r>
-          </a:p>
-          <a:p>
-            <a:endParaRPr lang="en-US" dirty="0"/>
-          </a:p>
-        </p:txBody>
-      </p:sp>
-      <p:sp>
-        <p:nvSpPr>
-          <p:cNvPr id="4" name="Slide Number Placeholder 3"/>
-          <p:cNvSpPr>
-            <a:spLocks noGrp="1"/>
-          </p:cNvSpPr>
-          <p:nvPr>
-            <p:ph type="sldNum" sz="quarter" idx="4294967295"/>
-          </p:nvPr>
-        </p:nvSpPr>
-        <p:spPr/>
-        <p:txBody>
-          <a:bodyPr/>
-          <a:lstStyle/>
-          <a:p>
-            <a:fld id="{4FAB73BC-B049-4115-A692-8D63A059BFB8}" type="slidenum">
-              <a:rPr lang="en-US" smtClean="0"/>
-              <a:t>13</a:t>
-            </a:fld>
-            <a:endParaRPr lang="en-US" dirty="0"/>
+          <a:bodyPr/>
+          <a:lstStyle/>
+          <a:p>
+            <a:endParaRPr lang="en-US"/>
+          </a:p>
+        </p:txBody>
+      </p:sp>
+      <p:sp>
+        <p:nvSpPr>
+          <p:cNvPr id="3" name="Text Placeholder 2">
+            <a:extLst>
+              <a:ext uri="{FF2B5EF4-FFF2-40B4-BE49-F238E27FC236}">
+                <a16:creationId xmlns:a16="http://schemas.microsoft.com/office/drawing/2014/main" id="{B4F97957-850F-1F40-9AFA-853ED80CFF05}"/>
+              </a:ext>
+            </a:extLst>
+          </p:cNvPr>
+          <p:cNvSpPr>
+            <a:spLocks noGrp="1"/>
+          </p:cNvSpPr>
+          <p:nvPr>
+            <p:ph type="body" sz="quarter" idx="10"/>
+          </p:nvPr>
+        </p:nvSpPr>
+        <p:spPr/>
+        <p:txBody>
+          <a:bodyPr/>
+          <a:lstStyle/>
+          <a:p>
+            <a:endParaRPr lang="en-US"/>
           </a:p>
         </p:txBody>
       </p:sp>
     </p:spTree>
     <p:extLst>
       <p:ext uri="{BB962C8B-B14F-4D97-AF65-F5344CB8AC3E}">
-        <p14:creationId xmlns:p14="http://schemas.microsoft.com/office/powerpoint/2010/main" val="765774969"/>
+        <p14:creationId xmlns:p14="http://schemas.microsoft.com/office/powerpoint/2010/main" val="2961916942"/>
       </p:ext>
     </p:extLst>
   </p:cSld>
@@ -4468,30 +4470,11 @@
           <a:p>
             <a:r>
               <a:rPr lang="en-US" dirty="0"/>
-              <a:t>Tableau Prep Builder</a:t>
+              <a:t>Introduction &amp; Tableau Prep Builder</a:t>
             </a:r>
           </a:p>
           <a:p>
             <a:endParaRPr lang="en-US" dirty="0"/>
-          </a:p>
-        </p:txBody>
-      </p:sp>
-      <p:sp>
-        <p:nvSpPr>
-          <p:cNvPr id="5" name="Text Placeholder 4"/>
-          <p:cNvSpPr>
-            <a:spLocks noGrp="1"/>
-          </p:cNvSpPr>
-          <p:nvPr>
-            <p:ph type="body" sz="quarter" idx="10"/>
-          </p:nvPr>
-        </p:nvSpPr>
-        <p:spPr/>
-        <p:txBody>
-          <a:bodyPr/>
-          <a:lstStyle/>
-          <a:p>
-            <a:endParaRPr lang="en-US"/>
           </a:p>
         </p:txBody>
       </p:sp>
@@ -4521,7 +4504,7 @@
     </p:spTree>
     <p:extLst>
       <p:ext uri="{BB962C8B-B14F-4D97-AF65-F5344CB8AC3E}">
-        <p14:creationId xmlns:p14="http://schemas.microsoft.com/office/powerpoint/2010/main" val="3047944977"/>
+        <p14:creationId xmlns:p14="http://schemas.microsoft.com/office/powerpoint/2010/main" val="765774969"/>
       </p:ext>
     </p:extLst>
   </p:cSld>
@@ -4567,7 +4550,7 @@
           <a:p>
             <a:r>
               <a:rPr lang="en-US" dirty="0"/>
-              <a:t>Tableau Prep Builder Interface</a:t>
+              <a:t>Tableau Prep Builder</a:t>
             </a:r>
           </a:p>
           <a:p>
@@ -4620,7 +4603,7 @@
     </p:spTree>
     <p:extLst>
       <p:ext uri="{BB962C8B-B14F-4D97-AF65-F5344CB8AC3E}">
-        <p14:creationId xmlns:p14="http://schemas.microsoft.com/office/powerpoint/2010/main" val="368237020"/>
+        <p14:creationId xmlns:p14="http://schemas.microsoft.com/office/powerpoint/2010/main" val="3047944977"/>
       </p:ext>
     </p:extLst>
   </p:cSld>
@@ -4666,7 +4649,7 @@
           <a:p>
             <a:r>
               <a:rPr lang="en-US" dirty="0"/>
-              <a:t>Steps in Tableau Prep Builder</a:t>
+              <a:t>Tableau Prep Builder Interface</a:t>
             </a:r>
           </a:p>
           <a:p>
@@ -4719,7 +4702,7 @@
     </p:spTree>
     <p:extLst>
       <p:ext uri="{BB962C8B-B14F-4D97-AF65-F5344CB8AC3E}">
-        <p14:creationId xmlns:p14="http://schemas.microsoft.com/office/powerpoint/2010/main" val="1798720831"/>
+        <p14:creationId xmlns:p14="http://schemas.microsoft.com/office/powerpoint/2010/main" val="368237020"/>
       </p:ext>
     </p:extLst>
   </p:cSld>
@@ -4765,11 +4748,8 @@
           <a:p>
             <a:r>
               <a:rPr lang="en-US" dirty="0"/>
-              <a:t>Features of a Workflow</a:t>
-            </a:r>
-          </a:p>
-          <a:p>
-            <a:endParaRPr lang="en-US" dirty="0"/>
+              <a:t>Steps in Tableau Prep Builder</a:t>
+            </a:r>
           </a:p>
           <a:p>
             <a:endParaRPr lang="en-US" dirty="0"/>
@@ -4821,7 +4801,7 @@
     </p:spTree>
     <p:extLst>
       <p:ext uri="{BB962C8B-B14F-4D97-AF65-F5344CB8AC3E}">
-        <p14:creationId xmlns:p14="http://schemas.microsoft.com/office/powerpoint/2010/main" val="28198983"/>
+        <p14:creationId xmlns:p14="http://schemas.microsoft.com/office/powerpoint/2010/main" val="1798720831"/>
       </p:ext>
     </p:extLst>
   </p:cSld>
@@ -4850,12 +4830,42 @@
       </p:grpSpPr>
       <p:sp>
         <p:nvSpPr>
-          <p:cNvPr id="13" name="Subtitle 12"/>
-          <p:cNvSpPr>
-            <a:spLocks noGrp="1"/>
-          </p:cNvSpPr>
-          <p:nvPr>
-            <p:ph type="subTitle" idx="1"/>
+          <p:cNvPr id="2" name="Title 1"/>
+          <p:cNvSpPr>
+            <a:spLocks noGrp="1"/>
+          </p:cNvSpPr>
+          <p:nvPr>
+            <p:ph type="title"/>
+          </p:nvPr>
+        </p:nvSpPr>
+        <p:spPr/>
+        <p:txBody>
+          <a:bodyPr>
+            <a:normAutofit/>
+          </a:bodyPr>
+          <a:lstStyle/>
+          <a:p>
+            <a:r>
+              <a:rPr lang="en-US" dirty="0"/>
+              <a:t>Features of a Workflow</a:t>
+            </a:r>
+          </a:p>
+          <a:p>
+            <a:endParaRPr lang="en-US" dirty="0"/>
+          </a:p>
+          <a:p>
+            <a:endParaRPr lang="en-US" dirty="0"/>
+          </a:p>
+        </p:txBody>
+      </p:sp>
+      <p:sp>
+        <p:nvSpPr>
+          <p:cNvPr id="5" name="Text Placeholder 4"/>
+          <p:cNvSpPr>
+            <a:spLocks noGrp="1"/>
+          </p:cNvSpPr>
+          <p:nvPr>
+            <p:ph type="body" sz="quarter" idx="10"/>
           </p:nvPr>
         </p:nvSpPr>
         <p:spPr/>
@@ -4869,54 +4879,31 @@
       </p:sp>
       <p:sp>
         <p:nvSpPr>
-          <p:cNvPr id="14" name="Text Placeholder 13"/>
-          <p:cNvSpPr>
-            <a:spLocks noGrp="1"/>
-          </p:cNvSpPr>
-          <p:nvPr>
-            <p:ph type="body" sz="quarter" idx="11"/>
-          </p:nvPr>
-        </p:nvSpPr>
-        <p:spPr/>
-        <p:txBody>
-          <a:bodyPr/>
-          <a:lstStyle/>
-          <a:p>
-            <a:endParaRPr lang="en-US"/>
-          </a:p>
-        </p:txBody>
-      </p:sp>
-      <p:sp>
-        <p:nvSpPr>
-          <p:cNvPr id="8" name="Title 7"/>
-          <p:cNvSpPr>
-            <a:spLocks noGrp="1"/>
-          </p:cNvSpPr>
-          <p:nvPr>
-            <p:ph type="title"/>
-          </p:nvPr>
-        </p:nvSpPr>
-        <p:spPr>
-          <a:xfrm>
-            <a:off x="762000" y="457200"/>
-            <a:ext cx="7239000" cy="1295400"/>
-          </a:xfrm>
-        </p:spPr>
-        <p:txBody>
-          <a:bodyPr/>
-          <a:lstStyle/>
-          <a:p>
-            <a:r>
-              <a:rPr lang="en-US" dirty="0"/>
-              <a:t>Lab 1: Getting started with Tableau Prep Builder</a:t>
-            </a:r>
+          <p:cNvPr id="4" name="Slide Number Placeholder 3"/>
+          <p:cNvSpPr>
+            <a:spLocks noGrp="1"/>
+          </p:cNvSpPr>
+          <p:nvPr>
+            <p:ph type="sldNum" sz="quarter" idx="4294967295"/>
+          </p:nvPr>
+        </p:nvSpPr>
+        <p:spPr/>
+        <p:txBody>
+          <a:bodyPr/>
+          <a:lstStyle/>
+          <a:p>
+            <a:fld id="{4FAB73BC-B049-4115-A692-8D63A059BFB8}" type="slidenum">
+              <a:rPr lang="en-US" smtClean="0"/>
+              <a:t>18</a:t>
+            </a:fld>
+            <a:endParaRPr lang="en-US" dirty="0"/>
           </a:p>
         </p:txBody>
       </p:sp>
     </p:spTree>
     <p:extLst>
       <p:ext uri="{BB962C8B-B14F-4D97-AF65-F5344CB8AC3E}">
-        <p14:creationId xmlns:p14="http://schemas.microsoft.com/office/powerpoint/2010/main" val="390888726"/>
+        <p14:creationId xmlns:p14="http://schemas.microsoft.com/office/powerpoint/2010/main" val="28198983"/>
       </p:ext>
     </p:extLst>
   </p:cSld>
@@ -4945,7 +4932,45 @@
       </p:grpSpPr>
       <p:sp>
         <p:nvSpPr>
-          <p:cNvPr id="2" name="Title 1"/>
+          <p:cNvPr id="13" name="Subtitle 12"/>
+          <p:cNvSpPr>
+            <a:spLocks noGrp="1"/>
+          </p:cNvSpPr>
+          <p:nvPr>
+            <p:ph type="subTitle" idx="1"/>
+          </p:nvPr>
+        </p:nvSpPr>
+        <p:spPr/>
+        <p:txBody>
+          <a:bodyPr/>
+          <a:lstStyle/>
+          <a:p>
+            <a:endParaRPr lang="en-US"/>
+          </a:p>
+        </p:txBody>
+      </p:sp>
+      <p:sp>
+        <p:nvSpPr>
+          <p:cNvPr id="14" name="Text Placeholder 13"/>
+          <p:cNvSpPr>
+            <a:spLocks noGrp="1"/>
+          </p:cNvSpPr>
+          <p:nvPr>
+            <p:ph type="body" sz="quarter" idx="11"/>
+          </p:nvPr>
+        </p:nvSpPr>
+        <p:spPr/>
+        <p:txBody>
+          <a:bodyPr/>
+          <a:lstStyle/>
+          <a:p>
+            <a:endParaRPr lang="en-US"/>
+          </a:p>
+        </p:txBody>
+      </p:sp>
+      <p:sp>
+        <p:nvSpPr>
+          <p:cNvPr id="8" name="Title 7"/>
           <p:cNvSpPr>
             <a:spLocks noGrp="1"/>
           </p:cNvSpPr>
@@ -4953,50 +4978,27 @@
             <p:ph type="title"/>
           </p:nvPr>
         </p:nvSpPr>
-        <p:spPr/>
-        <p:txBody>
-          <a:bodyPr>
-            <a:normAutofit/>
-          </a:bodyPr>
-          <a:lstStyle/>
-          <a:p>
-            <a:r>
-              <a:rPr lang="en-US" dirty="0"/>
-              <a:t>Input and Output</a:t>
-            </a:r>
-          </a:p>
-          <a:p>
-            <a:endParaRPr lang="en-US" dirty="0"/>
-          </a:p>
-        </p:txBody>
-      </p:sp>
-      <p:sp>
-        <p:nvSpPr>
-          <p:cNvPr id="4" name="Slide Number Placeholder 3"/>
-          <p:cNvSpPr>
-            <a:spLocks noGrp="1"/>
-          </p:cNvSpPr>
-          <p:nvPr>
-            <p:ph type="sldNum" sz="quarter" idx="4294967295"/>
-          </p:nvPr>
-        </p:nvSpPr>
-        <p:spPr/>
-        <p:txBody>
-          <a:bodyPr/>
-          <a:lstStyle/>
-          <a:p>
-            <a:fld id="{4FAB73BC-B049-4115-A692-8D63A059BFB8}" type="slidenum">
-              <a:rPr lang="en-US" smtClean="0"/>
-              <a:t>19</a:t>
-            </a:fld>
-            <a:endParaRPr lang="en-US" dirty="0"/>
+        <p:spPr>
+          <a:xfrm>
+            <a:off x="762000" y="457200"/>
+            <a:ext cx="7239000" cy="1295400"/>
+          </a:xfrm>
+        </p:spPr>
+        <p:txBody>
+          <a:bodyPr/>
+          <a:lstStyle/>
+          <a:p>
+            <a:r>
+              <a:rPr lang="en-US" dirty="0"/>
+              <a:t>Lab 1: Getting started with Tableau Prep Builder</a:t>
+            </a:r>
           </a:p>
         </p:txBody>
       </p:sp>
     </p:spTree>
     <p:extLst>
       <p:ext uri="{BB962C8B-B14F-4D97-AF65-F5344CB8AC3E}">
-        <p14:creationId xmlns:p14="http://schemas.microsoft.com/office/powerpoint/2010/main" val="605862206"/>
+        <p14:creationId xmlns:p14="http://schemas.microsoft.com/office/powerpoint/2010/main" val="390888726"/>
       </p:ext>
     </p:extLst>
   </p:cSld>
@@ -5094,30 +5096,11 @@
           <a:p>
             <a:r>
               <a:rPr lang="en-US" dirty="0"/>
-              <a:t>Connect to Microsoft Excel</a:t>
+              <a:t>Input and Output</a:t>
             </a:r>
           </a:p>
           <a:p>
             <a:endParaRPr lang="en-US" dirty="0"/>
-          </a:p>
-        </p:txBody>
-      </p:sp>
-      <p:sp>
-        <p:nvSpPr>
-          <p:cNvPr id="5" name="Text Placeholder 4"/>
-          <p:cNvSpPr>
-            <a:spLocks noGrp="1"/>
-          </p:cNvSpPr>
-          <p:nvPr>
-            <p:ph type="body" sz="quarter" idx="10"/>
-          </p:nvPr>
-        </p:nvSpPr>
-        <p:spPr/>
-        <p:txBody>
-          <a:bodyPr/>
-          <a:lstStyle/>
-          <a:p>
-            <a:endParaRPr lang="en-US"/>
           </a:p>
         </p:txBody>
       </p:sp>
@@ -5147,7 +5130,7 @@
     </p:spTree>
     <p:extLst>
       <p:ext uri="{BB962C8B-B14F-4D97-AF65-F5344CB8AC3E}">
-        <p14:creationId xmlns:p14="http://schemas.microsoft.com/office/powerpoint/2010/main" val="908011306"/>
+        <p14:creationId xmlns:p14="http://schemas.microsoft.com/office/powerpoint/2010/main" val="605862206"/>
       </p:ext>
     </p:extLst>
   </p:cSld>
@@ -5193,7 +5176,7 @@
           <a:p>
             <a:r>
               <a:rPr lang="en-US" dirty="0"/>
-              <a:t>Data Interpreter</a:t>
+              <a:t>Connect to Microsoft Excel</a:t>
             </a:r>
           </a:p>
           <a:p>
@@ -5246,7 +5229,7 @@
     </p:spTree>
     <p:extLst>
       <p:ext uri="{BB962C8B-B14F-4D97-AF65-F5344CB8AC3E}">
-        <p14:creationId xmlns:p14="http://schemas.microsoft.com/office/powerpoint/2010/main" val="1285337620"/>
+        <p14:creationId xmlns:p14="http://schemas.microsoft.com/office/powerpoint/2010/main" val="908011306"/>
       </p:ext>
     </p:extLst>
   </p:cSld>
@@ -5292,7 +5275,7 @@
           <a:p>
             <a:r>
               <a:rPr lang="en-US" dirty="0"/>
-              <a:t>Configuration Window</a:t>
+              <a:t>Data Interpreter</a:t>
             </a:r>
           </a:p>
           <a:p>
@@ -5345,7 +5328,7 @@
     </p:spTree>
     <p:extLst>
       <p:ext uri="{BB962C8B-B14F-4D97-AF65-F5344CB8AC3E}">
-        <p14:creationId xmlns:p14="http://schemas.microsoft.com/office/powerpoint/2010/main" val="481877264"/>
+        <p14:creationId xmlns:p14="http://schemas.microsoft.com/office/powerpoint/2010/main" val="1285337620"/>
       </p:ext>
     </p:extLst>
   </p:cSld>
@@ -5391,7 +5374,7 @@
           <a:p>
             <a:r>
               <a:rPr lang="en-US" dirty="0"/>
-              <a:t>Data Sampling</a:t>
+              <a:t>Configuration Window</a:t>
             </a:r>
           </a:p>
           <a:p>
@@ -5444,7 +5427,7 @@
     </p:spTree>
     <p:extLst>
       <p:ext uri="{BB962C8B-B14F-4D97-AF65-F5344CB8AC3E}">
-        <p14:creationId xmlns:p14="http://schemas.microsoft.com/office/powerpoint/2010/main" val="2374453051"/>
+        <p14:creationId xmlns:p14="http://schemas.microsoft.com/office/powerpoint/2010/main" val="481877264"/>
       </p:ext>
     </p:extLst>
   </p:cSld>
@@ -5490,7 +5473,7 @@
           <a:p>
             <a:r>
               <a:rPr lang="en-US" dirty="0"/>
-              <a:t>Connect to Tableau Data Extract File</a:t>
+              <a:t>Data Sampling</a:t>
             </a:r>
           </a:p>
           <a:p>
@@ -5543,7 +5526,7 @@
     </p:spTree>
     <p:extLst>
       <p:ext uri="{BB962C8B-B14F-4D97-AF65-F5344CB8AC3E}">
-        <p14:creationId xmlns:p14="http://schemas.microsoft.com/office/powerpoint/2010/main" val="4195757070"/>
+        <p14:creationId xmlns:p14="http://schemas.microsoft.com/office/powerpoint/2010/main" val="2374453051"/>
       </p:ext>
     </p:extLst>
   </p:cSld>
@@ -5589,7 +5572,7 @@
           <a:p>
             <a:r>
               <a:rPr lang="en-US" dirty="0"/>
-              <a:t>Connect to Text File</a:t>
+              <a:t>Connect to Tableau Data Extract File</a:t>
             </a:r>
           </a:p>
           <a:p>
@@ -5642,7 +5625,7 @@
     </p:spTree>
     <p:extLst>
       <p:ext uri="{BB962C8B-B14F-4D97-AF65-F5344CB8AC3E}">
-        <p14:creationId xmlns:p14="http://schemas.microsoft.com/office/powerpoint/2010/main" val="3357100315"/>
+        <p14:creationId xmlns:p14="http://schemas.microsoft.com/office/powerpoint/2010/main" val="4195757070"/>
       </p:ext>
     </p:extLst>
   </p:cSld>
@@ -5688,7 +5671,7 @@
           <a:p>
             <a:r>
               <a:rPr lang="en-US" dirty="0"/>
-              <a:t>Other Features</a:t>
+              <a:t>Connect to Text File</a:t>
             </a:r>
           </a:p>
           <a:p>
@@ -5741,7 +5724,7 @@
     </p:spTree>
     <p:extLst>
       <p:ext uri="{BB962C8B-B14F-4D97-AF65-F5344CB8AC3E}">
-        <p14:creationId xmlns:p14="http://schemas.microsoft.com/office/powerpoint/2010/main" val="1262942265"/>
+        <p14:creationId xmlns:p14="http://schemas.microsoft.com/office/powerpoint/2010/main" val="3357100315"/>
       </p:ext>
     </p:extLst>
   </p:cSld>
@@ -5770,12 +5753,39 @@
       </p:grpSpPr>
       <p:sp>
         <p:nvSpPr>
-          <p:cNvPr id="2" name="Subtitle 1"/>
-          <p:cNvSpPr>
-            <a:spLocks noGrp="1"/>
-          </p:cNvSpPr>
-          <p:nvPr>
-            <p:ph type="subTitle" idx="1"/>
+          <p:cNvPr id="2" name="Title 1"/>
+          <p:cNvSpPr>
+            <a:spLocks noGrp="1"/>
+          </p:cNvSpPr>
+          <p:nvPr>
+            <p:ph type="title"/>
+          </p:nvPr>
+        </p:nvSpPr>
+        <p:spPr/>
+        <p:txBody>
+          <a:bodyPr>
+            <a:normAutofit/>
+          </a:bodyPr>
+          <a:lstStyle/>
+          <a:p>
+            <a:r>
+              <a:rPr lang="en-US" dirty="0"/>
+              <a:t>Other Features</a:t>
+            </a:r>
+          </a:p>
+          <a:p>
+            <a:endParaRPr lang="en-US" dirty="0"/>
+          </a:p>
+        </p:txBody>
+      </p:sp>
+      <p:sp>
+        <p:nvSpPr>
+          <p:cNvPr id="5" name="Text Placeholder 4"/>
+          <p:cNvSpPr>
+            <a:spLocks noGrp="1"/>
+          </p:cNvSpPr>
+          <p:nvPr>
+            <p:ph type="body" sz="quarter" idx="10"/>
           </p:nvPr>
         </p:nvSpPr>
         <p:spPr/>
@@ -5789,46 +5799,31 @@
       </p:sp>
       <p:sp>
         <p:nvSpPr>
-          <p:cNvPr id="3" name="Text Placeholder 2"/>
-          <p:cNvSpPr>
-            <a:spLocks noGrp="1"/>
-          </p:cNvSpPr>
-          <p:nvPr>
-            <p:ph type="body" sz="quarter" idx="11"/>
-          </p:nvPr>
-        </p:nvSpPr>
-        <p:spPr/>
-        <p:txBody>
-          <a:bodyPr/>
-          <a:lstStyle/>
-          <a:p>
-            <a:endParaRPr lang="en-US"/>
-          </a:p>
-        </p:txBody>
-      </p:sp>
-      <p:sp>
-        <p:nvSpPr>
-          <p:cNvPr id="4" name="Title 3"/>
-          <p:cNvSpPr>
-            <a:spLocks noGrp="1"/>
-          </p:cNvSpPr>
-          <p:nvPr>
-            <p:ph type="title"/>
-          </p:nvPr>
-        </p:nvSpPr>
-        <p:spPr/>
-        <p:txBody>
-          <a:bodyPr/>
-          <a:lstStyle/>
-          <a:p>
-            <a:endParaRPr lang="en-US"/>
+          <p:cNvPr id="4" name="Slide Number Placeholder 3"/>
+          <p:cNvSpPr>
+            <a:spLocks noGrp="1"/>
+          </p:cNvSpPr>
+          <p:nvPr>
+            <p:ph type="sldNum" sz="quarter" idx="4294967295"/>
+          </p:nvPr>
+        </p:nvSpPr>
+        <p:spPr/>
+        <p:txBody>
+          <a:bodyPr/>
+          <a:lstStyle/>
+          <a:p>
+            <a:fld id="{4FAB73BC-B049-4115-A692-8D63A059BFB8}" type="slidenum">
+              <a:rPr lang="en-US" smtClean="0"/>
+              <a:t>27</a:t>
+            </a:fld>
+            <a:endParaRPr lang="en-US" dirty="0"/>
           </a:p>
         </p:txBody>
       </p:sp>
     </p:spTree>
     <p:extLst>
       <p:ext uri="{BB962C8B-B14F-4D97-AF65-F5344CB8AC3E}">
-        <p14:creationId xmlns:p14="http://schemas.microsoft.com/office/powerpoint/2010/main" val="2350608883"/>
+        <p14:creationId xmlns:p14="http://schemas.microsoft.com/office/powerpoint/2010/main" val="1262942265"/>
       </p:ext>
     </p:extLst>
   </p:cSld>
@@ -5857,7 +5852,45 @@
       </p:grpSpPr>
       <p:sp>
         <p:nvSpPr>
-          <p:cNvPr id="2" name="Title 1"/>
+          <p:cNvPr id="2" name="Subtitle 1"/>
+          <p:cNvSpPr>
+            <a:spLocks noGrp="1"/>
+          </p:cNvSpPr>
+          <p:nvPr>
+            <p:ph type="subTitle" idx="1"/>
+          </p:nvPr>
+        </p:nvSpPr>
+        <p:spPr/>
+        <p:txBody>
+          <a:bodyPr/>
+          <a:lstStyle/>
+          <a:p>
+            <a:endParaRPr lang="en-US"/>
+          </a:p>
+        </p:txBody>
+      </p:sp>
+      <p:sp>
+        <p:nvSpPr>
+          <p:cNvPr id="3" name="Text Placeholder 2"/>
+          <p:cNvSpPr>
+            <a:spLocks noGrp="1"/>
+          </p:cNvSpPr>
+          <p:nvPr>
+            <p:ph type="body" sz="quarter" idx="11"/>
+          </p:nvPr>
+        </p:nvSpPr>
+        <p:spPr/>
+        <p:txBody>
+          <a:bodyPr/>
+          <a:lstStyle/>
+          <a:p>
+            <a:endParaRPr lang="en-US"/>
+          </a:p>
+        </p:txBody>
+      </p:sp>
+      <p:sp>
+        <p:nvSpPr>
+          <p:cNvPr id="4" name="Title 3"/>
           <p:cNvSpPr>
             <a:spLocks noGrp="1"/>
           </p:cNvSpPr>
@@ -5867,48 +5900,17 @@
         </p:nvSpPr>
         <p:spPr/>
         <p:txBody>
-          <a:bodyPr>
-            <a:normAutofit/>
-          </a:bodyPr>
-          <a:lstStyle/>
-          <a:p>
-            <a:r>
-              <a:rPr lang="en-US" dirty="0"/>
-              <a:t>Data Cleaning</a:t>
-            </a:r>
-          </a:p>
-          <a:p>
-            <a:endParaRPr lang="en-US" dirty="0"/>
-          </a:p>
-        </p:txBody>
-      </p:sp>
-      <p:sp>
-        <p:nvSpPr>
-          <p:cNvPr id="4" name="Slide Number Placeholder 3"/>
-          <p:cNvSpPr>
-            <a:spLocks noGrp="1"/>
-          </p:cNvSpPr>
-          <p:nvPr>
-            <p:ph type="sldNum" sz="quarter" idx="4294967295"/>
-          </p:nvPr>
-        </p:nvSpPr>
-        <p:spPr/>
-        <p:txBody>
-          <a:bodyPr/>
-          <a:lstStyle/>
-          <a:p>
-            <a:fld id="{4FAB73BC-B049-4115-A692-8D63A059BFB8}" type="slidenum">
-              <a:rPr lang="en-US" smtClean="0"/>
-              <a:t>28</a:t>
-            </a:fld>
-            <a:endParaRPr lang="en-US" dirty="0"/>
+          <a:bodyPr/>
+          <a:lstStyle/>
+          <a:p>
+            <a:endParaRPr lang="en-US"/>
           </a:p>
         </p:txBody>
       </p:sp>
     </p:spTree>
     <p:extLst>
       <p:ext uri="{BB962C8B-B14F-4D97-AF65-F5344CB8AC3E}">
-        <p14:creationId xmlns:p14="http://schemas.microsoft.com/office/powerpoint/2010/main" val="3574167115"/>
+        <p14:creationId xmlns:p14="http://schemas.microsoft.com/office/powerpoint/2010/main" val="2350608883"/>
       </p:ext>
     </p:extLst>
   </p:cSld>
@@ -5954,30 +5956,11 @@
           <a:p>
             <a:r>
               <a:rPr lang="en-US" dirty="0"/>
-              <a:t>Profile Pane: An In-Depth Analysis</a:t>
+              <a:t>Data Cleaning</a:t>
             </a:r>
           </a:p>
           <a:p>
             <a:endParaRPr lang="en-US" dirty="0"/>
-          </a:p>
-        </p:txBody>
-      </p:sp>
-      <p:sp>
-        <p:nvSpPr>
-          <p:cNvPr id="5" name="Text Placeholder 4"/>
-          <p:cNvSpPr>
-            <a:spLocks noGrp="1"/>
-          </p:cNvSpPr>
-          <p:nvPr>
-            <p:ph type="body" sz="quarter" idx="10"/>
-          </p:nvPr>
-        </p:nvSpPr>
-        <p:spPr/>
-        <p:txBody>
-          <a:bodyPr/>
-          <a:lstStyle/>
-          <a:p>
-            <a:endParaRPr lang="en-US"/>
           </a:p>
         </p:txBody>
       </p:sp>
@@ -6007,7 +5990,7 @@
     </p:spTree>
     <p:extLst>
       <p:ext uri="{BB962C8B-B14F-4D97-AF65-F5344CB8AC3E}">
-        <p14:creationId xmlns:p14="http://schemas.microsoft.com/office/powerpoint/2010/main" val="1414652983"/>
+        <p14:creationId xmlns:p14="http://schemas.microsoft.com/office/powerpoint/2010/main" val="3574167115"/>
       </p:ext>
     </p:extLst>
   </p:cSld>
@@ -6163,7 +6146,7 @@
           <a:p>
             <a:r>
               <a:rPr lang="en-US" dirty="0"/>
-              <a:t>Functions</a:t>
+              <a:t>Profile Pane: An In-Depth Analysis</a:t>
             </a:r>
           </a:p>
           <a:p>
@@ -6216,7 +6199,7 @@
     </p:spTree>
     <p:extLst>
       <p:ext uri="{BB962C8B-B14F-4D97-AF65-F5344CB8AC3E}">
-        <p14:creationId xmlns:p14="http://schemas.microsoft.com/office/powerpoint/2010/main" val="1219868799"/>
+        <p14:creationId xmlns:p14="http://schemas.microsoft.com/office/powerpoint/2010/main" val="1414652983"/>
       </p:ext>
     </p:extLst>
   </p:cSld>
@@ -6262,7 +6245,7 @@
           <a:p>
             <a:r>
               <a:rPr lang="en-US" dirty="0"/>
-              <a:t>Tracking Changes</a:t>
+              <a:t>Functions</a:t>
             </a:r>
           </a:p>
           <a:p>
@@ -6315,7 +6298,7 @@
     </p:spTree>
     <p:extLst>
       <p:ext uri="{BB962C8B-B14F-4D97-AF65-F5344CB8AC3E}">
-        <p14:creationId xmlns:p14="http://schemas.microsoft.com/office/powerpoint/2010/main" val="1777712413"/>
+        <p14:creationId xmlns:p14="http://schemas.microsoft.com/office/powerpoint/2010/main" val="1219868799"/>
       </p:ext>
     </p:extLst>
   </p:cSld>
@@ -6361,7 +6344,7 @@
           <a:p>
             <a:r>
               <a:rPr lang="en-US" dirty="0"/>
-              <a:t>String Calculations</a:t>
+              <a:t>Tracking Changes</a:t>
             </a:r>
           </a:p>
           <a:p>
@@ -6414,7 +6397,7 @@
     </p:spTree>
     <p:extLst>
       <p:ext uri="{BB962C8B-B14F-4D97-AF65-F5344CB8AC3E}">
-        <p14:creationId xmlns:p14="http://schemas.microsoft.com/office/powerpoint/2010/main" val="4039495164"/>
+        <p14:creationId xmlns:p14="http://schemas.microsoft.com/office/powerpoint/2010/main" val="1777712413"/>
       </p:ext>
     </p:extLst>
   </p:cSld>
@@ -6443,12 +6426,39 @@
       </p:grpSpPr>
       <p:sp>
         <p:nvSpPr>
-          <p:cNvPr id="5" name="Subtitle 4"/>
-          <p:cNvSpPr>
-            <a:spLocks noGrp="1"/>
-          </p:cNvSpPr>
-          <p:nvPr>
-            <p:ph type="subTitle" idx="1"/>
+          <p:cNvPr id="2" name="Title 1"/>
+          <p:cNvSpPr>
+            <a:spLocks noGrp="1"/>
+          </p:cNvSpPr>
+          <p:nvPr>
+            <p:ph type="title"/>
+          </p:nvPr>
+        </p:nvSpPr>
+        <p:spPr/>
+        <p:txBody>
+          <a:bodyPr>
+            <a:normAutofit/>
+          </a:bodyPr>
+          <a:lstStyle/>
+          <a:p>
+            <a:r>
+              <a:rPr lang="en-US" dirty="0"/>
+              <a:t>String Calculations</a:t>
+            </a:r>
+          </a:p>
+          <a:p>
+            <a:endParaRPr lang="en-US" dirty="0"/>
+          </a:p>
+        </p:txBody>
+      </p:sp>
+      <p:sp>
+        <p:nvSpPr>
+          <p:cNvPr id="5" name="Text Placeholder 4"/>
+          <p:cNvSpPr>
+            <a:spLocks noGrp="1"/>
+          </p:cNvSpPr>
+          <p:nvPr>
+            <p:ph type="body" sz="quarter" idx="10"/>
           </p:nvPr>
         </p:nvSpPr>
         <p:spPr/>
@@ -6462,46 +6472,31 @@
       </p:sp>
       <p:sp>
         <p:nvSpPr>
-          <p:cNvPr id="6" name="Text Placeholder 5"/>
-          <p:cNvSpPr>
-            <a:spLocks noGrp="1"/>
-          </p:cNvSpPr>
-          <p:nvPr>
-            <p:ph type="body" sz="quarter" idx="11"/>
-          </p:nvPr>
-        </p:nvSpPr>
-        <p:spPr/>
-        <p:txBody>
-          <a:bodyPr/>
-          <a:lstStyle/>
-          <a:p>
-            <a:endParaRPr lang="en-US"/>
-          </a:p>
-        </p:txBody>
-      </p:sp>
-      <p:sp>
-        <p:nvSpPr>
-          <p:cNvPr id="4" name="Title 3"/>
-          <p:cNvSpPr>
-            <a:spLocks noGrp="1"/>
-          </p:cNvSpPr>
-          <p:nvPr>
-            <p:ph type="title"/>
-          </p:nvPr>
-        </p:nvSpPr>
-        <p:spPr/>
-        <p:txBody>
-          <a:bodyPr/>
-          <a:lstStyle/>
-          <a:p>
-            <a:endParaRPr lang="en-US"/>
+          <p:cNvPr id="4" name="Slide Number Placeholder 3"/>
+          <p:cNvSpPr>
+            <a:spLocks noGrp="1"/>
+          </p:cNvSpPr>
+          <p:nvPr>
+            <p:ph type="sldNum" sz="quarter" idx="4294967295"/>
+          </p:nvPr>
+        </p:nvSpPr>
+        <p:spPr/>
+        <p:txBody>
+          <a:bodyPr/>
+          <a:lstStyle/>
+          <a:p>
+            <a:fld id="{4FAB73BC-B049-4115-A692-8D63A059BFB8}" type="slidenum">
+              <a:rPr lang="en-US" smtClean="0"/>
+              <a:t>33</a:t>
+            </a:fld>
+            <a:endParaRPr lang="en-US" dirty="0"/>
           </a:p>
         </p:txBody>
       </p:sp>
     </p:spTree>
     <p:extLst>
       <p:ext uri="{BB962C8B-B14F-4D97-AF65-F5344CB8AC3E}">
-        <p14:creationId xmlns:p14="http://schemas.microsoft.com/office/powerpoint/2010/main" val="4078939970"/>
+        <p14:creationId xmlns:p14="http://schemas.microsoft.com/office/powerpoint/2010/main" val="4039495164"/>
       </p:ext>
     </p:extLst>
   </p:cSld>
@@ -6530,7 +6525,45 @@
       </p:grpSpPr>
       <p:sp>
         <p:nvSpPr>
-          <p:cNvPr id="2" name="Title 1"/>
+          <p:cNvPr id="5" name="Subtitle 4"/>
+          <p:cNvSpPr>
+            <a:spLocks noGrp="1"/>
+          </p:cNvSpPr>
+          <p:nvPr>
+            <p:ph type="subTitle" idx="1"/>
+          </p:nvPr>
+        </p:nvSpPr>
+        <p:spPr/>
+        <p:txBody>
+          <a:bodyPr/>
+          <a:lstStyle/>
+          <a:p>
+            <a:endParaRPr lang="en-US"/>
+          </a:p>
+        </p:txBody>
+      </p:sp>
+      <p:sp>
+        <p:nvSpPr>
+          <p:cNvPr id="6" name="Text Placeholder 5"/>
+          <p:cNvSpPr>
+            <a:spLocks noGrp="1"/>
+          </p:cNvSpPr>
+          <p:nvPr>
+            <p:ph type="body" sz="quarter" idx="11"/>
+          </p:nvPr>
+        </p:nvSpPr>
+        <p:spPr/>
+        <p:txBody>
+          <a:bodyPr/>
+          <a:lstStyle/>
+          <a:p>
+            <a:endParaRPr lang="en-US"/>
+          </a:p>
+        </p:txBody>
+      </p:sp>
+      <p:sp>
+        <p:nvSpPr>
+          <p:cNvPr id="4" name="Title 3"/>
           <p:cNvSpPr>
             <a:spLocks noGrp="1"/>
           </p:cNvSpPr>
@@ -6540,48 +6573,17 @@
         </p:nvSpPr>
         <p:spPr/>
         <p:txBody>
-          <a:bodyPr>
-            <a:normAutofit/>
-          </a:bodyPr>
-          <a:lstStyle/>
-          <a:p>
-            <a:r>
-              <a:rPr lang="en-US" dirty="0"/>
-              <a:t>Group and Replace</a:t>
-            </a:r>
-          </a:p>
-          <a:p>
-            <a:endParaRPr lang="en-US" dirty="0"/>
-          </a:p>
-        </p:txBody>
-      </p:sp>
-      <p:sp>
-        <p:nvSpPr>
-          <p:cNvPr id="4" name="Slide Number Placeholder 3"/>
-          <p:cNvSpPr>
-            <a:spLocks noGrp="1"/>
-          </p:cNvSpPr>
-          <p:nvPr>
-            <p:ph type="sldNum" sz="quarter" idx="4294967295"/>
-          </p:nvPr>
-        </p:nvSpPr>
-        <p:spPr/>
-        <p:txBody>
-          <a:bodyPr/>
-          <a:lstStyle/>
-          <a:p>
-            <a:fld id="{4FAB73BC-B049-4115-A692-8D63A059BFB8}" type="slidenum">
-              <a:rPr lang="en-US" smtClean="0"/>
-              <a:t>34</a:t>
-            </a:fld>
-            <a:endParaRPr lang="en-US" dirty="0"/>
+          <a:bodyPr/>
+          <a:lstStyle/>
+          <a:p>
+            <a:endParaRPr lang="en-US"/>
           </a:p>
         </p:txBody>
       </p:sp>
     </p:spTree>
     <p:extLst>
       <p:ext uri="{BB962C8B-B14F-4D97-AF65-F5344CB8AC3E}">
-        <p14:creationId xmlns:p14="http://schemas.microsoft.com/office/powerpoint/2010/main" val="3690503997"/>
+        <p14:creationId xmlns:p14="http://schemas.microsoft.com/office/powerpoint/2010/main" val="4078939970"/>
       </p:ext>
     </p:extLst>
   </p:cSld>
@@ -6620,35 +6622,18 @@
         </p:nvSpPr>
         <p:spPr/>
         <p:txBody>
-          <a:bodyPr/>
-          <a:lstStyle/>
-          <a:p>
-            <a:r>
-              <a:rPr lang="en-US"/>
-              <a:t>Automatic Group and Replace Functions</a:t>
+          <a:bodyPr>
+            <a:normAutofit/>
+          </a:bodyPr>
+          <a:lstStyle/>
+          <a:p>
+            <a:r>
+              <a:rPr lang="en-US" dirty="0"/>
+              <a:t>Group and Replace</a:t>
             </a:r>
           </a:p>
           <a:p>
             <a:endParaRPr lang="en-US" dirty="0"/>
-          </a:p>
-        </p:txBody>
-      </p:sp>
-      <p:sp>
-        <p:nvSpPr>
-          <p:cNvPr id="8" name="Text Placeholder 7"/>
-          <p:cNvSpPr>
-            <a:spLocks noGrp="1"/>
-          </p:cNvSpPr>
-          <p:nvPr>
-            <p:ph type="body" sz="quarter" idx="10"/>
-          </p:nvPr>
-        </p:nvSpPr>
-        <p:spPr/>
-        <p:txBody>
-          <a:bodyPr/>
-          <a:lstStyle/>
-          <a:p>
-            <a:endParaRPr lang="en-US"/>
           </a:p>
         </p:txBody>
       </p:sp>
@@ -6669,7 +6654,6 @@
           <a:p>
             <a:fld id="{4FAB73BC-B049-4115-A692-8D63A059BFB8}" type="slidenum">
               <a:rPr lang="en-US" smtClean="0"/>
-              <a:pPr/>
               <a:t>35</a:t>
             </a:fld>
             <a:endParaRPr lang="en-US" dirty="0"/>
@@ -6679,7 +6663,7 @@
     </p:spTree>
     <p:extLst>
       <p:ext uri="{BB962C8B-B14F-4D97-AF65-F5344CB8AC3E}">
-        <p14:creationId xmlns:p14="http://schemas.microsoft.com/office/powerpoint/2010/main" val="2414697677"/>
+        <p14:creationId xmlns:p14="http://schemas.microsoft.com/office/powerpoint/2010/main" val="3690503997"/>
       </p:ext>
     </p:extLst>
   </p:cSld>
@@ -6723,7 +6707,7 @@
           <a:p>
             <a:r>
               <a:rPr lang="en-US"/>
-              <a:t>Manual Grouping</a:t>
+              <a:t>Automatic Group and Replace Functions</a:t>
             </a:r>
           </a:p>
           <a:p>
@@ -6777,7 +6761,7 @@
     </p:spTree>
     <p:extLst>
       <p:ext uri="{BB962C8B-B14F-4D97-AF65-F5344CB8AC3E}">
-        <p14:creationId xmlns:p14="http://schemas.microsoft.com/office/powerpoint/2010/main" val="2177486930"/>
+        <p14:creationId xmlns:p14="http://schemas.microsoft.com/office/powerpoint/2010/main" val="2414697677"/>
       </p:ext>
     </p:extLst>
   </p:cSld>
@@ -6821,7 +6805,7 @@
           <a:p>
             <a:r>
               <a:rPr lang="en-US"/>
-              <a:t>Examples</a:t>
+              <a:t>Manual Grouping</a:t>
             </a:r>
           </a:p>
           <a:p>
@@ -6875,7 +6859,7 @@
     </p:spTree>
     <p:extLst>
       <p:ext uri="{BB962C8B-B14F-4D97-AF65-F5344CB8AC3E}">
-        <p14:creationId xmlns:p14="http://schemas.microsoft.com/office/powerpoint/2010/main" val="3724569971"/>
+        <p14:creationId xmlns:p14="http://schemas.microsoft.com/office/powerpoint/2010/main" val="2177486930"/>
       </p:ext>
     </p:extLst>
   </p:cSld>
@@ -6904,12 +6888,37 @@
       </p:grpSpPr>
       <p:sp>
         <p:nvSpPr>
-          <p:cNvPr id="2" name="Subtitle 1"/>
-          <p:cNvSpPr>
-            <a:spLocks noGrp="1"/>
-          </p:cNvSpPr>
-          <p:nvPr>
-            <p:ph type="subTitle" idx="1"/>
+          <p:cNvPr id="2" name="Title 1"/>
+          <p:cNvSpPr>
+            <a:spLocks noGrp="1"/>
+          </p:cNvSpPr>
+          <p:nvPr>
+            <p:ph type="title"/>
+          </p:nvPr>
+        </p:nvSpPr>
+        <p:spPr/>
+        <p:txBody>
+          <a:bodyPr/>
+          <a:lstStyle/>
+          <a:p>
+            <a:r>
+              <a:rPr lang="en-US"/>
+              <a:t>Examples</a:t>
+            </a:r>
+          </a:p>
+          <a:p>
+            <a:endParaRPr lang="en-US" dirty="0"/>
+          </a:p>
+        </p:txBody>
+      </p:sp>
+      <p:sp>
+        <p:nvSpPr>
+          <p:cNvPr id="8" name="Text Placeholder 7"/>
+          <p:cNvSpPr>
+            <a:spLocks noGrp="1"/>
+          </p:cNvSpPr>
+          <p:nvPr>
+            <p:ph type="body" sz="quarter" idx="10"/>
           </p:nvPr>
         </p:nvSpPr>
         <p:spPr/>
@@ -6923,46 +6932,32 @@
       </p:sp>
       <p:sp>
         <p:nvSpPr>
-          <p:cNvPr id="3" name="Text Placeholder 2"/>
-          <p:cNvSpPr>
-            <a:spLocks noGrp="1"/>
-          </p:cNvSpPr>
-          <p:nvPr>
-            <p:ph type="body" sz="quarter" idx="11"/>
-          </p:nvPr>
-        </p:nvSpPr>
-        <p:spPr/>
-        <p:txBody>
-          <a:bodyPr/>
-          <a:lstStyle/>
-          <a:p>
-            <a:endParaRPr lang="en-US"/>
-          </a:p>
-        </p:txBody>
-      </p:sp>
-      <p:sp>
-        <p:nvSpPr>
-          <p:cNvPr id="4" name="Title 3"/>
-          <p:cNvSpPr>
-            <a:spLocks noGrp="1"/>
-          </p:cNvSpPr>
-          <p:nvPr>
-            <p:ph type="title"/>
-          </p:nvPr>
-        </p:nvSpPr>
-        <p:spPr/>
-        <p:txBody>
-          <a:bodyPr/>
-          <a:lstStyle/>
-          <a:p>
-            <a:endParaRPr lang="en-US"/>
+          <p:cNvPr id="4" name="Slide Number Placeholder 3"/>
+          <p:cNvSpPr>
+            <a:spLocks noGrp="1"/>
+          </p:cNvSpPr>
+          <p:nvPr>
+            <p:ph type="sldNum" sz="quarter" idx="4294967295"/>
+          </p:nvPr>
+        </p:nvSpPr>
+        <p:spPr/>
+        <p:txBody>
+          <a:bodyPr/>
+          <a:lstStyle/>
+          <a:p>
+            <a:fld id="{4FAB73BC-B049-4115-A692-8D63A059BFB8}" type="slidenum">
+              <a:rPr lang="en-US" smtClean="0"/>
+              <a:pPr/>
+              <a:t>38</a:t>
+            </a:fld>
+            <a:endParaRPr lang="en-US" dirty="0"/>
           </a:p>
         </p:txBody>
       </p:sp>
     </p:spTree>
     <p:extLst>
       <p:ext uri="{BB962C8B-B14F-4D97-AF65-F5344CB8AC3E}">
-        <p14:creationId xmlns:p14="http://schemas.microsoft.com/office/powerpoint/2010/main" val="1648934747"/>
+        <p14:creationId xmlns:p14="http://schemas.microsoft.com/office/powerpoint/2010/main" val="3724569971"/>
       </p:ext>
     </p:extLst>
   </p:cSld>
@@ -6991,7 +6986,45 @@
       </p:grpSpPr>
       <p:sp>
         <p:nvSpPr>
-          <p:cNvPr id="2" name="Title 1"/>
+          <p:cNvPr id="2" name="Subtitle 1"/>
+          <p:cNvSpPr>
+            <a:spLocks noGrp="1"/>
+          </p:cNvSpPr>
+          <p:nvPr>
+            <p:ph type="subTitle" idx="1"/>
+          </p:nvPr>
+        </p:nvSpPr>
+        <p:spPr/>
+        <p:txBody>
+          <a:bodyPr/>
+          <a:lstStyle/>
+          <a:p>
+            <a:endParaRPr lang="en-US"/>
+          </a:p>
+        </p:txBody>
+      </p:sp>
+      <p:sp>
+        <p:nvSpPr>
+          <p:cNvPr id="3" name="Text Placeholder 2"/>
+          <p:cNvSpPr>
+            <a:spLocks noGrp="1"/>
+          </p:cNvSpPr>
+          <p:nvPr>
+            <p:ph type="body" sz="quarter" idx="11"/>
+          </p:nvPr>
+        </p:nvSpPr>
+        <p:spPr/>
+        <p:txBody>
+          <a:bodyPr/>
+          <a:lstStyle/>
+          <a:p>
+            <a:endParaRPr lang="en-US"/>
+          </a:p>
+        </p:txBody>
+      </p:sp>
+      <p:sp>
+        <p:nvSpPr>
+          <p:cNvPr id="4" name="Title 3"/>
           <p:cNvSpPr>
             <a:spLocks noGrp="1"/>
           </p:cNvSpPr>
@@ -7001,48 +7034,17 @@
         </p:nvSpPr>
         <p:spPr/>
         <p:txBody>
-          <a:bodyPr>
-            <a:normAutofit/>
-          </a:bodyPr>
-          <a:lstStyle/>
-          <a:p>
-            <a:r>
-              <a:rPr lang="en-US" dirty="0"/>
-              <a:t>Aggregation and Pivot</a:t>
-            </a:r>
-          </a:p>
-          <a:p>
-            <a:endParaRPr lang="en-US" dirty="0"/>
-          </a:p>
-        </p:txBody>
-      </p:sp>
-      <p:sp>
-        <p:nvSpPr>
-          <p:cNvPr id="4" name="Slide Number Placeholder 3"/>
-          <p:cNvSpPr>
-            <a:spLocks noGrp="1"/>
-          </p:cNvSpPr>
-          <p:nvPr>
-            <p:ph type="sldNum" sz="quarter" idx="4294967295"/>
-          </p:nvPr>
-        </p:nvSpPr>
-        <p:spPr/>
-        <p:txBody>
-          <a:bodyPr/>
-          <a:lstStyle/>
-          <a:p>
-            <a:fld id="{4FAB73BC-B049-4115-A692-8D63A059BFB8}" type="slidenum">
-              <a:rPr lang="en-US" smtClean="0"/>
-              <a:t>39</a:t>
-            </a:fld>
-            <a:endParaRPr lang="en-US" dirty="0"/>
+          <a:bodyPr/>
+          <a:lstStyle/>
+          <a:p>
+            <a:endParaRPr lang="en-US"/>
           </a:p>
         </p:txBody>
       </p:sp>
     </p:spTree>
     <p:extLst>
       <p:ext uri="{BB962C8B-B14F-4D97-AF65-F5344CB8AC3E}">
-        <p14:creationId xmlns:p14="http://schemas.microsoft.com/office/powerpoint/2010/main" val="1958751481"/>
+        <p14:creationId xmlns:p14="http://schemas.microsoft.com/office/powerpoint/2010/main" val="1648934747"/>
       </p:ext>
     </p:extLst>
   </p:cSld>
@@ -7634,30 +7636,11 @@
           <a:p>
             <a:r>
               <a:rPr lang="en-US" dirty="0"/>
-              <a:t>Aggregations</a:t>
+              <a:t>Aggregation and Pivot</a:t>
             </a:r>
           </a:p>
           <a:p>
             <a:endParaRPr lang="en-US" dirty="0"/>
-          </a:p>
-        </p:txBody>
-      </p:sp>
-      <p:sp>
-        <p:nvSpPr>
-          <p:cNvPr id="5" name="Text Placeholder 4"/>
-          <p:cNvSpPr>
-            <a:spLocks noGrp="1"/>
-          </p:cNvSpPr>
-          <p:nvPr>
-            <p:ph type="body" sz="quarter" idx="10"/>
-          </p:nvPr>
-        </p:nvSpPr>
-        <p:spPr/>
-        <p:txBody>
-          <a:bodyPr/>
-          <a:lstStyle/>
-          <a:p>
-            <a:endParaRPr lang="en-US"/>
           </a:p>
         </p:txBody>
       </p:sp>
@@ -7687,7 +7670,7 @@
     </p:spTree>
     <p:extLst>
       <p:ext uri="{BB962C8B-B14F-4D97-AF65-F5344CB8AC3E}">
-        <p14:creationId xmlns:p14="http://schemas.microsoft.com/office/powerpoint/2010/main" val="2391791631"/>
+        <p14:creationId xmlns:p14="http://schemas.microsoft.com/office/powerpoint/2010/main" val="1958751481"/>
       </p:ext>
     </p:extLst>
   </p:cSld>
@@ -7733,7 +7716,7 @@
           <a:p>
             <a:r>
               <a:rPr lang="en-US" dirty="0"/>
-              <a:t>Aggregation Functions</a:t>
+              <a:t>Aggregations</a:t>
             </a:r>
           </a:p>
           <a:p>
@@ -7786,7 +7769,7 @@
     </p:spTree>
     <p:extLst>
       <p:ext uri="{BB962C8B-B14F-4D97-AF65-F5344CB8AC3E}">
-        <p14:creationId xmlns:p14="http://schemas.microsoft.com/office/powerpoint/2010/main" val="23337854"/>
+        <p14:creationId xmlns:p14="http://schemas.microsoft.com/office/powerpoint/2010/main" val="2391791631"/>
       </p:ext>
     </p:extLst>
   </p:cSld>
@@ -7832,7 +7815,7 @@
           <a:p>
             <a:r>
               <a:rPr lang="en-US" dirty="0"/>
-              <a:t>Group By</a:t>
+              <a:t>Aggregation Functions</a:t>
             </a:r>
           </a:p>
           <a:p>
@@ -7885,7 +7868,7 @@
     </p:spTree>
     <p:extLst>
       <p:ext uri="{BB962C8B-B14F-4D97-AF65-F5344CB8AC3E}">
-        <p14:creationId xmlns:p14="http://schemas.microsoft.com/office/powerpoint/2010/main" val="1951688755"/>
+        <p14:creationId xmlns:p14="http://schemas.microsoft.com/office/powerpoint/2010/main" val="23337854"/>
       </p:ext>
     </p:extLst>
   </p:cSld>
@@ -7931,7 +7914,7 @@
           <a:p>
             <a:r>
               <a:rPr lang="en-US" dirty="0"/>
-              <a:t>Examples</a:t>
+              <a:t>Group By</a:t>
             </a:r>
           </a:p>
           <a:p>
@@ -7984,7 +7967,7 @@
     </p:spTree>
     <p:extLst>
       <p:ext uri="{BB962C8B-B14F-4D97-AF65-F5344CB8AC3E}">
-        <p14:creationId xmlns:p14="http://schemas.microsoft.com/office/powerpoint/2010/main" val="2788349869"/>
+        <p14:creationId xmlns:p14="http://schemas.microsoft.com/office/powerpoint/2010/main" val="1951688755"/>
       </p:ext>
     </p:extLst>
   </p:cSld>
@@ -8030,7 +8013,7 @@
           <a:p>
             <a:r>
               <a:rPr lang="en-US" dirty="0"/>
-              <a:t>Pivot</a:t>
+              <a:t>Examples</a:t>
             </a:r>
           </a:p>
           <a:p>
@@ -8083,7 +8066,7 @@
     </p:spTree>
     <p:extLst>
       <p:ext uri="{BB962C8B-B14F-4D97-AF65-F5344CB8AC3E}">
-        <p14:creationId xmlns:p14="http://schemas.microsoft.com/office/powerpoint/2010/main" val="3940517650"/>
+        <p14:creationId xmlns:p14="http://schemas.microsoft.com/office/powerpoint/2010/main" val="2788349869"/>
       </p:ext>
     </p:extLst>
   </p:cSld>
@@ -8112,12 +8095,39 @@
       </p:grpSpPr>
       <p:sp>
         <p:nvSpPr>
-          <p:cNvPr id="2" name="Subtitle 1"/>
-          <p:cNvSpPr>
-            <a:spLocks noGrp="1"/>
-          </p:cNvSpPr>
-          <p:nvPr>
-            <p:ph type="subTitle" idx="1"/>
+          <p:cNvPr id="2" name="Title 1"/>
+          <p:cNvSpPr>
+            <a:spLocks noGrp="1"/>
+          </p:cNvSpPr>
+          <p:nvPr>
+            <p:ph type="title"/>
+          </p:nvPr>
+        </p:nvSpPr>
+        <p:spPr/>
+        <p:txBody>
+          <a:bodyPr>
+            <a:normAutofit/>
+          </a:bodyPr>
+          <a:lstStyle/>
+          <a:p>
+            <a:r>
+              <a:rPr lang="en-US" dirty="0"/>
+              <a:t>Pivot</a:t>
+            </a:r>
+          </a:p>
+          <a:p>
+            <a:endParaRPr lang="en-US" dirty="0"/>
+          </a:p>
+        </p:txBody>
+      </p:sp>
+      <p:sp>
+        <p:nvSpPr>
+          <p:cNvPr id="5" name="Text Placeholder 4"/>
+          <p:cNvSpPr>
+            <a:spLocks noGrp="1"/>
+          </p:cNvSpPr>
+          <p:nvPr>
+            <p:ph type="body" sz="quarter" idx="10"/>
           </p:nvPr>
         </p:nvSpPr>
         <p:spPr/>
@@ -8131,46 +8141,31 @@
       </p:sp>
       <p:sp>
         <p:nvSpPr>
-          <p:cNvPr id="3" name="Text Placeholder 2"/>
-          <p:cNvSpPr>
-            <a:spLocks noGrp="1"/>
-          </p:cNvSpPr>
-          <p:nvPr>
-            <p:ph type="body" sz="quarter" idx="11"/>
-          </p:nvPr>
-        </p:nvSpPr>
-        <p:spPr/>
-        <p:txBody>
-          <a:bodyPr/>
-          <a:lstStyle/>
-          <a:p>
-            <a:endParaRPr lang="en-US"/>
-          </a:p>
-        </p:txBody>
-      </p:sp>
-      <p:sp>
-        <p:nvSpPr>
-          <p:cNvPr id="4" name="Title 3"/>
-          <p:cNvSpPr>
-            <a:spLocks noGrp="1"/>
-          </p:cNvSpPr>
-          <p:nvPr>
-            <p:ph type="title"/>
-          </p:nvPr>
-        </p:nvSpPr>
-        <p:spPr/>
-        <p:txBody>
-          <a:bodyPr/>
-          <a:lstStyle/>
-          <a:p>
-            <a:endParaRPr lang="en-US"/>
+          <p:cNvPr id="4" name="Slide Number Placeholder 3"/>
+          <p:cNvSpPr>
+            <a:spLocks noGrp="1"/>
+          </p:cNvSpPr>
+          <p:nvPr>
+            <p:ph type="sldNum" sz="quarter" idx="4294967295"/>
+          </p:nvPr>
+        </p:nvSpPr>
+        <p:spPr/>
+        <p:txBody>
+          <a:bodyPr/>
+          <a:lstStyle/>
+          <a:p>
+            <a:fld id="{4FAB73BC-B049-4115-A692-8D63A059BFB8}" type="slidenum">
+              <a:rPr lang="en-US" smtClean="0"/>
+              <a:t>45</a:t>
+            </a:fld>
+            <a:endParaRPr lang="en-US" dirty="0"/>
           </a:p>
         </p:txBody>
       </p:sp>
     </p:spTree>
     <p:extLst>
       <p:ext uri="{BB962C8B-B14F-4D97-AF65-F5344CB8AC3E}">
-        <p14:creationId xmlns:p14="http://schemas.microsoft.com/office/powerpoint/2010/main" val="2143564651"/>
+        <p14:creationId xmlns:p14="http://schemas.microsoft.com/office/powerpoint/2010/main" val="3940517650"/>
       </p:ext>
     </p:extLst>
   </p:cSld>
@@ -8199,7 +8194,45 @@
       </p:grpSpPr>
       <p:sp>
         <p:nvSpPr>
-          <p:cNvPr id="2" name="Title 1"/>
+          <p:cNvPr id="2" name="Subtitle 1"/>
+          <p:cNvSpPr>
+            <a:spLocks noGrp="1"/>
+          </p:cNvSpPr>
+          <p:nvPr>
+            <p:ph type="subTitle" idx="1"/>
+          </p:nvPr>
+        </p:nvSpPr>
+        <p:spPr/>
+        <p:txBody>
+          <a:bodyPr/>
+          <a:lstStyle/>
+          <a:p>
+            <a:endParaRPr lang="en-US"/>
+          </a:p>
+        </p:txBody>
+      </p:sp>
+      <p:sp>
+        <p:nvSpPr>
+          <p:cNvPr id="3" name="Text Placeholder 2"/>
+          <p:cNvSpPr>
+            <a:spLocks noGrp="1"/>
+          </p:cNvSpPr>
+          <p:nvPr>
+            <p:ph type="body" sz="quarter" idx="11"/>
+          </p:nvPr>
+        </p:nvSpPr>
+        <p:spPr/>
+        <p:txBody>
+          <a:bodyPr/>
+          <a:lstStyle/>
+          <a:p>
+            <a:endParaRPr lang="en-US"/>
+          </a:p>
+        </p:txBody>
+      </p:sp>
+      <p:sp>
+        <p:nvSpPr>
+          <p:cNvPr id="4" name="Title 3"/>
           <p:cNvSpPr>
             <a:spLocks noGrp="1"/>
           </p:cNvSpPr>
@@ -8209,48 +8242,17 @@
         </p:nvSpPr>
         <p:spPr/>
         <p:txBody>
-          <a:bodyPr>
-            <a:normAutofit/>
-          </a:bodyPr>
-          <a:lstStyle/>
-          <a:p>
-            <a:r>
-              <a:rPr lang="en-US" dirty="0"/>
-              <a:t>Joins and Unions</a:t>
-            </a:r>
-          </a:p>
-          <a:p>
-            <a:endParaRPr lang="en-US" dirty="0"/>
-          </a:p>
-        </p:txBody>
-      </p:sp>
-      <p:sp>
-        <p:nvSpPr>
-          <p:cNvPr id="4" name="Slide Number Placeholder 3"/>
-          <p:cNvSpPr>
-            <a:spLocks noGrp="1"/>
-          </p:cNvSpPr>
-          <p:nvPr>
-            <p:ph type="sldNum" sz="quarter" idx="4294967295"/>
-          </p:nvPr>
-        </p:nvSpPr>
-        <p:spPr/>
-        <p:txBody>
-          <a:bodyPr/>
-          <a:lstStyle/>
-          <a:p>
-            <a:fld id="{4FAB73BC-B049-4115-A692-8D63A059BFB8}" type="slidenum">
-              <a:rPr lang="en-US" smtClean="0"/>
-              <a:t>46</a:t>
-            </a:fld>
-            <a:endParaRPr lang="en-US" dirty="0"/>
+          <a:bodyPr/>
+          <a:lstStyle/>
+          <a:p>
+            <a:endParaRPr lang="en-US"/>
           </a:p>
         </p:txBody>
       </p:sp>
     </p:spTree>
     <p:extLst>
       <p:ext uri="{BB962C8B-B14F-4D97-AF65-F5344CB8AC3E}">
-        <p14:creationId xmlns:p14="http://schemas.microsoft.com/office/powerpoint/2010/main" val="1240370214"/>
+        <p14:creationId xmlns:p14="http://schemas.microsoft.com/office/powerpoint/2010/main" val="2143564651"/>
       </p:ext>
     </p:extLst>
   </p:cSld>
@@ -8296,30 +8298,11 @@
           <a:p>
             <a:r>
               <a:rPr lang="en-US" dirty="0"/>
-              <a:t>Join</a:t>
+              <a:t>Joins and Unions</a:t>
             </a:r>
           </a:p>
           <a:p>
             <a:endParaRPr lang="en-US" dirty="0"/>
-          </a:p>
-        </p:txBody>
-      </p:sp>
-      <p:sp>
-        <p:nvSpPr>
-          <p:cNvPr id="5" name="Text Placeholder 4"/>
-          <p:cNvSpPr>
-            <a:spLocks noGrp="1"/>
-          </p:cNvSpPr>
-          <p:nvPr>
-            <p:ph type="body" sz="quarter" idx="10"/>
-          </p:nvPr>
-        </p:nvSpPr>
-        <p:spPr/>
-        <p:txBody>
-          <a:bodyPr/>
-          <a:lstStyle/>
-          <a:p>
-            <a:endParaRPr lang="en-US"/>
           </a:p>
         </p:txBody>
       </p:sp>
@@ -8349,7 +8332,7 @@
     </p:spTree>
     <p:extLst>
       <p:ext uri="{BB962C8B-B14F-4D97-AF65-F5344CB8AC3E}">
-        <p14:creationId xmlns:p14="http://schemas.microsoft.com/office/powerpoint/2010/main" val="2599561476"/>
+        <p14:creationId xmlns:p14="http://schemas.microsoft.com/office/powerpoint/2010/main" val="1240370214"/>
       </p:ext>
     </p:extLst>
   </p:cSld>
@@ -8395,7 +8378,7 @@
           <a:p>
             <a:r>
               <a:rPr lang="en-US" dirty="0"/>
-              <a:t>Types of Joins</a:t>
+              <a:t>Join</a:t>
             </a:r>
           </a:p>
           <a:p>
@@ -8448,7 +8431,7 @@
     </p:spTree>
     <p:extLst>
       <p:ext uri="{BB962C8B-B14F-4D97-AF65-F5344CB8AC3E}">
-        <p14:creationId xmlns:p14="http://schemas.microsoft.com/office/powerpoint/2010/main" val="3596709695"/>
+        <p14:creationId xmlns:p14="http://schemas.microsoft.com/office/powerpoint/2010/main" val="2599561476"/>
       </p:ext>
     </p:extLst>
   </p:cSld>
@@ -8494,7 +8477,7 @@
           <a:p>
             <a:r>
               <a:rPr lang="en-US" dirty="0"/>
-              <a:t>Example</a:t>
+              <a:t>Types of Joins</a:t>
             </a:r>
           </a:p>
           <a:p>
@@ -8547,7 +8530,7 @@
     </p:spTree>
     <p:extLst>
       <p:ext uri="{BB962C8B-B14F-4D97-AF65-F5344CB8AC3E}">
-        <p14:creationId xmlns:p14="http://schemas.microsoft.com/office/powerpoint/2010/main" val="3653774116"/>
+        <p14:creationId xmlns:p14="http://schemas.microsoft.com/office/powerpoint/2010/main" val="3596709695"/>
       </p:ext>
     </p:extLst>
   </p:cSld>
@@ -8770,7 +8753,7 @@
           <a:p>
             <a:r>
               <a:rPr lang="en-US" dirty="0"/>
-              <a:t>Union</a:t>
+              <a:t>Example</a:t>
             </a:r>
           </a:p>
           <a:p>
@@ -8823,7 +8806,7 @@
     </p:spTree>
     <p:extLst>
       <p:ext uri="{BB962C8B-B14F-4D97-AF65-F5344CB8AC3E}">
-        <p14:creationId xmlns:p14="http://schemas.microsoft.com/office/powerpoint/2010/main" val="1635834936"/>
+        <p14:creationId xmlns:p14="http://schemas.microsoft.com/office/powerpoint/2010/main" val="3653774116"/>
       </p:ext>
     </p:extLst>
   </p:cSld>
@@ -8869,7 +8852,7 @@
           <a:p>
             <a:r>
               <a:rPr lang="en-US" dirty="0"/>
-              <a:t>Example</a:t>
+              <a:t>Union</a:t>
             </a:r>
           </a:p>
           <a:p>
@@ -8922,7 +8905,7 @@
     </p:spTree>
     <p:extLst>
       <p:ext uri="{BB962C8B-B14F-4D97-AF65-F5344CB8AC3E}">
-        <p14:creationId xmlns:p14="http://schemas.microsoft.com/office/powerpoint/2010/main" val="609212388"/>
+        <p14:creationId xmlns:p14="http://schemas.microsoft.com/office/powerpoint/2010/main" val="1635834936"/>
       </p:ext>
     </p:extLst>
   </p:cSld>
@@ -8951,12 +8934,39 @@
       </p:grpSpPr>
       <p:sp>
         <p:nvSpPr>
-          <p:cNvPr id="2" name="Subtitle 1"/>
-          <p:cNvSpPr>
-            <a:spLocks noGrp="1"/>
-          </p:cNvSpPr>
-          <p:nvPr>
-            <p:ph type="subTitle" idx="1"/>
+          <p:cNvPr id="2" name="Title 1"/>
+          <p:cNvSpPr>
+            <a:spLocks noGrp="1"/>
+          </p:cNvSpPr>
+          <p:nvPr>
+            <p:ph type="title"/>
+          </p:nvPr>
+        </p:nvSpPr>
+        <p:spPr/>
+        <p:txBody>
+          <a:bodyPr>
+            <a:normAutofit/>
+          </a:bodyPr>
+          <a:lstStyle/>
+          <a:p>
+            <a:r>
+              <a:rPr lang="en-US" dirty="0"/>
+              <a:t>Example</a:t>
+            </a:r>
+          </a:p>
+          <a:p>
+            <a:endParaRPr lang="en-US" dirty="0"/>
+          </a:p>
+        </p:txBody>
+      </p:sp>
+      <p:sp>
+        <p:nvSpPr>
+          <p:cNvPr id="5" name="Text Placeholder 4"/>
+          <p:cNvSpPr>
+            <a:spLocks noGrp="1"/>
+          </p:cNvSpPr>
+          <p:nvPr>
+            <p:ph type="body" sz="quarter" idx="10"/>
           </p:nvPr>
         </p:nvSpPr>
         <p:spPr/>
@@ -8970,46 +8980,31 @@
       </p:sp>
       <p:sp>
         <p:nvSpPr>
-          <p:cNvPr id="3" name="Text Placeholder 2"/>
-          <p:cNvSpPr>
-            <a:spLocks noGrp="1"/>
-          </p:cNvSpPr>
-          <p:nvPr>
-            <p:ph type="body" sz="quarter" idx="11"/>
-          </p:nvPr>
-        </p:nvSpPr>
-        <p:spPr/>
-        <p:txBody>
-          <a:bodyPr/>
-          <a:lstStyle/>
-          <a:p>
-            <a:endParaRPr lang="en-US"/>
-          </a:p>
-        </p:txBody>
-      </p:sp>
-      <p:sp>
-        <p:nvSpPr>
-          <p:cNvPr id="4" name="Title 3"/>
-          <p:cNvSpPr>
-            <a:spLocks noGrp="1"/>
-          </p:cNvSpPr>
-          <p:nvPr>
-            <p:ph type="title"/>
-          </p:nvPr>
-        </p:nvSpPr>
-        <p:spPr/>
-        <p:txBody>
-          <a:bodyPr/>
-          <a:lstStyle/>
-          <a:p>
-            <a:endParaRPr lang="en-US"/>
+          <p:cNvPr id="4" name="Slide Number Placeholder 3"/>
+          <p:cNvSpPr>
+            <a:spLocks noGrp="1"/>
+          </p:cNvSpPr>
+          <p:nvPr>
+            <p:ph type="sldNum" sz="quarter" idx="4294967295"/>
+          </p:nvPr>
+        </p:nvSpPr>
+        <p:spPr/>
+        <p:txBody>
+          <a:bodyPr/>
+          <a:lstStyle/>
+          <a:p>
+            <a:fld id="{4FAB73BC-B049-4115-A692-8D63A059BFB8}" type="slidenum">
+              <a:rPr lang="en-US" smtClean="0"/>
+              <a:t>52</a:t>
+            </a:fld>
+            <a:endParaRPr lang="en-US" dirty="0"/>
           </a:p>
         </p:txBody>
       </p:sp>
     </p:spTree>
     <p:extLst>
       <p:ext uri="{BB962C8B-B14F-4D97-AF65-F5344CB8AC3E}">
-        <p14:creationId xmlns:p14="http://schemas.microsoft.com/office/powerpoint/2010/main" val="2176800069"/>
+        <p14:creationId xmlns:p14="http://schemas.microsoft.com/office/powerpoint/2010/main" val="609212388"/>
       </p:ext>
     </p:extLst>
   </p:cSld>
@@ -9038,7 +9033,45 @@
       </p:grpSpPr>
       <p:sp>
         <p:nvSpPr>
-          <p:cNvPr id="2" name="Title 1"/>
+          <p:cNvPr id="2" name="Subtitle 1"/>
+          <p:cNvSpPr>
+            <a:spLocks noGrp="1"/>
+          </p:cNvSpPr>
+          <p:nvPr>
+            <p:ph type="subTitle" idx="1"/>
+          </p:nvPr>
+        </p:nvSpPr>
+        <p:spPr/>
+        <p:txBody>
+          <a:bodyPr/>
+          <a:lstStyle/>
+          <a:p>
+            <a:endParaRPr lang="en-US"/>
+          </a:p>
+        </p:txBody>
+      </p:sp>
+      <p:sp>
+        <p:nvSpPr>
+          <p:cNvPr id="3" name="Text Placeholder 2"/>
+          <p:cNvSpPr>
+            <a:spLocks noGrp="1"/>
+          </p:cNvSpPr>
+          <p:nvPr>
+            <p:ph type="body" sz="quarter" idx="11"/>
+          </p:nvPr>
+        </p:nvSpPr>
+        <p:spPr/>
+        <p:txBody>
+          <a:bodyPr/>
+          <a:lstStyle/>
+          <a:p>
+            <a:endParaRPr lang="en-US"/>
+          </a:p>
+        </p:txBody>
+      </p:sp>
+      <p:sp>
+        <p:nvSpPr>
+          <p:cNvPr id="4" name="Title 3"/>
           <p:cNvSpPr>
             <a:spLocks noGrp="1"/>
           </p:cNvSpPr>
@@ -9048,48 +9081,17 @@
         </p:nvSpPr>
         <p:spPr/>
         <p:txBody>
-          <a:bodyPr>
-            <a:normAutofit/>
-          </a:bodyPr>
-          <a:lstStyle/>
-          <a:p>
-            <a:r>
-              <a:rPr lang="en-US" dirty="0"/>
-              <a:t>Tableau Prep Builder Conductor</a:t>
-            </a:r>
-          </a:p>
-          <a:p>
-            <a:endParaRPr lang="en-US" dirty="0"/>
-          </a:p>
-        </p:txBody>
-      </p:sp>
-      <p:sp>
-        <p:nvSpPr>
-          <p:cNvPr id="4" name="Slide Number Placeholder 3"/>
-          <p:cNvSpPr>
-            <a:spLocks noGrp="1"/>
-          </p:cNvSpPr>
-          <p:nvPr>
-            <p:ph type="sldNum" sz="quarter" idx="4294967295"/>
-          </p:nvPr>
-        </p:nvSpPr>
-        <p:spPr/>
-        <p:txBody>
-          <a:bodyPr/>
-          <a:lstStyle/>
-          <a:p>
-            <a:fld id="{4FAB73BC-B049-4115-A692-8D63A059BFB8}" type="slidenum">
-              <a:rPr lang="en-US" smtClean="0"/>
-              <a:t>53</a:t>
-            </a:fld>
-            <a:endParaRPr lang="en-US" dirty="0"/>
+          <a:bodyPr/>
+          <a:lstStyle/>
+          <a:p>
+            <a:endParaRPr lang="en-US"/>
           </a:p>
         </p:txBody>
       </p:sp>
     </p:spTree>
     <p:extLst>
       <p:ext uri="{BB962C8B-B14F-4D97-AF65-F5344CB8AC3E}">
-        <p14:creationId xmlns:p14="http://schemas.microsoft.com/office/powerpoint/2010/main" val="710894456"/>
+        <p14:creationId xmlns:p14="http://schemas.microsoft.com/office/powerpoint/2010/main" val="2176800069"/>
       </p:ext>
     </p:extLst>
   </p:cSld>
@@ -9145,25 +9147,6 @@
       </p:sp>
       <p:sp>
         <p:nvSpPr>
-          <p:cNvPr id="5" name="Text Placeholder 4"/>
-          <p:cNvSpPr>
-            <a:spLocks noGrp="1"/>
-          </p:cNvSpPr>
-          <p:nvPr>
-            <p:ph type="body" sz="quarter" idx="10"/>
-          </p:nvPr>
-        </p:nvSpPr>
-        <p:spPr/>
-        <p:txBody>
-          <a:bodyPr/>
-          <a:lstStyle/>
-          <a:p>
-            <a:endParaRPr lang="en-US"/>
-          </a:p>
-        </p:txBody>
-      </p:sp>
-      <p:sp>
-        <p:nvSpPr>
           <p:cNvPr id="4" name="Slide Number Placeholder 3"/>
           <p:cNvSpPr>
             <a:spLocks noGrp="1"/>
@@ -9188,7 +9171,7 @@
     </p:spTree>
     <p:extLst>
       <p:ext uri="{BB962C8B-B14F-4D97-AF65-F5344CB8AC3E}">
-        <p14:creationId xmlns:p14="http://schemas.microsoft.com/office/powerpoint/2010/main" val="3097242473"/>
+        <p14:creationId xmlns:p14="http://schemas.microsoft.com/office/powerpoint/2010/main" val="710894456"/>
       </p:ext>
     </p:extLst>
   </p:cSld>
@@ -9234,7 +9217,7 @@
           <a:p>
             <a:r>
               <a:rPr lang="en-US" dirty="0"/>
-              <a:t>Prerequisites</a:t>
+              <a:t>Tableau Prep Builder Conductor</a:t>
             </a:r>
           </a:p>
           <a:p>
@@ -9287,7 +9270,7 @@
     </p:spTree>
     <p:extLst>
       <p:ext uri="{BB962C8B-B14F-4D97-AF65-F5344CB8AC3E}">
-        <p14:creationId xmlns:p14="http://schemas.microsoft.com/office/powerpoint/2010/main" val="2790491849"/>
+        <p14:creationId xmlns:p14="http://schemas.microsoft.com/office/powerpoint/2010/main" val="3097242473"/>
       </p:ext>
     </p:extLst>
   </p:cSld>
@@ -9333,7 +9316,7 @@
           <a:p>
             <a:r>
               <a:rPr lang="en-US" dirty="0"/>
-              <a:t>Publishing Workflows to Server (Discussed)</a:t>
+              <a:t>Prerequisites</a:t>
             </a:r>
           </a:p>
           <a:p>
@@ -9386,7 +9369,7 @@
     </p:spTree>
     <p:extLst>
       <p:ext uri="{BB962C8B-B14F-4D97-AF65-F5344CB8AC3E}">
-        <p14:creationId xmlns:p14="http://schemas.microsoft.com/office/powerpoint/2010/main" val="2246816309"/>
+        <p14:creationId xmlns:p14="http://schemas.microsoft.com/office/powerpoint/2010/main" val="2790491849"/>
       </p:ext>
     </p:extLst>
   </p:cSld>
@@ -9425,12 +9408,14 @@
         </p:nvSpPr>
         <p:spPr/>
         <p:txBody>
-          <a:bodyPr/>
-          <a:lstStyle/>
-          <a:p>
-            <a:r>
-              <a:rPr lang="en-US" dirty="0"/>
-              <a:t>Scheduling Workflows to Server (Discussed)</a:t>
+          <a:bodyPr>
+            <a:normAutofit/>
+          </a:bodyPr>
+          <a:lstStyle/>
+          <a:p>
+            <a:r>
+              <a:rPr lang="en-US" dirty="0"/>
+              <a:t>Publishing Workflows to Server (Discussed)</a:t>
             </a:r>
           </a:p>
           <a:p>
@@ -9483,7 +9468,7 @@
     </p:spTree>
     <p:extLst>
       <p:ext uri="{BB962C8B-B14F-4D97-AF65-F5344CB8AC3E}">
-        <p14:creationId xmlns:p14="http://schemas.microsoft.com/office/powerpoint/2010/main" val="2531394161"/>
+        <p14:creationId xmlns:p14="http://schemas.microsoft.com/office/powerpoint/2010/main" val="2246816309"/>
       </p:ext>
     </p:extLst>
   </p:cSld>
@@ -9512,12 +9497,37 @@
       </p:grpSpPr>
       <p:sp>
         <p:nvSpPr>
-          <p:cNvPr id="2" name="Subtitle 1"/>
-          <p:cNvSpPr>
-            <a:spLocks noGrp="1"/>
-          </p:cNvSpPr>
-          <p:nvPr>
-            <p:ph type="subTitle" idx="1"/>
+          <p:cNvPr id="2" name="Title 1"/>
+          <p:cNvSpPr>
+            <a:spLocks noGrp="1"/>
+          </p:cNvSpPr>
+          <p:nvPr>
+            <p:ph type="title"/>
+          </p:nvPr>
+        </p:nvSpPr>
+        <p:spPr/>
+        <p:txBody>
+          <a:bodyPr/>
+          <a:lstStyle/>
+          <a:p>
+            <a:r>
+              <a:rPr lang="en-US" dirty="0"/>
+              <a:t>Scheduling Workflows to Server (Discussed)</a:t>
+            </a:r>
+          </a:p>
+          <a:p>
+            <a:endParaRPr lang="en-US" dirty="0"/>
+          </a:p>
+        </p:txBody>
+      </p:sp>
+      <p:sp>
+        <p:nvSpPr>
+          <p:cNvPr id="5" name="Text Placeholder 4"/>
+          <p:cNvSpPr>
+            <a:spLocks noGrp="1"/>
+          </p:cNvSpPr>
+          <p:nvPr>
+            <p:ph type="body" sz="quarter" idx="10"/>
           </p:nvPr>
         </p:nvSpPr>
         <p:spPr/>
@@ -9531,46 +9541,31 @@
       </p:sp>
       <p:sp>
         <p:nvSpPr>
-          <p:cNvPr id="3" name="Text Placeholder 2"/>
-          <p:cNvSpPr>
-            <a:spLocks noGrp="1"/>
-          </p:cNvSpPr>
-          <p:nvPr>
-            <p:ph type="body" sz="quarter" idx="11"/>
-          </p:nvPr>
-        </p:nvSpPr>
-        <p:spPr/>
-        <p:txBody>
-          <a:bodyPr/>
-          <a:lstStyle/>
-          <a:p>
-            <a:endParaRPr lang="en-US"/>
-          </a:p>
-        </p:txBody>
-      </p:sp>
-      <p:sp>
-        <p:nvSpPr>
-          <p:cNvPr id="4" name="Title 3"/>
-          <p:cNvSpPr>
-            <a:spLocks noGrp="1"/>
-          </p:cNvSpPr>
-          <p:nvPr>
-            <p:ph type="title"/>
-          </p:nvPr>
-        </p:nvSpPr>
-        <p:spPr/>
-        <p:txBody>
-          <a:bodyPr/>
-          <a:lstStyle/>
-          <a:p>
-            <a:endParaRPr lang="en-US"/>
+          <p:cNvPr id="4" name="Slide Number Placeholder 3"/>
+          <p:cNvSpPr>
+            <a:spLocks noGrp="1"/>
+          </p:cNvSpPr>
+          <p:nvPr>
+            <p:ph type="sldNum" sz="quarter" idx="4294967295"/>
+          </p:nvPr>
+        </p:nvSpPr>
+        <p:spPr/>
+        <p:txBody>
+          <a:bodyPr/>
+          <a:lstStyle/>
+          <a:p>
+            <a:fld id="{4FAB73BC-B049-4115-A692-8D63A059BFB8}" type="slidenum">
+              <a:rPr lang="en-US" smtClean="0"/>
+              <a:t>58</a:t>
+            </a:fld>
+            <a:endParaRPr lang="en-US" dirty="0"/>
           </a:p>
         </p:txBody>
       </p:sp>
     </p:spTree>
     <p:extLst>
       <p:ext uri="{BB962C8B-B14F-4D97-AF65-F5344CB8AC3E}">
-        <p14:creationId xmlns:p14="http://schemas.microsoft.com/office/powerpoint/2010/main" val="3615799458"/>
+        <p14:creationId xmlns:p14="http://schemas.microsoft.com/office/powerpoint/2010/main" val="2531394161"/>
       </p:ext>
     </p:extLst>
   </p:cSld>
@@ -9599,29 +9594,7 @@
       </p:grpSpPr>
       <p:sp>
         <p:nvSpPr>
-          <p:cNvPr id="2" name="Title 1"/>
-          <p:cNvSpPr>
-            <a:spLocks noGrp="1"/>
-          </p:cNvSpPr>
-          <p:nvPr>
-            <p:ph type="ctrTitle"/>
-          </p:nvPr>
-        </p:nvSpPr>
-        <p:spPr/>
-        <p:txBody>
-          <a:bodyPr/>
-          <a:lstStyle/>
-          <a:p>
-            <a:r>
-              <a:rPr lang="en-US" dirty="0"/>
-              <a:t>Thank you!</a:t>
-            </a:r>
-          </a:p>
-        </p:txBody>
-      </p:sp>
-      <p:sp>
-        <p:nvSpPr>
-          <p:cNvPr id="5" name="Subtitle 4"/>
+          <p:cNvPr id="2" name="Subtitle 1"/>
           <p:cNvSpPr>
             <a:spLocks noGrp="1"/>
           </p:cNvSpPr>
@@ -9634,36 +9607,52 @@
           <a:bodyPr/>
           <a:lstStyle/>
           <a:p>
-            <a:r>
-              <a:rPr lang="en-US" dirty="0"/>
-              <a:t>Questions?</a:t>
-            </a:r>
-          </a:p>
-          <a:p>
-            <a:r>
-              <a:rPr lang="en-US" dirty="0"/>
-              <a:t>Survey: http://</a:t>
-            </a:r>
-            <a:r>
-              <a:rPr lang="en-US" dirty="0" err="1"/>
-              <a:t>www.onlc.com</a:t>
-            </a:r>
-            <a:r>
-              <a:rPr lang="en-US" dirty="0"/>
-              <a:t>/</a:t>
-            </a:r>
-            <a:r>
-              <a:rPr lang="en-US" dirty="0" err="1"/>
-              <a:t>eval</a:t>
-            </a:r>
-            <a:endParaRPr lang="en-US" dirty="0"/>
+            <a:endParaRPr lang="en-US"/>
+          </a:p>
+        </p:txBody>
+      </p:sp>
+      <p:sp>
+        <p:nvSpPr>
+          <p:cNvPr id="3" name="Text Placeholder 2"/>
+          <p:cNvSpPr>
+            <a:spLocks noGrp="1"/>
+          </p:cNvSpPr>
+          <p:nvPr>
+            <p:ph type="body" sz="quarter" idx="11"/>
+          </p:nvPr>
+        </p:nvSpPr>
+        <p:spPr/>
+        <p:txBody>
+          <a:bodyPr/>
+          <a:lstStyle/>
+          <a:p>
+            <a:endParaRPr lang="en-US"/>
+          </a:p>
+        </p:txBody>
+      </p:sp>
+      <p:sp>
+        <p:nvSpPr>
+          <p:cNvPr id="4" name="Title 3"/>
+          <p:cNvSpPr>
+            <a:spLocks noGrp="1"/>
+          </p:cNvSpPr>
+          <p:nvPr>
+            <p:ph type="title"/>
+          </p:nvPr>
+        </p:nvSpPr>
+        <p:spPr/>
+        <p:txBody>
+          <a:bodyPr/>
+          <a:lstStyle/>
+          <a:p>
+            <a:endParaRPr lang="en-US"/>
           </a:p>
         </p:txBody>
       </p:sp>
     </p:spTree>
     <p:extLst>
       <p:ext uri="{BB962C8B-B14F-4D97-AF65-F5344CB8AC3E}">
-        <p14:creationId xmlns:p14="http://schemas.microsoft.com/office/powerpoint/2010/main" val="1768650418"/>
+        <p14:creationId xmlns:p14="http://schemas.microsoft.com/office/powerpoint/2010/main" val="3615799458"/>
       </p:ext>
     </p:extLst>
   </p:cSld>
@@ -9774,6 +9763,99 @@
     <p:extLst>
       <p:ext uri="{BB962C8B-B14F-4D97-AF65-F5344CB8AC3E}">
         <p14:creationId xmlns:p14="http://schemas.microsoft.com/office/powerpoint/2010/main" val="2470414402"/>
+      </p:ext>
+    </p:extLst>
+  </p:cSld>
+  <p:clrMapOvr>
+    <a:masterClrMapping/>
+  </p:clrMapOvr>
+</p:sld>
+</file>
+
+<file path=ppt/slides/slide60.xml><?xml version="1.0" encoding="utf-8"?>
+<p:sld xmlns:a="http://schemas.openxmlformats.org/drawingml/2006/main" xmlns:r="http://schemas.openxmlformats.org/officeDocument/2006/relationships" xmlns:p="http://schemas.openxmlformats.org/presentationml/2006/main">
+  <p:cSld>
+    <p:spTree>
+      <p:nvGrpSpPr>
+        <p:cNvPr id="1" name=""/>
+        <p:cNvGrpSpPr/>
+        <p:nvPr/>
+      </p:nvGrpSpPr>
+      <p:grpSpPr>
+        <a:xfrm>
+          <a:off x="0" y="0"/>
+          <a:ext cx="0" cy="0"/>
+          <a:chOff x="0" y="0"/>
+          <a:chExt cx="0" cy="0"/>
+        </a:xfrm>
+      </p:grpSpPr>
+      <p:sp>
+        <p:nvSpPr>
+          <p:cNvPr id="2" name="Title 1"/>
+          <p:cNvSpPr>
+            <a:spLocks noGrp="1"/>
+          </p:cNvSpPr>
+          <p:nvPr>
+            <p:ph type="ctrTitle"/>
+          </p:nvPr>
+        </p:nvSpPr>
+        <p:spPr/>
+        <p:txBody>
+          <a:bodyPr/>
+          <a:lstStyle/>
+          <a:p>
+            <a:r>
+              <a:rPr lang="en-US" dirty="0"/>
+              <a:t>Thank you!</a:t>
+            </a:r>
+          </a:p>
+        </p:txBody>
+      </p:sp>
+      <p:sp>
+        <p:nvSpPr>
+          <p:cNvPr id="5" name="Subtitle 4"/>
+          <p:cNvSpPr>
+            <a:spLocks noGrp="1"/>
+          </p:cNvSpPr>
+          <p:nvPr>
+            <p:ph type="subTitle" idx="1"/>
+          </p:nvPr>
+        </p:nvSpPr>
+        <p:spPr/>
+        <p:txBody>
+          <a:bodyPr/>
+          <a:lstStyle/>
+          <a:p>
+            <a:r>
+              <a:rPr lang="en-US" dirty="0"/>
+              <a:t>Questions?</a:t>
+            </a:r>
+          </a:p>
+          <a:p>
+            <a:r>
+              <a:rPr lang="en-US" dirty="0"/>
+              <a:t>Survey: http://</a:t>
+            </a:r>
+            <a:r>
+              <a:rPr lang="en-US" dirty="0" err="1"/>
+              <a:t>www.onlc.com</a:t>
+            </a:r>
+            <a:r>
+              <a:rPr lang="en-US" dirty="0"/>
+              <a:t>/</a:t>
+            </a:r>
+            <a:r>
+              <a:rPr lang="en-US" dirty="0" err="1"/>
+              <a:t>eval</a:t>
+            </a:r>
+            <a:endParaRPr lang="en-US" dirty="0"/>
+          </a:p>
+        </p:txBody>
+      </p:sp>
+    </p:spTree>
+    <p:extLst>
+      <p:ext uri="{BB962C8B-B14F-4D97-AF65-F5344CB8AC3E}">
+        <p14:creationId xmlns:p14="http://schemas.microsoft.com/office/powerpoint/2010/main" val="1768650418"/>
       </p:ext>
     </p:extLst>
   </p:cSld>
@@ -11598,21 +11680,6 @@
 </file>
 
 <file path=customXml/item1.xml><?xml version="1.0" encoding="utf-8"?>
-<?mso-contentType ?>
-<FormTemplates xmlns="http://schemas.microsoft.com/sharepoint/v3/contenttype/forms">
-  <Display>DocumentLibraryForm</Display>
-  <Edit>DocumentLibraryForm</Edit>
-  <New>DocumentLibraryForm</New>
-</FormTemplates>
-</file>
-
-<file path=customXml/item2.xml><?xml version="1.0" encoding="utf-8"?>
-<p:properties xmlns:p="http://schemas.microsoft.com/office/2006/metadata/properties" xmlns:xsi="http://www.w3.org/2001/XMLSchema-instance" xmlns:pc="http://schemas.microsoft.com/office/infopath/2007/PartnerControls">
-  <documentManagement/>
-</p:properties>
-</file>
-
-<file path=customXml/item3.xml><?xml version="1.0" encoding="utf-8"?>
 <ct:contentTypeSchema xmlns:ct="http://schemas.microsoft.com/office/2006/metadata/contentType" xmlns:ma="http://schemas.microsoft.com/office/2006/metadata/properties/metaAttributes" ct:_="" ma:_="" ma:contentTypeName="Document" ma:contentTypeID="0x010100DF17D0A5D2A94D41851BD81F437949EB" ma:contentTypeVersion="4" ma:contentTypeDescription="Create a new document." ma:contentTypeScope="" ma:versionID="86394c489d6ea242463219402424de30">
   <xsd:schema xmlns:xsd="http://www.w3.org/2001/XMLSchema" xmlns:xs="http://www.w3.org/2001/XMLSchema" xmlns:p="http://schemas.microsoft.com/office/2006/metadata/properties" xmlns:ns2="8ae4afce-818c-4ab4-8e35-377c82201c18" xmlns:ns3="6549f357-ea04-4fdc-a4ff-01e398dbae1f" targetNamespace="http://schemas.microsoft.com/office/2006/metadata/properties" ma:root="true" ma:fieldsID="fe252f9ea815bb7a68216b40880644e9" ns2:_="" ns3:_="">
     <xsd:import namespace="8ae4afce-818c-4ab4-8e35-377c82201c18"/>
@@ -11777,32 +11844,22 @@
 </ct:contentTypeSchema>
 </file>
 
-<file path=customXml/itemProps1.xml><?xml version="1.0" encoding="utf-8"?>
-<ds:datastoreItem xmlns:ds="http://schemas.openxmlformats.org/officeDocument/2006/customXml" ds:itemID="{7FBE9ADF-F1D8-4E9F-83D5-C6625824914C}">
-  <ds:schemaRefs>
-    <ds:schemaRef ds:uri="http://schemas.microsoft.com/sharepoint/v3/contenttype/forms"/>
-  </ds:schemaRefs>
-</ds:datastoreItem>
+<file path=customXml/item2.xml><?xml version="1.0" encoding="utf-8"?>
+<?mso-contentType ?>
+<FormTemplates xmlns="http://schemas.microsoft.com/sharepoint/v3/contenttype/forms">
+  <Display>DocumentLibraryForm</Display>
+  <Edit>DocumentLibraryForm</Edit>
+  <New>DocumentLibraryForm</New>
+</FormTemplates>
 </file>
 
-<file path=customXml/itemProps2.xml><?xml version="1.0" encoding="utf-8"?>
-<ds:datastoreItem xmlns:ds="http://schemas.openxmlformats.org/officeDocument/2006/customXml" ds:itemID="{FF9AC6B8-7021-4B23-A9AF-61295A177099}">
-  <ds:schemaRefs>
-    <ds:schemaRef ds:uri="http://schemas.microsoft.com/office/infopath/2007/PartnerControls"/>
-    <ds:schemaRef ds:uri="http://purl.org/dc/dcmitype/"/>
-    <ds:schemaRef ds:uri="http://schemas.microsoft.com/office/2006/metadata/properties"/>
-    <ds:schemaRef ds:uri="http://www.w3.org/XML/1998/namespace"/>
-    <ds:schemaRef ds:uri="http://schemas.microsoft.com/office/2006/documentManagement/types"/>
-    <ds:schemaRef ds:uri="6549f357-ea04-4fdc-a4ff-01e398dbae1f"/>
-    <ds:schemaRef ds:uri="http://schemas.openxmlformats.org/package/2006/metadata/core-properties"/>
-    <ds:schemaRef ds:uri="8ae4afce-818c-4ab4-8e35-377c82201c18"/>
-    <ds:schemaRef ds:uri="http://purl.org/dc/terms/"/>
-    <ds:schemaRef ds:uri="http://purl.org/dc/elements/1.1/"/>
-  </ds:schemaRefs>
-</ds:datastoreItem>
+<file path=customXml/item3.xml><?xml version="1.0" encoding="utf-8"?>
+<p:properties xmlns:p="http://schemas.microsoft.com/office/2006/metadata/properties" xmlns:xsi="http://www.w3.org/2001/XMLSchema-instance" xmlns:pc="http://schemas.microsoft.com/office/infopath/2007/PartnerControls">
+  <documentManagement/>
+</p:properties>
 </file>
 
-<file path=customXml/itemProps3.xml><?xml version="1.0" encoding="utf-8"?>
+<file path=customXml/itemProps1.xml><?xml version="1.0" encoding="utf-8"?>
 <ds:datastoreItem xmlns:ds="http://schemas.openxmlformats.org/officeDocument/2006/customXml" ds:itemID="{5E59C5BB-F795-4F02-AFC2-70EF9316FDF1}">
   <ds:schemaRefs>
     <ds:schemaRef ds:uri="http://schemas.microsoft.com/office/2006/metadata/contentType"/>
@@ -11819,4 +11876,29 @@
     <ds:schemaRef ds:uri="http://schemas.microsoft.com/internal/obd"/>
   </ds:schemaRefs>
 </ds:datastoreItem>
+</file>
+
+<file path=customXml/itemProps2.xml><?xml version="1.0" encoding="utf-8"?>
+<ds:datastoreItem xmlns:ds="http://schemas.openxmlformats.org/officeDocument/2006/customXml" ds:itemID="{7FBE9ADF-F1D8-4E9F-83D5-C6625824914C}">
+  <ds:schemaRefs>
+    <ds:schemaRef ds:uri="http://schemas.microsoft.com/sharepoint/v3/contenttype/forms"/>
+  </ds:schemaRefs>
+</ds:datastoreItem>
+</file>
+
+<file path=customXml/itemProps3.xml><?xml version="1.0" encoding="utf-8"?>
+<ds:datastoreItem xmlns:ds="http://schemas.openxmlformats.org/officeDocument/2006/customXml" ds:itemID="{FF9AC6B8-7021-4B23-A9AF-61295A177099}">
+  <ds:schemaRefs>
+    <ds:schemaRef ds:uri="http://schemas.microsoft.com/office/infopath/2007/PartnerControls"/>
+    <ds:schemaRef ds:uri="http://purl.org/dc/dcmitype/"/>
+    <ds:schemaRef ds:uri="http://schemas.microsoft.com/office/2006/metadata/properties"/>
+    <ds:schemaRef ds:uri="http://www.w3.org/XML/1998/namespace"/>
+    <ds:schemaRef ds:uri="http://schemas.microsoft.com/office/2006/documentManagement/types"/>
+    <ds:schemaRef ds:uri="6549f357-ea04-4fdc-a4ff-01e398dbae1f"/>
+    <ds:schemaRef ds:uri="http://schemas.openxmlformats.org/package/2006/metadata/core-properties"/>
+    <ds:schemaRef ds:uri="8ae4afce-818c-4ab4-8e35-377c82201c18"/>
+    <ds:schemaRef ds:uri="http://purl.org/dc/terms/"/>
+    <ds:schemaRef ds:uri="http://purl.org/dc/elements/1.1/"/>
+  </ds:schemaRefs>
+</ds:datastoreItem>
 </file>
--- a/ppt/TableauPrepBuilderIntroV1_1.pptx
+++ b/ppt/TableauPrepBuilderIntroV1_1.pptx
@@ -5,10 +5,10 @@
     <p:sldMasterId id="2147483660" r:id="rId4"/>
   </p:sldMasterIdLst>
   <p:notesMasterIdLst>
-    <p:notesMasterId r:id="rId65"/>
+    <p:notesMasterId r:id="rId79"/>
   </p:notesMasterIdLst>
   <p:handoutMasterIdLst>
-    <p:handoutMasterId r:id="rId66"/>
+    <p:handoutMasterId r:id="rId80"/>
   </p:handoutMasterIdLst>
   <p:sldIdLst>
     <p:sldId id="323" r:id="rId5"/>
@@ -24,53 +24,67 @@
     <p:sldId id="417" r:id="rId15"/>
     <p:sldId id="418" r:id="rId16"/>
     <p:sldId id="419" r:id="rId17"/>
-    <p:sldId id="342" r:id="rId18"/>
-    <p:sldId id="343" r:id="rId19"/>
-    <p:sldId id="344" r:id="rId20"/>
-    <p:sldId id="345" r:id="rId21"/>
-    <p:sldId id="346" r:id="rId22"/>
-    <p:sldId id="409" r:id="rId23"/>
-    <p:sldId id="401" r:id="rId24"/>
-    <p:sldId id="402" r:id="rId25"/>
-    <p:sldId id="403" r:id="rId26"/>
-    <p:sldId id="404" r:id="rId27"/>
-    <p:sldId id="405" r:id="rId28"/>
-    <p:sldId id="406" r:id="rId29"/>
-    <p:sldId id="407" r:id="rId30"/>
-    <p:sldId id="408" r:id="rId31"/>
-    <p:sldId id="410" r:id="rId32"/>
-    <p:sldId id="396" r:id="rId33"/>
-    <p:sldId id="397" r:id="rId34"/>
-    <p:sldId id="398" r:id="rId35"/>
-    <p:sldId id="399" r:id="rId36"/>
-    <p:sldId id="400" r:id="rId37"/>
-    <p:sldId id="411" r:id="rId38"/>
-    <p:sldId id="392" r:id="rId39"/>
-    <p:sldId id="393" r:id="rId40"/>
-    <p:sldId id="394" r:id="rId41"/>
-    <p:sldId id="395" r:id="rId42"/>
-    <p:sldId id="412" r:id="rId43"/>
-    <p:sldId id="386" r:id="rId44"/>
-    <p:sldId id="387" r:id="rId45"/>
-    <p:sldId id="388" r:id="rId46"/>
-    <p:sldId id="389" r:id="rId47"/>
-    <p:sldId id="390" r:id="rId48"/>
-    <p:sldId id="391" r:id="rId49"/>
-    <p:sldId id="413" r:id="rId50"/>
-    <p:sldId id="374" r:id="rId51"/>
-    <p:sldId id="375" r:id="rId52"/>
-    <p:sldId id="376" r:id="rId53"/>
-    <p:sldId id="377" r:id="rId54"/>
-    <p:sldId id="378" r:id="rId55"/>
-    <p:sldId id="379" r:id="rId56"/>
-    <p:sldId id="414" r:id="rId57"/>
-    <p:sldId id="381" r:id="rId58"/>
-    <p:sldId id="382" r:id="rId59"/>
-    <p:sldId id="383" r:id="rId60"/>
-    <p:sldId id="384" r:id="rId61"/>
-    <p:sldId id="385" r:id="rId62"/>
-    <p:sldId id="415" r:id="rId63"/>
-    <p:sldId id="340" r:id="rId64"/>
+    <p:sldId id="420" r:id="rId18"/>
+    <p:sldId id="421" r:id="rId19"/>
+    <p:sldId id="422" r:id="rId20"/>
+    <p:sldId id="426" r:id="rId21"/>
+    <p:sldId id="423" r:id="rId22"/>
+    <p:sldId id="424" r:id="rId23"/>
+    <p:sldId id="425" r:id="rId24"/>
+    <p:sldId id="427" r:id="rId25"/>
+    <p:sldId id="428" r:id="rId26"/>
+    <p:sldId id="429" r:id="rId27"/>
+    <p:sldId id="430" r:id="rId28"/>
+    <p:sldId id="431" r:id="rId29"/>
+    <p:sldId id="432" r:id="rId30"/>
+    <p:sldId id="433" r:id="rId31"/>
+    <p:sldId id="342" r:id="rId32"/>
+    <p:sldId id="343" r:id="rId33"/>
+    <p:sldId id="344" r:id="rId34"/>
+    <p:sldId id="345" r:id="rId35"/>
+    <p:sldId id="346" r:id="rId36"/>
+    <p:sldId id="409" r:id="rId37"/>
+    <p:sldId id="401" r:id="rId38"/>
+    <p:sldId id="402" r:id="rId39"/>
+    <p:sldId id="403" r:id="rId40"/>
+    <p:sldId id="404" r:id="rId41"/>
+    <p:sldId id="405" r:id="rId42"/>
+    <p:sldId id="406" r:id="rId43"/>
+    <p:sldId id="407" r:id="rId44"/>
+    <p:sldId id="408" r:id="rId45"/>
+    <p:sldId id="410" r:id="rId46"/>
+    <p:sldId id="396" r:id="rId47"/>
+    <p:sldId id="397" r:id="rId48"/>
+    <p:sldId id="398" r:id="rId49"/>
+    <p:sldId id="399" r:id="rId50"/>
+    <p:sldId id="400" r:id="rId51"/>
+    <p:sldId id="411" r:id="rId52"/>
+    <p:sldId id="392" r:id="rId53"/>
+    <p:sldId id="393" r:id="rId54"/>
+    <p:sldId id="394" r:id="rId55"/>
+    <p:sldId id="395" r:id="rId56"/>
+    <p:sldId id="412" r:id="rId57"/>
+    <p:sldId id="386" r:id="rId58"/>
+    <p:sldId id="387" r:id="rId59"/>
+    <p:sldId id="388" r:id="rId60"/>
+    <p:sldId id="389" r:id="rId61"/>
+    <p:sldId id="390" r:id="rId62"/>
+    <p:sldId id="391" r:id="rId63"/>
+    <p:sldId id="413" r:id="rId64"/>
+    <p:sldId id="374" r:id="rId65"/>
+    <p:sldId id="375" r:id="rId66"/>
+    <p:sldId id="376" r:id="rId67"/>
+    <p:sldId id="377" r:id="rId68"/>
+    <p:sldId id="378" r:id="rId69"/>
+    <p:sldId id="379" r:id="rId70"/>
+    <p:sldId id="414" r:id="rId71"/>
+    <p:sldId id="381" r:id="rId72"/>
+    <p:sldId id="382" r:id="rId73"/>
+    <p:sldId id="383" r:id="rId74"/>
+    <p:sldId id="384" r:id="rId75"/>
+    <p:sldId id="385" r:id="rId76"/>
+    <p:sldId id="415" r:id="rId77"/>
+    <p:sldId id="340" r:id="rId78"/>
   </p:sldIdLst>
   <p:sldSz cx="12192000" cy="6858000"/>
   <p:notesSz cx="9309100" cy="7053263"/>
@@ -221,6 +235,20 @@
             <p14:sldId id="417"/>
             <p14:sldId id="418"/>
             <p14:sldId id="419"/>
+            <p14:sldId id="420"/>
+            <p14:sldId id="421"/>
+            <p14:sldId id="422"/>
+            <p14:sldId id="426"/>
+            <p14:sldId id="423"/>
+            <p14:sldId id="424"/>
+            <p14:sldId id="425"/>
+            <p14:sldId id="427"/>
+            <p14:sldId id="428"/>
+            <p14:sldId id="429"/>
+            <p14:sldId id="430"/>
+            <p14:sldId id="431"/>
+            <p14:sldId id="432"/>
+            <p14:sldId id="433"/>
           </p14:sldIdLst>
         </p14:section>
         <p14:section name="Module 2: Introduction and Prep Builder" id="{98F94D3A-15E3-4D17-80BB-8918625923CE}">
@@ -458,7 +486,7 @@
               <a:pPr>
                 <a:defRPr/>
               </a:pPr>
-              <a:t>1/19/20</a:t>
+              <a:t>1/19/2020</a:t>
             </a:fld>
             <a:endParaRPr lang="en-US"/>
           </a:p>
@@ -677,7 +705,7 @@
               <a:pPr>
                 <a:defRPr/>
               </a:pPr>
-              <a:t>1/19/20</a:t>
+              <a:t>1/19/2020</a:t>
             </a:fld>
             <a:endParaRPr lang="en-US"/>
           </a:p>
@@ -4392,7 +4420,11 @@
           <a:bodyPr/>
           <a:lstStyle/>
           <a:p>
-            <a:endParaRPr lang="en-US"/>
+            <a:r>
+              <a:rPr lang="en-US" dirty="0" smtClean="0"/>
+              <a:t>Transform</a:t>
+            </a:r>
+            <a:endParaRPr lang="en-US" dirty="0"/>
           </a:p>
         </p:txBody>
       </p:sp>
@@ -4417,7 +4449,43 @@
           <a:bodyPr/>
           <a:lstStyle/>
           <a:p>
-            <a:endParaRPr lang="en-US"/>
+            <a:r>
+              <a:rPr lang="en-US" dirty="0" smtClean="0"/>
+              <a:t>“Clean” data = remove or repair erroneous entries</a:t>
+            </a:r>
+          </a:p>
+          <a:p>
+            <a:r>
+              <a:rPr lang="en-US" dirty="0" smtClean="0"/>
+              <a:t>“Shape” data = get data in a form that’s compatible with your analytic needs</a:t>
+            </a:r>
+          </a:p>
+          <a:p>
+            <a:pPr lvl="1"/>
+            <a:r>
+              <a:rPr lang="en-US" dirty="0" smtClean="0"/>
+              <a:t>Join &amp; </a:t>
+            </a:r>
+            <a:r>
+              <a:rPr lang="en-US" dirty="0" err="1" smtClean="0"/>
+              <a:t>denormalize</a:t>
+            </a:r>
+            <a:endParaRPr lang="en-US" dirty="0" smtClean="0"/>
+          </a:p>
+          <a:p>
+            <a:pPr lvl="1"/>
+            <a:r>
+              <a:rPr lang="en-US" dirty="0" smtClean="0"/>
+              <a:t>Replace codes</a:t>
+            </a:r>
+          </a:p>
+          <a:p>
+            <a:pPr lvl="1"/>
+            <a:r>
+              <a:rPr lang="en-US" dirty="0" err="1" smtClean="0"/>
+              <a:t>Unpivot</a:t>
+            </a:r>
+            <a:endParaRPr lang="en-US" dirty="0"/>
           </a:p>
         </p:txBody>
       </p:sp>
@@ -4463,48 +4531,40 @@
         </p:nvSpPr>
         <p:spPr/>
         <p:txBody>
-          <a:bodyPr>
-            <a:normAutofit/>
-          </a:bodyPr>
-          <a:lstStyle/>
-          <a:p>
-            <a:r>
-              <a:rPr lang="en-US" dirty="0"/>
-              <a:t>Introduction &amp; Tableau Prep Builder</a:t>
-            </a:r>
-          </a:p>
-          <a:p>
+          <a:bodyPr/>
+          <a:lstStyle/>
+          <a:p>
+            <a:r>
+              <a:rPr lang="en-US" dirty="0" smtClean="0"/>
+              <a:t>Load</a:t>
+            </a:r>
             <a:endParaRPr lang="en-US" dirty="0"/>
           </a:p>
         </p:txBody>
       </p:sp>
       <p:sp>
         <p:nvSpPr>
-          <p:cNvPr id="4" name="Slide Number Placeholder 3"/>
-          <p:cNvSpPr>
-            <a:spLocks noGrp="1"/>
-          </p:cNvSpPr>
-          <p:nvPr>
-            <p:ph type="sldNum" sz="quarter" idx="4294967295"/>
-          </p:nvPr>
-        </p:nvSpPr>
-        <p:spPr/>
-        <p:txBody>
-          <a:bodyPr/>
-          <a:lstStyle/>
-          <a:p>
-            <a:fld id="{4FAB73BC-B049-4115-A692-8D63A059BFB8}" type="slidenum">
-              <a:rPr lang="en-US" smtClean="0"/>
-              <a:t>14</a:t>
-            </a:fld>
-            <a:endParaRPr lang="en-US" dirty="0"/>
+          <p:cNvPr id="3" name="Text Placeholder 2"/>
+          <p:cNvSpPr>
+            <a:spLocks noGrp="1"/>
+          </p:cNvSpPr>
+          <p:nvPr>
+            <p:ph type="body" sz="quarter" idx="10"/>
+          </p:nvPr>
+        </p:nvSpPr>
+        <p:spPr/>
+        <p:txBody>
+          <a:bodyPr/>
+          <a:lstStyle/>
+          <a:p>
+            <a:endParaRPr lang="en-US"/>
           </a:p>
         </p:txBody>
       </p:sp>
     </p:spTree>
     <p:extLst>
       <p:ext uri="{BB962C8B-B14F-4D97-AF65-F5344CB8AC3E}">
-        <p14:creationId xmlns:p14="http://schemas.microsoft.com/office/powerpoint/2010/main" val="765774969"/>
+        <p14:creationId xmlns:p14="http://schemas.microsoft.com/office/powerpoint/2010/main" val="4138222370"/>
       </p:ext>
     </p:extLst>
   </p:cSld>
@@ -4543,24 +4603,20 @@
         </p:nvSpPr>
         <p:spPr/>
         <p:txBody>
-          <a:bodyPr>
-            <a:normAutofit/>
-          </a:bodyPr>
-          <a:lstStyle/>
-          <a:p>
-            <a:r>
-              <a:rPr lang="en-US" dirty="0"/>
-              <a:t>Tableau Prep Builder</a:t>
-            </a:r>
-          </a:p>
-          <a:p>
+          <a:bodyPr/>
+          <a:lstStyle/>
+          <a:p>
+            <a:r>
+              <a:rPr lang="en-US" dirty="0" smtClean="0"/>
+              <a:t>About the Demo Data</a:t>
+            </a:r>
             <a:endParaRPr lang="en-US" dirty="0"/>
           </a:p>
         </p:txBody>
       </p:sp>
       <p:sp>
         <p:nvSpPr>
-          <p:cNvPr id="5" name="Text Placeholder 4"/>
+          <p:cNvPr id="3" name="Text Placeholder 2"/>
           <p:cNvSpPr>
             <a:spLocks noGrp="1"/>
           </p:cNvSpPr>
@@ -4573,29 +4629,54 @@
           <a:bodyPr/>
           <a:lstStyle/>
           <a:p>
-            <a:endParaRPr lang="en-US"/>
-          </a:p>
-        </p:txBody>
-      </p:sp>
-      <p:sp>
-        <p:nvSpPr>
-          <p:cNvPr id="4" name="Slide Number Placeholder 3"/>
-          <p:cNvSpPr>
-            <a:spLocks noGrp="1"/>
-          </p:cNvSpPr>
-          <p:nvPr>
-            <p:ph type="sldNum" sz="quarter" idx="4294967295"/>
-          </p:nvPr>
-        </p:nvSpPr>
-        <p:spPr/>
-        <p:txBody>
-          <a:bodyPr/>
-          <a:lstStyle/>
-          <a:p>
-            <a:fld id="{4FAB73BC-B049-4115-A692-8D63A059BFB8}" type="slidenum">
-              <a:rPr lang="en-US" smtClean="0"/>
-              <a:t>15</a:t>
-            </a:fld>
+            <a:r>
+              <a:rPr lang="en-US" dirty="0" smtClean="0"/>
+              <a:t>ZTCA </a:t>
+            </a:r>
+            <a:r>
+              <a:rPr lang="en-US" dirty="0" smtClean="0">
+                <a:sym typeface="Wingdings" panose="05000000000000000000" pitchFamily="2" charset="2"/>
+              </a:rPr>
+              <a:t> Census</a:t>
+            </a:r>
+          </a:p>
+          <a:p>
+            <a:r>
+              <a:rPr lang="en-US" dirty="0" smtClean="0">
+                <a:sym typeface="Wingdings" panose="05000000000000000000" pitchFamily="2" charset="2"/>
+              </a:rPr>
+              <a:t>USALEEP</a:t>
+            </a:r>
+          </a:p>
+          <a:p>
+            <a:r>
+              <a:rPr lang="en-US" dirty="0" smtClean="0">
+                <a:sym typeface="Wingdings" panose="05000000000000000000" pitchFamily="2" charset="2"/>
+              </a:rPr>
+              <a:t>GEOCORR Education Data</a:t>
+            </a:r>
+          </a:p>
+          <a:p>
+            <a:r>
+              <a:rPr lang="en-US" dirty="0" smtClean="0">
+                <a:sym typeface="Wingdings" panose="05000000000000000000" pitchFamily="2" charset="2"/>
+              </a:rPr>
+              <a:t>The </a:t>
+            </a:r>
+            <a:r>
+              <a:rPr lang="en-US" dirty="0" err="1" smtClean="0">
+                <a:sym typeface="Wingdings" panose="05000000000000000000" pitchFamily="2" charset="2"/>
+              </a:rPr>
+              <a:t>SplitWise</a:t>
+            </a:r>
+            <a:r>
+              <a:rPr lang="en-US" dirty="0" smtClean="0">
+                <a:sym typeface="Wingdings" panose="05000000000000000000" pitchFamily="2" charset="2"/>
+              </a:rPr>
+              <a:t> Blog</a:t>
+            </a:r>
+          </a:p>
+          <a:p>
             <a:endParaRPr lang="en-US" dirty="0"/>
           </a:p>
         </p:txBody>
@@ -4603,7 +4684,7 @@
     </p:spTree>
     <p:extLst>
       <p:ext uri="{BB962C8B-B14F-4D97-AF65-F5344CB8AC3E}">
-        <p14:creationId xmlns:p14="http://schemas.microsoft.com/office/powerpoint/2010/main" val="3047944977"/>
+        <p14:creationId xmlns:p14="http://schemas.microsoft.com/office/powerpoint/2010/main" val="3094642106"/>
       </p:ext>
     </p:extLst>
   </p:cSld>
@@ -4642,24 +4723,20 @@
         </p:nvSpPr>
         <p:spPr/>
         <p:txBody>
-          <a:bodyPr>
-            <a:normAutofit/>
-          </a:bodyPr>
-          <a:lstStyle/>
-          <a:p>
-            <a:r>
-              <a:rPr lang="en-US" dirty="0"/>
-              <a:t>Tableau Prep Builder Interface</a:t>
-            </a:r>
-          </a:p>
-          <a:p>
+          <a:bodyPr/>
+          <a:lstStyle/>
+          <a:p>
+            <a:r>
+              <a:rPr lang="en-US" dirty="0" smtClean="0"/>
+              <a:t>Connecting to Data</a:t>
+            </a:r>
             <a:endParaRPr lang="en-US" dirty="0"/>
           </a:p>
         </p:txBody>
       </p:sp>
       <p:sp>
         <p:nvSpPr>
-          <p:cNvPr id="5" name="Text Placeholder 4"/>
+          <p:cNvPr id="3" name="Text Placeholder 2"/>
           <p:cNvSpPr>
             <a:spLocks noGrp="1"/>
           </p:cNvSpPr>
@@ -4667,48 +4744,61 @@
             <p:ph type="body" sz="quarter" idx="10"/>
           </p:nvPr>
         </p:nvSpPr>
-        <p:spPr/>
-        <p:txBody>
-          <a:bodyPr/>
-          <a:lstStyle/>
-          <a:p>
-            <a:endParaRPr lang="en-US"/>
-          </a:p>
-        </p:txBody>
-      </p:sp>
-      <p:sp>
-        <p:nvSpPr>
-          <p:cNvPr id="4" name="Slide Number Placeholder 3"/>
-          <p:cNvSpPr>
-            <a:spLocks noGrp="1"/>
-          </p:cNvSpPr>
-          <p:nvPr>
-            <p:ph type="sldNum" sz="quarter" idx="4294967295"/>
-          </p:nvPr>
-        </p:nvSpPr>
-        <p:spPr/>
-        <p:txBody>
-          <a:bodyPr/>
-          <a:lstStyle/>
-          <a:p>
-            <a:fld id="{4FAB73BC-B049-4115-A692-8D63A059BFB8}" type="slidenum">
-              <a:rPr lang="en-US" smtClean="0"/>
-              <a:t>16</a:t>
-            </a:fld>
+        <p:spPr>
+          <a:xfrm>
+            <a:off x="762000" y="1752600"/>
+            <a:ext cx="9144000" cy="3733800"/>
+          </a:xfrm>
+        </p:spPr>
+        <p:txBody>
+          <a:bodyPr/>
+          <a:lstStyle/>
+          <a:p>
             <a:endParaRPr lang="en-US" dirty="0"/>
           </a:p>
         </p:txBody>
       </p:sp>
+      <p:pic>
+        <p:nvPicPr>
+          <p:cNvPr id="4" name="Picture 3"/>
+          <p:cNvPicPr>
+            <a:picLocks noChangeAspect="1"/>
+          </p:cNvPicPr>
+          <p:nvPr/>
+        </p:nvPicPr>
+        <p:blipFill>
+          <a:blip r:embed="rId2"/>
+          <a:stretch>
+            <a:fillRect/>
+          </a:stretch>
+        </p:blipFill>
+        <p:spPr>
+          <a:xfrm>
+            <a:off x="10096414" y="304801"/>
+            <a:ext cx="1333586" cy="5181600"/>
+          </a:xfrm>
+          <a:prstGeom prst="rect">
+            <a:avLst/>
+          </a:prstGeom>
+        </p:spPr>
+      </p:pic>
     </p:spTree>
     <p:extLst>
       <p:ext uri="{BB962C8B-B14F-4D97-AF65-F5344CB8AC3E}">
-        <p14:creationId xmlns:p14="http://schemas.microsoft.com/office/powerpoint/2010/main" val="368237020"/>
+        <p14:creationId xmlns:p14="http://schemas.microsoft.com/office/powerpoint/2010/main" val="2791690790"/>
       </p:ext>
     </p:extLst>
   </p:cSld>
   <p:clrMapOvr>
     <a:masterClrMapping/>
   </p:clrMapOvr>
+  <p:timing>
+    <p:tnLst>
+      <p:par>
+        <p:cTn id="1" dur="indefinite" restart="never" nodeType="tmRoot"/>
+      </p:par>
+    </p:tnLst>
+  </p:timing>
 </p:sld>
 </file>
 
@@ -4741,24 +4831,24 @@
         </p:nvSpPr>
         <p:spPr/>
         <p:txBody>
-          <a:bodyPr>
-            <a:normAutofit/>
-          </a:bodyPr>
-          <a:lstStyle/>
-          <a:p>
-            <a:r>
-              <a:rPr lang="en-US" dirty="0"/>
-              <a:t>Steps in Tableau Prep Builder</a:t>
-            </a:r>
-          </a:p>
-          <a:p>
+          <a:bodyPr/>
+          <a:lstStyle/>
+          <a:p>
+            <a:r>
+              <a:rPr lang="en-US" dirty="0" smtClean="0"/>
+              <a:t>Server-Based</a:t>
+            </a:r>
+            <a:r>
+              <a:rPr lang="en-US" baseline="0" dirty="0" smtClean="0"/>
+              <a:t> Data Sources</a:t>
+            </a:r>
             <a:endParaRPr lang="en-US" dirty="0"/>
           </a:p>
         </p:txBody>
       </p:sp>
       <p:sp>
         <p:nvSpPr>
-          <p:cNvPr id="5" name="Text Placeholder 4"/>
+          <p:cNvPr id="3" name="Text Placeholder 2"/>
           <p:cNvSpPr>
             <a:spLocks noGrp="1"/>
           </p:cNvSpPr>
@@ -4772,36 +4862,13 @@
           <a:lstStyle/>
           <a:p>
             <a:endParaRPr lang="en-US"/>
-          </a:p>
-        </p:txBody>
-      </p:sp>
-      <p:sp>
-        <p:nvSpPr>
-          <p:cNvPr id="4" name="Slide Number Placeholder 3"/>
-          <p:cNvSpPr>
-            <a:spLocks noGrp="1"/>
-          </p:cNvSpPr>
-          <p:nvPr>
-            <p:ph type="sldNum" sz="quarter" idx="4294967295"/>
-          </p:nvPr>
-        </p:nvSpPr>
-        <p:spPr/>
-        <p:txBody>
-          <a:bodyPr/>
-          <a:lstStyle/>
-          <a:p>
-            <a:fld id="{4FAB73BC-B049-4115-A692-8D63A059BFB8}" type="slidenum">
-              <a:rPr lang="en-US" smtClean="0"/>
-              <a:t>17</a:t>
-            </a:fld>
-            <a:endParaRPr lang="en-US" dirty="0"/>
           </a:p>
         </p:txBody>
       </p:sp>
     </p:spTree>
     <p:extLst>
       <p:ext uri="{BB962C8B-B14F-4D97-AF65-F5344CB8AC3E}">
-        <p14:creationId xmlns:p14="http://schemas.microsoft.com/office/powerpoint/2010/main" val="1798720831"/>
+        <p14:creationId xmlns:p14="http://schemas.microsoft.com/office/powerpoint/2010/main" val="3838145268"/>
       </p:ext>
     </p:extLst>
   </p:cSld>
@@ -4840,70 +4907,136 @@
         </p:nvSpPr>
         <p:spPr/>
         <p:txBody>
-          <a:bodyPr>
-            <a:normAutofit/>
-          </a:bodyPr>
-          <a:lstStyle/>
-          <a:p>
-            <a:r>
-              <a:rPr lang="en-US" dirty="0"/>
-              <a:t>Features of a Workflow</a:t>
-            </a:r>
-          </a:p>
-          <a:p>
+          <a:bodyPr/>
+          <a:lstStyle/>
+          <a:p>
+            <a:r>
+              <a:rPr lang="en-US" dirty="0" smtClean="0"/>
+              <a:t>Connect to SQL Server</a:t>
+            </a:r>
             <a:endParaRPr lang="en-US" dirty="0"/>
           </a:p>
+        </p:txBody>
+      </p:sp>
+      <p:sp>
+        <p:nvSpPr>
+          <p:cNvPr id="3" name="Text Placeholder 2"/>
+          <p:cNvSpPr>
+            <a:spLocks noGrp="1"/>
+          </p:cNvSpPr>
+          <p:nvPr>
+            <p:ph type="body" sz="quarter" idx="10"/>
+          </p:nvPr>
+        </p:nvSpPr>
+        <p:spPr/>
+        <p:txBody>
+          <a:bodyPr/>
+          <a:lstStyle/>
           <a:p>
             <a:endParaRPr lang="en-US" dirty="0"/>
           </a:p>
         </p:txBody>
       </p:sp>
-      <p:sp>
-        <p:nvSpPr>
-          <p:cNvPr id="5" name="Text Placeholder 4"/>
-          <p:cNvSpPr>
-            <a:spLocks noGrp="1"/>
-          </p:cNvSpPr>
-          <p:nvPr>
-            <p:ph type="body" sz="quarter" idx="10"/>
-          </p:nvPr>
-        </p:nvSpPr>
-        <p:spPr/>
-        <p:txBody>
-          <a:bodyPr/>
-          <a:lstStyle/>
-          <a:p>
-            <a:endParaRPr lang="en-US"/>
-          </a:p>
-        </p:txBody>
-      </p:sp>
-      <p:sp>
-        <p:nvSpPr>
-          <p:cNvPr id="4" name="Slide Number Placeholder 3"/>
-          <p:cNvSpPr>
-            <a:spLocks noGrp="1"/>
-          </p:cNvSpPr>
-          <p:nvPr>
-            <p:ph type="sldNum" sz="quarter" idx="4294967295"/>
-          </p:nvPr>
-        </p:nvSpPr>
-        <p:spPr/>
-        <p:txBody>
-          <a:bodyPr/>
-          <a:lstStyle/>
-          <a:p>
-            <a:fld id="{4FAB73BC-B049-4115-A692-8D63A059BFB8}" type="slidenum">
-              <a:rPr lang="en-US" smtClean="0"/>
-              <a:t>18</a:t>
-            </a:fld>
-            <a:endParaRPr lang="en-US" dirty="0"/>
-          </a:p>
-        </p:txBody>
-      </p:sp>
+      <p:pic>
+        <p:nvPicPr>
+          <p:cNvPr id="4" name="Picture 3"/>
+          <p:cNvPicPr>
+            <a:picLocks noChangeAspect="1"/>
+          </p:cNvPicPr>
+          <p:nvPr/>
+        </p:nvPicPr>
+        <p:blipFill>
+          <a:blip r:embed="rId2"/>
+          <a:stretch>
+            <a:fillRect/>
+          </a:stretch>
+        </p:blipFill>
+        <p:spPr>
+          <a:xfrm>
+            <a:off x="8839200" y="385412"/>
+            <a:ext cx="2057687" cy="266737"/>
+          </a:xfrm>
+          <a:prstGeom prst="rect">
+            <a:avLst/>
+          </a:prstGeom>
+        </p:spPr>
+      </p:pic>
+      <p:pic>
+        <p:nvPicPr>
+          <p:cNvPr id="5" name="Picture 4"/>
+          <p:cNvPicPr>
+            <a:picLocks noChangeAspect="1"/>
+          </p:cNvPicPr>
+          <p:nvPr/>
+        </p:nvPicPr>
+        <p:blipFill>
+          <a:blip r:embed="rId3"/>
+          <a:stretch>
+            <a:fillRect/>
+          </a:stretch>
+        </p:blipFill>
+        <p:spPr>
+          <a:xfrm>
+            <a:off x="8839200" y="914400"/>
+            <a:ext cx="2059964" cy="2129124"/>
+          </a:xfrm>
+          <a:prstGeom prst="rect">
+            <a:avLst/>
+          </a:prstGeom>
+        </p:spPr>
+      </p:pic>
+      <p:pic>
+        <p:nvPicPr>
+          <p:cNvPr id="6" name="Picture 5"/>
+          <p:cNvPicPr>
+            <a:picLocks noChangeAspect="1"/>
+          </p:cNvPicPr>
+          <p:nvPr/>
+        </p:nvPicPr>
+        <p:blipFill>
+          <a:blip r:embed="rId4"/>
+          <a:stretch>
+            <a:fillRect/>
+          </a:stretch>
+        </p:blipFill>
+        <p:spPr>
+          <a:xfrm>
+            <a:off x="12344400" y="4267200"/>
+            <a:ext cx="1829055" cy="724001"/>
+          </a:xfrm>
+          <a:prstGeom prst="rect">
+            <a:avLst/>
+          </a:prstGeom>
+        </p:spPr>
+      </p:pic>
+      <p:pic>
+        <p:nvPicPr>
+          <p:cNvPr id="7" name="Picture 6"/>
+          <p:cNvPicPr>
+            <a:picLocks noChangeAspect="1"/>
+          </p:cNvPicPr>
+          <p:nvPr/>
+        </p:nvPicPr>
+        <p:blipFill>
+          <a:blip r:embed="rId5"/>
+          <a:stretch>
+            <a:fillRect/>
+          </a:stretch>
+        </p:blipFill>
+        <p:spPr>
+          <a:xfrm>
+            <a:off x="8953515" y="3305775"/>
+            <a:ext cx="1829055" cy="2238687"/>
+          </a:xfrm>
+          <a:prstGeom prst="rect">
+            <a:avLst/>
+          </a:prstGeom>
+        </p:spPr>
+      </p:pic>
     </p:spTree>
     <p:extLst>
       <p:ext uri="{BB962C8B-B14F-4D97-AF65-F5344CB8AC3E}">
-        <p14:creationId xmlns:p14="http://schemas.microsoft.com/office/powerpoint/2010/main" val="28198983"/>
+        <p14:creationId xmlns:p14="http://schemas.microsoft.com/office/powerpoint/2010/main" val="539034092"/>
       </p:ext>
     </p:extLst>
   </p:cSld>
@@ -4932,12 +5065,35 @@
       </p:grpSpPr>
       <p:sp>
         <p:nvSpPr>
-          <p:cNvPr id="13" name="Subtitle 12"/>
-          <p:cNvSpPr>
-            <a:spLocks noGrp="1"/>
-          </p:cNvSpPr>
-          <p:nvPr>
-            <p:ph type="subTitle" idx="1"/>
+          <p:cNvPr id="2" name="Title 1"/>
+          <p:cNvSpPr>
+            <a:spLocks noGrp="1"/>
+          </p:cNvSpPr>
+          <p:nvPr>
+            <p:ph type="title"/>
+          </p:nvPr>
+        </p:nvSpPr>
+        <p:spPr/>
+        <p:txBody>
+          <a:bodyPr/>
+          <a:lstStyle/>
+          <a:p>
+            <a:r>
+              <a:rPr lang="en-US" dirty="0" smtClean="0"/>
+              <a:t>Initial SQL</a:t>
+            </a:r>
+            <a:endParaRPr lang="en-US" dirty="0"/>
+          </a:p>
+        </p:txBody>
+      </p:sp>
+      <p:sp>
+        <p:nvSpPr>
+          <p:cNvPr id="3" name="Text Placeholder 2"/>
+          <p:cNvSpPr>
+            <a:spLocks noGrp="1"/>
+          </p:cNvSpPr>
+          <p:nvPr>
+            <p:ph type="body" sz="quarter" idx="10"/>
           </p:nvPr>
         </p:nvSpPr>
         <p:spPr/>
@@ -4949,56 +5105,155 @@
           </a:p>
         </p:txBody>
       </p:sp>
-      <p:sp>
-        <p:nvSpPr>
-          <p:cNvPr id="14" name="Text Placeholder 13"/>
-          <p:cNvSpPr>
-            <a:spLocks noGrp="1"/>
-          </p:cNvSpPr>
-          <p:nvPr>
-            <p:ph type="body" sz="quarter" idx="11"/>
-          </p:nvPr>
-        </p:nvSpPr>
-        <p:spPr/>
-        <p:txBody>
-          <a:bodyPr/>
-          <a:lstStyle/>
-          <a:p>
-            <a:endParaRPr lang="en-US"/>
-          </a:p>
-        </p:txBody>
-      </p:sp>
-      <p:sp>
-        <p:nvSpPr>
-          <p:cNvPr id="8" name="Title 7"/>
-          <p:cNvSpPr>
-            <a:spLocks noGrp="1"/>
-          </p:cNvSpPr>
-          <p:nvPr>
-            <p:ph type="title"/>
-          </p:nvPr>
-        </p:nvSpPr>
+      <p:pic>
+        <p:nvPicPr>
+          <p:cNvPr id="10" name="Picture 9"/>
+          <p:cNvPicPr>
+            <a:picLocks noChangeAspect="1"/>
+          </p:cNvPicPr>
+          <p:nvPr/>
+        </p:nvPicPr>
+        <p:blipFill>
+          <a:blip r:embed="rId2"/>
+          <a:stretch>
+            <a:fillRect/>
+          </a:stretch>
+        </p:blipFill>
         <p:spPr>
           <a:xfrm>
-            <a:off x="762000" y="457200"/>
-            <a:ext cx="7239000" cy="1295400"/>
+            <a:off x="6986116" y="2828845"/>
+            <a:ext cx="4443884" cy="2657555"/>
           </a:xfrm>
+          <a:prstGeom prst="rect">
+            <a:avLst/>
+          </a:prstGeom>
         </p:spPr>
-        <p:txBody>
-          <a:bodyPr/>
-          <a:lstStyle/>
-          <a:p>
-            <a:r>
-              <a:rPr lang="en-US" dirty="0"/>
-              <a:t>Lab 1: Getting started with Tableau Prep Builder</a:t>
-            </a:r>
-          </a:p>
-        </p:txBody>
-      </p:sp>
+      </p:pic>
+      <p:grpSp>
+        <p:nvGrpSpPr>
+          <p:cNvPr id="8" name="Group 7"/>
+          <p:cNvGrpSpPr/>
+          <p:nvPr/>
+        </p:nvGrpSpPr>
+        <p:grpSpPr>
+          <a:xfrm>
+            <a:off x="6934200" y="342900"/>
+            <a:ext cx="2727176" cy="2819400"/>
+            <a:chOff x="7391400" y="457200"/>
+            <a:chExt cx="3943900" cy="4077269"/>
+          </a:xfrm>
+        </p:grpSpPr>
+        <p:pic>
+          <p:nvPicPr>
+            <p:cNvPr id="4" name="Picture 3"/>
+            <p:cNvPicPr>
+              <a:picLocks noChangeAspect="1"/>
+            </p:cNvPicPr>
+            <p:nvPr/>
+          </p:nvPicPr>
+          <p:blipFill>
+            <a:blip r:embed="rId3"/>
+            <a:stretch>
+              <a:fillRect/>
+            </a:stretch>
+          </p:blipFill>
+          <p:spPr>
+            <a:xfrm>
+              <a:off x="7391400" y="457200"/>
+              <a:ext cx="3943900" cy="4077269"/>
+            </a:xfrm>
+            <a:prstGeom prst="rect">
+              <a:avLst/>
+            </a:prstGeom>
+          </p:spPr>
+        </p:pic>
+        <p:sp>
+          <p:nvSpPr>
+            <p:cNvPr id="5" name="Rectangle 4"/>
+            <p:cNvSpPr/>
+            <p:nvPr/>
+          </p:nvSpPr>
+          <p:spPr>
+            <a:xfrm>
+              <a:off x="9982200" y="3733800"/>
+              <a:ext cx="1143000" cy="228600"/>
+            </a:xfrm>
+            <a:prstGeom prst="rect">
+              <a:avLst/>
+            </a:prstGeom>
+            <a:noFill/>
+            <a:ln>
+              <a:solidFill>
+                <a:srgbClr val="FF0000"/>
+              </a:solidFill>
+            </a:ln>
+          </p:spPr>
+          <p:style>
+            <a:lnRef idx="2">
+              <a:schemeClr val="accent1">
+                <a:shade val="50000"/>
+              </a:schemeClr>
+            </a:lnRef>
+            <a:fillRef idx="1">
+              <a:schemeClr val="accent1"/>
+            </a:fillRef>
+            <a:effectRef idx="0">
+              <a:schemeClr val="accent1"/>
+            </a:effectRef>
+            <a:fontRef idx="minor">
+              <a:schemeClr val="lt1"/>
+            </a:fontRef>
+          </p:style>
+          <p:txBody>
+            <a:bodyPr rtlCol="0" anchor="ctr"/>
+            <a:lstStyle/>
+            <a:p>
+              <a:pPr algn="ctr"/>
+              <a:endParaRPr lang="en-US"/>
+            </a:p>
+          </p:txBody>
+        </p:sp>
+        <p:cxnSp>
+          <p:nvCxnSpPr>
+            <p:cNvPr id="7" name="Straight Arrow Connector 6"/>
+            <p:cNvCxnSpPr/>
+            <p:nvPr/>
+          </p:nvCxnSpPr>
+          <p:spPr>
+            <a:xfrm>
+              <a:off x="8966735" y="3645167"/>
+              <a:ext cx="990600" cy="152400"/>
+            </a:xfrm>
+            <a:prstGeom prst="straightConnector1">
+              <a:avLst/>
+            </a:prstGeom>
+            <a:ln>
+              <a:solidFill>
+                <a:srgbClr val="FF0000"/>
+              </a:solidFill>
+              <a:tailEnd type="triangle"/>
+            </a:ln>
+          </p:spPr>
+          <p:style>
+            <a:lnRef idx="1">
+              <a:schemeClr val="accent1"/>
+            </a:lnRef>
+            <a:fillRef idx="0">
+              <a:schemeClr val="accent1"/>
+            </a:fillRef>
+            <a:effectRef idx="0">
+              <a:schemeClr val="accent1"/>
+            </a:effectRef>
+            <a:fontRef idx="minor">
+              <a:schemeClr val="tx1"/>
+            </a:fontRef>
+          </p:style>
+        </p:cxnSp>
+      </p:grpSp>
     </p:spTree>
     <p:extLst>
       <p:ext uri="{BB962C8B-B14F-4D97-AF65-F5344CB8AC3E}">
-        <p14:creationId xmlns:p14="http://schemas.microsoft.com/office/powerpoint/2010/main" val="390888726"/>
+        <p14:creationId xmlns:p14="http://schemas.microsoft.com/office/powerpoint/2010/main" val="1165513848"/>
       </p:ext>
     </p:extLst>
   </p:cSld>
@@ -5089,48 +5344,40 @@
         </p:nvSpPr>
         <p:spPr/>
         <p:txBody>
-          <a:bodyPr>
-            <a:normAutofit/>
-          </a:bodyPr>
-          <a:lstStyle/>
-          <a:p>
-            <a:r>
-              <a:rPr lang="en-US" dirty="0"/>
-              <a:t>Input and Output</a:t>
-            </a:r>
-          </a:p>
-          <a:p>
+          <a:bodyPr/>
+          <a:lstStyle/>
+          <a:p>
+            <a:r>
+              <a:rPr lang="en-US" dirty="0" smtClean="0"/>
+              <a:t>Working with Tableau Data Extracts</a:t>
+            </a:r>
             <a:endParaRPr lang="en-US" dirty="0"/>
           </a:p>
         </p:txBody>
       </p:sp>
       <p:sp>
         <p:nvSpPr>
-          <p:cNvPr id="4" name="Slide Number Placeholder 3"/>
-          <p:cNvSpPr>
-            <a:spLocks noGrp="1"/>
-          </p:cNvSpPr>
-          <p:nvPr>
-            <p:ph type="sldNum" sz="quarter" idx="4294967295"/>
-          </p:nvPr>
-        </p:nvSpPr>
-        <p:spPr/>
-        <p:txBody>
-          <a:bodyPr/>
-          <a:lstStyle/>
-          <a:p>
-            <a:fld id="{4FAB73BC-B049-4115-A692-8D63A059BFB8}" type="slidenum">
-              <a:rPr lang="en-US" smtClean="0"/>
-              <a:t>20</a:t>
-            </a:fld>
-            <a:endParaRPr lang="en-US" dirty="0"/>
+          <p:cNvPr id="3" name="Text Placeholder 2"/>
+          <p:cNvSpPr>
+            <a:spLocks noGrp="1"/>
+          </p:cNvSpPr>
+          <p:nvPr>
+            <p:ph type="body" sz="quarter" idx="10"/>
+          </p:nvPr>
+        </p:nvSpPr>
+        <p:spPr/>
+        <p:txBody>
+          <a:bodyPr/>
+          <a:lstStyle/>
+          <a:p>
+            <a:endParaRPr lang="en-US"/>
           </a:p>
         </p:txBody>
       </p:sp>
     </p:spTree>
     <p:extLst>
       <p:ext uri="{BB962C8B-B14F-4D97-AF65-F5344CB8AC3E}">
-        <p14:creationId xmlns:p14="http://schemas.microsoft.com/office/powerpoint/2010/main" val="605862206"/>
+        <p14:creationId xmlns:p14="http://schemas.microsoft.com/office/powerpoint/2010/main" val="2251478041"/>
       </p:ext>
     </p:extLst>
   </p:cSld>
@@ -5169,24 +5416,20 @@
         </p:nvSpPr>
         <p:spPr/>
         <p:txBody>
-          <a:bodyPr>
-            <a:normAutofit/>
-          </a:bodyPr>
-          <a:lstStyle/>
-          <a:p>
-            <a:r>
-              <a:rPr lang="en-US" dirty="0"/>
-              <a:t>Connect to Microsoft Excel</a:t>
-            </a:r>
-          </a:p>
-          <a:p>
+          <a:bodyPr/>
+          <a:lstStyle/>
+          <a:p>
+            <a:r>
+              <a:rPr lang="en-US" dirty="0" smtClean="0"/>
+              <a:t>Working with File-Based Data Sources</a:t>
+            </a:r>
             <a:endParaRPr lang="en-US" dirty="0"/>
           </a:p>
         </p:txBody>
       </p:sp>
       <p:sp>
         <p:nvSpPr>
-          <p:cNvPr id="5" name="Text Placeholder 4"/>
+          <p:cNvPr id="3" name="Text Placeholder 2"/>
           <p:cNvSpPr>
             <a:spLocks noGrp="1"/>
           </p:cNvSpPr>
@@ -5200,36 +5443,13 @@
           <a:lstStyle/>
           <a:p>
             <a:endParaRPr lang="en-US"/>
-          </a:p>
-        </p:txBody>
-      </p:sp>
-      <p:sp>
-        <p:nvSpPr>
-          <p:cNvPr id="4" name="Slide Number Placeholder 3"/>
-          <p:cNvSpPr>
-            <a:spLocks noGrp="1"/>
-          </p:cNvSpPr>
-          <p:nvPr>
-            <p:ph type="sldNum" sz="quarter" idx="4294967295"/>
-          </p:nvPr>
-        </p:nvSpPr>
-        <p:spPr/>
-        <p:txBody>
-          <a:bodyPr/>
-          <a:lstStyle/>
-          <a:p>
-            <a:fld id="{4FAB73BC-B049-4115-A692-8D63A059BFB8}" type="slidenum">
-              <a:rPr lang="en-US" smtClean="0"/>
-              <a:t>21</a:t>
-            </a:fld>
-            <a:endParaRPr lang="en-US" dirty="0"/>
           </a:p>
         </p:txBody>
       </p:sp>
     </p:spTree>
     <p:extLst>
       <p:ext uri="{BB962C8B-B14F-4D97-AF65-F5344CB8AC3E}">
-        <p14:creationId xmlns:p14="http://schemas.microsoft.com/office/powerpoint/2010/main" val="908011306"/>
+        <p14:creationId xmlns:p14="http://schemas.microsoft.com/office/powerpoint/2010/main" val="2267059166"/>
       </p:ext>
     </p:extLst>
   </p:cSld>
@@ -5268,24 +5488,20 @@
         </p:nvSpPr>
         <p:spPr/>
         <p:txBody>
-          <a:bodyPr>
-            <a:normAutofit/>
-          </a:bodyPr>
-          <a:lstStyle/>
-          <a:p>
-            <a:r>
-              <a:rPr lang="en-US" dirty="0"/>
-              <a:t>Data Interpreter</a:t>
-            </a:r>
-          </a:p>
-          <a:p>
+          <a:bodyPr/>
+          <a:lstStyle/>
+          <a:p>
+            <a:r>
+              <a:rPr lang="en-US" dirty="0" smtClean="0"/>
+              <a:t>Connecting to Microsoft Access</a:t>
+            </a:r>
             <a:endParaRPr lang="en-US" dirty="0"/>
           </a:p>
         </p:txBody>
       </p:sp>
       <p:sp>
         <p:nvSpPr>
-          <p:cNvPr id="5" name="Text Placeholder 4"/>
+          <p:cNvPr id="3" name="Text Placeholder 2"/>
           <p:cNvSpPr>
             <a:spLocks noGrp="1"/>
           </p:cNvSpPr>
@@ -5299,36 +5515,13 @@
           <a:lstStyle/>
           <a:p>
             <a:endParaRPr lang="en-US"/>
-          </a:p>
-        </p:txBody>
-      </p:sp>
-      <p:sp>
-        <p:nvSpPr>
-          <p:cNvPr id="4" name="Slide Number Placeholder 3"/>
-          <p:cNvSpPr>
-            <a:spLocks noGrp="1"/>
-          </p:cNvSpPr>
-          <p:nvPr>
-            <p:ph type="sldNum" sz="quarter" idx="4294967295"/>
-          </p:nvPr>
-        </p:nvSpPr>
-        <p:spPr/>
-        <p:txBody>
-          <a:bodyPr/>
-          <a:lstStyle/>
-          <a:p>
-            <a:fld id="{4FAB73BC-B049-4115-A692-8D63A059BFB8}" type="slidenum">
-              <a:rPr lang="en-US" smtClean="0"/>
-              <a:t>22</a:t>
-            </a:fld>
-            <a:endParaRPr lang="en-US" dirty="0"/>
           </a:p>
         </p:txBody>
       </p:sp>
     </p:spTree>
     <p:extLst>
       <p:ext uri="{BB962C8B-B14F-4D97-AF65-F5344CB8AC3E}">
-        <p14:creationId xmlns:p14="http://schemas.microsoft.com/office/powerpoint/2010/main" val="1285337620"/>
+        <p14:creationId xmlns:p14="http://schemas.microsoft.com/office/powerpoint/2010/main" val="1215057158"/>
       </p:ext>
     </p:extLst>
   </p:cSld>
@@ -5367,24 +5560,20 @@
         </p:nvSpPr>
         <p:spPr/>
         <p:txBody>
-          <a:bodyPr>
-            <a:normAutofit/>
-          </a:bodyPr>
-          <a:lstStyle/>
-          <a:p>
-            <a:r>
-              <a:rPr lang="en-US" dirty="0"/>
-              <a:t>Configuration Window</a:t>
-            </a:r>
-          </a:p>
-          <a:p>
+          <a:bodyPr/>
+          <a:lstStyle/>
+          <a:p>
+            <a:r>
+              <a:rPr lang="en-US" dirty="0" smtClean="0"/>
+              <a:t>Connecting to Microsoft Excel</a:t>
+            </a:r>
             <a:endParaRPr lang="en-US" dirty="0"/>
           </a:p>
         </p:txBody>
       </p:sp>
       <p:sp>
         <p:nvSpPr>
-          <p:cNvPr id="5" name="Text Placeholder 4"/>
+          <p:cNvPr id="3" name="Text Placeholder 2"/>
           <p:cNvSpPr>
             <a:spLocks noGrp="1"/>
           </p:cNvSpPr>
@@ -5398,36 +5587,13 @@
           <a:lstStyle/>
           <a:p>
             <a:endParaRPr lang="en-US"/>
-          </a:p>
-        </p:txBody>
-      </p:sp>
-      <p:sp>
-        <p:nvSpPr>
-          <p:cNvPr id="4" name="Slide Number Placeholder 3"/>
-          <p:cNvSpPr>
-            <a:spLocks noGrp="1"/>
-          </p:cNvSpPr>
-          <p:nvPr>
-            <p:ph type="sldNum" sz="quarter" idx="4294967295"/>
-          </p:nvPr>
-        </p:nvSpPr>
-        <p:spPr/>
-        <p:txBody>
-          <a:bodyPr/>
-          <a:lstStyle/>
-          <a:p>
-            <a:fld id="{4FAB73BC-B049-4115-A692-8D63A059BFB8}" type="slidenum">
-              <a:rPr lang="en-US" smtClean="0"/>
-              <a:t>23</a:t>
-            </a:fld>
-            <a:endParaRPr lang="en-US" dirty="0"/>
           </a:p>
         </p:txBody>
       </p:sp>
     </p:spTree>
     <p:extLst>
       <p:ext uri="{BB962C8B-B14F-4D97-AF65-F5344CB8AC3E}">
-        <p14:creationId xmlns:p14="http://schemas.microsoft.com/office/powerpoint/2010/main" val="481877264"/>
+        <p14:creationId xmlns:p14="http://schemas.microsoft.com/office/powerpoint/2010/main" val="1885312738"/>
       </p:ext>
     </p:extLst>
   </p:cSld>
@@ -5466,24 +5632,20 @@
         </p:nvSpPr>
         <p:spPr/>
         <p:txBody>
-          <a:bodyPr>
-            <a:normAutofit/>
-          </a:bodyPr>
-          <a:lstStyle/>
-          <a:p>
-            <a:r>
-              <a:rPr lang="en-US" dirty="0"/>
-              <a:t>Data Sampling</a:t>
-            </a:r>
-          </a:p>
-          <a:p>
+          <a:bodyPr/>
+          <a:lstStyle/>
+          <a:p>
+            <a:r>
+              <a:rPr lang="en-US" dirty="0" smtClean="0"/>
+              <a:t>Connecting to PDF Files</a:t>
+            </a:r>
             <a:endParaRPr lang="en-US" dirty="0"/>
           </a:p>
         </p:txBody>
       </p:sp>
       <p:sp>
         <p:nvSpPr>
-          <p:cNvPr id="5" name="Text Placeholder 4"/>
+          <p:cNvPr id="3" name="Text Placeholder 2"/>
           <p:cNvSpPr>
             <a:spLocks noGrp="1"/>
           </p:cNvSpPr>
@@ -5497,36 +5659,13 @@
           <a:lstStyle/>
           <a:p>
             <a:endParaRPr lang="en-US"/>
-          </a:p>
-        </p:txBody>
-      </p:sp>
-      <p:sp>
-        <p:nvSpPr>
-          <p:cNvPr id="4" name="Slide Number Placeholder 3"/>
-          <p:cNvSpPr>
-            <a:spLocks noGrp="1"/>
-          </p:cNvSpPr>
-          <p:nvPr>
-            <p:ph type="sldNum" sz="quarter" idx="4294967295"/>
-          </p:nvPr>
-        </p:nvSpPr>
-        <p:spPr/>
-        <p:txBody>
-          <a:bodyPr/>
-          <a:lstStyle/>
-          <a:p>
-            <a:fld id="{4FAB73BC-B049-4115-A692-8D63A059BFB8}" type="slidenum">
-              <a:rPr lang="en-US" smtClean="0"/>
-              <a:t>24</a:t>
-            </a:fld>
-            <a:endParaRPr lang="en-US" dirty="0"/>
           </a:p>
         </p:txBody>
       </p:sp>
     </p:spTree>
     <p:extLst>
       <p:ext uri="{BB962C8B-B14F-4D97-AF65-F5344CB8AC3E}">
-        <p14:creationId xmlns:p14="http://schemas.microsoft.com/office/powerpoint/2010/main" val="2374453051"/>
+        <p14:creationId xmlns:p14="http://schemas.microsoft.com/office/powerpoint/2010/main" val="88523654"/>
       </p:ext>
     </p:extLst>
   </p:cSld>
@@ -5565,24 +5704,24 @@
         </p:nvSpPr>
         <p:spPr/>
         <p:txBody>
-          <a:bodyPr>
-            <a:normAutofit/>
-          </a:bodyPr>
-          <a:lstStyle/>
-          <a:p>
-            <a:r>
-              <a:rPr lang="en-US" dirty="0"/>
-              <a:t>Connect to Tableau Data Extract File</a:t>
-            </a:r>
-          </a:p>
-          <a:p>
+          <a:bodyPr/>
+          <a:lstStyle/>
+          <a:p>
+            <a:r>
+              <a:rPr lang="en-US" dirty="0" smtClean="0"/>
+              <a:t>Connecting</a:t>
+            </a:r>
+            <a:r>
+              <a:rPr lang="en-US" baseline="0" dirty="0" smtClean="0"/>
+              <a:t> to Text Files</a:t>
+            </a:r>
             <a:endParaRPr lang="en-US" dirty="0"/>
           </a:p>
         </p:txBody>
       </p:sp>
       <p:sp>
         <p:nvSpPr>
-          <p:cNvPr id="5" name="Text Placeholder 4"/>
+          <p:cNvPr id="3" name="Text Placeholder 2"/>
           <p:cNvSpPr>
             <a:spLocks noGrp="1"/>
           </p:cNvSpPr>
@@ -5596,36 +5735,13 @@
           <a:lstStyle/>
           <a:p>
             <a:endParaRPr lang="en-US"/>
-          </a:p>
-        </p:txBody>
-      </p:sp>
-      <p:sp>
-        <p:nvSpPr>
-          <p:cNvPr id="4" name="Slide Number Placeholder 3"/>
-          <p:cNvSpPr>
-            <a:spLocks noGrp="1"/>
-          </p:cNvSpPr>
-          <p:nvPr>
-            <p:ph type="sldNum" sz="quarter" idx="4294967295"/>
-          </p:nvPr>
-        </p:nvSpPr>
-        <p:spPr/>
-        <p:txBody>
-          <a:bodyPr/>
-          <a:lstStyle/>
-          <a:p>
-            <a:fld id="{4FAB73BC-B049-4115-A692-8D63A059BFB8}" type="slidenum">
-              <a:rPr lang="en-US" smtClean="0"/>
-              <a:t>25</a:t>
-            </a:fld>
-            <a:endParaRPr lang="en-US" dirty="0"/>
           </a:p>
         </p:txBody>
       </p:sp>
     </p:spTree>
     <p:extLst>
       <p:ext uri="{BB962C8B-B14F-4D97-AF65-F5344CB8AC3E}">
-        <p14:creationId xmlns:p14="http://schemas.microsoft.com/office/powerpoint/2010/main" val="4195757070"/>
+        <p14:creationId xmlns:p14="http://schemas.microsoft.com/office/powerpoint/2010/main" val="3719378937"/>
       </p:ext>
     </p:extLst>
   </p:cSld>
@@ -5664,24 +5780,20 @@
         </p:nvSpPr>
         <p:spPr/>
         <p:txBody>
-          <a:bodyPr>
-            <a:normAutofit/>
-          </a:bodyPr>
-          <a:lstStyle/>
-          <a:p>
-            <a:r>
-              <a:rPr lang="en-US" dirty="0"/>
-              <a:t>Connect to Text File</a:t>
-            </a:r>
-          </a:p>
-          <a:p>
+          <a:bodyPr/>
+          <a:lstStyle/>
+          <a:p>
+            <a:r>
+              <a:rPr lang="en-US" dirty="0" smtClean="0"/>
+              <a:t>UNION Joins</a:t>
+            </a:r>
             <a:endParaRPr lang="en-US" dirty="0"/>
           </a:p>
         </p:txBody>
       </p:sp>
       <p:sp>
         <p:nvSpPr>
-          <p:cNvPr id="5" name="Text Placeholder 4"/>
+          <p:cNvPr id="3" name="Text Placeholder 2"/>
           <p:cNvSpPr>
             <a:spLocks noGrp="1"/>
           </p:cNvSpPr>
@@ -5695,36 +5807,13 @@
           <a:lstStyle/>
           <a:p>
             <a:endParaRPr lang="en-US"/>
-          </a:p>
-        </p:txBody>
-      </p:sp>
-      <p:sp>
-        <p:nvSpPr>
-          <p:cNvPr id="4" name="Slide Number Placeholder 3"/>
-          <p:cNvSpPr>
-            <a:spLocks noGrp="1"/>
-          </p:cNvSpPr>
-          <p:nvPr>
-            <p:ph type="sldNum" sz="quarter" idx="4294967295"/>
-          </p:nvPr>
-        </p:nvSpPr>
-        <p:spPr/>
-        <p:txBody>
-          <a:bodyPr/>
-          <a:lstStyle/>
-          <a:p>
-            <a:fld id="{4FAB73BC-B049-4115-A692-8D63A059BFB8}" type="slidenum">
-              <a:rPr lang="en-US" smtClean="0"/>
-              <a:t>26</a:t>
-            </a:fld>
-            <a:endParaRPr lang="en-US" dirty="0"/>
           </a:p>
         </p:txBody>
       </p:sp>
     </p:spTree>
     <p:extLst>
       <p:ext uri="{BB962C8B-B14F-4D97-AF65-F5344CB8AC3E}">
-        <p14:creationId xmlns:p14="http://schemas.microsoft.com/office/powerpoint/2010/main" val="3357100315"/>
+        <p14:creationId xmlns:p14="http://schemas.microsoft.com/office/powerpoint/2010/main" val="4266211854"/>
       </p:ext>
     </p:extLst>
   </p:cSld>
@@ -5763,24 +5852,20 @@
         </p:nvSpPr>
         <p:spPr/>
         <p:txBody>
-          <a:bodyPr>
-            <a:normAutofit/>
-          </a:bodyPr>
-          <a:lstStyle/>
-          <a:p>
-            <a:r>
-              <a:rPr lang="en-US" dirty="0"/>
-              <a:t>Other Features</a:t>
-            </a:r>
-          </a:p>
-          <a:p>
+          <a:bodyPr/>
+          <a:lstStyle/>
+          <a:p>
+            <a:r>
+              <a:rPr lang="en-US" dirty="0" smtClean="0"/>
+              <a:t>The Data Preview Pane</a:t>
+            </a:r>
             <a:endParaRPr lang="en-US" dirty="0"/>
           </a:p>
         </p:txBody>
       </p:sp>
       <p:sp>
         <p:nvSpPr>
-          <p:cNvPr id="5" name="Text Placeholder 4"/>
+          <p:cNvPr id="3" name="Text Placeholder 2"/>
           <p:cNvSpPr>
             <a:spLocks noGrp="1"/>
           </p:cNvSpPr>
@@ -5794,36 +5879,13 @@
           <a:lstStyle/>
           <a:p>
             <a:endParaRPr lang="en-US"/>
-          </a:p>
-        </p:txBody>
-      </p:sp>
-      <p:sp>
-        <p:nvSpPr>
-          <p:cNvPr id="4" name="Slide Number Placeholder 3"/>
-          <p:cNvSpPr>
-            <a:spLocks noGrp="1"/>
-          </p:cNvSpPr>
-          <p:nvPr>
-            <p:ph type="sldNum" sz="quarter" idx="4294967295"/>
-          </p:nvPr>
-        </p:nvSpPr>
-        <p:spPr/>
-        <p:txBody>
-          <a:bodyPr/>
-          <a:lstStyle/>
-          <a:p>
-            <a:fld id="{4FAB73BC-B049-4115-A692-8D63A059BFB8}" type="slidenum">
-              <a:rPr lang="en-US" smtClean="0"/>
-              <a:t>27</a:t>
-            </a:fld>
-            <a:endParaRPr lang="en-US" dirty="0"/>
           </a:p>
         </p:txBody>
       </p:sp>
     </p:spTree>
     <p:extLst>
       <p:ext uri="{BB962C8B-B14F-4D97-AF65-F5344CB8AC3E}">
-        <p14:creationId xmlns:p14="http://schemas.microsoft.com/office/powerpoint/2010/main" val="1262942265"/>
+        <p14:creationId xmlns:p14="http://schemas.microsoft.com/office/powerpoint/2010/main" val="1963526926"/>
       </p:ext>
     </p:extLst>
   </p:cSld>
@@ -5852,45 +5914,7 @@
       </p:grpSpPr>
       <p:sp>
         <p:nvSpPr>
-          <p:cNvPr id="2" name="Subtitle 1"/>
-          <p:cNvSpPr>
-            <a:spLocks noGrp="1"/>
-          </p:cNvSpPr>
-          <p:nvPr>
-            <p:ph type="subTitle" idx="1"/>
-          </p:nvPr>
-        </p:nvSpPr>
-        <p:spPr/>
-        <p:txBody>
-          <a:bodyPr/>
-          <a:lstStyle/>
-          <a:p>
-            <a:endParaRPr lang="en-US"/>
-          </a:p>
-        </p:txBody>
-      </p:sp>
-      <p:sp>
-        <p:nvSpPr>
-          <p:cNvPr id="3" name="Text Placeholder 2"/>
-          <p:cNvSpPr>
-            <a:spLocks noGrp="1"/>
-          </p:cNvSpPr>
-          <p:nvPr>
-            <p:ph type="body" sz="quarter" idx="11"/>
-          </p:nvPr>
-        </p:nvSpPr>
-        <p:spPr/>
-        <p:txBody>
-          <a:bodyPr/>
-          <a:lstStyle/>
-          <a:p>
-            <a:endParaRPr lang="en-US"/>
-          </a:p>
-        </p:txBody>
-      </p:sp>
-      <p:sp>
-        <p:nvSpPr>
-          <p:cNvPr id="4" name="Title 3"/>
+          <p:cNvPr id="2" name="Title 1"/>
           <p:cNvSpPr>
             <a:spLocks noGrp="1"/>
           </p:cNvSpPr>
@@ -5900,23 +5924,61 @@
         </p:nvSpPr>
         <p:spPr/>
         <p:txBody>
-          <a:bodyPr/>
-          <a:lstStyle/>
-          <a:p>
-            <a:endParaRPr lang="en-US"/>
+          <a:bodyPr>
+            <a:normAutofit/>
+          </a:bodyPr>
+          <a:lstStyle/>
+          <a:p>
+            <a:r>
+              <a:rPr lang="en-US" dirty="0"/>
+              <a:t>Introduction &amp; Tableau Prep Builder</a:t>
+            </a:r>
+          </a:p>
+          <a:p>
+            <a:endParaRPr lang="en-US" dirty="0"/>
+          </a:p>
+        </p:txBody>
+      </p:sp>
+      <p:sp>
+        <p:nvSpPr>
+          <p:cNvPr id="4" name="Slide Number Placeholder 3"/>
+          <p:cNvSpPr>
+            <a:spLocks noGrp="1"/>
+          </p:cNvSpPr>
+          <p:nvPr>
+            <p:ph type="sldNum" sz="quarter" idx="4294967295"/>
+          </p:nvPr>
+        </p:nvSpPr>
+        <p:spPr/>
+        <p:txBody>
+          <a:bodyPr/>
+          <a:lstStyle/>
+          <a:p>
+            <a:fld id="{4FAB73BC-B049-4115-A692-8D63A059BFB8}" type="slidenum">
+              <a:rPr lang="en-US" smtClean="0"/>
+              <a:t>28</a:t>
+            </a:fld>
+            <a:endParaRPr lang="en-US" dirty="0"/>
           </a:p>
         </p:txBody>
       </p:sp>
     </p:spTree>
     <p:extLst>
       <p:ext uri="{BB962C8B-B14F-4D97-AF65-F5344CB8AC3E}">
-        <p14:creationId xmlns:p14="http://schemas.microsoft.com/office/powerpoint/2010/main" val="2350608883"/>
+        <p14:creationId xmlns:p14="http://schemas.microsoft.com/office/powerpoint/2010/main" val="765774969"/>
       </p:ext>
     </p:extLst>
   </p:cSld>
   <p:clrMapOvr>
     <a:masterClrMapping/>
   </p:clrMapOvr>
+  <p:timing>
+    <p:tnLst>
+      <p:par>
+        <p:cTn id="1" dur="indefinite" restart="never" nodeType="tmRoot"/>
+      </p:par>
+    </p:tnLst>
+  </p:timing>
 </p:sld>
 </file>
 
@@ -5956,11 +6018,30 @@
           <a:p>
             <a:r>
               <a:rPr lang="en-US" dirty="0"/>
-              <a:t>Data Cleaning</a:t>
+              <a:t>Tableau Prep Builder</a:t>
             </a:r>
           </a:p>
           <a:p>
             <a:endParaRPr lang="en-US" dirty="0"/>
+          </a:p>
+        </p:txBody>
+      </p:sp>
+      <p:sp>
+        <p:nvSpPr>
+          <p:cNvPr id="5" name="Text Placeholder 4"/>
+          <p:cNvSpPr>
+            <a:spLocks noGrp="1"/>
+          </p:cNvSpPr>
+          <p:nvPr>
+            <p:ph type="body" sz="quarter" idx="10"/>
+          </p:nvPr>
+        </p:nvSpPr>
+        <p:spPr/>
+        <p:txBody>
+          <a:bodyPr/>
+          <a:lstStyle/>
+          <a:p>
+            <a:endParaRPr lang="en-US"/>
           </a:p>
         </p:txBody>
       </p:sp>
@@ -5987,10 +6068,34 @@
           </a:p>
         </p:txBody>
       </p:sp>
+      <p:pic>
+        <p:nvPicPr>
+          <p:cNvPr id="3" name="Picture 2"/>
+          <p:cNvPicPr>
+            <a:picLocks noChangeAspect="1"/>
+          </p:cNvPicPr>
+          <p:nvPr/>
+        </p:nvPicPr>
+        <p:blipFill>
+          <a:blip r:embed="rId2"/>
+          <a:stretch>
+            <a:fillRect/>
+          </a:stretch>
+        </p:blipFill>
+        <p:spPr>
+          <a:xfrm>
+            <a:off x="6096000" y="474846"/>
+            <a:ext cx="5372850" cy="3181794"/>
+          </a:xfrm>
+          <a:prstGeom prst="rect">
+            <a:avLst/>
+          </a:prstGeom>
+        </p:spPr>
+      </p:pic>
     </p:spTree>
     <p:extLst>
       <p:ext uri="{BB962C8B-B14F-4D97-AF65-F5344CB8AC3E}">
-        <p14:creationId xmlns:p14="http://schemas.microsoft.com/office/powerpoint/2010/main" val="3574167115"/>
+        <p14:creationId xmlns:p14="http://schemas.microsoft.com/office/powerpoint/2010/main" val="3047944977"/>
       </p:ext>
     </p:extLst>
   </p:cSld>
@@ -6146,7 +6251,7 @@
           <a:p>
             <a:r>
               <a:rPr lang="en-US" dirty="0"/>
-              <a:t>Profile Pane: An In-Depth Analysis</a:t>
+              <a:t>Tableau Prep Builder Interface</a:t>
             </a:r>
           </a:p>
           <a:p>
@@ -6199,7 +6304,7 @@
     </p:spTree>
     <p:extLst>
       <p:ext uri="{BB962C8B-B14F-4D97-AF65-F5344CB8AC3E}">
-        <p14:creationId xmlns:p14="http://schemas.microsoft.com/office/powerpoint/2010/main" val="1414652983"/>
+        <p14:creationId xmlns:p14="http://schemas.microsoft.com/office/powerpoint/2010/main" val="368237020"/>
       </p:ext>
     </p:extLst>
   </p:cSld>
@@ -6245,7 +6350,7 @@
           <a:p>
             <a:r>
               <a:rPr lang="en-US" dirty="0"/>
-              <a:t>Functions</a:t>
+              <a:t>Steps in Tableau Prep Builder</a:t>
             </a:r>
           </a:p>
           <a:p>
@@ -6298,7 +6403,7 @@
     </p:spTree>
     <p:extLst>
       <p:ext uri="{BB962C8B-B14F-4D97-AF65-F5344CB8AC3E}">
-        <p14:creationId xmlns:p14="http://schemas.microsoft.com/office/powerpoint/2010/main" val="1219868799"/>
+        <p14:creationId xmlns:p14="http://schemas.microsoft.com/office/powerpoint/2010/main" val="1798720831"/>
       </p:ext>
     </p:extLst>
   </p:cSld>
@@ -6344,8 +6449,11 @@
           <a:p>
             <a:r>
               <a:rPr lang="en-US" dirty="0"/>
-              <a:t>Tracking Changes</a:t>
-            </a:r>
+              <a:t>Features of a Workflow</a:t>
+            </a:r>
+          </a:p>
+          <a:p>
+            <a:endParaRPr lang="en-US" dirty="0"/>
           </a:p>
           <a:p>
             <a:endParaRPr lang="en-US" dirty="0"/>
@@ -6397,7 +6505,7 @@
     </p:spTree>
     <p:extLst>
       <p:ext uri="{BB962C8B-B14F-4D97-AF65-F5344CB8AC3E}">
-        <p14:creationId xmlns:p14="http://schemas.microsoft.com/office/powerpoint/2010/main" val="1777712413"/>
+        <p14:creationId xmlns:p14="http://schemas.microsoft.com/office/powerpoint/2010/main" val="28198983"/>
       </p:ext>
     </p:extLst>
   </p:cSld>
@@ -6426,7 +6534,45 @@
       </p:grpSpPr>
       <p:sp>
         <p:nvSpPr>
-          <p:cNvPr id="2" name="Title 1"/>
+          <p:cNvPr id="13" name="Subtitle 12"/>
+          <p:cNvSpPr>
+            <a:spLocks noGrp="1"/>
+          </p:cNvSpPr>
+          <p:nvPr>
+            <p:ph type="subTitle" idx="1"/>
+          </p:nvPr>
+        </p:nvSpPr>
+        <p:spPr/>
+        <p:txBody>
+          <a:bodyPr/>
+          <a:lstStyle/>
+          <a:p>
+            <a:endParaRPr lang="en-US"/>
+          </a:p>
+        </p:txBody>
+      </p:sp>
+      <p:sp>
+        <p:nvSpPr>
+          <p:cNvPr id="14" name="Text Placeholder 13"/>
+          <p:cNvSpPr>
+            <a:spLocks noGrp="1"/>
+          </p:cNvSpPr>
+          <p:nvPr>
+            <p:ph type="body" sz="quarter" idx="11"/>
+          </p:nvPr>
+        </p:nvSpPr>
+        <p:spPr/>
+        <p:txBody>
+          <a:bodyPr/>
+          <a:lstStyle/>
+          <a:p>
+            <a:endParaRPr lang="en-US"/>
+          </a:p>
+        </p:txBody>
+      </p:sp>
+      <p:sp>
+        <p:nvSpPr>
+          <p:cNvPr id="8" name="Title 7"/>
           <p:cNvSpPr>
             <a:spLocks noGrp="1"/>
           </p:cNvSpPr>
@@ -6434,69 +6580,27 @@
             <p:ph type="title"/>
           </p:nvPr>
         </p:nvSpPr>
-        <p:spPr/>
-        <p:txBody>
-          <a:bodyPr>
-            <a:normAutofit/>
-          </a:bodyPr>
-          <a:lstStyle/>
-          <a:p>
-            <a:r>
-              <a:rPr lang="en-US" dirty="0"/>
-              <a:t>String Calculations</a:t>
-            </a:r>
-          </a:p>
-          <a:p>
-            <a:endParaRPr lang="en-US" dirty="0"/>
-          </a:p>
-        </p:txBody>
-      </p:sp>
-      <p:sp>
-        <p:nvSpPr>
-          <p:cNvPr id="5" name="Text Placeholder 4"/>
-          <p:cNvSpPr>
-            <a:spLocks noGrp="1"/>
-          </p:cNvSpPr>
-          <p:nvPr>
-            <p:ph type="body" sz="quarter" idx="10"/>
-          </p:nvPr>
-        </p:nvSpPr>
-        <p:spPr/>
-        <p:txBody>
-          <a:bodyPr/>
-          <a:lstStyle/>
-          <a:p>
-            <a:endParaRPr lang="en-US"/>
-          </a:p>
-        </p:txBody>
-      </p:sp>
-      <p:sp>
-        <p:nvSpPr>
-          <p:cNvPr id="4" name="Slide Number Placeholder 3"/>
-          <p:cNvSpPr>
-            <a:spLocks noGrp="1"/>
-          </p:cNvSpPr>
-          <p:nvPr>
-            <p:ph type="sldNum" sz="quarter" idx="4294967295"/>
-          </p:nvPr>
-        </p:nvSpPr>
-        <p:spPr/>
-        <p:txBody>
-          <a:bodyPr/>
-          <a:lstStyle/>
-          <a:p>
-            <a:fld id="{4FAB73BC-B049-4115-A692-8D63A059BFB8}" type="slidenum">
-              <a:rPr lang="en-US" smtClean="0"/>
-              <a:t>33</a:t>
-            </a:fld>
-            <a:endParaRPr lang="en-US" dirty="0"/>
+        <p:spPr>
+          <a:xfrm>
+            <a:off x="762000" y="457200"/>
+            <a:ext cx="7239000" cy="1295400"/>
+          </a:xfrm>
+        </p:spPr>
+        <p:txBody>
+          <a:bodyPr/>
+          <a:lstStyle/>
+          <a:p>
+            <a:r>
+              <a:rPr lang="en-US" dirty="0"/>
+              <a:t>Lab 1: Getting started with Tableau Prep Builder</a:t>
+            </a:r>
           </a:p>
         </p:txBody>
       </p:sp>
     </p:spTree>
     <p:extLst>
       <p:ext uri="{BB962C8B-B14F-4D97-AF65-F5344CB8AC3E}">
-        <p14:creationId xmlns:p14="http://schemas.microsoft.com/office/powerpoint/2010/main" val="4039495164"/>
+        <p14:creationId xmlns:p14="http://schemas.microsoft.com/office/powerpoint/2010/main" val="390888726"/>
       </p:ext>
     </p:extLst>
   </p:cSld>
@@ -6525,45 +6629,7 @@
       </p:grpSpPr>
       <p:sp>
         <p:nvSpPr>
-          <p:cNvPr id="5" name="Subtitle 4"/>
-          <p:cNvSpPr>
-            <a:spLocks noGrp="1"/>
-          </p:cNvSpPr>
-          <p:nvPr>
-            <p:ph type="subTitle" idx="1"/>
-          </p:nvPr>
-        </p:nvSpPr>
-        <p:spPr/>
-        <p:txBody>
-          <a:bodyPr/>
-          <a:lstStyle/>
-          <a:p>
-            <a:endParaRPr lang="en-US"/>
-          </a:p>
-        </p:txBody>
-      </p:sp>
-      <p:sp>
-        <p:nvSpPr>
-          <p:cNvPr id="6" name="Text Placeholder 5"/>
-          <p:cNvSpPr>
-            <a:spLocks noGrp="1"/>
-          </p:cNvSpPr>
-          <p:nvPr>
-            <p:ph type="body" sz="quarter" idx="11"/>
-          </p:nvPr>
-        </p:nvSpPr>
-        <p:spPr/>
-        <p:txBody>
-          <a:bodyPr/>
-          <a:lstStyle/>
-          <a:p>
-            <a:endParaRPr lang="en-US"/>
-          </a:p>
-        </p:txBody>
-      </p:sp>
-      <p:sp>
-        <p:nvSpPr>
-          <p:cNvPr id="4" name="Title 3"/>
+          <p:cNvPr id="2" name="Title 1"/>
           <p:cNvSpPr>
             <a:spLocks noGrp="1"/>
           </p:cNvSpPr>
@@ -6573,17 +6639,48 @@
         </p:nvSpPr>
         <p:spPr/>
         <p:txBody>
-          <a:bodyPr/>
-          <a:lstStyle/>
-          <a:p>
-            <a:endParaRPr lang="en-US"/>
+          <a:bodyPr>
+            <a:normAutofit/>
+          </a:bodyPr>
+          <a:lstStyle/>
+          <a:p>
+            <a:r>
+              <a:rPr lang="en-US" dirty="0"/>
+              <a:t>Input and Output</a:t>
+            </a:r>
+          </a:p>
+          <a:p>
+            <a:endParaRPr lang="en-US" dirty="0"/>
+          </a:p>
+        </p:txBody>
+      </p:sp>
+      <p:sp>
+        <p:nvSpPr>
+          <p:cNvPr id="4" name="Slide Number Placeholder 3"/>
+          <p:cNvSpPr>
+            <a:spLocks noGrp="1"/>
+          </p:cNvSpPr>
+          <p:nvPr>
+            <p:ph type="sldNum" sz="quarter" idx="4294967295"/>
+          </p:nvPr>
+        </p:nvSpPr>
+        <p:spPr/>
+        <p:txBody>
+          <a:bodyPr/>
+          <a:lstStyle/>
+          <a:p>
+            <a:fld id="{4FAB73BC-B049-4115-A692-8D63A059BFB8}" type="slidenum">
+              <a:rPr lang="en-US" smtClean="0"/>
+              <a:t>34</a:t>
+            </a:fld>
+            <a:endParaRPr lang="en-US" dirty="0"/>
           </a:p>
         </p:txBody>
       </p:sp>
     </p:spTree>
     <p:extLst>
       <p:ext uri="{BB962C8B-B14F-4D97-AF65-F5344CB8AC3E}">
-        <p14:creationId xmlns:p14="http://schemas.microsoft.com/office/powerpoint/2010/main" val="4078939970"/>
+        <p14:creationId xmlns:p14="http://schemas.microsoft.com/office/powerpoint/2010/main" val="605862206"/>
       </p:ext>
     </p:extLst>
   </p:cSld>
@@ -6629,11 +6726,30 @@
           <a:p>
             <a:r>
               <a:rPr lang="en-US" dirty="0"/>
-              <a:t>Group and Replace</a:t>
+              <a:t>Connect to Microsoft Excel</a:t>
             </a:r>
           </a:p>
           <a:p>
             <a:endParaRPr lang="en-US" dirty="0"/>
+          </a:p>
+        </p:txBody>
+      </p:sp>
+      <p:sp>
+        <p:nvSpPr>
+          <p:cNvPr id="5" name="Text Placeholder 4"/>
+          <p:cNvSpPr>
+            <a:spLocks noGrp="1"/>
+          </p:cNvSpPr>
+          <p:nvPr>
+            <p:ph type="body" sz="quarter" idx="10"/>
+          </p:nvPr>
+        </p:nvSpPr>
+        <p:spPr/>
+        <p:txBody>
+          <a:bodyPr/>
+          <a:lstStyle/>
+          <a:p>
+            <a:endParaRPr lang="en-US"/>
           </a:p>
         </p:txBody>
       </p:sp>
@@ -6663,7 +6779,7 @@
     </p:spTree>
     <p:extLst>
       <p:ext uri="{BB962C8B-B14F-4D97-AF65-F5344CB8AC3E}">
-        <p14:creationId xmlns:p14="http://schemas.microsoft.com/office/powerpoint/2010/main" val="3690503997"/>
+        <p14:creationId xmlns:p14="http://schemas.microsoft.com/office/powerpoint/2010/main" val="908011306"/>
       </p:ext>
     </p:extLst>
   </p:cSld>
@@ -6702,12 +6818,14 @@
         </p:nvSpPr>
         <p:spPr/>
         <p:txBody>
-          <a:bodyPr/>
-          <a:lstStyle/>
-          <a:p>
-            <a:r>
-              <a:rPr lang="en-US"/>
-              <a:t>Automatic Group and Replace Functions</a:t>
+          <a:bodyPr>
+            <a:normAutofit/>
+          </a:bodyPr>
+          <a:lstStyle/>
+          <a:p>
+            <a:r>
+              <a:rPr lang="en-US" dirty="0"/>
+              <a:t>Data Interpreter</a:t>
             </a:r>
           </a:p>
           <a:p>
@@ -6717,7 +6835,7 @@
       </p:sp>
       <p:sp>
         <p:nvSpPr>
-          <p:cNvPr id="8" name="Text Placeholder 7"/>
+          <p:cNvPr id="5" name="Text Placeholder 4"/>
           <p:cNvSpPr>
             <a:spLocks noGrp="1"/>
           </p:cNvSpPr>
@@ -6751,7 +6869,6 @@
           <a:p>
             <a:fld id="{4FAB73BC-B049-4115-A692-8D63A059BFB8}" type="slidenum">
               <a:rPr lang="en-US" smtClean="0"/>
-              <a:pPr/>
               <a:t>36</a:t>
             </a:fld>
             <a:endParaRPr lang="en-US" dirty="0"/>
@@ -6761,7 +6878,7 @@
     </p:spTree>
     <p:extLst>
       <p:ext uri="{BB962C8B-B14F-4D97-AF65-F5344CB8AC3E}">
-        <p14:creationId xmlns:p14="http://schemas.microsoft.com/office/powerpoint/2010/main" val="2414697677"/>
+        <p14:creationId xmlns:p14="http://schemas.microsoft.com/office/powerpoint/2010/main" val="1285337620"/>
       </p:ext>
     </p:extLst>
   </p:cSld>
@@ -6800,12 +6917,14 @@
         </p:nvSpPr>
         <p:spPr/>
         <p:txBody>
-          <a:bodyPr/>
-          <a:lstStyle/>
-          <a:p>
-            <a:r>
-              <a:rPr lang="en-US"/>
-              <a:t>Manual Grouping</a:t>
+          <a:bodyPr>
+            <a:normAutofit/>
+          </a:bodyPr>
+          <a:lstStyle/>
+          <a:p>
+            <a:r>
+              <a:rPr lang="en-US" dirty="0"/>
+              <a:t>Configuration Window</a:t>
             </a:r>
           </a:p>
           <a:p>
@@ -6815,7 +6934,7 @@
       </p:sp>
       <p:sp>
         <p:nvSpPr>
-          <p:cNvPr id="8" name="Text Placeholder 7"/>
+          <p:cNvPr id="5" name="Text Placeholder 4"/>
           <p:cNvSpPr>
             <a:spLocks noGrp="1"/>
           </p:cNvSpPr>
@@ -6849,7 +6968,6 @@
           <a:p>
             <a:fld id="{4FAB73BC-B049-4115-A692-8D63A059BFB8}" type="slidenum">
               <a:rPr lang="en-US" smtClean="0"/>
-              <a:pPr/>
               <a:t>37</a:t>
             </a:fld>
             <a:endParaRPr lang="en-US" dirty="0"/>
@@ -6859,7 +6977,7 @@
     </p:spTree>
     <p:extLst>
       <p:ext uri="{BB962C8B-B14F-4D97-AF65-F5344CB8AC3E}">
-        <p14:creationId xmlns:p14="http://schemas.microsoft.com/office/powerpoint/2010/main" val="2177486930"/>
+        <p14:creationId xmlns:p14="http://schemas.microsoft.com/office/powerpoint/2010/main" val="481877264"/>
       </p:ext>
     </p:extLst>
   </p:cSld>
@@ -6898,12 +7016,14 @@
         </p:nvSpPr>
         <p:spPr/>
         <p:txBody>
-          <a:bodyPr/>
-          <a:lstStyle/>
-          <a:p>
-            <a:r>
-              <a:rPr lang="en-US"/>
-              <a:t>Examples</a:t>
+          <a:bodyPr>
+            <a:normAutofit/>
+          </a:bodyPr>
+          <a:lstStyle/>
+          <a:p>
+            <a:r>
+              <a:rPr lang="en-US" dirty="0"/>
+              <a:t>Data Sampling</a:t>
             </a:r>
           </a:p>
           <a:p>
@@ -6913,7 +7033,7 @@
       </p:sp>
       <p:sp>
         <p:nvSpPr>
-          <p:cNvPr id="8" name="Text Placeholder 7"/>
+          <p:cNvPr id="5" name="Text Placeholder 4"/>
           <p:cNvSpPr>
             <a:spLocks noGrp="1"/>
           </p:cNvSpPr>
@@ -6947,7 +7067,6 @@
           <a:p>
             <a:fld id="{4FAB73BC-B049-4115-A692-8D63A059BFB8}" type="slidenum">
               <a:rPr lang="en-US" smtClean="0"/>
-              <a:pPr/>
               <a:t>38</a:t>
             </a:fld>
             <a:endParaRPr lang="en-US" dirty="0"/>
@@ -6957,7 +7076,7 @@
     </p:spTree>
     <p:extLst>
       <p:ext uri="{BB962C8B-B14F-4D97-AF65-F5344CB8AC3E}">
-        <p14:creationId xmlns:p14="http://schemas.microsoft.com/office/powerpoint/2010/main" val="3724569971"/>
+        <p14:creationId xmlns:p14="http://schemas.microsoft.com/office/powerpoint/2010/main" val="2374453051"/>
       </p:ext>
     </p:extLst>
   </p:cSld>
@@ -6986,12 +7105,39 @@
       </p:grpSpPr>
       <p:sp>
         <p:nvSpPr>
-          <p:cNvPr id="2" name="Subtitle 1"/>
-          <p:cNvSpPr>
-            <a:spLocks noGrp="1"/>
-          </p:cNvSpPr>
-          <p:nvPr>
-            <p:ph type="subTitle" idx="1"/>
+          <p:cNvPr id="2" name="Title 1"/>
+          <p:cNvSpPr>
+            <a:spLocks noGrp="1"/>
+          </p:cNvSpPr>
+          <p:nvPr>
+            <p:ph type="title"/>
+          </p:nvPr>
+        </p:nvSpPr>
+        <p:spPr/>
+        <p:txBody>
+          <a:bodyPr>
+            <a:normAutofit/>
+          </a:bodyPr>
+          <a:lstStyle/>
+          <a:p>
+            <a:r>
+              <a:rPr lang="en-US" dirty="0"/>
+              <a:t>Connect to Tableau Data Extract File</a:t>
+            </a:r>
+          </a:p>
+          <a:p>
+            <a:endParaRPr lang="en-US" dirty="0"/>
+          </a:p>
+        </p:txBody>
+      </p:sp>
+      <p:sp>
+        <p:nvSpPr>
+          <p:cNvPr id="5" name="Text Placeholder 4"/>
+          <p:cNvSpPr>
+            <a:spLocks noGrp="1"/>
+          </p:cNvSpPr>
+          <p:nvPr>
+            <p:ph type="body" sz="quarter" idx="10"/>
           </p:nvPr>
         </p:nvSpPr>
         <p:spPr/>
@@ -7005,46 +7151,31 @@
       </p:sp>
       <p:sp>
         <p:nvSpPr>
-          <p:cNvPr id="3" name="Text Placeholder 2"/>
-          <p:cNvSpPr>
-            <a:spLocks noGrp="1"/>
-          </p:cNvSpPr>
-          <p:nvPr>
-            <p:ph type="body" sz="quarter" idx="11"/>
-          </p:nvPr>
-        </p:nvSpPr>
-        <p:spPr/>
-        <p:txBody>
-          <a:bodyPr/>
-          <a:lstStyle/>
-          <a:p>
-            <a:endParaRPr lang="en-US"/>
-          </a:p>
-        </p:txBody>
-      </p:sp>
-      <p:sp>
-        <p:nvSpPr>
-          <p:cNvPr id="4" name="Title 3"/>
-          <p:cNvSpPr>
-            <a:spLocks noGrp="1"/>
-          </p:cNvSpPr>
-          <p:nvPr>
-            <p:ph type="title"/>
-          </p:nvPr>
-        </p:nvSpPr>
-        <p:spPr/>
-        <p:txBody>
-          <a:bodyPr/>
-          <a:lstStyle/>
-          <a:p>
-            <a:endParaRPr lang="en-US"/>
+          <p:cNvPr id="4" name="Slide Number Placeholder 3"/>
+          <p:cNvSpPr>
+            <a:spLocks noGrp="1"/>
+          </p:cNvSpPr>
+          <p:nvPr>
+            <p:ph type="sldNum" sz="quarter" idx="4294967295"/>
+          </p:nvPr>
+        </p:nvSpPr>
+        <p:spPr/>
+        <p:txBody>
+          <a:bodyPr/>
+          <a:lstStyle/>
+          <a:p>
+            <a:fld id="{4FAB73BC-B049-4115-A692-8D63A059BFB8}" type="slidenum">
+              <a:rPr lang="en-US" smtClean="0"/>
+              <a:t>39</a:t>
+            </a:fld>
+            <a:endParaRPr lang="en-US" dirty="0"/>
           </a:p>
         </p:txBody>
       </p:sp>
     </p:spTree>
     <p:extLst>
       <p:ext uri="{BB962C8B-B14F-4D97-AF65-F5344CB8AC3E}">
-        <p14:creationId xmlns:p14="http://schemas.microsoft.com/office/powerpoint/2010/main" val="1648934747"/>
+        <p14:creationId xmlns:p14="http://schemas.microsoft.com/office/powerpoint/2010/main" val="4195757070"/>
       </p:ext>
     </p:extLst>
   </p:cSld>
@@ -7636,11 +7767,30 @@
           <a:p>
             <a:r>
               <a:rPr lang="en-US" dirty="0"/>
-              <a:t>Aggregation and Pivot</a:t>
+              <a:t>Connect to Text File</a:t>
             </a:r>
           </a:p>
           <a:p>
             <a:endParaRPr lang="en-US" dirty="0"/>
+          </a:p>
+        </p:txBody>
+      </p:sp>
+      <p:sp>
+        <p:nvSpPr>
+          <p:cNvPr id="5" name="Text Placeholder 4"/>
+          <p:cNvSpPr>
+            <a:spLocks noGrp="1"/>
+          </p:cNvSpPr>
+          <p:nvPr>
+            <p:ph type="body" sz="quarter" idx="10"/>
+          </p:nvPr>
+        </p:nvSpPr>
+        <p:spPr/>
+        <p:txBody>
+          <a:bodyPr/>
+          <a:lstStyle/>
+          <a:p>
+            <a:endParaRPr lang="en-US"/>
           </a:p>
         </p:txBody>
       </p:sp>
@@ -7670,7 +7820,7 @@
     </p:spTree>
     <p:extLst>
       <p:ext uri="{BB962C8B-B14F-4D97-AF65-F5344CB8AC3E}">
-        <p14:creationId xmlns:p14="http://schemas.microsoft.com/office/powerpoint/2010/main" val="1958751481"/>
+        <p14:creationId xmlns:p14="http://schemas.microsoft.com/office/powerpoint/2010/main" val="3357100315"/>
       </p:ext>
     </p:extLst>
   </p:cSld>
@@ -7716,7 +7866,7 @@
           <a:p>
             <a:r>
               <a:rPr lang="en-US" dirty="0"/>
-              <a:t>Aggregations</a:t>
+              <a:t>Other Features</a:t>
             </a:r>
           </a:p>
           <a:p>
@@ -7769,7 +7919,7 @@
     </p:spTree>
     <p:extLst>
       <p:ext uri="{BB962C8B-B14F-4D97-AF65-F5344CB8AC3E}">
-        <p14:creationId xmlns:p14="http://schemas.microsoft.com/office/powerpoint/2010/main" val="2391791631"/>
+        <p14:creationId xmlns:p14="http://schemas.microsoft.com/office/powerpoint/2010/main" val="1262942265"/>
       </p:ext>
     </p:extLst>
   </p:cSld>
@@ -7798,7 +7948,45 @@
       </p:grpSpPr>
       <p:sp>
         <p:nvSpPr>
-          <p:cNvPr id="2" name="Title 1"/>
+          <p:cNvPr id="2" name="Subtitle 1"/>
+          <p:cNvSpPr>
+            <a:spLocks noGrp="1"/>
+          </p:cNvSpPr>
+          <p:nvPr>
+            <p:ph type="subTitle" idx="1"/>
+          </p:nvPr>
+        </p:nvSpPr>
+        <p:spPr/>
+        <p:txBody>
+          <a:bodyPr/>
+          <a:lstStyle/>
+          <a:p>
+            <a:endParaRPr lang="en-US"/>
+          </a:p>
+        </p:txBody>
+      </p:sp>
+      <p:sp>
+        <p:nvSpPr>
+          <p:cNvPr id="3" name="Text Placeholder 2"/>
+          <p:cNvSpPr>
+            <a:spLocks noGrp="1"/>
+          </p:cNvSpPr>
+          <p:nvPr>
+            <p:ph type="body" sz="quarter" idx="11"/>
+          </p:nvPr>
+        </p:nvSpPr>
+        <p:spPr/>
+        <p:txBody>
+          <a:bodyPr/>
+          <a:lstStyle/>
+          <a:p>
+            <a:endParaRPr lang="en-US"/>
+          </a:p>
+        </p:txBody>
+      </p:sp>
+      <p:sp>
+        <p:nvSpPr>
+          <p:cNvPr id="4" name="Title 3"/>
           <p:cNvSpPr>
             <a:spLocks noGrp="1"/>
           </p:cNvSpPr>
@@ -7808,67 +7996,17 @@
         </p:nvSpPr>
         <p:spPr/>
         <p:txBody>
-          <a:bodyPr>
-            <a:normAutofit/>
-          </a:bodyPr>
-          <a:lstStyle/>
-          <a:p>
-            <a:r>
-              <a:rPr lang="en-US" dirty="0"/>
-              <a:t>Aggregation Functions</a:t>
-            </a:r>
-          </a:p>
-          <a:p>
-            <a:endParaRPr lang="en-US" dirty="0"/>
-          </a:p>
-        </p:txBody>
-      </p:sp>
-      <p:sp>
-        <p:nvSpPr>
-          <p:cNvPr id="5" name="Text Placeholder 4"/>
-          <p:cNvSpPr>
-            <a:spLocks noGrp="1"/>
-          </p:cNvSpPr>
-          <p:nvPr>
-            <p:ph type="body" sz="quarter" idx="10"/>
-          </p:nvPr>
-        </p:nvSpPr>
-        <p:spPr/>
-        <p:txBody>
           <a:bodyPr/>
           <a:lstStyle/>
           <a:p>
             <a:endParaRPr lang="en-US"/>
-          </a:p>
-        </p:txBody>
-      </p:sp>
-      <p:sp>
-        <p:nvSpPr>
-          <p:cNvPr id="4" name="Slide Number Placeholder 3"/>
-          <p:cNvSpPr>
-            <a:spLocks noGrp="1"/>
-          </p:cNvSpPr>
-          <p:nvPr>
-            <p:ph type="sldNum" sz="quarter" idx="4294967295"/>
-          </p:nvPr>
-        </p:nvSpPr>
-        <p:spPr/>
-        <p:txBody>
-          <a:bodyPr/>
-          <a:lstStyle/>
-          <a:p>
-            <a:fld id="{4FAB73BC-B049-4115-A692-8D63A059BFB8}" type="slidenum">
-              <a:rPr lang="en-US" smtClean="0"/>
-              <a:t>42</a:t>
-            </a:fld>
-            <a:endParaRPr lang="en-US" dirty="0"/>
           </a:p>
         </p:txBody>
       </p:sp>
     </p:spTree>
     <p:extLst>
       <p:ext uri="{BB962C8B-B14F-4D97-AF65-F5344CB8AC3E}">
-        <p14:creationId xmlns:p14="http://schemas.microsoft.com/office/powerpoint/2010/main" val="23337854"/>
+        <p14:creationId xmlns:p14="http://schemas.microsoft.com/office/powerpoint/2010/main" val="2350608883"/>
       </p:ext>
     </p:extLst>
   </p:cSld>
@@ -7914,30 +8052,11 @@
           <a:p>
             <a:r>
               <a:rPr lang="en-US" dirty="0"/>
-              <a:t>Group By</a:t>
+              <a:t>Data Cleaning</a:t>
             </a:r>
           </a:p>
           <a:p>
             <a:endParaRPr lang="en-US" dirty="0"/>
-          </a:p>
-        </p:txBody>
-      </p:sp>
-      <p:sp>
-        <p:nvSpPr>
-          <p:cNvPr id="5" name="Text Placeholder 4"/>
-          <p:cNvSpPr>
-            <a:spLocks noGrp="1"/>
-          </p:cNvSpPr>
-          <p:nvPr>
-            <p:ph type="body" sz="quarter" idx="10"/>
-          </p:nvPr>
-        </p:nvSpPr>
-        <p:spPr/>
-        <p:txBody>
-          <a:bodyPr/>
-          <a:lstStyle/>
-          <a:p>
-            <a:endParaRPr lang="en-US"/>
           </a:p>
         </p:txBody>
       </p:sp>
@@ -7967,7 +8086,7 @@
     </p:spTree>
     <p:extLst>
       <p:ext uri="{BB962C8B-B14F-4D97-AF65-F5344CB8AC3E}">
-        <p14:creationId xmlns:p14="http://schemas.microsoft.com/office/powerpoint/2010/main" val="1951688755"/>
+        <p14:creationId xmlns:p14="http://schemas.microsoft.com/office/powerpoint/2010/main" val="3574167115"/>
       </p:ext>
     </p:extLst>
   </p:cSld>
@@ -8013,7 +8132,7 @@
           <a:p>
             <a:r>
               <a:rPr lang="en-US" dirty="0"/>
-              <a:t>Examples</a:t>
+              <a:t>Profile Pane: An In-Depth Analysis</a:t>
             </a:r>
           </a:p>
           <a:p>
@@ -8066,7 +8185,7 @@
     </p:spTree>
     <p:extLst>
       <p:ext uri="{BB962C8B-B14F-4D97-AF65-F5344CB8AC3E}">
-        <p14:creationId xmlns:p14="http://schemas.microsoft.com/office/powerpoint/2010/main" val="2788349869"/>
+        <p14:creationId xmlns:p14="http://schemas.microsoft.com/office/powerpoint/2010/main" val="1414652983"/>
       </p:ext>
     </p:extLst>
   </p:cSld>
@@ -8112,7 +8231,7 @@
           <a:p>
             <a:r>
               <a:rPr lang="en-US" dirty="0"/>
-              <a:t>Pivot</a:t>
+              <a:t>Functions</a:t>
             </a:r>
           </a:p>
           <a:p>
@@ -8165,7 +8284,7 @@
     </p:spTree>
     <p:extLst>
       <p:ext uri="{BB962C8B-B14F-4D97-AF65-F5344CB8AC3E}">
-        <p14:creationId xmlns:p14="http://schemas.microsoft.com/office/powerpoint/2010/main" val="3940517650"/>
+        <p14:creationId xmlns:p14="http://schemas.microsoft.com/office/powerpoint/2010/main" val="1219868799"/>
       </p:ext>
     </p:extLst>
   </p:cSld>
@@ -8194,12 +8313,39 @@
       </p:grpSpPr>
       <p:sp>
         <p:nvSpPr>
-          <p:cNvPr id="2" name="Subtitle 1"/>
-          <p:cNvSpPr>
-            <a:spLocks noGrp="1"/>
-          </p:cNvSpPr>
-          <p:nvPr>
-            <p:ph type="subTitle" idx="1"/>
+          <p:cNvPr id="2" name="Title 1"/>
+          <p:cNvSpPr>
+            <a:spLocks noGrp="1"/>
+          </p:cNvSpPr>
+          <p:nvPr>
+            <p:ph type="title"/>
+          </p:nvPr>
+        </p:nvSpPr>
+        <p:spPr/>
+        <p:txBody>
+          <a:bodyPr>
+            <a:normAutofit/>
+          </a:bodyPr>
+          <a:lstStyle/>
+          <a:p>
+            <a:r>
+              <a:rPr lang="en-US" dirty="0"/>
+              <a:t>Tracking Changes</a:t>
+            </a:r>
+          </a:p>
+          <a:p>
+            <a:endParaRPr lang="en-US" dirty="0"/>
+          </a:p>
+        </p:txBody>
+      </p:sp>
+      <p:sp>
+        <p:nvSpPr>
+          <p:cNvPr id="5" name="Text Placeholder 4"/>
+          <p:cNvSpPr>
+            <a:spLocks noGrp="1"/>
+          </p:cNvSpPr>
+          <p:nvPr>
+            <p:ph type="body" sz="quarter" idx="10"/>
           </p:nvPr>
         </p:nvSpPr>
         <p:spPr/>
@@ -8213,46 +8359,31 @@
       </p:sp>
       <p:sp>
         <p:nvSpPr>
-          <p:cNvPr id="3" name="Text Placeholder 2"/>
-          <p:cNvSpPr>
-            <a:spLocks noGrp="1"/>
-          </p:cNvSpPr>
-          <p:nvPr>
-            <p:ph type="body" sz="quarter" idx="11"/>
-          </p:nvPr>
-        </p:nvSpPr>
-        <p:spPr/>
-        <p:txBody>
-          <a:bodyPr/>
-          <a:lstStyle/>
-          <a:p>
-            <a:endParaRPr lang="en-US"/>
-          </a:p>
-        </p:txBody>
-      </p:sp>
-      <p:sp>
-        <p:nvSpPr>
-          <p:cNvPr id="4" name="Title 3"/>
-          <p:cNvSpPr>
-            <a:spLocks noGrp="1"/>
-          </p:cNvSpPr>
-          <p:nvPr>
-            <p:ph type="title"/>
-          </p:nvPr>
-        </p:nvSpPr>
-        <p:spPr/>
-        <p:txBody>
-          <a:bodyPr/>
-          <a:lstStyle/>
-          <a:p>
-            <a:endParaRPr lang="en-US"/>
+          <p:cNvPr id="4" name="Slide Number Placeholder 3"/>
+          <p:cNvSpPr>
+            <a:spLocks noGrp="1"/>
+          </p:cNvSpPr>
+          <p:nvPr>
+            <p:ph type="sldNum" sz="quarter" idx="4294967295"/>
+          </p:nvPr>
+        </p:nvSpPr>
+        <p:spPr/>
+        <p:txBody>
+          <a:bodyPr/>
+          <a:lstStyle/>
+          <a:p>
+            <a:fld id="{4FAB73BC-B049-4115-A692-8D63A059BFB8}" type="slidenum">
+              <a:rPr lang="en-US" smtClean="0"/>
+              <a:t>46</a:t>
+            </a:fld>
+            <a:endParaRPr lang="en-US" dirty="0"/>
           </a:p>
         </p:txBody>
       </p:sp>
     </p:spTree>
     <p:extLst>
       <p:ext uri="{BB962C8B-B14F-4D97-AF65-F5344CB8AC3E}">
-        <p14:creationId xmlns:p14="http://schemas.microsoft.com/office/powerpoint/2010/main" val="2143564651"/>
+        <p14:creationId xmlns:p14="http://schemas.microsoft.com/office/powerpoint/2010/main" val="1777712413"/>
       </p:ext>
     </p:extLst>
   </p:cSld>
@@ -8298,11 +8429,30 @@
           <a:p>
             <a:r>
               <a:rPr lang="en-US" dirty="0"/>
-              <a:t>Joins and Unions</a:t>
+              <a:t>String Calculations</a:t>
             </a:r>
           </a:p>
           <a:p>
             <a:endParaRPr lang="en-US" dirty="0"/>
+          </a:p>
+        </p:txBody>
+      </p:sp>
+      <p:sp>
+        <p:nvSpPr>
+          <p:cNvPr id="5" name="Text Placeholder 4"/>
+          <p:cNvSpPr>
+            <a:spLocks noGrp="1"/>
+          </p:cNvSpPr>
+          <p:nvPr>
+            <p:ph type="body" sz="quarter" idx="10"/>
+          </p:nvPr>
+        </p:nvSpPr>
+        <p:spPr/>
+        <p:txBody>
+          <a:bodyPr/>
+          <a:lstStyle/>
+          <a:p>
+            <a:endParaRPr lang="en-US"/>
           </a:p>
         </p:txBody>
       </p:sp>
@@ -8332,7 +8482,7 @@
     </p:spTree>
     <p:extLst>
       <p:ext uri="{BB962C8B-B14F-4D97-AF65-F5344CB8AC3E}">
-        <p14:creationId xmlns:p14="http://schemas.microsoft.com/office/powerpoint/2010/main" val="1240370214"/>
+        <p14:creationId xmlns:p14="http://schemas.microsoft.com/office/powerpoint/2010/main" val="4039495164"/>
       </p:ext>
     </p:extLst>
   </p:cSld>
@@ -8361,7 +8511,45 @@
       </p:grpSpPr>
       <p:sp>
         <p:nvSpPr>
-          <p:cNvPr id="2" name="Title 1"/>
+          <p:cNvPr id="5" name="Subtitle 4"/>
+          <p:cNvSpPr>
+            <a:spLocks noGrp="1"/>
+          </p:cNvSpPr>
+          <p:nvPr>
+            <p:ph type="subTitle" idx="1"/>
+          </p:nvPr>
+        </p:nvSpPr>
+        <p:spPr/>
+        <p:txBody>
+          <a:bodyPr/>
+          <a:lstStyle/>
+          <a:p>
+            <a:endParaRPr lang="en-US"/>
+          </a:p>
+        </p:txBody>
+      </p:sp>
+      <p:sp>
+        <p:nvSpPr>
+          <p:cNvPr id="6" name="Text Placeholder 5"/>
+          <p:cNvSpPr>
+            <a:spLocks noGrp="1"/>
+          </p:cNvSpPr>
+          <p:nvPr>
+            <p:ph type="body" sz="quarter" idx="11"/>
+          </p:nvPr>
+        </p:nvSpPr>
+        <p:spPr/>
+        <p:txBody>
+          <a:bodyPr/>
+          <a:lstStyle/>
+          <a:p>
+            <a:endParaRPr lang="en-US"/>
+          </a:p>
+        </p:txBody>
+      </p:sp>
+      <p:sp>
+        <p:nvSpPr>
+          <p:cNvPr id="4" name="Title 3"/>
           <p:cNvSpPr>
             <a:spLocks noGrp="1"/>
           </p:cNvSpPr>
@@ -8371,67 +8559,17 @@
         </p:nvSpPr>
         <p:spPr/>
         <p:txBody>
-          <a:bodyPr>
-            <a:normAutofit/>
-          </a:bodyPr>
-          <a:lstStyle/>
-          <a:p>
-            <a:r>
-              <a:rPr lang="en-US" dirty="0"/>
-              <a:t>Join</a:t>
-            </a:r>
-          </a:p>
-          <a:p>
-            <a:endParaRPr lang="en-US" dirty="0"/>
-          </a:p>
-        </p:txBody>
-      </p:sp>
-      <p:sp>
-        <p:nvSpPr>
-          <p:cNvPr id="5" name="Text Placeholder 4"/>
-          <p:cNvSpPr>
-            <a:spLocks noGrp="1"/>
-          </p:cNvSpPr>
-          <p:nvPr>
-            <p:ph type="body" sz="quarter" idx="10"/>
-          </p:nvPr>
-        </p:nvSpPr>
-        <p:spPr/>
-        <p:txBody>
           <a:bodyPr/>
           <a:lstStyle/>
           <a:p>
             <a:endParaRPr lang="en-US"/>
-          </a:p>
-        </p:txBody>
-      </p:sp>
-      <p:sp>
-        <p:nvSpPr>
-          <p:cNvPr id="4" name="Slide Number Placeholder 3"/>
-          <p:cNvSpPr>
-            <a:spLocks noGrp="1"/>
-          </p:cNvSpPr>
-          <p:nvPr>
-            <p:ph type="sldNum" sz="quarter" idx="4294967295"/>
-          </p:nvPr>
-        </p:nvSpPr>
-        <p:spPr/>
-        <p:txBody>
-          <a:bodyPr/>
-          <a:lstStyle/>
-          <a:p>
-            <a:fld id="{4FAB73BC-B049-4115-A692-8D63A059BFB8}" type="slidenum">
-              <a:rPr lang="en-US" smtClean="0"/>
-              <a:t>48</a:t>
-            </a:fld>
-            <a:endParaRPr lang="en-US" dirty="0"/>
           </a:p>
         </p:txBody>
       </p:sp>
     </p:spTree>
     <p:extLst>
       <p:ext uri="{BB962C8B-B14F-4D97-AF65-F5344CB8AC3E}">
-        <p14:creationId xmlns:p14="http://schemas.microsoft.com/office/powerpoint/2010/main" val="2599561476"/>
+        <p14:creationId xmlns:p14="http://schemas.microsoft.com/office/powerpoint/2010/main" val="4078939970"/>
       </p:ext>
     </p:extLst>
   </p:cSld>
@@ -8477,30 +8615,11 @@
           <a:p>
             <a:r>
               <a:rPr lang="en-US" dirty="0"/>
-              <a:t>Types of Joins</a:t>
+              <a:t>Group and Replace</a:t>
             </a:r>
           </a:p>
           <a:p>
             <a:endParaRPr lang="en-US" dirty="0"/>
-          </a:p>
-        </p:txBody>
-      </p:sp>
-      <p:sp>
-        <p:nvSpPr>
-          <p:cNvPr id="5" name="Text Placeholder 4"/>
-          <p:cNvSpPr>
-            <a:spLocks noGrp="1"/>
-          </p:cNvSpPr>
-          <p:nvPr>
-            <p:ph type="body" sz="quarter" idx="10"/>
-          </p:nvPr>
-        </p:nvSpPr>
-        <p:spPr/>
-        <p:txBody>
-          <a:bodyPr/>
-          <a:lstStyle/>
-          <a:p>
-            <a:endParaRPr lang="en-US"/>
           </a:p>
         </p:txBody>
       </p:sp>
@@ -8530,7 +8649,7 @@
     </p:spTree>
     <p:extLst>
       <p:ext uri="{BB962C8B-B14F-4D97-AF65-F5344CB8AC3E}">
-        <p14:creationId xmlns:p14="http://schemas.microsoft.com/office/powerpoint/2010/main" val="3596709695"/>
+        <p14:creationId xmlns:p14="http://schemas.microsoft.com/office/powerpoint/2010/main" val="3690503997"/>
       </p:ext>
     </p:extLst>
   </p:cSld>
@@ -8630,6 +8749,10 @@
                 <a:hlinkClick r:id="rId2"/>
               </a:rPr>
               <a:t>http://bit.ly/ONLCXTBP10</a:t>
+            </a:r>
+            <a:r>
+              <a:rPr lang="en-US" dirty="0"/>
+              <a:t/>
             </a:r>
             <a:br>
               <a:rPr lang="en-US" dirty="0"/>
@@ -8746,14 +8869,12 @@
         </p:nvSpPr>
         <p:spPr/>
         <p:txBody>
-          <a:bodyPr>
-            <a:normAutofit/>
-          </a:bodyPr>
-          <a:lstStyle/>
-          <a:p>
-            <a:r>
-              <a:rPr lang="en-US" dirty="0"/>
-              <a:t>Example</a:t>
+          <a:bodyPr/>
+          <a:lstStyle/>
+          <a:p>
+            <a:r>
+              <a:rPr lang="en-US"/>
+              <a:t>Automatic Group and Replace Functions</a:t>
             </a:r>
           </a:p>
           <a:p>
@@ -8763,7 +8884,7 @@
       </p:sp>
       <p:sp>
         <p:nvSpPr>
-          <p:cNvPr id="5" name="Text Placeholder 4"/>
+          <p:cNvPr id="8" name="Text Placeholder 7"/>
           <p:cNvSpPr>
             <a:spLocks noGrp="1"/>
           </p:cNvSpPr>
@@ -8797,6 +8918,7 @@
           <a:p>
             <a:fld id="{4FAB73BC-B049-4115-A692-8D63A059BFB8}" type="slidenum">
               <a:rPr lang="en-US" smtClean="0"/>
+              <a:pPr/>
               <a:t>50</a:t>
             </a:fld>
             <a:endParaRPr lang="en-US" dirty="0"/>
@@ -8806,7 +8928,7 @@
     </p:spTree>
     <p:extLst>
       <p:ext uri="{BB962C8B-B14F-4D97-AF65-F5344CB8AC3E}">
-        <p14:creationId xmlns:p14="http://schemas.microsoft.com/office/powerpoint/2010/main" val="3653774116"/>
+        <p14:creationId xmlns:p14="http://schemas.microsoft.com/office/powerpoint/2010/main" val="2414697677"/>
       </p:ext>
     </p:extLst>
   </p:cSld>
@@ -8845,14 +8967,12 @@
         </p:nvSpPr>
         <p:spPr/>
         <p:txBody>
-          <a:bodyPr>
-            <a:normAutofit/>
-          </a:bodyPr>
-          <a:lstStyle/>
-          <a:p>
-            <a:r>
-              <a:rPr lang="en-US" dirty="0"/>
-              <a:t>Union</a:t>
+          <a:bodyPr/>
+          <a:lstStyle/>
+          <a:p>
+            <a:r>
+              <a:rPr lang="en-US"/>
+              <a:t>Manual Grouping</a:t>
             </a:r>
           </a:p>
           <a:p>
@@ -8862,7 +8982,7 @@
       </p:sp>
       <p:sp>
         <p:nvSpPr>
-          <p:cNvPr id="5" name="Text Placeholder 4"/>
+          <p:cNvPr id="8" name="Text Placeholder 7"/>
           <p:cNvSpPr>
             <a:spLocks noGrp="1"/>
           </p:cNvSpPr>
@@ -8896,6 +9016,7 @@
           <a:p>
             <a:fld id="{4FAB73BC-B049-4115-A692-8D63A059BFB8}" type="slidenum">
               <a:rPr lang="en-US" smtClean="0"/>
+              <a:pPr/>
               <a:t>51</a:t>
             </a:fld>
             <a:endParaRPr lang="en-US" dirty="0"/>
@@ -8905,7 +9026,7 @@
     </p:spTree>
     <p:extLst>
       <p:ext uri="{BB962C8B-B14F-4D97-AF65-F5344CB8AC3E}">
-        <p14:creationId xmlns:p14="http://schemas.microsoft.com/office/powerpoint/2010/main" val="1635834936"/>
+        <p14:creationId xmlns:p14="http://schemas.microsoft.com/office/powerpoint/2010/main" val="2177486930"/>
       </p:ext>
     </p:extLst>
   </p:cSld>
@@ -8944,14 +9065,12 @@
         </p:nvSpPr>
         <p:spPr/>
         <p:txBody>
-          <a:bodyPr>
-            <a:normAutofit/>
-          </a:bodyPr>
-          <a:lstStyle/>
-          <a:p>
-            <a:r>
-              <a:rPr lang="en-US" dirty="0"/>
-              <a:t>Example</a:t>
+          <a:bodyPr/>
+          <a:lstStyle/>
+          <a:p>
+            <a:r>
+              <a:rPr lang="en-US"/>
+              <a:t>Examples</a:t>
             </a:r>
           </a:p>
           <a:p>
@@ -8961,7 +9080,7 @@
       </p:sp>
       <p:sp>
         <p:nvSpPr>
-          <p:cNvPr id="5" name="Text Placeholder 4"/>
+          <p:cNvPr id="8" name="Text Placeholder 7"/>
           <p:cNvSpPr>
             <a:spLocks noGrp="1"/>
           </p:cNvSpPr>
@@ -8995,6 +9114,7 @@
           <a:p>
             <a:fld id="{4FAB73BC-B049-4115-A692-8D63A059BFB8}" type="slidenum">
               <a:rPr lang="en-US" smtClean="0"/>
+              <a:pPr/>
               <a:t>52</a:t>
             </a:fld>
             <a:endParaRPr lang="en-US" dirty="0"/>
@@ -9004,7 +9124,7 @@
     </p:spTree>
     <p:extLst>
       <p:ext uri="{BB962C8B-B14F-4D97-AF65-F5344CB8AC3E}">
-        <p14:creationId xmlns:p14="http://schemas.microsoft.com/office/powerpoint/2010/main" val="609212388"/>
+        <p14:creationId xmlns:p14="http://schemas.microsoft.com/office/powerpoint/2010/main" val="3724569971"/>
       </p:ext>
     </p:extLst>
   </p:cSld>
@@ -9091,7 +9211,7 @@
     </p:spTree>
     <p:extLst>
       <p:ext uri="{BB962C8B-B14F-4D97-AF65-F5344CB8AC3E}">
-        <p14:creationId xmlns:p14="http://schemas.microsoft.com/office/powerpoint/2010/main" val="2176800069"/>
+        <p14:creationId xmlns:p14="http://schemas.microsoft.com/office/powerpoint/2010/main" val="1648934747"/>
       </p:ext>
     </p:extLst>
   </p:cSld>
@@ -9137,7 +9257,7 @@
           <a:p>
             <a:r>
               <a:rPr lang="en-US" dirty="0"/>
-              <a:t>Tableau Prep Builder Conductor</a:t>
+              <a:t>Aggregation and Pivot</a:t>
             </a:r>
           </a:p>
           <a:p>
@@ -9171,7 +9291,7 @@
     </p:spTree>
     <p:extLst>
       <p:ext uri="{BB962C8B-B14F-4D97-AF65-F5344CB8AC3E}">
-        <p14:creationId xmlns:p14="http://schemas.microsoft.com/office/powerpoint/2010/main" val="710894456"/>
+        <p14:creationId xmlns:p14="http://schemas.microsoft.com/office/powerpoint/2010/main" val="1958751481"/>
       </p:ext>
     </p:extLst>
   </p:cSld>
@@ -9217,7 +9337,7 @@
           <a:p>
             <a:r>
               <a:rPr lang="en-US" dirty="0"/>
-              <a:t>Tableau Prep Builder Conductor</a:t>
+              <a:t>Aggregations</a:t>
             </a:r>
           </a:p>
           <a:p>
@@ -9270,7 +9390,7 @@
     </p:spTree>
     <p:extLst>
       <p:ext uri="{BB962C8B-B14F-4D97-AF65-F5344CB8AC3E}">
-        <p14:creationId xmlns:p14="http://schemas.microsoft.com/office/powerpoint/2010/main" val="3097242473"/>
+        <p14:creationId xmlns:p14="http://schemas.microsoft.com/office/powerpoint/2010/main" val="2391791631"/>
       </p:ext>
     </p:extLst>
   </p:cSld>
@@ -9316,7 +9436,7 @@
           <a:p>
             <a:r>
               <a:rPr lang="en-US" dirty="0"/>
-              <a:t>Prerequisites</a:t>
+              <a:t>Aggregation Functions</a:t>
             </a:r>
           </a:p>
           <a:p>
@@ -9369,7 +9489,7 @@
     </p:spTree>
     <p:extLst>
       <p:ext uri="{BB962C8B-B14F-4D97-AF65-F5344CB8AC3E}">
-        <p14:creationId xmlns:p14="http://schemas.microsoft.com/office/powerpoint/2010/main" val="2790491849"/>
+        <p14:creationId xmlns:p14="http://schemas.microsoft.com/office/powerpoint/2010/main" val="23337854"/>
       </p:ext>
     </p:extLst>
   </p:cSld>
@@ -9415,7 +9535,7 @@
           <a:p>
             <a:r>
               <a:rPr lang="en-US" dirty="0"/>
-              <a:t>Publishing Workflows to Server (Discussed)</a:t>
+              <a:t>Group By</a:t>
             </a:r>
           </a:p>
           <a:p>
@@ -9468,7 +9588,7 @@
     </p:spTree>
     <p:extLst>
       <p:ext uri="{BB962C8B-B14F-4D97-AF65-F5344CB8AC3E}">
-        <p14:creationId xmlns:p14="http://schemas.microsoft.com/office/powerpoint/2010/main" val="2246816309"/>
+        <p14:creationId xmlns:p14="http://schemas.microsoft.com/office/powerpoint/2010/main" val="1951688755"/>
       </p:ext>
     </p:extLst>
   </p:cSld>
@@ -9507,12 +9627,14 @@
         </p:nvSpPr>
         <p:spPr/>
         <p:txBody>
-          <a:bodyPr/>
-          <a:lstStyle/>
-          <a:p>
-            <a:r>
-              <a:rPr lang="en-US" dirty="0"/>
-              <a:t>Scheduling Workflows to Server (Discussed)</a:t>
+          <a:bodyPr>
+            <a:normAutofit/>
+          </a:bodyPr>
+          <a:lstStyle/>
+          <a:p>
+            <a:r>
+              <a:rPr lang="en-US" dirty="0"/>
+              <a:t>Examples</a:t>
             </a:r>
           </a:p>
           <a:p>
@@ -9565,7 +9687,7 @@
     </p:spTree>
     <p:extLst>
       <p:ext uri="{BB962C8B-B14F-4D97-AF65-F5344CB8AC3E}">
-        <p14:creationId xmlns:p14="http://schemas.microsoft.com/office/powerpoint/2010/main" val="2531394161"/>
+        <p14:creationId xmlns:p14="http://schemas.microsoft.com/office/powerpoint/2010/main" val="2788349869"/>
       </p:ext>
     </p:extLst>
   </p:cSld>
@@ -9594,12 +9716,39 @@
       </p:grpSpPr>
       <p:sp>
         <p:nvSpPr>
-          <p:cNvPr id="2" name="Subtitle 1"/>
-          <p:cNvSpPr>
-            <a:spLocks noGrp="1"/>
-          </p:cNvSpPr>
-          <p:nvPr>
-            <p:ph type="subTitle" idx="1"/>
+          <p:cNvPr id="2" name="Title 1"/>
+          <p:cNvSpPr>
+            <a:spLocks noGrp="1"/>
+          </p:cNvSpPr>
+          <p:nvPr>
+            <p:ph type="title"/>
+          </p:nvPr>
+        </p:nvSpPr>
+        <p:spPr/>
+        <p:txBody>
+          <a:bodyPr>
+            <a:normAutofit/>
+          </a:bodyPr>
+          <a:lstStyle/>
+          <a:p>
+            <a:r>
+              <a:rPr lang="en-US" dirty="0"/>
+              <a:t>Pivot</a:t>
+            </a:r>
+          </a:p>
+          <a:p>
+            <a:endParaRPr lang="en-US" dirty="0"/>
+          </a:p>
+        </p:txBody>
+      </p:sp>
+      <p:sp>
+        <p:nvSpPr>
+          <p:cNvPr id="5" name="Text Placeholder 4"/>
+          <p:cNvSpPr>
+            <a:spLocks noGrp="1"/>
+          </p:cNvSpPr>
+          <p:nvPr>
+            <p:ph type="body" sz="quarter" idx="10"/>
           </p:nvPr>
         </p:nvSpPr>
         <p:spPr/>
@@ -9613,46 +9762,31 @@
       </p:sp>
       <p:sp>
         <p:nvSpPr>
-          <p:cNvPr id="3" name="Text Placeholder 2"/>
-          <p:cNvSpPr>
-            <a:spLocks noGrp="1"/>
-          </p:cNvSpPr>
-          <p:nvPr>
-            <p:ph type="body" sz="quarter" idx="11"/>
-          </p:nvPr>
-        </p:nvSpPr>
-        <p:spPr/>
-        <p:txBody>
-          <a:bodyPr/>
-          <a:lstStyle/>
-          <a:p>
-            <a:endParaRPr lang="en-US"/>
-          </a:p>
-        </p:txBody>
-      </p:sp>
-      <p:sp>
-        <p:nvSpPr>
-          <p:cNvPr id="4" name="Title 3"/>
-          <p:cNvSpPr>
-            <a:spLocks noGrp="1"/>
-          </p:cNvSpPr>
-          <p:nvPr>
-            <p:ph type="title"/>
-          </p:nvPr>
-        </p:nvSpPr>
-        <p:spPr/>
-        <p:txBody>
-          <a:bodyPr/>
-          <a:lstStyle/>
-          <a:p>
-            <a:endParaRPr lang="en-US"/>
+          <p:cNvPr id="4" name="Slide Number Placeholder 3"/>
+          <p:cNvSpPr>
+            <a:spLocks noGrp="1"/>
+          </p:cNvSpPr>
+          <p:nvPr>
+            <p:ph type="sldNum" sz="quarter" idx="4294967295"/>
+          </p:nvPr>
+        </p:nvSpPr>
+        <p:spPr/>
+        <p:txBody>
+          <a:bodyPr/>
+          <a:lstStyle/>
+          <a:p>
+            <a:fld id="{4FAB73BC-B049-4115-A692-8D63A059BFB8}" type="slidenum">
+              <a:rPr lang="en-US" smtClean="0"/>
+              <a:t>59</a:t>
+            </a:fld>
+            <a:endParaRPr lang="en-US" dirty="0"/>
           </a:p>
         </p:txBody>
       </p:sp>
     </p:spTree>
     <p:extLst>
       <p:ext uri="{BB962C8B-B14F-4D97-AF65-F5344CB8AC3E}">
-        <p14:creationId xmlns:p14="http://schemas.microsoft.com/office/powerpoint/2010/main" val="3615799458"/>
+        <p14:creationId xmlns:p14="http://schemas.microsoft.com/office/powerpoint/2010/main" val="3940517650"/>
       </p:ext>
     </p:extLst>
   </p:cSld>
@@ -9791,29 +9925,7 @@
       </p:grpSpPr>
       <p:sp>
         <p:nvSpPr>
-          <p:cNvPr id="2" name="Title 1"/>
-          <p:cNvSpPr>
-            <a:spLocks noGrp="1"/>
-          </p:cNvSpPr>
-          <p:nvPr>
-            <p:ph type="ctrTitle"/>
-          </p:nvPr>
-        </p:nvSpPr>
-        <p:spPr/>
-        <p:txBody>
-          <a:bodyPr/>
-          <a:lstStyle/>
-          <a:p>
-            <a:r>
-              <a:rPr lang="en-US" dirty="0"/>
-              <a:t>Thank you!</a:t>
-            </a:r>
-          </a:p>
-        </p:txBody>
-      </p:sp>
-      <p:sp>
-        <p:nvSpPr>
-          <p:cNvPr id="5" name="Subtitle 4"/>
+          <p:cNvPr id="2" name="Subtitle 1"/>
           <p:cNvSpPr>
             <a:spLocks noGrp="1"/>
           </p:cNvSpPr>
@@ -9826,36 +9938,893 @@
           <a:bodyPr/>
           <a:lstStyle/>
           <a:p>
-            <a:r>
-              <a:rPr lang="en-US" dirty="0"/>
-              <a:t>Questions?</a:t>
-            </a:r>
-          </a:p>
-          <a:p>
-            <a:r>
-              <a:rPr lang="en-US" dirty="0"/>
-              <a:t>Survey: http://</a:t>
-            </a:r>
-            <a:r>
-              <a:rPr lang="en-US" dirty="0" err="1"/>
-              <a:t>www.onlc.com</a:t>
-            </a:r>
-            <a:r>
-              <a:rPr lang="en-US" dirty="0"/>
-              <a:t>/</a:t>
-            </a:r>
-            <a:r>
-              <a:rPr lang="en-US" dirty="0" err="1"/>
-              <a:t>eval</a:t>
-            </a:r>
-            <a:endParaRPr lang="en-US" dirty="0"/>
+            <a:endParaRPr lang="en-US"/>
+          </a:p>
+        </p:txBody>
+      </p:sp>
+      <p:sp>
+        <p:nvSpPr>
+          <p:cNvPr id="3" name="Text Placeholder 2"/>
+          <p:cNvSpPr>
+            <a:spLocks noGrp="1"/>
+          </p:cNvSpPr>
+          <p:nvPr>
+            <p:ph type="body" sz="quarter" idx="11"/>
+          </p:nvPr>
+        </p:nvSpPr>
+        <p:spPr/>
+        <p:txBody>
+          <a:bodyPr/>
+          <a:lstStyle/>
+          <a:p>
+            <a:endParaRPr lang="en-US"/>
+          </a:p>
+        </p:txBody>
+      </p:sp>
+      <p:sp>
+        <p:nvSpPr>
+          <p:cNvPr id="4" name="Title 3"/>
+          <p:cNvSpPr>
+            <a:spLocks noGrp="1"/>
+          </p:cNvSpPr>
+          <p:nvPr>
+            <p:ph type="title"/>
+          </p:nvPr>
+        </p:nvSpPr>
+        <p:spPr/>
+        <p:txBody>
+          <a:bodyPr/>
+          <a:lstStyle/>
+          <a:p>
+            <a:endParaRPr lang="en-US"/>
           </a:p>
         </p:txBody>
       </p:sp>
     </p:spTree>
     <p:extLst>
       <p:ext uri="{BB962C8B-B14F-4D97-AF65-F5344CB8AC3E}">
-        <p14:creationId xmlns:p14="http://schemas.microsoft.com/office/powerpoint/2010/main" val="1768650418"/>
+        <p14:creationId xmlns:p14="http://schemas.microsoft.com/office/powerpoint/2010/main" val="2143564651"/>
+      </p:ext>
+    </p:extLst>
+  </p:cSld>
+  <p:clrMapOvr>
+    <a:masterClrMapping/>
+  </p:clrMapOvr>
+</p:sld>
+</file>
+
+<file path=ppt/slides/slide61.xml><?xml version="1.0" encoding="utf-8"?>
+<p:sld xmlns:a="http://schemas.openxmlformats.org/drawingml/2006/main" xmlns:r="http://schemas.openxmlformats.org/officeDocument/2006/relationships" xmlns:p="http://schemas.openxmlformats.org/presentationml/2006/main">
+  <p:cSld>
+    <p:spTree>
+      <p:nvGrpSpPr>
+        <p:cNvPr id="1" name=""/>
+        <p:cNvGrpSpPr/>
+        <p:nvPr/>
+      </p:nvGrpSpPr>
+      <p:grpSpPr>
+        <a:xfrm>
+          <a:off x="0" y="0"/>
+          <a:ext cx="0" cy="0"/>
+          <a:chOff x="0" y="0"/>
+          <a:chExt cx="0" cy="0"/>
+        </a:xfrm>
+      </p:grpSpPr>
+      <p:sp>
+        <p:nvSpPr>
+          <p:cNvPr id="2" name="Title 1"/>
+          <p:cNvSpPr>
+            <a:spLocks noGrp="1"/>
+          </p:cNvSpPr>
+          <p:nvPr>
+            <p:ph type="title"/>
+          </p:nvPr>
+        </p:nvSpPr>
+        <p:spPr/>
+        <p:txBody>
+          <a:bodyPr>
+            <a:normAutofit/>
+          </a:bodyPr>
+          <a:lstStyle/>
+          <a:p>
+            <a:r>
+              <a:rPr lang="en-US" dirty="0"/>
+              <a:t>Joins and Unions</a:t>
+            </a:r>
+          </a:p>
+          <a:p>
+            <a:endParaRPr lang="en-US" dirty="0"/>
+          </a:p>
+        </p:txBody>
+      </p:sp>
+      <p:sp>
+        <p:nvSpPr>
+          <p:cNvPr id="4" name="Slide Number Placeholder 3"/>
+          <p:cNvSpPr>
+            <a:spLocks noGrp="1"/>
+          </p:cNvSpPr>
+          <p:nvPr>
+            <p:ph type="sldNum" sz="quarter" idx="4294967295"/>
+          </p:nvPr>
+        </p:nvSpPr>
+        <p:spPr/>
+        <p:txBody>
+          <a:bodyPr/>
+          <a:lstStyle/>
+          <a:p>
+            <a:fld id="{4FAB73BC-B049-4115-A692-8D63A059BFB8}" type="slidenum">
+              <a:rPr lang="en-US" smtClean="0"/>
+              <a:t>61</a:t>
+            </a:fld>
+            <a:endParaRPr lang="en-US" dirty="0"/>
+          </a:p>
+        </p:txBody>
+      </p:sp>
+    </p:spTree>
+    <p:extLst>
+      <p:ext uri="{BB962C8B-B14F-4D97-AF65-F5344CB8AC3E}">
+        <p14:creationId xmlns:p14="http://schemas.microsoft.com/office/powerpoint/2010/main" val="1240370214"/>
+      </p:ext>
+    </p:extLst>
+  </p:cSld>
+  <p:clrMapOvr>
+    <a:masterClrMapping/>
+  </p:clrMapOvr>
+</p:sld>
+</file>
+
+<file path=ppt/slides/slide62.xml><?xml version="1.0" encoding="utf-8"?>
+<p:sld xmlns:a="http://schemas.openxmlformats.org/drawingml/2006/main" xmlns:r="http://schemas.openxmlformats.org/officeDocument/2006/relationships" xmlns:p="http://schemas.openxmlformats.org/presentationml/2006/main">
+  <p:cSld>
+    <p:spTree>
+      <p:nvGrpSpPr>
+        <p:cNvPr id="1" name=""/>
+        <p:cNvGrpSpPr/>
+        <p:nvPr/>
+      </p:nvGrpSpPr>
+      <p:grpSpPr>
+        <a:xfrm>
+          <a:off x="0" y="0"/>
+          <a:ext cx="0" cy="0"/>
+          <a:chOff x="0" y="0"/>
+          <a:chExt cx="0" cy="0"/>
+        </a:xfrm>
+      </p:grpSpPr>
+      <p:sp>
+        <p:nvSpPr>
+          <p:cNvPr id="2" name="Title 1"/>
+          <p:cNvSpPr>
+            <a:spLocks noGrp="1"/>
+          </p:cNvSpPr>
+          <p:nvPr>
+            <p:ph type="title"/>
+          </p:nvPr>
+        </p:nvSpPr>
+        <p:spPr/>
+        <p:txBody>
+          <a:bodyPr>
+            <a:normAutofit/>
+          </a:bodyPr>
+          <a:lstStyle/>
+          <a:p>
+            <a:r>
+              <a:rPr lang="en-US" dirty="0"/>
+              <a:t>Join</a:t>
+            </a:r>
+          </a:p>
+          <a:p>
+            <a:endParaRPr lang="en-US" dirty="0"/>
+          </a:p>
+        </p:txBody>
+      </p:sp>
+      <p:sp>
+        <p:nvSpPr>
+          <p:cNvPr id="5" name="Text Placeholder 4"/>
+          <p:cNvSpPr>
+            <a:spLocks noGrp="1"/>
+          </p:cNvSpPr>
+          <p:nvPr>
+            <p:ph type="body" sz="quarter" idx="10"/>
+          </p:nvPr>
+        </p:nvSpPr>
+        <p:spPr/>
+        <p:txBody>
+          <a:bodyPr/>
+          <a:lstStyle/>
+          <a:p>
+            <a:endParaRPr lang="en-US"/>
+          </a:p>
+        </p:txBody>
+      </p:sp>
+      <p:sp>
+        <p:nvSpPr>
+          <p:cNvPr id="4" name="Slide Number Placeholder 3"/>
+          <p:cNvSpPr>
+            <a:spLocks noGrp="1"/>
+          </p:cNvSpPr>
+          <p:nvPr>
+            <p:ph type="sldNum" sz="quarter" idx="4294967295"/>
+          </p:nvPr>
+        </p:nvSpPr>
+        <p:spPr/>
+        <p:txBody>
+          <a:bodyPr/>
+          <a:lstStyle/>
+          <a:p>
+            <a:fld id="{4FAB73BC-B049-4115-A692-8D63A059BFB8}" type="slidenum">
+              <a:rPr lang="en-US" smtClean="0"/>
+              <a:t>62</a:t>
+            </a:fld>
+            <a:endParaRPr lang="en-US" dirty="0"/>
+          </a:p>
+        </p:txBody>
+      </p:sp>
+    </p:spTree>
+    <p:extLst>
+      <p:ext uri="{BB962C8B-B14F-4D97-AF65-F5344CB8AC3E}">
+        <p14:creationId xmlns:p14="http://schemas.microsoft.com/office/powerpoint/2010/main" val="2599561476"/>
+      </p:ext>
+    </p:extLst>
+  </p:cSld>
+  <p:clrMapOvr>
+    <a:masterClrMapping/>
+  </p:clrMapOvr>
+</p:sld>
+</file>
+
+<file path=ppt/slides/slide63.xml><?xml version="1.0" encoding="utf-8"?>
+<p:sld xmlns:a="http://schemas.openxmlformats.org/drawingml/2006/main" xmlns:r="http://schemas.openxmlformats.org/officeDocument/2006/relationships" xmlns:p="http://schemas.openxmlformats.org/presentationml/2006/main">
+  <p:cSld>
+    <p:spTree>
+      <p:nvGrpSpPr>
+        <p:cNvPr id="1" name=""/>
+        <p:cNvGrpSpPr/>
+        <p:nvPr/>
+      </p:nvGrpSpPr>
+      <p:grpSpPr>
+        <a:xfrm>
+          <a:off x="0" y="0"/>
+          <a:ext cx="0" cy="0"/>
+          <a:chOff x="0" y="0"/>
+          <a:chExt cx="0" cy="0"/>
+        </a:xfrm>
+      </p:grpSpPr>
+      <p:sp>
+        <p:nvSpPr>
+          <p:cNvPr id="2" name="Title 1"/>
+          <p:cNvSpPr>
+            <a:spLocks noGrp="1"/>
+          </p:cNvSpPr>
+          <p:nvPr>
+            <p:ph type="title"/>
+          </p:nvPr>
+        </p:nvSpPr>
+        <p:spPr/>
+        <p:txBody>
+          <a:bodyPr>
+            <a:normAutofit/>
+          </a:bodyPr>
+          <a:lstStyle/>
+          <a:p>
+            <a:r>
+              <a:rPr lang="en-US" dirty="0"/>
+              <a:t>Types of Joins</a:t>
+            </a:r>
+          </a:p>
+          <a:p>
+            <a:endParaRPr lang="en-US" dirty="0"/>
+          </a:p>
+        </p:txBody>
+      </p:sp>
+      <p:sp>
+        <p:nvSpPr>
+          <p:cNvPr id="5" name="Text Placeholder 4"/>
+          <p:cNvSpPr>
+            <a:spLocks noGrp="1"/>
+          </p:cNvSpPr>
+          <p:nvPr>
+            <p:ph type="body" sz="quarter" idx="10"/>
+          </p:nvPr>
+        </p:nvSpPr>
+        <p:spPr/>
+        <p:txBody>
+          <a:bodyPr/>
+          <a:lstStyle/>
+          <a:p>
+            <a:endParaRPr lang="en-US"/>
+          </a:p>
+        </p:txBody>
+      </p:sp>
+      <p:sp>
+        <p:nvSpPr>
+          <p:cNvPr id="4" name="Slide Number Placeholder 3"/>
+          <p:cNvSpPr>
+            <a:spLocks noGrp="1"/>
+          </p:cNvSpPr>
+          <p:nvPr>
+            <p:ph type="sldNum" sz="quarter" idx="4294967295"/>
+          </p:nvPr>
+        </p:nvSpPr>
+        <p:spPr/>
+        <p:txBody>
+          <a:bodyPr/>
+          <a:lstStyle/>
+          <a:p>
+            <a:fld id="{4FAB73BC-B049-4115-A692-8D63A059BFB8}" type="slidenum">
+              <a:rPr lang="en-US" smtClean="0"/>
+              <a:t>63</a:t>
+            </a:fld>
+            <a:endParaRPr lang="en-US" dirty="0"/>
+          </a:p>
+        </p:txBody>
+      </p:sp>
+    </p:spTree>
+    <p:extLst>
+      <p:ext uri="{BB962C8B-B14F-4D97-AF65-F5344CB8AC3E}">
+        <p14:creationId xmlns:p14="http://schemas.microsoft.com/office/powerpoint/2010/main" val="3596709695"/>
+      </p:ext>
+    </p:extLst>
+  </p:cSld>
+  <p:clrMapOvr>
+    <a:masterClrMapping/>
+  </p:clrMapOvr>
+</p:sld>
+</file>
+
+<file path=ppt/slides/slide64.xml><?xml version="1.0" encoding="utf-8"?>
+<p:sld xmlns:a="http://schemas.openxmlformats.org/drawingml/2006/main" xmlns:r="http://schemas.openxmlformats.org/officeDocument/2006/relationships" xmlns:p="http://schemas.openxmlformats.org/presentationml/2006/main">
+  <p:cSld>
+    <p:spTree>
+      <p:nvGrpSpPr>
+        <p:cNvPr id="1" name=""/>
+        <p:cNvGrpSpPr/>
+        <p:nvPr/>
+      </p:nvGrpSpPr>
+      <p:grpSpPr>
+        <a:xfrm>
+          <a:off x="0" y="0"/>
+          <a:ext cx="0" cy="0"/>
+          <a:chOff x="0" y="0"/>
+          <a:chExt cx="0" cy="0"/>
+        </a:xfrm>
+      </p:grpSpPr>
+      <p:sp>
+        <p:nvSpPr>
+          <p:cNvPr id="2" name="Title 1"/>
+          <p:cNvSpPr>
+            <a:spLocks noGrp="1"/>
+          </p:cNvSpPr>
+          <p:nvPr>
+            <p:ph type="title"/>
+          </p:nvPr>
+        </p:nvSpPr>
+        <p:spPr/>
+        <p:txBody>
+          <a:bodyPr>
+            <a:normAutofit/>
+          </a:bodyPr>
+          <a:lstStyle/>
+          <a:p>
+            <a:r>
+              <a:rPr lang="en-US" dirty="0"/>
+              <a:t>Example</a:t>
+            </a:r>
+          </a:p>
+          <a:p>
+            <a:endParaRPr lang="en-US" dirty="0"/>
+          </a:p>
+        </p:txBody>
+      </p:sp>
+      <p:sp>
+        <p:nvSpPr>
+          <p:cNvPr id="5" name="Text Placeholder 4"/>
+          <p:cNvSpPr>
+            <a:spLocks noGrp="1"/>
+          </p:cNvSpPr>
+          <p:nvPr>
+            <p:ph type="body" sz="quarter" idx="10"/>
+          </p:nvPr>
+        </p:nvSpPr>
+        <p:spPr/>
+        <p:txBody>
+          <a:bodyPr/>
+          <a:lstStyle/>
+          <a:p>
+            <a:endParaRPr lang="en-US"/>
+          </a:p>
+        </p:txBody>
+      </p:sp>
+      <p:sp>
+        <p:nvSpPr>
+          <p:cNvPr id="4" name="Slide Number Placeholder 3"/>
+          <p:cNvSpPr>
+            <a:spLocks noGrp="1"/>
+          </p:cNvSpPr>
+          <p:nvPr>
+            <p:ph type="sldNum" sz="quarter" idx="4294967295"/>
+          </p:nvPr>
+        </p:nvSpPr>
+        <p:spPr/>
+        <p:txBody>
+          <a:bodyPr/>
+          <a:lstStyle/>
+          <a:p>
+            <a:fld id="{4FAB73BC-B049-4115-A692-8D63A059BFB8}" type="slidenum">
+              <a:rPr lang="en-US" smtClean="0"/>
+              <a:t>64</a:t>
+            </a:fld>
+            <a:endParaRPr lang="en-US" dirty="0"/>
+          </a:p>
+        </p:txBody>
+      </p:sp>
+    </p:spTree>
+    <p:extLst>
+      <p:ext uri="{BB962C8B-B14F-4D97-AF65-F5344CB8AC3E}">
+        <p14:creationId xmlns:p14="http://schemas.microsoft.com/office/powerpoint/2010/main" val="3653774116"/>
+      </p:ext>
+    </p:extLst>
+  </p:cSld>
+  <p:clrMapOvr>
+    <a:masterClrMapping/>
+  </p:clrMapOvr>
+</p:sld>
+</file>
+
+<file path=ppt/slides/slide65.xml><?xml version="1.0" encoding="utf-8"?>
+<p:sld xmlns:a="http://schemas.openxmlformats.org/drawingml/2006/main" xmlns:r="http://schemas.openxmlformats.org/officeDocument/2006/relationships" xmlns:p="http://schemas.openxmlformats.org/presentationml/2006/main">
+  <p:cSld>
+    <p:spTree>
+      <p:nvGrpSpPr>
+        <p:cNvPr id="1" name=""/>
+        <p:cNvGrpSpPr/>
+        <p:nvPr/>
+      </p:nvGrpSpPr>
+      <p:grpSpPr>
+        <a:xfrm>
+          <a:off x="0" y="0"/>
+          <a:ext cx="0" cy="0"/>
+          <a:chOff x="0" y="0"/>
+          <a:chExt cx="0" cy="0"/>
+        </a:xfrm>
+      </p:grpSpPr>
+      <p:sp>
+        <p:nvSpPr>
+          <p:cNvPr id="2" name="Title 1"/>
+          <p:cNvSpPr>
+            <a:spLocks noGrp="1"/>
+          </p:cNvSpPr>
+          <p:nvPr>
+            <p:ph type="title"/>
+          </p:nvPr>
+        </p:nvSpPr>
+        <p:spPr/>
+        <p:txBody>
+          <a:bodyPr>
+            <a:normAutofit/>
+          </a:bodyPr>
+          <a:lstStyle/>
+          <a:p>
+            <a:r>
+              <a:rPr lang="en-US" dirty="0"/>
+              <a:t>Union</a:t>
+            </a:r>
+          </a:p>
+          <a:p>
+            <a:endParaRPr lang="en-US" dirty="0"/>
+          </a:p>
+        </p:txBody>
+      </p:sp>
+      <p:sp>
+        <p:nvSpPr>
+          <p:cNvPr id="5" name="Text Placeholder 4"/>
+          <p:cNvSpPr>
+            <a:spLocks noGrp="1"/>
+          </p:cNvSpPr>
+          <p:nvPr>
+            <p:ph type="body" sz="quarter" idx="10"/>
+          </p:nvPr>
+        </p:nvSpPr>
+        <p:spPr/>
+        <p:txBody>
+          <a:bodyPr/>
+          <a:lstStyle/>
+          <a:p>
+            <a:endParaRPr lang="en-US"/>
+          </a:p>
+        </p:txBody>
+      </p:sp>
+      <p:sp>
+        <p:nvSpPr>
+          <p:cNvPr id="4" name="Slide Number Placeholder 3"/>
+          <p:cNvSpPr>
+            <a:spLocks noGrp="1"/>
+          </p:cNvSpPr>
+          <p:nvPr>
+            <p:ph type="sldNum" sz="quarter" idx="4294967295"/>
+          </p:nvPr>
+        </p:nvSpPr>
+        <p:spPr/>
+        <p:txBody>
+          <a:bodyPr/>
+          <a:lstStyle/>
+          <a:p>
+            <a:fld id="{4FAB73BC-B049-4115-A692-8D63A059BFB8}" type="slidenum">
+              <a:rPr lang="en-US" smtClean="0"/>
+              <a:t>65</a:t>
+            </a:fld>
+            <a:endParaRPr lang="en-US" dirty="0"/>
+          </a:p>
+        </p:txBody>
+      </p:sp>
+    </p:spTree>
+    <p:extLst>
+      <p:ext uri="{BB962C8B-B14F-4D97-AF65-F5344CB8AC3E}">
+        <p14:creationId xmlns:p14="http://schemas.microsoft.com/office/powerpoint/2010/main" val="1635834936"/>
+      </p:ext>
+    </p:extLst>
+  </p:cSld>
+  <p:clrMapOvr>
+    <a:masterClrMapping/>
+  </p:clrMapOvr>
+</p:sld>
+</file>
+
+<file path=ppt/slides/slide66.xml><?xml version="1.0" encoding="utf-8"?>
+<p:sld xmlns:a="http://schemas.openxmlformats.org/drawingml/2006/main" xmlns:r="http://schemas.openxmlformats.org/officeDocument/2006/relationships" xmlns:p="http://schemas.openxmlformats.org/presentationml/2006/main">
+  <p:cSld>
+    <p:spTree>
+      <p:nvGrpSpPr>
+        <p:cNvPr id="1" name=""/>
+        <p:cNvGrpSpPr/>
+        <p:nvPr/>
+      </p:nvGrpSpPr>
+      <p:grpSpPr>
+        <a:xfrm>
+          <a:off x="0" y="0"/>
+          <a:ext cx="0" cy="0"/>
+          <a:chOff x="0" y="0"/>
+          <a:chExt cx="0" cy="0"/>
+        </a:xfrm>
+      </p:grpSpPr>
+      <p:sp>
+        <p:nvSpPr>
+          <p:cNvPr id="2" name="Title 1"/>
+          <p:cNvSpPr>
+            <a:spLocks noGrp="1"/>
+          </p:cNvSpPr>
+          <p:nvPr>
+            <p:ph type="title"/>
+          </p:nvPr>
+        </p:nvSpPr>
+        <p:spPr/>
+        <p:txBody>
+          <a:bodyPr>
+            <a:normAutofit/>
+          </a:bodyPr>
+          <a:lstStyle/>
+          <a:p>
+            <a:r>
+              <a:rPr lang="en-US" dirty="0"/>
+              <a:t>Example</a:t>
+            </a:r>
+          </a:p>
+          <a:p>
+            <a:endParaRPr lang="en-US" dirty="0"/>
+          </a:p>
+        </p:txBody>
+      </p:sp>
+      <p:sp>
+        <p:nvSpPr>
+          <p:cNvPr id="5" name="Text Placeholder 4"/>
+          <p:cNvSpPr>
+            <a:spLocks noGrp="1"/>
+          </p:cNvSpPr>
+          <p:nvPr>
+            <p:ph type="body" sz="quarter" idx="10"/>
+          </p:nvPr>
+        </p:nvSpPr>
+        <p:spPr/>
+        <p:txBody>
+          <a:bodyPr/>
+          <a:lstStyle/>
+          <a:p>
+            <a:endParaRPr lang="en-US"/>
+          </a:p>
+        </p:txBody>
+      </p:sp>
+      <p:sp>
+        <p:nvSpPr>
+          <p:cNvPr id="4" name="Slide Number Placeholder 3"/>
+          <p:cNvSpPr>
+            <a:spLocks noGrp="1"/>
+          </p:cNvSpPr>
+          <p:nvPr>
+            <p:ph type="sldNum" sz="quarter" idx="4294967295"/>
+          </p:nvPr>
+        </p:nvSpPr>
+        <p:spPr/>
+        <p:txBody>
+          <a:bodyPr/>
+          <a:lstStyle/>
+          <a:p>
+            <a:fld id="{4FAB73BC-B049-4115-A692-8D63A059BFB8}" type="slidenum">
+              <a:rPr lang="en-US" smtClean="0"/>
+              <a:t>66</a:t>
+            </a:fld>
+            <a:endParaRPr lang="en-US" dirty="0"/>
+          </a:p>
+        </p:txBody>
+      </p:sp>
+    </p:spTree>
+    <p:extLst>
+      <p:ext uri="{BB962C8B-B14F-4D97-AF65-F5344CB8AC3E}">
+        <p14:creationId xmlns:p14="http://schemas.microsoft.com/office/powerpoint/2010/main" val="609212388"/>
+      </p:ext>
+    </p:extLst>
+  </p:cSld>
+  <p:clrMapOvr>
+    <a:masterClrMapping/>
+  </p:clrMapOvr>
+</p:sld>
+</file>
+
+<file path=ppt/slides/slide67.xml><?xml version="1.0" encoding="utf-8"?>
+<p:sld xmlns:a="http://schemas.openxmlformats.org/drawingml/2006/main" xmlns:r="http://schemas.openxmlformats.org/officeDocument/2006/relationships" xmlns:p="http://schemas.openxmlformats.org/presentationml/2006/main">
+  <p:cSld>
+    <p:spTree>
+      <p:nvGrpSpPr>
+        <p:cNvPr id="1" name=""/>
+        <p:cNvGrpSpPr/>
+        <p:nvPr/>
+      </p:nvGrpSpPr>
+      <p:grpSpPr>
+        <a:xfrm>
+          <a:off x="0" y="0"/>
+          <a:ext cx="0" cy="0"/>
+          <a:chOff x="0" y="0"/>
+          <a:chExt cx="0" cy="0"/>
+        </a:xfrm>
+      </p:grpSpPr>
+      <p:sp>
+        <p:nvSpPr>
+          <p:cNvPr id="2" name="Subtitle 1"/>
+          <p:cNvSpPr>
+            <a:spLocks noGrp="1"/>
+          </p:cNvSpPr>
+          <p:nvPr>
+            <p:ph type="subTitle" idx="1"/>
+          </p:nvPr>
+        </p:nvSpPr>
+        <p:spPr/>
+        <p:txBody>
+          <a:bodyPr/>
+          <a:lstStyle/>
+          <a:p>
+            <a:endParaRPr lang="en-US"/>
+          </a:p>
+        </p:txBody>
+      </p:sp>
+      <p:sp>
+        <p:nvSpPr>
+          <p:cNvPr id="3" name="Text Placeholder 2"/>
+          <p:cNvSpPr>
+            <a:spLocks noGrp="1"/>
+          </p:cNvSpPr>
+          <p:nvPr>
+            <p:ph type="body" sz="quarter" idx="11"/>
+          </p:nvPr>
+        </p:nvSpPr>
+        <p:spPr/>
+        <p:txBody>
+          <a:bodyPr/>
+          <a:lstStyle/>
+          <a:p>
+            <a:endParaRPr lang="en-US"/>
+          </a:p>
+        </p:txBody>
+      </p:sp>
+      <p:sp>
+        <p:nvSpPr>
+          <p:cNvPr id="4" name="Title 3"/>
+          <p:cNvSpPr>
+            <a:spLocks noGrp="1"/>
+          </p:cNvSpPr>
+          <p:nvPr>
+            <p:ph type="title"/>
+          </p:nvPr>
+        </p:nvSpPr>
+        <p:spPr/>
+        <p:txBody>
+          <a:bodyPr/>
+          <a:lstStyle/>
+          <a:p>
+            <a:endParaRPr lang="en-US"/>
+          </a:p>
+        </p:txBody>
+      </p:sp>
+    </p:spTree>
+    <p:extLst>
+      <p:ext uri="{BB962C8B-B14F-4D97-AF65-F5344CB8AC3E}">
+        <p14:creationId xmlns:p14="http://schemas.microsoft.com/office/powerpoint/2010/main" val="2176800069"/>
+      </p:ext>
+    </p:extLst>
+  </p:cSld>
+  <p:clrMapOvr>
+    <a:masterClrMapping/>
+  </p:clrMapOvr>
+</p:sld>
+</file>
+
+<file path=ppt/slides/slide68.xml><?xml version="1.0" encoding="utf-8"?>
+<p:sld xmlns:a="http://schemas.openxmlformats.org/drawingml/2006/main" xmlns:r="http://schemas.openxmlformats.org/officeDocument/2006/relationships" xmlns:p="http://schemas.openxmlformats.org/presentationml/2006/main">
+  <p:cSld>
+    <p:spTree>
+      <p:nvGrpSpPr>
+        <p:cNvPr id="1" name=""/>
+        <p:cNvGrpSpPr/>
+        <p:nvPr/>
+      </p:nvGrpSpPr>
+      <p:grpSpPr>
+        <a:xfrm>
+          <a:off x="0" y="0"/>
+          <a:ext cx="0" cy="0"/>
+          <a:chOff x="0" y="0"/>
+          <a:chExt cx="0" cy="0"/>
+        </a:xfrm>
+      </p:grpSpPr>
+      <p:sp>
+        <p:nvSpPr>
+          <p:cNvPr id="2" name="Title 1"/>
+          <p:cNvSpPr>
+            <a:spLocks noGrp="1"/>
+          </p:cNvSpPr>
+          <p:nvPr>
+            <p:ph type="title"/>
+          </p:nvPr>
+        </p:nvSpPr>
+        <p:spPr/>
+        <p:txBody>
+          <a:bodyPr>
+            <a:normAutofit/>
+          </a:bodyPr>
+          <a:lstStyle/>
+          <a:p>
+            <a:r>
+              <a:rPr lang="en-US" dirty="0"/>
+              <a:t>Tableau Prep Builder Conductor</a:t>
+            </a:r>
+          </a:p>
+          <a:p>
+            <a:endParaRPr lang="en-US" dirty="0"/>
+          </a:p>
+        </p:txBody>
+      </p:sp>
+      <p:sp>
+        <p:nvSpPr>
+          <p:cNvPr id="4" name="Slide Number Placeholder 3"/>
+          <p:cNvSpPr>
+            <a:spLocks noGrp="1"/>
+          </p:cNvSpPr>
+          <p:nvPr>
+            <p:ph type="sldNum" sz="quarter" idx="4294967295"/>
+          </p:nvPr>
+        </p:nvSpPr>
+        <p:spPr/>
+        <p:txBody>
+          <a:bodyPr/>
+          <a:lstStyle/>
+          <a:p>
+            <a:fld id="{4FAB73BC-B049-4115-A692-8D63A059BFB8}" type="slidenum">
+              <a:rPr lang="en-US" smtClean="0"/>
+              <a:t>68</a:t>
+            </a:fld>
+            <a:endParaRPr lang="en-US" dirty="0"/>
+          </a:p>
+        </p:txBody>
+      </p:sp>
+    </p:spTree>
+    <p:extLst>
+      <p:ext uri="{BB962C8B-B14F-4D97-AF65-F5344CB8AC3E}">
+        <p14:creationId xmlns:p14="http://schemas.microsoft.com/office/powerpoint/2010/main" val="710894456"/>
+      </p:ext>
+    </p:extLst>
+  </p:cSld>
+  <p:clrMapOvr>
+    <a:masterClrMapping/>
+  </p:clrMapOvr>
+</p:sld>
+</file>
+
+<file path=ppt/slides/slide69.xml><?xml version="1.0" encoding="utf-8"?>
+<p:sld xmlns:a="http://schemas.openxmlformats.org/drawingml/2006/main" xmlns:r="http://schemas.openxmlformats.org/officeDocument/2006/relationships" xmlns:p="http://schemas.openxmlformats.org/presentationml/2006/main">
+  <p:cSld>
+    <p:spTree>
+      <p:nvGrpSpPr>
+        <p:cNvPr id="1" name=""/>
+        <p:cNvGrpSpPr/>
+        <p:nvPr/>
+      </p:nvGrpSpPr>
+      <p:grpSpPr>
+        <a:xfrm>
+          <a:off x="0" y="0"/>
+          <a:ext cx="0" cy="0"/>
+          <a:chOff x="0" y="0"/>
+          <a:chExt cx="0" cy="0"/>
+        </a:xfrm>
+      </p:grpSpPr>
+      <p:sp>
+        <p:nvSpPr>
+          <p:cNvPr id="2" name="Title 1"/>
+          <p:cNvSpPr>
+            <a:spLocks noGrp="1"/>
+          </p:cNvSpPr>
+          <p:nvPr>
+            <p:ph type="title"/>
+          </p:nvPr>
+        </p:nvSpPr>
+        <p:spPr/>
+        <p:txBody>
+          <a:bodyPr>
+            <a:normAutofit/>
+          </a:bodyPr>
+          <a:lstStyle/>
+          <a:p>
+            <a:r>
+              <a:rPr lang="en-US" dirty="0"/>
+              <a:t>Tableau Prep Builder Conductor</a:t>
+            </a:r>
+          </a:p>
+          <a:p>
+            <a:endParaRPr lang="en-US" dirty="0"/>
+          </a:p>
+        </p:txBody>
+      </p:sp>
+      <p:sp>
+        <p:nvSpPr>
+          <p:cNvPr id="5" name="Text Placeholder 4"/>
+          <p:cNvSpPr>
+            <a:spLocks noGrp="1"/>
+          </p:cNvSpPr>
+          <p:nvPr>
+            <p:ph type="body" sz="quarter" idx="10"/>
+          </p:nvPr>
+        </p:nvSpPr>
+        <p:spPr/>
+        <p:txBody>
+          <a:bodyPr/>
+          <a:lstStyle/>
+          <a:p>
+            <a:endParaRPr lang="en-US"/>
+          </a:p>
+        </p:txBody>
+      </p:sp>
+      <p:sp>
+        <p:nvSpPr>
+          <p:cNvPr id="4" name="Slide Number Placeholder 3"/>
+          <p:cNvSpPr>
+            <a:spLocks noGrp="1"/>
+          </p:cNvSpPr>
+          <p:nvPr>
+            <p:ph type="sldNum" sz="quarter" idx="4294967295"/>
+          </p:nvPr>
+        </p:nvSpPr>
+        <p:spPr/>
+        <p:txBody>
+          <a:bodyPr/>
+          <a:lstStyle/>
+          <a:p>
+            <a:fld id="{4FAB73BC-B049-4115-A692-8D63A059BFB8}" type="slidenum">
+              <a:rPr lang="en-US" smtClean="0"/>
+              <a:t>69</a:t>
+            </a:fld>
+            <a:endParaRPr lang="en-US" dirty="0"/>
+          </a:p>
+        </p:txBody>
+      </p:sp>
+    </p:spTree>
+    <p:extLst>
+      <p:ext uri="{BB962C8B-B14F-4D97-AF65-F5344CB8AC3E}">
+        <p14:creationId xmlns:p14="http://schemas.microsoft.com/office/powerpoint/2010/main" val="3097242473"/>
       </p:ext>
     </p:extLst>
   </p:cSld>
@@ -9960,6 +10929,10 @@
             <a:br>
               <a:rPr lang="en-US" dirty="0"/>
             </a:br>
+            <a:r>
+              <a:rPr lang="en-US" dirty="0"/>
+              <a:t/>
+            </a:r>
             <a:br>
               <a:rPr lang="en-US" dirty="0"/>
             </a:br>
@@ -10019,6 +10992,10 @@
             <a:br>
               <a:rPr lang="en-US" dirty="0"/>
             </a:br>
+            <a:r>
+              <a:rPr lang="en-US" dirty="0"/>
+              <a:t/>
+            </a:r>
             <a:br>
               <a:rPr lang="en-US" dirty="0"/>
             </a:br>
@@ -10066,6 +11043,10 @@
             <a:br>
               <a:rPr lang="en-US" dirty="0"/>
             </a:br>
+            <a:r>
+              <a:rPr lang="en-US" dirty="0"/>
+              <a:t/>
+            </a:r>
             <a:br>
               <a:rPr lang="en-US" dirty="0"/>
             </a:br>
@@ -10097,6 +11078,10 @@
             <a:br>
               <a:rPr lang="en-US" dirty="0"/>
             </a:br>
+            <a:r>
+              <a:rPr lang="en-US" dirty="0"/>
+              <a:t/>
+            </a:r>
             <a:br>
               <a:rPr lang="en-US" dirty="0"/>
             </a:br>
@@ -10142,6 +11127,10 @@
             <a:br>
               <a:rPr lang="en-US" dirty="0"/>
             </a:br>
+            <a:r>
+              <a:rPr lang="en-US" dirty="0"/>
+              <a:t/>
+            </a:r>
             <a:br>
               <a:rPr lang="en-US" dirty="0"/>
             </a:br>
@@ -10187,6 +11176,10 @@
             <a:br>
               <a:rPr lang="en-US" dirty="0"/>
             </a:br>
+            <a:r>
+              <a:rPr lang="en-US" dirty="0"/>
+              <a:t/>
+            </a:r>
             <a:br>
               <a:rPr lang="en-US" dirty="0"/>
             </a:br>
@@ -10253,6 +11246,481 @@
     <p:extLst>
       <p:ext uri="{BB962C8B-B14F-4D97-AF65-F5344CB8AC3E}">
         <p14:creationId xmlns:p14="http://schemas.microsoft.com/office/powerpoint/2010/main" val="2796521234"/>
+      </p:ext>
+    </p:extLst>
+  </p:cSld>
+  <p:clrMapOvr>
+    <a:masterClrMapping/>
+  </p:clrMapOvr>
+</p:sld>
+</file>
+
+<file path=ppt/slides/slide70.xml><?xml version="1.0" encoding="utf-8"?>
+<p:sld xmlns:a="http://schemas.openxmlformats.org/drawingml/2006/main" xmlns:r="http://schemas.openxmlformats.org/officeDocument/2006/relationships" xmlns:p="http://schemas.openxmlformats.org/presentationml/2006/main">
+  <p:cSld>
+    <p:spTree>
+      <p:nvGrpSpPr>
+        <p:cNvPr id="1" name=""/>
+        <p:cNvGrpSpPr/>
+        <p:nvPr/>
+      </p:nvGrpSpPr>
+      <p:grpSpPr>
+        <a:xfrm>
+          <a:off x="0" y="0"/>
+          <a:ext cx="0" cy="0"/>
+          <a:chOff x="0" y="0"/>
+          <a:chExt cx="0" cy="0"/>
+        </a:xfrm>
+      </p:grpSpPr>
+      <p:sp>
+        <p:nvSpPr>
+          <p:cNvPr id="2" name="Title 1"/>
+          <p:cNvSpPr>
+            <a:spLocks noGrp="1"/>
+          </p:cNvSpPr>
+          <p:nvPr>
+            <p:ph type="title"/>
+          </p:nvPr>
+        </p:nvSpPr>
+        <p:spPr/>
+        <p:txBody>
+          <a:bodyPr>
+            <a:normAutofit/>
+          </a:bodyPr>
+          <a:lstStyle/>
+          <a:p>
+            <a:r>
+              <a:rPr lang="en-US" dirty="0"/>
+              <a:t>Prerequisites</a:t>
+            </a:r>
+          </a:p>
+          <a:p>
+            <a:endParaRPr lang="en-US" dirty="0"/>
+          </a:p>
+        </p:txBody>
+      </p:sp>
+      <p:sp>
+        <p:nvSpPr>
+          <p:cNvPr id="5" name="Text Placeholder 4"/>
+          <p:cNvSpPr>
+            <a:spLocks noGrp="1"/>
+          </p:cNvSpPr>
+          <p:nvPr>
+            <p:ph type="body" sz="quarter" idx="10"/>
+          </p:nvPr>
+        </p:nvSpPr>
+        <p:spPr/>
+        <p:txBody>
+          <a:bodyPr/>
+          <a:lstStyle/>
+          <a:p>
+            <a:endParaRPr lang="en-US"/>
+          </a:p>
+        </p:txBody>
+      </p:sp>
+      <p:sp>
+        <p:nvSpPr>
+          <p:cNvPr id="4" name="Slide Number Placeholder 3"/>
+          <p:cNvSpPr>
+            <a:spLocks noGrp="1"/>
+          </p:cNvSpPr>
+          <p:nvPr>
+            <p:ph type="sldNum" sz="quarter" idx="4294967295"/>
+          </p:nvPr>
+        </p:nvSpPr>
+        <p:spPr/>
+        <p:txBody>
+          <a:bodyPr/>
+          <a:lstStyle/>
+          <a:p>
+            <a:fld id="{4FAB73BC-B049-4115-A692-8D63A059BFB8}" type="slidenum">
+              <a:rPr lang="en-US" smtClean="0"/>
+              <a:t>70</a:t>
+            </a:fld>
+            <a:endParaRPr lang="en-US" dirty="0"/>
+          </a:p>
+        </p:txBody>
+      </p:sp>
+    </p:spTree>
+    <p:extLst>
+      <p:ext uri="{BB962C8B-B14F-4D97-AF65-F5344CB8AC3E}">
+        <p14:creationId xmlns:p14="http://schemas.microsoft.com/office/powerpoint/2010/main" val="2790491849"/>
+      </p:ext>
+    </p:extLst>
+  </p:cSld>
+  <p:clrMapOvr>
+    <a:masterClrMapping/>
+  </p:clrMapOvr>
+</p:sld>
+</file>
+
+<file path=ppt/slides/slide71.xml><?xml version="1.0" encoding="utf-8"?>
+<p:sld xmlns:a="http://schemas.openxmlformats.org/drawingml/2006/main" xmlns:r="http://schemas.openxmlformats.org/officeDocument/2006/relationships" xmlns:p="http://schemas.openxmlformats.org/presentationml/2006/main">
+  <p:cSld>
+    <p:spTree>
+      <p:nvGrpSpPr>
+        <p:cNvPr id="1" name=""/>
+        <p:cNvGrpSpPr/>
+        <p:nvPr/>
+      </p:nvGrpSpPr>
+      <p:grpSpPr>
+        <a:xfrm>
+          <a:off x="0" y="0"/>
+          <a:ext cx="0" cy="0"/>
+          <a:chOff x="0" y="0"/>
+          <a:chExt cx="0" cy="0"/>
+        </a:xfrm>
+      </p:grpSpPr>
+      <p:sp>
+        <p:nvSpPr>
+          <p:cNvPr id="2" name="Title 1"/>
+          <p:cNvSpPr>
+            <a:spLocks noGrp="1"/>
+          </p:cNvSpPr>
+          <p:nvPr>
+            <p:ph type="title"/>
+          </p:nvPr>
+        </p:nvSpPr>
+        <p:spPr/>
+        <p:txBody>
+          <a:bodyPr>
+            <a:normAutofit/>
+          </a:bodyPr>
+          <a:lstStyle/>
+          <a:p>
+            <a:r>
+              <a:rPr lang="en-US" dirty="0"/>
+              <a:t>Publishing Workflows to Server (Discussed)</a:t>
+            </a:r>
+          </a:p>
+          <a:p>
+            <a:endParaRPr lang="en-US" dirty="0"/>
+          </a:p>
+        </p:txBody>
+      </p:sp>
+      <p:sp>
+        <p:nvSpPr>
+          <p:cNvPr id="5" name="Text Placeholder 4"/>
+          <p:cNvSpPr>
+            <a:spLocks noGrp="1"/>
+          </p:cNvSpPr>
+          <p:nvPr>
+            <p:ph type="body" sz="quarter" idx="10"/>
+          </p:nvPr>
+        </p:nvSpPr>
+        <p:spPr/>
+        <p:txBody>
+          <a:bodyPr/>
+          <a:lstStyle/>
+          <a:p>
+            <a:endParaRPr lang="en-US"/>
+          </a:p>
+        </p:txBody>
+      </p:sp>
+      <p:sp>
+        <p:nvSpPr>
+          <p:cNvPr id="4" name="Slide Number Placeholder 3"/>
+          <p:cNvSpPr>
+            <a:spLocks noGrp="1"/>
+          </p:cNvSpPr>
+          <p:nvPr>
+            <p:ph type="sldNum" sz="quarter" idx="4294967295"/>
+          </p:nvPr>
+        </p:nvSpPr>
+        <p:spPr/>
+        <p:txBody>
+          <a:bodyPr/>
+          <a:lstStyle/>
+          <a:p>
+            <a:fld id="{4FAB73BC-B049-4115-A692-8D63A059BFB8}" type="slidenum">
+              <a:rPr lang="en-US" smtClean="0"/>
+              <a:t>71</a:t>
+            </a:fld>
+            <a:endParaRPr lang="en-US" dirty="0"/>
+          </a:p>
+        </p:txBody>
+      </p:sp>
+    </p:spTree>
+    <p:extLst>
+      <p:ext uri="{BB962C8B-B14F-4D97-AF65-F5344CB8AC3E}">
+        <p14:creationId xmlns:p14="http://schemas.microsoft.com/office/powerpoint/2010/main" val="2246816309"/>
+      </p:ext>
+    </p:extLst>
+  </p:cSld>
+  <p:clrMapOvr>
+    <a:masterClrMapping/>
+  </p:clrMapOvr>
+</p:sld>
+</file>
+
+<file path=ppt/slides/slide72.xml><?xml version="1.0" encoding="utf-8"?>
+<p:sld xmlns:a="http://schemas.openxmlformats.org/drawingml/2006/main" xmlns:r="http://schemas.openxmlformats.org/officeDocument/2006/relationships" xmlns:p="http://schemas.openxmlformats.org/presentationml/2006/main">
+  <p:cSld>
+    <p:spTree>
+      <p:nvGrpSpPr>
+        <p:cNvPr id="1" name=""/>
+        <p:cNvGrpSpPr/>
+        <p:nvPr/>
+      </p:nvGrpSpPr>
+      <p:grpSpPr>
+        <a:xfrm>
+          <a:off x="0" y="0"/>
+          <a:ext cx="0" cy="0"/>
+          <a:chOff x="0" y="0"/>
+          <a:chExt cx="0" cy="0"/>
+        </a:xfrm>
+      </p:grpSpPr>
+      <p:sp>
+        <p:nvSpPr>
+          <p:cNvPr id="2" name="Title 1"/>
+          <p:cNvSpPr>
+            <a:spLocks noGrp="1"/>
+          </p:cNvSpPr>
+          <p:nvPr>
+            <p:ph type="title"/>
+          </p:nvPr>
+        </p:nvSpPr>
+        <p:spPr/>
+        <p:txBody>
+          <a:bodyPr/>
+          <a:lstStyle/>
+          <a:p>
+            <a:r>
+              <a:rPr lang="en-US" dirty="0"/>
+              <a:t>Scheduling Workflows to Server (Discussed)</a:t>
+            </a:r>
+          </a:p>
+          <a:p>
+            <a:endParaRPr lang="en-US" dirty="0"/>
+          </a:p>
+        </p:txBody>
+      </p:sp>
+      <p:sp>
+        <p:nvSpPr>
+          <p:cNvPr id="5" name="Text Placeholder 4"/>
+          <p:cNvSpPr>
+            <a:spLocks noGrp="1"/>
+          </p:cNvSpPr>
+          <p:nvPr>
+            <p:ph type="body" sz="quarter" idx="10"/>
+          </p:nvPr>
+        </p:nvSpPr>
+        <p:spPr/>
+        <p:txBody>
+          <a:bodyPr/>
+          <a:lstStyle/>
+          <a:p>
+            <a:endParaRPr lang="en-US"/>
+          </a:p>
+        </p:txBody>
+      </p:sp>
+      <p:sp>
+        <p:nvSpPr>
+          <p:cNvPr id="4" name="Slide Number Placeholder 3"/>
+          <p:cNvSpPr>
+            <a:spLocks noGrp="1"/>
+          </p:cNvSpPr>
+          <p:nvPr>
+            <p:ph type="sldNum" sz="quarter" idx="4294967295"/>
+          </p:nvPr>
+        </p:nvSpPr>
+        <p:spPr/>
+        <p:txBody>
+          <a:bodyPr/>
+          <a:lstStyle/>
+          <a:p>
+            <a:fld id="{4FAB73BC-B049-4115-A692-8D63A059BFB8}" type="slidenum">
+              <a:rPr lang="en-US" smtClean="0"/>
+              <a:t>72</a:t>
+            </a:fld>
+            <a:endParaRPr lang="en-US" dirty="0"/>
+          </a:p>
+        </p:txBody>
+      </p:sp>
+    </p:spTree>
+    <p:extLst>
+      <p:ext uri="{BB962C8B-B14F-4D97-AF65-F5344CB8AC3E}">
+        <p14:creationId xmlns:p14="http://schemas.microsoft.com/office/powerpoint/2010/main" val="2531394161"/>
+      </p:ext>
+    </p:extLst>
+  </p:cSld>
+  <p:clrMapOvr>
+    <a:masterClrMapping/>
+  </p:clrMapOvr>
+</p:sld>
+</file>
+
+<file path=ppt/slides/slide73.xml><?xml version="1.0" encoding="utf-8"?>
+<p:sld xmlns:a="http://schemas.openxmlformats.org/drawingml/2006/main" xmlns:r="http://schemas.openxmlformats.org/officeDocument/2006/relationships" xmlns:p="http://schemas.openxmlformats.org/presentationml/2006/main">
+  <p:cSld>
+    <p:spTree>
+      <p:nvGrpSpPr>
+        <p:cNvPr id="1" name=""/>
+        <p:cNvGrpSpPr/>
+        <p:nvPr/>
+      </p:nvGrpSpPr>
+      <p:grpSpPr>
+        <a:xfrm>
+          <a:off x="0" y="0"/>
+          <a:ext cx="0" cy="0"/>
+          <a:chOff x="0" y="0"/>
+          <a:chExt cx="0" cy="0"/>
+        </a:xfrm>
+      </p:grpSpPr>
+      <p:sp>
+        <p:nvSpPr>
+          <p:cNvPr id="2" name="Subtitle 1"/>
+          <p:cNvSpPr>
+            <a:spLocks noGrp="1"/>
+          </p:cNvSpPr>
+          <p:nvPr>
+            <p:ph type="subTitle" idx="1"/>
+          </p:nvPr>
+        </p:nvSpPr>
+        <p:spPr/>
+        <p:txBody>
+          <a:bodyPr/>
+          <a:lstStyle/>
+          <a:p>
+            <a:endParaRPr lang="en-US"/>
+          </a:p>
+        </p:txBody>
+      </p:sp>
+      <p:sp>
+        <p:nvSpPr>
+          <p:cNvPr id="3" name="Text Placeholder 2"/>
+          <p:cNvSpPr>
+            <a:spLocks noGrp="1"/>
+          </p:cNvSpPr>
+          <p:nvPr>
+            <p:ph type="body" sz="quarter" idx="11"/>
+          </p:nvPr>
+        </p:nvSpPr>
+        <p:spPr/>
+        <p:txBody>
+          <a:bodyPr/>
+          <a:lstStyle/>
+          <a:p>
+            <a:endParaRPr lang="en-US"/>
+          </a:p>
+        </p:txBody>
+      </p:sp>
+      <p:sp>
+        <p:nvSpPr>
+          <p:cNvPr id="4" name="Title 3"/>
+          <p:cNvSpPr>
+            <a:spLocks noGrp="1"/>
+          </p:cNvSpPr>
+          <p:nvPr>
+            <p:ph type="title"/>
+          </p:nvPr>
+        </p:nvSpPr>
+        <p:spPr/>
+        <p:txBody>
+          <a:bodyPr/>
+          <a:lstStyle/>
+          <a:p>
+            <a:endParaRPr lang="en-US"/>
+          </a:p>
+        </p:txBody>
+      </p:sp>
+    </p:spTree>
+    <p:extLst>
+      <p:ext uri="{BB962C8B-B14F-4D97-AF65-F5344CB8AC3E}">
+        <p14:creationId xmlns:p14="http://schemas.microsoft.com/office/powerpoint/2010/main" val="3615799458"/>
+      </p:ext>
+    </p:extLst>
+  </p:cSld>
+  <p:clrMapOvr>
+    <a:masterClrMapping/>
+  </p:clrMapOvr>
+</p:sld>
+</file>
+
+<file path=ppt/slides/slide74.xml><?xml version="1.0" encoding="utf-8"?>
+<p:sld xmlns:a="http://schemas.openxmlformats.org/drawingml/2006/main" xmlns:r="http://schemas.openxmlformats.org/officeDocument/2006/relationships" xmlns:p="http://schemas.openxmlformats.org/presentationml/2006/main">
+  <p:cSld>
+    <p:spTree>
+      <p:nvGrpSpPr>
+        <p:cNvPr id="1" name=""/>
+        <p:cNvGrpSpPr/>
+        <p:nvPr/>
+      </p:nvGrpSpPr>
+      <p:grpSpPr>
+        <a:xfrm>
+          <a:off x="0" y="0"/>
+          <a:ext cx="0" cy="0"/>
+          <a:chOff x="0" y="0"/>
+          <a:chExt cx="0" cy="0"/>
+        </a:xfrm>
+      </p:grpSpPr>
+      <p:sp>
+        <p:nvSpPr>
+          <p:cNvPr id="2" name="Title 1"/>
+          <p:cNvSpPr>
+            <a:spLocks noGrp="1"/>
+          </p:cNvSpPr>
+          <p:nvPr>
+            <p:ph type="ctrTitle"/>
+          </p:nvPr>
+        </p:nvSpPr>
+        <p:spPr/>
+        <p:txBody>
+          <a:bodyPr/>
+          <a:lstStyle/>
+          <a:p>
+            <a:r>
+              <a:rPr lang="en-US" dirty="0"/>
+              <a:t>Thank you!</a:t>
+            </a:r>
+          </a:p>
+        </p:txBody>
+      </p:sp>
+      <p:sp>
+        <p:nvSpPr>
+          <p:cNvPr id="5" name="Subtitle 4"/>
+          <p:cNvSpPr>
+            <a:spLocks noGrp="1"/>
+          </p:cNvSpPr>
+          <p:nvPr>
+            <p:ph type="subTitle" idx="1"/>
+          </p:nvPr>
+        </p:nvSpPr>
+        <p:spPr/>
+        <p:txBody>
+          <a:bodyPr/>
+          <a:lstStyle/>
+          <a:p>
+            <a:r>
+              <a:rPr lang="en-US" dirty="0"/>
+              <a:t>Questions?</a:t>
+            </a:r>
+          </a:p>
+          <a:p>
+            <a:r>
+              <a:rPr lang="en-US" dirty="0"/>
+              <a:t>Survey: http://</a:t>
+            </a:r>
+            <a:r>
+              <a:rPr lang="en-US" dirty="0" err="1"/>
+              <a:t>www.onlc.com</a:t>
+            </a:r>
+            <a:r>
+              <a:rPr lang="en-US" dirty="0"/>
+              <a:t>/</a:t>
+            </a:r>
+            <a:r>
+              <a:rPr lang="en-US" dirty="0" err="1"/>
+              <a:t>eval</a:t>
+            </a:r>
+            <a:endParaRPr lang="en-US" dirty="0"/>
+          </a:p>
+        </p:txBody>
+      </p:sp>
+    </p:spTree>
+    <p:extLst>
+      <p:ext uri="{BB962C8B-B14F-4D97-AF65-F5344CB8AC3E}">
+        <p14:creationId xmlns:p14="http://schemas.microsoft.com/office/powerpoint/2010/main" val="1768650418"/>
       </p:ext>
     </p:extLst>
   </p:cSld>
@@ -11680,6 +13148,12 @@
 </file>
 
 <file path=customXml/item1.xml><?xml version="1.0" encoding="utf-8"?>
+<p:properties xmlns:p="http://schemas.microsoft.com/office/2006/metadata/properties" xmlns:xsi="http://www.w3.org/2001/XMLSchema-instance" xmlns:pc="http://schemas.microsoft.com/office/infopath/2007/PartnerControls">
+  <documentManagement/>
+</p:properties>
+</file>
+
+<file path=customXml/item2.xml><?xml version="1.0" encoding="utf-8"?>
 <ct:contentTypeSchema xmlns:ct="http://schemas.microsoft.com/office/2006/metadata/contentType" xmlns:ma="http://schemas.microsoft.com/office/2006/metadata/properties/metaAttributes" ct:_="" ma:_="" ma:contentTypeName="Document" ma:contentTypeID="0x010100DF17D0A5D2A94D41851BD81F437949EB" ma:contentTypeVersion="4" ma:contentTypeDescription="Create a new document." ma:contentTypeScope="" ma:versionID="86394c489d6ea242463219402424de30">
   <xsd:schema xmlns:xsd="http://www.w3.org/2001/XMLSchema" xmlns:xs="http://www.w3.org/2001/XMLSchema" xmlns:p="http://schemas.microsoft.com/office/2006/metadata/properties" xmlns:ns2="8ae4afce-818c-4ab4-8e35-377c82201c18" xmlns:ns3="6549f357-ea04-4fdc-a4ff-01e398dbae1f" targetNamespace="http://schemas.microsoft.com/office/2006/metadata/properties" ma:root="true" ma:fieldsID="fe252f9ea815bb7a68216b40880644e9" ns2:_="" ns3:_="">
     <xsd:import namespace="8ae4afce-818c-4ab4-8e35-377c82201c18"/>
@@ -11844,7 +13318,7 @@
 </ct:contentTypeSchema>
 </file>
 
-<file path=customXml/item2.xml><?xml version="1.0" encoding="utf-8"?>
+<file path=customXml/item3.xml><?xml version="1.0" encoding="utf-8"?>
 <?mso-contentType ?>
 <FormTemplates xmlns="http://schemas.microsoft.com/sharepoint/v3/contenttype/forms">
   <Display>DocumentLibraryForm</Display>
@@ -11853,13 +13327,24 @@
 </FormTemplates>
 </file>
 
-<file path=customXml/item3.xml><?xml version="1.0" encoding="utf-8"?>
-<p:properties xmlns:p="http://schemas.microsoft.com/office/2006/metadata/properties" xmlns:xsi="http://www.w3.org/2001/XMLSchema-instance" xmlns:pc="http://schemas.microsoft.com/office/infopath/2007/PartnerControls">
-  <documentManagement/>
-</p:properties>
+<file path=customXml/itemProps1.xml><?xml version="1.0" encoding="utf-8"?>
+<ds:datastoreItem xmlns:ds="http://schemas.openxmlformats.org/officeDocument/2006/customXml" ds:itemID="{FF9AC6B8-7021-4B23-A9AF-61295A177099}">
+  <ds:schemaRefs>
+    <ds:schemaRef ds:uri="http://schemas.microsoft.com/office/infopath/2007/PartnerControls"/>
+    <ds:schemaRef ds:uri="http://purl.org/dc/dcmitype/"/>
+    <ds:schemaRef ds:uri="http://schemas.microsoft.com/office/2006/metadata/properties"/>
+    <ds:schemaRef ds:uri="http://www.w3.org/XML/1998/namespace"/>
+    <ds:schemaRef ds:uri="http://schemas.microsoft.com/office/2006/documentManagement/types"/>
+    <ds:schemaRef ds:uri="6549f357-ea04-4fdc-a4ff-01e398dbae1f"/>
+    <ds:schemaRef ds:uri="http://schemas.openxmlformats.org/package/2006/metadata/core-properties"/>
+    <ds:schemaRef ds:uri="8ae4afce-818c-4ab4-8e35-377c82201c18"/>
+    <ds:schemaRef ds:uri="http://purl.org/dc/terms/"/>
+    <ds:schemaRef ds:uri="http://purl.org/dc/elements/1.1/"/>
+  </ds:schemaRefs>
+</ds:datastoreItem>
 </file>
 
-<file path=customXml/itemProps1.xml><?xml version="1.0" encoding="utf-8"?>
+<file path=customXml/itemProps2.xml><?xml version="1.0" encoding="utf-8"?>
 <ds:datastoreItem xmlns:ds="http://schemas.openxmlformats.org/officeDocument/2006/customXml" ds:itemID="{5E59C5BB-F795-4F02-AFC2-70EF9316FDF1}">
   <ds:schemaRefs>
     <ds:schemaRef ds:uri="http://schemas.microsoft.com/office/2006/metadata/contentType"/>
@@ -11878,27 +13363,10 @@
 </ds:datastoreItem>
 </file>
 
-<file path=customXml/itemProps2.xml><?xml version="1.0" encoding="utf-8"?>
+<file path=customXml/itemProps3.xml><?xml version="1.0" encoding="utf-8"?>
 <ds:datastoreItem xmlns:ds="http://schemas.openxmlformats.org/officeDocument/2006/customXml" ds:itemID="{7FBE9ADF-F1D8-4E9F-83D5-C6625824914C}">
   <ds:schemaRefs>
     <ds:schemaRef ds:uri="http://schemas.microsoft.com/sharepoint/v3/contenttype/forms"/>
   </ds:schemaRefs>
 </ds:datastoreItem>
-</file>
-
-<file path=customXml/itemProps3.xml><?xml version="1.0" encoding="utf-8"?>
-<ds:datastoreItem xmlns:ds="http://schemas.openxmlformats.org/officeDocument/2006/customXml" ds:itemID="{FF9AC6B8-7021-4B23-A9AF-61295A177099}">
-  <ds:schemaRefs>
-    <ds:schemaRef ds:uri="http://schemas.microsoft.com/office/infopath/2007/PartnerControls"/>
-    <ds:schemaRef ds:uri="http://purl.org/dc/dcmitype/"/>
-    <ds:schemaRef ds:uri="http://schemas.microsoft.com/office/2006/metadata/properties"/>
-    <ds:schemaRef ds:uri="http://www.w3.org/XML/1998/namespace"/>
-    <ds:schemaRef ds:uri="http://schemas.microsoft.com/office/2006/documentManagement/types"/>
-    <ds:schemaRef ds:uri="6549f357-ea04-4fdc-a4ff-01e398dbae1f"/>
-    <ds:schemaRef ds:uri="http://schemas.openxmlformats.org/package/2006/metadata/core-properties"/>
-    <ds:schemaRef ds:uri="8ae4afce-818c-4ab4-8e35-377c82201c18"/>
-    <ds:schemaRef ds:uri="http://purl.org/dc/terms/"/>
-    <ds:schemaRef ds:uri="http://purl.org/dc/elements/1.1/"/>
-  </ds:schemaRefs>
-</ds:datastoreItem>
 </file>
--- a/ppt/TableauPrepBuilderIntroV1_1.pptx
+++ b/ppt/TableauPrepBuilderIntroV1_1.pptx
@@ -27,63 +27,63 @@
     <p:sldId id="420" r:id="rId18"/>
     <p:sldId id="421" r:id="rId19"/>
     <p:sldId id="447" r:id="rId20"/>
-    <p:sldId id="422" r:id="rId21"/>
-    <p:sldId id="426" r:id="rId22"/>
-    <p:sldId id="423" r:id="rId23"/>
-    <p:sldId id="424" r:id="rId24"/>
-    <p:sldId id="425" r:id="rId25"/>
-    <p:sldId id="427" r:id="rId26"/>
-    <p:sldId id="428" r:id="rId27"/>
-    <p:sldId id="429" r:id="rId28"/>
-    <p:sldId id="430" r:id="rId29"/>
-    <p:sldId id="431" r:id="rId30"/>
-    <p:sldId id="432" r:id="rId31"/>
-    <p:sldId id="452" r:id="rId32"/>
-    <p:sldId id="433" r:id="rId33"/>
-    <p:sldId id="446" r:id="rId34"/>
-    <p:sldId id="448" r:id="rId35"/>
-    <p:sldId id="449" r:id="rId36"/>
-    <p:sldId id="450" r:id="rId37"/>
-    <p:sldId id="451" r:id="rId38"/>
-    <p:sldId id="453" r:id="rId39"/>
-    <p:sldId id="454" r:id="rId40"/>
-    <p:sldId id="455" r:id="rId41"/>
-    <p:sldId id="456" r:id="rId42"/>
-    <p:sldId id="457" r:id="rId43"/>
-    <p:sldId id="458" r:id="rId44"/>
-    <p:sldId id="459" r:id="rId45"/>
-    <p:sldId id="460" r:id="rId46"/>
-    <p:sldId id="461" r:id="rId47"/>
-    <p:sldId id="462" r:id="rId48"/>
-    <p:sldId id="463" r:id="rId49"/>
-    <p:sldId id="464" r:id="rId50"/>
-    <p:sldId id="465" r:id="rId51"/>
-    <p:sldId id="466" r:id="rId52"/>
-    <p:sldId id="467" r:id="rId53"/>
-    <p:sldId id="468" r:id="rId54"/>
-    <p:sldId id="469" r:id="rId55"/>
-    <p:sldId id="470" r:id="rId56"/>
-    <p:sldId id="471" r:id="rId57"/>
-    <p:sldId id="472" r:id="rId58"/>
-    <p:sldId id="473" r:id="rId59"/>
-    <p:sldId id="474" r:id="rId60"/>
-    <p:sldId id="475" r:id="rId61"/>
-    <p:sldId id="476" r:id="rId62"/>
-    <p:sldId id="477" r:id="rId63"/>
-    <p:sldId id="478" r:id="rId64"/>
-    <p:sldId id="479" r:id="rId65"/>
-    <p:sldId id="480" r:id="rId66"/>
-    <p:sldId id="481" r:id="rId67"/>
-    <p:sldId id="482" r:id="rId68"/>
-    <p:sldId id="483" r:id="rId69"/>
-    <p:sldId id="484" r:id="rId70"/>
-    <p:sldId id="485" r:id="rId71"/>
-    <p:sldId id="486" r:id="rId72"/>
-    <p:sldId id="487" r:id="rId73"/>
-    <p:sldId id="488" r:id="rId74"/>
-    <p:sldId id="489" r:id="rId75"/>
-    <p:sldId id="490" r:id="rId76"/>
-    <p:sldId id="381" r:id="rId77"/>
+    <p:sldId id="492" r:id="rId21"/>
+    <p:sldId id="422" r:id="rId22"/>
+    <p:sldId id="426" r:id="rId23"/>
+    <p:sldId id="423" r:id="rId24"/>
+    <p:sldId id="424" r:id="rId25"/>
+    <p:sldId id="425" r:id="rId26"/>
+    <p:sldId id="427" r:id="rId27"/>
+    <p:sldId id="428" r:id="rId28"/>
+    <p:sldId id="429" r:id="rId29"/>
+    <p:sldId id="430" r:id="rId30"/>
+    <p:sldId id="431" r:id="rId31"/>
+    <p:sldId id="432" r:id="rId32"/>
+    <p:sldId id="452" r:id="rId33"/>
+    <p:sldId id="433" r:id="rId34"/>
+    <p:sldId id="446" r:id="rId35"/>
+    <p:sldId id="448" r:id="rId36"/>
+    <p:sldId id="449" r:id="rId37"/>
+    <p:sldId id="450" r:id="rId38"/>
+    <p:sldId id="451" r:id="rId39"/>
+    <p:sldId id="453" r:id="rId40"/>
+    <p:sldId id="454" r:id="rId41"/>
+    <p:sldId id="455" r:id="rId42"/>
+    <p:sldId id="456" r:id="rId43"/>
+    <p:sldId id="457" r:id="rId44"/>
+    <p:sldId id="458" r:id="rId45"/>
+    <p:sldId id="459" r:id="rId46"/>
+    <p:sldId id="460" r:id="rId47"/>
+    <p:sldId id="461" r:id="rId48"/>
+    <p:sldId id="462" r:id="rId49"/>
+    <p:sldId id="463" r:id="rId50"/>
+    <p:sldId id="464" r:id="rId51"/>
+    <p:sldId id="465" r:id="rId52"/>
+    <p:sldId id="466" r:id="rId53"/>
+    <p:sldId id="467" r:id="rId54"/>
+    <p:sldId id="468" r:id="rId55"/>
+    <p:sldId id="469" r:id="rId56"/>
+    <p:sldId id="470" r:id="rId57"/>
+    <p:sldId id="471" r:id="rId58"/>
+    <p:sldId id="472" r:id="rId59"/>
+    <p:sldId id="473" r:id="rId60"/>
+    <p:sldId id="474" r:id="rId61"/>
+    <p:sldId id="475" r:id="rId62"/>
+    <p:sldId id="476" r:id="rId63"/>
+    <p:sldId id="477" r:id="rId64"/>
+    <p:sldId id="478" r:id="rId65"/>
+    <p:sldId id="479" r:id="rId66"/>
+    <p:sldId id="480" r:id="rId67"/>
+    <p:sldId id="481" r:id="rId68"/>
+    <p:sldId id="482" r:id="rId69"/>
+    <p:sldId id="483" r:id="rId70"/>
+    <p:sldId id="484" r:id="rId71"/>
+    <p:sldId id="485" r:id="rId72"/>
+    <p:sldId id="486" r:id="rId73"/>
+    <p:sldId id="487" r:id="rId74"/>
+    <p:sldId id="488" r:id="rId75"/>
+    <p:sldId id="489" r:id="rId76"/>
+    <p:sldId id="490" r:id="rId77"/>
     <p:sldId id="382" r:id="rId78"/>
     <p:sldId id="384" r:id="rId79"/>
     <p:sldId id="385" r:id="rId80"/>
@@ -246,6 +246,7 @@
         <p14:section name="Module 2: Connecting to Data" id="{19225261-5257-6949-A057-E085F2EAB919}">
           <p14:sldIdLst>
             <p14:sldId id="447"/>
+            <p14:sldId id="492"/>
             <p14:sldId id="422"/>
             <p14:sldId id="426"/>
             <p14:sldId id="423"/>
@@ -268,6 +269,10 @@
             <p14:sldId id="449"/>
             <p14:sldId id="450"/>
             <p14:sldId id="451"/>
+          </p14:sldIdLst>
+        </p14:section>
+        <p14:section name="Module 4: Joins" id="{07993798-6FD1-874A-AA23-ACA4277D161E}">
+          <p14:sldIdLst>
             <p14:sldId id="453"/>
             <p14:sldId id="454"/>
             <p14:sldId id="455"/>
@@ -281,6 +286,10 @@
             <p14:sldId id="463"/>
             <p14:sldId id="464"/>
             <p14:sldId id="465"/>
+          </p14:sldIdLst>
+        </p14:section>
+        <p14:section name="Module 5: Auditing &amp; Cleaning" id="{1BF98B12-6C3E-CE45-BB0A-8F1232F299D9}">
+          <p14:sldIdLst>
             <p14:sldId id="466"/>
             <p14:sldId id="467"/>
             <p14:sldId id="468"/>
@@ -291,29 +300,44 @@
             <p14:sldId id="473"/>
             <p14:sldId id="474"/>
             <p14:sldId id="475"/>
+          </p14:sldIdLst>
+        </p14:section>
+        <p14:section name="Module 6: Group and Replace" id="{983B8C1D-7380-2B4F-95FC-27AA743F4022}">
+          <p14:sldIdLst>
             <p14:sldId id="476"/>
             <p14:sldId id="477"/>
             <p14:sldId id="478"/>
             <p14:sldId id="479"/>
             <p14:sldId id="480"/>
             <p14:sldId id="481"/>
+          </p14:sldIdLst>
+        </p14:section>
+        <p14:section name="Module 7: Aggregating &amp; Pivoting Data" id="{0543B30F-16F3-BA42-B592-69FBA19F9C2C}">
+          <p14:sldIdLst>
             <p14:sldId id="482"/>
             <p14:sldId id="483"/>
             <p14:sldId id="484"/>
             <p14:sldId id="485"/>
+          </p14:sldIdLst>
+        </p14:section>
+        <p14:section name="Module 8: Output" id="{0466654E-BA6F-3742-B5A2-D2B9C1B39689}">
+          <p14:sldIdLst>
             <p14:sldId id="486"/>
             <p14:sldId id="487"/>
             <p14:sldId id="488"/>
             <p14:sldId id="489"/>
-            <p14:sldId id="490"/>
           </p14:sldIdLst>
         </p14:section>
-        <p14:section name="Module 7: Tableau Prep Builder Conductor" id="{A03F1157-B246-4852-A53A-4CEC99584E0B}">
+        <p14:section name="Module 9: Tableau Prep Builder Conductor" id="{A03F1157-B246-4852-A53A-4CEC99584E0B}">
           <p14:sldIdLst>
-            <p14:sldId id="381"/>
+            <p14:sldId id="490"/>
             <p14:sldId id="382"/>
             <p14:sldId id="384"/>
             <p14:sldId id="385"/>
+          </p14:sldIdLst>
+        </p14:section>
+        <p14:section name="Appendix: Preparing Data In Tableau" id="{F4494685-5EB9-C64C-B54A-24D4DA38DC63}">
+          <p14:sldIdLst>
             <p14:sldId id="491"/>
           </p14:sldIdLst>
         </p14:section>
@@ -1184,7 +1208,7 @@
               <a:pPr>
                 <a:defRPr/>
               </a:pPr>
-              <a:t>30</a:t>
+              <a:t>31</a:t>
             </a:fld>
             <a:endParaRPr lang="en-US"/>
           </a:p>
@@ -1274,7 +1298,7 @@
               <a:pPr>
                 <a:defRPr/>
               </a:pPr>
-              <a:t>31</a:t>
+              <a:t>32</a:t>
             </a:fld>
             <a:endParaRPr lang="en-US"/>
           </a:p>
@@ -1364,7 +1388,7 @@
               <a:pPr>
                 <a:defRPr/>
               </a:pPr>
-              <a:t>32</a:t>
+              <a:t>33</a:t>
             </a:fld>
             <a:endParaRPr lang="en-US"/>
           </a:p>
@@ -1454,7 +1478,7 @@
               <a:pPr>
                 <a:defRPr/>
               </a:pPr>
-              <a:t>33</a:t>
+              <a:t>34</a:t>
             </a:fld>
             <a:endParaRPr lang="en-US"/>
           </a:p>
@@ -1544,7 +1568,7 @@
               <a:pPr>
                 <a:defRPr/>
               </a:pPr>
-              <a:t>34</a:t>
+              <a:t>35</a:t>
             </a:fld>
             <a:endParaRPr lang="en-US"/>
           </a:p>
@@ -1634,7 +1658,7 @@
               <a:pPr>
                 <a:defRPr/>
               </a:pPr>
-              <a:t>35</a:t>
+              <a:t>36</a:t>
             </a:fld>
             <a:endParaRPr lang="en-US"/>
           </a:p>
@@ -1724,7 +1748,7 @@
               <a:pPr>
                 <a:defRPr/>
               </a:pPr>
-              <a:t>36</a:t>
+              <a:t>37</a:t>
             </a:fld>
             <a:endParaRPr lang="en-US"/>
           </a:p>
@@ -1814,7 +1838,7 @@
               <a:pPr>
                 <a:defRPr/>
               </a:pPr>
-              <a:t>37</a:t>
+              <a:t>38</a:t>
             </a:fld>
             <a:endParaRPr lang="en-US"/>
           </a:p>
@@ -1904,7 +1928,7 @@
               <a:pPr>
                 <a:defRPr/>
               </a:pPr>
-              <a:t>38</a:t>
+              <a:t>39</a:t>
             </a:fld>
             <a:endParaRPr lang="en-US"/>
           </a:p>
@@ -1994,7 +2018,7 @@
               <a:pPr>
                 <a:defRPr/>
               </a:pPr>
-              <a:t>39</a:t>
+              <a:t>40</a:t>
             </a:fld>
             <a:endParaRPr lang="en-US"/>
           </a:p>
@@ -2266,7 +2290,7 @@
               <a:pPr>
                 <a:defRPr/>
               </a:pPr>
-              <a:t>40</a:t>
+              <a:t>41</a:t>
             </a:fld>
             <a:endParaRPr lang="en-US"/>
           </a:p>
@@ -2356,7 +2380,7 @@
               <a:pPr>
                 <a:defRPr/>
               </a:pPr>
-              <a:t>41</a:t>
+              <a:t>42</a:t>
             </a:fld>
             <a:endParaRPr lang="en-US"/>
           </a:p>
@@ -2446,7 +2470,7 @@
               <a:pPr>
                 <a:defRPr/>
               </a:pPr>
-              <a:t>42</a:t>
+              <a:t>43</a:t>
             </a:fld>
             <a:endParaRPr lang="en-US"/>
           </a:p>
@@ -2536,7 +2560,7 @@
               <a:pPr>
                 <a:defRPr/>
               </a:pPr>
-              <a:t>43</a:t>
+              <a:t>44</a:t>
             </a:fld>
             <a:endParaRPr lang="en-US"/>
           </a:p>
@@ -2626,7 +2650,7 @@
               <a:pPr>
                 <a:defRPr/>
               </a:pPr>
-              <a:t>44</a:t>
+              <a:t>45</a:t>
             </a:fld>
             <a:endParaRPr lang="en-US"/>
           </a:p>
@@ -2716,7 +2740,7 @@
               <a:pPr>
                 <a:defRPr/>
               </a:pPr>
-              <a:t>45</a:t>
+              <a:t>46</a:t>
             </a:fld>
             <a:endParaRPr lang="en-US"/>
           </a:p>
@@ -2806,7 +2830,7 @@
               <a:pPr>
                 <a:defRPr/>
               </a:pPr>
-              <a:t>46</a:t>
+              <a:t>47</a:t>
             </a:fld>
             <a:endParaRPr lang="en-US"/>
           </a:p>
@@ -2896,7 +2920,7 @@
               <a:pPr>
                 <a:defRPr/>
               </a:pPr>
-              <a:t>47</a:t>
+              <a:t>48</a:t>
             </a:fld>
             <a:endParaRPr lang="en-US"/>
           </a:p>
@@ -2986,7 +3010,7 @@
               <a:pPr>
                 <a:defRPr/>
               </a:pPr>
-              <a:t>48</a:t>
+              <a:t>49</a:t>
             </a:fld>
             <a:endParaRPr lang="en-US"/>
           </a:p>
@@ -3076,7 +3100,7 @@
               <a:pPr>
                 <a:defRPr/>
               </a:pPr>
-              <a:t>49</a:t>
+              <a:t>50</a:t>
             </a:fld>
             <a:endParaRPr lang="en-US"/>
           </a:p>
@@ -3367,7 +3391,7 @@
               <a:pPr>
                 <a:defRPr/>
               </a:pPr>
-              <a:t>50</a:t>
+              <a:t>51</a:t>
             </a:fld>
             <a:endParaRPr lang="en-US"/>
           </a:p>
@@ -3457,7 +3481,7 @@
               <a:pPr>
                 <a:defRPr/>
               </a:pPr>
-              <a:t>51</a:t>
+              <a:t>52</a:t>
             </a:fld>
             <a:endParaRPr lang="en-US"/>
           </a:p>
@@ -3547,7 +3571,7 @@
               <a:pPr>
                 <a:defRPr/>
               </a:pPr>
-              <a:t>52</a:t>
+              <a:t>53</a:t>
             </a:fld>
             <a:endParaRPr lang="en-US"/>
           </a:p>
@@ -3637,7 +3661,7 @@
               <a:pPr>
                 <a:defRPr/>
               </a:pPr>
-              <a:t>53</a:t>
+              <a:t>54</a:t>
             </a:fld>
             <a:endParaRPr lang="en-US"/>
           </a:p>
@@ -3727,7 +3751,7 @@
               <a:pPr>
                 <a:defRPr/>
               </a:pPr>
-              <a:t>54</a:t>
+              <a:t>55</a:t>
             </a:fld>
             <a:endParaRPr lang="en-US"/>
           </a:p>
@@ -3817,7 +3841,7 @@
               <a:pPr>
                 <a:defRPr/>
               </a:pPr>
-              <a:t>55</a:t>
+              <a:t>56</a:t>
             </a:fld>
             <a:endParaRPr lang="en-US"/>
           </a:p>
@@ -3907,7 +3931,7 @@
               <a:pPr>
                 <a:defRPr/>
               </a:pPr>
-              <a:t>56</a:t>
+              <a:t>57</a:t>
             </a:fld>
             <a:endParaRPr lang="en-US"/>
           </a:p>
@@ -3997,7 +4021,7 @@
               <a:pPr>
                 <a:defRPr/>
               </a:pPr>
-              <a:t>57</a:t>
+              <a:t>58</a:t>
             </a:fld>
             <a:endParaRPr lang="en-US"/>
           </a:p>
@@ -4087,7 +4111,7 @@
               <a:pPr>
                 <a:defRPr/>
               </a:pPr>
-              <a:t>58</a:t>
+              <a:t>59</a:t>
             </a:fld>
             <a:endParaRPr lang="en-US"/>
           </a:p>
@@ -4177,7 +4201,7 @@
               <a:pPr>
                 <a:defRPr/>
               </a:pPr>
-              <a:t>59</a:t>
+              <a:t>60</a:t>
             </a:fld>
             <a:endParaRPr lang="en-US"/>
           </a:p>
@@ -4357,7 +4381,7 @@
               <a:pPr>
                 <a:defRPr/>
               </a:pPr>
-              <a:t>60</a:t>
+              <a:t>61</a:t>
             </a:fld>
             <a:endParaRPr lang="en-US"/>
           </a:p>
@@ -4447,7 +4471,7 @@
               <a:pPr>
                 <a:defRPr/>
               </a:pPr>
-              <a:t>61</a:t>
+              <a:t>62</a:t>
             </a:fld>
             <a:endParaRPr lang="en-US"/>
           </a:p>
@@ -4537,7 +4561,7 @@
               <a:pPr>
                 <a:defRPr/>
               </a:pPr>
-              <a:t>62</a:t>
+              <a:t>63</a:t>
             </a:fld>
             <a:endParaRPr lang="en-US"/>
           </a:p>
@@ -4627,7 +4651,7 @@
               <a:pPr>
                 <a:defRPr/>
               </a:pPr>
-              <a:t>63</a:t>
+              <a:t>64</a:t>
             </a:fld>
             <a:endParaRPr lang="en-US"/>
           </a:p>
@@ -4717,7 +4741,7 @@
               <a:pPr>
                 <a:defRPr/>
               </a:pPr>
-              <a:t>64</a:t>
+              <a:t>65</a:t>
             </a:fld>
             <a:endParaRPr lang="en-US"/>
           </a:p>
@@ -4807,7 +4831,7 @@
               <a:pPr>
                 <a:defRPr/>
               </a:pPr>
-              <a:t>65</a:t>
+              <a:t>66</a:t>
             </a:fld>
             <a:endParaRPr lang="en-US"/>
           </a:p>
@@ -4897,7 +4921,7 @@
               <a:pPr>
                 <a:defRPr/>
               </a:pPr>
-              <a:t>66</a:t>
+              <a:t>67</a:t>
             </a:fld>
             <a:endParaRPr lang="en-US"/>
           </a:p>
@@ -4987,7 +5011,7 @@
               <a:pPr>
                 <a:defRPr/>
               </a:pPr>
-              <a:t>67</a:t>
+              <a:t>68</a:t>
             </a:fld>
             <a:endParaRPr lang="en-US"/>
           </a:p>
@@ -5077,7 +5101,7 @@
               <a:pPr>
                 <a:defRPr/>
               </a:pPr>
-              <a:t>68</a:t>
+              <a:t>69</a:t>
             </a:fld>
             <a:endParaRPr lang="en-US"/>
           </a:p>
@@ -5167,7 +5191,7 @@
               <a:pPr>
                 <a:defRPr/>
               </a:pPr>
-              <a:t>69</a:t>
+              <a:t>70</a:t>
             </a:fld>
             <a:endParaRPr lang="en-US"/>
           </a:p>
@@ -5347,7 +5371,7 @@
               <a:pPr>
                 <a:defRPr/>
               </a:pPr>
-              <a:t>70</a:t>
+              <a:t>71</a:t>
             </a:fld>
             <a:endParaRPr lang="en-US"/>
           </a:p>
@@ -5437,7 +5461,7 @@
               <a:pPr>
                 <a:defRPr/>
               </a:pPr>
-              <a:t>71</a:t>
+              <a:t>72</a:t>
             </a:fld>
             <a:endParaRPr lang="en-US"/>
           </a:p>
@@ -5527,7 +5551,7 @@
               <a:pPr>
                 <a:defRPr/>
               </a:pPr>
-              <a:t>72</a:t>
+              <a:t>73</a:t>
             </a:fld>
             <a:endParaRPr lang="en-US"/>
           </a:p>
@@ -5617,7 +5641,7 @@
               <a:pPr>
                 <a:defRPr/>
               </a:pPr>
-              <a:t>73</a:t>
+              <a:t>74</a:t>
             </a:fld>
             <a:endParaRPr lang="en-US"/>
           </a:p>
@@ -5626,7 +5650,7 @@
     </p:spTree>
     <p:extLst>
       <p:ext uri="{BB962C8B-B14F-4D97-AF65-F5344CB8AC3E}">
-        <p14:creationId xmlns:p14="http://schemas.microsoft.com/office/powerpoint/2010/main" val="3685360639"/>
+        <p14:creationId xmlns:p14="http://schemas.microsoft.com/office/powerpoint/2010/main" val="3916772145"/>
       </p:ext>
     </p:extLst>
   </p:cSld>
@@ -5707,7 +5731,7 @@
               <a:pPr>
                 <a:defRPr/>
               </a:pPr>
-              <a:t>74</a:t>
+              <a:t>75</a:t>
             </a:fld>
             <a:endParaRPr lang="en-US"/>
           </a:p>
@@ -5716,7 +5740,7 @@
     </p:spTree>
     <p:extLst>
       <p:ext uri="{BB962C8B-B14F-4D97-AF65-F5344CB8AC3E}">
-        <p14:creationId xmlns:p14="http://schemas.microsoft.com/office/powerpoint/2010/main" val="3916772145"/>
+        <p14:creationId xmlns:p14="http://schemas.microsoft.com/office/powerpoint/2010/main" val="3016050643"/>
       </p:ext>
     </p:extLst>
   </p:cSld>
@@ -5797,7 +5821,7 @@
               <a:pPr>
                 <a:defRPr/>
               </a:pPr>
-              <a:t>75</a:t>
+              <a:t>76</a:t>
             </a:fld>
             <a:endParaRPr lang="en-US"/>
           </a:p>
@@ -5806,7 +5830,7 @@
     </p:spTree>
     <p:extLst>
       <p:ext uri="{BB962C8B-B14F-4D97-AF65-F5344CB8AC3E}">
-        <p14:creationId xmlns:p14="http://schemas.microsoft.com/office/powerpoint/2010/main" val="3016050643"/>
+        <p14:creationId xmlns:p14="http://schemas.microsoft.com/office/powerpoint/2010/main" val="1940669753"/>
       </p:ext>
     </p:extLst>
   </p:cSld>
@@ -5887,96 +5911,6 @@
               <a:pPr>
                 <a:defRPr/>
               </a:pPr>
-              <a:t>76</a:t>
-            </a:fld>
-            <a:endParaRPr lang="en-US"/>
-          </a:p>
-        </p:txBody>
-      </p:sp>
-    </p:spTree>
-    <p:extLst>
-      <p:ext uri="{BB962C8B-B14F-4D97-AF65-F5344CB8AC3E}">
-        <p14:creationId xmlns:p14="http://schemas.microsoft.com/office/powerpoint/2010/main" val="1940669753"/>
-      </p:ext>
-    </p:extLst>
-  </p:cSld>
-  <p:clrMapOvr>
-    <a:masterClrMapping/>
-  </p:clrMapOvr>
-</p:notes>
-</file>
-
-<file path=ppt/notesSlides/notesSlide57.xml><?xml version="1.0" encoding="utf-8"?>
-<p:notes xmlns:a="http://schemas.openxmlformats.org/drawingml/2006/main" xmlns:r="http://schemas.openxmlformats.org/officeDocument/2006/relationships" xmlns:p="http://schemas.openxmlformats.org/presentationml/2006/main">
-  <p:cSld>
-    <p:spTree>
-      <p:nvGrpSpPr>
-        <p:cNvPr id="1" name=""/>
-        <p:cNvGrpSpPr/>
-        <p:nvPr/>
-      </p:nvGrpSpPr>
-      <p:grpSpPr>
-        <a:xfrm>
-          <a:off x="0" y="0"/>
-          <a:ext cx="0" cy="0"/>
-          <a:chOff x="0" y="0"/>
-          <a:chExt cx="0" cy="0"/>
-        </a:xfrm>
-      </p:grpSpPr>
-      <p:sp>
-        <p:nvSpPr>
-          <p:cNvPr id="2" name="Slide Image Placeholder 1"/>
-          <p:cNvSpPr>
-            <a:spLocks noGrp="1" noRot="1" noChangeAspect="1"/>
-          </p:cNvSpPr>
-          <p:nvPr>
-            <p:ph type="sldImg"/>
-          </p:nvPr>
-        </p:nvSpPr>
-        <p:spPr/>
-      </p:sp>
-      <p:sp>
-        <p:nvSpPr>
-          <p:cNvPr id="3" name="Notes Placeholder 2"/>
-          <p:cNvSpPr>
-            <a:spLocks noGrp="1"/>
-          </p:cNvSpPr>
-          <p:nvPr>
-            <p:ph type="body" idx="1"/>
-          </p:nvPr>
-        </p:nvSpPr>
-        <p:spPr/>
-        <p:txBody>
-          <a:bodyPr/>
-          <a:lstStyle/>
-          <a:p>
-            <a:endParaRPr lang="en-US"/>
-          </a:p>
-        </p:txBody>
-      </p:sp>
-      <p:sp>
-        <p:nvSpPr>
-          <p:cNvPr id="4" name="Slide Number Placeholder 3"/>
-          <p:cNvSpPr>
-            <a:spLocks noGrp="1"/>
-          </p:cNvSpPr>
-          <p:nvPr>
-            <p:ph type="sldNum" sz="quarter" idx="5"/>
-          </p:nvPr>
-        </p:nvSpPr>
-        <p:spPr/>
-        <p:txBody>
-          <a:bodyPr/>
-          <a:lstStyle/>
-          <a:p>
-            <a:pPr>
-              <a:defRPr/>
-            </a:pPr>
-            <a:fld id="{673C55C6-0635-4FFD-BEAC-5E6F89DDB24B}" type="slidenum">
-              <a:rPr lang="en-US" smtClean="0"/>
-              <a:pPr>
-                <a:defRPr/>
-              </a:pPr>
               <a:t>77</a:t>
             </a:fld>
             <a:endParaRPr lang="en-US"/>
@@ -5996,7 +5930,7 @@
 </p:notes>
 </file>
 
-<file path=ppt/notesSlides/notesSlide58.xml><?xml version="1.0" encoding="utf-8"?>
+<file path=ppt/notesSlides/notesSlide57.xml><?xml version="1.0" encoding="utf-8"?>
 <p:notes xmlns:a="http://schemas.openxmlformats.org/drawingml/2006/main" xmlns:r="http://schemas.openxmlformats.org/officeDocument/2006/relationships" xmlns:p="http://schemas.openxmlformats.org/presentationml/2006/main">
   <p:cSld>
     <p:spTree>
@@ -6157,7 +6091,7 @@
               <a:pPr>
                 <a:defRPr/>
               </a:pPr>
-              <a:t>17</a:t>
+              <a:t>18</a:t>
             </a:fld>
             <a:endParaRPr lang="en-US"/>
           </a:p>
@@ -6247,7 +6181,7 @@
               <a:pPr>
                 <a:defRPr/>
               </a:pPr>
-              <a:t>27</a:t>
+              <a:t>28</a:t>
             </a:fld>
             <a:endParaRPr lang="en-US"/>
           </a:p>
@@ -6337,7 +6271,7 @@
               <a:pPr>
                 <a:defRPr/>
               </a:pPr>
-              <a:t>28</a:t>
+              <a:t>29</a:t>
             </a:fld>
             <a:endParaRPr lang="en-US"/>
           </a:p>
@@ -6427,7 +6361,7 @@
               <a:pPr>
                 <a:defRPr/>
               </a:pPr>
-              <a:t>29</a:t>
+              <a:t>30</a:t>
             </a:fld>
             <a:endParaRPr lang="en-US"/>
           </a:p>
@@ -9125,7 +9059,7 @@
           <a:p>
             <a:r>
               <a:rPr lang="en-US" dirty="0"/>
-              <a:t>ETL</a:t>
+              <a:t>Module 1: ETL &amp; Demo Data</a:t>
             </a:r>
           </a:p>
         </p:txBody>
@@ -9678,31 +9612,6 @@
           </a:p>
         </p:txBody>
       </p:sp>
-      <p:sp>
-        <p:nvSpPr>
-          <p:cNvPr id="3" name="Text Placeholder 2">
-            <a:extLst>
-              <a:ext uri="{FF2B5EF4-FFF2-40B4-BE49-F238E27FC236}">
-                <a16:creationId xmlns:a16="http://schemas.microsoft.com/office/drawing/2014/main" id="{2C338366-4CD9-0C4B-B9C8-7B5068AEDA0B}"/>
-              </a:ext>
-            </a:extLst>
-          </p:cNvPr>
-          <p:cNvSpPr>
-            <a:spLocks noGrp="1"/>
-          </p:cNvSpPr>
-          <p:nvPr>
-            <p:ph type="body" sz="quarter" idx="10"/>
-          </p:nvPr>
-        </p:nvSpPr>
-        <p:spPr/>
-        <p:txBody>
-          <a:bodyPr/>
-          <a:lstStyle/>
-          <a:p>
-            <a:endParaRPr lang="en-US"/>
-          </a:p>
-        </p:txBody>
-      </p:sp>
     </p:spTree>
     <p:extLst>
       <p:ext uri="{BB962C8B-B14F-4D97-AF65-F5344CB8AC3E}">
@@ -9717,6 +9626,64 @@
 </file>
 
 <file path=ppt/slides/slide17.xml><?xml version="1.0" encoding="utf-8"?>
+<p:sld xmlns:a="http://schemas.openxmlformats.org/drawingml/2006/main" xmlns:r="http://schemas.openxmlformats.org/officeDocument/2006/relationships" xmlns:p="http://schemas.openxmlformats.org/presentationml/2006/main">
+  <p:cSld>
+    <p:spTree>
+      <p:nvGrpSpPr>
+        <p:cNvPr id="1" name=""/>
+        <p:cNvGrpSpPr/>
+        <p:nvPr/>
+      </p:nvGrpSpPr>
+      <p:grpSpPr>
+        <a:xfrm>
+          <a:off x="0" y="0"/>
+          <a:ext cx="0" cy="0"/>
+          <a:chOff x="0" y="0"/>
+          <a:chExt cx="0" cy="0"/>
+        </a:xfrm>
+      </p:grpSpPr>
+      <p:sp>
+        <p:nvSpPr>
+          <p:cNvPr id="2" name="Title 1">
+            <a:extLst>
+              <a:ext uri="{FF2B5EF4-FFF2-40B4-BE49-F238E27FC236}">
+                <a16:creationId xmlns:a16="http://schemas.microsoft.com/office/drawing/2014/main" id="{992CB1AB-C077-6F4D-9364-4D6903E3E3E6}"/>
+              </a:ext>
+            </a:extLst>
+          </p:cNvPr>
+          <p:cNvSpPr>
+            <a:spLocks noGrp="1"/>
+          </p:cNvSpPr>
+          <p:nvPr>
+            <p:ph type="title"/>
+          </p:nvPr>
+        </p:nvSpPr>
+        <p:spPr/>
+        <p:txBody>
+          <a:bodyPr/>
+          <a:lstStyle/>
+          <a:p>
+            <a:r>
+              <a:rPr lang="en-US" dirty="0"/>
+              <a:t>Module 2: Connecting to Data</a:t>
+            </a:r>
+          </a:p>
+        </p:txBody>
+      </p:sp>
+    </p:spTree>
+    <p:extLst>
+      <p:ext uri="{BB962C8B-B14F-4D97-AF65-F5344CB8AC3E}">
+        <p14:creationId xmlns:p14="http://schemas.microsoft.com/office/powerpoint/2010/main" val="3314587122"/>
+      </p:ext>
+    </p:extLst>
+  </p:cSld>
+  <p:clrMapOvr>
+    <a:masterClrMapping/>
+  </p:clrMapOvr>
+</p:sld>
+</file>
+
+<file path=ppt/slides/slide18.xml><?xml version="1.0" encoding="utf-8"?>
 <p:sld xmlns:a="http://schemas.openxmlformats.org/drawingml/2006/main" xmlns:r="http://schemas.openxmlformats.org/officeDocument/2006/relationships" xmlns:p="http://schemas.openxmlformats.org/presentationml/2006/main">
   <p:cSld>
     <p:spTree>
@@ -9816,7 +9783,7 @@
 </p:sld>
 </file>
 
-<file path=ppt/slides/slide18.xml><?xml version="1.0" encoding="utf-8"?>
+<file path=ppt/slides/slide19.xml><?xml version="1.0" encoding="utf-8"?>
 <p:sld xmlns:a="http://schemas.openxmlformats.org/drawingml/2006/main" xmlns:r="http://schemas.openxmlformats.org/officeDocument/2006/relationships" xmlns:p="http://schemas.openxmlformats.org/presentationml/2006/main">
   <p:cSld>
     <p:spTree>
@@ -9892,7 +9859,59 @@
 </p:sld>
 </file>
 
-<file path=ppt/slides/slide19.xml><?xml version="1.0" encoding="utf-8"?>
+<file path=ppt/slides/slide2.xml><?xml version="1.0" encoding="utf-8"?>
+<p:sld xmlns:a="http://schemas.openxmlformats.org/drawingml/2006/main" xmlns:r="http://schemas.openxmlformats.org/officeDocument/2006/relationships" xmlns:p="http://schemas.openxmlformats.org/presentationml/2006/main">
+  <p:cSld>
+    <p:spTree>
+      <p:nvGrpSpPr>
+        <p:cNvPr id="1" name=""/>
+        <p:cNvGrpSpPr/>
+        <p:nvPr/>
+      </p:nvGrpSpPr>
+      <p:grpSpPr>
+        <a:xfrm>
+          <a:off x="0" y="0"/>
+          <a:ext cx="0" cy="0"/>
+          <a:chOff x="0" y="0"/>
+          <a:chExt cx="0" cy="0"/>
+        </a:xfrm>
+      </p:grpSpPr>
+      <p:sp>
+        <p:nvSpPr>
+          <p:cNvPr id="3" name="Text Placeholder 2"/>
+          <p:cNvSpPr>
+            <a:spLocks noGrp="1"/>
+          </p:cNvSpPr>
+          <p:nvPr>
+            <p:ph type="body" sz="quarter" idx="11"/>
+          </p:nvPr>
+        </p:nvSpPr>
+        <p:spPr/>
+        <p:txBody>
+          <a:bodyPr/>
+          <a:lstStyle/>
+          <a:p>
+            <a:r>
+              <a:rPr lang="en-US" dirty="0"/>
+              <a:t>Introduction to Tableau Prep</a:t>
+            </a:r>
+          </a:p>
+        </p:txBody>
+      </p:sp>
+    </p:spTree>
+    <p:extLst>
+      <p:ext uri="{BB962C8B-B14F-4D97-AF65-F5344CB8AC3E}">
+        <p14:creationId xmlns:p14="http://schemas.microsoft.com/office/powerpoint/2010/main" val="3917667801"/>
+      </p:ext>
+    </p:extLst>
+  </p:cSld>
+  <p:clrMapOvr>
+    <a:masterClrMapping/>
+  </p:clrMapOvr>
+</p:sld>
+</file>
+
+<file path=ppt/slides/slide20.xml><?xml version="1.0" encoding="utf-8"?>
 <p:sld xmlns:a="http://schemas.openxmlformats.org/drawingml/2006/main" xmlns:r="http://schemas.openxmlformats.org/officeDocument/2006/relationships" xmlns:p="http://schemas.openxmlformats.org/presentationml/2006/main">
   <p:cSld>
     <p:spTree>
@@ -10059,59 +10078,7 @@
 </p:sld>
 </file>
 
-<file path=ppt/slides/slide2.xml><?xml version="1.0" encoding="utf-8"?>
-<p:sld xmlns:a="http://schemas.openxmlformats.org/drawingml/2006/main" xmlns:r="http://schemas.openxmlformats.org/officeDocument/2006/relationships" xmlns:p="http://schemas.openxmlformats.org/presentationml/2006/main">
-  <p:cSld>
-    <p:spTree>
-      <p:nvGrpSpPr>
-        <p:cNvPr id="1" name=""/>
-        <p:cNvGrpSpPr/>
-        <p:nvPr/>
-      </p:nvGrpSpPr>
-      <p:grpSpPr>
-        <a:xfrm>
-          <a:off x="0" y="0"/>
-          <a:ext cx="0" cy="0"/>
-          <a:chOff x="0" y="0"/>
-          <a:chExt cx="0" cy="0"/>
-        </a:xfrm>
-      </p:grpSpPr>
-      <p:sp>
-        <p:nvSpPr>
-          <p:cNvPr id="3" name="Text Placeholder 2"/>
-          <p:cNvSpPr>
-            <a:spLocks noGrp="1"/>
-          </p:cNvSpPr>
-          <p:nvPr>
-            <p:ph type="body" sz="quarter" idx="11"/>
-          </p:nvPr>
-        </p:nvSpPr>
-        <p:spPr/>
-        <p:txBody>
-          <a:bodyPr/>
-          <a:lstStyle/>
-          <a:p>
-            <a:r>
-              <a:rPr lang="en-US" dirty="0"/>
-              <a:t>Introduction to Tableau Prep</a:t>
-            </a:r>
-          </a:p>
-        </p:txBody>
-      </p:sp>
-    </p:spTree>
-    <p:extLst>
-      <p:ext uri="{BB962C8B-B14F-4D97-AF65-F5344CB8AC3E}">
-        <p14:creationId xmlns:p14="http://schemas.microsoft.com/office/powerpoint/2010/main" val="3917667801"/>
-      </p:ext>
-    </p:extLst>
-  </p:cSld>
-  <p:clrMapOvr>
-    <a:masterClrMapping/>
-  </p:clrMapOvr>
-</p:sld>
-</file>
-
-<file path=ppt/slides/slide20.xml><?xml version="1.0" encoding="utf-8"?>
+<file path=ppt/slides/slide21.xml><?xml version="1.0" encoding="utf-8"?>
 <p:sld xmlns:a="http://schemas.openxmlformats.org/drawingml/2006/main" xmlns:r="http://schemas.openxmlformats.org/officeDocument/2006/relationships" xmlns:p="http://schemas.openxmlformats.org/presentationml/2006/main">
   <p:cSld>
     <p:spTree>
@@ -10327,77 +10294,6 @@
 </p:sld>
 </file>
 
-<file path=ppt/slides/slide21.xml><?xml version="1.0" encoding="utf-8"?>
-<p:sld xmlns:a="http://schemas.openxmlformats.org/drawingml/2006/main" xmlns:r="http://schemas.openxmlformats.org/officeDocument/2006/relationships" xmlns:p="http://schemas.openxmlformats.org/presentationml/2006/main">
-  <p:cSld>
-    <p:spTree>
-      <p:nvGrpSpPr>
-        <p:cNvPr id="1" name=""/>
-        <p:cNvGrpSpPr/>
-        <p:nvPr/>
-      </p:nvGrpSpPr>
-      <p:grpSpPr>
-        <a:xfrm>
-          <a:off x="0" y="0"/>
-          <a:ext cx="0" cy="0"/>
-          <a:chOff x="0" y="0"/>
-          <a:chExt cx="0" cy="0"/>
-        </a:xfrm>
-      </p:grpSpPr>
-      <p:sp>
-        <p:nvSpPr>
-          <p:cNvPr id="2" name="Title 1"/>
-          <p:cNvSpPr>
-            <a:spLocks noGrp="1"/>
-          </p:cNvSpPr>
-          <p:nvPr>
-            <p:ph type="title"/>
-          </p:nvPr>
-        </p:nvSpPr>
-        <p:spPr/>
-        <p:txBody>
-          <a:bodyPr/>
-          <a:lstStyle/>
-          <a:p>
-            <a:r>
-              <a:rPr lang="en-US" dirty="0"/>
-              <a:t>Working with Tableau Data Extracts</a:t>
-            </a:r>
-          </a:p>
-        </p:txBody>
-      </p:sp>
-      <p:sp>
-        <p:nvSpPr>
-          <p:cNvPr id="3" name="Text Placeholder 2"/>
-          <p:cNvSpPr>
-            <a:spLocks noGrp="1"/>
-          </p:cNvSpPr>
-          <p:nvPr>
-            <p:ph type="body" sz="quarter" idx="10"/>
-          </p:nvPr>
-        </p:nvSpPr>
-        <p:spPr/>
-        <p:txBody>
-          <a:bodyPr/>
-          <a:lstStyle/>
-          <a:p>
-            <a:endParaRPr lang="en-US"/>
-          </a:p>
-        </p:txBody>
-      </p:sp>
-    </p:spTree>
-    <p:extLst>
-      <p:ext uri="{BB962C8B-B14F-4D97-AF65-F5344CB8AC3E}">
-        <p14:creationId xmlns:p14="http://schemas.microsoft.com/office/powerpoint/2010/main" val="2251478041"/>
-      </p:ext>
-    </p:extLst>
-  </p:cSld>
-  <p:clrMapOvr>
-    <a:masterClrMapping/>
-  </p:clrMapOvr>
-</p:sld>
-</file>
-
 <file path=ppt/slides/slide22.xml><?xml version="1.0" encoding="utf-8"?>
 <p:sld xmlns:a="http://schemas.openxmlformats.org/drawingml/2006/main" xmlns:r="http://schemas.openxmlformats.org/officeDocument/2006/relationships" xmlns:p="http://schemas.openxmlformats.org/presentationml/2006/main">
   <p:cSld>
@@ -10432,7 +10328,7 @@
           <a:p>
             <a:r>
               <a:rPr lang="en-US" dirty="0"/>
-              <a:t>Working with File-Based Data Sources</a:t>
+              <a:t>Working with Tableau Data Extracts</a:t>
             </a:r>
           </a:p>
         </p:txBody>
@@ -10459,7 +10355,7 @@
     </p:spTree>
     <p:extLst>
       <p:ext uri="{BB962C8B-B14F-4D97-AF65-F5344CB8AC3E}">
-        <p14:creationId xmlns:p14="http://schemas.microsoft.com/office/powerpoint/2010/main" val="2267059166"/>
+        <p14:creationId xmlns:p14="http://schemas.microsoft.com/office/powerpoint/2010/main" val="2251478041"/>
       </p:ext>
     </p:extLst>
   </p:cSld>
@@ -10503,7 +10399,7 @@
           <a:p>
             <a:r>
               <a:rPr lang="en-US" dirty="0"/>
-              <a:t>Connecting to Microsoft Access</a:t>
+              <a:t>Working with File-Based Data Sources</a:t>
             </a:r>
           </a:p>
         </p:txBody>
@@ -10530,7 +10426,7 @@
     </p:spTree>
     <p:extLst>
       <p:ext uri="{BB962C8B-B14F-4D97-AF65-F5344CB8AC3E}">
-        <p14:creationId xmlns:p14="http://schemas.microsoft.com/office/powerpoint/2010/main" val="1215057158"/>
+        <p14:creationId xmlns:p14="http://schemas.microsoft.com/office/powerpoint/2010/main" val="2267059166"/>
       </p:ext>
     </p:extLst>
   </p:cSld>
@@ -10574,7 +10470,7 @@
           <a:p>
             <a:r>
               <a:rPr lang="en-US" dirty="0"/>
-              <a:t>Connecting to Microsoft Excel</a:t>
+              <a:t>Connecting to Microsoft Access</a:t>
             </a:r>
           </a:p>
         </p:txBody>
@@ -10601,7 +10497,7 @@
     </p:spTree>
     <p:extLst>
       <p:ext uri="{BB962C8B-B14F-4D97-AF65-F5344CB8AC3E}">
-        <p14:creationId xmlns:p14="http://schemas.microsoft.com/office/powerpoint/2010/main" val="1885312738"/>
+        <p14:creationId xmlns:p14="http://schemas.microsoft.com/office/powerpoint/2010/main" val="1215057158"/>
       </p:ext>
     </p:extLst>
   </p:cSld>
@@ -10645,7 +10541,7 @@
           <a:p>
             <a:r>
               <a:rPr lang="en-US" dirty="0"/>
-              <a:t>Connecting to PDF Files</a:t>
+              <a:t>Connecting to Microsoft Excel</a:t>
             </a:r>
           </a:p>
         </p:txBody>
@@ -10672,7 +10568,7 @@
     </p:spTree>
     <p:extLst>
       <p:ext uri="{BB962C8B-B14F-4D97-AF65-F5344CB8AC3E}">
-        <p14:creationId xmlns:p14="http://schemas.microsoft.com/office/powerpoint/2010/main" val="88523654"/>
+        <p14:creationId xmlns:p14="http://schemas.microsoft.com/office/powerpoint/2010/main" val="1885312738"/>
       </p:ext>
     </p:extLst>
   </p:cSld>
@@ -10716,13 +10612,8 @@
           <a:p>
             <a:r>
               <a:rPr lang="en-US" dirty="0"/>
-              <a:t>Connecting</a:t>
-            </a:r>
-            <a:r>
-              <a:rPr lang="en-US" baseline="0" dirty="0"/>
-              <a:t> to Text Files</a:t>
-            </a:r>
-            <a:endParaRPr lang="en-US" dirty="0"/>
+              <a:t>Connecting to PDF Files</a:t>
+            </a:r>
           </a:p>
         </p:txBody>
       </p:sp>
@@ -10748,7 +10639,7 @@
     </p:spTree>
     <p:extLst>
       <p:ext uri="{BB962C8B-B14F-4D97-AF65-F5344CB8AC3E}">
-        <p14:creationId xmlns:p14="http://schemas.microsoft.com/office/powerpoint/2010/main" val="3719378937"/>
+        <p14:creationId xmlns:p14="http://schemas.microsoft.com/office/powerpoint/2010/main" val="88523654"/>
       </p:ext>
     </p:extLst>
   </p:cSld>
@@ -10792,8 +10683,13 @@
           <a:p>
             <a:r>
               <a:rPr lang="en-US" dirty="0"/>
-              <a:t>Module 3: UNION Joins</a:t>
-            </a:r>
+              <a:t>Connecting</a:t>
+            </a:r>
+            <a:r>
+              <a:rPr lang="en-US" baseline="0" dirty="0"/>
+              <a:t> to Text Files</a:t>
+            </a:r>
+            <a:endParaRPr lang="en-US" dirty="0"/>
           </a:p>
         </p:txBody>
       </p:sp>
@@ -10819,7 +10715,7 @@
     </p:spTree>
     <p:extLst>
       <p:ext uri="{BB962C8B-B14F-4D97-AF65-F5344CB8AC3E}">
-        <p14:creationId xmlns:p14="http://schemas.microsoft.com/office/powerpoint/2010/main" val="4266211854"/>
+        <p14:creationId xmlns:p14="http://schemas.microsoft.com/office/powerpoint/2010/main" val="3719378937"/>
       </p:ext>
     </p:extLst>
   </p:cSld>
@@ -10848,13 +10744,7 @@
       </p:grpSpPr>
       <p:sp>
         <p:nvSpPr>
-          <p:cNvPr id="2" name="Title 1">
-            <a:extLst>
-              <a:ext uri="{FF2B5EF4-FFF2-40B4-BE49-F238E27FC236}">
-                <a16:creationId xmlns:a16="http://schemas.microsoft.com/office/drawing/2014/main" id="{0A759684-435C-494B-AE1E-AAC97A368594}"/>
-              </a:ext>
-            </a:extLst>
-          </p:cNvPr>
+          <p:cNvPr id="2" name="Title 1"/>
           <p:cNvSpPr>
             <a:spLocks noGrp="1"/>
           </p:cNvSpPr>
@@ -10869,45 +10759,15 @@
           <a:p>
             <a:r>
               <a:rPr lang="en-US" dirty="0"/>
-              <a:t>UNION</a:t>
-            </a:r>
-            <a:r>
-              <a:rPr lang="en-US" baseline="0" dirty="0"/>
-              <a:t> Joins</a:t>
-            </a:r>
-            <a:endParaRPr lang="en-US" dirty="0"/>
-          </a:p>
-        </p:txBody>
-      </p:sp>
-      <p:sp>
-        <p:nvSpPr>
-          <p:cNvPr id="3" name="Text Placeholder 2">
-            <a:extLst>
-              <a:ext uri="{FF2B5EF4-FFF2-40B4-BE49-F238E27FC236}">
-                <a16:creationId xmlns:a16="http://schemas.microsoft.com/office/drawing/2014/main" id="{1DE58651-9EBB-0A4A-8424-84C3ADDAC864}"/>
-              </a:ext>
-            </a:extLst>
-          </p:cNvPr>
-          <p:cNvSpPr>
-            <a:spLocks noGrp="1"/>
-          </p:cNvSpPr>
-          <p:nvPr>
-            <p:ph type="body" sz="quarter" idx="10"/>
-          </p:nvPr>
-        </p:nvSpPr>
-        <p:spPr/>
-        <p:txBody>
-          <a:bodyPr/>
-          <a:lstStyle/>
-          <a:p>
-            <a:endParaRPr lang="en-US"/>
+              <a:t>Module 3: UNION Joins</a:t>
+            </a:r>
           </a:p>
         </p:txBody>
       </p:sp>
     </p:spTree>
     <p:extLst>
       <p:ext uri="{BB962C8B-B14F-4D97-AF65-F5344CB8AC3E}">
-        <p14:creationId xmlns:p14="http://schemas.microsoft.com/office/powerpoint/2010/main" val="2085875749"/>
+        <p14:creationId xmlns:p14="http://schemas.microsoft.com/office/powerpoint/2010/main" val="4266211854"/>
       </p:ext>
     </p:extLst>
   </p:cSld>
@@ -10936,7 +10796,13 @@
       </p:grpSpPr>
       <p:sp>
         <p:nvSpPr>
-          <p:cNvPr id="2" name="Title 1"/>
+          <p:cNvPr id="2" name="Title 1">
+            <a:extLst>
+              <a:ext uri="{FF2B5EF4-FFF2-40B4-BE49-F238E27FC236}">
+                <a16:creationId xmlns:a16="http://schemas.microsoft.com/office/drawing/2014/main" id="{0A759684-435C-494B-AE1E-AAC97A368594}"/>
+              </a:ext>
+            </a:extLst>
+          </p:cNvPr>
           <p:cNvSpPr>
             <a:spLocks noGrp="1"/>
           </p:cNvSpPr>
@@ -10951,14 +10817,25 @@
           <a:p>
             <a:r>
               <a:rPr lang="en-US" dirty="0"/>
-              <a:t>The Data Preview Pane</a:t>
-            </a:r>
-          </a:p>
-        </p:txBody>
-      </p:sp>
-      <p:sp>
-        <p:nvSpPr>
-          <p:cNvPr id="3" name="Text Placeholder 2"/>
+              <a:t>UNION</a:t>
+            </a:r>
+            <a:r>
+              <a:rPr lang="en-US" baseline="0" dirty="0"/>
+              <a:t> Joins</a:t>
+            </a:r>
+            <a:endParaRPr lang="en-US" dirty="0"/>
+          </a:p>
+        </p:txBody>
+      </p:sp>
+      <p:sp>
+        <p:nvSpPr>
+          <p:cNvPr id="3" name="Text Placeholder 2">
+            <a:extLst>
+              <a:ext uri="{FF2B5EF4-FFF2-40B4-BE49-F238E27FC236}">
+                <a16:creationId xmlns:a16="http://schemas.microsoft.com/office/drawing/2014/main" id="{1DE58651-9EBB-0A4A-8424-84C3ADDAC864}"/>
+              </a:ext>
+            </a:extLst>
+          </p:cNvPr>
           <p:cNvSpPr>
             <a:spLocks noGrp="1"/>
           </p:cNvSpPr>
@@ -10978,7 +10855,7 @@
     </p:spTree>
     <p:extLst>
       <p:ext uri="{BB962C8B-B14F-4D97-AF65-F5344CB8AC3E}">
-        <p14:creationId xmlns:p14="http://schemas.microsoft.com/office/powerpoint/2010/main" val="1963526926"/>
+        <p14:creationId xmlns:p14="http://schemas.microsoft.com/office/powerpoint/2010/main" val="2085875749"/>
       </p:ext>
     </p:extLst>
   </p:cSld>
@@ -11117,63 +10994,7 @@
       </p:grpSpPr>
       <p:sp>
         <p:nvSpPr>
-          <p:cNvPr id="2" name="Subtitle 1">
-            <a:extLst>
-              <a:ext uri="{FF2B5EF4-FFF2-40B4-BE49-F238E27FC236}">
-                <a16:creationId xmlns:a16="http://schemas.microsoft.com/office/drawing/2014/main" id="{115D9100-9FE2-7D4A-B51F-3D960A8C03B8}"/>
-              </a:ext>
-            </a:extLst>
-          </p:cNvPr>
-          <p:cNvSpPr>
-            <a:spLocks noGrp="1"/>
-          </p:cNvSpPr>
-          <p:nvPr>
-            <p:ph type="subTitle" idx="1"/>
-          </p:nvPr>
-        </p:nvSpPr>
-        <p:spPr/>
-        <p:txBody>
-          <a:bodyPr/>
-          <a:lstStyle/>
-          <a:p>
-            <a:endParaRPr lang="en-US"/>
-          </a:p>
-        </p:txBody>
-      </p:sp>
-      <p:sp>
-        <p:nvSpPr>
-          <p:cNvPr id="3" name="Text Placeholder 2">
-            <a:extLst>
-              <a:ext uri="{FF2B5EF4-FFF2-40B4-BE49-F238E27FC236}">
-                <a16:creationId xmlns:a16="http://schemas.microsoft.com/office/drawing/2014/main" id="{9EE74537-D19A-A348-8084-99D92D6B319D}"/>
-              </a:ext>
-            </a:extLst>
-          </p:cNvPr>
-          <p:cNvSpPr>
-            <a:spLocks noGrp="1"/>
-          </p:cNvSpPr>
-          <p:nvPr>
-            <p:ph type="body" sz="quarter" idx="11"/>
-          </p:nvPr>
-        </p:nvSpPr>
-        <p:spPr/>
-        <p:txBody>
-          <a:bodyPr/>
-          <a:lstStyle/>
-          <a:p>
-            <a:endParaRPr lang="en-US"/>
-          </a:p>
-        </p:txBody>
-      </p:sp>
-      <p:sp>
-        <p:nvSpPr>
-          <p:cNvPr id="4" name="Title 3">
-            <a:extLst>
-              <a:ext uri="{FF2B5EF4-FFF2-40B4-BE49-F238E27FC236}">
-                <a16:creationId xmlns:a16="http://schemas.microsoft.com/office/drawing/2014/main" id="{12CB095F-F2FA-DE4B-A962-73D921102700}"/>
-              </a:ext>
-            </a:extLst>
-          </p:cNvPr>
+          <p:cNvPr id="2" name="Title 1"/>
           <p:cNvSpPr>
             <a:spLocks noGrp="1"/>
           </p:cNvSpPr>
@@ -11188,15 +11009,34 @@
           <a:p>
             <a:r>
               <a:rPr lang="en-US" dirty="0"/>
-              <a:t>Data Types</a:t>
-            </a:r>
+              <a:t>The Data Preview Pane</a:t>
+            </a:r>
+          </a:p>
+        </p:txBody>
+      </p:sp>
+      <p:sp>
+        <p:nvSpPr>
+          <p:cNvPr id="3" name="Text Placeholder 2"/>
+          <p:cNvSpPr>
+            <a:spLocks noGrp="1"/>
+          </p:cNvSpPr>
+          <p:nvPr>
+            <p:ph type="body" sz="quarter" idx="10"/>
+          </p:nvPr>
+        </p:nvSpPr>
+        <p:spPr/>
+        <p:txBody>
+          <a:bodyPr/>
+          <a:lstStyle/>
+          <a:p>
+            <a:endParaRPr lang="en-US"/>
           </a:p>
         </p:txBody>
       </p:sp>
     </p:spTree>
     <p:extLst>
       <p:ext uri="{BB962C8B-B14F-4D97-AF65-F5344CB8AC3E}">
-        <p14:creationId xmlns:p14="http://schemas.microsoft.com/office/powerpoint/2010/main" val="1227333314"/>
+        <p14:creationId xmlns:p14="http://schemas.microsoft.com/office/powerpoint/2010/main" val="1963526926"/>
       </p:ext>
     </p:extLst>
   </p:cSld>
@@ -11228,7 +11068,7 @@
           <p:cNvPr id="2" name="Subtitle 1">
             <a:extLst>
               <a:ext uri="{FF2B5EF4-FFF2-40B4-BE49-F238E27FC236}">
-                <a16:creationId xmlns:a16="http://schemas.microsoft.com/office/drawing/2014/main" id="{DA6D074F-B87C-4F4C-940C-F72EB3D7020D}"/>
+                <a16:creationId xmlns:a16="http://schemas.microsoft.com/office/drawing/2014/main" id="{115D9100-9FE2-7D4A-B51F-3D960A8C03B8}"/>
               </a:ext>
             </a:extLst>
           </p:cNvPr>
@@ -11253,7 +11093,7 @@
           <p:cNvPr id="3" name="Text Placeholder 2">
             <a:extLst>
               <a:ext uri="{FF2B5EF4-FFF2-40B4-BE49-F238E27FC236}">
-                <a16:creationId xmlns:a16="http://schemas.microsoft.com/office/drawing/2014/main" id="{C5CF72B8-0EA9-7F45-B44B-F281732DFFD9}"/>
+                <a16:creationId xmlns:a16="http://schemas.microsoft.com/office/drawing/2014/main" id="{9EE74537-D19A-A348-8084-99D92D6B319D}"/>
               </a:ext>
             </a:extLst>
           </p:cNvPr>
@@ -11278,7 +11118,7 @@
           <p:cNvPr id="4" name="Title 3">
             <a:extLst>
               <a:ext uri="{FF2B5EF4-FFF2-40B4-BE49-F238E27FC236}">
-                <a16:creationId xmlns:a16="http://schemas.microsoft.com/office/drawing/2014/main" id="{1B038B5B-7922-C842-9C66-5752419CA5E7}"/>
+                <a16:creationId xmlns:a16="http://schemas.microsoft.com/office/drawing/2014/main" id="{12CB095F-F2FA-DE4B-A962-73D921102700}"/>
               </a:ext>
             </a:extLst>
           </p:cNvPr>
@@ -11296,7 +11136,7 @@
           <a:p>
             <a:r>
               <a:rPr lang="en-US" dirty="0"/>
-              <a:t>Changes</a:t>
+              <a:t>Data Types</a:t>
             </a:r>
           </a:p>
         </p:txBody>
@@ -11304,7 +11144,7 @@
     </p:spTree>
     <p:extLst>
       <p:ext uri="{BB962C8B-B14F-4D97-AF65-F5344CB8AC3E}">
-        <p14:creationId xmlns:p14="http://schemas.microsoft.com/office/powerpoint/2010/main" val="1890150800"/>
+        <p14:creationId xmlns:p14="http://schemas.microsoft.com/office/powerpoint/2010/main" val="1227333314"/>
       </p:ext>
     </p:extLst>
   </p:cSld>
@@ -11336,7 +11176,7 @@
           <p:cNvPr id="2" name="Subtitle 1">
             <a:extLst>
               <a:ext uri="{FF2B5EF4-FFF2-40B4-BE49-F238E27FC236}">
-                <a16:creationId xmlns:a16="http://schemas.microsoft.com/office/drawing/2014/main" id="{7C5AFA44-3757-D347-93D8-4FA8FFBAFB33}"/>
+                <a16:creationId xmlns:a16="http://schemas.microsoft.com/office/drawing/2014/main" id="{DA6D074F-B87C-4F4C-940C-F72EB3D7020D}"/>
               </a:ext>
             </a:extLst>
           </p:cNvPr>
@@ -11361,7 +11201,7 @@
           <p:cNvPr id="3" name="Text Placeholder 2">
             <a:extLst>
               <a:ext uri="{FF2B5EF4-FFF2-40B4-BE49-F238E27FC236}">
-                <a16:creationId xmlns:a16="http://schemas.microsoft.com/office/drawing/2014/main" id="{DFE6DA2C-DE55-8B43-BE4B-29FA34359AB0}"/>
+                <a16:creationId xmlns:a16="http://schemas.microsoft.com/office/drawing/2014/main" id="{C5CF72B8-0EA9-7F45-B44B-F281732DFFD9}"/>
               </a:ext>
             </a:extLst>
           </p:cNvPr>
@@ -11386,7 +11226,7 @@
           <p:cNvPr id="4" name="Title 3">
             <a:extLst>
               <a:ext uri="{FF2B5EF4-FFF2-40B4-BE49-F238E27FC236}">
-                <a16:creationId xmlns:a16="http://schemas.microsoft.com/office/drawing/2014/main" id="{4763A78A-C1AE-6D40-A375-990181AACD65}"/>
+                <a16:creationId xmlns:a16="http://schemas.microsoft.com/office/drawing/2014/main" id="{1B038B5B-7922-C842-9C66-5752419CA5E7}"/>
               </a:ext>
             </a:extLst>
           </p:cNvPr>
@@ -11404,20 +11244,15 @@
           <a:p>
             <a:r>
               <a:rPr lang="en-US" dirty="0"/>
-              <a:t>Reviewing the Union</a:t>
-            </a:r>
-            <a:r>
-              <a:rPr lang="en-US" baseline="0" dirty="0"/>
-              <a:t> Step</a:t>
-            </a:r>
-            <a:endParaRPr lang="en-US" dirty="0"/>
+              <a:t>Changes</a:t>
+            </a:r>
           </a:p>
         </p:txBody>
       </p:sp>
     </p:spTree>
     <p:extLst>
       <p:ext uri="{BB962C8B-B14F-4D97-AF65-F5344CB8AC3E}">
-        <p14:creationId xmlns:p14="http://schemas.microsoft.com/office/powerpoint/2010/main" val="3564736276"/>
+        <p14:creationId xmlns:p14="http://schemas.microsoft.com/office/powerpoint/2010/main" val="1890150800"/>
       </p:ext>
     </p:extLst>
   </p:cSld>
@@ -11449,7 +11284,7 @@
           <p:cNvPr id="2" name="Subtitle 1">
             <a:extLst>
               <a:ext uri="{FF2B5EF4-FFF2-40B4-BE49-F238E27FC236}">
-                <a16:creationId xmlns:a16="http://schemas.microsoft.com/office/drawing/2014/main" id="{10E586FF-BE6A-8841-8761-0711CC85F918}"/>
+                <a16:creationId xmlns:a16="http://schemas.microsoft.com/office/drawing/2014/main" id="{7C5AFA44-3757-D347-93D8-4FA8FFBAFB33}"/>
               </a:ext>
             </a:extLst>
           </p:cNvPr>
@@ -11474,7 +11309,7 @@
           <p:cNvPr id="3" name="Text Placeholder 2">
             <a:extLst>
               <a:ext uri="{FF2B5EF4-FFF2-40B4-BE49-F238E27FC236}">
-                <a16:creationId xmlns:a16="http://schemas.microsoft.com/office/drawing/2014/main" id="{8C9183B9-4A6F-934C-895F-94E4989F02C5}"/>
+                <a16:creationId xmlns:a16="http://schemas.microsoft.com/office/drawing/2014/main" id="{DFE6DA2C-DE55-8B43-BE4B-29FA34359AB0}"/>
               </a:ext>
             </a:extLst>
           </p:cNvPr>
@@ -11499,7 +11334,7 @@
           <p:cNvPr id="4" name="Title 3">
             <a:extLst>
               <a:ext uri="{FF2B5EF4-FFF2-40B4-BE49-F238E27FC236}">
-                <a16:creationId xmlns:a16="http://schemas.microsoft.com/office/drawing/2014/main" id="{9D22851B-CAA5-5841-A154-53FC902626D7}"/>
+                <a16:creationId xmlns:a16="http://schemas.microsoft.com/office/drawing/2014/main" id="{4763A78A-C1AE-6D40-A375-990181AACD65}"/>
               </a:ext>
             </a:extLst>
           </p:cNvPr>
@@ -11517,11 +11352,11 @@
           <a:p>
             <a:r>
               <a:rPr lang="en-US" dirty="0"/>
-              <a:t>Wildcard</a:t>
+              <a:t>Reviewing the Union</a:t>
             </a:r>
             <a:r>
               <a:rPr lang="en-US" baseline="0" dirty="0"/>
-              <a:t> Union Joins</a:t>
+              <a:t> Step</a:t>
             </a:r>
             <a:endParaRPr lang="en-US" dirty="0"/>
           </a:p>
@@ -11530,7 +11365,7 @@
     </p:spTree>
     <p:extLst>
       <p:ext uri="{BB962C8B-B14F-4D97-AF65-F5344CB8AC3E}">
-        <p14:creationId xmlns:p14="http://schemas.microsoft.com/office/powerpoint/2010/main" val="1700663258"/>
+        <p14:creationId xmlns:p14="http://schemas.microsoft.com/office/powerpoint/2010/main" val="3564736276"/>
       </p:ext>
     </p:extLst>
   </p:cSld>
@@ -11562,7 +11397,7 @@
           <p:cNvPr id="2" name="Subtitle 1">
             <a:extLst>
               <a:ext uri="{FF2B5EF4-FFF2-40B4-BE49-F238E27FC236}">
-                <a16:creationId xmlns:a16="http://schemas.microsoft.com/office/drawing/2014/main" id="{6AE0CC47-794E-4944-8D70-71842D295C85}"/>
+                <a16:creationId xmlns:a16="http://schemas.microsoft.com/office/drawing/2014/main" id="{10E586FF-BE6A-8841-8761-0711CC85F918}"/>
               </a:ext>
             </a:extLst>
           </p:cNvPr>
@@ -11587,7 +11422,7 @@
           <p:cNvPr id="3" name="Text Placeholder 2">
             <a:extLst>
               <a:ext uri="{FF2B5EF4-FFF2-40B4-BE49-F238E27FC236}">
-                <a16:creationId xmlns:a16="http://schemas.microsoft.com/office/drawing/2014/main" id="{E1C4BBA1-37CC-0F43-9299-BE1EE027FFEE}"/>
+                <a16:creationId xmlns:a16="http://schemas.microsoft.com/office/drawing/2014/main" id="{8C9183B9-4A6F-934C-895F-94E4989F02C5}"/>
               </a:ext>
             </a:extLst>
           </p:cNvPr>
@@ -11612,7 +11447,7 @@
           <p:cNvPr id="4" name="Title 3">
             <a:extLst>
               <a:ext uri="{FF2B5EF4-FFF2-40B4-BE49-F238E27FC236}">
-                <a16:creationId xmlns:a16="http://schemas.microsoft.com/office/drawing/2014/main" id="{F48C7965-0EC8-CF4E-94D4-3E5D48D199A8}"/>
+                <a16:creationId xmlns:a16="http://schemas.microsoft.com/office/drawing/2014/main" id="{9D22851B-CAA5-5841-A154-53FC902626D7}"/>
               </a:ext>
             </a:extLst>
           </p:cNvPr>
@@ -11630,11 +11465,11 @@
           <a:p>
             <a:r>
               <a:rPr lang="en-US" dirty="0"/>
-              <a:t>Which Is</a:t>
+              <a:t>Wildcard</a:t>
             </a:r>
             <a:r>
               <a:rPr lang="en-US" baseline="0" dirty="0"/>
-              <a:t> Better?</a:t>
+              <a:t> Union Joins</a:t>
             </a:r>
             <a:endParaRPr lang="en-US" dirty="0"/>
           </a:p>
@@ -11643,7 +11478,7 @@
     </p:spTree>
     <p:extLst>
       <p:ext uri="{BB962C8B-B14F-4D97-AF65-F5344CB8AC3E}">
-        <p14:creationId xmlns:p14="http://schemas.microsoft.com/office/powerpoint/2010/main" val="307961116"/>
+        <p14:creationId xmlns:p14="http://schemas.microsoft.com/office/powerpoint/2010/main" val="1700663258"/>
       </p:ext>
     </p:extLst>
   </p:cSld>
@@ -11675,7 +11510,7 @@
           <p:cNvPr id="2" name="Subtitle 1">
             <a:extLst>
               <a:ext uri="{FF2B5EF4-FFF2-40B4-BE49-F238E27FC236}">
-                <a16:creationId xmlns:a16="http://schemas.microsoft.com/office/drawing/2014/main" id="{BA10675A-30F9-9641-9BE5-9DE41DA7C4AD}"/>
+                <a16:creationId xmlns:a16="http://schemas.microsoft.com/office/drawing/2014/main" id="{6AE0CC47-794E-4944-8D70-71842D295C85}"/>
               </a:ext>
             </a:extLst>
           </p:cNvPr>
@@ -11700,7 +11535,7 @@
           <p:cNvPr id="3" name="Text Placeholder 2">
             <a:extLst>
               <a:ext uri="{FF2B5EF4-FFF2-40B4-BE49-F238E27FC236}">
-                <a16:creationId xmlns:a16="http://schemas.microsoft.com/office/drawing/2014/main" id="{45D6EA76-7E3D-DF4B-917A-2A04595B625A}"/>
+                <a16:creationId xmlns:a16="http://schemas.microsoft.com/office/drawing/2014/main" id="{E1C4BBA1-37CC-0F43-9299-BE1EE027FFEE}"/>
               </a:ext>
             </a:extLst>
           </p:cNvPr>
@@ -11725,7 +11560,7 @@
           <p:cNvPr id="4" name="Title 3">
             <a:extLst>
               <a:ext uri="{FF2B5EF4-FFF2-40B4-BE49-F238E27FC236}">
-                <a16:creationId xmlns:a16="http://schemas.microsoft.com/office/drawing/2014/main" id="{EC9E8605-E358-464D-AAD9-D0215FA11FBC}"/>
+                <a16:creationId xmlns:a16="http://schemas.microsoft.com/office/drawing/2014/main" id="{F48C7965-0EC8-CF4E-94D4-3E5D48D199A8}"/>
               </a:ext>
             </a:extLst>
           </p:cNvPr>
@@ -11743,15 +11578,20 @@
           <a:p>
             <a:r>
               <a:rPr lang="en-US" dirty="0"/>
-              <a:t>Module 4: Joins</a:t>
-            </a:r>
+              <a:t>Which Is</a:t>
+            </a:r>
+            <a:r>
+              <a:rPr lang="en-US" baseline="0" dirty="0"/>
+              <a:t> Better?</a:t>
+            </a:r>
+            <a:endParaRPr lang="en-US" dirty="0"/>
           </a:p>
         </p:txBody>
       </p:sp>
     </p:spTree>
     <p:extLst>
       <p:ext uri="{BB962C8B-B14F-4D97-AF65-F5344CB8AC3E}">
-        <p14:creationId xmlns:p14="http://schemas.microsoft.com/office/powerpoint/2010/main" val="1266696213"/>
+        <p14:creationId xmlns:p14="http://schemas.microsoft.com/office/powerpoint/2010/main" val="307961116"/>
       </p:ext>
     </p:extLst>
   </p:cSld>
@@ -11780,10 +11620,10 @@
       </p:grpSpPr>
       <p:sp>
         <p:nvSpPr>
-          <p:cNvPr id="2" name="Subtitle 1">
+          <p:cNvPr id="4" name="Title 3">
             <a:extLst>
               <a:ext uri="{FF2B5EF4-FFF2-40B4-BE49-F238E27FC236}">
-                <a16:creationId xmlns:a16="http://schemas.microsoft.com/office/drawing/2014/main" id="{5F844C00-2365-8C42-9B8E-2EE752FA5167}"/>
+                <a16:creationId xmlns:a16="http://schemas.microsoft.com/office/drawing/2014/main" id="{EC9E8605-E358-464D-AAD9-D0215FA11FBC}"/>
               </a:ext>
             </a:extLst>
           </p:cNvPr>
@@ -11791,56 +11631,6 @@
             <a:spLocks noGrp="1"/>
           </p:cNvSpPr>
           <p:nvPr>
-            <p:ph type="subTitle" idx="1"/>
-          </p:nvPr>
-        </p:nvSpPr>
-        <p:spPr/>
-        <p:txBody>
-          <a:bodyPr/>
-          <a:lstStyle/>
-          <a:p>
-            <a:endParaRPr lang="en-US"/>
-          </a:p>
-        </p:txBody>
-      </p:sp>
-      <p:sp>
-        <p:nvSpPr>
-          <p:cNvPr id="3" name="Text Placeholder 2">
-            <a:extLst>
-              <a:ext uri="{FF2B5EF4-FFF2-40B4-BE49-F238E27FC236}">
-                <a16:creationId xmlns:a16="http://schemas.microsoft.com/office/drawing/2014/main" id="{CC5EDF85-B4DA-D74A-A46B-499695758923}"/>
-              </a:ext>
-            </a:extLst>
-          </p:cNvPr>
-          <p:cNvSpPr>
-            <a:spLocks noGrp="1"/>
-          </p:cNvSpPr>
-          <p:nvPr>
-            <p:ph type="body" sz="quarter" idx="11"/>
-          </p:nvPr>
-        </p:nvSpPr>
-        <p:spPr/>
-        <p:txBody>
-          <a:bodyPr/>
-          <a:lstStyle/>
-          <a:p>
-            <a:endParaRPr lang="en-US"/>
-          </a:p>
-        </p:txBody>
-      </p:sp>
-      <p:sp>
-        <p:nvSpPr>
-          <p:cNvPr id="4" name="Title 3">
-            <a:extLst>
-              <a:ext uri="{FF2B5EF4-FFF2-40B4-BE49-F238E27FC236}">
-                <a16:creationId xmlns:a16="http://schemas.microsoft.com/office/drawing/2014/main" id="{E5F5CC58-AE7F-E341-A1DB-0D166A32EC89}"/>
-              </a:ext>
-            </a:extLst>
-          </p:cNvPr>
-          <p:cNvSpPr>
-            <a:spLocks noGrp="1"/>
-          </p:cNvSpPr>
-          <p:nvPr>
             <p:ph type="title"/>
           </p:nvPr>
         </p:nvSpPr>
@@ -11851,7 +11641,7 @@
           <a:p>
             <a:r>
               <a:rPr lang="en-US" dirty="0"/>
-              <a:t>What is a Table?</a:t>
+              <a:t>Module 4: Joins</a:t>
             </a:r>
           </a:p>
         </p:txBody>
@@ -11859,7 +11649,7 @@
     </p:spTree>
     <p:extLst>
       <p:ext uri="{BB962C8B-B14F-4D97-AF65-F5344CB8AC3E}">
-        <p14:creationId xmlns:p14="http://schemas.microsoft.com/office/powerpoint/2010/main" val="2545081252"/>
+        <p14:creationId xmlns:p14="http://schemas.microsoft.com/office/powerpoint/2010/main" val="1266696213"/>
       </p:ext>
     </p:extLst>
   </p:cSld>
@@ -11891,7 +11681,7 @@
           <p:cNvPr id="2" name="Subtitle 1">
             <a:extLst>
               <a:ext uri="{FF2B5EF4-FFF2-40B4-BE49-F238E27FC236}">
-                <a16:creationId xmlns:a16="http://schemas.microsoft.com/office/drawing/2014/main" id="{423D4CE7-A624-1F49-B9F9-D86681FE8855}"/>
+                <a16:creationId xmlns:a16="http://schemas.microsoft.com/office/drawing/2014/main" id="{5F844C00-2365-8C42-9B8E-2EE752FA5167}"/>
               </a:ext>
             </a:extLst>
           </p:cNvPr>
@@ -11916,7 +11706,7 @@
           <p:cNvPr id="3" name="Text Placeholder 2">
             <a:extLst>
               <a:ext uri="{FF2B5EF4-FFF2-40B4-BE49-F238E27FC236}">
-                <a16:creationId xmlns:a16="http://schemas.microsoft.com/office/drawing/2014/main" id="{8D6C3E21-876D-1D42-9F86-BF55739AEBC8}"/>
+                <a16:creationId xmlns:a16="http://schemas.microsoft.com/office/drawing/2014/main" id="{CC5EDF85-B4DA-D74A-A46B-499695758923}"/>
               </a:ext>
             </a:extLst>
           </p:cNvPr>
@@ -11941,7 +11731,7 @@
           <p:cNvPr id="4" name="Title 3">
             <a:extLst>
               <a:ext uri="{FF2B5EF4-FFF2-40B4-BE49-F238E27FC236}">
-                <a16:creationId xmlns:a16="http://schemas.microsoft.com/office/drawing/2014/main" id="{A4A2B281-DC7F-FE4E-81DA-200FBDA2A690}"/>
+                <a16:creationId xmlns:a16="http://schemas.microsoft.com/office/drawing/2014/main" id="{E5F5CC58-AE7F-E341-A1DB-0D166A32EC89}"/>
               </a:ext>
             </a:extLst>
           </p:cNvPr>
@@ -11959,7 +11749,7 @@
           <a:p>
             <a:r>
               <a:rPr lang="en-US" dirty="0"/>
-              <a:t>Equijoins</a:t>
+              <a:t>What is a Table?</a:t>
             </a:r>
           </a:p>
         </p:txBody>
@@ -11967,7 +11757,7 @@
     </p:spTree>
     <p:extLst>
       <p:ext uri="{BB962C8B-B14F-4D97-AF65-F5344CB8AC3E}">
-        <p14:creationId xmlns:p14="http://schemas.microsoft.com/office/powerpoint/2010/main" val="1488510711"/>
+        <p14:creationId xmlns:p14="http://schemas.microsoft.com/office/powerpoint/2010/main" val="2545081252"/>
       </p:ext>
     </p:extLst>
   </p:cSld>
@@ -11999,7 +11789,7 @@
           <p:cNvPr id="2" name="Subtitle 1">
             <a:extLst>
               <a:ext uri="{FF2B5EF4-FFF2-40B4-BE49-F238E27FC236}">
-                <a16:creationId xmlns:a16="http://schemas.microsoft.com/office/drawing/2014/main" id="{37953D94-6636-EB4D-B539-DC5B6D267A0B}"/>
+                <a16:creationId xmlns:a16="http://schemas.microsoft.com/office/drawing/2014/main" id="{423D4CE7-A624-1F49-B9F9-D86681FE8855}"/>
               </a:ext>
             </a:extLst>
           </p:cNvPr>
@@ -12024,7 +11814,7 @@
           <p:cNvPr id="3" name="Text Placeholder 2">
             <a:extLst>
               <a:ext uri="{FF2B5EF4-FFF2-40B4-BE49-F238E27FC236}">
-                <a16:creationId xmlns:a16="http://schemas.microsoft.com/office/drawing/2014/main" id="{88191254-061B-3E43-9347-C296346C809B}"/>
+                <a16:creationId xmlns:a16="http://schemas.microsoft.com/office/drawing/2014/main" id="{8D6C3E21-876D-1D42-9F86-BF55739AEBC8}"/>
               </a:ext>
             </a:extLst>
           </p:cNvPr>
@@ -12049,7 +11839,7 @@
           <p:cNvPr id="4" name="Title 3">
             <a:extLst>
               <a:ext uri="{FF2B5EF4-FFF2-40B4-BE49-F238E27FC236}">
-                <a16:creationId xmlns:a16="http://schemas.microsoft.com/office/drawing/2014/main" id="{E16B13A9-922B-DA4A-9F55-8E286CBCB4F9}"/>
+                <a16:creationId xmlns:a16="http://schemas.microsoft.com/office/drawing/2014/main" id="{A4A2B281-DC7F-FE4E-81DA-200FBDA2A690}"/>
               </a:ext>
             </a:extLst>
           </p:cNvPr>
@@ -12067,7 +11857,7 @@
           <a:p>
             <a:r>
               <a:rPr lang="en-US" dirty="0"/>
-              <a:t>Join Types</a:t>
+              <a:t>Equijoins</a:t>
             </a:r>
           </a:p>
         </p:txBody>
@@ -12075,7 +11865,7 @@
     </p:spTree>
     <p:extLst>
       <p:ext uri="{BB962C8B-B14F-4D97-AF65-F5344CB8AC3E}">
-        <p14:creationId xmlns:p14="http://schemas.microsoft.com/office/powerpoint/2010/main" val="2594980728"/>
+        <p14:creationId xmlns:p14="http://schemas.microsoft.com/office/powerpoint/2010/main" val="1488510711"/>
       </p:ext>
     </p:extLst>
   </p:cSld>
@@ -12107,7 +11897,7 @@
           <p:cNvPr id="2" name="Subtitle 1">
             <a:extLst>
               <a:ext uri="{FF2B5EF4-FFF2-40B4-BE49-F238E27FC236}">
-                <a16:creationId xmlns:a16="http://schemas.microsoft.com/office/drawing/2014/main" id="{21E6FD3F-3A28-AA47-A971-90E2F63E6D64}"/>
+                <a16:creationId xmlns:a16="http://schemas.microsoft.com/office/drawing/2014/main" id="{37953D94-6636-EB4D-B539-DC5B6D267A0B}"/>
               </a:ext>
             </a:extLst>
           </p:cNvPr>
@@ -12132,7 +11922,7 @@
           <p:cNvPr id="3" name="Text Placeholder 2">
             <a:extLst>
               <a:ext uri="{FF2B5EF4-FFF2-40B4-BE49-F238E27FC236}">
-                <a16:creationId xmlns:a16="http://schemas.microsoft.com/office/drawing/2014/main" id="{B165E966-009A-0B46-A81C-B42539BA9554}"/>
+                <a16:creationId xmlns:a16="http://schemas.microsoft.com/office/drawing/2014/main" id="{88191254-061B-3E43-9347-C296346C809B}"/>
               </a:ext>
             </a:extLst>
           </p:cNvPr>
@@ -12157,7 +11947,7 @@
           <p:cNvPr id="4" name="Title 3">
             <a:extLst>
               <a:ext uri="{FF2B5EF4-FFF2-40B4-BE49-F238E27FC236}">
-                <a16:creationId xmlns:a16="http://schemas.microsoft.com/office/drawing/2014/main" id="{B6793C40-AB58-464E-89C2-B817BED1ECC5}"/>
+                <a16:creationId xmlns:a16="http://schemas.microsoft.com/office/drawing/2014/main" id="{E16B13A9-922B-DA4A-9F55-8E286CBCB4F9}"/>
               </a:ext>
             </a:extLst>
           </p:cNvPr>
@@ -12175,7 +11965,7 @@
           <a:p>
             <a:r>
               <a:rPr lang="en-US" dirty="0"/>
-              <a:t>Inner Joins</a:t>
+              <a:t>Join Types</a:t>
             </a:r>
           </a:p>
         </p:txBody>
@@ -12183,7 +11973,7 @@
     </p:spTree>
     <p:extLst>
       <p:ext uri="{BB962C8B-B14F-4D97-AF65-F5344CB8AC3E}">
-        <p14:creationId xmlns:p14="http://schemas.microsoft.com/office/powerpoint/2010/main" val="570540719"/>
+        <p14:creationId xmlns:p14="http://schemas.microsoft.com/office/powerpoint/2010/main" val="2594980728"/>
       </p:ext>
     </p:extLst>
   </p:cSld>
@@ -12761,7 +12551,7 @@
           <p:cNvPr id="2" name="Subtitle 1">
             <a:extLst>
               <a:ext uri="{FF2B5EF4-FFF2-40B4-BE49-F238E27FC236}">
-                <a16:creationId xmlns:a16="http://schemas.microsoft.com/office/drawing/2014/main" id="{C0FDDA91-6F16-474A-B2C2-D541B2C6DC11}"/>
+                <a16:creationId xmlns:a16="http://schemas.microsoft.com/office/drawing/2014/main" id="{21E6FD3F-3A28-AA47-A971-90E2F63E6D64}"/>
               </a:ext>
             </a:extLst>
           </p:cNvPr>
@@ -12786,7 +12576,7 @@
           <p:cNvPr id="3" name="Text Placeholder 2">
             <a:extLst>
               <a:ext uri="{FF2B5EF4-FFF2-40B4-BE49-F238E27FC236}">
-                <a16:creationId xmlns:a16="http://schemas.microsoft.com/office/drawing/2014/main" id="{44800744-B562-7D4D-95DC-16B212585877}"/>
+                <a16:creationId xmlns:a16="http://schemas.microsoft.com/office/drawing/2014/main" id="{B165E966-009A-0B46-A81C-B42539BA9554}"/>
               </a:ext>
             </a:extLst>
           </p:cNvPr>
@@ -12811,7 +12601,7 @@
           <p:cNvPr id="4" name="Title 3">
             <a:extLst>
               <a:ext uri="{FF2B5EF4-FFF2-40B4-BE49-F238E27FC236}">
-                <a16:creationId xmlns:a16="http://schemas.microsoft.com/office/drawing/2014/main" id="{3851C2E4-3439-FC42-92E4-8AD466B1C754}"/>
+                <a16:creationId xmlns:a16="http://schemas.microsoft.com/office/drawing/2014/main" id="{B6793C40-AB58-464E-89C2-B817BED1ECC5}"/>
               </a:ext>
             </a:extLst>
           </p:cNvPr>
@@ -12829,7 +12619,7 @@
           <a:p>
             <a:r>
               <a:rPr lang="en-US" dirty="0"/>
-              <a:t>Left Joins</a:t>
+              <a:t>Inner Joins</a:t>
             </a:r>
           </a:p>
         </p:txBody>
@@ -12837,7 +12627,7 @@
     </p:spTree>
     <p:extLst>
       <p:ext uri="{BB962C8B-B14F-4D97-AF65-F5344CB8AC3E}">
-        <p14:creationId xmlns:p14="http://schemas.microsoft.com/office/powerpoint/2010/main" val="600015680"/>
+        <p14:creationId xmlns:p14="http://schemas.microsoft.com/office/powerpoint/2010/main" val="570540719"/>
       </p:ext>
     </p:extLst>
   </p:cSld>
@@ -12869,7 +12659,7 @@
           <p:cNvPr id="2" name="Subtitle 1">
             <a:extLst>
               <a:ext uri="{FF2B5EF4-FFF2-40B4-BE49-F238E27FC236}">
-                <a16:creationId xmlns:a16="http://schemas.microsoft.com/office/drawing/2014/main" id="{764E9717-32A5-204C-99BF-6241B2BA2C91}"/>
+                <a16:creationId xmlns:a16="http://schemas.microsoft.com/office/drawing/2014/main" id="{C0FDDA91-6F16-474A-B2C2-D541B2C6DC11}"/>
               </a:ext>
             </a:extLst>
           </p:cNvPr>
@@ -12894,7 +12684,7 @@
           <p:cNvPr id="3" name="Text Placeholder 2">
             <a:extLst>
               <a:ext uri="{FF2B5EF4-FFF2-40B4-BE49-F238E27FC236}">
-                <a16:creationId xmlns:a16="http://schemas.microsoft.com/office/drawing/2014/main" id="{96990DFE-A586-E247-815B-802AB3CE06D3}"/>
+                <a16:creationId xmlns:a16="http://schemas.microsoft.com/office/drawing/2014/main" id="{44800744-B562-7D4D-95DC-16B212585877}"/>
               </a:ext>
             </a:extLst>
           </p:cNvPr>
@@ -12919,7 +12709,7 @@
           <p:cNvPr id="4" name="Title 3">
             <a:extLst>
               <a:ext uri="{FF2B5EF4-FFF2-40B4-BE49-F238E27FC236}">
-                <a16:creationId xmlns:a16="http://schemas.microsoft.com/office/drawing/2014/main" id="{4C84724E-AE55-6B42-B5F9-3AF88CAEA3CD}"/>
+                <a16:creationId xmlns:a16="http://schemas.microsoft.com/office/drawing/2014/main" id="{3851C2E4-3439-FC42-92E4-8AD466B1C754}"/>
               </a:ext>
             </a:extLst>
           </p:cNvPr>
@@ -12937,7 +12727,7 @@
           <a:p>
             <a:r>
               <a:rPr lang="en-US" dirty="0"/>
-              <a:t>Right Joins</a:t>
+              <a:t>Left Joins</a:t>
             </a:r>
           </a:p>
         </p:txBody>
@@ -12945,7 +12735,7 @@
     </p:spTree>
     <p:extLst>
       <p:ext uri="{BB962C8B-B14F-4D97-AF65-F5344CB8AC3E}">
-        <p14:creationId xmlns:p14="http://schemas.microsoft.com/office/powerpoint/2010/main" val="2679670341"/>
+        <p14:creationId xmlns:p14="http://schemas.microsoft.com/office/powerpoint/2010/main" val="600015680"/>
       </p:ext>
     </p:extLst>
   </p:cSld>
@@ -12977,7 +12767,7 @@
           <p:cNvPr id="2" name="Subtitle 1">
             <a:extLst>
               <a:ext uri="{FF2B5EF4-FFF2-40B4-BE49-F238E27FC236}">
-                <a16:creationId xmlns:a16="http://schemas.microsoft.com/office/drawing/2014/main" id="{3BF363DC-AFB9-5747-892F-AAA5BD482BDD}"/>
+                <a16:creationId xmlns:a16="http://schemas.microsoft.com/office/drawing/2014/main" id="{764E9717-32A5-204C-99BF-6241B2BA2C91}"/>
               </a:ext>
             </a:extLst>
           </p:cNvPr>
@@ -13002,7 +12792,7 @@
           <p:cNvPr id="3" name="Text Placeholder 2">
             <a:extLst>
               <a:ext uri="{FF2B5EF4-FFF2-40B4-BE49-F238E27FC236}">
-                <a16:creationId xmlns:a16="http://schemas.microsoft.com/office/drawing/2014/main" id="{AB12E9FE-045D-9446-9034-B6BD944C8BC5}"/>
+                <a16:creationId xmlns:a16="http://schemas.microsoft.com/office/drawing/2014/main" id="{96990DFE-A586-E247-815B-802AB3CE06D3}"/>
               </a:ext>
             </a:extLst>
           </p:cNvPr>
@@ -13027,7 +12817,7 @@
           <p:cNvPr id="4" name="Title 3">
             <a:extLst>
               <a:ext uri="{FF2B5EF4-FFF2-40B4-BE49-F238E27FC236}">
-                <a16:creationId xmlns:a16="http://schemas.microsoft.com/office/drawing/2014/main" id="{1BED0FA6-ED76-7E49-AC9D-C3AD978AA6E4}"/>
+                <a16:creationId xmlns:a16="http://schemas.microsoft.com/office/drawing/2014/main" id="{4C84724E-AE55-6B42-B5F9-3AF88CAEA3CD}"/>
               </a:ext>
             </a:extLst>
           </p:cNvPr>
@@ -13045,7 +12835,7 @@
           <a:p>
             <a:r>
               <a:rPr lang="en-US" dirty="0"/>
-              <a:t>Outer Joins</a:t>
+              <a:t>Right Joins</a:t>
             </a:r>
           </a:p>
         </p:txBody>
@@ -13053,7 +12843,7 @@
     </p:spTree>
     <p:extLst>
       <p:ext uri="{BB962C8B-B14F-4D97-AF65-F5344CB8AC3E}">
-        <p14:creationId xmlns:p14="http://schemas.microsoft.com/office/powerpoint/2010/main" val="1136354697"/>
+        <p14:creationId xmlns:p14="http://schemas.microsoft.com/office/powerpoint/2010/main" val="2679670341"/>
       </p:ext>
     </p:extLst>
   </p:cSld>
@@ -13085,7 +12875,7 @@
           <p:cNvPr id="2" name="Subtitle 1">
             <a:extLst>
               <a:ext uri="{FF2B5EF4-FFF2-40B4-BE49-F238E27FC236}">
-                <a16:creationId xmlns:a16="http://schemas.microsoft.com/office/drawing/2014/main" id="{D6CE2481-2E49-BB44-9D6E-A58E29003D70}"/>
+                <a16:creationId xmlns:a16="http://schemas.microsoft.com/office/drawing/2014/main" id="{3BF363DC-AFB9-5747-892F-AAA5BD482BDD}"/>
               </a:ext>
             </a:extLst>
           </p:cNvPr>
@@ -13110,7 +12900,7 @@
           <p:cNvPr id="3" name="Text Placeholder 2">
             <a:extLst>
               <a:ext uri="{FF2B5EF4-FFF2-40B4-BE49-F238E27FC236}">
-                <a16:creationId xmlns:a16="http://schemas.microsoft.com/office/drawing/2014/main" id="{85D1720F-4013-894E-8999-1DE42EA799D1}"/>
+                <a16:creationId xmlns:a16="http://schemas.microsoft.com/office/drawing/2014/main" id="{AB12E9FE-045D-9446-9034-B6BD944C8BC5}"/>
               </a:ext>
             </a:extLst>
           </p:cNvPr>
@@ -13135,7 +12925,7 @@
           <p:cNvPr id="4" name="Title 3">
             <a:extLst>
               <a:ext uri="{FF2B5EF4-FFF2-40B4-BE49-F238E27FC236}">
-                <a16:creationId xmlns:a16="http://schemas.microsoft.com/office/drawing/2014/main" id="{F40906B0-F382-D94A-99D7-F0A5538FEFF2}"/>
+                <a16:creationId xmlns:a16="http://schemas.microsoft.com/office/drawing/2014/main" id="{1BED0FA6-ED76-7E49-AC9D-C3AD978AA6E4}"/>
               </a:ext>
             </a:extLst>
           </p:cNvPr>
@@ -13153,20 +12943,15 @@
           <a:p>
             <a:r>
               <a:rPr lang="en-US" dirty="0"/>
-              <a:t>The Shape of Your</a:t>
-            </a:r>
-            <a:r>
-              <a:rPr lang="en-US" baseline="0" dirty="0"/>
-              <a:t> Data</a:t>
-            </a:r>
-            <a:endParaRPr lang="en-US" dirty="0"/>
+              <a:t>Outer Joins</a:t>
+            </a:r>
           </a:p>
         </p:txBody>
       </p:sp>
     </p:spTree>
     <p:extLst>
       <p:ext uri="{BB962C8B-B14F-4D97-AF65-F5344CB8AC3E}">
-        <p14:creationId xmlns:p14="http://schemas.microsoft.com/office/powerpoint/2010/main" val="3021186209"/>
+        <p14:creationId xmlns:p14="http://schemas.microsoft.com/office/powerpoint/2010/main" val="1136354697"/>
       </p:ext>
     </p:extLst>
   </p:cSld>
@@ -13198,7 +12983,7 @@
           <p:cNvPr id="2" name="Subtitle 1">
             <a:extLst>
               <a:ext uri="{FF2B5EF4-FFF2-40B4-BE49-F238E27FC236}">
-                <a16:creationId xmlns:a16="http://schemas.microsoft.com/office/drawing/2014/main" id="{9D046E31-E6B2-424A-AD01-24DC6A841514}"/>
+                <a16:creationId xmlns:a16="http://schemas.microsoft.com/office/drawing/2014/main" id="{D6CE2481-2E49-BB44-9D6E-A58E29003D70}"/>
               </a:ext>
             </a:extLst>
           </p:cNvPr>
@@ -13223,7 +13008,7 @@
           <p:cNvPr id="3" name="Text Placeholder 2">
             <a:extLst>
               <a:ext uri="{FF2B5EF4-FFF2-40B4-BE49-F238E27FC236}">
-                <a16:creationId xmlns:a16="http://schemas.microsoft.com/office/drawing/2014/main" id="{1ABADC0C-5EB1-E742-9C50-DC80F72FCAC8}"/>
+                <a16:creationId xmlns:a16="http://schemas.microsoft.com/office/drawing/2014/main" id="{85D1720F-4013-894E-8999-1DE42EA799D1}"/>
               </a:ext>
             </a:extLst>
           </p:cNvPr>
@@ -13248,7 +13033,7 @@
           <p:cNvPr id="4" name="Title 3">
             <a:extLst>
               <a:ext uri="{FF2B5EF4-FFF2-40B4-BE49-F238E27FC236}">
-                <a16:creationId xmlns:a16="http://schemas.microsoft.com/office/drawing/2014/main" id="{91923162-363D-1B4C-8F78-0991C5D9D29E}"/>
+                <a16:creationId xmlns:a16="http://schemas.microsoft.com/office/drawing/2014/main" id="{F40906B0-F382-D94A-99D7-F0A5538FEFF2}"/>
               </a:ext>
             </a:extLst>
           </p:cNvPr>
@@ -13266,15 +13051,20 @@
           <a:p>
             <a:r>
               <a:rPr lang="en-US" dirty="0"/>
-              <a:t>Missing Data</a:t>
-            </a:r>
+              <a:t>The Shape of Your</a:t>
+            </a:r>
+            <a:r>
+              <a:rPr lang="en-US" baseline="0" dirty="0"/>
+              <a:t> Data</a:t>
+            </a:r>
+            <a:endParaRPr lang="en-US" dirty="0"/>
           </a:p>
         </p:txBody>
       </p:sp>
     </p:spTree>
     <p:extLst>
       <p:ext uri="{BB962C8B-B14F-4D97-AF65-F5344CB8AC3E}">
-        <p14:creationId xmlns:p14="http://schemas.microsoft.com/office/powerpoint/2010/main" val="3069741555"/>
+        <p14:creationId xmlns:p14="http://schemas.microsoft.com/office/powerpoint/2010/main" val="3021186209"/>
       </p:ext>
     </p:extLst>
   </p:cSld>
@@ -13306,7 +13096,7 @@
           <p:cNvPr id="2" name="Subtitle 1">
             <a:extLst>
               <a:ext uri="{FF2B5EF4-FFF2-40B4-BE49-F238E27FC236}">
-                <a16:creationId xmlns:a16="http://schemas.microsoft.com/office/drawing/2014/main" id="{A5058F48-D219-7545-9150-CF37C9DA6679}"/>
+                <a16:creationId xmlns:a16="http://schemas.microsoft.com/office/drawing/2014/main" id="{9D046E31-E6B2-424A-AD01-24DC6A841514}"/>
               </a:ext>
             </a:extLst>
           </p:cNvPr>
@@ -13331,7 +13121,7 @@
           <p:cNvPr id="3" name="Text Placeholder 2">
             <a:extLst>
               <a:ext uri="{FF2B5EF4-FFF2-40B4-BE49-F238E27FC236}">
-                <a16:creationId xmlns:a16="http://schemas.microsoft.com/office/drawing/2014/main" id="{1FDFA2B8-FC1D-D24E-92AF-C85916024258}"/>
+                <a16:creationId xmlns:a16="http://schemas.microsoft.com/office/drawing/2014/main" id="{1ABADC0C-5EB1-E742-9C50-DC80F72FCAC8}"/>
               </a:ext>
             </a:extLst>
           </p:cNvPr>
@@ -13356,7 +13146,7 @@
           <p:cNvPr id="4" name="Title 3">
             <a:extLst>
               <a:ext uri="{FF2B5EF4-FFF2-40B4-BE49-F238E27FC236}">
-                <a16:creationId xmlns:a16="http://schemas.microsoft.com/office/drawing/2014/main" id="{261279C3-A262-E741-8313-4A5E1F8CEAAE}"/>
+                <a16:creationId xmlns:a16="http://schemas.microsoft.com/office/drawing/2014/main" id="{91923162-363D-1B4C-8F78-0991C5D9D29E}"/>
               </a:ext>
             </a:extLst>
           </p:cNvPr>
@@ -13374,20 +13164,15 @@
           <a:p>
             <a:r>
               <a:rPr lang="en-US" dirty="0"/>
-              <a:t>Finding</a:t>
-            </a:r>
-            <a:r>
-              <a:rPr lang="en-US" baseline="0" dirty="0"/>
-              <a:t> Missing Records</a:t>
-            </a:r>
-            <a:endParaRPr lang="en-US" dirty="0"/>
+              <a:t>Missing Data</a:t>
+            </a:r>
           </a:p>
         </p:txBody>
       </p:sp>
     </p:spTree>
     <p:extLst>
       <p:ext uri="{BB962C8B-B14F-4D97-AF65-F5344CB8AC3E}">
-        <p14:creationId xmlns:p14="http://schemas.microsoft.com/office/powerpoint/2010/main" val="4028250988"/>
+        <p14:creationId xmlns:p14="http://schemas.microsoft.com/office/powerpoint/2010/main" val="3069741555"/>
       </p:ext>
     </p:extLst>
   </p:cSld>
@@ -13419,7 +13204,7 @@
           <p:cNvPr id="2" name="Subtitle 1">
             <a:extLst>
               <a:ext uri="{FF2B5EF4-FFF2-40B4-BE49-F238E27FC236}">
-                <a16:creationId xmlns:a16="http://schemas.microsoft.com/office/drawing/2014/main" id="{383E0E86-9364-D544-9A33-2CBCED5E4D08}"/>
+                <a16:creationId xmlns:a16="http://schemas.microsoft.com/office/drawing/2014/main" id="{A5058F48-D219-7545-9150-CF37C9DA6679}"/>
               </a:ext>
             </a:extLst>
           </p:cNvPr>
@@ -13444,7 +13229,7 @@
           <p:cNvPr id="3" name="Text Placeholder 2">
             <a:extLst>
               <a:ext uri="{FF2B5EF4-FFF2-40B4-BE49-F238E27FC236}">
-                <a16:creationId xmlns:a16="http://schemas.microsoft.com/office/drawing/2014/main" id="{6E386924-6B21-1B45-93FB-2073DC8EA8B5}"/>
+                <a16:creationId xmlns:a16="http://schemas.microsoft.com/office/drawing/2014/main" id="{1FDFA2B8-FC1D-D24E-92AF-C85916024258}"/>
               </a:ext>
             </a:extLst>
           </p:cNvPr>
@@ -13469,7 +13254,7 @@
           <p:cNvPr id="4" name="Title 3">
             <a:extLst>
               <a:ext uri="{FF2B5EF4-FFF2-40B4-BE49-F238E27FC236}">
-                <a16:creationId xmlns:a16="http://schemas.microsoft.com/office/drawing/2014/main" id="{5F8B3FAC-76B5-1B44-ACE1-4D3D0E1DE523}"/>
+                <a16:creationId xmlns:a16="http://schemas.microsoft.com/office/drawing/2014/main" id="{261279C3-A262-E741-8313-4A5E1F8CEAAE}"/>
               </a:ext>
             </a:extLst>
           </p:cNvPr>
@@ -13487,15 +13272,20 @@
           <a:p>
             <a:r>
               <a:rPr lang="en-US" dirty="0"/>
-              <a:t>Bringing It All Together</a:t>
-            </a:r>
+              <a:t>Finding</a:t>
+            </a:r>
+            <a:r>
+              <a:rPr lang="en-US" baseline="0" dirty="0"/>
+              <a:t> Missing Records</a:t>
+            </a:r>
+            <a:endParaRPr lang="en-US" dirty="0"/>
           </a:p>
         </p:txBody>
       </p:sp>
     </p:spTree>
     <p:extLst>
       <p:ext uri="{BB962C8B-B14F-4D97-AF65-F5344CB8AC3E}">
-        <p14:creationId xmlns:p14="http://schemas.microsoft.com/office/powerpoint/2010/main" val="130460662"/>
+        <p14:creationId xmlns:p14="http://schemas.microsoft.com/office/powerpoint/2010/main" val="4028250988"/>
       </p:ext>
     </p:extLst>
   </p:cSld>
@@ -13527,7 +13317,7 @@
           <p:cNvPr id="2" name="Subtitle 1">
             <a:extLst>
               <a:ext uri="{FF2B5EF4-FFF2-40B4-BE49-F238E27FC236}">
-                <a16:creationId xmlns:a16="http://schemas.microsoft.com/office/drawing/2014/main" id="{2D5E834E-5B7A-2B4E-B858-B6A32B587303}"/>
+                <a16:creationId xmlns:a16="http://schemas.microsoft.com/office/drawing/2014/main" id="{383E0E86-9364-D544-9A33-2CBCED5E4D08}"/>
               </a:ext>
             </a:extLst>
           </p:cNvPr>
@@ -13552,7 +13342,7 @@
           <p:cNvPr id="3" name="Text Placeholder 2">
             <a:extLst>
               <a:ext uri="{FF2B5EF4-FFF2-40B4-BE49-F238E27FC236}">
-                <a16:creationId xmlns:a16="http://schemas.microsoft.com/office/drawing/2014/main" id="{A4443088-FEA6-234B-AB99-42466F3677BE}"/>
+                <a16:creationId xmlns:a16="http://schemas.microsoft.com/office/drawing/2014/main" id="{6E386924-6B21-1B45-93FB-2073DC8EA8B5}"/>
               </a:ext>
             </a:extLst>
           </p:cNvPr>
@@ -13577,7 +13367,7 @@
           <p:cNvPr id="4" name="Title 3">
             <a:extLst>
               <a:ext uri="{FF2B5EF4-FFF2-40B4-BE49-F238E27FC236}">
-                <a16:creationId xmlns:a16="http://schemas.microsoft.com/office/drawing/2014/main" id="{179C3DEC-70AC-AB42-BEB7-99CBEAF719E4}"/>
+                <a16:creationId xmlns:a16="http://schemas.microsoft.com/office/drawing/2014/main" id="{5F8B3FAC-76B5-1B44-ACE1-4D3D0E1DE523}"/>
               </a:ext>
             </a:extLst>
           </p:cNvPr>
@@ -13595,7 +13385,7 @@
           <a:p>
             <a:r>
               <a:rPr lang="en-US" dirty="0"/>
-              <a:t>Join Clause Recommendations</a:t>
+              <a:t>Bringing It All Together</a:t>
             </a:r>
           </a:p>
         </p:txBody>
@@ -13603,7 +13393,7 @@
     </p:spTree>
     <p:extLst>
       <p:ext uri="{BB962C8B-B14F-4D97-AF65-F5344CB8AC3E}">
-        <p14:creationId xmlns:p14="http://schemas.microsoft.com/office/powerpoint/2010/main" val="614002757"/>
+        <p14:creationId xmlns:p14="http://schemas.microsoft.com/office/powerpoint/2010/main" val="130460662"/>
       </p:ext>
     </p:extLst>
   </p:cSld>
@@ -13632,10 +13422,60 @@
       </p:grpSpPr>
       <p:sp>
         <p:nvSpPr>
+          <p:cNvPr id="2" name="Subtitle 1">
+            <a:extLst>
+              <a:ext uri="{FF2B5EF4-FFF2-40B4-BE49-F238E27FC236}">
+                <a16:creationId xmlns:a16="http://schemas.microsoft.com/office/drawing/2014/main" id="{2D5E834E-5B7A-2B4E-B858-B6A32B587303}"/>
+              </a:ext>
+            </a:extLst>
+          </p:cNvPr>
+          <p:cNvSpPr>
+            <a:spLocks noGrp="1"/>
+          </p:cNvSpPr>
+          <p:nvPr>
+            <p:ph type="subTitle" idx="1"/>
+          </p:nvPr>
+        </p:nvSpPr>
+        <p:spPr/>
+        <p:txBody>
+          <a:bodyPr/>
+          <a:lstStyle/>
+          <a:p>
+            <a:endParaRPr lang="en-US"/>
+          </a:p>
+        </p:txBody>
+      </p:sp>
+      <p:sp>
+        <p:nvSpPr>
+          <p:cNvPr id="3" name="Text Placeholder 2">
+            <a:extLst>
+              <a:ext uri="{FF2B5EF4-FFF2-40B4-BE49-F238E27FC236}">
+                <a16:creationId xmlns:a16="http://schemas.microsoft.com/office/drawing/2014/main" id="{A4443088-FEA6-234B-AB99-42466F3677BE}"/>
+              </a:ext>
+            </a:extLst>
+          </p:cNvPr>
+          <p:cNvSpPr>
+            <a:spLocks noGrp="1"/>
+          </p:cNvSpPr>
+          <p:nvPr>
+            <p:ph type="body" sz="quarter" idx="11"/>
+          </p:nvPr>
+        </p:nvSpPr>
+        <p:spPr/>
+        <p:txBody>
+          <a:bodyPr/>
+          <a:lstStyle/>
+          <a:p>
+            <a:endParaRPr lang="en-US"/>
+          </a:p>
+        </p:txBody>
+      </p:sp>
+      <p:sp>
+        <p:nvSpPr>
           <p:cNvPr id="4" name="Title 3">
             <a:extLst>
               <a:ext uri="{FF2B5EF4-FFF2-40B4-BE49-F238E27FC236}">
-                <a16:creationId xmlns:a16="http://schemas.microsoft.com/office/drawing/2014/main" id="{1E6D96E9-B635-0245-9098-C1FAA390A091}"/>
+                <a16:creationId xmlns:a16="http://schemas.microsoft.com/office/drawing/2014/main" id="{179C3DEC-70AC-AB42-BEB7-99CBEAF719E4}"/>
               </a:ext>
             </a:extLst>
           </p:cNvPr>
@@ -13653,7 +13493,7 @@
           <a:p>
             <a:r>
               <a:rPr lang="en-US" dirty="0"/>
-              <a:t>Part II: Transform</a:t>
+              <a:t>Join Clause Recommendations</a:t>
             </a:r>
           </a:p>
         </p:txBody>
@@ -13661,7 +13501,7 @@
     </p:spTree>
     <p:extLst>
       <p:ext uri="{BB962C8B-B14F-4D97-AF65-F5344CB8AC3E}">
-        <p14:creationId xmlns:p14="http://schemas.microsoft.com/office/powerpoint/2010/main" val="1657269070"/>
+        <p14:creationId xmlns:p14="http://schemas.microsoft.com/office/powerpoint/2010/main" val="614002757"/>
       </p:ext>
     </p:extLst>
   </p:cSld>
@@ -13690,10 +13530,10 @@
       </p:grpSpPr>
       <p:sp>
         <p:nvSpPr>
-          <p:cNvPr id="2" name="Title 1">
+          <p:cNvPr id="4" name="Title 3">
             <a:extLst>
               <a:ext uri="{FF2B5EF4-FFF2-40B4-BE49-F238E27FC236}">
-                <a16:creationId xmlns:a16="http://schemas.microsoft.com/office/drawing/2014/main" id="{2DCC4BB7-7A9D-DE44-81A7-84A15E54D20B}"/>
+                <a16:creationId xmlns:a16="http://schemas.microsoft.com/office/drawing/2014/main" id="{1E6D96E9-B635-0245-9098-C1FAA390A091}"/>
               </a:ext>
             </a:extLst>
           </p:cNvPr>
@@ -13711,20 +13551,15 @@
           <a:p>
             <a:r>
               <a:rPr lang="en-US" dirty="0"/>
-              <a:t>Module 5: Auditing &amp; Cleaning</a:t>
-            </a:r>
-            <a:r>
-              <a:rPr lang="en-US" baseline="0" dirty="0"/>
-              <a:t> Your Data</a:t>
-            </a:r>
-            <a:endParaRPr lang="en-US" dirty="0"/>
+              <a:t>Part II: Transform</a:t>
+            </a:r>
           </a:p>
         </p:txBody>
       </p:sp>
     </p:spTree>
     <p:extLst>
       <p:ext uri="{BB962C8B-B14F-4D97-AF65-F5344CB8AC3E}">
-        <p14:creationId xmlns:p14="http://schemas.microsoft.com/office/powerpoint/2010/main" val="228763628"/>
+        <p14:creationId xmlns:p14="http://schemas.microsoft.com/office/powerpoint/2010/main" val="1657269070"/>
       </p:ext>
     </p:extLst>
   </p:cSld>
@@ -13930,10 +13765,10 @@
       </p:grpSpPr>
       <p:sp>
         <p:nvSpPr>
-          <p:cNvPr id="3" name="Title 2">
+          <p:cNvPr id="2" name="Title 1">
             <a:extLst>
               <a:ext uri="{FF2B5EF4-FFF2-40B4-BE49-F238E27FC236}">
-                <a16:creationId xmlns:a16="http://schemas.microsoft.com/office/drawing/2014/main" id="{6A8948BA-33DF-8D4F-BE0B-53151B6B2FE4}"/>
+                <a16:creationId xmlns:a16="http://schemas.microsoft.com/office/drawing/2014/main" id="{2DCC4BB7-7A9D-DE44-81A7-84A15E54D20B}"/>
               </a:ext>
             </a:extLst>
           </p:cNvPr>
@@ -13951,40 +13786,20 @@
           <a:p>
             <a:r>
               <a:rPr lang="en-US" dirty="0"/>
-              <a:t>Auditing Your Data</a:t>
-            </a:r>
-          </a:p>
-        </p:txBody>
-      </p:sp>
-      <p:sp>
-        <p:nvSpPr>
-          <p:cNvPr id="4" name="Text Placeholder 3">
-            <a:extLst>
-              <a:ext uri="{FF2B5EF4-FFF2-40B4-BE49-F238E27FC236}">
-                <a16:creationId xmlns:a16="http://schemas.microsoft.com/office/drawing/2014/main" id="{94D8F0A2-309B-B545-8C29-D643FC88803F}"/>
-              </a:ext>
-            </a:extLst>
-          </p:cNvPr>
-          <p:cNvSpPr>
-            <a:spLocks noGrp="1"/>
-          </p:cNvSpPr>
-          <p:nvPr>
-            <p:ph type="body" sz="quarter" idx="10"/>
-          </p:nvPr>
-        </p:nvSpPr>
-        <p:spPr/>
-        <p:txBody>
-          <a:bodyPr/>
-          <a:lstStyle/>
-          <a:p>
-            <a:endParaRPr lang="en-US"/>
+              <a:t>Module 5: Auditing &amp; Cleaning</a:t>
+            </a:r>
+            <a:r>
+              <a:rPr lang="en-US" baseline="0" dirty="0"/>
+              <a:t> Your Data</a:t>
+            </a:r>
+            <a:endParaRPr lang="en-US" dirty="0"/>
           </a:p>
         </p:txBody>
       </p:sp>
     </p:spTree>
     <p:extLst>
       <p:ext uri="{BB962C8B-B14F-4D97-AF65-F5344CB8AC3E}">
-        <p14:creationId xmlns:p14="http://schemas.microsoft.com/office/powerpoint/2010/main" val="2617968978"/>
+        <p14:creationId xmlns:p14="http://schemas.microsoft.com/office/powerpoint/2010/main" val="228763628"/>
       </p:ext>
     </p:extLst>
   </p:cSld>
@@ -14013,10 +13828,10 @@
       </p:grpSpPr>
       <p:sp>
         <p:nvSpPr>
-          <p:cNvPr id="2" name="Title 1">
+          <p:cNvPr id="3" name="Title 2">
             <a:extLst>
               <a:ext uri="{FF2B5EF4-FFF2-40B4-BE49-F238E27FC236}">
-                <a16:creationId xmlns:a16="http://schemas.microsoft.com/office/drawing/2014/main" id="{0F73A750-FCCE-1B43-B19C-3EF29425C208}"/>
+                <a16:creationId xmlns:a16="http://schemas.microsoft.com/office/drawing/2014/main" id="{6A8948BA-33DF-8D4F-BE0B-53151B6B2FE4}"/>
               </a:ext>
             </a:extLst>
           </p:cNvPr>
@@ -14034,17 +13849,17 @@
           <a:p>
             <a:r>
               <a:rPr lang="en-US" dirty="0"/>
-              <a:t>Cleaning Your Data</a:t>
-            </a:r>
-          </a:p>
-        </p:txBody>
-      </p:sp>
-      <p:sp>
-        <p:nvSpPr>
-          <p:cNvPr id="3" name="Text Placeholder 2">
+              <a:t>Auditing Your Data</a:t>
+            </a:r>
+          </a:p>
+        </p:txBody>
+      </p:sp>
+      <p:sp>
+        <p:nvSpPr>
+          <p:cNvPr id="4" name="Text Placeholder 3">
             <a:extLst>
               <a:ext uri="{FF2B5EF4-FFF2-40B4-BE49-F238E27FC236}">
-                <a16:creationId xmlns:a16="http://schemas.microsoft.com/office/drawing/2014/main" id="{47EB4147-976C-5F4C-8296-9593979C5497}"/>
+                <a16:creationId xmlns:a16="http://schemas.microsoft.com/office/drawing/2014/main" id="{94D8F0A2-309B-B545-8C29-D643FC88803F}"/>
               </a:ext>
             </a:extLst>
           </p:cNvPr>
@@ -14067,7 +13882,7 @@
     </p:spTree>
     <p:extLst>
       <p:ext uri="{BB962C8B-B14F-4D97-AF65-F5344CB8AC3E}">
-        <p14:creationId xmlns:p14="http://schemas.microsoft.com/office/powerpoint/2010/main" val="520519833"/>
+        <p14:creationId xmlns:p14="http://schemas.microsoft.com/office/powerpoint/2010/main" val="2617968978"/>
       </p:ext>
     </p:extLst>
   </p:cSld>
@@ -14099,7 +13914,7 @@
           <p:cNvPr id="2" name="Title 1">
             <a:extLst>
               <a:ext uri="{FF2B5EF4-FFF2-40B4-BE49-F238E27FC236}">
-                <a16:creationId xmlns:a16="http://schemas.microsoft.com/office/drawing/2014/main" id="{8AADCE9C-567B-F343-AD3A-DCEED7751871}"/>
+                <a16:creationId xmlns:a16="http://schemas.microsoft.com/office/drawing/2014/main" id="{0F73A750-FCCE-1B43-B19C-3EF29425C208}"/>
               </a:ext>
             </a:extLst>
           </p:cNvPr>
@@ -14117,7 +13932,7 @@
           <a:p>
             <a:r>
               <a:rPr lang="en-US" dirty="0"/>
-              <a:t>Merge and Clean</a:t>
+              <a:t>Cleaning Your Data</a:t>
             </a:r>
           </a:p>
         </p:txBody>
@@ -14127,7 +13942,7 @@
           <p:cNvPr id="3" name="Text Placeholder 2">
             <a:extLst>
               <a:ext uri="{FF2B5EF4-FFF2-40B4-BE49-F238E27FC236}">
-                <a16:creationId xmlns:a16="http://schemas.microsoft.com/office/drawing/2014/main" id="{9E15A277-1323-9644-A078-4090B3729416}"/>
+                <a16:creationId xmlns:a16="http://schemas.microsoft.com/office/drawing/2014/main" id="{47EB4147-976C-5F4C-8296-9593979C5497}"/>
               </a:ext>
             </a:extLst>
           </p:cNvPr>
@@ -14150,7 +13965,7 @@
     </p:spTree>
     <p:extLst>
       <p:ext uri="{BB962C8B-B14F-4D97-AF65-F5344CB8AC3E}">
-        <p14:creationId xmlns:p14="http://schemas.microsoft.com/office/powerpoint/2010/main" val="3260361871"/>
+        <p14:creationId xmlns:p14="http://schemas.microsoft.com/office/powerpoint/2010/main" val="520519833"/>
       </p:ext>
     </p:extLst>
   </p:cSld>
@@ -14182,7 +13997,7 @@
           <p:cNvPr id="2" name="Title 1">
             <a:extLst>
               <a:ext uri="{FF2B5EF4-FFF2-40B4-BE49-F238E27FC236}">
-                <a16:creationId xmlns:a16="http://schemas.microsoft.com/office/drawing/2014/main" id="{0F9C471B-4CB9-534B-AF00-E0FEFDE63E75}"/>
+                <a16:creationId xmlns:a16="http://schemas.microsoft.com/office/drawing/2014/main" id="{8AADCE9C-567B-F343-AD3A-DCEED7751871}"/>
               </a:ext>
             </a:extLst>
           </p:cNvPr>
@@ -14200,7 +14015,7 @@
           <a:p>
             <a:r>
               <a:rPr lang="en-US" dirty="0"/>
-              <a:t>Making Data More Consistent</a:t>
+              <a:t>Merge and Clean</a:t>
             </a:r>
           </a:p>
         </p:txBody>
@@ -14210,7 +14025,7 @@
           <p:cNvPr id="3" name="Text Placeholder 2">
             <a:extLst>
               <a:ext uri="{FF2B5EF4-FFF2-40B4-BE49-F238E27FC236}">
-                <a16:creationId xmlns:a16="http://schemas.microsoft.com/office/drawing/2014/main" id="{F45FAE89-9E67-0A43-A422-22847A7FD8CA}"/>
+                <a16:creationId xmlns:a16="http://schemas.microsoft.com/office/drawing/2014/main" id="{9E15A277-1323-9644-A078-4090B3729416}"/>
               </a:ext>
             </a:extLst>
           </p:cNvPr>
@@ -14233,7 +14048,7 @@
     </p:spTree>
     <p:extLst>
       <p:ext uri="{BB962C8B-B14F-4D97-AF65-F5344CB8AC3E}">
-        <p14:creationId xmlns:p14="http://schemas.microsoft.com/office/powerpoint/2010/main" val="3958965914"/>
+        <p14:creationId xmlns:p14="http://schemas.microsoft.com/office/powerpoint/2010/main" val="3260361871"/>
       </p:ext>
     </p:extLst>
   </p:cSld>
@@ -14265,7 +14080,7 @@
           <p:cNvPr id="2" name="Title 1">
             <a:extLst>
               <a:ext uri="{FF2B5EF4-FFF2-40B4-BE49-F238E27FC236}">
-                <a16:creationId xmlns:a16="http://schemas.microsoft.com/office/drawing/2014/main" id="{2E92257E-A8A0-2740-A0E2-3034B8C6ADD9}"/>
+                <a16:creationId xmlns:a16="http://schemas.microsoft.com/office/drawing/2014/main" id="{0F9C471B-4CB9-534B-AF00-E0FEFDE63E75}"/>
               </a:ext>
             </a:extLst>
           </p:cNvPr>
@@ -14283,7 +14098,7 @@
           <a:p>
             <a:r>
               <a:rPr lang="en-US" dirty="0"/>
-              <a:t>Splitting Fields</a:t>
+              <a:t>Making Data More Consistent</a:t>
             </a:r>
           </a:p>
         </p:txBody>
@@ -14293,7 +14108,7 @@
           <p:cNvPr id="3" name="Text Placeholder 2">
             <a:extLst>
               <a:ext uri="{FF2B5EF4-FFF2-40B4-BE49-F238E27FC236}">
-                <a16:creationId xmlns:a16="http://schemas.microsoft.com/office/drawing/2014/main" id="{20C4FAF8-0C73-5A41-8B13-61EF434F64B4}"/>
+                <a16:creationId xmlns:a16="http://schemas.microsoft.com/office/drawing/2014/main" id="{F45FAE89-9E67-0A43-A422-22847A7FD8CA}"/>
               </a:ext>
             </a:extLst>
           </p:cNvPr>
@@ -14316,7 +14131,7 @@
     </p:spTree>
     <p:extLst>
       <p:ext uri="{BB962C8B-B14F-4D97-AF65-F5344CB8AC3E}">
-        <p14:creationId xmlns:p14="http://schemas.microsoft.com/office/powerpoint/2010/main" val="49218107"/>
+        <p14:creationId xmlns:p14="http://schemas.microsoft.com/office/powerpoint/2010/main" val="3958965914"/>
       </p:ext>
     </p:extLst>
   </p:cSld>
@@ -14348,7 +14163,7 @@
           <p:cNvPr id="2" name="Title 1">
             <a:extLst>
               <a:ext uri="{FF2B5EF4-FFF2-40B4-BE49-F238E27FC236}">
-                <a16:creationId xmlns:a16="http://schemas.microsoft.com/office/drawing/2014/main" id="{8ECBCB28-8413-5140-A949-761083F81470}"/>
+                <a16:creationId xmlns:a16="http://schemas.microsoft.com/office/drawing/2014/main" id="{2E92257E-A8A0-2740-A0E2-3034B8C6ADD9}"/>
               </a:ext>
             </a:extLst>
           </p:cNvPr>
@@ -14366,7 +14181,7 @@
           <a:p>
             <a:r>
               <a:rPr lang="en-US" dirty="0"/>
-              <a:t>Recommendations</a:t>
+              <a:t>Splitting Fields</a:t>
             </a:r>
           </a:p>
         </p:txBody>
@@ -14376,7 +14191,7 @@
           <p:cNvPr id="3" name="Text Placeholder 2">
             <a:extLst>
               <a:ext uri="{FF2B5EF4-FFF2-40B4-BE49-F238E27FC236}">
-                <a16:creationId xmlns:a16="http://schemas.microsoft.com/office/drawing/2014/main" id="{DE38BA79-005D-F748-8EF0-DDBDB31CFBF0}"/>
+                <a16:creationId xmlns:a16="http://schemas.microsoft.com/office/drawing/2014/main" id="{20C4FAF8-0C73-5A41-8B13-61EF434F64B4}"/>
               </a:ext>
             </a:extLst>
           </p:cNvPr>
@@ -14399,7 +14214,7 @@
     </p:spTree>
     <p:extLst>
       <p:ext uri="{BB962C8B-B14F-4D97-AF65-F5344CB8AC3E}">
-        <p14:creationId xmlns:p14="http://schemas.microsoft.com/office/powerpoint/2010/main" val="3708025470"/>
+        <p14:creationId xmlns:p14="http://schemas.microsoft.com/office/powerpoint/2010/main" val="49218107"/>
       </p:ext>
     </p:extLst>
   </p:cSld>
@@ -14431,7 +14246,7 @@
           <p:cNvPr id="2" name="Title 1">
             <a:extLst>
               <a:ext uri="{FF2B5EF4-FFF2-40B4-BE49-F238E27FC236}">
-                <a16:creationId xmlns:a16="http://schemas.microsoft.com/office/drawing/2014/main" id="{56B44BDD-EA88-2D47-A6B7-E02FE22AD315}"/>
+                <a16:creationId xmlns:a16="http://schemas.microsoft.com/office/drawing/2014/main" id="{8ECBCB28-8413-5140-A949-761083F81470}"/>
               </a:ext>
             </a:extLst>
           </p:cNvPr>
@@ -14449,7 +14264,7 @@
           <a:p>
             <a:r>
               <a:rPr lang="en-US" dirty="0"/>
-              <a:t>Handling NULL Values</a:t>
+              <a:t>Recommendations</a:t>
             </a:r>
           </a:p>
         </p:txBody>
@@ -14459,7 +14274,7 @@
           <p:cNvPr id="3" name="Text Placeholder 2">
             <a:extLst>
               <a:ext uri="{FF2B5EF4-FFF2-40B4-BE49-F238E27FC236}">
-                <a16:creationId xmlns:a16="http://schemas.microsoft.com/office/drawing/2014/main" id="{35B8F14B-39CF-AF41-99E1-2E843C247A56}"/>
+                <a16:creationId xmlns:a16="http://schemas.microsoft.com/office/drawing/2014/main" id="{DE38BA79-005D-F748-8EF0-DDBDB31CFBF0}"/>
               </a:ext>
             </a:extLst>
           </p:cNvPr>
@@ -14482,7 +14297,7 @@
     </p:spTree>
     <p:extLst>
       <p:ext uri="{BB962C8B-B14F-4D97-AF65-F5344CB8AC3E}">
-        <p14:creationId xmlns:p14="http://schemas.microsoft.com/office/powerpoint/2010/main" val="3654839068"/>
+        <p14:creationId xmlns:p14="http://schemas.microsoft.com/office/powerpoint/2010/main" val="3708025470"/>
       </p:ext>
     </p:extLst>
   </p:cSld>
@@ -14514,7 +14329,7 @@
           <p:cNvPr id="2" name="Title 1">
             <a:extLst>
               <a:ext uri="{FF2B5EF4-FFF2-40B4-BE49-F238E27FC236}">
-                <a16:creationId xmlns:a16="http://schemas.microsoft.com/office/drawing/2014/main" id="{505FEF39-4D4F-234C-A7CC-3D508B076ECC}"/>
+                <a16:creationId xmlns:a16="http://schemas.microsoft.com/office/drawing/2014/main" id="{56B44BDD-EA88-2D47-A6B7-E02FE22AD315}"/>
               </a:ext>
             </a:extLst>
           </p:cNvPr>
@@ -14532,7 +14347,7 @@
           <a:p>
             <a:r>
               <a:rPr lang="en-US" dirty="0"/>
-              <a:t>Filtering Records</a:t>
+              <a:t>Handling NULL Values</a:t>
             </a:r>
           </a:p>
         </p:txBody>
@@ -14542,7 +14357,7 @@
           <p:cNvPr id="3" name="Text Placeholder 2">
             <a:extLst>
               <a:ext uri="{FF2B5EF4-FFF2-40B4-BE49-F238E27FC236}">
-                <a16:creationId xmlns:a16="http://schemas.microsoft.com/office/drawing/2014/main" id="{F0A2B6CF-1628-4546-AF20-667E71376CF7}"/>
+                <a16:creationId xmlns:a16="http://schemas.microsoft.com/office/drawing/2014/main" id="{35B8F14B-39CF-AF41-99E1-2E843C247A56}"/>
               </a:ext>
             </a:extLst>
           </p:cNvPr>
@@ -14565,7 +14380,7 @@
     </p:spTree>
     <p:extLst>
       <p:ext uri="{BB962C8B-B14F-4D97-AF65-F5344CB8AC3E}">
-        <p14:creationId xmlns:p14="http://schemas.microsoft.com/office/powerpoint/2010/main" val="1615717970"/>
+        <p14:creationId xmlns:p14="http://schemas.microsoft.com/office/powerpoint/2010/main" val="3654839068"/>
       </p:ext>
     </p:extLst>
   </p:cSld>
@@ -14597,7 +14412,7 @@
           <p:cNvPr id="2" name="Title 1">
             <a:extLst>
               <a:ext uri="{FF2B5EF4-FFF2-40B4-BE49-F238E27FC236}">
-                <a16:creationId xmlns:a16="http://schemas.microsoft.com/office/drawing/2014/main" id="{C3A4853A-6621-BF48-99C0-CF9E50FA3A1F}"/>
+                <a16:creationId xmlns:a16="http://schemas.microsoft.com/office/drawing/2014/main" id="{505FEF39-4D4F-234C-A7CC-3D508B076ECC}"/>
               </a:ext>
             </a:extLst>
           </p:cNvPr>
@@ -14615,15 +14430,40 @@
           <a:p>
             <a:r>
               <a:rPr lang="en-US" dirty="0"/>
-              <a:t>Module 6: Group and Replace</a:t>
-            </a:r>
+              <a:t>Filtering Records</a:t>
+            </a:r>
+          </a:p>
+        </p:txBody>
+      </p:sp>
+      <p:sp>
+        <p:nvSpPr>
+          <p:cNvPr id="3" name="Text Placeholder 2">
+            <a:extLst>
+              <a:ext uri="{FF2B5EF4-FFF2-40B4-BE49-F238E27FC236}">
+                <a16:creationId xmlns:a16="http://schemas.microsoft.com/office/drawing/2014/main" id="{F0A2B6CF-1628-4546-AF20-667E71376CF7}"/>
+              </a:ext>
+            </a:extLst>
+          </p:cNvPr>
+          <p:cNvSpPr>
+            <a:spLocks noGrp="1"/>
+          </p:cNvSpPr>
+          <p:nvPr>
+            <p:ph type="body" sz="quarter" idx="10"/>
+          </p:nvPr>
+        </p:nvSpPr>
+        <p:spPr/>
+        <p:txBody>
+          <a:bodyPr/>
+          <a:lstStyle/>
+          <a:p>
+            <a:endParaRPr lang="en-US"/>
           </a:p>
         </p:txBody>
       </p:sp>
     </p:spTree>
     <p:extLst>
       <p:ext uri="{BB962C8B-B14F-4D97-AF65-F5344CB8AC3E}">
-        <p14:creationId xmlns:p14="http://schemas.microsoft.com/office/powerpoint/2010/main" val="3911395177"/>
+        <p14:creationId xmlns:p14="http://schemas.microsoft.com/office/powerpoint/2010/main" val="1615717970"/>
       </p:ext>
     </p:extLst>
   </p:cSld>
@@ -14655,7 +14495,7 @@
           <p:cNvPr id="2" name="Title 1">
             <a:extLst>
               <a:ext uri="{FF2B5EF4-FFF2-40B4-BE49-F238E27FC236}">
-                <a16:creationId xmlns:a16="http://schemas.microsoft.com/office/drawing/2014/main" id="{3480EC15-00FE-FC41-ADF7-549E87A4B4F2}"/>
+                <a16:creationId xmlns:a16="http://schemas.microsoft.com/office/drawing/2014/main" id="{C3A4853A-6621-BF48-99C0-CF9E50FA3A1F}"/>
               </a:ext>
             </a:extLst>
           </p:cNvPr>
@@ -14673,40 +14513,15 @@
           <a:p>
             <a:r>
               <a:rPr lang="en-US" dirty="0"/>
-              <a:t>Group and Replace</a:t>
-            </a:r>
-          </a:p>
-        </p:txBody>
-      </p:sp>
-      <p:sp>
-        <p:nvSpPr>
-          <p:cNvPr id="3" name="Text Placeholder 2">
-            <a:extLst>
-              <a:ext uri="{FF2B5EF4-FFF2-40B4-BE49-F238E27FC236}">
-                <a16:creationId xmlns:a16="http://schemas.microsoft.com/office/drawing/2014/main" id="{52CBEEB9-F887-F642-BD6A-347CE2FA09FB}"/>
-              </a:ext>
-            </a:extLst>
-          </p:cNvPr>
-          <p:cNvSpPr>
-            <a:spLocks noGrp="1"/>
-          </p:cNvSpPr>
-          <p:nvPr>
-            <p:ph type="body" sz="quarter" idx="10"/>
-          </p:nvPr>
-        </p:nvSpPr>
-        <p:spPr/>
-        <p:txBody>
-          <a:bodyPr/>
-          <a:lstStyle/>
-          <a:p>
-            <a:endParaRPr lang="en-US"/>
+              <a:t>Module 6: Group and Replace</a:t>
+            </a:r>
           </a:p>
         </p:txBody>
       </p:sp>
     </p:spTree>
     <p:extLst>
       <p:ext uri="{BB962C8B-B14F-4D97-AF65-F5344CB8AC3E}">
-        <p14:creationId xmlns:p14="http://schemas.microsoft.com/office/powerpoint/2010/main" val="4144102751"/>
+        <p14:creationId xmlns:p14="http://schemas.microsoft.com/office/powerpoint/2010/main" val="3911395177"/>
       </p:ext>
     </p:extLst>
   </p:cSld>
@@ -14848,7 +14663,7 @@
           <p:cNvPr id="2" name="Title 1">
             <a:extLst>
               <a:ext uri="{FF2B5EF4-FFF2-40B4-BE49-F238E27FC236}">
-                <a16:creationId xmlns:a16="http://schemas.microsoft.com/office/drawing/2014/main" id="{5EF4012B-FF41-2C4E-B2EF-2972C9D9184A}"/>
+                <a16:creationId xmlns:a16="http://schemas.microsoft.com/office/drawing/2014/main" id="{3480EC15-00FE-FC41-ADF7-549E87A4B4F2}"/>
               </a:ext>
             </a:extLst>
           </p:cNvPr>
@@ -14866,13 +14681,8 @@
           <a:p>
             <a:r>
               <a:rPr lang="en-US" dirty="0"/>
-              <a:t>Manual</a:t>
-            </a:r>
-            <a:r>
-              <a:rPr lang="en-US" baseline="0" dirty="0"/>
-              <a:t> Selection</a:t>
-            </a:r>
-            <a:endParaRPr lang="en-US" dirty="0"/>
+              <a:t>Group and Replace</a:t>
+            </a:r>
           </a:p>
         </p:txBody>
       </p:sp>
@@ -14881,7 +14691,7 @@
           <p:cNvPr id="3" name="Text Placeholder 2">
             <a:extLst>
               <a:ext uri="{FF2B5EF4-FFF2-40B4-BE49-F238E27FC236}">
-                <a16:creationId xmlns:a16="http://schemas.microsoft.com/office/drawing/2014/main" id="{404BE848-6263-0145-B9F8-9619C16139F0}"/>
+                <a16:creationId xmlns:a16="http://schemas.microsoft.com/office/drawing/2014/main" id="{52CBEEB9-F887-F642-BD6A-347CE2FA09FB}"/>
               </a:ext>
             </a:extLst>
           </p:cNvPr>
@@ -14904,7 +14714,7 @@
     </p:spTree>
     <p:extLst>
       <p:ext uri="{BB962C8B-B14F-4D97-AF65-F5344CB8AC3E}">
-        <p14:creationId xmlns:p14="http://schemas.microsoft.com/office/powerpoint/2010/main" val="1517578569"/>
+        <p14:creationId xmlns:p14="http://schemas.microsoft.com/office/powerpoint/2010/main" val="4144102751"/>
       </p:ext>
     </p:extLst>
   </p:cSld>
@@ -14936,7 +14746,7 @@
           <p:cNvPr id="2" name="Title 1">
             <a:extLst>
               <a:ext uri="{FF2B5EF4-FFF2-40B4-BE49-F238E27FC236}">
-                <a16:creationId xmlns:a16="http://schemas.microsoft.com/office/drawing/2014/main" id="{B8CB6C30-3AB2-3744-B360-453B167B4FF4}"/>
+                <a16:creationId xmlns:a16="http://schemas.microsoft.com/office/drawing/2014/main" id="{5EF4012B-FF41-2C4E-B2EF-2972C9D9184A}"/>
               </a:ext>
             </a:extLst>
           </p:cNvPr>
@@ -14954,8 +14764,13 @@
           <a:p>
             <a:r>
               <a:rPr lang="en-US" dirty="0"/>
-              <a:t>Grouping by Pronunciation</a:t>
-            </a:r>
+              <a:t>Manual</a:t>
+            </a:r>
+            <a:r>
+              <a:rPr lang="en-US" baseline="0" dirty="0"/>
+              <a:t> Selection</a:t>
+            </a:r>
+            <a:endParaRPr lang="en-US" dirty="0"/>
           </a:p>
         </p:txBody>
       </p:sp>
@@ -14964,7 +14779,7 @@
           <p:cNvPr id="3" name="Text Placeholder 2">
             <a:extLst>
               <a:ext uri="{FF2B5EF4-FFF2-40B4-BE49-F238E27FC236}">
-                <a16:creationId xmlns:a16="http://schemas.microsoft.com/office/drawing/2014/main" id="{3114DC91-50BA-4E48-B2AF-D3791A89BC17}"/>
+                <a16:creationId xmlns:a16="http://schemas.microsoft.com/office/drawing/2014/main" id="{404BE848-6263-0145-B9F8-9619C16139F0}"/>
               </a:ext>
             </a:extLst>
           </p:cNvPr>
@@ -14987,7 +14802,7 @@
     </p:spTree>
     <p:extLst>
       <p:ext uri="{BB962C8B-B14F-4D97-AF65-F5344CB8AC3E}">
-        <p14:creationId xmlns:p14="http://schemas.microsoft.com/office/powerpoint/2010/main" val="4105177919"/>
+        <p14:creationId xmlns:p14="http://schemas.microsoft.com/office/powerpoint/2010/main" val="1517578569"/>
       </p:ext>
     </p:extLst>
   </p:cSld>
@@ -15019,7 +14834,7 @@
           <p:cNvPr id="2" name="Title 1">
             <a:extLst>
               <a:ext uri="{FF2B5EF4-FFF2-40B4-BE49-F238E27FC236}">
-                <a16:creationId xmlns:a16="http://schemas.microsoft.com/office/drawing/2014/main" id="{F667AD0A-11C2-034F-9745-119770BC4F74}"/>
+                <a16:creationId xmlns:a16="http://schemas.microsoft.com/office/drawing/2014/main" id="{B8CB6C30-3AB2-3744-B360-453B167B4FF4}"/>
               </a:ext>
             </a:extLst>
           </p:cNvPr>
@@ -15037,13 +14852,8 @@
           <a:p>
             <a:r>
               <a:rPr lang="en-US" dirty="0"/>
-              <a:t>Grouping</a:t>
-            </a:r>
-            <a:r>
-              <a:rPr lang="en-US" baseline="0" dirty="0"/>
-              <a:t> by Common Characters</a:t>
-            </a:r>
-            <a:endParaRPr lang="en-US" dirty="0"/>
+              <a:t>Grouping by Pronunciation</a:t>
+            </a:r>
           </a:p>
         </p:txBody>
       </p:sp>
@@ -15052,7 +14862,7 @@
           <p:cNvPr id="3" name="Text Placeholder 2">
             <a:extLst>
               <a:ext uri="{FF2B5EF4-FFF2-40B4-BE49-F238E27FC236}">
-                <a16:creationId xmlns:a16="http://schemas.microsoft.com/office/drawing/2014/main" id="{E01C124F-BC23-884A-8940-AE40F6201DB9}"/>
+                <a16:creationId xmlns:a16="http://schemas.microsoft.com/office/drawing/2014/main" id="{3114DC91-50BA-4E48-B2AF-D3791A89BC17}"/>
               </a:ext>
             </a:extLst>
           </p:cNvPr>
@@ -15075,7 +14885,7 @@
     </p:spTree>
     <p:extLst>
       <p:ext uri="{BB962C8B-B14F-4D97-AF65-F5344CB8AC3E}">
-        <p14:creationId xmlns:p14="http://schemas.microsoft.com/office/powerpoint/2010/main" val="737931396"/>
+        <p14:creationId xmlns:p14="http://schemas.microsoft.com/office/powerpoint/2010/main" val="4105177919"/>
       </p:ext>
     </p:extLst>
   </p:cSld>
@@ -15107,7 +14917,7 @@
           <p:cNvPr id="2" name="Title 1">
             <a:extLst>
               <a:ext uri="{FF2B5EF4-FFF2-40B4-BE49-F238E27FC236}">
-                <a16:creationId xmlns:a16="http://schemas.microsoft.com/office/drawing/2014/main" id="{7A902A4D-3605-F64D-99D9-C7BD9542C2E4}"/>
+                <a16:creationId xmlns:a16="http://schemas.microsoft.com/office/drawing/2014/main" id="{F667AD0A-11C2-034F-9745-119770BC4F74}"/>
               </a:ext>
             </a:extLst>
           </p:cNvPr>
@@ -15125,8 +14935,13 @@
           <a:p>
             <a:r>
               <a:rPr lang="en-US" dirty="0"/>
-              <a:t>Grouping by Spelling</a:t>
-            </a:r>
+              <a:t>Grouping</a:t>
+            </a:r>
+            <a:r>
+              <a:rPr lang="en-US" baseline="0" dirty="0"/>
+              <a:t> by Common Characters</a:t>
+            </a:r>
+            <a:endParaRPr lang="en-US" dirty="0"/>
           </a:p>
         </p:txBody>
       </p:sp>
@@ -15135,7 +14950,7 @@
           <p:cNvPr id="3" name="Text Placeholder 2">
             <a:extLst>
               <a:ext uri="{FF2B5EF4-FFF2-40B4-BE49-F238E27FC236}">
-                <a16:creationId xmlns:a16="http://schemas.microsoft.com/office/drawing/2014/main" id="{1D73BADE-B533-CE4F-B5B8-CAB06C368000}"/>
+                <a16:creationId xmlns:a16="http://schemas.microsoft.com/office/drawing/2014/main" id="{E01C124F-BC23-884A-8940-AE40F6201DB9}"/>
               </a:ext>
             </a:extLst>
           </p:cNvPr>
@@ -15158,7 +14973,7 @@
     </p:spTree>
     <p:extLst>
       <p:ext uri="{BB962C8B-B14F-4D97-AF65-F5344CB8AC3E}">
-        <p14:creationId xmlns:p14="http://schemas.microsoft.com/office/powerpoint/2010/main" val="3770955645"/>
+        <p14:creationId xmlns:p14="http://schemas.microsoft.com/office/powerpoint/2010/main" val="737931396"/>
       </p:ext>
     </p:extLst>
   </p:cSld>
@@ -15190,7 +15005,7 @@
           <p:cNvPr id="2" name="Title 1">
             <a:extLst>
               <a:ext uri="{FF2B5EF4-FFF2-40B4-BE49-F238E27FC236}">
-                <a16:creationId xmlns:a16="http://schemas.microsoft.com/office/drawing/2014/main" id="{098CEEC1-7F87-F34D-B9A4-7EA9EFA2F688}"/>
+                <a16:creationId xmlns:a16="http://schemas.microsoft.com/office/drawing/2014/main" id="{7A902A4D-3605-F64D-99D9-C7BD9542C2E4}"/>
               </a:ext>
             </a:extLst>
           </p:cNvPr>
@@ -15208,7 +15023,7 @@
           <a:p>
             <a:r>
               <a:rPr lang="en-US" dirty="0"/>
-              <a:t>Module 7: Aggregating and Pivoting Data</a:t>
+              <a:t>Grouping by Spelling</a:t>
             </a:r>
           </a:p>
         </p:txBody>
@@ -15218,7 +15033,7 @@
           <p:cNvPr id="3" name="Text Placeholder 2">
             <a:extLst>
               <a:ext uri="{FF2B5EF4-FFF2-40B4-BE49-F238E27FC236}">
-                <a16:creationId xmlns:a16="http://schemas.microsoft.com/office/drawing/2014/main" id="{0DF7DD2A-8F11-D448-86F7-826465A815C8}"/>
+                <a16:creationId xmlns:a16="http://schemas.microsoft.com/office/drawing/2014/main" id="{1D73BADE-B533-CE4F-B5B8-CAB06C368000}"/>
               </a:ext>
             </a:extLst>
           </p:cNvPr>
@@ -15241,7 +15056,7 @@
     </p:spTree>
     <p:extLst>
       <p:ext uri="{BB962C8B-B14F-4D97-AF65-F5344CB8AC3E}">
-        <p14:creationId xmlns:p14="http://schemas.microsoft.com/office/powerpoint/2010/main" val="2030434778"/>
+        <p14:creationId xmlns:p14="http://schemas.microsoft.com/office/powerpoint/2010/main" val="3770955645"/>
       </p:ext>
     </p:extLst>
   </p:cSld>
@@ -15273,7 +15088,7 @@
           <p:cNvPr id="2" name="Title 1">
             <a:extLst>
               <a:ext uri="{FF2B5EF4-FFF2-40B4-BE49-F238E27FC236}">
-                <a16:creationId xmlns:a16="http://schemas.microsoft.com/office/drawing/2014/main" id="{7A459FFD-D6CD-5B4A-9BCB-E8A05891ABD0}"/>
+                <a16:creationId xmlns:a16="http://schemas.microsoft.com/office/drawing/2014/main" id="{098CEEC1-7F87-F34D-B9A4-7EA9EFA2F688}"/>
               </a:ext>
             </a:extLst>
           </p:cNvPr>
@@ -15291,40 +15106,15 @@
           <a:p>
             <a:r>
               <a:rPr lang="en-US" dirty="0"/>
-              <a:t>Aggregating Data</a:t>
-            </a:r>
-          </a:p>
-        </p:txBody>
-      </p:sp>
-      <p:sp>
-        <p:nvSpPr>
-          <p:cNvPr id="3" name="Text Placeholder 2">
-            <a:extLst>
-              <a:ext uri="{FF2B5EF4-FFF2-40B4-BE49-F238E27FC236}">
-                <a16:creationId xmlns:a16="http://schemas.microsoft.com/office/drawing/2014/main" id="{8B206731-BB58-084E-9F91-E2037F0BB52D}"/>
-              </a:ext>
-            </a:extLst>
-          </p:cNvPr>
-          <p:cNvSpPr>
-            <a:spLocks noGrp="1"/>
-          </p:cNvSpPr>
-          <p:nvPr>
-            <p:ph type="body" sz="quarter" idx="10"/>
-          </p:nvPr>
-        </p:nvSpPr>
-        <p:spPr/>
-        <p:txBody>
-          <a:bodyPr/>
-          <a:lstStyle/>
-          <a:p>
-            <a:endParaRPr lang="en-US"/>
+              <a:t>Module 7: Aggregating and Pivoting Data</a:t>
+            </a:r>
           </a:p>
         </p:txBody>
       </p:sp>
     </p:spTree>
     <p:extLst>
       <p:ext uri="{BB962C8B-B14F-4D97-AF65-F5344CB8AC3E}">
-        <p14:creationId xmlns:p14="http://schemas.microsoft.com/office/powerpoint/2010/main" val="3081864923"/>
+        <p14:creationId xmlns:p14="http://schemas.microsoft.com/office/powerpoint/2010/main" val="2030434778"/>
       </p:ext>
     </p:extLst>
   </p:cSld>
@@ -15356,7 +15146,7 @@
           <p:cNvPr id="2" name="Title 1">
             <a:extLst>
               <a:ext uri="{FF2B5EF4-FFF2-40B4-BE49-F238E27FC236}">
-                <a16:creationId xmlns:a16="http://schemas.microsoft.com/office/drawing/2014/main" id="{3B856723-7D74-B54B-8C18-AFFA49BB0578}"/>
+                <a16:creationId xmlns:a16="http://schemas.microsoft.com/office/drawing/2014/main" id="{7A459FFD-D6CD-5B4A-9BCB-E8A05891ABD0}"/>
               </a:ext>
             </a:extLst>
           </p:cNvPr>
@@ -15374,7 +15164,7 @@
           <a:p>
             <a:r>
               <a:rPr lang="en-US" dirty="0"/>
-              <a:t>Pivoting Data</a:t>
+              <a:t>Aggregating Data</a:t>
             </a:r>
           </a:p>
         </p:txBody>
@@ -15384,7 +15174,7 @@
           <p:cNvPr id="3" name="Text Placeholder 2">
             <a:extLst>
               <a:ext uri="{FF2B5EF4-FFF2-40B4-BE49-F238E27FC236}">
-                <a16:creationId xmlns:a16="http://schemas.microsoft.com/office/drawing/2014/main" id="{C07C88D3-0BAE-8749-84FF-FD11C5D739E5}"/>
+                <a16:creationId xmlns:a16="http://schemas.microsoft.com/office/drawing/2014/main" id="{8B206731-BB58-084E-9F91-E2037F0BB52D}"/>
               </a:ext>
             </a:extLst>
           </p:cNvPr>
@@ -15407,7 +15197,7 @@
     </p:spTree>
     <p:extLst>
       <p:ext uri="{BB962C8B-B14F-4D97-AF65-F5344CB8AC3E}">
-        <p14:creationId xmlns:p14="http://schemas.microsoft.com/office/powerpoint/2010/main" val="2826624053"/>
+        <p14:creationId xmlns:p14="http://schemas.microsoft.com/office/powerpoint/2010/main" val="3081864923"/>
       </p:ext>
     </p:extLst>
   </p:cSld>
@@ -15439,7 +15229,7 @@
           <p:cNvPr id="2" name="Title 1">
             <a:extLst>
               <a:ext uri="{FF2B5EF4-FFF2-40B4-BE49-F238E27FC236}">
-                <a16:creationId xmlns:a16="http://schemas.microsoft.com/office/drawing/2014/main" id="{6B5CDC5B-FC9D-9E42-ACCA-21C364287987}"/>
+                <a16:creationId xmlns:a16="http://schemas.microsoft.com/office/drawing/2014/main" id="{3B856723-7D74-B54B-8C18-AFFA49BB0578}"/>
               </a:ext>
             </a:extLst>
           </p:cNvPr>
@@ -15457,7 +15247,7 @@
           <a:p>
             <a:r>
               <a:rPr lang="en-US" dirty="0"/>
-              <a:t>Unpivoting Data</a:t>
+              <a:t>Pivoting Data</a:t>
             </a:r>
           </a:p>
         </p:txBody>
@@ -15467,7 +15257,7 @@
           <p:cNvPr id="3" name="Text Placeholder 2">
             <a:extLst>
               <a:ext uri="{FF2B5EF4-FFF2-40B4-BE49-F238E27FC236}">
-                <a16:creationId xmlns:a16="http://schemas.microsoft.com/office/drawing/2014/main" id="{7D0F7560-7895-1E4C-93E5-863F23F78976}"/>
+                <a16:creationId xmlns:a16="http://schemas.microsoft.com/office/drawing/2014/main" id="{C07C88D3-0BAE-8749-84FF-FD11C5D739E5}"/>
               </a:ext>
             </a:extLst>
           </p:cNvPr>
@@ -15490,7 +15280,7 @@
     </p:spTree>
     <p:extLst>
       <p:ext uri="{BB962C8B-B14F-4D97-AF65-F5344CB8AC3E}">
-        <p14:creationId xmlns:p14="http://schemas.microsoft.com/office/powerpoint/2010/main" val="223869305"/>
+        <p14:creationId xmlns:p14="http://schemas.microsoft.com/office/powerpoint/2010/main" val="2826624053"/>
       </p:ext>
     </p:extLst>
   </p:cSld>
@@ -15522,7 +15312,7 @@
           <p:cNvPr id="2" name="Title 1">
             <a:extLst>
               <a:ext uri="{FF2B5EF4-FFF2-40B4-BE49-F238E27FC236}">
-                <a16:creationId xmlns:a16="http://schemas.microsoft.com/office/drawing/2014/main" id="{BD3CC3C1-820E-1F4C-9494-4CA16BC01F49}"/>
+                <a16:creationId xmlns:a16="http://schemas.microsoft.com/office/drawing/2014/main" id="{6B5CDC5B-FC9D-9E42-ACCA-21C364287987}"/>
               </a:ext>
             </a:extLst>
           </p:cNvPr>
@@ -15540,15 +15330,40 @@
           <a:p>
             <a:r>
               <a:rPr lang="en-US" dirty="0"/>
-              <a:t>Part III: Load</a:t>
-            </a:r>
+              <a:t>Unpivoting Data</a:t>
+            </a:r>
+          </a:p>
+        </p:txBody>
+      </p:sp>
+      <p:sp>
+        <p:nvSpPr>
+          <p:cNvPr id="3" name="Text Placeholder 2">
+            <a:extLst>
+              <a:ext uri="{FF2B5EF4-FFF2-40B4-BE49-F238E27FC236}">
+                <a16:creationId xmlns:a16="http://schemas.microsoft.com/office/drawing/2014/main" id="{7D0F7560-7895-1E4C-93E5-863F23F78976}"/>
+              </a:ext>
+            </a:extLst>
+          </p:cNvPr>
+          <p:cNvSpPr>
+            <a:spLocks noGrp="1"/>
+          </p:cNvSpPr>
+          <p:nvPr>
+            <p:ph type="body" sz="quarter" idx="10"/>
+          </p:nvPr>
+        </p:nvSpPr>
+        <p:spPr/>
+        <p:txBody>
+          <a:bodyPr/>
+          <a:lstStyle/>
+          <a:p>
+            <a:endParaRPr lang="en-US"/>
           </a:p>
         </p:txBody>
       </p:sp>
     </p:spTree>
     <p:extLst>
       <p:ext uri="{BB962C8B-B14F-4D97-AF65-F5344CB8AC3E}">
-        <p14:creationId xmlns:p14="http://schemas.microsoft.com/office/powerpoint/2010/main" val="2503839061"/>
+        <p14:creationId xmlns:p14="http://schemas.microsoft.com/office/powerpoint/2010/main" val="223869305"/>
       </p:ext>
     </p:extLst>
   </p:cSld>
@@ -15580,7 +15395,7 @@
           <p:cNvPr id="2" name="Title 1">
             <a:extLst>
               <a:ext uri="{FF2B5EF4-FFF2-40B4-BE49-F238E27FC236}">
-                <a16:creationId xmlns:a16="http://schemas.microsoft.com/office/drawing/2014/main" id="{C7183894-EC31-F440-9353-89759F05B3EB}"/>
+                <a16:creationId xmlns:a16="http://schemas.microsoft.com/office/drawing/2014/main" id="{BD3CC3C1-820E-1F4C-9494-4CA16BC01F49}"/>
               </a:ext>
             </a:extLst>
           </p:cNvPr>
@@ -15598,7 +15413,7 @@
           <a:p>
             <a:r>
               <a:rPr lang="en-US" dirty="0"/>
-              <a:t>Module 8: Output</a:t>
+              <a:t>Part III: Load</a:t>
             </a:r>
           </a:p>
         </p:txBody>
@@ -15606,7 +15421,7 @@
     </p:spTree>
     <p:extLst>
       <p:ext uri="{BB962C8B-B14F-4D97-AF65-F5344CB8AC3E}">
-        <p14:creationId xmlns:p14="http://schemas.microsoft.com/office/powerpoint/2010/main" val="2381891199"/>
+        <p14:creationId xmlns:p14="http://schemas.microsoft.com/office/powerpoint/2010/main" val="2503839061"/>
       </p:ext>
     </p:extLst>
   </p:cSld>
@@ -16035,7 +15850,7 @@
           <p:cNvPr id="2" name="Title 1">
             <a:extLst>
               <a:ext uri="{FF2B5EF4-FFF2-40B4-BE49-F238E27FC236}">
-                <a16:creationId xmlns:a16="http://schemas.microsoft.com/office/drawing/2014/main" id="{59A8E365-F14F-F541-8BE6-C2E2F4658199}"/>
+                <a16:creationId xmlns:a16="http://schemas.microsoft.com/office/drawing/2014/main" id="{C7183894-EC31-F440-9353-89759F05B3EB}"/>
               </a:ext>
             </a:extLst>
           </p:cNvPr>
@@ -16053,40 +15868,15 @@
           <a:p>
             <a:r>
               <a:rPr lang="en-US" dirty="0"/>
-              <a:t>Outputting to files</a:t>
-            </a:r>
-          </a:p>
-        </p:txBody>
-      </p:sp>
-      <p:sp>
-        <p:nvSpPr>
-          <p:cNvPr id="3" name="Text Placeholder 2">
-            <a:extLst>
-              <a:ext uri="{FF2B5EF4-FFF2-40B4-BE49-F238E27FC236}">
-                <a16:creationId xmlns:a16="http://schemas.microsoft.com/office/drawing/2014/main" id="{6E648436-C250-D445-8FE2-389E92AF5047}"/>
-              </a:ext>
-            </a:extLst>
-          </p:cNvPr>
-          <p:cNvSpPr>
-            <a:spLocks noGrp="1"/>
-          </p:cNvSpPr>
-          <p:nvPr>
-            <p:ph type="body" sz="quarter" idx="10"/>
-          </p:nvPr>
-        </p:nvSpPr>
-        <p:spPr/>
-        <p:txBody>
-          <a:bodyPr/>
-          <a:lstStyle/>
-          <a:p>
-            <a:endParaRPr lang="en-US"/>
+              <a:t>Module 8: Output</a:t>
+            </a:r>
           </a:p>
         </p:txBody>
       </p:sp>
     </p:spTree>
     <p:extLst>
       <p:ext uri="{BB962C8B-B14F-4D97-AF65-F5344CB8AC3E}">
-        <p14:creationId xmlns:p14="http://schemas.microsoft.com/office/powerpoint/2010/main" val="3591092714"/>
+        <p14:creationId xmlns:p14="http://schemas.microsoft.com/office/powerpoint/2010/main" val="2381891199"/>
       </p:ext>
     </p:extLst>
   </p:cSld>
@@ -16118,7 +15908,7 @@
           <p:cNvPr id="2" name="Title 1">
             <a:extLst>
               <a:ext uri="{FF2B5EF4-FFF2-40B4-BE49-F238E27FC236}">
-                <a16:creationId xmlns:a16="http://schemas.microsoft.com/office/drawing/2014/main" id="{321139D9-EE71-5749-A7A3-8AC02267C975}"/>
+                <a16:creationId xmlns:a16="http://schemas.microsoft.com/office/drawing/2014/main" id="{59A8E365-F14F-F541-8BE6-C2E2F4658199}"/>
               </a:ext>
             </a:extLst>
           </p:cNvPr>
@@ -16136,7 +15926,7 @@
           <a:p>
             <a:r>
               <a:rPr lang="en-US" dirty="0"/>
-              <a:t>Outputting to other destinations</a:t>
+              <a:t>Outputting to files</a:t>
             </a:r>
           </a:p>
         </p:txBody>
@@ -16146,7 +15936,7 @@
           <p:cNvPr id="3" name="Text Placeholder 2">
             <a:extLst>
               <a:ext uri="{FF2B5EF4-FFF2-40B4-BE49-F238E27FC236}">
-                <a16:creationId xmlns:a16="http://schemas.microsoft.com/office/drawing/2014/main" id="{05636DDC-007A-D447-8410-CAD87BA30D78}"/>
+                <a16:creationId xmlns:a16="http://schemas.microsoft.com/office/drawing/2014/main" id="{6E648436-C250-D445-8FE2-389E92AF5047}"/>
               </a:ext>
             </a:extLst>
           </p:cNvPr>
@@ -16169,7 +15959,7 @@
     </p:spTree>
     <p:extLst>
       <p:ext uri="{BB962C8B-B14F-4D97-AF65-F5344CB8AC3E}">
-        <p14:creationId xmlns:p14="http://schemas.microsoft.com/office/powerpoint/2010/main" val="4121859749"/>
+        <p14:creationId xmlns:p14="http://schemas.microsoft.com/office/powerpoint/2010/main" val="3591092714"/>
       </p:ext>
     </p:extLst>
   </p:cSld>
@@ -16201,7 +15991,7 @@
           <p:cNvPr id="2" name="Title 1">
             <a:extLst>
               <a:ext uri="{FF2B5EF4-FFF2-40B4-BE49-F238E27FC236}">
-                <a16:creationId xmlns:a16="http://schemas.microsoft.com/office/drawing/2014/main" id="{BC13A45F-B701-6042-A1FC-E51DBE17F7A5}"/>
+                <a16:creationId xmlns:a16="http://schemas.microsoft.com/office/drawing/2014/main" id="{321139D9-EE71-5749-A7A3-8AC02267C975}"/>
               </a:ext>
             </a:extLst>
           </p:cNvPr>
@@ -16219,13 +16009,8 @@
           <a:p>
             <a:r>
               <a:rPr lang="en-US" dirty="0"/>
-              <a:t>Module 9: Prep Builder Conductor and Publishing Workflows</a:t>
-            </a:r>
-            <a:r>
-              <a:rPr lang="en-US" baseline="0" dirty="0"/>
-              <a:t> to Tableau Server</a:t>
-            </a:r>
-            <a:endParaRPr lang="en-US" dirty="0"/>
+              <a:t>Outputting to other destinations</a:t>
+            </a:r>
           </a:p>
         </p:txBody>
       </p:sp>
@@ -16234,7 +16019,7 @@
           <p:cNvPr id="3" name="Text Placeholder 2">
             <a:extLst>
               <a:ext uri="{FF2B5EF4-FFF2-40B4-BE49-F238E27FC236}">
-                <a16:creationId xmlns:a16="http://schemas.microsoft.com/office/drawing/2014/main" id="{BD941388-5AB7-FE47-8C02-C1162C5745C3}"/>
+                <a16:creationId xmlns:a16="http://schemas.microsoft.com/office/drawing/2014/main" id="{05636DDC-007A-D447-8410-CAD87BA30D78}"/>
               </a:ext>
             </a:extLst>
           </p:cNvPr>
@@ -16257,7 +16042,7 @@
     </p:spTree>
     <p:extLst>
       <p:ext uri="{BB962C8B-B14F-4D97-AF65-F5344CB8AC3E}">
-        <p14:creationId xmlns:p14="http://schemas.microsoft.com/office/powerpoint/2010/main" val="4173510137"/>
+        <p14:creationId xmlns:p14="http://schemas.microsoft.com/office/powerpoint/2010/main" val="4121859749"/>
       </p:ext>
     </p:extLst>
   </p:cSld>
@@ -16286,7 +16071,13 @@
       </p:grpSpPr>
       <p:sp>
         <p:nvSpPr>
-          <p:cNvPr id="2" name="Title 1"/>
+          <p:cNvPr id="2" name="Title 1">
+            <a:extLst>
+              <a:ext uri="{FF2B5EF4-FFF2-40B4-BE49-F238E27FC236}">
+                <a16:creationId xmlns:a16="http://schemas.microsoft.com/office/drawing/2014/main" id="{BC13A45F-B701-6042-A1FC-E51DBE17F7A5}"/>
+              </a:ext>
+            </a:extLst>
+          </p:cNvPr>
           <p:cNvSpPr>
             <a:spLocks noGrp="1"/>
           </p:cNvSpPr>
@@ -16296,40 +16087,17 @@
         </p:nvSpPr>
         <p:spPr/>
         <p:txBody>
-          <a:bodyPr>
-            <a:normAutofit/>
-          </a:bodyPr>
-          <a:lstStyle/>
-          <a:p>
-            <a:r>
-              <a:rPr lang="en-US" dirty="0"/>
-              <a:t>Tableau Prep Builder Conductor</a:t>
-            </a:r>
-          </a:p>
-          <a:p>
-            <a:endParaRPr lang="en-US" dirty="0"/>
-          </a:p>
-        </p:txBody>
-      </p:sp>
-      <p:sp>
-        <p:nvSpPr>
-          <p:cNvPr id="4" name="Slide Number Placeholder 3"/>
-          <p:cNvSpPr>
-            <a:spLocks noGrp="1"/>
-          </p:cNvSpPr>
-          <p:nvPr>
-            <p:ph type="sldNum" sz="quarter" idx="4294967295"/>
-          </p:nvPr>
-        </p:nvSpPr>
-        <p:spPr/>
-        <p:txBody>
-          <a:bodyPr/>
-          <a:lstStyle/>
-          <a:p>
-            <a:fld id="{4FAB73BC-B049-4115-A692-8D63A059BFB8}" type="slidenum">
-              <a:rPr lang="en-US" smtClean="0"/>
-              <a:t>73</a:t>
-            </a:fld>
+          <a:bodyPr/>
+          <a:lstStyle/>
+          <a:p>
+            <a:r>
+              <a:rPr lang="en-US" dirty="0"/>
+              <a:t>Module 9: Prep Builder Conductor and Publishing Workflows</a:t>
+            </a:r>
+            <a:r>
+              <a:rPr lang="en-US" baseline="0" dirty="0"/>
+              <a:t> to Tableau Server</a:t>
+            </a:r>
             <a:endParaRPr lang="en-US" dirty="0"/>
           </a:p>
         </p:txBody>
@@ -16337,7 +16105,7 @@
     </p:spTree>
     <p:extLst>
       <p:ext uri="{BB962C8B-B14F-4D97-AF65-F5344CB8AC3E}">
-        <p14:creationId xmlns:p14="http://schemas.microsoft.com/office/powerpoint/2010/main" val="710894456"/>
+        <p14:creationId xmlns:p14="http://schemas.microsoft.com/office/powerpoint/2010/main" val="4173510137"/>
       </p:ext>
     </p:extLst>
   </p:cSld>
@@ -16681,31 +16449,6 @@
               <a:rPr lang="en-US" dirty="0"/>
               <a:t>Appendix: Preparing Data In Tableau</a:t>
             </a:r>
-          </a:p>
-        </p:txBody>
-      </p:sp>
-      <p:sp>
-        <p:nvSpPr>
-          <p:cNvPr id="3" name="Text Placeholder 2">
-            <a:extLst>
-              <a:ext uri="{FF2B5EF4-FFF2-40B4-BE49-F238E27FC236}">
-                <a16:creationId xmlns:a16="http://schemas.microsoft.com/office/drawing/2014/main" id="{C0004C11-AE65-7146-9933-115250CEA8DA}"/>
-              </a:ext>
-            </a:extLst>
-          </p:cNvPr>
-          <p:cNvSpPr>
-            <a:spLocks noGrp="1"/>
-          </p:cNvSpPr>
-          <p:nvPr>
-            <p:ph type="body" sz="quarter" idx="10"/>
-          </p:nvPr>
-        </p:nvSpPr>
-        <p:spPr/>
-        <p:txBody>
-          <a:bodyPr/>
-          <a:lstStyle/>
-          <a:p>
-            <a:endParaRPr lang="en-US"/>
           </a:p>
         </p:txBody>
       </p:sp>
@@ -18233,21 +17976,6 @@
 </file>
 
 <file path=customXml/item1.xml><?xml version="1.0" encoding="utf-8"?>
-<?mso-contentType ?>
-<FormTemplates xmlns="http://schemas.microsoft.com/sharepoint/v3/contenttype/forms">
-  <Display>DocumentLibraryForm</Display>
-  <Edit>DocumentLibraryForm</Edit>
-  <New>DocumentLibraryForm</New>
-</FormTemplates>
-</file>
-
-<file path=customXml/item2.xml><?xml version="1.0" encoding="utf-8"?>
-<p:properties xmlns:p="http://schemas.microsoft.com/office/2006/metadata/properties" xmlns:xsi="http://www.w3.org/2001/XMLSchema-instance" xmlns:pc="http://schemas.microsoft.com/office/infopath/2007/PartnerControls">
-  <documentManagement/>
-</p:properties>
-</file>
-
-<file path=customXml/item3.xml><?xml version="1.0" encoding="utf-8"?>
 <ct:contentTypeSchema xmlns:ct="http://schemas.microsoft.com/office/2006/metadata/contentType" xmlns:ma="http://schemas.microsoft.com/office/2006/metadata/properties/metaAttributes" ct:_="" ma:_="" ma:contentTypeName="Document" ma:contentTypeID="0x010100DF17D0A5D2A94D41851BD81F437949EB" ma:contentTypeVersion="4" ma:contentTypeDescription="Create a new document." ma:contentTypeScope="" ma:versionID="86394c489d6ea242463219402424de30">
   <xsd:schema xmlns:xsd="http://www.w3.org/2001/XMLSchema" xmlns:xs="http://www.w3.org/2001/XMLSchema" xmlns:p="http://schemas.microsoft.com/office/2006/metadata/properties" xmlns:ns2="8ae4afce-818c-4ab4-8e35-377c82201c18" xmlns:ns3="6549f357-ea04-4fdc-a4ff-01e398dbae1f" targetNamespace="http://schemas.microsoft.com/office/2006/metadata/properties" ma:root="true" ma:fieldsID="fe252f9ea815bb7a68216b40880644e9" ns2:_="" ns3:_="">
     <xsd:import namespace="8ae4afce-818c-4ab4-8e35-377c82201c18"/>
@@ -18412,32 +18140,22 @@
 </ct:contentTypeSchema>
 </file>
 
-<file path=customXml/itemProps1.xml><?xml version="1.0" encoding="utf-8"?>
-<ds:datastoreItem xmlns:ds="http://schemas.openxmlformats.org/officeDocument/2006/customXml" ds:itemID="{7FBE9ADF-F1D8-4E9F-83D5-C6625824914C}">
-  <ds:schemaRefs>
-    <ds:schemaRef ds:uri="http://schemas.microsoft.com/sharepoint/v3/contenttype/forms"/>
-  </ds:schemaRefs>
-</ds:datastoreItem>
+<file path=customXml/item2.xml><?xml version="1.0" encoding="utf-8"?>
+<?mso-contentType ?>
+<FormTemplates xmlns="http://schemas.microsoft.com/sharepoint/v3/contenttype/forms">
+  <Display>DocumentLibraryForm</Display>
+  <Edit>DocumentLibraryForm</Edit>
+  <New>DocumentLibraryForm</New>
+</FormTemplates>
 </file>
 
-<file path=customXml/itemProps2.xml><?xml version="1.0" encoding="utf-8"?>
-<ds:datastoreItem xmlns:ds="http://schemas.openxmlformats.org/officeDocument/2006/customXml" ds:itemID="{FF9AC6B8-7021-4B23-A9AF-61295A177099}">
-  <ds:schemaRefs>
-    <ds:schemaRef ds:uri="http://schemas.microsoft.com/office/infopath/2007/PartnerControls"/>
-    <ds:schemaRef ds:uri="http://purl.org/dc/dcmitype/"/>
-    <ds:schemaRef ds:uri="http://schemas.microsoft.com/office/2006/metadata/properties"/>
-    <ds:schemaRef ds:uri="http://www.w3.org/XML/1998/namespace"/>
-    <ds:schemaRef ds:uri="http://schemas.microsoft.com/office/2006/documentManagement/types"/>
-    <ds:schemaRef ds:uri="6549f357-ea04-4fdc-a4ff-01e398dbae1f"/>
-    <ds:schemaRef ds:uri="http://schemas.openxmlformats.org/package/2006/metadata/core-properties"/>
-    <ds:schemaRef ds:uri="8ae4afce-818c-4ab4-8e35-377c82201c18"/>
-    <ds:schemaRef ds:uri="http://purl.org/dc/terms/"/>
-    <ds:schemaRef ds:uri="http://purl.org/dc/elements/1.1/"/>
-  </ds:schemaRefs>
-</ds:datastoreItem>
+<file path=customXml/item3.xml><?xml version="1.0" encoding="utf-8"?>
+<p:properties xmlns:p="http://schemas.microsoft.com/office/2006/metadata/properties" xmlns:xsi="http://www.w3.org/2001/XMLSchema-instance" xmlns:pc="http://schemas.microsoft.com/office/infopath/2007/PartnerControls">
+  <documentManagement/>
+</p:properties>
 </file>
 
-<file path=customXml/itemProps3.xml><?xml version="1.0" encoding="utf-8"?>
+<file path=customXml/itemProps1.xml><?xml version="1.0" encoding="utf-8"?>
 <ds:datastoreItem xmlns:ds="http://schemas.openxmlformats.org/officeDocument/2006/customXml" ds:itemID="{5E59C5BB-F795-4F02-AFC2-70EF9316FDF1}">
   <ds:schemaRefs>
     <ds:schemaRef ds:uri="http://schemas.microsoft.com/office/2006/metadata/contentType"/>
@@ -18454,4 +18172,29 @@
     <ds:schemaRef ds:uri="http://schemas.microsoft.com/internal/obd"/>
   </ds:schemaRefs>
 </ds:datastoreItem>
+</file>
+
+<file path=customXml/itemProps2.xml><?xml version="1.0" encoding="utf-8"?>
+<ds:datastoreItem xmlns:ds="http://schemas.openxmlformats.org/officeDocument/2006/customXml" ds:itemID="{7FBE9ADF-F1D8-4E9F-83D5-C6625824914C}">
+  <ds:schemaRefs>
+    <ds:schemaRef ds:uri="http://schemas.microsoft.com/sharepoint/v3/contenttype/forms"/>
+  </ds:schemaRefs>
+</ds:datastoreItem>
+</file>
+
+<file path=customXml/itemProps3.xml><?xml version="1.0" encoding="utf-8"?>
+<ds:datastoreItem xmlns:ds="http://schemas.openxmlformats.org/officeDocument/2006/customXml" ds:itemID="{FF9AC6B8-7021-4B23-A9AF-61295A177099}">
+  <ds:schemaRefs>
+    <ds:schemaRef ds:uri="http://schemas.microsoft.com/office/infopath/2007/PartnerControls"/>
+    <ds:schemaRef ds:uri="http://purl.org/dc/dcmitype/"/>
+    <ds:schemaRef ds:uri="http://schemas.microsoft.com/office/2006/metadata/properties"/>
+    <ds:schemaRef ds:uri="http://www.w3.org/XML/1998/namespace"/>
+    <ds:schemaRef ds:uri="http://schemas.microsoft.com/office/2006/documentManagement/types"/>
+    <ds:schemaRef ds:uri="6549f357-ea04-4fdc-a4ff-01e398dbae1f"/>
+    <ds:schemaRef ds:uri="http://schemas.openxmlformats.org/package/2006/metadata/core-properties"/>
+    <ds:schemaRef ds:uri="8ae4afce-818c-4ab4-8e35-377c82201c18"/>
+    <ds:schemaRef ds:uri="http://purl.org/dc/terms/"/>
+    <ds:schemaRef ds:uri="http://purl.org/dc/elements/1.1/"/>
+  </ds:schemaRefs>
+</ds:datastoreItem>
 </file>
--- a/ppt/TableauPrepBuilderIntroV1_1.pptx
+++ b/ppt/TableauPrepBuilderIntroV1_1.pptx
@@ -5,10 +5,10 @@
     <p:sldMasterId id="2147483660" r:id="rId4"/>
   </p:sldMasterIdLst>
   <p:notesMasterIdLst>
-    <p:notesMasterId r:id="rId83"/>
+    <p:notesMasterId r:id="rId85"/>
   </p:notesMasterIdLst>
   <p:handoutMasterIdLst>
-    <p:handoutMasterId r:id="rId84"/>
+    <p:handoutMasterId r:id="rId86"/>
   </p:handoutMasterIdLst>
   <p:sldIdLst>
     <p:sldId id="323" r:id="rId5"/>
@@ -38,57 +38,59 @@
     <p:sldId id="429" r:id="rId29"/>
     <p:sldId id="430" r:id="rId30"/>
     <p:sldId id="431" r:id="rId31"/>
-    <p:sldId id="432" r:id="rId32"/>
-    <p:sldId id="452" r:id="rId33"/>
-    <p:sldId id="433" r:id="rId34"/>
-    <p:sldId id="446" r:id="rId35"/>
-    <p:sldId id="448" r:id="rId36"/>
-    <p:sldId id="449" r:id="rId37"/>
-    <p:sldId id="450" r:id="rId38"/>
-    <p:sldId id="451" r:id="rId39"/>
-    <p:sldId id="453" r:id="rId40"/>
-    <p:sldId id="454" r:id="rId41"/>
-    <p:sldId id="455" r:id="rId42"/>
-    <p:sldId id="456" r:id="rId43"/>
-    <p:sldId id="457" r:id="rId44"/>
-    <p:sldId id="458" r:id="rId45"/>
-    <p:sldId id="459" r:id="rId46"/>
-    <p:sldId id="460" r:id="rId47"/>
-    <p:sldId id="461" r:id="rId48"/>
-    <p:sldId id="462" r:id="rId49"/>
-    <p:sldId id="463" r:id="rId50"/>
-    <p:sldId id="464" r:id="rId51"/>
-    <p:sldId id="465" r:id="rId52"/>
-    <p:sldId id="466" r:id="rId53"/>
-    <p:sldId id="467" r:id="rId54"/>
-    <p:sldId id="468" r:id="rId55"/>
-    <p:sldId id="469" r:id="rId56"/>
-    <p:sldId id="470" r:id="rId57"/>
-    <p:sldId id="471" r:id="rId58"/>
-    <p:sldId id="472" r:id="rId59"/>
-    <p:sldId id="473" r:id="rId60"/>
-    <p:sldId id="474" r:id="rId61"/>
-    <p:sldId id="475" r:id="rId62"/>
-    <p:sldId id="476" r:id="rId63"/>
-    <p:sldId id="477" r:id="rId64"/>
-    <p:sldId id="478" r:id="rId65"/>
-    <p:sldId id="479" r:id="rId66"/>
-    <p:sldId id="480" r:id="rId67"/>
-    <p:sldId id="481" r:id="rId68"/>
-    <p:sldId id="482" r:id="rId69"/>
-    <p:sldId id="483" r:id="rId70"/>
-    <p:sldId id="484" r:id="rId71"/>
-    <p:sldId id="485" r:id="rId72"/>
-    <p:sldId id="486" r:id="rId73"/>
-    <p:sldId id="487" r:id="rId74"/>
-    <p:sldId id="488" r:id="rId75"/>
-    <p:sldId id="489" r:id="rId76"/>
-    <p:sldId id="490" r:id="rId77"/>
-    <p:sldId id="382" r:id="rId78"/>
-    <p:sldId id="384" r:id="rId79"/>
-    <p:sldId id="385" r:id="rId80"/>
-    <p:sldId id="491" r:id="rId81"/>
-    <p:sldId id="340" r:id="rId82"/>
+    <p:sldId id="493" r:id="rId32"/>
+    <p:sldId id="432" r:id="rId33"/>
+    <p:sldId id="452" r:id="rId34"/>
+    <p:sldId id="433" r:id="rId35"/>
+    <p:sldId id="446" r:id="rId36"/>
+    <p:sldId id="448" r:id="rId37"/>
+    <p:sldId id="449" r:id="rId38"/>
+    <p:sldId id="450" r:id="rId39"/>
+    <p:sldId id="451" r:id="rId40"/>
+    <p:sldId id="494" r:id="rId41"/>
+    <p:sldId id="453" r:id="rId42"/>
+    <p:sldId id="454" r:id="rId43"/>
+    <p:sldId id="455" r:id="rId44"/>
+    <p:sldId id="456" r:id="rId45"/>
+    <p:sldId id="457" r:id="rId46"/>
+    <p:sldId id="458" r:id="rId47"/>
+    <p:sldId id="459" r:id="rId48"/>
+    <p:sldId id="460" r:id="rId49"/>
+    <p:sldId id="461" r:id="rId50"/>
+    <p:sldId id="462" r:id="rId51"/>
+    <p:sldId id="463" r:id="rId52"/>
+    <p:sldId id="464" r:id="rId53"/>
+    <p:sldId id="465" r:id="rId54"/>
+    <p:sldId id="466" r:id="rId55"/>
+    <p:sldId id="467" r:id="rId56"/>
+    <p:sldId id="468" r:id="rId57"/>
+    <p:sldId id="469" r:id="rId58"/>
+    <p:sldId id="470" r:id="rId59"/>
+    <p:sldId id="471" r:id="rId60"/>
+    <p:sldId id="472" r:id="rId61"/>
+    <p:sldId id="473" r:id="rId62"/>
+    <p:sldId id="474" r:id="rId63"/>
+    <p:sldId id="475" r:id="rId64"/>
+    <p:sldId id="476" r:id="rId65"/>
+    <p:sldId id="477" r:id="rId66"/>
+    <p:sldId id="478" r:id="rId67"/>
+    <p:sldId id="479" r:id="rId68"/>
+    <p:sldId id="480" r:id="rId69"/>
+    <p:sldId id="481" r:id="rId70"/>
+    <p:sldId id="482" r:id="rId71"/>
+    <p:sldId id="483" r:id="rId72"/>
+    <p:sldId id="484" r:id="rId73"/>
+    <p:sldId id="485" r:id="rId74"/>
+    <p:sldId id="486" r:id="rId75"/>
+    <p:sldId id="487" r:id="rId76"/>
+    <p:sldId id="488" r:id="rId77"/>
+    <p:sldId id="489" r:id="rId78"/>
+    <p:sldId id="490" r:id="rId79"/>
+    <p:sldId id="382" r:id="rId80"/>
+    <p:sldId id="384" r:id="rId81"/>
+    <p:sldId id="385" r:id="rId82"/>
+    <p:sldId id="491" r:id="rId83"/>
+    <p:sldId id="340" r:id="rId84"/>
   </p:sldIdLst>
   <p:sldSz cx="12192000" cy="6858000"/>
   <p:notesSz cx="9309100" cy="7053263"/>
@@ -257,6 +259,7 @@
             <p14:sldId id="429"/>
             <p14:sldId id="430"/>
             <p14:sldId id="431"/>
+            <p14:sldId id="493"/>
           </p14:sldIdLst>
         </p14:section>
         <p14:section name="Module 3: Union Joins" id="{64045C23-A93F-D54D-A850-AF02B0B24562}">
@@ -269,6 +272,7 @@
             <p14:sldId id="449"/>
             <p14:sldId id="450"/>
             <p14:sldId id="451"/>
+            <p14:sldId id="494"/>
           </p14:sldIdLst>
         </p14:section>
         <p14:section name="Module 4: Joins" id="{07993798-6FD1-874A-AA23-ACA4277D161E}">
@@ -1208,7 +1212,7 @@
               <a:pPr>
                 <a:defRPr/>
               </a:pPr>
-              <a:t>31</a:t>
+              <a:t>32</a:t>
             </a:fld>
             <a:endParaRPr lang="en-US"/>
           </a:p>
@@ -1298,7 +1302,7 @@
               <a:pPr>
                 <a:defRPr/>
               </a:pPr>
-              <a:t>32</a:t>
+              <a:t>33</a:t>
             </a:fld>
             <a:endParaRPr lang="en-US"/>
           </a:p>
@@ -1388,7 +1392,7 @@
               <a:pPr>
                 <a:defRPr/>
               </a:pPr>
-              <a:t>33</a:t>
+              <a:t>34</a:t>
             </a:fld>
             <a:endParaRPr lang="en-US"/>
           </a:p>
@@ -1478,7 +1482,7 @@
               <a:pPr>
                 <a:defRPr/>
               </a:pPr>
-              <a:t>34</a:t>
+              <a:t>35</a:t>
             </a:fld>
             <a:endParaRPr lang="en-US"/>
           </a:p>
@@ -1568,7 +1572,7 @@
               <a:pPr>
                 <a:defRPr/>
               </a:pPr>
-              <a:t>35</a:t>
+              <a:t>36</a:t>
             </a:fld>
             <a:endParaRPr lang="en-US"/>
           </a:p>
@@ -1658,7 +1662,7 @@
               <a:pPr>
                 <a:defRPr/>
               </a:pPr>
-              <a:t>36</a:t>
+              <a:t>38</a:t>
             </a:fld>
             <a:endParaRPr lang="en-US"/>
           </a:p>
@@ -1748,7 +1752,7 @@
               <a:pPr>
                 <a:defRPr/>
               </a:pPr>
-              <a:t>37</a:t>
+              <a:t>39</a:t>
             </a:fld>
             <a:endParaRPr lang="en-US"/>
           </a:p>
@@ -1838,7 +1842,7 @@
               <a:pPr>
                 <a:defRPr/>
               </a:pPr>
-              <a:t>38</a:t>
+              <a:t>40</a:t>
             </a:fld>
             <a:endParaRPr lang="en-US"/>
           </a:p>
@@ -1928,7 +1932,7 @@
               <a:pPr>
                 <a:defRPr/>
               </a:pPr>
-              <a:t>39</a:t>
+              <a:t>41</a:t>
             </a:fld>
             <a:endParaRPr lang="en-US"/>
           </a:p>
@@ -2018,7 +2022,7 @@
               <a:pPr>
                 <a:defRPr/>
               </a:pPr>
-              <a:t>40</a:t>
+              <a:t>42</a:t>
             </a:fld>
             <a:endParaRPr lang="en-US"/>
           </a:p>
@@ -2290,7 +2294,7 @@
               <a:pPr>
                 <a:defRPr/>
               </a:pPr>
-              <a:t>41</a:t>
+              <a:t>43</a:t>
             </a:fld>
             <a:endParaRPr lang="en-US"/>
           </a:p>
@@ -2380,7 +2384,7 @@
               <a:pPr>
                 <a:defRPr/>
               </a:pPr>
-              <a:t>42</a:t>
+              <a:t>44</a:t>
             </a:fld>
             <a:endParaRPr lang="en-US"/>
           </a:p>
@@ -2470,7 +2474,7 @@
               <a:pPr>
                 <a:defRPr/>
               </a:pPr>
-              <a:t>43</a:t>
+              <a:t>45</a:t>
             </a:fld>
             <a:endParaRPr lang="en-US"/>
           </a:p>
@@ -2560,7 +2564,7 @@
               <a:pPr>
                 <a:defRPr/>
               </a:pPr>
-              <a:t>44</a:t>
+              <a:t>46</a:t>
             </a:fld>
             <a:endParaRPr lang="en-US"/>
           </a:p>
@@ -2650,7 +2654,7 @@
               <a:pPr>
                 <a:defRPr/>
               </a:pPr>
-              <a:t>45</a:t>
+              <a:t>47</a:t>
             </a:fld>
             <a:endParaRPr lang="en-US"/>
           </a:p>
@@ -2740,7 +2744,7 @@
               <a:pPr>
                 <a:defRPr/>
               </a:pPr>
-              <a:t>46</a:t>
+              <a:t>48</a:t>
             </a:fld>
             <a:endParaRPr lang="en-US"/>
           </a:p>
@@ -2830,7 +2834,7 @@
               <a:pPr>
                 <a:defRPr/>
               </a:pPr>
-              <a:t>47</a:t>
+              <a:t>49</a:t>
             </a:fld>
             <a:endParaRPr lang="en-US"/>
           </a:p>
@@ -2920,7 +2924,7 @@
               <a:pPr>
                 <a:defRPr/>
               </a:pPr>
-              <a:t>48</a:t>
+              <a:t>50</a:t>
             </a:fld>
             <a:endParaRPr lang="en-US"/>
           </a:p>
@@ -3010,7 +3014,7 @@
               <a:pPr>
                 <a:defRPr/>
               </a:pPr>
-              <a:t>49</a:t>
+              <a:t>51</a:t>
             </a:fld>
             <a:endParaRPr lang="en-US"/>
           </a:p>
@@ -3100,7 +3104,7 @@
               <a:pPr>
                 <a:defRPr/>
               </a:pPr>
-              <a:t>50</a:t>
+              <a:t>52</a:t>
             </a:fld>
             <a:endParaRPr lang="en-US"/>
           </a:p>
@@ -3391,7 +3395,7 @@
               <a:pPr>
                 <a:defRPr/>
               </a:pPr>
-              <a:t>51</a:t>
+              <a:t>53</a:t>
             </a:fld>
             <a:endParaRPr lang="en-US"/>
           </a:p>
@@ -3481,7 +3485,7 @@
               <a:pPr>
                 <a:defRPr/>
               </a:pPr>
-              <a:t>52</a:t>
+              <a:t>54</a:t>
             </a:fld>
             <a:endParaRPr lang="en-US"/>
           </a:p>
@@ -3571,7 +3575,7 @@
               <a:pPr>
                 <a:defRPr/>
               </a:pPr>
-              <a:t>53</a:t>
+              <a:t>55</a:t>
             </a:fld>
             <a:endParaRPr lang="en-US"/>
           </a:p>
@@ -3661,7 +3665,7 @@
               <a:pPr>
                 <a:defRPr/>
               </a:pPr>
-              <a:t>54</a:t>
+              <a:t>56</a:t>
             </a:fld>
             <a:endParaRPr lang="en-US"/>
           </a:p>
@@ -3751,7 +3755,7 @@
               <a:pPr>
                 <a:defRPr/>
               </a:pPr>
-              <a:t>55</a:t>
+              <a:t>57</a:t>
             </a:fld>
             <a:endParaRPr lang="en-US"/>
           </a:p>
@@ -3841,7 +3845,7 @@
               <a:pPr>
                 <a:defRPr/>
               </a:pPr>
-              <a:t>56</a:t>
+              <a:t>58</a:t>
             </a:fld>
             <a:endParaRPr lang="en-US"/>
           </a:p>
@@ -3931,7 +3935,7 @@
               <a:pPr>
                 <a:defRPr/>
               </a:pPr>
-              <a:t>57</a:t>
+              <a:t>59</a:t>
             </a:fld>
             <a:endParaRPr lang="en-US"/>
           </a:p>
@@ -4021,7 +4025,7 @@
               <a:pPr>
                 <a:defRPr/>
               </a:pPr>
-              <a:t>58</a:t>
+              <a:t>60</a:t>
             </a:fld>
             <a:endParaRPr lang="en-US"/>
           </a:p>
@@ -4111,7 +4115,7 @@
               <a:pPr>
                 <a:defRPr/>
               </a:pPr>
-              <a:t>59</a:t>
+              <a:t>61</a:t>
             </a:fld>
             <a:endParaRPr lang="en-US"/>
           </a:p>
@@ -4201,7 +4205,7 @@
               <a:pPr>
                 <a:defRPr/>
               </a:pPr>
-              <a:t>60</a:t>
+              <a:t>62</a:t>
             </a:fld>
             <a:endParaRPr lang="en-US"/>
           </a:p>
@@ -4381,7 +4385,7 @@
               <a:pPr>
                 <a:defRPr/>
               </a:pPr>
-              <a:t>61</a:t>
+              <a:t>63</a:t>
             </a:fld>
             <a:endParaRPr lang="en-US"/>
           </a:p>
@@ -4471,7 +4475,7 @@
               <a:pPr>
                 <a:defRPr/>
               </a:pPr>
-              <a:t>62</a:t>
+              <a:t>64</a:t>
             </a:fld>
             <a:endParaRPr lang="en-US"/>
           </a:p>
@@ -4561,7 +4565,7 @@
               <a:pPr>
                 <a:defRPr/>
               </a:pPr>
-              <a:t>63</a:t>
+              <a:t>65</a:t>
             </a:fld>
             <a:endParaRPr lang="en-US"/>
           </a:p>
@@ -4651,7 +4655,7 @@
               <a:pPr>
                 <a:defRPr/>
               </a:pPr>
-              <a:t>64</a:t>
+              <a:t>66</a:t>
             </a:fld>
             <a:endParaRPr lang="en-US"/>
           </a:p>
@@ -4741,7 +4745,7 @@
               <a:pPr>
                 <a:defRPr/>
               </a:pPr>
-              <a:t>65</a:t>
+              <a:t>67</a:t>
             </a:fld>
             <a:endParaRPr lang="en-US"/>
           </a:p>
@@ -4831,7 +4835,7 @@
               <a:pPr>
                 <a:defRPr/>
               </a:pPr>
-              <a:t>66</a:t>
+              <a:t>68</a:t>
             </a:fld>
             <a:endParaRPr lang="en-US"/>
           </a:p>
@@ -4921,7 +4925,7 @@
               <a:pPr>
                 <a:defRPr/>
               </a:pPr>
-              <a:t>67</a:t>
+              <a:t>69</a:t>
             </a:fld>
             <a:endParaRPr lang="en-US"/>
           </a:p>
@@ -5011,7 +5015,7 @@
               <a:pPr>
                 <a:defRPr/>
               </a:pPr>
-              <a:t>68</a:t>
+              <a:t>70</a:t>
             </a:fld>
             <a:endParaRPr lang="en-US"/>
           </a:p>
@@ -5101,7 +5105,7 @@
               <a:pPr>
                 <a:defRPr/>
               </a:pPr>
-              <a:t>69</a:t>
+              <a:t>71</a:t>
             </a:fld>
             <a:endParaRPr lang="en-US"/>
           </a:p>
@@ -5191,7 +5195,7 @@
               <a:pPr>
                 <a:defRPr/>
               </a:pPr>
-              <a:t>70</a:t>
+              <a:t>72</a:t>
             </a:fld>
             <a:endParaRPr lang="en-US"/>
           </a:p>
@@ -5371,7 +5375,7 @@
               <a:pPr>
                 <a:defRPr/>
               </a:pPr>
-              <a:t>71</a:t>
+              <a:t>73</a:t>
             </a:fld>
             <a:endParaRPr lang="en-US"/>
           </a:p>
@@ -5461,7 +5465,7 @@
               <a:pPr>
                 <a:defRPr/>
               </a:pPr>
-              <a:t>72</a:t>
+              <a:t>74</a:t>
             </a:fld>
             <a:endParaRPr lang="en-US"/>
           </a:p>
@@ -5551,7 +5555,7 @@
               <a:pPr>
                 <a:defRPr/>
               </a:pPr>
-              <a:t>73</a:t>
+              <a:t>75</a:t>
             </a:fld>
             <a:endParaRPr lang="en-US"/>
           </a:p>
@@ -5641,7 +5645,7 @@
               <a:pPr>
                 <a:defRPr/>
               </a:pPr>
-              <a:t>74</a:t>
+              <a:t>76</a:t>
             </a:fld>
             <a:endParaRPr lang="en-US"/>
           </a:p>
@@ -5731,7 +5735,7 @@
               <a:pPr>
                 <a:defRPr/>
               </a:pPr>
-              <a:t>75</a:t>
+              <a:t>77</a:t>
             </a:fld>
             <a:endParaRPr lang="en-US"/>
           </a:p>
@@ -5821,7 +5825,7 @@
               <a:pPr>
                 <a:defRPr/>
               </a:pPr>
-              <a:t>76</a:t>
+              <a:t>78</a:t>
             </a:fld>
             <a:endParaRPr lang="en-US"/>
           </a:p>
@@ -5911,7 +5915,7 @@
               <a:pPr>
                 <a:defRPr/>
               </a:pPr>
-              <a:t>77</a:t>
+              <a:t>79</a:t>
             </a:fld>
             <a:endParaRPr lang="en-US"/>
           </a:p>
@@ -6001,7 +6005,7 @@
               <a:pPr>
                 <a:defRPr/>
               </a:pPr>
-              <a:t>78</a:t>
+              <a:t>80</a:t>
             </a:fld>
             <a:endParaRPr lang="en-US"/>
           </a:p>
@@ -6181,7 +6185,7 @@
               <a:pPr>
                 <a:defRPr/>
               </a:pPr>
-              <a:t>28</a:t>
+              <a:t>29</a:t>
             </a:fld>
             <a:endParaRPr lang="en-US"/>
           </a:p>
@@ -6271,7 +6275,7 @@
               <a:pPr>
                 <a:defRPr/>
               </a:pPr>
-              <a:t>29</a:t>
+              <a:t>30</a:t>
             </a:fld>
             <a:endParaRPr lang="en-US"/>
           </a:p>
@@ -6361,7 +6365,7 @@
               <a:pPr>
                 <a:defRPr/>
               </a:pPr>
-              <a:t>30</a:t>
+              <a:t>31</a:t>
             </a:fld>
             <a:endParaRPr lang="en-US"/>
           </a:p>
@@ -9241,7 +9245,23 @@
           <a:bodyPr/>
           <a:lstStyle/>
           <a:p>
-            <a:endParaRPr lang="en-US"/>
+            <a:r>
+              <a:rPr lang="en-US" dirty="0"/>
+              <a:t>Connect to data at its source</a:t>
+            </a:r>
+          </a:p>
+          <a:p>
+            <a:pPr lvl="1"/>
+            <a:r>
+              <a:rPr lang="en-US" dirty="0"/>
+              <a:t>RDBMS systems, files, web services, etc.</a:t>
+            </a:r>
+          </a:p>
+          <a:p>
+            <a:r>
+              <a:rPr lang="en-US" dirty="0"/>
+              <a:t>Combine data from multiple sources</a:t>
+            </a:r>
           </a:p>
         </p:txBody>
       </p:sp>
@@ -9431,7 +9451,14 @@
           <a:bodyPr/>
           <a:lstStyle/>
           <a:p>
-            <a:endParaRPr lang="en-US"/>
+            <a:r>
+              <a:rPr lang="en-US" dirty="0"/>
+              <a:t>Push cleaned &amp; shaped data into destination</a:t>
+            </a:r>
+          </a:p>
+          <a:p>
+            <a:pPr lvl="1"/>
+            <a:endParaRPr lang="en-US" dirty="0"/>
           </a:p>
         </p:txBody>
       </p:sp>
@@ -9742,7 +9769,16 @@
           <a:bodyPr/>
           <a:lstStyle/>
           <a:p>
-            <a:endParaRPr lang="en-US" dirty="0"/>
+            <a:r>
+              <a:rPr lang="en-US" dirty="0"/>
+              <a:t>Dozens of file- &amp; server-based data sources</a:t>
+            </a:r>
+          </a:p>
+          <a:p>
+            <a:r>
+              <a:rPr lang="en-US" dirty="0"/>
+              <a:t>ODBC &amp; JDBC connections</a:t>
+            </a:r>
           </a:p>
         </p:txBody>
       </p:sp>
@@ -9842,7 +9878,44 @@
           <a:bodyPr/>
           <a:lstStyle/>
           <a:p>
-            <a:endParaRPr lang="en-US"/>
+            <a:r>
+              <a:rPr lang="en-US" dirty="0"/>
+              <a:t>Most major RDBMS systems supported</a:t>
+            </a:r>
+          </a:p>
+          <a:p>
+            <a:pPr lvl="1"/>
+            <a:r>
+              <a:rPr lang="en-US" dirty="0"/>
+              <a:t>SQL Server, Oracle, MySQL, DB2, MongoDB, etc.</a:t>
+            </a:r>
+          </a:p>
+          <a:p>
+            <a:r>
+              <a:rPr lang="en-US" dirty="0"/>
+              <a:t>General pattern similar for all</a:t>
+            </a:r>
+          </a:p>
+          <a:p>
+            <a:pPr lvl="1"/>
+            <a:r>
+              <a:rPr lang="en-US" dirty="0"/>
+              <a:t>Specify server name/address</a:t>
+            </a:r>
+          </a:p>
+          <a:p>
+            <a:pPr lvl="1"/>
+            <a:r>
+              <a:rPr lang="en-US" dirty="0"/>
+              <a:t>Possibly specify DB name</a:t>
+            </a:r>
+          </a:p>
+          <a:p>
+            <a:pPr lvl="1"/>
+            <a:r>
+              <a:rPr lang="en-US" dirty="0"/>
+              <a:t>Authenticate (username &amp; password)</a:t>
+            </a:r>
           </a:p>
         </p:txBody>
       </p:sp>
@@ -10744,7 +10817,63 @@
       </p:grpSpPr>
       <p:sp>
         <p:nvSpPr>
-          <p:cNvPr id="2" name="Title 1"/>
+          <p:cNvPr id="2" name="Subtitle 1">
+            <a:extLst>
+              <a:ext uri="{FF2B5EF4-FFF2-40B4-BE49-F238E27FC236}">
+                <a16:creationId xmlns:a16="http://schemas.microsoft.com/office/drawing/2014/main" id="{AAD2439F-1DBE-744B-A703-1383FC8F2CCC}"/>
+              </a:ext>
+            </a:extLst>
+          </p:cNvPr>
+          <p:cNvSpPr>
+            <a:spLocks noGrp="1"/>
+          </p:cNvSpPr>
+          <p:nvPr>
+            <p:ph type="subTitle" idx="1"/>
+          </p:nvPr>
+        </p:nvSpPr>
+        <p:spPr/>
+        <p:txBody>
+          <a:bodyPr/>
+          <a:lstStyle/>
+          <a:p>
+            <a:endParaRPr lang="en-US" dirty="0"/>
+          </a:p>
+        </p:txBody>
+      </p:sp>
+      <p:sp>
+        <p:nvSpPr>
+          <p:cNvPr id="3" name="Text Placeholder 2">
+            <a:extLst>
+              <a:ext uri="{FF2B5EF4-FFF2-40B4-BE49-F238E27FC236}">
+                <a16:creationId xmlns:a16="http://schemas.microsoft.com/office/drawing/2014/main" id="{B34D6F55-4A1C-8C4F-9AF3-A38CD56C25CA}"/>
+              </a:ext>
+            </a:extLst>
+          </p:cNvPr>
+          <p:cNvSpPr>
+            <a:spLocks noGrp="1"/>
+          </p:cNvSpPr>
+          <p:nvPr>
+            <p:ph type="body" sz="quarter" idx="11"/>
+          </p:nvPr>
+        </p:nvSpPr>
+        <p:spPr/>
+        <p:txBody>
+          <a:bodyPr/>
+          <a:lstStyle/>
+          <a:p>
+            <a:endParaRPr lang="en-US"/>
+          </a:p>
+        </p:txBody>
+      </p:sp>
+      <p:sp>
+        <p:nvSpPr>
+          <p:cNvPr id="4" name="Title 3">
+            <a:extLst>
+              <a:ext uri="{FF2B5EF4-FFF2-40B4-BE49-F238E27FC236}">
+                <a16:creationId xmlns:a16="http://schemas.microsoft.com/office/drawing/2014/main" id="{BACB2514-CF03-6F4B-98A8-05F8396F2D7E}"/>
+              </a:ext>
+            </a:extLst>
+          </p:cNvPr>
           <p:cNvSpPr>
             <a:spLocks noGrp="1"/>
           </p:cNvSpPr>
@@ -10759,7 +10888,7 @@
           <a:p>
             <a:r>
               <a:rPr lang="en-US" dirty="0"/>
-              <a:t>Module 3: UNION Joins</a:t>
+              <a:t>Lab 2: Connecting to Data</a:t>
             </a:r>
           </a:p>
         </p:txBody>
@@ -10767,7 +10896,7 @@
     </p:spTree>
     <p:extLst>
       <p:ext uri="{BB962C8B-B14F-4D97-AF65-F5344CB8AC3E}">
-        <p14:creationId xmlns:p14="http://schemas.microsoft.com/office/powerpoint/2010/main" val="4266211854"/>
+        <p14:creationId xmlns:p14="http://schemas.microsoft.com/office/powerpoint/2010/main" val="2282883991"/>
       </p:ext>
     </p:extLst>
   </p:cSld>
@@ -10796,13 +10925,7 @@
       </p:grpSpPr>
       <p:sp>
         <p:nvSpPr>
-          <p:cNvPr id="2" name="Title 1">
-            <a:extLst>
-              <a:ext uri="{FF2B5EF4-FFF2-40B4-BE49-F238E27FC236}">
-                <a16:creationId xmlns:a16="http://schemas.microsoft.com/office/drawing/2014/main" id="{0A759684-435C-494B-AE1E-AAC97A368594}"/>
-              </a:ext>
-            </a:extLst>
-          </p:cNvPr>
+          <p:cNvPr id="2" name="Title 1"/>
           <p:cNvSpPr>
             <a:spLocks noGrp="1"/>
           </p:cNvSpPr>
@@ -10817,45 +10940,15 @@
           <a:p>
             <a:r>
               <a:rPr lang="en-US" dirty="0"/>
-              <a:t>UNION</a:t>
-            </a:r>
-            <a:r>
-              <a:rPr lang="en-US" baseline="0" dirty="0"/>
-              <a:t> Joins</a:t>
-            </a:r>
-            <a:endParaRPr lang="en-US" dirty="0"/>
-          </a:p>
-        </p:txBody>
-      </p:sp>
-      <p:sp>
-        <p:nvSpPr>
-          <p:cNvPr id="3" name="Text Placeholder 2">
-            <a:extLst>
-              <a:ext uri="{FF2B5EF4-FFF2-40B4-BE49-F238E27FC236}">
-                <a16:creationId xmlns:a16="http://schemas.microsoft.com/office/drawing/2014/main" id="{1DE58651-9EBB-0A4A-8424-84C3ADDAC864}"/>
-              </a:ext>
-            </a:extLst>
-          </p:cNvPr>
-          <p:cNvSpPr>
-            <a:spLocks noGrp="1"/>
-          </p:cNvSpPr>
-          <p:nvPr>
-            <p:ph type="body" sz="quarter" idx="10"/>
-          </p:nvPr>
-        </p:nvSpPr>
-        <p:spPr/>
-        <p:txBody>
-          <a:bodyPr/>
-          <a:lstStyle/>
-          <a:p>
-            <a:endParaRPr lang="en-US"/>
+              <a:t>Module 3: UNION Joins</a:t>
+            </a:r>
           </a:p>
         </p:txBody>
       </p:sp>
     </p:spTree>
     <p:extLst>
       <p:ext uri="{BB962C8B-B14F-4D97-AF65-F5344CB8AC3E}">
-        <p14:creationId xmlns:p14="http://schemas.microsoft.com/office/powerpoint/2010/main" val="2085875749"/>
+        <p14:creationId xmlns:p14="http://schemas.microsoft.com/office/powerpoint/2010/main" val="4266211854"/>
       </p:ext>
     </p:extLst>
   </p:cSld>
@@ -10994,7 +11087,13 @@
       </p:grpSpPr>
       <p:sp>
         <p:nvSpPr>
-          <p:cNvPr id="2" name="Title 1"/>
+          <p:cNvPr id="2" name="Title 1">
+            <a:extLst>
+              <a:ext uri="{FF2B5EF4-FFF2-40B4-BE49-F238E27FC236}">
+                <a16:creationId xmlns:a16="http://schemas.microsoft.com/office/drawing/2014/main" id="{0A759684-435C-494B-AE1E-AAC97A368594}"/>
+              </a:ext>
+            </a:extLst>
+          </p:cNvPr>
           <p:cNvSpPr>
             <a:spLocks noGrp="1"/>
           </p:cNvSpPr>
@@ -11009,14 +11108,25 @@
           <a:p>
             <a:r>
               <a:rPr lang="en-US" dirty="0"/>
-              <a:t>The Data Preview Pane</a:t>
-            </a:r>
-          </a:p>
-        </p:txBody>
-      </p:sp>
-      <p:sp>
-        <p:nvSpPr>
-          <p:cNvPr id="3" name="Text Placeholder 2"/>
+              <a:t>UNION</a:t>
+            </a:r>
+            <a:r>
+              <a:rPr lang="en-US" baseline="0" dirty="0"/>
+              <a:t> Joins</a:t>
+            </a:r>
+            <a:endParaRPr lang="en-US" dirty="0"/>
+          </a:p>
+        </p:txBody>
+      </p:sp>
+      <p:sp>
+        <p:nvSpPr>
+          <p:cNvPr id="3" name="Text Placeholder 2">
+            <a:extLst>
+              <a:ext uri="{FF2B5EF4-FFF2-40B4-BE49-F238E27FC236}">
+                <a16:creationId xmlns:a16="http://schemas.microsoft.com/office/drawing/2014/main" id="{1DE58651-9EBB-0A4A-8424-84C3ADDAC864}"/>
+              </a:ext>
+            </a:extLst>
+          </p:cNvPr>
           <p:cNvSpPr>
             <a:spLocks noGrp="1"/>
           </p:cNvSpPr>
@@ -11036,7 +11146,7 @@
     </p:spTree>
     <p:extLst>
       <p:ext uri="{BB962C8B-B14F-4D97-AF65-F5344CB8AC3E}">
-        <p14:creationId xmlns:p14="http://schemas.microsoft.com/office/powerpoint/2010/main" val="1963526926"/>
+        <p14:creationId xmlns:p14="http://schemas.microsoft.com/office/powerpoint/2010/main" val="2085875749"/>
       </p:ext>
     </p:extLst>
   </p:cSld>
@@ -11065,18 +11175,34 @@
       </p:grpSpPr>
       <p:sp>
         <p:nvSpPr>
-          <p:cNvPr id="2" name="Subtitle 1">
-            <a:extLst>
-              <a:ext uri="{FF2B5EF4-FFF2-40B4-BE49-F238E27FC236}">
-                <a16:creationId xmlns:a16="http://schemas.microsoft.com/office/drawing/2014/main" id="{115D9100-9FE2-7D4A-B51F-3D960A8C03B8}"/>
-              </a:ext>
-            </a:extLst>
-          </p:cNvPr>
-          <p:cNvSpPr>
-            <a:spLocks noGrp="1"/>
-          </p:cNvSpPr>
-          <p:nvPr>
-            <p:ph type="subTitle" idx="1"/>
+          <p:cNvPr id="2" name="Title 1"/>
+          <p:cNvSpPr>
+            <a:spLocks noGrp="1"/>
+          </p:cNvSpPr>
+          <p:nvPr>
+            <p:ph type="title"/>
+          </p:nvPr>
+        </p:nvSpPr>
+        <p:spPr/>
+        <p:txBody>
+          <a:bodyPr/>
+          <a:lstStyle/>
+          <a:p>
+            <a:r>
+              <a:rPr lang="en-US" dirty="0"/>
+              <a:t>The Data Preview Pane</a:t>
+            </a:r>
+          </a:p>
+        </p:txBody>
+      </p:sp>
+      <p:sp>
+        <p:nvSpPr>
+          <p:cNvPr id="3" name="Text Placeholder 2"/>
+          <p:cNvSpPr>
+            <a:spLocks noGrp="1"/>
+          </p:cNvSpPr>
+          <p:nvPr>
+            <p:ph type="body" sz="quarter" idx="10"/>
           </p:nvPr>
         </p:nvSpPr>
         <p:spPr/>
@@ -11085,66 +11211,13 @@
           <a:lstStyle/>
           <a:p>
             <a:endParaRPr lang="en-US"/>
-          </a:p>
-        </p:txBody>
-      </p:sp>
-      <p:sp>
-        <p:nvSpPr>
-          <p:cNvPr id="3" name="Text Placeholder 2">
-            <a:extLst>
-              <a:ext uri="{FF2B5EF4-FFF2-40B4-BE49-F238E27FC236}">
-                <a16:creationId xmlns:a16="http://schemas.microsoft.com/office/drawing/2014/main" id="{9EE74537-D19A-A348-8084-99D92D6B319D}"/>
-              </a:ext>
-            </a:extLst>
-          </p:cNvPr>
-          <p:cNvSpPr>
-            <a:spLocks noGrp="1"/>
-          </p:cNvSpPr>
-          <p:nvPr>
-            <p:ph type="body" sz="quarter" idx="11"/>
-          </p:nvPr>
-        </p:nvSpPr>
-        <p:spPr/>
-        <p:txBody>
-          <a:bodyPr/>
-          <a:lstStyle/>
-          <a:p>
-            <a:endParaRPr lang="en-US"/>
-          </a:p>
-        </p:txBody>
-      </p:sp>
-      <p:sp>
-        <p:nvSpPr>
-          <p:cNvPr id="4" name="Title 3">
-            <a:extLst>
-              <a:ext uri="{FF2B5EF4-FFF2-40B4-BE49-F238E27FC236}">
-                <a16:creationId xmlns:a16="http://schemas.microsoft.com/office/drawing/2014/main" id="{12CB095F-F2FA-DE4B-A962-73D921102700}"/>
-              </a:ext>
-            </a:extLst>
-          </p:cNvPr>
-          <p:cNvSpPr>
-            <a:spLocks noGrp="1"/>
-          </p:cNvSpPr>
-          <p:nvPr>
-            <p:ph type="title"/>
-          </p:nvPr>
-        </p:nvSpPr>
-        <p:spPr/>
-        <p:txBody>
-          <a:bodyPr/>
-          <a:lstStyle/>
-          <a:p>
-            <a:r>
-              <a:rPr lang="en-US" dirty="0"/>
-              <a:t>Data Types</a:t>
-            </a:r>
           </a:p>
         </p:txBody>
       </p:sp>
     </p:spTree>
     <p:extLst>
       <p:ext uri="{BB962C8B-B14F-4D97-AF65-F5344CB8AC3E}">
-        <p14:creationId xmlns:p14="http://schemas.microsoft.com/office/powerpoint/2010/main" val="1227333314"/>
+        <p14:creationId xmlns:p14="http://schemas.microsoft.com/office/powerpoint/2010/main" val="1963526926"/>
       </p:ext>
     </p:extLst>
   </p:cSld>
@@ -11176,7 +11249,7 @@
           <p:cNvPr id="2" name="Subtitle 1">
             <a:extLst>
               <a:ext uri="{FF2B5EF4-FFF2-40B4-BE49-F238E27FC236}">
-                <a16:creationId xmlns:a16="http://schemas.microsoft.com/office/drawing/2014/main" id="{DA6D074F-B87C-4F4C-940C-F72EB3D7020D}"/>
+                <a16:creationId xmlns:a16="http://schemas.microsoft.com/office/drawing/2014/main" id="{115D9100-9FE2-7D4A-B51F-3D960A8C03B8}"/>
               </a:ext>
             </a:extLst>
           </p:cNvPr>
@@ -11201,7 +11274,7 @@
           <p:cNvPr id="3" name="Text Placeholder 2">
             <a:extLst>
               <a:ext uri="{FF2B5EF4-FFF2-40B4-BE49-F238E27FC236}">
-                <a16:creationId xmlns:a16="http://schemas.microsoft.com/office/drawing/2014/main" id="{C5CF72B8-0EA9-7F45-B44B-F281732DFFD9}"/>
+                <a16:creationId xmlns:a16="http://schemas.microsoft.com/office/drawing/2014/main" id="{9EE74537-D19A-A348-8084-99D92D6B319D}"/>
               </a:ext>
             </a:extLst>
           </p:cNvPr>
@@ -11226,7 +11299,7 @@
           <p:cNvPr id="4" name="Title 3">
             <a:extLst>
               <a:ext uri="{FF2B5EF4-FFF2-40B4-BE49-F238E27FC236}">
-                <a16:creationId xmlns:a16="http://schemas.microsoft.com/office/drawing/2014/main" id="{1B038B5B-7922-C842-9C66-5752419CA5E7}"/>
+                <a16:creationId xmlns:a16="http://schemas.microsoft.com/office/drawing/2014/main" id="{12CB095F-F2FA-DE4B-A962-73D921102700}"/>
               </a:ext>
             </a:extLst>
           </p:cNvPr>
@@ -11244,7 +11317,7 @@
           <a:p>
             <a:r>
               <a:rPr lang="en-US" dirty="0"/>
-              <a:t>Changes</a:t>
+              <a:t>Data Types</a:t>
             </a:r>
           </a:p>
         </p:txBody>
@@ -11252,7 +11325,7 @@
     </p:spTree>
     <p:extLst>
       <p:ext uri="{BB962C8B-B14F-4D97-AF65-F5344CB8AC3E}">
-        <p14:creationId xmlns:p14="http://schemas.microsoft.com/office/powerpoint/2010/main" val="1890150800"/>
+        <p14:creationId xmlns:p14="http://schemas.microsoft.com/office/powerpoint/2010/main" val="1227333314"/>
       </p:ext>
     </p:extLst>
   </p:cSld>
@@ -11284,7 +11357,7 @@
           <p:cNvPr id="2" name="Subtitle 1">
             <a:extLst>
               <a:ext uri="{FF2B5EF4-FFF2-40B4-BE49-F238E27FC236}">
-                <a16:creationId xmlns:a16="http://schemas.microsoft.com/office/drawing/2014/main" id="{7C5AFA44-3757-D347-93D8-4FA8FFBAFB33}"/>
+                <a16:creationId xmlns:a16="http://schemas.microsoft.com/office/drawing/2014/main" id="{DA6D074F-B87C-4F4C-940C-F72EB3D7020D}"/>
               </a:ext>
             </a:extLst>
           </p:cNvPr>
@@ -11309,7 +11382,7 @@
           <p:cNvPr id="3" name="Text Placeholder 2">
             <a:extLst>
               <a:ext uri="{FF2B5EF4-FFF2-40B4-BE49-F238E27FC236}">
-                <a16:creationId xmlns:a16="http://schemas.microsoft.com/office/drawing/2014/main" id="{DFE6DA2C-DE55-8B43-BE4B-29FA34359AB0}"/>
+                <a16:creationId xmlns:a16="http://schemas.microsoft.com/office/drawing/2014/main" id="{C5CF72B8-0EA9-7F45-B44B-F281732DFFD9}"/>
               </a:ext>
             </a:extLst>
           </p:cNvPr>
@@ -11334,7 +11407,7 @@
           <p:cNvPr id="4" name="Title 3">
             <a:extLst>
               <a:ext uri="{FF2B5EF4-FFF2-40B4-BE49-F238E27FC236}">
-                <a16:creationId xmlns:a16="http://schemas.microsoft.com/office/drawing/2014/main" id="{4763A78A-C1AE-6D40-A375-990181AACD65}"/>
+                <a16:creationId xmlns:a16="http://schemas.microsoft.com/office/drawing/2014/main" id="{1B038B5B-7922-C842-9C66-5752419CA5E7}"/>
               </a:ext>
             </a:extLst>
           </p:cNvPr>
@@ -11352,20 +11425,15 @@
           <a:p>
             <a:r>
               <a:rPr lang="en-US" dirty="0"/>
-              <a:t>Reviewing the Union</a:t>
-            </a:r>
-            <a:r>
-              <a:rPr lang="en-US" baseline="0" dirty="0"/>
-              <a:t> Step</a:t>
-            </a:r>
-            <a:endParaRPr lang="en-US" dirty="0"/>
+              <a:t>Changes</a:t>
+            </a:r>
           </a:p>
         </p:txBody>
       </p:sp>
     </p:spTree>
     <p:extLst>
       <p:ext uri="{BB962C8B-B14F-4D97-AF65-F5344CB8AC3E}">
-        <p14:creationId xmlns:p14="http://schemas.microsoft.com/office/powerpoint/2010/main" val="3564736276"/>
+        <p14:creationId xmlns:p14="http://schemas.microsoft.com/office/powerpoint/2010/main" val="1890150800"/>
       </p:ext>
     </p:extLst>
   </p:cSld>
@@ -11397,7 +11465,7 @@
           <p:cNvPr id="2" name="Subtitle 1">
             <a:extLst>
               <a:ext uri="{FF2B5EF4-FFF2-40B4-BE49-F238E27FC236}">
-                <a16:creationId xmlns:a16="http://schemas.microsoft.com/office/drawing/2014/main" id="{10E586FF-BE6A-8841-8761-0711CC85F918}"/>
+                <a16:creationId xmlns:a16="http://schemas.microsoft.com/office/drawing/2014/main" id="{7C5AFA44-3757-D347-93D8-4FA8FFBAFB33}"/>
               </a:ext>
             </a:extLst>
           </p:cNvPr>
@@ -11422,7 +11490,7 @@
           <p:cNvPr id="3" name="Text Placeholder 2">
             <a:extLst>
               <a:ext uri="{FF2B5EF4-FFF2-40B4-BE49-F238E27FC236}">
-                <a16:creationId xmlns:a16="http://schemas.microsoft.com/office/drawing/2014/main" id="{8C9183B9-4A6F-934C-895F-94E4989F02C5}"/>
+                <a16:creationId xmlns:a16="http://schemas.microsoft.com/office/drawing/2014/main" id="{DFE6DA2C-DE55-8B43-BE4B-29FA34359AB0}"/>
               </a:ext>
             </a:extLst>
           </p:cNvPr>
@@ -11447,7 +11515,7 @@
           <p:cNvPr id="4" name="Title 3">
             <a:extLst>
               <a:ext uri="{FF2B5EF4-FFF2-40B4-BE49-F238E27FC236}">
-                <a16:creationId xmlns:a16="http://schemas.microsoft.com/office/drawing/2014/main" id="{9D22851B-CAA5-5841-A154-53FC902626D7}"/>
+                <a16:creationId xmlns:a16="http://schemas.microsoft.com/office/drawing/2014/main" id="{4763A78A-C1AE-6D40-A375-990181AACD65}"/>
               </a:ext>
             </a:extLst>
           </p:cNvPr>
@@ -11465,11 +11533,11 @@
           <a:p>
             <a:r>
               <a:rPr lang="en-US" dirty="0"/>
-              <a:t>Wildcard</a:t>
+              <a:t>Reviewing the Union</a:t>
             </a:r>
             <a:r>
               <a:rPr lang="en-US" baseline="0" dirty="0"/>
-              <a:t> Union Joins</a:t>
+              <a:t> Step</a:t>
             </a:r>
             <a:endParaRPr lang="en-US" dirty="0"/>
           </a:p>
@@ -11478,7 +11546,7 @@
     </p:spTree>
     <p:extLst>
       <p:ext uri="{BB962C8B-B14F-4D97-AF65-F5344CB8AC3E}">
-        <p14:creationId xmlns:p14="http://schemas.microsoft.com/office/powerpoint/2010/main" val="1700663258"/>
+        <p14:creationId xmlns:p14="http://schemas.microsoft.com/office/powerpoint/2010/main" val="3564736276"/>
       </p:ext>
     </p:extLst>
   </p:cSld>
@@ -11510,7 +11578,7 @@
           <p:cNvPr id="2" name="Subtitle 1">
             <a:extLst>
               <a:ext uri="{FF2B5EF4-FFF2-40B4-BE49-F238E27FC236}">
-                <a16:creationId xmlns:a16="http://schemas.microsoft.com/office/drawing/2014/main" id="{6AE0CC47-794E-4944-8D70-71842D295C85}"/>
+                <a16:creationId xmlns:a16="http://schemas.microsoft.com/office/drawing/2014/main" id="{10E586FF-BE6A-8841-8761-0711CC85F918}"/>
               </a:ext>
             </a:extLst>
           </p:cNvPr>
@@ -11535,7 +11603,7 @@
           <p:cNvPr id="3" name="Text Placeholder 2">
             <a:extLst>
               <a:ext uri="{FF2B5EF4-FFF2-40B4-BE49-F238E27FC236}">
-                <a16:creationId xmlns:a16="http://schemas.microsoft.com/office/drawing/2014/main" id="{E1C4BBA1-37CC-0F43-9299-BE1EE027FFEE}"/>
+                <a16:creationId xmlns:a16="http://schemas.microsoft.com/office/drawing/2014/main" id="{8C9183B9-4A6F-934C-895F-94E4989F02C5}"/>
               </a:ext>
             </a:extLst>
           </p:cNvPr>
@@ -11560,7 +11628,7 @@
           <p:cNvPr id="4" name="Title 3">
             <a:extLst>
               <a:ext uri="{FF2B5EF4-FFF2-40B4-BE49-F238E27FC236}">
-                <a16:creationId xmlns:a16="http://schemas.microsoft.com/office/drawing/2014/main" id="{F48C7965-0EC8-CF4E-94D4-3E5D48D199A8}"/>
+                <a16:creationId xmlns:a16="http://schemas.microsoft.com/office/drawing/2014/main" id="{9D22851B-CAA5-5841-A154-53FC902626D7}"/>
               </a:ext>
             </a:extLst>
           </p:cNvPr>
@@ -11578,11 +11646,11 @@
           <a:p>
             <a:r>
               <a:rPr lang="en-US" dirty="0"/>
-              <a:t>Which Is</a:t>
+              <a:t>Wildcard</a:t>
             </a:r>
             <a:r>
               <a:rPr lang="en-US" baseline="0" dirty="0"/>
-              <a:t> Better?</a:t>
+              <a:t> Union Joins</a:t>
             </a:r>
             <a:endParaRPr lang="en-US" dirty="0"/>
           </a:p>
@@ -11591,7 +11659,7 @@
     </p:spTree>
     <p:extLst>
       <p:ext uri="{BB962C8B-B14F-4D97-AF65-F5344CB8AC3E}">
-        <p14:creationId xmlns:p14="http://schemas.microsoft.com/office/powerpoint/2010/main" val="307961116"/>
+        <p14:creationId xmlns:p14="http://schemas.microsoft.com/office/powerpoint/2010/main" val="1700663258"/>
       </p:ext>
     </p:extLst>
   </p:cSld>
@@ -11620,10 +11688,60 @@
       </p:grpSpPr>
       <p:sp>
         <p:nvSpPr>
+          <p:cNvPr id="2" name="Subtitle 1">
+            <a:extLst>
+              <a:ext uri="{FF2B5EF4-FFF2-40B4-BE49-F238E27FC236}">
+                <a16:creationId xmlns:a16="http://schemas.microsoft.com/office/drawing/2014/main" id="{6AE0CC47-794E-4944-8D70-71842D295C85}"/>
+              </a:ext>
+            </a:extLst>
+          </p:cNvPr>
+          <p:cNvSpPr>
+            <a:spLocks noGrp="1"/>
+          </p:cNvSpPr>
+          <p:nvPr>
+            <p:ph type="subTitle" idx="1"/>
+          </p:nvPr>
+        </p:nvSpPr>
+        <p:spPr/>
+        <p:txBody>
+          <a:bodyPr/>
+          <a:lstStyle/>
+          <a:p>
+            <a:endParaRPr lang="en-US"/>
+          </a:p>
+        </p:txBody>
+      </p:sp>
+      <p:sp>
+        <p:nvSpPr>
+          <p:cNvPr id="3" name="Text Placeholder 2">
+            <a:extLst>
+              <a:ext uri="{FF2B5EF4-FFF2-40B4-BE49-F238E27FC236}">
+                <a16:creationId xmlns:a16="http://schemas.microsoft.com/office/drawing/2014/main" id="{E1C4BBA1-37CC-0F43-9299-BE1EE027FFEE}"/>
+              </a:ext>
+            </a:extLst>
+          </p:cNvPr>
+          <p:cNvSpPr>
+            <a:spLocks noGrp="1"/>
+          </p:cNvSpPr>
+          <p:nvPr>
+            <p:ph type="body" sz="quarter" idx="11"/>
+          </p:nvPr>
+        </p:nvSpPr>
+        <p:spPr/>
+        <p:txBody>
+          <a:bodyPr/>
+          <a:lstStyle/>
+          <a:p>
+            <a:endParaRPr lang="en-US"/>
+          </a:p>
+        </p:txBody>
+      </p:sp>
+      <p:sp>
+        <p:nvSpPr>
           <p:cNvPr id="4" name="Title 3">
             <a:extLst>
               <a:ext uri="{FF2B5EF4-FFF2-40B4-BE49-F238E27FC236}">
-                <a16:creationId xmlns:a16="http://schemas.microsoft.com/office/drawing/2014/main" id="{EC9E8605-E358-464D-AAD9-D0215FA11FBC}"/>
+                <a16:creationId xmlns:a16="http://schemas.microsoft.com/office/drawing/2014/main" id="{F48C7965-0EC8-CF4E-94D4-3E5D48D199A8}"/>
               </a:ext>
             </a:extLst>
           </p:cNvPr>
@@ -11641,15 +11759,20 @@
           <a:p>
             <a:r>
               <a:rPr lang="en-US" dirty="0"/>
-              <a:t>Module 4: Joins</a:t>
-            </a:r>
+              <a:t>Which Is</a:t>
+            </a:r>
+            <a:r>
+              <a:rPr lang="en-US" baseline="0" dirty="0"/>
+              <a:t> Better?</a:t>
+            </a:r>
+            <a:endParaRPr lang="en-US" dirty="0"/>
           </a:p>
         </p:txBody>
       </p:sp>
     </p:spTree>
     <p:extLst>
       <p:ext uri="{BB962C8B-B14F-4D97-AF65-F5344CB8AC3E}">
-        <p14:creationId xmlns:p14="http://schemas.microsoft.com/office/powerpoint/2010/main" val="1266696213"/>
+        <p14:creationId xmlns:p14="http://schemas.microsoft.com/office/powerpoint/2010/main" val="307961116"/>
       </p:ext>
     </p:extLst>
   </p:cSld>
@@ -11681,7 +11804,7 @@
           <p:cNvPr id="2" name="Subtitle 1">
             <a:extLst>
               <a:ext uri="{FF2B5EF4-FFF2-40B4-BE49-F238E27FC236}">
-                <a16:creationId xmlns:a16="http://schemas.microsoft.com/office/drawing/2014/main" id="{5F844C00-2365-8C42-9B8E-2EE752FA5167}"/>
+                <a16:creationId xmlns:a16="http://schemas.microsoft.com/office/drawing/2014/main" id="{DA3B231E-6805-BE41-BD6F-D9C9EAED8B76}"/>
               </a:ext>
             </a:extLst>
           </p:cNvPr>
@@ -11697,7 +11820,26 @@
           <a:bodyPr/>
           <a:lstStyle/>
           <a:p>
-            <a:endParaRPr lang="en-US"/>
+            <a:r>
+              <a:rPr lang="en-US" dirty="0"/>
+              <a:t>Exercise 4.1: UNION Join, pp. 27-32</a:t>
+            </a:r>
+          </a:p>
+          <a:p>
+            <a:r>
+              <a:rPr lang="en-US" dirty="0"/>
+              <a:t>Exercise 4.2: Wildcard UNION, pp. 41-44</a:t>
+            </a:r>
+          </a:p>
+          <a:p>
+            <a:r>
+              <a:rPr lang="en-US" dirty="0"/>
+              <a:t>Exercise 4.3: Refine a Wildcard UNION, pp. </a:t>
+            </a:r>
+            <a:r>
+              <a:rPr lang="en-US"/>
+              <a:t>47-48</a:t>
+            </a:r>
           </a:p>
         </p:txBody>
       </p:sp>
@@ -11706,7 +11848,7 @@
           <p:cNvPr id="3" name="Text Placeholder 2">
             <a:extLst>
               <a:ext uri="{FF2B5EF4-FFF2-40B4-BE49-F238E27FC236}">
-                <a16:creationId xmlns:a16="http://schemas.microsoft.com/office/drawing/2014/main" id="{CC5EDF85-B4DA-D74A-A46B-499695758923}"/>
+                <a16:creationId xmlns:a16="http://schemas.microsoft.com/office/drawing/2014/main" id="{490D3781-8EE3-BE42-B0BB-32D1562D9008}"/>
               </a:ext>
             </a:extLst>
           </p:cNvPr>
@@ -11731,7 +11873,7 @@
           <p:cNvPr id="4" name="Title 3">
             <a:extLst>
               <a:ext uri="{FF2B5EF4-FFF2-40B4-BE49-F238E27FC236}">
-                <a16:creationId xmlns:a16="http://schemas.microsoft.com/office/drawing/2014/main" id="{E5F5CC58-AE7F-E341-A1DB-0D166A32EC89}"/>
+                <a16:creationId xmlns:a16="http://schemas.microsoft.com/office/drawing/2014/main" id="{09F33829-237D-F84E-9895-54A257840138}"/>
               </a:ext>
             </a:extLst>
           </p:cNvPr>
@@ -11749,7 +11891,7 @@
           <a:p>
             <a:r>
               <a:rPr lang="en-US" dirty="0"/>
-              <a:t>What is a Table?</a:t>
+              <a:t>Lab 3: UNION Joins</a:t>
             </a:r>
           </a:p>
         </p:txBody>
@@ -11757,7 +11899,7 @@
     </p:spTree>
     <p:extLst>
       <p:ext uri="{BB962C8B-B14F-4D97-AF65-F5344CB8AC3E}">
-        <p14:creationId xmlns:p14="http://schemas.microsoft.com/office/powerpoint/2010/main" val="2545081252"/>
+        <p14:creationId xmlns:p14="http://schemas.microsoft.com/office/powerpoint/2010/main" val="2529152538"/>
       </p:ext>
     </p:extLst>
   </p:cSld>
@@ -11786,10 +11928,10 @@
       </p:grpSpPr>
       <p:sp>
         <p:nvSpPr>
-          <p:cNvPr id="2" name="Subtitle 1">
+          <p:cNvPr id="4" name="Title 3">
             <a:extLst>
               <a:ext uri="{FF2B5EF4-FFF2-40B4-BE49-F238E27FC236}">
-                <a16:creationId xmlns:a16="http://schemas.microsoft.com/office/drawing/2014/main" id="{423D4CE7-A624-1F49-B9F9-D86681FE8855}"/>
+                <a16:creationId xmlns:a16="http://schemas.microsoft.com/office/drawing/2014/main" id="{EC9E8605-E358-464D-AAD9-D0215FA11FBC}"/>
               </a:ext>
             </a:extLst>
           </p:cNvPr>
@@ -11797,56 +11939,6 @@
             <a:spLocks noGrp="1"/>
           </p:cNvSpPr>
           <p:nvPr>
-            <p:ph type="subTitle" idx="1"/>
-          </p:nvPr>
-        </p:nvSpPr>
-        <p:spPr/>
-        <p:txBody>
-          <a:bodyPr/>
-          <a:lstStyle/>
-          <a:p>
-            <a:endParaRPr lang="en-US"/>
-          </a:p>
-        </p:txBody>
-      </p:sp>
-      <p:sp>
-        <p:nvSpPr>
-          <p:cNvPr id="3" name="Text Placeholder 2">
-            <a:extLst>
-              <a:ext uri="{FF2B5EF4-FFF2-40B4-BE49-F238E27FC236}">
-                <a16:creationId xmlns:a16="http://schemas.microsoft.com/office/drawing/2014/main" id="{8D6C3E21-876D-1D42-9F86-BF55739AEBC8}"/>
-              </a:ext>
-            </a:extLst>
-          </p:cNvPr>
-          <p:cNvSpPr>
-            <a:spLocks noGrp="1"/>
-          </p:cNvSpPr>
-          <p:nvPr>
-            <p:ph type="body" sz="quarter" idx="11"/>
-          </p:nvPr>
-        </p:nvSpPr>
-        <p:spPr/>
-        <p:txBody>
-          <a:bodyPr/>
-          <a:lstStyle/>
-          <a:p>
-            <a:endParaRPr lang="en-US"/>
-          </a:p>
-        </p:txBody>
-      </p:sp>
-      <p:sp>
-        <p:nvSpPr>
-          <p:cNvPr id="4" name="Title 3">
-            <a:extLst>
-              <a:ext uri="{FF2B5EF4-FFF2-40B4-BE49-F238E27FC236}">
-                <a16:creationId xmlns:a16="http://schemas.microsoft.com/office/drawing/2014/main" id="{A4A2B281-DC7F-FE4E-81DA-200FBDA2A690}"/>
-              </a:ext>
-            </a:extLst>
-          </p:cNvPr>
-          <p:cNvSpPr>
-            <a:spLocks noGrp="1"/>
-          </p:cNvSpPr>
-          <p:nvPr>
             <p:ph type="title"/>
           </p:nvPr>
         </p:nvSpPr>
@@ -11857,7 +11949,7 @@
           <a:p>
             <a:r>
               <a:rPr lang="en-US" dirty="0"/>
-              <a:t>Equijoins</a:t>
+              <a:t>Module 4: Joins</a:t>
             </a:r>
           </a:p>
         </p:txBody>
@@ -11865,7 +11957,7 @@
     </p:spTree>
     <p:extLst>
       <p:ext uri="{BB962C8B-B14F-4D97-AF65-F5344CB8AC3E}">
-        <p14:creationId xmlns:p14="http://schemas.microsoft.com/office/powerpoint/2010/main" val="1488510711"/>
+        <p14:creationId xmlns:p14="http://schemas.microsoft.com/office/powerpoint/2010/main" val="1266696213"/>
       </p:ext>
     </p:extLst>
   </p:cSld>
@@ -11897,7 +11989,7 @@
           <p:cNvPr id="2" name="Subtitle 1">
             <a:extLst>
               <a:ext uri="{FF2B5EF4-FFF2-40B4-BE49-F238E27FC236}">
-                <a16:creationId xmlns:a16="http://schemas.microsoft.com/office/drawing/2014/main" id="{37953D94-6636-EB4D-B539-DC5B6D267A0B}"/>
+                <a16:creationId xmlns:a16="http://schemas.microsoft.com/office/drawing/2014/main" id="{5F844C00-2365-8C42-9B8E-2EE752FA5167}"/>
               </a:ext>
             </a:extLst>
           </p:cNvPr>
@@ -11922,7 +12014,7 @@
           <p:cNvPr id="3" name="Text Placeholder 2">
             <a:extLst>
               <a:ext uri="{FF2B5EF4-FFF2-40B4-BE49-F238E27FC236}">
-                <a16:creationId xmlns:a16="http://schemas.microsoft.com/office/drawing/2014/main" id="{88191254-061B-3E43-9347-C296346C809B}"/>
+                <a16:creationId xmlns:a16="http://schemas.microsoft.com/office/drawing/2014/main" id="{CC5EDF85-B4DA-D74A-A46B-499695758923}"/>
               </a:ext>
             </a:extLst>
           </p:cNvPr>
@@ -11947,7 +12039,7 @@
           <p:cNvPr id="4" name="Title 3">
             <a:extLst>
               <a:ext uri="{FF2B5EF4-FFF2-40B4-BE49-F238E27FC236}">
-                <a16:creationId xmlns:a16="http://schemas.microsoft.com/office/drawing/2014/main" id="{E16B13A9-922B-DA4A-9F55-8E286CBCB4F9}"/>
+                <a16:creationId xmlns:a16="http://schemas.microsoft.com/office/drawing/2014/main" id="{E5F5CC58-AE7F-E341-A1DB-0D166A32EC89}"/>
               </a:ext>
             </a:extLst>
           </p:cNvPr>
@@ -11965,7 +12057,7 @@
           <a:p>
             <a:r>
               <a:rPr lang="en-US" dirty="0"/>
-              <a:t>Join Types</a:t>
+              <a:t>What is a Table?</a:t>
             </a:r>
           </a:p>
         </p:txBody>
@@ -11973,7 +12065,7 @@
     </p:spTree>
     <p:extLst>
       <p:ext uri="{BB962C8B-B14F-4D97-AF65-F5344CB8AC3E}">
-        <p14:creationId xmlns:p14="http://schemas.microsoft.com/office/powerpoint/2010/main" val="2594980728"/>
+        <p14:creationId xmlns:p14="http://schemas.microsoft.com/office/powerpoint/2010/main" val="2545081252"/>
       </p:ext>
     </p:extLst>
   </p:cSld>
@@ -12551,7 +12643,7 @@
           <p:cNvPr id="2" name="Subtitle 1">
             <a:extLst>
               <a:ext uri="{FF2B5EF4-FFF2-40B4-BE49-F238E27FC236}">
-                <a16:creationId xmlns:a16="http://schemas.microsoft.com/office/drawing/2014/main" id="{21E6FD3F-3A28-AA47-A971-90E2F63E6D64}"/>
+                <a16:creationId xmlns:a16="http://schemas.microsoft.com/office/drawing/2014/main" id="{423D4CE7-A624-1F49-B9F9-D86681FE8855}"/>
               </a:ext>
             </a:extLst>
           </p:cNvPr>
@@ -12576,7 +12668,7 @@
           <p:cNvPr id="3" name="Text Placeholder 2">
             <a:extLst>
               <a:ext uri="{FF2B5EF4-FFF2-40B4-BE49-F238E27FC236}">
-                <a16:creationId xmlns:a16="http://schemas.microsoft.com/office/drawing/2014/main" id="{B165E966-009A-0B46-A81C-B42539BA9554}"/>
+                <a16:creationId xmlns:a16="http://schemas.microsoft.com/office/drawing/2014/main" id="{8D6C3E21-876D-1D42-9F86-BF55739AEBC8}"/>
               </a:ext>
             </a:extLst>
           </p:cNvPr>
@@ -12601,7 +12693,7 @@
           <p:cNvPr id="4" name="Title 3">
             <a:extLst>
               <a:ext uri="{FF2B5EF4-FFF2-40B4-BE49-F238E27FC236}">
-                <a16:creationId xmlns:a16="http://schemas.microsoft.com/office/drawing/2014/main" id="{B6793C40-AB58-464E-89C2-B817BED1ECC5}"/>
+                <a16:creationId xmlns:a16="http://schemas.microsoft.com/office/drawing/2014/main" id="{A4A2B281-DC7F-FE4E-81DA-200FBDA2A690}"/>
               </a:ext>
             </a:extLst>
           </p:cNvPr>
@@ -12619,7 +12711,7 @@
           <a:p>
             <a:r>
               <a:rPr lang="en-US" dirty="0"/>
-              <a:t>Inner Joins</a:t>
+              <a:t>Equijoins</a:t>
             </a:r>
           </a:p>
         </p:txBody>
@@ -12627,7 +12719,7 @@
     </p:spTree>
     <p:extLst>
       <p:ext uri="{BB962C8B-B14F-4D97-AF65-F5344CB8AC3E}">
-        <p14:creationId xmlns:p14="http://schemas.microsoft.com/office/powerpoint/2010/main" val="570540719"/>
+        <p14:creationId xmlns:p14="http://schemas.microsoft.com/office/powerpoint/2010/main" val="1488510711"/>
       </p:ext>
     </p:extLst>
   </p:cSld>
@@ -12659,7 +12751,7 @@
           <p:cNvPr id="2" name="Subtitle 1">
             <a:extLst>
               <a:ext uri="{FF2B5EF4-FFF2-40B4-BE49-F238E27FC236}">
-                <a16:creationId xmlns:a16="http://schemas.microsoft.com/office/drawing/2014/main" id="{C0FDDA91-6F16-474A-B2C2-D541B2C6DC11}"/>
+                <a16:creationId xmlns:a16="http://schemas.microsoft.com/office/drawing/2014/main" id="{37953D94-6636-EB4D-B539-DC5B6D267A0B}"/>
               </a:ext>
             </a:extLst>
           </p:cNvPr>
@@ -12684,7 +12776,7 @@
           <p:cNvPr id="3" name="Text Placeholder 2">
             <a:extLst>
               <a:ext uri="{FF2B5EF4-FFF2-40B4-BE49-F238E27FC236}">
-                <a16:creationId xmlns:a16="http://schemas.microsoft.com/office/drawing/2014/main" id="{44800744-B562-7D4D-95DC-16B212585877}"/>
+                <a16:creationId xmlns:a16="http://schemas.microsoft.com/office/drawing/2014/main" id="{88191254-061B-3E43-9347-C296346C809B}"/>
               </a:ext>
             </a:extLst>
           </p:cNvPr>
@@ -12709,7 +12801,7 @@
           <p:cNvPr id="4" name="Title 3">
             <a:extLst>
               <a:ext uri="{FF2B5EF4-FFF2-40B4-BE49-F238E27FC236}">
-                <a16:creationId xmlns:a16="http://schemas.microsoft.com/office/drawing/2014/main" id="{3851C2E4-3439-FC42-92E4-8AD466B1C754}"/>
+                <a16:creationId xmlns:a16="http://schemas.microsoft.com/office/drawing/2014/main" id="{E16B13A9-922B-DA4A-9F55-8E286CBCB4F9}"/>
               </a:ext>
             </a:extLst>
           </p:cNvPr>
@@ -12727,7 +12819,7 @@
           <a:p>
             <a:r>
               <a:rPr lang="en-US" dirty="0"/>
-              <a:t>Left Joins</a:t>
+              <a:t>Join Types</a:t>
             </a:r>
           </a:p>
         </p:txBody>
@@ -12735,7 +12827,7 @@
     </p:spTree>
     <p:extLst>
       <p:ext uri="{BB962C8B-B14F-4D97-AF65-F5344CB8AC3E}">
-        <p14:creationId xmlns:p14="http://schemas.microsoft.com/office/powerpoint/2010/main" val="600015680"/>
+        <p14:creationId xmlns:p14="http://schemas.microsoft.com/office/powerpoint/2010/main" val="2594980728"/>
       </p:ext>
     </p:extLst>
   </p:cSld>
@@ -12767,7 +12859,7 @@
           <p:cNvPr id="2" name="Subtitle 1">
             <a:extLst>
               <a:ext uri="{FF2B5EF4-FFF2-40B4-BE49-F238E27FC236}">
-                <a16:creationId xmlns:a16="http://schemas.microsoft.com/office/drawing/2014/main" id="{764E9717-32A5-204C-99BF-6241B2BA2C91}"/>
+                <a16:creationId xmlns:a16="http://schemas.microsoft.com/office/drawing/2014/main" id="{21E6FD3F-3A28-AA47-A971-90E2F63E6D64}"/>
               </a:ext>
             </a:extLst>
           </p:cNvPr>
@@ -12792,7 +12884,7 @@
           <p:cNvPr id="3" name="Text Placeholder 2">
             <a:extLst>
               <a:ext uri="{FF2B5EF4-FFF2-40B4-BE49-F238E27FC236}">
-                <a16:creationId xmlns:a16="http://schemas.microsoft.com/office/drawing/2014/main" id="{96990DFE-A586-E247-815B-802AB3CE06D3}"/>
+                <a16:creationId xmlns:a16="http://schemas.microsoft.com/office/drawing/2014/main" id="{B165E966-009A-0B46-A81C-B42539BA9554}"/>
               </a:ext>
             </a:extLst>
           </p:cNvPr>
@@ -12817,7 +12909,7 @@
           <p:cNvPr id="4" name="Title 3">
             <a:extLst>
               <a:ext uri="{FF2B5EF4-FFF2-40B4-BE49-F238E27FC236}">
-                <a16:creationId xmlns:a16="http://schemas.microsoft.com/office/drawing/2014/main" id="{4C84724E-AE55-6B42-B5F9-3AF88CAEA3CD}"/>
+                <a16:creationId xmlns:a16="http://schemas.microsoft.com/office/drawing/2014/main" id="{B6793C40-AB58-464E-89C2-B817BED1ECC5}"/>
               </a:ext>
             </a:extLst>
           </p:cNvPr>
@@ -12835,7 +12927,7 @@
           <a:p>
             <a:r>
               <a:rPr lang="en-US" dirty="0"/>
-              <a:t>Right Joins</a:t>
+              <a:t>Inner Joins</a:t>
             </a:r>
           </a:p>
         </p:txBody>
@@ -12843,7 +12935,7 @@
     </p:spTree>
     <p:extLst>
       <p:ext uri="{BB962C8B-B14F-4D97-AF65-F5344CB8AC3E}">
-        <p14:creationId xmlns:p14="http://schemas.microsoft.com/office/powerpoint/2010/main" val="2679670341"/>
+        <p14:creationId xmlns:p14="http://schemas.microsoft.com/office/powerpoint/2010/main" val="570540719"/>
       </p:ext>
     </p:extLst>
   </p:cSld>
@@ -12875,7 +12967,7 @@
           <p:cNvPr id="2" name="Subtitle 1">
             <a:extLst>
               <a:ext uri="{FF2B5EF4-FFF2-40B4-BE49-F238E27FC236}">
-                <a16:creationId xmlns:a16="http://schemas.microsoft.com/office/drawing/2014/main" id="{3BF363DC-AFB9-5747-892F-AAA5BD482BDD}"/>
+                <a16:creationId xmlns:a16="http://schemas.microsoft.com/office/drawing/2014/main" id="{C0FDDA91-6F16-474A-B2C2-D541B2C6DC11}"/>
               </a:ext>
             </a:extLst>
           </p:cNvPr>
@@ -12900,7 +12992,7 @@
           <p:cNvPr id="3" name="Text Placeholder 2">
             <a:extLst>
               <a:ext uri="{FF2B5EF4-FFF2-40B4-BE49-F238E27FC236}">
-                <a16:creationId xmlns:a16="http://schemas.microsoft.com/office/drawing/2014/main" id="{AB12E9FE-045D-9446-9034-B6BD944C8BC5}"/>
+                <a16:creationId xmlns:a16="http://schemas.microsoft.com/office/drawing/2014/main" id="{44800744-B562-7D4D-95DC-16B212585877}"/>
               </a:ext>
             </a:extLst>
           </p:cNvPr>
@@ -12925,7 +13017,7 @@
           <p:cNvPr id="4" name="Title 3">
             <a:extLst>
               <a:ext uri="{FF2B5EF4-FFF2-40B4-BE49-F238E27FC236}">
-                <a16:creationId xmlns:a16="http://schemas.microsoft.com/office/drawing/2014/main" id="{1BED0FA6-ED76-7E49-AC9D-C3AD978AA6E4}"/>
+                <a16:creationId xmlns:a16="http://schemas.microsoft.com/office/drawing/2014/main" id="{3851C2E4-3439-FC42-92E4-8AD466B1C754}"/>
               </a:ext>
             </a:extLst>
           </p:cNvPr>
@@ -12943,7 +13035,7 @@
           <a:p>
             <a:r>
               <a:rPr lang="en-US" dirty="0"/>
-              <a:t>Outer Joins</a:t>
+              <a:t>Left Joins</a:t>
             </a:r>
           </a:p>
         </p:txBody>
@@ -12951,7 +13043,7 @@
     </p:spTree>
     <p:extLst>
       <p:ext uri="{BB962C8B-B14F-4D97-AF65-F5344CB8AC3E}">
-        <p14:creationId xmlns:p14="http://schemas.microsoft.com/office/powerpoint/2010/main" val="1136354697"/>
+        <p14:creationId xmlns:p14="http://schemas.microsoft.com/office/powerpoint/2010/main" val="600015680"/>
       </p:ext>
     </p:extLst>
   </p:cSld>
@@ -12983,7 +13075,7 @@
           <p:cNvPr id="2" name="Subtitle 1">
             <a:extLst>
               <a:ext uri="{FF2B5EF4-FFF2-40B4-BE49-F238E27FC236}">
-                <a16:creationId xmlns:a16="http://schemas.microsoft.com/office/drawing/2014/main" id="{D6CE2481-2E49-BB44-9D6E-A58E29003D70}"/>
+                <a16:creationId xmlns:a16="http://schemas.microsoft.com/office/drawing/2014/main" id="{764E9717-32A5-204C-99BF-6241B2BA2C91}"/>
               </a:ext>
             </a:extLst>
           </p:cNvPr>
@@ -13008,7 +13100,7 @@
           <p:cNvPr id="3" name="Text Placeholder 2">
             <a:extLst>
               <a:ext uri="{FF2B5EF4-FFF2-40B4-BE49-F238E27FC236}">
-                <a16:creationId xmlns:a16="http://schemas.microsoft.com/office/drawing/2014/main" id="{85D1720F-4013-894E-8999-1DE42EA799D1}"/>
+                <a16:creationId xmlns:a16="http://schemas.microsoft.com/office/drawing/2014/main" id="{96990DFE-A586-E247-815B-802AB3CE06D3}"/>
               </a:ext>
             </a:extLst>
           </p:cNvPr>
@@ -13033,7 +13125,7 @@
           <p:cNvPr id="4" name="Title 3">
             <a:extLst>
               <a:ext uri="{FF2B5EF4-FFF2-40B4-BE49-F238E27FC236}">
-                <a16:creationId xmlns:a16="http://schemas.microsoft.com/office/drawing/2014/main" id="{F40906B0-F382-D94A-99D7-F0A5538FEFF2}"/>
+                <a16:creationId xmlns:a16="http://schemas.microsoft.com/office/drawing/2014/main" id="{4C84724E-AE55-6B42-B5F9-3AF88CAEA3CD}"/>
               </a:ext>
             </a:extLst>
           </p:cNvPr>
@@ -13051,20 +13143,15 @@
           <a:p>
             <a:r>
               <a:rPr lang="en-US" dirty="0"/>
-              <a:t>The Shape of Your</a:t>
-            </a:r>
-            <a:r>
-              <a:rPr lang="en-US" baseline="0" dirty="0"/>
-              <a:t> Data</a:t>
-            </a:r>
-            <a:endParaRPr lang="en-US" dirty="0"/>
+              <a:t>Right Joins</a:t>
+            </a:r>
           </a:p>
         </p:txBody>
       </p:sp>
     </p:spTree>
     <p:extLst>
       <p:ext uri="{BB962C8B-B14F-4D97-AF65-F5344CB8AC3E}">
-        <p14:creationId xmlns:p14="http://schemas.microsoft.com/office/powerpoint/2010/main" val="3021186209"/>
+        <p14:creationId xmlns:p14="http://schemas.microsoft.com/office/powerpoint/2010/main" val="2679670341"/>
       </p:ext>
     </p:extLst>
   </p:cSld>
@@ -13096,7 +13183,7 @@
           <p:cNvPr id="2" name="Subtitle 1">
             <a:extLst>
               <a:ext uri="{FF2B5EF4-FFF2-40B4-BE49-F238E27FC236}">
-                <a16:creationId xmlns:a16="http://schemas.microsoft.com/office/drawing/2014/main" id="{9D046E31-E6B2-424A-AD01-24DC6A841514}"/>
+                <a16:creationId xmlns:a16="http://schemas.microsoft.com/office/drawing/2014/main" id="{3BF363DC-AFB9-5747-892F-AAA5BD482BDD}"/>
               </a:ext>
             </a:extLst>
           </p:cNvPr>
@@ -13121,7 +13208,7 @@
           <p:cNvPr id="3" name="Text Placeholder 2">
             <a:extLst>
               <a:ext uri="{FF2B5EF4-FFF2-40B4-BE49-F238E27FC236}">
-                <a16:creationId xmlns:a16="http://schemas.microsoft.com/office/drawing/2014/main" id="{1ABADC0C-5EB1-E742-9C50-DC80F72FCAC8}"/>
+                <a16:creationId xmlns:a16="http://schemas.microsoft.com/office/drawing/2014/main" id="{AB12E9FE-045D-9446-9034-B6BD944C8BC5}"/>
               </a:ext>
             </a:extLst>
           </p:cNvPr>
@@ -13146,7 +13233,7 @@
           <p:cNvPr id="4" name="Title 3">
             <a:extLst>
               <a:ext uri="{FF2B5EF4-FFF2-40B4-BE49-F238E27FC236}">
-                <a16:creationId xmlns:a16="http://schemas.microsoft.com/office/drawing/2014/main" id="{91923162-363D-1B4C-8F78-0991C5D9D29E}"/>
+                <a16:creationId xmlns:a16="http://schemas.microsoft.com/office/drawing/2014/main" id="{1BED0FA6-ED76-7E49-AC9D-C3AD978AA6E4}"/>
               </a:ext>
             </a:extLst>
           </p:cNvPr>
@@ -13164,7 +13251,7 @@
           <a:p>
             <a:r>
               <a:rPr lang="en-US" dirty="0"/>
-              <a:t>Missing Data</a:t>
+              <a:t>Outer Joins</a:t>
             </a:r>
           </a:p>
         </p:txBody>
@@ -13172,7 +13259,7 @@
     </p:spTree>
     <p:extLst>
       <p:ext uri="{BB962C8B-B14F-4D97-AF65-F5344CB8AC3E}">
-        <p14:creationId xmlns:p14="http://schemas.microsoft.com/office/powerpoint/2010/main" val="3069741555"/>
+        <p14:creationId xmlns:p14="http://schemas.microsoft.com/office/powerpoint/2010/main" val="1136354697"/>
       </p:ext>
     </p:extLst>
   </p:cSld>
@@ -13204,7 +13291,7 @@
           <p:cNvPr id="2" name="Subtitle 1">
             <a:extLst>
               <a:ext uri="{FF2B5EF4-FFF2-40B4-BE49-F238E27FC236}">
-                <a16:creationId xmlns:a16="http://schemas.microsoft.com/office/drawing/2014/main" id="{A5058F48-D219-7545-9150-CF37C9DA6679}"/>
+                <a16:creationId xmlns:a16="http://schemas.microsoft.com/office/drawing/2014/main" id="{D6CE2481-2E49-BB44-9D6E-A58E29003D70}"/>
               </a:ext>
             </a:extLst>
           </p:cNvPr>
@@ -13229,7 +13316,7 @@
           <p:cNvPr id="3" name="Text Placeholder 2">
             <a:extLst>
               <a:ext uri="{FF2B5EF4-FFF2-40B4-BE49-F238E27FC236}">
-                <a16:creationId xmlns:a16="http://schemas.microsoft.com/office/drawing/2014/main" id="{1FDFA2B8-FC1D-D24E-92AF-C85916024258}"/>
+                <a16:creationId xmlns:a16="http://schemas.microsoft.com/office/drawing/2014/main" id="{85D1720F-4013-894E-8999-1DE42EA799D1}"/>
               </a:ext>
             </a:extLst>
           </p:cNvPr>
@@ -13254,7 +13341,7 @@
           <p:cNvPr id="4" name="Title 3">
             <a:extLst>
               <a:ext uri="{FF2B5EF4-FFF2-40B4-BE49-F238E27FC236}">
-                <a16:creationId xmlns:a16="http://schemas.microsoft.com/office/drawing/2014/main" id="{261279C3-A262-E741-8313-4A5E1F8CEAAE}"/>
+                <a16:creationId xmlns:a16="http://schemas.microsoft.com/office/drawing/2014/main" id="{F40906B0-F382-D94A-99D7-F0A5538FEFF2}"/>
               </a:ext>
             </a:extLst>
           </p:cNvPr>
@@ -13272,11 +13359,11 @@
           <a:p>
             <a:r>
               <a:rPr lang="en-US" dirty="0"/>
-              <a:t>Finding</a:t>
+              <a:t>The Shape of Your</a:t>
             </a:r>
             <a:r>
               <a:rPr lang="en-US" baseline="0" dirty="0"/>
-              <a:t> Missing Records</a:t>
+              <a:t> Data</a:t>
             </a:r>
             <a:endParaRPr lang="en-US" dirty="0"/>
           </a:p>
@@ -13285,7 +13372,7 @@
     </p:spTree>
     <p:extLst>
       <p:ext uri="{BB962C8B-B14F-4D97-AF65-F5344CB8AC3E}">
-        <p14:creationId xmlns:p14="http://schemas.microsoft.com/office/powerpoint/2010/main" val="4028250988"/>
+        <p14:creationId xmlns:p14="http://schemas.microsoft.com/office/powerpoint/2010/main" val="3021186209"/>
       </p:ext>
     </p:extLst>
   </p:cSld>
@@ -13317,7 +13404,7 @@
           <p:cNvPr id="2" name="Subtitle 1">
             <a:extLst>
               <a:ext uri="{FF2B5EF4-FFF2-40B4-BE49-F238E27FC236}">
-                <a16:creationId xmlns:a16="http://schemas.microsoft.com/office/drawing/2014/main" id="{383E0E86-9364-D544-9A33-2CBCED5E4D08}"/>
+                <a16:creationId xmlns:a16="http://schemas.microsoft.com/office/drawing/2014/main" id="{9D046E31-E6B2-424A-AD01-24DC6A841514}"/>
               </a:ext>
             </a:extLst>
           </p:cNvPr>
@@ -13342,7 +13429,7 @@
           <p:cNvPr id="3" name="Text Placeholder 2">
             <a:extLst>
               <a:ext uri="{FF2B5EF4-FFF2-40B4-BE49-F238E27FC236}">
-                <a16:creationId xmlns:a16="http://schemas.microsoft.com/office/drawing/2014/main" id="{6E386924-6B21-1B45-93FB-2073DC8EA8B5}"/>
+                <a16:creationId xmlns:a16="http://schemas.microsoft.com/office/drawing/2014/main" id="{1ABADC0C-5EB1-E742-9C50-DC80F72FCAC8}"/>
               </a:ext>
             </a:extLst>
           </p:cNvPr>
@@ -13367,7 +13454,7 @@
           <p:cNvPr id="4" name="Title 3">
             <a:extLst>
               <a:ext uri="{FF2B5EF4-FFF2-40B4-BE49-F238E27FC236}">
-                <a16:creationId xmlns:a16="http://schemas.microsoft.com/office/drawing/2014/main" id="{5F8B3FAC-76B5-1B44-ACE1-4D3D0E1DE523}"/>
+                <a16:creationId xmlns:a16="http://schemas.microsoft.com/office/drawing/2014/main" id="{91923162-363D-1B4C-8F78-0991C5D9D29E}"/>
               </a:ext>
             </a:extLst>
           </p:cNvPr>
@@ -13385,7 +13472,7 @@
           <a:p>
             <a:r>
               <a:rPr lang="en-US" dirty="0"/>
-              <a:t>Bringing It All Together</a:t>
+              <a:t>Missing Data</a:t>
             </a:r>
           </a:p>
         </p:txBody>
@@ -13393,7 +13480,7 @@
     </p:spTree>
     <p:extLst>
       <p:ext uri="{BB962C8B-B14F-4D97-AF65-F5344CB8AC3E}">
-        <p14:creationId xmlns:p14="http://schemas.microsoft.com/office/powerpoint/2010/main" val="130460662"/>
+        <p14:creationId xmlns:p14="http://schemas.microsoft.com/office/powerpoint/2010/main" val="3069741555"/>
       </p:ext>
     </p:extLst>
   </p:cSld>
@@ -13425,7 +13512,7 @@
           <p:cNvPr id="2" name="Subtitle 1">
             <a:extLst>
               <a:ext uri="{FF2B5EF4-FFF2-40B4-BE49-F238E27FC236}">
-                <a16:creationId xmlns:a16="http://schemas.microsoft.com/office/drawing/2014/main" id="{2D5E834E-5B7A-2B4E-B858-B6A32B587303}"/>
+                <a16:creationId xmlns:a16="http://schemas.microsoft.com/office/drawing/2014/main" id="{A5058F48-D219-7545-9150-CF37C9DA6679}"/>
               </a:ext>
             </a:extLst>
           </p:cNvPr>
@@ -13450,7 +13537,7 @@
           <p:cNvPr id="3" name="Text Placeholder 2">
             <a:extLst>
               <a:ext uri="{FF2B5EF4-FFF2-40B4-BE49-F238E27FC236}">
-                <a16:creationId xmlns:a16="http://schemas.microsoft.com/office/drawing/2014/main" id="{A4443088-FEA6-234B-AB99-42466F3677BE}"/>
+                <a16:creationId xmlns:a16="http://schemas.microsoft.com/office/drawing/2014/main" id="{1FDFA2B8-FC1D-D24E-92AF-C85916024258}"/>
               </a:ext>
             </a:extLst>
           </p:cNvPr>
@@ -13475,7 +13562,7 @@
           <p:cNvPr id="4" name="Title 3">
             <a:extLst>
               <a:ext uri="{FF2B5EF4-FFF2-40B4-BE49-F238E27FC236}">
-                <a16:creationId xmlns:a16="http://schemas.microsoft.com/office/drawing/2014/main" id="{179C3DEC-70AC-AB42-BEB7-99CBEAF719E4}"/>
+                <a16:creationId xmlns:a16="http://schemas.microsoft.com/office/drawing/2014/main" id="{261279C3-A262-E741-8313-4A5E1F8CEAAE}"/>
               </a:ext>
             </a:extLst>
           </p:cNvPr>
@@ -13493,15 +13580,20 @@
           <a:p>
             <a:r>
               <a:rPr lang="en-US" dirty="0"/>
-              <a:t>Join Clause Recommendations</a:t>
-            </a:r>
+              <a:t>Finding</a:t>
+            </a:r>
+            <a:r>
+              <a:rPr lang="en-US" baseline="0" dirty="0"/>
+              <a:t> Missing Records</a:t>
+            </a:r>
+            <a:endParaRPr lang="en-US" dirty="0"/>
           </a:p>
         </p:txBody>
       </p:sp>
     </p:spTree>
     <p:extLst>
       <p:ext uri="{BB962C8B-B14F-4D97-AF65-F5344CB8AC3E}">
-        <p14:creationId xmlns:p14="http://schemas.microsoft.com/office/powerpoint/2010/main" val="614002757"/>
+        <p14:creationId xmlns:p14="http://schemas.microsoft.com/office/powerpoint/2010/main" val="4028250988"/>
       </p:ext>
     </p:extLst>
   </p:cSld>
@@ -13530,10 +13622,60 @@
       </p:grpSpPr>
       <p:sp>
         <p:nvSpPr>
+          <p:cNvPr id="2" name="Subtitle 1">
+            <a:extLst>
+              <a:ext uri="{FF2B5EF4-FFF2-40B4-BE49-F238E27FC236}">
+                <a16:creationId xmlns:a16="http://schemas.microsoft.com/office/drawing/2014/main" id="{383E0E86-9364-D544-9A33-2CBCED5E4D08}"/>
+              </a:ext>
+            </a:extLst>
+          </p:cNvPr>
+          <p:cNvSpPr>
+            <a:spLocks noGrp="1"/>
+          </p:cNvSpPr>
+          <p:nvPr>
+            <p:ph type="subTitle" idx="1"/>
+          </p:nvPr>
+        </p:nvSpPr>
+        <p:spPr/>
+        <p:txBody>
+          <a:bodyPr/>
+          <a:lstStyle/>
+          <a:p>
+            <a:endParaRPr lang="en-US"/>
+          </a:p>
+        </p:txBody>
+      </p:sp>
+      <p:sp>
+        <p:nvSpPr>
+          <p:cNvPr id="3" name="Text Placeholder 2">
+            <a:extLst>
+              <a:ext uri="{FF2B5EF4-FFF2-40B4-BE49-F238E27FC236}">
+                <a16:creationId xmlns:a16="http://schemas.microsoft.com/office/drawing/2014/main" id="{6E386924-6B21-1B45-93FB-2073DC8EA8B5}"/>
+              </a:ext>
+            </a:extLst>
+          </p:cNvPr>
+          <p:cNvSpPr>
+            <a:spLocks noGrp="1"/>
+          </p:cNvSpPr>
+          <p:nvPr>
+            <p:ph type="body" sz="quarter" idx="11"/>
+          </p:nvPr>
+        </p:nvSpPr>
+        <p:spPr/>
+        <p:txBody>
+          <a:bodyPr/>
+          <a:lstStyle/>
+          <a:p>
+            <a:endParaRPr lang="en-US"/>
+          </a:p>
+        </p:txBody>
+      </p:sp>
+      <p:sp>
+        <p:nvSpPr>
           <p:cNvPr id="4" name="Title 3">
             <a:extLst>
               <a:ext uri="{FF2B5EF4-FFF2-40B4-BE49-F238E27FC236}">
-                <a16:creationId xmlns:a16="http://schemas.microsoft.com/office/drawing/2014/main" id="{1E6D96E9-B635-0245-9098-C1FAA390A091}"/>
+                <a16:creationId xmlns:a16="http://schemas.microsoft.com/office/drawing/2014/main" id="{5F8B3FAC-76B5-1B44-ACE1-4D3D0E1DE523}"/>
               </a:ext>
             </a:extLst>
           </p:cNvPr>
@@ -13551,7 +13693,7 @@
           <a:p>
             <a:r>
               <a:rPr lang="en-US" dirty="0"/>
-              <a:t>Part II: Transform</a:t>
+              <a:t>Bringing It All Together</a:t>
             </a:r>
           </a:p>
         </p:txBody>
@@ -13559,7 +13701,7 @@
     </p:spTree>
     <p:extLst>
       <p:ext uri="{BB962C8B-B14F-4D97-AF65-F5344CB8AC3E}">
-        <p14:creationId xmlns:p14="http://schemas.microsoft.com/office/powerpoint/2010/main" val="1657269070"/>
+        <p14:creationId xmlns:p14="http://schemas.microsoft.com/office/powerpoint/2010/main" val="130460662"/>
       </p:ext>
     </p:extLst>
   </p:cSld>
@@ -13765,10 +13907,10 @@
       </p:grpSpPr>
       <p:sp>
         <p:nvSpPr>
-          <p:cNvPr id="2" name="Title 1">
+          <p:cNvPr id="2" name="Subtitle 1">
             <a:extLst>
               <a:ext uri="{FF2B5EF4-FFF2-40B4-BE49-F238E27FC236}">
-                <a16:creationId xmlns:a16="http://schemas.microsoft.com/office/drawing/2014/main" id="{2DCC4BB7-7A9D-DE44-81A7-84A15E54D20B}"/>
+                <a16:creationId xmlns:a16="http://schemas.microsoft.com/office/drawing/2014/main" id="{2D5E834E-5B7A-2B4E-B858-B6A32B587303}"/>
               </a:ext>
             </a:extLst>
           </p:cNvPr>
@@ -13776,6 +13918,56 @@
             <a:spLocks noGrp="1"/>
           </p:cNvSpPr>
           <p:nvPr>
+            <p:ph type="subTitle" idx="1"/>
+          </p:nvPr>
+        </p:nvSpPr>
+        <p:spPr/>
+        <p:txBody>
+          <a:bodyPr/>
+          <a:lstStyle/>
+          <a:p>
+            <a:endParaRPr lang="en-US"/>
+          </a:p>
+        </p:txBody>
+      </p:sp>
+      <p:sp>
+        <p:nvSpPr>
+          <p:cNvPr id="3" name="Text Placeholder 2">
+            <a:extLst>
+              <a:ext uri="{FF2B5EF4-FFF2-40B4-BE49-F238E27FC236}">
+                <a16:creationId xmlns:a16="http://schemas.microsoft.com/office/drawing/2014/main" id="{A4443088-FEA6-234B-AB99-42466F3677BE}"/>
+              </a:ext>
+            </a:extLst>
+          </p:cNvPr>
+          <p:cNvSpPr>
+            <a:spLocks noGrp="1"/>
+          </p:cNvSpPr>
+          <p:nvPr>
+            <p:ph type="body" sz="quarter" idx="11"/>
+          </p:nvPr>
+        </p:nvSpPr>
+        <p:spPr/>
+        <p:txBody>
+          <a:bodyPr/>
+          <a:lstStyle/>
+          <a:p>
+            <a:endParaRPr lang="en-US"/>
+          </a:p>
+        </p:txBody>
+      </p:sp>
+      <p:sp>
+        <p:nvSpPr>
+          <p:cNvPr id="4" name="Title 3">
+            <a:extLst>
+              <a:ext uri="{FF2B5EF4-FFF2-40B4-BE49-F238E27FC236}">
+                <a16:creationId xmlns:a16="http://schemas.microsoft.com/office/drawing/2014/main" id="{179C3DEC-70AC-AB42-BEB7-99CBEAF719E4}"/>
+              </a:ext>
+            </a:extLst>
+          </p:cNvPr>
+          <p:cNvSpPr>
+            <a:spLocks noGrp="1"/>
+          </p:cNvSpPr>
+          <p:nvPr>
             <p:ph type="title"/>
           </p:nvPr>
         </p:nvSpPr>
@@ -13786,20 +13978,15 @@
           <a:p>
             <a:r>
               <a:rPr lang="en-US" dirty="0"/>
-              <a:t>Module 5: Auditing &amp; Cleaning</a:t>
-            </a:r>
-            <a:r>
-              <a:rPr lang="en-US" baseline="0" dirty="0"/>
-              <a:t> Your Data</a:t>
-            </a:r>
-            <a:endParaRPr lang="en-US" dirty="0"/>
+              <a:t>Join Clause Recommendations</a:t>
+            </a:r>
           </a:p>
         </p:txBody>
       </p:sp>
     </p:spTree>
     <p:extLst>
       <p:ext uri="{BB962C8B-B14F-4D97-AF65-F5344CB8AC3E}">
-        <p14:creationId xmlns:p14="http://schemas.microsoft.com/office/powerpoint/2010/main" val="228763628"/>
+        <p14:creationId xmlns:p14="http://schemas.microsoft.com/office/powerpoint/2010/main" val="614002757"/>
       </p:ext>
     </p:extLst>
   </p:cSld>
@@ -13828,10 +14015,10 @@
       </p:grpSpPr>
       <p:sp>
         <p:nvSpPr>
-          <p:cNvPr id="3" name="Title 2">
+          <p:cNvPr id="4" name="Title 3">
             <a:extLst>
               <a:ext uri="{FF2B5EF4-FFF2-40B4-BE49-F238E27FC236}">
-                <a16:creationId xmlns:a16="http://schemas.microsoft.com/office/drawing/2014/main" id="{6A8948BA-33DF-8D4F-BE0B-53151B6B2FE4}"/>
+                <a16:creationId xmlns:a16="http://schemas.microsoft.com/office/drawing/2014/main" id="{1E6D96E9-B635-0245-9098-C1FAA390A091}"/>
               </a:ext>
             </a:extLst>
           </p:cNvPr>
@@ -13849,40 +14036,15 @@
           <a:p>
             <a:r>
               <a:rPr lang="en-US" dirty="0"/>
-              <a:t>Auditing Your Data</a:t>
-            </a:r>
-          </a:p>
-        </p:txBody>
-      </p:sp>
-      <p:sp>
-        <p:nvSpPr>
-          <p:cNvPr id="4" name="Text Placeholder 3">
-            <a:extLst>
-              <a:ext uri="{FF2B5EF4-FFF2-40B4-BE49-F238E27FC236}">
-                <a16:creationId xmlns:a16="http://schemas.microsoft.com/office/drawing/2014/main" id="{94D8F0A2-309B-B545-8C29-D643FC88803F}"/>
-              </a:ext>
-            </a:extLst>
-          </p:cNvPr>
-          <p:cNvSpPr>
-            <a:spLocks noGrp="1"/>
-          </p:cNvSpPr>
-          <p:nvPr>
-            <p:ph type="body" sz="quarter" idx="10"/>
-          </p:nvPr>
-        </p:nvSpPr>
-        <p:spPr/>
-        <p:txBody>
-          <a:bodyPr/>
-          <a:lstStyle/>
-          <a:p>
-            <a:endParaRPr lang="en-US"/>
+              <a:t>Part II: Transform</a:t>
+            </a:r>
           </a:p>
         </p:txBody>
       </p:sp>
     </p:spTree>
     <p:extLst>
       <p:ext uri="{BB962C8B-B14F-4D97-AF65-F5344CB8AC3E}">
-        <p14:creationId xmlns:p14="http://schemas.microsoft.com/office/powerpoint/2010/main" val="2617968978"/>
+        <p14:creationId xmlns:p14="http://schemas.microsoft.com/office/powerpoint/2010/main" val="1657269070"/>
       </p:ext>
     </p:extLst>
   </p:cSld>
@@ -13914,7 +14076,7 @@
           <p:cNvPr id="2" name="Title 1">
             <a:extLst>
               <a:ext uri="{FF2B5EF4-FFF2-40B4-BE49-F238E27FC236}">
-                <a16:creationId xmlns:a16="http://schemas.microsoft.com/office/drawing/2014/main" id="{0F73A750-FCCE-1B43-B19C-3EF29425C208}"/>
+                <a16:creationId xmlns:a16="http://schemas.microsoft.com/office/drawing/2014/main" id="{2DCC4BB7-7A9D-DE44-81A7-84A15E54D20B}"/>
               </a:ext>
             </a:extLst>
           </p:cNvPr>
@@ -13932,40 +14094,20 @@
           <a:p>
             <a:r>
               <a:rPr lang="en-US" dirty="0"/>
-              <a:t>Cleaning Your Data</a:t>
-            </a:r>
-          </a:p>
-        </p:txBody>
-      </p:sp>
-      <p:sp>
-        <p:nvSpPr>
-          <p:cNvPr id="3" name="Text Placeholder 2">
-            <a:extLst>
-              <a:ext uri="{FF2B5EF4-FFF2-40B4-BE49-F238E27FC236}">
-                <a16:creationId xmlns:a16="http://schemas.microsoft.com/office/drawing/2014/main" id="{47EB4147-976C-5F4C-8296-9593979C5497}"/>
-              </a:ext>
-            </a:extLst>
-          </p:cNvPr>
-          <p:cNvSpPr>
-            <a:spLocks noGrp="1"/>
-          </p:cNvSpPr>
-          <p:nvPr>
-            <p:ph type="body" sz="quarter" idx="10"/>
-          </p:nvPr>
-        </p:nvSpPr>
-        <p:spPr/>
-        <p:txBody>
-          <a:bodyPr/>
-          <a:lstStyle/>
-          <a:p>
-            <a:endParaRPr lang="en-US"/>
+              <a:t>Module 5: Auditing &amp; Cleaning</a:t>
+            </a:r>
+            <a:r>
+              <a:rPr lang="en-US" baseline="0" dirty="0"/>
+              <a:t> Your Data</a:t>
+            </a:r>
+            <a:endParaRPr lang="en-US" dirty="0"/>
           </a:p>
         </p:txBody>
       </p:sp>
     </p:spTree>
     <p:extLst>
       <p:ext uri="{BB962C8B-B14F-4D97-AF65-F5344CB8AC3E}">
-        <p14:creationId xmlns:p14="http://schemas.microsoft.com/office/powerpoint/2010/main" val="520519833"/>
+        <p14:creationId xmlns:p14="http://schemas.microsoft.com/office/powerpoint/2010/main" val="228763628"/>
       </p:ext>
     </p:extLst>
   </p:cSld>
@@ -13994,10 +14136,10 @@
       </p:grpSpPr>
       <p:sp>
         <p:nvSpPr>
-          <p:cNvPr id="2" name="Title 1">
+          <p:cNvPr id="3" name="Title 2">
             <a:extLst>
               <a:ext uri="{FF2B5EF4-FFF2-40B4-BE49-F238E27FC236}">
-                <a16:creationId xmlns:a16="http://schemas.microsoft.com/office/drawing/2014/main" id="{8AADCE9C-567B-F343-AD3A-DCEED7751871}"/>
+                <a16:creationId xmlns:a16="http://schemas.microsoft.com/office/drawing/2014/main" id="{6A8948BA-33DF-8D4F-BE0B-53151B6B2FE4}"/>
               </a:ext>
             </a:extLst>
           </p:cNvPr>
@@ -14015,17 +14157,17 @@
           <a:p>
             <a:r>
               <a:rPr lang="en-US" dirty="0"/>
-              <a:t>Merge and Clean</a:t>
-            </a:r>
-          </a:p>
-        </p:txBody>
-      </p:sp>
-      <p:sp>
-        <p:nvSpPr>
-          <p:cNvPr id="3" name="Text Placeholder 2">
+              <a:t>Auditing Your Data</a:t>
+            </a:r>
+          </a:p>
+        </p:txBody>
+      </p:sp>
+      <p:sp>
+        <p:nvSpPr>
+          <p:cNvPr id="4" name="Text Placeholder 3">
             <a:extLst>
               <a:ext uri="{FF2B5EF4-FFF2-40B4-BE49-F238E27FC236}">
-                <a16:creationId xmlns:a16="http://schemas.microsoft.com/office/drawing/2014/main" id="{9E15A277-1323-9644-A078-4090B3729416}"/>
+                <a16:creationId xmlns:a16="http://schemas.microsoft.com/office/drawing/2014/main" id="{94D8F0A2-309B-B545-8C29-D643FC88803F}"/>
               </a:ext>
             </a:extLst>
           </p:cNvPr>
@@ -14048,7 +14190,7 @@
     </p:spTree>
     <p:extLst>
       <p:ext uri="{BB962C8B-B14F-4D97-AF65-F5344CB8AC3E}">
-        <p14:creationId xmlns:p14="http://schemas.microsoft.com/office/powerpoint/2010/main" val="3260361871"/>
+        <p14:creationId xmlns:p14="http://schemas.microsoft.com/office/powerpoint/2010/main" val="2617968978"/>
       </p:ext>
     </p:extLst>
   </p:cSld>
@@ -14080,7 +14222,7 @@
           <p:cNvPr id="2" name="Title 1">
             <a:extLst>
               <a:ext uri="{FF2B5EF4-FFF2-40B4-BE49-F238E27FC236}">
-                <a16:creationId xmlns:a16="http://schemas.microsoft.com/office/drawing/2014/main" id="{0F9C471B-4CB9-534B-AF00-E0FEFDE63E75}"/>
+                <a16:creationId xmlns:a16="http://schemas.microsoft.com/office/drawing/2014/main" id="{0F73A750-FCCE-1B43-B19C-3EF29425C208}"/>
               </a:ext>
             </a:extLst>
           </p:cNvPr>
@@ -14098,7 +14240,7 @@
           <a:p>
             <a:r>
               <a:rPr lang="en-US" dirty="0"/>
-              <a:t>Making Data More Consistent</a:t>
+              <a:t>Cleaning Your Data</a:t>
             </a:r>
           </a:p>
         </p:txBody>
@@ -14108,7 +14250,7 @@
           <p:cNvPr id="3" name="Text Placeholder 2">
             <a:extLst>
               <a:ext uri="{FF2B5EF4-FFF2-40B4-BE49-F238E27FC236}">
-                <a16:creationId xmlns:a16="http://schemas.microsoft.com/office/drawing/2014/main" id="{F45FAE89-9E67-0A43-A422-22847A7FD8CA}"/>
+                <a16:creationId xmlns:a16="http://schemas.microsoft.com/office/drawing/2014/main" id="{47EB4147-976C-5F4C-8296-9593979C5497}"/>
               </a:ext>
             </a:extLst>
           </p:cNvPr>
@@ -14131,7 +14273,7 @@
     </p:spTree>
     <p:extLst>
       <p:ext uri="{BB962C8B-B14F-4D97-AF65-F5344CB8AC3E}">
-        <p14:creationId xmlns:p14="http://schemas.microsoft.com/office/powerpoint/2010/main" val="3958965914"/>
+        <p14:creationId xmlns:p14="http://schemas.microsoft.com/office/powerpoint/2010/main" val="520519833"/>
       </p:ext>
     </p:extLst>
   </p:cSld>
@@ -14163,7 +14305,7 @@
           <p:cNvPr id="2" name="Title 1">
             <a:extLst>
               <a:ext uri="{FF2B5EF4-FFF2-40B4-BE49-F238E27FC236}">
-                <a16:creationId xmlns:a16="http://schemas.microsoft.com/office/drawing/2014/main" id="{2E92257E-A8A0-2740-A0E2-3034B8C6ADD9}"/>
+                <a16:creationId xmlns:a16="http://schemas.microsoft.com/office/drawing/2014/main" id="{8AADCE9C-567B-F343-AD3A-DCEED7751871}"/>
               </a:ext>
             </a:extLst>
           </p:cNvPr>
@@ -14181,7 +14323,7 @@
           <a:p>
             <a:r>
               <a:rPr lang="en-US" dirty="0"/>
-              <a:t>Splitting Fields</a:t>
+              <a:t>Merge and Clean</a:t>
             </a:r>
           </a:p>
         </p:txBody>
@@ -14191,7 +14333,7 @@
           <p:cNvPr id="3" name="Text Placeholder 2">
             <a:extLst>
               <a:ext uri="{FF2B5EF4-FFF2-40B4-BE49-F238E27FC236}">
-                <a16:creationId xmlns:a16="http://schemas.microsoft.com/office/drawing/2014/main" id="{20C4FAF8-0C73-5A41-8B13-61EF434F64B4}"/>
+                <a16:creationId xmlns:a16="http://schemas.microsoft.com/office/drawing/2014/main" id="{9E15A277-1323-9644-A078-4090B3729416}"/>
               </a:ext>
             </a:extLst>
           </p:cNvPr>
@@ -14214,7 +14356,7 @@
     </p:spTree>
     <p:extLst>
       <p:ext uri="{BB962C8B-B14F-4D97-AF65-F5344CB8AC3E}">
-        <p14:creationId xmlns:p14="http://schemas.microsoft.com/office/powerpoint/2010/main" val="49218107"/>
+        <p14:creationId xmlns:p14="http://schemas.microsoft.com/office/powerpoint/2010/main" val="3260361871"/>
       </p:ext>
     </p:extLst>
   </p:cSld>
@@ -14246,7 +14388,7 @@
           <p:cNvPr id="2" name="Title 1">
             <a:extLst>
               <a:ext uri="{FF2B5EF4-FFF2-40B4-BE49-F238E27FC236}">
-                <a16:creationId xmlns:a16="http://schemas.microsoft.com/office/drawing/2014/main" id="{8ECBCB28-8413-5140-A949-761083F81470}"/>
+                <a16:creationId xmlns:a16="http://schemas.microsoft.com/office/drawing/2014/main" id="{0F9C471B-4CB9-534B-AF00-E0FEFDE63E75}"/>
               </a:ext>
             </a:extLst>
           </p:cNvPr>
@@ -14264,7 +14406,7 @@
           <a:p>
             <a:r>
               <a:rPr lang="en-US" dirty="0"/>
-              <a:t>Recommendations</a:t>
+              <a:t>Making Data More Consistent</a:t>
             </a:r>
           </a:p>
         </p:txBody>
@@ -14274,7 +14416,7 @@
           <p:cNvPr id="3" name="Text Placeholder 2">
             <a:extLst>
               <a:ext uri="{FF2B5EF4-FFF2-40B4-BE49-F238E27FC236}">
-                <a16:creationId xmlns:a16="http://schemas.microsoft.com/office/drawing/2014/main" id="{DE38BA79-005D-F748-8EF0-DDBDB31CFBF0}"/>
+                <a16:creationId xmlns:a16="http://schemas.microsoft.com/office/drawing/2014/main" id="{F45FAE89-9E67-0A43-A422-22847A7FD8CA}"/>
               </a:ext>
             </a:extLst>
           </p:cNvPr>
@@ -14297,7 +14439,7 @@
     </p:spTree>
     <p:extLst>
       <p:ext uri="{BB962C8B-B14F-4D97-AF65-F5344CB8AC3E}">
-        <p14:creationId xmlns:p14="http://schemas.microsoft.com/office/powerpoint/2010/main" val="3708025470"/>
+        <p14:creationId xmlns:p14="http://schemas.microsoft.com/office/powerpoint/2010/main" val="3958965914"/>
       </p:ext>
     </p:extLst>
   </p:cSld>
@@ -14329,7 +14471,7 @@
           <p:cNvPr id="2" name="Title 1">
             <a:extLst>
               <a:ext uri="{FF2B5EF4-FFF2-40B4-BE49-F238E27FC236}">
-                <a16:creationId xmlns:a16="http://schemas.microsoft.com/office/drawing/2014/main" id="{56B44BDD-EA88-2D47-A6B7-E02FE22AD315}"/>
+                <a16:creationId xmlns:a16="http://schemas.microsoft.com/office/drawing/2014/main" id="{2E92257E-A8A0-2740-A0E2-3034B8C6ADD9}"/>
               </a:ext>
             </a:extLst>
           </p:cNvPr>
@@ -14347,7 +14489,7 @@
           <a:p>
             <a:r>
               <a:rPr lang="en-US" dirty="0"/>
-              <a:t>Handling NULL Values</a:t>
+              <a:t>Splitting Fields</a:t>
             </a:r>
           </a:p>
         </p:txBody>
@@ -14357,7 +14499,7 @@
           <p:cNvPr id="3" name="Text Placeholder 2">
             <a:extLst>
               <a:ext uri="{FF2B5EF4-FFF2-40B4-BE49-F238E27FC236}">
-                <a16:creationId xmlns:a16="http://schemas.microsoft.com/office/drawing/2014/main" id="{35B8F14B-39CF-AF41-99E1-2E843C247A56}"/>
+                <a16:creationId xmlns:a16="http://schemas.microsoft.com/office/drawing/2014/main" id="{20C4FAF8-0C73-5A41-8B13-61EF434F64B4}"/>
               </a:ext>
             </a:extLst>
           </p:cNvPr>
@@ -14380,7 +14522,7 @@
     </p:spTree>
     <p:extLst>
       <p:ext uri="{BB962C8B-B14F-4D97-AF65-F5344CB8AC3E}">
-        <p14:creationId xmlns:p14="http://schemas.microsoft.com/office/powerpoint/2010/main" val="3654839068"/>
+        <p14:creationId xmlns:p14="http://schemas.microsoft.com/office/powerpoint/2010/main" val="49218107"/>
       </p:ext>
     </p:extLst>
   </p:cSld>
@@ -14412,7 +14554,7 @@
           <p:cNvPr id="2" name="Title 1">
             <a:extLst>
               <a:ext uri="{FF2B5EF4-FFF2-40B4-BE49-F238E27FC236}">
-                <a16:creationId xmlns:a16="http://schemas.microsoft.com/office/drawing/2014/main" id="{505FEF39-4D4F-234C-A7CC-3D508B076ECC}"/>
+                <a16:creationId xmlns:a16="http://schemas.microsoft.com/office/drawing/2014/main" id="{8ECBCB28-8413-5140-A949-761083F81470}"/>
               </a:ext>
             </a:extLst>
           </p:cNvPr>
@@ -14430,7 +14572,7 @@
           <a:p>
             <a:r>
               <a:rPr lang="en-US" dirty="0"/>
-              <a:t>Filtering Records</a:t>
+              <a:t>Recommendations</a:t>
             </a:r>
           </a:p>
         </p:txBody>
@@ -14440,7 +14582,7 @@
           <p:cNvPr id="3" name="Text Placeholder 2">
             <a:extLst>
               <a:ext uri="{FF2B5EF4-FFF2-40B4-BE49-F238E27FC236}">
-                <a16:creationId xmlns:a16="http://schemas.microsoft.com/office/drawing/2014/main" id="{F0A2B6CF-1628-4546-AF20-667E71376CF7}"/>
+                <a16:creationId xmlns:a16="http://schemas.microsoft.com/office/drawing/2014/main" id="{DE38BA79-005D-F748-8EF0-DDBDB31CFBF0}"/>
               </a:ext>
             </a:extLst>
           </p:cNvPr>
@@ -14463,7 +14605,7 @@
     </p:spTree>
     <p:extLst>
       <p:ext uri="{BB962C8B-B14F-4D97-AF65-F5344CB8AC3E}">
-        <p14:creationId xmlns:p14="http://schemas.microsoft.com/office/powerpoint/2010/main" val="1615717970"/>
+        <p14:creationId xmlns:p14="http://schemas.microsoft.com/office/powerpoint/2010/main" val="3708025470"/>
       </p:ext>
     </p:extLst>
   </p:cSld>
@@ -14495,7 +14637,7 @@
           <p:cNvPr id="2" name="Title 1">
             <a:extLst>
               <a:ext uri="{FF2B5EF4-FFF2-40B4-BE49-F238E27FC236}">
-                <a16:creationId xmlns:a16="http://schemas.microsoft.com/office/drawing/2014/main" id="{C3A4853A-6621-BF48-99C0-CF9E50FA3A1F}"/>
+                <a16:creationId xmlns:a16="http://schemas.microsoft.com/office/drawing/2014/main" id="{56B44BDD-EA88-2D47-A6B7-E02FE22AD315}"/>
               </a:ext>
             </a:extLst>
           </p:cNvPr>
@@ -14513,15 +14655,40 @@
           <a:p>
             <a:r>
               <a:rPr lang="en-US" dirty="0"/>
-              <a:t>Module 6: Group and Replace</a:t>
-            </a:r>
+              <a:t>Handling NULL Values</a:t>
+            </a:r>
+          </a:p>
+        </p:txBody>
+      </p:sp>
+      <p:sp>
+        <p:nvSpPr>
+          <p:cNvPr id="3" name="Text Placeholder 2">
+            <a:extLst>
+              <a:ext uri="{FF2B5EF4-FFF2-40B4-BE49-F238E27FC236}">
+                <a16:creationId xmlns:a16="http://schemas.microsoft.com/office/drawing/2014/main" id="{35B8F14B-39CF-AF41-99E1-2E843C247A56}"/>
+              </a:ext>
+            </a:extLst>
+          </p:cNvPr>
+          <p:cNvSpPr>
+            <a:spLocks noGrp="1"/>
+          </p:cNvSpPr>
+          <p:nvPr>
+            <p:ph type="body" sz="quarter" idx="10"/>
+          </p:nvPr>
+        </p:nvSpPr>
+        <p:spPr/>
+        <p:txBody>
+          <a:bodyPr/>
+          <a:lstStyle/>
+          <a:p>
+            <a:endParaRPr lang="en-US"/>
           </a:p>
         </p:txBody>
       </p:sp>
     </p:spTree>
     <p:extLst>
       <p:ext uri="{BB962C8B-B14F-4D97-AF65-F5344CB8AC3E}">
-        <p14:creationId xmlns:p14="http://schemas.microsoft.com/office/powerpoint/2010/main" val="3911395177"/>
+        <p14:creationId xmlns:p14="http://schemas.microsoft.com/office/powerpoint/2010/main" val="3654839068"/>
       </p:ext>
     </p:extLst>
   </p:cSld>
@@ -14663,7 +14830,7 @@
           <p:cNvPr id="2" name="Title 1">
             <a:extLst>
               <a:ext uri="{FF2B5EF4-FFF2-40B4-BE49-F238E27FC236}">
-                <a16:creationId xmlns:a16="http://schemas.microsoft.com/office/drawing/2014/main" id="{3480EC15-00FE-FC41-ADF7-549E87A4B4F2}"/>
+                <a16:creationId xmlns:a16="http://schemas.microsoft.com/office/drawing/2014/main" id="{505FEF39-4D4F-234C-A7CC-3D508B076ECC}"/>
               </a:ext>
             </a:extLst>
           </p:cNvPr>
@@ -14681,7 +14848,7 @@
           <a:p>
             <a:r>
               <a:rPr lang="en-US" dirty="0"/>
-              <a:t>Group and Replace</a:t>
+              <a:t>Filtering Records</a:t>
             </a:r>
           </a:p>
         </p:txBody>
@@ -14691,7 +14858,7 @@
           <p:cNvPr id="3" name="Text Placeholder 2">
             <a:extLst>
               <a:ext uri="{FF2B5EF4-FFF2-40B4-BE49-F238E27FC236}">
-                <a16:creationId xmlns:a16="http://schemas.microsoft.com/office/drawing/2014/main" id="{52CBEEB9-F887-F642-BD6A-347CE2FA09FB}"/>
+                <a16:creationId xmlns:a16="http://schemas.microsoft.com/office/drawing/2014/main" id="{F0A2B6CF-1628-4546-AF20-667E71376CF7}"/>
               </a:ext>
             </a:extLst>
           </p:cNvPr>
@@ -14714,7 +14881,7 @@
     </p:spTree>
     <p:extLst>
       <p:ext uri="{BB962C8B-B14F-4D97-AF65-F5344CB8AC3E}">
-        <p14:creationId xmlns:p14="http://schemas.microsoft.com/office/powerpoint/2010/main" val="4144102751"/>
+        <p14:creationId xmlns:p14="http://schemas.microsoft.com/office/powerpoint/2010/main" val="1615717970"/>
       </p:ext>
     </p:extLst>
   </p:cSld>
@@ -14746,7 +14913,7 @@
           <p:cNvPr id="2" name="Title 1">
             <a:extLst>
               <a:ext uri="{FF2B5EF4-FFF2-40B4-BE49-F238E27FC236}">
-                <a16:creationId xmlns:a16="http://schemas.microsoft.com/office/drawing/2014/main" id="{5EF4012B-FF41-2C4E-B2EF-2972C9D9184A}"/>
+                <a16:creationId xmlns:a16="http://schemas.microsoft.com/office/drawing/2014/main" id="{C3A4853A-6621-BF48-99C0-CF9E50FA3A1F}"/>
               </a:ext>
             </a:extLst>
           </p:cNvPr>
@@ -14764,45 +14931,15 @@
           <a:p>
             <a:r>
               <a:rPr lang="en-US" dirty="0"/>
-              <a:t>Manual</a:t>
-            </a:r>
-            <a:r>
-              <a:rPr lang="en-US" baseline="0" dirty="0"/>
-              <a:t> Selection</a:t>
-            </a:r>
-            <a:endParaRPr lang="en-US" dirty="0"/>
-          </a:p>
-        </p:txBody>
-      </p:sp>
-      <p:sp>
-        <p:nvSpPr>
-          <p:cNvPr id="3" name="Text Placeholder 2">
-            <a:extLst>
-              <a:ext uri="{FF2B5EF4-FFF2-40B4-BE49-F238E27FC236}">
-                <a16:creationId xmlns:a16="http://schemas.microsoft.com/office/drawing/2014/main" id="{404BE848-6263-0145-B9F8-9619C16139F0}"/>
-              </a:ext>
-            </a:extLst>
-          </p:cNvPr>
-          <p:cNvSpPr>
-            <a:spLocks noGrp="1"/>
-          </p:cNvSpPr>
-          <p:nvPr>
-            <p:ph type="body" sz="quarter" idx="10"/>
-          </p:nvPr>
-        </p:nvSpPr>
-        <p:spPr/>
-        <p:txBody>
-          <a:bodyPr/>
-          <a:lstStyle/>
-          <a:p>
-            <a:endParaRPr lang="en-US"/>
+              <a:t>Module 6: Group and Replace</a:t>
+            </a:r>
           </a:p>
         </p:txBody>
       </p:sp>
     </p:spTree>
     <p:extLst>
       <p:ext uri="{BB962C8B-B14F-4D97-AF65-F5344CB8AC3E}">
-        <p14:creationId xmlns:p14="http://schemas.microsoft.com/office/powerpoint/2010/main" val="1517578569"/>
+        <p14:creationId xmlns:p14="http://schemas.microsoft.com/office/powerpoint/2010/main" val="3911395177"/>
       </p:ext>
     </p:extLst>
   </p:cSld>
@@ -14834,7 +14971,7 @@
           <p:cNvPr id="2" name="Title 1">
             <a:extLst>
               <a:ext uri="{FF2B5EF4-FFF2-40B4-BE49-F238E27FC236}">
-                <a16:creationId xmlns:a16="http://schemas.microsoft.com/office/drawing/2014/main" id="{B8CB6C30-3AB2-3744-B360-453B167B4FF4}"/>
+                <a16:creationId xmlns:a16="http://schemas.microsoft.com/office/drawing/2014/main" id="{3480EC15-00FE-FC41-ADF7-549E87A4B4F2}"/>
               </a:ext>
             </a:extLst>
           </p:cNvPr>
@@ -14852,7 +14989,7 @@
           <a:p>
             <a:r>
               <a:rPr lang="en-US" dirty="0"/>
-              <a:t>Grouping by Pronunciation</a:t>
+              <a:t>Group and Replace</a:t>
             </a:r>
           </a:p>
         </p:txBody>
@@ -14862,7 +14999,7 @@
           <p:cNvPr id="3" name="Text Placeholder 2">
             <a:extLst>
               <a:ext uri="{FF2B5EF4-FFF2-40B4-BE49-F238E27FC236}">
-                <a16:creationId xmlns:a16="http://schemas.microsoft.com/office/drawing/2014/main" id="{3114DC91-50BA-4E48-B2AF-D3791A89BC17}"/>
+                <a16:creationId xmlns:a16="http://schemas.microsoft.com/office/drawing/2014/main" id="{52CBEEB9-F887-F642-BD6A-347CE2FA09FB}"/>
               </a:ext>
             </a:extLst>
           </p:cNvPr>
@@ -14885,7 +15022,7 @@
     </p:spTree>
     <p:extLst>
       <p:ext uri="{BB962C8B-B14F-4D97-AF65-F5344CB8AC3E}">
-        <p14:creationId xmlns:p14="http://schemas.microsoft.com/office/powerpoint/2010/main" val="4105177919"/>
+        <p14:creationId xmlns:p14="http://schemas.microsoft.com/office/powerpoint/2010/main" val="4144102751"/>
       </p:ext>
     </p:extLst>
   </p:cSld>
@@ -14917,7 +15054,7 @@
           <p:cNvPr id="2" name="Title 1">
             <a:extLst>
               <a:ext uri="{FF2B5EF4-FFF2-40B4-BE49-F238E27FC236}">
-                <a16:creationId xmlns:a16="http://schemas.microsoft.com/office/drawing/2014/main" id="{F667AD0A-11C2-034F-9745-119770BC4F74}"/>
+                <a16:creationId xmlns:a16="http://schemas.microsoft.com/office/drawing/2014/main" id="{5EF4012B-FF41-2C4E-B2EF-2972C9D9184A}"/>
               </a:ext>
             </a:extLst>
           </p:cNvPr>
@@ -14935,11 +15072,11 @@
           <a:p>
             <a:r>
               <a:rPr lang="en-US" dirty="0"/>
-              <a:t>Grouping</a:t>
+              <a:t>Manual</a:t>
             </a:r>
             <a:r>
               <a:rPr lang="en-US" baseline="0" dirty="0"/>
-              <a:t> by Common Characters</a:t>
+              <a:t> Selection</a:t>
             </a:r>
             <a:endParaRPr lang="en-US" dirty="0"/>
           </a:p>
@@ -14950,7 +15087,7 @@
           <p:cNvPr id="3" name="Text Placeholder 2">
             <a:extLst>
               <a:ext uri="{FF2B5EF4-FFF2-40B4-BE49-F238E27FC236}">
-                <a16:creationId xmlns:a16="http://schemas.microsoft.com/office/drawing/2014/main" id="{E01C124F-BC23-884A-8940-AE40F6201DB9}"/>
+                <a16:creationId xmlns:a16="http://schemas.microsoft.com/office/drawing/2014/main" id="{404BE848-6263-0145-B9F8-9619C16139F0}"/>
               </a:ext>
             </a:extLst>
           </p:cNvPr>
@@ -14973,7 +15110,7 @@
     </p:spTree>
     <p:extLst>
       <p:ext uri="{BB962C8B-B14F-4D97-AF65-F5344CB8AC3E}">
-        <p14:creationId xmlns:p14="http://schemas.microsoft.com/office/powerpoint/2010/main" val="737931396"/>
+        <p14:creationId xmlns:p14="http://schemas.microsoft.com/office/powerpoint/2010/main" val="1517578569"/>
       </p:ext>
     </p:extLst>
   </p:cSld>
@@ -15005,7 +15142,7 @@
           <p:cNvPr id="2" name="Title 1">
             <a:extLst>
               <a:ext uri="{FF2B5EF4-FFF2-40B4-BE49-F238E27FC236}">
-                <a16:creationId xmlns:a16="http://schemas.microsoft.com/office/drawing/2014/main" id="{7A902A4D-3605-F64D-99D9-C7BD9542C2E4}"/>
+                <a16:creationId xmlns:a16="http://schemas.microsoft.com/office/drawing/2014/main" id="{B8CB6C30-3AB2-3744-B360-453B167B4FF4}"/>
               </a:ext>
             </a:extLst>
           </p:cNvPr>
@@ -15023,7 +15160,7 @@
           <a:p>
             <a:r>
               <a:rPr lang="en-US" dirty="0"/>
-              <a:t>Grouping by Spelling</a:t>
+              <a:t>Grouping by Pronunciation</a:t>
             </a:r>
           </a:p>
         </p:txBody>
@@ -15033,7 +15170,7 @@
           <p:cNvPr id="3" name="Text Placeholder 2">
             <a:extLst>
               <a:ext uri="{FF2B5EF4-FFF2-40B4-BE49-F238E27FC236}">
-                <a16:creationId xmlns:a16="http://schemas.microsoft.com/office/drawing/2014/main" id="{1D73BADE-B533-CE4F-B5B8-CAB06C368000}"/>
+                <a16:creationId xmlns:a16="http://schemas.microsoft.com/office/drawing/2014/main" id="{3114DC91-50BA-4E48-B2AF-D3791A89BC17}"/>
               </a:ext>
             </a:extLst>
           </p:cNvPr>
@@ -15056,7 +15193,7 @@
     </p:spTree>
     <p:extLst>
       <p:ext uri="{BB962C8B-B14F-4D97-AF65-F5344CB8AC3E}">
-        <p14:creationId xmlns:p14="http://schemas.microsoft.com/office/powerpoint/2010/main" val="3770955645"/>
+        <p14:creationId xmlns:p14="http://schemas.microsoft.com/office/powerpoint/2010/main" val="4105177919"/>
       </p:ext>
     </p:extLst>
   </p:cSld>
@@ -15088,7 +15225,7 @@
           <p:cNvPr id="2" name="Title 1">
             <a:extLst>
               <a:ext uri="{FF2B5EF4-FFF2-40B4-BE49-F238E27FC236}">
-                <a16:creationId xmlns:a16="http://schemas.microsoft.com/office/drawing/2014/main" id="{098CEEC1-7F87-F34D-B9A4-7EA9EFA2F688}"/>
+                <a16:creationId xmlns:a16="http://schemas.microsoft.com/office/drawing/2014/main" id="{F667AD0A-11C2-034F-9745-119770BC4F74}"/>
               </a:ext>
             </a:extLst>
           </p:cNvPr>
@@ -15106,15 +15243,45 @@
           <a:p>
             <a:r>
               <a:rPr lang="en-US" dirty="0"/>
-              <a:t>Module 7: Aggregating and Pivoting Data</a:t>
-            </a:r>
+              <a:t>Grouping</a:t>
+            </a:r>
+            <a:r>
+              <a:rPr lang="en-US" baseline="0" dirty="0"/>
+              <a:t> by Common Characters</a:t>
+            </a:r>
+            <a:endParaRPr lang="en-US" dirty="0"/>
+          </a:p>
+        </p:txBody>
+      </p:sp>
+      <p:sp>
+        <p:nvSpPr>
+          <p:cNvPr id="3" name="Text Placeholder 2">
+            <a:extLst>
+              <a:ext uri="{FF2B5EF4-FFF2-40B4-BE49-F238E27FC236}">
+                <a16:creationId xmlns:a16="http://schemas.microsoft.com/office/drawing/2014/main" id="{E01C124F-BC23-884A-8940-AE40F6201DB9}"/>
+              </a:ext>
+            </a:extLst>
+          </p:cNvPr>
+          <p:cNvSpPr>
+            <a:spLocks noGrp="1"/>
+          </p:cNvSpPr>
+          <p:nvPr>
+            <p:ph type="body" sz="quarter" idx="10"/>
+          </p:nvPr>
+        </p:nvSpPr>
+        <p:spPr/>
+        <p:txBody>
+          <a:bodyPr/>
+          <a:lstStyle/>
+          <a:p>
+            <a:endParaRPr lang="en-US"/>
           </a:p>
         </p:txBody>
       </p:sp>
     </p:spTree>
     <p:extLst>
       <p:ext uri="{BB962C8B-B14F-4D97-AF65-F5344CB8AC3E}">
-        <p14:creationId xmlns:p14="http://schemas.microsoft.com/office/powerpoint/2010/main" val="2030434778"/>
+        <p14:creationId xmlns:p14="http://schemas.microsoft.com/office/powerpoint/2010/main" val="737931396"/>
       </p:ext>
     </p:extLst>
   </p:cSld>
@@ -15146,7 +15313,7 @@
           <p:cNvPr id="2" name="Title 1">
             <a:extLst>
               <a:ext uri="{FF2B5EF4-FFF2-40B4-BE49-F238E27FC236}">
-                <a16:creationId xmlns:a16="http://schemas.microsoft.com/office/drawing/2014/main" id="{7A459FFD-D6CD-5B4A-9BCB-E8A05891ABD0}"/>
+                <a16:creationId xmlns:a16="http://schemas.microsoft.com/office/drawing/2014/main" id="{7A902A4D-3605-F64D-99D9-C7BD9542C2E4}"/>
               </a:ext>
             </a:extLst>
           </p:cNvPr>
@@ -15164,7 +15331,7 @@
           <a:p>
             <a:r>
               <a:rPr lang="en-US" dirty="0"/>
-              <a:t>Aggregating Data</a:t>
+              <a:t>Grouping by Spelling</a:t>
             </a:r>
           </a:p>
         </p:txBody>
@@ -15174,7 +15341,7 @@
           <p:cNvPr id="3" name="Text Placeholder 2">
             <a:extLst>
               <a:ext uri="{FF2B5EF4-FFF2-40B4-BE49-F238E27FC236}">
-                <a16:creationId xmlns:a16="http://schemas.microsoft.com/office/drawing/2014/main" id="{8B206731-BB58-084E-9F91-E2037F0BB52D}"/>
+                <a16:creationId xmlns:a16="http://schemas.microsoft.com/office/drawing/2014/main" id="{1D73BADE-B533-CE4F-B5B8-CAB06C368000}"/>
               </a:ext>
             </a:extLst>
           </p:cNvPr>
@@ -15197,7 +15364,7 @@
     </p:spTree>
     <p:extLst>
       <p:ext uri="{BB962C8B-B14F-4D97-AF65-F5344CB8AC3E}">
-        <p14:creationId xmlns:p14="http://schemas.microsoft.com/office/powerpoint/2010/main" val="3081864923"/>
+        <p14:creationId xmlns:p14="http://schemas.microsoft.com/office/powerpoint/2010/main" val="3770955645"/>
       </p:ext>
     </p:extLst>
   </p:cSld>
@@ -15229,7 +15396,7 @@
           <p:cNvPr id="2" name="Title 1">
             <a:extLst>
               <a:ext uri="{FF2B5EF4-FFF2-40B4-BE49-F238E27FC236}">
-                <a16:creationId xmlns:a16="http://schemas.microsoft.com/office/drawing/2014/main" id="{3B856723-7D74-B54B-8C18-AFFA49BB0578}"/>
+                <a16:creationId xmlns:a16="http://schemas.microsoft.com/office/drawing/2014/main" id="{098CEEC1-7F87-F34D-B9A4-7EA9EFA2F688}"/>
               </a:ext>
             </a:extLst>
           </p:cNvPr>
@@ -15247,40 +15414,15 @@
           <a:p>
             <a:r>
               <a:rPr lang="en-US" dirty="0"/>
-              <a:t>Pivoting Data</a:t>
-            </a:r>
-          </a:p>
-        </p:txBody>
-      </p:sp>
-      <p:sp>
-        <p:nvSpPr>
-          <p:cNvPr id="3" name="Text Placeholder 2">
-            <a:extLst>
-              <a:ext uri="{FF2B5EF4-FFF2-40B4-BE49-F238E27FC236}">
-                <a16:creationId xmlns:a16="http://schemas.microsoft.com/office/drawing/2014/main" id="{C07C88D3-0BAE-8749-84FF-FD11C5D739E5}"/>
-              </a:ext>
-            </a:extLst>
-          </p:cNvPr>
-          <p:cNvSpPr>
-            <a:spLocks noGrp="1"/>
-          </p:cNvSpPr>
-          <p:nvPr>
-            <p:ph type="body" sz="quarter" idx="10"/>
-          </p:nvPr>
-        </p:nvSpPr>
-        <p:spPr/>
-        <p:txBody>
-          <a:bodyPr/>
-          <a:lstStyle/>
-          <a:p>
-            <a:endParaRPr lang="en-US"/>
+              <a:t>Module 7: Aggregating and Pivoting Data</a:t>
+            </a:r>
           </a:p>
         </p:txBody>
       </p:sp>
     </p:spTree>
     <p:extLst>
       <p:ext uri="{BB962C8B-B14F-4D97-AF65-F5344CB8AC3E}">
-        <p14:creationId xmlns:p14="http://schemas.microsoft.com/office/powerpoint/2010/main" val="2826624053"/>
+        <p14:creationId xmlns:p14="http://schemas.microsoft.com/office/powerpoint/2010/main" val="2030434778"/>
       </p:ext>
     </p:extLst>
   </p:cSld>
@@ -15312,7 +15454,7 @@
           <p:cNvPr id="2" name="Title 1">
             <a:extLst>
               <a:ext uri="{FF2B5EF4-FFF2-40B4-BE49-F238E27FC236}">
-                <a16:creationId xmlns:a16="http://schemas.microsoft.com/office/drawing/2014/main" id="{6B5CDC5B-FC9D-9E42-ACCA-21C364287987}"/>
+                <a16:creationId xmlns:a16="http://schemas.microsoft.com/office/drawing/2014/main" id="{7A459FFD-D6CD-5B4A-9BCB-E8A05891ABD0}"/>
               </a:ext>
             </a:extLst>
           </p:cNvPr>
@@ -15330,7 +15472,7 @@
           <a:p>
             <a:r>
               <a:rPr lang="en-US" dirty="0"/>
-              <a:t>Unpivoting Data</a:t>
+              <a:t>Aggregating Data</a:t>
             </a:r>
           </a:p>
         </p:txBody>
@@ -15340,7 +15482,7 @@
           <p:cNvPr id="3" name="Text Placeholder 2">
             <a:extLst>
               <a:ext uri="{FF2B5EF4-FFF2-40B4-BE49-F238E27FC236}">
-                <a16:creationId xmlns:a16="http://schemas.microsoft.com/office/drawing/2014/main" id="{7D0F7560-7895-1E4C-93E5-863F23F78976}"/>
+                <a16:creationId xmlns:a16="http://schemas.microsoft.com/office/drawing/2014/main" id="{8B206731-BB58-084E-9F91-E2037F0BB52D}"/>
               </a:ext>
             </a:extLst>
           </p:cNvPr>
@@ -15363,7 +15505,7 @@
     </p:spTree>
     <p:extLst>
       <p:ext uri="{BB962C8B-B14F-4D97-AF65-F5344CB8AC3E}">
-        <p14:creationId xmlns:p14="http://schemas.microsoft.com/office/powerpoint/2010/main" val="223869305"/>
+        <p14:creationId xmlns:p14="http://schemas.microsoft.com/office/powerpoint/2010/main" val="3081864923"/>
       </p:ext>
     </p:extLst>
   </p:cSld>
@@ -15395,7 +15537,7 @@
           <p:cNvPr id="2" name="Title 1">
             <a:extLst>
               <a:ext uri="{FF2B5EF4-FFF2-40B4-BE49-F238E27FC236}">
-                <a16:creationId xmlns:a16="http://schemas.microsoft.com/office/drawing/2014/main" id="{BD3CC3C1-820E-1F4C-9494-4CA16BC01F49}"/>
+                <a16:creationId xmlns:a16="http://schemas.microsoft.com/office/drawing/2014/main" id="{3B856723-7D74-B54B-8C18-AFFA49BB0578}"/>
               </a:ext>
             </a:extLst>
           </p:cNvPr>
@@ -15413,15 +15555,40 @@
           <a:p>
             <a:r>
               <a:rPr lang="en-US" dirty="0"/>
-              <a:t>Part III: Load</a:t>
-            </a:r>
+              <a:t>Pivoting Data</a:t>
+            </a:r>
+          </a:p>
+        </p:txBody>
+      </p:sp>
+      <p:sp>
+        <p:nvSpPr>
+          <p:cNvPr id="3" name="Text Placeholder 2">
+            <a:extLst>
+              <a:ext uri="{FF2B5EF4-FFF2-40B4-BE49-F238E27FC236}">
+                <a16:creationId xmlns:a16="http://schemas.microsoft.com/office/drawing/2014/main" id="{C07C88D3-0BAE-8749-84FF-FD11C5D739E5}"/>
+              </a:ext>
+            </a:extLst>
+          </p:cNvPr>
+          <p:cNvSpPr>
+            <a:spLocks noGrp="1"/>
+          </p:cNvSpPr>
+          <p:nvPr>
+            <p:ph type="body" sz="quarter" idx="10"/>
+          </p:nvPr>
+        </p:nvSpPr>
+        <p:spPr/>
+        <p:txBody>
+          <a:bodyPr/>
+          <a:lstStyle/>
+          <a:p>
+            <a:endParaRPr lang="en-US"/>
           </a:p>
         </p:txBody>
       </p:sp>
     </p:spTree>
     <p:extLst>
       <p:ext uri="{BB962C8B-B14F-4D97-AF65-F5344CB8AC3E}">
-        <p14:creationId xmlns:p14="http://schemas.microsoft.com/office/powerpoint/2010/main" val="2503839061"/>
+        <p14:creationId xmlns:p14="http://schemas.microsoft.com/office/powerpoint/2010/main" val="2826624053"/>
       </p:ext>
     </p:extLst>
   </p:cSld>
@@ -15850,7 +16017,7 @@
           <p:cNvPr id="2" name="Title 1">
             <a:extLst>
               <a:ext uri="{FF2B5EF4-FFF2-40B4-BE49-F238E27FC236}">
-                <a16:creationId xmlns:a16="http://schemas.microsoft.com/office/drawing/2014/main" id="{C7183894-EC31-F440-9353-89759F05B3EB}"/>
+                <a16:creationId xmlns:a16="http://schemas.microsoft.com/office/drawing/2014/main" id="{6B5CDC5B-FC9D-9E42-ACCA-21C364287987}"/>
               </a:ext>
             </a:extLst>
           </p:cNvPr>
@@ -15868,15 +16035,40 @@
           <a:p>
             <a:r>
               <a:rPr lang="en-US" dirty="0"/>
-              <a:t>Module 8: Output</a:t>
-            </a:r>
+              <a:t>Unpivoting Data</a:t>
+            </a:r>
+          </a:p>
+        </p:txBody>
+      </p:sp>
+      <p:sp>
+        <p:nvSpPr>
+          <p:cNvPr id="3" name="Text Placeholder 2">
+            <a:extLst>
+              <a:ext uri="{FF2B5EF4-FFF2-40B4-BE49-F238E27FC236}">
+                <a16:creationId xmlns:a16="http://schemas.microsoft.com/office/drawing/2014/main" id="{7D0F7560-7895-1E4C-93E5-863F23F78976}"/>
+              </a:ext>
+            </a:extLst>
+          </p:cNvPr>
+          <p:cNvSpPr>
+            <a:spLocks noGrp="1"/>
+          </p:cNvSpPr>
+          <p:nvPr>
+            <p:ph type="body" sz="quarter" idx="10"/>
+          </p:nvPr>
+        </p:nvSpPr>
+        <p:spPr/>
+        <p:txBody>
+          <a:bodyPr/>
+          <a:lstStyle/>
+          <a:p>
+            <a:endParaRPr lang="en-US"/>
           </a:p>
         </p:txBody>
       </p:sp>
     </p:spTree>
     <p:extLst>
       <p:ext uri="{BB962C8B-B14F-4D97-AF65-F5344CB8AC3E}">
-        <p14:creationId xmlns:p14="http://schemas.microsoft.com/office/powerpoint/2010/main" val="2381891199"/>
+        <p14:creationId xmlns:p14="http://schemas.microsoft.com/office/powerpoint/2010/main" val="223869305"/>
       </p:ext>
     </p:extLst>
   </p:cSld>
@@ -15908,7 +16100,7 @@
           <p:cNvPr id="2" name="Title 1">
             <a:extLst>
               <a:ext uri="{FF2B5EF4-FFF2-40B4-BE49-F238E27FC236}">
-                <a16:creationId xmlns:a16="http://schemas.microsoft.com/office/drawing/2014/main" id="{59A8E365-F14F-F541-8BE6-C2E2F4658199}"/>
+                <a16:creationId xmlns:a16="http://schemas.microsoft.com/office/drawing/2014/main" id="{BD3CC3C1-820E-1F4C-9494-4CA16BC01F49}"/>
               </a:ext>
             </a:extLst>
           </p:cNvPr>
@@ -15926,40 +16118,15 @@
           <a:p>
             <a:r>
               <a:rPr lang="en-US" dirty="0"/>
-              <a:t>Outputting to files</a:t>
-            </a:r>
-          </a:p>
-        </p:txBody>
-      </p:sp>
-      <p:sp>
-        <p:nvSpPr>
-          <p:cNvPr id="3" name="Text Placeholder 2">
-            <a:extLst>
-              <a:ext uri="{FF2B5EF4-FFF2-40B4-BE49-F238E27FC236}">
-                <a16:creationId xmlns:a16="http://schemas.microsoft.com/office/drawing/2014/main" id="{6E648436-C250-D445-8FE2-389E92AF5047}"/>
-              </a:ext>
-            </a:extLst>
-          </p:cNvPr>
-          <p:cNvSpPr>
-            <a:spLocks noGrp="1"/>
-          </p:cNvSpPr>
-          <p:nvPr>
-            <p:ph type="body" sz="quarter" idx="10"/>
-          </p:nvPr>
-        </p:nvSpPr>
-        <p:spPr/>
-        <p:txBody>
-          <a:bodyPr/>
-          <a:lstStyle/>
-          <a:p>
-            <a:endParaRPr lang="en-US"/>
+              <a:t>Part III: Load</a:t>
+            </a:r>
           </a:p>
         </p:txBody>
       </p:sp>
     </p:spTree>
     <p:extLst>
       <p:ext uri="{BB962C8B-B14F-4D97-AF65-F5344CB8AC3E}">
-        <p14:creationId xmlns:p14="http://schemas.microsoft.com/office/powerpoint/2010/main" val="3591092714"/>
+        <p14:creationId xmlns:p14="http://schemas.microsoft.com/office/powerpoint/2010/main" val="2503839061"/>
       </p:ext>
     </p:extLst>
   </p:cSld>
@@ -15991,7 +16158,7 @@
           <p:cNvPr id="2" name="Title 1">
             <a:extLst>
               <a:ext uri="{FF2B5EF4-FFF2-40B4-BE49-F238E27FC236}">
-                <a16:creationId xmlns:a16="http://schemas.microsoft.com/office/drawing/2014/main" id="{321139D9-EE71-5749-A7A3-8AC02267C975}"/>
+                <a16:creationId xmlns:a16="http://schemas.microsoft.com/office/drawing/2014/main" id="{C7183894-EC31-F440-9353-89759F05B3EB}"/>
               </a:ext>
             </a:extLst>
           </p:cNvPr>
@@ -16009,40 +16176,15 @@
           <a:p>
             <a:r>
               <a:rPr lang="en-US" dirty="0"/>
-              <a:t>Outputting to other destinations</a:t>
-            </a:r>
-          </a:p>
-        </p:txBody>
-      </p:sp>
-      <p:sp>
-        <p:nvSpPr>
-          <p:cNvPr id="3" name="Text Placeholder 2">
-            <a:extLst>
-              <a:ext uri="{FF2B5EF4-FFF2-40B4-BE49-F238E27FC236}">
-                <a16:creationId xmlns:a16="http://schemas.microsoft.com/office/drawing/2014/main" id="{05636DDC-007A-D447-8410-CAD87BA30D78}"/>
-              </a:ext>
-            </a:extLst>
-          </p:cNvPr>
-          <p:cNvSpPr>
-            <a:spLocks noGrp="1"/>
-          </p:cNvSpPr>
-          <p:nvPr>
-            <p:ph type="body" sz="quarter" idx="10"/>
-          </p:nvPr>
-        </p:nvSpPr>
-        <p:spPr/>
-        <p:txBody>
-          <a:bodyPr/>
-          <a:lstStyle/>
-          <a:p>
-            <a:endParaRPr lang="en-US"/>
+              <a:t>Module 8: Output</a:t>
+            </a:r>
           </a:p>
         </p:txBody>
       </p:sp>
     </p:spTree>
     <p:extLst>
       <p:ext uri="{BB962C8B-B14F-4D97-AF65-F5344CB8AC3E}">
-        <p14:creationId xmlns:p14="http://schemas.microsoft.com/office/powerpoint/2010/main" val="4121859749"/>
+        <p14:creationId xmlns:p14="http://schemas.microsoft.com/office/powerpoint/2010/main" val="2381891199"/>
       </p:ext>
     </p:extLst>
   </p:cSld>
@@ -16074,7 +16216,7 @@
           <p:cNvPr id="2" name="Title 1">
             <a:extLst>
               <a:ext uri="{FF2B5EF4-FFF2-40B4-BE49-F238E27FC236}">
-                <a16:creationId xmlns:a16="http://schemas.microsoft.com/office/drawing/2014/main" id="{BC13A45F-B701-6042-A1FC-E51DBE17F7A5}"/>
+                <a16:creationId xmlns:a16="http://schemas.microsoft.com/office/drawing/2014/main" id="{59A8E365-F14F-F541-8BE6-C2E2F4658199}"/>
               </a:ext>
             </a:extLst>
           </p:cNvPr>
@@ -16092,20 +16234,40 @@
           <a:p>
             <a:r>
               <a:rPr lang="en-US" dirty="0"/>
-              <a:t>Module 9: Prep Builder Conductor and Publishing Workflows</a:t>
-            </a:r>
-            <a:r>
-              <a:rPr lang="en-US" baseline="0" dirty="0"/>
-              <a:t> to Tableau Server</a:t>
-            </a:r>
-            <a:endParaRPr lang="en-US" dirty="0"/>
+              <a:t>Outputting to files</a:t>
+            </a:r>
+          </a:p>
+        </p:txBody>
+      </p:sp>
+      <p:sp>
+        <p:nvSpPr>
+          <p:cNvPr id="3" name="Text Placeholder 2">
+            <a:extLst>
+              <a:ext uri="{FF2B5EF4-FFF2-40B4-BE49-F238E27FC236}">
+                <a16:creationId xmlns:a16="http://schemas.microsoft.com/office/drawing/2014/main" id="{6E648436-C250-D445-8FE2-389E92AF5047}"/>
+              </a:ext>
+            </a:extLst>
+          </p:cNvPr>
+          <p:cNvSpPr>
+            <a:spLocks noGrp="1"/>
+          </p:cNvSpPr>
+          <p:nvPr>
+            <p:ph type="body" sz="quarter" idx="10"/>
+          </p:nvPr>
+        </p:nvSpPr>
+        <p:spPr/>
+        <p:txBody>
+          <a:bodyPr/>
+          <a:lstStyle/>
+          <a:p>
+            <a:endParaRPr lang="en-US"/>
           </a:p>
         </p:txBody>
       </p:sp>
     </p:spTree>
     <p:extLst>
       <p:ext uri="{BB962C8B-B14F-4D97-AF65-F5344CB8AC3E}">
-        <p14:creationId xmlns:p14="http://schemas.microsoft.com/office/powerpoint/2010/main" val="4173510137"/>
+        <p14:creationId xmlns:p14="http://schemas.microsoft.com/office/powerpoint/2010/main" val="3591092714"/>
       </p:ext>
     </p:extLst>
   </p:cSld>
@@ -16134,7 +16296,13 @@
       </p:grpSpPr>
       <p:sp>
         <p:nvSpPr>
-          <p:cNvPr id="2" name="Title 1"/>
+          <p:cNvPr id="2" name="Title 1">
+            <a:extLst>
+              <a:ext uri="{FF2B5EF4-FFF2-40B4-BE49-F238E27FC236}">
+                <a16:creationId xmlns:a16="http://schemas.microsoft.com/office/drawing/2014/main" id="{321139D9-EE71-5749-A7A3-8AC02267C975}"/>
+              </a:ext>
+            </a:extLst>
+          </p:cNvPr>
           <p:cNvSpPr>
             <a:spLocks noGrp="1"/>
           </p:cNvSpPr>
@@ -16144,24 +16312,25 @@
         </p:nvSpPr>
         <p:spPr/>
         <p:txBody>
-          <a:bodyPr>
-            <a:normAutofit/>
-          </a:bodyPr>
-          <a:lstStyle/>
-          <a:p>
-            <a:r>
-              <a:rPr lang="en-US" dirty="0"/>
-              <a:t>Tableau Prep Builder Conductor</a:t>
-            </a:r>
-          </a:p>
-          <a:p>
-            <a:endParaRPr lang="en-US" dirty="0"/>
-          </a:p>
-        </p:txBody>
-      </p:sp>
-      <p:sp>
-        <p:nvSpPr>
-          <p:cNvPr id="5" name="Text Placeholder 4"/>
+          <a:bodyPr/>
+          <a:lstStyle/>
+          <a:p>
+            <a:r>
+              <a:rPr lang="en-US" dirty="0"/>
+              <a:t>Outputting to other destinations</a:t>
+            </a:r>
+          </a:p>
+        </p:txBody>
+      </p:sp>
+      <p:sp>
+        <p:nvSpPr>
+          <p:cNvPr id="3" name="Text Placeholder 2">
+            <a:extLst>
+              <a:ext uri="{FF2B5EF4-FFF2-40B4-BE49-F238E27FC236}">
+                <a16:creationId xmlns:a16="http://schemas.microsoft.com/office/drawing/2014/main" id="{05636DDC-007A-D447-8410-CAD87BA30D78}"/>
+              </a:ext>
+            </a:extLst>
+          </p:cNvPr>
           <p:cNvSpPr>
             <a:spLocks noGrp="1"/>
           </p:cNvSpPr>
@@ -16175,36 +16344,13 @@
           <a:lstStyle/>
           <a:p>
             <a:endParaRPr lang="en-US"/>
-          </a:p>
-        </p:txBody>
-      </p:sp>
-      <p:sp>
-        <p:nvSpPr>
-          <p:cNvPr id="4" name="Slide Number Placeholder 3"/>
-          <p:cNvSpPr>
-            <a:spLocks noGrp="1"/>
-          </p:cNvSpPr>
-          <p:nvPr>
-            <p:ph type="sldNum" sz="quarter" idx="4294967295"/>
-          </p:nvPr>
-        </p:nvSpPr>
-        <p:spPr/>
-        <p:txBody>
-          <a:bodyPr/>
-          <a:lstStyle/>
-          <a:p>
-            <a:fld id="{4FAB73BC-B049-4115-A692-8D63A059BFB8}" type="slidenum">
-              <a:rPr lang="en-US" smtClean="0"/>
-              <a:t>74</a:t>
-            </a:fld>
-            <a:endParaRPr lang="en-US" dirty="0"/>
           </a:p>
         </p:txBody>
       </p:sp>
     </p:spTree>
     <p:extLst>
       <p:ext uri="{BB962C8B-B14F-4D97-AF65-F5344CB8AC3E}">
-        <p14:creationId xmlns:p14="http://schemas.microsoft.com/office/powerpoint/2010/main" val="3097242473"/>
+        <p14:creationId xmlns:p14="http://schemas.microsoft.com/office/powerpoint/2010/main" val="4121859749"/>
       </p:ext>
     </p:extLst>
   </p:cSld>
@@ -16233,7 +16379,13 @@
       </p:grpSpPr>
       <p:sp>
         <p:nvSpPr>
-          <p:cNvPr id="2" name="Title 1"/>
+          <p:cNvPr id="2" name="Title 1">
+            <a:extLst>
+              <a:ext uri="{FF2B5EF4-FFF2-40B4-BE49-F238E27FC236}">
+                <a16:creationId xmlns:a16="http://schemas.microsoft.com/office/drawing/2014/main" id="{BC13A45F-B701-6042-A1FC-E51DBE17F7A5}"/>
+              </a:ext>
+            </a:extLst>
+          </p:cNvPr>
           <p:cNvSpPr>
             <a:spLocks noGrp="1"/>
           </p:cNvSpPr>
@@ -16243,59 +16395,17 @@
         </p:nvSpPr>
         <p:spPr/>
         <p:txBody>
-          <a:bodyPr>
-            <a:normAutofit/>
-          </a:bodyPr>
-          <a:lstStyle/>
-          <a:p>
-            <a:r>
-              <a:rPr lang="en-US" dirty="0"/>
-              <a:t>Publishing Workflows to Server (Discussed)</a:t>
-            </a:r>
-          </a:p>
-          <a:p>
-            <a:endParaRPr lang="en-US" dirty="0"/>
-          </a:p>
-        </p:txBody>
-      </p:sp>
-      <p:sp>
-        <p:nvSpPr>
-          <p:cNvPr id="5" name="Text Placeholder 4"/>
-          <p:cNvSpPr>
-            <a:spLocks noGrp="1"/>
-          </p:cNvSpPr>
-          <p:nvPr>
-            <p:ph type="body" sz="quarter" idx="10"/>
-          </p:nvPr>
-        </p:nvSpPr>
-        <p:spPr/>
-        <p:txBody>
-          <a:bodyPr/>
-          <a:lstStyle/>
-          <a:p>
-            <a:endParaRPr lang="en-US"/>
-          </a:p>
-        </p:txBody>
-      </p:sp>
-      <p:sp>
-        <p:nvSpPr>
-          <p:cNvPr id="4" name="Slide Number Placeholder 3"/>
-          <p:cNvSpPr>
-            <a:spLocks noGrp="1"/>
-          </p:cNvSpPr>
-          <p:nvPr>
-            <p:ph type="sldNum" sz="quarter" idx="4294967295"/>
-          </p:nvPr>
-        </p:nvSpPr>
-        <p:spPr/>
-        <p:txBody>
-          <a:bodyPr/>
-          <a:lstStyle/>
-          <a:p>
-            <a:fld id="{4FAB73BC-B049-4115-A692-8D63A059BFB8}" type="slidenum">
-              <a:rPr lang="en-US" smtClean="0"/>
-              <a:t>75</a:t>
-            </a:fld>
+          <a:bodyPr/>
+          <a:lstStyle/>
+          <a:p>
+            <a:r>
+              <a:rPr lang="en-US" dirty="0"/>
+              <a:t>Module 9: Prep Builder Conductor and Publishing Workflows</a:t>
+            </a:r>
+            <a:r>
+              <a:rPr lang="en-US" baseline="0" dirty="0"/>
+              <a:t> to Tableau Server</a:t>
+            </a:r>
             <a:endParaRPr lang="en-US" dirty="0"/>
           </a:p>
         </p:txBody>
@@ -16303,7 +16413,7 @@
     </p:spTree>
     <p:extLst>
       <p:ext uri="{BB962C8B-B14F-4D97-AF65-F5344CB8AC3E}">
-        <p14:creationId xmlns:p14="http://schemas.microsoft.com/office/powerpoint/2010/main" val="2246816309"/>
+        <p14:creationId xmlns:p14="http://schemas.microsoft.com/office/powerpoint/2010/main" val="4173510137"/>
       </p:ext>
     </p:extLst>
   </p:cSld>
@@ -16342,13 +16452,18 @@
         </p:nvSpPr>
         <p:spPr/>
         <p:txBody>
-          <a:bodyPr/>
-          <a:lstStyle/>
-          <a:p>
-            <a:r>
-              <a:rPr lang="en-US" dirty="0"/>
-              <a:t>Scheduling Workflows to Server (Discussed)</a:t>
-            </a:r>
+          <a:bodyPr>
+            <a:normAutofit/>
+          </a:bodyPr>
+          <a:lstStyle/>
+          <a:p>
+            <a:r>
+              <a:rPr lang="en-US" dirty="0"/>
+              <a:t>Tableau Prep Builder Conductor</a:t>
+            </a:r>
+          </a:p>
+          <a:p>
+            <a:endParaRPr lang="en-US" dirty="0"/>
           </a:p>
         </p:txBody>
       </p:sp>
@@ -16397,7 +16512,7 @@
     </p:spTree>
     <p:extLst>
       <p:ext uri="{BB962C8B-B14F-4D97-AF65-F5344CB8AC3E}">
-        <p14:creationId xmlns:p14="http://schemas.microsoft.com/office/powerpoint/2010/main" val="2531394161"/>
+        <p14:creationId xmlns:p14="http://schemas.microsoft.com/office/powerpoint/2010/main" val="3097242473"/>
       </p:ext>
     </p:extLst>
   </p:cSld>
@@ -16426,13 +16541,7 @@
       </p:grpSpPr>
       <p:sp>
         <p:nvSpPr>
-          <p:cNvPr id="2" name="Title 1">
-            <a:extLst>
-              <a:ext uri="{FF2B5EF4-FFF2-40B4-BE49-F238E27FC236}">
-                <a16:creationId xmlns:a16="http://schemas.microsoft.com/office/drawing/2014/main" id="{7657EA3D-211E-5446-93D5-5F5CF81BBCDA}"/>
-              </a:ext>
-            </a:extLst>
-          </p:cNvPr>
+          <p:cNvPr id="2" name="Title 1"/>
           <p:cNvSpPr>
             <a:spLocks noGrp="1"/>
           </p:cNvSpPr>
@@ -16442,20 +16551,67 @@
         </p:nvSpPr>
         <p:spPr/>
         <p:txBody>
-          <a:bodyPr/>
-          <a:lstStyle/>
-          <a:p>
-            <a:r>
-              <a:rPr lang="en-US" dirty="0"/>
-              <a:t>Appendix: Preparing Data In Tableau</a:t>
-            </a:r>
+          <a:bodyPr>
+            <a:normAutofit/>
+          </a:bodyPr>
+          <a:lstStyle/>
+          <a:p>
+            <a:r>
+              <a:rPr lang="en-US" dirty="0"/>
+              <a:t>Publishing Workflows to Server (Discussed)</a:t>
+            </a:r>
+          </a:p>
+          <a:p>
+            <a:endParaRPr lang="en-US" dirty="0"/>
+          </a:p>
+        </p:txBody>
+      </p:sp>
+      <p:sp>
+        <p:nvSpPr>
+          <p:cNvPr id="5" name="Text Placeholder 4"/>
+          <p:cNvSpPr>
+            <a:spLocks noGrp="1"/>
+          </p:cNvSpPr>
+          <p:nvPr>
+            <p:ph type="body" sz="quarter" idx="10"/>
+          </p:nvPr>
+        </p:nvSpPr>
+        <p:spPr/>
+        <p:txBody>
+          <a:bodyPr/>
+          <a:lstStyle/>
+          <a:p>
+            <a:endParaRPr lang="en-US"/>
+          </a:p>
+        </p:txBody>
+      </p:sp>
+      <p:sp>
+        <p:nvSpPr>
+          <p:cNvPr id="4" name="Slide Number Placeholder 3"/>
+          <p:cNvSpPr>
+            <a:spLocks noGrp="1"/>
+          </p:cNvSpPr>
+          <p:nvPr>
+            <p:ph type="sldNum" sz="quarter" idx="4294967295"/>
+          </p:nvPr>
+        </p:nvSpPr>
+        <p:spPr/>
+        <p:txBody>
+          <a:bodyPr/>
+          <a:lstStyle/>
+          <a:p>
+            <a:fld id="{4FAB73BC-B049-4115-A692-8D63A059BFB8}" type="slidenum">
+              <a:rPr lang="en-US" smtClean="0"/>
+              <a:t>77</a:t>
+            </a:fld>
+            <a:endParaRPr lang="en-US" dirty="0"/>
           </a:p>
         </p:txBody>
       </p:sp>
     </p:spTree>
     <p:extLst>
       <p:ext uri="{BB962C8B-B14F-4D97-AF65-F5344CB8AC3E}">
-        <p14:creationId xmlns:p14="http://schemas.microsoft.com/office/powerpoint/2010/main" val="746464040"/>
+        <p14:creationId xmlns:p14="http://schemas.microsoft.com/office/powerpoint/2010/main" val="2246816309"/>
       </p:ext>
     </p:extLst>
   </p:cSld>
@@ -16489,58 +16645,59 @@
             <a:spLocks noGrp="1"/>
           </p:cNvSpPr>
           <p:nvPr>
-            <p:ph type="ctrTitle"/>
-          </p:nvPr>
-        </p:nvSpPr>
-        <p:spPr/>
-        <p:txBody>
-          <a:bodyPr/>
-          <a:lstStyle/>
-          <a:p>
-            <a:r>
-              <a:rPr lang="en-US" dirty="0"/>
-              <a:t>Thank you!</a:t>
-            </a:r>
-          </a:p>
-        </p:txBody>
-      </p:sp>
-      <p:sp>
-        <p:nvSpPr>
-          <p:cNvPr id="5" name="Subtitle 4"/>
-          <p:cNvSpPr>
-            <a:spLocks noGrp="1"/>
-          </p:cNvSpPr>
-          <p:nvPr>
-            <p:ph type="subTitle" idx="1"/>
-          </p:nvPr>
-        </p:nvSpPr>
-        <p:spPr/>
-        <p:txBody>
-          <a:bodyPr/>
-          <a:lstStyle/>
-          <a:p>
-            <a:r>
-              <a:rPr lang="en-US" dirty="0"/>
-              <a:t>Questions?</a:t>
-            </a:r>
-          </a:p>
-          <a:p>
-            <a:r>
-              <a:rPr lang="en-US" dirty="0"/>
-              <a:t>Survey: http://</a:t>
-            </a:r>
-            <a:r>
-              <a:rPr lang="en-US" dirty="0" err="1"/>
-              <a:t>www.onlc.com</a:t>
-            </a:r>
-            <a:r>
-              <a:rPr lang="en-US" dirty="0"/>
-              <a:t>/</a:t>
-            </a:r>
-            <a:r>
-              <a:rPr lang="en-US" dirty="0" err="1"/>
-              <a:t>eval</a:t>
-            </a:r>
+            <p:ph type="title"/>
+          </p:nvPr>
+        </p:nvSpPr>
+        <p:spPr/>
+        <p:txBody>
+          <a:bodyPr/>
+          <a:lstStyle/>
+          <a:p>
+            <a:r>
+              <a:rPr lang="en-US" dirty="0"/>
+              <a:t>Scheduling Workflows to Server (Discussed)</a:t>
+            </a:r>
+          </a:p>
+        </p:txBody>
+      </p:sp>
+      <p:sp>
+        <p:nvSpPr>
+          <p:cNvPr id="5" name="Text Placeholder 4"/>
+          <p:cNvSpPr>
+            <a:spLocks noGrp="1"/>
+          </p:cNvSpPr>
+          <p:nvPr>
+            <p:ph type="body" sz="quarter" idx="10"/>
+          </p:nvPr>
+        </p:nvSpPr>
+        <p:spPr/>
+        <p:txBody>
+          <a:bodyPr/>
+          <a:lstStyle/>
+          <a:p>
+            <a:endParaRPr lang="en-US"/>
+          </a:p>
+        </p:txBody>
+      </p:sp>
+      <p:sp>
+        <p:nvSpPr>
+          <p:cNvPr id="4" name="Slide Number Placeholder 3"/>
+          <p:cNvSpPr>
+            <a:spLocks noGrp="1"/>
+          </p:cNvSpPr>
+          <p:nvPr>
+            <p:ph type="sldNum" sz="quarter" idx="4294967295"/>
+          </p:nvPr>
+        </p:nvSpPr>
+        <p:spPr/>
+        <p:txBody>
+          <a:bodyPr/>
+          <a:lstStyle/>
+          <a:p>
+            <a:fld id="{4FAB73BC-B049-4115-A692-8D63A059BFB8}" type="slidenum">
+              <a:rPr lang="en-US" smtClean="0"/>
+              <a:t>78</a:t>
+            </a:fld>
             <a:endParaRPr lang="en-US" dirty="0"/>
           </a:p>
         </p:txBody>
@@ -16548,7 +16705,65 @@
     </p:spTree>
     <p:extLst>
       <p:ext uri="{BB962C8B-B14F-4D97-AF65-F5344CB8AC3E}">
-        <p14:creationId xmlns:p14="http://schemas.microsoft.com/office/powerpoint/2010/main" val="1768650418"/>
+        <p14:creationId xmlns:p14="http://schemas.microsoft.com/office/powerpoint/2010/main" val="2531394161"/>
+      </p:ext>
+    </p:extLst>
+  </p:cSld>
+  <p:clrMapOvr>
+    <a:masterClrMapping/>
+  </p:clrMapOvr>
+</p:sld>
+</file>
+
+<file path=ppt/slides/slide79.xml><?xml version="1.0" encoding="utf-8"?>
+<p:sld xmlns:a="http://schemas.openxmlformats.org/drawingml/2006/main" xmlns:r="http://schemas.openxmlformats.org/officeDocument/2006/relationships" xmlns:p="http://schemas.openxmlformats.org/presentationml/2006/main">
+  <p:cSld>
+    <p:spTree>
+      <p:nvGrpSpPr>
+        <p:cNvPr id="1" name=""/>
+        <p:cNvGrpSpPr/>
+        <p:nvPr/>
+      </p:nvGrpSpPr>
+      <p:grpSpPr>
+        <a:xfrm>
+          <a:off x="0" y="0"/>
+          <a:ext cx="0" cy="0"/>
+          <a:chOff x="0" y="0"/>
+          <a:chExt cx="0" cy="0"/>
+        </a:xfrm>
+      </p:grpSpPr>
+      <p:sp>
+        <p:nvSpPr>
+          <p:cNvPr id="2" name="Title 1">
+            <a:extLst>
+              <a:ext uri="{FF2B5EF4-FFF2-40B4-BE49-F238E27FC236}">
+                <a16:creationId xmlns:a16="http://schemas.microsoft.com/office/drawing/2014/main" id="{7657EA3D-211E-5446-93D5-5F5CF81BBCDA}"/>
+              </a:ext>
+            </a:extLst>
+          </p:cNvPr>
+          <p:cNvSpPr>
+            <a:spLocks noGrp="1"/>
+          </p:cNvSpPr>
+          <p:nvPr>
+            <p:ph type="title"/>
+          </p:nvPr>
+        </p:nvSpPr>
+        <p:spPr/>
+        <p:txBody>
+          <a:bodyPr/>
+          <a:lstStyle/>
+          <a:p>
+            <a:r>
+              <a:rPr lang="en-US" dirty="0"/>
+              <a:t>Appendix: Preparing Data In Tableau</a:t>
+            </a:r>
+          </a:p>
+        </p:txBody>
+      </p:sp>
+    </p:spTree>
+    <p:extLst>
+      <p:ext uri="{BB962C8B-B14F-4D97-AF65-F5344CB8AC3E}">
+        <p14:creationId xmlns:p14="http://schemas.microsoft.com/office/powerpoint/2010/main" val="746464040"/>
       </p:ext>
     </p:extLst>
   </p:cSld>
@@ -16698,6 +16913,99 @@
     <p:extLst>
       <p:ext uri="{BB962C8B-B14F-4D97-AF65-F5344CB8AC3E}">
         <p14:creationId xmlns:p14="http://schemas.microsoft.com/office/powerpoint/2010/main" val="3063254713"/>
+      </p:ext>
+    </p:extLst>
+  </p:cSld>
+  <p:clrMapOvr>
+    <a:masterClrMapping/>
+  </p:clrMapOvr>
+</p:sld>
+</file>
+
+<file path=ppt/slides/slide80.xml><?xml version="1.0" encoding="utf-8"?>
+<p:sld xmlns:a="http://schemas.openxmlformats.org/drawingml/2006/main" xmlns:r="http://schemas.openxmlformats.org/officeDocument/2006/relationships" xmlns:p="http://schemas.openxmlformats.org/presentationml/2006/main">
+  <p:cSld>
+    <p:spTree>
+      <p:nvGrpSpPr>
+        <p:cNvPr id="1" name=""/>
+        <p:cNvGrpSpPr/>
+        <p:nvPr/>
+      </p:nvGrpSpPr>
+      <p:grpSpPr>
+        <a:xfrm>
+          <a:off x="0" y="0"/>
+          <a:ext cx="0" cy="0"/>
+          <a:chOff x="0" y="0"/>
+          <a:chExt cx="0" cy="0"/>
+        </a:xfrm>
+      </p:grpSpPr>
+      <p:sp>
+        <p:nvSpPr>
+          <p:cNvPr id="2" name="Title 1"/>
+          <p:cNvSpPr>
+            <a:spLocks noGrp="1"/>
+          </p:cNvSpPr>
+          <p:nvPr>
+            <p:ph type="ctrTitle"/>
+          </p:nvPr>
+        </p:nvSpPr>
+        <p:spPr/>
+        <p:txBody>
+          <a:bodyPr/>
+          <a:lstStyle/>
+          <a:p>
+            <a:r>
+              <a:rPr lang="en-US" dirty="0"/>
+              <a:t>Thank you!</a:t>
+            </a:r>
+          </a:p>
+        </p:txBody>
+      </p:sp>
+      <p:sp>
+        <p:nvSpPr>
+          <p:cNvPr id="5" name="Subtitle 4"/>
+          <p:cNvSpPr>
+            <a:spLocks noGrp="1"/>
+          </p:cNvSpPr>
+          <p:nvPr>
+            <p:ph type="subTitle" idx="1"/>
+          </p:nvPr>
+        </p:nvSpPr>
+        <p:spPr/>
+        <p:txBody>
+          <a:bodyPr/>
+          <a:lstStyle/>
+          <a:p>
+            <a:r>
+              <a:rPr lang="en-US" dirty="0"/>
+              <a:t>Questions?</a:t>
+            </a:r>
+          </a:p>
+          <a:p>
+            <a:r>
+              <a:rPr lang="en-US" dirty="0"/>
+              <a:t>Survey: http://</a:t>
+            </a:r>
+            <a:r>
+              <a:rPr lang="en-US" dirty="0" err="1"/>
+              <a:t>www.onlc.com</a:t>
+            </a:r>
+            <a:r>
+              <a:rPr lang="en-US" dirty="0"/>
+              <a:t>/</a:t>
+            </a:r>
+            <a:r>
+              <a:rPr lang="en-US" dirty="0" err="1"/>
+              <a:t>eval</a:t>
+            </a:r>
+            <a:endParaRPr lang="en-US" dirty="0"/>
+          </a:p>
+        </p:txBody>
+      </p:sp>
+    </p:spTree>
+    <p:extLst>
+      <p:ext uri="{BB962C8B-B14F-4D97-AF65-F5344CB8AC3E}">
+        <p14:creationId xmlns:p14="http://schemas.microsoft.com/office/powerpoint/2010/main" val="1768650418"/>
       </p:ext>
     </p:extLst>
   </p:cSld>

--- a/ppt/TableauPrepBuilderIntroV1_1.pptx
+++ b/ppt/TableauPrepBuilderIntroV1_1.pptx
@@ -5,10 +5,10 @@
     <p:sldMasterId id="2147483660" r:id="rId4"/>
   </p:sldMasterIdLst>
   <p:notesMasterIdLst>
-    <p:notesMasterId r:id="rId85"/>
+    <p:notesMasterId r:id="rId87"/>
   </p:notesMasterIdLst>
   <p:handoutMasterIdLst>
-    <p:handoutMasterId r:id="rId86"/>
+    <p:handoutMasterId r:id="rId88"/>
   </p:handoutMasterIdLst>
   <p:sldIdLst>
     <p:sldId id="323" r:id="rId5"/>
@@ -26,71 +26,73 @@
     <p:sldId id="419" r:id="rId17"/>
     <p:sldId id="420" r:id="rId18"/>
     <p:sldId id="421" r:id="rId19"/>
-    <p:sldId id="447" r:id="rId20"/>
-    <p:sldId id="492" r:id="rId21"/>
-    <p:sldId id="422" r:id="rId22"/>
-    <p:sldId id="426" r:id="rId23"/>
-    <p:sldId id="423" r:id="rId24"/>
-    <p:sldId id="424" r:id="rId25"/>
-    <p:sldId id="425" r:id="rId26"/>
-    <p:sldId id="427" r:id="rId27"/>
-    <p:sldId id="428" r:id="rId28"/>
-    <p:sldId id="429" r:id="rId29"/>
-    <p:sldId id="430" r:id="rId30"/>
-    <p:sldId id="431" r:id="rId31"/>
-    <p:sldId id="493" r:id="rId32"/>
-    <p:sldId id="432" r:id="rId33"/>
-    <p:sldId id="452" r:id="rId34"/>
-    <p:sldId id="433" r:id="rId35"/>
-    <p:sldId id="446" r:id="rId36"/>
-    <p:sldId id="448" r:id="rId37"/>
-    <p:sldId id="449" r:id="rId38"/>
-    <p:sldId id="450" r:id="rId39"/>
-    <p:sldId id="451" r:id="rId40"/>
-    <p:sldId id="494" r:id="rId41"/>
-    <p:sldId id="453" r:id="rId42"/>
-    <p:sldId id="454" r:id="rId43"/>
-    <p:sldId id="455" r:id="rId44"/>
-    <p:sldId id="456" r:id="rId45"/>
-    <p:sldId id="457" r:id="rId46"/>
-    <p:sldId id="458" r:id="rId47"/>
-    <p:sldId id="459" r:id="rId48"/>
-    <p:sldId id="460" r:id="rId49"/>
-    <p:sldId id="461" r:id="rId50"/>
-    <p:sldId id="462" r:id="rId51"/>
-    <p:sldId id="463" r:id="rId52"/>
-    <p:sldId id="464" r:id="rId53"/>
-    <p:sldId id="465" r:id="rId54"/>
-    <p:sldId id="466" r:id="rId55"/>
-    <p:sldId id="467" r:id="rId56"/>
-    <p:sldId id="468" r:id="rId57"/>
-    <p:sldId id="469" r:id="rId58"/>
-    <p:sldId id="470" r:id="rId59"/>
-    <p:sldId id="471" r:id="rId60"/>
-    <p:sldId id="472" r:id="rId61"/>
-    <p:sldId id="473" r:id="rId62"/>
-    <p:sldId id="474" r:id="rId63"/>
-    <p:sldId id="475" r:id="rId64"/>
-    <p:sldId id="476" r:id="rId65"/>
-    <p:sldId id="477" r:id="rId66"/>
-    <p:sldId id="478" r:id="rId67"/>
-    <p:sldId id="479" r:id="rId68"/>
-    <p:sldId id="480" r:id="rId69"/>
-    <p:sldId id="481" r:id="rId70"/>
-    <p:sldId id="482" r:id="rId71"/>
-    <p:sldId id="483" r:id="rId72"/>
-    <p:sldId id="484" r:id="rId73"/>
-    <p:sldId id="485" r:id="rId74"/>
-    <p:sldId id="486" r:id="rId75"/>
-    <p:sldId id="487" r:id="rId76"/>
-    <p:sldId id="488" r:id="rId77"/>
-    <p:sldId id="489" r:id="rId78"/>
-    <p:sldId id="490" r:id="rId79"/>
-    <p:sldId id="382" r:id="rId80"/>
-    <p:sldId id="384" r:id="rId81"/>
-    <p:sldId id="385" r:id="rId82"/>
-    <p:sldId id="491" r:id="rId83"/>
-    <p:sldId id="340" r:id="rId84"/>
+    <p:sldId id="495" r:id="rId20"/>
+    <p:sldId id="447" r:id="rId21"/>
+    <p:sldId id="492" r:id="rId22"/>
+    <p:sldId id="422" r:id="rId23"/>
+    <p:sldId id="426" r:id="rId24"/>
+    <p:sldId id="423" r:id="rId25"/>
+    <p:sldId id="424" r:id="rId26"/>
+    <p:sldId id="425" r:id="rId27"/>
+    <p:sldId id="427" r:id="rId28"/>
+    <p:sldId id="428" r:id="rId29"/>
+    <p:sldId id="429" r:id="rId30"/>
+    <p:sldId id="430" r:id="rId31"/>
+    <p:sldId id="431" r:id="rId32"/>
+    <p:sldId id="493" r:id="rId33"/>
+    <p:sldId id="432" r:id="rId34"/>
+    <p:sldId id="452" r:id="rId35"/>
+    <p:sldId id="433" r:id="rId36"/>
+    <p:sldId id="446" r:id="rId37"/>
+    <p:sldId id="448" r:id="rId38"/>
+    <p:sldId id="449" r:id="rId39"/>
+    <p:sldId id="496" r:id="rId40"/>
+    <p:sldId id="450" r:id="rId41"/>
+    <p:sldId id="451" r:id="rId42"/>
+    <p:sldId id="494" r:id="rId43"/>
+    <p:sldId id="453" r:id="rId44"/>
+    <p:sldId id="454" r:id="rId45"/>
+    <p:sldId id="455" r:id="rId46"/>
+    <p:sldId id="456" r:id="rId47"/>
+    <p:sldId id="457" r:id="rId48"/>
+    <p:sldId id="458" r:id="rId49"/>
+    <p:sldId id="459" r:id="rId50"/>
+    <p:sldId id="460" r:id="rId51"/>
+    <p:sldId id="461" r:id="rId52"/>
+    <p:sldId id="462" r:id="rId53"/>
+    <p:sldId id="463" r:id="rId54"/>
+    <p:sldId id="464" r:id="rId55"/>
+    <p:sldId id="465" r:id="rId56"/>
+    <p:sldId id="466" r:id="rId57"/>
+    <p:sldId id="467" r:id="rId58"/>
+    <p:sldId id="468" r:id="rId59"/>
+    <p:sldId id="469" r:id="rId60"/>
+    <p:sldId id="470" r:id="rId61"/>
+    <p:sldId id="471" r:id="rId62"/>
+    <p:sldId id="472" r:id="rId63"/>
+    <p:sldId id="473" r:id="rId64"/>
+    <p:sldId id="474" r:id="rId65"/>
+    <p:sldId id="475" r:id="rId66"/>
+    <p:sldId id="476" r:id="rId67"/>
+    <p:sldId id="477" r:id="rId68"/>
+    <p:sldId id="478" r:id="rId69"/>
+    <p:sldId id="479" r:id="rId70"/>
+    <p:sldId id="480" r:id="rId71"/>
+    <p:sldId id="481" r:id="rId72"/>
+    <p:sldId id="482" r:id="rId73"/>
+    <p:sldId id="483" r:id="rId74"/>
+    <p:sldId id="484" r:id="rId75"/>
+    <p:sldId id="485" r:id="rId76"/>
+    <p:sldId id="486" r:id="rId77"/>
+    <p:sldId id="487" r:id="rId78"/>
+    <p:sldId id="488" r:id="rId79"/>
+    <p:sldId id="489" r:id="rId80"/>
+    <p:sldId id="490" r:id="rId81"/>
+    <p:sldId id="382" r:id="rId82"/>
+    <p:sldId id="384" r:id="rId83"/>
+    <p:sldId id="385" r:id="rId84"/>
+    <p:sldId id="491" r:id="rId85"/>
+    <p:sldId id="340" r:id="rId86"/>
   </p:sldIdLst>
   <p:sldSz cx="12192000" cy="6858000"/>
   <p:notesSz cx="9309100" cy="7053263"/>
@@ -243,6 +245,7 @@
             <p14:sldId id="419"/>
             <p14:sldId id="420"/>
             <p14:sldId id="421"/>
+            <p14:sldId id="495"/>
           </p14:sldIdLst>
         </p14:section>
         <p14:section name="Module 2: Connecting to Data" id="{19225261-5257-6949-A057-E085F2EAB919}">
@@ -270,6 +273,7 @@
             <p14:sldId id="446"/>
             <p14:sldId id="448"/>
             <p14:sldId id="449"/>
+            <p14:sldId id="496"/>
             <p14:sldId id="450"/>
             <p14:sldId id="451"/>
             <p14:sldId id="494"/>
@@ -506,7 +510,7 @@
               <a:pPr>
                 <a:defRPr/>
               </a:pPr>
-              <a:t>1/25/20</a:t>
+              <a:t>1/27/2020</a:t>
             </a:fld>
             <a:endParaRPr lang="en-US"/>
           </a:p>
@@ -725,7 +729,7 @@
               <a:pPr>
                 <a:defRPr/>
               </a:pPr>
-              <a:t>1/25/20</a:t>
+              <a:t>1/27/2020</a:t>
             </a:fld>
             <a:endParaRPr lang="en-US"/>
           </a:p>
@@ -1212,7 +1216,7 @@
               <a:pPr>
                 <a:defRPr/>
               </a:pPr>
-              <a:t>32</a:t>
+              <a:t>33</a:t>
             </a:fld>
             <a:endParaRPr lang="en-US"/>
           </a:p>
@@ -1302,7 +1306,7 @@
               <a:pPr>
                 <a:defRPr/>
               </a:pPr>
-              <a:t>33</a:t>
+              <a:t>34</a:t>
             </a:fld>
             <a:endParaRPr lang="en-US"/>
           </a:p>
@@ -1392,7 +1396,7 @@
               <a:pPr>
                 <a:defRPr/>
               </a:pPr>
-              <a:t>34</a:t>
+              <a:t>35</a:t>
             </a:fld>
             <a:endParaRPr lang="en-US"/>
           </a:p>
@@ -1482,7 +1486,7 @@
               <a:pPr>
                 <a:defRPr/>
               </a:pPr>
-              <a:t>35</a:t>
+              <a:t>37</a:t>
             </a:fld>
             <a:endParaRPr lang="en-US"/>
           </a:p>
@@ -1572,7 +1576,7 @@
               <a:pPr>
                 <a:defRPr/>
               </a:pPr>
-              <a:t>36</a:t>
+              <a:t>38</a:t>
             </a:fld>
             <a:endParaRPr lang="en-US"/>
           </a:p>
@@ -1662,7 +1666,7 @@
               <a:pPr>
                 <a:defRPr/>
               </a:pPr>
-              <a:t>38</a:t>
+              <a:t>40</a:t>
             </a:fld>
             <a:endParaRPr lang="en-US"/>
           </a:p>
@@ -1752,7 +1756,7 @@
               <a:pPr>
                 <a:defRPr/>
               </a:pPr>
-              <a:t>39</a:t>
+              <a:t>41</a:t>
             </a:fld>
             <a:endParaRPr lang="en-US"/>
           </a:p>
@@ -1842,7 +1846,7 @@
               <a:pPr>
                 <a:defRPr/>
               </a:pPr>
-              <a:t>40</a:t>
+              <a:t>42</a:t>
             </a:fld>
             <a:endParaRPr lang="en-US"/>
           </a:p>
@@ -1932,7 +1936,7 @@
               <a:pPr>
                 <a:defRPr/>
               </a:pPr>
-              <a:t>41</a:t>
+              <a:t>43</a:t>
             </a:fld>
             <a:endParaRPr lang="en-US"/>
           </a:p>
@@ -2022,7 +2026,7 @@
               <a:pPr>
                 <a:defRPr/>
               </a:pPr>
-              <a:t>42</a:t>
+              <a:t>44</a:t>
             </a:fld>
             <a:endParaRPr lang="en-US"/>
           </a:p>
@@ -2294,7 +2298,7 @@
               <a:pPr>
                 <a:defRPr/>
               </a:pPr>
-              <a:t>43</a:t>
+              <a:t>45</a:t>
             </a:fld>
             <a:endParaRPr lang="en-US"/>
           </a:p>
@@ -2384,7 +2388,7 @@
               <a:pPr>
                 <a:defRPr/>
               </a:pPr>
-              <a:t>44</a:t>
+              <a:t>46</a:t>
             </a:fld>
             <a:endParaRPr lang="en-US"/>
           </a:p>
@@ -2474,7 +2478,7 @@
               <a:pPr>
                 <a:defRPr/>
               </a:pPr>
-              <a:t>45</a:t>
+              <a:t>47</a:t>
             </a:fld>
             <a:endParaRPr lang="en-US"/>
           </a:p>
@@ -2564,7 +2568,7 @@
               <a:pPr>
                 <a:defRPr/>
               </a:pPr>
-              <a:t>46</a:t>
+              <a:t>48</a:t>
             </a:fld>
             <a:endParaRPr lang="en-US"/>
           </a:p>
@@ -2654,7 +2658,7 @@
               <a:pPr>
                 <a:defRPr/>
               </a:pPr>
-              <a:t>47</a:t>
+              <a:t>49</a:t>
             </a:fld>
             <a:endParaRPr lang="en-US"/>
           </a:p>
@@ -2744,7 +2748,7 @@
               <a:pPr>
                 <a:defRPr/>
               </a:pPr>
-              <a:t>48</a:t>
+              <a:t>50</a:t>
             </a:fld>
             <a:endParaRPr lang="en-US"/>
           </a:p>
@@ -2834,7 +2838,7 @@
               <a:pPr>
                 <a:defRPr/>
               </a:pPr>
-              <a:t>49</a:t>
+              <a:t>51</a:t>
             </a:fld>
             <a:endParaRPr lang="en-US"/>
           </a:p>
@@ -2924,7 +2928,7 @@
               <a:pPr>
                 <a:defRPr/>
               </a:pPr>
-              <a:t>50</a:t>
+              <a:t>52</a:t>
             </a:fld>
             <a:endParaRPr lang="en-US"/>
           </a:p>
@@ -3014,7 +3018,7 @@
               <a:pPr>
                 <a:defRPr/>
               </a:pPr>
-              <a:t>51</a:t>
+              <a:t>53</a:t>
             </a:fld>
             <a:endParaRPr lang="en-US"/>
           </a:p>
@@ -3104,7 +3108,7 @@
               <a:pPr>
                 <a:defRPr/>
               </a:pPr>
-              <a:t>52</a:t>
+              <a:t>54</a:t>
             </a:fld>
             <a:endParaRPr lang="en-US"/>
           </a:p>
@@ -3395,7 +3399,7 @@
               <a:pPr>
                 <a:defRPr/>
               </a:pPr>
-              <a:t>53</a:t>
+              <a:t>55</a:t>
             </a:fld>
             <a:endParaRPr lang="en-US"/>
           </a:p>
@@ -3485,7 +3489,7 @@
               <a:pPr>
                 <a:defRPr/>
               </a:pPr>
-              <a:t>54</a:t>
+              <a:t>56</a:t>
             </a:fld>
             <a:endParaRPr lang="en-US"/>
           </a:p>
@@ -3575,7 +3579,7 @@
               <a:pPr>
                 <a:defRPr/>
               </a:pPr>
-              <a:t>55</a:t>
+              <a:t>57</a:t>
             </a:fld>
             <a:endParaRPr lang="en-US"/>
           </a:p>
@@ -3665,7 +3669,7 @@
               <a:pPr>
                 <a:defRPr/>
               </a:pPr>
-              <a:t>56</a:t>
+              <a:t>58</a:t>
             </a:fld>
             <a:endParaRPr lang="en-US"/>
           </a:p>
@@ -3755,7 +3759,7 @@
               <a:pPr>
                 <a:defRPr/>
               </a:pPr>
-              <a:t>57</a:t>
+              <a:t>59</a:t>
             </a:fld>
             <a:endParaRPr lang="en-US"/>
           </a:p>
@@ -3845,7 +3849,7 @@
               <a:pPr>
                 <a:defRPr/>
               </a:pPr>
-              <a:t>58</a:t>
+              <a:t>60</a:t>
             </a:fld>
             <a:endParaRPr lang="en-US"/>
           </a:p>
@@ -3935,7 +3939,7 @@
               <a:pPr>
                 <a:defRPr/>
               </a:pPr>
-              <a:t>59</a:t>
+              <a:t>61</a:t>
             </a:fld>
             <a:endParaRPr lang="en-US"/>
           </a:p>
@@ -4025,7 +4029,7 @@
               <a:pPr>
                 <a:defRPr/>
               </a:pPr>
-              <a:t>60</a:t>
+              <a:t>62</a:t>
             </a:fld>
             <a:endParaRPr lang="en-US"/>
           </a:p>
@@ -4115,7 +4119,7 @@
               <a:pPr>
                 <a:defRPr/>
               </a:pPr>
-              <a:t>61</a:t>
+              <a:t>63</a:t>
             </a:fld>
             <a:endParaRPr lang="en-US"/>
           </a:p>
@@ -4205,7 +4209,7 @@
               <a:pPr>
                 <a:defRPr/>
               </a:pPr>
-              <a:t>62</a:t>
+              <a:t>64</a:t>
             </a:fld>
             <a:endParaRPr lang="en-US"/>
           </a:p>
@@ -4385,7 +4389,7 @@
               <a:pPr>
                 <a:defRPr/>
               </a:pPr>
-              <a:t>63</a:t>
+              <a:t>65</a:t>
             </a:fld>
             <a:endParaRPr lang="en-US"/>
           </a:p>
@@ -4475,7 +4479,7 @@
               <a:pPr>
                 <a:defRPr/>
               </a:pPr>
-              <a:t>64</a:t>
+              <a:t>66</a:t>
             </a:fld>
             <a:endParaRPr lang="en-US"/>
           </a:p>
@@ -4565,7 +4569,7 @@
               <a:pPr>
                 <a:defRPr/>
               </a:pPr>
-              <a:t>65</a:t>
+              <a:t>67</a:t>
             </a:fld>
             <a:endParaRPr lang="en-US"/>
           </a:p>
@@ -4655,7 +4659,7 @@
               <a:pPr>
                 <a:defRPr/>
               </a:pPr>
-              <a:t>66</a:t>
+              <a:t>68</a:t>
             </a:fld>
             <a:endParaRPr lang="en-US"/>
           </a:p>
@@ -4745,7 +4749,7 @@
               <a:pPr>
                 <a:defRPr/>
               </a:pPr>
-              <a:t>67</a:t>
+              <a:t>69</a:t>
             </a:fld>
             <a:endParaRPr lang="en-US"/>
           </a:p>
@@ -4835,7 +4839,7 @@
               <a:pPr>
                 <a:defRPr/>
               </a:pPr>
-              <a:t>68</a:t>
+              <a:t>70</a:t>
             </a:fld>
             <a:endParaRPr lang="en-US"/>
           </a:p>
@@ -4925,7 +4929,7 @@
               <a:pPr>
                 <a:defRPr/>
               </a:pPr>
-              <a:t>69</a:t>
+              <a:t>71</a:t>
             </a:fld>
             <a:endParaRPr lang="en-US"/>
           </a:p>
@@ -5015,7 +5019,7 @@
               <a:pPr>
                 <a:defRPr/>
               </a:pPr>
-              <a:t>70</a:t>
+              <a:t>72</a:t>
             </a:fld>
             <a:endParaRPr lang="en-US"/>
           </a:p>
@@ -5105,7 +5109,7 @@
               <a:pPr>
                 <a:defRPr/>
               </a:pPr>
-              <a:t>71</a:t>
+              <a:t>73</a:t>
             </a:fld>
             <a:endParaRPr lang="en-US"/>
           </a:p>
@@ -5195,7 +5199,7 @@
               <a:pPr>
                 <a:defRPr/>
               </a:pPr>
-              <a:t>72</a:t>
+              <a:t>74</a:t>
             </a:fld>
             <a:endParaRPr lang="en-US"/>
           </a:p>
@@ -5285,7 +5289,7 @@
               <a:pPr>
                 <a:defRPr/>
               </a:pPr>
-              <a:t>16</a:t>
+              <a:t>17</a:t>
             </a:fld>
             <a:endParaRPr lang="en-US"/>
           </a:p>
@@ -5375,7 +5379,7 @@
               <a:pPr>
                 <a:defRPr/>
               </a:pPr>
-              <a:t>73</a:t>
+              <a:t>75</a:t>
             </a:fld>
             <a:endParaRPr lang="en-US"/>
           </a:p>
@@ -5465,7 +5469,7 @@
               <a:pPr>
                 <a:defRPr/>
               </a:pPr>
-              <a:t>74</a:t>
+              <a:t>76</a:t>
             </a:fld>
             <a:endParaRPr lang="en-US"/>
           </a:p>
@@ -5555,7 +5559,7 @@
               <a:pPr>
                 <a:defRPr/>
               </a:pPr>
-              <a:t>75</a:t>
+              <a:t>77</a:t>
             </a:fld>
             <a:endParaRPr lang="en-US"/>
           </a:p>
@@ -5645,7 +5649,7 @@
               <a:pPr>
                 <a:defRPr/>
               </a:pPr>
-              <a:t>76</a:t>
+              <a:t>78</a:t>
             </a:fld>
             <a:endParaRPr lang="en-US"/>
           </a:p>
@@ -5735,7 +5739,7 @@
               <a:pPr>
                 <a:defRPr/>
               </a:pPr>
-              <a:t>77</a:t>
+              <a:t>79</a:t>
             </a:fld>
             <a:endParaRPr lang="en-US"/>
           </a:p>
@@ -5825,7 +5829,7 @@
               <a:pPr>
                 <a:defRPr/>
               </a:pPr>
-              <a:t>78</a:t>
+              <a:t>80</a:t>
             </a:fld>
             <a:endParaRPr lang="en-US"/>
           </a:p>
@@ -5915,7 +5919,7 @@
               <a:pPr>
                 <a:defRPr/>
               </a:pPr>
-              <a:t>79</a:t>
+              <a:t>81</a:t>
             </a:fld>
             <a:endParaRPr lang="en-US"/>
           </a:p>
@@ -6005,7 +6009,7 @@
               <a:pPr>
                 <a:defRPr/>
               </a:pPr>
-              <a:t>80</a:t>
+              <a:t>82</a:t>
             </a:fld>
             <a:endParaRPr lang="en-US"/>
           </a:p>
@@ -6095,7 +6099,7 @@
               <a:pPr>
                 <a:defRPr/>
               </a:pPr>
-              <a:t>18</a:t>
+              <a:t>19</a:t>
             </a:fld>
             <a:endParaRPr lang="en-US"/>
           </a:p>
@@ -6185,7 +6189,7 @@
               <a:pPr>
                 <a:defRPr/>
               </a:pPr>
-              <a:t>29</a:t>
+              <a:t>30</a:t>
             </a:fld>
             <a:endParaRPr lang="en-US"/>
           </a:p>
@@ -6275,7 +6279,7 @@
               <a:pPr>
                 <a:defRPr/>
               </a:pPr>
-              <a:t>30</a:t>
+              <a:t>31</a:t>
             </a:fld>
             <a:endParaRPr lang="en-US"/>
           </a:p>
@@ -6365,7 +6369,7 @@
               <a:pPr>
                 <a:defRPr/>
               </a:pPr>
-              <a:t>31</a:t>
+              <a:t>32</a:t>
             </a:fld>
             <a:endParaRPr lang="en-US"/>
           </a:p>
@@ -9616,7 +9620,7 @@
           <p:cNvPr id="2" name="Title 1">
             <a:extLst>
               <a:ext uri="{FF2B5EF4-FFF2-40B4-BE49-F238E27FC236}">
-                <a16:creationId xmlns:a16="http://schemas.microsoft.com/office/drawing/2014/main" id="{3BACBCDC-7F7D-AF42-875C-5B645068A491}"/>
+                <a16:creationId xmlns:a16="http://schemas.microsoft.com/office/drawing/2014/main" id="{CDD91520-7FFC-4221-80EF-5B1A0D8DA77C}"/>
               </a:ext>
             </a:extLst>
           </p:cNvPr>
@@ -9632,17 +9636,2235 @@
           <a:bodyPr/>
           <a:lstStyle/>
           <a:p>
-            <a:r>
-              <a:rPr lang="en-US" dirty="0"/>
-              <a:t>Part I: Extract</a:t>
-            </a:r>
-          </a:p>
-        </p:txBody>
-      </p:sp>
+            <a:endParaRPr lang="en-US"/>
+          </a:p>
+        </p:txBody>
+      </p:sp>
+      <p:sp>
+        <p:nvSpPr>
+          <p:cNvPr id="3" name="Text Placeholder 2">
+            <a:extLst>
+              <a:ext uri="{FF2B5EF4-FFF2-40B4-BE49-F238E27FC236}">
+                <a16:creationId xmlns:a16="http://schemas.microsoft.com/office/drawing/2014/main" id="{12E082B6-0C19-4199-A4A6-E644A5C51436}"/>
+              </a:ext>
+            </a:extLst>
+          </p:cNvPr>
+          <p:cNvSpPr>
+            <a:spLocks noGrp="1"/>
+          </p:cNvSpPr>
+          <p:nvPr>
+            <p:ph type="body" sz="quarter" idx="10"/>
+          </p:nvPr>
+        </p:nvSpPr>
+        <p:spPr/>
+        <p:txBody>
+          <a:bodyPr/>
+          <a:lstStyle/>
+          <a:p>
+            <a:endParaRPr lang="en-US" dirty="0"/>
+          </a:p>
+        </p:txBody>
+      </p:sp>
+      <p:graphicFrame>
+        <p:nvGraphicFramePr>
+          <p:cNvPr id="4" name="Table 3">
+            <a:extLst>
+              <a:ext uri="{FF2B5EF4-FFF2-40B4-BE49-F238E27FC236}">
+                <a16:creationId xmlns:a16="http://schemas.microsoft.com/office/drawing/2014/main" id="{62CE20B8-7CAB-489F-9609-9CAE4FEDD744}"/>
+              </a:ext>
+            </a:extLst>
+          </p:cNvPr>
+          <p:cNvGraphicFramePr>
+            <a:graphicFrameLocks noGrp="1"/>
+          </p:cNvGraphicFramePr>
+          <p:nvPr>
+            <p:extLst>
+              <p:ext uri="{D42A27DB-BD31-4B8C-83A1-F6EECF244321}">
+                <p14:modId xmlns:p14="http://schemas.microsoft.com/office/powerpoint/2010/main" val="3928963990"/>
+              </p:ext>
+            </p:extLst>
+          </p:nvPr>
+        </p:nvGraphicFramePr>
+        <p:xfrm>
+          <a:off x="7010400" y="1752600"/>
+          <a:ext cx="2882900" cy="3619500"/>
+        </p:xfrm>
+        <a:graphic>
+          <a:graphicData uri="http://schemas.openxmlformats.org/drawingml/2006/table">
+            <a:tbl>
+              <a:tblPr/>
+              <a:tblGrid>
+                <a:gridCol w="827763">
+                  <a:extLst>
+                    <a:ext uri="{9D8B030D-6E8A-4147-A177-3AD203B41FA5}">
+                      <a16:colId xmlns:a16="http://schemas.microsoft.com/office/drawing/2014/main" val="97183275"/>
+                    </a:ext>
+                  </a:extLst>
+                </a:gridCol>
+                <a:gridCol w="2055137">
+                  <a:extLst>
+                    <a:ext uri="{9D8B030D-6E8A-4147-A177-3AD203B41FA5}">
+                      <a16:colId xmlns:a16="http://schemas.microsoft.com/office/drawing/2014/main" val="3546589575"/>
+                    </a:ext>
+                  </a:extLst>
+                </a:gridCol>
+              </a:tblGrid>
+              <a:tr h="190500">
+                <a:tc>
+                  <a:txBody>
+                    <a:bodyPr/>
+                    <a:lstStyle/>
+                    <a:p>
+                      <a:pPr algn="l" fontAlgn="b"/>
+                      <a:r>
+                        <a:rPr lang="en-US" sz="1100" b="1" i="0" u="none" strike="noStrike">
+                          <a:solidFill>
+                            <a:srgbClr val="FFFFFF"/>
+                          </a:solidFill>
+                          <a:effectLst/>
+                          <a:latin typeface="Calibri" panose="020F0502020204030204" pitchFamily="34" charset="0"/>
+                        </a:rPr>
+                        <a:t>Abbreviation</a:t>
+                      </a:r>
+                    </a:p>
+                  </a:txBody>
+                  <a:tcPr marL="9525" marR="9525" marT="9525" marB="0" anchor="b">
+                    <a:lnL w="6350" cap="flat" cmpd="sng" algn="ctr">
+                      <a:solidFill>
+                        <a:srgbClr val="8EA9DB"/>
+                      </a:solidFill>
+                      <a:prstDash val="solid"/>
+                      <a:round/>
+                      <a:headEnd type="none" w="med" len="med"/>
+                      <a:tailEnd type="none" w="med" len="med"/>
+                    </a:lnL>
+                    <a:lnR>
+                      <a:noFill/>
+                    </a:lnR>
+                    <a:lnT w="6350" cap="flat" cmpd="sng" algn="ctr">
+                      <a:solidFill>
+                        <a:srgbClr val="8EA9DB"/>
+                      </a:solidFill>
+                      <a:prstDash val="solid"/>
+                      <a:round/>
+                      <a:headEnd type="none" w="med" len="med"/>
+                      <a:tailEnd type="none" w="med" len="med"/>
+                    </a:lnT>
+                    <a:lnB w="6350" cap="flat" cmpd="sng" algn="ctr">
+                      <a:solidFill>
+                        <a:srgbClr val="8EA9DB"/>
+                      </a:solidFill>
+                      <a:prstDash val="solid"/>
+                      <a:round/>
+                      <a:headEnd type="none" w="med" len="med"/>
+                      <a:tailEnd type="none" w="med" len="med"/>
+                    </a:lnB>
+                    <a:solidFill>
+                      <a:srgbClr val="4472C4"/>
+                    </a:solidFill>
+                  </a:tcPr>
+                </a:tc>
+                <a:tc>
+                  <a:txBody>
+                    <a:bodyPr/>
+                    <a:lstStyle/>
+                    <a:p>
+                      <a:pPr algn="l" fontAlgn="b"/>
+                      <a:r>
+                        <a:rPr lang="en-US" sz="1100" b="1" i="0" u="none" strike="noStrike">
+                          <a:solidFill>
+                            <a:srgbClr val="FFFFFF"/>
+                          </a:solidFill>
+                          <a:effectLst/>
+                          <a:latin typeface="Calibri" panose="020F0502020204030204" pitchFamily="34" charset="0"/>
+                        </a:rPr>
+                        <a:t>Definition</a:t>
+                      </a:r>
+                    </a:p>
+                  </a:txBody>
+                  <a:tcPr marL="9525" marR="9525" marT="9525" marB="0" anchor="b">
+                    <a:lnL>
+                      <a:noFill/>
+                    </a:lnL>
+                    <a:lnR w="6350" cap="flat" cmpd="sng" algn="ctr">
+                      <a:solidFill>
+                        <a:srgbClr val="8EA9DB"/>
+                      </a:solidFill>
+                      <a:prstDash val="solid"/>
+                      <a:round/>
+                      <a:headEnd type="none" w="med" len="med"/>
+                      <a:tailEnd type="none" w="med" len="med"/>
+                    </a:lnR>
+                    <a:lnT w="6350" cap="flat" cmpd="sng" algn="ctr">
+                      <a:solidFill>
+                        <a:srgbClr val="8EA9DB"/>
+                      </a:solidFill>
+                      <a:prstDash val="solid"/>
+                      <a:round/>
+                      <a:headEnd type="none" w="med" len="med"/>
+                      <a:tailEnd type="none" w="med" len="med"/>
+                    </a:lnT>
+                    <a:lnB w="6350" cap="flat" cmpd="sng" algn="ctr">
+                      <a:solidFill>
+                        <a:srgbClr val="8EA9DB"/>
+                      </a:solidFill>
+                      <a:prstDash val="solid"/>
+                      <a:round/>
+                      <a:headEnd type="none" w="med" len="med"/>
+                      <a:tailEnd type="none" w="med" len="med"/>
+                    </a:lnB>
+                    <a:solidFill>
+                      <a:srgbClr val="4472C4"/>
+                    </a:solidFill>
+                  </a:tcPr>
+                </a:tc>
+                <a:extLst>
+                  <a:ext uri="{0D108BD9-81ED-4DB2-BD59-A6C34878D82A}">
+                    <a16:rowId xmlns:a16="http://schemas.microsoft.com/office/drawing/2014/main" val="24627743"/>
+                  </a:ext>
+                </a:extLst>
+              </a:tr>
+              <a:tr h="190500">
+                <a:tc>
+                  <a:txBody>
+                    <a:bodyPr/>
+                    <a:lstStyle/>
+                    <a:p>
+                      <a:pPr algn="l" fontAlgn="b"/>
+                      <a:r>
+                        <a:rPr lang="en-US" sz="1100" b="0" i="0" u="none" strike="noStrike">
+                          <a:solidFill>
+                            <a:srgbClr val="000000"/>
+                          </a:solidFill>
+                          <a:effectLst/>
+                          <a:latin typeface="Calibri" panose="020F0502020204030204" pitchFamily="34" charset="0"/>
+                        </a:rPr>
+                        <a:t>state</a:t>
+                      </a:r>
+                    </a:p>
+                  </a:txBody>
+                  <a:tcPr marL="9525" marR="9525" marT="9525" marB="0" anchor="b">
+                    <a:lnL w="6350" cap="flat" cmpd="sng" algn="ctr">
+                      <a:solidFill>
+                        <a:srgbClr val="8EA9DB"/>
+                      </a:solidFill>
+                      <a:prstDash val="solid"/>
+                      <a:round/>
+                      <a:headEnd type="none" w="med" len="med"/>
+                      <a:tailEnd type="none" w="med" len="med"/>
+                    </a:lnL>
+                    <a:lnR>
+                      <a:noFill/>
+                    </a:lnR>
+                    <a:lnT w="6350" cap="flat" cmpd="sng" algn="ctr">
+                      <a:solidFill>
+                        <a:srgbClr val="8EA9DB"/>
+                      </a:solidFill>
+                      <a:prstDash val="solid"/>
+                      <a:round/>
+                      <a:headEnd type="none" w="med" len="med"/>
+                      <a:tailEnd type="none" w="med" len="med"/>
+                    </a:lnT>
+                    <a:lnB w="6350" cap="flat" cmpd="sng" algn="ctr">
+                      <a:solidFill>
+                        <a:srgbClr val="8EA9DB"/>
+                      </a:solidFill>
+                      <a:prstDash val="solid"/>
+                      <a:round/>
+                      <a:headEnd type="none" w="med" len="med"/>
+                      <a:tailEnd type="none" w="med" len="med"/>
+                    </a:lnB>
+                    <a:solidFill>
+                      <a:srgbClr val="D9E1F2"/>
+                    </a:solidFill>
+                  </a:tcPr>
+                </a:tc>
+                <a:tc>
+                  <a:txBody>
+                    <a:bodyPr/>
+                    <a:lstStyle/>
+                    <a:p>
+                      <a:pPr algn="l" fontAlgn="b"/>
+                      <a:r>
+                        <a:rPr lang="en-US" sz="1100" b="0" i="0" u="none" strike="noStrike">
+                          <a:solidFill>
+                            <a:srgbClr val="000000"/>
+                          </a:solidFill>
+                          <a:effectLst/>
+                          <a:latin typeface="Calibri" panose="020F0502020204030204" pitchFamily="34" charset="0"/>
+                        </a:rPr>
+                        <a:t>State code</a:t>
+                      </a:r>
+                    </a:p>
+                  </a:txBody>
+                  <a:tcPr marL="9525" marR="9525" marT="9525" marB="0" anchor="b">
+                    <a:lnL>
+                      <a:noFill/>
+                    </a:lnL>
+                    <a:lnR w="6350" cap="flat" cmpd="sng" algn="ctr">
+                      <a:solidFill>
+                        <a:srgbClr val="8EA9DB"/>
+                      </a:solidFill>
+                      <a:prstDash val="solid"/>
+                      <a:round/>
+                      <a:headEnd type="none" w="med" len="med"/>
+                      <a:tailEnd type="none" w="med" len="med"/>
+                    </a:lnR>
+                    <a:lnT w="6350" cap="flat" cmpd="sng" algn="ctr">
+                      <a:solidFill>
+                        <a:srgbClr val="8EA9DB"/>
+                      </a:solidFill>
+                      <a:prstDash val="solid"/>
+                      <a:round/>
+                      <a:headEnd type="none" w="med" len="med"/>
+                      <a:tailEnd type="none" w="med" len="med"/>
+                    </a:lnT>
+                    <a:lnB w="6350" cap="flat" cmpd="sng" algn="ctr">
+                      <a:solidFill>
+                        <a:srgbClr val="8EA9DB"/>
+                      </a:solidFill>
+                      <a:prstDash val="solid"/>
+                      <a:round/>
+                      <a:headEnd type="none" w="med" len="med"/>
+                      <a:tailEnd type="none" w="med" len="med"/>
+                    </a:lnB>
+                    <a:solidFill>
+                      <a:srgbClr val="D9E1F2"/>
+                    </a:solidFill>
+                  </a:tcPr>
+                </a:tc>
+                <a:extLst>
+                  <a:ext uri="{0D108BD9-81ED-4DB2-BD59-A6C34878D82A}">
+                    <a16:rowId xmlns:a16="http://schemas.microsoft.com/office/drawing/2014/main" val="2529812823"/>
+                  </a:ext>
+                </a:extLst>
+              </a:tr>
+              <a:tr h="190500">
+                <a:tc>
+                  <a:txBody>
+                    <a:bodyPr/>
+                    <a:lstStyle/>
+                    <a:p>
+                      <a:pPr algn="l" fontAlgn="b"/>
+                      <a:r>
+                        <a:rPr lang="en-US" sz="1100" b="0" i="0" u="none" strike="noStrike">
+                          <a:solidFill>
+                            <a:srgbClr val="000000"/>
+                          </a:solidFill>
+                          <a:effectLst/>
+                          <a:latin typeface="Calibri" panose="020F0502020204030204" pitchFamily="34" charset="0"/>
+                        </a:rPr>
+                        <a:t>county</a:t>
+                      </a:r>
+                    </a:p>
+                  </a:txBody>
+                  <a:tcPr marL="9525" marR="9525" marT="9525" marB="0" anchor="b">
+                    <a:lnL w="6350" cap="flat" cmpd="sng" algn="ctr">
+                      <a:solidFill>
+                        <a:srgbClr val="8EA9DB"/>
+                      </a:solidFill>
+                      <a:prstDash val="solid"/>
+                      <a:round/>
+                      <a:headEnd type="none" w="med" len="med"/>
+                      <a:tailEnd type="none" w="med" len="med"/>
+                    </a:lnL>
+                    <a:lnR>
+                      <a:noFill/>
+                    </a:lnR>
+                    <a:lnT w="6350" cap="flat" cmpd="sng" algn="ctr">
+                      <a:solidFill>
+                        <a:srgbClr val="8EA9DB"/>
+                      </a:solidFill>
+                      <a:prstDash val="solid"/>
+                      <a:round/>
+                      <a:headEnd type="none" w="med" len="med"/>
+                      <a:tailEnd type="none" w="med" len="med"/>
+                    </a:lnT>
+                    <a:lnB w="6350" cap="flat" cmpd="sng" algn="ctr">
+                      <a:solidFill>
+                        <a:srgbClr val="8EA9DB"/>
+                      </a:solidFill>
+                      <a:prstDash val="solid"/>
+                      <a:round/>
+                      <a:headEnd type="none" w="med" len="med"/>
+                      <a:tailEnd type="none" w="med" len="med"/>
+                    </a:lnB>
+                  </a:tcPr>
+                </a:tc>
+                <a:tc>
+                  <a:txBody>
+                    <a:bodyPr/>
+                    <a:lstStyle/>
+                    <a:p>
+                      <a:pPr algn="l" fontAlgn="b"/>
+                      <a:r>
+                        <a:rPr lang="en-US" sz="1100" b="0" i="0" u="none" strike="noStrike">
+                          <a:solidFill>
+                            <a:srgbClr val="000000"/>
+                          </a:solidFill>
+                          <a:effectLst/>
+                          <a:latin typeface="Calibri" panose="020F0502020204030204" pitchFamily="34" charset="0"/>
+                        </a:rPr>
+                        <a:t>County code</a:t>
+                      </a:r>
+                    </a:p>
+                  </a:txBody>
+                  <a:tcPr marL="9525" marR="9525" marT="9525" marB="0" anchor="b">
+                    <a:lnL>
+                      <a:noFill/>
+                    </a:lnL>
+                    <a:lnR w="6350" cap="flat" cmpd="sng" algn="ctr">
+                      <a:solidFill>
+                        <a:srgbClr val="8EA9DB"/>
+                      </a:solidFill>
+                      <a:prstDash val="solid"/>
+                      <a:round/>
+                      <a:headEnd type="none" w="med" len="med"/>
+                      <a:tailEnd type="none" w="med" len="med"/>
+                    </a:lnR>
+                    <a:lnT w="6350" cap="flat" cmpd="sng" algn="ctr">
+                      <a:solidFill>
+                        <a:srgbClr val="8EA9DB"/>
+                      </a:solidFill>
+                      <a:prstDash val="solid"/>
+                      <a:round/>
+                      <a:headEnd type="none" w="med" len="med"/>
+                      <a:tailEnd type="none" w="med" len="med"/>
+                    </a:lnT>
+                    <a:lnB w="6350" cap="flat" cmpd="sng" algn="ctr">
+                      <a:solidFill>
+                        <a:srgbClr val="8EA9DB"/>
+                      </a:solidFill>
+                      <a:prstDash val="solid"/>
+                      <a:round/>
+                      <a:headEnd type="none" w="med" len="med"/>
+                      <a:tailEnd type="none" w="med" len="med"/>
+                    </a:lnB>
+                  </a:tcPr>
+                </a:tc>
+                <a:extLst>
+                  <a:ext uri="{0D108BD9-81ED-4DB2-BD59-A6C34878D82A}">
+                    <a16:rowId xmlns:a16="http://schemas.microsoft.com/office/drawing/2014/main" val="562014049"/>
+                  </a:ext>
+                </a:extLst>
+              </a:tr>
+              <a:tr h="190500">
+                <a:tc>
+                  <a:txBody>
+                    <a:bodyPr/>
+                    <a:lstStyle/>
+                    <a:p>
+                      <a:pPr algn="l" fontAlgn="b"/>
+                      <a:r>
+                        <a:rPr lang="en-US" sz="1100" b="0" i="0" u="none" strike="noStrike">
+                          <a:solidFill>
+                            <a:srgbClr val="000000"/>
+                          </a:solidFill>
+                          <a:effectLst/>
+                          <a:latin typeface="Calibri" panose="020F0502020204030204" pitchFamily="34" charset="0"/>
+                        </a:rPr>
+                        <a:t>cousubfp</a:t>
+                      </a:r>
+                    </a:p>
+                  </a:txBody>
+                  <a:tcPr marL="9525" marR="9525" marT="9525" marB="0" anchor="b">
+                    <a:lnL w="6350" cap="flat" cmpd="sng" algn="ctr">
+                      <a:solidFill>
+                        <a:srgbClr val="8EA9DB"/>
+                      </a:solidFill>
+                      <a:prstDash val="solid"/>
+                      <a:round/>
+                      <a:headEnd type="none" w="med" len="med"/>
+                      <a:tailEnd type="none" w="med" len="med"/>
+                    </a:lnL>
+                    <a:lnR>
+                      <a:noFill/>
+                    </a:lnR>
+                    <a:lnT w="6350" cap="flat" cmpd="sng" algn="ctr">
+                      <a:solidFill>
+                        <a:srgbClr val="8EA9DB"/>
+                      </a:solidFill>
+                      <a:prstDash val="solid"/>
+                      <a:round/>
+                      <a:headEnd type="none" w="med" len="med"/>
+                      <a:tailEnd type="none" w="med" len="med"/>
+                    </a:lnT>
+                    <a:lnB w="6350" cap="flat" cmpd="sng" algn="ctr">
+                      <a:solidFill>
+                        <a:srgbClr val="8EA9DB"/>
+                      </a:solidFill>
+                      <a:prstDash val="solid"/>
+                      <a:round/>
+                      <a:headEnd type="none" w="med" len="med"/>
+                      <a:tailEnd type="none" w="med" len="med"/>
+                    </a:lnB>
+                    <a:solidFill>
+                      <a:srgbClr val="D9E1F2"/>
+                    </a:solidFill>
+                  </a:tcPr>
+                </a:tc>
+                <a:tc>
+                  <a:txBody>
+                    <a:bodyPr/>
+                    <a:lstStyle/>
+                    <a:p>
+                      <a:pPr algn="l" fontAlgn="b"/>
+                      <a:r>
+                        <a:rPr lang="en-US" sz="1100" b="0" i="0" u="none" strike="noStrike">
+                          <a:solidFill>
+                            <a:srgbClr val="000000"/>
+                          </a:solidFill>
+                          <a:effectLst/>
+                          <a:latin typeface="Calibri" panose="020F0502020204030204" pitchFamily="34" charset="0"/>
+                        </a:rPr>
+                        <a:t>County subdivision code</a:t>
+                      </a:r>
+                    </a:p>
+                  </a:txBody>
+                  <a:tcPr marL="9525" marR="9525" marT="9525" marB="0" anchor="b">
+                    <a:lnL>
+                      <a:noFill/>
+                    </a:lnL>
+                    <a:lnR w="6350" cap="flat" cmpd="sng" algn="ctr">
+                      <a:solidFill>
+                        <a:srgbClr val="8EA9DB"/>
+                      </a:solidFill>
+                      <a:prstDash val="solid"/>
+                      <a:round/>
+                      <a:headEnd type="none" w="med" len="med"/>
+                      <a:tailEnd type="none" w="med" len="med"/>
+                    </a:lnR>
+                    <a:lnT w="6350" cap="flat" cmpd="sng" algn="ctr">
+                      <a:solidFill>
+                        <a:srgbClr val="8EA9DB"/>
+                      </a:solidFill>
+                      <a:prstDash val="solid"/>
+                      <a:round/>
+                      <a:headEnd type="none" w="med" len="med"/>
+                      <a:tailEnd type="none" w="med" len="med"/>
+                    </a:lnT>
+                    <a:lnB w="6350" cap="flat" cmpd="sng" algn="ctr">
+                      <a:solidFill>
+                        <a:srgbClr val="8EA9DB"/>
+                      </a:solidFill>
+                      <a:prstDash val="solid"/>
+                      <a:round/>
+                      <a:headEnd type="none" w="med" len="med"/>
+                      <a:tailEnd type="none" w="med" len="med"/>
+                    </a:lnB>
+                    <a:solidFill>
+                      <a:srgbClr val="D9E1F2"/>
+                    </a:solidFill>
+                  </a:tcPr>
+                </a:tc>
+                <a:extLst>
+                  <a:ext uri="{0D108BD9-81ED-4DB2-BD59-A6C34878D82A}">
+                    <a16:rowId xmlns:a16="http://schemas.microsoft.com/office/drawing/2014/main" val="3940591957"/>
+                  </a:ext>
+                </a:extLst>
+              </a:tr>
+              <a:tr h="190500">
+                <a:tc>
+                  <a:txBody>
+                    <a:bodyPr/>
+                    <a:lstStyle/>
+                    <a:p>
+                      <a:pPr algn="l" fontAlgn="b"/>
+                      <a:r>
+                        <a:rPr lang="en-US" sz="1100" b="0" i="0" u="none" strike="noStrike">
+                          <a:solidFill>
+                            <a:srgbClr val="000000"/>
+                          </a:solidFill>
+                          <a:effectLst/>
+                          <a:latin typeface="Calibri" panose="020F0502020204030204" pitchFamily="34" charset="0"/>
+                        </a:rPr>
+                        <a:t>placefp</a:t>
+                      </a:r>
+                    </a:p>
+                  </a:txBody>
+                  <a:tcPr marL="9525" marR="9525" marT="9525" marB="0" anchor="b">
+                    <a:lnL w="6350" cap="flat" cmpd="sng" algn="ctr">
+                      <a:solidFill>
+                        <a:srgbClr val="8EA9DB"/>
+                      </a:solidFill>
+                      <a:prstDash val="solid"/>
+                      <a:round/>
+                      <a:headEnd type="none" w="med" len="med"/>
+                      <a:tailEnd type="none" w="med" len="med"/>
+                    </a:lnL>
+                    <a:lnR>
+                      <a:noFill/>
+                    </a:lnR>
+                    <a:lnT w="6350" cap="flat" cmpd="sng" algn="ctr">
+                      <a:solidFill>
+                        <a:srgbClr val="8EA9DB"/>
+                      </a:solidFill>
+                      <a:prstDash val="solid"/>
+                      <a:round/>
+                      <a:headEnd type="none" w="med" len="med"/>
+                      <a:tailEnd type="none" w="med" len="med"/>
+                    </a:lnT>
+                    <a:lnB w="6350" cap="flat" cmpd="sng" algn="ctr">
+                      <a:solidFill>
+                        <a:srgbClr val="8EA9DB"/>
+                      </a:solidFill>
+                      <a:prstDash val="solid"/>
+                      <a:round/>
+                      <a:headEnd type="none" w="med" len="med"/>
+                      <a:tailEnd type="none" w="med" len="med"/>
+                    </a:lnB>
+                  </a:tcPr>
+                </a:tc>
+                <a:tc>
+                  <a:txBody>
+                    <a:bodyPr/>
+                    <a:lstStyle/>
+                    <a:p>
+                      <a:pPr algn="l" fontAlgn="b"/>
+                      <a:r>
+                        <a:rPr lang="en-US" sz="1100" b="0" i="0" u="none" strike="noStrike">
+                          <a:solidFill>
+                            <a:srgbClr val="000000"/>
+                          </a:solidFill>
+                          <a:effectLst/>
+                          <a:latin typeface="Calibri" panose="020F0502020204030204" pitchFamily="34" charset="0"/>
+                        </a:rPr>
+                        <a:t>Place code</a:t>
+                      </a:r>
+                    </a:p>
+                  </a:txBody>
+                  <a:tcPr marL="9525" marR="9525" marT="9525" marB="0" anchor="b">
+                    <a:lnL>
+                      <a:noFill/>
+                    </a:lnL>
+                    <a:lnR w="6350" cap="flat" cmpd="sng" algn="ctr">
+                      <a:solidFill>
+                        <a:srgbClr val="8EA9DB"/>
+                      </a:solidFill>
+                      <a:prstDash val="solid"/>
+                      <a:round/>
+                      <a:headEnd type="none" w="med" len="med"/>
+                      <a:tailEnd type="none" w="med" len="med"/>
+                    </a:lnR>
+                    <a:lnT w="6350" cap="flat" cmpd="sng" algn="ctr">
+                      <a:solidFill>
+                        <a:srgbClr val="8EA9DB"/>
+                      </a:solidFill>
+                      <a:prstDash val="solid"/>
+                      <a:round/>
+                      <a:headEnd type="none" w="med" len="med"/>
+                      <a:tailEnd type="none" w="med" len="med"/>
+                    </a:lnT>
+                    <a:lnB w="6350" cap="flat" cmpd="sng" algn="ctr">
+                      <a:solidFill>
+                        <a:srgbClr val="8EA9DB"/>
+                      </a:solidFill>
+                      <a:prstDash val="solid"/>
+                      <a:round/>
+                      <a:headEnd type="none" w="med" len="med"/>
+                      <a:tailEnd type="none" w="med" len="med"/>
+                    </a:lnB>
+                  </a:tcPr>
+                </a:tc>
+                <a:extLst>
+                  <a:ext uri="{0D108BD9-81ED-4DB2-BD59-A6C34878D82A}">
+                    <a16:rowId xmlns:a16="http://schemas.microsoft.com/office/drawing/2014/main" val="904754874"/>
+                  </a:ext>
+                </a:extLst>
+              </a:tr>
+              <a:tr h="190500">
+                <a:tc>
+                  <a:txBody>
+                    <a:bodyPr/>
+                    <a:lstStyle/>
+                    <a:p>
+                      <a:pPr algn="l" fontAlgn="b"/>
+                      <a:r>
+                        <a:rPr lang="en-US" sz="1100" b="0" i="0" u="none" strike="noStrike">
+                          <a:solidFill>
+                            <a:srgbClr val="000000"/>
+                          </a:solidFill>
+                          <a:effectLst/>
+                          <a:latin typeface="Calibri" panose="020F0502020204030204" pitchFamily="34" charset="0"/>
+                        </a:rPr>
+                        <a:t>zcta5</a:t>
+                      </a:r>
+                    </a:p>
+                  </a:txBody>
+                  <a:tcPr marL="9525" marR="9525" marT="9525" marB="0" anchor="b">
+                    <a:lnL w="6350" cap="flat" cmpd="sng" algn="ctr">
+                      <a:solidFill>
+                        <a:srgbClr val="8EA9DB"/>
+                      </a:solidFill>
+                      <a:prstDash val="solid"/>
+                      <a:round/>
+                      <a:headEnd type="none" w="med" len="med"/>
+                      <a:tailEnd type="none" w="med" len="med"/>
+                    </a:lnL>
+                    <a:lnR>
+                      <a:noFill/>
+                    </a:lnR>
+                    <a:lnT w="6350" cap="flat" cmpd="sng" algn="ctr">
+                      <a:solidFill>
+                        <a:srgbClr val="8EA9DB"/>
+                      </a:solidFill>
+                      <a:prstDash val="solid"/>
+                      <a:round/>
+                      <a:headEnd type="none" w="med" len="med"/>
+                      <a:tailEnd type="none" w="med" len="med"/>
+                    </a:lnT>
+                    <a:lnB w="6350" cap="flat" cmpd="sng" algn="ctr">
+                      <a:solidFill>
+                        <a:srgbClr val="8EA9DB"/>
+                      </a:solidFill>
+                      <a:prstDash val="solid"/>
+                      <a:round/>
+                      <a:headEnd type="none" w="med" len="med"/>
+                      <a:tailEnd type="none" w="med" len="med"/>
+                    </a:lnB>
+                    <a:solidFill>
+                      <a:srgbClr val="D9E1F2"/>
+                    </a:solidFill>
+                  </a:tcPr>
+                </a:tc>
+                <a:tc>
+                  <a:txBody>
+                    <a:bodyPr/>
+                    <a:lstStyle/>
+                    <a:p>
+                      <a:pPr algn="l" fontAlgn="b"/>
+                      <a:r>
+                        <a:rPr lang="en-US" sz="1100" b="0" i="0" u="none" strike="noStrike">
+                          <a:solidFill>
+                            <a:srgbClr val="000000"/>
+                          </a:solidFill>
+                          <a:effectLst/>
+                          <a:latin typeface="Calibri" panose="020F0502020204030204" pitchFamily="34" charset="0"/>
+                        </a:rPr>
+                        <a:t>ZIP census tabulation area</a:t>
+                      </a:r>
+                    </a:p>
+                  </a:txBody>
+                  <a:tcPr marL="9525" marR="9525" marT="9525" marB="0" anchor="b">
+                    <a:lnL>
+                      <a:noFill/>
+                    </a:lnL>
+                    <a:lnR w="6350" cap="flat" cmpd="sng" algn="ctr">
+                      <a:solidFill>
+                        <a:srgbClr val="8EA9DB"/>
+                      </a:solidFill>
+                      <a:prstDash val="solid"/>
+                      <a:round/>
+                      <a:headEnd type="none" w="med" len="med"/>
+                      <a:tailEnd type="none" w="med" len="med"/>
+                    </a:lnR>
+                    <a:lnT w="6350" cap="flat" cmpd="sng" algn="ctr">
+                      <a:solidFill>
+                        <a:srgbClr val="8EA9DB"/>
+                      </a:solidFill>
+                      <a:prstDash val="solid"/>
+                      <a:round/>
+                      <a:headEnd type="none" w="med" len="med"/>
+                      <a:tailEnd type="none" w="med" len="med"/>
+                    </a:lnT>
+                    <a:lnB w="6350" cap="flat" cmpd="sng" algn="ctr">
+                      <a:solidFill>
+                        <a:srgbClr val="8EA9DB"/>
+                      </a:solidFill>
+                      <a:prstDash val="solid"/>
+                      <a:round/>
+                      <a:headEnd type="none" w="med" len="med"/>
+                      <a:tailEnd type="none" w="med" len="med"/>
+                    </a:lnB>
+                    <a:solidFill>
+                      <a:srgbClr val="D9E1F2"/>
+                    </a:solidFill>
+                  </a:tcPr>
+                </a:tc>
+                <a:extLst>
+                  <a:ext uri="{0D108BD9-81ED-4DB2-BD59-A6C34878D82A}">
+                    <a16:rowId xmlns:a16="http://schemas.microsoft.com/office/drawing/2014/main" val="746231394"/>
+                  </a:ext>
+                </a:extLst>
+              </a:tr>
+              <a:tr h="190500">
+                <a:tc>
+                  <a:txBody>
+                    <a:bodyPr/>
+                    <a:lstStyle/>
+                    <a:p>
+                      <a:pPr algn="l" fontAlgn="b"/>
+                      <a:r>
+                        <a:rPr lang="en-US" sz="1100" b="0" i="0" u="none" strike="noStrike">
+                          <a:solidFill>
+                            <a:srgbClr val="000000"/>
+                          </a:solidFill>
+                          <a:effectLst/>
+                          <a:latin typeface="Calibri" panose="020F0502020204030204" pitchFamily="34" charset="0"/>
+                        </a:rPr>
+                        <a:t>metdiv10</a:t>
+                      </a:r>
+                    </a:p>
+                  </a:txBody>
+                  <a:tcPr marL="9525" marR="9525" marT="9525" marB="0" anchor="b">
+                    <a:lnL w="6350" cap="flat" cmpd="sng" algn="ctr">
+                      <a:solidFill>
+                        <a:srgbClr val="8EA9DB"/>
+                      </a:solidFill>
+                      <a:prstDash val="solid"/>
+                      <a:round/>
+                      <a:headEnd type="none" w="med" len="med"/>
+                      <a:tailEnd type="none" w="med" len="med"/>
+                    </a:lnL>
+                    <a:lnR>
+                      <a:noFill/>
+                    </a:lnR>
+                    <a:lnT w="6350" cap="flat" cmpd="sng" algn="ctr">
+                      <a:solidFill>
+                        <a:srgbClr val="8EA9DB"/>
+                      </a:solidFill>
+                      <a:prstDash val="solid"/>
+                      <a:round/>
+                      <a:headEnd type="none" w="med" len="med"/>
+                      <a:tailEnd type="none" w="med" len="med"/>
+                    </a:lnT>
+                    <a:lnB w="6350" cap="flat" cmpd="sng" algn="ctr">
+                      <a:solidFill>
+                        <a:srgbClr val="8EA9DB"/>
+                      </a:solidFill>
+                      <a:prstDash val="solid"/>
+                      <a:round/>
+                      <a:headEnd type="none" w="med" len="med"/>
+                      <a:tailEnd type="none" w="med" len="med"/>
+                    </a:lnB>
+                  </a:tcPr>
+                </a:tc>
+                <a:tc>
+                  <a:txBody>
+                    <a:bodyPr/>
+                    <a:lstStyle/>
+                    <a:p>
+                      <a:pPr algn="l" fontAlgn="b"/>
+                      <a:r>
+                        <a:rPr lang="en-US" sz="1100" b="0" i="0" u="none" strike="noStrike">
+                          <a:solidFill>
+                            <a:srgbClr val="000000"/>
+                          </a:solidFill>
+                          <a:effectLst/>
+                          <a:latin typeface="Calibri" panose="020F0502020204030204" pitchFamily="34" charset="0"/>
+                        </a:rPr>
+                        <a:t>metdiv10</a:t>
+                      </a:r>
+                    </a:p>
+                  </a:txBody>
+                  <a:tcPr marL="9525" marR="9525" marT="9525" marB="0" anchor="b">
+                    <a:lnL>
+                      <a:noFill/>
+                    </a:lnL>
+                    <a:lnR w="6350" cap="flat" cmpd="sng" algn="ctr">
+                      <a:solidFill>
+                        <a:srgbClr val="8EA9DB"/>
+                      </a:solidFill>
+                      <a:prstDash val="solid"/>
+                      <a:round/>
+                      <a:headEnd type="none" w="med" len="med"/>
+                      <a:tailEnd type="none" w="med" len="med"/>
+                    </a:lnR>
+                    <a:lnT w="6350" cap="flat" cmpd="sng" algn="ctr">
+                      <a:solidFill>
+                        <a:srgbClr val="8EA9DB"/>
+                      </a:solidFill>
+                      <a:prstDash val="solid"/>
+                      <a:round/>
+                      <a:headEnd type="none" w="med" len="med"/>
+                      <a:tailEnd type="none" w="med" len="med"/>
+                    </a:lnT>
+                    <a:lnB w="6350" cap="flat" cmpd="sng" algn="ctr">
+                      <a:solidFill>
+                        <a:srgbClr val="8EA9DB"/>
+                      </a:solidFill>
+                      <a:prstDash val="solid"/>
+                      <a:round/>
+                      <a:headEnd type="none" w="med" len="med"/>
+                      <a:tailEnd type="none" w="med" len="med"/>
+                    </a:lnB>
+                  </a:tcPr>
+                </a:tc>
+                <a:extLst>
+                  <a:ext uri="{0D108BD9-81ED-4DB2-BD59-A6C34878D82A}">
+                    <a16:rowId xmlns:a16="http://schemas.microsoft.com/office/drawing/2014/main" val="3635337030"/>
+                  </a:ext>
+                </a:extLst>
+              </a:tr>
+              <a:tr h="190500">
+                <a:tc>
+                  <a:txBody>
+                    <a:bodyPr/>
+                    <a:lstStyle/>
+                    <a:p>
+                      <a:pPr algn="l" fontAlgn="b"/>
+                      <a:r>
+                        <a:rPr lang="en-US" sz="1100" b="0" i="0" u="none" strike="noStrike">
+                          <a:solidFill>
+                            <a:srgbClr val="000000"/>
+                          </a:solidFill>
+                          <a:effectLst/>
+                          <a:latin typeface="Calibri" panose="020F0502020204030204" pitchFamily="34" charset="0"/>
+                        </a:rPr>
+                        <a:t>sduni</a:t>
+                      </a:r>
+                    </a:p>
+                  </a:txBody>
+                  <a:tcPr marL="9525" marR="9525" marT="9525" marB="0" anchor="b">
+                    <a:lnL w="6350" cap="flat" cmpd="sng" algn="ctr">
+                      <a:solidFill>
+                        <a:srgbClr val="8EA9DB"/>
+                      </a:solidFill>
+                      <a:prstDash val="solid"/>
+                      <a:round/>
+                      <a:headEnd type="none" w="med" len="med"/>
+                      <a:tailEnd type="none" w="med" len="med"/>
+                    </a:lnL>
+                    <a:lnR>
+                      <a:noFill/>
+                    </a:lnR>
+                    <a:lnT w="6350" cap="flat" cmpd="sng" algn="ctr">
+                      <a:solidFill>
+                        <a:srgbClr val="8EA9DB"/>
+                      </a:solidFill>
+                      <a:prstDash val="solid"/>
+                      <a:round/>
+                      <a:headEnd type="none" w="med" len="med"/>
+                      <a:tailEnd type="none" w="med" len="med"/>
+                    </a:lnT>
+                    <a:lnB w="6350" cap="flat" cmpd="sng" algn="ctr">
+                      <a:solidFill>
+                        <a:srgbClr val="8EA9DB"/>
+                      </a:solidFill>
+                      <a:prstDash val="solid"/>
+                      <a:round/>
+                      <a:headEnd type="none" w="med" len="med"/>
+                      <a:tailEnd type="none" w="med" len="med"/>
+                    </a:lnB>
+                    <a:solidFill>
+                      <a:srgbClr val="D9E1F2"/>
+                    </a:solidFill>
+                  </a:tcPr>
+                </a:tc>
+                <a:tc>
+                  <a:txBody>
+                    <a:bodyPr/>
+                    <a:lstStyle/>
+                    <a:p>
+                      <a:pPr algn="l" fontAlgn="b"/>
+                      <a:r>
+                        <a:rPr lang="en-US" sz="1100" b="0" i="0" u="none" strike="noStrike">
+                          <a:solidFill>
+                            <a:srgbClr val="000000"/>
+                          </a:solidFill>
+                          <a:effectLst/>
+                          <a:latin typeface="Calibri" panose="020F0502020204030204" pitchFamily="34" charset="0"/>
+                        </a:rPr>
+                        <a:t>Unified school district (2010)</a:t>
+                      </a:r>
+                    </a:p>
+                  </a:txBody>
+                  <a:tcPr marL="9525" marR="9525" marT="9525" marB="0" anchor="b">
+                    <a:lnL>
+                      <a:noFill/>
+                    </a:lnL>
+                    <a:lnR w="6350" cap="flat" cmpd="sng" algn="ctr">
+                      <a:solidFill>
+                        <a:srgbClr val="8EA9DB"/>
+                      </a:solidFill>
+                      <a:prstDash val="solid"/>
+                      <a:round/>
+                      <a:headEnd type="none" w="med" len="med"/>
+                      <a:tailEnd type="none" w="med" len="med"/>
+                    </a:lnR>
+                    <a:lnT w="6350" cap="flat" cmpd="sng" algn="ctr">
+                      <a:solidFill>
+                        <a:srgbClr val="8EA9DB"/>
+                      </a:solidFill>
+                      <a:prstDash val="solid"/>
+                      <a:round/>
+                      <a:headEnd type="none" w="med" len="med"/>
+                      <a:tailEnd type="none" w="med" len="med"/>
+                    </a:lnT>
+                    <a:lnB w="6350" cap="flat" cmpd="sng" algn="ctr">
+                      <a:solidFill>
+                        <a:srgbClr val="8EA9DB"/>
+                      </a:solidFill>
+                      <a:prstDash val="solid"/>
+                      <a:round/>
+                      <a:headEnd type="none" w="med" len="med"/>
+                      <a:tailEnd type="none" w="med" len="med"/>
+                    </a:lnB>
+                    <a:solidFill>
+                      <a:srgbClr val="D9E1F2"/>
+                    </a:solidFill>
+                  </a:tcPr>
+                </a:tc>
+                <a:extLst>
+                  <a:ext uri="{0D108BD9-81ED-4DB2-BD59-A6C34878D82A}">
+                    <a16:rowId xmlns:a16="http://schemas.microsoft.com/office/drawing/2014/main" val="2277942474"/>
+                  </a:ext>
+                </a:extLst>
+              </a:tr>
+              <a:tr h="190500">
+                <a:tc>
+                  <a:txBody>
+                    <a:bodyPr/>
+                    <a:lstStyle/>
+                    <a:p>
+                      <a:pPr algn="l" fontAlgn="b"/>
+                      <a:r>
+                        <a:rPr lang="en-US" sz="1100" b="0" i="0" u="none" strike="noStrike">
+                          <a:solidFill>
+                            <a:srgbClr val="000000"/>
+                          </a:solidFill>
+                          <a:effectLst/>
+                          <a:latin typeface="Calibri" panose="020F0502020204030204" pitchFamily="34" charset="0"/>
+                        </a:rPr>
+                        <a:t>cntysc</a:t>
+                      </a:r>
+                    </a:p>
+                  </a:txBody>
+                  <a:tcPr marL="9525" marR="9525" marT="9525" marB="0" anchor="b">
+                    <a:lnL w="6350" cap="flat" cmpd="sng" algn="ctr">
+                      <a:solidFill>
+                        <a:srgbClr val="8EA9DB"/>
+                      </a:solidFill>
+                      <a:prstDash val="solid"/>
+                      <a:round/>
+                      <a:headEnd type="none" w="med" len="med"/>
+                      <a:tailEnd type="none" w="med" len="med"/>
+                    </a:lnL>
+                    <a:lnR>
+                      <a:noFill/>
+                    </a:lnR>
+                    <a:lnT w="6350" cap="flat" cmpd="sng" algn="ctr">
+                      <a:solidFill>
+                        <a:srgbClr val="8EA9DB"/>
+                      </a:solidFill>
+                      <a:prstDash val="solid"/>
+                      <a:round/>
+                      <a:headEnd type="none" w="med" len="med"/>
+                      <a:tailEnd type="none" w="med" len="med"/>
+                    </a:lnT>
+                    <a:lnB w="6350" cap="flat" cmpd="sng" algn="ctr">
+                      <a:solidFill>
+                        <a:srgbClr val="8EA9DB"/>
+                      </a:solidFill>
+                      <a:prstDash val="solid"/>
+                      <a:round/>
+                      <a:headEnd type="none" w="med" len="med"/>
+                      <a:tailEnd type="none" w="med" len="med"/>
+                    </a:lnB>
+                  </a:tcPr>
+                </a:tc>
+                <a:tc>
+                  <a:txBody>
+                    <a:bodyPr/>
+                    <a:lstStyle/>
+                    <a:p>
+                      <a:pPr algn="l" fontAlgn="b"/>
+                      <a:r>
+                        <a:rPr lang="en-US" sz="1100" b="0" i="0" u="none" strike="noStrike" dirty="0" err="1">
+                          <a:solidFill>
+                            <a:srgbClr val="000000"/>
+                          </a:solidFill>
+                          <a:effectLst/>
+                          <a:latin typeface="Calibri" panose="020F0502020204030204" pitchFamily="34" charset="0"/>
+                        </a:rPr>
+                        <a:t>cntysc</a:t>
+                      </a:r>
+                      <a:endParaRPr lang="en-US" sz="1100" b="0" i="0" u="none" strike="noStrike" dirty="0">
+                        <a:solidFill>
+                          <a:srgbClr val="000000"/>
+                        </a:solidFill>
+                        <a:effectLst/>
+                        <a:latin typeface="Calibri" panose="020F0502020204030204" pitchFamily="34" charset="0"/>
+                      </a:endParaRPr>
+                    </a:p>
+                  </a:txBody>
+                  <a:tcPr marL="9525" marR="9525" marT="9525" marB="0" anchor="b">
+                    <a:lnL>
+                      <a:noFill/>
+                    </a:lnL>
+                    <a:lnR w="6350" cap="flat" cmpd="sng" algn="ctr">
+                      <a:solidFill>
+                        <a:srgbClr val="8EA9DB"/>
+                      </a:solidFill>
+                      <a:prstDash val="solid"/>
+                      <a:round/>
+                      <a:headEnd type="none" w="med" len="med"/>
+                      <a:tailEnd type="none" w="med" len="med"/>
+                    </a:lnR>
+                    <a:lnT w="6350" cap="flat" cmpd="sng" algn="ctr">
+                      <a:solidFill>
+                        <a:srgbClr val="8EA9DB"/>
+                      </a:solidFill>
+                      <a:prstDash val="solid"/>
+                      <a:round/>
+                      <a:headEnd type="none" w="med" len="med"/>
+                      <a:tailEnd type="none" w="med" len="med"/>
+                    </a:lnT>
+                    <a:lnB w="6350" cap="flat" cmpd="sng" algn="ctr">
+                      <a:solidFill>
+                        <a:srgbClr val="8EA9DB"/>
+                      </a:solidFill>
+                      <a:prstDash val="solid"/>
+                      <a:round/>
+                      <a:headEnd type="none" w="med" len="med"/>
+                      <a:tailEnd type="none" w="med" len="med"/>
+                    </a:lnB>
+                  </a:tcPr>
+                </a:tc>
+                <a:extLst>
+                  <a:ext uri="{0D108BD9-81ED-4DB2-BD59-A6C34878D82A}">
+                    <a16:rowId xmlns:a16="http://schemas.microsoft.com/office/drawing/2014/main" val="3399476919"/>
+                  </a:ext>
+                </a:extLst>
+              </a:tr>
+              <a:tr h="190500">
+                <a:tc>
+                  <a:txBody>
+                    <a:bodyPr/>
+                    <a:lstStyle/>
+                    <a:p>
+                      <a:pPr algn="l" fontAlgn="b"/>
+                      <a:r>
+                        <a:rPr lang="en-US" sz="1100" b="0" i="0" u="none" strike="noStrike">
+                          <a:solidFill>
+                            <a:srgbClr val="000000"/>
+                          </a:solidFill>
+                          <a:effectLst/>
+                          <a:latin typeface="Calibri" panose="020F0502020204030204" pitchFamily="34" charset="0"/>
+                        </a:rPr>
+                        <a:t>placesc</a:t>
+                      </a:r>
+                    </a:p>
+                  </a:txBody>
+                  <a:tcPr marL="9525" marR="9525" marT="9525" marB="0" anchor="b">
+                    <a:lnL w="6350" cap="flat" cmpd="sng" algn="ctr">
+                      <a:solidFill>
+                        <a:srgbClr val="8EA9DB"/>
+                      </a:solidFill>
+                      <a:prstDash val="solid"/>
+                      <a:round/>
+                      <a:headEnd type="none" w="med" len="med"/>
+                      <a:tailEnd type="none" w="med" len="med"/>
+                    </a:lnL>
+                    <a:lnR>
+                      <a:noFill/>
+                    </a:lnR>
+                    <a:lnT w="6350" cap="flat" cmpd="sng" algn="ctr">
+                      <a:solidFill>
+                        <a:srgbClr val="8EA9DB"/>
+                      </a:solidFill>
+                      <a:prstDash val="solid"/>
+                      <a:round/>
+                      <a:headEnd type="none" w="med" len="med"/>
+                      <a:tailEnd type="none" w="med" len="med"/>
+                    </a:lnT>
+                    <a:lnB w="6350" cap="flat" cmpd="sng" algn="ctr">
+                      <a:solidFill>
+                        <a:srgbClr val="8EA9DB"/>
+                      </a:solidFill>
+                      <a:prstDash val="solid"/>
+                      <a:round/>
+                      <a:headEnd type="none" w="med" len="med"/>
+                      <a:tailEnd type="none" w="med" len="med"/>
+                    </a:lnB>
+                    <a:solidFill>
+                      <a:srgbClr val="D9E1F2"/>
+                    </a:solidFill>
+                  </a:tcPr>
+                </a:tc>
+                <a:tc>
+                  <a:txBody>
+                    <a:bodyPr/>
+                    <a:lstStyle/>
+                    <a:p>
+                      <a:pPr algn="l" fontAlgn="b"/>
+                      <a:r>
+                        <a:rPr lang="en-US" sz="1100" b="0" i="0" u="none" strike="noStrike">
+                          <a:solidFill>
+                            <a:srgbClr val="000000"/>
+                          </a:solidFill>
+                          <a:effectLst/>
+                          <a:latin typeface="Calibri" panose="020F0502020204030204" pitchFamily="34" charset="0"/>
+                        </a:rPr>
+                        <a:t>placesc</a:t>
+                      </a:r>
+                    </a:p>
+                  </a:txBody>
+                  <a:tcPr marL="9525" marR="9525" marT="9525" marB="0" anchor="b">
+                    <a:lnL>
+                      <a:noFill/>
+                    </a:lnL>
+                    <a:lnR w="6350" cap="flat" cmpd="sng" algn="ctr">
+                      <a:solidFill>
+                        <a:srgbClr val="8EA9DB"/>
+                      </a:solidFill>
+                      <a:prstDash val="solid"/>
+                      <a:round/>
+                      <a:headEnd type="none" w="med" len="med"/>
+                      <a:tailEnd type="none" w="med" len="med"/>
+                    </a:lnR>
+                    <a:lnT w="6350" cap="flat" cmpd="sng" algn="ctr">
+                      <a:solidFill>
+                        <a:srgbClr val="8EA9DB"/>
+                      </a:solidFill>
+                      <a:prstDash val="solid"/>
+                      <a:round/>
+                      <a:headEnd type="none" w="med" len="med"/>
+                      <a:tailEnd type="none" w="med" len="med"/>
+                    </a:lnT>
+                    <a:lnB w="6350" cap="flat" cmpd="sng" algn="ctr">
+                      <a:solidFill>
+                        <a:srgbClr val="8EA9DB"/>
+                      </a:solidFill>
+                      <a:prstDash val="solid"/>
+                      <a:round/>
+                      <a:headEnd type="none" w="med" len="med"/>
+                      <a:tailEnd type="none" w="med" len="med"/>
+                    </a:lnB>
+                    <a:solidFill>
+                      <a:srgbClr val="D9E1F2"/>
+                    </a:solidFill>
+                  </a:tcPr>
+                </a:tc>
+                <a:extLst>
+                  <a:ext uri="{0D108BD9-81ED-4DB2-BD59-A6C34878D82A}">
+                    <a16:rowId xmlns:a16="http://schemas.microsoft.com/office/drawing/2014/main" val="478081742"/>
+                  </a:ext>
+                </a:extLst>
+              </a:tr>
+              <a:tr h="190500">
+                <a:tc>
+                  <a:txBody>
+                    <a:bodyPr/>
+                    <a:lstStyle/>
+                    <a:p>
+                      <a:pPr algn="l" fontAlgn="b"/>
+                      <a:r>
+                        <a:rPr lang="en-US" sz="1100" b="0" i="0" u="none" strike="noStrike">
+                          <a:solidFill>
+                            <a:srgbClr val="000000"/>
+                          </a:solidFill>
+                          <a:effectLst/>
+                          <a:latin typeface="Calibri" panose="020F0502020204030204" pitchFamily="34" charset="0"/>
+                        </a:rPr>
+                        <a:t>stab</a:t>
+                      </a:r>
+                    </a:p>
+                  </a:txBody>
+                  <a:tcPr marL="9525" marR="9525" marT="9525" marB="0" anchor="b">
+                    <a:lnL w="6350" cap="flat" cmpd="sng" algn="ctr">
+                      <a:solidFill>
+                        <a:srgbClr val="8EA9DB"/>
+                      </a:solidFill>
+                      <a:prstDash val="solid"/>
+                      <a:round/>
+                      <a:headEnd type="none" w="med" len="med"/>
+                      <a:tailEnd type="none" w="med" len="med"/>
+                    </a:lnL>
+                    <a:lnR>
+                      <a:noFill/>
+                    </a:lnR>
+                    <a:lnT w="6350" cap="flat" cmpd="sng" algn="ctr">
+                      <a:solidFill>
+                        <a:srgbClr val="8EA9DB"/>
+                      </a:solidFill>
+                      <a:prstDash val="solid"/>
+                      <a:round/>
+                      <a:headEnd type="none" w="med" len="med"/>
+                      <a:tailEnd type="none" w="med" len="med"/>
+                    </a:lnT>
+                    <a:lnB w="6350" cap="flat" cmpd="sng" algn="ctr">
+                      <a:solidFill>
+                        <a:srgbClr val="8EA9DB"/>
+                      </a:solidFill>
+                      <a:prstDash val="solid"/>
+                      <a:round/>
+                      <a:headEnd type="none" w="med" len="med"/>
+                      <a:tailEnd type="none" w="med" len="med"/>
+                    </a:lnB>
+                  </a:tcPr>
+                </a:tc>
+                <a:tc>
+                  <a:txBody>
+                    <a:bodyPr/>
+                    <a:lstStyle/>
+                    <a:p>
+                      <a:pPr algn="l" fontAlgn="b"/>
+                      <a:r>
+                        <a:rPr lang="en-US" sz="1100" b="0" i="0" u="none" strike="noStrike">
+                          <a:solidFill>
+                            <a:srgbClr val="000000"/>
+                          </a:solidFill>
+                          <a:effectLst/>
+                          <a:latin typeface="Calibri" panose="020F0502020204030204" pitchFamily="34" charset="0"/>
+                        </a:rPr>
+                        <a:t>State abbreviation</a:t>
+                      </a:r>
+                    </a:p>
+                  </a:txBody>
+                  <a:tcPr marL="9525" marR="9525" marT="9525" marB="0" anchor="b">
+                    <a:lnL>
+                      <a:noFill/>
+                    </a:lnL>
+                    <a:lnR w="6350" cap="flat" cmpd="sng" algn="ctr">
+                      <a:solidFill>
+                        <a:srgbClr val="8EA9DB"/>
+                      </a:solidFill>
+                      <a:prstDash val="solid"/>
+                      <a:round/>
+                      <a:headEnd type="none" w="med" len="med"/>
+                      <a:tailEnd type="none" w="med" len="med"/>
+                    </a:lnR>
+                    <a:lnT w="6350" cap="flat" cmpd="sng" algn="ctr">
+                      <a:solidFill>
+                        <a:srgbClr val="8EA9DB"/>
+                      </a:solidFill>
+                      <a:prstDash val="solid"/>
+                      <a:round/>
+                      <a:headEnd type="none" w="med" len="med"/>
+                      <a:tailEnd type="none" w="med" len="med"/>
+                    </a:lnT>
+                    <a:lnB w="6350" cap="flat" cmpd="sng" algn="ctr">
+                      <a:solidFill>
+                        <a:srgbClr val="8EA9DB"/>
+                      </a:solidFill>
+                      <a:prstDash val="solid"/>
+                      <a:round/>
+                      <a:headEnd type="none" w="med" len="med"/>
+                      <a:tailEnd type="none" w="med" len="med"/>
+                    </a:lnB>
+                  </a:tcPr>
+                </a:tc>
+                <a:extLst>
+                  <a:ext uri="{0D108BD9-81ED-4DB2-BD59-A6C34878D82A}">
+                    <a16:rowId xmlns:a16="http://schemas.microsoft.com/office/drawing/2014/main" val="2078655539"/>
+                  </a:ext>
+                </a:extLst>
+              </a:tr>
+              <a:tr h="190500">
+                <a:tc>
+                  <a:txBody>
+                    <a:bodyPr/>
+                    <a:lstStyle/>
+                    <a:p>
+                      <a:pPr algn="l" fontAlgn="b"/>
+                      <a:r>
+                        <a:rPr lang="en-US" sz="1100" b="0" i="0" u="none" strike="noStrike">
+                          <a:solidFill>
+                            <a:srgbClr val="000000"/>
+                          </a:solidFill>
+                          <a:effectLst/>
+                          <a:latin typeface="Calibri" panose="020F0502020204030204" pitchFamily="34" charset="0"/>
+                        </a:rPr>
+                        <a:t>cntyname</a:t>
+                      </a:r>
+                    </a:p>
+                  </a:txBody>
+                  <a:tcPr marL="9525" marR="9525" marT="9525" marB="0" anchor="b">
+                    <a:lnL w="6350" cap="flat" cmpd="sng" algn="ctr">
+                      <a:solidFill>
+                        <a:srgbClr val="8EA9DB"/>
+                      </a:solidFill>
+                      <a:prstDash val="solid"/>
+                      <a:round/>
+                      <a:headEnd type="none" w="med" len="med"/>
+                      <a:tailEnd type="none" w="med" len="med"/>
+                    </a:lnL>
+                    <a:lnR>
+                      <a:noFill/>
+                    </a:lnR>
+                    <a:lnT w="6350" cap="flat" cmpd="sng" algn="ctr">
+                      <a:solidFill>
+                        <a:srgbClr val="8EA9DB"/>
+                      </a:solidFill>
+                      <a:prstDash val="solid"/>
+                      <a:round/>
+                      <a:headEnd type="none" w="med" len="med"/>
+                      <a:tailEnd type="none" w="med" len="med"/>
+                    </a:lnT>
+                    <a:lnB w="6350" cap="flat" cmpd="sng" algn="ctr">
+                      <a:solidFill>
+                        <a:srgbClr val="8EA9DB"/>
+                      </a:solidFill>
+                      <a:prstDash val="solid"/>
+                      <a:round/>
+                      <a:headEnd type="none" w="med" len="med"/>
+                      <a:tailEnd type="none" w="med" len="med"/>
+                    </a:lnB>
+                    <a:solidFill>
+                      <a:srgbClr val="D9E1F2"/>
+                    </a:solidFill>
+                  </a:tcPr>
+                </a:tc>
+                <a:tc>
+                  <a:txBody>
+                    <a:bodyPr/>
+                    <a:lstStyle/>
+                    <a:p>
+                      <a:pPr algn="l" fontAlgn="b"/>
+                      <a:r>
+                        <a:rPr lang="en-US" sz="1100" b="0" i="0" u="none" strike="noStrike">
+                          <a:solidFill>
+                            <a:srgbClr val="000000"/>
+                          </a:solidFill>
+                          <a:effectLst/>
+                          <a:latin typeface="Calibri" panose="020F0502020204030204" pitchFamily="34" charset="0"/>
+                        </a:rPr>
+                        <a:t>County name</a:t>
+                      </a:r>
+                    </a:p>
+                  </a:txBody>
+                  <a:tcPr marL="9525" marR="9525" marT="9525" marB="0" anchor="b">
+                    <a:lnL>
+                      <a:noFill/>
+                    </a:lnL>
+                    <a:lnR w="6350" cap="flat" cmpd="sng" algn="ctr">
+                      <a:solidFill>
+                        <a:srgbClr val="8EA9DB"/>
+                      </a:solidFill>
+                      <a:prstDash val="solid"/>
+                      <a:round/>
+                      <a:headEnd type="none" w="med" len="med"/>
+                      <a:tailEnd type="none" w="med" len="med"/>
+                    </a:lnR>
+                    <a:lnT w="6350" cap="flat" cmpd="sng" algn="ctr">
+                      <a:solidFill>
+                        <a:srgbClr val="8EA9DB"/>
+                      </a:solidFill>
+                      <a:prstDash val="solid"/>
+                      <a:round/>
+                      <a:headEnd type="none" w="med" len="med"/>
+                      <a:tailEnd type="none" w="med" len="med"/>
+                    </a:lnT>
+                    <a:lnB w="6350" cap="flat" cmpd="sng" algn="ctr">
+                      <a:solidFill>
+                        <a:srgbClr val="8EA9DB"/>
+                      </a:solidFill>
+                      <a:prstDash val="solid"/>
+                      <a:round/>
+                      <a:headEnd type="none" w="med" len="med"/>
+                      <a:tailEnd type="none" w="med" len="med"/>
+                    </a:lnB>
+                    <a:solidFill>
+                      <a:srgbClr val="D9E1F2"/>
+                    </a:solidFill>
+                  </a:tcPr>
+                </a:tc>
+                <a:extLst>
+                  <a:ext uri="{0D108BD9-81ED-4DB2-BD59-A6C34878D82A}">
+                    <a16:rowId xmlns:a16="http://schemas.microsoft.com/office/drawing/2014/main" val="3533490150"/>
+                  </a:ext>
+                </a:extLst>
+              </a:tr>
+              <a:tr h="190500">
+                <a:tc>
+                  <a:txBody>
+                    <a:bodyPr/>
+                    <a:lstStyle/>
+                    <a:p>
+                      <a:pPr algn="l" fontAlgn="b"/>
+                      <a:r>
+                        <a:rPr lang="en-US" sz="1100" b="0" i="0" u="none" strike="noStrike">
+                          <a:solidFill>
+                            <a:srgbClr val="000000"/>
+                          </a:solidFill>
+                          <a:effectLst/>
+                          <a:latin typeface="Calibri" panose="020F0502020204030204" pitchFamily="34" charset="0"/>
+                        </a:rPr>
+                        <a:t>cousubnm</a:t>
+                      </a:r>
+                    </a:p>
+                  </a:txBody>
+                  <a:tcPr marL="9525" marR="9525" marT="9525" marB="0" anchor="b">
+                    <a:lnL w="6350" cap="flat" cmpd="sng" algn="ctr">
+                      <a:solidFill>
+                        <a:srgbClr val="8EA9DB"/>
+                      </a:solidFill>
+                      <a:prstDash val="solid"/>
+                      <a:round/>
+                      <a:headEnd type="none" w="med" len="med"/>
+                      <a:tailEnd type="none" w="med" len="med"/>
+                    </a:lnL>
+                    <a:lnR>
+                      <a:noFill/>
+                    </a:lnR>
+                    <a:lnT w="6350" cap="flat" cmpd="sng" algn="ctr">
+                      <a:solidFill>
+                        <a:srgbClr val="8EA9DB"/>
+                      </a:solidFill>
+                      <a:prstDash val="solid"/>
+                      <a:round/>
+                      <a:headEnd type="none" w="med" len="med"/>
+                      <a:tailEnd type="none" w="med" len="med"/>
+                    </a:lnT>
+                    <a:lnB w="6350" cap="flat" cmpd="sng" algn="ctr">
+                      <a:solidFill>
+                        <a:srgbClr val="8EA9DB"/>
+                      </a:solidFill>
+                      <a:prstDash val="solid"/>
+                      <a:round/>
+                      <a:headEnd type="none" w="med" len="med"/>
+                      <a:tailEnd type="none" w="med" len="med"/>
+                    </a:lnB>
+                  </a:tcPr>
+                </a:tc>
+                <a:tc>
+                  <a:txBody>
+                    <a:bodyPr/>
+                    <a:lstStyle/>
+                    <a:p>
+                      <a:pPr algn="l" fontAlgn="b"/>
+                      <a:r>
+                        <a:rPr lang="en-US" sz="1100" b="0" i="0" u="none" strike="noStrike">
+                          <a:solidFill>
+                            <a:srgbClr val="000000"/>
+                          </a:solidFill>
+                          <a:effectLst/>
+                          <a:latin typeface="Calibri" panose="020F0502020204030204" pitchFamily="34" charset="0"/>
+                        </a:rPr>
+                        <a:t>County subdivision name</a:t>
+                      </a:r>
+                    </a:p>
+                  </a:txBody>
+                  <a:tcPr marL="9525" marR="9525" marT="9525" marB="0" anchor="b">
+                    <a:lnL>
+                      <a:noFill/>
+                    </a:lnL>
+                    <a:lnR w="6350" cap="flat" cmpd="sng" algn="ctr">
+                      <a:solidFill>
+                        <a:srgbClr val="8EA9DB"/>
+                      </a:solidFill>
+                      <a:prstDash val="solid"/>
+                      <a:round/>
+                      <a:headEnd type="none" w="med" len="med"/>
+                      <a:tailEnd type="none" w="med" len="med"/>
+                    </a:lnR>
+                    <a:lnT w="6350" cap="flat" cmpd="sng" algn="ctr">
+                      <a:solidFill>
+                        <a:srgbClr val="8EA9DB"/>
+                      </a:solidFill>
+                      <a:prstDash val="solid"/>
+                      <a:round/>
+                      <a:headEnd type="none" w="med" len="med"/>
+                      <a:tailEnd type="none" w="med" len="med"/>
+                    </a:lnT>
+                    <a:lnB w="6350" cap="flat" cmpd="sng" algn="ctr">
+                      <a:solidFill>
+                        <a:srgbClr val="8EA9DB"/>
+                      </a:solidFill>
+                      <a:prstDash val="solid"/>
+                      <a:round/>
+                      <a:headEnd type="none" w="med" len="med"/>
+                      <a:tailEnd type="none" w="med" len="med"/>
+                    </a:lnB>
+                  </a:tcPr>
+                </a:tc>
+                <a:extLst>
+                  <a:ext uri="{0D108BD9-81ED-4DB2-BD59-A6C34878D82A}">
+                    <a16:rowId xmlns:a16="http://schemas.microsoft.com/office/drawing/2014/main" val="2390749693"/>
+                  </a:ext>
+                </a:extLst>
+              </a:tr>
+              <a:tr h="190500">
+                <a:tc>
+                  <a:txBody>
+                    <a:bodyPr/>
+                    <a:lstStyle/>
+                    <a:p>
+                      <a:pPr algn="l" fontAlgn="b"/>
+                      <a:r>
+                        <a:rPr lang="en-US" sz="1100" b="0" i="0" u="none" strike="noStrike">
+                          <a:solidFill>
+                            <a:srgbClr val="000000"/>
+                          </a:solidFill>
+                          <a:effectLst/>
+                          <a:latin typeface="Calibri" panose="020F0502020204030204" pitchFamily="34" charset="0"/>
+                        </a:rPr>
+                        <a:t>placenm</a:t>
+                      </a:r>
+                    </a:p>
+                  </a:txBody>
+                  <a:tcPr marL="9525" marR="9525" marT="9525" marB="0" anchor="b">
+                    <a:lnL w="6350" cap="flat" cmpd="sng" algn="ctr">
+                      <a:solidFill>
+                        <a:srgbClr val="8EA9DB"/>
+                      </a:solidFill>
+                      <a:prstDash val="solid"/>
+                      <a:round/>
+                      <a:headEnd type="none" w="med" len="med"/>
+                      <a:tailEnd type="none" w="med" len="med"/>
+                    </a:lnL>
+                    <a:lnR>
+                      <a:noFill/>
+                    </a:lnR>
+                    <a:lnT w="6350" cap="flat" cmpd="sng" algn="ctr">
+                      <a:solidFill>
+                        <a:srgbClr val="8EA9DB"/>
+                      </a:solidFill>
+                      <a:prstDash val="solid"/>
+                      <a:round/>
+                      <a:headEnd type="none" w="med" len="med"/>
+                      <a:tailEnd type="none" w="med" len="med"/>
+                    </a:lnT>
+                    <a:lnB w="6350" cap="flat" cmpd="sng" algn="ctr">
+                      <a:solidFill>
+                        <a:srgbClr val="8EA9DB"/>
+                      </a:solidFill>
+                      <a:prstDash val="solid"/>
+                      <a:round/>
+                      <a:headEnd type="none" w="med" len="med"/>
+                      <a:tailEnd type="none" w="med" len="med"/>
+                    </a:lnB>
+                    <a:solidFill>
+                      <a:srgbClr val="D9E1F2"/>
+                    </a:solidFill>
+                  </a:tcPr>
+                </a:tc>
+                <a:tc>
+                  <a:txBody>
+                    <a:bodyPr/>
+                    <a:lstStyle/>
+                    <a:p>
+                      <a:pPr algn="l" fontAlgn="b"/>
+                      <a:r>
+                        <a:rPr lang="en-US" sz="1100" b="0" i="0" u="none" strike="noStrike">
+                          <a:solidFill>
+                            <a:srgbClr val="000000"/>
+                          </a:solidFill>
+                          <a:effectLst/>
+                          <a:latin typeface="Calibri" panose="020F0502020204030204" pitchFamily="34" charset="0"/>
+                        </a:rPr>
+                        <a:t>Place name</a:t>
+                      </a:r>
+                    </a:p>
+                  </a:txBody>
+                  <a:tcPr marL="9525" marR="9525" marT="9525" marB="0" anchor="b">
+                    <a:lnL>
+                      <a:noFill/>
+                    </a:lnL>
+                    <a:lnR w="6350" cap="flat" cmpd="sng" algn="ctr">
+                      <a:solidFill>
+                        <a:srgbClr val="8EA9DB"/>
+                      </a:solidFill>
+                      <a:prstDash val="solid"/>
+                      <a:round/>
+                      <a:headEnd type="none" w="med" len="med"/>
+                      <a:tailEnd type="none" w="med" len="med"/>
+                    </a:lnR>
+                    <a:lnT w="6350" cap="flat" cmpd="sng" algn="ctr">
+                      <a:solidFill>
+                        <a:srgbClr val="8EA9DB"/>
+                      </a:solidFill>
+                      <a:prstDash val="solid"/>
+                      <a:round/>
+                      <a:headEnd type="none" w="med" len="med"/>
+                      <a:tailEnd type="none" w="med" len="med"/>
+                    </a:lnT>
+                    <a:lnB w="6350" cap="flat" cmpd="sng" algn="ctr">
+                      <a:solidFill>
+                        <a:srgbClr val="8EA9DB"/>
+                      </a:solidFill>
+                      <a:prstDash val="solid"/>
+                      <a:round/>
+                      <a:headEnd type="none" w="med" len="med"/>
+                      <a:tailEnd type="none" w="med" len="med"/>
+                    </a:lnB>
+                    <a:solidFill>
+                      <a:srgbClr val="D9E1F2"/>
+                    </a:solidFill>
+                  </a:tcPr>
+                </a:tc>
+                <a:extLst>
+                  <a:ext uri="{0D108BD9-81ED-4DB2-BD59-A6C34878D82A}">
+                    <a16:rowId xmlns:a16="http://schemas.microsoft.com/office/drawing/2014/main" val="1484482719"/>
+                  </a:ext>
+                </a:extLst>
+              </a:tr>
+              <a:tr h="190500">
+                <a:tc>
+                  <a:txBody>
+                    <a:bodyPr/>
+                    <a:lstStyle/>
+                    <a:p>
+                      <a:pPr algn="l" fontAlgn="b"/>
+                      <a:r>
+                        <a:rPr lang="en-US" sz="1100" b="0" i="0" u="none" strike="noStrike">
+                          <a:solidFill>
+                            <a:srgbClr val="000000"/>
+                          </a:solidFill>
+                          <a:effectLst/>
+                          <a:latin typeface="Calibri" panose="020F0502020204030204" pitchFamily="34" charset="0"/>
+                        </a:rPr>
+                        <a:t>mdivname10</a:t>
+                      </a:r>
+                    </a:p>
+                  </a:txBody>
+                  <a:tcPr marL="9525" marR="9525" marT="9525" marB="0" anchor="b">
+                    <a:lnL w="6350" cap="flat" cmpd="sng" algn="ctr">
+                      <a:solidFill>
+                        <a:srgbClr val="8EA9DB"/>
+                      </a:solidFill>
+                      <a:prstDash val="solid"/>
+                      <a:round/>
+                      <a:headEnd type="none" w="med" len="med"/>
+                      <a:tailEnd type="none" w="med" len="med"/>
+                    </a:lnL>
+                    <a:lnR>
+                      <a:noFill/>
+                    </a:lnR>
+                    <a:lnT w="6350" cap="flat" cmpd="sng" algn="ctr">
+                      <a:solidFill>
+                        <a:srgbClr val="8EA9DB"/>
+                      </a:solidFill>
+                      <a:prstDash val="solid"/>
+                      <a:round/>
+                      <a:headEnd type="none" w="med" len="med"/>
+                      <a:tailEnd type="none" w="med" len="med"/>
+                    </a:lnT>
+                    <a:lnB w="6350" cap="flat" cmpd="sng" algn="ctr">
+                      <a:solidFill>
+                        <a:srgbClr val="8EA9DB"/>
+                      </a:solidFill>
+                      <a:prstDash val="solid"/>
+                      <a:round/>
+                      <a:headEnd type="none" w="med" len="med"/>
+                      <a:tailEnd type="none" w="med" len="med"/>
+                    </a:lnB>
+                  </a:tcPr>
+                </a:tc>
+                <a:tc>
+                  <a:txBody>
+                    <a:bodyPr/>
+                    <a:lstStyle/>
+                    <a:p>
+                      <a:pPr algn="l" fontAlgn="b"/>
+                      <a:r>
+                        <a:rPr lang="en-US" sz="1100" b="0" i="0" u="none" strike="noStrike">
+                          <a:solidFill>
+                            <a:srgbClr val="000000"/>
+                          </a:solidFill>
+                          <a:effectLst/>
+                          <a:latin typeface="Calibri" panose="020F0502020204030204" pitchFamily="34" charset="0"/>
+                        </a:rPr>
+                        <a:t>2010 Metro div name</a:t>
+                      </a:r>
+                    </a:p>
+                  </a:txBody>
+                  <a:tcPr marL="9525" marR="9525" marT="9525" marB="0" anchor="b">
+                    <a:lnL>
+                      <a:noFill/>
+                    </a:lnL>
+                    <a:lnR w="6350" cap="flat" cmpd="sng" algn="ctr">
+                      <a:solidFill>
+                        <a:srgbClr val="8EA9DB"/>
+                      </a:solidFill>
+                      <a:prstDash val="solid"/>
+                      <a:round/>
+                      <a:headEnd type="none" w="med" len="med"/>
+                      <a:tailEnd type="none" w="med" len="med"/>
+                    </a:lnR>
+                    <a:lnT w="6350" cap="flat" cmpd="sng" algn="ctr">
+                      <a:solidFill>
+                        <a:srgbClr val="8EA9DB"/>
+                      </a:solidFill>
+                      <a:prstDash val="solid"/>
+                      <a:round/>
+                      <a:headEnd type="none" w="med" len="med"/>
+                      <a:tailEnd type="none" w="med" len="med"/>
+                    </a:lnT>
+                    <a:lnB w="6350" cap="flat" cmpd="sng" algn="ctr">
+                      <a:solidFill>
+                        <a:srgbClr val="8EA9DB"/>
+                      </a:solidFill>
+                      <a:prstDash val="solid"/>
+                      <a:round/>
+                      <a:headEnd type="none" w="med" len="med"/>
+                      <a:tailEnd type="none" w="med" len="med"/>
+                    </a:lnB>
+                  </a:tcPr>
+                </a:tc>
+                <a:extLst>
+                  <a:ext uri="{0D108BD9-81ED-4DB2-BD59-A6C34878D82A}">
+                    <a16:rowId xmlns:a16="http://schemas.microsoft.com/office/drawing/2014/main" val="2470421753"/>
+                  </a:ext>
+                </a:extLst>
+              </a:tr>
+              <a:tr h="190500">
+                <a:tc>
+                  <a:txBody>
+                    <a:bodyPr/>
+                    <a:lstStyle/>
+                    <a:p>
+                      <a:pPr algn="l" fontAlgn="b"/>
+                      <a:r>
+                        <a:rPr lang="en-US" sz="1100" b="0" i="0" u="none" strike="noStrike">
+                          <a:solidFill>
+                            <a:srgbClr val="000000"/>
+                          </a:solidFill>
+                          <a:effectLst/>
+                          <a:latin typeface="Calibri" panose="020F0502020204030204" pitchFamily="34" charset="0"/>
+                        </a:rPr>
+                        <a:t>zipname</a:t>
+                      </a:r>
+                    </a:p>
+                  </a:txBody>
+                  <a:tcPr marL="9525" marR="9525" marT="9525" marB="0" anchor="b">
+                    <a:lnL w="6350" cap="flat" cmpd="sng" algn="ctr">
+                      <a:solidFill>
+                        <a:srgbClr val="8EA9DB"/>
+                      </a:solidFill>
+                      <a:prstDash val="solid"/>
+                      <a:round/>
+                      <a:headEnd type="none" w="med" len="med"/>
+                      <a:tailEnd type="none" w="med" len="med"/>
+                    </a:lnL>
+                    <a:lnR>
+                      <a:noFill/>
+                    </a:lnR>
+                    <a:lnT w="6350" cap="flat" cmpd="sng" algn="ctr">
+                      <a:solidFill>
+                        <a:srgbClr val="8EA9DB"/>
+                      </a:solidFill>
+                      <a:prstDash val="solid"/>
+                      <a:round/>
+                      <a:headEnd type="none" w="med" len="med"/>
+                      <a:tailEnd type="none" w="med" len="med"/>
+                    </a:lnT>
+                    <a:lnB w="6350" cap="flat" cmpd="sng" algn="ctr">
+                      <a:solidFill>
+                        <a:srgbClr val="8EA9DB"/>
+                      </a:solidFill>
+                      <a:prstDash val="solid"/>
+                      <a:round/>
+                      <a:headEnd type="none" w="med" len="med"/>
+                      <a:tailEnd type="none" w="med" len="med"/>
+                    </a:lnB>
+                    <a:solidFill>
+                      <a:srgbClr val="D9E1F2"/>
+                    </a:solidFill>
+                  </a:tcPr>
+                </a:tc>
+                <a:tc>
+                  <a:txBody>
+                    <a:bodyPr/>
+                    <a:lstStyle/>
+                    <a:p>
+                      <a:pPr algn="l" fontAlgn="b"/>
+                      <a:r>
+                        <a:rPr lang="en-US" sz="1100" b="0" i="0" u="none" strike="noStrike">
+                          <a:solidFill>
+                            <a:srgbClr val="000000"/>
+                          </a:solidFill>
+                          <a:effectLst/>
+                          <a:latin typeface="Calibri" panose="020F0502020204030204" pitchFamily="34" charset="0"/>
+                        </a:rPr>
+                        <a:t>ZCTA name</a:t>
+                      </a:r>
+                    </a:p>
+                  </a:txBody>
+                  <a:tcPr marL="9525" marR="9525" marT="9525" marB="0" anchor="b">
+                    <a:lnL>
+                      <a:noFill/>
+                    </a:lnL>
+                    <a:lnR w="6350" cap="flat" cmpd="sng" algn="ctr">
+                      <a:solidFill>
+                        <a:srgbClr val="8EA9DB"/>
+                      </a:solidFill>
+                      <a:prstDash val="solid"/>
+                      <a:round/>
+                      <a:headEnd type="none" w="med" len="med"/>
+                      <a:tailEnd type="none" w="med" len="med"/>
+                    </a:lnR>
+                    <a:lnT w="6350" cap="flat" cmpd="sng" algn="ctr">
+                      <a:solidFill>
+                        <a:srgbClr val="8EA9DB"/>
+                      </a:solidFill>
+                      <a:prstDash val="solid"/>
+                      <a:round/>
+                      <a:headEnd type="none" w="med" len="med"/>
+                      <a:tailEnd type="none" w="med" len="med"/>
+                    </a:lnT>
+                    <a:lnB w="6350" cap="flat" cmpd="sng" algn="ctr">
+                      <a:solidFill>
+                        <a:srgbClr val="8EA9DB"/>
+                      </a:solidFill>
+                      <a:prstDash val="solid"/>
+                      <a:round/>
+                      <a:headEnd type="none" w="med" len="med"/>
+                      <a:tailEnd type="none" w="med" len="med"/>
+                    </a:lnB>
+                    <a:solidFill>
+                      <a:srgbClr val="D9E1F2"/>
+                    </a:solidFill>
+                  </a:tcPr>
+                </a:tc>
+                <a:extLst>
+                  <a:ext uri="{0D108BD9-81ED-4DB2-BD59-A6C34878D82A}">
+                    <a16:rowId xmlns:a16="http://schemas.microsoft.com/office/drawing/2014/main" val="1118763616"/>
+                  </a:ext>
+                </a:extLst>
+              </a:tr>
+              <a:tr h="190500">
+                <a:tc>
+                  <a:txBody>
+                    <a:bodyPr/>
+                    <a:lstStyle/>
+                    <a:p>
+                      <a:pPr algn="l" fontAlgn="b"/>
+                      <a:r>
+                        <a:rPr lang="en-US" sz="1100" b="0" i="0" u="none" strike="noStrike">
+                          <a:solidFill>
+                            <a:srgbClr val="000000"/>
+                          </a:solidFill>
+                          <a:effectLst/>
+                          <a:latin typeface="Calibri" panose="020F0502020204030204" pitchFamily="34" charset="0"/>
+                        </a:rPr>
+                        <a:t>uschlnm10</a:t>
+                      </a:r>
+                    </a:p>
+                  </a:txBody>
+                  <a:tcPr marL="9525" marR="9525" marT="9525" marB="0" anchor="b">
+                    <a:lnL w="6350" cap="flat" cmpd="sng" algn="ctr">
+                      <a:solidFill>
+                        <a:srgbClr val="8EA9DB"/>
+                      </a:solidFill>
+                      <a:prstDash val="solid"/>
+                      <a:round/>
+                      <a:headEnd type="none" w="med" len="med"/>
+                      <a:tailEnd type="none" w="med" len="med"/>
+                    </a:lnL>
+                    <a:lnR>
+                      <a:noFill/>
+                    </a:lnR>
+                    <a:lnT w="6350" cap="flat" cmpd="sng" algn="ctr">
+                      <a:solidFill>
+                        <a:srgbClr val="8EA9DB"/>
+                      </a:solidFill>
+                      <a:prstDash val="solid"/>
+                      <a:round/>
+                      <a:headEnd type="none" w="med" len="med"/>
+                      <a:tailEnd type="none" w="med" len="med"/>
+                    </a:lnT>
+                    <a:lnB w="6350" cap="flat" cmpd="sng" algn="ctr">
+                      <a:solidFill>
+                        <a:srgbClr val="8EA9DB"/>
+                      </a:solidFill>
+                      <a:prstDash val="solid"/>
+                      <a:round/>
+                      <a:headEnd type="none" w="med" len="med"/>
+                      <a:tailEnd type="none" w="med" len="med"/>
+                    </a:lnB>
+                  </a:tcPr>
+                </a:tc>
+                <a:tc>
+                  <a:txBody>
+                    <a:bodyPr/>
+                    <a:lstStyle/>
+                    <a:p>
+                      <a:pPr algn="l" fontAlgn="b"/>
+                      <a:r>
+                        <a:rPr lang="en-US" sz="1100" b="0" i="0" u="none" strike="noStrike">
+                          <a:solidFill>
+                            <a:srgbClr val="000000"/>
+                          </a:solidFill>
+                          <a:effectLst/>
+                          <a:latin typeface="Calibri" panose="020F0502020204030204" pitchFamily="34" charset="0"/>
+                        </a:rPr>
+                        <a:t>Unified school district name 2010</a:t>
+                      </a:r>
+                    </a:p>
+                  </a:txBody>
+                  <a:tcPr marL="9525" marR="9525" marT="9525" marB="0" anchor="b">
+                    <a:lnL>
+                      <a:noFill/>
+                    </a:lnL>
+                    <a:lnR w="6350" cap="flat" cmpd="sng" algn="ctr">
+                      <a:solidFill>
+                        <a:srgbClr val="8EA9DB"/>
+                      </a:solidFill>
+                      <a:prstDash val="solid"/>
+                      <a:round/>
+                      <a:headEnd type="none" w="med" len="med"/>
+                      <a:tailEnd type="none" w="med" len="med"/>
+                    </a:lnR>
+                    <a:lnT w="6350" cap="flat" cmpd="sng" algn="ctr">
+                      <a:solidFill>
+                        <a:srgbClr val="8EA9DB"/>
+                      </a:solidFill>
+                      <a:prstDash val="solid"/>
+                      <a:round/>
+                      <a:headEnd type="none" w="med" len="med"/>
+                      <a:tailEnd type="none" w="med" len="med"/>
+                    </a:lnT>
+                    <a:lnB w="6350" cap="flat" cmpd="sng" algn="ctr">
+                      <a:solidFill>
+                        <a:srgbClr val="8EA9DB"/>
+                      </a:solidFill>
+                      <a:prstDash val="solid"/>
+                      <a:round/>
+                      <a:headEnd type="none" w="med" len="med"/>
+                      <a:tailEnd type="none" w="med" len="med"/>
+                    </a:lnB>
+                  </a:tcPr>
+                </a:tc>
+                <a:extLst>
+                  <a:ext uri="{0D108BD9-81ED-4DB2-BD59-A6C34878D82A}">
+                    <a16:rowId xmlns:a16="http://schemas.microsoft.com/office/drawing/2014/main" val="1780120927"/>
+                  </a:ext>
+                </a:extLst>
+              </a:tr>
+              <a:tr h="190500">
+                <a:tc>
+                  <a:txBody>
+                    <a:bodyPr/>
+                    <a:lstStyle/>
+                    <a:p>
+                      <a:pPr algn="l" fontAlgn="b"/>
+                      <a:r>
+                        <a:rPr lang="en-US" sz="1100" b="0" i="0" u="none" strike="noStrike">
+                          <a:solidFill>
+                            <a:srgbClr val="000000"/>
+                          </a:solidFill>
+                          <a:effectLst/>
+                          <a:latin typeface="Calibri" panose="020F0502020204030204" pitchFamily="34" charset="0"/>
+                        </a:rPr>
+                        <a:t>pop10</a:t>
+                      </a:r>
+                    </a:p>
+                  </a:txBody>
+                  <a:tcPr marL="9525" marR="9525" marT="9525" marB="0" anchor="b">
+                    <a:lnL w="6350" cap="flat" cmpd="sng" algn="ctr">
+                      <a:solidFill>
+                        <a:srgbClr val="8EA9DB"/>
+                      </a:solidFill>
+                      <a:prstDash val="solid"/>
+                      <a:round/>
+                      <a:headEnd type="none" w="med" len="med"/>
+                      <a:tailEnd type="none" w="med" len="med"/>
+                    </a:lnL>
+                    <a:lnR>
+                      <a:noFill/>
+                    </a:lnR>
+                    <a:lnT w="6350" cap="flat" cmpd="sng" algn="ctr">
+                      <a:solidFill>
+                        <a:srgbClr val="8EA9DB"/>
+                      </a:solidFill>
+                      <a:prstDash val="solid"/>
+                      <a:round/>
+                      <a:headEnd type="none" w="med" len="med"/>
+                      <a:tailEnd type="none" w="med" len="med"/>
+                    </a:lnT>
+                    <a:lnB w="6350" cap="flat" cmpd="sng" algn="ctr">
+                      <a:solidFill>
+                        <a:srgbClr val="8EA9DB"/>
+                      </a:solidFill>
+                      <a:prstDash val="solid"/>
+                      <a:round/>
+                      <a:headEnd type="none" w="med" len="med"/>
+                      <a:tailEnd type="none" w="med" len="med"/>
+                    </a:lnB>
+                    <a:solidFill>
+                      <a:srgbClr val="D9E1F2"/>
+                    </a:solidFill>
+                  </a:tcPr>
+                </a:tc>
+                <a:tc>
+                  <a:txBody>
+                    <a:bodyPr/>
+                    <a:lstStyle/>
+                    <a:p>
+                      <a:pPr algn="l" fontAlgn="b"/>
+                      <a:r>
+                        <a:rPr lang="en-US" sz="1100" b="0" i="0" u="none" strike="noStrike">
+                          <a:solidFill>
+                            <a:srgbClr val="000000"/>
+                          </a:solidFill>
+                          <a:effectLst/>
+                          <a:latin typeface="Calibri" panose="020F0502020204030204" pitchFamily="34" charset="0"/>
+                        </a:rPr>
+                        <a:t>Total population (2010)</a:t>
+                      </a:r>
+                    </a:p>
+                  </a:txBody>
+                  <a:tcPr marL="9525" marR="9525" marT="9525" marB="0" anchor="b">
+                    <a:lnL>
+                      <a:noFill/>
+                    </a:lnL>
+                    <a:lnR w="6350" cap="flat" cmpd="sng" algn="ctr">
+                      <a:solidFill>
+                        <a:srgbClr val="8EA9DB"/>
+                      </a:solidFill>
+                      <a:prstDash val="solid"/>
+                      <a:round/>
+                      <a:headEnd type="none" w="med" len="med"/>
+                      <a:tailEnd type="none" w="med" len="med"/>
+                    </a:lnR>
+                    <a:lnT w="6350" cap="flat" cmpd="sng" algn="ctr">
+                      <a:solidFill>
+                        <a:srgbClr val="8EA9DB"/>
+                      </a:solidFill>
+                      <a:prstDash val="solid"/>
+                      <a:round/>
+                      <a:headEnd type="none" w="med" len="med"/>
+                      <a:tailEnd type="none" w="med" len="med"/>
+                    </a:lnT>
+                    <a:lnB w="6350" cap="flat" cmpd="sng" algn="ctr">
+                      <a:solidFill>
+                        <a:srgbClr val="8EA9DB"/>
+                      </a:solidFill>
+                      <a:prstDash val="solid"/>
+                      <a:round/>
+                      <a:headEnd type="none" w="med" len="med"/>
+                      <a:tailEnd type="none" w="med" len="med"/>
+                    </a:lnB>
+                    <a:solidFill>
+                      <a:srgbClr val="D9E1F2"/>
+                    </a:solidFill>
+                  </a:tcPr>
+                </a:tc>
+                <a:extLst>
+                  <a:ext uri="{0D108BD9-81ED-4DB2-BD59-A6C34878D82A}">
+                    <a16:rowId xmlns:a16="http://schemas.microsoft.com/office/drawing/2014/main" val="1947708074"/>
+                  </a:ext>
+                </a:extLst>
+              </a:tr>
+              <a:tr h="190500">
+                <a:tc>
+                  <a:txBody>
+                    <a:bodyPr/>
+                    <a:lstStyle/>
+                    <a:p>
+                      <a:pPr algn="l" fontAlgn="b"/>
+                      <a:r>
+                        <a:rPr lang="en-US" sz="1100" b="0" i="0" u="none" strike="noStrike">
+                          <a:solidFill>
+                            <a:srgbClr val="000000"/>
+                          </a:solidFill>
+                          <a:effectLst/>
+                          <a:latin typeface="Calibri" panose="020F0502020204030204" pitchFamily="34" charset="0"/>
+                        </a:rPr>
+                        <a:t>afact</a:t>
+                      </a:r>
+                    </a:p>
+                  </a:txBody>
+                  <a:tcPr marL="9525" marR="9525" marT="9525" marB="0" anchor="b">
+                    <a:lnL w="6350" cap="flat" cmpd="sng" algn="ctr">
+                      <a:solidFill>
+                        <a:srgbClr val="8EA9DB"/>
+                      </a:solidFill>
+                      <a:prstDash val="solid"/>
+                      <a:round/>
+                      <a:headEnd type="none" w="med" len="med"/>
+                      <a:tailEnd type="none" w="med" len="med"/>
+                    </a:lnL>
+                    <a:lnR>
+                      <a:noFill/>
+                    </a:lnR>
+                    <a:lnT w="6350" cap="flat" cmpd="sng" algn="ctr">
+                      <a:solidFill>
+                        <a:srgbClr val="8EA9DB"/>
+                      </a:solidFill>
+                      <a:prstDash val="solid"/>
+                      <a:round/>
+                      <a:headEnd type="none" w="med" len="med"/>
+                      <a:tailEnd type="none" w="med" len="med"/>
+                    </a:lnT>
+                    <a:lnB w="6350" cap="flat" cmpd="sng" algn="ctr">
+                      <a:solidFill>
+                        <a:srgbClr val="8EA9DB"/>
+                      </a:solidFill>
+                      <a:prstDash val="solid"/>
+                      <a:round/>
+                      <a:headEnd type="none" w="med" len="med"/>
+                      <a:tailEnd type="none" w="med" len="med"/>
+                    </a:lnB>
+                  </a:tcPr>
+                </a:tc>
+                <a:tc>
+                  <a:txBody>
+                    <a:bodyPr/>
+                    <a:lstStyle/>
+                    <a:p>
+                      <a:pPr algn="l" fontAlgn="b"/>
+                      <a:r>
+                        <a:rPr lang="en-US" sz="1100" b="0" i="0" u="none" strike="noStrike" dirty="0" err="1">
+                          <a:solidFill>
+                            <a:srgbClr val="000000"/>
+                          </a:solidFill>
+                          <a:effectLst/>
+                          <a:latin typeface="Calibri" panose="020F0502020204030204" pitchFamily="34" charset="0"/>
+                        </a:rPr>
+                        <a:t>placesc</a:t>
+                      </a:r>
+                      <a:r>
+                        <a:rPr lang="en-US" sz="1100" b="0" i="0" u="none" strike="noStrike" dirty="0">
+                          <a:solidFill>
+                            <a:srgbClr val="000000"/>
+                          </a:solidFill>
+                          <a:effectLst/>
+                          <a:latin typeface="Calibri" panose="020F0502020204030204" pitchFamily="34" charset="0"/>
+                        </a:rPr>
+                        <a:t> to state allocation factor</a:t>
+                      </a:r>
+                    </a:p>
+                  </a:txBody>
+                  <a:tcPr marL="9525" marR="9525" marT="9525" marB="0" anchor="b">
+                    <a:lnL>
+                      <a:noFill/>
+                    </a:lnL>
+                    <a:lnR w="6350" cap="flat" cmpd="sng" algn="ctr">
+                      <a:solidFill>
+                        <a:srgbClr val="8EA9DB"/>
+                      </a:solidFill>
+                      <a:prstDash val="solid"/>
+                      <a:round/>
+                      <a:headEnd type="none" w="med" len="med"/>
+                      <a:tailEnd type="none" w="med" len="med"/>
+                    </a:lnR>
+                    <a:lnT w="6350" cap="flat" cmpd="sng" algn="ctr">
+                      <a:solidFill>
+                        <a:srgbClr val="8EA9DB"/>
+                      </a:solidFill>
+                      <a:prstDash val="solid"/>
+                      <a:round/>
+                      <a:headEnd type="none" w="med" len="med"/>
+                      <a:tailEnd type="none" w="med" len="med"/>
+                    </a:lnT>
+                    <a:lnB w="6350" cap="flat" cmpd="sng" algn="ctr">
+                      <a:solidFill>
+                        <a:srgbClr val="8EA9DB"/>
+                      </a:solidFill>
+                      <a:prstDash val="solid"/>
+                      <a:round/>
+                      <a:headEnd type="none" w="med" len="med"/>
+                      <a:tailEnd type="none" w="med" len="med"/>
+                    </a:lnB>
+                  </a:tcPr>
+                </a:tc>
+                <a:extLst>
+                  <a:ext uri="{0D108BD9-81ED-4DB2-BD59-A6C34878D82A}">
+                    <a16:rowId xmlns:a16="http://schemas.microsoft.com/office/drawing/2014/main" val="1351579862"/>
+                  </a:ext>
+                </a:extLst>
+              </a:tr>
+            </a:tbl>
+          </a:graphicData>
+        </a:graphic>
+      </p:graphicFrame>
     </p:spTree>
     <p:extLst>
       <p:ext uri="{BB962C8B-B14F-4D97-AF65-F5344CB8AC3E}">
-        <p14:creationId xmlns:p14="http://schemas.microsoft.com/office/powerpoint/2010/main" val="2994392188"/>
+        <p14:creationId xmlns:p14="http://schemas.microsoft.com/office/powerpoint/2010/main" val="2762681740"/>
       </p:ext>
     </p:extLst>
   </p:cSld>
@@ -9674,6 +11896,64 @@
           <p:cNvPr id="2" name="Title 1">
             <a:extLst>
               <a:ext uri="{FF2B5EF4-FFF2-40B4-BE49-F238E27FC236}">
+                <a16:creationId xmlns:a16="http://schemas.microsoft.com/office/drawing/2014/main" id="{3BACBCDC-7F7D-AF42-875C-5B645068A491}"/>
+              </a:ext>
+            </a:extLst>
+          </p:cNvPr>
+          <p:cNvSpPr>
+            <a:spLocks noGrp="1"/>
+          </p:cNvSpPr>
+          <p:nvPr>
+            <p:ph type="title"/>
+          </p:nvPr>
+        </p:nvSpPr>
+        <p:spPr/>
+        <p:txBody>
+          <a:bodyPr/>
+          <a:lstStyle/>
+          <a:p>
+            <a:r>
+              <a:rPr lang="en-US" dirty="0"/>
+              <a:t>Part I: Extract</a:t>
+            </a:r>
+          </a:p>
+        </p:txBody>
+      </p:sp>
+    </p:spTree>
+    <p:extLst>
+      <p:ext uri="{BB962C8B-B14F-4D97-AF65-F5344CB8AC3E}">
+        <p14:creationId xmlns:p14="http://schemas.microsoft.com/office/powerpoint/2010/main" val="2994392188"/>
+      </p:ext>
+    </p:extLst>
+  </p:cSld>
+  <p:clrMapOvr>
+    <a:masterClrMapping/>
+  </p:clrMapOvr>
+</p:sld>
+</file>
+
+<file path=ppt/slides/slide18.xml><?xml version="1.0" encoding="utf-8"?>
+<p:sld xmlns:a="http://schemas.openxmlformats.org/drawingml/2006/main" xmlns:r="http://schemas.openxmlformats.org/officeDocument/2006/relationships" xmlns:p="http://schemas.openxmlformats.org/presentationml/2006/main">
+  <p:cSld>
+    <p:spTree>
+      <p:nvGrpSpPr>
+        <p:cNvPr id="1" name=""/>
+        <p:cNvGrpSpPr/>
+        <p:nvPr/>
+      </p:nvGrpSpPr>
+      <p:grpSpPr>
+        <a:xfrm>
+          <a:off x="0" y="0"/>
+          <a:ext cx="0" cy="0"/>
+          <a:chOff x="0" y="0"/>
+          <a:chExt cx="0" cy="0"/>
+        </a:xfrm>
+      </p:grpSpPr>
+      <p:sp>
+        <p:nvSpPr>
+          <p:cNvPr id="2" name="Title 1">
+            <a:extLst>
+              <a:ext uri="{FF2B5EF4-FFF2-40B4-BE49-F238E27FC236}">
                 <a16:creationId xmlns:a16="http://schemas.microsoft.com/office/drawing/2014/main" id="{992CB1AB-C077-6F4D-9364-4D6903E3E3E6}"/>
               </a:ext>
             </a:extLst>
@@ -9710,7 +11990,7 @@
 </p:sld>
 </file>
 
-<file path=ppt/slides/slide18.xml><?xml version="1.0" encoding="utf-8"?>
+<file path=ppt/slides/slide19.xml><?xml version="1.0" encoding="utf-8"?>
 <p:sld xmlns:a="http://schemas.openxmlformats.org/drawingml/2006/main" xmlns:r="http://schemas.openxmlformats.org/officeDocument/2006/relationships" xmlns:p="http://schemas.openxmlformats.org/presentationml/2006/main">
   <p:cSld>
     <p:spTree>
@@ -9819,119 +12099,6 @@
 </p:sld>
 </file>
 
-<file path=ppt/slides/slide19.xml><?xml version="1.0" encoding="utf-8"?>
-<p:sld xmlns:a="http://schemas.openxmlformats.org/drawingml/2006/main" xmlns:r="http://schemas.openxmlformats.org/officeDocument/2006/relationships" xmlns:p="http://schemas.openxmlformats.org/presentationml/2006/main">
-  <p:cSld>
-    <p:spTree>
-      <p:nvGrpSpPr>
-        <p:cNvPr id="1" name=""/>
-        <p:cNvGrpSpPr/>
-        <p:nvPr/>
-      </p:nvGrpSpPr>
-      <p:grpSpPr>
-        <a:xfrm>
-          <a:off x="0" y="0"/>
-          <a:ext cx="0" cy="0"/>
-          <a:chOff x="0" y="0"/>
-          <a:chExt cx="0" cy="0"/>
-        </a:xfrm>
-      </p:grpSpPr>
-      <p:sp>
-        <p:nvSpPr>
-          <p:cNvPr id="2" name="Title 1"/>
-          <p:cNvSpPr>
-            <a:spLocks noGrp="1"/>
-          </p:cNvSpPr>
-          <p:nvPr>
-            <p:ph type="title"/>
-          </p:nvPr>
-        </p:nvSpPr>
-        <p:spPr/>
-        <p:txBody>
-          <a:bodyPr/>
-          <a:lstStyle/>
-          <a:p>
-            <a:r>
-              <a:rPr lang="en-US" dirty="0"/>
-              <a:t>Server-Based</a:t>
-            </a:r>
-            <a:r>
-              <a:rPr lang="en-US" baseline="0" dirty="0"/>
-              <a:t> Data Sources</a:t>
-            </a:r>
-            <a:endParaRPr lang="en-US" dirty="0"/>
-          </a:p>
-        </p:txBody>
-      </p:sp>
-      <p:sp>
-        <p:nvSpPr>
-          <p:cNvPr id="3" name="Text Placeholder 2"/>
-          <p:cNvSpPr>
-            <a:spLocks noGrp="1"/>
-          </p:cNvSpPr>
-          <p:nvPr>
-            <p:ph type="body" sz="quarter" idx="10"/>
-          </p:nvPr>
-        </p:nvSpPr>
-        <p:spPr/>
-        <p:txBody>
-          <a:bodyPr/>
-          <a:lstStyle/>
-          <a:p>
-            <a:r>
-              <a:rPr lang="en-US" dirty="0"/>
-              <a:t>Most major RDBMS systems supported</a:t>
-            </a:r>
-          </a:p>
-          <a:p>
-            <a:pPr lvl="1"/>
-            <a:r>
-              <a:rPr lang="en-US" dirty="0"/>
-              <a:t>SQL Server, Oracle, MySQL, DB2, MongoDB, etc.</a:t>
-            </a:r>
-          </a:p>
-          <a:p>
-            <a:r>
-              <a:rPr lang="en-US" dirty="0"/>
-              <a:t>General pattern similar for all</a:t>
-            </a:r>
-          </a:p>
-          <a:p>
-            <a:pPr lvl="1"/>
-            <a:r>
-              <a:rPr lang="en-US" dirty="0"/>
-              <a:t>Specify server name/address</a:t>
-            </a:r>
-          </a:p>
-          <a:p>
-            <a:pPr lvl="1"/>
-            <a:r>
-              <a:rPr lang="en-US" dirty="0"/>
-              <a:t>Possibly specify DB name</a:t>
-            </a:r>
-          </a:p>
-          <a:p>
-            <a:pPr lvl="1"/>
-            <a:r>
-              <a:rPr lang="en-US" dirty="0"/>
-              <a:t>Authenticate (username &amp; password)</a:t>
-            </a:r>
-          </a:p>
-        </p:txBody>
-      </p:sp>
-    </p:spTree>
-    <p:extLst>
-      <p:ext uri="{BB962C8B-B14F-4D97-AF65-F5344CB8AC3E}">
-        <p14:creationId xmlns:p14="http://schemas.microsoft.com/office/powerpoint/2010/main" val="3838145268"/>
-      </p:ext>
-    </p:extLst>
-  </p:cSld>
-  <p:clrMapOvr>
-    <a:masterClrMapping/>
-  </p:clrMapOvr>
-</p:sld>
-</file>
-
 <file path=ppt/slides/slide2.xml><?xml version="1.0" encoding="utf-8"?>
 <p:sld xmlns:a="http://schemas.openxmlformats.org/drawingml/2006/main" xmlns:r="http://schemas.openxmlformats.org/officeDocument/2006/relationships" xmlns:p="http://schemas.openxmlformats.org/presentationml/2006/main">
   <p:cSld>
@@ -9985,6 +12152,119 @@
 </file>
 
 <file path=ppt/slides/slide20.xml><?xml version="1.0" encoding="utf-8"?>
+<p:sld xmlns:a="http://schemas.openxmlformats.org/drawingml/2006/main" xmlns:r="http://schemas.openxmlformats.org/officeDocument/2006/relationships" xmlns:p="http://schemas.openxmlformats.org/presentationml/2006/main">
+  <p:cSld>
+    <p:spTree>
+      <p:nvGrpSpPr>
+        <p:cNvPr id="1" name=""/>
+        <p:cNvGrpSpPr/>
+        <p:nvPr/>
+      </p:nvGrpSpPr>
+      <p:grpSpPr>
+        <a:xfrm>
+          <a:off x="0" y="0"/>
+          <a:ext cx="0" cy="0"/>
+          <a:chOff x="0" y="0"/>
+          <a:chExt cx="0" cy="0"/>
+        </a:xfrm>
+      </p:grpSpPr>
+      <p:sp>
+        <p:nvSpPr>
+          <p:cNvPr id="2" name="Title 1"/>
+          <p:cNvSpPr>
+            <a:spLocks noGrp="1"/>
+          </p:cNvSpPr>
+          <p:nvPr>
+            <p:ph type="title"/>
+          </p:nvPr>
+        </p:nvSpPr>
+        <p:spPr/>
+        <p:txBody>
+          <a:bodyPr/>
+          <a:lstStyle/>
+          <a:p>
+            <a:r>
+              <a:rPr lang="en-US" dirty="0"/>
+              <a:t>Server-Based</a:t>
+            </a:r>
+            <a:r>
+              <a:rPr lang="en-US" baseline="0" dirty="0"/>
+              <a:t> Data Sources</a:t>
+            </a:r>
+            <a:endParaRPr lang="en-US" dirty="0"/>
+          </a:p>
+        </p:txBody>
+      </p:sp>
+      <p:sp>
+        <p:nvSpPr>
+          <p:cNvPr id="3" name="Text Placeholder 2"/>
+          <p:cNvSpPr>
+            <a:spLocks noGrp="1"/>
+          </p:cNvSpPr>
+          <p:nvPr>
+            <p:ph type="body" sz="quarter" idx="10"/>
+          </p:nvPr>
+        </p:nvSpPr>
+        <p:spPr/>
+        <p:txBody>
+          <a:bodyPr/>
+          <a:lstStyle/>
+          <a:p>
+            <a:r>
+              <a:rPr lang="en-US" dirty="0"/>
+              <a:t>Most major RDBMS systems supported</a:t>
+            </a:r>
+          </a:p>
+          <a:p>
+            <a:pPr lvl="1"/>
+            <a:r>
+              <a:rPr lang="en-US" dirty="0"/>
+              <a:t>SQL Server, Oracle, MySQL, DB2, MongoDB, etc.</a:t>
+            </a:r>
+          </a:p>
+          <a:p>
+            <a:r>
+              <a:rPr lang="en-US" dirty="0"/>
+              <a:t>General pattern similar for all</a:t>
+            </a:r>
+          </a:p>
+          <a:p>
+            <a:pPr lvl="1"/>
+            <a:r>
+              <a:rPr lang="en-US" dirty="0"/>
+              <a:t>Specify server name/address</a:t>
+            </a:r>
+          </a:p>
+          <a:p>
+            <a:pPr lvl="1"/>
+            <a:r>
+              <a:rPr lang="en-US" dirty="0"/>
+              <a:t>Possibly specify DB name</a:t>
+            </a:r>
+          </a:p>
+          <a:p>
+            <a:pPr lvl="1"/>
+            <a:r>
+              <a:rPr lang="en-US" dirty="0"/>
+              <a:t>Authenticate (username &amp; password)</a:t>
+            </a:r>
+          </a:p>
+        </p:txBody>
+      </p:sp>
+    </p:spTree>
+    <p:extLst>
+      <p:ext uri="{BB962C8B-B14F-4D97-AF65-F5344CB8AC3E}">
+        <p14:creationId xmlns:p14="http://schemas.microsoft.com/office/powerpoint/2010/main" val="3838145268"/>
+      </p:ext>
+    </p:extLst>
+  </p:cSld>
+  <p:clrMapOvr>
+    <a:masterClrMapping/>
+  </p:clrMapOvr>
+</p:sld>
+</file>
+
+<file path=ppt/slides/slide21.xml><?xml version="1.0" encoding="utf-8"?>
 <p:sld xmlns:a="http://schemas.openxmlformats.org/drawingml/2006/main" xmlns:r="http://schemas.openxmlformats.org/officeDocument/2006/relationships" xmlns:p="http://schemas.openxmlformats.org/presentationml/2006/main">
   <p:cSld>
     <p:spTree>
@@ -10151,7 +12431,7 @@
 </p:sld>
 </file>
 
-<file path=ppt/slides/slide21.xml><?xml version="1.0" encoding="utf-8"?>
+<file path=ppt/slides/slide22.xml><?xml version="1.0" encoding="utf-8"?>
 <p:sld xmlns:a="http://schemas.openxmlformats.org/drawingml/2006/main" xmlns:r="http://schemas.openxmlformats.org/officeDocument/2006/relationships" xmlns:p="http://schemas.openxmlformats.org/presentationml/2006/main">
   <p:cSld>
     <p:spTree>
@@ -10367,77 +12647,6 @@
 </p:sld>
 </file>
 
-<file path=ppt/slides/slide22.xml><?xml version="1.0" encoding="utf-8"?>
-<p:sld xmlns:a="http://schemas.openxmlformats.org/drawingml/2006/main" xmlns:r="http://schemas.openxmlformats.org/officeDocument/2006/relationships" xmlns:p="http://schemas.openxmlformats.org/presentationml/2006/main">
-  <p:cSld>
-    <p:spTree>
-      <p:nvGrpSpPr>
-        <p:cNvPr id="1" name=""/>
-        <p:cNvGrpSpPr/>
-        <p:nvPr/>
-      </p:nvGrpSpPr>
-      <p:grpSpPr>
-        <a:xfrm>
-          <a:off x="0" y="0"/>
-          <a:ext cx="0" cy="0"/>
-          <a:chOff x="0" y="0"/>
-          <a:chExt cx="0" cy="0"/>
-        </a:xfrm>
-      </p:grpSpPr>
-      <p:sp>
-        <p:nvSpPr>
-          <p:cNvPr id="2" name="Title 1"/>
-          <p:cNvSpPr>
-            <a:spLocks noGrp="1"/>
-          </p:cNvSpPr>
-          <p:nvPr>
-            <p:ph type="title"/>
-          </p:nvPr>
-        </p:nvSpPr>
-        <p:spPr/>
-        <p:txBody>
-          <a:bodyPr/>
-          <a:lstStyle/>
-          <a:p>
-            <a:r>
-              <a:rPr lang="en-US" dirty="0"/>
-              <a:t>Working with Tableau Data Extracts</a:t>
-            </a:r>
-          </a:p>
-        </p:txBody>
-      </p:sp>
-      <p:sp>
-        <p:nvSpPr>
-          <p:cNvPr id="3" name="Text Placeholder 2"/>
-          <p:cNvSpPr>
-            <a:spLocks noGrp="1"/>
-          </p:cNvSpPr>
-          <p:nvPr>
-            <p:ph type="body" sz="quarter" idx="10"/>
-          </p:nvPr>
-        </p:nvSpPr>
-        <p:spPr/>
-        <p:txBody>
-          <a:bodyPr/>
-          <a:lstStyle/>
-          <a:p>
-            <a:endParaRPr lang="en-US"/>
-          </a:p>
-        </p:txBody>
-      </p:sp>
-    </p:spTree>
-    <p:extLst>
-      <p:ext uri="{BB962C8B-B14F-4D97-AF65-F5344CB8AC3E}">
-        <p14:creationId xmlns:p14="http://schemas.microsoft.com/office/powerpoint/2010/main" val="2251478041"/>
-      </p:ext>
-    </p:extLst>
-  </p:cSld>
-  <p:clrMapOvr>
-    <a:masterClrMapping/>
-  </p:clrMapOvr>
-</p:sld>
-</file>
-
 <file path=ppt/slides/slide23.xml><?xml version="1.0" encoding="utf-8"?>
 <p:sld xmlns:a="http://schemas.openxmlformats.org/drawingml/2006/main" xmlns:r="http://schemas.openxmlformats.org/officeDocument/2006/relationships" xmlns:p="http://schemas.openxmlformats.org/presentationml/2006/main">
   <p:cSld>
@@ -10472,7 +12681,7 @@
           <a:p>
             <a:r>
               <a:rPr lang="en-US" dirty="0"/>
-              <a:t>Working with File-Based Data Sources</a:t>
+              <a:t>Working with Tableau Data Extracts</a:t>
             </a:r>
           </a:p>
         </p:txBody>
@@ -10499,7 +12708,7 @@
     </p:spTree>
     <p:extLst>
       <p:ext uri="{BB962C8B-B14F-4D97-AF65-F5344CB8AC3E}">
-        <p14:creationId xmlns:p14="http://schemas.microsoft.com/office/powerpoint/2010/main" val="2267059166"/>
+        <p14:creationId xmlns:p14="http://schemas.microsoft.com/office/powerpoint/2010/main" val="2251478041"/>
       </p:ext>
     </p:extLst>
   </p:cSld>
@@ -10543,7 +12752,7 @@
           <a:p>
             <a:r>
               <a:rPr lang="en-US" dirty="0"/>
-              <a:t>Connecting to Microsoft Access</a:t>
+              <a:t>Working with File-Based Data Sources</a:t>
             </a:r>
           </a:p>
         </p:txBody>
@@ -10570,7 +12779,7 @@
     </p:spTree>
     <p:extLst>
       <p:ext uri="{BB962C8B-B14F-4D97-AF65-F5344CB8AC3E}">
-        <p14:creationId xmlns:p14="http://schemas.microsoft.com/office/powerpoint/2010/main" val="1215057158"/>
+        <p14:creationId xmlns:p14="http://schemas.microsoft.com/office/powerpoint/2010/main" val="2267059166"/>
       </p:ext>
     </p:extLst>
   </p:cSld>
@@ -10614,7 +12823,7 @@
           <a:p>
             <a:r>
               <a:rPr lang="en-US" dirty="0"/>
-              <a:t>Connecting to Microsoft Excel</a:t>
+              <a:t>Connecting to Microsoft Access</a:t>
             </a:r>
           </a:p>
         </p:txBody>
@@ -10641,7 +12850,7 @@
     </p:spTree>
     <p:extLst>
       <p:ext uri="{BB962C8B-B14F-4D97-AF65-F5344CB8AC3E}">
-        <p14:creationId xmlns:p14="http://schemas.microsoft.com/office/powerpoint/2010/main" val="1885312738"/>
+        <p14:creationId xmlns:p14="http://schemas.microsoft.com/office/powerpoint/2010/main" val="1215057158"/>
       </p:ext>
     </p:extLst>
   </p:cSld>
@@ -10685,7 +12894,7 @@
           <a:p>
             <a:r>
               <a:rPr lang="en-US" dirty="0"/>
-              <a:t>Connecting to PDF Files</a:t>
+              <a:t>Connecting to Microsoft Excel</a:t>
             </a:r>
           </a:p>
         </p:txBody>
@@ -10712,7 +12921,7 @@
     </p:spTree>
     <p:extLst>
       <p:ext uri="{BB962C8B-B14F-4D97-AF65-F5344CB8AC3E}">
-        <p14:creationId xmlns:p14="http://schemas.microsoft.com/office/powerpoint/2010/main" val="88523654"/>
+        <p14:creationId xmlns:p14="http://schemas.microsoft.com/office/powerpoint/2010/main" val="1885312738"/>
       </p:ext>
     </p:extLst>
   </p:cSld>
@@ -10756,13 +12965,8 @@
           <a:p>
             <a:r>
               <a:rPr lang="en-US" dirty="0"/>
-              <a:t>Connecting</a:t>
-            </a:r>
-            <a:r>
-              <a:rPr lang="en-US" baseline="0" dirty="0"/>
-              <a:t> to Text Files</a:t>
-            </a:r>
-            <a:endParaRPr lang="en-US" dirty="0"/>
+              <a:t>Connecting to PDF Files</a:t>
+            </a:r>
           </a:p>
         </p:txBody>
       </p:sp>
@@ -10788,7 +12992,7 @@
     </p:spTree>
     <p:extLst>
       <p:ext uri="{BB962C8B-B14F-4D97-AF65-F5344CB8AC3E}">
-        <p14:creationId xmlns:p14="http://schemas.microsoft.com/office/powerpoint/2010/main" val="3719378937"/>
+        <p14:creationId xmlns:p14="http://schemas.microsoft.com/office/powerpoint/2010/main" val="88523654"/>
       </p:ext>
     </p:extLst>
   </p:cSld>
@@ -10817,43 +13021,39 @@
       </p:grpSpPr>
       <p:sp>
         <p:nvSpPr>
-          <p:cNvPr id="2" name="Subtitle 1">
-            <a:extLst>
-              <a:ext uri="{FF2B5EF4-FFF2-40B4-BE49-F238E27FC236}">
-                <a16:creationId xmlns:a16="http://schemas.microsoft.com/office/drawing/2014/main" id="{AAD2439F-1DBE-744B-A703-1383FC8F2CCC}"/>
-              </a:ext>
-            </a:extLst>
-          </p:cNvPr>
-          <p:cNvSpPr>
-            <a:spLocks noGrp="1"/>
-          </p:cNvSpPr>
-          <p:nvPr>
-            <p:ph type="subTitle" idx="1"/>
-          </p:nvPr>
-        </p:nvSpPr>
-        <p:spPr/>
-        <p:txBody>
-          <a:bodyPr/>
-          <a:lstStyle/>
-          <a:p>
+          <p:cNvPr id="2" name="Title 1"/>
+          <p:cNvSpPr>
+            <a:spLocks noGrp="1"/>
+          </p:cNvSpPr>
+          <p:nvPr>
+            <p:ph type="title"/>
+          </p:nvPr>
+        </p:nvSpPr>
+        <p:spPr/>
+        <p:txBody>
+          <a:bodyPr/>
+          <a:lstStyle/>
+          <a:p>
+            <a:r>
+              <a:rPr lang="en-US" dirty="0"/>
+              <a:t>Connecting</a:t>
+            </a:r>
+            <a:r>
+              <a:rPr lang="en-US" baseline="0" dirty="0"/>
+              <a:t> to Text Files</a:t>
+            </a:r>
             <a:endParaRPr lang="en-US" dirty="0"/>
           </a:p>
         </p:txBody>
       </p:sp>
       <p:sp>
         <p:nvSpPr>
-          <p:cNvPr id="3" name="Text Placeholder 2">
-            <a:extLst>
-              <a:ext uri="{FF2B5EF4-FFF2-40B4-BE49-F238E27FC236}">
-                <a16:creationId xmlns:a16="http://schemas.microsoft.com/office/drawing/2014/main" id="{B34D6F55-4A1C-8C4F-9AF3-A38CD56C25CA}"/>
-              </a:ext>
-            </a:extLst>
-          </p:cNvPr>
-          <p:cNvSpPr>
-            <a:spLocks noGrp="1"/>
-          </p:cNvSpPr>
-          <p:nvPr>
-            <p:ph type="body" sz="quarter" idx="11"/>
+          <p:cNvPr id="3" name="Text Placeholder 2"/>
+          <p:cNvSpPr>
+            <a:spLocks noGrp="1"/>
+          </p:cNvSpPr>
+          <p:nvPr>
+            <p:ph type="body" sz="quarter" idx="10"/>
           </p:nvPr>
         </p:nvSpPr>
         <p:spPr/>
@@ -10862,41 +13062,13 @@
           <a:lstStyle/>
           <a:p>
             <a:endParaRPr lang="en-US"/>
-          </a:p>
-        </p:txBody>
-      </p:sp>
-      <p:sp>
-        <p:nvSpPr>
-          <p:cNvPr id="4" name="Title 3">
-            <a:extLst>
-              <a:ext uri="{FF2B5EF4-FFF2-40B4-BE49-F238E27FC236}">
-                <a16:creationId xmlns:a16="http://schemas.microsoft.com/office/drawing/2014/main" id="{BACB2514-CF03-6F4B-98A8-05F8396F2D7E}"/>
-              </a:ext>
-            </a:extLst>
-          </p:cNvPr>
-          <p:cNvSpPr>
-            <a:spLocks noGrp="1"/>
-          </p:cNvSpPr>
-          <p:nvPr>
-            <p:ph type="title"/>
-          </p:nvPr>
-        </p:nvSpPr>
-        <p:spPr/>
-        <p:txBody>
-          <a:bodyPr/>
-          <a:lstStyle/>
-          <a:p>
-            <a:r>
-              <a:rPr lang="en-US" dirty="0"/>
-              <a:t>Lab 2: Connecting to Data</a:t>
-            </a:r>
           </a:p>
         </p:txBody>
       </p:sp>
     </p:spTree>
     <p:extLst>
       <p:ext uri="{BB962C8B-B14F-4D97-AF65-F5344CB8AC3E}">
-        <p14:creationId xmlns:p14="http://schemas.microsoft.com/office/powerpoint/2010/main" val="2282883991"/>
+        <p14:creationId xmlns:p14="http://schemas.microsoft.com/office/powerpoint/2010/main" val="3719378937"/>
       </p:ext>
     </p:extLst>
   </p:cSld>
@@ -10925,7 +13097,63 @@
       </p:grpSpPr>
       <p:sp>
         <p:nvSpPr>
-          <p:cNvPr id="2" name="Title 1"/>
+          <p:cNvPr id="2" name="Subtitle 1">
+            <a:extLst>
+              <a:ext uri="{FF2B5EF4-FFF2-40B4-BE49-F238E27FC236}">
+                <a16:creationId xmlns:a16="http://schemas.microsoft.com/office/drawing/2014/main" id="{AAD2439F-1DBE-744B-A703-1383FC8F2CCC}"/>
+              </a:ext>
+            </a:extLst>
+          </p:cNvPr>
+          <p:cNvSpPr>
+            <a:spLocks noGrp="1"/>
+          </p:cNvSpPr>
+          <p:nvPr>
+            <p:ph type="subTitle" idx="1"/>
+          </p:nvPr>
+        </p:nvSpPr>
+        <p:spPr/>
+        <p:txBody>
+          <a:bodyPr/>
+          <a:lstStyle/>
+          <a:p>
+            <a:endParaRPr lang="en-US" dirty="0"/>
+          </a:p>
+        </p:txBody>
+      </p:sp>
+      <p:sp>
+        <p:nvSpPr>
+          <p:cNvPr id="3" name="Text Placeholder 2">
+            <a:extLst>
+              <a:ext uri="{FF2B5EF4-FFF2-40B4-BE49-F238E27FC236}">
+                <a16:creationId xmlns:a16="http://schemas.microsoft.com/office/drawing/2014/main" id="{B34D6F55-4A1C-8C4F-9AF3-A38CD56C25CA}"/>
+              </a:ext>
+            </a:extLst>
+          </p:cNvPr>
+          <p:cNvSpPr>
+            <a:spLocks noGrp="1"/>
+          </p:cNvSpPr>
+          <p:nvPr>
+            <p:ph type="body" sz="quarter" idx="11"/>
+          </p:nvPr>
+        </p:nvSpPr>
+        <p:spPr/>
+        <p:txBody>
+          <a:bodyPr/>
+          <a:lstStyle/>
+          <a:p>
+            <a:endParaRPr lang="en-US"/>
+          </a:p>
+        </p:txBody>
+      </p:sp>
+      <p:sp>
+        <p:nvSpPr>
+          <p:cNvPr id="4" name="Title 3">
+            <a:extLst>
+              <a:ext uri="{FF2B5EF4-FFF2-40B4-BE49-F238E27FC236}">
+                <a16:creationId xmlns:a16="http://schemas.microsoft.com/office/drawing/2014/main" id="{BACB2514-CF03-6F4B-98A8-05F8396F2D7E}"/>
+              </a:ext>
+            </a:extLst>
+          </p:cNvPr>
           <p:cNvSpPr>
             <a:spLocks noGrp="1"/>
           </p:cNvSpPr>
@@ -10940,7 +13168,7 @@
           <a:p>
             <a:r>
               <a:rPr lang="en-US" dirty="0"/>
-              <a:t>Module 3: UNION Joins</a:t>
+              <a:t>Lab 2: Connecting to Data</a:t>
             </a:r>
           </a:p>
         </p:txBody>
@@ -10948,7 +13176,7 @@
     </p:spTree>
     <p:extLst>
       <p:ext uri="{BB962C8B-B14F-4D97-AF65-F5344CB8AC3E}">
-        <p14:creationId xmlns:p14="http://schemas.microsoft.com/office/powerpoint/2010/main" val="4266211854"/>
+        <p14:creationId xmlns:p14="http://schemas.microsoft.com/office/powerpoint/2010/main" val="2282883991"/>
       </p:ext>
     </p:extLst>
   </p:cSld>
@@ -11087,13 +13315,7 @@
       </p:grpSpPr>
       <p:sp>
         <p:nvSpPr>
-          <p:cNvPr id="2" name="Title 1">
-            <a:extLst>
-              <a:ext uri="{FF2B5EF4-FFF2-40B4-BE49-F238E27FC236}">
-                <a16:creationId xmlns:a16="http://schemas.microsoft.com/office/drawing/2014/main" id="{0A759684-435C-494B-AE1E-AAC97A368594}"/>
-              </a:ext>
-            </a:extLst>
-          </p:cNvPr>
+          <p:cNvPr id="2" name="Title 1"/>
           <p:cNvSpPr>
             <a:spLocks noGrp="1"/>
           </p:cNvSpPr>
@@ -11108,45 +13330,15 @@
           <a:p>
             <a:r>
               <a:rPr lang="en-US" dirty="0"/>
-              <a:t>UNION</a:t>
-            </a:r>
-            <a:r>
-              <a:rPr lang="en-US" baseline="0" dirty="0"/>
-              <a:t> Joins</a:t>
-            </a:r>
-            <a:endParaRPr lang="en-US" dirty="0"/>
-          </a:p>
-        </p:txBody>
-      </p:sp>
-      <p:sp>
-        <p:nvSpPr>
-          <p:cNvPr id="3" name="Text Placeholder 2">
-            <a:extLst>
-              <a:ext uri="{FF2B5EF4-FFF2-40B4-BE49-F238E27FC236}">
-                <a16:creationId xmlns:a16="http://schemas.microsoft.com/office/drawing/2014/main" id="{1DE58651-9EBB-0A4A-8424-84C3ADDAC864}"/>
-              </a:ext>
-            </a:extLst>
-          </p:cNvPr>
-          <p:cNvSpPr>
-            <a:spLocks noGrp="1"/>
-          </p:cNvSpPr>
-          <p:nvPr>
-            <p:ph type="body" sz="quarter" idx="10"/>
-          </p:nvPr>
-        </p:nvSpPr>
-        <p:spPr/>
-        <p:txBody>
-          <a:bodyPr/>
-          <a:lstStyle/>
-          <a:p>
-            <a:endParaRPr lang="en-US"/>
+              <a:t>Module 3: UNION Joins</a:t>
+            </a:r>
           </a:p>
         </p:txBody>
       </p:sp>
     </p:spTree>
     <p:extLst>
       <p:ext uri="{BB962C8B-B14F-4D97-AF65-F5344CB8AC3E}">
-        <p14:creationId xmlns:p14="http://schemas.microsoft.com/office/powerpoint/2010/main" val="2085875749"/>
+        <p14:creationId xmlns:p14="http://schemas.microsoft.com/office/powerpoint/2010/main" val="4266211854"/>
       </p:ext>
     </p:extLst>
   </p:cSld>
@@ -11175,7 +13367,13 @@
       </p:grpSpPr>
       <p:sp>
         <p:nvSpPr>
-          <p:cNvPr id="2" name="Title 1"/>
+          <p:cNvPr id="2" name="Title 1">
+            <a:extLst>
+              <a:ext uri="{FF2B5EF4-FFF2-40B4-BE49-F238E27FC236}">
+                <a16:creationId xmlns:a16="http://schemas.microsoft.com/office/drawing/2014/main" id="{0A759684-435C-494B-AE1E-AAC97A368594}"/>
+              </a:ext>
+            </a:extLst>
+          </p:cNvPr>
           <p:cNvSpPr>
             <a:spLocks noGrp="1"/>
           </p:cNvSpPr>
@@ -11190,14 +13388,25 @@
           <a:p>
             <a:r>
               <a:rPr lang="en-US" dirty="0"/>
-              <a:t>The Data Preview Pane</a:t>
-            </a:r>
-          </a:p>
-        </p:txBody>
-      </p:sp>
-      <p:sp>
-        <p:nvSpPr>
-          <p:cNvPr id="3" name="Text Placeholder 2"/>
+              <a:t>UNION</a:t>
+            </a:r>
+            <a:r>
+              <a:rPr lang="en-US" baseline="0" dirty="0"/>
+              <a:t> Joins</a:t>
+            </a:r>
+            <a:endParaRPr lang="en-US" dirty="0"/>
+          </a:p>
+        </p:txBody>
+      </p:sp>
+      <p:sp>
+        <p:nvSpPr>
+          <p:cNvPr id="3" name="Text Placeholder 2">
+            <a:extLst>
+              <a:ext uri="{FF2B5EF4-FFF2-40B4-BE49-F238E27FC236}">
+                <a16:creationId xmlns:a16="http://schemas.microsoft.com/office/drawing/2014/main" id="{1DE58651-9EBB-0A4A-8424-84C3ADDAC864}"/>
+              </a:ext>
+            </a:extLst>
+          </p:cNvPr>
           <p:cNvSpPr>
             <a:spLocks noGrp="1"/>
           </p:cNvSpPr>
@@ -11214,10 +13423,40 @@
           </a:p>
         </p:txBody>
       </p:sp>
+      <p:pic>
+        <p:nvPicPr>
+          <p:cNvPr id="4" name="Picture 3">
+            <a:extLst>
+              <a:ext uri="{FF2B5EF4-FFF2-40B4-BE49-F238E27FC236}">
+                <a16:creationId xmlns:a16="http://schemas.microsoft.com/office/drawing/2014/main" id="{DD6F9D3E-F603-48E8-8BEC-62632C1A35D1}"/>
+              </a:ext>
+            </a:extLst>
+          </p:cNvPr>
+          <p:cNvPicPr>
+            <a:picLocks noChangeAspect="1"/>
+          </p:cNvPicPr>
+          <p:nvPr/>
+        </p:nvPicPr>
+        <p:blipFill>
+          <a:blip r:embed="rId3"/>
+          <a:stretch>
+            <a:fillRect/>
+          </a:stretch>
+        </p:blipFill>
+        <p:spPr>
+          <a:xfrm>
+            <a:off x="4857577" y="1380839"/>
+            <a:ext cx="2476846" cy="4096322"/>
+          </a:xfrm>
+          <a:prstGeom prst="rect">
+            <a:avLst/>
+          </a:prstGeom>
+        </p:spPr>
+      </p:pic>
     </p:spTree>
     <p:extLst>
       <p:ext uri="{BB962C8B-B14F-4D97-AF65-F5344CB8AC3E}">
-        <p14:creationId xmlns:p14="http://schemas.microsoft.com/office/powerpoint/2010/main" val="1963526926"/>
+        <p14:creationId xmlns:p14="http://schemas.microsoft.com/office/powerpoint/2010/main" val="2085875749"/>
       </p:ext>
     </p:extLst>
   </p:cSld>
@@ -11246,86 +13485,109 @@
       </p:grpSpPr>
       <p:sp>
         <p:nvSpPr>
-          <p:cNvPr id="2" name="Subtitle 1">
+          <p:cNvPr id="2" name="Title 1"/>
+          <p:cNvSpPr>
+            <a:spLocks noGrp="1"/>
+          </p:cNvSpPr>
+          <p:nvPr>
+            <p:ph type="title"/>
+          </p:nvPr>
+        </p:nvSpPr>
+        <p:spPr/>
+        <p:txBody>
+          <a:bodyPr/>
+          <a:lstStyle/>
+          <a:p>
+            <a:r>
+              <a:rPr lang="en-US" dirty="0"/>
+              <a:t>The Data Preview Pane</a:t>
+            </a:r>
+          </a:p>
+        </p:txBody>
+      </p:sp>
+      <p:sp>
+        <p:nvSpPr>
+          <p:cNvPr id="3" name="Text Placeholder 2"/>
+          <p:cNvSpPr>
+            <a:spLocks noGrp="1"/>
+          </p:cNvSpPr>
+          <p:nvPr>
+            <p:ph type="body" sz="quarter" idx="10"/>
+          </p:nvPr>
+        </p:nvSpPr>
+        <p:spPr/>
+        <p:txBody>
+          <a:bodyPr/>
+          <a:lstStyle/>
+          <a:p>
+            <a:endParaRPr lang="en-US"/>
+          </a:p>
+        </p:txBody>
+      </p:sp>
+      <p:pic>
+        <p:nvPicPr>
+          <p:cNvPr id="4" name="Picture 3">
             <a:extLst>
               <a:ext uri="{FF2B5EF4-FFF2-40B4-BE49-F238E27FC236}">
-                <a16:creationId xmlns:a16="http://schemas.microsoft.com/office/drawing/2014/main" id="{115D9100-9FE2-7D4A-B51F-3D960A8C03B8}"/>
+                <a16:creationId xmlns:a16="http://schemas.microsoft.com/office/drawing/2014/main" id="{43FBDBF6-C954-4DAB-8A81-131DD174EB04}"/>
               </a:ext>
             </a:extLst>
           </p:cNvPr>
-          <p:cNvSpPr>
-            <a:spLocks noGrp="1"/>
-          </p:cNvSpPr>
-          <p:nvPr>
-            <p:ph type="subTitle" idx="1"/>
-          </p:nvPr>
-        </p:nvSpPr>
-        <p:spPr/>
-        <p:txBody>
-          <a:bodyPr/>
-          <a:lstStyle/>
-          <a:p>
-            <a:endParaRPr lang="en-US"/>
-          </a:p>
-        </p:txBody>
-      </p:sp>
-      <p:sp>
-        <p:nvSpPr>
-          <p:cNvPr id="3" name="Text Placeholder 2">
+          <p:cNvPicPr>
+            <a:picLocks noChangeAspect="1"/>
+          </p:cNvPicPr>
+          <p:nvPr/>
+        </p:nvPicPr>
+        <p:blipFill>
+          <a:blip r:embed="rId3"/>
+          <a:stretch>
+            <a:fillRect/>
+          </a:stretch>
+        </p:blipFill>
+        <p:spPr>
+          <a:xfrm>
+            <a:off x="3630783" y="1838214"/>
+            <a:ext cx="7835076" cy="3648186"/>
+          </a:xfrm>
+          <a:prstGeom prst="rect">
+            <a:avLst/>
+          </a:prstGeom>
+        </p:spPr>
+      </p:pic>
+      <p:pic>
+        <p:nvPicPr>
+          <p:cNvPr id="5" name="Picture 4">
             <a:extLst>
               <a:ext uri="{FF2B5EF4-FFF2-40B4-BE49-F238E27FC236}">
-                <a16:creationId xmlns:a16="http://schemas.microsoft.com/office/drawing/2014/main" id="{9EE74537-D19A-A348-8084-99D92D6B319D}"/>
+                <a16:creationId xmlns:a16="http://schemas.microsoft.com/office/drawing/2014/main" id="{712C0355-C6A3-4C2A-B527-5A48FBF2B122}"/>
               </a:ext>
             </a:extLst>
           </p:cNvPr>
-          <p:cNvSpPr>
-            <a:spLocks noGrp="1"/>
-          </p:cNvSpPr>
-          <p:nvPr>
-            <p:ph type="body" sz="quarter" idx="11"/>
-          </p:nvPr>
-        </p:nvSpPr>
-        <p:spPr/>
-        <p:txBody>
-          <a:bodyPr/>
-          <a:lstStyle/>
-          <a:p>
-            <a:endParaRPr lang="en-US"/>
-          </a:p>
-        </p:txBody>
-      </p:sp>
-      <p:sp>
-        <p:nvSpPr>
-          <p:cNvPr id="4" name="Title 3">
-            <a:extLst>
-              <a:ext uri="{FF2B5EF4-FFF2-40B4-BE49-F238E27FC236}">
-                <a16:creationId xmlns:a16="http://schemas.microsoft.com/office/drawing/2014/main" id="{12CB095F-F2FA-DE4B-A962-73D921102700}"/>
-              </a:ext>
-            </a:extLst>
-          </p:cNvPr>
-          <p:cNvSpPr>
-            <a:spLocks noGrp="1"/>
-          </p:cNvSpPr>
-          <p:nvPr>
-            <p:ph type="title"/>
-          </p:nvPr>
-        </p:nvSpPr>
-        <p:spPr/>
-        <p:txBody>
-          <a:bodyPr/>
-          <a:lstStyle/>
-          <a:p>
-            <a:r>
-              <a:rPr lang="en-US" dirty="0"/>
-              <a:t>Data Types</a:t>
-            </a:r>
-          </a:p>
-        </p:txBody>
-      </p:sp>
+          <p:cNvPicPr>
+            <a:picLocks noChangeAspect="1"/>
+          </p:cNvPicPr>
+          <p:nvPr/>
+        </p:nvPicPr>
+        <p:blipFill>
+          <a:blip r:embed="rId4"/>
+          <a:stretch>
+            <a:fillRect/>
+          </a:stretch>
+        </p:blipFill>
+        <p:spPr>
+          <a:xfrm>
+            <a:off x="914400" y="2637905"/>
+            <a:ext cx="4067743" cy="2934109"/>
+          </a:xfrm>
+          <a:prstGeom prst="rect">
+            <a:avLst/>
+          </a:prstGeom>
+        </p:spPr>
+      </p:pic>
     </p:spTree>
     <p:extLst>
       <p:ext uri="{BB962C8B-B14F-4D97-AF65-F5344CB8AC3E}">
-        <p14:creationId xmlns:p14="http://schemas.microsoft.com/office/powerpoint/2010/main" val="1227333314"/>
+        <p14:creationId xmlns:p14="http://schemas.microsoft.com/office/powerpoint/2010/main" val="1963526926"/>
       </p:ext>
     </p:extLst>
   </p:cSld>
@@ -11354,10 +13616,10 @@
       </p:grpSpPr>
       <p:sp>
         <p:nvSpPr>
-          <p:cNvPr id="2" name="Subtitle 1">
+          <p:cNvPr id="4" name="Title 3">
             <a:extLst>
               <a:ext uri="{FF2B5EF4-FFF2-40B4-BE49-F238E27FC236}">
-                <a16:creationId xmlns:a16="http://schemas.microsoft.com/office/drawing/2014/main" id="{DA6D074F-B87C-4F4C-940C-F72EB3D7020D}"/>
+                <a16:creationId xmlns:a16="http://schemas.microsoft.com/office/drawing/2014/main" id="{12CB095F-F2FA-DE4B-A962-73D921102700}"/>
               </a:ext>
             </a:extLst>
           </p:cNvPr>
@@ -11365,24 +13627,27 @@
             <a:spLocks noGrp="1"/>
           </p:cNvSpPr>
           <p:nvPr>
-            <p:ph type="subTitle" idx="1"/>
-          </p:nvPr>
-        </p:nvSpPr>
-        <p:spPr/>
-        <p:txBody>
-          <a:bodyPr/>
-          <a:lstStyle/>
-          <a:p>
-            <a:endParaRPr lang="en-US"/>
-          </a:p>
-        </p:txBody>
-      </p:sp>
-      <p:sp>
-        <p:nvSpPr>
-          <p:cNvPr id="3" name="Text Placeholder 2">
+            <p:ph type="title"/>
+          </p:nvPr>
+        </p:nvSpPr>
+        <p:spPr/>
+        <p:txBody>
+          <a:bodyPr/>
+          <a:lstStyle/>
+          <a:p>
+            <a:r>
+              <a:rPr lang="en-US" dirty="0"/>
+              <a:t>Data Types</a:t>
+            </a:r>
+          </a:p>
+        </p:txBody>
+      </p:sp>
+      <p:sp>
+        <p:nvSpPr>
+          <p:cNvPr id="5" name="Text Placeholder 4">
             <a:extLst>
               <a:ext uri="{FF2B5EF4-FFF2-40B4-BE49-F238E27FC236}">
-                <a16:creationId xmlns:a16="http://schemas.microsoft.com/office/drawing/2014/main" id="{C5CF72B8-0EA9-7F45-B44B-F281732DFFD9}"/>
+                <a16:creationId xmlns:a16="http://schemas.microsoft.com/office/drawing/2014/main" id="{CC8D7865-3AC8-4394-8609-5B05BC5FB115}"/>
               </a:ext>
             </a:extLst>
           </p:cNvPr>
@@ -11390,7 +13655,7 @@
             <a:spLocks noGrp="1"/>
           </p:cNvSpPr>
           <p:nvPr>
-            <p:ph type="body" sz="quarter" idx="11"/>
+            <p:ph type="body" sz="quarter" idx="10"/>
           </p:nvPr>
         </p:nvSpPr>
         <p:spPr/>
@@ -11402,38 +13667,70 @@
           </a:p>
         </p:txBody>
       </p:sp>
-      <p:sp>
-        <p:nvSpPr>
-          <p:cNvPr id="4" name="Title 3">
+      <p:pic>
+        <p:nvPicPr>
+          <p:cNvPr id="6" name="Picture 5">
             <a:extLst>
               <a:ext uri="{FF2B5EF4-FFF2-40B4-BE49-F238E27FC236}">
-                <a16:creationId xmlns:a16="http://schemas.microsoft.com/office/drawing/2014/main" id="{1B038B5B-7922-C842-9C66-5752419CA5E7}"/>
+                <a16:creationId xmlns:a16="http://schemas.microsoft.com/office/drawing/2014/main" id="{9EA04A93-8AA4-43CA-B63D-6FA94FD2CFCC}"/>
               </a:ext>
             </a:extLst>
           </p:cNvPr>
-          <p:cNvSpPr>
-            <a:spLocks noGrp="1"/>
-          </p:cNvSpPr>
-          <p:nvPr>
-            <p:ph type="title"/>
-          </p:nvPr>
-        </p:nvSpPr>
-        <p:spPr/>
-        <p:txBody>
-          <a:bodyPr/>
-          <a:lstStyle/>
-          <a:p>
-            <a:r>
-              <a:rPr lang="en-US" dirty="0"/>
-              <a:t>Changes</a:t>
-            </a:r>
-          </a:p>
-        </p:txBody>
-      </p:sp>
+          <p:cNvPicPr>
+            <a:picLocks noChangeAspect="1"/>
+          </p:cNvPicPr>
+          <p:nvPr/>
+        </p:nvPicPr>
+        <p:blipFill>
+          <a:blip r:embed="rId3"/>
+          <a:stretch>
+            <a:fillRect/>
+          </a:stretch>
+        </p:blipFill>
+        <p:spPr>
+          <a:xfrm>
+            <a:off x="6553200" y="1597025"/>
+            <a:ext cx="5006678" cy="3386461"/>
+          </a:xfrm>
+          <a:prstGeom prst="rect">
+            <a:avLst/>
+          </a:prstGeom>
+        </p:spPr>
+      </p:pic>
+      <p:pic>
+        <p:nvPicPr>
+          <p:cNvPr id="7" name="Picture 6">
+            <a:extLst>
+              <a:ext uri="{FF2B5EF4-FFF2-40B4-BE49-F238E27FC236}">
+                <a16:creationId xmlns:a16="http://schemas.microsoft.com/office/drawing/2014/main" id="{C4D1E535-F97E-4DED-97C1-4B4A785DFFD6}"/>
+              </a:ext>
+            </a:extLst>
+          </p:cNvPr>
+          <p:cNvPicPr>
+            <a:picLocks noChangeAspect="1"/>
+          </p:cNvPicPr>
+          <p:nvPr/>
+        </p:nvPicPr>
+        <p:blipFill>
+          <a:blip r:embed="rId4"/>
+          <a:stretch>
+            <a:fillRect/>
+          </a:stretch>
+        </p:blipFill>
+        <p:spPr>
+          <a:xfrm>
+            <a:off x="4203687" y="4194534"/>
+            <a:ext cx="2219635" cy="1438476"/>
+          </a:xfrm>
+          <a:prstGeom prst="rect">
+            <a:avLst/>
+          </a:prstGeom>
+        </p:spPr>
+      </p:pic>
     </p:spTree>
     <p:extLst>
       <p:ext uri="{BB962C8B-B14F-4D97-AF65-F5344CB8AC3E}">
-        <p14:creationId xmlns:p14="http://schemas.microsoft.com/office/powerpoint/2010/main" val="1890150800"/>
+        <p14:creationId xmlns:p14="http://schemas.microsoft.com/office/powerpoint/2010/main" val="1227333314"/>
       </p:ext>
     </p:extLst>
   </p:cSld>
@@ -11462,10 +13759,10 @@
       </p:grpSpPr>
       <p:sp>
         <p:nvSpPr>
-          <p:cNvPr id="2" name="Subtitle 1">
+          <p:cNvPr id="4" name="Title 3">
             <a:extLst>
               <a:ext uri="{FF2B5EF4-FFF2-40B4-BE49-F238E27FC236}">
-                <a16:creationId xmlns:a16="http://schemas.microsoft.com/office/drawing/2014/main" id="{7C5AFA44-3757-D347-93D8-4FA8FFBAFB33}"/>
+                <a16:creationId xmlns:a16="http://schemas.microsoft.com/office/drawing/2014/main" id="{1B038B5B-7922-C842-9C66-5752419CA5E7}"/>
               </a:ext>
             </a:extLst>
           </p:cNvPr>
@@ -11473,24 +13770,27 @@
             <a:spLocks noGrp="1"/>
           </p:cNvSpPr>
           <p:nvPr>
-            <p:ph type="subTitle" idx="1"/>
-          </p:nvPr>
-        </p:nvSpPr>
-        <p:spPr/>
-        <p:txBody>
-          <a:bodyPr/>
-          <a:lstStyle/>
-          <a:p>
-            <a:endParaRPr lang="en-US"/>
-          </a:p>
-        </p:txBody>
-      </p:sp>
-      <p:sp>
-        <p:nvSpPr>
-          <p:cNvPr id="3" name="Text Placeholder 2">
+            <p:ph type="title"/>
+          </p:nvPr>
+        </p:nvSpPr>
+        <p:spPr/>
+        <p:txBody>
+          <a:bodyPr/>
+          <a:lstStyle/>
+          <a:p>
+            <a:r>
+              <a:rPr lang="en-US" dirty="0"/>
+              <a:t>Changes</a:t>
+            </a:r>
+          </a:p>
+        </p:txBody>
+      </p:sp>
+      <p:sp>
+        <p:nvSpPr>
+          <p:cNvPr id="5" name="Text Placeholder 4">
             <a:extLst>
               <a:ext uri="{FF2B5EF4-FFF2-40B4-BE49-F238E27FC236}">
-                <a16:creationId xmlns:a16="http://schemas.microsoft.com/office/drawing/2014/main" id="{DFE6DA2C-DE55-8B43-BE4B-29FA34359AB0}"/>
+                <a16:creationId xmlns:a16="http://schemas.microsoft.com/office/drawing/2014/main" id="{E58320FB-0799-468C-8509-360D696BCBBE}"/>
               </a:ext>
             </a:extLst>
           </p:cNvPr>
@@ -11498,7 +13798,7 @@
             <a:spLocks noGrp="1"/>
           </p:cNvSpPr>
           <p:nvPr>
-            <p:ph type="body" sz="quarter" idx="11"/>
+            <p:ph type="body" sz="quarter" idx="10"/>
           </p:nvPr>
         </p:nvSpPr>
         <p:spPr/>
@@ -11510,43 +13810,100 @@
           </a:p>
         </p:txBody>
       </p:sp>
-      <p:sp>
-        <p:nvSpPr>
-          <p:cNvPr id="4" name="Title 3">
+      <p:pic>
+        <p:nvPicPr>
+          <p:cNvPr id="6" name="Picture 5">
             <a:extLst>
               <a:ext uri="{FF2B5EF4-FFF2-40B4-BE49-F238E27FC236}">
-                <a16:creationId xmlns:a16="http://schemas.microsoft.com/office/drawing/2014/main" id="{4763A78A-C1AE-6D40-A375-990181AACD65}"/>
+                <a16:creationId xmlns:a16="http://schemas.microsoft.com/office/drawing/2014/main" id="{8B0AB2DC-9C15-4489-A40C-A9BB85866AAB}"/>
               </a:ext>
             </a:extLst>
           </p:cNvPr>
-          <p:cNvSpPr>
-            <a:spLocks noGrp="1"/>
-          </p:cNvSpPr>
-          <p:nvPr>
-            <p:ph type="title"/>
-          </p:nvPr>
-        </p:nvSpPr>
-        <p:spPr/>
-        <p:txBody>
-          <a:bodyPr/>
-          <a:lstStyle/>
-          <a:p>
-            <a:r>
-              <a:rPr lang="en-US" dirty="0"/>
-              <a:t>Reviewing the Union</a:t>
-            </a:r>
-            <a:r>
-              <a:rPr lang="en-US" baseline="0" dirty="0"/>
-              <a:t> Step</a:t>
-            </a:r>
-            <a:endParaRPr lang="en-US" dirty="0"/>
-          </a:p>
-        </p:txBody>
-      </p:sp>
+          <p:cNvPicPr>
+            <a:picLocks noChangeAspect="1"/>
+          </p:cNvPicPr>
+          <p:nvPr/>
+        </p:nvPicPr>
+        <p:blipFill>
+          <a:blip r:embed="rId3"/>
+          <a:stretch>
+            <a:fillRect/>
+          </a:stretch>
+        </p:blipFill>
+        <p:spPr>
+          <a:xfrm>
+            <a:off x="7467600" y="1905000"/>
+            <a:ext cx="943107" cy="847843"/>
+          </a:xfrm>
+          <a:prstGeom prst="rect">
+            <a:avLst/>
+          </a:prstGeom>
+        </p:spPr>
+      </p:pic>
+      <p:pic>
+        <p:nvPicPr>
+          <p:cNvPr id="7" name="Picture 6">
+            <a:extLst>
+              <a:ext uri="{FF2B5EF4-FFF2-40B4-BE49-F238E27FC236}">
+                <a16:creationId xmlns:a16="http://schemas.microsoft.com/office/drawing/2014/main" id="{B95C6B04-16B6-4AC5-A9B9-CC214B2F42E5}"/>
+              </a:ext>
+            </a:extLst>
+          </p:cNvPr>
+          <p:cNvPicPr>
+            <a:picLocks noChangeAspect="1"/>
+          </p:cNvPicPr>
+          <p:nvPr/>
+        </p:nvPicPr>
+        <p:blipFill>
+          <a:blip r:embed="rId4"/>
+          <a:stretch>
+            <a:fillRect/>
+          </a:stretch>
+        </p:blipFill>
+        <p:spPr>
+          <a:xfrm>
+            <a:off x="5033814" y="3109868"/>
+            <a:ext cx="2124371" cy="638264"/>
+          </a:xfrm>
+          <a:prstGeom prst="rect">
+            <a:avLst/>
+          </a:prstGeom>
+        </p:spPr>
+      </p:pic>
+      <p:pic>
+        <p:nvPicPr>
+          <p:cNvPr id="8" name="Picture 7">
+            <a:extLst>
+              <a:ext uri="{FF2B5EF4-FFF2-40B4-BE49-F238E27FC236}">
+                <a16:creationId xmlns:a16="http://schemas.microsoft.com/office/drawing/2014/main" id="{AA379500-998F-4390-820C-F0EDEFA038D3}"/>
+              </a:ext>
+            </a:extLst>
+          </p:cNvPr>
+          <p:cNvPicPr>
+            <a:picLocks noChangeAspect="1"/>
+          </p:cNvPicPr>
+          <p:nvPr/>
+        </p:nvPicPr>
+        <p:blipFill>
+          <a:blip r:embed="rId5"/>
+          <a:stretch>
+            <a:fillRect/>
+          </a:stretch>
+        </p:blipFill>
+        <p:spPr>
+          <a:xfrm>
+            <a:off x="6705600" y="3863366"/>
+            <a:ext cx="1086002" cy="504895"/>
+          </a:xfrm>
+          <a:prstGeom prst="rect">
+            <a:avLst/>
+          </a:prstGeom>
+        </p:spPr>
+      </p:pic>
     </p:spTree>
     <p:extLst>
       <p:ext uri="{BB962C8B-B14F-4D97-AF65-F5344CB8AC3E}">
-        <p14:creationId xmlns:p14="http://schemas.microsoft.com/office/powerpoint/2010/main" val="3564736276"/>
+        <p14:creationId xmlns:p14="http://schemas.microsoft.com/office/powerpoint/2010/main" val="1890150800"/>
       </p:ext>
     </p:extLst>
   </p:cSld>
@@ -11575,10 +13932,10 @@
       </p:grpSpPr>
       <p:sp>
         <p:nvSpPr>
-          <p:cNvPr id="2" name="Subtitle 1">
+          <p:cNvPr id="4" name="Title 3">
             <a:extLst>
               <a:ext uri="{FF2B5EF4-FFF2-40B4-BE49-F238E27FC236}">
-                <a16:creationId xmlns:a16="http://schemas.microsoft.com/office/drawing/2014/main" id="{10E586FF-BE6A-8841-8761-0711CC85F918}"/>
+                <a16:creationId xmlns:a16="http://schemas.microsoft.com/office/drawing/2014/main" id="{4763A78A-C1AE-6D40-A375-990181AACD65}"/>
               </a:ext>
             </a:extLst>
           </p:cNvPr>
@@ -11586,24 +13943,32 @@
             <a:spLocks noGrp="1"/>
           </p:cNvSpPr>
           <p:nvPr>
-            <p:ph type="subTitle" idx="1"/>
-          </p:nvPr>
-        </p:nvSpPr>
-        <p:spPr/>
-        <p:txBody>
-          <a:bodyPr/>
-          <a:lstStyle/>
-          <a:p>
-            <a:endParaRPr lang="en-US"/>
-          </a:p>
-        </p:txBody>
-      </p:sp>
-      <p:sp>
-        <p:nvSpPr>
-          <p:cNvPr id="3" name="Text Placeholder 2">
+            <p:ph type="title"/>
+          </p:nvPr>
+        </p:nvSpPr>
+        <p:spPr/>
+        <p:txBody>
+          <a:bodyPr/>
+          <a:lstStyle/>
+          <a:p>
+            <a:r>
+              <a:rPr lang="en-US" dirty="0"/>
+              <a:t>Reviewing the Union</a:t>
+            </a:r>
+            <a:r>
+              <a:rPr lang="en-US" baseline="0" dirty="0"/>
+              <a:t> Step</a:t>
+            </a:r>
+            <a:endParaRPr lang="en-US" dirty="0"/>
+          </a:p>
+        </p:txBody>
+      </p:sp>
+      <p:sp>
+        <p:nvSpPr>
+          <p:cNvPr id="5" name="Text Placeholder 4">
             <a:extLst>
               <a:ext uri="{FF2B5EF4-FFF2-40B4-BE49-F238E27FC236}">
-                <a16:creationId xmlns:a16="http://schemas.microsoft.com/office/drawing/2014/main" id="{8C9183B9-4A6F-934C-895F-94E4989F02C5}"/>
+                <a16:creationId xmlns:a16="http://schemas.microsoft.com/office/drawing/2014/main" id="{F85EA8D3-7A0D-4671-B641-5EA1687BD1D0}"/>
               </a:ext>
             </a:extLst>
           </p:cNvPr>
@@ -11611,55 +13976,84 @@
             <a:spLocks noGrp="1"/>
           </p:cNvSpPr>
           <p:nvPr>
-            <p:ph type="body" sz="quarter" idx="11"/>
-          </p:nvPr>
-        </p:nvSpPr>
-        <p:spPr/>
-        <p:txBody>
-          <a:bodyPr/>
-          <a:lstStyle/>
-          <a:p>
-            <a:endParaRPr lang="en-US"/>
-          </a:p>
-        </p:txBody>
-      </p:sp>
-      <p:sp>
-        <p:nvSpPr>
-          <p:cNvPr id="4" name="Title 3">
+            <p:ph type="body" sz="quarter" idx="10"/>
+          </p:nvPr>
+        </p:nvSpPr>
+        <p:spPr/>
+        <p:txBody>
+          <a:bodyPr/>
+          <a:lstStyle/>
+          <a:p>
+            <a:endParaRPr lang="en-US" dirty="0"/>
+          </a:p>
+        </p:txBody>
+      </p:sp>
+      <p:pic>
+        <p:nvPicPr>
+          <p:cNvPr id="6" name="Picture 5">
+            <a:hlinkClick r:id="rId3" action="ppaction://hlinkfile"/>
             <a:extLst>
               <a:ext uri="{FF2B5EF4-FFF2-40B4-BE49-F238E27FC236}">
-                <a16:creationId xmlns:a16="http://schemas.microsoft.com/office/drawing/2014/main" id="{9D22851B-CAA5-5841-A154-53FC902626D7}"/>
+                <a16:creationId xmlns:a16="http://schemas.microsoft.com/office/drawing/2014/main" id="{902BAC92-313B-4500-B166-7FB1283D31AB}"/>
               </a:ext>
             </a:extLst>
           </p:cNvPr>
-          <p:cNvSpPr>
-            <a:spLocks noGrp="1"/>
-          </p:cNvSpPr>
-          <p:nvPr>
-            <p:ph type="title"/>
-          </p:nvPr>
-        </p:nvSpPr>
-        <p:spPr/>
-        <p:txBody>
-          <a:bodyPr/>
-          <a:lstStyle/>
-          <a:p>
-            <a:r>
-              <a:rPr lang="en-US" dirty="0"/>
-              <a:t>Wildcard</a:t>
-            </a:r>
-            <a:r>
-              <a:rPr lang="en-US" baseline="0" dirty="0"/>
-              <a:t> Union Joins</a:t>
-            </a:r>
-            <a:endParaRPr lang="en-US" dirty="0"/>
-          </a:p>
-        </p:txBody>
-      </p:sp>
+          <p:cNvPicPr>
+            <a:picLocks noChangeAspect="1"/>
+          </p:cNvPicPr>
+          <p:nvPr/>
+        </p:nvPicPr>
+        <p:blipFill>
+          <a:blip r:embed="rId4"/>
+          <a:stretch>
+            <a:fillRect/>
+          </a:stretch>
+        </p:blipFill>
+        <p:spPr>
+          <a:xfrm>
+            <a:off x="6705600" y="1650813"/>
+            <a:ext cx="3191320" cy="1467055"/>
+          </a:xfrm>
+          <a:prstGeom prst="rect">
+            <a:avLst/>
+          </a:prstGeom>
+        </p:spPr>
+      </p:pic>
+      <p:pic>
+        <p:nvPicPr>
+          <p:cNvPr id="7" name="Picture 6">
+            <a:hlinkClick r:id="rId3" action="ppaction://hlinkfile"/>
+            <a:extLst>
+              <a:ext uri="{FF2B5EF4-FFF2-40B4-BE49-F238E27FC236}">
+                <a16:creationId xmlns:a16="http://schemas.microsoft.com/office/drawing/2014/main" id="{64101955-7441-48AB-B19A-52965C01D593}"/>
+              </a:ext>
+            </a:extLst>
+          </p:cNvPr>
+          <p:cNvPicPr>
+            <a:picLocks noChangeAspect="1"/>
+          </p:cNvPicPr>
+          <p:nvPr/>
+        </p:nvPicPr>
+        <p:blipFill>
+          <a:blip r:embed="rId5"/>
+          <a:stretch>
+            <a:fillRect/>
+          </a:stretch>
+        </p:blipFill>
+        <p:spPr>
+          <a:xfrm>
+            <a:off x="3276600" y="3037186"/>
+            <a:ext cx="3219899" cy="457264"/>
+          </a:xfrm>
+          <a:prstGeom prst="rect">
+            <a:avLst/>
+          </a:prstGeom>
+        </p:spPr>
+      </p:pic>
     </p:spTree>
     <p:extLst>
       <p:ext uri="{BB962C8B-B14F-4D97-AF65-F5344CB8AC3E}">
-        <p14:creationId xmlns:p14="http://schemas.microsoft.com/office/powerpoint/2010/main" val="1700663258"/>
+        <p14:creationId xmlns:p14="http://schemas.microsoft.com/office/powerpoint/2010/main" val="3564736276"/>
       </p:ext>
     </p:extLst>
   </p:cSld>
@@ -11688,10 +14082,10 @@
       </p:grpSpPr>
       <p:sp>
         <p:nvSpPr>
-          <p:cNvPr id="2" name="Subtitle 1">
+          <p:cNvPr id="2" name="Title 1">
             <a:extLst>
               <a:ext uri="{FF2B5EF4-FFF2-40B4-BE49-F238E27FC236}">
-                <a16:creationId xmlns:a16="http://schemas.microsoft.com/office/drawing/2014/main" id="{6AE0CC47-794E-4944-8D70-71842D295C85}"/>
+                <a16:creationId xmlns:a16="http://schemas.microsoft.com/office/drawing/2014/main" id="{43D3564B-C736-4067-B47E-36D10E2D6E99}"/>
               </a:ext>
             </a:extLst>
           </p:cNvPr>
@@ -11699,15 +14093,18 @@
             <a:spLocks noGrp="1"/>
           </p:cNvSpPr>
           <p:nvPr>
-            <p:ph type="subTitle" idx="1"/>
-          </p:nvPr>
-        </p:nvSpPr>
-        <p:spPr/>
-        <p:txBody>
-          <a:bodyPr/>
-          <a:lstStyle/>
-          <a:p>
-            <a:endParaRPr lang="en-US"/>
+            <p:ph type="title"/>
+          </p:nvPr>
+        </p:nvSpPr>
+        <p:spPr/>
+        <p:txBody>
+          <a:bodyPr/>
+          <a:lstStyle/>
+          <a:p>
+            <a:r>
+              <a:rPr lang="en-US" dirty="0"/>
+              <a:t>Aligning Fields</a:t>
+            </a:r>
           </a:p>
         </p:txBody>
       </p:sp>
@@ -11716,7 +14113,7 @@
           <p:cNvPr id="3" name="Text Placeholder 2">
             <a:extLst>
               <a:ext uri="{FF2B5EF4-FFF2-40B4-BE49-F238E27FC236}">
-                <a16:creationId xmlns:a16="http://schemas.microsoft.com/office/drawing/2014/main" id="{E1C4BBA1-37CC-0F43-9299-BE1EE027FFEE}"/>
+                <a16:creationId xmlns:a16="http://schemas.microsoft.com/office/drawing/2014/main" id="{C905AA75-E60C-48A5-8B0C-A680B24DEEAF}"/>
               </a:ext>
             </a:extLst>
           </p:cNvPr>
@@ -11724,7 +14121,7 @@
             <a:spLocks noGrp="1"/>
           </p:cNvSpPr>
           <p:nvPr>
-            <p:ph type="body" sz="quarter" idx="11"/>
+            <p:ph type="body" sz="quarter" idx="10"/>
           </p:nvPr>
         </p:nvSpPr>
         <p:spPr/>
@@ -11736,43 +14133,100 @@
           </a:p>
         </p:txBody>
       </p:sp>
-      <p:sp>
-        <p:nvSpPr>
-          <p:cNvPr id="4" name="Title 3">
+      <p:pic>
+        <p:nvPicPr>
+          <p:cNvPr id="4" name="Picture 3">
             <a:extLst>
               <a:ext uri="{FF2B5EF4-FFF2-40B4-BE49-F238E27FC236}">
-                <a16:creationId xmlns:a16="http://schemas.microsoft.com/office/drawing/2014/main" id="{F48C7965-0EC8-CF4E-94D4-3E5D48D199A8}"/>
+                <a16:creationId xmlns:a16="http://schemas.microsoft.com/office/drawing/2014/main" id="{6D6E5D74-97FD-4A0F-AB29-BA3B458CA138}"/>
               </a:ext>
             </a:extLst>
           </p:cNvPr>
-          <p:cNvSpPr>
-            <a:spLocks noGrp="1"/>
-          </p:cNvSpPr>
-          <p:nvPr>
-            <p:ph type="title"/>
-          </p:nvPr>
-        </p:nvSpPr>
-        <p:spPr/>
-        <p:txBody>
-          <a:bodyPr/>
-          <a:lstStyle/>
-          <a:p>
-            <a:r>
-              <a:rPr lang="en-US" dirty="0"/>
-              <a:t>Which Is</a:t>
-            </a:r>
-            <a:r>
-              <a:rPr lang="en-US" baseline="0" dirty="0"/>
-              <a:t> Better?</a:t>
-            </a:r>
-            <a:endParaRPr lang="en-US" dirty="0"/>
-          </a:p>
-        </p:txBody>
-      </p:sp>
+          <p:cNvPicPr>
+            <a:picLocks noChangeAspect="1"/>
+          </p:cNvPicPr>
+          <p:nvPr/>
+        </p:nvPicPr>
+        <p:blipFill>
+          <a:blip r:embed="rId2"/>
+          <a:stretch>
+            <a:fillRect/>
+          </a:stretch>
+        </p:blipFill>
+        <p:spPr>
+          <a:xfrm>
+            <a:off x="7086600" y="1752600"/>
+            <a:ext cx="4058216" cy="3524742"/>
+          </a:xfrm>
+          <a:prstGeom prst="rect">
+            <a:avLst/>
+          </a:prstGeom>
+        </p:spPr>
+      </p:pic>
+      <p:pic>
+        <p:nvPicPr>
+          <p:cNvPr id="5" name="Picture 4">
+            <a:extLst>
+              <a:ext uri="{FF2B5EF4-FFF2-40B4-BE49-F238E27FC236}">
+                <a16:creationId xmlns:a16="http://schemas.microsoft.com/office/drawing/2014/main" id="{6D4FD1FA-DBDC-4C4A-90A1-F331D963D200}"/>
+              </a:ext>
+            </a:extLst>
+          </p:cNvPr>
+          <p:cNvPicPr>
+            <a:picLocks noChangeAspect="1"/>
+          </p:cNvPicPr>
+          <p:nvPr/>
+        </p:nvPicPr>
+        <p:blipFill>
+          <a:blip r:embed="rId3"/>
+          <a:stretch>
+            <a:fillRect/>
+          </a:stretch>
+        </p:blipFill>
+        <p:spPr>
+          <a:xfrm>
+            <a:off x="5048104" y="1514208"/>
+            <a:ext cx="2095792" cy="3829584"/>
+          </a:xfrm>
+          <a:prstGeom prst="rect">
+            <a:avLst/>
+          </a:prstGeom>
+        </p:spPr>
+      </p:pic>
+      <p:pic>
+        <p:nvPicPr>
+          <p:cNvPr id="6" name="Picture 5">
+            <a:extLst>
+              <a:ext uri="{FF2B5EF4-FFF2-40B4-BE49-F238E27FC236}">
+                <a16:creationId xmlns:a16="http://schemas.microsoft.com/office/drawing/2014/main" id="{BA17BFE1-1288-48EB-8462-9DE4BBCCB132}"/>
+              </a:ext>
+            </a:extLst>
+          </p:cNvPr>
+          <p:cNvPicPr>
+            <a:picLocks noChangeAspect="1"/>
+          </p:cNvPicPr>
+          <p:nvPr/>
+        </p:nvPicPr>
+        <p:blipFill>
+          <a:blip r:embed="rId4"/>
+          <a:stretch>
+            <a:fillRect/>
+          </a:stretch>
+        </p:blipFill>
+        <p:spPr>
+          <a:xfrm>
+            <a:off x="1593055" y="4250745"/>
+            <a:ext cx="3000794" cy="990738"/>
+          </a:xfrm>
+          <a:prstGeom prst="rect">
+            <a:avLst/>
+          </a:prstGeom>
+        </p:spPr>
+      </p:pic>
     </p:spTree>
     <p:extLst>
       <p:ext uri="{BB962C8B-B14F-4D97-AF65-F5344CB8AC3E}">
-        <p14:creationId xmlns:p14="http://schemas.microsoft.com/office/powerpoint/2010/main" val="307961116"/>
+        <p14:creationId xmlns:p14="http://schemas.microsoft.com/office/powerpoint/2010/main" val="4085940262"/>
       </p:ext>
     </p:extLst>
   </p:cSld>
@@ -11804,7 +14258,7 @@
           <p:cNvPr id="2" name="Subtitle 1">
             <a:extLst>
               <a:ext uri="{FF2B5EF4-FFF2-40B4-BE49-F238E27FC236}">
-                <a16:creationId xmlns:a16="http://schemas.microsoft.com/office/drawing/2014/main" id="{DA3B231E-6805-BE41-BD6F-D9C9EAED8B76}"/>
+                <a16:creationId xmlns:a16="http://schemas.microsoft.com/office/drawing/2014/main" id="{10E586FF-BE6A-8841-8761-0711CC85F918}"/>
               </a:ext>
             </a:extLst>
           </p:cNvPr>
@@ -11820,26 +14274,7 @@
           <a:bodyPr/>
           <a:lstStyle/>
           <a:p>
-            <a:r>
-              <a:rPr lang="en-US" dirty="0"/>
-              <a:t>Exercise 4.1: UNION Join, pp. 27-32</a:t>
-            </a:r>
-          </a:p>
-          <a:p>
-            <a:r>
-              <a:rPr lang="en-US" dirty="0"/>
-              <a:t>Exercise 4.2: Wildcard UNION, pp. 41-44</a:t>
-            </a:r>
-          </a:p>
-          <a:p>
-            <a:r>
-              <a:rPr lang="en-US" dirty="0"/>
-              <a:t>Exercise 4.3: Refine a Wildcard UNION, pp. </a:t>
-            </a:r>
-            <a:r>
-              <a:rPr lang="en-US"/>
-              <a:t>47-48</a:t>
-            </a:r>
+            <a:endParaRPr lang="en-US"/>
           </a:p>
         </p:txBody>
       </p:sp>
@@ -11848,7 +14283,7 @@
           <p:cNvPr id="3" name="Text Placeholder 2">
             <a:extLst>
               <a:ext uri="{FF2B5EF4-FFF2-40B4-BE49-F238E27FC236}">
-                <a16:creationId xmlns:a16="http://schemas.microsoft.com/office/drawing/2014/main" id="{490D3781-8EE3-BE42-B0BB-32D1562D9008}"/>
+                <a16:creationId xmlns:a16="http://schemas.microsoft.com/office/drawing/2014/main" id="{8C9183B9-4A6F-934C-895F-94E4989F02C5}"/>
               </a:ext>
             </a:extLst>
           </p:cNvPr>
@@ -11873,7 +14308,7 @@
           <p:cNvPr id="4" name="Title 3">
             <a:extLst>
               <a:ext uri="{FF2B5EF4-FFF2-40B4-BE49-F238E27FC236}">
-                <a16:creationId xmlns:a16="http://schemas.microsoft.com/office/drawing/2014/main" id="{09F33829-237D-F84E-9895-54A257840138}"/>
+                <a16:creationId xmlns:a16="http://schemas.microsoft.com/office/drawing/2014/main" id="{9D22851B-CAA5-5841-A154-53FC902626D7}"/>
               </a:ext>
             </a:extLst>
           </p:cNvPr>
@@ -11891,15 +14326,20 @@
           <a:p>
             <a:r>
               <a:rPr lang="en-US" dirty="0"/>
-              <a:t>Lab 3: UNION Joins</a:t>
-            </a:r>
+              <a:t>Wildcard</a:t>
+            </a:r>
+            <a:r>
+              <a:rPr lang="en-US" baseline="0" dirty="0"/>
+              <a:t> Union Joins</a:t>
+            </a:r>
+            <a:endParaRPr lang="en-US" dirty="0"/>
           </a:p>
         </p:txBody>
       </p:sp>
     </p:spTree>
     <p:extLst>
       <p:ext uri="{BB962C8B-B14F-4D97-AF65-F5344CB8AC3E}">
-        <p14:creationId xmlns:p14="http://schemas.microsoft.com/office/powerpoint/2010/main" val="2529152538"/>
+        <p14:creationId xmlns:p14="http://schemas.microsoft.com/office/powerpoint/2010/main" val="1700663258"/>
       </p:ext>
     </p:extLst>
   </p:cSld>
@@ -11928,10 +14368,60 @@
       </p:grpSpPr>
       <p:sp>
         <p:nvSpPr>
+          <p:cNvPr id="2" name="Subtitle 1">
+            <a:extLst>
+              <a:ext uri="{FF2B5EF4-FFF2-40B4-BE49-F238E27FC236}">
+                <a16:creationId xmlns:a16="http://schemas.microsoft.com/office/drawing/2014/main" id="{6AE0CC47-794E-4944-8D70-71842D295C85}"/>
+              </a:ext>
+            </a:extLst>
+          </p:cNvPr>
+          <p:cNvSpPr>
+            <a:spLocks noGrp="1"/>
+          </p:cNvSpPr>
+          <p:nvPr>
+            <p:ph type="subTitle" idx="1"/>
+          </p:nvPr>
+        </p:nvSpPr>
+        <p:spPr/>
+        <p:txBody>
+          <a:bodyPr/>
+          <a:lstStyle/>
+          <a:p>
+            <a:endParaRPr lang="en-US"/>
+          </a:p>
+        </p:txBody>
+      </p:sp>
+      <p:sp>
+        <p:nvSpPr>
+          <p:cNvPr id="3" name="Text Placeholder 2">
+            <a:extLst>
+              <a:ext uri="{FF2B5EF4-FFF2-40B4-BE49-F238E27FC236}">
+                <a16:creationId xmlns:a16="http://schemas.microsoft.com/office/drawing/2014/main" id="{E1C4BBA1-37CC-0F43-9299-BE1EE027FFEE}"/>
+              </a:ext>
+            </a:extLst>
+          </p:cNvPr>
+          <p:cNvSpPr>
+            <a:spLocks noGrp="1"/>
+          </p:cNvSpPr>
+          <p:nvPr>
+            <p:ph type="body" sz="quarter" idx="11"/>
+          </p:nvPr>
+        </p:nvSpPr>
+        <p:spPr/>
+        <p:txBody>
+          <a:bodyPr/>
+          <a:lstStyle/>
+          <a:p>
+            <a:endParaRPr lang="en-US"/>
+          </a:p>
+        </p:txBody>
+      </p:sp>
+      <p:sp>
+        <p:nvSpPr>
           <p:cNvPr id="4" name="Title 3">
             <a:extLst>
               <a:ext uri="{FF2B5EF4-FFF2-40B4-BE49-F238E27FC236}">
-                <a16:creationId xmlns:a16="http://schemas.microsoft.com/office/drawing/2014/main" id="{EC9E8605-E358-464D-AAD9-D0215FA11FBC}"/>
+                <a16:creationId xmlns:a16="http://schemas.microsoft.com/office/drawing/2014/main" id="{F48C7965-0EC8-CF4E-94D4-3E5D48D199A8}"/>
               </a:ext>
             </a:extLst>
           </p:cNvPr>
@@ -11949,15 +14439,20 @@
           <a:p>
             <a:r>
               <a:rPr lang="en-US" dirty="0"/>
-              <a:t>Module 4: Joins</a:t>
-            </a:r>
+              <a:t>Which Is</a:t>
+            </a:r>
+            <a:r>
+              <a:rPr lang="en-US" baseline="0" dirty="0"/>
+              <a:t> Better?</a:t>
+            </a:r>
+            <a:endParaRPr lang="en-US" dirty="0"/>
           </a:p>
         </p:txBody>
       </p:sp>
     </p:spTree>
     <p:extLst>
       <p:ext uri="{BB962C8B-B14F-4D97-AF65-F5344CB8AC3E}">
-        <p14:creationId xmlns:p14="http://schemas.microsoft.com/office/powerpoint/2010/main" val="1266696213"/>
+        <p14:creationId xmlns:p14="http://schemas.microsoft.com/office/powerpoint/2010/main" val="307961116"/>
       </p:ext>
     </p:extLst>
   </p:cSld>
@@ -11989,7 +14484,7 @@
           <p:cNvPr id="2" name="Subtitle 1">
             <a:extLst>
               <a:ext uri="{FF2B5EF4-FFF2-40B4-BE49-F238E27FC236}">
-                <a16:creationId xmlns:a16="http://schemas.microsoft.com/office/drawing/2014/main" id="{5F844C00-2365-8C42-9B8E-2EE752FA5167}"/>
+                <a16:creationId xmlns:a16="http://schemas.microsoft.com/office/drawing/2014/main" id="{DA3B231E-6805-BE41-BD6F-D9C9EAED8B76}"/>
               </a:ext>
             </a:extLst>
           </p:cNvPr>
@@ -12005,7 +14500,26 @@
           <a:bodyPr/>
           <a:lstStyle/>
           <a:p>
-            <a:endParaRPr lang="en-US"/>
+            <a:r>
+              <a:rPr lang="en-US" dirty="0"/>
+              <a:t>Exercise 4.1: UNION Join, pp. 27-32</a:t>
+            </a:r>
+          </a:p>
+          <a:p>
+            <a:r>
+              <a:rPr lang="en-US" dirty="0"/>
+              <a:t>Exercise 4.2: Wildcard UNION, pp. 41-44</a:t>
+            </a:r>
+          </a:p>
+          <a:p>
+            <a:r>
+              <a:rPr lang="en-US" dirty="0"/>
+              <a:t>Exercise 4.3: Refine a Wildcard UNION, pp. </a:t>
+            </a:r>
+            <a:r>
+              <a:rPr lang="en-US"/>
+              <a:t>47-48</a:t>
+            </a:r>
           </a:p>
         </p:txBody>
       </p:sp>
@@ -12014,7 +14528,7 @@
           <p:cNvPr id="3" name="Text Placeholder 2">
             <a:extLst>
               <a:ext uri="{FF2B5EF4-FFF2-40B4-BE49-F238E27FC236}">
-                <a16:creationId xmlns:a16="http://schemas.microsoft.com/office/drawing/2014/main" id="{CC5EDF85-B4DA-D74A-A46B-499695758923}"/>
+                <a16:creationId xmlns:a16="http://schemas.microsoft.com/office/drawing/2014/main" id="{490D3781-8EE3-BE42-B0BB-32D1562D9008}"/>
               </a:ext>
             </a:extLst>
           </p:cNvPr>
@@ -12039,7 +14553,7 @@
           <p:cNvPr id="4" name="Title 3">
             <a:extLst>
               <a:ext uri="{FF2B5EF4-FFF2-40B4-BE49-F238E27FC236}">
-                <a16:creationId xmlns:a16="http://schemas.microsoft.com/office/drawing/2014/main" id="{E5F5CC58-AE7F-E341-A1DB-0D166A32EC89}"/>
+                <a16:creationId xmlns:a16="http://schemas.microsoft.com/office/drawing/2014/main" id="{09F33829-237D-F84E-9895-54A257840138}"/>
               </a:ext>
             </a:extLst>
           </p:cNvPr>
@@ -12057,7 +14571,7 @@
           <a:p>
             <a:r>
               <a:rPr lang="en-US" dirty="0"/>
-              <a:t>What is a Table?</a:t>
+              <a:t>Lab 3: UNION Joins</a:t>
             </a:r>
           </a:p>
         </p:txBody>
@@ -12065,7 +14579,7 @@
     </p:spTree>
     <p:extLst>
       <p:ext uri="{BB962C8B-B14F-4D97-AF65-F5344CB8AC3E}">
-        <p14:creationId xmlns:p14="http://schemas.microsoft.com/office/powerpoint/2010/main" val="2545081252"/>
+        <p14:creationId xmlns:p14="http://schemas.microsoft.com/office/powerpoint/2010/main" val="2529152538"/>
       </p:ext>
     </p:extLst>
   </p:cSld>
@@ -12640,10 +15154,10 @@
       </p:grpSpPr>
       <p:sp>
         <p:nvSpPr>
-          <p:cNvPr id="2" name="Subtitle 1">
+          <p:cNvPr id="4" name="Title 3">
             <a:extLst>
               <a:ext uri="{FF2B5EF4-FFF2-40B4-BE49-F238E27FC236}">
-                <a16:creationId xmlns:a16="http://schemas.microsoft.com/office/drawing/2014/main" id="{423D4CE7-A624-1F49-B9F9-D86681FE8855}"/>
+                <a16:creationId xmlns:a16="http://schemas.microsoft.com/office/drawing/2014/main" id="{EC9E8605-E358-464D-AAD9-D0215FA11FBC}"/>
               </a:ext>
             </a:extLst>
           </p:cNvPr>
@@ -12651,56 +15165,6 @@
             <a:spLocks noGrp="1"/>
           </p:cNvSpPr>
           <p:nvPr>
-            <p:ph type="subTitle" idx="1"/>
-          </p:nvPr>
-        </p:nvSpPr>
-        <p:spPr/>
-        <p:txBody>
-          <a:bodyPr/>
-          <a:lstStyle/>
-          <a:p>
-            <a:endParaRPr lang="en-US"/>
-          </a:p>
-        </p:txBody>
-      </p:sp>
-      <p:sp>
-        <p:nvSpPr>
-          <p:cNvPr id="3" name="Text Placeholder 2">
-            <a:extLst>
-              <a:ext uri="{FF2B5EF4-FFF2-40B4-BE49-F238E27FC236}">
-                <a16:creationId xmlns:a16="http://schemas.microsoft.com/office/drawing/2014/main" id="{8D6C3E21-876D-1D42-9F86-BF55739AEBC8}"/>
-              </a:ext>
-            </a:extLst>
-          </p:cNvPr>
-          <p:cNvSpPr>
-            <a:spLocks noGrp="1"/>
-          </p:cNvSpPr>
-          <p:nvPr>
-            <p:ph type="body" sz="quarter" idx="11"/>
-          </p:nvPr>
-        </p:nvSpPr>
-        <p:spPr/>
-        <p:txBody>
-          <a:bodyPr/>
-          <a:lstStyle/>
-          <a:p>
-            <a:endParaRPr lang="en-US"/>
-          </a:p>
-        </p:txBody>
-      </p:sp>
-      <p:sp>
-        <p:nvSpPr>
-          <p:cNvPr id="4" name="Title 3">
-            <a:extLst>
-              <a:ext uri="{FF2B5EF4-FFF2-40B4-BE49-F238E27FC236}">
-                <a16:creationId xmlns:a16="http://schemas.microsoft.com/office/drawing/2014/main" id="{A4A2B281-DC7F-FE4E-81DA-200FBDA2A690}"/>
-              </a:ext>
-            </a:extLst>
-          </p:cNvPr>
-          <p:cNvSpPr>
-            <a:spLocks noGrp="1"/>
-          </p:cNvSpPr>
-          <p:nvPr>
             <p:ph type="title"/>
           </p:nvPr>
         </p:nvSpPr>
@@ -12711,7 +15175,7 @@
           <a:p>
             <a:r>
               <a:rPr lang="en-US" dirty="0"/>
-              <a:t>Equijoins</a:t>
+              <a:t>Module 4: Joins</a:t>
             </a:r>
           </a:p>
         </p:txBody>
@@ -12719,7 +15183,7 @@
     </p:spTree>
     <p:extLst>
       <p:ext uri="{BB962C8B-B14F-4D97-AF65-F5344CB8AC3E}">
-        <p14:creationId xmlns:p14="http://schemas.microsoft.com/office/powerpoint/2010/main" val="1488510711"/>
+        <p14:creationId xmlns:p14="http://schemas.microsoft.com/office/powerpoint/2010/main" val="1266696213"/>
       </p:ext>
     </p:extLst>
   </p:cSld>
@@ -12751,7 +15215,7 @@
           <p:cNvPr id="2" name="Subtitle 1">
             <a:extLst>
               <a:ext uri="{FF2B5EF4-FFF2-40B4-BE49-F238E27FC236}">
-                <a16:creationId xmlns:a16="http://schemas.microsoft.com/office/drawing/2014/main" id="{37953D94-6636-EB4D-B539-DC5B6D267A0B}"/>
+                <a16:creationId xmlns:a16="http://schemas.microsoft.com/office/drawing/2014/main" id="{5F844C00-2365-8C42-9B8E-2EE752FA5167}"/>
               </a:ext>
             </a:extLst>
           </p:cNvPr>
@@ -12776,7 +15240,7 @@
           <p:cNvPr id="3" name="Text Placeholder 2">
             <a:extLst>
               <a:ext uri="{FF2B5EF4-FFF2-40B4-BE49-F238E27FC236}">
-                <a16:creationId xmlns:a16="http://schemas.microsoft.com/office/drawing/2014/main" id="{88191254-061B-3E43-9347-C296346C809B}"/>
+                <a16:creationId xmlns:a16="http://schemas.microsoft.com/office/drawing/2014/main" id="{CC5EDF85-B4DA-D74A-A46B-499695758923}"/>
               </a:ext>
             </a:extLst>
           </p:cNvPr>
@@ -12801,7 +15265,7 @@
           <p:cNvPr id="4" name="Title 3">
             <a:extLst>
               <a:ext uri="{FF2B5EF4-FFF2-40B4-BE49-F238E27FC236}">
-                <a16:creationId xmlns:a16="http://schemas.microsoft.com/office/drawing/2014/main" id="{E16B13A9-922B-DA4A-9F55-8E286CBCB4F9}"/>
+                <a16:creationId xmlns:a16="http://schemas.microsoft.com/office/drawing/2014/main" id="{E5F5CC58-AE7F-E341-A1DB-0D166A32EC89}"/>
               </a:ext>
             </a:extLst>
           </p:cNvPr>
@@ -12819,7 +15283,7 @@
           <a:p>
             <a:r>
               <a:rPr lang="en-US" dirty="0"/>
-              <a:t>Join Types</a:t>
+              <a:t>What is a Table?</a:t>
             </a:r>
           </a:p>
         </p:txBody>
@@ -12827,7 +15291,7 @@
     </p:spTree>
     <p:extLst>
       <p:ext uri="{BB962C8B-B14F-4D97-AF65-F5344CB8AC3E}">
-        <p14:creationId xmlns:p14="http://schemas.microsoft.com/office/powerpoint/2010/main" val="2594980728"/>
+        <p14:creationId xmlns:p14="http://schemas.microsoft.com/office/powerpoint/2010/main" val="2545081252"/>
       </p:ext>
     </p:extLst>
   </p:cSld>
@@ -12859,7 +15323,7 @@
           <p:cNvPr id="2" name="Subtitle 1">
             <a:extLst>
               <a:ext uri="{FF2B5EF4-FFF2-40B4-BE49-F238E27FC236}">
-                <a16:creationId xmlns:a16="http://schemas.microsoft.com/office/drawing/2014/main" id="{21E6FD3F-3A28-AA47-A971-90E2F63E6D64}"/>
+                <a16:creationId xmlns:a16="http://schemas.microsoft.com/office/drawing/2014/main" id="{423D4CE7-A624-1F49-B9F9-D86681FE8855}"/>
               </a:ext>
             </a:extLst>
           </p:cNvPr>
@@ -12884,7 +15348,7 @@
           <p:cNvPr id="3" name="Text Placeholder 2">
             <a:extLst>
               <a:ext uri="{FF2B5EF4-FFF2-40B4-BE49-F238E27FC236}">
-                <a16:creationId xmlns:a16="http://schemas.microsoft.com/office/drawing/2014/main" id="{B165E966-009A-0B46-A81C-B42539BA9554}"/>
+                <a16:creationId xmlns:a16="http://schemas.microsoft.com/office/drawing/2014/main" id="{8D6C3E21-876D-1D42-9F86-BF55739AEBC8}"/>
               </a:ext>
             </a:extLst>
           </p:cNvPr>
@@ -12909,7 +15373,7 @@
           <p:cNvPr id="4" name="Title 3">
             <a:extLst>
               <a:ext uri="{FF2B5EF4-FFF2-40B4-BE49-F238E27FC236}">
-                <a16:creationId xmlns:a16="http://schemas.microsoft.com/office/drawing/2014/main" id="{B6793C40-AB58-464E-89C2-B817BED1ECC5}"/>
+                <a16:creationId xmlns:a16="http://schemas.microsoft.com/office/drawing/2014/main" id="{A4A2B281-DC7F-FE4E-81DA-200FBDA2A690}"/>
               </a:ext>
             </a:extLst>
           </p:cNvPr>
@@ -12927,7 +15391,7 @@
           <a:p>
             <a:r>
               <a:rPr lang="en-US" dirty="0"/>
-              <a:t>Inner Joins</a:t>
+              <a:t>Equijoins</a:t>
             </a:r>
           </a:p>
         </p:txBody>
@@ -12935,7 +15399,7 @@
     </p:spTree>
     <p:extLst>
       <p:ext uri="{BB962C8B-B14F-4D97-AF65-F5344CB8AC3E}">
-        <p14:creationId xmlns:p14="http://schemas.microsoft.com/office/powerpoint/2010/main" val="570540719"/>
+        <p14:creationId xmlns:p14="http://schemas.microsoft.com/office/powerpoint/2010/main" val="1488510711"/>
       </p:ext>
     </p:extLst>
   </p:cSld>
@@ -12967,7 +15431,7 @@
           <p:cNvPr id="2" name="Subtitle 1">
             <a:extLst>
               <a:ext uri="{FF2B5EF4-FFF2-40B4-BE49-F238E27FC236}">
-                <a16:creationId xmlns:a16="http://schemas.microsoft.com/office/drawing/2014/main" id="{C0FDDA91-6F16-474A-B2C2-D541B2C6DC11}"/>
+                <a16:creationId xmlns:a16="http://schemas.microsoft.com/office/drawing/2014/main" id="{37953D94-6636-EB4D-B539-DC5B6D267A0B}"/>
               </a:ext>
             </a:extLst>
           </p:cNvPr>
@@ -12992,7 +15456,7 @@
           <p:cNvPr id="3" name="Text Placeholder 2">
             <a:extLst>
               <a:ext uri="{FF2B5EF4-FFF2-40B4-BE49-F238E27FC236}">
-                <a16:creationId xmlns:a16="http://schemas.microsoft.com/office/drawing/2014/main" id="{44800744-B562-7D4D-95DC-16B212585877}"/>
+                <a16:creationId xmlns:a16="http://schemas.microsoft.com/office/drawing/2014/main" id="{88191254-061B-3E43-9347-C296346C809B}"/>
               </a:ext>
             </a:extLst>
           </p:cNvPr>
@@ -13017,7 +15481,7 @@
           <p:cNvPr id="4" name="Title 3">
             <a:extLst>
               <a:ext uri="{FF2B5EF4-FFF2-40B4-BE49-F238E27FC236}">
-                <a16:creationId xmlns:a16="http://schemas.microsoft.com/office/drawing/2014/main" id="{3851C2E4-3439-FC42-92E4-8AD466B1C754}"/>
+                <a16:creationId xmlns:a16="http://schemas.microsoft.com/office/drawing/2014/main" id="{E16B13A9-922B-DA4A-9F55-8E286CBCB4F9}"/>
               </a:ext>
             </a:extLst>
           </p:cNvPr>
@@ -13035,7 +15499,7 @@
           <a:p>
             <a:r>
               <a:rPr lang="en-US" dirty="0"/>
-              <a:t>Left Joins</a:t>
+              <a:t>Join Types</a:t>
             </a:r>
           </a:p>
         </p:txBody>
@@ -13043,7 +15507,7 @@
     </p:spTree>
     <p:extLst>
       <p:ext uri="{BB962C8B-B14F-4D97-AF65-F5344CB8AC3E}">
-        <p14:creationId xmlns:p14="http://schemas.microsoft.com/office/powerpoint/2010/main" val="600015680"/>
+        <p14:creationId xmlns:p14="http://schemas.microsoft.com/office/powerpoint/2010/main" val="2594980728"/>
       </p:ext>
     </p:extLst>
   </p:cSld>
@@ -13075,7 +15539,7 @@
           <p:cNvPr id="2" name="Subtitle 1">
             <a:extLst>
               <a:ext uri="{FF2B5EF4-FFF2-40B4-BE49-F238E27FC236}">
-                <a16:creationId xmlns:a16="http://schemas.microsoft.com/office/drawing/2014/main" id="{764E9717-32A5-204C-99BF-6241B2BA2C91}"/>
+                <a16:creationId xmlns:a16="http://schemas.microsoft.com/office/drawing/2014/main" id="{21E6FD3F-3A28-AA47-A971-90E2F63E6D64}"/>
               </a:ext>
             </a:extLst>
           </p:cNvPr>
@@ -13100,7 +15564,7 @@
           <p:cNvPr id="3" name="Text Placeholder 2">
             <a:extLst>
               <a:ext uri="{FF2B5EF4-FFF2-40B4-BE49-F238E27FC236}">
-                <a16:creationId xmlns:a16="http://schemas.microsoft.com/office/drawing/2014/main" id="{96990DFE-A586-E247-815B-802AB3CE06D3}"/>
+                <a16:creationId xmlns:a16="http://schemas.microsoft.com/office/drawing/2014/main" id="{B165E966-009A-0B46-A81C-B42539BA9554}"/>
               </a:ext>
             </a:extLst>
           </p:cNvPr>
@@ -13125,7 +15589,7 @@
           <p:cNvPr id="4" name="Title 3">
             <a:extLst>
               <a:ext uri="{FF2B5EF4-FFF2-40B4-BE49-F238E27FC236}">
-                <a16:creationId xmlns:a16="http://schemas.microsoft.com/office/drawing/2014/main" id="{4C84724E-AE55-6B42-B5F9-3AF88CAEA3CD}"/>
+                <a16:creationId xmlns:a16="http://schemas.microsoft.com/office/drawing/2014/main" id="{B6793C40-AB58-464E-89C2-B817BED1ECC5}"/>
               </a:ext>
             </a:extLst>
           </p:cNvPr>
@@ -13143,7 +15607,7 @@
           <a:p>
             <a:r>
               <a:rPr lang="en-US" dirty="0"/>
-              <a:t>Right Joins</a:t>
+              <a:t>Inner Joins</a:t>
             </a:r>
           </a:p>
         </p:txBody>
@@ -13151,7 +15615,7 @@
     </p:spTree>
     <p:extLst>
       <p:ext uri="{BB962C8B-B14F-4D97-AF65-F5344CB8AC3E}">
-        <p14:creationId xmlns:p14="http://schemas.microsoft.com/office/powerpoint/2010/main" val="2679670341"/>
+        <p14:creationId xmlns:p14="http://schemas.microsoft.com/office/powerpoint/2010/main" val="570540719"/>
       </p:ext>
     </p:extLst>
   </p:cSld>
@@ -13183,7 +15647,7 @@
           <p:cNvPr id="2" name="Subtitle 1">
             <a:extLst>
               <a:ext uri="{FF2B5EF4-FFF2-40B4-BE49-F238E27FC236}">
-                <a16:creationId xmlns:a16="http://schemas.microsoft.com/office/drawing/2014/main" id="{3BF363DC-AFB9-5747-892F-AAA5BD482BDD}"/>
+                <a16:creationId xmlns:a16="http://schemas.microsoft.com/office/drawing/2014/main" id="{C0FDDA91-6F16-474A-B2C2-D541B2C6DC11}"/>
               </a:ext>
             </a:extLst>
           </p:cNvPr>
@@ -13208,7 +15672,7 @@
           <p:cNvPr id="3" name="Text Placeholder 2">
             <a:extLst>
               <a:ext uri="{FF2B5EF4-FFF2-40B4-BE49-F238E27FC236}">
-                <a16:creationId xmlns:a16="http://schemas.microsoft.com/office/drawing/2014/main" id="{AB12E9FE-045D-9446-9034-B6BD944C8BC5}"/>
+                <a16:creationId xmlns:a16="http://schemas.microsoft.com/office/drawing/2014/main" id="{44800744-B562-7D4D-95DC-16B212585877}"/>
               </a:ext>
             </a:extLst>
           </p:cNvPr>
@@ -13233,7 +15697,7 @@
           <p:cNvPr id="4" name="Title 3">
             <a:extLst>
               <a:ext uri="{FF2B5EF4-FFF2-40B4-BE49-F238E27FC236}">
-                <a16:creationId xmlns:a16="http://schemas.microsoft.com/office/drawing/2014/main" id="{1BED0FA6-ED76-7E49-AC9D-C3AD978AA6E4}"/>
+                <a16:creationId xmlns:a16="http://schemas.microsoft.com/office/drawing/2014/main" id="{3851C2E4-3439-FC42-92E4-8AD466B1C754}"/>
               </a:ext>
             </a:extLst>
           </p:cNvPr>
@@ -13251,7 +15715,7 @@
           <a:p>
             <a:r>
               <a:rPr lang="en-US" dirty="0"/>
-              <a:t>Outer Joins</a:t>
+              <a:t>Left Joins</a:t>
             </a:r>
           </a:p>
         </p:txBody>
@@ -13259,7 +15723,7 @@
     </p:spTree>
     <p:extLst>
       <p:ext uri="{BB962C8B-B14F-4D97-AF65-F5344CB8AC3E}">
-        <p14:creationId xmlns:p14="http://schemas.microsoft.com/office/powerpoint/2010/main" val="1136354697"/>
+        <p14:creationId xmlns:p14="http://schemas.microsoft.com/office/powerpoint/2010/main" val="600015680"/>
       </p:ext>
     </p:extLst>
   </p:cSld>
@@ -13291,7 +15755,7 @@
           <p:cNvPr id="2" name="Subtitle 1">
             <a:extLst>
               <a:ext uri="{FF2B5EF4-FFF2-40B4-BE49-F238E27FC236}">
-                <a16:creationId xmlns:a16="http://schemas.microsoft.com/office/drawing/2014/main" id="{D6CE2481-2E49-BB44-9D6E-A58E29003D70}"/>
+                <a16:creationId xmlns:a16="http://schemas.microsoft.com/office/drawing/2014/main" id="{764E9717-32A5-204C-99BF-6241B2BA2C91}"/>
               </a:ext>
             </a:extLst>
           </p:cNvPr>
@@ -13316,7 +15780,7 @@
           <p:cNvPr id="3" name="Text Placeholder 2">
             <a:extLst>
               <a:ext uri="{FF2B5EF4-FFF2-40B4-BE49-F238E27FC236}">
-                <a16:creationId xmlns:a16="http://schemas.microsoft.com/office/drawing/2014/main" id="{85D1720F-4013-894E-8999-1DE42EA799D1}"/>
+                <a16:creationId xmlns:a16="http://schemas.microsoft.com/office/drawing/2014/main" id="{96990DFE-A586-E247-815B-802AB3CE06D3}"/>
               </a:ext>
             </a:extLst>
           </p:cNvPr>
@@ -13341,7 +15805,7 @@
           <p:cNvPr id="4" name="Title 3">
             <a:extLst>
               <a:ext uri="{FF2B5EF4-FFF2-40B4-BE49-F238E27FC236}">
-                <a16:creationId xmlns:a16="http://schemas.microsoft.com/office/drawing/2014/main" id="{F40906B0-F382-D94A-99D7-F0A5538FEFF2}"/>
+                <a16:creationId xmlns:a16="http://schemas.microsoft.com/office/drawing/2014/main" id="{4C84724E-AE55-6B42-B5F9-3AF88CAEA3CD}"/>
               </a:ext>
             </a:extLst>
           </p:cNvPr>
@@ -13359,20 +15823,15 @@
           <a:p>
             <a:r>
               <a:rPr lang="en-US" dirty="0"/>
-              <a:t>The Shape of Your</a:t>
-            </a:r>
-            <a:r>
-              <a:rPr lang="en-US" baseline="0" dirty="0"/>
-              <a:t> Data</a:t>
-            </a:r>
-            <a:endParaRPr lang="en-US" dirty="0"/>
+              <a:t>Right Joins</a:t>
+            </a:r>
           </a:p>
         </p:txBody>
       </p:sp>
     </p:spTree>
     <p:extLst>
       <p:ext uri="{BB962C8B-B14F-4D97-AF65-F5344CB8AC3E}">
-        <p14:creationId xmlns:p14="http://schemas.microsoft.com/office/powerpoint/2010/main" val="3021186209"/>
+        <p14:creationId xmlns:p14="http://schemas.microsoft.com/office/powerpoint/2010/main" val="2679670341"/>
       </p:ext>
     </p:extLst>
   </p:cSld>
@@ -13404,7 +15863,7 @@
           <p:cNvPr id="2" name="Subtitle 1">
             <a:extLst>
               <a:ext uri="{FF2B5EF4-FFF2-40B4-BE49-F238E27FC236}">
-                <a16:creationId xmlns:a16="http://schemas.microsoft.com/office/drawing/2014/main" id="{9D046E31-E6B2-424A-AD01-24DC6A841514}"/>
+                <a16:creationId xmlns:a16="http://schemas.microsoft.com/office/drawing/2014/main" id="{3BF363DC-AFB9-5747-892F-AAA5BD482BDD}"/>
               </a:ext>
             </a:extLst>
           </p:cNvPr>
@@ -13429,7 +15888,7 @@
           <p:cNvPr id="3" name="Text Placeholder 2">
             <a:extLst>
               <a:ext uri="{FF2B5EF4-FFF2-40B4-BE49-F238E27FC236}">
-                <a16:creationId xmlns:a16="http://schemas.microsoft.com/office/drawing/2014/main" id="{1ABADC0C-5EB1-E742-9C50-DC80F72FCAC8}"/>
+                <a16:creationId xmlns:a16="http://schemas.microsoft.com/office/drawing/2014/main" id="{AB12E9FE-045D-9446-9034-B6BD944C8BC5}"/>
               </a:ext>
             </a:extLst>
           </p:cNvPr>
@@ -13454,7 +15913,7 @@
           <p:cNvPr id="4" name="Title 3">
             <a:extLst>
               <a:ext uri="{FF2B5EF4-FFF2-40B4-BE49-F238E27FC236}">
-                <a16:creationId xmlns:a16="http://schemas.microsoft.com/office/drawing/2014/main" id="{91923162-363D-1B4C-8F78-0991C5D9D29E}"/>
+                <a16:creationId xmlns:a16="http://schemas.microsoft.com/office/drawing/2014/main" id="{1BED0FA6-ED76-7E49-AC9D-C3AD978AA6E4}"/>
               </a:ext>
             </a:extLst>
           </p:cNvPr>
@@ -13472,7 +15931,7 @@
           <a:p>
             <a:r>
               <a:rPr lang="en-US" dirty="0"/>
-              <a:t>Missing Data</a:t>
+              <a:t>Outer Joins</a:t>
             </a:r>
           </a:p>
         </p:txBody>
@@ -13480,7 +15939,7 @@
     </p:spTree>
     <p:extLst>
       <p:ext uri="{BB962C8B-B14F-4D97-AF65-F5344CB8AC3E}">
-        <p14:creationId xmlns:p14="http://schemas.microsoft.com/office/powerpoint/2010/main" val="3069741555"/>
+        <p14:creationId xmlns:p14="http://schemas.microsoft.com/office/powerpoint/2010/main" val="1136354697"/>
       </p:ext>
     </p:extLst>
   </p:cSld>
@@ -13512,7 +15971,7 @@
           <p:cNvPr id="2" name="Subtitle 1">
             <a:extLst>
               <a:ext uri="{FF2B5EF4-FFF2-40B4-BE49-F238E27FC236}">
-                <a16:creationId xmlns:a16="http://schemas.microsoft.com/office/drawing/2014/main" id="{A5058F48-D219-7545-9150-CF37C9DA6679}"/>
+                <a16:creationId xmlns:a16="http://schemas.microsoft.com/office/drawing/2014/main" id="{D6CE2481-2E49-BB44-9D6E-A58E29003D70}"/>
               </a:ext>
             </a:extLst>
           </p:cNvPr>
@@ -13537,7 +15996,7 @@
           <p:cNvPr id="3" name="Text Placeholder 2">
             <a:extLst>
               <a:ext uri="{FF2B5EF4-FFF2-40B4-BE49-F238E27FC236}">
-                <a16:creationId xmlns:a16="http://schemas.microsoft.com/office/drawing/2014/main" id="{1FDFA2B8-FC1D-D24E-92AF-C85916024258}"/>
+                <a16:creationId xmlns:a16="http://schemas.microsoft.com/office/drawing/2014/main" id="{85D1720F-4013-894E-8999-1DE42EA799D1}"/>
               </a:ext>
             </a:extLst>
           </p:cNvPr>
@@ -13562,7 +16021,7 @@
           <p:cNvPr id="4" name="Title 3">
             <a:extLst>
               <a:ext uri="{FF2B5EF4-FFF2-40B4-BE49-F238E27FC236}">
-                <a16:creationId xmlns:a16="http://schemas.microsoft.com/office/drawing/2014/main" id="{261279C3-A262-E741-8313-4A5E1F8CEAAE}"/>
+                <a16:creationId xmlns:a16="http://schemas.microsoft.com/office/drawing/2014/main" id="{F40906B0-F382-D94A-99D7-F0A5538FEFF2}"/>
               </a:ext>
             </a:extLst>
           </p:cNvPr>
@@ -13580,11 +16039,11 @@
           <a:p>
             <a:r>
               <a:rPr lang="en-US" dirty="0"/>
-              <a:t>Finding</a:t>
+              <a:t>The Shape of Your</a:t>
             </a:r>
             <a:r>
               <a:rPr lang="en-US" baseline="0" dirty="0"/>
-              <a:t> Missing Records</a:t>
+              <a:t> Data</a:t>
             </a:r>
             <a:endParaRPr lang="en-US" dirty="0"/>
           </a:p>
@@ -13593,7 +16052,7 @@
     </p:spTree>
     <p:extLst>
       <p:ext uri="{BB962C8B-B14F-4D97-AF65-F5344CB8AC3E}">
-        <p14:creationId xmlns:p14="http://schemas.microsoft.com/office/powerpoint/2010/main" val="4028250988"/>
+        <p14:creationId xmlns:p14="http://schemas.microsoft.com/office/powerpoint/2010/main" val="3021186209"/>
       </p:ext>
     </p:extLst>
   </p:cSld>
@@ -13625,7 +16084,7 @@
           <p:cNvPr id="2" name="Subtitle 1">
             <a:extLst>
               <a:ext uri="{FF2B5EF4-FFF2-40B4-BE49-F238E27FC236}">
-                <a16:creationId xmlns:a16="http://schemas.microsoft.com/office/drawing/2014/main" id="{383E0E86-9364-D544-9A33-2CBCED5E4D08}"/>
+                <a16:creationId xmlns:a16="http://schemas.microsoft.com/office/drawing/2014/main" id="{9D046E31-E6B2-424A-AD01-24DC6A841514}"/>
               </a:ext>
             </a:extLst>
           </p:cNvPr>
@@ -13650,7 +16109,7 @@
           <p:cNvPr id="3" name="Text Placeholder 2">
             <a:extLst>
               <a:ext uri="{FF2B5EF4-FFF2-40B4-BE49-F238E27FC236}">
-                <a16:creationId xmlns:a16="http://schemas.microsoft.com/office/drawing/2014/main" id="{6E386924-6B21-1B45-93FB-2073DC8EA8B5}"/>
+                <a16:creationId xmlns:a16="http://schemas.microsoft.com/office/drawing/2014/main" id="{1ABADC0C-5EB1-E742-9C50-DC80F72FCAC8}"/>
               </a:ext>
             </a:extLst>
           </p:cNvPr>
@@ -13675,7 +16134,7 @@
           <p:cNvPr id="4" name="Title 3">
             <a:extLst>
               <a:ext uri="{FF2B5EF4-FFF2-40B4-BE49-F238E27FC236}">
-                <a16:creationId xmlns:a16="http://schemas.microsoft.com/office/drawing/2014/main" id="{5F8B3FAC-76B5-1B44-ACE1-4D3D0E1DE523}"/>
+                <a16:creationId xmlns:a16="http://schemas.microsoft.com/office/drawing/2014/main" id="{91923162-363D-1B4C-8F78-0991C5D9D29E}"/>
               </a:ext>
             </a:extLst>
           </p:cNvPr>
@@ -13693,7 +16152,7 @@
           <a:p>
             <a:r>
               <a:rPr lang="en-US" dirty="0"/>
-              <a:t>Bringing It All Together</a:t>
+              <a:t>Missing Data</a:t>
             </a:r>
           </a:p>
         </p:txBody>
@@ -13701,7 +16160,7 @@
     </p:spTree>
     <p:extLst>
       <p:ext uri="{BB962C8B-B14F-4D97-AF65-F5344CB8AC3E}">
-        <p14:creationId xmlns:p14="http://schemas.microsoft.com/office/powerpoint/2010/main" val="130460662"/>
+        <p14:creationId xmlns:p14="http://schemas.microsoft.com/office/powerpoint/2010/main" val="3069741555"/>
       </p:ext>
     </p:extLst>
   </p:cSld>
@@ -13910,7 +16369,7 @@
           <p:cNvPr id="2" name="Subtitle 1">
             <a:extLst>
               <a:ext uri="{FF2B5EF4-FFF2-40B4-BE49-F238E27FC236}">
-                <a16:creationId xmlns:a16="http://schemas.microsoft.com/office/drawing/2014/main" id="{2D5E834E-5B7A-2B4E-B858-B6A32B587303}"/>
+                <a16:creationId xmlns:a16="http://schemas.microsoft.com/office/drawing/2014/main" id="{A5058F48-D219-7545-9150-CF37C9DA6679}"/>
               </a:ext>
             </a:extLst>
           </p:cNvPr>
@@ -13935,7 +16394,7 @@
           <p:cNvPr id="3" name="Text Placeholder 2">
             <a:extLst>
               <a:ext uri="{FF2B5EF4-FFF2-40B4-BE49-F238E27FC236}">
-                <a16:creationId xmlns:a16="http://schemas.microsoft.com/office/drawing/2014/main" id="{A4443088-FEA6-234B-AB99-42466F3677BE}"/>
+                <a16:creationId xmlns:a16="http://schemas.microsoft.com/office/drawing/2014/main" id="{1FDFA2B8-FC1D-D24E-92AF-C85916024258}"/>
               </a:ext>
             </a:extLst>
           </p:cNvPr>
@@ -13960,7 +16419,7 @@
           <p:cNvPr id="4" name="Title 3">
             <a:extLst>
               <a:ext uri="{FF2B5EF4-FFF2-40B4-BE49-F238E27FC236}">
-                <a16:creationId xmlns:a16="http://schemas.microsoft.com/office/drawing/2014/main" id="{179C3DEC-70AC-AB42-BEB7-99CBEAF719E4}"/>
+                <a16:creationId xmlns:a16="http://schemas.microsoft.com/office/drawing/2014/main" id="{261279C3-A262-E741-8313-4A5E1F8CEAAE}"/>
               </a:ext>
             </a:extLst>
           </p:cNvPr>
@@ -13978,15 +16437,20 @@
           <a:p>
             <a:r>
               <a:rPr lang="en-US" dirty="0"/>
-              <a:t>Join Clause Recommendations</a:t>
-            </a:r>
+              <a:t>Finding</a:t>
+            </a:r>
+            <a:r>
+              <a:rPr lang="en-US" baseline="0" dirty="0"/>
+              <a:t> Missing Records</a:t>
+            </a:r>
+            <a:endParaRPr lang="en-US" dirty="0"/>
           </a:p>
         </p:txBody>
       </p:sp>
     </p:spTree>
     <p:extLst>
       <p:ext uri="{BB962C8B-B14F-4D97-AF65-F5344CB8AC3E}">
-        <p14:creationId xmlns:p14="http://schemas.microsoft.com/office/powerpoint/2010/main" val="614002757"/>
+        <p14:creationId xmlns:p14="http://schemas.microsoft.com/office/powerpoint/2010/main" val="4028250988"/>
       </p:ext>
     </p:extLst>
   </p:cSld>
@@ -14015,10 +16479,60 @@
       </p:grpSpPr>
       <p:sp>
         <p:nvSpPr>
+          <p:cNvPr id="2" name="Subtitle 1">
+            <a:extLst>
+              <a:ext uri="{FF2B5EF4-FFF2-40B4-BE49-F238E27FC236}">
+                <a16:creationId xmlns:a16="http://schemas.microsoft.com/office/drawing/2014/main" id="{383E0E86-9364-D544-9A33-2CBCED5E4D08}"/>
+              </a:ext>
+            </a:extLst>
+          </p:cNvPr>
+          <p:cNvSpPr>
+            <a:spLocks noGrp="1"/>
+          </p:cNvSpPr>
+          <p:nvPr>
+            <p:ph type="subTitle" idx="1"/>
+          </p:nvPr>
+        </p:nvSpPr>
+        <p:spPr/>
+        <p:txBody>
+          <a:bodyPr/>
+          <a:lstStyle/>
+          <a:p>
+            <a:endParaRPr lang="en-US"/>
+          </a:p>
+        </p:txBody>
+      </p:sp>
+      <p:sp>
+        <p:nvSpPr>
+          <p:cNvPr id="3" name="Text Placeholder 2">
+            <a:extLst>
+              <a:ext uri="{FF2B5EF4-FFF2-40B4-BE49-F238E27FC236}">
+                <a16:creationId xmlns:a16="http://schemas.microsoft.com/office/drawing/2014/main" id="{6E386924-6B21-1B45-93FB-2073DC8EA8B5}"/>
+              </a:ext>
+            </a:extLst>
+          </p:cNvPr>
+          <p:cNvSpPr>
+            <a:spLocks noGrp="1"/>
+          </p:cNvSpPr>
+          <p:nvPr>
+            <p:ph type="body" sz="quarter" idx="11"/>
+          </p:nvPr>
+        </p:nvSpPr>
+        <p:spPr/>
+        <p:txBody>
+          <a:bodyPr/>
+          <a:lstStyle/>
+          <a:p>
+            <a:endParaRPr lang="en-US"/>
+          </a:p>
+        </p:txBody>
+      </p:sp>
+      <p:sp>
+        <p:nvSpPr>
           <p:cNvPr id="4" name="Title 3">
             <a:extLst>
               <a:ext uri="{FF2B5EF4-FFF2-40B4-BE49-F238E27FC236}">
-                <a16:creationId xmlns:a16="http://schemas.microsoft.com/office/drawing/2014/main" id="{1E6D96E9-B635-0245-9098-C1FAA390A091}"/>
+                <a16:creationId xmlns:a16="http://schemas.microsoft.com/office/drawing/2014/main" id="{5F8B3FAC-76B5-1B44-ACE1-4D3D0E1DE523}"/>
               </a:ext>
             </a:extLst>
           </p:cNvPr>
@@ -14036,7 +16550,7 @@
           <a:p>
             <a:r>
               <a:rPr lang="en-US" dirty="0"/>
-              <a:t>Part II: Transform</a:t>
+              <a:t>Bringing It All Together</a:t>
             </a:r>
           </a:p>
         </p:txBody>
@@ -14044,7 +16558,7 @@
     </p:spTree>
     <p:extLst>
       <p:ext uri="{BB962C8B-B14F-4D97-AF65-F5344CB8AC3E}">
-        <p14:creationId xmlns:p14="http://schemas.microsoft.com/office/powerpoint/2010/main" val="1657269070"/>
+        <p14:creationId xmlns:p14="http://schemas.microsoft.com/office/powerpoint/2010/main" val="130460662"/>
       </p:ext>
     </p:extLst>
   </p:cSld>
@@ -14073,10 +16587,10 @@
       </p:grpSpPr>
       <p:sp>
         <p:nvSpPr>
-          <p:cNvPr id="2" name="Title 1">
+          <p:cNvPr id="2" name="Subtitle 1">
             <a:extLst>
               <a:ext uri="{FF2B5EF4-FFF2-40B4-BE49-F238E27FC236}">
-                <a16:creationId xmlns:a16="http://schemas.microsoft.com/office/drawing/2014/main" id="{2DCC4BB7-7A9D-DE44-81A7-84A15E54D20B}"/>
+                <a16:creationId xmlns:a16="http://schemas.microsoft.com/office/drawing/2014/main" id="{2D5E834E-5B7A-2B4E-B858-B6A32B587303}"/>
               </a:ext>
             </a:extLst>
           </p:cNvPr>
@@ -14084,6 +16598,56 @@
             <a:spLocks noGrp="1"/>
           </p:cNvSpPr>
           <p:nvPr>
+            <p:ph type="subTitle" idx="1"/>
+          </p:nvPr>
+        </p:nvSpPr>
+        <p:spPr/>
+        <p:txBody>
+          <a:bodyPr/>
+          <a:lstStyle/>
+          <a:p>
+            <a:endParaRPr lang="en-US"/>
+          </a:p>
+        </p:txBody>
+      </p:sp>
+      <p:sp>
+        <p:nvSpPr>
+          <p:cNvPr id="3" name="Text Placeholder 2">
+            <a:extLst>
+              <a:ext uri="{FF2B5EF4-FFF2-40B4-BE49-F238E27FC236}">
+                <a16:creationId xmlns:a16="http://schemas.microsoft.com/office/drawing/2014/main" id="{A4443088-FEA6-234B-AB99-42466F3677BE}"/>
+              </a:ext>
+            </a:extLst>
+          </p:cNvPr>
+          <p:cNvSpPr>
+            <a:spLocks noGrp="1"/>
+          </p:cNvSpPr>
+          <p:nvPr>
+            <p:ph type="body" sz="quarter" idx="11"/>
+          </p:nvPr>
+        </p:nvSpPr>
+        <p:spPr/>
+        <p:txBody>
+          <a:bodyPr/>
+          <a:lstStyle/>
+          <a:p>
+            <a:endParaRPr lang="en-US"/>
+          </a:p>
+        </p:txBody>
+      </p:sp>
+      <p:sp>
+        <p:nvSpPr>
+          <p:cNvPr id="4" name="Title 3">
+            <a:extLst>
+              <a:ext uri="{FF2B5EF4-FFF2-40B4-BE49-F238E27FC236}">
+                <a16:creationId xmlns:a16="http://schemas.microsoft.com/office/drawing/2014/main" id="{179C3DEC-70AC-AB42-BEB7-99CBEAF719E4}"/>
+              </a:ext>
+            </a:extLst>
+          </p:cNvPr>
+          <p:cNvSpPr>
+            <a:spLocks noGrp="1"/>
+          </p:cNvSpPr>
+          <p:nvPr>
             <p:ph type="title"/>
           </p:nvPr>
         </p:nvSpPr>
@@ -14094,20 +16658,15 @@
           <a:p>
             <a:r>
               <a:rPr lang="en-US" dirty="0"/>
-              <a:t>Module 5: Auditing &amp; Cleaning</a:t>
-            </a:r>
-            <a:r>
-              <a:rPr lang="en-US" baseline="0" dirty="0"/>
-              <a:t> Your Data</a:t>
-            </a:r>
-            <a:endParaRPr lang="en-US" dirty="0"/>
+              <a:t>Join Clause Recommendations</a:t>
+            </a:r>
           </a:p>
         </p:txBody>
       </p:sp>
     </p:spTree>
     <p:extLst>
       <p:ext uri="{BB962C8B-B14F-4D97-AF65-F5344CB8AC3E}">
-        <p14:creationId xmlns:p14="http://schemas.microsoft.com/office/powerpoint/2010/main" val="228763628"/>
+        <p14:creationId xmlns:p14="http://schemas.microsoft.com/office/powerpoint/2010/main" val="614002757"/>
       </p:ext>
     </p:extLst>
   </p:cSld>
@@ -14136,10 +16695,10 @@
       </p:grpSpPr>
       <p:sp>
         <p:nvSpPr>
-          <p:cNvPr id="3" name="Title 2">
+          <p:cNvPr id="4" name="Title 3">
             <a:extLst>
               <a:ext uri="{FF2B5EF4-FFF2-40B4-BE49-F238E27FC236}">
-                <a16:creationId xmlns:a16="http://schemas.microsoft.com/office/drawing/2014/main" id="{6A8948BA-33DF-8D4F-BE0B-53151B6B2FE4}"/>
+                <a16:creationId xmlns:a16="http://schemas.microsoft.com/office/drawing/2014/main" id="{1E6D96E9-B635-0245-9098-C1FAA390A091}"/>
               </a:ext>
             </a:extLst>
           </p:cNvPr>
@@ -14157,40 +16716,15 @@
           <a:p>
             <a:r>
               <a:rPr lang="en-US" dirty="0"/>
-              <a:t>Auditing Your Data</a:t>
-            </a:r>
-          </a:p>
-        </p:txBody>
-      </p:sp>
-      <p:sp>
-        <p:nvSpPr>
-          <p:cNvPr id="4" name="Text Placeholder 3">
-            <a:extLst>
-              <a:ext uri="{FF2B5EF4-FFF2-40B4-BE49-F238E27FC236}">
-                <a16:creationId xmlns:a16="http://schemas.microsoft.com/office/drawing/2014/main" id="{94D8F0A2-309B-B545-8C29-D643FC88803F}"/>
-              </a:ext>
-            </a:extLst>
-          </p:cNvPr>
-          <p:cNvSpPr>
-            <a:spLocks noGrp="1"/>
-          </p:cNvSpPr>
-          <p:nvPr>
-            <p:ph type="body" sz="quarter" idx="10"/>
-          </p:nvPr>
-        </p:nvSpPr>
-        <p:spPr/>
-        <p:txBody>
-          <a:bodyPr/>
-          <a:lstStyle/>
-          <a:p>
-            <a:endParaRPr lang="en-US"/>
+              <a:t>Part II: Transform</a:t>
+            </a:r>
           </a:p>
         </p:txBody>
       </p:sp>
     </p:spTree>
     <p:extLst>
       <p:ext uri="{BB962C8B-B14F-4D97-AF65-F5344CB8AC3E}">
-        <p14:creationId xmlns:p14="http://schemas.microsoft.com/office/powerpoint/2010/main" val="2617968978"/>
+        <p14:creationId xmlns:p14="http://schemas.microsoft.com/office/powerpoint/2010/main" val="1657269070"/>
       </p:ext>
     </p:extLst>
   </p:cSld>
@@ -14222,7 +16756,7 @@
           <p:cNvPr id="2" name="Title 1">
             <a:extLst>
               <a:ext uri="{FF2B5EF4-FFF2-40B4-BE49-F238E27FC236}">
-                <a16:creationId xmlns:a16="http://schemas.microsoft.com/office/drawing/2014/main" id="{0F73A750-FCCE-1B43-B19C-3EF29425C208}"/>
+                <a16:creationId xmlns:a16="http://schemas.microsoft.com/office/drawing/2014/main" id="{2DCC4BB7-7A9D-DE44-81A7-84A15E54D20B}"/>
               </a:ext>
             </a:extLst>
           </p:cNvPr>
@@ -14240,40 +16774,20 @@
           <a:p>
             <a:r>
               <a:rPr lang="en-US" dirty="0"/>
-              <a:t>Cleaning Your Data</a:t>
-            </a:r>
-          </a:p>
-        </p:txBody>
-      </p:sp>
-      <p:sp>
-        <p:nvSpPr>
-          <p:cNvPr id="3" name="Text Placeholder 2">
-            <a:extLst>
-              <a:ext uri="{FF2B5EF4-FFF2-40B4-BE49-F238E27FC236}">
-                <a16:creationId xmlns:a16="http://schemas.microsoft.com/office/drawing/2014/main" id="{47EB4147-976C-5F4C-8296-9593979C5497}"/>
-              </a:ext>
-            </a:extLst>
-          </p:cNvPr>
-          <p:cNvSpPr>
-            <a:spLocks noGrp="1"/>
-          </p:cNvSpPr>
-          <p:nvPr>
-            <p:ph type="body" sz="quarter" idx="10"/>
-          </p:nvPr>
-        </p:nvSpPr>
-        <p:spPr/>
-        <p:txBody>
-          <a:bodyPr/>
-          <a:lstStyle/>
-          <a:p>
-            <a:endParaRPr lang="en-US"/>
+              <a:t>Module 5: Auditing &amp; Cleaning</a:t>
+            </a:r>
+            <a:r>
+              <a:rPr lang="en-US" baseline="0" dirty="0"/>
+              <a:t> Your Data</a:t>
+            </a:r>
+            <a:endParaRPr lang="en-US" dirty="0"/>
           </a:p>
         </p:txBody>
       </p:sp>
     </p:spTree>
     <p:extLst>
       <p:ext uri="{BB962C8B-B14F-4D97-AF65-F5344CB8AC3E}">
-        <p14:creationId xmlns:p14="http://schemas.microsoft.com/office/powerpoint/2010/main" val="520519833"/>
+        <p14:creationId xmlns:p14="http://schemas.microsoft.com/office/powerpoint/2010/main" val="228763628"/>
       </p:ext>
     </p:extLst>
   </p:cSld>
@@ -14302,10 +16816,10 @@
       </p:grpSpPr>
       <p:sp>
         <p:nvSpPr>
-          <p:cNvPr id="2" name="Title 1">
+          <p:cNvPr id="3" name="Title 2">
             <a:extLst>
               <a:ext uri="{FF2B5EF4-FFF2-40B4-BE49-F238E27FC236}">
-                <a16:creationId xmlns:a16="http://schemas.microsoft.com/office/drawing/2014/main" id="{8AADCE9C-567B-F343-AD3A-DCEED7751871}"/>
+                <a16:creationId xmlns:a16="http://schemas.microsoft.com/office/drawing/2014/main" id="{6A8948BA-33DF-8D4F-BE0B-53151B6B2FE4}"/>
               </a:ext>
             </a:extLst>
           </p:cNvPr>
@@ -14323,17 +16837,17 @@
           <a:p>
             <a:r>
               <a:rPr lang="en-US" dirty="0"/>
-              <a:t>Merge and Clean</a:t>
-            </a:r>
-          </a:p>
-        </p:txBody>
-      </p:sp>
-      <p:sp>
-        <p:nvSpPr>
-          <p:cNvPr id="3" name="Text Placeholder 2">
+              <a:t>Auditing Your Data</a:t>
+            </a:r>
+          </a:p>
+        </p:txBody>
+      </p:sp>
+      <p:sp>
+        <p:nvSpPr>
+          <p:cNvPr id="4" name="Text Placeholder 3">
             <a:extLst>
               <a:ext uri="{FF2B5EF4-FFF2-40B4-BE49-F238E27FC236}">
-                <a16:creationId xmlns:a16="http://schemas.microsoft.com/office/drawing/2014/main" id="{9E15A277-1323-9644-A078-4090B3729416}"/>
+                <a16:creationId xmlns:a16="http://schemas.microsoft.com/office/drawing/2014/main" id="{94D8F0A2-309B-B545-8C29-D643FC88803F}"/>
               </a:ext>
             </a:extLst>
           </p:cNvPr>
@@ -14356,7 +16870,7 @@
     </p:spTree>
     <p:extLst>
       <p:ext uri="{BB962C8B-B14F-4D97-AF65-F5344CB8AC3E}">
-        <p14:creationId xmlns:p14="http://schemas.microsoft.com/office/powerpoint/2010/main" val="3260361871"/>
+        <p14:creationId xmlns:p14="http://schemas.microsoft.com/office/powerpoint/2010/main" val="2617968978"/>
       </p:ext>
     </p:extLst>
   </p:cSld>
@@ -14388,7 +16902,7 @@
           <p:cNvPr id="2" name="Title 1">
             <a:extLst>
               <a:ext uri="{FF2B5EF4-FFF2-40B4-BE49-F238E27FC236}">
-                <a16:creationId xmlns:a16="http://schemas.microsoft.com/office/drawing/2014/main" id="{0F9C471B-4CB9-534B-AF00-E0FEFDE63E75}"/>
+                <a16:creationId xmlns:a16="http://schemas.microsoft.com/office/drawing/2014/main" id="{0F73A750-FCCE-1B43-B19C-3EF29425C208}"/>
               </a:ext>
             </a:extLst>
           </p:cNvPr>
@@ -14406,7 +16920,7 @@
           <a:p>
             <a:r>
               <a:rPr lang="en-US" dirty="0"/>
-              <a:t>Making Data More Consistent</a:t>
+              <a:t>Cleaning Your Data</a:t>
             </a:r>
           </a:p>
         </p:txBody>
@@ -14416,7 +16930,7 @@
           <p:cNvPr id="3" name="Text Placeholder 2">
             <a:extLst>
               <a:ext uri="{FF2B5EF4-FFF2-40B4-BE49-F238E27FC236}">
-                <a16:creationId xmlns:a16="http://schemas.microsoft.com/office/drawing/2014/main" id="{F45FAE89-9E67-0A43-A422-22847A7FD8CA}"/>
+                <a16:creationId xmlns:a16="http://schemas.microsoft.com/office/drawing/2014/main" id="{47EB4147-976C-5F4C-8296-9593979C5497}"/>
               </a:ext>
             </a:extLst>
           </p:cNvPr>
@@ -14439,7 +16953,7 @@
     </p:spTree>
     <p:extLst>
       <p:ext uri="{BB962C8B-B14F-4D97-AF65-F5344CB8AC3E}">
-        <p14:creationId xmlns:p14="http://schemas.microsoft.com/office/powerpoint/2010/main" val="3958965914"/>
+        <p14:creationId xmlns:p14="http://schemas.microsoft.com/office/powerpoint/2010/main" val="520519833"/>
       </p:ext>
     </p:extLst>
   </p:cSld>
@@ -14471,7 +16985,7 @@
           <p:cNvPr id="2" name="Title 1">
             <a:extLst>
               <a:ext uri="{FF2B5EF4-FFF2-40B4-BE49-F238E27FC236}">
-                <a16:creationId xmlns:a16="http://schemas.microsoft.com/office/drawing/2014/main" id="{2E92257E-A8A0-2740-A0E2-3034B8C6ADD9}"/>
+                <a16:creationId xmlns:a16="http://schemas.microsoft.com/office/drawing/2014/main" id="{8AADCE9C-567B-F343-AD3A-DCEED7751871}"/>
               </a:ext>
             </a:extLst>
           </p:cNvPr>
@@ -14489,7 +17003,7 @@
           <a:p>
             <a:r>
               <a:rPr lang="en-US" dirty="0"/>
-              <a:t>Splitting Fields</a:t>
+              <a:t>Merge and Clean</a:t>
             </a:r>
           </a:p>
         </p:txBody>
@@ -14499,7 +17013,7 @@
           <p:cNvPr id="3" name="Text Placeholder 2">
             <a:extLst>
               <a:ext uri="{FF2B5EF4-FFF2-40B4-BE49-F238E27FC236}">
-                <a16:creationId xmlns:a16="http://schemas.microsoft.com/office/drawing/2014/main" id="{20C4FAF8-0C73-5A41-8B13-61EF434F64B4}"/>
+                <a16:creationId xmlns:a16="http://schemas.microsoft.com/office/drawing/2014/main" id="{9E15A277-1323-9644-A078-4090B3729416}"/>
               </a:ext>
             </a:extLst>
           </p:cNvPr>
@@ -14522,7 +17036,7 @@
     </p:spTree>
     <p:extLst>
       <p:ext uri="{BB962C8B-B14F-4D97-AF65-F5344CB8AC3E}">
-        <p14:creationId xmlns:p14="http://schemas.microsoft.com/office/powerpoint/2010/main" val="49218107"/>
+        <p14:creationId xmlns:p14="http://schemas.microsoft.com/office/powerpoint/2010/main" val="3260361871"/>
       </p:ext>
     </p:extLst>
   </p:cSld>
@@ -14554,7 +17068,7 @@
           <p:cNvPr id="2" name="Title 1">
             <a:extLst>
               <a:ext uri="{FF2B5EF4-FFF2-40B4-BE49-F238E27FC236}">
-                <a16:creationId xmlns:a16="http://schemas.microsoft.com/office/drawing/2014/main" id="{8ECBCB28-8413-5140-A949-761083F81470}"/>
+                <a16:creationId xmlns:a16="http://schemas.microsoft.com/office/drawing/2014/main" id="{0F9C471B-4CB9-534B-AF00-E0FEFDE63E75}"/>
               </a:ext>
             </a:extLst>
           </p:cNvPr>
@@ -14572,7 +17086,7 @@
           <a:p>
             <a:r>
               <a:rPr lang="en-US" dirty="0"/>
-              <a:t>Recommendations</a:t>
+              <a:t>Making Data More Consistent</a:t>
             </a:r>
           </a:p>
         </p:txBody>
@@ -14582,7 +17096,7 @@
           <p:cNvPr id="3" name="Text Placeholder 2">
             <a:extLst>
               <a:ext uri="{FF2B5EF4-FFF2-40B4-BE49-F238E27FC236}">
-                <a16:creationId xmlns:a16="http://schemas.microsoft.com/office/drawing/2014/main" id="{DE38BA79-005D-F748-8EF0-DDBDB31CFBF0}"/>
+                <a16:creationId xmlns:a16="http://schemas.microsoft.com/office/drawing/2014/main" id="{F45FAE89-9E67-0A43-A422-22847A7FD8CA}"/>
               </a:ext>
             </a:extLst>
           </p:cNvPr>
@@ -14605,7 +17119,7 @@
     </p:spTree>
     <p:extLst>
       <p:ext uri="{BB962C8B-B14F-4D97-AF65-F5344CB8AC3E}">
-        <p14:creationId xmlns:p14="http://schemas.microsoft.com/office/powerpoint/2010/main" val="3708025470"/>
+        <p14:creationId xmlns:p14="http://schemas.microsoft.com/office/powerpoint/2010/main" val="3958965914"/>
       </p:ext>
     </p:extLst>
   </p:cSld>
@@ -14637,7 +17151,7 @@
           <p:cNvPr id="2" name="Title 1">
             <a:extLst>
               <a:ext uri="{FF2B5EF4-FFF2-40B4-BE49-F238E27FC236}">
-                <a16:creationId xmlns:a16="http://schemas.microsoft.com/office/drawing/2014/main" id="{56B44BDD-EA88-2D47-A6B7-E02FE22AD315}"/>
+                <a16:creationId xmlns:a16="http://schemas.microsoft.com/office/drawing/2014/main" id="{2E92257E-A8A0-2740-A0E2-3034B8C6ADD9}"/>
               </a:ext>
             </a:extLst>
           </p:cNvPr>
@@ -14655,7 +17169,7 @@
           <a:p>
             <a:r>
               <a:rPr lang="en-US" dirty="0"/>
-              <a:t>Handling NULL Values</a:t>
+              <a:t>Splitting Fields</a:t>
             </a:r>
           </a:p>
         </p:txBody>
@@ -14665,7 +17179,7 @@
           <p:cNvPr id="3" name="Text Placeholder 2">
             <a:extLst>
               <a:ext uri="{FF2B5EF4-FFF2-40B4-BE49-F238E27FC236}">
-                <a16:creationId xmlns:a16="http://schemas.microsoft.com/office/drawing/2014/main" id="{35B8F14B-39CF-AF41-99E1-2E843C247A56}"/>
+                <a16:creationId xmlns:a16="http://schemas.microsoft.com/office/drawing/2014/main" id="{20C4FAF8-0C73-5A41-8B13-61EF434F64B4}"/>
               </a:ext>
             </a:extLst>
           </p:cNvPr>
@@ -14688,7 +17202,7 @@
     </p:spTree>
     <p:extLst>
       <p:ext uri="{BB962C8B-B14F-4D97-AF65-F5344CB8AC3E}">
-        <p14:creationId xmlns:p14="http://schemas.microsoft.com/office/powerpoint/2010/main" val="3654839068"/>
+        <p14:creationId xmlns:p14="http://schemas.microsoft.com/office/powerpoint/2010/main" val="49218107"/>
       </p:ext>
     </p:extLst>
   </p:cSld>
@@ -14830,7 +17344,7 @@
           <p:cNvPr id="2" name="Title 1">
             <a:extLst>
               <a:ext uri="{FF2B5EF4-FFF2-40B4-BE49-F238E27FC236}">
-                <a16:creationId xmlns:a16="http://schemas.microsoft.com/office/drawing/2014/main" id="{505FEF39-4D4F-234C-A7CC-3D508B076ECC}"/>
+                <a16:creationId xmlns:a16="http://schemas.microsoft.com/office/drawing/2014/main" id="{8ECBCB28-8413-5140-A949-761083F81470}"/>
               </a:ext>
             </a:extLst>
           </p:cNvPr>
@@ -14848,7 +17362,7 @@
           <a:p>
             <a:r>
               <a:rPr lang="en-US" dirty="0"/>
-              <a:t>Filtering Records</a:t>
+              <a:t>Recommendations</a:t>
             </a:r>
           </a:p>
         </p:txBody>
@@ -14858,7 +17372,7 @@
           <p:cNvPr id="3" name="Text Placeholder 2">
             <a:extLst>
               <a:ext uri="{FF2B5EF4-FFF2-40B4-BE49-F238E27FC236}">
-                <a16:creationId xmlns:a16="http://schemas.microsoft.com/office/drawing/2014/main" id="{F0A2B6CF-1628-4546-AF20-667E71376CF7}"/>
+                <a16:creationId xmlns:a16="http://schemas.microsoft.com/office/drawing/2014/main" id="{DE38BA79-005D-F748-8EF0-DDBDB31CFBF0}"/>
               </a:ext>
             </a:extLst>
           </p:cNvPr>
@@ -14881,7 +17395,7 @@
     </p:spTree>
     <p:extLst>
       <p:ext uri="{BB962C8B-B14F-4D97-AF65-F5344CB8AC3E}">
-        <p14:creationId xmlns:p14="http://schemas.microsoft.com/office/powerpoint/2010/main" val="1615717970"/>
+        <p14:creationId xmlns:p14="http://schemas.microsoft.com/office/powerpoint/2010/main" val="3708025470"/>
       </p:ext>
     </p:extLst>
   </p:cSld>
@@ -14913,7 +17427,7 @@
           <p:cNvPr id="2" name="Title 1">
             <a:extLst>
               <a:ext uri="{FF2B5EF4-FFF2-40B4-BE49-F238E27FC236}">
-                <a16:creationId xmlns:a16="http://schemas.microsoft.com/office/drawing/2014/main" id="{C3A4853A-6621-BF48-99C0-CF9E50FA3A1F}"/>
+                <a16:creationId xmlns:a16="http://schemas.microsoft.com/office/drawing/2014/main" id="{56B44BDD-EA88-2D47-A6B7-E02FE22AD315}"/>
               </a:ext>
             </a:extLst>
           </p:cNvPr>
@@ -14931,15 +17445,40 @@
           <a:p>
             <a:r>
               <a:rPr lang="en-US" dirty="0"/>
-              <a:t>Module 6: Group and Replace</a:t>
-            </a:r>
+              <a:t>Handling NULL Values</a:t>
+            </a:r>
+          </a:p>
+        </p:txBody>
+      </p:sp>
+      <p:sp>
+        <p:nvSpPr>
+          <p:cNvPr id="3" name="Text Placeholder 2">
+            <a:extLst>
+              <a:ext uri="{FF2B5EF4-FFF2-40B4-BE49-F238E27FC236}">
+                <a16:creationId xmlns:a16="http://schemas.microsoft.com/office/drawing/2014/main" id="{35B8F14B-39CF-AF41-99E1-2E843C247A56}"/>
+              </a:ext>
+            </a:extLst>
+          </p:cNvPr>
+          <p:cNvSpPr>
+            <a:spLocks noGrp="1"/>
+          </p:cNvSpPr>
+          <p:nvPr>
+            <p:ph type="body" sz="quarter" idx="10"/>
+          </p:nvPr>
+        </p:nvSpPr>
+        <p:spPr/>
+        <p:txBody>
+          <a:bodyPr/>
+          <a:lstStyle/>
+          <a:p>
+            <a:endParaRPr lang="en-US"/>
           </a:p>
         </p:txBody>
       </p:sp>
     </p:spTree>
     <p:extLst>
       <p:ext uri="{BB962C8B-B14F-4D97-AF65-F5344CB8AC3E}">
-        <p14:creationId xmlns:p14="http://schemas.microsoft.com/office/powerpoint/2010/main" val="3911395177"/>
+        <p14:creationId xmlns:p14="http://schemas.microsoft.com/office/powerpoint/2010/main" val="3654839068"/>
       </p:ext>
     </p:extLst>
   </p:cSld>
@@ -14971,7 +17510,7 @@
           <p:cNvPr id="2" name="Title 1">
             <a:extLst>
               <a:ext uri="{FF2B5EF4-FFF2-40B4-BE49-F238E27FC236}">
-                <a16:creationId xmlns:a16="http://schemas.microsoft.com/office/drawing/2014/main" id="{3480EC15-00FE-FC41-ADF7-549E87A4B4F2}"/>
+                <a16:creationId xmlns:a16="http://schemas.microsoft.com/office/drawing/2014/main" id="{505FEF39-4D4F-234C-A7CC-3D508B076ECC}"/>
               </a:ext>
             </a:extLst>
           </p:cNvPr>
@@ -14989,7 +17528,7 @@
           <a:p>
             <a:r>
               <a:rPr lang="en-US" dirty="0"/>
-              <a:t>Group and Replace</a:t>
+              <a:t>Filtering Records</a:t>
             </a:r>
           </a:p>
         </p:txBody>
@@ -14999,7 +17538,7 @@
           <p:cNvPr id="3" name="Text Placeholder 2">
             <a:extLst>
               <a:ext uri="{FF2B5EF4-FFF2-40B4-BE49-F238E27FC236}">
-                <a16:creationId xmlns:a16="http://schemas.microsoft.com/office/drawing/2014/main" id="{52CBEEB9-F887-F642-BD6A-347CE2FA09FB}"/>
+                <a16:creationId xmlns:a16="http://schemas.microsoft.com/office/drawing/2014/main" id="{F0A2B6CF-1628-4546-AF20-667E71376CF7}"/>
               </a:ext>
             </a:extLst>
           </p:cNvPr>
@@ -15022,7 +17561,7 @@
     </p:spTree>
     <p:extLst>
       <p:ext uri="{BB962C8B-B14F-4D97-AF65-F5344CB8AC3E}">
-        <p14:creationId xmlns:p14="http://schemas.microsoft.com/office/powerpoint/2010/main" val="4144102751"/>
+        <p14:creationId xmlns:p14="http://schemas.microsoft.com/office/powerpoint/2010/main" val="1615717970"/>
       </p:ext>
     </p:extLst>
   </p:cSld>
@@ -15054,7 +17593,7 @@
           <p:cNvPr id="2" name="Title 1">
             <a:extLst>
               <a:ext uri="{FF2B5EF4-FFF2-40B4-BE49-F238E27FC236}">
-                <a16:creationId xmlns:a16="http://schemas.microsoft.com/office/drawing/2014/main" id="{5EF4012B-FF41-2C4E-B2EF-2972C9D9184A}"/>
+                <a16:creationId xmlns:a16="http://schemas.microsoft.com/office/drawing/2014/main" id="{C3A4853A-6621-BF48-99C0-CF9E50FA3A1F}"/>
               </a:ext>
             </a:extLst>
           </p:cNvPr>
@@ -15072,45 +17611,15 @@
           <a:p>
             <a:r>
               <a:rPr lang="en-US" dirty="0"/>
-              <a:t>Manual</a:t>
-            </a:r>
-            <a:r>
-              <a:rPr lang="en-US" baseline="0" dirty="0"/>
-              <a:t> Selection</a:t>
-            </a:r>
-            <a:endParaRPr lang="en-US" dirty="0"/>
-          </a:p>
-        </p:txBody>
-      </p:sp>
-      <p:sp>
-        <p:nvSpPr>
-          <p:cNvPr id="3" name="Text Placeholder 2">
-            <a:extLst>
-              <a:ext uri="{FF2B5EF4-FFF2-40B4-BE49-F238E27FC236}">
-                <a16:creationId xmlns:a16="http://schemas.microsoft.com/office/drawing/2014/main" id="{404BE848-6263-0145-B9F8-9619C16139F0}"/>
-              </a:ext>
-            </a:extLst>
-          </p:cNvPr>
-          <p:cNvSpPr>
-            <a:spLocks noGrp="1"/>
-          </p:cNvSpPr>
-          <p:nvPr>
-            <p:ph type="body" sz="quarter" idx="10"/>
-          </p:nvPr>
-        </p:nvSpPr>
-        <p:spPr/>
-        <p:txBody>
-          <a:bodyPr/>
-          <a:lstStyle/>
-          <a:p>
-            <a:endParaRPr lang="en-US"/>
+              <a:t>Module 6: Group and Replace</a:t>
+            </a:r>
           </a:p>
         </p:txBody>
       </p:sp>
     </p:spTree>
     <p:extLst>
       <p:ext uri="{BB962C8B-B14F-4D97-AF65-F5344CB8AC3E}">
-        <p14:creationId xmlns:p14="http://schemas.microsoft.com/office/powerpoint/2010/main" val="1517578569"/>
+        <p14:creationId xmlns:p14="http://schemas.microsoft.com/office/powerpoint/2010/main" val="3911395177"/>
       </p:ext>
     </p:extLst>
   </p:cSld>
@@ -15142,7 +17651,7 @@
           <p:cNvPr id="2" name="Title 1">
             <a:extLst>
               <a:ext uri="{FF2B5EF4-FFF2-40B4-BE49-F238E27FC236}">
-                <a16:creationId xmlns:a16="http://schemas.microsoft.com/office/drawing/2014/main" id="{B8CB6C30-3AB2-3744-B360-453B167B4FF4}"/>
+                <a16:creationId xmlns:a16="http://schemas.microsoft.com/office/drawing/2014/main" id="{3480EC15-00FE-FC41-ADF7-549E87A4B4F2}"/>
               </a:ext>
             </a:extLst>
           </p:cNvPr>
@@ -15160,7 +17669,7 @@
           <a:p>
             <a:r>
               <a:rPr lang="en-US" dirty="0"/>
-              <a:t>Grouping by Pronunciation</a:t>
+              <a:t>Group and Replace</a:t>
             </a:r>
           </a:p>
         </p:txBody>
@@ -15170,7 +17679,7 @@
           <p:cNvPr id="3" name="Text Placeholder 2">
             <a:extLst>
               <a:ext uri="{FF2B5EF4-FFF2-40B4-BE49-F238E27FC236}">
-                <a16:creationId xmlns:a16="http://schemas.microsoft.com/office/drawing/2014/main" id="{3114DC91-50BA-4E48-B2AF-D3791A89BC17}"/>
+                <a16:creationId xmlns:a16="http://schemas.microsoft.com/office/drawing/2014/main" id="{52CBEEB9-F887-F642-BD6A-347CE2FA09FB}"/>
               </a:ext>
             </a:extLst>
           </p:cNvPr>
@@ -15193,7 +17702,7 @@
     </p:spTree>
     <p:extLst>
       <p:ext uri="{BB962C8B-B14F-4D97-AF65-F5344CB8AC3E}">
-        <p14:creationId xmlns:p14="http://schemas.microsoft.com/office/powerpoint/2010/main" val="4105177919"/>
+        <p14:creationId xmlns:p14="http://schemas.microsoft.com/office/powerpoint/2010/main" val="4144102751"/>
       </p:ext>
     </p:extLst>
   </p:cSld>
@@ -15225,7 +17734,7 @@
           <p:cNvPr id="2" name="Title 1">
             <a:extLst>
               <a:ext uri="{FF2B5EF4-FFF2-40B4-BE49-F238E27FC236}">
-                <a16:creationId xmlns:a16="http://schemas.microsoft.com/office/drawing/2014/main" id="{F667AD0A-11C2-034F-9745-119770BC4F74}"/>
+                <a16:creationId xmlns:a16="http://schemas.microsoft.com/office/drawing/2014/main" id="{5EF4012B-FF41-2C4E-B2EF-2972C9D9184A}"/>
               </a:ext>
             </a:extLst>
           </p:cNvPr>
@@ -15243,11 +17752,11 @@
           <a:p>
             <a:r>
               <a:rPr lang="en-US" dirty="0"/>
-              <a:t>Grouping</a:t>
+              <a:t>Manual</a:t>
             </a:r>
             <a:r>
               <a:rPr lang="en-US" baseline="0" dirty="0"/>
-              <a:t> by Common Characters</a:t>
+              <a:t> Selection</a:t>
             </a:r>
             <a:endParaRPr lang="en-US" dirty="0"/>
           </a:p>
@@ -15258,7 +17767,7 @@
           <p:cNvPr id="3" name="Text Placeholder 2">
             <a:extLst>
               <a:ext uri="{FF2B5EF4-FFF2-40B4-BE49-F238E27FC236}">
-                <a16:creationId xmlns:a16="http://schemas.microsoft.com/office/drawing/2014/main" id="{E01C124F-BC23-884A-8940-AE40F6201DB9}"/>
+                <a16:creationId xmlns:a16="http://schemas.microsoft.com/office/drawing/2014/main" id="{404BE848-6263-0145-B9F8-9619C16139F0}"/>
               </a:ext>
             </a:extLst>
           </p:cNvPr>
@@ -15281,7 +17790,7 @@
     </p:spTree>
     <p:extLst>
       <p:ext uri="{BB962C8B-B14F-4D97-AF65-F5344CB8AC3E}">
-        <p14:creationId xmlns:p14="http://schemas.microsoft.com/office/powerpoint/2010/main" val="737931396"/>
+        <p14:creationId xmlns:p14="http://schemas.microsoft.com/office/powerpoint/2010/main" val="1517578569"/>
       </p:ext>
     </p:extLst>
   </p:cSld>
@@ -15313,7 +17822,7 @@
           <p:cNvPr id="2" name="Title 1">
             <a:extLst>
               <a:ext uri="{FF2B5EF4-FFF2-40B4-BE49-F238E27FC236}">
-                <a16:creationId xmlns:a16="http://schemas.microsoft.com/office/drawing/2014/main" id="{7A902A4D-3605-F64D-99D9-C7BD9542C2E4}"/>
+                <a16:creationId xmlns:a16="http://schemas.microsoft.com/office/drawing/2014/main" id="{B8CB6C30-3AB2-3744-B360-453B167B4FF4}"/>
               </a:ext>
             </a:extLst>
           </p:cNvPr>
@@ -15331,7 +17840,7 @@
           <a:p>
             <a:r>
               <a:rPr lang="en-US" dirty="0"/>
-              <a:t>Grouping by Spelling</a:t>
+              <a:t>Grouping by Pronunciation</a:t>
             </a:r>
           </a:p>
         </p:txBody>
@@ -15341,7 +17850,7 @@
           <p:cNvPr id="3" name="Text Placeholder 2">
             <a:extLst>
               <a:ext uri="{FF2B5EF4-FFF2-40B4-BE49-F238E27FC236}">
-                <a16:creationId xmlns:a16="http://schemas.microsoft.com/office/drawing/2014/main" id="{1D73BADE-B533-CE4F-B5B8-CAB06C368000}"/>
+                <a16:creationId xmlns:a16="http://schemas.microsoft.com/office/drawing/2014/main" id="{3114DC91-50BA-4E48-B2AF-D3791A89BC17}"/>
               </a:ext>
             </a:extLst>
           </p:cNvPr>
@@ -15364,7 +17873,7 @@
     </p:spTree>
     <p:extLst>
       <p:ext uri="{BB962C8B-B14F-4D97-AF65-F5344CB8AC3E}">
-        <p14:creationId xmlns:p14="http://schemas.microsoft.com/office/powerpoint/2010/main" val="3770955645"/>
+        <p14:creationId xmlns:p14="http://schemas.microsoft.com/office/powerpoint/2010/main" val="4105177919"/>
       </p:ext>
     </p:extLst>
   </p:cSld>
@@ -15396,7 +17905,7 @@
           <p:cNvPr id="2" name="Title 1">
             <a:extLst>
               <a:ext uri="{FF2B5EF4-FFF2-40B4-BE49-F238E27FC236}">
-                <a16:creationId xmlns:a16="http://schemas.microsoft.com/office/drawing/2014/main" id="{098CEEC1-7F87-F34D-B9A4-7EA9EFA2F688}"/>
+                <a16:creationId xmlns:a16="http://schemas.microsoft.com/office/drawing/2014/main" id="{F667AD0A-11C2-034F-9745-119770BC4F74}"/>
               </a:ext>
             </a:extLst>
           </p:cNvPr>
@@ -15414,15 +17923,45 @@
           <a:p>
             <a:r>
               <a:rPr lang="en-US" dirty="0"/>
-              <a:t>Module 7: Aggregating and Pivoting Data</a:t>
-            </a:r>
+              <a:t>Grouping</a:t>
+            </a:r>
+            <a:r>
+              <a:rPr lang="en-US" baseline="0" dirty="0"/>
+              <a:t> by Common Characters</a:t>
+            </a:r>
+            <a:endParaRPr lang="en-US" dirty="0"/>
+          </a:p>
+        </p:txBody>
+      </p:sp>
+      <p:sp>
+        <p:nvSpPr>
+          <p:cNvPr id="3" name="Text Placeholder 2">
+            <a:extLst>
+              <a:ext uri="{FF2B5EF4-FFF2-40B4-BE49-F238E27FC236}">
+                <a16:creationId xmlns:a16="http://schemas.microsoft.com/office/drawing/2014/main" id="{E01C124F-BC23-884A-8940-AE40F6201DB9}"/>
+              </a:ext>
+            </a:extLst>
+          </p:cNvPr>
+          <p:cNvSpPr>
+            <a:spLocks noGrp="1"/>
+          </p:cNvSpPr>
+          <p:nvPr>
+            <p:ph type="body" sz="quarter" idx="10"/>
+          </p:nvPr>
+        </p:nvSpPr>
+        <p:spPr/>
+        <p:txBody>
+          <a:bodyPr/>
+          <a:lstStyle/>
+          <a:p>
+            <a:endParaRPr lang="en-US"/>
           </a:p>
         </p:txBody>
       </p:sp>
     </p:spTree>
     <p:extLst>
       <p:ext uri="{BB962C8B-B14F-4D97-AF65-F5344CB8AC3E}">
-        <p14:creationId xmlns:p14="http://schemas.microsoft.com/office/powerpoint/2010/main" val="2030434778"/>
+        <p14:creationId xmlns:p14="http://schemas.microsoft.com/office/powerpoint/2010/main" val="737931396"/>
       </p:ext>
     </p:extLst>
   </p:cSld>
@@ -15454,7 +17993,7 @@
           <p:cNvPr id="2" name="Title 1">
             <a:extLst>
               <a:ext uri="{FF2B5EF4-FFF2-40B4-BE49-F238E27FC236}">
-                <a16:creationId xmlns:a16="http://schemas.microsoft.com/office/drawing/2014/main" id="{7A459FFD-D6CD-5B4A-9BCB-E8A05891ABD0}"/>
+                <a16:creationId xmlns:a16="http://schemas.microsoft.com/office/drawing/2014/main" id="{7A902A4D-3605-F64D-99D9-C7BD9542C2E4}"/>
               </a:ext>
             </a:extLst>
           </p:cNvPr>
@@ -15472,7 +18011,7 @@
           <a:p>
             <a:r>
               <a:rPr lang="en-US" dirty="0"/>
-              <a:t>Aggregating Data</a:t>
+              <a:t>Grouping by Spelling</a:t>
             </a:r>
           </a:p>
         </p:txBody>
@@ -15482,7 +18021,7 @@
           <p:cNvPr id="3" name="Text Placeholder 2">
             <a:extLst>
               <a:ext uri="{FF2B5EF4-FFF2-40B4-BE49-F238E27FC236}">
-                <a16:creationId xmlns:a16="http://schemas.microsoft.com/office/drawing/2014/main" id="{8B206731-BB58-084E-9F91-E2037F0BB52D}"/>
+                <a16:creationId xmlns:a16="http://schemas.microsoft.com/office/drawing/2014/main" id="{1D73BADE-B533-CE4F-B5B8-CAB06C368000}"/>
               </a:ext>
             </a:extLst>
           </p:cNvPr>
@@ -15505,7 +18044,7 @@
     </p:spTree>
     <p:extLst>
       <p:ext uri="{BB962C8B-B14F-4D97-AF65-F5344CB8AC3E}">
-        <p14:creationId xmlns:p14="http://schemas.microsoft.com/office/powerpoint/2010/main" val="3081864923"/>
+        <p14:creationId xmlns:p14="http://schemas.microsoft.com/office/powerpoint/2010/main" val="3770955645"/>
       </p:ext>
     </p:extLst>
   </p:cSld>
@@ -15537,7 +18076,7 @@
           <p:cNvPr id="2" name="Title 1">
             <a:extLst>
               <a:ext uri="{FF2B5EF4-FFF2-40B4-BE49-F238E27FC236}">
-                <a16:creationId xmlns:a16="http://schemas.microsoft.com/office/drawing/2014/main" id="{3B856723-7D74-B54B-8C18-AFFA49BB0578}"/>
+                <a16:creationId xmlns:a16="http://schemas.microsoft.com/office/drawing/2014/main" id="{098CEEC1-7F87-F34D-B9A4-7EA9EFA2F688}"/>
               </a:ext>
             </a:extLst>
           </p:cNvPr>
@@ -15555,40 +18094,15 @@
           <a:p>
             <a:r>
               <a:rPr lang="en-US" dirty="0"/>
-              <a:t>Pivoting Data</a:t>
-            </a:r>
-          </a:p>
-        </p:txBody>
-      </p:sp>
-      <p:sp>
-        <p:nvSpPr>
-          <p:cNvPr id="3" name="Text Placeholder 2">
-            <a:extLst>
-              <a:ext uri="{FF2B5EF4-FFF2-40B4-BE49-F238E27FC236}">
-                <a16:creationId xmlns:a16="http://schemas.microsoft.com/office/drawing/2014/main" id="{C07C88D3-0BAE-8749-84FF-FD11C5D739E5}"/>
-              </a:ext>
-            </a:extLst>
-          </p:cNvPr>
-          <p:cNvSpPr>
-            <a:spLocks noGrp="1"/>
-          </p:cNvSpPr>
-          <p:nvPr>
-            <p:ph type="body" sz="quarter" idx="10"/>
-          </p:nvPr>
-        </p:nvSpPr>
-        <p:spPr/>
-        <p:txBody>
-          <a:bodyPr/>
-          <a:lstStyle/>
-          <a:p>
-            <a:endParaRPr lang="en-US"/>
+              <a:t>Module 7: Aggregating and Pivoting Data</a:t>
+            </a:r>
           </a:p>
         </p:txBody>
       </p:sp>
     </p:spTree>
     <p:extLst>
       <p:ext uri="{BB962C8B-B14F-4D97-AF65-F5344CB8AC3E}">
-        <p14:creationId xmlns:p14="http://schemas.microsoft.com/office/powerpoint/2010/main" val="2826624053"/>
+        <p14:creationId xmlns:p14="http://schemas.microsoft.com/office/powerpoint/2010/main" val="2030434778"/>
       </p:ext>
     </p:extLst>
   </p:cSld>
@@ -16017,7 +18531,7 @@
           <p:cNvPr id="2" name="Title 1">
             <a:extLst>
               <a:ext uri="{FF2B5EF4-FFF2-40B4-BE49-F238E27FC236}">
-                <a16:creationId xmlns:a16="http://schemas.microsoft.com/office/drawing/2014/main" id="{6B5CDC5B-FC9D-9E42-ACCA-21C364287987}"/>
+                <a16:creationId xmlns:a16="http://schemas.microsoft.com/office/drawing/2014/main" id="{7A459FFD-D6CD-5B4A-9BCB-E8A05891ABD0}"/>
               </a:ext>
             </a:extLst>
           </p:cNvPr>
@@ -16035,7 +18549,7 @@
           <a:p>
             <a:r>
               <a:rPr lang="en-US" dirty="0"/>
-              <a:t>Unpivoting Data</a:t>
+              <a:t>Aggregating Data</a:t>
             </a:r>
           </a:p>
         </p:txBody>
@@ -16045,7 +18559,7 @@
           <p:cNvPr id="3" name="Text Placeholder 2">
             <a:extLst>
               <a:ext uri="{FF2B5EF4-FFF2-40B4-BE49-F238E27FC236}">
-                <a16:creationId xmlns:a16="http://schemas.microsoft.com/office/drawing/2014/main" id="{7D0F7560-7895-1E4C-93E5-863F23F78976}"/>
+                <a16:creationId xmlns:a16="http://schemas.microsoft.com/office/drawing/2014/main" id="{8B206731-BB58-084E-9F91-E2037F0BB52D}"/>
               </a:ext>
             </a:extLst>
           </p:cNvPr>
@@ -16068,7 +18582,7 @@
     </p:spTree>
     <p:extLst>
       <p:ext uri="{BB962C8B-B14F-4D97-AF65-F5344CB8AC3E}">
-        <p14:creationId xmlns:p14="http://schemas.microsoft.com/office/powerpoint/2010/main" val="223869305"/>
+        <p14:creationId xmlns:p14="http://schemas.microsoft.com/office/powerpoint/2010/main" val="3081864923"/>
       </p:ext>
     </p:extLst>
   </p:cSld>
@@ -16100,7 +18614,7 @@
           <p:cNvPr id="2" name="Title 1">
             <a:extLst>
               <a:ext uri="{FF2B5EF4-FFF2-40B4-BE49-F238E27FC236}">
-                <a16:creationId xmlns:a16="http://schemas.microsoft.com/office/drawing/2014/main" id="{BD3CC3C1-820E-1F4C-9494-4CA16BC01F49}"/>
+                <a16:creationId xmlns:a16="http://schemas.microsoft.com/office/drawing/2014/main" id="{3B856723-7D74-B54B-8C18-AFFA49BB0578}"/>
               </a:ext>
             </a:extLst>
           </p:cNvPr>
@@ -16118,15 +18632,40 @@
           <a:p>
             <a:r>
               <a:rPr lang="en-US" dirty="0"/>
-              <a:t>Part III: Load</a:t>
-            </a:r>
+              <a:t>Pivoting Data</a:t>
+            </a:r>
+          </a:p>
+        </p:txBody>
+      </p:sp>
+      <p:sp>
+        <p:nvSpPr>
+          <p:cNvPr id="3" name="Text Placeholder 2">
+            <a:extLst>
+              <a:ext uri="{FF2B5EF4-FFF2-40B4-BE49-F238E27FC236}">
+                <a16:creationId xmlns:a16="http://schemas.microsoft.com/office/drawing/2014/main" id="{C07C88D3-0BAE-8749-84FF-FD11C5D739E5}"/>
+              </a:ext>
+            </a:extLst>
+          </p:cNvPr>
+          <p:cNvSpPr>
+            <a:spLocks noGrp="1"/>
+          </p:cNvSpPr>
+          <p:nvPr>
+            <p:ph type="body" sz="quarter" idx="10"/>
+          </p:nvPr>
+        </p:nvSpPr>
+        <p:spPr/>
+        <p:txBody>
+          <a:bodyPr/>
+          <a:lstStyle/>
+          <a:p>
+            <a:endParaRPr lang="en-US"/>
           </a:p>
         </p:txBody>
       </p:sp>
     </p:spTree>
     <p:extLst>
       <p:ext uri="{BB962C8B-B14F-4D97-AF65-F5344CB8AC3E}">
-        <p14:creationId xmlns:p14="http://schemas.microsoft.com/office/powerpoint/2010/main" val="2503839061"/>
+        <p14:creationId xmlns:p14="http://schemas.microsoft.com/office/powerpoint/2010/main" val="2826624053"/>
       </p:ext>
     </p:extLst>
   </p:cSld>
@@ -16158,7 +18697,7 @@
           <p:cNvPr id="2" name="Title 1">
             <a:extLst>
               <a:ext uri="{FF2B5EF4-FFF2-40B4-BE49-F238E27FC236}">
-                <a16:creationId xmlns:a16="http://schemas.microsoft.com/office/drawing/2014/main" id="{C7183894-EC31-F440-9353-89759F05B3EB}"/>
+                <a16:creationId xmlns:a16="http://schemas.microsoft.com/office/drawing/2014/main" id="{6B5CDC5B-FC9D-9E42-ACCA-21C364287987}"/>
               </a:ext>
             </a:extLst>
           </p:cNvPr>
@@ -16176,15 +18715,40 @@
           <a:p>
             <a:r>
               <a:rPr lang="en-US" dirty="0"/>
-              <a:t>Module 8: Output</a:t>
-            </a:r>
+              <a:t>Unpivoting Data</a:t>
+            </a:r>
+          </a:p>
+        </p:txBody>
+      </p:sp>
+      <p:sp>
+        <p:nvSpPr>
+          <p:cNvPr id="3" name="Text Placeholder 2">
+            <a:extLst>
+              <a:ext uri="{FF2B5EF4-FFF2-40B4-BE49-F238E27FC236}">
+                <a16:creationId xmlns:a16="http://schemas.microsoft.com/office/drawing/2014/main" id="{7D0F7560-7895-1E4C-93E5-863F23F78976}"/>
+              </a:ext>
+            </a:extLst>
+          </p:cNvPr>
+          <p:cNvSpPr>
+            <a:spLocks noGrp="1"/>
+          </p:cNvSpPr>
+          <p:nvPr>
+            <p:ph type="body" sz="quarter" idx="10"/>
+          </p:nvPr>
+        </p:nvSpPr>
+        <p:spPr/>
+        <p:txBody>
+          <a:bodyPr/>
+          <a:lstStyle/>
+          <a:p>
+            <a:endParaRPr lang="en-US"/>
           </a:p>
         </p:txBody>
       </p:sp>
     </p:spTree>
     <p:extLst>
       <p:ext uri="{BB962C8B-B14F-4D97-AF65-F5344CB8AC3E}">
-        <p14:creationId xmlns:p14="http://schemas.microsoft.com/office/powerpoint/2010/main" val="2381891199"/>
+        <p14:creationId xmlns:p14="http://schemas.microsoft.com/office/powerpoint/2010/main" val="223869305"/>
       </p:ext>
     </p:extLst>
   </p:cSld>
@@ -16216,7 +18780,7 @@
           <p:cNvPr id="2" name="Title 1">
             <a:extLst>
               <a:ext uri="{FF2B5EF4-FFF2-40B4-BE49-F238E27FC236}">
-                <a16:creationId xmlns:a16="http://schemas.microsoft.com/office/drawing/2014/main" id="{59A8E365-F14F-F541-8BE6-C2E2F4658199}"/>
+                <a16:creationId xmlns:a16="http://schemas.microsoft.com/office/drawing/2014/main" id="{BD3CC3C1-820E-1F4C-9494-4CA16BC01F49}"/>
               </a:ext>
             </a:extLst>
           </p:cNvPr>
@@ -16234,40 +18798,15 @@
           <a:p>
             <a:r>
               <a:rPr lang="en-US" dirty="0"/>
-              <a:t>Outputting to files</a:t>
-            </a:r>
-          </a:p>
-        </p:txBody>
-      </p:sp>
-      <p:sp>
-        <p:nvSpPr>
-          <p:cNvPr id="3" name="Text Placeholder 2">
-            <a:extLst>
-              <a:ext uri="{FF2B5EF4-FFF2-40B4-BE49-F238E27FC236}">
-                <a16:creationId xmlns:a16="http://schemas.microsoft.com/office/drawing/2014/main" id="{6E648436-C250-D445-8FE2-389E92AF5047}"/>
-              </a:ext>
-            </a:extLst>
-          </p:cNvPr>
-          <p:cNvSpPr>
-            <a:spLocks noGrp="1"/>
-          </p:cNvSpPr>
-          <p:nvPr>
-            <p:ph type="body" sz="quarter" idx="10"/>
-          </p:nvPr>
-        </p:nvSpPr>
-        <p:spPr/>
-        <p:txBody>
-          <a:bodyPr/>
-          <a:lstStyle/>
-          <a:p>
-            <a:endParaRPr lang="en-US"/>
+              <a:t>Part III: Load</a:t>
+            </a:r>
           </a:p>
         </p:txBody>
       </p:sp>
     </p:spTree>
     <p:extLst>
       <p:ext uri="{BB962C8B-B14F-4D97-AF65-F5344CB8AC3E}">
-        <p14:creationId xmlns:p14="http://schemas.microsoft.com/office/powerpoint/2010/main" val="3591092714"/>
+        <p14:creationId xmlns:p14="http://schemas.microsoft.com/office/powerpoint/2010/main" val="2503839061"/>
       </p:ext>
     </p:extLst>
   </p:cSld>
@@ -16299,7 +18838,7 @@
           <p:cNvPr id="2" name="Title 1">
             <a:extLst>
               <a:ext uri="{FF2B5EF4-FFF2-40B4-BE49-F238E27FC236}">
-                <a16:creationId xmlns:a16="http://schemas.microsoft.com/office/drawing/2014/main" id="{321139D9-EE71-5749-A7A3-8AC02267C975}"/>
+                <a16:creationId xmlns:a16="http://schemas.microsoft.com/office/drawing/2014/main" id="{C7183894-EC31-F440-9353-89759F05B3EB}"/>
               </a:ext>
             </a:extLst>
           </p:cNvPr>
@@ -16317,40 +18856,15 @@
           <a:p>
             <a:r>
               <a:rPr lang="en-US" dirty="0"/>
-              <a:t>Outputting to other destinations</a:t>
-            </a:r>
-          </a:p>
-        </p:txBody>
-      </p:sp>
-      <p:sp>
-        <p:nvSpPr>
-          <p:cNvPr id="3" name="Text Placeholder 2">
-            <a:extLst>
-              <a:ext uri="{FF2B5EF4-FFF2-40B4-BE49-F238E27FC236}">
-                <a16:creationId xmlns:a16="http://schemas.microsoft.com/office/drawing/2014/main" id="{05636DDC-007A-D447-8410-CAD87BA30D78}"/>
-              </a:ext>
-            </a:extLst>
-          </p:cNvPr>
-          <p:cNvSpPr>
-            <a:spLocks noGrp="1"/>
-          </p:cNvSpPr>
-          <p:nvPr>
-            <p:ph type="body" sz="quarter" idx="10"/>
-          </p:nvPr>
-        </p:nvSpPr>
-        <p:spPr/>
-        <p:txBody>
-          <a:bodyPr/>
-          <a:lstStyle/>
-          <a:p>
-            <a:endParaRPr lang="en-US"/>
+              <a:t>Module 8: Output</a:t>
+            </a:r>
           </a:p>
         </p:txBody>
       </p:sp>
     </p:spTree>
     <p:extLst>
       <p:ext uri="{BB962C8B-B14F-4D97-AF65-F5344CB8AC3E}">
-        <p14:creationId xmlns:p14="http://schemas.microsoft.com/office/powerpoint/2010/main" val="4121859749"/>
+        <p14:creationId xmlns:p14="http://schemas.microsoft.com/office/powerpoint/2010/main" val="2381891199"/>
       </p:ext>
     </p:extLst>
   </p:cSld>
@@ -16382,7 +18896,7 @@
           <p:cNvPr id="2" name="Title 1">
             <a:extLst>
               <a:ext uri="{FF2B5EF4-FFF2-40B4-BE49-F238E27FC236}">
-                <a16:creationId xmlns:a16="http://schemas.microsoft.com/office/drawing/2014/main" id="{BC13A45F-B701-6042-A1FC-E51DBE17F7A5}"/>
+                <a16:creationId xmlns:a16="http://schemas.microsoft.com/office/drawing/2014/main" id="{59A8E365-F14F-F541-8BE6-C2E2F4658199}"/>
               </a:ext>
             </a:extLst>
           </p:cNvPr>
@@ -16400,20 +18914,40 @@
           <a:p>
             <a:r>
               <a:rPr lang="en-US" dirty="0"/>
-              <a:t>Module 9: Prep Builder Conductor and Publishing Workflows</a:t>
-            </a:r>
-            <a:r>
-              <a:rPr lang="en-US" baseline="0" dirty="0"/>
-              <a:t> to Tableau Server</a:t>
-            </a:r>
-            <a:endParaRPr lang="en-US" dirty="0"/>
+              <a:t>Outputting to files</a:t>
+            </a:r>
+          </a:p>
+        </p:txBody>
+      </p:sp>
+      <p:sp>
+        <p:nvSpPr>
+          <p:cNvPr id="3" name="Text Placeholder 2">
+            <a:extLst>
+              <a:ext uri="{FF2B5EF4-FFF2-40B4-BE49-F238E27FC236}">
+                <a16:creationId xmlns:a16="http://schemas.microsoft.com/office/drawing/2014/main" id="{6E648436-C250-D445-8FE2-389E92AF5047}"/>
+              </a:ext>
+            </a:extLst>
+          </p:cNvPr>
+          <p:cNvSpPr>
+            <a:spLocks noGrp="1"/>
+          </p:cNvSpPr>
+          <p:nvPr>
+            <p:ph type="body" sz="quarter" idx="10"/>
+          </p:nvPr>
+        </p:nvSpPr>
+        <p:spPr/>
+        <p:txBody>
+          <a:bodyPr/>
+          <a:lstStyle/>
+          <a:p>
+            <a:endParaRPr lang="en-US"/>
           </a:p>
         </p:txBody>
       </p:sp>
     </p:spTree>
     <p:extLst>
       <p:ext uri="{BB962C8B-B14F-4D97-AF65-F5344CB8AC3E}">
-        <p14:creationId xmlns:p14="http://schemas.microsoft.com/office/powerpoint/2010/main" val="4173510137"/>
+        <p14:creationId xmlns:p14="http://schemas.microsoft.com/office/powerpoint/2010/main" val="3591092714"/>
       </p:ext>
     </p:extLst>
   </p:cSld>
@@ -16442,7 +18976,13 @@
       </p:grpSpPr>
       <p:sp>
         <p:nvSpPr>
-          <p:cNvPr id="2" name="Title 1"/>
+          <p:cNvPr id="2" name="Title 1">
+            <a:extLst>
+              <a:ext uri="{FF2B5EF4-FFF2-40B4-BE49-F238E27FC236}">
+                <a16:creationId xmlns:a16="http://schemas.microsoft.com/office/drawing/2014/main" id="{321139D9-EE71-5749-A7A3-8AC02267C975}"/>
+              </a:ext>
+            </a:extLst>
+          </p:cNvPr>
           <p:cNvSpPr>
             <a:spLocks noGrp="1"/>
           </p:cNvSpPr>
@@ -16452,24 +18992,25 @@
         </p:nvSpPr>
         <p:spPr/>
         <p:txBody>
-          <a:bodyPr>
-            <a:normAutofit/>
-          </a:bodyPr>
-          <a:lstStyle/>
-          <a:p>
-            <a:r>
-              <a:rPr lang="en-US" dirty="0"/>
-              <a:t>Tableau Prep Builder Conductor</a:t>
-            </a:r>
-          </a:p>
-          <a:p>
-            <a:endParaRPr lang="en-US" dirty="0"/>
-          </a:p>
-        </p:txBody>
-      </p:sp>
-      <p:sp>
-        <p:nvSpPr>
-          <p:cNvPr id="5" name="Text Placeholder 4"/>
+          <a:bodyPr/>
+          <a:lstStyle/>
+          <a:p>
+            <a:r>
+              <a:rPr lang="en-US" dirty="0"/>
+              <a:t>Outputting to other destinations</a:t>
+            </a:r>
+          </a:p>
+        </p:txBody>
+      </p:sp>
+      <p:sp>
+        <p:nvSpPr>
+          <p:cNvPr id="3" name="Text Placeholder 2">
+            <a:extLst>
+              <a:ext uri="{FF2B5EF4-FFF2-40B4-BE49-F238E27FC236}">
+                <a16:creationId xmlns:a16="http://schemas.microsoft.com/office/drawing/2014/main" id="{05636DDC-007A-D447-8410-CAD87BA30D78}"/>
+              </a:ext>
+            </a:extLst>
+          </p:cNvPr>
           <p:cNvSpPr>
             <a:spLocks noGrp="1"/>
           </p:cNvSpPr>
@@ -16483,36 +19024,13 @@
           <a:lstStyle/>
           <a:p>
             <a:endParaRPr lang="en-US"/>
-          </a:p>
-        </p:txBody>
-      </p:sp>
-      <p:sp>
-        <p:nvSpPr>
-          <p:cNvPr id="4" name="Slide Number Placeholder 3"/>
-          <p:cNvSpPr>
-            <a:spLocks noGrp="1"/>
-          </p:cNvSpPr>
-          <p:nvPr>
-            <p:ph type="sldNum" sz="quarter" idx="4294967295"/>
-          </p:nvPr>
-        </p:nvSpPr>
-        <p:spPr/>
-        <p:txBody>
-          <a:bodyPr/>
-          <a:lstStyle/>
-          <a:p>
-            <a:fld id="{4FAB73BC-B049-4115-A692-8D63A059BFB8}" type="slidenum">
-              <a:rPr lang="en-US" smtClean="0"/>
-              <a:t>76</a:t>
-            </a:fld>
-            <a:endParaRPr lang="en-US" dirty="0"/>
           </a:p>
         </p:txBody>
       </p:sp>
     </p:spTree>
     <p:extLst>
       <p:ext uri="{BB962C8B-B14F-4D97-AF65-F5344CB8AC3E}">
-        <p14:creationId xmlns:p14="http://schemas.microsoft.com/office/powerpoint/2010/main" val="3097242473"/>
+        <p14:creationId xmlns:p14="http://schemas.microsoft.com/office/powerpoint/2010/main" val="4121859749"/>
       </p:ext>
     </p:extLst>
   </p:cSld>
@@ -16541,7 +19059,13 @@
       </p:grpSpPr>
       <p:sp>
         <p:nvSpPr>
-          <p:cNvPr id="2" name="Title 1"/>
+          <p:cNvPr id="2" name="Title 1">
+            <a:extLst>
+              <a:ext uri="{FF2B5EF4-FFF2-40B4-BE49-F238E27FC236}">
+                <a16:creationId xmlns:a16="http://schemas.microsoft.com/office/drawing/2014/main" id="{BC13A45F-B701-6042-A1FC-E51DBE17F7A5}"/>
+              </a:ext>
+            </a:extLst>
+          </p:cNvPr>
           <p:cNvSpPr>
             <a:spLocks noGrp="1"/>
           </p:cNvSpPr>
@@ -16551,59 +19075,17 @@
         </p:nvSpPr>
         <p:spPr/>
         <p:txBody>
-          <a:bodyPr>
-            <a:normAutofit/>
-          </a:bodyPr>
-          <a:lstStyle/>
-          <a:p>
-            <a:r>
-              <a:rPr lang="en-US" dirty="0"/>
-              <a:t>Publishing Workflows to Server (Discussed)</a:t>
-            </a:r>
-          </a:p>
-          <a:p>
-            <a:endParaRPr lang="en-US" dirty="0"/>
-          </a:p>
-        </p:txBody>
-      </p:sp>
-      <p:sp>
-        <p:nvSpPr>
-          <p:cNvPr id="5" name="Text Placeholder 4"/>
-          <p:cNvSpPr>
-            <a:spLocks noGrp="1"/>
-          </p:cNvSpPr>
-          <p:nvPr>
-            <p:ph type="body" sz="quarter" idx="10"/>
-          </p:nvPr>
-        </p:nvSpPr>
-        <p:spPr/>
-        <p:txBody>
-          <a:bodyPr/>
-          <a:lstStyle/>
-          <a:p>
-            <a:endParaRPr lang="en-US"/>
-          </a:p>
-        </p:txBody>
-      </p:sp>
-      <p:sp>
-        <p:nvSpPr>
-          <p:cNvPr id="4" name="Slide Number Placeholder 3"/>
-          <p:cNvSpPr>
-            <a:spLocks noGrp="1"/>
-          </p:cNvSpPr>
-          <p:nvPr>
-            <p:ph type="sldNum" sz="quarter" idx="4294967295"/>
-          </p:nvPr>
-        </p:nvSpPr>
-        <p:spPr/>
-        <p:txBody>
-          <a:bodyPr/>
-          <a:lstStyle/>
-          <a:p>
-            <a:fld id="{4FAB73BC-B049-4115-A692-8D63A059BFB8}" type="slidenum">
-              <a:rPr lang="en-US" smtClean="0"/>
-              <a:t>77</a:t>
-            </a:fld>
+          <a:bodyPr/>
+          <a:lstStyle/>
+          <a:p>
+            <a:r>
+              <a:rPr lang="en-US" dirty="0"/>
+              <a:t>Module 9: Prep Builder Conductor and Publishing Workflows</a:t>
+            </a:r>
+            <a:r>
+              <a:rPr lang="en-US" baseline="0" dirty="0"/>
+              <a:t> to Tableau Server</a:t>
+            </a:r>
             <a:endParaRPr lang="en-US" dirty="0"/>
           </a:p>
         </p:txBody>
@@ -16611,7 +19093,7 @@
     </p:spTree>
     <p:extLst>
       <p:ext uri="{BB962C8B-B14F-4D97-AF65-F5344CB8AC3E}">
-        <p14:creationId xmlns:p14="http://schemas.microsoft.com/office/powerpoint/2010/main" val="2246816309"/>
+        <p14:creationId xmlns:p14="http://schemas.microsoft.com/office/powerpoint/2010/main" val="4173510137"/>
       </p:ext>
     </p:extLst>
   </p:cSld>
@@ -16650,13 +19132,18 @@
         </p:nvSpPr>
         <p:spPr/>
         <p:txBody>
-          <a:bodyPr/>
-          <a:lstStyle/>
-          <a:p>
-            <a:r>
-              <a:rPr lang="en-US" dirty="0"/>
-              <a:t>Scheduling Workflows to Server (Discussed)</a:t>
-            </a:r>
+          <a:bodyPr>
+            <a:normAutofit/>
+          </a:bodyPr>
+          <a:lstStyle/>
+          <a:p>
+            <a:r>
+              <a:rPr lang="en-US" dirty="0"/>
+              <a:t>Tableau Prep Builder Conductor</a:t>
+            </a:r>
+          </a:p>
+          <a:p>
+            <a:endParaRPr lang="en-US" dirty="0"/>
           </a:p>
         </p:txBody>
       </p:sp>
@@ -16705,7 +19192,7 @@
     </p:spTree>
     <p:extLst>
       <p:ext uri="{BB962C8B-B14F-4D97-AF65-F5344CB8AC3E}">
-        <p14:creationId xmlns:p14="http://schemas.microsoft.com/office/powerpoint/2010/main" val="2531394161"/>
+        <p14:creationId xmlns:p14="http://schemas.microsoft.com/office/powerpoint/2010/main" val="3097242473"/>
       </p:ext>
     </p:extLst>
   </p:cSld>
@@ -16734,13 +19221,7 @@
       </p:grpSpPr>
       <p:sp>
         <p:nvSpPr>
-          <p:cNvPr id="2" name="Title 1">
-            <a:extLst>
-              <a:ext uri="{FF2B5EF4-FFF2-40B4-BE49-F238E27FC236}">
-                <a16:creationId xmlns:a16="http://schemas.microsoft.com/office/drawing/2014/main" id="{7657EA3D-211E-5446-93D5-5F5CF81BBCDA}"/>
-              </a:ext>
-            </a:extLst>
-          </p:cNvPr>
+          <p:cNvPr id="2" name="Title 1"/>
           <p:cNvSpPr>
             <a:spLocks noGrp="1"/>
           </p:cNvSpPr>
@@ -16750,20 +19231,67 @@
         </p:nvSpPr>
         <p:spPr/>
         <p:txBody>
-          <a:bodyPr/>
-          <a:lstStyle/>
-          <a:p>
-            <a:r>
-              <a:rPr lang="en-US" dirty="0"/>
-              <a:t>Appendix: Preparing Data In Tableau</a:t>
-            </a:r>
+          <a:bodyPr>
+            <a:normAutofit/>
+          </a:bodyPr>
+          <a:lstStyle/>
+          <a:p>
+            <a:r>
+              <a:rPr lang="en-US" dirty="0"/>
+              <a:t>Publishing Workflows to Server (Discussed)</a:t>
+            </a:r>
+          </a:p>
+          <a:p>
+            <a:endParaRPr lang="en-US" dirty="0"/>
+          </a:p>
+        </p:txBody>
+      </p:sp>
+      <p:sp>
+        <p:nvSpPr>
+          <p:cNvPr id="5" name="Text Placeholder 4"/>
+          <p:cNvSpPr>
+            <a:spLocks noGrp="1"/>
+          </p:cNvSpPr>
+          <p:nvPr>
+            <p:ph type="body" sz="quarter" idx="10"/>
+          </p:nvPr>
+        </p:nvSpPr>
+        <p:spPr/>
+        <p:txBody>
+          <a:bodyPr/>
+          <a:lstStyle/>
+          <a:p>
+            <a:endParaRPr lang="en-US"/>
+          </a:p>
+        </p:txBody>
+      </p:sp>
+      <p:sp>
+        <p:nvSpPr>
+          <p:cNvPr id="4" name="Slide Number Placeholder 3"/>
+          <p:cNvSpPr>
+            <a:spLocks noGrp="1"/>
+          </p:cNvSpPr>
+          <p:nvPr>
+            <p:ph type="sldNum" sz="quarter" idx="4294967295"/>
+          </p:nvPr>
+        </p:nvSpPr>
+        <p:spPr/>
+        <p:txBody>
+          <a:bodyPr/>
+          <a:lstStyle/>
+          <a:p>
+            <a:fld id="{4FAB73BC-B049-4115-A692-8D63A059BFB8}" type="slidenum">
+              <a:rPr lang="en-US" smtClean="0"/>
+              <a:t>79</a:t>
+            </a:fld>
+            <a:endParaRPr lang="en-US" dirty="0"/>
           </a:p>
         </p:txBody>
       </p:sp>
     </p:spTree>
     <p:extLst>
       <p:ext uri="{BB962C8B-B14F-4D97-AF65-F5344CB8AC3E}">
-        <p14:creationId xmlns:p14="http://schemas.microsoft.com/office/powerpoint/2010/main" val="746464040"/>
+        <p14:creationId xmlns:p14="http://schemas.microsoft.com/office/powerpoint/2010/main" val="2246816309"/>
       </p:ext>
     </p:extLst>
   </p:cSld>
@@ -16923,6 +19451,158 @@
 </file>
 
 <file path=ppt/slides/slide80.xml><?xml version="1.0" encoding="utf-8"?>
+<p:sld xmlns:a="http://schemas.openxmlformats.org/drawingml/2006/main" xmlns:r="http://schemas.openxmlformats.org/officeDocument/2006/relationships" xmlns:p="http://schemas.openxmlformats.org/presentationml/2006/main">
+  <p:cSld>
+    <p:spTree>
+      <p:nvGrpSpPr>
+        <p:cNvPr id="1" name=""/>
+        <p:cNvGrpSpPr/>
+        <p:nvPr/>
+      </p:nvGrpSpPr>
+      <p:grpSpPr>
+        <a:xfrm>
+          <a:off x="0" y="0"/>
+          <a:ext cx="0" cy="0"/>
+          <a:chOff x="0" y="0"/>
+          <a:chExt cx="0" cy="0"/>
+        </a:xfrm>
+      </p:grpSpPr>
+      <p:sp>
+        <p:nvSpPr>
+          <p:cNvPr id="2" name="Title 1"/>
+          <p:cNvSpPr>
+            <a:spLocks noGrp="1"/>
+          </p:cNvSpPr>
+          <p:nvPr>
+            <p:ph type="title"/>
+          </p:nvPr>
+        </p:nvSpPr>
+        <p:spPr/>
+        <p:txBody>
+          <a:bodyPr/>
+          <a:lstStyle/>
+          <a:p>
+            <a:r>
+              <a:rPr lang="en-US" dirty="0"/>
+              <a:t>Scheduling Workflows to Server (Discussed)</a:t>
+            </a:r>
+          </a:p>
+        </p:txBody>
+      </p:sp>
+      <p:sp>
+        <p:nvSpPr>
+          <p:cNvPr id="5" name="Text Placeholder 4"/>
+          <p:cNvSpPr>
+            <a:spLocks noGrp="1"/>
+          </p:cNvSpPr>
+          <p:nvPr>
+            <p:ph type="body" sz="quarter" idx="10"/>
+          </p:nvPr>
+        </p:nvSpPr>
+        <p:spPr/>
+        <p:txBody>
+          <a:bodyPr/>
+          <a:lstStyle/>
+          <a:p>
+            <a:endParaRPr lang="en-US"/>
+          </a:p>
+        </p:txBody>
+      </p:sp>
+      <p:sp>
+        <p:nvSpPr>
+          <p:cNvPr id="4" name="Slide Number Placeholder 3"/>
+          <p:cNvSpPr>
+            <a:spLocks noGrp="1"/>
+          </p:cNvSpPr>
+          <p:nvPr>
+            <p:ph type="sldNum" sz="quarter" idx="4294967295"/>
+          </p:nvPr>
+        </p:nvSpPr>
+        <p:spPr/>
+        <p:txBody>
+          <a:bodyPr/>
+          <a:lstStyle/>
+          <a:p>
+            <a:fld id="{4FAB73BC-B049-4115-A692-8D63A059BFB8}" type="slidenum">
+              <a:rPr lang="en-US" smtClean="0"/>
+              <a:t>80</a:t>
+            </a:fld>
+            <a:endParaRPr lang="en-US" dirty="0"/>
+          </a:p>
+        </p:txBody>
+      </p:sp>
+    </p:spTree>
+    <p:extLst>
+      <p:ext uri="{BB962C8B-B14F-4D97-AF65-F5344CB8AC3E}">
+        <p14:creationId xmlns:p14="http://schemas.microsoft.com/office/powerpoint/2010/main" val="2531394161"/>
+      </p:ext>
+    </p:extLst>
+  </p:cSld>
+  <p:clrMapOvr>
+    <a:masterClrMapping/>
+  </p:clrMapOvr>
+</p:sld>
+</file>
+
+<file path=ppt/slides/slide81.xml><?xml version="1.0" encoding="utf-8"?>
+<p:sld xmlns:a="http://schemas.openxmlformats.org/drawingml/2006/main" xmlns:r="http://schemas.openxmlformats.org/officeDocument/2006/relationships" xmlns:p="http://schemas.openxmlformats.org/presentationml/2006/main">
+  <p:cSld>
+    <p:spTree>
+      <p:nvGrpSpPr>
+        <p:cNvPr id="1" name=""/>
+        <p:cNvGrpSpPr/>
+        <p:nvPr/>
+      </p:nvGrpSpPr>
+      <p:grpSpPr>
+        <a:xfrm>
+          <a:off x="0" y="0"/>
+          <a:ext cx="0" cy="0"/>
+          <a:chOff x="0" y="0"/>
+          <a:chExt cx="0" cy="0"/>
+        </a:xfrm>
+      </p:grpSpPr>
+      <p:sp>
+        <p:nvSpPr>
+          <p:cNvPr id="2" name="Title 1">
+            <a:extLst>
+              <a:ext uri="{FF2B5EF4-FFF2-40B4-BE49-F238E27FC236}">
+                <a16:creationId xmlns:a16="http://schemas.microsoft.com/office/drawing/2014/main" id="{7657EA3D-211E-5446-93D5-5F5CF81BBCDA}"/>
+              </a:ext>
+            </a:extLst>
+          </p:cNvPr>
+          <p:cNvSpPr>
+            <a:spLocks noGrp="1"/>
+          </p:cNvSpPr>
+          <p:nvPr>
+            <p:ph type="title"/>
+          </p:nvPr>
+        </p:nvSpPr>
+        <p:spPr/>
+        <p:txBody>
+          <a:bodyPr/>
+          <a:lstStyle/>
+          <a:p>
+            <a:r>
+              <a:rPr lang="en-US" dirty="0"/>
+              <a:t>Appendix: Preparing Data In Tableau</a:t>
+            </a:r>
+          </a:p>
+        </p:txBody>
+      </p:sp>
+    </p:spTree>
+    <p:extLst>
+      <p:ext uri="{BB962C8B-B14F-4D97-AF65-F5344CB8AC3E}">
+        <p14:creationId xmlns:p14="http://schemas.microsoft.com/office/powerpoint/2010/main" val="746464040"/>
+      </p:ext>
+    </p:extLst>
+  </p:cSld>
+  <p:clrMapOvr>
+    <a:masterClrMapping/>
+  </p:clrMapOvr>
+</p:sld>
+</file>
+
+<file path=ppt/slides/slide82.xml><?xml version="1.0" encoding="utf-8"?>
 <p:sld xmlns:a="http://schemas.openxmlformats.org/drawingml/2006/main" xmlns:r="http://schemas.openxmlformats.org/officeDocument/2006/relationships" xmlns:p="http://schemas.openxmlformats.org/presentationml/2006/main">
   <p:cSld>
     <p:spTree>
@@ -18284,6 +20964,12 @@
 </file>
 
 <file path=customXml/item1.xml><?xml version="1.0" encoding="utf-8"?>
+<p:properties xmlns:p="http://schemas.microsoft.com/office/2006/metadata/properties" xmlns:xsi="http://www.w3.org/2001/XMLSchema-instance" xmlns:pc="http://schemas.microsoft.com/office/infopath/2007/PartnerControls">
+  <documentManagement/>
+</p:properties>
+</file>
+
+<file path=customXml/item2.xml><?xml version="1.0" encoding="utf-8"?>
 <ct:contentTypeSchema xmlns:ct="http://schemas.microsoft.com/office/2006/metadata/contentType" xmlns:ma="http://schemas.microsoft.com/office/2006/metadata/properties/metaAttributes" ct:_="" ma:_="" ma:contentTypeName="Document" ma:contentTypeID="0x010100DF17D0A5D2A94D41851BD81F437949EB" ma:contentTypeVersion="4" ma:contentTypeDescription="Create a new document." ma:contentTypeScope="" ma:versionID="86394c489d6ea242463219402424de30">
   <xsd:schema xmlns:xsd="http://www.w3.org/2001/XMLSchema" xmlns:xs="http://www.w3.org/2001/XMLSchema" xmlns:p="http://schemas.microsoft.com/office/2006/metadata/properties" xmlns:ns2="8ae4afce-818c-4ab4-8e35-377c82201c18" xmlns:ns3="6549f357-ea04-4fdc-a4ff-01e398dbae1f" targetNamespace="http://schemas.microsoft.com/office/2006/metadata/properties" ma:root="true" ma:fieldsID="fe252f9ea815bb7a68216b40880644e9" ns2:_="" ns3:_="">
     <xsd:import namespace="8ae4afce-818c-4ab4-8e35-377c82201c18"/>
@@ -18448,7 +21134,7 @@
 </ct:contentTypeSchema>
 </file>
 
-<file path=customXml/item2.xml><?xml version="1.0" encoding="utf-8"?>
+<file path=customXml/item3.xml><?xml version="1.0" encoding="utf-8"?>
 <?mso-contentType ?>
 <FormTemplates xmlns="http://schemas.microsoft.com/sharepoint/v3/contenttype/forms">
   <Display>DocumentLibraryForm</Display>
@@ -18457,13 +21143,24 @@
 </FormTemplates>
 </file>
 
-<file path=customXml/item3.xml><?xml version="1.0" encoding="utf-8"?>
-<p:properties xmlns:p="http://schemas.microsoft.com/office/2006/metadata/properties" xmlns:xsi="http://www.w3.org/2001/XMLSchema-instance" xmlns:pc="http://schemas.microsoft.com/office/infopath/2007/PartnerControls">
-  <documentManagement/>
-</p:properties>
+<file path=customXml/itemProps1.xml><?xml version="1.0" encoding="utf-8"?>
+<ds:datastoreItem xmlns:ds="http://schemas.openxmlformats.org/officeDocument/2006/customXml" ds:itemID="{FF9AC6B8-7021-4B23-A9AF-61295A177099}">
+  <ds:schemaRefs>
+    <ds:schemaRef ds:uri="http://purl.org/dc/elements/1.1/"/>
+    <ds:schemaRef ds:uri="http://schemas.openxmlformats.org/package/2006/metadata/core-properties"/>
+    <ds:schemaRef ds:uri="6549f357-ea04-4fdc-a4ff-01e398dbae1f"/>
+    <ds:schemaRef ds:uri="8ae4afce-818c-4ab4-8e35-377c82201c18"/>
+    <ds:schemaRef ds:uri="http://schemas.microsoft.com/office/2006/documentManagement/types"/>
+    <ds:schemaRef ds:uri="http://purl.org/dc/dcmitype/"/>
+    <ds:schemaRef ds:uri="http://schemas.microsoft.com/office/infopath/2007/PartnerControls"/>
+    <ds:schemaRef ds:uri="http://schemas.microsoft.com/office/2006/metadata/properties"/>
+    <ds:schemaRef ds:uri="http://www.w3.org/XML/1998/namespace"/>
+    <ds:schemaRef ds:uri="http://purl.org/dc/terms/"/>
+  </ds:schemaRefs>
+</ds:datastoreItem>
 </file>
 
-<file path=customXml/itemProps1.xml><?xml version="1.0" encoding="utf-8"?>
+<file path=customXml/itemProps2.xml><?xml version="1.0" encoding="utf-8"?>
 <ds:datastoreItem xmlns:ds="http://schemas.openxmlformats.org/officeDocument/2006/customXml" ds:itemID="{5E59C5BB-F795-4F02-AFC2-70EF9316FDF1}">
   <ds:schemaRefs>
     <ds:schemaRef ds:uri="http://schemas.microsoft.com/office/2006/metadata/contentType"/>
@@ -18482,27 +21179,10 @@
 </ds:datastoreItem>
 </file>
 
-<file path=customXml/itemProps2.xml><?xml version="1.0" encoding="utf-8"?>
+<file path=customXml/itemProps3.xml><?xml version="1.0" encoding="utf-8"?>
 <ds:datastoreItem xmlns:ds="http://schemas.openxmlformats.org/officeDocument/2006/customXml" ds:itemID="{7FBE9ADF-F1D8-4E9F-83D5-C6625824914C}">
   <ds:schemaRefs>
     <ds:schemaRef ds:uri="http://schemas.microsoft.com/sharepoint/v3/contenttype/forms"/>
   </ds:schemaRefs>
 </ds:datastoreItem>
-</file>
-
-<file path=customXml/itemProps3.xml><?xml version="1.0" encoding="utf-8"?>
-<ds:datastoreItem xmlns:ds="http://schemas.openxmlformats.org/officeDocument/2006/customXml" ds:itemID="{FF9AC6B8-7021-4B23-A9AF-61295A177099}">
-  <ds:schemaRefs>
-    <ds:schemaRef ds:uri="http://schemas.microsoft.com/office/infopath/2007/PartnerControls"/>
-    <ds:schemaRef ds:uri="http://purl.org/dc/dcmitype/"/>
-    <ds:schemaRef ds:uri="http://schemas.microsoft.com/office/2006/metadata/properties"/>
-    <ds:schemaRef ds:uri="http://www.w3.org/XML/1998/namespace"/>
-    <ds:schemaRef ds:uri="http://schemas.microsoft.com/office/2006/documentManagement/types"/>
-    <ds:schemaRef ds:uri="6549f357-ea04-4fdc-a4ff-01e398dbae1f"/>
-    <ds:schemaRef ds:uri="http://schemas.openxmlformats.org/package/2006/metadata/core-properties"/>
-    <ds:schemaRef ds:uri="8ae4afce-818c-4ab4-8e35-377c82201c18"/>
-    <ds:schemaRef ds:uri="http://purl.org/dc/terms/"/>
-    <ds:schemaRef ds:uri="http://purl.org/dc/elements/1.1/"/>
-  </ds:schemaRefs>
-</ds:datastoreItem>
 </file>
--- a/ppt/TableauPrepBuilderIntroV1_1.pptx
+++ b/ppt/TableauPrepBuilderIntroV1_1.pptx
@@ -532,7 +532,7 @@
               <a:pPr>
                 <a:defRPr/>
               </a:pPr>
-              <a:t>1/28/2020</a:t>
+              <a:t>1/29/2020</a:t>
             </a:fld>
             <a:endParaRPr lang="en-US"/>
           </a:p>
@@ -751,7 +751,7 @@
               <a:pPr>
                 <a:defRPr/>
               </a:pPr>
-              <a:t>1/28/2020</a:t>
+              <a:t>1/29/2020</a:t>
             </a:fld>
             <a:endParaRPr lang="en-US"/>
           </a:p>
@@ -14930,7 +14930,22 @@
           <a:bodyPr/>
           <a:lstStyle/>
           <a:p>
-            <a:endParaRPr lang="en-US" dirty="0"/>
+            <a:r>
+              <a:rPr lang="en-US" dirty="0"/>
+              <a:t>Server name and optional DB name</a:t>
+            </a:r>
+          </a:p>
+          <a:p>
+            <a:r>
+              <a:rPr lang="en-US" dirty="0"/>
+              <a:t>Authentication</a:t>
+            </a:r>
+          </a:p>
+          <a:p>
+            <a:r>
+              <a:rPr lang="en-US" dirty="0"/>
+              <a:t>Optional initial SQL</a:t>
+            </a:r>
           </a:p>
         </p:txBody>
       </p:sp>
@@ -15092,12 +15107,32 @@
             <p:ph type="body" sz="quarter" idx="10"/>
           </p:nvPr>
         </p:nvSpPr>
-        <p:spPr/>
-        <p:txBody>
-          <a:bodyPr/>
-          <a:lstStyle/>
-          <a:p>
-            <a:endParaRPr lang="en-US"/>
+        <p:spPr>
+          <a:xfrm>
+            <a:off x="762000" y="1752600"/>
+            <a:ext cx="6026918" cy="3733800"/>
+          </a:xfrm>
+        </p:spPr>
+        <p:txBody>
+          <a:bodyPr/>
+          <a:lstStyle/>
+          <a:p>
+            <a:r>
+              <a:rPr lang="en-US" dirty="0"/>
+              <a:t>Query to run upon connecting</a:t>
+            </a:r>
+          </a:p>
+          <a:p>
+            <a:r>
+              <a:rPr lang="en-US" dirty="0"/>
+              <a:t>Create/drop objects</a:t>
+            </a:r>
+          </a:p>
+          <a:p>
+            <a:r>
+              <a:rPr lang="en-US" dirty="0"/>
+              <a:t>Generate/update data</a:t>
+            </a:r>
           </a:p>
         </p:txBody>
       </p:sp>
@@ -15308,15 +15343,67 @@
             <p:ph type="body" sz="quarter" idx="10"/>
           </p:nvPr>
         </p:nvSpPr>
-        <p:spPr/>
-        <p:txBody>
-          <a:bodyPr/>
-          <a:lstStyle/>
-          <a:p>
-            <a:endParaRPr lang="en-US"/>
-          </a:p>
-        </p:txBody>
-      </p:sp>
+        <p:spPr>
+          <a:xfrm>
+            <a:off x="762000" y="1752600"/>
+            <a:ext cx="4495800" cy="3733800"/>
+          </a:xfrm>
+        </p:spPr>
+        <p:txBody>
+          <a:bodyPr/>
+          <a:lstStyle/>
+          <a:p>
+            <a:r>
+              <a:rPr lang="en-US" dirty="0"/>
+              <a:t>Simple way of loading .</a:t>
+            </a:r>
+            <a:r>
+              <a:rPr lang="en-US" dirty="0" err="1"/>
+              <a:t>tde</a:t>
+            </a:r>
+            <a:r>
+              <a:rPr lang="en-US" dirty="0"/>
+              <a:t> and .hyper files</a:t>
+            </a:r>
+          </a:p>
+          <a:p>
+            <a:r>
+              <a:rPr lang="en-US" dirty="0"/>
+              <a:t>Transform &amp; export</a:t>
+            </a:r>
+          </a:p>
+        </p:txBody>
+      </p:sp>
+      <p:pic>
+        <p:nvPicPr>
+          <p:cNvPr id="4" name="Picture 3">
+            <a:extLst>
+              <a:ext uri="{FF2B5EF4-FFF2-40B4-BE49-F238E27FC236}">
+                <a16:creationId xmlns:a16="http://schemas.microsoft.com/office/drawing/2014/main" id="{3BDE1474-0549-403C-8DDC-FE955718000B}"/>
+              </a:ext>
+            </a:extLst>
+          </p:cNvPr>
+          <p:cNvPicPr>
+            <a:picLocks noChangeAspect="1"/>
+          </p:cNvPicPr>
+          <p:nvPr/>
+        </p:nvPicPr>
+        <p:blipFill>
+          <a:blip r:embed="rId2"/>
+          <a:stretch>
+            <a:fillRect/>
+          </a:stretch>
+        </p:blipFill>
+        <p:spPr>
+          <a:xfrm>
+            <a:off x="5447708" y="1335932"/>
+            <a:ext cx="5993641" cy="3376967"/>
+          </a:xfrm>
+          <a:prstGeom prst="rect">
+            <a:avLst/>
+          </a:prstGeom>
+        </p:spPr>
+      </p:pic>
     </p:spTree>
     <p:extLst>
       <p:ext uri="{BB962C8B-B14F-4D97-AF65-F5344CB8AC3E}">
@@ -15379,15 +15466,80 @@
             <p:ph type="body" sz="quarter" idx="10"/>
           </p:nvPr>
         </p:nvSpPr>
-        <p:spPr/>
-        <p:txBody>
-          <a:bodyPr/>
-          <a:lstStyle/>
-          <a:p>
-            <a:endParaRPr lang="en-US"/>
-          </a:p>
-        </p:txBody>
-      </p:sp>
+        <p:spPr>
+          <a:xfrm>
+            <a:off x="762000" y="1752600"/>
+            <a:ext cx="8153400" cy="3733800"/>
+          </a:xfrm>
+        </p:spPr>
+        <p:txBody>
+          <a:bodyPr/>
+          <a:lstStyle/>
+          <a:p>
+            <a:r>
+              <a:rPr lang="en-US" dirty="0"/>
+              <a:t>Access, PDF, Excel, .</a:t>
+            </a:r>
+            <a:r>
+              <a:rPr lang="en-US" dirty="0" err="1"/>
+              <a:t>tde</a:t>
+            </a:r>
+            <a:r>
+              <a:rPr lang="en-US" dirty="0"/>
+              <a:t>, .hyper, csv, </a:t>
+            </a:r>
+            <a:r>
+              <a:rPr lang="en-US" dirty="0" err="1"/>
+              <a:t>tsv</a:t>
+            </a:r>
+            <a:r>
+              <a:rPr lang="en-US" dirty="0"/>
+              <a:t>, etc.</a:t>
+            </a:r>
+          </a:p>
+          <a:p>
+            <a:r>
+              <a:rPr lang="en-US" dirty="0"/>
+              <a:t>Single files or entire directories (</a:t>
+            </a:r>
+            <a:r>
+              <a:rPr lang="en-US"/>
+              <a:t>wildcard union)</a:t>
+            </a:r>
+            <a:endParaRPr lang="en-US" dirty="0"/>
+          </a:p>
+        </p:txBody>
+      </p:sp>
+      <p:pic>
+        <p:nvPicPr>
+          <p:cNvPr id="4" name="Picture 3">
+            <a:extLst>
+              <a:ext uri="{FF2B5EF4-FFF2-40B4-BE49-F238E27FC236}">
+                <a16:creationId xmlns:a16="http://schemas.microsoft.com/office/drawing/2014/main" id="{F6C4475F-C1E6-416C-ACFC-8397F21D191D}"/>
+              </a:ext>
+            </a:extLst>
+          </p:cNvPr>
+          <p:cNvPicPr>
+            <a:picLocks noChangeAspect="1"/>
+          </p:cNvPicPr>
+          <p:nvPr/>
+        </p:nvPicPr>
+        <p:blipFill>
+          <a:blip r:embed="rId2"/>
+          <a:stretch>
+            <a:fillRect/>
+          </a:stretch>
+        </p:blipFill>
+        <p:spPr>
+          <a:xfrm>
+            <a:off x="9197999" y="1027112"/>
+            <a:ext cx="2248214" cy="2495898"/>
+          </a:xfrm>
+          <a:prstGeom prst="rect">
+            <a:avLst/>
+          </a:prstGeom>
+        </p:spPr>
+      </p:pic>
     </p:spTree>
     <p:extLst>
       <p:ext uri="{BB962C8B-B14F-4D97-AF65-F5344CB8AC3E}">

--- a/ppt/TableauPrepBuilderIntroV1_1.pptx
+++ b/ppt/TableauPrepBuilderIntroV1_1.pptx
@@ -1238,7 +1238,7 @@
               <a:pPr>
                 <a:defRPr/>
               </a:pPr>
-              <a:t>43</a:t>
+              <a:t>42</a:t>
             </a:fld>
             <a:endParaRPr lang="en-US"/>
           </a:p>
@@ -1247,7 +1247,7 @@
     </p:spTree>
     <p:extLst>
       <p:ext uri="{BB962C8B-B14F-4D97-AF65-F5344CB8AC3E}">
-        <p14:creationId xmlns:p14="http://schemas.microsoft.com/office/powerpoint/2010/main" val="1698028341"/>
+        <p14:creationId xmlns:p14="http://schemas.microsoft.com/office/powerpoint/2010/main" val="2846299693"/>
       </p:ext>
     </p:extLst>
   </p:cSld>
@@ -1328,7 +1328,7 @@
               <a:pPr>
                 <a:defRPr/>
               </a:pPr>
-              <a:t>44</a:t>
+              <a:t>43</a:t>
             </a:fld>
             <a:endParaRPr lang="en-US"/>
           </a:p>
@@ -1337,7 +1337,7 @@
     </p:spTree>
     <p:extLst>
       <p:ext uri="{BB962C8B-B14F-4D97-AF65-F5344CB8AC3E}">
-        <p14:creationId xmlns:p14="http://schemas.microsoft.com/office/powerpoint/2010/main" val="726943513"/>
+        <p14:creationId xmlns:p14="http://schemas.microsoft.com/office/powerpoint/2010/main" val="1698028341"/>
       </p:ext>
     </p:extLst>
   </p:cSld>
@@ -1418,7 +1418,7 @@
               <a:pPr>
                 <a:defRPr/>
               </a:pPr>
-              <a:t>45</a:t>
+              <a:t>44</a:t>
             </a:fld>
             <a:endParaRPr lang="en-US"/>
           </a:p>
@@ -1427,7 +1427,7 @@
     </p:spTree>
     <p:extLst>
       <p:ext uri="{BB962C8B-B14F-4D97-AF65-F5344CB8AC3E}">
-        <p14:creationId xmlns:p14="http://schemas.microsoft.com/office/powerpoint/2010/main" val="2362789083"/>
+        <p14:creationId xmlns:p14="http://schemas.microsoft.com/office/powerpoint/2010/main" val="726943513"/>
       </p:ext>
     </p:extLst>
   </p:cSld>
@@ -1508,7 +1508,7 @@
               <a:pPr>
                 <a:defRPr/>
               </a:pPr>
-              <a:t>46</a:t>
+              <a:t>45</a:t>
             </a:fld>
             <a:endParaRPr lang="en-US"/>
           </a:p>
@@ -1517,7 +1517,7 @@
     </p:spTree>
     <p:extLst>
       <p:ext uri="{BB962C8B-B14F-4D97-AF65-F5344CB8AC3E}">
-        <p14:creationId xmlns:p14="http://schemas.microsoft.com/office/powerpoint/2010/main" val="874778443"/>
+        <p14:creationId xmlns:p14="http://schemas.microsoft.com/office/powerpoint/2010/main" val="2362789083"/>
       </p:ext>
     </p:extLst>
   </p:cSld>
@@ -1598,7 +1598,7 @@
               <a:pPr>
                 <a:defRPr/>
               </a:pPr>
-              <a:t>48</a:t>
+              <a:t>46</a:t>
             </a:fld>
             <a:endParaRPr lang="en-US"/>
           </a:p>
@@ -1607,7 +1607,7 @@
     </p:spTree>
     <p:extLst>
       <p:ext uri="{BB962C8B-B14F-4D97-AF65-F5344CB8AC3E}">
-        <p14:creationId xmlns:p14="http://schemas.microsoft.com/office/powerpoint/2010/main" val="2891959380"/>
+        <p14:creationId xmlns:p14="http://schemas.microsoft.com/office/powerpoint/2010/main" val="874778443"/>
       </p:ext>
     </p:extLst>
   </p:cSld>
@@ -1688,7 +1688,7 @@
               <a:pPr>
                 <a:defRPr/>
               </a:pPr>
-              <a:t>49</a:t>
+              <a:t>48</a:t>
             </a:fld>
             <a:endParaRPr lang="en-US"/>
           </a:p>
@@ -1697,7 +1697,7 @@
     </p:spTree>
     <p:extLst>
       <p:ext uri="{BB962C8B-B14F-4D97-AF65-F5344CB8AC3E}">
-        <p14:creationId xmlns:p14="http://schemas.microsoft.com/office/powerpoint/2010/main" val="3998191242"/>
+        <p14:creationId xmlns:p14="http://schemas.microsoft.com/office/powerpoint/2010/main" val="2891959380"/>
       </p:ext>
     </p:extLst>
   </p:cSld>
@@ -1778,7 +1778,7 @@
               <a:pPr>
                 <a:defRPr/>
               </a:pPr>
-              <a:t>51</a:t>
+              <a:t>49</a:t>
             </a:fld>
             <a:endParaRPr lang="en-US"/>
           </a:p>
@@ -1787,7 +1787,7 @@
     </p:spTree>
     <p:extLst>
       <p:ext uri="{BB962C8B-B14F-4D97-AF65-F5344CB8AC3E}">
-        <p14:creationId xmlns:p14="http://schemas.microsoft.com/office/powerpoint/2010/main" val="3078134036"/>
+        <p14:creationId xmlns:p14="http://schemas.microsoft.com/office/powerpoint/2010/main" val="3998191242"/>
       </p:ext>
     </p:extLst>
   </p:cSld>
@@ -1868,7 +1868,7 @@
               <a:pPr>
                 <a:defRPr/>
               </a:pPr>
-              <a:t>52</a:t>
+              <a:t>51</a:t>
             </a:fld>
             <a:endParaRPr lang="en-US"/>
           </a:p>
@@ -1877,7 +1877,7 @@
     </p:spTree>
     <p:extLst>
       <p:ext uri="{BB962C8B-B14F-4D97-AF65-F5344CB8AC3E}">
-        <p14:creationId xmlns:p14="http://schemas.microsoft.com/office/powerpoint/2010/main" val="298201703"/>
+        <p14:creationId xmlns:p14="http://schemas.microsoft.com/office/powerpoint/2010/main" val="3078134036"/>
       </p:ext>
     </p:extLst>
   </p:cSld>
@@ -1958,7 +1958,7 @@
               <a:pPr>
                 <a:defRPr/>
               </a:pPr>
-              <a:t>53</a:t>
+              <a:t>52</a:t>
             </a:fld>
             <a:endParaRPr lang="en-US"/>
           </a:p>
@@ -1967,7 +1967,7 @@
     </p:spTree>
     <p:extLst>
       <p:ext uri="{BB962C8B-B14F-4D97-AF65-F5344CB8AC3E}">
-        <p14:creationId xmlns:p14="http://schemas.microsoft.com/office/powerpoint/2010/main" val="3874808043"/>
+        <p14:creationId xmlns:p14="http://schemas.microsoft.com/office/powerpoint/2010/main" val="298201703"/>
       </p:ext>
     </p:extLst>
   </p:cSld>
@@ -2048,7 +2048,7 @@
               <a:pPr>
                 <a:defRPr/>
               </a:pPr>
-              <a:t>54</a:t>
+              <a:t>53</a:t>
             </a:fld>
             <a:endParaRPr lang="en-US"/>
           </a:p>
@@ -2057,7 +2057,7 @@
     </p:spTree>
     <p:extLst>
       <p:ext uri="{BB962C8B-B14F-4D97-AF65-F5344CB8AC3E}">
-        <p14:creationId xmlns:p14="http://schemas.microsoft.com/office/powerpoint/2010/main" val="528205708"/>
+        <p14:creationId xmlns:p14="http://schemas.microsoft.com/office/powerpoint/2010/main" val="3874808043"/>
       </p:ext>
     </p:extLst>
   </p:cSld>
@@ -2320,7 +2320,7 @@
               <a:pPr>
                 <a:defRPr/>
               </a:pPr>
-              <a:t>55</a:t>
+              <a:t>54</a:t>
             </a:fld>
             <a:endParaRPr lang="en-US"/>
           </a:p>
@@ -2329,7 +2329,7 @@
     </p:spTree>
     <p:extLst>
       <p:ext uri="{BB962C8B-B14F-4D97-AF65-F5344CB8AC3E}">
-        <p14:creationId xmlns:p14="http://schemas.microsoft.com/office/powerpoint/2010/main" val="1584125309"/>
+        <p14:creationId xmlns:p14="http://schemas.microsoft.com/office/powerpoint/2010/main" val="528205708"/>
       </p:ext>
     </p:extLst>
   </p:cSld>
@@ -2410,7 +2410,7 @@
               <a:pPr>
                 <a:defRPr/>
               </a:pPr>
-              <a:t>56</a:t>
+              <a:t>55</a:t>
             </a:fld>
             <a:endParaRPr lang="en-US"/>
           </a:p>
@@ -2419,7 +2419,7 @@
     </p:spTree>
     <p:extLst>
       <p:ext uri="{BB962C8B-B14F-4D97-AF65-F5344CB8AC3E}">
-        <p14:creationId xmlns:p14="http://schemas.microsoft.com/office/powerpoint/2010/main" val="1763888369"/>
+        <p14:creationId xmlns:p14="http://schemas.microsoft.com/office/powerpoint/2010/main" val="1584125309"/>
       </p:ext>
     </p:extLst>
   </p:cSld>
@@ -2500,7 +2500,7 @@
               <a:pPr>
                 <a:defRPr/>
               </a:pPr>
-              <a:t>57</a:t>
+              <a:t>56</a:t>
             </a:fld>
             <a:endParaRPr lang="en-US"/>
           </a:p>
@@ -2509,7 +2509,7 @@
     </p:spTree>
     <p:extLst>
       <p:ext uri="{BB962C8B-B14F-4D97-AF65-F5344CB8AC3E}">
-        <p14:creationId xmlns:p14="http://schemas.microsoft.com/office/powerpoint/2010/main" val="1163186464"/>
+        <p14:creationId xmlns:p14="http://schemas.microsoft.com/office/powerpoint/2010/main" val="1763888369"/>
       </p:ext>
     </p:extLst>
   </p:cSld>
@@ -2590,7 +2590,7 @@
               <a:pPr>
                 <a:defRPr/>
               </a:pPr>
-              <a:t>58</a:t>
+              <a:t>57</a:t>
             </a:fld>
             <a:endParaRPr lang="en-US"/>
           </a:p>
@@ -2599,7 +2599,7 @@
     </p:spTree>
     <p:extLst>
       <p:ext uri="{BB962C8B-B14F-4D97-AF65-F5344CB8AC3E}">
-        <p14:creationId xmlns:p14="http://schemas.microsoft.com/office/powerpoint/2010/main" val="1339603961"/>
+        <p14:creationId xmlns:p14="http://schemas.microsoft.com/office/powerpoint/2010/main" val="1163186464"/>
       </p:ext>
     </p:extLst>
   </p:cSld>
@@ -2680,7 +2680,7 @@
               <a:pPr>
                 <a:defRPr/>
               </a:pPr>
-              <a:t>59</a:t>
+              <a:t>58</a:t>
             </a:fld>
             <a:endParaRPr lang="en-US"/>
           </a:p>
@@ -2689,7 +2689,7 @@
     </p:spTree>
     <p:extLst>
       <p:ext uri="{BB962C8B-B14F-4D97-AF65-F5344CB8AC3E}">
-        <p14:creationId xmlns:p14="http://schemas.microsoft.com/office/powerpoint/2010/main" val="1223403192"/>
+        <p14:creationId xmlns:p14="http://schemas.microsoft.com/office/powerpoint/2010/main" val="1339603961"/>
       </p:ext>
     </p:extLst>
   </p:cSld>
@@ -2770,7 +2770,7 @@
               <a:pPr>
                 <a:defRPr/>
               </a:pPr>
-              <a:t>60</a:t>
+              <a:t>59</a:t>
             </a:fld>
             <a:endParaRPr lang="en-US"/>
           </a:p>
@@ -2779,7 +2779,7 @@
     </p:spTree>
     <p:extLst>
       <p:ext uri="{BB962C8B-B14F-4D97-AF65-F5344CB8AC3E}">
-        <p14:creationId xmlns:p14="http://schemas.microsoft.com/office/powerpoint/2010/main" val="2481980710"/>
+        <p14:creationId xmlns:p14="http://schemas.microsoft.com/office/powerpoint/2010/main" val="1223403192"/>
       </p:ext>
     </p:extLst>
   </p:cSld>
@@ -2860,7 +2860,7 @@
               <a:pPr>
                 <a:defRPr/>
               </a:pPr>
-              <a:t>61</a:t>
+              <a:t>60</a:t>
             </a:fld>
             <a:endParaRPr lang="en-US"/>
           </a:p>
@@ -2869,7 +2869,7 @@
     </p:spTree>
     <p:extLst>
       <p:ext uri="{BB962C8B-B14F-4D97-AF65-F5344CB8AC3E}">
-        <p14:creationId xmlns:p14="http://schemas.microsoft.com/office/powerpoint/2010/main" val="3370475632"/>
+        <p14:creationId xmlns:p14="http://schemas.microsoft.com/office/powerpoint/2010/main" val="2481980710"/>
       </p:ext>
     </p:extLst>
   </p:cSld>
@@ -2950,7 +2950,7 @@
               <a:pPr>
                 <a:defRPr/>
               </a:pPr>
-              <a:t>62</a:t>
+              <a:t>61</a:t>
             </a:fld>
             <a:endParaRPr lang="en-US"/>
           </a:p>
@@ -2959,7 +2959,7 @@
     </p:spTree>
     <p:extLst>
       <p:ext uri="{BB962C8B-B14F-4D97-AF65-F5344CB8AC3E}">
-        <p14:creationId xmlns:p14="http://schemas.microsoft.com/office/powerpoint/2010/main" val="2027347697"/>
+        <p14:creationId xmlns:p14="http://schemas.microsoft.com/office/powerpoint/2010/main" val="3370475632"/>
       </p:ext>
     </p:extLst>
   </p:cSld>
@@ -3040,7 +3040,7 @@
               <a:pPr>
                 <a:defRPr/>
               </a:pPr>
-              <a:t>63</a:t>
+              <a:t>62</a:t>
             </a:fld>
             <a:endParaRPr lang="en-US"/>
           </a:p>
@@ -3049,7 +3049,7 @@
     </p:spTree>
     <p:extLst>
       <p:ext uri="{BB962C8B-B14F-4D97-AF65-F5344CB8AC3E}">
-        <p14:creationId xmlns:p14="http://schemas.microsoft.com/office/powerpoint/2010/main" val="3289162822"/>
+        <p14:creationId xmlns:p14="http://schemas.microsoft.com/office/powerpoint/2010/main" val="2027347697"/>
       </p:ext>
     </p:extLst>
   </p:cSld>
@@ -3130,7 +3130,7 @@
               <a:pPr>
                 <a:defRPr/>
               </a:pPr>
-              <a:t>64</a:t>
+              <a:t>63</a:t>
             </a:fld>
             <a:endParaRPr lang="en-US"/>
           </a:p>
@@ -3139,7 +3139,7 @@
     </p:spTree>
     <p:extLst>
       <p:ext uri="{BB962C8B-B14F-4D97-AF65-F5344CB8AC3E}">
-        <p14:creationId xmlns:p14="http://schemas.microsoft.com/office/powerpoint/2010/main" val="1707111951"/>
+        <p14:creationId xmlns:p14="http://schemas.microsoft.com/office/powerpoint/2010/main" val="3289162822"/>
       </p:ext>
     </p:extLst>
   </p:cSld>
@@ -3421,7 +3421,7 @@
               <a:pPr>
                 <a:defRPr/>
               </a:pPr>
-              <a:t>65</a:t>
+              <a:t>64</a:t>
             </a:fld>
             <a:endParaRPr lang="en-US"/>
           </a:p>
@@ -3430,7 +3430,7 @@
     </p:spTree>
     <p:extLst>
       <p:ext uri="{BB962C8B-B14F-4D97-AF65-F5344CB8AC3E}">
-        <p14:creationId xmlns:p14="http://schemas.microsoft.com/office/powerpoint/2010/main" val="2320931639"/>
+        <p14:creationId xmlns:p14="http://schemas.microsoft.com/office/powerpoint/2010/main" val="1707111951"/>
       </p:ext>
     </p:extLst>
   </p:cSld>
@@ -3511,7 +3511,7 @@
               <a:pPr>
                 <a:defRPr/>
               </a:pPr>
-              <a:t>66</a:t>
+              <a:t>65</a:t>
             </a:fld>
             <a:endParaRPr lang="en-US"/>
           </a:p>
@@ -3520,7 +3520,7 @@
     </p:spTree>
     <p:extLst>
       <p:ext uri="{BB962C8B-B14F-4D97-AF65-F5344CB8AC3E}">
-        <p14:creationId xmlns:p14="http://schemas.microsoft.com/office/powerpoint/2010/main" val="743050426"/>
+        <p14:creationId xmlns:p14="http://schemas.microsoft.com/office/powerpoint/2010/main" val="2320931639"/>
       </p:ext>
     </p:extLst>
   </p:cSld>
@@ -3601,7 +3601,7 @@
               <a:pPr>
                 <a:defRPr/>
               </a:pPr>
-              <a:t>67</a:t>
+              <a:t>66</a:t>
             </a:fld>
             <a:endParaRPr lang="en-US"/>
           </a:p>
@@ -3610,7 +3610,7 @@
     </p:spTree>
     <p:extLst>
       <p:ext uri="{BB962C8B-B14F-4D97-AF65-F5344CB8AC3E}">
-        <p14:creationId xmlns:p14="http://schemas.microsoft.com/office/powerpoint/2010/main" val="1198822033"/>
+        <p14:creationId xmlns:p14="http://schemas.microsoft.com/office/powerpoint/2010/main" val="743050426"/>
       </p:ext>
     </p:extLst>
   </p:cSld>
@@ -3691,7 +3691,7 @@
               <a:pPr>
                 <a:defRPr/>
               </a:pPr>
-              <a:t>68</a:t>
+              <a:t>67</a:t>
             </a:fld>
             <a:endParaRPr lang="en-US"/>
           </a:p>
@@ -3700,7 +3700,7 @@
     </p:spTree>
     <p:extLst>
       <p:ext uri="{BB962C8B-B14F-4D97-AF65-F5344CB8AC3E}">
-        <p14:creationId xmlns:p14="http://schemas.microsoft.com/office/powerpoint/2010/main" val="3787952476"/>
+        <p14:creationId xmlns:p14="http://schemas.microsoft.com/office/powerpoint/2010/main" val="1198822033"/>
       </p:ext>
     </p:extLst>
   </p:cSld>
@@ -3781,7 +3781,7 @@
               <a:pPr>
                 <a:defRPr/>
               </a:pPr>
-              <a:t>69</a:t>
+              <a:t>68</a:t>
             </a:fld>
             <a:endParaRPr lang="en-US"/>
           </a:p>
@@ -3790,7 +3790,7 @@
     </p:spTree>
     <p:extLst>
       <p:ext uri="{BB962C8B-B14F-4D97-AF65-F5344CB8AC3E}">
-        <p14:creationId xmlns:p14="http://schemas.microsoft.com/office/powerpoint/2010/main" val="3853021930"/>
+        <p14:creationId xmlns:p14="http://schemas.microsoft.com/office/powerpoint/2010/main" val="3787952476"/>
       </p:ext>
     </p:extLst>
   </p:cSld>
@@ -3871,7 +3871,7 @@
               <a:pPr>
                 <a:defRPr/>
               </a:pPr>
-              <a:t>70</a:t>
+              <a:t>69</a:t>
             </a:fld>
             <a:endParaRPr lang="en-US"/>
           </a:p>
@@ -3880,7 +3880,7 @@
     </p:spTree>
     <p:extLst>
       <p:ext uri="{BB962C8B-B14F-4D97-AF65-F5344CB8AC3E}">
-        <p14:creationId xmlns:p14="http://schemas.microsoft.com/office/powerpoint/2010/main" val="1670999290"/>
+        <p14:creationId xmlns:p14="http://schemas.microsoft.com/office/powerpoint/2010/main" val="3853021930"/>
       </p:ext>
     </p:extLst>
   </p:cSld>
@@ -3961,7 +3961,7 @@
               <a:pPr>
                 <a:defRPr/>
               </a:pPr>
-              <a:t>71</a:t>
+              <a:t>70</a:t>
             </a:fld>
             <a:endParaRPr lang="en-US"/>
           </a:p>
@@ -3970,7 +3970,7 @@
     </p:spTree>
     <p:extLst>
       <p:ext uri="{BB962C8B-B14F-4D97-AF65-F5344CB8AC3E}">
-        <p14:creationId xmlns:p14="http://schemas.microsoft.com/office/powerpoint/2010/main" val="3590296749"/>
+        <p14:creationId xmlns:p14="http://schemas.microsoft.com/office/powerpoint/2010/main" val="1670999290"/>
       </p:ext>
     </p:extLst>
   </p:cSld>
@@ -4051,7 +4051,7 @@
               <a:pPr>
                 <a:defRPr/>
               </a:pPr>
-              <a:t>72</a:t>
+              <a:t>71</a:t>
             </a:fld>
             <a:endParaRPr lang="en-US"/>
           </a:p>
@@ -4060,7 +4060,7 @@
     </p:spTree>
     <p:extLst>
       <p:ext uri="{BB962C8B-B14F-4D97-AF65-F5344CB8AC3E}">
-        <p14:creationId xmlns:p14="http://schemas.microsoft.com/office/powerpoint/2010/main" val="712519063"/>
+        <p14:creationId xmlns:p14="http://schemas.microsoft.com/office/powerpoint/2010/main" val="3590296749"/>
       </p:ext>
     </p:extLst>
   </p:cSld>
@@ -4141,7 +4141,7 @@
               <a:pPr>
                 <a:defRPr/>
               </a:pPr>
-              <a:t>73</a:t>
+              <a:t>72</a:t>
             </a:fld>
             <a:endParaRPr lang="en-US"/>
           </a:p>
@@ -4150,7 +4150,7 @@
     </p:spTree>
     <p:extLst>
       <p:ext uri="{BB962C8B-B14F-4D97-AF65-F5344CB8AC3E}">
-        <p14:creationId xmlns:p14="http://schemas.microsoft.com/office/powerpoint/2010/main" val="2190682706"/>
+        <p14:creationId xmlns:p14="http://schemas.microsoft.com/office/powerpoint/2010/main" val="712519063"/>
       </p:ext>
     </p:extLst>
   </p:cSld>
@@ -4231,7 +4231,7 @@
               <a:pPr>
                 <a:defRPr/>
               </a:pPr>
-              <a:t>74</a:t>
+              <a:t>73</a:t>
             </a:fld>
             <a:endParaRPr lang="en-US"/>
           </a:p>
@@ -4240,7 +4240,7 @@
     </p:spTree>
     <p:extLst>
       <p:ext uri="{BB962C8B-B14F-4D97-AF65-F5344CB8AC3E}">
-        <p14:creationId xmlns:p14="http://schemas.microsoft.com/office/powerpoint/2010/main" val="1765388918"/>
+        <p14:creationId xmlns:p14="http://schemas.microsoft.com/office/powerpoint/2010/main" val="2190682706"/>
       </p:ext>
     </p:extLst>
   </p:cSld>
@@ -4411,7 +4411,7 @@
               <a:pPr>
                 <a:defRPr/>
               </a:pPr>
-              <a:t>75</a:t>
+              <a:t>74</a:t>
             </a:fld>
             <a:endParaRPr lang="en-US"/>
           </a:p>
@@ -4420,7 +4420,7 @@
     </p:spTree>
     <p:extLst>
       <p:ext uri="{BB962C8B-B14F-4D97-AF65-F5344CB8AC3E}">
-        <p14:creationId xmlns:p14="http://schemas.microsoft.com/office/powerpoint/2010/main" val="3681254223"/>
+        <p14:creationId xmlns:p14="http://schemas.microsoft.com/office/powerpoint/2010/main" val="1765388918"/>
       </p:ext>
     </p:extLst>
   </p:cSld>
@@ -4501,7 +4501,7 @@
               <a:pPr>
                 <a:defRPr/>
               </a:pPr>
-              <a:t>76</a:t>
+              <a:t>75</a:t>
             </a:fld>
             <a:endParaRPr lang="en-US"/>
           </a:p>
@@ -4510,7 +4510,7 @@
     </p:spTree>
     <p:extLst>
       <p:ext uri="{BB962C8B-B14F-4D97-AF65-F5344CB8AC3E}">
-        <p14:creationId xmlns:p14="http://schemas.microsoft.com/office/powerpoint/2010/main" val="1303845855"/>
+        <p14:creationId xmlns:p14="http://schemas.microsoft.com/office/powerpoint/2010/main" val="3681254223"/>
       </p:ext>
     </p:extLst>
   </p:cSld>
@@ -4591,7 +4591,7 @@
               <a:pPr>
                 <a:defRPr/>
               </a:pPr>
-              <a:t>77</a:t>
+              <a:t>76</a:t>
             </a:fld>
             <a:endParaRPr lang="en-US"/>
           </a:p>
@@ -4600,7 +4600,7 @@
     </p:spTree>
     <p:extLst>
       <p:ext uri="{BB962C8B-B14F-4D97-AF65-F5344CB8AC3E}">
-        <p14:creationId xmlns:p14="http://schemas.microsoft.com/office/powerpoint/2010/main" val="1264308137"/>
+        <p14:creationId xmlns:p14="http://schemas.microsoft.com/office/powerpoint/2010/main" val="1303845855"/>
       </p:ext>
     </p:extLst>
   </p:cSld>
@@ -4681,7 +4681,7 @@
               <a:pPr>
                 <a:defRPr/>
               </a:pPr>
-              <a:t>78</a:t>
+              <a:t>77</a:t>
             </a:fld>
             <a:endParaRPr lang="en-US"/>
           </a:p>
@@ -4690,7 +4690,7 @@
     </p:spTree>
     <p:extLst>
       <p:ext uri="{BB962C8B-B14F-4D97-AF65-F5344CB8AC3E}">
-        <p14:creationId xmlns:p14="http://schemas.microsoft.com/office/powerpoint/2010/main" val="3339491410"/>
+        <p14:creationId xmlns:p14="http://schemas.microsoft.com/office/powerpoint/2010/main" val="1264308137"/>
       </p:ext>
     </p:extLst>
   </p:cSld>
@@ -4771,7 +4771,7 @@
               <a:pPr>
                 <a:defRPr/>
               </a:pPr>
-              <a:t>79</a:t>
+              <a:t>78</a:t>
             </a:fld>
             <a:endParaRPr lang="en-US"/>
           </a:p>
@@ -4780,7 +4780,7 @@
     </p:spTree>
     <p:extLst>
       <p:ext uri="{BB962C8B-B14F-4D97-AF65-F5344CB8AC3E}">
-        <p14:creationId xmlns:p14="http://schemas.microsoft.com/office/powerpoint/2010/main" val="2158574328"/>
+        <p14:creationId xmlns:p14="http://schemas.microsoft.com/office/powerpoint/2010/main" val="3339491410"/>
       </p:ext>
     </p:extLst>
   </p:cSld>
@@ -4861,7 +4861,7 @@
               <a:pPr>
                 <a:defRPr/>
               </a:pPr>
-              <a:t>80</a:t>
+              <a:t>79</a:t>
             </a:fld>
             <a:endParaRPr lang="en-US"/>
           </a:p>
@@ -4870,7 +4870,7 @@
     </p:spTree>
     <p:extLst>
       <p:ext uri="{BB962C8B-B14F-4D97-AF65-F5344CB8AC3E}">
-        <p14:creationId xmlns:p14="http://schemas.microsoft.com/office/powerpoint/2010/main" val="2988952496"/>
+        <p14:creationId xmlns:p14="http://schemas.microsoft.com/office/powerpoint/2010/main" val="2158574328"/>
       </p:ext>
     </p:extLst>
   </p:cSld>
@@ -4951,7 +4951,7 @@
               <a:pPr>
                 <a:defRPr/>
               </a:pPr>
-              <a:t>81</a:t>
+              <a:t>80</a:t>
             </a:fld>
             <a:endParaRPr lang="en-US"/>
           </a:p>
@@ -4960,7 +4960,7 @@
     </p:spTree>
     <p:extLst>
       <p:ext uri="{BB962C8B-B14F-4D97-AF65-F5344CB8AC3E}">
-        <p14:creationId xmlns:p14="http://schemas.microsoft.com/office/powerpoint/2010/main" val="3864465609"/>
+        <p14:creationId xmlns:p14="http://schemas.microsoft.com/office/powerpoint/2010/main" val="2988952496"/>
       </p:ext>
     </p:extLst>
   </p:cSld>
@@ -5041,7 +5041,7 @@
               <a:pPr>
                 <a:defRPr/>
               </a:pPr>
-              <a:t>82</a:t>
+              <a:t>81</a:t>
             </a:fld>
             <a:endParaRPr lang="en-US"/>
           </a:p>
@@ -5050,7 +5050,7 @@
     </p:spTree>
     <p:extLst>
       <p:ext uri="{BB962C8B-B14F-4D97-AF65-F5344CB8AC3E}">
-        <p14:creationId xmlns:p14="http://schemas.microsoft.com/office/powerpoint/2010/main" val="953775842"/>
+        <p14:creationId xmlns:p14="http://schemas.microsoft.com/office/powerpoint/2010/main" val="3864465609"/>
       </p:ext>
     </p:extLst>
   </p:cSld>
@@ -5131,7 +5131,7 @@
               <a:pPr>
                 <a:defRPr/>
               </a:pPr>
-              <a:t>83</a:t>
+              <a:t>82</a:t>
             </a:fld>
             <a:endParaRPr lang="en-US"/>
           </a:p>
@@ -5140,7 +5140,7 @@
     </p:spTree>
     <p:extLst>
       <p:ext uri="{BB962C8B-B14F-4D97-AF65-F5344CB8AC3E}">
-        <p14:creationId xmlns:p14="http://schemas.microsoft.com/office/powerpoint/2010/main" val="1019394216"/>
+        <p14:creationId xmlns:p14="http://schemas.microsoft.com/office/powerpoint/2010/main" val="953775842"/>
       </p:ext>
     </p:extLst>
   </p:cSld>
@@ -5221,7 +5221,7 @@
               <a:pPr>
                 <a:defRPr/>
               </a:pPr>
-              <a:t>84</a:t>
+              <a:t>83</a:t>
             </a:fld>
             <a:endParaRPr lang="en-US"/>
           </a:p>
@@ -5230,7 +5230,7 @@
     </p:spTree>
     <p:extLst>
       <p:ext uri="{BB962C8B-B14F-4D97-AF65-F5344CB8AC3E}">
-        <p14:creationId xmlns:p14="http://schemas.microsoft.com/office/powerpoint/2010/main" val="1364635203"/>
+        <p14:creationId xmlns:p14="http://schemas.microsoft.com/office/powerpoint/2010/main" val="1019394216"/>
       </p:ext>
     </p:extLst>
   </p:cSld>
@@ -5401,7 +5401,7 @@
               <a:pPr>
                 <a:defRPr/>
               </a:pPr>
-              <a:t>85</a:t>
+              <a:t>84</a:t>
             </a:fld>
             <a:endParaRPr lang="en-US"/>
           </a:p>
@@ -5410,7 +5410,7 @@
     </p:spTree>
     <p:extLst>
       <p:ext uri="{BB962C8B-B14F-4D97-AF65-F5344CB8AC3E}">
-        <p14:creationId xmlns:p14="http://schemas.microsoft.com/office/powerpoint/2010/main" val="613960579"/>
+        <p14:creationId xmlns:p14="http://schemas.microsoft.com/office/powerpoint/2010/main" val="1364635203"/>
       </p:ext>
     </p:extLst>
   </p:cSld>
@@ -5491,7 +5491,7 @@
               <a:pPr>
                 <a:defRPr/>
               </a:pPr>
-              <a:t>86</a:t>
+              <a:t>85</a:t>
             </a:fld>
             <a:endParaRPr lang="en-US"/>
           </a:p>
@@ -5500,7 +5500,7 @@
     </p:spTree>
     <p:extLst>
       <p:ext uri="{BB962C8B-B14F-4D97-AF65-F5344CB8AC3E}">
-        <p14:creationId xmlns:p14="http://schemas.microsoft.com/office/powerpoint/2010/main" val="1035260990"/>
+        <p14:creationId xmlns:p14="http://schemas.microsoft.com/office/powerpoint/2010/main" val="613960579"/>
       </p:ext>
     </p:extLst>
   </p:cSld>
@@ -5581,7 +5581,7 @@
               <a:pPr>
                 <a:defRPr/>
               </a:pPr>
-              <a:t>87</a:t>
+              <a:t>86</a:t>
             </a:fld>
             <a:endParaRPr lang="en-US"/>
           </a:p>
@@ -5590,7 +5590,7 @@
     </p:spTree>
     <p:extLst>
       <p:ext uri="{BB962C8B-B14F-4D97-AF65-F5344CB8AC3E}">
-        <p14:creationId xmlns:p14="http://schemas.microsoft.com/office/powerpoint/2010/main" val="1150337588"/>
+        <p14:creationId xmlns:p14="http://schemas.microsoft.com/office/powerpoint/2010/main" val="1035260990"/>
       </p:ext>
     </p:extLst>
   </p:cSld>
@@ -5671,7 +5671,7 @@
               <a:pPr>
                 <a:defRPr/>
               </a:pPr>
-              <a:t>88</a:t>
+              <a:t>87</a:t>
             </a:fld>
             <a:endParaRPr lang="en-US"/>
           </a:p>
@@ -5680,7 +5680,7 @@
     </p:spTree>
     <p:extLst>
       <p:ext uri="{BB962C8B-B14F-4D97-AF65-F5344CB8AC3E}">
-        <p14:creationId xmlns:p14="http://schemas.microsoft.com/office/powerpoint/2010/main" val="1092060189"/>
+        <p14:creationId xmlns:p14="http://schemas.microsoft.com/office/powerpoint/2010/main" val="1150337588"/>
       </p:ext>
     </p:extLst>
   </p:cSld>
@@ -5761,7 +5761,7 @@
               <a:pPr>
                 <a:defRPr/>
               </a:pPr>
-              <a:t>89</a:t>
+              <a:t>88</a:t>
             </a:fld>
             <a:endParaRPr lang="en-US"/>
           </a:p>
@@ -5770,7 +5770,7 @@
     </p:spTree>
     <p:extLst>
       <p:ext uri="{BB962C8B-B14F-4D97-AF65-F5344CB8AC3E}">
-        <p14:creationId xmlns:p14="http://schemas.microsoft.com/office/powerpoint/2010/main" val="3916772145"/>
+        <p14:creationId xmlns:p14="http://schemas.microsoft.com/office/powerpoint/2010/main" val="1092060189"/>
       </p:ext>
     </p:extLst>
   </p:cSld>
@@ -5851,7 +5851,7 @@
               <a:pPr>
                 <a:defRPr/>
               </a:pPr>
-              <a:t>90</a:t>
+              <a:t>89</a:t>
             </a:fld>
             <a:endParaRPr lang="en-US"/>
           </a:p>
@@ -5860,7 +5860,7 @@
     </p:spTree>
     <p:extLst>
       <p:ext uri="{BB962C8B-B14F-4D97-AF65-F5344CB8AC3E}">
-        <p14:creationId xmlns:p14="http://schemas.microsoft.com/office/powerpoint/2010/main" val="3016050643"/>
+        <p14:creationId xmlns:p14="http://schemas.microsoft.com/office/powerpoint/2010/main" val="3916772145"/>
       </p:ext>
     </p:extLst>
   </p:cSld>
@@ -5941,7 +5941,7 @@
               <a:pPr>
                 <a:defRPr/>
               </a:pPr>
-              <a:t>91</a:t>
+              <a:t>90</a:t>
             </a:fld>
             <a:endParaRPr lang="en-US"/>
           </a:p>
@@ -5950,7 +5950,7 @@
     </p:spTree>
     <p:extLst>
       <p:ext uri="{BB962C8B-B14F-4D97-AF65-F5344CB8AC3E}">
-        <p14:creationId xmlns:p14="http://schemas.microsoft.com/office/powerpoint/2010/main" val="1940669753"/>
+        <p14:creationId xmlns:p14="http://schemas.microsoft.com/office/powerpoint/2010/main" val="3016050643"/>
       </p:ext>
     </p:extLst>
   </p:cSld>
@@ -6031,6 +6031,96 @@
               <a:pPr>
                 <a:defRPr/>
               </a:pPr>
+              <a:t>91</a:t>
+            </a:fld>
+            <a:endParaRPr lang="en-US"/>
+          </a:p>
+        </p:txBody>
+      </p:sp>
+    </p:spTree>
+    <p:extLst>
+      <p:ext uri="{BB962C8B-B14F-4D97-AF65-F5344CB8AC3E}">
+        <p14:creationId xmlns:p14="http://schemas.microsoft.com/office/powerpoint/2010/main" val="1940669753"/>
+      </p:ext>
+    </p:extLst>
+  </p:cSld>
+  <p:clrMapOvr>
+    <a:masterClrMapping/>
+  </p:clrMapOvr>
+</p:notes>
+</file>
+
+<file path=ppt/notesSlides/notesSlide58.xml><?xml version="1.0" encoding="utf-8"?>
+<p:notes xmlns:a="http://schemas.openxmlformats.org/drawingml/2006/main" xmlns:r="http://schemas.openxmlformats.org/officeDocument/2006/relationships" xmlns:p="http://schemas.openxmlformats.org/presentationml/2006/main">
+  <p:cSld>
+    <p:spTree>
+      <p:nvGrpSpPr>
+        <p:cNvPr id="1" name=""/>
+        <p:cNvGrpSpPr/>
+        <p:nvPr/>
+      </p:nvGrpSpPr>
+      <p:grpSpPr>
+        <a:xfrm>
+          <a:off x="0" y="0"/>
+          <a:ext cx="0" cy="0"/>
+          <a:chOff x="0" y="0"/>
+          <a:chExt cx="0" cy="0"/>
+        </a:xfrm>
+      </p:grpSpPr>
+      <p:sp>
+        <p:nvSpPr>
+          <p:cNvPr id="2" name="Slide Image Placeholder 1"/>
+          <p:cNvSpPr>
+            <a:spLocks noGrp="1" noRot="1" noChangeAspect="1"/>
+          </p:cNvSpPr>
+          <p:nvPr>
+            <p:ph type="sldImg"/>
+          </p:nvPr>
+        </p:nvSpPr>
+        <p:spPr/>
+      </p:sp>
+      <p:sp>
+        <p:nvSpPr>
+          <p:cNvPr id="3" name="Notes Placeholder 2"/>
+          <p:cNvSpPr>
+            <a:spLocks noGrp="1"/>
+          </p:cNvSpPr>
+          <p:nvPr>
+            <p:ph type="body" idx="1"/>
+          </p:nvPr>
+        </p:nvSpPr>
+        <p:spPr/>
+        <p:txBody>
+          <a:bodyPr/>
+          <a:lstStyle/>
+          <a:p>
+            <a:endParaRPr lang="en-US"/>
+          </a:p>
+        </p:txBody>
+      </p:sp>
+      <p:sp>
+        <p:nvSpPr>
+          <p:cNvPr id="4" name="Slide Number Placeholder 3"/>
+          <p:cNvSpPr>
+            <a:spLocks noGrp="1"/>
+          </p:cNvSpPr>
+          <p:nvPr>
+            <p:ph type="sldNum" sz="quarter" idx="5"/>
+          </p:nvPr>
+        </p:nvSpPr>
+        <p:spPr/>
+        <p:txBody>
+          <a:bodyPr/>
+          <a:lstStyle/>
+          <a:p>
+            <a:pPr>
+              <a:defRPr/>
+            </a:pPr>
+            <a:fld id="{673C55C6-0635-4FFD-BEAC-5E6F89DDB24B}" type="slidenum">
+              <a:rPr lang="en-US" smtClean="0"/>
+              <a:pPr>
+                <a:defRPr/>
+              </a:pPr>
               <a:t>92</a:t>
             </a:fld>
             <a:endParaRPr lang="en-US"/>
@@ -6050,7 +6140,7 @@
 </p:notes>
 </file>
 
-<file path=ppt/notesSlides/notesSlide58.xml><?xml version="1.0" encoding="utf-8"?>
+<file path=ppt/notesSlides/notesSlide59.xml><?xml version="1.0" encoding="utf-8"?>
 <p:notes xmlns:a="http://schemas.openxmlformats.org/drawingml/2006/main" xmlns:r="http://schemas.openxmlformats.org/officeDocument/2006/relationships" xmlns:p="http://schemas.openxmlformats.org/presentationml/2006/main">
   <p:cSld>
     <p:spTree>
@@ -6364,7 +6454,7 @@
           <a:bodyPr/>
           <a:lstStyle/>
           <a:p>
-            <a:endParaRPr lang="en-US"/>
+            <a:endParaRPr lang="en-US" dirty="0"/>
           </a:p>
         </p:txBody>
       </p:sp>
@@ -6391,7 +6481,7 @@
               <a:pPr>
                 <a:defRPr/>
               </a:pPr>
-              <a:t>41</a:t>
+              <a:t>37</a:t>
             </a:fld>
             <a:endParaRPr lang="en-US"/>
           </a:p>
@@ -6400,7 +6490,7 @@
     </p:spTree>
     <p:extLst>
       <p:ext uri="{BB962C8B-B14F-4D97-AF65-F5344CB8AC3E}">
-        <p14:creationId xmlns:p14="http://schemas.microsoft.com/office/powerpoint/2010/main" val="1957465470"/>
+        <p14:creationId xmlns:p14="http://schemas.microsoft.com/office/powerpoint/2010/main" val="3906594316"/>
       </p:ext>
     </p:extLst>
   </p:cSld>
@@ -6481,7 +6571,7 @@
               <a:pPr>
                 <a:defRPr/>
               </a:pPr>
-              <a:t>42</a:t>
+              <a:t>41</a:t>
             </a:fld>
             <a:endParaRPr lang="en-US"/>
           </a:p>
@@ -6490,7 +6580,7 @@
     </p:spTree>
     <p:extLst>
       <p:ext uri="{BB962C8B-B14F-4D97-AF65-F5344CB8AC3E}">
-        <p14:creationId xmlns:p14="http://schemas.microsoft.com/office/powerpoint/2010/main" val="2846299693"/>
+        <p14:creationId xmlns:p14="http://schemas.microsoft.com/office/powerpoint/2010/main" val="1957465470"/>
       </p:ext>
     </p:extLst>
   </p:cSld>
@@ -15500,13 +15590,8 @@
           <a:p>
             <a:r>
               <a:rPr lang="en-US" dirty="0"/>
-              <a:t>Single files or entire directories (</a:t>
-            </a:r>
-            <a:r>
-              <a:rPr lang="en-US"/>
-              <a:t>wildcard union)</a:t>
-            </a:r>
-            <a:endParaRPr lang="en-US" dirty="0"/>
+              <a:t>Single files or entire directories (wildcard union)</a:t>
+            </a:r>
           </a:p>
         </p:txBody>
       </p:sp>
@@ -15607,10 +15692,49 @@
           <a:bodyPr/>
           <a:lstStyle/>
           <a:p>
-            <a:endParaRPr lang="en-US"/>
-          </a:p>
-        </p:txBody>
-      </p:sp>
+            <a:r>
+              <a:rPr lang="en-US" dirty="0"/>
+              <a:t>Connect to file</a:t>
+            </a:r>
+          </a:p>
+          <a:p>
+            <a:r>
+              <a:rPr lang="en-US" dirty="0"/>
+              <a:t>Select tables/views</a:t>
+            </a:r>
+          </a:p>
+        </p:txBody>
+      </p:sp>
+      <p:pic>
+        <p:nvPicPr>
+          <p:cNvPr id="4" name="Picture 3">
+            <a:extLst>
+              <a:ext uri="{FF2B5EF4-FFF2-40B4-BE49-F238E27FC236}">
+                <a16:creationId xmlns:a16="http://schemas.microsoft.com/office/drawing/2014/main" id="{1E724F94-234D-4F26-AB7A-85CBF58DF773}"/>
+              </a:ext>
+            </a:extLst>
+          </p:cNvPr>
+          <p:cNvPicPr>
+            <a:picLocks noChangeAspect="1"/>
+          </p:cNvPicPr>
+          <p:nvPr/>
+        </p:nvPicPr>
+        <p:blipFill>
+          <a:blip r:embed="rId2"/>
+          <a:stretch>
+            <a:fillRect/>
+          </a:stretch>
+        </p:blipFill>
+        <p:spPr>
+          <a:xfrm>
+            <a:off x="6324600" y="1828800"/>
+            <a:ext cx="4791744" cy="2562583"/>
+          </a:xfrm>
+          <a:prstGeom prst="rect">
+            <a:avLst/>
+          </a:prstGeom>
+        </p:spPr>
+      </p:pic>
     </p:spTree>
     <p:extLst>
       <p:ext uri="{BB962C8B-B14F-4D97-AF65-F5344CB8AC3E}">
@@ -15673,11 +15797,156 @@
             <p:ph type="body" sz="quarter" idx="10"/>
           </p:nvPr>
         </p:nvSpPr>
-        <p:spPr/>
-        <p:txBody>
-          <a:bodyPr/>
-          <a:lstStyle/>
-          <a:p>
+        <p:spPr>
+          <a:xfrm>
+            <a:off x="762000" y="1752600"/>
+            <a:ext cx="8582340" cy="3733800"/>
+          </a:xfrm>
+        </p:spPr>
+        <p:txBody>
+          <a:bodyPr/>
+          <a:lstStyle/>
+          <a:p>
+            <a:r>
+              <a:rPr lang="en-US" i="1" dirty="0"/>
+              <a:t>Like</a:t>
+            </a:r>
+            <a:r>
+              <a:rPr lang="en-US" dirty="0"/>
+              <a:t> a database… but </a:t>
+            </a:r>
+            <a:r>
+              <a:rPr lang="en-US" i="1" dirty="0"/>
+              <a:t>not</a:t>
+            </a:r>
+            <a:r>
+              <a:rPr lang="en-US" dirty="0"/>
+              <a:t> a </a:t>
+            </a:r>
+            <a:br>
+              <a:rPr lang="en-US" dirty="0"/>
+            </a:br>
+            <a:r>
+              <a:rPr lang="en-US" dirty="0"/>
+              <a:t>database</a:t>
+            </a:r>
+          </a:p>
+          <a:p>
+            <a:r>
+              <a:rPr lang="en-US" dirty="0"/>
+              <a:t>Worksheets &amp; named ranges show as tables</a:t>
+            </a:r>
+          </a:p>
+          <a:p>
+            <a:r>
+              <a:rPr lang="en-US" dirty="0"/>
+              <a:t>Generally requires cleanup, e.g. fixing data types, removing columns, etc.</a:t>
+            </a:r>
+          </a:p>
+        </p:txBody>
+      </p:sp>
+      <p:pic>
+        <p:nvPicPr>
+          <p:cNvPr id="4" name="Picture 3">
+            <a:extLst>
+              <a:ext uri="{FF2B5EF4-FFF2-40B4-BE49-F238E27FC236}">
+                <a16:creationId xmlns:a16="http://schemas.microsoft.com/office/drawing/2014/main" id="{54045BC8-F56B-41E7-A8C5-79FE56DE14AC}"/>
+              </a:ext>
+            </a:extLst>
+          </p:cNvPr>
+          <p:cNvPicPr>
+            <a:picLocks noChangeAspect="1"/>
+          </p:cNvPicPr>
+          <p:nvPr/>
+        </p:nvPicPr>
+        <p:blipFill>
+          <a:blip r:embed="rId3"/>
+          <a:stretch>
+            <a:fillRect/>
+          </a:stretch>
+        </p:blipFill>
+        <p:spPr>
+          <a:xfrm>
+            <a:off x="7086600" y="349076"/>
+            <a:ext cx="2257740" cy="2495898"/>
+          </a:xfrm>
+          <a:prstGeom prst="rect">
+            <a:avLst/>
+          </a:prstGeom>
+        </p:spPr>
+      </p:pic>
+      <p:pic>
+        <p:nvPicPr>
+          <p:cNvPr id="5" name="Picture 4">
+            <a:extLst>
+              <a:ext uri="{FF2B5EF4-FFF2-40B4-BE49-F238E27FC236}">
+                <a16:creationId xmlns:a16="http://schemas.microsoft.com/office/drawing/2014/main" id="{890B4192-A318-425B-8691-1EB84C599BC4}"/>
+              </a:ext>
+            </a:extLst>
+          </p:cNvPr>
+          <p:cNvPicPr>
+            <a:picLocks noChangeAspect="1"/>
+          </p:cNvPicPr>
+          <p:nvPr/>
+        </p:nvPicPr>
+        <p:blipFill>
+          <a:blip r:embed="rId4"/>
+          <a:stretch>
+            <a:fillRect/>
+          </a:stretch>
+        </p:blipFill>
+        <p:spPr>
+          <a:xfrm>
+            <a:off x="9539178" y="457200"/>
+            <a:ext cx="1914792" cy="5039428"/>
+          </a:xfrm>
+          <a:prstGeom prst="rect">
+            <a:avLst/>
+          </a:prstGeom>
+        </p:spPr>
+      </p:pic>
+      <p:sp>
+        <p:nvSpPr>
+          <p:cNvPr id="6" name="Arrow: Right 5">
+            <a:extLst>
+              <a:ext uri="{FF2B5EF4-FFF2-40B4-BE49-F238E27FC236}">
+                <a16:creationId xmlns:a16="http://schemas.microsoft.com/office/drawing/2014/main" id="{B6570221-CF9A-4EB9-8533-0A5FACEDECEF}"/>
+              </a:ext>
+            </a:extLst>
+          </p:cNvPr>
+          <p:cNvSpPr/>
+          <p:nvPr/>
+        </p:nvSpPr>
+        <p:spPr>
+          <a:xfrm rot="973251">
+            <a:off x="8975326" y="2096624"/>
+            <a:ext cx="762000" cy="533400"/>
+          </a:xfrm>
+          <a:prstGeom prst="rightArrow">
+            <a:avLst/>
+          </a:prstGeom>
+        </p:spPr>
+        <p:style>
+          <a:lnRef idx="2">
+            <a:schemeClr val="accent1">
+              <a:shade val="50000"/>
+            </a:schemeClr>
+          </a:lnRef>
+          <a:fillRef idx="1">
+            <a:schemeClr val="accent1"/>
+          </a:fillRef>
+          <a:effectRef idx="0">
+            <a:schemeClr val="accent1"/>
+          </a:effectRef>
+          <a:fontRef idx="minor">
+            <a:schemeClr val="lt1"/>
+          </a:fontRef>
+        </p:style>
+        <p:txBody>
+          <a:bodyPr rtlCol="0" anchor="ctr"/>
+          <a:lstStyle/>
+          <a:p>
+            <a:pPr algn="ctr"/>
             <a:endParaRPr lang="en-US"/>
           </a:p>
         </p:txBody>
@@ -15749,10 +16018,163 @@
           <a:bodyPr/>
           <a:lstStyle/>
           <a:p>
+            <a:r>
+              <a:rPr lang="en-US" dirty="0"/>
+              <a:t>Prep finds tables &amp; text in PDFs</a:t>
+            </a:r>
+          </a:p>
+          <a:p>
+            <a:r>
+              <a:rPr lang="en-US" dirty="0"/>
+              <a:t>Almost </a:t>
+            </a:r>
+            <a:r>
+              <a:rPr lang="en-US" i="1" dirty="0"/>
+              <a:t>always</a:t>
+            </a:r>
+            <a:r>
+              <a:rPr lang="en-US" dirty="0"/>
+              <a:t> requires cleanup</a:t>
+            </a:r>
+          </a:p>
+        </p:txBody>
+      </p:sp>
+      <p:pic>
+        <p:nvPicPr>
+          <p:cNvPr id="4" name="Picture 3">
+            <a:extLst>
+              <a:ext uri="{FF2B5EF4-FFF2-40B4-BE49-F238E27FC236}">
+                <a16:creationId xmlns:a16="http://schemas.microsoft.com/office/drawing/2014/main" id="{D36FAD45-658D-40D5-B938-FFE560C2E02B}"/>
+              </a:ext>
+            </a:extLst>
+          </p:cNvPr>
+          <p:cNvPicPr>
+            <a:picLocks noChangeAspect="1"/>
+          </p:cNvPicPr>
+          <p:nvPr/>
+        </p:nvPicPr>
+        <p:blipFill>
+          <a:blip r:embed="rId2"/>
+          <a:stretch>
+            <a:fillRect/>
+          </a:stretch>
+        </p:blipFill>
+        <p:spPr>
+          <a:xfrm>
+            <a:off x="7127165" y="353839"/>
+            <a:ext cx="2229161" cy="2486372"/>
+          </a:xfrm>
+          <a:prstGeom prst="rect">
+            <a:avLst/>
+          </a:prstGeom>
+        </p:spPr>
+      </p:pic>
+      <p:pic>
+        <p:nvPicPr>
+          <p:cNvPr id="5" name="Picture 4">
+            <a:extLst>
+              <a:ext uri="{FF2B5EF4-FFF2-40B4-BE49-F238E27FC236}">
+                <a16:creationId xmlns:a16="http://schemas.microsoft.com/office/drawing/2014/main" id="{E11B56AF-CD5B-40D5-8DFE-7E9B59178616}"/>
+              </a:ext>
+            </a:extLst>
+          </p:cNvPr>
+          <p:cNvPicPr>
+            <a:picLocks noChangeAspect="1"/>
+          </p:cNvPicPr>
+          <p:nvPr/>
+        </p:nvPicPr>
+        <p:blipFill>
+          <a:blip r:embed="rId3"/>
+          <a:stretch>
+            <a:fillRect/>
+          </a:stretch>
+        </p:blipFill>
+        <p:spPr>
+          <a:xfrm>
+            <a:off x="9543574" y="1418944"/>
+            <a:ext cx="1952898" cy="4020111"/>
+          </a:xfrm>
+          <a:prstGeom prst="rect">
+            <a:avLst/>
+          </a:prstGeom>
+        </p:spPr>
+      </p:pic>
+      <p:sp>
+        <p:nvSpPr>
+          <p:cNvPr id="6" name="Arrow: Right 5">
+            <a:extLst>
+              <a:ext uri="{FF2B5EF4-FFF2-40B4-BE49-F238E27FC236}">
+                <a16:creationId xmlns:a16="http://schemas.microsoft.com/office/drawing/2014/main" id="{C8B10095-76F2-44F1-936F-E4C295E8AD61}"/>
+              </a:ext>
+            </a:extLst>
+          </p:cNvPr>
+          <p:cNvSpPr/>
+          <p:nvPr/>
+        </p:nvSpPr>
+        <p:spPr>
+          <a:xfrm rot="973251">
+            <a:off x="8975326" y="2096624"/>
+            <a:ext cx="762000" cy="533400"/>
+          </a:xfrm>
+          <a:prstGeom prst="rightArrow">
+            <a:avLst/>
+          </a:prstGeom>
+        </p:spPr>
+        <p:style>
+          <a:lnRef idx="2">
+            <a:schemeClr val="accent1">
+              <a:shade val="50000"/>
+            </a:schemeClr>
+          </a:lnRef>
+          <a:fillRef idx="1">
+            <a:schemeClr val="accent1"/>
+          </a:fillRef>
+          <a:effectRef idx="0">
+            <a:schemeClr val="accent1"/>
+          </a:effectRef>
+          <a:fontRef idx="minor">
+            <a:schemeClr val="lt1"/>
+          </a:fontRef>
+        </p:style>
+        <p:txBody>
+          <a:bodyPr rtlCol="0" anchor="ctr"/>
+          <a:lstStyle/>
+          <a:p>
+            <a:pPr algn="ctr"/>
             <a:endParaRPr lang="en-US"/>
           </a:p>
         </p:txBody>
       </p:sp>
+      <p:pic>
+        <p:nvPicPr>
+          <p:cNvPr id="7" name="Picture 6">
+            <a:extLst>
+              <a:ext uri="{FF2B5EF4-FFF2-40B4-BE49-F238E27FC236}">
+                <a16:creationId xmlns:a16="http://schemas.microsoft.com/office/drawing/2014/main" id="{1DD32C31-F2AF-4639-AEC1-5850B19FC04E}"/>
+              </a:ext>
+            </a:extLst>
+          </p:cNvPr>
+          <p:cNvPicPr>
+            <a:picLocks noChangeAspect="1"/>
+          </p:cNvPicPr>
+          <p:nvPr/>
+        </p:nvPicPr>
+        <p:blipFill>
+          <a:blip r:embed="rId4"/>
+          <a:stretch>
+            <a:fillRect/>
+          </a:stretch>
+        </p:blipFill>
+        <p:spPr>
+          <a:xfrm>
+            <a:off x="4495800" y="3200400"/>
+            <a:ext cx="3469565" cy="2722274"/>
+          </a:xfrm>
+          <a:prstGeom prst="rect">
+            <a:avLst/>
+          </a:prstGeom>
+        </p:spPr>
+      </p:pic>
     </p:spTree>
     <p:extLst>
       <p:ext uri="{BB962C8B-B14F-4D97-AF65-F5344CB8AC3E}">
@@ -15825,10 +16247,85 @@
           <a:bodyPr/>
           <a:lstStyle/>
           <a:p>
-            <a:endParaRPr lang="en-US"/>
-          </a:p>
-        </p:txBody>
-      </p:sp>
+            <a:r>
+              <a:rPr lang="en-US" dirty="0"/>
+              <a:t>CSV, TSV, Fixed-width, etc.</a:t>
+            </a:r>
+          </a:p>
+          <a:p>
+            <a:r>
+              <a:rPr lang="en-US" dirty="0"/>
+              <a:t>Currently no support for JSON or XML</a:t>
+            </a:r>
+          </a:p>
+          <a:p>
+            <a:pPr lvl="1"/>
+            <a:r>
+              <a:rPr lang="en-US" sz="2400" dirty="0"/>
+              <a:t>Need a converter, e.g. </a:t>
+            </a:r>
+            <a:r>
+              <a:rPr lang="en-US" sz="2400" dirty="0">
+                <a:hlinkClick r:id="rId2"/>
+              </a:rPr>
+              <a:t>CSVJSON</a:t>
+            </a:r>
+            <a:r>
+              <a:rPr lang="en-US" sz="2400" dirty="0"/>
+              <a:t>, </a:t>
+            </a:r>
+            <a:r>
+              <a:rPr lang="en-US" sz="2400" dirty="0">
+                <a:hlinkClick r:id="rId3"/>
+              </a:rPr>
+              <a:t>CONVERTCSV</a:t>
+            </a:r>
+            <a:endParaRPr lang="en-US" sz="2400" dirty="0"/>
+          </a:p>
+          <a:p>
+            <a:r>
+              <a:rPr lang="en-US" sz="2800" dirty="0"/>
+              <a:t>Automatically detects encoding, delimiters, etc.</a:t>
+            </a:r>
+          </a:p>
+          <a:p>
+            <a:r>
+              <a:rPr lang="en-US" sz="2800" dirty="0"/>
+              <a:t>Single or multiple files</a:t>
+            </a:r>
+          </a:p>
+        </p:txBody>
+      </p:sp>
+      <p:pic>
+        <p:nvPicPr>
+          <p:cNvPr id="4" name="Picture 3">
+            <a:extLst>
+              <a:ext uri="{FF2B5EF4-FFF2-40B4-BE49-F238E27FC236}">
+                <a16:creationId xmlns:a16="http://schemas.microsoft.com/office/drawing/2014/main" id="{B9ABFF27-049E-4A4E-B76C-7EBB0A41F3CE}"/>
+              </a:ext>
+            </a:extLst>
+          </p:cNvPr>
+          <p:cNvPicPr>
+            <a:picLocks noChangeAspect="1"/>
+          </p:cNvPicPr>
+          <p:nvPr/>
+        </p:nvPicPr>
+        <p:blipFill>
+          <a:blip r:embed="rId4"/>
+          <a:stretch>
+            <a:fillRect/>
+          </a:stretch>
+        </p:blipFill>
+        <p:spPr>
+          <a:xfrm>
+            <a:off x="8806070" y="914400"/>
+            <a:ext cx="2623930" cy="4191000"/>
+          </a:xfrm>
+          <a:prstGeom prst="rect">
+            <a:avLst/>
+          </a:prstGeom>
+        </p:spPr>
+      </p:pic>
     </p:spTree>
     <p:extLst>
       <p:ext uri="{BB962C8B-B14F-4D97-AF65-F5344CB8AC3E}">
@@ -16426,6 +16923,88 @@
           <a:bodyPr/>
           <a:lstStyle/>
           <a:p>
+            <a:pPr marL="342900" indent="-342900">
+              <a:buFont typeface="Arial" panose="020B0604020202020204" pitchFamily="34" charset="0"/>
+              <a:buChar char="•"/>
+            </a:pPr>
+            <a:r>
+              <a:rPr lang="en-US" dirty="0"/>
+              <a:t>Experiment with connecting to data</a:t>
+            </a:r>
+          </a:p>
+          <a:p>
+            <a:pPr marL="342900" indent="-342900">
+              <a:buFont typeface="Arial" panose="020B0604020202020204" pitchFamily="34" charset="0"/>
+              <a:buChar char="•"/>
+            </a:pPr>
+            <a:r>
+              <a:rPr lang="en-US" dirty="0"/>
+              <a:t>Data files in: C:\XTBP10Classfiles\Data</a:t>
+            </a:r>
+          </a:p>
+          <a:p>
+            <a:pPr marL="1012825" lvl="1" indent="-342900">
+              <a:buFont typeface="Arial" panose="020B0604020202020204" pitchFamily="34" charset="0"/>
+              <a:buChar char="•"/>
+            </a:pPr>
+            <a:r>
+              <a:rPr lang="en-US" sz="1800" dirty="0"/>
+              <a:t>SQL Server: pp. 14-18</a:t>
+            </a:r>
+          </a:p>
+          <a:p>
+            <a:pPr marL="1012825" lvl="1" indent="-342900">
+              <a:buFont typeface="Arial" panose="020B0604020202020204" pitchFamily="34" charset="0"/>
+              <a:buChar char="•"/>
+            </a:pPr>
+            <a:r>
+              <a:rPr lang="en-US" sz="1800" dirty="0"/>
+              <a:t>Tableau Data Extracts: p. 19</a:t>
+            </a:r>
+          </a:p>
+          <a:p>
+            <a:pPr marL="1012825" lvl="1" indent="-342900">
+              <a:buFont typeface="Arial" panose="020B0604020202020204" pitchFamily="34" charset="0"/>
+              <a:buChar char="•"/>
+            </a:pPr>
+            <a:r>
+              <a:rPr lang="en-US" sz="1800" i="1" dirty="0">
+                <a:solidFill>
+                  <a:srgbClr val="FF0000"/>
+                </a:solidFill>
+              </a:rPr>
+              <a:t>Skip Access, pp. 20-21</a:t>
+            </a:r>
+          </a:p>
+          <a:p>
+            <a:pPr marL="1012825" lvl="1" indent="-342900">
+              <a:buFont typeface="Arial" panose="020B0604020202020204" pitchFamily="34" charset="0"/>
+              <a:buChar char="•"/>
+            </a:pPr>
+            <a:r>
+              <a:rPr lang="en-US" sz="1800" dirty="0"/>
+              <a:t>Excel: pp. 22-23</a:t>
+            </a:r>
+          </a:p>
+          <a:p>
+            <a:pPr marL="1012825" lvl="1" indent="-342900">
+              <a:buFont typeface="Arial" panose="020B0604020202020204" pitchFamily="34" charset="0"/>
+              <a:buChar char="•"/>
+            </a:pPr>
+            <a:r>
+              <a:rPr lang="en-US" sz="1800" dirty="0"/>
+              <a:t>PDF Files: p. 24</a:t>
+            </a:r>
+          </a:p>
+          <a:p>
+            <a:pPr marL="1012825" lvl="1" indent="-342900">
+              <a:buFont typeface="Arial" panose="020B0604020202020204" pitchFamily="34" charset="0"/>
+              <a:buChar char="•"/>
+            </a:pPr>
+            <a:r>
+              <a:rPr lang="en-US" sz="1800" dirty="0"/>
+              <a:t>Text files: pp. 24-25</a:t>
+            </a:r>
             <a:endParaRPr lang="en-US" dirty="0"/>
           </a:p>
         </p:txBody>
@@ -16451,7 +17030,10 @@
           <a:bodyPr/>
           <a:lstStyle/>
           <a:p>
-            <a:endParaRPr lang="en-US"/>
+            <a:r>
+              <a:rPr lang="en-US" dirty="0"/>
+              <a:t>20 minutes</a:t>
+            </a:r>
           </a:p>
         </p:txBody>
       </p:sp>
@@ -16614,12 +17196,20 @@
             <p:ph type="body" sz="quarter" idx="10"/>
           </p:nvPr>
         </p:nvSpPr>
-        <p:spPr/>
-        <p:txBody>
-          <a:bodyPr/>
-          <a:lstStyle/>
-          <a:p>
-            <a:endParaRPr lang="en-US"/>
+        <p:spPr>
+          <a:xfrm>
+            <a:off x="762000" y="1752600"/>
+            <a:ext cx="8191154" cy="3733800"/>
+          </a:xfrm>
+        </p:spPr>
+        <p:txBody>
+          <a:bodyPr/>
+          <a:lstStyle/>
+          <a:p>
+            <a:r>
+              <a:rPr lang="en-US" dirty="0"/>
+              <a:t>Combine multiple tables with like sets of rows into a single table</a:t>
+            </a:r>
           </a:p>
         </p:txBody>
       </p:sp>
@@ -16645,7 +17235,7 @@
         </p:blipFill>
         <p:spPr>
           <a:xfrm>
-            <a:off x="4857577" y="1380839"/>
+            <a:off x="8953154" y="1371600"/>
             <a:ext cx="2476846" cy="4096322"/>
           </a:xfrm>
           <a:prstGeom prst="rect">
@@ -16653,6 +17243,3068 @@
           </a:prstGeom>
         </p:spPr>
       </p:pic>
+      <p:graphicFrame>
+        <p:nvGraphicFramePr>
+          <p:cNvPr id="7" name="Table 6">
+            <a:extLst>
+              <a:ext uri="{FF2B5EF4-FFF2-40B4-BE49-F238E27FC236}">
+                <a16:creationId xmlns:a16="http://schemas.microsoft.com/office/drawing/2014/main" id="{0164E994-8ACA-4175-8A2D-3C69CB21224C}"/>
+              </a:ext>
+            </a:extLst>
+          </p:cNvPr>
+          <p:cNvGraphicFramePr>
+            <a:graphicFrameLocks noGrp="1"/>
+          </p:cNvGraphicFramePr>
+          <p:nvPr>
+            <p:extLst>
+              <p:ext uri="{D42A27DB-BD31-4B8C-83A1-F6EECF244321}">
+                <p14:modId xmlns:p14="http://schemas.microsoft.com/office/powerpoint/2010/main" val="1604493243"/>
+              </p:ext>
+            </p:extLst>
+          </p:nvPr>
+        </p:nvGraphicFramePr>
+        <p:xfrm>
+          <a:off x="1066800" y="2963277"/>
+          <a:ext cx="2666046" cy="1110852"/>
+        </p:xfrm>
+        <a:graphic>
+          <a:graphicData uri="http://schemas.openxmlformats.org/drawingml/2006/table">
+            <a:tbl>
+              <a:tblPr/>
+              <a:tblGrid>
+                <a:gridCol w="888682">
+                  <a:extLst>
+                    <a:ext uri="{9D8B030D-6E8A-4147-A177-3AD203B41FA5}">
+                      <a16:colId xmlns:a16="http://schemas.microsoft.com/office/drawing/2014/main" val="2805582840"/>
+                    </a:ext>
+                  </a:extLst>
+                </a:gridCol>
+                <a:gridCol w="888682">
+                  <a:extLst>
+                    <a:ext uri="{9D8B030D-6E8A-4147-A177-3AD203B41FA5}">
+                      <a16:colId xmlns:a16="http://schemas.microsoft.com/office/drawing/2014/main" val="818543827"/>
+                    </a:ext>
+                  </a:extLst>
+                </a:gridCol>
+                <a:gridCol w="888682">
+                  <a:extLst>
+                    <a:ext uri="{9D8B030D-6E8A-4147-A177-3AD203B41FA5}">
+                      <a16:colId xmlns:a16="http://schemas.microsoft.com/office/drawing/2014/main" val="3061114502"/>
+                    </a:ext>
+                  </a:extLst>
+                </a:gridCol>
+              </a:tblGrid>
+              <a:tr h="277713">
+                <a:tc>
+                  <a:txBody>
+                    <a:bodyPr/>
+                    <a:lstStyle/>
+                    <a:p>
+                      <a:pPr algn="l" fontAlgn="b"/>
+                      <a:r>
+                        <a:rPr lang="en-US" sz="1600" b="0" i="0" u="none" strike="noStrike">
+                          <a:solidFill>
+                            <a:srgbClr val="000000"/>
+                          </a:solidFill>
+                          <a:effectLst/>
+                          <a:latin typeface="Calibri" panose="020F0502020204030204" pitchFamily="34" charset="0"/>
+                        </a:rPr>
+                        <a:t>Month</a:t>
+                      </a:r>
+                    </a:p>
+                  </a:txBody>
+                  <a:tcPr marL="13886" marR="13886" marT="13886" marB="0" anchor="b">
+                    <a:lnL w="6350" cap="flat" cmpd="sng" algn="ctr">
+                      <a:solidFill>
+                        <a:srgbClr val="000000"/>
+                      </a:solidFill>
+                      <a:prstDash val="solid"/>
+                      <a:round/>
+                      <a:headEnd type="none" w="med" len="med"/>
+                      <a:tailEnd type="none" w="med" len="med"/>
+                    </a:lnL>
+                    <a:lnR w="6350" cap="flat" cmpd="sng" algn="ctr">
+                      <a:solidFill>
+                        <a:srgbClr val="000000"/>
+                      </a:solidFill>
+                      <a:prstDash val="solid"/>
+                      <a:round/>
+                      <a:headEnd type="none" w="med" len="med"/>
+                      <a:tailEnd type="none" w="med" len="med"/>
+                    </a:lnR>
+                    <a:lnT w="6350" cap="flat" cmpd="sng" algn="ctr">
+                      <a:solidFill>
+                        <a:srgbClr val="000000"/>
+                      </a:solidFill>
+                      <a:prstDash val="solid"/>
+                      <a:round/>
+                      <a:headEnd type="none" w="med" len="med"/>
+                      <a:tailEnd type="none" w="med" len="med"/>
+                    </a:lnT>
+                    <a:lnB w="6350" cap="flat" cmpd="sng" algn="ctr">
+                      <a:solidFill>
+                        <a:srgbClr val="000000"/>
+                      </a:solidFill>
+                      <a:prstDash val="solid"/>
+                      <a:round/>
+                      <a:headEnd type="none" w="med" len="med"/>
+                      <a:tailEnd type="none" w="med" len="med"/>
+                    </a:lnB>
+                    <a:solidFill>
+                      <a:srgbClr val="DDEBF7"/>
+                    </a:solidFill>
+                  </a:tcPr>
+                </a:tc>
+                <a:tc>
+                  <a:txBody>
+                    <a:bodyPr/>
+                    <a:lstStyle/>
+                    <a:p>
+                      <a:pPr algn="l" fontAlgn="b"/>
+                      <a:r>
+                        <a:rPr lang="en-US" sz="1600" b="0" i="0" u="none" strike="noStrike" dirty="0">
+                          <a:solidFill>
+                            <a:srgbClr val="000000"/>
+                          </a:solidFill>
+                          <a:effectLst/>
+                          <a:latin typeface="Calibri" panose="020F0502020204030204" pitchFamily="34" charset="0"/>
+                        </a:rPr>
+                        <a:t>Product</a:t>
+                      </a:r>
+                    </a:p>
+                  </a:txBody>
+                  <a:tcPr marL="13886" marR="13886" marT="13886" marB="0" anchor="b">
+                    <a:lnL w="6350" cap="flat" cmpd="sng" algn="ctr">
+                      <a:solidFill>
+                        <a:srgbClr val="000000"/>
+                      </a:solidFill>
+                      <a:prstDash val="solid"/>
+                      <a:round/>
+                      <a:headEnd type="none" w="med" len="med"/>
+                      <a:tailEnd type="none" w="med" len="med"/>
+                    </a:lnL>
+                    <a:lnR w="6350" cap="flat" cmpd="sng" algn="ctr">
+                      <a:solidFill>
+                        <a:srgbClr val="000000"/>
+                      </a:solidFill>
+                      <a:prstDash val="solid"/>
+                      <a:round/>
+                      <a:headEnd type="none" w="med" len="med"/>
+                      <a:tailEnd type="none" w="med" len="med"/>
+                    </a:lnR>
+                    <a:lnT w="6350" cap="flat" cmpd="sng" algn="ctr">
+                      <a:solidFill>
+                        <a:srgbClr val="000000"/>
+                      </a:solidFill>
+                      <a:prstDash val="solid"/>
+                      <a:round/>
+                      <a:headEnd type="none" w="med" len="med"/>
+                      <a:tailEnd type="none" w="med" len="med"/>
+                    </a:lnT>
+                    <a:lnB w="6350" cap="flat" cmpd="sng" algn="ctr">
+                      <a:solidFill>
+                        <a:srgbClr val="000000"/>
+                      </a:solidFill>
+                      <a:prstDash val="solid"/>
+                      <a:round/>
+                      <a:headEnd type="none" w="med" len="med"/>
+                      <a:tailEnd type="none" w="med" len="med"/>
+                    </a:lnB>
+                    <a:solidFill>
+                      <a:srgbClr val="DDEBF7"/>
+                    </a:solidFill>
+                  </a:tcPr>
+                </a:tc>
+                <a:tc>
+                  <a:txBody>
+                    <a:bodyPr/>
+                    <a:lstStyle/>
+                    <a:p>
+                      <a:pPr algn="l" fontAlgn="b"/>
+                      <a:r>
+                        <a:rPr lang="en-US" sz="1600" b="0" i="0" u="none" strike="noStrike" dirty="0">
+                          <a:solidFill>
+                            <a:srgbClr val="000000"/>
+                          </a:solidFill>
+                          <a:effectLst/>
+                          <a:latin typeface="Calibri" panose="020F0502020204030204" pitchFamily="34" charset="0"/>
+                        </a:rPr>
+                        <a:t>Sales</a:t>
+                      </a:r>
+                    </a:p>
+                  </a:txBody>
+                  <a:tcPr marL="13886" marR="13886" marT="13886" marB="0" anchor="b">
+                    <a:lnL w="6350" cap="flat" cmpd="sng" algn="ctr">
+                      <a:solidFill>
+                        <a:srgbClr val="000000"/>
+                      </a:solidFill>
+                      <a:prstDash val="solid"/>
+                      <a:round/>
+                      <a:headEnd type="none" w="med" len="med"/>
+                      <a:tailEnd type="none" w="med" len="med"/>
+                    </a:lnL>
+                    <a:lnR w="6350" cap="flat" cmpd="sng" algn="ctr">
+                      <a:solidFill>
+                        <a:srgbClr val="000000"/>
+                      </a:solidFill>
+                      <a:prstDash val="solid"/>
+                      <a:round/>
+                      <a:headEnd type="none" w="med" len="med"/>
+                      <a:tailEnd type="none" w="med" len="med"/>
+                    </a:lnR>
+                    <a:lnT w="6350" cap="flat" cmpd="sng" algn="ctr">
+                      <a:solidFill>
+                        <a:srgbClr val="000000"/>
+                      </a:solidFill>
+                      <a:prstDash val="solid"/>
+                      <a:round/>
+                      <a:headEnd type="none" w="med" len="med"/>
+                      <a:tailEnd type="none" w="med" len="med"/>
+                    </a:lnT>
+                    <a:lnB w="6350" cap="flat" cmpd="sng" algn="ctr">
+                      <a:solidFill>
+                        <a:srgbClr val="000000"/>
+                      </a:solidFill>
+                      <a:prstDash val="solid"/>
+                      <a:round/>
+                      <a:headEnd type="none" w="med" len="med"/>
+                      <a:tailEnd type="none" w="med" len="med"/>
+                    </a:lnB>
+                    <a:solidFill>
+                      <a:srgbClr val="DDEBF7"/>
+                    </a:solidFill>
+                  </a:tcPr>
+                </a:tc>
+                <a:extLst>
+                  <a:ext uri="{0D108BD9-81ED-4DB2-BD59-A6C34878D82A}">
+                    <a16:rowId xmlns:a16="http://schemas.microsoft.com/office/drawing/2014/main" val="252143677"/>
+                  </a:ext>
+                </a:extLst>
+              </a:tr>
+              <a:tr h="277713">
+                <a:tc>
+                  <a:txBody>
+                    <a:bodyPr/>
+                    <a:lstStyle/>
+                    <a:p>
+                      <a:pPr algn="l" fontAlgn="b"/>
+                      <a:r>
+                        <a:rPr lang="en-US" sz="1600" b="0" i="0" u="none" strike="noStrike">
+                          <a:solidFill>
+                            <a:srgbClr val="000000"/>
+                          </a:solidFill>
+                          <a:effectLst/>
+                          <a:latin typeface="Calibri" panose="020F0502020204030204" pitchFamily="34" charset="0"/>
+                        </a:rPr>
+                        <a:t>January</a:t>
+                      </a:r>
+                    </a:p>
+                  </a:txBody>
+                  <a:tcPr marL="13886" marR="13886" marT="13886" marB="0" anchor="b">
+                    <a:lnL w="6350" cap="flat" cmpd="sng" algn="ctr">
+                      <a:solidFill>
+                        <a:srgbClr val="000000"/>
+                      </a:solidFill>
+                      <a:prstDash val="solid"/>
+                      <a:round/>
+                      <a:headEnd type="none" w="med" len="med"/>
+                      <a:tailEnd type="none" w="med" len="med"/>
+                    </a:lnL>
+                    <a:lnR w="6350" cap="flat" cmpd="sng" algn="ctr">
+                      <a:solidFill>
+                        <a:srgbClr val="000000"/>
+                      </a:solidFill>
+                      <a:prstDash val="solid"/>
+                      <a:round/>
+                      <a:headEnd type="none" w="med" len="med"/>
+                      <a:tailEnd type="none" w="med" len="med"/>
+                    </a:lnR>
+                    <a:lnT w="6350" cap="flat" cmpd="sng" algn="ctr">
+                      <a:solidFill>
+                        <a:srgbClr val="000000"/>
+                      </a:solidFill>
+                      <a:prstDash val="solid"/>
+                      <a:round/>
+                      <a:headEnd type="none" w="med" len="med"/>
+                      <a:tailEnd type="none" w="med" len="med"/>
+                    </a:lnT>
+                    <a:lnB w="6350" cap="flat" cmpd="sng" algn="ctr">
+                      <a:solidFill>
+                        <a:srgbClr val="000000"/>
+                      </a:solidFill>
+                      <a:prstDash val="solid"/>
+                      <a:round/>
+                      <a:headEnd type="none" w="med" len="med"/>
+                      <a:tailEnd type="none" w="med" len="med"/>
+                    </a:lnB>
+                    <a:solidFill>
+                      <a:srgbClr val="DDEBF7"/>
+                    </a:solidFill>
+                  </a:tcPr>
+                </a:tc>
+                <a:tc>
+                  <a:txBody>
+                    <a:bodyPr/>
+                    <a:lstStyle/>
+                    <a:p>
+                      <a:pPr algn="l" fontAlgn="b"/>
+                      <a:r>
+                        <a:rPr lang="en-US" sz="1600" b="0" i="0" u="none" strike="noStrike">
+                          <a:solidFill>
+                            <a:srgbClr val="000000"/>
+                          </a:solidFill>
+                          <a:effectLst/>
+                          <a:latin typeface="Calibri" panose="020F0502020204030204" pitchFamily="34" charset="0"/>
+                        </a:rPr>
+                        <a:t>Apples</a:t>
+                      </a:r>
+                    </a:p>
+                  </a:txBody>
+                  <a:tcPr marL="13886" marR="13886" marT="13886" marB="0" anchor="b">
+                    <a:lnL w="6350" cap="flat" cmpd="sng" algn="ctr">
+                      <a:solidFill>
+                        <a:srgbClr val="000000"/>
+                      </a:solidFill>
+                      <a:prstDash val="solid"/>
+                      <a:round/>
+                      <a:headEnd type="none" w="med" len="med"/>
+                      <a:tailEnd type="none" w="med" len="med"/>
+                    </a:lnL>
+                    <a:lnR w="6350" cap="flat" cmpd="sng" algn="ctr">
+                      <a:solidFill>
+                        <a:srgbClr val="000000"/>
+                      </a:solidFill>
+                      <a:prstDash val="solid"/>
+                      <a:round/>
+                      <a:headEnd type="none" w="med" len="med"/>
+                      <a:tailEnd type="none" w="med" len="med"/>
+                    </a:lnR>
+                    <a:lnT w="6350" cap="flat" cmpd="sng" algn="ctr">
+                      <a:solidFill>
+                        <a:srgbClr val="000000"/>
+                      </a:solidFill>
+                      <a:prstDash val="solid"/>
+                      <a:round/>
+                      <a:headEnd type="none" w="med" len="med"/>
+                      <a:tailEnd type="none" w="med" len="med"/>
+                    </a:lnT>
+                    <a:lnB w="6350" cap="flat" cmpd="sng" algn="ctr">
+                      <a:solidFill>
+                        <a:srgbClr val="000000"/>
+                      </a:solidFill>
+                      <a:prstDash val="solid"/>
+                      <a:round/>
+                      <a:headEnd type="none" w="med" len="med"/>
+                      <a:tailEnd type="none" w="med" len="med"/>
+                    </a:lnB>
+                    <a:solidFill>
+                      <a:srgbClr val="DDEBF7"/>
+                    </a:solidFill>
+                  </a:tcPr>
+                </a:tc>
+                <a:tc>
+                  <a:txBody>
+                    <a:bodyPr/>
+                    <a:lstStyle/>
+                    <a:p>
+                      <a:pPr algn="r" fontAlgn="b"/>
+                      <a:r>
+                        <a:rPr lang="en-US" sz="1600" b="0" i="0" u="none" strike="noStrike">
+                          <a:solidFill>
+                            <a:srgbClr val="000000"/>
+                          </a:solidFill>
+                          <a:effectLst/>
+                          <a:latin typeface="Calibri" panose="020F0502020204030204" pitchFamily="34" charset="0"/>
+                        </a:rPr>
+                        <a:t>3</a:t>
+                      </a:r>
+                    </a:p>
+                  </a:txBody>
+                  <a:tcPr marL="13886" marR="13886" marT="13886" marB="0" anchor="b">
+                    <a:lnL w="6350" cap="flat" cmpd="sng" algn="ctr">
+                      <a:solidFill>
+                        <a:srgbClr val="000000"/>
+                      </a:solidFill>
+                      <a:prstDash val="solid"/>
+                      <a:round/>
+                      <a:headEnd type="none" w="med" len="med"/>
+                      <a:tailEnd type="none" w="med" len="med"/>
+                    </a:lnL>
+                    <a:lnR w="6350" cap="flat" cmpd="sng" algn="ctr">
+                      <a:solidFill>
+                        <a:srgbClr val="000000"/>
+                      </a:solidFill>
+                      <a:prstDash val="solid"/>
+                      <a:round/>
+                      <a:headEnd type="none" w="med" len="med"/>
+                      <a:tailEnd type="none" w="med" len="med"/>
+                    </a:lnR>
+                    <a:lnT w="6350" cap="flat" cmpd="sng" algn="ctr">
+                      <a:solidFill>
+                        <a:srgbClr val="000000"/>
+                      </a:solidFill>
+                      <a:prstDash val="solid"/>
+                      <a:round/>
+                      <a:headEnd type="none" w="med" len="med"/>
+                      <a:tailEnd type="none" w="med" len="med"/>
+                    </a:lnT>
+                    <a:lnB w="6350" cap="flat" cmpd="sng" algn="ctr">
+                      <a:solidFill>
+                        <a:srgbClr val="000000"/>
+                      </a:solidFill>
+                      <a:prstDash val="solid"/>
+                      <a:round/>
+                      <a:headEnd type="none" w="med" len="med"/>
+                      <a:tailEnd type="none" w="med" len="med"/>
+                    </a:lnB>
+                    <a:solidFill>
+                      <a:srgbClr val="DDEBF7"/>
+                    </a:solidFill>
+                  </a:tcPr>
+                </a:tc>
+                <a:extLst>
+                  <a:ext uri="{0D108BD9-81ED-4DB2-BD59-A6C34878D82A}">
+                    <a16:rowId xmlns:a16="http://schemas.microsoft.com/office/drawing/2014/main" val="221404347"/>
+                  </a:ext>
+                </a:extLst>
+              </a:tr>
+              <a:tr h="277713">
+                <a:tc>
+                  <a:txBody>
+                    <a:bodyPr/>
+                    <a:lstStyle/>
+                    <a:p>
+                      <a:pPr algn="l" fontAlgn="b"/>
+                      <a:r>
+                        <a:rPr lang="en-US" sz="1600" b="0" i="0" u="none" strike="noStrike">
+                          <a:solidFill>
+                            <a:srgbClr val="000000"/>
+                          </a:solidFill>
+                          <a:effectLst/>
+                          <a:latin typeface="Calibri" panose="020F0502020204030204" pitchFamily="34" charset="0"/>
+                        </a:rPr>
+                        <a:t>January</a:t>
+                      </a:r>
+                    </a:p>
+                  </a:txBody>
+                  <a:tcPr marL="13886" marR="13886" marT="13886" marB="0" anchor="b">
+                    <a:lnL w="6350" cap="flat" cmpd="sng" algn="ctr">
+                      <a:solidFill>
+                        <a:srgbClr val="000000"/>
+                      </a:solidFill>
+                      <a:prstDash val="solid"/>
+                      <a:round/>
+                      <a:headEnd type="none" w="med" len="med"/>
+                      <a:tailEnd type="none" w="med" len="med"/>
+                    </a:lnL>
+                    <a:lnR w="6350" cap="flat" cmpd="sng" algn="ctr">
+                      <a:solidFill>
+                        <a:srgbClr val="000000"/>
+                      </a:solidFill>
+                      <a:prstDash val="solid"/>
+                      <a:round/>
+                      <a:headEnd type="none" w="med" len="med"/>
+                      <a:tailEnd type="none" w="med" len="med"/>
+                    </a:lnR>
+                    <a:lnT w="6350" cap="flat" cmpd="sng" algn="ctr">
+                      <a:solidFill>
+                        <a:srgbClr val="000000"/>
+                      </a:solidFill>
+                      <a:prstDash val="solid"/>
+                      <a:round/>
+                      <a:headEnd type="none" w="med" len="med"/>
+                      <a:tailEnd type="none" w="med" len="med"/>
+                    </a:lnT>
+                    <a:lnB w="6350" cap="flat" cmpd="sng" algn="ctr">
+                      <a:solidFill>
+                        <a:srgbClr val="000000"/>
+                      </a:solidFill>
+                      <a:prstDash val="solid"/>
+                      <a:round/>
+                      <a:headEnd type="none" w="med" len="med"/>
+                      <a:tailEnd type="none" w="med" len="med"/>
+                    </a:lnB>
+                    <a:solidFill>
+                      <a:srgbClr val="DDEBF7"/>
+                    </a:solidFill>
+                  </a:tcPr>
+                </a:tc>
+                <a:tc>
+                  <a:txBody>
+                    <a:bodyPr/>
+                    <a:lstStyle/>
+                    <a:p>
+                      <a:pPr algn="l" fontAlgn="b"/>
+                      <a:r>
+                        <a:rPr lang="en-US" sz="1600" b="0" i="0" u="none" strike="noStrike">
+                          <a:solidFill>
+                            <a:srgbClr val="000000"/>
+                          </a:solidFill>
+                          <a:effectLst/>
+                          <a:latin typeface="Calibri" panose="020F0502020204030204" pitchFamily="34" charset="0"/>
+                        </a:rPr>
+                        <a:t>Bananas</a:t>
+                      </a:r>
+                    </a:p>
+                  </a:txBody>
+                  <a:tcPr marL="13886" marR="13886" marT="13886" marB="0" anchor="b">
+                    <a:lnL w="6350" cap="flat" cmpd="sng" algn="ctr">
+                      <a:solidFill>
+                        <a:srgbClr val="000000"/>
+                      </a:solidFill>
+                      <a:prstDash val="solid"/>
+                      <a:round/>
+                      <a:headEnd type="none" w="med" len="med"/>
+                      <a:tailEnd type="none" w="med" len="med"/>
+                    </a:lnL>
+                    <a:lnR w="6350" cap="flat" cmpd="sng" algn="ctr">
+                      <a:solidFill>
+                        <a:srgbClr val="000000"/>
+                      </a:solidFill>
+                      <a:prstDash val="solid"/>
+                      <a:round/>
+                      <a:headEnd type="none" w="med" len="med"/>
+                      <a:tailEnd type="none" w="med" len="med"/>
+                    </a:lnR>
+                    <a:lnT w="6350" cap="flat" cmpd="sng" algn="ctr">
+                      <a:solidFill>
+                        <a:srgbClr val="000000"/>
+                      </a:solidFill>
+                      <a:prstDash val="solid"/>
+                      <a:round/>
+                      <a:headEnd type="none" w="med" len="med"/>
+                      <a:tailEnd type="none" w="med" len="med"/>
+                    </a:lnT>
+                    <a:lnB w="6350" cap="flat" cmpd="sng" algn="ctr">
+                      <a:solidFill>
+                        <a:srgbClr val="000000"/>
+                      </a:solidFill>
+                      <a:prstDash val="solid"/>
+                      <a:round/>
+                      <a:headEnd type="none" w="med" len="med"/>
+                      <a:tailEnd type="none" w="med" len="med"/>
+                    </a:lnB>
+                    <a:solidFill>
+                      <a:srgbClr val="DDEBF7"/>
+                    </a:solidFill>
+                  </a:tcPr>
+                </a:tc>
+                <a:tc>
+                  <a:txBody>
+                    <a:bodyPr/>
+                    <a:lstStyle/>
+                    <a:p>
+                      <a:pPr algn="r" fontAlgn="b"/>
+                      <a:r>
+                        <a:rPr lang="en-US" sz="1600" b="0" i="0" u="none" strike="noStrike">
+                          <a:solidFill>
+                            <a:srgbClr val="000000"/>
+                          </a:solidFill>
+                          <a:effectLst/>
+                          <a:latin typeface="Calibri" panose="020F0502020204030204" pitchFamily="34" charset="0"/>
+                        </a:rPr>
+                        <a:t>2</a:t>
+                      </a:r>
+                    </a:p>
+                  </a:txBody>
+                  <a:tcPr marL="13886" marR="13886" marT="13886" marB="0" anchor="b">
+                    <a:lnL w="6350" cap="flat" cmpd="sng" algn="ctr">
+                      <a:solidFill>
+                        <a:srgbClr val="000000"/>
+                      </a:solidFill>
+                      <a:prstDash val="solid"/>
+                      <a:round/>
+                      <a:headEnd type="none" w="med" len="med"/>
+                      <a:tailEnd type="none" w="med" len="med"/>
+                    </a:lnL>
+                    <a:lnR w="6350" cap="flat" cmpd="sng" algn="ctr">
+                      <a:solidFill>
+                        <a:srgbClr val="000000"/>
+                      </a:solidFill>
+                      <a:prstDash val="solid"/>
+                      <a:round/>
+                      <a:headEnd type="none" w="med" len="med"/>
+                      <a:tailEnd type="none" w="med" len="med"/>
+                    </a:lnR>
+                    <a:lnT w="6350" cap="flat" cmpd="sng" algn="ctr">
+                      <a:solidFill>
+                        <a:srgbClr val="000000"/>
+                      </a:solidFill>
+                      <a:prstDash val="solid"/>
+                      <a:round/>
+                      <a:headEnd type="none" w="med" len="med"/>
+                      <a:tailEnd type="none" w="med" len="med"/>
+                    </a:lnT>
+                    <a:lnB w="6350" cap="flat" cmpd="sng" algn="ctr">
+                      <a:solidFill>
+                        <a:srgbClr val="000000"/>
+                      </a:solidFill>
+                      <a:prstDash val="solid"/>
+                      <a:round/>
+                      <a:headEnd type="none" w="med" len="med"/>
+                      <a:tailEnd type="none" w="med" len="med"/>
+                    </a:lnB>
+                    <a:solidFill>
+                      <a:srgbClr val="DDEBF7"/>
+                    </a:solidFill>
+                  </a:tcPr>
+                </a:tc>
+                <a:extLst>
+                  <a:ext uri="{0D108BD9-81ED-4DB2-BD59-A6C34878D82A}">
+                    <a16:rowId xmlns:a16="http://schemas.microsoft.com/office/drawing/2014/main" val="2063396819"/>
+                  </a:ext>
+                </a:extLst>
+              </a:tr>
+              <a:tr h="277713">
+                <a:tc>
+                  <a:txBody>
+                    <a:bodyPr/>
+                    <a:lstStyle/>
+                    <a:p>
+                      <a:pPr algn="l" fontAlgn="b"/>
+                      <a:r>
+                        <a:rPr lang="en-US" sz="1600" b="0" i="0" u="none" strike="noStrike">
+                          <a:solidFill>
+                            <a:srgbClr val="000000"/>
+                          </a:solidFill>
+                          <a:effectLst/>
+                          <a:latin typeface="Calibri" panose="020F0502020204030204" pitchFamily="34" charset="0"/>
+                        </a:rPr>
+                        <a:t>January</a:t>
+                      </a:r>
+                    </a:p>
+                  </a:txBody>
+                  <a:tcPr marL="13886" marR="13886" marT="13886" marB="0" anchor="b">
+                    <a:lnL w="6350" cap="flat" cmpd="sng" algn="ctr">
+                      <a:solidFill>
+                        <a:srgbClr val="000000"/>
+                      </a:solidFill>
+                      <a:prstDash val="solid"/>
+                      <a:round/>
+                      <a:headEnd type="none" w="med" len="med"/>
+                      <a:tailEnd type="none" w="med" len="med"/>
+                    </a:lnL>
+                    <a:lnR w="6350" cap="flat" cmpd="sng" algn="ctr">
+                      <a:solidFill>
+                        <a:srgbClr val="000000"/>
+                      </a:solidFill>
+                      <a:prstDash val="solid"/>
+                      <a:round/>
+                      <a:headEnd type="none" w="med" len="med"/>
+                      <a:tailEnd type="none" w="med" len="med"/>
+                    </a:lnR>
+                    <a:lnT w="6350" cap="flat" cmpd="sng" algn="ctr">
+                      <a:solidFill>
+                        <a:srgbClr val="000000"/>
+                      </a:solidFill>
+                      <a:prstDash val="solid"/>
+                      <a:round/>
+                      <a:headEnd type="none" w="med" len="med"/>
+                      <a:tailEnd type="none" w="med" len="med"/>
+                    </a:lnT>
+                    <a:lnB w="6350" cap="flat" cmpd="sng" algn="ctr">
+                      <a:solidFill>
+                        <a:srgbClr val="000000"/>
+                      </a:solidFill>
+                      <a:prstDash val="solid"/>
+                      <a:round/>
+                      <a:headEnd type="none" w="med" len="med"/>
+                      <a:tailEnd type="none" w="med" len="med"/>
+                    </a:lnB>
+                    <a:solidFill>
+                      <a:srgbClr val="DDEBF7"/>
+                    </a:solidFill>
+                  </a:tcPr>
+                </a:tc>
+                <a:tc>
+                  <a:txBody>
+                    <a:bodyPr/>
+                    <a:lstStyle/>
+                    <a:p>
+                      <a:pPr algn="l" fontAlgn="b"/>
+                      <a:r>
+                        <a:rPr lang="en-US" sz="1600" b="0" i="0" u="none" strike="noStrike">
+                          <a:solidFill>
+                            <a:srgbClr val="000000"/>
+                          </a:solidFill>
+                          <a:effectLst/>
+                          <a:latin typeface="Calibri" panose="020F0502020204030204" pitchFamily="34" charset="0"/>
+                        </a:rPr>
+                        <a:t>Grapes</a:t>
+                      </a:r>
+                    </a:p>
+                  </a:txBody>
+                  <a:tcPr marL="13886" marR="13886" marT="13886" marB="0" anchor="b">
+                    <a:lnL w="6350" cap="flat" cmpd="sng" algn="ctr">
+                      <a:solidFill>
+                        <a:srgbClr val="000000"/>
+                      </a:solidFill>
+                      <a:prstDash val="solid"/>
+                      <a:round/>
+                      <a:headEnd type="none" w="med" len="med"/>
+                      <a:tailEnd type="none" w="med" len="med"/>
+                    </a:lnL>
+                    <a:lnR w="6350" cap="flat" cmpd="sng" algn="ctr">
+                      <a:solidFill>
+                        <a:srgbClr val="000000"/>
+                      </a:solidFill>
+                      <a:prstDash val="solid"/>
+                      <a:round/>
+                      <a:headEnd type="none" w="med" len="med"/>
+                      <a:tailEnd type="none" w="med" len="med"/>
+                    </a:lnR>
+                    <a:lnT w="6350" cap="flat" cmpd="sng" algn="ctr">
+                      <a:solidFill>
+                        <a:srgbClr val="000000"/>
+                      </a:solidFill>
+                      <a:prstDash val="solid"/>
+                      <a:round/>
+                      <a:headEnd type="none" w="med" len="med"/>
+                      <a:tailEnd type="none" w="med" len="med"/>
+                    </a:lnT>
+                    <a:lnB w="6350" cap="flat" cmpd="sng" algn="ctr">
+                      <a:solidFill>
+                        <a:srgbClr val="000000"/>
+                      </a:solidFill>
+                      <a:prstDash val="solid"/>
+                      <a:round/>
+                      <a:headEnd type="none" w="med" len="med"/>
+                      <a:tailEnd type="none" w="med" len="med"/>
+                    </a:lnB>
+                    <a:solidFill>
+                      <a:srgbClr val="DDEBF7"/>
+                    </a:solidFill>
+                  </a:tcPr>
+                </a:tc>
+                <a:tc>
+                  <a:txBody>
+                    <a:bodyPr/>
+                    <a:lstStyle/>
+                    <a:p>
+                      <a:pPr algn="r" fontAlgn="b"/>
+                      <a:r>
+                        <a:rPr lang="en-US" sz="1600" b="0" i="0" u="none" strike="noStrike" dirty="0">
+                          <a:solidFill>
+                            <a:srgbClr val="000000"/>
+                          </a:solidFill>
+                          <a:effectLst/>
+                          <a:latin typeface="Calibri" panose="020F0502020204030204" pitchFamily="34" charset="0"/>
+                        </a:rPr>
+                        <a:t>4</a:t>
+                      </a:r>
+                    </a:p>
+                  </a:txBody>
+                  <a:tcPr marL="13886" marR="13886" marT="13886" marB="0" anchor="b">
+                    <a:lnL w="6350" cap="flat" cmpd="sng" algn="ctr">
+                      <a:solidFill>
+                        <a:srgbClr val="000000"/>
+                      </a:solidFill>
+                      <a:prstDash val="solid"/>
+                      <a:round/>
+                      <a:headEnd type="none" w="med" len="med"/>
+                      <a:tailEnd type="none" w="med" len="med"/>
+                    </a:lnL>
+                    <a:lnR w="6350" cap="flat" cmpd="sng" algn="ctr">
+                      <a:solidFill>
+                        <a:srgbClr val="000000"/>
+                      </a:solidFill>
+                      <a:prstDash val="solid"/>
+                      <a:round/>
+                      <a:headEnd type="none" w="med" len="med"/>
+                      <a:tailEnd type="none" w="med" len="med"/>
+                    </a:lnR>
+                    <a:lnT w="6350" cap="flat" cmpd="sng" algn="ctr">
+                      <a:solidFill>
+                        <a:srgbClr val="000000"/>
+                      </a:solidFill>
+                      <a:prstDash val="solid"/>
+                      <a:round/>
+                      <a:headEnd type="none" w="med" len="med"/>
+                      <a:tailEnd type="none" w="med" len="med"/>
+                    </a:lnT>
+                    <a:lnB w="6350" cap="flat" cmpd="sng" algn="ctr">
+                      <a:solidFill>
+                        <a:srgbClr val="000000"/>
+                      </a:solidFill>
+                      <a:prstDash val="solid"/>
+                      <a:round/>
+                      <a:headEnd type="none" w="med" len="med"/>
+                      <a:tailEnd type="none" w="med" len="med"/>
+                    </a:lnB>
+                    <a:solidFill>
+                      <a:srgbClr val="DDEBF7"/>
+                    </a:solidFill>
+                  </a:tcPr>
+                </a:tc>
+                <a:extLst>
+                  <a:ext uri="{0D108BD9-81ED-4DB2-BD59-A6C34878D82A}">
+                    <a16:rowId xmlns:a16="http://schemas.microsoft.com/office/drawing/2014/main" val="1872475493"/>
+                  </a:ext>
+                </a:extLst>
+              </a:tr>
+            </a:tbl>
+          </a:graphicData>
+        </a:graphic>
+      </p:graphicFrame>
+      <p:graphicFrame>
+        <p:nvGraphicFramePr>
+          <p:cNvPr id="8" name="Table 7">
+            <a:extLst>
+              <a:ext uri="{FF2B5EF4-FFF2-40B4-BE49-F238E27FC236}">
+                <a16:creationId xmlns:a16="http://schemas.microsoft.com/office/drawing/2014/main" id="{F0022391-117E-4620-AB3C-2CBD7F174832}"/>
+              </a:ext>
+            </a:extLst>
+          </p:cNvPr>
+          <p:cNvGraphicFramePr>
+            <a:graphicFrameLocks noGrp="1"/>
+          </p:cNvGraphicFramePr>
+          <p:nvPr>
+            <p:extLst>
+              <p:ext uri="{D42A27DB-BD31-4B8C-83A1-F6EECF244321}">
+                <p14:modId xmlns:p14="http://schemas.microsoft.com/office/powerpoint/2010/main" val="1386516916"/>
+              </p:ext>
+            </p:extLst>
+          </p:nvPr>
+        </p:nvGraphicFramePr>
+        <p:xfrm>
+          <a:off x="1066809" y="4615080"/>
+          <a:ext cx="2666037" cy="1110852"/>
+        </p:xfrm>
+        <a:graphic>
+          <a:graphicData uri="http://schemas.openxmlformats.org/drawingml/2006/table">
+            <a:tbl>
+              <a:tblPr/>
+              <a:tblGrid>
+                <a:gridCol w="888679">
+                  <a:extLst>
+                    <a:ext uri="{9D8B030D-6E8A-4147-A177-3AD203B41FA5}">
+                      <a16:colId xmlns:a16="http://schemas.microsoft.com/office/drawing/2014/main" val="2263357091"/>
+                    </a:ext>
+                  </a:extLst>
+                </a:gridCol>
+                <a:gridCol w="888679">
+                  <a:extLst>
+                    <a:ext uri="{9D8B030D-6E8A-4147-A177-3AD203B41FA5}">
+                      <a16:colId xmlns:a16="http://schemas.microsoft.com/office/drawing/2014/main" val="3253543433"/>
+                    </a:ext>
+                  </a:extLst>
+                </a:gridCol>
+                <a:gridCol w="888679">
+                  <a:extLst>
+                    <a:ext uri="{9D8B030D-6E8A-4147-A177-3AD203B41FA5}">
+                      <a16:colId xmlns:a16="http://schemas.microsoft.com/office/drawing/2014/main" val="304614581"/>
+                    </a:ext>
+                  </a:extLst>
+                </a:gridCol>
+              </a:tblGrid>
+              <a:tr h="277713">
+                <a:tc>
+                  <a:txBody>
+                    <a:bodyPr/>
+                    <a:lstStyle/>
+                    <a:p>
+                      <a:pPr algn="l" fontAlgn="b"/>
+                      <a:r>
+                        <a:rPr lang="en-US" sz="1600" b="0" i="0" u="none" strike="noStrike">
+                          <a:solidFill>
+                            <a:srgbClr val="000000"/>
+                          </a:solidFill>
+                          <a:effectLst/>
+                          <a:latin typeface="Calibri" panose="020F0502020204030204" pitchFamily="34" charset="0"/>
+                        </a:rPr>
+                        <a:t>Month</a:t>
+                      </a:r>
+                    </a:p>
+                  </a:txBody>
+                  <a:tcPr marL="13886" marR="13886" marT="13886" marB="0" anchor="b">
+                    <a:lnL w="6350" cap="flat" cmpd="sng" algn="ctr">
+                      <a:solidFill>
+                        <a:srgbClr val="000000"/>
+                      </a:solidFill>
+                      <a:prstDash val="solid"/>
+                      <a:round/>
+                      <a:headEnd type="none" w="med" len="med"/>
+                      <a:tailEnd type="none" w="med" len="med"/>
+                    </a:lnL>
+                    <a:lnR w="6350" cap="flat" cmpd="sng" algn="ctr">
+                      <a:solidFill>
+                        <a:srgbClr val="000000"/>
+                      </a:solidFill>
+                      <a:prstDash val="solid"/>
+                      <a:round/>
+                      <a:headEnd type="none" w="med" len="med"/>
+                      <a:tailEnd type="none" w="med" len="med"/>
+                    </a:lnR>
+                    <a:lnT w="6350" cap="flat" cmpd="sng" algn="ctr">
+                      <a:solidFill>
+                        <a:srgbClr val="000000"/>
+                      </a:solidFill>
+                      <a:prstDash val="solid"/>
+                      <a:round/>
+                      <a:headEnd type="none" w="med" len="med"/>
+                      <a:tailEnd type="none" w="med" len="med"/>
+                    </a:lnT>
+                    <a:lnB w="6350" cap="flat" cmpd="sng" algn="ctr">
+                      <a:solidFill>
+                        <a:srgbClr val="000000"/>
+                      </a:solidFill>
+                      <a:prstDash val="solid"/>
+                      <a:round/>
+                      <a:headEnd type="none" w="med" len="med"/>
+                      <a:tailEnd type="none" w="med" len="med"/>
+                    </a:lnB>
+                    <a:solidFill>
+                      <a:srgbClr val="E2EFDA"/>
+                    </a:solidFill>
+                  </a:tcPr>
+                </a:tc>
+                <a:tc>
+                  <a:txBody>
+                    <a:bodyPr/>
+                    <a:lstStyle/>
+                    <a:p>
+                      <a:pPr algn="l" fontAlgn="b"/>
+                      <a:r>
+                        <a:rPr lang="en-US" sz="1600" b="0" i="0" u="none" strike="noStrike">
+                          <a:solidFill>
+                            <a:srgbClr val="000000"/>
+                          </a:solidFill>
+                          <a:effectLst/>
+                          <a:latin typeface="Calibri" panose="020F0502020204030204" pitchFamily="34" charset="0"/>
+                        </a:rPr>
+                        <a:t>Product</a:t>
+                      </a:r>
+                    </a:p>
+                  </a:txBody>
+                  <a:tcPr marL="13886" marR="13886" marT="13886" marB="0" anchor="b">
+                    <a:lnL w="6350" cap="flat" cmpd="sng" algn="ctr">
+                      <a:solidFill>
+                        <a:srgbClr val="000000"/>
+                      </a:solidFill>
+                      <a:prstDash val="solid"/>
+                      <a:round/>
+                      <a:headEnd type="none" w="med" len="med"/>
+                      <a:tailEnd type="none" w="med" len="med"/>
+                    </a:lnL>
+                    <a:lnR w="6350" cap="flat" cmpd="sng" algn="ctr">
+                      <a:solidFill>
+                        <a:srgbClr val="000000"/>
+                      </a:solidFill>
+                      <a:prstDash val="solid"/>
+                      <a:round/>
+                      <a:headEnd type="none" w="med" len="med"/>
+                      <a:tailEnd type="none" w="med" len="med"/>
+                    </a:lnR>
+                    <a:lnT w="6350" cap="flat" cmpd="sng" algn="ctr">
+                      <a:solidFill>
+                        <a:srgbClr val="000000"/>
+                      </a:solidFill>
+                      <a:prstDash val="solid"/>
+                      <a:round/>
+                      <a:headEnd type="none" w="med" len="med"/>
+                      <a:tailEnd type="none" w="med" len="med"/>
+                    </a:lnT>
+                    <a:lnB w="6350" cap="flat" cmpd="sng" algn="ctr">
+                      <a:solidFill>
+                        <a:srgbClr val="000000"/>
+                      </a:solidFill>
+                      <a:prstDash val="solid"/>
+                      <a:round/>
+                      <a:headEnd type="none" w="med" len="med"/>
+                      <a:tailEnd type="none" w="med" len="med"/>
+                    </a:lnB>
+                    <a:solidFill>
+                      <a:srgbClr val="E2EFDA"/>
+                    </a:solidFill>
+                  </a:tcPr>
+                </a:tc>
+                <a:tc>
+                  <a:txBody>
+                    <a:bodyPr/>
+                    <a:lstStyle/>
+                    <a:p>
+                      <a:pPr algn="l" fontAlgn="b"/>
+                      <a:r>
+                        <a:rPr lang="en-US" sz="1600" b="0" i="0" u="none" strike="noStrike">
+                          <a:solidFill>
+                            <a:srgbClr val="000000"/>
+                          </a:solidFill>
+                          <a:effectLst/>
+                          <a:latin typeface="Calibri" panose="020F0502020204030204" pitchFamily="34" charset="0"/>
+                        </a:rPr>
+                        <a:t>Sales</a:t>
+                      </a:r>
+                    </a:p>
+                  </a:txBody>
+                  <a:tcPr marL="13886" marR="13886" marT="13886" marB="0" anchor="b">
+                    <a:lnL w="6350" cap="flat" cmpd="sng" algn="ctr">
+                      <a:solidFill>
+                        <a:srgbClr val="000000"/>
+                      </a:solidFill>
+                      <a:prstDash val="solid"/>
+                      <a:round/>
+                      <a:headEnd type="none" w="med" len="med"/>
+                      <a:tailEnd type="none" w="med" len="med"/>
+                    </a:lnL>
+                    <a:lnR w="6350" cap="flat" cmpd="sng" algn="ctr">
+                      <a:solidFill>
+                        <a:srgbClr val="000000"/>
+                      </a:solidFill>
+                      <a:prstDash val="solid"/>
+                      <a:round/>
+                      <a:headEnd type="none" w="med" len="med"/>
+                      <a:tailEnd type="none" w="med" len="med"/>
+                    </a:lnR>
+                    <a:lnT w="6350" cap="flat" cmpd="sng" algn="ctr">
+                      <a:solidFill>
+                        <a:srgbClr val="000000"/>
+                      </a:solidFill>
+                      <a:prstDash val="solid"/>
+                      <a:round/>
+                      <a:headEnd type="none" w="med" len="med"/>
+                      <a:tailEnd type="none" w="med" len="med"/>
+                    </a:lnT>
+                    <a:lnB w="6350" cap="flat" cmpd="sng" algn="ctr">
+                      <a:solidFill>
+                        <a:srgbClr val="000000"/>
+                      </a:solidFill>
+                      <a:prstDash val="solid"/>
+                      <a:round/>
+                      <a:headEnd type="none" w="med" len="med"/>
+                      <a:tailEnd type="none" w="med" len="med"/>
+                    </a:lnB>
+                    <a:solidFill>
+                      <a:srgbClr val="E2EFDA"/>
+                    </a:solidFill>
+                  </a:tcPr>
+                </a:tc>
+                <a:extLst>
+                  <a:ext uri="{0D108BD9-81ED-4DB2-BD59-A6C34878D82A}">
+                    <a16:rowId xmlns:a16="http://schemas.microsoft.com/office/drawing/2014/main" val="3223237655"/>
+                  </a:ext>
+                </a:extLst>
+              </a:tr>
+              <a:tr h="277713">
+                <a:tc>
+                  <a:txBody>
+                    <a:bodyPr/>
+                    <a:lstStyle/>
+                    <a:p>
+                      <a:pPr algn="l" fontAlgn="b"/>
+                      <a:r>
+                        <a:rPr lang="en-US" sz="1600" b="0" i="0" u="none" strike="noStrike">
+                          <a:solidFill>
+                            <a:srgbClr val="000000"/>
+                          </a:solidFill>
+                          <a:effectLst/>
+                          <a:latin typeface="Calibri" panose="020F0502020204030204" pitchFamily="34" charset="0"/>
+                        </a:rPr>
+                        <a:t>February</a:t>
+                      </a:r>
+                    </a:p>
+                  </a:txBody>
+                  <a:tcPr marL="13886" marR="13886" marT="13886" marB="0" anchor="b">
+                    <a:lnL w="6350" cap="flat" cmpd="sng" algn="ctr">
+                      <a:solidFill>
+                        <a:srgbClr val="000000"/>
+                      </a:solidFill>
+                      <a:prstDash val="solid"/>
+                      <a:round/>
+                      <a:headEnd type="none" w="med" len="med"/>
+                      <a:tailEnd type="none" w="med" len="med"/>
+                    </a:lnL>
+                    <a:lnR w="6350" cap="flat" cmpd="sng" algn="ctr">
+                      <a:solidFill>
+                        <a:srgbClr val="000000"/>
+                      </a:solidFill>
+                      <a:prstDash val="solid"/>
+                      <a:round/>
+                      <a:headEnd type="none" w="med" len="med"/>
+                      <a:tailEnd type="none" w="med" len="med"/>
+                    </a:lnR>
+                    <a:lnT w="6350" cap="flat" cmpd="sng" algn="ctr">
+                      <a:solidFill>
+                        <a:srgbClr val="000000"/>
+                      </a:solidFill>
+                      <a:prstDash val="solid"/>
+                      <a:round/>
+                      <a:headEnd type="none" w="med" len="med"/>
+                      <a:tailEnd type="none" w="med" len="med"/>
+                    </a:lnT>
+                    <a:lnB w="6350" cap="flat" cmpd="sng" algn="ctr">
+                      <a:solidFill>
+                        <a:srgbClr val="000000"/>
+                      </a:solidFill>
+                      <a:prstDash val="solid"/>
+                      <a:round/>
+                      <a:headEnd type="none" w="med" len="med"/>
+                      <a:tailEnd type="none" w="med" len="med"/>
+                    </a:lnB>
+                    <a:solidFill>
+                      <a:srgbClr val="E2EFDA"/>
+                    </a:solidFill>
+                  </a:tcPr>
+                </a:tc>
+                <a:tc>
+                  <a:txBody>
+                    <a:bodyPr/>
+                    <a:lstStyle/>
+                    <a:p>
+                      <a:pPr algn="l" fontAlgn="b"/>
+                      <a:r>
+                        <a:rPr lang="en-US" sz="1600" b="0" i="0" u="none" strike="noStrike">
+                          <a:solidFill>
+                            <a:srgbClr val="000000"/>
+                          </a:solidFill>
+                          <a:effectLst/>
+                          <a:latin typeface="Calibri" panose="020F0502020204030204" pitchFamily="34" charset="0"/>
+                        </a:rPr>
+                        <a:t>Apples</a:t>
+                      </a:r>
+                    </a:p>
+                  </a:txBody>
+                  <a:tcPr marL="13886" marR="13886" marT="13886" marB="0" anchor="b">
+                    <a:lnL w="6350" cap="flat" cmpd="sng" algn="ctr">
+                      <a:solidFill>
+                        <a:srgbClr val="000000"/>
+                      </a:solidFill>
+                      <a:prstDash val="solid"/>
+                      <a:round/>
+                      <a:headEnd type="none" w="med" len="med"/>
+                      <a:tailEnd type="none" w="med" len="med"/>
+                    </a:lnL>
+                    <a:lnR w="6350" cap="flat" cmpd="sng" algn="ctr">
+                      <a:solidFill>
+                        <a:srgbClr val="000000"/>
+                      </a:solidFill>
+                      <a:prstDash val="solid"/>
+                      <a:round/>
+                      <a:headEnd type="none" w="med" len="med"/>
+                      <a:tailEnd type="none" w="med" len="med"/>
+                    </a:lnR>
+                    <a:lnT w="6350" cap="flat" cmpd="sng" algn="ctr">
+                      <a:solidFill>
+                        <a:srgbClr val="000000"/>
+                      </a:solidFill>
+                      <a:prstDash val="solid"/>
+                      <a:round/>
+                      <a:headEnd type="none" w="med" len="med"/>
+                      <a:tailEnd type="none" w="med" len="med"/>
+                    </a:lnT>
+                    <a:lnB w="6350" cap="flat" cmpd="sng" algn="ctr">
+                      <a:solidFill>
+                        <a:srgbClr val="000000"/>
+                      </a:solidFill>
+                      <a:prstDash val="solid"/>
+                      <a:round/>
+                      <a:headEnd type="none" w="med" len="med"/>
+                      <a:tailEnd type="none" w="med" len="med"/>
+                    </a:lnB>
+                    <a:solidFill>
+                      <a:srgbClr val="E2EFDA"/>
+                    </a:solidFill>
+                  </a:tcPr>
+                </a:tc>
+                <a:tc>
+                  <a:txBody>
+                    <a:bodyPr/>
+                    <a:lstStyle/>
+                    <a:p>
+                      <a:pPr algn="r" fontAlgn="b"/>
+                      <a:r>
+                        <a:rPr lang="en-US" sz="1600" b="0" i="0" u="none" strike="noStrike" dirty="0">
+                          <a:solidFill>
+                            <a:srgbClr val="000000"/>
+                          </a:solidFill>
+                          <a:effectLst/>
+                          <a:latin typeface="Calibri" panose="020F0502020204030204" pitchFamily="34" charset="0"/>
+                        </a:rPr>
+                        <a:t>2</a:t>
+                      </a:r>
+                    </a:p>
+                  </a:txBody>
+                  <a:tcPr marL="13886" marR="13886" marT="13886" marB="0" anchor="b">
+                    <a:lnL w="6350" cap="flat" cmpd="sng" algn="ctr">
+                      <a:solidFill>
+                        <a:srgbClr val="000000"/>
+                      </a:solidFill>
+                      <a:prstDash val="solid"/>
+                      <a:round/>
+                      <a:headEnd type="none" w="med" len="med"/>
+                      <a:tailEnd type="none" w="med" len="med"/>
+                    </a:lnL>
+                    <a:lnR w="6350" cap="flat" cmpd="sng" algn="ctr">
+                      <a:solidFill>
+                        <a:srgbClr val="000000"/>
+                      </a:solidFill>
+                      <a:prstDash val="solid"/>
+                      <a:round/>
+                      <a:headEnd type="none" w="med" len="med"/>
+                      <a:tailEnd type="none" w="med" len="med"/>
+                    </a:lnR>
+                    <a:lnT w="6350" cap="flat" cmpd="sng" algn="ctr">
+                      <a:solidFill>
+                        <a:srgbClr val="000000"/>
+                      </a:solidFill>
+                      <a:prstDash val="solid"/>
+                      <a:round/>
+                      <a:headEnd type="none" w="med" len="med"/>
+                      <a:tailEnd type="none" w="med" len="med"/>
+                    </a:lnT>
+                    <a:lnB w="6350" cap="flat" cmpd="sng" algn="ctr">
+                      <a:solidFill>
+                        <a:srgbClr val="000000"/>
+                      </a:solidFill>
+                      <a:prstDash val="solid"/>
+                      <a:round/>
+                      <a:headEnd type="none" w="med" len="med"/>
+                      <a:tailEnd type="none" w="med" len="med"/>
+                    </a:lnB>
+                    <a:solidFill>
+                      <a:srgbClr val="E2EFDA"/>
+                    </a:solidFill>
+                  </a:tcPr>
+                </a:tc>
+                <a:extLst>
+                  <a:ext uri="{0D108BD9-81ED-4DB2-BD59-A6C34878D82A}">
+                    <a16:rowId xmlns:a16="http://schemas.microsoft.com/office/drawing/2014/main" val="4040502892"/>
+                  </a:ext>
+                </a:extLst>
+              </a:tr>
+              <a:tr h="277713">
+                <a:tc>
+                  <a:txBody>
+                    <a:bodyPr/>
+                    <a:lstStyle/>
+                    <a:p>
+                      <a:pPr algn="l" fontAlgn="b"/>
+                      <a:r>
+                        <a:rPr lang="en-US" sz="1600" b="0" i="0" u="none" strike="noStrike">
+                          <a:solidFill>
+                            <a:srgbClr val="000000"/>
+                          </a:solidFill>
+                          <a:effectLst/>
+                          <a:latin typeface="Calibri" panose="020F0502020204030204" pitchFamily="34" charset="0"/>
+                        </a:rPr>
+                        <a:t>February</a:t>
+                      </a:r>
+                    </a:p>
+                  </a:txBody>
+                  <a:tcPr marL="13886" marR="13886" marT="13886" marB="0" anchor="b">
+                    <a:lnL w="6350" cap="flat" cmpd="sng" algn="ctr">
+                      <a:solidFill>
+                        <a:srgbClr val="000000"/>
+                      </a:solidFill>
+                      <a:prstDash val="solid"/>
+                      <a:round/>
+                      <a:headEnd type="none" w="med" len="med"/>
+                      <a:tailEnd type="none" w="med" len="med"/>
+                    </a:lnL>
+                    <a:lnR w="6350" cap="flat" cmpd="sng" algn="ctr">
+                      <a:solidFill>
+                        <a:srgbClr val="000000"/>
+                      </a:solidFill>
+                      <a:prstDash val="solid"/>
+                      <a:round/>
+                      <a:headEnd type="none" w="med" len="med"/>
+                      <a:tailEnd type="none" w="med" len="med"/>
+                    </a:lnR>
+                    <a:lnT w="6350" cap="flat" cmpd="sng" algn="ctr">
+                      <a:solidFill>
+                        <a:srgbClr val="000000"/>
+                      </a:solidFill>
+                      <a:prstDash val="solid"/>
+                      <a:round/>
+                      <a:headEnd type="none" w="med" len="med"/>
+                      <a:tailEnd type="none" w="med" len="med"/>
+                    </a:lnT>
+                    <a:lnB w="6350" cap="flat" cmpd="sng" algn="ctr">
+                      <a:solidFill>
+                        <a:srgbClr val="000000"/>
+                      </a:solidFill>
+                      <a:prstDash val="solid"/>
+                      <a:round/>
+                      <a:headEnd type="none" w="med" len="med"/>
+                      <a:tailEnd type="none" w="med" len="med"/>
+                    </a:lnB>
+                    <a:solidFill>
+                      <a:srgbClr val="E2EFDA"/>
+                    </a:solidFill>
+                  </a:tcPr>
+                </a:tc>
+                <a:tc>
+                  <a:txBody>
+                    <a:bodyPr/>
+                    <a:lstStyle/>
+                    <a:p>
+                      <a:pPr algn="l" fontAlgn="b"/>
+                      <a:r>
+                        <a:rPr lang="en-US" sz="1600" b="0" i="0" u="none" strike="noStrike">
+                          <a:solidFill>
+                            <a:srgbClr val="000000"/>
+                          </a:solidFill>
+                          <a:effectLst/>
+                          <a:latin typeface="Calibri" panose="020F0502020204030204" pitchFamily="34" charset="0"/>
+                        </a:rPr>
+                        <a:t>Bananas</a:t>
+                      </a:r>
+                    </a:p>
+                  </a:txBody>
+                  <a:tcPr marL="13886" marR="13886" marT="13886" marB="0" anchor="b">
+                    <a:lnL w="6350" cap="flat" cmpd="sng" algn="ctr">
+                      <a:solidFill>
+                        <a:srgbClr val="000000"/>
+                      </a:solidFill>
+                      <a:prstDash val="solid"/>
+                      <a:round/>
+                      <a:headEnd type="none" w="med" len="med"/>
+                      <a:tailEnd type="none" w="med" len="med"/>
+                    </a:lnL>
+                    <a:lnR w="6350" cap="flat" cmpd="sng" algn="ctr">
+                      <a:solidFill>
+                        <a:srgbClr val="000000"/>
+                      </a:solidFill>
+                      <a:prstDash val="solid"/>
+                      <a:round/>
+                      <a:headEnd type="none" w="med" len="med"/>
+                      <a:tailEnd type="none" w="med" len="med"/>
+                    </a:lnR>
+                    <a:lnT w="6350" cap="flat" cmpd="sng" algn="ctr">
+                      <a:solidFill>
+                        <a:srgbClr val="000000"/>
+                      </a:solidFill>
+                      <a:prstDash val="solid"/>
+                      <a:round/>
+                      <a:headEnd type="none" w="med" len="med"/>
+                      <a:tailEnd type="none" w="med" len="med"/>
+                    </a:lnT>
+                    <a:lnB w="6350" cap="flat" cmpd="sng" algn="ctr">
+                      <a:solidFill>
+                        <a:srgbClr val="000000"/>
+                      </a:solidFill>
+                      <a:prstDash val="solid"/>
+                      <a:round/>
+                      <a:headEnd type="none" w="med" len="med"/>
+                      <a:tailEnd type="none" w="med" len="med"/>
+                    </a:lnB>
+                    <a:solidFill>
+                      <a:srgbClr val="E2EFDA"/>
+                    </a:solidFill>
+                  </a:tcPr>
+                </a:tc>
+                <a:tc>
+                  <a:txBody>
+                    <a:bodyPr/>
+                    <a:lstStyle/>
+                    <a:p>
+                      <a:pPr algn="r" fontAlgn="b"/>
+                      <a:r>
+                        <a:rPr lang="en-US" sz="1600" b="0" i="0" u="none" strike="noStrike">
+                          <a:solidFill>
+                            <a:srgbClr val="000000"/>
+                          </a:solidFill>
+                          <a:effectLst/>
+                          <a:latin typeface="Calibri" panose="020F0502020204030204" pitchFamily="34" charset="0"/>
+                        </a:rPr>
+                        <a:t>4</a:t>
+                      </a:r>
+                    </a:p>
+                  </a:txBody>
+                  <a:tcPr marL="13886" marR="13886" marT="13886" marB="0" anchor="b">
+                    <a:lnL w="6350" cap="flat" cmpd="sng" algn="ctr">
+                      <a:solidFill>
+                        <a:srgbClr val="000000"/>
+                      </a:solidFill>
+                      <a:prstDash val="solid"/>
+                      <a:round/>
+                      <a:headEnd type="none" w="med" len="med"/>
+                      <a:tailEnd type="none" w="med" len="med"/>
+                    </a:lnL>
+                    <a:lnR w="6350" cap="flat" cmpd="sng" algn="ctr">
+                      <a:solidFill>
+                        <a:srgbClr val="000000"/>
+                      </a:solidFill>
+                      <a:prstDash val="solid"/>
+                      <a:round/>
+                      <a:headEnd type="none" w="med" len="med"/>
+                      <a:tailEnd type="none" w="med" len="med"/>
+                    </a:lnR>
+                    <a:lnT w="6350" cap="flat" cmpd="sng" algn="ctr">
+                      <a:solidFill>
+                        <a:srgbClr val="000000"/>
+                      </a:solidFill>
+                      <a:prstDash val="solid"/>
+                      <a:round/>
+                      <a:headEnd type="none" w="med" len="med"/>
+                      <a:tailEnd type="none" w="med" len="med"/>
+                    </a:lnT>
+                    <a:lnB w="6350" cap="flat" cmpd="sng" algn="ctr">
+                      <a:solidFill>
+                        <a:srgbClr val="000000"/>
+                      </a:solidFill>
+                      <a:prstDash val="solid"/>
+                      <a:round/>
+                      <a:headEnd type="none" w="med" len="med"/>
+                      <a:tailEnd type="none" w="med" len="med"/>
+                    </a:lnB>
+                    <a:solidFill>
+                      <a:srgbClr val="E2EFDA"/>
+                    </a:solidFill>
+                  </a:tcPr>
+                </a:tc>
+                <a:extLst>
+                  <a:ext uri="{0D108BD9-81ED-4DB2-BD59-A6C34878D82A}">
+                    <a16:rowId xmlns:a16="http://schemas.microsoft.com/office/drawing/2014/main" val="1663356968"/>
+                  </a:ext>
+                </a:extLst>
+              </a:tr>
+              <a:tr h="277713">
+                <a:tc>
+                  <a:txBody>
+                    <a:bodyPr/>
+                    <a:lstStyle/>
+                    <a:p>
+                      <a:pPr algn="l" fontAlgn="b"/>
+                      <a:r>
+                        <a:rPr lang="en-US" sz="1600" b="0" i="0" u="none" strike="noStrike">
+                          <a:solidFill>
+                            <a:srgbClr val="000000"/>
+                          </a:solidFill>
+                          <a:effectLst/>
+                          <a:latin typeface="Calibri" panose="020F0502020204030204" pitchFamily="34" charset="0"/>
+                        </a:rPr>
+                        <a:t>February</a:t>
+                      </a:r>
+                    </a:p>
+                  </a:txBody>
+                  <a:tcPr marL="13886" marR="13886" marT="13886" marB="0" anchor="b">
+                    <a:lnL w="6350" cap="flat" cmpd="sng" algn="ctr">
+                      <a:solidFill>
+                        <a:srgbClr val="000000"/>
+                      </a:solidFill>
+                      <a:prstDash val="solid"/>
+                      <a:round/>
+                      <a:headEnd type="none" w="med" len="med"/>
+                      <a:tailEnd type="none" w="med" len="med"/>
+                    </a:lnL>
+                    <a:lnR w="6350" cap="flat" cmpd="sng" algn="ctr">
+                      <a:solidFill>
+                        <a:srgbClr val="000000"/>
+                      </a:solidFill>
+                      <a:prstDash val="solid"/>
+                      <a:round/>
+                      <a:headEnd type="none" w="med" len="med"/>
+                      <a:tailEnd type="none" w="med" len="med"/>
+                    </a:lnR>
+                    <a:lnT w="6350" cap="flat" cmpd="sng" algn="ctr">
+                      <a:solidFill>
+                        <a:srgbClr val="000000"/>
+                      </a:solidFill>
+                      <a:prstDash val="solid"/>
+                      <a:round/>
+                      <a:headEnd type="none" w="med" len="med"/>
+                      <a:tailEnd type="none" w="med" len="med"/>
+                    </a:lnT>
+                    <a:lnB w="6350" cap="flat" cmpd="sng" algn="ctr">
+                      <a:solidFill>
+                        <a:srgbClr val="000000"/>
+                      </a:solidFill>
+                      <a:prstDash val="solid"/>
+                      <a:round/>
+                      <a:headEnd type="none" w="med" len="med"/>
+                      <a:tailEnd type="none" w="med" len="med"/>
+                    </a:lnB>
+                    <a:solidFill>
+                      <a:srgbClr val="E2EFDA"/>
+                    </a:solidFill>
+                  </a:tcPr>
+                </a:tc>
+                <a:tc>
+                  <a:txBody>
+                    <a:bodyPr/>
+                    <a:lstStyle/>
+                    <a:p>
+                      <a:pPr algn="l" fontAlgn="b"/>
+                      <a:r>
+                        <a:rPr lang="en-US" sz="1600" b="0" i="0" u="none" strike="noStrike">
+                          <a:solidFill>
+                            <a:srgbClr val="000000"/>
+                          </a:solidFill>
+                          <a:effectLst/>
+                          <a:latin typeface="Calibri" panose="020F0502020204030204" pitchFamily="34" charset="0"/>
+                        </a:rPr>
+                        <a:t>Grapes</a:t>
+                      </a:r>
+                    </a:p>
+                  </a:txBody>
+                  <a:tcPr marL="13886" marR="13886" marT="13886" marB="0" anchor="b">
+                    <a:lnL w="6350" cap="flat" cmpd="sng" algn="ctr">
+                      <a:solidFill>
+                        <a:srgbClr val="000000"/>
+                      </a:solidFill>
+                      <a:prstDash val="solid"/>
+                      <a:round/>
+                      <a:headEnd type="none" w="med" len="med"/>
+                      <a:tailEnd type="none" w="med" len="med"/>
+                    </a:lnL>
+                    <a:lnR w="6350" cap="flat" cmpd="sng" algn="ctr">
+                      <a:solidFill>
+                        <a:srgbClr val="000000"/>
+                      </a:solidFill>
+                      <a:prstDash val="solid"/>
+                      <a:round/>
+                      <a:headEnd type="none" w="med" len="med"/>
+                      <a:tailEnd type="none" w="med" len="med"/>
+                    </a:lnR>
+                    <a:lnT w="6350" cap="flat" cmpd="sng" algn="ctr">
+                      <a:solidFill>
+                        <a:srgbClr val="000000"/>
+                      </a:solidFill>
+                      <a:prstDash val="solid"/>
+                      <a:round/>
+                      <a:headEnd type="none" w="med" len="med"/>
+                      <a:tailEnd type="none" w="med" len="med"/>
+                    </a:lnT>
+                    <a:lnB w="6350" cap="flat" cmpd="sng" algn="ctr">
+                      <a:solidFill>
+                        <a:srgbClr val="000000"/>
+                      </a:solidFill>
+                      <a:prstDash val="solid"/>
+                      <a:round/>
+                      <a:headEnd type="none" w="med" len="med"/>
+                      <a:tailEnd type="none" w="med" len="med"/>
+                    </a:lnB>
+                    <a:solidFill>
+                      <a:srgbClr val="E2EFDA"/>
+                    </a:solidFill>
+                  </a:tcPr>
+                </a:tc>
+                <a:tc>
+                  <a:txBody>
+                    <a:bodyPr/>
+                    <a:lstStyle/>
+                    <a:p>
+                      <a:pPr algn="r" fontAlgn="b"/>
+                      <a:r>
+                        <a:rPr lang="en-US" sz="1600" b="0" i="0" u="none" strike="noStrike" dirty="0">
+                          <a:solidFill>
+                            <a:srgbClr val="000000"/>
+                          </a:solidFill>
+                          <a:effectLst/>
+                          <a:latin typeface="Calibri" panose="020F0502020204030204" pitchFamily="34" charset="0"/>
+                        </a:rPr>
+                        <a:t>3</a:t>
+                      </a:r>
+                    </a:p>
+                  </a:txBody>
+                  <a:tcPr marL="13886" marR="13886" marT="13886" marB="0" anchor="b">
+                    <a:lnL w="6350" cap="flat" cmpd="sng" algn="ctr">
+                      <a:solidFill>
+                        <a:srgbClr val="000000"/>
+                      </a:solidFill>
+                      <a:prstDash val="solid"/>
+                      <a:round/>
+                      <a:headEnd type="none" w="med" len="med"/>
+                      <a:tailEnd type="none" w="med" len="med"/>
+                    </a:lnL>
+                    <a:lnR w="6350" cap="flat" cmpd="sng" algn="ctr">
+                      <a:solidFill>
+                        <a:srgbClr val="000000"/>
+                      </a:solidFill>
+                      <a:prstDash val="solid"/>
+                      <a:round/>
+                      <a:headEnd type="none" w="med" len="med"/>
+                      <a:tailEnd type="none" w="med" len="med"/>
+                    </a:lnR>
+                    <a:lnT w="6350" cap="flat" cmpd="sng" algn="ctr">
+                      <a:solidFill>
+                        <a:srgbClr val="000000"/>
+                      </a:solidFill>
+                      <a:prstDash val="solid"/>
+                      <a:round/>
+                      <a:headEnd type="none" w="med" len="med"/>
+                      <a:tailEnd type="none" w="med" len="med"/>
+                    </a:lnT>
+                    <a:lnB w="6350" cap="flat" cmpd="sng" algn="ctr">
+                      <a:solidFill>
+                        <a:srgbClr val="000000"/>
+                      </a:solidFill>
+                      <a:prstDash val="solid"/>
+                      <a:round/>
+                      <a:headEnd type="none" w="med" len="med"/>
+                      <a:tailEnd type="none" w="med" len="med"/>
+                    </a:lnB>
+                    <a:solidFill>
+                      <a:srgbClr val="E2EFDA"/>
+                    </a:solidFill>
+                  </a:tcPr>
+                </a:tc>
+                <a:extLst>
+                  <a:ext uri="{0D108BD9-81ED-4DB2-BD59-A6C34878D82A}">
+                    <a16:rowId xmlns:a16="http://schemas.microsoft.com/office/drawing/2014/main" val="1041654316"/>
+                  </a:ext>
+                </a:extLst>
+              </a:tr>
+            </a:tbl>
+          </a:graphicData>
+        </a:graphic>
+      </p:graphicFrame>
+      <p:graphicFrame>
+        <p:nvGraphicFramePr>
+          <p:cNvPr id="9" name="Table 8">
+            <a:extLst>
+              <a:ext uri="{FF2B5EF4-FFF2-40B4-BE49-F238E27FC236}">
+                <a16:creationId xmlns:a16="http://schemas.microsoft.com/office/drawing/2014/main" id="{01EA1BE6-04AF-4D33-9B66-2BCC95633F20}"/>
+              </a:ext>
+            </a:extLst>
+          </p:cNvPr>
+          <p:cNvGraphicFramePr>
+            <a:graphicFrameLocks noGrp="1"/>
+          </p:cNvGraphicFramePr>
+          <p:nvPr>
+            <p:extLst>
+              <p:ext uri="{D42A27DB-BD31-4B8C-83A1-F6EECF244321}">
+                <p14:modId xmlns:p14="http://schemas.microsoft.com/office/powerpoint/2010/main" val="2494029567"/>
+              </p:ext>
+            </p:extLst>
+          </p:nvPr>
+        </p:nvGraphicFramePr>
+        <p:xfrm>
+          <a:off x="5334000" y="3395273"/>
+          <a:ext cx="2742111" cy="1999459"/>
+        </p:xfrm>
+        <a:graphic>
+          <a:graphicData uri="http://schemas.openxmlformats.org/drawingml/2006/table">
+            <a:tbl>
+              <a:tblPr/>
+              <a:tblGrid>
+                <a:gridCol w="914037">
+                  <a:extLst>
+                    <a:ext uri="{9D8B030D-6E8A-4147-A177-3AD203B41FA5}">
+                      <a16:colId xmlns:a16="http://schemas.microsoft.com/office/drawing/2014/main" val="4135449657"/>
+                    </a:ext>
+                  </a:extLst>
+                </a:gridCol>
+                <a:gridCol w="914037">
+                  <a:extLst>
+                    <a:ext uri="{9D8B030D-6E8A-4147-A177-3AD203B41FA5}">
+                      <a16:colId xmlns:a16="http://schemas.microsoft.com/office/drawing/2014/main" val="2634468920"/>
+                    </a:ext>
+                  </a:extLst>
+                </a:gridCol>
+                <a:gridCol w="914037">
+                  <a:extLst>
+                    <a:ext uri="{9D8B030D-6E8A-4147-A177-3AD203B41FA5}">
+                      <a16:colId xmlns:a16="http://schemas.microsoft.com/office/drawing/2014/main" val="3482091738"/>
+                    </a:ext>
+                  </a:extLst>
+                </a:gridCol>
+              </a:tblGrid>
+              <a:tr h="285637">
+                <a:tc>
+                  <a:txBody>
+                    <a:bodyPr/>
+                    <a:lstStyle/>
+                    <a:p>
+                      <a:pPr algn="l" fontAlgn="b"/>
+                      <a:r>
+                        <a:rPr lang="en-US" sz="1600" b="0" i="0" u="none" strike="noStrike">
+                          <a:solidFill>
+                            <a:srgbClr val="000000"/>
+                          </a:solidFill>
+                          <a:effectLst/>
+                          <a:latin typeface="Calibri" panose="020F0502020204030204" pitchFamily="34" charset="0"/>
+                        </a:rPr>
+                        <a:t>Month</a:t>
+                      </a:r>
+                    </a:p>
+                  </a:txBody>
+                  <a:tcPr marL="14282" marR="14282" marT="14282" marB="0" anchor="b">
+                    <a:lnL w="6350" cap="flat" cmpd="sng" algn="ctr">
+                      <a:solidFill>
+                        <a:srgbClr val="000000"/>
+                      </a:solidFill>
+                      <a:prstDash val="solid"/>
+                      <a:round/>
+                      <a:headEnd type="none" w="med" len="med"/>
+                      <a:tailEnd type="none" w="med" len="med"/>
+                    </a:lnL>
+                    <a:lnR w="6350" cap="flat" cmpd="sng" algn="ctr">
+                      <a:solidFill>
+                        <a:srgbClr val="000000"/>
+                      </a:solidFill>
+                      <a:prstDash val="solid"/>
+                      <a:round/>
+                      <a:headEnd type="none" w="med" len="med"/>
+                      <a:tailEnd type="none" w="med" len="med"/>
+                    </a:lnR>
+                    <a:lnT w="6350" cap="flat" cmpd="sng" algn="ctr">
+                      <a:solidFill>
+                        <a:srgbClr val="000000"/>
+                      </a:solidFill>
+                      <a:prstDash val="solid"/>
+                      <a:round/>
+                      <a:headEnd type="none" w="med" len="med"/>
+                      <a:tailEnd type="none" w="med" len="med"/>
+                    </a:lnT>
+                    <a:lnB w="6350" cap="flat" cmpd="sng" algn="ctr">
+                      <a:solidFill>
+                        <a:srgbClr val="000000"/>
+                      </a:solidFill>
+                      <a:prstDash val="solid"/>
+                      <a:round/>
+                      <a:headEnd type="none" w="med" len="med"/>
+                      <a:tailEnd type="none" w="med" len="med"/>
+                    </a:lnB>
+                    <a:solidFill>
+                      <a:srgbClr val="FFF2CC"/>
+                    </a:solidFill>
+                  </a:tcPr>
+                </a:tc>
+                <a:tc>
+                  <a:txBody>
+                    <a:bodyPr/>
+                    <a:lstStyle/>
+                    <a:p>
+                      <a:pPr algn="l" fontAlgn="b"/>
+                      <a:r>
+                        <a:rPr lang="en-US" sz="1600" b="0" i="0" u="none" strike="noStrike">
+                          <a:solidFill>
+                            <a:srgbClr val="000000"/>
+                          </a:solidFill>
+                          <a:effectLst/>
+                          <a:latin typeface="Calibri" panose="020F0502020204030204" pitchFamily="34" charset="0"/>
+                        </a:rPr>
+                        <a:t>Product</a:t>
+                      </a:r>
+                    </a:p>
+                  </a:txBody>
+                  <a:tcPr marL="14282" marR="14282" marT="14282" marB="0" anchor="b">
+                    <a:lnL w="6350" cap="flat" cmpd="sng" algn="ctr">
+                      <a:solidFill>
+                        <a:srgbClr val="000000"/>
+                      </a:solidFill>
+                      <a:prstDash val="solid"/>
+                      <a:round/>
+                      <a:headEnd type="none" w="med" len="med"/>
+                      <a:tailEnd type="none" w="med" len="med"/>
+                    </a:lnL>
+                    <a:lnR w="6350" cap="flat" cmpd="sng" algn="ctr">
+                      <a:solidFill>
+                        <a:srgbClr val="000000"/>
+                      </a:solidFill>
+                      <a:prstDash val="solid"/>
+                      <a:round/>
+                      <a:headEnd type="none" w="med" len="med"/>
+                      <a:tailEnd type="none" w="med" len="med"/>
+                    </a:lnR>
+                    <a:lnT w="6350" cap="flat" cmpd="sng" algn="ctr">
+                      <a:solidFill>
+                        <a:srgbClr val="000000"/>
+                      </a:solidFill>
+                      <a:prstDash val="solid"/>
+                      <a:round/>
+                      <a:headEnd type="none" w="med" len="med"/>
+                      <a:tailEnd type="none" w="med" len="med"/>
+                    </a:lnT>
+                    <a:lnB w="6350" cap="flat" cmpd="sng" algn="ctr">
+                      <a:solidFill>
+                        <a:srgbClr val="000000"/>
+                      </a:solidFill>
+                      <a:prstDash val="solid"/>
+                      <a:round/>
+                      <a:headEnd type="none" w="med" len="med"/>
+                      <a:tailEnd type="none" w="med" len="med"/>
+                    </a:lnB>
+                    <a:solidFill>
+                      <a:srgbClr val="FFF2CC"/>
+                    </a:solidFill>
+                  </a:tcPr>
+                </a:tc>
+                <a:tc>
+                  <a:txBody>
+                    <a:bodyPr/>
+                    <a:lstStyle/>
+                    <a:p>
+                      <a:pPr algn="l" fontAlgn="b"/>
+                      <a:r>
+                        <a:rPr lang="en-US" sz="1600" b="0" i="0" u="none" strike="noStrike">
+                          <a:solidFill>
+                            <a:srgbClr val="000000"/>
+                          </a:solidFill>
+                          <a:effectLst/>
+                          <a:latin typeface="Calibri" panose="020F0502020204030204" pitchFamily="34" charset="0"/>
+                        </a:rPr>
+                        <a:t>Sales</a:t>
+                      </a:r>
+                    </a:p>
+                  </a:txBody>
+                  <a:tcPr marL="14282" marR="14282" marT="14282" marB="0" anchor="b">
+                    <a:lnL w="6350" cap="flat" cmpd="sng" algn="ctr">
+                      <a:solidFill>
+                        <a:srgbClr val="000000"/>
+                      </a:solidFill>
+                      <a:prstDash val="solid"/>
+                      <a:round/>
+                      <a:headEnd type="none" w="med" len="med"/>
+                      <a:tailEnd type="none" w="med" len="med"/>
+                    </a:lnL>
+                    <a:lnR w="6350" cap="flat" cmpd="sng" algn="ctr">
+                      <a:solidFill>
+                        <a:srgbClr val="000000"/>
+                      </a:solidFill>
+                      <a:prstDash val="solid"/>
+                      <a:round/>
+                      <a:headEnd type="none" w="med" len="med"/>
+                      <a:tailEnd type="none" w="med" len="med"/>
+                    </a:lnR>
+                    <a:lnT w="6350" cap="flat" cmpd="sng" algn="ctr">
+                      <a:solidFill>
+                        <a:srgbClr val="000000"/>
+                      </a:solidFill>
+                      <a:prstDash val="solid"/>
+                      <a:round/>
+                      <a:headEnd type="none" w="med" len="med"/>
+                      <a:tailEnd type="none" w="med" len="med"/>
+                    </a:lnT>
+                    <a:lnB w="6350" cap="flat" cmpd="sng" algn="ctr">
+                      <a:solidFill>
+                        <a:srgbClr val="000000"/>
+                      </a:solidFill>
+                      <a:prstDash val="solid"/>
+                      <a:round/>
+                      <a:headEnd type="none" w="med" len="med"/>
+                      <a:tailEnd type="none" w="med" len="med"/>
+                    </a:lnB>
+                    <a:solidFill>
+                      <a:srgbClr val="FFF2CC"/>
+                    </a:solidFill>
+                  </a:tcPr>
+                </a:tc>
+                <a:extLst>
+                  <a:ext uri="{0D108BD9-81ED-4DB2-BD59-A6C34878D82A}">
+                    <a16:rowId xmlns:a16="http://schemas.microsoft.com/office/drawing/2014/main" val="3261910973"/>
+                  </a:ext>
+                </a:extLst>
+              </a:tr>
+              <a:tr h="285637">
+                <a:tc>
+                  <a:txBody>
+                    <a:bodyPr/>
+                    <a:lstStyle/>
+                    <a:p>
+                      <a:pPr algn="l" fontAlgn="b"/>
+                      <a:r>
+                        <a:rPr lang="en-US" sz="1600" b="0" i="0" u="none" strike="noStrike" dirty="0">
+                          <a:solidFill>
+                            <a:srgbClr val="000000"/>
+                          </a:solidFill>
+                          <a:effectLst/>
+                          <a:latin typeface="Calibri" panose="020F0502020204030204" pitchFamily="34" charset="0"/>
+                        </a:rPr>
+                        <a:t>January</a:t>
+                      </a:r>
+                    </a:p>
+                  </a:txBody>
+                  <a:tcPr marL="14282" marR="14282" marT="14282" marB="0" anchor="b">
+                    <a:lnL w="6350" cap="flat" cmpd="sng" algn="ctr">
+                      <a:solidFill>
+                        <a:srgbClr val="000000"/>
+                      </a:solidFill>
+                      <a:prstDash val="solid"/>
+                      <a:round/>
+                      <a:headEnd type="none" w="med" len="med"/>
+                      <a:tailEnd type="none" w="med" len="med"/>
+                    </a:lnL>
+                    <a:lnR w="6350" cap="flat" cmpd="sng" algn="ctr">
+                      <a:solidFill>
+                        <a:srgbClr val="000000"/>
+                      </a:solidFill>
+                      <a:prstDash val="solid"/>
+                      <a:round/>
+                      <a:headEnd type="none" w="med" len="med"/>
+                      <a:tailEnd type="none" w="med" len="med"/>
+                    </a:lnR>
+                    <a:lnT w="6350" cap="flat" cmpd="sng" algn="ctr">
+                      <a:solidFill>
+                        <a:srgbClr val="000000"/>
+                      </a:solidFill>
+                      <a:prstDash val="solid"/>
+                      <a:round/>
+                      <a:headEnd type="none" w="med" len="med"/>
+                      <a:tailEnd type="none" w="med" len="med"/>
+                    </a:lnT>
+                    <a:lnB w="6350" cap="flat" cmpd="sng" algn="ctr">
+                      <a:solidFill>
+                        <a:srgbClr val="000000"/>
+                      </a:solidFill>
+                      <a:prstDash val="solid"/>
+                      <a:round/>
+                      <a:headEnd type="none" w="med" len="med"/>
+                      <a:tailEnd type="none" w="med" len="med"/>
+                    </a:lnB>
+                    <a:solidFill>
+                      <a:srgbClr val="FFF2CC"/>
+                    </a:solidFill>
+                  </a:tcPr>
+                </a:tc>
+                <a:tc>
+                  <a:txBody>
+                    <a:bodyPr/>
+                    <a:lstStyle/>
+                    <a:p>
+                      <a:pPr algn="l" fontAlgn="b"/>
+                      <a:r>
+                        <a:rPr lang="en-US" sz="1600" b="0" i="0" u="none" strike="noStrike">
+                          <a:solidFill>
+                            <a:srgbClr val="000000"/>
+                          </a:solidFill>
+                          <a:effectLst/>
+                          <a:latin typeface="Calibri" panose="020F0502020204030204" pitchFamily="34" charset="0"/>
+                        </a:rPr>
+                        <a:t>Apples</a:t>
+                      </a:r>
+                    </a:p>
+                  </a:txBody>
+                  <a:tcPr marL="14282" marR="14282" marT="14282" marB="0" anchor="b">
+                    <a:lnL w="6350" cap="flat" cmpd="sng" algn="ctr">
+                      <a:solidFill>
+                        <a:srgbClr val="000000"/>
+                      </a:solidFill>
+                      <a:prstDash val="solid"/>
+                      <a:round/>
+                      <a:headEnd type="none" w="med" len="med"/>
+                      <a:tailEnd type="none" w="med" len="med"/>
+                    </a:lnL>
+                    <a:lnR w="6350" cap="flat" cmpd="sng" algn="ctr">
+                      <a:solidFill>
+                        <a:srgbClr val="000000"/>
+                      </a:solidFill>
+                      <a:prstDash val="solid"/>
+                      <a:round/>
+                      <a:headEnd type="none" w="med" len="med"/>
+                      <a:tailEnd type="none" w="med" len="med"/>
+                    </a:lnR>
+                    <a:lnT w="6350" cap="flat" cmpd="sng" algn="ctr">
+                      <a:solidFill>
+                        <a:srgbClr val="000000"/>
+                      </a:solidFill>
+                      <a:prstDash val="solid"/>
+                      <a:round/>
+                      <a:headEnd type="none" w="med" len="med"/>
+                      <a:tailEnd type="none" w="med" len="med"/>
+                    </a:lnT>
+                    <a:lnB w="6350" cap="flat" cmpd="sng" algn="ctr">
+                      <a:solidFill>
+                        <a:srgbClr val="000000"/>
+                      </a:solidFill>
+                      <a:prstDash val="solid"/>
+                      <a:round/>
+                      <a:headEnd type="none" w="med" len="med"/>
+                      <a:tailEnd type="none" w="med" len="med"/>
+                    </a:lnB>
+                    <a:solidFill>
+                      <a:srgbClr val="FFF2CC"/>
+                    </a:solidFill>
+                  </a:tcPr>
+                </a:tc>
+                <a:tc>
+                  <a:txBody>
+                    <a:bodyPr/>
+                    <a:lstStyle/>
+                    <a:p>
+                      <a:pPr algn="r" fontAlgn="b"/>
+                      <a:r>
+                        <a:rPr lang="en-US" sz="1600" b="0" i="0" u="none" strike="noStrike">
+                          <a:solidFill>
+                            <a:srgbClr val="000000"/>
+                          </a:solidFill>
+                          <a:effectLst/>
+                          <a:latin typeface="Calibri" panose="020F0502020204030204" pitchFamily="34" charset="0"/>
+                        </a:rPr>
+                        <a:t>3</a:t>
+                      </a:r>
+                    </a:p>
+                  </a:txBody>
+                  <a:tcPr marL="14282" marR="14282" marT="14282" marB="0" anchor="b">
+                    <a:lnL w="6350" cap="flat" cmpd="sng" algn="ctr">
+                      <a:solidFill>
+                        <a:srgbClr val="000000"/>
+                      </a:solidFill>
+                      <a:prstDash val="solid"/>
+                      <a:round/>
+                      <a:headEnd type="none" w="med" len="med"/>
+                      <a:tailEnd type="none" w="med" len="med"/>
+                    </a:lnL>
+                    <a:lnR w="6350" cap="flat" cmpd="sng" algn="ctr">
+                      <a:solidFill>
+                        <a:srgbClr val="000000"/>
+                      </a:solidFill>
+                      <a:prstDash val="solid"/>
+                      <a:round/>
+                      <a:headEnd type="none" w="med" len="med"/>
+                      <a:tailEnd type="none" w="med" len="med"/>
+                    </a:lnR>
+                    <a:lnT w="6350" cap="flat" cmpd="sng" algn="ctr">
+                      <a:solidFill>
+                        <a:srgbClr val="000000"/>
+                      </a:solidFill>
+                      <a:prstDash val="solid"/>
+                      <a:round/>
+                      <a:headEnd type="none" w="med" len="med"/>
+                      <a:tailEnd type="none" w="med" len="med"/>
+                    </a:lnT>
+                    <a:lnB w="6350" cap="flat" cmpd="sng" algn="ctr">
+                      <a:solidFill>
+                        <a:srgbClr val="000000"/>
+                      </a:solidFill>
+                      <a:prstDash val="solid"/>
+                      <a:round/>
+                      <a:headEnd type="none" w="med" len="med"/>
+                      <a:tailEnd type="none" w="med" len="med"/>
+                    </a:lnB>
+                    <a:solidFill>
+                      <a:srgbClr val="FFF2CC"/>
+                    </a:solidFill>
+                  </a:tcPr>
+                </a:tc>
+                <a:extLst>
+                  <a:ext uri="{0D108BD9-81ED-4DB2-BD59-A6C34878D82A}">
+                    <a16:rowId xmlns:a16="http://schemas.microsoft.com/office/drawing/2014/main" val="1349913074"/>
+                  </a:ext>
+                </a:extLst>
+              </a:tr>
+              <a:tr h="285637">
+                <a:tc>
+                  <a:txBody>
+                    <a:bodyPr/>
+                    <a:lstStyle/>
+                    <a:p>
+                      <a:pPr algn="l" fontAlgn="b"/>
+                      <a:r>
+                        <a:rPr lang="en-US" sz="1600" b="0" i="0" u="none" strike="noStrike">
+                          <a:solidFill>
+                            <a:srgbClr val="000000"/>
+                          </a:solidFill>
+                          <a:effectLst/>
+                          <a:latin typeface="Calibri" panose="020F0502020204030204" pitchFamily="34" charset="0"/>
+                        </a:rPr>
+                        <a:t>January</a:t>
+                      </a:r>
+                    </a:p>
+                  </a:txBody>
+                  <a:tcPr marL="14282" marR="14282" marT="14282" marB="0" anchor="b">
+                    <a:lnL w="6350" cap="flat" cmpd="sng" algn="ctr">
+                      <a:solidFill>
+                        <a:srgbClr val="000000"/>
+                      </a:solidFill>
+                      <a:prstDash val="solid"/>
+                      <a:round/>
+                      <a:headEnd type="none" w="med" len="med"/>
+                      <a:tailEnd type="none" w="med" len="med"/>
+                    </a:lnL>
+                    <a:lnR w="6350" cap="flat" cmpd="sng" algn="ctr">
+                      <a:solidFill>
+                        <a:srgbClr val="000000"/>
+                      </a:solidFill>
+                      <a:prstDash val="solid"/>
+                      <a:round/>
+                      <a:headEnd type="none" w="med" len="med"/>
+                      <a:tailEnd type="none" w="med" len="med"/>
+                    </a:lnR>
+                    <a:lnT w="6350" cap="flat" cmpd="sng" algn="ctr">
+                      <a:solidFill>
+                        <a:srgbClr val="000000"/>
+                      </a:solidFill>
+                      <a:prstDash val="solid"/>
+                      <a:round/>
+                      <a:headEnd type="none" w="med" len="med"/>
+                      <a:tailEnd type="none" w="med" len="med"/>
+                    </a:lnT>
+                    <a:lnB w="6350" cap="flat" cmpd="sng" algn="ctr">
+                      <a:solidFill>
+                        <a:srgbClr val="000000"/>
+                      </a:solidFill>
+                      <a:prstDash val="solid"/>
+                      <a:round/>
+                      <a:headEnd type="none" w="med" len="med"/>
+                      <a:tailEnd type="none" w="med" len="med"/>
+                    </a:lnB>
+                    <a:solidFill>
+                      <a:srgbClr val="FFF2CC"/>
+                    </a:solidFill>
+                  </a:tcPr>
+                </a:tc>
+                <a:tc>
+                  <a:txBody>
+                    <a:bodyPr/>
+                    <a:lstStyle/>
+                    <a:p>
+                      <a:pPr algn="l" fontAlgn="b"/>
+                      <a:r>
+                        <a:rPr lang="en-US" sz="1600" b="0" i="0" u="none" strike="noStrike">
+                          <a:solidFill>
+                            <a:srgbClr val="000000"/>
+                          </a:solidFill>
+                          <a:effectLst/>
+                          <a:latin typeface="Calibri" panose="020F0502020204030204" pitchFamily="34" charset="0"/>
+                        </a:rPr>
+                        <a:t>Bananas</a:t>
+                      </a:r>
+                    </a:p>
+                  </a:txBody>
+                  <a:tcPr marL="14282" marR="14282" marT="14282" marB="0" anchor="b">
+                    <a:lnL w="6350" cap="flat" cmpd="sng" algn="ctr">
+                      <a:solidFill>
+                        <a:srgbClr val="000000"/>
+                      </a:solidFill>
+                      <a:prstDash val="solid"/>
+                      <a:round/>
+                      <a:headEnd type="none" w="med" len="med"/>
+                      <a:tailEnd type="none" w="med" len="med"/>
+                    </a:lnL>
+                    <a:lnR w="6350" cap="flat" cmpd="sng" algn="ctr">
+                      <a:solidFill>
+                        <a:srgbClr val="000000"/>
+                      </a:solidFill>
+                      <a:prstDash val="solid"/>
+                      <a:round/>
+                      <a:headEnd type="none" w="med" len="med"/>
+                      <a:tailEnd type="none" w="med" len="med"/>
+                    </a:lnR>
+                    <a:lnT w="6350" cap="flat" cmpd="sng" algn="ctr">
+                      <a:solidFill>
+                        <a:srgbClr val="000000"/>
+                      </a:solidFill>
+                      <a:prstDash val="solid"/>
+                      <a:round/>
+                      <a:headEnd type="none" w="med" len="med"/>
+                      <a:tailEnd type="none" w="med" len="med"/>
+                    </a:lnT>
+                    <a:lnB w="6350" cap="flat" cmpd="sng" algn="ctr">
+                      <a:solidFill>
+                        <a:srgbClr val="000000"/>
+                      </a:solidFill>
+                      <a:prstDash val="solid"/>
+                      <a:round/>
+                      <a:headEnd type="none" w="med" len="med"/>
+                      <a:tailEnd type="none" w="med" len="med"/>
+                    </a:lnB>
+                    <a:solidFill>
+                      <a:srgbClr val="FFF2CC"/>
+                    </a:solidFill>
+                  </a:tcPr>
+                </a:tc>
+                <a:tc>
+                  <a:txBody>
+                    <a:bodyPr/>
+                    <a:lstStyle/>
+                    <a:p>
+                      <a:pPr algn="r" fontAlgn="b"/>
+                      <a:r>
+                        <a:rPr lang="en-US" sz="1600" b="0" i="0" u="none" strike="noStrike">
+                          <a:solidFill>
+                            <a:srgbClr val="000000"/>
+                          </a:solidFill>
+                          <a:effectLst/>
+                          <a:latin typeface="Calibri" panose="020F0502020204030204" pitchFamily="34" charset="0"/>
+                        </a:rPr>
+                        <a:t>2</a:t>
+                      </a:r>
+                    </a:p>
+                  </a:txBody>
+                  <a:tcPr marL="14282" marR="14282" marT="14282" marB="0" anchor="b">
+                    <a:lnL w="6350" cap="flat" cmpd="sng" algn="ctr">
+                      <a:solidFill>
+                        <a:srgbClr val="000000"/>
+                      </a:solidFill>
+                      <a:prstDash val="solid"/>
+                      <a:round/>
+                      <a:headEnd type="none" w="med" len="med"/>
+                      <a:tailEnd type="none" w="med" len="med"/>
+                    </a:lnL>
+                    <a:lnR w="6350" cap="flat" cmpd="sng" algn="ctr">
+                      <a:solidFill>
+                        <a:srgbClr val="000000"/>
+                      </a:solidFill>
+                      <a:prstDash val="solid"/>
+                      <a:round/>
+                      <a:headEnd type="none" w="med" len="med"/>
+                      <a:tailEnd type="none" w="med" len="med"/>
+                    </a:lnR>
+                    <a:lnT w="6350" cap="flat" cmpd="sng" algn="ctr">
+                      <a:solidFill>
+                        <a:srgbClr val="000000"/>
+                      </a:solidFill>
+                      <a:prstDash val="solid"/>
+                      <a:round/>
+                      <a:headEnd type="none" w="med" len="med"/>
+                      <a:tailEnd type="none" w="med" len="med"/>
+                    </a:lnT>
+                    <a:lnB w="6350" cap="flat" cmpd="sng" algn="ctr">
+                      <a:solidFill>
+                        <a:srgbClr val="000000"/>
+                      </a:solidFill>
+                      <a:prstDash val="solid"/>
+                      <a:round/>
+                      <a:headEnd type="none" w="med" len="med"/>
+                      <a:tailEnd type="none" w="med" len="med"/>
+                    </a:lnB>
+                    <a:solidFill>
+                      <a:srgbClr val="FFF2CC"/>
+                    </a:solidFill>
+                  </a:tcPr>
+                </a:tc>
+                <a:extLst>
+                  <a:ext uri="{0D108BD9-81ED-4DB2-BD59-A6C34878D82A}">
+                    <a16:rowId xmlns:a16="http://schemas.microsoft.com/office/drawing/2014/main" val="4264187183"/>
+                  </a:ext>
+                </a:extLst>
+              </a:tr>
+              <a:tr h="285637">
+                <a:tc>
+                  <a:txBody>
+                    <a:bodyPr/>
+                    <a:lstStyle/>
+                    <a:p>
+                      <a:pPr algn="l" fontAlgn="b"/>
+                      <a:r>
+                        <a:rPr lang="en-US" sz="1600" b="0" i="0" u="none" strike="noStrike">
+                          <a:solidFill>
+                            <a:srgbClr val="000000"/>
+                          </a:solidFill>
+                          <a:effectLst/>
+                          <a:latin typeface="Calibri" panose="020F0502020204030204" pitchFamily="34" charset="0"/>
+                        </a:rPr>
+                        <a:t>January</a:t>
+                      </a:r>
+                    </a:p>
+                  </a:txBody>
+                  <a:tcPr marL="14282" marR="14282" marT="14282" marB="0" anchor="b">
+                    <a:lnL w="6350" cap="flat" cmpd="sng" algn="ctr">
+                      <a:solidFill>
+                        <a:srgbClr val="000000"/>
+                      </a:solidFill>
+                      <a:prstDash val="solid"/>
+                      <a:round/>
+                      <a:headEnd type="none" w="med" len="med"/>
+                      <a:tailEnd type="none" w="med" len="med"/>
+                    </a:lnL>
+                    <a:lnR w="6350" cap="flat" cmpd="sng" algn="ctr">
+                      <a:solidFill>
+                        <a:srgbClr val="000000"/>
+                      </a:solidFill>
+                      <a:prstDash val="solid"/>
+                      <a:round/>
+                      <a:headEnd type="none" w="med" len="med"/>
+                      <a:tailEnd type="none" w="med" len="med"/>
+                    </a:lnR>
+                    <a:lnT w="6350" cap="flat" cmpd="sng" algn="ctr">
+                      <a:solidFill>
+                        <a:srgbClr val="000000"/>
+                      </a:solidFill>
+                      <a:prstDash val="solid"/>
+                      <a:round/>
+                      <a:headEnd type="none" w="med" len="med"/>
+                      <a:tailEnd type="none" w="med" len="med"/>
+                    </a:lnT>
+                    <a:lnB w="6350" cap="flat" cmpd="sng" algn="ctr">
+                      <a:solidFill>
+                        <a:srgbClr val="000000"/>
+                      </a:solidFill>
+                      <a:prstDash val="solid"/>
+                      <a:round/>
+                      <a:headEnd type="none" w="med" len="med"/>
+                      <a:tailEnd type="none" w="med" len="med"/>
+                    </a:lnB>
+                    <a:solidFill>
+                      <a:srgbClr val="FFF2CC"/>
+                    </a:solidFill>
+                  </a:tcPr>
+                </a:tc>
+                <a:tc>
+                  <a:txBody>
+                    <a:bodyPr/>
+                    <a:lstStyle/>
+                    <a:p>
+                      <a:pPr algn="l" fontAlgn="b"/>
+                      <a:r>
+                        <a:rPr lang="en-US" sz="1600" b="0" i="0" u="none" strike="noStrike">
+                          <a:solidFill>
+                            <a:srgbClr val="000000"/>
+                          </a:solidFill>
+                          <a:effectLst/>
+                          <a:latin typeface="Calibri" panose="020F0502020204030204" pitchFamily="34" charset="0"/>
+                        </a:rPr>
+                        <a:t>Grapes</a:t>
+                      </a:r>
+                    </a:p>
+                  </a:txBody>
+                  <a:tcPr marL="14282" marR="14282" marT="14282" marB="0" anchor="b">
+                    <a:lnL w="6350" cap="flat" cmpd="sng" algn="ctr">
+                      <a:solidFill>
+                        <a:srgbClr val="000000"/>
+                      </a:solidFill>
+                      <a:prstDash val="solid"/>
+                      <a:round/>
+                      <a:headEnd type="none" w="med" len="med"/>
+                      <a:tailEnd type="none" w="med" len="med"/>
+                    </a:lnL>
+                    <a:lnR w="6350" cap="flat" cmpd="sng" algn="ctr">
+                      <a:solidFill>
+                        <a:srgbClr val="000000"/>
+                      </a:solidFill>
+                      <a:prstDash val="solid"/>
+                      <a:round/>
+                      <a:headEnd type="none" w="med" len="med"/>
+                      <a:tailEnd type="none" w="med" len="med"/>
+                    </a:lnR>
+                    <a:lnT w="6350" cap="flat" cmpd="sng" algn="ctr">
+                      <a:solidFill>
+                        <a:srgbClr val="000000"/>
+                      </a:solidFill>
+                      <a:prstDash val="solid"/>
+                      <a:round/>
+                      <a:headEnd type="none" w="med" len="med"/>
+                      <a:tailEnd type="none" w="med" len="med"/>
+                    </a:lnT>
+                    <a:lnB w="6350" cap="flat" cmpd="sng" algn="ctr">
+                      <a:solidFill>
+                        <a:srgbClr val="000000"/>
+                      </a:solidFill>
+                      <a:prstDash val="solid"/>
+                      <a:round/>
+                      <a:headEnd type="none" w="med" len="med"/>
+                      <a:tailEnd type="none" w="med" len="med"/>
+                    </a:lnB>
+                    <a:solidFill>
+                      <a:srgbClr val="FFF2CC"/>
+                    </a:solidFill>
+                  </a:tcPr>
+                </a:tc>
+                <a:tc>
+                  <a:txBody>
+                    <a:bodyPr/>
+                    <a:lstStyle/>
+                    <a:p>
+                      <a:pPr algn="r" fontAlgn="b"/>
+                      <a:r>
+                        <a:rPr lang="en-US" sz="1600" b="0" i="0" u="none" strike="noStrike">
+                          <a:solidFill>
+                            <a:srgbClr val="000000"/>
+                          </a:solidFill>
+                          <a:effectLst/>
+                          <a:latin typeface="Calibri" panose="020F0502020204030204" pitchFamily="34" charset="0"/>
+                        </a:rPr>
+                        <a:t>4</a:t>
+                      </a:r>
+                    </a:p>
+                  </a:txBody>
+                  <a:tcPr marL="14282" marR="14282" marT="14282" marB="0" anchor="b">
+                    <a:lnL w="6350" cap="flat" cmpd="sng" algn="ctr">
+                      <a:solidFill>
+                        <a:srgbClr val="000000"/>
+                      </a:solidFill>
+                      <a:prstDash val="solid"/>
+                      <a:round/>
+                      <a:headEnd type="none" w="med" len="med"/>
+                      <a:tailEnd type="none" w="med" len="med"/>
+                    </a:lnL>
+                    <a:lnR w="6350" cap="flat" cmpd="sng" algn="ctr">
+                      <a:solidFill>
+                        <a:srgbClr val="000000"/>
+                      </a:solidFill>
+                      <a:prstDash val="solid"/>
+                      <a:round/>
+                      <a:headEnd type="none" w="med" len="med"/>
+                      <a:tailEnd type="none" w="med" len="med"/>
+                    </a:lnR>
+                    <a:lnT w="6350" cap="flat" cmpd="sng" algn="ctr">
+                      <a:solidFill>
+                        <a:srgbClr val="000000"/>
+                      </a:solidFill>
+                      <a:prstDash val="solid"/>
+                      <a:round/>
+                      <a:headEnd type="none" w="med" len="med"/>
+                      <a:tailEnd type="none" w="med" len="med"/>
+                    </a:lnT>
+                    <a:lnB w="6350" cap="flat" cmpd="sng" algn="ctr">
+                      <a:solidFill>
+                        <a:srgbClr val="000000"/>
+                      </a:solidFill>
+                      <a:prstDash val="solid"/>
+                      <a:round/>
+                      <a:headEnd type="none" w="med" len="med"/>
+                      <a:tailEnd type="none" w="med" len="med"/>
+                    </a:lnB>
+                    <a:solidFill>
+                      <a:srgbClr val="FFF2CC"/>
+                    </a:solidFill>
+                  </a:tcPr>
+                </a:tc>
+                <a:extLst>
+                  <a:ext uri="{0D108BD9-81ED-4DB2-BD59-A6C34878D82A}">
+                    <a16:rowId xmlns:a16="http://schemas.microsoft.com/office/drawing/2014/main" val="3500808790"/>
+                  </a:ext>
+                </a:extLst>
+              </a:tr>
+              <a:tr h="285637">
+                <a:tc>
+                  <a:txBody>
+                    <a:bodyPr/>
+                    <a:lstStyle/>
+                    <a:p>
+                      <a:pPr algn="l" fontAlgn="b"/>
+                      <a:r>
+                        <a:rPr lang="en-US" sz="1600" b="0" i="0" u="none" strike="noStrike">
+                          <a:solidFill>
+                            <a:srgbClr val="000000"/>
+                          </a:solidFill>
+                          <a:effectLst/>
+                          <a:latin typeface="Calibri" panose="020F0502020204030204" pitchFamily="34" charset="0"/>
+                        </a:rPr>
+                        <a:t>February</a:t>
+                      </a:r>
+                    </a:p>
+                  </a:txBody>
+                  <a:tcPr marL="14282" marR="14282" marT="14282" marB="0" anchor="b">
+                    <a:lnL w="6350" cap="flat" cmpd="sng" algn="ctr">
+                      <a:solidFill>
+                        <a:srgbClr val="000000"/>
+                      </a:solidFill>
+                      <a:prstDash val="solid"/>
+                      <a:round/>
+                      <a:headEnd type="none" w="med" len="med"/>
+                      <a:tailEnd type="none" w="med" len="med"/>
+                    </a:lnL>
+                    <a:lnR w="6350" cap="flat" cmpd="sng" algn="ctr">
+                      <a:solidFill>
+                        <a:srgbClr val="000000"/>
+                      </a:solidFill>
+                      <a:prstDash val="solid"/>
+                      <a:round/>
+                      <a:headEnd type="none" w="med" len="med"/>
+                      <a:tailEnd type="none" w="med" len="med"/>
+                    </a:lnR>
+                    <a:lnT w="6350" cap="flat" cmpd="sng" algn="ctr">
+                      <a:solidFill>
+                        <a:srgbClr val="000000"/>
+                      </a:solidFill>
+                      <a:prstDash val="solid"/>
+                      <a:round/>
+                      <a:headEnd type="none" w="med" len="med"/>
+                      <a:tailEnd type="none" w="med" len="med"/>
+                    </a:lnT>
+                    <a:lnB w="6350" cap="flat" cmpd="sng" algn="ctr">
+                      <a:solidFill>
+                        <a:srgbClr val="000000"/>
+                      </a:solidFill>
+                      <a:prstDash val="solid"/>
+                      <a:round/>
+                      <a:headEnd type="none" w="med" len="med"/>
+                      <a:tailEnd type="none" w="med" len="med"/>
+                    </a:lnB>
+                    <a:solidFill>
+                      <a:srgbClr val="FFF2CC"/>
+                    </a:solidFill>
+                  </a:tcPr>
+                </a:tc>
+                <a:tc>
+                  <a:txBody>
+                    <a:bodyPr/>
+                    <a:lstStyle/>
+                    <a:p>
+                      <a:pPr algn="l" fontAlgn="b"/>
+                      <a:r>
+                        <a:rPr lang="en-US" sz="1600" b="0" i="0" u="none" strike="noStrike">
+                          <a:solidFill>
+                            <a:srgbClr val="000000"/>
+                          </a:solidFill>
+                          <a:effectLst/>
+                          <a:latin typeface="Calibri" panose="020F0502020204030204" pitchFamily="34" charset="0"/>
+                        </a:rPr>
+                        <a:t>Apples</a:t>
+                      </a:r>
+                    </a:p>
+                  </a:txBody>
+                  <a:tcPr marL="14282" marR="14282" marT="14282" marB="0" anchor="b">
+                    <a:lnL w="6350" cap="flat" cmpd="sng" algn="ctr">
+                      <a:solidFill>
+                        <a:srgbClr val="000000"/>
+                      </a:solidFill>
+                      <a:prstDash val="solid"/>
+                      <a:round/>
+                      <a:headEnd type="none" w="med" len="med"/>
+                      <a:tailEnd type="none" w="med" len="med"/>
+                    </a:lnL>
+                    <a:lnR w="6350" cap="flat" cmpd="sng" algn="ctr">
+                      <a:solidFill>
+                        <a:srgbClr val="000000"/>
+                      </a:solidFill>
+                      <a:prstDash val="solid"/>
+                      <a:round/>
+                      <a:headEnd type="none" w="med" len="med"/>
+                      <a:tailEnd type="none" w="med" len="med"/>
+                    </a:lnR>
+                    <a:lnT w="6350" cap="flat" cmpd="sng" algn="ctr">
+                      <a:solidFill>
+                        <a:srgbClr val="000000"/>
+                      </a:solidFill>
+                      <a:prstDash val="solid"/>
+                      <a:round/>
+                      <a:headEnd type="none" w="med" len="med"/>
+                      <a:tailEnd type="none" w="med" len="med"/>
+                    </a:lnT>
+                    <a:lnB w="6350" cap="flat" cmpd="sng" algn="ctr">
+                      <a:solidFill>
+                        <a:srgbClr val="000000"/>
+                      </a:solidFill>
+                      <a:prstDash val="solid"/>
+                      <a:round/>
+                      <a:headEnd type="none" w="med" len="med"/>
+                      <a:tailEnd type="none" w="med" len="med"/>
+                    </a:lnB>
+                    <a:solidFill>
+                      <a:srgbClr val="FFF2CC"/>
+                    </a:solidFill>
+                  </a:tcPr>
+                </a:tc>
+                <a:tc>
+                  <a:txBody>
+                    <a:bodyPr/>
+                    <a:lstStyle/>
+                    <a:p>
+                      <a:pPr algn="r" fontAlgn="b"/>
+                      <a:r>
+                        <a:rPr lang="en-US" sz="1600" b="0" i="0" u="none" strike="noStrike">
+                          <a:solidFill>
+                            <a:srgbClr val="000000"/>
+                          </a:solidFill>
+                          <a:effectLst/>
+                          <a:latin typeface="Calibri" panose="020F0502020204030204" pitchFamily="34" charset="0"/>
+                        </a:rPr>
+                        <a:t>2</a:t>
+                      </a:r>
+                    </a:p>
+                  </a:txBody>
+                  <a:tcPr marL="14282" marR="14282" marT="14282" marB="0" anchor="b">
+                    <a:lnL w="6350" cap="flat" cmpd="sng" algn="ctr">
+                      <a:solidFill>
+                        <a:srgbClr val="000000"/>
+                      </a:solidFill>
+                      <a:prstDash val="solid"/>
+                      <a:round/>
+                      <a:headEnd type="none" w="med" len="med"/>
+                      <a:tailEnd type="none" w="med" len="med"/>
+                    </a:lnL>
+                    <a:lnR w="6350" cap="flat" cmpd="sng" algn="ctr">
+                      <a:solidFill>
+                        <a:srgbClr val="000000"/>
+                      </a:solidFill>
+                      <a:prstDash val="solid"/>
+                      <a:round/>
+                      <a:headEnd type="none" w="med" len="med"/>
+                      <a:tailEnd type="none" w="med" len="med"/>
+                    </a:lnR>
+                    <a:lnT w="6350" cap="flat" cmpd="sng" algn="ctr">
+                      <a:solidFill>
+                        <a:srgbClr val="000000"/>
+                      </a:solidFill>
+                      <a:prstDash val="solid"/>
+                      <a:round/>
+                      <a:headEnd type="none" w="med" len="med"/>
+                      <a:tailEnd type="none" w="med" len="med"/>
+                    </a:lnT>
+                    <a:lnB w="6350" cap="flat" cmpd="sng" algn="ctr">
+                      <a:solidFill>
+                        <a:srgbClr val="000000"/>
+                      </a:solidFill>
+                      <a:prstDash val="solid"/>
+                      <a:round/>
+                      <a:headEnd type="none" w="med" len="med"/>
+                      <a:tailEnd type="none" w="med" len="med"/>
+                    </a:lnB>
+                    <a:solidFill>
+                      <a:srgbClr val="FFF2CC"/>
+                    </a:solidFill>
+                  </a:tcPr>
+                </a:tc>
+                <a:extLst>
+                  <a:ext uri="{0D108BD9-81ED-4DB2-BD59-A6C34878D82A}">
+                    <a16:rowId xmlns:a16="http://schemas.microsoft.com/office/drawing/2014/main" val="2232234930"/>
+                  </a:ext>
+                </a:extLst>
+              </a:tr>
+              <a:tr h="285637">
+                <a:tc>
+                  <a:txBody>
+                    <a:bodyPr/>
+                    <a:lstStyle/>
+                    <a:p>
+                      <a:pPr algn="l" fontAlgn="b"/>
+                      <a:r>
+                        <a:rPr lang="en-US" sz="1600" b="0" i="0" u="none" strike="noStrike">
+                          <a:solidFill>
+                            <a:srgbClr val="000000"/>
+                          </a:solidFill>
+                          <a:effectLst/>
+                          <a:latin typeface="Calibri" panose="020F0502020204030204" pitchFamily="34" charset="0"/>
+                        </a:rPr>
+                        <a:t>February</a:t>
+                      </a:r>
+                    </a:p>
+                  </a:txBody>
+                  <a:tcPr marL="14282" marR="14282" marT="14282" marB="0" anchor="b">
+                    <a:lnL w="6350" cap="flat" cmpd="sng" algn="ctr">
+                      <a:solidFill>
+                        <a:srgbClr val="000000"/>
+                      </a:solidFill>
+                      <a:prstDash val="solid"/>
+                      <a:round/>
+                      <a:headEnd type="none" w="med" len="med"/>
+                      <a:tailEnd type="none" w="med" len="med"/>
+                    </a:lnL>
+                    <a:lnR w="6350" cap="flat" cmpd="sng" algn="ctr">
+                      <a:solidFill>
+                        <a:srgbClr val="000000"/>
+                      </a:solidFill>
+                      <a:prstDash val="solid"/>
+                      <a:round/>
+                      <a:headEnd type="none" w="med" len="med"/>
+                      <a:tailEnd type="none" w="med" len="med"/>
+                    </a:lnR>
+                    <a:lnT w="6350" cap="flat" cmpd="sng" algn="ctr">
+                      <a:solidFill>
+                        <a:srgbClr val="000000"/>
+                      </a:solidFill>
+                      <a:prstDash val="solid"/>
+                      <a:round/>
+                      <a:headEnd type="none" w="med" len="med"/>
+                      <a:tailEnd type="none" w="med" len="med"/>
+                    </a:lnT>
+                    <a:lnB w="6350" cap="flat" cmpd="sng" algn="ctr">
+                      <a:solidFill>
+                        <a:srgbClr val="000000"/>
+                      </a:solidFill>
+                      <a:prstDash val="solid"/>
+                      <a:round/>
+                      <a:headEnd type="none" w="med" len="med"/>
+                      <a:tailEnd type="none" w="med" len="med"/>
+                    </a:lnB>
+                    <a:solidFill>
+                      <a:srgbClr val="FFF2CC"/>
+                    </a:solidFill>
+                  </a:tcPr>
+                </a:tc>
+                <a:tc>
+                  <a:txBody>
+                    <a:bodyPr/>
+                    <a:lstStyle/>
+                    <a:p>
+                      <a:pPr algn="l" fontAlgn="b"/>
+                      <a:r>
+                        <a:rPr lang="en-US" sz="1600" b="0" i="0" u="none" strike="noStrike">
+                          <a:solidFill>
+                            <a:srgbClr val="000000"/>
+                          </a:solidFill>
+                          <a:effectLst/>
+                          <a:latin typeface="Calibri" panose="020F0502020204030204" pitchFamily="34" charset="0"/>
+                        </a:rPr>
+                        <a:t>Bananas</a:t>
+                      </a:r>
+                    </a:p>
+                  </a:txBody>
+                  <a:tcPr marL="14282" marR="14282" marT="14282" marB="0" anchor="b">
+                    <a:lnL w="6350" cap="flat" cmpd="sng" algn="ctr">
+                      <a:solidFill>
+                        <a:srgbClr val="000000"/>
+                      </a:solidFill>
+                      <a:prstDash val="solid"/>
+                      <a:round/>
+                      <a:headEnd type="none" w="med" len="med"/>
+                      <a:tailEnd type="none" w="med" len="med"/>
+                    </a:lnL>
+                    <a:lnR w="6350" cap="flat" cmpd="sng" algn="ctr">
+                      <a:solidFill>
+                        <a:srgbClr val="000000"/>
+                      </a:solidFill>
+                      <a:prstDash val="solid"/>
+                      <a:round/>
+                      <a:headEnd type="none" w="med" len="med"/>
+                      <a:tailEnd type="none" w="med" len="med"/>
+                    </a:lnR>
+                    <a:lnT w="6350" cap="flat" cmpd="sng" algn="ctr">
+                      <a:solidFill>
+                        <a:srgbClr val="000000"/>
+                      </a:solidFill>
+                      <a:prstDash val="solid"/>
+                      <a:round/>
+                      <a:headEnd type="none" w="med" len="med"/>
+                      <a:tailEnd type="none" w="med" len="med"/>
+                    </a:lnT>
+                    <a:lnB w="6350" cap="flat" cmpd="sng" algn="ctr">
+                      <a:solidFill>
+                        <a:srgbClr val="000000"/>
+                      </a:solidFill>
+                      <a:prstDash val="solid"/>
+                      <a:round/>
+                      <a:headEnd type="none" w="med" len="med"/>
+                      <a:tailEnd type="none" w="med" len="med"/>
+                    </a:lnB>
+                    <a:solidFill>
+                      <a:srgbClr val="FFF2CC"/>
+                    </a:solidFill>
+                  </a:tcPr>
+                </a:tc>
+                <a:tc>
+                  <a:txBody>
+                    <a:bodyPr/>
+                    <a:lstStyle/>
+                    <a:p>
+                      <a:pPr algn="r" fontAlgn="b"/>
+                      <a:r>
+                        <a:rPr lang="en-US" sz="1600" b="0" i="0" u="none" strike="noStrike">
+                          <a:solidFill>
+                            <a:srgbClr val="000000"/>
+                          </a:solidFill>
+                          <a:effectLst/>
+                          <a:latin typeface="Calibri" panose="020F0502020204030204" pitchFamily="34" charset="0"/>
+                        </a:rPr>
+                        <a:t>4</a:t>
+                      </a:r>
+                    </a:p>
+                  </a:txBody>
+                  <a:tcPr marL="14282" marR="14282" marT="14282" marB="0" anchor="b">
+                    <a:lnL w="6350" cap="flat" cmpd="sng" algn="ctr">
+                      <a:solidFill>
+                        <a:srgbClr val="000000"/>
+                      </a:solidFill>
+                      <a:prstDash val="solid"/>
+                      <a:round/>
+                      <a:headEnd type="none" w="med" len="med"/>
+                      <a:tailEnd type="none" w="med" len="med"/>
+                    </a:lnL>
+                    <a:lnR w="6350" cap="flat" cmpd="sng" algn="ctr">
+                      <a:solidFill>
+                        <a:srgbClr val="000000"/>
+                      </a:solidFill>
+                      <a:prstDash val="solid"/>
+                      <a:round/>
+                      <a:headEnd type="none" w="med" len="med"/>
+                      <a:tailEnd type="none" w="med" len="med"/>
+                    </a:lnR>
+                    <a:lnT w="6350" cap="flat" cmpd="sng" algn="ctr">
+                      <a:solidFill>
+                        <a:srgbClr val="000000"/>
+                      </a:solidFill>
+                      <a:prstDash val="solid"/>
+                      <a:round/>
+                      <a:headEnd type="none" w="med" len="med"/>
+                      <a:tailEnd type="none" w="med" len="med"/>
+                    </a:lnT>
+                    <a:lnB w="6350" cap="flat" cmpd="sng" algn="ctr">
+                      <a:solidFill>
+                        <a:srgbClr val="000000"/>
+                      </a:solidFill>
+                      <a:prstDash val="solid"/>
+                      <a:round/>
+                      <a:headEnd type="none" w="med" len="med"/>
+                      <a:tailEnd type="none" w="med" len="med"/>
+                    </a:lnB>
+                    <a:solidFill>
+                      <a:srgbClr val="FFF2CC"/>
+                    </a:solidFill>
+                  </a:tcPr>
+                </a:tc>
+                <a:extLst>
+                  <a:ext uri="{0D108BD9-81ED-4DB2-BD59-A6C34878D82A}">
+                    <a16:rowId xmlns:a16="http://schemas.microsoft.com/office/drawing/2014/main" val="3948876453"/>
+                  </a:ext>
+                </a:extLst>
+              </a:tr>
+              <a:tr h="285637">
+                <a:tc>
+                  <a:txBody>
+                    <a:bodyPr/>
+                    <a:lstStyle/>
+                    <a:p>
+                      <a:pPr algn="l" fontAlgn="b"/>
+                      <a:r>
+                        <a:rPr lang="en-US" sz="1600" b="0" i="0" u="none" strike="noStrike">
+                          <a:solidFill>
+                            <a:srgbClr val="000000"/>
+                          </a:solidFill>
+                          <a:effectLst/>
+                          <a:latin typeface="Calibri" panose="020F0502020204030204" pitchFamily="34" charset="0"/>
+                        </a:rPr>
+                        <a:t>February</a:t>
+                      </a:r>
+                    </a:p>
+                  </a:txBody>
+                  <a:tcPr marL="14282" marR="14282" marT="14282" marB="0" anchor="b">
+                    <a:lnL w="6350" cap="flat" cmpd="sng" algn="ctr">
+                      <a:solidFill>
+                        <a:srgbClr val="000000"/>
+                      </a:solidFill>
+                      <a:prstDash val="solid"/>
+                      <a:round/>
+                      <a:headEnd type="none" w="med" len="med"/>
+                      <a:tailEnd type="none" w="med" len="med"/>
+                    </a:lnL>
+                    <a:lnR w="6350" cap="flat" cmpd="sng" algn="ctr">
+                      <a:solidFill>
+                        <a:srgbClr val="000000"/>
+                      </a:solidFill>
+                      <a:prstDash val="solid"/>
+                      <a:round/>
+                      <a:headEnd type="none" w="med" len="med"/>
+                      <a:tailEnd type="none" w="med" len="med"/>
+                    </a:lnR>
+                    <a:lnT w="6350" cap="flat" cmpd="sng" algn="ctr">
+                      <a:solidFill>
+                        <a:srgbClr val="000000"/>
+                      </a:solidFill>
+                      <a:prstDash val="solid"/>
+                      <a:round/>
+                      <a:headEnd type="none" w="med" len="med"/>
+                      <a:tailEnd type="none" w="med" len="med"/>
+                    </a:lnT>
+                    <a:lnB w="6350" cap="flat" cmpd="sng" algn="ctr">
+                      <a:solidFill>
+                        <a:srgbClr val="000000"/>
+                      </a:solidFill>
+                      <a:prstDash val="solid"/>
+                      <a:round/>
+                      <a:headEnd type="none" w="med" len="med"/>
+                      <a:tailEnd type="none" w="med" len="med"/>
+                    </a:lnB>
+                    <a:solidFill>
+                      <a:srgbClr val="FFF2CC"/>
+                    </a:solidFill>
+                  </a:tcPr>
+                </a:tc>
+                <a:tc>
+                  <a:txBody>
+                    <a:bodyPr/>
+                    <a:lstStyle/>
+                    <a:p>
+                      <a:pPr algn="l" fontAlgn="b"/>
+                      <a:r>
+                        <a:rPr lang="en-US" sz="1600" b="0" i="0" u="none" strike="noStrike">
+                          <a:solidFill>
+                            <a:srgbClr val="000000"/>
+                          </a:solidFill>
+                          <a:effectLst/>
+                          <a:latin typeface="Calibri" panose="020F0502020204030204" pitchFamily="34" charset="0"/>
+                        </a:rPr>
+                        <a:t>Grapes</a:t>
+                      </a:r>
+                    </a:p>
+                  </a:txBody>
+                  <a:tcPr marL="14282" marR="14282" marT="14282" marB="0" anchor="b">
+                    <a:lnL w="6350" cap="flat" cmpd="sng" algn="ctr">
+                      <a:solidFill>
+                        <a:srgbClr val="000000"/>
+                      </a:solidFill>
+                      <a:prstDash val="solid"/>
+                      <a:round/>
+                      <a:headEnd type="none" w="med" len="med"/>
+                      <a:tailEnd type="none" w="med" len="med"/>
+                    </a:lnL>
+                    <a:lnR w="6350" cap="flat" cmpd="sng" algn="ctr">
+                      <a:solidFill>
+                        <a:srgbClr val="000000"/>
+                      </a:solidFill>
+                      <a:prstDash val="solid"/>
+                      <a:round/>
+                      <a:headEnd type="none" w="med" len="med"/>
+                      <a:tailEnd type="none" w="med" len="med"/>
+                    </a:lnR>
+                    <a:lnT w="6350" cap="flat" cmpd="sng" algn="ctr">
+                      <a:solidFill>
+                        <a:srgbClr val="000000"/>
+                      </a:solidFill>
+                      <a:prstDash val="solid"/>
+                      <a:round/>
+                      <a:headEnd type="none" w="med" len="med"/>
+                      <a:tailEnd type="none" w="med" len="med"/>
+                    </a:lnT>
+                    <a:lnB w="6350" cap="flat" cmpd="sng" algn="ctr">
+                      <a:solidFill>
+                        <a:srgbClr val="000000"/>
+                      </a:solidFill>
+                      <a:prstDash val="solid"/>
+                      <a:round/>
+                      <a:headEnd type="none" w="med" len="med"/>
+                      <a:tailEnd type="none" w="med" len="med"/>
+                    </a:lnB>
+                    <a:solidFill>
+                      <a:srgbClr val="FFF2CC"/>
+                    </a:solidFill>
+                  </a:tcPr>
+                </a:tc>
+                <a:tc>
+                  <a:txBody>
+                    <a:bodyPr/>
+                    <a:lstStyle/>
+                    <a:p>
+                      <a:pPr algn="r" fontAlgn="b"/>
+                      <a:r>
+                        <a:rPr lang="en-US" sz="1600" b="0" i="0" u="none" strike="noStrike" dirty="0">
+                          <a:solidFill>
+                            <a:srgbClr val="000000"/>
+                          </a:solidFill>
+                          <a:effectLst/>
+                          <a:latin typeface="Calibri" panose="020F0502020204030204" pitchFamily="34" charset="0"/>
+                        </a:rPr>
+                        <a:t>3</a:t>
+                      </a:r>
+                    </a:p>
+                  </a:txBody>
+                  <a:tcPr marL="14282" marR="14282" marT="14282" marB="0" anchor="b">
+                    <a:lnL w="6350" cap="flat" cmpd="sng" algn="ctr">
+                      <a:solidFill>
+                        <a:srgbClr val="000000"/>
+                      </a:solidFill>
+                      <a:prstDash val="solid"/>
+                      <a:round/>
+                      <a:headEnd type="none" w="med" len="med"/>
+                      <a:tailEnd type="none" w="med" len="med"/>
+                    </a:lnL>
+                    <a:lnR w="6350" cap="flat" cmpd="sng" algn="ctr">
+                      <a:solidFill>
+                        <a:srgbClr val="000000"/>
+                      </a:solidFill>
+                      <a:prstDash val="solid"/>
+                      <a:round/>
+                      <a:headEnd type="none" w="med" len="med"/>
+                      <a:tailEnd type="none" w="med" len="med"/>
+                    </a:lnR>
+                    <a:lnT w="6350" cap="flat" cmpd="sng" algn="ctr">
+                      <a:solidFill>
+                        <a:srgbClr val="000000"/>
+                      </a:solidFill>
+                      <a:prstDash val="solid"/>
+                      <a:round/>
+                      <a:headEnd type="none" w="med" len="med"/>
+                      <a:tailEnd type="none" w="med" len="med"/>
+                    </a:lnT>
+                    <a:lnB w="6350" cap="flat" cmpd="sng" algn="ctr">
+                      <a:solidFill>
+                        <a:srgbClr val="000000"/>
+                      </a:solidFill>
+                      <a:prstDash val="solid"/>
+                      <a:round/>
+                      <a:headEnd type="none" w="med" len="med"/>
+                      <a:tailEnd type="none" w="med" len="med"/>
+                    </a:lnB>
+                    <a:solidFill>
+                      <a:srgbClr val="FFF2CC"/>
+                    </a:solidFill>
+                  </a:tcPr>
+                </a:tc>
+                <a:extLst>
+                  <a:ext uri="{0D108BD9-81ED-4DB2-BD59-A6C34878D82A}">
+                    <a16:rowId xmlns:a16="http://schemas.microsoft.com/office/drawing/2014/main" val="2978459179"/>
+                  </a:ext>
+                </a:extLst>
+              </a:tr>
+            </a:tbl>
+          </a:graphicData>
+        </a:graphic>
+      </p:graphicFrame>
+      <p:sp>
+        <p:nvSpPr>
+          <p:cNvPr id="10" name="Cross 9">
+            <a:extLst>
+              <a:ext uri="{FF2B5EF4-FFF2-40B4-BE49-F238E27FC236}">
+                <a16:creationId xmlns:a16="http://schemas.microsoft.com/office/drawing/2014/main" id="{1EA3ED11-A5B5-44A4-958F-2D3329D7C349}"/>
+              </a:ext>
+            </a:extLst>
+          </p:cNvPr>
+          <p:cNvSpPr/>
+          <p:nvPr/>
+        </p:nvSpPr>
+        <p:spPr>
+          <a:xfrm>
+            <a:off x="2209800" y="4182477"/>
+            <a:ext cx="304800" cy="304800"/>
+          </a:xfrm>
+          <a:prstGeom prst="plus">
+            <a:avLst/>
+          </a:prstGeom>
+        </p:spPr>
+        <p:style>
+          <a:lnRef idx="2">
+            <a:schemeClr val="accent1">
+              <a:shade val="50000"/>
+            </a:schemeClr>
+          </a:lnRef>
+          <a:fillRef idx="1">
+            <a:schemeClr val="accent1"/>
+          </a:fillRef>
+          <a:effectRef idx="0">
+            <a:schemeClr val="accent1"/>
+          </a:effectRef>
+          <a:fontRef idx="minor">
+            <a:schemeClr val="lt1"/>
+          </a:fontRef>
+        </p:style>
+        <p:txBody>
+          <a:bodyPr rtlCol="0" anchor="ctr"/>
+          <a:lstStyle/>
+          <a:p>
+            <a:pPr algn="ctr"/>
+            <a:endParaRPr lang="en-US"/>
+          </a:p>
+        </p:txBody>
+      </p:sp>
+      <p:sp>
+        <p:nvSpPr>
+          <p:cNvPr id="11" name="Arrow: Right 10">
+            <a:extLst>
+              <a:ext uri="{FF2B5EF4-FFF2-40B4-BE49-F238E27FC236}">
+                <a16:creationId xmlns:a16="http://schemas.microsoft.com/office/drawing/2014/main" id="{782ED074-22A4-44C0-870A-2B78D848F626}"/>
+              </a:ext>
+            </a:extLst>
+          </p:cNvPr>
+          <p:cNvSpPr/>
+          <p:nvPr/>
+        </p:nvSpPr>
+        <p:spPr>
+          <a:xfrm>
+            <a:off x="4038600" y="4074129"/>
+            <a:ext cx="990600" cy="540951"/>
+          </a:xfrm>
+          <a:prstGeom prst="rightArrow">
+            <a:avLst/>
+          </a:prstGeom>
+        </p:spPr>
+        <p:style>
+          <a:lnRef idx="2">
+            <a:schemeClr val="accent1">
+              <a:shade val="50000"/>
+            </a:schemeClr>
+          </a:lnRef>
+          <a:fillRef idx="1">
+            <a:schemeClr val="accent1"/>
+          </a:fillRef>
+          <a:effectRef idx="0">
+            <a:schemeClr val="accent1"/>
+          </a:effectRef>
+          <a:fontRef idx="minor">
+            <a:schemeClr val="lt1"/>
+          </a:fontRef>
+        </p:style>
+        <p:txBody>
+          <a:bodyPr rtlCol="0" anchor="ctr"/>
+          <a:lstStyle/>
+          <a:p>
+            <a:pPr algn="ctr"/>
+            <a:endParaRPr lang="en-US"/>
+          </a:p>
+        </p:txBody>
+      </p:sp>
     </p:spTree>
     <p:extLst>
       <p:ext uri="{BB962C8B-B14F-4D97-AF65-F5344CB8AC3E}">
@@ -16720,7 +20372,10 @@
           <a:bodyPr/>
           <a:lstStyle/>
           <a:p>
-            <a:endParaRPr lang="en-US"/>
+            <a:r>
+              <a:rPr lang="en-US" dirty="0"/>
+              <a:t>Provides data source details &amp; an overview of data &amp; structure</a:t>
+            </a:r>
           </a:p>
         </p:txBody>
       </p:sp>
@@ -16746,8 +20401,8 @@
         </p:blipFill>
         <p:spPr>
           <a:xfrm>
-            <a:off x="3630783" y="1838214"/>
-            <a:ext cx="7835076" cy="3648186"/>
+            <a:off x="5164377" y="2552290"/>
+            <a:ext cx="6301481" cy="2934110"/>
           </a:xfrm>
           <a:prstGeom prst="rect">
             <a:avLst/>
@@ -16776,8 +20431,8 @@
         </p:blipFill>
         <p:spPr>
           <a:xfrm>
-            <a:off x="914400" y="2637905"/>
-            <a:ext cx="4067743" cy="2934109"/>
+            <a:off x="1143000" y="3448455"/>
+            <a:ext cx="2924743" cy="2109650"/>
           </a:xfrm>
           <a:prstGeom prst="rect">
             <a:avLst/>
@@ -16858,12 +20513,32 @@
             <p:ph type="body" sz="quarter" idx="10"/>
           </p:nvPr>
         </p:nvSpPr>
-        <p:spPr/>
-        <p:txBody>
-          <a:bodyPr/>
-          <a:lstStyle/>
-          <a:p>
-            <a:endParaRPr lang="en-US"/>
+        <p:spPr>
+          <a:xfrm>
+            <a:off x="762000" y="1752600"/>
+            <a:ext cx="6324600" cy="3733800"/>
+          </a:xfrm>
+        </p:spPr>
+        <p:txBody>
+          <a:bodyPr/>
+          <a:lstStyle/>
+          <a:p>
+            <a:r>
+              <a:rPr lang="en-US" dirty="0"/>
+              <a:t>Data types are important!</a:t>
+            </a:r>
+          </a:p>
+          <a:p>
+            <a:r>
+              <a:rPr lang="en-US" dirty="0"/>
+              <a:t>May be wrong for certain data sources, e.g. text files</a:t>
+            </a:r>
+          </a:p>
+          <a:p>
+            <a:r>
+              <a:rPr lang="en-US" dirty="0"/>
+              <a:t>Can be adjusted in the preview pane, cleaning steps, join steps, etc. </a:t>
+            </a:r>
           </a:p>
         </p:txBody>
       </p:sp>
@@ -16889,8 +20564,8 @@
         </p:blipFill>
         <p:spPr>
           <a:xfrm>
-            <a:off x="6553200" y="1597025"/>
-            <a:ext cx="5006678" cy="3386461"/>
+            <a:off x="7161556" y="1597025"/>
+            <a:ext cx="4398321" cy="2974975"/>
           </a:xfrm>
           <a:prstGeom prst="rect">
             <a:avLst/>
@@ -16919,7 +20594,7 @@
         </p:blipFill>
         <p:spPr>
           <a:xfrm>
-            <a:off x="4203687" y="4194534"/>
+            <a:off x="6705600" y="4727575"/>
             <a:ext cx="2219635" cy="1438476"/>
           </a:xfrm>
           <a:prstGeom prst="rect">
@@ -16985,37 +20660,12 @@
           </a:p>
         </p:txBody>
       </p:sp>
-      <p:sp>
-        <p:nvSpPr>
-          <p:cNvPr id="5" name="Text Placeholder 4">
+      <p:pic>
+        <p:nvPicPr>
+          <p:cNvPr id="2" name="Picture 1">
             <a:extLst>
               <a:ext uri="{FF2B5EF4-FFF2-40B4-BE49-F238E27FC236}">
-                <a16:creationId xmlns:a16="http://schemas.microsoft.com/office/drawing/2014/main" id="{E58320FB-0799-468C-8509-360D696BCBBE}"/>
-              </a:ext>
-            </a:extLst>
-          </p:cNvPr>
-          <p:cNvSpPr>
-            <a:spLocks noGrp="1"/>
-          </p:cNvSpPr>
-          <p:nvPr>
-            <p:ph type="body" sz="quarter" idx="10"/>
-          </p:nvPr>
-        </p:nvSpPr>
-        <p:spPr/>
-        <p:txBody>
-          <a:bodyPr/>
-          <a:lstStyle/>
-          <a:p>
-            <a:endParaRPr lang="en-US"/>
-          </a:p>
-        </p:txBody>
-      </p:sp>
-      <p:pic>
-        <p:nvPicPr>
-          <p:cNvPr id="6" name="Picture 5">
-            <a:extLst>
-              <a:ext uri="{FF2B5EF4-FFF2-40B4-BE49-F238E27FC236}">
-                <a16:creationId xmlns:a16="http://schemas.microsoft.com/office/drawing/2014/main" id="{8B0AB2DC-9C15-4489-A40C-A9BB85866AAB}"/>
+                <a16:creationId xmlns:a16="http://schemas.microsoft.com/office/drawing/2014/main" id="{597077CE-6798-4745-8A87-A76386D1A81A}"/>
               </a:ext>
             </a:extLst>
           </p:cNvPr>
@@ -17032,7 +20682,88 @@
         </p:blipFill>
         <p:spPr>
           <a:xfrm>
-            <a:off x="7467600" y="1905000"/>
+            <a:off x="8543925" y="457200"/>
+            <a:ext cx="2905530" cy="2953162"/>
+          </a:xfrm>
+          <a:prstGeom prst="rect">
+            <a:avLst/>
+          </a:prstGeom>
+        </p:spPr>
+      </p:pic>
+      <p:sp>
+        <p:nvSpPr>
+          <p:cNvPr id="5" name="Text Placeholder 4">
+            <a:extLst>
+              <a:ext uri="{FF2B5EF4-FFF2-40B4-BE49-F238E27FC236}">
+                <a16:creationId xmlns:a16="http://schemas.microsoft.com/office/drawing/2014/main" id="{E58320FB-0799-468C-8509-360D696BCBBE}"/>
+              </a:ext>
+            </a:extLst>
+          </p:cNvPr>
+          <p:cNvSpPr>
+            <a:spLocks noGrp="1"/>
+          </p:cNvSpPr>
+          <p:nvPr>
+            <p:ph type="body" sz="quarter" idx="10"/>
+          </p:nvPr>
+        </p:nvSpPr>
+        <p:spPr>
+          <a:xfrm>
+            <a:off x="762000" y="1752600"/>
+            <a:ext cx="7620000" cy="3733800"/>
+          </a:xfrm>
+        </p:spPr>
+        <p:txBody>
+          <a:bodyPr/>
+          <a:lstStyle/>
+          <a:p>
+            <a:r>
+              <a:rPr lang="en-US" dirty="0"/>
+              <a:t>Prep Builder keeps track of your changes</a:t>
+            </a:r>
+          </a:p>
+          <a:p>
+            <a:r>
+              <a:rPr lang="en-US" dirty="0"/>
+              <a:t>A record of the transformations that will be performed when the flow is executed</a:t>
+            </a:r>
+          </a:p>
+          <a:p>
+            <a:r>
+              <a:rPr lang="en-US" dirty="0"/>
+              <a:t>Visible for individual fields and entire steps</a:t>
+            </a:r>
+          </a:p>
+          <a:p>
+            <a:r>
+              <a:rPr lang="en-US" dirty="0"/>
+              <a:t>Can be reordered, edited, and deleted</a:t>
+            </a:r>
+          </a:p>
+        </p:txBody>
+      </p:sp>
+      <p:pic>
+        <p:nvPicPr>
+          <p:cNvPr id="6" name="Picture 5">
+            <a:extLst>
+              <a:ext uri="{FF2B5EF4-FFF2-40B4-BE49-F238E27FC236}">
+                <a16:creationId xmlns:a16="http://schemas.microsoft.com/office/drawing/2014/main" id="{8B0AB2DC-9C15-4489-A40C-A9BB85866AAB}"/>
+              </a:ext>
+            </a:extLst>
+          </p:cNvPr>
+          <p:cNvPicPr>
+            <a:picLocks noChangeAspect="1"/>
+          </p:cNvPicPr>
+          <p:nvPr/>
+        </p:nvPicPr>
+        <p:blipFill>
+          <a:blip r:embed="rId4"/>
+          <a:stretch>
+            <a:fillRect/>
+          </a:stretch>
+        </p:blipFill>
+        <p:spPr>
+          <a:xfrm>
+            <a:off x="8519606" y="3470158"/>
             <a:ext cx="943107" cy="847843"/>
           </a:xfrm>
           <a:prstGeom prst="rect">
@@ -17055,14 +20786,14 @@
           <p:nvPr/>
         </p:nvPicPr>
         <p:blipFill>
-          <a:blip r:embed="rId4"/>
+          <a:blip r:embed="rId5"/>
           <a:stretch>
             <a:fillRect/>
           </a:stretch>
         </p:blipFill>
         <p:spPr>
           <a:xfrm>
-            <a:off x="5033814" y="3109868"/>
+            <a:off x="8519606" y="4368261"/>
             <a:ext cx="2124371" cy="638264"/>
           </a:xfrm>
           <a:prstGeom prst="rect">
@@ -17085,14 +20816,14 @@
           <p:nvPr/>
         </p:nvPicPr>
         <p:blipFill>
-          <a:blip r:embed="rId5"/>
+          <a:blip r:embed="rId6"/>
           <a:stretch>
             <a:fillRect/>
           </a:stretch>
         </p:blipFill>
         <p:spPr>
           <a:xfrm>
-            <a:off x="6705600" y="3863366"/>
+            <a:off x="8543925" y="5082725"/>
             <a:ext cx="1086002" cy="504895"/>
           </a:xfrm>
           <a:prstGeom prst="rect">
@@ -17179,12 +20910,26 @@
             <p:ph type="body" sz="quarter" idx="10"/>
           </p:nvPr>
         </p:nvSpPr>
-        <p:spPr/>
-        <p:txBody>
-          <a:bodyPr/>
-          <a:lstStyle/>
-          <a:p>
-            <a:endParaRPr lang="en-US" dirty="0"/>
+        <p:spPr>
+          <a:xfrm>
+            <a:off x="762000" y="1752600"/>
+            <a:ext cx="7239000" cy="3733800"/>
+          </a:xfrm>
+        </p:spPr>
+        <p:txBody>
+          <a:bodyPr/>
+          <a:lstStyle/>
+          <a:p>
+            <a:r>
+              <a:rPr lang="en-US" dirty="0"/>
+              <a:t>Union depends on like field names, similar data types</a:t>
+            </a:r>
+          </a:p>
+          <a:p>
+            <a:r>
+              <a:rPr lang="en-US" dirty="0"/>
+              <a:t>If two tables don’t align, the union step shows that you have mismatched fields</a:t>
+            </a:r>
           </a:p>
         </p:txBody>
       </p:sp>
@@ -17211,7 +20956,7 @@
         </p:blipFill>
         <p:spPr>
           <a:xfrm>
-            <a:off x="6705600" y="1650813"/>
+            <a:off x="8235437" y="1737157"/>
             <a:ext cx="3191320" cy="1467055"/>
           </a:xfrm>
           <a:prstGeom prst="rect">
@@ -17242,7 +20987,7 @@
         </p:blipFill>
         <p:spPr>
           <a:xfrm>
-            <a:off x="3276600" y="3037186"/>
+            <a:off x="8210101" y="3740133"/>
             <a:ext cx="3219899" cy="457264"/>
           </a:xfrm>
           <a:prstGeom prst="rect">
@@ -17324,12 +21069,48 @@
             <p:ph type="body" sz="quarter" idx="10"/>
           </p:nvPr>
         </p:nvSpPr>
-        <p:spPr/>
-        <p:txBody>
-          <a:bodyPr/>
-          <a:lstStyle/>
-          <a:p>
-            <a:endParaRPr lang="en-US"/>
+        <p:spPr>
+          <a:xfrm>
+            <a:off x="762000" y="1752600"/>
+            <a:ext cx="6590329" cy="3733800"/>
+          </a:xfrm>
+        </p:spPr>
+        <p:txBody>
+          <a:bodyPr/>
+          <a:lstStyle/>
+          <a:p>
+            <a:r>
+              <a:rPr lang="en-US" dirty="0"/>
+              <a:t>Multiple strategies:</a:t>
+            </a:r>
+          </a:p>
+          <a:p>
+            <a:pPr lvl="1"/>
+            <a:r>
+              <a:rPr lang="en-US" dirty="0"/>
+              <a:t>Rename fields in the data sources</a:t>
+            </a:r>
+          </a:p>
+          <a:p>
+            <a:pPr lvl="1"/>
+            <a:r>
+              <a:rPr lang="en-US" dirty="0"/>
+              <a:t>Rename fields in a subsequent step (including the union step itself)</a:t>
+            </a:r>
+          </a:p>
+          <a:p>
+            <a:pPr lvl="1"/>
+            <a:r>
+              <a:rPr lang="en-US" dirty="0"/>
+              <a:t>Drag &amp; drop to merge fields in the union step</a:t>
+            </a:r>
+          </a:p>
+          <a:p>
+            <a:pPr lvl="1"/>
+            <a:r>
+              <a:rPr lang="en-US" dirty="0"/>
+              <a:t>Use “mismatched fields” feature</a:t>
+            </a:r>
           </a:p>
         </p:txBody>
       </p:sp>
@@ -17355,8 +21136,8 @@
         </p:blipFill>
         <p:spPr>
           <a:xfrm>
-            <a:off x="7086600" y="1752600"/>
-            <a:ext cx="4058216" cy="3524742"/>
+            <a:off x="7352329" y="228600"/>
+            <a:ext cx="2719722" cy="2362200"/>
           </a:xfrm>
           <a:prstGeom prst="rect">
             <a:avLst/>
@@ -17385,8 +21166,8 @@
         </p:blipFill>
         <p:spPr>
           <a:xfrm>
-            <a:off x="5048104" y="1514208"/>
-            <a:ext cx="2095792" cy="3829584"/>
+            <a:off x="9634268" y="2133600"/>
+            <a:ext cx="1756821" cy="3210192"/>
           </a:xfrm>
           <a:prstGeom prst="rect">
             <a:avLst/>
@@ -17415,7 +21196,7 @@
         </p:blipFill>
         <p:spPr>
           <a:xfrm>
-            <a:off x="1593055" y="4250745"/>
+            <a:off x="6934200" y="4267201"/>
             <a:ext cx="3000794" cy="990738"/>
           </a:xfrm>
           <a:prstGeom prst="rect">
@@ -17455,56 +21236,6 @@
       </p:grpSpPr>
       <p:sp>
         <p:nvSpPr>
-          <p:cNvPr id="2" name="Subtitle 1">
-            <a:extLst>
-              <a:ext uri="{FF2B5EF4-FFF2-40B4-BE49-F238E27FC236}">
-                <a16:creationId xmlns:a16="http://schemas.microsoft.com/office/drawing/2014/main" id="{10E586FF-BE6A-8841-8761-0711CC85F918}"/>
-              </a:ext>
-            </a:extLst>
-          </p:cNvPr>
-          <p:cNvSpPr>
-            <a:spLocks noGrp="1"/>
-          </p:cNvSpPr>
-          <p:nvPr>
-            <p:ph type="subTitle" idx="1"/>
-          </p:nvPr>
-        </p:nvSpPr>
-        <p:spPr/>
-        <p:txBody>
-          <a:bodyPr/>
-          <a:lstStyle/>
-          <a:p>
-            <a:endParaRPr lang="en-US"/>
-          </a:p>
-        </p:txBody>
-      </p:sp>
-      <p:sp>
-        <p:nvSpPr>
-          <p:cNvPr id="3" name="Text Placeholder 2">
-            <a:extLst>
-              <a:ext uri="{FF2B5EF4-FFF2-40B4-BE49-F238E27FC236}">
-                <a16:creationId xmlns:a16="http://schemas.microsoft.com/office/drawing/2014/main" id="{8C9183B9-4A6F-934C-895F-94E4989F02C5}"/>
-              </a:ext>
-            </a:extLst>
-          </p:cNvPr>
-          <p:cNvSpPr>
-            <a:spLocks noGrp="1"/>
-          </p:cNvSpPr>
-          <p:nvPr>
-            <p:ph type="body" sz="quarter" idx="11"/>
-          </p:nvPr>
-        </p:nvSpPr>
-        <p:spPr/>
-        <p:txBody>
-          <a:bodyPr/>
-          <a:lstStyle/>
-          <a:p>
-            <a:endParaRPr lang="en-US"/>
-          </a:p>
-        </p:txBody>
-      </p:sp>
-      <p:sp>
-        <p:nvSpPr>
           <p:cNvPr id="4" name="Title 3">
             <a:extLst>
               <a:ext uri="{FF2B5EF4-FFF2-40B4-BE49-F238E27FC236}">
@@ -17536,6 +21267,108 @@
           </a:p>
         </p:txBody>
       </p:sp>
+      <p:sp>
+        <p:nvSpPr>
+          <p:cNvPr id="7" name="Text Placeholder 6">
+            <a:extLst>
+              <a:ext uri="{FF2B5EF4-FFF2-40B4-BE49-F238E27FC236}">
+                <a16:creationId xmlns:a16="http://schemas.microsoft.com/office/drawing/2014/main" id="{0789B2D4-A903-4A9F-A3FC-AF1E58BD40A7}"/>
+              </a:ext>
+            </a:extLst>
+          </p:cNvPr>
+          <p:cNvSpPr>
+            <a:spLocks noGrp="1"/>
+          </p:cNvSpPr>
+          <p:nvPr>
+            <p:ph type="body" sz="quarter" idx="10"/>
+          </p:nvPr>
+        </p:nvSpPr>
+        <p:spPr>
+          <a:xfrm>
+            <a:off x="762000" y="1752600"/>
+            <a:ext cx="7010400" cy="3733800"/>
+          </a:xfrm>
+        </p:spPr>
+        <p:txBody>
+          <a:bodyPr/>
+          <a:lstStyle/>
+          <a:p>
+            <a:r>
+              <a:rPr lang="en-US" dirty="0"/>
+              <a:t>Folder containing multiple files with same (or similar) schema</a:t>
+            </a:r>
+          </a:p>
+          <a:p>
+            <a:r>
+              <a:rPr lang="en-US" dirty="0"/>
+              <a:t>Select based on a pattern</a:t>
+            </a:r>
+          </a:p>
+          <a:p>
+            <a:endParaRPr lang="en-US" dirty="0"/>
+          </a:p>
+        </p:txBody>
+      </p:sp>
+      <p:pic>
+        <p:nvPicPr>
+          <p:cNvPr id="6" name="Picture 5">
+            <a:extLst>
+              <a:ext uri="{FF2B5EF4-FFF2-40B4-BE49-F238E27FC236}">
+                <a16:creationId xmlns:a16="http://schemas.microsoft.com/office/drawing/2014/main" id="{F5277A75-9C28-4083-B6CD-235C869E9010}"/>
+              </a:ext>
+            </a:extLst>
+          </p:cNvPr>
+          <p:cNvPicPr>
+            <a:picLocks noChangeAspect="1"/>
+          </p:cNvPicPr>
+          <p:nvPr/>
+        </p:nvPicPr>
+        <p:blipFill>
+          <a:blip r:embed="rId3"/>
+          <a:stretch>
+            <a:fillRect/>
+          </a:stretch>
+        </p:blipFill>
+        <p:spPr>
+          <a:xfrm>
+            <a:off x="7543800" y="306081"/>
+            <a:ext cx="3533415" cy="3124540"/>
+          </a:xfrm>
+          <a:prstGeom prst="rect">
+            <a:avLst/>
+          </a:prstGeom>
+        </p:spPr>
+      </p:pic>
+      <p:pic>
+        <p:nvPicPr>
+          <p:cNvPr id="8" name="Picture 7">
+            <a:extLst>
+              <a:ext uri="{FF2B5EF4-FFF2-40B4-BE49-F238E27FC236}">
+                <a16:creationId xmlns:a16="http://schemas.microsoft.com/office/drawing/2014/main" id="{49B805A1-7AB7-4F40-8BFA-FF99079205C4}"/>
+              </a:ext>
+            </a:extLst>
+          </p:cNvPr>
+          <p:cNvPicPr>
+            <a:picLocks noChangeAspect="1"/>
+          </p:cNvPicPr>
+          <p:nvPr/>
+        </p:nvPicPr>
+        <p:blipFill>
+          <a:blip r:embed="rId4"/>
+          <a:stretch>
+            <a:fillRect/>
+          </a:stretch>
+        </p:blipFill>
+        <p:spPr>
+          <a:xfrm>
+            <a:off x="8493573" y="1750978"/>
+            <a:ext cx="2959125" cy="3733801"/>
+          </a:xfrm>
+          <a:prstGeom prst="rect">
+            <a:avLst/>
+          </a:prstGeom>
+        </p:spPr>
+      </p:pic>
     </p:spTree>
     <p:extLst>
       <p:ext uri="{BB962C8B-B14F-4D97-AF65-F5344CB8AC3E}">
@@ -17568,56 +21401,6 @@
       </p:grpSpPr>
       <p:sp>
         <p:nvSpPr>
-          <p:cNvPr id="2" name="Subtitle 1">
-            <a:extLst>
-              <a:ext uri="{FF2B5EF4-FFF2-40B4-BE49-F238E27FC236}">
-                <a16:creationId xmlns:a16="http://schemas.microsoft.com/office/drawing/2014/main" id="{6AE0CC47-794E-4944-8D70-71842D295C85}"/>
-              </a:ext>
-            </a:extLst>
-          </p:cNvPr>
-          <p:cNvSpPr>
-            <a:spLocks noGrp="1"/>
-          </p:cNvSpPr>
-          <p:nvPr>
-            <p:ph type="subTitle" idx="1"/>
-          </p:nvPr>
-        </p:nvSpPr>
-        <p:spPr/>
-        <p:txBody>
-          <a:bodyPr/>
-          <a:lstStyle/>
-          <a:p>
-            <a:endParaRPr lang="en-US"/>
-          </a:p>
-        </p:txBody>
-      </p:sp>
-      <p:sp>
-        <p:nvSpPr>
-          <p:cNvPr id="3" name="Text Placeholder 2">
-            <a:extLst>
-              <a:ext uri="{FF2B5EF4-FFF2-40B4-BE49-F238E27FC236}">
-                <a16:creationId xmlns:a16="http://schemas.microsoft.com/office/drawing/2014/main" id="{E1C4BBA1-37CC-0F43-9299-BE1EE027FFEE}"/>
-              </a:ext>
-            </a:extLst>
-          </p:cNvPr>
-          <p:cNvSpPr>
-            <a:spLocks noGrp="1"/>
-          </p:cNvSpPr>
-          <p:nvPr>
-            <p:ph type="body" sz="quarter" idx="11"/>
-          </p:nvPr>
-        </p:nvSpPr>
-        <p:spPr/>
-        <p:txBody>
-          <a:bodyPr/>
-          <a:lstStyle/>
-          <a:p>
-            <a:endParaRPr lang="en-US"/>
-          </a:p>
-        </p:txBody>
-      </p:sp>
-      <p:sp>
-        <p:nvSpPr>
           <p:cNvPr id="4" name="Title 3">
             <a:extLst>
               <a:ext uri="{FF2B5EF4-FFF2-40B4-BE49-F238E27FC236}">
@@ -17644,6 +21427,67 @@
             <a:r>
               <a:rPr lang="en-US" baseline="0" dirty="0"/>
               <a:t> Better?</a:t>
+            </a:r>
+            <a:endParaRPr lang="en-US" dirty="0"/>
+          </a:p>
+        </p:txBody>
+      </p:sp>
+      <p:sp>
+        <p:nvSpPr>
+          <p:cNvPr id="5" name="Text Placeholder 4">
+            <a:extLst>
+              <a:ext uri="{FF2B5EF4-FFF2-40B4-BE49-F238E27FC236}">
+                <a16:creationId xmlns:a16="http://schemas.microsoft.com/office/drawing/2014/main" id="{755D2355-832A-48BC-8501-4AA723839B16}"/>
+              </a:ext>
+            </a:extLst>
+          </p:cNvPr>
+          <p:cNvSpPr>
+            <a:spLocks noGrp="1"/>
+          </p:cNvSpPr>
+          <p:nvPr>
+            <p:ph type="body" sz="quarter" idx="10"/>
+          </p:nvPr>
+        </p:nvSpPr>
+        <p:spPr/>
+        <p:txBody>
+          <a:bodyPr/>
+          <a:lstStyle/>
+          <a:p>
+            <a:r>
+              <a:rPr lang="en-US" dirty="0">
+                <a:sym typeface="Wingdings" panose="05000000000000000000" pitchFamily="2" charset="2"/>
+              </a:rPr>
+              <a:t>One-off or ongoing?</a:t>
+            </a:r>
+            <a:endParaRPr lang="en-US" dirty="0"/>
+          </a:p>
+          <a:p>
+            <a:r>
+              <a:rPr lang="en-US" dirty="0"/>
+              <a:t>Automated systems </a:t>
+            </a:r>
+            <a:r>
+              <a:rPr lang="en-US" dirty="0">
+                <a:sym typeface="Wingdings" panose="05000000000000000000" pitchFamily="2" charset="2"/>
+              </a:rPr>
+              <a:t> Identical files = Wildcard</a:t>
+            </a:r>
+          </a:p>
+          <a:p>
+            <a:r>
+              <a:rPr lang="en-US" dirty="0">
+                <a:sym typeface="Wingdings" panose="05000000000000000000" pitchFamily="2" charset="2"/>
+              </a:rPr>
+              <a:t>Ad hoc/manual data entry, disparate sources = judgement call</a:t>
+            </a:r>
+          </a:p>
+          <a:p>
+            <a:pPr lvl="1"/>
+            <a:r>
+              <a:rPr lang="en-US" dirty="0">
+                <a:sym typeface="Wingdings" panose="05000000000000000000" pitchFamily="2" charset="2"/>
+              </a:rPr>
+              <a:t>Wildcard may require so much tuning that it’s more work than manual</a:t>
             </a:r>
             <a:endParaRPr lang="en-US" dirty="0"/>
           </a:p>
@@ -17891,11 +21735,7 @@
           <a:p>
             <a:r>
               <a:rPr lang="en-US" dirty="0"/>
-              <a:t>Exercise 4.3: Refine a Wildcard UNION, pp. </a:t>
-            </a:r>
-            <a:r>
-              <a:rPr lang="en-US"/>
-              <a:t>47-48</a:t>
+              <a:t>Exercise 4.3: Refine a Wildcard UNION, pp. 47-48</a:t>
             </a:r>
           </a:p>
         </p:txBody>
@@ -17921,7 +21761,10 @@
           <a:bodyPr/>
           <a:lstStyle/>
           <a:p>
-            <a:endParaRPr lang="en-US"/>
+            <a:r>
+              <a:rPr lang="en-US" dirty="0"/>
+              <a:t>30 Minutes</a:t>
+            </a:r>
           </a:p>
         </p:txBody>
       </p:sp>
@@ -18043,56 +21886,6 @@
       </p:grpSpPr>
       <p:sp>
         <p:nvSpPr>
-          <p:cNvPr id="2" name="Subtitle 1">
-            <a:extLst>
-              <a:ext uri="{FF2B5EF4-FFF2-40B4-BE49-F238E27FC236}">
-                <a16:creationId xmlns:a16="http://schemas.microsoft.com/office/drawing/2014/main" id="{5F844C00-2365-8C42-9B8E-2EE752FA5167}"/>
-              </a:ext>
-            </a:extLst>
-          </p:cNvPr>
-          <p:cNvSpPr>
-            <a:spLocks noGrp="1"/>
-          </p:cNvSpPr>
-          <p:nvPr>
-            <p:ph type="subTitle" idx="1"/>
-          </p:nvPr>
-        </p:nvSpPr>
-        <p:spPr/>
-        <p:txBody>
-          <a:bodyPr/>
-          <a:lstStyle/>
-          <a:p>
-            <a:endParaRPr lang="en-US"/>
-          </a:p>
-        </p:txBody>
-      </p:sp>
-      <p:sp>
-        <p:nvSpPr>
-          <p:cNvPr id="3" name="Text Placeholder 2">
-            <a:extLst>
-              <a:ext uri="{FF2B5EF4-FFF2-40B4-BE49-F238E27FC236}">
-                <a16:creationId xmlns:a16="http://schemas.microsoft.com/office/drawing/2014/main" id="{CC5EDF85-B4DA-D74A-A46B-499695758923}"/>
-              </a:ext>
-            </a:extLst>
-          </p:cNvPr>
-          <p:cNvSpPr>
-            <a:spLocks noGrp="1"/>
-          </p:cNvSpPr>
-          <p:nvPr>
-            <p:ph type="body" sz="quarter" idx="11"/>
-          </p:nvPr>
-        </p:nvSpPr>
-        <p:spPr/>
-        <p:txBody>
-          <a:bodyPr/>
-          <a:lstStyle/>
-          <a:p>
-            <a:endParaRPr lang="en-US"/>
-          </a:p>
-        </p:txBody>
-      </p:sp>
-      <p:sp>
-        <p:nvSpPr>
           <p:cNvPr id="4" name="Title 3">
             <a:extLst>
               <a:ext uri="{FF2B5EF4-FFF2-40B4-BE49-F238E27FC236}">
@@ -18119,6 +21912,1440 @@
           </a:p>
         </p:txBody>
       </p:sp>
+      <p:sp>
+        <p:nvSpPr>
+          <p:cNvPr id="6" name="Text Placeholder 5">
+            <a:extLst>
+              <a:ext uri="{FF2B5EF4-FFF2-40B4-BE49-F238E27FC236}">
+                <a16:creationId xmlns:a16="http://schemas.microsoft.com/office/drawing/2014/main" id="{415B7C40-08E6-4C15-A785-615123170AFF}"/>
+              </a:ext>
+            </a:extLst>
+          </p:cNvPr>
+          <p:cNvSpPr>
+            <a:spLocks noGrp="1"/>
+          </p:cNvSpPr>
+          <p:nvPr>
+            <p:ph type="body" sz="quarter" idx="10"/>
+          </p:nvPr>
+        </p:nvSpPr>
+        <p:spPr/>
+        <p:txBody>
+          <a:bodyPr/>
+          <a:lstStyle/>
+          <a:p>
+            <a:r>
+              <a:rPr lang="en-US" dirty="0"/>
+              <a:t>Data structured in rows &amp; columns</a:t>
+            </a:r>
+          </a:p>
+          <a:p>
+            <a:r>
+              <a:rPr lang="en-US" dirty="0"/>
+              <a:t>Columns have: names, data types</a:t>
+            </a:r>
+          </a:p>
+          <a:p>
+            <a:pPr lvl="1"/>
+            <a:r>
+              <a:rPr lang="en-US" dirty="0"/>
+              <a:t>Define the schema of the table, do not (usually) change</a:t>
+            </a:r>
+          </a:p>
+          <a:p>
+            <a:r>
+              <a:rPr lang="en-US" dirty="0"/>
+              <a:t>Rows are records, i.e., collections of related data</a:t>
+            </a:r>
+          </a:p>
+          <a:p>
+            <a:r>
+              <a:rPr lang="en-US" dirty="0"/>
+              <a:t>A table </a:t>
+            </a:r>
+            <a:r>
+              <a:rPr lang="en-US" i="1" dirty="0"/>
+              <a:t>usually</a:t>
+            </a:r>
+            <a:r>
+              <a:rPr lang="en-US" dirty="0"/>
+              <a:t> corresponds to a specific entity, e.g., </a:t>
+            </a:r>
+            <a:r>
+              <a:rPr lang="en-US" i="1" dirty="0"/>
+              <a:t>customer, product, process</a:t>
+            </a:r>
+            <a:r>
+              <a:rPr lang="en-US" i="1"/>
+              <a:t>, location, etc.</a:t>
+            </a:r>
+            <a:endParaRPr lang="en-US" dirty="0"/>
+          </a:p>
+        </p:txBody>
+      </p:sp>
+      <p:graphicFrame>
+        <p:nvGraphicFramePr>
+          <p:cNvPr id="7" name="Table 6">
+            <a:extLst>
+              <a:ext uri="{FF2B5EF4-FFF2-40B4-BE49-F238E27FC236}">
+                <a16:creationId xmlns:a16="http://schemas.microsoft.com/office/drawing/2014/main" id="{002A68EA-F0F8-42CB-A20B-6821334A75E7}"/>
+              </a:ext>
+            </a:extLst>
+          </p:cNvPr>
+          <p:cNvGraphicFramePr>
+            <a:graphicFrameLocks noGrp="1"/>
+          </p:cNvGraphicFramePr>
+          <p:nvPr>
+            <p:extLst>
+              <p:ext uri="{D42A27DB-BD31-4B8C-83A1-F6EECF244321}">
+                <p14:modId xmlns:p14="http://schemas.microsoft.com/office/powerpoint/2010/main" val="12000701"/>
+              </p:ext>
+            </p:extLst>
+          </p:nvPr>
+        </p:nvGraphicFramePr>
+        <p:xfrm>
+          <a:off x="8687889" y="457200"/>
+          <a:ext cx="2742111" cy="1999459"/>
+        </p:xfrm>
+        <a:graphic>
+          <a:graphicData uri="http://schemas.openxmlformats.org/drawingml/2006/table">
+            <a:tbl>
+              <a:tblPr/>
+              <a:tblGrid>
+                <a:gridCol w="914037">
+                  <a:extLst>
+                    <a:ext uri="{9D8B030D-6E8A-4147-A177-3AD203B41FA5}">
+                      <a16:colId xmlns:a16="http://schemas.microsoft.com/office/drawing/2014/main" val="4135449657"/>
+                    </a:ext>
+                  </a:extLst>
+                </a:gridCol>
+                <a:gridCol w="914037">
+                  <a:extLst>
+                    <a:ext uri="{9D8B030D-6E8A-4147-A177-3AD203B41FA5}">
+                      <a16:colId xmlns:a16="http://schemas.microsoft.com/office/drawing/2014/main" val="2634468920"/>
+                    </a:ext>
+                  </a:extLst>
+                </a:gridCol>
+                <a:gridCol w="914037">
+                  <a:extLst>
+                    <a:ext uri="{9D8B030D-6E8A-4147-A177-3AD203B41FA5}">
+                      <a16:colId xmlns:a16="http://schemas.microsoft.com/office/drawing/2014/main" val="3482091738"/>
+                    </a:ext>
+                  </a:extLst>
+                </a:gridCol>
+              </a:tblGrid>
+              <a:tr h="285637">
+                <a:tc>
+                  <a:txBody>
+                    <a:bodyPr/>
+                    <a:lstStyle/>
+                    <a:p>
+                      <a:pPr algn="l" fontAlgn="b"/>
+                      <a:r>
+                        <a:rPr lang="en-US" sz="1600" b="0" i="0" u="none" strike="noStrike">
+                          <a:solidFill>
+                            <a:srgbClr val="000000"/>
+                          </a:solidFill>
+                          <a:effectLst/>
+                          <a:latin typeface="Calibri" panose="020F0502020204030204" pitchFamily="34" charset="0"/>
+                        </a:rPr>
+                        <a:t>Month</a:t>
+                      </a:r>
+                    </a:p>
+                  </a:txBody>
+                  <a:tcPr marL="14282" marR="14282" marT="14282" marB="0" anchor="b">
+                    <a:lnL w="6350" cap="flat" cmpd="sng" algn="ctr">
+                      <a:solidFill>
+                        <a:srgbClr val="000000"/>
+                      </a:solidFill>
+                      <a:prstDash val="solid"/>
+                      <a:round/>
+                      <a:headEnd type="none" w="med" len="med"/>
+                      <a:tailEnd type="none" w="med" len="med"/>
+                    </a:lnL>
+                    <a:lnR w="6350" cap="flat" cmpd="sng" algn="ctr">
+                      <a:solidFill>
+                        <a:srgbClr val="000000"/>
+                      </a:solidFill>
+                      <a:prstDash val="solid"/>
+                      <a:round/>
+                      <a:headEnd type="none" w="med" len="med"/>
+                      <a:tailEnd type="none" w="med" len="med"/>
+                    </a:lnR>
+                    <a:lnT w="6350" cap="flat" cmpd="sng" algn="ctr">
+                      <a:solidFill>
+                        <a:srgbClr val="000000"/>
+                      </a:solidFill>
+                      <a:prstDash val="solid"/>
+                      <a:round/>
+                      <a:headEnd type="none" w="med" len="med"/>
+                      <a:tailEnd type="none" w="med" len="med"/>
+                    </a:lnT>
+                    <a:lnB w="6350" cap="flat" cmpd="sng" algn="ctr">
+                      <a:solidFill>
+                        <a:srgbClr val="000000"/>
+                      </a:solidFill>
+                      <a:prstDash val="solid"/>
+                      <a:round/>
+                      <a:headEnd type="none" w="med" len="med"/>
+                      <a:tailEnd type="none" w="med" len="med"/>
+                    </a:lnB>
+                    <a:solidFill>
+                      <a:srgbClr val="FFF2CC"/>
+                    </a:solidFill>
+                  </a:tcPr>
+                </a:tc>
+                <a:tc>
+                  <a:txBody>
+                    <a:bodyPr/>
+                    <a:lstStyle/>
+                    <a:p>
+                      <a:pPr algn="l" fontAlgn="b"/>
+                      <a:r>
+                        <a:rPr lang="en-US" sz="1600" b="0" i="0" u="none" strike="noStrike">
+                          <a:solidFill>
+                            <a:srgbClr val="000000"/>
+                          </a:solidFill>
+                          <a:effectLst/>
+                          <a:latin typeface="Calibri" panose="020F0502020204030204" pitchFamily="34" charset="0"/>
+                        </a:rPr>
+                        <a:t>Product</a:t>
+                      </a:r>
+                    </a:p>
+                  </a:txBody>
+                  <a:tcPr marL="14282" marR="14282" marT="14282" marB="0" anchor="b">
+                    <a:lnL w="6350" cap="flat" cmpd="sng" algn="ctr">
+                      <a:solidFill>
+                        <a:srgbClr val="000000"/>
+                      </a:solidFill>
+                      <a:prstDash val="solid"/>
+                      <a:round/>
+                      <a:headEnd type="none" w="med" len="med"/>
+                      <a:tailEnd type="none" w="med" len="med"/>
+                    </a:lnL>
+                    <a:lnR w="6350" cap="flat" cmpd="sng" algn="ctr">
+                      <a:solidFill>
+                        <a:srgbClr val="000000"/>
+                      </a:solidFill>
+                      <a:prstDash val="solid"/>
+                      <a:round/>
+                      <a:headEnd type="none" w="med" len="med"/>
+                      <a:tailEnd type="none" w="med" len="med"/>
+                    </a:lnR>
+                    <a:lnT w="6350" cap="flat" cmpd="sng" algn="ctr">
+                      <a:solidFill>
+                        <a:srgbClr val="000000"/>
+                      </a:solidFill>
+                      <a:prstDash val="solid"/>
+                      <a:round/>
+                      <a:headEnd type="none" w="med" len="med"/>
+                      <a:tailEnd type="none" w="med" len="med"/>
+                    </a:lnT>
+                    <a:lnB w="6350" cap="flat" cmpd="sng" algn="ctr">
+                      <a:solidFill>
+                        <a:srgbClr val="000000"/>
+                      </a:solidFill>
+                      <a:prstDash val="solid"/>
+                      <a:round/>
+                      <a:headEnd type="none" w="med" len="med"/>
+                      <a:tailEnd type="none" w="med" len="med"/>
+                    </a:lnB>
+                    <a:solidFill>
+                      <a:srgbClr val="FFF2CC"/>
+                    </a:solidFill>
+                  </a:tcPr>
+                </a:tc>
+                <a:tc>
+                  <a:txBody>
+                    <a:bodyPr/>
+                    <a:lstStyle/>
+                    <a:p>
+                      <a:pPr algn="l" fontAlgn="b"/>
+                      <a:r>
+                        <a:rPr lang="en-US" sz="1600" b="0" i="0" u="none" strike="noStrike">
+                          <a:solidFill>
+                            <a:srgbClr val="000000"/>
+                          </a:solidFill>
+                          <a:effectLst/>
+                          <a:latin typeface="Calibri" panose="020F0502020204030204" pitchFamily="34" charset="0"/>
+                        </a:rPr>
+                        <a:t>Sales</a:t>
+                      </a:r>
+                    </a:p>
+                  </a:txBody>
+                  <a:tcPr marL="14282" marR="14282" marT="14282" marB="0" anchor="b">
+                    <a:lnL w="6350" cap="flat" cmpd="sng" algn="ctr">
+                      <a:solidFill>
+                        <a:srgbClr val="000000"/>
+                      </a:solidFill>
+                      <a:prstDash val="solid"/>
+                      <a:round/>
+                      <a:headEnd type="none" w="med" len="med"/>
+                      <a:tailEnd type="none" w="med" len="med"/>
+                    </a:lnL>
+                    <a:lnR w="6350" cap="flat" cmpd="sng" algn="ctr">
+                      <a:solidFill>
+                        <a:srgbClr val="000000"/>
+                      </a:solidFill>
+                      <a:prstDash val="solid"/>
+                      <a:round/>
+                      <a:headEnd type="none" w="med" len="med"/>
+                      <a:tailEnd type="none" w="med" len="med"/>
+                    </a:lnR>
+                    <a:lnT w="6350" cap="flat" cmpd="sng" algn="ctr">
+                      <a:solidFill>
+                        <a:srgbClr val="000000"/>
+                      </a:solidFill>
+                      <a:prstDash val="solid"/>
+                      <a:round/>
+                      <a:headEnd type="none" w="med" len="med"/>
+                      <a:tailEnd type="none" w="med" len="med"/>
+                    </a:lnT>
+                    <a:lnB w="6350" cap="flat" cmpd="sng" algn="ctr">
+                      <a:solidFill>
+                        <a:srgbClr val="000000"/>
+                      </a:solidFill>
+                      <a:prstDash val="solid"/>
+                      <a:round/>
+                      <a:headEnd type="none" w="med" len="med"/>
+                      <a:tailEnd type="none" w="med" len="med"/>
+                    </a:lnB>
+                    <a:solidFill>
+                      <a:srgbClr val="FFF2CC"/>
+                    </a:solidFill>
+                  </a:tcPr>
+                </a:tc>
+                <a:extLst>
+                  <a:ext uri="{0D108BD9-81ED-4DB2-BD59-A6C34878D82A}">
+                    <a16:rowId xmlns:a16="http://schemas.microsoft.com/office/drawing/2014/main" val="3261910973"/>
+                  </a:ext>
+                </a:extLst>
+              </a:tr>
+              <a:tr h="285637">
+                <a:tc>
+                  <a:txBody>
+                    <a:bodyPr/>
+                    <a:lstStyle/>
+                    <a:p>
+                      <a:pPr algn="l" fontAlgn="b"/>
+                      <a:r>
+                        <a:rPr lang="en-US" sz="1600" b="0" i="0" u="none" strike="noStrike" dirty="0">
+                          <a:solidFill>
+                            <a:srgbClr val="000000"/>
+                          </a:solidFill>
+                          <a:effectLst/>
+                          <a:latin typeface="Calibri" panose="020F0502020204030204" pitchFamily="34" charset="0"/>
+                        </a:rPr>
+                        <a:t>January</a:t>
+                      </a:r>
+                    </a:p>
+                  </a:txBody>
+                  <a:tcPr marL="14282" marR="14282" marT="14282" marB="0" anchor="b">
+                    <a:lnL w="6350" cap="flat" cmpd="sng" algn="ctr">
+                      <a:solidFill>
+                        <a:srgbClr val="000000"/>
+                      </a:solidFill>
+                      <a:prstDash val="solid"/>
+                      <a:round/>
+                      <a:headEnd type="none" w="med" len="med"/>
+                      <a:tailEnd type="none" w="med" len="med"/>
+                    </a:lnL>
+                    <a:lnR w="6350" cap="flat" cmpd="sng" algn="ctr">
+                      <a:solidFill>
+                        <a:srgbClr val="000000"/>
+                      </a:solidFill>
+                      <a:prstDash val="solid"/>
+                      <a:round/>
+                      <a:headEnd type="none" w="med" len="med"/>
+                      <a:tailEnd type="none" w="med" len="med"/>
+                    </a:lnR>
+                    <a:lnT w="6350" cap="flat" cmpd="sng" algn="ctr">
+                      <a:solidFill>
+                        <a:srgbClr val="000000"/>
+                      </a:solidFill>
+                      <a:prstDash val="solid"/>
+                      <a:round/>
+                      <a:headEnd type="none" w="med" len="med"/>
+                      <a:tailEnd type="none" w="med" len="med"/>
+                    </a:lnT>
+                    <a:lnB w="6350" cap="flat" cmpd="sng" algn="ctr">
+                      <a:solidFill>
+                        <a:srgbClr val="000000"/>
+                      </a:solidFill>
+                      <a:prstDash val="solid"/>
+                      <a:round/>
+                      <a:headEnd type="none" w="med" len="med"/>
+                      <a:tailEnd type="none" w="med" len="med"/>
+                    </a:lnB>
+                    <a:solidFill>
+                      <a:srgbClr val="FFF2CC"/>
+                    </a:solidFill>
+                  </a:tcPr>
+                </a:tc>
+                <a:tc>
+                  <a:txBody>
+                    <a:bodyPr/>
+                    <a:lstStyle/>
+                    <a:p>
+                      <a:pPr algn="l" fontAlgn="b"/>
+                      <a:r>
+                        <a:rPr lang="en-US" sz="1600" b="0" i="0" u="none" strike="noStrike">
+                          <a:solidFill>
+                            <a:srgbClr val="000000"/>
+                          </a:solidFill>
+                          <a:effectLst/>
+                          <a:latin typeface="Calibri" panose="020F0502020204030204" pitchFamily="34" charset="0"/>
+                        </a:rPr>
+                        <a:t>Apples</a:t>
+                      </a:r>
+                    </a:p>
+                  </a:txBody>
+                  <a:tcPr marL="14282" marR="14282" marT="14282" marB="0" anchor="b">
+                    <a:lnL w="6350" cap="flat" cmpd="sng" algn="ctr">
+                      <a:solidFill>
+                        <a:srgbClr val="000000"/>
+                      </a:solidFill>
+                      <a:prstDash val="solid"/>
+                      <a:round/>
+                      <a:headEnd type="none" w="med" len="med"/>
+                      <a:tailEnd type="none" w="med" len="med"/>
+                    </a:lnL>
+                    <a:lnR w="6350" cap="flat" cmpd="sng" algn="ctr">
+                      <a:solidFill>
+                        <a:srgbClr val="000000"/>
+                      </a:solidFill>
+                      <a:prstDash val="solid"/>
+                      <a:round/>
+                      <a:headEnd type="none" w="med" len="med"/>
+                      <a:tailEnd type="none" w="med" len="med"/>
+                    </a:lnR>
+                    <a:lnT w="6350" cap="flat" cmpd="sng" algn="ctr">
+                      <a:solidFill>
+                        <a:srgbClr val="000000"/>
+                      </a:solidFill>
+                      <a:prstDash val="solid"/>
+                      <a:round/>
+                      <a:headEnd type="none" w="med" len="med"/>
+                      <a:tailEnd type="none" w="med" len="med"/>
+                    </a:lnT>
+                    <a:lnB w="6350" cap="flat" cmpd="sng" algn="ctr">
+                      <a:solidFill>
+                        <a:srgbClr val="000000"/>
+                      </a:solidFill>
+                      <a:prstDash val="solid"/>
+                      <a:round/>
+                      <a:headEnd type="none" w="med" len="med"/>
+                      <a:tailEnd type="none" w="med" len="med"/>
+                    </a:lnB>
+                    <a:solidFill>
+                      <a:srgbClr val="FFF2CC"/>
+                    </a:solidFill>
+                  </a:tcPr>
+                </a:tc>
+                <a:tc>
+                  <a:txBody>
+                    <a:bodyPr/>
+                    <a:lstStyle/>
+                    <a:p>
+                      <a:pPr algn="r" fontAlgn="b"/>
+                      <a:r>
+                        <a:rPr lang="en-US" sz="1600" b="0" i="0" u="none" strike="noStrike">
+                          <a:solidFill>
+                            <a:srgbClr val="000000"/>
+                          </a:solidFill>
+                          <a:effectLst/>
+                          <a:latin typeface="Calibri" panose="020F0502020204030204" pitchFamily="34" charset="0"/>
+                        </a:rPr>
+                        <a:t>3</a:t>
+                      </a:r>
+                    </a:p>
+                  </a:txBody>
+                  <a:tcPr marL="14282" marR="14282" marT="14282" marB="0" anchor="b">
+                    <a:lnL w="6350" cap="flat" cmpd="sng" algn="ctr">
+                      <a:solidFill>
+                        <a:srgbClr val="000000"/>
+                      </a:solidFill>
+                      <a:prstDash val="solid"/>
+                      <a:round/>
+                      <a:headEnd type="none" w="med" len="med"/>
+                      <a:tailEnd type="none" w="med" len="med"/>
+                    </a:lnL>
+                    <a:lnR w="6350" cap="flat" cmpd="sng" algn="ctr">
+                      <a:solidFill>
+                        <a:srgbClr val="000000"/>
+                      </a:solidFill>
+                      <a:prstDash val="solid"/>
+                      <a:round/>
+                      <a:headEnd type="none" w="med" len="med"/>
+                      <a:tailEnd type="none" w="med" len="med"/>
+                    </a:lnR>
+                    <a:lnT w="6350" cap="flat" cmpd="sng" algn="ctr">
+                      <a:solidFill>
+                        <a:srgbClr val="000000"/>
+                      </a:solidFill>
+                      <a:prstDash val="solid"/>
+                      <a:round/>
+                      <a:headEnd type="none" w="med" len="med"/>
+                      <a:tailEnd type="none" w="med" len="med"/>
+                    </a:lnT>
+                    <a:lnB w="6350" cap="flat" cmpd="sng" algn="ctr">
+                      <a:solidFill>
+                        <a:srgbClr val="000000"/>
+                      </a:solidFill>
+                      <a:prstDash val="solid"/>
+                      <a:round/>
+                      <a:headEnd type="none" w="med" len="med"/>
+                      <a:tailEnd type="none" w="med" len="med"/>
+                    </a:lnB>
+                    <a:solidFill>
+                      <a:srgbClr val="FFF2CC"/>
+                    </a:solidFill>
+                  </a:tcPr>
+                </a:tc>
+                <a:extLst>
+                  <a:ext uri="{0D108BD9-81ED-4DB2-BD59-A6C34878D82A}">
+                    <a16:rowId xmlns:a16="http://schemas.microsoft.com/office/drawing/2014/main" val="1349913074"/>
+                  </a:ext>
+                </a:extLst>
+              </a:tr>
+              <a:tr h="285637">
+                <a:tc>
+                  <a:txBody>
+                    <a:bodyPr/>
+                    <a:lstStyle/>
+                    <a:p>
+                      <a:pPr algn="l" fontAlgn="b"/>
+                      <a:r>
+                        <a:rPr lang="en-US" sz="1600" b="0" i="0" u="none" strike="noStrike">
+                          <a:solidFill>
+                            <a:srgbClr val="000000"/>
+                          </a:solidFill>
+                          <a:effectLst/>
+                          <a:latin typeface="Calibri" panose="020F0502020204030204" pitchFamily="34" charset="0"/>
+                        </a:rPr>
+                        <a:t>January</a:t>
+                      </a:r>
+                    </a:p>
+                  </a:txBody>
+                  <a:tcPr marL="14282" marR="14282" marT="14282" marB="0" anchor="b">
+                    <a:lnL w="6350" cap="flat" cmpd="sng" algn="ctr">
+                      <a:solidFill>
+                        <a:srgbClr val="000000"/>
+                      </a:solidFill>
+                      <a:prstDash val="solid"/>
+                      <a:round/>
+                      <a:headEnd type="none" w="med" len="med"/>
+                      <a:tailEnd type="none" w="med" len="med"/>
+                    </a:lnL>
+                    <a:lnR w="6350" cap="flat" cmpd="sng" algn="ctr">
+                      <a:solidFill>
+                        <a:srgbClr val="000000"/>
+                      </a:solidFill>
+                      <a:prstDash val="solid"/>
+                      <a:round/>
+                      <a:headEnd type="none" w="med" len="med"/>
+                      <a:tailEnd type="none" w="med" len="med"/>
+                    </a:lnR>
+                    <a:lnT w="6350" cap="flat" cmpd="sng" algn="ctr">
+                      <a:solidFill>
+                        <a:srgbClr val="000000"/>
+                      </a:solidFill>
+                      <a:prstDash val="solid"/>
+                      <a:round/>
+                      <a:headEnd type="none" w="med" len="med"/>
+                      <a:tailEnd type="none" w="med" len="med"/>
+                    </a:lnT>
+                    <a:lnB w="6350" cap="flat" cmpd="sng" algn="ctr">
+                      <a:solidFill>
+                        <a:srgbClr val="000000"/>
+                      </a:solidFill>
+                      <a:prstDash val="solid"/>
+                      <a:round/>
+                      <a:headEnd type="none" w="med" len="med"/>
+                      <a:tailEnd type="none" w="med" len="med"/>
+                    </a:lnB>
+                    <a:solidFill>
+                      <a:srgbClr val="FFF2CC"/>
+                    </a:solidFill>
+                  </a:tcPr>
+                </a:tc>
+                <a:tc>
+                  <a:txBody>
+                    <a:bodyPr/>
+                    <a:lstStyle/>
+                    <a:p>
+                      <a:pPr algn="l" fontAlgn="b"/>
+                      <a:r>
+                        <a:rPr lang="en-US" sz="1600" b="0" i="0" u="none" strike="noStrike">
+                          <a:solidFill>
+                            <a:srgbClr val="000000"/>
+                          </a:solidFill>
+                          <a:effectLst/>
+                          <a:latin typeface="Calibri" panose="020F0502020204030204" pitchFamily="34" charset="0"/>
+                        </a:rPr>
+                        <a:t>Bananas</a:t>
+                      </a:r>
+                    </a:p>
+                  </a:txBody>
+                  <a:tcPr marL="14282" marR="14282" marT="14282" marB="0" anchor="b">
+                    <a:lnL w="6350" cap="flat" cmpd="sng" algn="ctr">
+                      <a:solidFill>
+                        <a:srgbClr val="000000"/>
+                      </a:solidFill>
+                      <a:prstDash val="solid"/>
+                      <a:round/>
+                      <a:headEnd type="none" w="med" len="med"/>
+                      <a:tailEnd type="none" w="med" len="med"/>
+                    </a:lnL>
+                    <a:lnR w="6350" cap="flat" cmpd="sng" algn="ctr">
+                      <a:solidFill>
+                        <a:srgbClr val="000000"/>
+                      </a:solidFill>
+                      <a:prstDash val="solid"/>
+                      <a:round/>
+                      <a:headEnd type="none" w="med" len="med"/>
+                      <a:tailEnd type="none" w="med" len="med"/>
+                    </a:lnR>
+                    <a:lnT w="6350" cap="flat" cmpd="sng" algn="ctr">
+                      <a:solidFill>
+                        <a:srgbClr val="000000"/>
+                      </a:solidFill>
+                      <a:prstDash val="solid"/>
+                      <a:round/>
+                      <a:headEnd type="none" w="med" len="med"/>
+                      <a:tailEnd type="none" w="med" len="med"/>
+                    </a:lnT>
+                    <a:lnB w="6350" cap="flat" cmpd="sng" algn="ctr">
+                      <a:solidFill>
+                        <a:srgbClr val="000000"/>
+                      </a:solidFill>
+                      <a:prstDash val="solid"/>
+                      <a:round/>
+                      <a:headEnd type="none" w="med" len="med"/>
+                      <a:tailEnd type="none" w="med" len="med"/>
+                    </a:lnB>
+                    <a:solidFill>
+                      <a:srgbClr val="FFF2CC"/>
+                    </a:solidFill>
+                  </a:tcPr>
+                </a:tc>
+                <a:tc>
+                  <a:txBody>
+                    <a:bodyPr/>
+                    <a:lstStyle/>
+                    <a:p>
+                      <a:pPr algn="r" fontAlgn="b"/>
+                      <a:r>
+                        <a:rPr lang="en-US" sz="1600" b="0" i="0" u="none" strike="noStrike">
+                          <a:solidFill>
+                            <a:srgbClr val="000000"/>
+                          </a:solidFill>
+                          <a:effectLst/>
+                          <a:latin typeface="Calibri" panose="020F0502020204030204" pitchFamily="34" charset="0"/>
+                        </a:rPr>
+                        <a:t>2</a:t>
+                      </a:r>
+                    </a:p>
+                  </a:txBody>
+                  <a:tcPr marL="14282" marR="14282" marT="14282" marB="0" anchor="b">
+                    <a:lnL w="6350" cap="flat" cmpd="sng" algn="ctr">
+                      <a:solidFill>
+                        <a:srgbClr val="000000"/>
+                      </a:solidFill>
+                      <a:prstDash val="solid"/>
+                      <a:round/>
+                      <a:headEnd type="none" w="med" len="med"/>
+                      <a:tailEnd type="none" w="med" len="med"/>
+                    </a:lnL>
+                    <a:lnR w="6350" cap="flat" cmpd="sng" algn="ctr">
+                      <a:solidFill>
+                        <a:srgbClr val="000000"/>
+                      </a:solidFill>
+                      <a:prstDash val="solid"/>
+                      <a:round/>
+                      <a:headEnd type="none" w="med" len="med"/>
+                      <a:tailEnd type="none" w="med" len="med"/>
+                    </a:lnR>
+                    <a:lnT w="6350" cap="flat" cmpd="sng" algn="ctr">
+                      <a:solidFill>
+                        <a:srgbClr val="000000"/>
+                      </a:solidFill>
+                      <a:prstDash val="solid"/>
+                      <a:round/>
+                      <a:headEnd type="none" w="med" len="med"/>
+                      <a:tailEnd type="none" w="med" len="med"/>
+                    </a:lnT>
+                    <a:lnB w="6350" cap="flat" cmpd="sng" algn="ctr">
+                      <a:solidFill>
+                        <a:srgbClr val="000000"/>
+                      </a:solidFill>
+                      <a:prstDash val="solid"/>
+                      <a:round/>
+                      <a:headEnd type="none" w="med" len="med"/>
+                      <a:tailEnd type="none" w="med" len="med"/>
+                    </a:lnB>
+                    <a:solidFill>
+                      <a:srgbClr val="FFF2CC"/>
+                    </a:solidFill>
+                  </a:tcPr>
+                </a:tc>
+                <a:extLst>
+                  <a:ext uri="{0D108BD9-81ED-4DB2-BD59-A6C34878D82A}">
+                    <a16:rowId xmlns:a16="http://schemas.microsoft.com/office/drawing/2014/main" val="4264187183"/>
+                  </a:ext>
+                </a:extLst>
+              </a:tr>
+              <a:tr h="285637">
+                <a:tc>
+                  <a:txBody>
+                    <a:bodyPr/>
+                    <a:lstStyle/>
+                    <a:p>
+                      <a:pPr algn="l" fontAlgn="b"/>
+                      <a:r>
+                        <a:rPr lang="en-US" sz="1600" b="0" i="0" u="none" strike="noStrike">
+                          <a:solidFill>
+                            <a:srgbClr val="000000"/>
+                          </a:solidFill>
+                          <a:effectLst/>
+                          <a:latin typeface="Calibri" panose="020F0502020204030204" pitchFamily="34" charset="0"/>
+                        </a:rPr>
+                        <a:t>January</a:t>
+                      </a:r>
+                    </a:p>
+                  </a:txBody>
+                  <a:tcPr marL="14282" marR="14282" marT="14282" marB="0" anchor="b">
+                    <a:lnL w="6350" cap="flat" cmpd="sng" algn="ctr">
+                      <a:solidFill>
+                        <a:srgbClr val="000000"/>
+                      </a:solidFill>
+                      <a:prstDash val="solid"/>
+                      <a:round/>
+                      <a:headEnd type="none" w="med" len="med"/>
+                      <a:tailEnd type="none" w="med" len="med"/>
+                    </a:lnL>
+                    <a:lnR w="6350" cap="flat" cmpd="sng" algn="ctr">
+                      <a:solidFill>
+                        <a:srgbClr val="000000"/>
+                      </a:solidFill>
+                      <a:prstDash val="solid"/>
+                      <a:round/>
+                      <a:headEnd type="none" w="med" len="med"/>
+                      <a:tailEnd type="none" w="med" len="med"/>
+                    </a:lnR>
+                    <a:lnT w="6350" cap="flat" cmpd="sng" algn="ctr">
+                      <a:solidFill>
+                        <a:srgbClr val="000000"/>
+                      </a:solidFill>
+                      <a:prstDash val="solid"/>
+                      <a:round/>
+                      <a:headEnd type="none" w="med" len="med"/>
+                      <a:tailEnd type="none" w="med" len="med"/>
+                    </a:lnT>
+                    <a:lnB w="6350" cap="flat" cmpd="sng" algn="ctr">
+                      <a:solidFill>
+                        <a:srgbClr val="000000"/>
+                      </a:solidFill>
+                      <a:prstDash val="solid"/>
+                      <a:round/>
+                      <a:headEnd type="none" w="med" len="med"/>
+                      <a:tailEnd type="none" w="med" len="med"/>
+                    </a:lnB>
+                    <a:solidFill>
+                      <a:srgbClr val="FFF2CC"/>
+                    </a:solidFill>
+                  </a:tcPr>
+                </a:tc>
+                <a:tc>
+                  <a:txBody>
+                    <a:bodyPr/>
+                    <a:lstStyle/>
+                    <a:p>
+                      <a:pPr algn="l" fontAlgn="b"/>
+                      <a:r>
+                        <a:rPr lang="en-US" sz="1600" b="0" i="0" u="none" strike="noStrike">
+                          <a:solidFill>
+                            <a:srgbClr val="000000"/>
+                          </a:solidFill>
+                          <a:effectLst/>
+                          <a:latin typeface="Calibri" panose="020F0502020204030204" pitchFamily="34" charset="0"/>
+                        </a:rPr>
+                        <a:t>Grapes</a:t>
+                      </a:r>
+                    </a:p>
+                  </a:txBody>
+                  <a:tcPr marL="14282" marR="14282" marT="14282" marB="0" anchor="b">
+                    <a:lnL w="6350" cap="flat" cmpd="sng" algn="ctr">
+                      <a:solidFill>
+                        <a:srgbClr val="000000"/>
+                      </a:solidFill>
+                      <a:prstDash val="solid"/>
+                      <a:round/>
+                      <a:headEnd type="none" w="med" len="med"/>
+                      <a:tailEnd type="none" w="med" len="med"/>
+                    </a:lnL>
+                    <a:lnR w="6350" cap="flat" cmpd="sng" algn="ctr">
+                      <a:solidFill>
+                        <a:srgbClr val="000000"/>
+                      </a:solidFill>
+                      <a:prstDash val="solid"/>
+                      <a:round/>
+                      <a:headEnd type="none" w="med" len="med"/>
+                      <a:tailEnd type="none" w="med" len="med"/>
+                    </a:lnR>
+                    <a:lnT w="6350" cap="flat" cmpd="sng" algn="ctr">
+                      <a:solidFill>
+                        <a:srgbClr val="000000"/>
+                      </a:solidFill>
+                      <a:prstDash val="solid"/>
+                      <a:round/>
+                      <a:headEnd type="none" w="med" len="med"/>
+                      <a:tailEnd type="none" w="med" len="med"/>
+                    </a:lnT>
+                    <a:lnB w="6350" cap="flat" cmpd="sng" algn="ctr">
+                      <a:solidFill>
+                        <a:srgbClr val="000000"/>
+                      </a:solidFill>
+                      <a:prstDash val="solid"/>
+                      <a:round/>
+                      <a:headEnd type="none" w="med" len="med"/>
+                      <a:tailEnd type="none" w="med" len="med"/>
+                    </a:lnB>
+                    <a:solidFill>
+                      <a:srgbClr val="FFF2CC"/>
+                    </a:solidFill>
+                  </a:tcPr>
+                </a:tc>
+                <a:tc>
+                  <a:txBody>
+                    <a:bodyPr/>
+                    <a:lstStyle/>
+                    <a:p>
+                      <a:pPr algn="r" fontAlgn="b"/>
+                      <a:r>
+                        <a:rPr lang="en-US" sz="1600" b="0" i="0" u="none" strike="noStrike">
+                          <a:solidFill>
+                            <a:srgbClr val="000000"/>
+                          </a:solidFill>
+                          <a:effectLst/>
+                          <a:latin typeface="Calibri" panose="020F0502020204030204" pitchFamily="34" charset="0"/>
+                        </a:rPr>
+                        <a:t>4</a:t>
+                      </a:r>
+                    </a:p>
+                  </a:txBody>
+                  <a:tcPr marL="14282" marR="14282" marT="14282" marB="0" anchor="b">
+                    <a:lnL w="6350" cap="flat" cmpd="sng" algn="ctr">
+                      <a:solidFill>
+                        <a:srgbClr val="000000"/>
+                      </a:solidFill>
+                      <a:prstDash val="solid"/>
+                      <a:round/>
+                      <a:headEnd type="none" w="med" len="med"/>
+                      <a:tailEnd type="none" w="med" len="med"/>
+                    </a:lnL>
+                    <a:lnR w="6350" cap="flat" cmpd="sng" algn="ctr">
+                      <a:solidFill>
+                        <a:srgbClr val="000000"/>
+                      </a:solidFill>
+                      <a:prstDash val="solid"/>
+                      <a:round/>
+                      <a:headEnd type="none" w="med" len="med"/>
+                      <a:tailEnd type="none" w="med" len="med"/>
+                    </a:lnR>
+                    <a:lnT w="6350" cap="flat" cmpd="sng" algn="ctr">
+                      <a:solidFill>
+                        <a:srgbClr val="000000"/>
+                      </a:solidFill>
+                      <a:prstDash val="solid"/>
+                      <a:round/>
+                      <a:headEnd type="none" w="med" len="med"/>
+                      <a:tailEnd type="none" w="med" len="med"/>
+                    </a:lnT>
+                    <a:lnB w="6350" cap="flat" cmpd="sng" algn="ctr">
+                      <a:solidFill>
+                        <a:srgbClr val="000000"/>
+                      </a:solidFill>
+                      <a:prstDash val="solid"/>
+                      <a:round/>
+                      <a:headEnd type="none" w="med" len="med"/>
+                      <a:tailEnd type="none" w="med" len="med"/>
+                    </a:lnB>
+                    <a:solidFill>
+                      <a:srgbClr val="FFF2CC"/>
+                    </a:solidFill>
+                  </a:tcPr>
+                </a:tc>
+                <a:extLst>
+                  <a:ext uri="{0D108BD9-81ED-4DB2-BD59-A6C34878D82A}">
+                    <a16:rowId xmlns:a16="http://schemas.microsoft.com/office/drawing/2014/main" val="3500808790"/>
+                  </a:ext>
+                </a:extLst>
+              </a:tr>
+              <a:tr h="285637">
+                <a:tc>
+                  <a:txBody>
+                    <a:bodyPr/>
+                    <a:lstStyle/>
+                    <a:p>
+                      <a:pPr algn="l" fontAlgn="b"/>
+                      <a:r>
+                        <a:rPr lang="en-US" sz="1600" b="0" i="0" u="none" strike="noStrike">
+                          <a:solidFill>
+                            <a:srgbClr val="000000"/>
+                          </a:solidFill>
+                          <a:effectLst/>
+                          <a:latin typeface="Calibri" panose="020F0502020204030204" pitchFamily="34" charset="0"/>
+                        </a:rPr>
+                        <a:t>February</a:t>
+                      </a:r>
+                    </a:p>
+                  </a:txBody>
+                  <a:tcPr marL="14282" marR="14282" marT="14282" marB="0" anchor="b">
+                    <a:lnL w="6350" cap="flat" cmpd="sng" algn="ctr">
+                      <a:solidFill>
+                        <a:srgbClr val="000000"/>
+                      </a:solidFill>
+                      <a:prstDash val="solid"/>
+                      <a:round/>
+                      <a:headEnd type="none" w="med" len="med"/>
+                      <a:tailEnd type="none" w="med" len="med"/>
+                    </a:lnL>
+                    <a:lnR w="6350" cap="flat" cmpd="sng" algn="ctr">
+                      <a:solidFill>
+                        <a:srgbClr val="000000"/>
+                      </a:solidFill>
+                      <a:prstDash val="solid"/>
+                      <a:round/>
+                      <a:headEnd type="none" w="med" len="med"/>
+                      <a:tailEnd type="none" w="med" len="med"/>
+                    </a:lnR>
+                    <a:lnT w="6350" cap="flat" cmpd="sng" algn="ctr">
+                      <a:solidFill>
+                        <a:srgbClr val="000000"/>
+                      </a:solidFill>
+                      <a:prstDash val="solid"/>
+                      <a:round/>
+                      <a:headEnd type="none" w="med" len="med"/>
+                      <a:tailEnd type="none" w="med" len="med"/>
+                    </a:lnT>
+                    <a:lnB w="6350" cap="flat" cmpd="sng" algn="ctr">
+                      <a:solidFill>
+                        <a:srgbClr val="000000"/>
+                      </a:solidFill>
+                      <a:prstDash val="solid"/>
+                      <a:round/>
+                      <a:headEnd type="none" w="med" len="med"/>
+                      <a:tailEnd type="none" w="med" len="med"/>
+                    </a:lnB>
+                    <a:solidFill>
+                      <a:srgbClr val="FFF2CC"/>
+                    </a:solidFill>
+                  </a:tcPr>
+                </a:tc>
+                <a:tc>
+                  <a:txBody>
+                    <a:bodyPr/>
+                    <a:lstStyle/>
+                    <a:p>
+                      <a:pPr algn="l" fontAlgn="b"/>
+                      <a:r>
+                        <a:rPr lang="en-US" sz="1600" b="0" i="0" u="none" strike="noStrike">
+                          <a:solidFill>
+                            <a:srgbClr val="000000"/>
+                          </a:solidFill>
+                          <a:effectLst/>
+                          <a:latin typeface="Calibri" panose="020F0502020204030204" pitchFamily="34" charset="0"/>
+                        </a:rPr>
+                        <a:t>Apples</a:t>
+                      </a:r>
+                    </a:p>
+                  </a:txBody>
+                  <a:tcPr marL="14282" marR="14282" marT="14282" marB="0" anchor="b">
+                    <a:lnL w="6350" cap="flat" cmpd="sng" algn="ctr">
+                      <a:solidFill>
+                        <a:srgbClr val="000000"/>
+                      </a:solidFill>
+                      <a:prstDash val="solid"/>
+                      <a:round/>
+                      <a:headEnd type="none" w="med" len="med"/>
+                      <a:tailEnd type="none" w="med" len="med"/>
+                    </a:lnL>
+                    <a:lnR w="6350" cap="flat" cmpd="sng" algn="ctr">
+                      <a:solidFill>
+                        <a:srgbClr val="000000"/>
+                      </a:solidFill>
+                      <a:prstDash val="solid"/>
+                      <a:round/>
+                      <a:headEnd type="none" w="med" len="med"/>
+                      <a:tailEnd type="none" w="med" len="med"/>
+                    </a:lnR>
+                    <a:lnT w="6350" cap="flat" cmpd="sng" algn="ctr">
+                      <a:solidFill>
+                        <a:srgbClr val="000000"/>
+                      </a:solidFill>
+                      <a:prstDash val="solid"/>
+                      <a:round/>
+                      <a:headEnd type="none" w="med" len="med"/>
+                      <a:tailEnd type="none" w="med" len="med"/>
+                    </a:lnT>
+                    <a:lnB w="6350" cap="flat" cmpd="sng" algn="ctr">
+                      <a:solidFill>
+                        <a:srgbClr val="000000"/>
+                      </a:solidFill>
+                      <a:prstDash val="solid"/>
+                      <a:round/>
+                      <a:headEnd type="none" w="med" len="med"/>
+                      <a:tailEnd type="none" w="med" len="med"/>
+                    </a:lnB>
+                    <a:solidFill>
+                      <a:srgbClr val="FFF2CC"/>
+                    </a:solidFill>
+                  </a:tcPr>
+                </a:tc>
+                <a:tc>
+                  <a:txBody>
+                    <a:bodyPr/>
+                    <a:lstStyle/>
+                    <a:p>
+                      <a:pPr algn="r" fontAlgn="b"/>
+                      <a:r>
+                        <a:rPr lang="en-US" sz="1600" b="0" i="0" u="none" strike="noStrike">
+                          <a:solidFill>
+                            <a:srgbClr val="000000"/>
+                          </a:solidFill>
+                          <a:effectLst/>
+                          <a:latin typeface="Calibri" panose="020F0502020204030204" pitchFamily="34" charset="0"/>
+                        </a:rPr>
+                        <a:t>2</a:t>
+                      </a:r>
+                    </a:p>
+                  </a:txBody>
+                  <a:tcPr marL="14282" marR="14282" marT="14282" marB="0" anchor="b">
+                    <a:lnL w="6350" cap="flat" cmpd="sng" algn="ctr">
+                      <a:solidFill>
+                        <a:srgbClr val="000000"/>
+                      </a:solidFill>
+                      <a:prstDash val="solid"/>
+                      <a:round/>
+                      <a:headEnd type="none" w="med" len="med"/>
+                      <a:tailEnd type="none" w="med" len="med"/>
+                    </a:lnL>
+                    <a:lnR w="6350" cap="flat" cmpd="sng" algn="ctr">
+                      <a:solidFill>
+                        <a:srgbClr val="000000"/>
+                      </a:solidFill>
+                      <a:prstDash val="solid"/>
+                      <a:round/>
+                      <a:headEnd type="none" w="med" len="med"/>
+                      <a:tailEnd type="none" w="med" len="med"/>
+                    </a:lnR>
+                    <a:lnT w="6350" cap="flat" cmpd="sng" algn="ctr">
+                      <a:solidFill>
+                        <a:srgbClr val="000000"/>
+                      </a:solidFill>
+                      <a:prstDash val="solid"/>
+                      <a:round/>
+                      <a:headEnd type="none" w="med" len="med"/>
+                      <a:tailEnd type="none" w="med" len="med"/>
+                    </a:lnT>
+                    <a:lnB w="6350" cap="flat" cmpd="sng" algn="ctr">
+                      <a:solidFill>
+                        <a:srgbClr val="000000"/>
+                      </a:solidFill>
+                      <a:prstDash val="solid"/>
+                      <a:round/>
+                      <a:headEnd type="none" w="med" len="med"/>
+                      <a:tailEnd type="none" w="med" len="med"/>
+                    </a:lnB>
+                    <a:solidFill>
+                      <a:srgbClr val="FFF2CC"/>
+                    </a:solidFill>
+                  </a:tcPr>
+                </a:tc>
+                <a:extLst>
+                  <a:ext uri="{0D108BD9-81ED-4DB2-BD59-A6C34878D82A}">
+                    <a16:rowId xmlns:a16="http://schemas.microsoft.com/office/drawing/2014/main" val="2232234930"/>
+                  </a:ext>
+                </a:extLst>
+              </a:tr>
+              <a:tr h="285637">
+                <a:tc>
+                  <a:txBody>
+                    <a:bodyPr/>
+                    <a:lstStyle/>
+                    <a:p>
+                      <a:pPr algn="l" fontAlgn="b"/>
+                      <a:r>
+                        <a:rPr lang="en-US" sz="1600" b="0" i="0" u="none" strike="noStrike">
+                          <a:solidFill>
+                            <a:srgbClr val="000000"/>
+                          </a:solidFill>
+                          <a:effectLst/>
+                          <a:latin typeface="Calibri" panose="020F0502020204030204" pitchFamily="34" charset="0"/>
+                        </a:rPr>
+                        <a:t>February</a:t>
+                      </a:r>
+                    </a:p>
+                  </a:txBody>
+                  <a:tcPr marL="14282" marR="14282" marT="14282" marB="0" anchor="b">
+                    <a:lnL w="6350" cap="flat" cmpd="sng" algn="ctr">
+                      <a:solidFill>
+                        <a:srgbClr val="000000"/>
+                      </a:solidFill>
+                      <a:prstDash val="solid"/>
+                      <a:round/>
+                      <a:headEnd type="none" w="med" len="med"/>
+                      <a:tailEnd type="none" w="med" len="med"/>
+                    </a:lnL>
+                    <a:lnR w="6350" cap="flat" cmpd="sng" algn="ctr">
+                      <a:solidFill>
+                        <a:srgbClr val="000000"/>
+                      </a:solidFill>
+                      <a:prstDash val="solid"/>
+                      <a:round/>
+                      <a:headEnd type="none" w="med" len="med"/>
+                      <a:tailEnd type="none" w="med" len="med"/>
+                    </a:lnR>
+                    <a:lnT w="6350" cap="flat" cmpd="sng" algn="ctr">
+                      <a:solidFill>
+                        <a:srgbClr val="000000"/>
+                      </a:solidFill>
+                      <a:prstDash val="solid"/>
+                      <a:round/>
+                      <a:headEnd type="none" w="med" len="med"/>
+                      <a:tailEnd type="none" w="med" len="med"/>
+                    </a:lnT>
+                    <a:lnB w="6350" cap="flat" cmpd="sng" algn="ctr">
+                      <a:solidFill>
+                        <a:srgbClr val="000000"/>
+                      </a:solidFill>
+                      <a:prstDash val="solid"/>
+                      <a:round/>
+                      <a:headEnd type="none" w="med" len="med"/>
+                      <a:tailEnd type="none" w="med" len="med"/>
+                    </a:lnB>
+                    <a:solidFill>
+                      <a:srgbClr val="FFF2CC"/>
+                    </a:solidFill>
+                  </a:tcPr>
+                </a:tc>
+                <a:tc>
+                  <a:txBody>
+                    <a:bodyPr/>
+                    <a:lstStyle/>
+                    <a:p>
+                      <a:pPr algn="l" fontAlgn="b"/>
+                      <a:r>
+                        <a:rPr lang="en-US" sz="1600" b="0" i="0" u="none" strike="noStrike">
+                          <a:solidFill>
+                            <a:srgbClr val="000000"/>
+                          </a:solidFill>
+                          <a:effectLst/>
+                          <a:latin typeface="Calibri" panose="020F0502020204030204" pitchFamily="34" charset="0"/>
+                        </a:rPr>
+                        <a:t>Bananas</a:t>
+                      </a:r>
+                    </a:p>
+                  </a:txBody>
+                  <a:tcPr marL="14282" marR="14282" marT="14282" marB="0" anchor="b">
+                    <a:lnL w="6350" cap="flat" cmpd="sng" algn="ctr">
+                      <a:solidFill>
+                        <a:srgbClr val="000000"/>
+                      </a:solidFill>
+                      <a:prstDash val="solid"/>
+                      <a:round/>
+                      <a:headEnd type="none" w="med" len="med"/>
+                      <a:tailEnd type="none" w="med" len="med"/>
+                    </a:lnL>
+                    <a:lnR w="6350" cap="flat" cmpd="sng" algn="ctr">
+                      <a:solidFill>
+                        <a:srgbClr val="000000"/>
+                      </a:solidFill>
+                      <a:prstDash val="solid"/>
+                      <a:round/>
+                      <a:headEnd type="none" w="med" len="med"/>
+                      <a:tailEnd type="none" w="med" len="med"/>
+                    </a:lnR>
+                    <a:lnT w="6350" cap="flat" cmpd="sng" algn="ctr">
+                      <a:solidFill>
+                        <a:srgbClr val="000000"/>
+                      </a:solidFill>
+                      <a:prstDash val="solid"/>
+                      <a:round/>
+                      <a:headEnd type="none" w="med" len="med"/>
+                      <a:tailEnd type="none" w="med" len="med"/>
+                    </a:lnT>
+                    <a:lnB w="6350" cap="flat" cmpd="sng" algn="ctr">
+                      <a:solidFill>
+                        <a:srgbClr val="000000"/>
+                      </a:solidFill>
+                      <a:prstDash val="solid"/>
+                      <a:round/>
+                      <a:headEnd type="none" w="med" len="med"/>
+                      <a:tailEnd type="none" w="med" len="med"/>
+                    </a:lnB>
+                    <a:solidFill>
+                      <a:srgbClr val="FFF2CC"/>
+                    </a:solidFill>
+                  </a:tcPr>
+                </a:tc>
+                <a:tc>
+                  <a:txBody>
+                    <a:bodyPr/>
+                    <a:lstStyle/>
+                    <a:p>
+                      <a:pPr algn="r" fontAlgn="b"/>
+                      <a:r>
+                        <a:rPr lang="en-US" sz="1600" b="0" i="0" u="none" strike="noStrike">
+                          <a:solidFill>
+                            <a:srgbClr val="000000"/>
+                          </a:solidFill>
+                          <a:effectLst/>
+                          <a:latin typeface="Calibri" panose="020F0502020204030204" pitchFamily="34" charset="0"/>
+                        </a:rPr>
+                        <a:t>4</a:t>
+                      </a:r>
+                    </a:p>
+                  </a:txBody>
+                  <a:tcPr marL="14282" marR="14282" marT="14282" marB="0" anchor="b">
+                    <a:lnL w="6350" cap="flat" cmpd="sng" algn="ctr">
+                      <a:solidFill>
+                        <a:srgbClr val="000000"/>
+                      </a:solidFill>
+                      <a:prstDash val="solid"/>
+                      <a:round/>
+                      <a:headEnd type="none" w="med" len="med"/>
+                      <a:tailEnd type="none" w="med" len="med"/>
+                    </a:lnL>
+                    <a:lnR w="6350" cap="flat" cmpd="sng" algn="ctr">
+                      <a:solidFill>
+                        <a:srgbClr val="000000"/>
+                      </a:solidFill>
+                      <a:prstDash val="solid"/>
+                      <a:round/>
+                      <a:headEnd type="none" w="med" len="med"/>
+                      <a:tailEnd type="none" w="med" len="med"/>
+                    </a:lnR>
+                    <a:lnT w="6350" cap="flat" cmpd="sng" algn="ctr">
+                      <a:solidFill>
+                        <a:srgbClr val="000000"/>
+                      </a:solidFill>
+                      <a:prstDash val="solid"/>
+                      <a:round/>
+                      <a:headEnd type="none" w="med" len="med"/>
+                      <a:tailEnd type="none" w="med" len="med"/>
+                    </a:lnT>
+                    <a:lnB w="6350" cap="flat" cmpd="sng" algn="ctr">
+                      <a:solidFill>
+                        <a:srgbClr val="000000"/>
+                      </a:solidFill>
+                      <a:prstDash val="solid"/>
+                      <a:round/>
+                      <a:headEnd type="none" w="med" len="med"/>
+                      <a:tailEnd type="none" w="med" len="med"/>
+                    </a:lnB>
+                    <a:solidFill>
+                      <a:srgbClr val="FFF2CC"/>
+                    </a:solidFill>
+                  </a:tcPr>
+                </a:tc>
+                <a:extLst>
+                  <a:ext uri="{0D108BD9-81ED-4DB2-BD59-A6C34878D82A}">
+                    <a16:rowId xmlns:a16="http://schemas.microsoft.com/office/drawing/2014/main" val="3948876453"/>
+                  </a:ext>
+                </a:extLst>
+              </a:tr>
+              <a:tr h="285637">
+                <a:tc>
+                  <a:txBody>
+                    <a:bodyPr/>
+                    <a:lstStyle/>
+                    <a:p>
+                      <a:pPr algn="l" fontAlgn="b"/>
+                      <a:r>
+                        <a:rPr lang="en-US" sz="1600" b="0" i="0" u="none" strike="noStrike">
+                          <a:solidFill>
+                            <a:srgbClr val="000000"/>
+                          </a:solidFill>
+                          <a:effectLst/>
+                          <a:latin typeface="Calibri" panose="020F0502020204030204" pitchFamily="34" charset="0"/>
+                        </a:rPr>
+                        <a:t>February</a:t>
+                      </a:r>
+                    </a:p>
+                  </a:txBody>
+                  <a:tcPr marL="14282" marR="14282" marT="14282" marB="0" anchor="b">
+                    <a:lnL w="6350" cap="flat" cmpd="sng" algn="ctr">
+                      <a:solidFill>
+                        <a:srgbClr val="000000"/>
+                      </a:solidFill>
+                      <a:prstDash val="solid"/>
+                      <a:round/>
+                      <a:headEnd type="none" w="med" len="med"/>
+                      <a:tailEnd type="none" w="med" len="med"/>
+                    </a:lnL>
+                    <a:lnR w="6350" cap="flat" cmpd="sng" algn="ctr">
+                      <a:solidFill>
+                        <a:srgbClr val="000000"/>
+                      </a:solidFill>
+                      <a:prstDash val="solid"/>
+                      <a:round/>
+                      <a:headEnd type="none" w="med" len="med"/>
+                      <a:tailEnd type="none" w="med" len="med"/>
+                    </a:lnR>
+                    <a:lnT w="6350" cap="flat" cmpd="sng" algn="ctr">
+                      <a:solidFill>
+                        <a:srgbClr val="000000"/>
+                      </a:solidFill>
+                      <a:prstDash val="solid"/>
+                      <a:round/>
+                      <a:headEnd type="none" w="med" len="med"/>
+                      <a:tailEnd type="none" w="med" len="med"/>
+                    </a:lnT>
+                    <a:lnB w="6350" cap="flat" cmpd="sng" algn="ctr">
+                      <a:solidFill>
+                        <a:srgbClr val="000000"/>
+                      </a:solidFill>
+                      <a:prstDash val="solid"/>
+                      <a:round/>
+                      <a:headEnd type="none" w="med" len="med"/>
+                      <a:tailEnd type="none" w="med" len="med"/>
+                    </a:lnB>
+                    <a:solidFill>
+                      <a:srgbClr val="FFF2CC"/>
+                    </a:solidFill>
+                  </a:tcPr>
+                </a:tc>
+                <a:tc>
+                  <a:txBody>
+                    <a:bodyPr/>
+                    <a:lstStyle/>
+                    <a:p>
+                      <a:pPr algn="l" fontAlgn="b"/>
+                      <a:r>
+                        <a:rPr lang="en-US" sz="1600" b="0" i="0" u="none" strike="noStrike">
+                          <a:solidFill>
+                            <a:srgbClr val="000000"/>
+                          </a:solidFill>
+                          <a:effectLst/>
+                          <a:latin typeface="Calibri" panose="020F0502020204030204" pitchFamily="34" charset="0"/>
+                        </a:rPr>
+                        <a:t>Grapes</a:t>
+                      </a:r>
+                    </a:p>
+                  </a:txBody>
+                  <a:tcPr marL="14282" marR="14282" marT="14282" marB="0" anchor="b">
+                    <a:lnL w="6350" cap="flat" cmpd="sng" algn="ctr">
+                      <a:solidFill>
+                        <a:srgbClr val="000000"/>
+                      </a:solidFill>
+                      <a:prstDash val="solid"/>
+                      <a:round/>
+                      <a:headEnd type="none" w="med" len="med"/>
+                      <a:tailEnd type="none" w="med" len="med"/>
+                    </a:lnL>
+                    <a:lnR w="6350" cap="flat" cmpd="sng" algn="ctr">
+                      <a:solidFill>
+                        <a:srgbClr val="000000"/>
+                      </a:solidFill>
+                      <a:prstDash val="solid"/>
+                      <a:round/>
+                      <a:headEnd type="none" w="med" len="med"/>
+                      <a:tailEnd type="none" w="med" len="med"/>
+                    </a:lnR>
+                    <a:lnT w="6350" cap="flat" cmpd="sng" algn="ctr">
+                      <a:solidFill>
+                        <a:srgbClr val="000000"/>
+                      </a:solidFill>
+                      <a:prstDash val="solid"/>
+                      <a:round/>
+                      <a:headEnd type="none" w="med" len="med"/>
+                      <a:tailEnd type="none" w="med" len="med"/>
+                    </a:lnT>
+                    <a:lnB w="6350" cap="flat" cmpd="sng" algn="ctr">
+                      <a:solidFill>
+                        <a:srgbClr val="000000"/>
+                      </a:solidFill>
+                      <a:prstDash val="solid"/>
+                      <a:round/>
+                      <a:headEnd type="none" w="med" len="med"/>
+                      <a:tailEnd type="none" w="med" len="med"/>
+                    </a:lnB>
+                    <a:solidFill>
+                      <a:srgbClr val="FFF2CC"/>
+                    </a:solidFill>
+                  </a:tcPr>
+                </a:tc>
+                <a:tc>
+                  <a:txBody>
+                    <a:bodyPr/>
+                    <a:lstStyle/>
+                    <a:p>
+                      <a:pPr algn="r" fontAlgn="b"/>
+                      <a:r>
+                        <a:rPr lang="en-US" sz="1600" b="0" i="0" u="none" strike="noStrike" dirty="0">
+                          <a:solidFill>
+                            <a:srgbClr val="000000"/>
+                          </a:solidFill>
+                          <a:effectLst/>
+                          <a:latin typeface="Calibri" panose="020F0502020204030204" pitchFamily="34" charset="0"/>
+                        </a:rPr>
+                        <a:t>3</a:t>
+                      </a:r>
+                    </a:p>
+                  </a:txBody>
+                  <a:tcPr marL="14282" marR="14282" marT="14282" marB="0" anchor="b">
+                    <a:lnL w="6350" cap="flat" cmpd="sng" algn="ctr">
+                      <a:solidFill>
+                        <a:srgbClr val="000000"/>
+                      </a:solidFill>
+                      <a:prstDash val="solid"/>
+                      <a:round/>
+                      <a:headEnd type="none" w="med" len="med"/>
+                      <a:tailEnd type="none" w="med" len="med"/>
+                    </a:lnL>
+                    <a:lnR w="6350" cap="flat" cmpd="sng" algn="ctr">
+                      <a:solidFill>
+                        <a:srgbClr val="000000"/>
+                      </a:solidFill>
+                      <a:prstDash val="solid"/>
+                      <a:round/>
+                      <a:headEnd type="none" w="med" len="med"/>
+                      <a:tailEnd type="none" w="med" len="med"/>
+                    </a:lnR>
+                    <a:lnT w="6350" cap="flat" cmpd="sng" algn="ctr">
+                      <a:solidFill>
+                        <a:srgbClr val="000000"/>
+                      </a:solidFill>
+                      <a:prstDash val="solid"/>
+                      <a:round/>
+                      <a:headEnd type="none" w="med" len="med"/>
+                      <a:tailEnd type="none" w="med" len="med"/>
+                    </a:lnT>
+                    <a:lnB w="6350" cap="flat" cmpd="sng" algn="ctr">
+                      <a:solidFill>
+                        <a:srgbClr val="000000"/>
+                      </a:solidFill>
+                      <a:prstDash val="solid"/>
+                      <a:round/>
+                      <a:headEnd type="none" w="med" len="med"/>
+                      <a:tailEnd type="none" w="med" len="med"/>
+                    </a:lnB>
+                    <a:solidFill>
+                      <a:srgbClr val="FFF2CC"/>
+                    </a:solidFill>
+                  </a:tcPr>
+                </a:tc>
+                <a:extLst>
+                  <a:ext uri="{0D108BD9-81ED-4DB2-BD59-A6C34878D82A}">
+                    <a16:rowId xmlns:a16="http://schemas.microsoft.com/office/drawing/2014/main" val="2978459179"/>
+                  </a:ext>
+                </a:extLst>
+              </a:tr>
+            </a:tbl>
+          </a:graphicData>
+        </a:graphic>
+      </p:graphicFrame>
     </p:spTree>
     <p:extLst>
       <p:ext uri="{BB962C8B-B14F-4D97-AF65-F5344CB8AC3E}">
@@ -18151,56 +23378,6 @@
       </p:grpSpPr>
       <p:sp>
         <p:nvSpPr>
-          <p:cNvPr id="2" name="Subtitle 1">
-            <a:extLst>
-              <a:ext uri="{FF2B5EF4-FFF2-40B4-BE49-F238E27FC236}">
-                <a16:creationId xmlns:a16="http://schemas.microsoft.com/office/drawing/2014/main" id="{423D4CE7-A624-1F49-B9F9-D86681FE8855}"/>
-              </a:ext>
-            </a:extLst>
-          </p:cNvPr>
-          <p:cNvSpPr>
-            <a:spLocks noGrp="1"/>
-          </p:cNvSpPr>
-          <p:nvPr>
-            <p:ph type="subTitle" idx="1"/>
-          </p:nvPr>
-        </p:nvSpPr>
-        <p:spPr/>
-        <p:txBody>
-          <a:bodyPr/>
-          <a:lstStyle/>
-          <a:p>
-            <a:endParaRPr lang="en-US"/>
-          </a:p>
-        </p:txBody>
-      </p:sp>
-      <p:sp>
-        <p:nvSpPr>
-          <p:cNvPr id="3" name="Text Placeholder 2">
-            <a:extLst>
-              <a:ext uri="{FF2B5EF4-FFF2-40B4-BE49-F238E27FC236}">
-                <a16:creationId xmlns:a16="http://schemas.microsoft.com/office/drawing/2014/main" id="{8D6C3E21-876D-1D42-9F86-BF55739AEBC8}"/>
-              </a:ext>
-            </a:extLst>
-          </p:cNvPr>
-          <p:cNvSpPr>
-            <a:spLocks noGrp="1"/>
-          </p:cNvSpPr>
-          <p:nvPr>
-            <p:ph type="body" sz="quarter" idx="11"/>
-          </p:nvPr>
-        </p:nvSpPr>
-        <p:spPr/>
-        <p:txBody>
-          <a:bodyPr/>
-          <a:lstStyle/>
-          <a:p>
-            <a:endParaRPr lang="en-US"/>
-          </a:p>
-        </p:txBody>
-      </p:sp>
-      <p:sp>
-        <p:nvSpPr>
           <p:cNvPr id="4" name="Title 3">
             <a:extLst>
               <a:ext uri="{FF2B5EF4-FFF2-40B4-BE49-F238E27FC236}">
@@ -18224,6 +23401,31 @@
               <a:rPr lang="en-US" dirty="0"/>
               <a:t>Equijoins</a:t>
             </a:r>
+          </a:p>
+        </p:txBody>
+      </p:sp>
+      <p:sp>
+        <p:nvSpPr>
+          <p:cNvPr id="5" name="Text Placeholder 4">
+            <a:extLst>
+              <a:ext uri="{FF2B5EF4-FFF2-40B4-BE49-F238E27FC236}">
+                <a16:creationId xmlns:a16="http://schemas.microsoft.com/office/drawing/2014/main" id="{7F9C326C-28F1-4461-86AA-553B22CCD3F3}"/>
+              </a:ext>
+            </a:extLst>
+          </p:cNvPr>
+          <p:cNvSpPr>
+            <a:spLocks noGrp="1"/>
+          </p:cNvSpPr>
+          <p:nvPr>
+            <p:ph type="body" sz="quarter" idx="10"/>
+          </p:nvPr>
+        </p:nvSpPr>
+        <p:spPr/>
+        <p:txBody>
+          <a:bodyPr/>
+          <a:lstStyle/>
+          <a:p>
+            <a:endParaRPr lang="en-US"/>
           </a:p>
         </p:txBody>
       </p:sp>
@@ -18259,56 +23461,6 @@
       </p:grpSpPr>
       <p:sp>
         <p:nvSpPr>
-          <p:cNvPr id="2" name="Subtitle 1">
-            <a:extLst>
-              <a:ext uri="{FF2B5EF4-FFF2-40B4-BE49-F238E27FC236}">
-                <a16:creationId xmlns:a16="http://schemas.microsoft.com/office/drawing/2014/main" id="{37953D94-6636-EB4D-B539-DC5B6D267A0B}"/>
-              </a:ext>
-            </a:extLst>
-          </p:cNvPr>
-          <p:cNvSpPr>
-            <a:spLocks noGrp="1"/>
-          </p:cNvSpPr>
-          <p:nvPr>
-            <p:ph type="subTitle" idx="1"/>
-          </p:nvPr>
-        </p:nvSpPr>
-        <p:spPr/>
-        <p:txBody>
-          <a:bodyPr/>
-          <a:lstStyle/>
-          <a:p>
-            <a:endParaRPr lang="en-US"/>
-          </a:p>
-        </p:txBody>
-      </p:sp>
-      <p:sp>
-        <p:nvSpPr>
-          <p:cNvPr id="3" name="Text Placeholder 2">
-            <a:extLst>
-              <a:ext uri="{FF2B5EF4-FFF2-40B4-BE49-F238E27FC236}">
-                <a16:creationId xmlns:a16="http://schemas.microsoft.com/office/drawing/2014/main" id="{88191254-061B-3E43-9347-C296346C809B}"/>
-              </a:ext>
-            </a:extLst>
-          </p:cNvPr>
-          <p:cNvSpPr>
-            <a:spLocks noGrp="1"/>
-          </p:cNvSpPr>
-          <p:nvPr>
-            <p:ph type="body" sz="quarter" idx="11"/>
-          </p:nvPr>
-        </p:nvSpPr>
-        <p:spPr/>
-        <p:txBody>
-          <a:bodyPr/>
-          <a:lstStyle/>
-          <a:p>
-            <a:endParaRPr lang="en-US"/>
-          </a:p>
-        </p:txBody>
-      </p:sp>
-      <p:sp>
-        <p:nvSpPr>
           <p:cNvPr id="4" name="Title 3">
             <a:extLst>
               <a:ext uri="{FF2B5EF4-FFF2-40B4-BE49-F238E27FC236}">
@@ -18332,6 +23484,31 @@
               <a:rPr lang="en-US" dirty="0"/>
               <a:t>Join Types</a:t>
             </a:r>
+          </a:p>
+        </p:txBody>
+      </p:sp>
+      <p:sp>
+        <p:nvSpPr>
+          <p:cNvPr id="5" name="Text Placeholder 4">
+            <a:extLst>
+              <a:ext uri="{FF2B5EF4-FFF2-40B4-BE49-F238E27FC236}">
+                <a16:creationId xmlns:a16="http://schemas.microsoft.com/office/drawing/2014/main" id="{67894C6D-2639-47AC-B1D4-059338ABEFD4}"/>
+              </a:ext>
+            </a:extLst>
+          </p:cNvPr>
+          <p:cNvSpPr>
+            <a:spLocks noGrp="1"/>
+          </p:cNvSpPr>
+          <p:nvPr>
+            <p:ph type="body" sz="quarter" idx="10"/>
+          </p:nvPr>
+        </p:nvSpPr>
+        <p:spPr/>
+        <p:txBody>
+          <a:bodyPr/>
+          <a:lstStyle/>
+          <a:p>
+            <a:endParaRPr lang="en-US"/>
           </a:p>
         </p:txBody>
       </p:sp>
@@ -18367,56 +23544,6 @@
       </p:grpSpPr>
       <p:sp>
         <p:nvSpPr>
-          <p:cNvPr id="2" name="Subtitle 1">
-            <a:extLst>
-              <a:ext uri="{FF2B5EF4-FFF2-40B4-BE49-F238E27FC236}">
-                <a16:creationId xmlns:a16="http://schemas.microsoft.com/office/drawing/2014/main" id="{21E6FD3F-3A28-AA47-A971-90E2F63E6D64}"/>
-              </a:ext>
-            </a:extLst>
-          </p:cNvPr>
-          <p:cNvSpPr>
-            <a:spLocks noGrp="1"/>
-          </p:cNvSpPr>
-          <p:nvPr>
-            <p:ph type="subTitle" idx="1"/>
-          </p:nvPr>
-        </p:nvSpPr>
-        <p:spPr/>
-        <p:txBody>
-          <a:bodyPr/>
-          <a:lstStyle/>
-          <a:p>
-            <a:endParaRPr lang="en-US"/>
-          </a:p>
-        </p:txBody>
-      </p:sp>
-      <p:sp>
-        <p:nvSpPr>
-          <p:cNvPr id="3" name="Text Placeholder 2">
-            <a:extLst>
-              <a:ext uri="{FF2B5EF4-FFF2-40B4-BE49-F238E27FC236}">
-                <a16:creationId xmlns:a16="http://schemas.microsoft.com/office/drawing/2014/main" id="{B165E966-009A-0B46-A81C-B42539BA9554}"/>
-              </a:ext>
-            </a:extLst>
-          </p:cNvPr>
-          <p:cNvSpPr>
-            <a:spLocks noGrp="1"/>
-          </p:cNvSpPr>
-          <p:nvPr>
-            <p:ph type="body" sz="quarter" idx="11"/>
-          </p:nvPr>
-        </p:nvSpPr>
-        <p:spPr/>
-        <p:txBody>
-          <a:bodyPr/>
-          <a:lstStyle/>
-          <a:p>
-            <a:endParaRPr lang="en-US"/>
-          </a:p>
-        </p:txBody>
-      </p:sp>
-      <p:sp>
-        <p:nvSpPr>
           <p:cNvPr id="4" name="Title 3">
             <a:extLst>
               <a:ext uri="{FF2B5EF4-FFF2-40B4-BE49-F238E27FC236}">
@@ -18440,6 +23567,31 @@
               <a:rPr lang="en-US" dirty="0"/>
               <a:t>Inner Joins</a:t>
             </a:r>
+          </a:p>
+        </p:txBody>
+      </p:sp>
+      <p:sp>
+        <p:nvSpPr>
+          <p:cNvPr id="5" name="Text Placeholder 4">
+            <a:extLst>
+              <a:ext uri="{FF2B5EF4-FFF2-40B4-BE49-F238E27FC236}">
+                <a16:creationId xmlns:a16="http://schemas.microsoft.com/office/drawing/2014/main" id="{258AA416-538D-4380-AF66-CA6DC9899ECC}"/>
+              </a:ext>
+            </a:extLst>
+          </p:cNvPr>
+          <p:cNvSpPr>
+            <a:spLocks noGrp="1"/>
+          </p:cNvSpPr>
+          <p:nvPr>
+            <p:ph type="body" sz="quarter" idx="10"/>
+          </p:nvPr>
+        </p:nvSpPr>
+        <p:spPr/>
+        <p:txBody>
+          <a:bodyPr/>
+          <a:lstStyle/>
+          <a:p>
+            <a:endParaRPr lang="en-US"/>
           </a:p>
         </p:txBody>
       </p:sp>
@@ -18475,56 +23627,6 @@
       </p:grpSpPr>
       <p:sp>
         <p:nvSpPr>
-          <p:cNvPr id="2" name="Subtitle 1">
-            <a:extLst>
-              <a:ext uri="{FF2B5EF4-FFF2-40B4-BE49-F238E27FC236}">
-                <a16:creationId xmlns:a16="http://schemas.microsoft.com/office/drawing/2014/main" id="{C0FDDA91-6F16-474A-B2C2-D541B2C6DC11}"/>
-              </a:ext>
-            </a:extLst>
-          </p:cNvPr>
-          <p:cNvSpPr>
-            <a:spLocks noGrp="1"/>
-          </p:cNvSpPr>
-          <p:nvPr>
-            <p:ph type="subTitle" idx="1"/>
-          </p:nvPr>
-        </p:nvSpPr>
-        <p:spPr/>
-        <p:txBody>
-          <a:bodyPr/>
-          <a:lstStyle/>
-          <a:p>
-            <a:endParaRPr lang="en-US"/>
-          </a:p>
-        </p:txBody>
-      </p:sp>
-      <p:sp>
-        <p:nvSpPr>
-          <p:cNvPr id="3" name="Text Placeholder 2">
-            <a:extLst>
-              <a:ext uri="{FF2B5EF4-FFF2-40B4-BE49-F238E27FC236}">
-                <a16:creationId xmlns:a16="http://schemas.microsoft.com/office/drawing/2014/main" id="{44800744-B562-7D4D-95DC-16B212585877}"/>
-              </a:ext>
-            </a:extLst>
-          </p:cNvPr>
-          <p:cNvSpPr>
-            <a:spLocks noGrp="1"/>
-          </p:cNvSpPr>
-          <p:nvPr>
-            <p:ph type="body" sz="quarter" idx="11"/>
-          </p:nvPr>
-        </p:nvSpPr>
-        <p:spPr/>
-        <p:txBody>
-          <a:bodyPr/>
-          <a:lstStyle/>
-          <a:p>
-            <a:endParaRPr lang="en-US"/>
-          </a:p>
-        </p:txBody>
-      </p:sp>
-      <p:sp>
-        <p:nvSpPr>
           <p:cNvPr id="4" name="Title 3">
             <a:extLst>
               <a:ext uri="{FF2B5EF4-FFF2-40B4-BE49-F238E27FC236}">
@@ -18548,6 +23650,31 @@
               <a:rPr lang="en-US" dirty="0"/>
               <a:t>Left Joins</a:t>
             </a:r>
+          </a:p>
+        </p:txBody>
+      </p:sp>
+      <p:sp>
+        <p:nvSpPr>
+          <p:cNvPr id="5" name="Text Placeholder 4">
+            <a:extLst>
+              <a:ext uri="{FF2B5EF4-FFF2-40B4-BE49-F238E27FC236}">
+                <a16:creationId xmlns:a16="http://schemas.microsoft.com/office/drawing/2014/main" id="{46DF2E3F-C514-45AF-8FE3-0E3F6A2BD111}"/>
+              </a:ext>
+            </a:extLst>
+          </p:cNvPr>
+          <p:cNvSpPr>
+            <a:spLocks noGrp="1"/>
+          </p:cNvSpPr>
+          <p:nvPr>
+            <p:ph type="body" sz="quarter" idx="10"/>
+          </p:nvPr>
+        </p:nvSpPr>
+        <p:spPr/>
+        <p:txBody>
+          <a:bodyPr/>
+          <a:lstStyle/>
+          <a:p>
+            <a:endParaRPr lang="en-US"/>
           </a:p>
         </p:txBody>
       </p:sp>
@@ -18583,56 +23710,6 @@
       </p:grpSpPr>
       <p:sp>
         <p:nvSpPr>
-          <p:cNvPr id="2" name="Subtitle 1">
-            <a:extLst>
-              <a:ext uri="{FF2B5EF4-FFF2-40B4-BE49-F238E27FC236}">
-                <a16:creationId xmlns:a16="http://schemas.microsoft.com/office/drawing/2014/main" id="{764E9717-32A5-204C-99BF-6241B2BA2C91}"/>
-              </a:ext>
-            </a:extLst>
-          </p:cNvPr>
-          <p:cNvSpPr>
-            <a:spLocks noGrp="1"/>
-          </p:cNvSpPr>
-          <p:nvPr>
-            <p:ph type="subTitle" idx="1"/>
-          </p:nvPr>
-        </p:nvSpPr>
-        <p:spPr/>
-        <p:txBody>
-          <a:bodyPr/>
-          <a:lstStyle/>
-          <a:p>
-            <a:endParaRPr lang="en-US"/>
-          </a:p>
-        </p:txBody>
-      </p:sp>
-      <p:sp>
-        <p:nvSpPr>
-          <p:cNvPr id="3" name="Text Placeholder 2">
-            <a:extLst>
-              <a:ext uri="{FF2B5EF4-FFF2-40B4-BE49-F238E27FC236}">
-                <a16:creationId xmlns:a16="http://schemas.microsoft.com/office/drawing/2014/main" id="{96990DFE-A586-E247-815B-802AB3CE06D3}"/>
-              </a:ext>
-            </a:extLst>
-          </p:cNvPr>
-          <p:cNvSpPr>
-            <a:spLocks noGrp="1"/>
-          </p:cNvSpPr>
-          <p:nvPr>
-            <p:ph type="body" sz="quarter" idx="11"/>
-          </p:nvPr>
-        </p:nvSpPr>
-        <p:spPr/>
-        <p:txBody>
-          <a:bodyPr/>
-          <a:lstStyle/>
-          <a:p>
-            <a:endParaRPr lang="en-US"/>
-          </a:p>
-        </p:txBody>
-      </p:sp>
-      <p:sp>
-        <p:nvSpPr>
           <p:cNvPr id="4" name="Title 3">
             <a:extLst>
               <a:ext uri="{FF2B5EF4-FFF2-40B4-BE49-F238E27FC236}">
@@ -18656,6 +23733,31 @@
               <a:rPr lang="en-US" dirty="0"/>
               <a:t>Right Joins</a:t>
             </a:r>
+          </a:p>
+        </p:txBody>
+      </p:sp>
+      <p:sp>
+        <p:nvSpPr>
+          <p:cNvPr id="5" name="Text Placeholder 4">
+            <a:extLst>
+              <a:ext uri="{FF2B5EF4-FFF2-40B4-BE49-F238E27FC236}">
+                <a16:creationId xmlns:a16="http://schemas.microsoft.com/office/drawing/2014/main" id="{6F2566B1-7AA6-4267-AA5D-432D79383244}"/>
+              </a:ext>
+            </a:extLst>
+          </p:cNvPr>
+          <p:cNvSpPr>
+            <a:spLocks noGrp="1"/>
+          </p:cNvSpPr>
+          <p:nvPr>
+            <p:ph type="body" sz="quarter" idx="10"/>
+          </p:nvPr>
+        </p:nvSpPr>
+        <p:spPr/>
+        <p:txBody>
+          <a:bodyPr/>
+          <a:lstStyle/>
+          <a:p>
+            <a:endParaRPr lang="en-US"/>
           </a:p>
         </p:txBody>
       </p:sp>
@@ -18691,56 +23793,6 @@
       </p:grpSpPr>
       <p:sp>
         <p:nvSpPr>
-          <p:cNvPr id="2" name="Subtitle 1">
-            <a:extLst>
-              <a:ext uri="{FF2B5EF4-FFF2-40B4-BE49-F238E27FC236}">
-                <a16:creationId xmlns:a16="http://schemas.microsoft.com/office/drawing/2014/main" id="{3BF363DC-AFB9-5747-892F-AAA5BD482BDD}"/>
-              </a:ext>
-            </a:extLst>
-          </p:cNvPr>
-          <p:cNvSpPr>
-            <a:spLocks noGrp="1"/>
-          </p:cNvSpPr>
-          <p:nvPr>
-            <p:ph type="subTitle" idx="1"/>
-          </p:nvPr>
-        </p:nvSpPr>
-        <p:spPr/>
-        <p:txBody>
-          <a:bodyPr/>
-          <a:lstStyle/>
-          <a:p>
-            <a:endParaRPr lang="en-US"/>
-          </a:p>
-        </p:txBody>
-      </p:sp>
-      <p:sp>
-        <p:nvSpPr>
-          <p:cNvPr id="3" name="Text Placeholder 2">
-            <a:extLst>
-              <a:ext uri="{FF2B5EF4-FFF2-40B4-BE49-F238E27FC236}">
-                <a16:creationId xmlns:a16="http://schemas.microsoft.com/office/drawing/2014/main" id="{AB12E9FE-045D-9446-9034-B6BD944C8BC5}"/>
-              </a:ext>
-            </a:extLst>
-          </p:cNvPr>
-          <p:cNvSpPr>
-            <a:spLocks noGrp="1"/>
-          </p:cNvSpPr>
-          <p:nvPr>
-            <p:ph type="body" sz="quarter" idx="11"/>
-          </p:nvPr>
-        </p:nvSpPr>
-        <p:spPr/>
-        <p:txBody>
-          <a:bodyPr/>
-          <a:lstStyle/>
-          <a:p>
-            <a:endParaRPr lang="en-US"/>
-          </a:p>
-        </p:txBody>
-      </p:sp>
-      <p:sp>
-        <p:nvSpPr>
           <p:cNvPr id="4" name="Title 3">
             <a:extLst>
               <a:ext uri="{FF2B5EF4-FFF2-40B4-BE49-F238E27FC236}">
@@ -18764,6 +23816,31 @@
               <a:rPr lang="en-US" dirty="0"/>
               <a:t>Outer Joins</a:t>
             </a:r>
+          </a:p>
+        </p:txBody>
+      </p:sp>
+      <p:sp>
+        <p:nvSpPr>
+          <p:cNvPr id="5" name="Text Placeholder 4">
+            <a:extLst>
+              <a:ext uri="{FF2B5EF4-FFF2-40B4-BE49-F238E27FC236}">
+                <a16:creationId xmlns:a16="http://schemas.microsoft.com/office/drawing/2014/main" id="{128F6F3C-8622-43C4-A775-1FFA3FBCE2D6}"/>
+              </a:ext>
+            </a:extLst>
+          </p:cNvPr>
+          <p:cNvSpPr>
+            <a:spLocks noGrp="1"/>
+          </p:cNvSpPr>
+          <p:nvPr>
+            <p:ph type="body" sz="quarter" idx="10"/>
+          </p:nvPr>
+        </p:nvSpPr>
+        <p:spPr/>
+        <p:txBody>
+          <a:bodyPr/>
+          <a:lstStyle/>
+          <a:p>
+            <a:endParaRPr lang="en-US"/>
           </a:p>
         </p:txBody>
       </p:sp>
@@ -18799,56 +23876,6 @@
       </p:grpSpPr>
       <p:sp>
         <p:nvSpPr>
-          <p:cNvPr id="2" name="Subtitle 1">
-            <a:extLst>
-              <a:ext uri="{FF2B5EF4-FFF2-40B4-BE49-F238E27FC236}">
-                <a16:creationId xmlns:a16="http://schemas.microsoft.com/office/drawing/2014/main" id="{D6CE2481-2E49-BB44-9D6E-A58E29003D70}"/>
-              </a:ext>
-            </a:extLst>
-          </p:cNvPr>
-          <p:cNvSpPr>
-            <a:spLocks noGrp="1"/>
-          </p:cNvSpPr>
-          <p:nvPr>
-            <p:ph type="subTitle" idx="1"/>
-          </p:nvPr>
-        </p:nvSpPr>
-        <p:spPr/>
-        <p:txBody>
-          <a:bodyPr/>
-          <a:lstStyle/>
-          <a:p>
-            <a:endParaRPr lang="en-US"/>
-          </a:p>
-        </p:txBody>
-      </p:sp>
-      <p:sp>
-        <p:nvSpPr>
-          <p:cNvPr id="3" name="Text Placeholder 2">
-            <a:extLst>
-              <a:ext uri="{FF2B5EF4-FFF2-40B4-BE49-F238E27FC236}">
-                <a16:creationId xmlns:a16="http://schemas.microsoft.com/office/drawing/2014/main" id="{85D1720F-4013-894E-8999-1DE42EA799D1}"/>
-              </a:ext>
-            </a:extLst>
-          </p:cNvPr>
-          <p:cNvSpPr>
-            <a:spLocks noGrp="1"/>
-          </p:cNvSpPr>
-          <p:nvPr>
-            <p:ph type="body" sz="quarter" idx="11"/>
-          </p:nvPr>
-        </p:nvSpPr>
-        <p:spPr/>
-        <p:txBody>
-          <a:bodyPr/>
-          <a:lstStyle/>
-          <a:p>
-            <a:endParaRPr lang="en-US"/>
-          </a:p>
-        </p:txBody>
-      </p:sp>
-      <p:sp>
-        <p:nvSpPr>
           <p:cNvPr id="4" name="Title 3">
             <a:extLst>
               <a:ext uri="{FF2B5EF4-FFF2-40B4-BE49-F238E27FC236}">
@@ -18877,6 +23904,31 @@
               <a:t> Data</a:t>
             </a:r>
             <a:endParaRPr lang="en-US" dirty="0"/>
+          </a:p>
+        </p:txBody>
+      </p:sp>
+      <p:sp>
+        <p:nvSpPr>
+          <p:cNvPr id="5" name="Text Placeholder 4">
+            <a:extLst>
+              <a:ext uri="{FF2B5EF4-FFF2-40B4-BE49-F238E27FC236}">
+                <a16:creationId xmlns:a16="http://schemas.microsoft.com/office/drawing/2014/main" id="{C0C5C11C-87C0-4823-9E66-E49513B67FED}"/>
+              </a:ext>
+            </a:extLst>
+          </p:cNvPr>
+          <p:cNvSpPr>
+            <a:spLocks noGrp="1"/>
+          </p:cNvSpPr>
+          <p:nvPr>
+            <p:ph type="body" sz="quarter" idx="10"/>
+          </p:nvPr>
+        </p:nvSpPr>
+        <p:spPr/>
+        <p:txBody>
+          <a:bodyPr/>
+          <a:lstStyle/>
+          <a:p>
+            <a:endParaRPr lang="en-US"/>
           </a:p>
         </p:txBody>
       </p:sp>
@@ -18964,6 +24016,24 @@
               <a:t>Course Files</a:t>
             </a:r>
           </a:p>
+          <a:p>
+            <a:r>
+              <a:rPr lang="en-US" dirty="0"/>
+              <a:t>Username: </a:t>
+            </a:r>
+            <a:r>
+              <a:rPr lang="en-US" i="1" dirty="0"/>
+              <a:t>Student</a:t>
+            </a:r>
+            <a:r>
+              <a:rPr lang="en-US" dirty="0"/>
+              <a:t>, Password: </a:t>
+            </a:r>
+            <a:r>
+              <a:rPr lang="en-US" i="1" dirty="0"/>
+              <a:t>Pa55w.rd</a:t>
+            </a:r>
+          </a:p>
         </p:txBody>
       </p:sp>
       <p:sp>
@@ -19022,56 +24092,6 @@
       </p:grpSpPr>
       <p:sp>
         <p:nvSpPr>
-          <p:cNvPr id="2" name="Subtitle 1">
-            <a:extLst>
-              <a:ext uri="{FF2B5EF4-FFF2-40B4-BE49-F238E27FC236}">
-                <a16:creationId xmlns:a16="http://schemas.microsoft.com/office/drawing/2014/main" id="{9D046E31-E6B2-424A-AD01-24DC6A841514}"/>
-              </a:ext>
-            </a:extLst>
-          </p:cNvPr>
-          <p:cNvSpPr>
-            <a:spLocks noGrp="1"/>
-          </p:cNvSpPr>
-          <p:nvPr>
-            <p:ph type="subTitle" idx="1"/>
-          </p:nvPr>
-        </p:nvSpPr>
-        <p:spPr/>
-        <p:txBody>
-          <a:bodyPr/>
-          <a:lstStyle/>
-          <a:p>
-            <a:endParaRPr lang="en-US"/>
-          </a:p>
-        </p:txBody>
-      </p:sp>
-      <p:sp>
-        <p:nvSpPr>
-          <p:cNvPr id="3" name="Text Placeholder 2">
-            <a:extLst>
-              <a:ext uri="{FF2B5EF4-FFF2-40B4-BE49-F238E27FC236}">
-                <a16:creationId xmlns:a16="http://schemas.microsoft.com/office/drawing/2014/main" id="{1ABADC0C-5EB1-E742-9C50-DC80F72FCAC8}"/>
-              </a:ext>
-            </a:extLst>
-          </p:cNvPr>
-          <p:cNvSpPr>
-            <a:spLocks noGrp="1"/>
-          </p:cNvSpPr>
-          <p:nvPr>
-            <p:ph type="body" sz="quarter" idx="11"/>
-          </p:nvPr>
-        </p:nvSpPr>
-        <p:spPr/>
-        <p:txBody>
-          <a:bodyPr/>
-          <a:lstStyle/>
-          <a:p>
-            <a:endParaRPr lang="en-US"/>
-          </a:p>
-        </p:txBody>
-      </p:sp>
-      <p:sp>
-        <p:nvSpPr>
           <p:cNvPr id="4" name="Title 3">
             <a:extLst>
               <a:ext uri="{FF2B5EF4-FFF2-40B4-BE49-F238E27FC236}">
@@ -19095,6 +24115,31 @@
               <a:rPr lang="en-US" dirty="0"/>
               <a:t>Missing Data</a:t>
             </a:r>
+          </a:p>
+        </p:txBody>
+      </p:sp>
+      <p:sp>
+        <p:nvSpPr>
+          <p:cNvPr id="5" name="Text Placeholder 4">
+            <a:extLst>
+              <a:ext uri="{FF2B5EF4-FFF2-40B4-BE49-F238E27FC236}">
+                <a16:creationId xmlns:a16="http://schemas.microsoft.com/office/drawing/2014/main" id="{A203D0E2-41AF-4030-A291-5F18ACDEEE0C}"/>
+              </a:ext>
+            </a:extLst>
+          </p:cNvPr>
+          <p:cNvSpPr>
+            <a:spLocks noGrp="1"/>
+          </p:cNvSpPr>
+          <p:nvPr>
+            <p:ph type="body" sz="quarter" idx="10"/>
+          </p:nvPr>
+        </p:nvSpPr>
+        <p:spPr/>
+        <p:txBody>
+          <a:bodyPr/>
+          <a:lstStyle/>
+          <a:p>
+            <a:endParaRPr lang="en-US"/>
           </a:p>
         </p:txBody>
       </p:sp>
@@ -19130,56 +24175,6 @@
       </p:grpSpPr>
       <p:sp>
         <p:nvSpPr>
-          <p:cNvPr id="2" name="Subtitle 1">
-            <a:extLst>
-              <a:ext uri="{FF2B5EF4-FFF2-40B4-BE49-F238E27FC236}">
-                <a16:creationId xmlns:a16="http://schemas.microsoft.com/office/drawing/2014/main" id="{A5058F48-D219-7545-9150-CF37C9DA6679}"/>
-              </a:ext>
-            </a:extLst>
-          </p:cNvPr>
-          <p:cNvSpPr>
-            <a:spLocks noGrp="1"/>
-          </p:cNvSpPr>
-          <p:nvPr>
-            <p:ph type="subTitle" idx="1"/>
-          </p:nvPr>
-        </p:nvSpPr>
-        <p:spPr/>
-        <p:txBody>
-          <a:bodyPr/>
-          <a:lstStyle/>
-          <a:p>
-            <a:endParaRPr lang="en-US"/>
-          </a:p>
-        </p:txBody>
-      </p:sp>
-      <p:sp>
-        <p:nvSpPr>
-          <p:cNvPr id="3" name="Text Placeholder 2">
-            <a:extLst>
-              <a:ext uri="{FF2B5EF4-FFF2-40B4-BE49-F238E27FC236}">
-                <a16:creationId xmlns:a16="http://schemas.microsoft.com/office/drawing/2014/main" id="{1FDFA2B8-FC1D-D24E-92AF-C85916024258}"/>
-              </a:ext>
-            </a:extLst>
-          </p:cNvPr>
-          <p:cNvSpPr>
-            <a:spLocks noGrp="1"/>
-          </p:cNvSpPr>
-          <p:nvPr>
-            <p:ph type="body" sz="quarter" idx="11"/>
-          </p:nvPr>
-        </p:nvSpPr>
-        <p:spPr/>
-        <p:txBody>
-          <a:bodyPr/>
-          <a:lstStyle/>
-          <a:p>
-            <a:endParaRPr lang="en-US"/>
-          </a:p>
-        </p:txBody>
-      </p:sp>
-      <p:sp>
-        <p:nvSpPr>
           <p:cNvPr id="4" name="Title 3">
             <a:extLst>
               <a:ext uri="{FF2B5EF4-FFF2-40B4-BE49-F238E27FC236}">
@@ -19208,6 +24203,31 @@
               <a:t> Missing Records</a:t>
             </a:r>
             <a:endParaRPr lang="en-US" dirty="0"/>
+          </a:p>
+        </p:txBody>
+      </p:sp>
+      <p:sp>
+        <p:nvSpPr>
+          <p:cNvPr id="5" name="Text Placeholder 4">
+            <a:extLst>
+              <a:ext uri="{FF2B5EF4-FFF2-40B4-BE49-F238E27FC236}">
+                <a16:creationId xmlns:a16="http://schemas.microsoft.com/office/drawing/2014/main" id="{7CDE9426-BEBE-4266-B8E2-4C75DB811E72}"/>
+              </a:ext>
+            </a:extLst>
+          </p:cNvPr>
+          <p:cNvSpPr>
+            <a:spLocks noGrp="1"/>
+          </p:cNvSpPr>
+          <p:nvPr>
+            <p:ph type="body" sz="quarter" idx="10"/>
+          </p:nvPr>
+        </p:nvSpPr>
+        <p:spPr/>
+        <p:txBody>
+          <a:bodyPr/>
+          <a:lstStyle/>
+          <a:p>
+            <a:endParaRPr lang="en-US"/>
           </a:p>
         </p:txBody>
       </p:sp>
@@ -19243,56 +24263,6 @@
       </p:grpSpPr>
       <p:sp>
         <p:nvSpPr>
-          <p:cNvPr id="2" name="Subtitle 1">
-            <a:extLst>
-              <a:ext uri="{FF2B5EF4-FFF2-40B4-BE49-F238E27FC236}">
-                <a16:creationId xmlns:a16="http://schemas.microsoft.com/office/drawing/2014/main" id="{383E0E86-9364-D544-9A33-2CBCED5E4D08}"/>
-              </a:ext>
-            </a:extLst>
-          </p:cNvPr>
-          <p:cNvSpPr>
-            <a:spLocks noGrp="1"/>
-          </p:cNvSpPr>
-          <p:nvPr>
-            <p:ph type="subTitle" idx="1"/>
-          </p:nvPr>
-        </p:nvSpPr>
-        <p:spPr/>
-        <p:txBody>
-          <a:bodyPr/>
-          <a:lstStyle/>
-          <a:p>
-            <a:endParaRPr lang="en-US"/>
-          </a:p>
-        </p:txBody>
-      </p:sp>
-      <p:sp>
-        <p:nvSpPr>
-          <p:cNvPr id="3" name="Text Placeholder 2">
-            <a:extLst>
-              <a:ext uri="{FF2B5EF4-FFF2-40B4-BE49-F238E27FC236}">
-                <a16:creationId xmlns:a16="http://schemas.microsoft.com/office/drawing/2014/main" id="{6E386924-6B21-1B45-93FB-2073DC8EA8B5}"/>
-              </a:ext>
-            </a:extLst>
-          </p:cNvPr>
-          <p:cNvSpPr>
-            <a:spLocks noGrp="1"/>
-          </p:cNvSpPr>
-          <p:nvPr>
-            <p:ph type="body" sz="quarter" idx="11"/>
-          </p:nvPr>
-        </p:nvSpPr>
-        <p:spPr/>
-        <p:txBody>
-          <a:bodyPr/>
-          <a:lstStyle/>
-          <a:p>
-            <a:endParaRPr lang="en-US"/>
-          </a:p>
-        </p:txBody>
-      </p:sp>
-      <p:sp>
-        <p:nvSpPr>
           <p:cNvPr id="4" name="Title 3">
             <a:extLst>
               <a:ext uri="{FF2B5EF4-FFF2-40B4-BE49-F238E27FC236}">
@@ -19316,6 +24286,31 @@
               <a:rPr lang="en-US" dirty="0"/>
               <a:t>Bringing It All Together</a:t>
             </a:r>
+          </a:p>
+        </p:txBody>
+      </p:sp>
+      <p:sp>
+        <p:nvSpPr>
+          <p:cNvPr id="5" name="Text Placeholder 4">
+            <a:extLst>
+              <a:ext uri="{FF2B5EF4-FFF2-40B4-BE49-F238E27FC236}">
+                <a16:creationId xmlns:a16="http://schemas.microsoft.com/office/drawing/2014/main" id="{2486C298-3C44-4DD5-A9D4-D733836BDCE6}"/>
+              </a:ext>
+            </a:extLst>
+          </p:cNvPr>
+          <p:cNvSpPr>
+            <a:spLocks noGrp="1"/>
+          </p:cNvSpPr>
+          <p:nvPr>
+            <p:ph type="body" sz="quarter" idx="10"/>
+          </p:nvPr>
+        </p:nvSpPr>
+        <p:spPr/>
+        <p:txBody>
+          <a:bodyPr/>
+          <a:lstStyle/>
+          <a:p>
+            <a:endParaRPr lang="en-US"/>
           </a:p>
         </p:txBody>
       </p:sp>
@@ -19351,56 +24346,6 @@
       </p:grpSpPr>
       <p:sp>
         <p:nvSpPr>
-          <p:cNvPr id="2" name="Subtitle 1">
-            <a:extLst>
-              <a:ext uri="{FF2B5EF4-FFF2-40B4-BE49-F238E27FC236}">
-                <a16:creationId xmlns:a16="http://schemas.microsoft.com/office/drawing/2014/main" id="{2D5E834E-5B7A-2B4E-B858-B6A32B587303}"/>
-              </a:ext>
-            </a:extLst>
-          </p:cNvPr>
-          <p:cNvSpPr>
-            <a:spLocks noGrp="1"/>
-          </p:cNvSpPr>
-          <p:nvPr>
-            <p:ph type="subTitle" idx="1"/>
-          </p:nvPr>
-        </p:nvSpPr>
-        <p:spPr/>
-        <p:txBody>
-          <a:bodyPr/>
-          <a:lstStyle/>
-          <a:p>
-            <a:endParaRPr lang="en-US"/>
-          </a:p>
-        </p:txBody>
-      </p:sp>
-      <p:sp>
-        <p:nvSpPr>
-          <p:cNvPr id="3" name="Text Placeholder 2">
-            <a:extLst>
-              <a:ext uri="{FF2B5EF4-FFF2-40B4-BE49-F238E27FC236}">
-                <a16:creationId xmlns:a16="http://schemas.microsoft.com/office/drawing/2014/main" id="{A4443088-FEA6-234B-AB99-42466F3677BE}"/>
-              </a:ext>
-            </a:extLst>
-          </p:cNvPr>
-          <p:cNvSpPr>
-            <a:spLocks noGrp="1"/>
-          </p:cNvSpPr>
-          <p:nvPr>
-            <p:ph type="body" sz="quarter" idx="11"/>
-          </p:nvPr>
-        </p:nvSpPr>
-        <p:spPr/>
-        <p:txBody>
-          <a:bodyPr/>
-          <a:lstStyle/>
-          <a:p>
-            <a:endParaRPr lang="en-US"/>
-          </a:p>
-        </p:txBody>
-      </p:sp>
-      <p:sp>
-        <p:nvSpPr>
           <p:cNvPr id="4" name="Title 3">
             <a:extLst>
               <a:ext uri="{FF2B5EF4-FFF2-40B4-BE49-F238E27FC236}">
@@ -19424,6 +24369,31 @@
               <a:rPr lang="en-US" dirty="0"/>
               <a:t>Join Clause Recommendations</a:t>
             </a:r>
+          </a:p>
+        </p:txBody>
+      </p:sp>
+      <p:sp>
+        <p:nvSpPr>
+          <p:cNvPr id="5" name="Text Placeholder 4">
+            <a:extLst>
+              <a:ext uri="{FF2B5EF4-FFF2-40B4-BE49-F238E27FC236}">
+                <a16:creationId xmlns:a16="http://schemas.microsoft.com/office/drawing/2014/main" id="{C1C012B1-5F2B-44E2-B5E2-1809DAE5E485}"/>
+              </a:ext>
+            </a:extLst>
+          </p:cNvPr>
+          <p:cNvSpPr>
+            <a:spLocks noGrp="1"/>
+          </p:cNvSpPr>
+          <p:nvPr>
+            <p:ph type="body" sz="quarter" idx="10"/>
+          </p:nvPr>
+        </p:nvSpPr>
+        <p:spPr/>
+        <p:txBody>
+          <a:bodyPr/>
+          <a:lstStyle/>
+          <a:p>
+            <a:endParaRPr lang="en-US"/>
           </a:p>
         </p:txBody>
       </p:sp>

--- a/ppt/TableauPrepBuilderIntroV1_1.pptx
+++ b/ppt/TableauPrepBuilderIntroV1_1.pptx
@@ -5,10 +5,10 @@
     <p:sldMasterId id="2147483660" r:id="rId4"/>
   </p:sldMasterIdLst>
   <p:notesMasterIdLst>
-    <p:notesMasterId r:id="rId98"/>
+    <p:notesMasterId r:id="rId99"/>
   </p:notesMasterIdLst>
   <p:handoutMasterIdLst>
-    <p:handoutMasterId r:id="rId99"/>
+    <p:handoutMasterId r:id="rId100"/>
   </p:handoutMasterIdLst>
   <p:sldIdLst>
     <p:sldId id="323" r:id="rId5"/>
@@ -63,47 +63,48 @@
     <p:sldId id="494" r:id="rId54"/>
     <p:sldId id="453" r:id="rId55"/>
     <p:sldId id="454" r:id="rId56"/>
-    <p:sldId id="455" r:id="rId57"/>
-    <p:sldId id="456" r:id="rId58"/>
-    <p:sldId id="457" r:id="rId59"/>
-    <p:sldId id="458" r:id="rId60"/>
-    <p:sldId id="459" r:id="rId61"/>
-    <p:sldId id="460" r:id="rId62"/>
-    <p:sldId id="461" r:id="rId63"/>
-    <p:sldId id="462" r:id="rId64"/>
-    <p:sldId id="463" r:id="rId65"/>
-    <p:sldId id="464" r:id="rId66"/>
-    <p:sldId id="465" r:id="rId67"/>
-    <p:sldId id="466" r:id="rId68"/>
-    <p:sldId id="467" r:id="rId69"/>
-    <p:sldId id="468" r:id="rId70"/>
-    <p:sldId id="469" r:id="rId71"/>
-    <p:sldId id="470" r:id="rId72"/>
-    <p:sldId id="471" r:id="rId73"/>
-    <p:sldId id="472" r:id="rId74"/>
-    <p:sldId id="473" r:id="rId75"/>
-    <p:sldId id="474" r:id="rId76"/>
-    <p:sldId id="475" r:id="rId77"/>
-    <p:sldId id="476" r:id="rId78"/>
-    <p:sldId id="477" r:id="rId79"/>
-    <p:sldId id="478" r:id="rId80"/>
-    <p:sldId id="479" r:id="rId81"/>
-    <p:sldId id="480" r:id="rId82"/>
-    <p:sldId id="481" r:id="rId83"/>
-    <p:sldId id="482" r:id="rId84"/>
-    <p:sldId id="483" r:id="rId85"/>
-    <p:sldId id="484" r:id="rId86"/>
-    <p:sldId id="485" r:id="rId87"/>
-    <p:sldId id="486" r:id="rId88"/>
-    <p:sldId id="487" r:id="rId89"/>
-    <p:sldId id="488" r:id="rId90"/>
-    <p:sldId id="489" r:id="rId91"/>
-    <p:sldId id="490" r:id="rId92"/>
-    <p:sldId id="382" r:id="rId93"/>
-    <p:sldId id="384" r:id="rId94"/>
-    <p:sldId id="385" r:id="rId95"/>
-    <p:sldId id="491" r:id="rId96"/>
-    <p:sldId id="340" r:id="rId97"/>
+    <p:sldId id="508" r:id="rId57"/>
+    <p:sldId id="455" r:id="rId58"/>
+    <p:sldId id="456" r:id="rId59"/>
+    <p:sldId id="457" r:id="rId60"/>
+    <p:sldId id="458" r:id="rId61"/>
+    <p:sldId id="459" r:id="rId62"/>
+    <p:sldId id="460" r:id="rId63"/>
+    <p:sldId id="461" r:id="rId64"/>
+    <p:sldId id="462" r:id="rId65"/>
+    <p:sldId id="463" r:id="rId66"/>
+    <p:sldId id="464" r:id="rId67"/>
+    <p:sldId id="465" r:id="rId68"/>
+    <p:sldId id="466" r:id="rId69"/>
+    <p:sldId id="467" r:id="rId70"/>
+    <p:sldId id="468" r:id="rId71"/>
+    <p:sldId id="469" r:id="rId72"/>
+    <p:sldId id="470" r:id="rId73"/>
+    <p:sldId id="471" r:id="rId74"/>
+    <p:sldId id="472" r:id="rId75"/>
+    <p:sldId id="473" r:id="rId76"/>
+    <p:sldId id="474" r:id="rId77"/>
+    <p:sldId id="475" r:id="rId78"/>
+    <p:sldId id="476" r:id="rId79"/>
+    <p:sldId id="477" r:id="rId80"/>
+    <p:sldId id="478" r:id="rId81"/>
+    <p:sldId id="479" r:id="rId82"/>
+    <p:sldId id="480" r:id="rId83"/>
+    <p:sldId id="481" r:id="rId84"/>
+    <p:sldId id="482" r:id="rId85"/>
+    <p:sldId id="483" r:id="rId86"/>
+    <p:sldId id="484" r:id="rId87"/>
+    <p:sldId id="485" r:id="rId88"/>
+    <p:sldId id="486" r:id="rId89"/>
+    <p:sldId id="487" r:id="rId90"/>
+    <p:sldId id="488" r:id="rId91"/>
+    <p:sldId id="489" r:id="rId92"/>
+    <p:sldId id="490" r:id="rId93"/>
+    <p:sldId id="382" r:id="rId94"/>
+    <p:sldId id="384" r:id="rId95"/>
+    <p:sldId id="385" r:id="rId96"/>
+    <p:sldId id="491" r:id="rId97"/>
+    <p:sldId id="340" r:id="rId98"/>
   </p:sldIdLst>
   <p:sldSz cx="12192000" cy="6858000"/>
   <p:notesSz cx="9309100" cy="7053263"/>
@@ -305,6 +306,7 @@
           <p14:sldIdLst>
             <p14:sldId id="453"/>
             <p14:sldId id="454"/>
+            <p14:sldId id="508"/>
             <p14:sldId id="455"/>
             <p14:sldId id="456"/>
             <p14:sldId id="457"/>
@@ -2048,7 +2050,7 @@
               <a:pPr>
                 <a:defRPr/>
               </a:pPr>
-              <a:t>53</a:t>
+              <a:t>54</a:t>
             </a:fld>
             <a:endParaRPr lang="en-US"/>
           </a:p>
@@ -2320,7 +2322,7 @@
               <a:pPr>
                 <a:defRPr/>
               </a:pPr>
-              <a:t>54</a:t>
+              <a:t>55</a:t>
             </a:fld>
             <a:endParaRPr lang="en-US"/>
           </a:p>
@@ -2410,7 +2412,7 @@
               <a:pPr>
                 <a:defRPr/>
               </a:pPr>
-              <a:t>55</a:t>
+              <a:t>56</a:t>
             </a:fld>
             <a:endParaRPr lang="en-US"/>
           </a:p>
@@ -2500,7 +2502,7 @@
               <a:pPr>
                 <a:defRPr/>
               </a:pPr>
-              <a:t>56</a:t>
+              <a:t>57</a:t>
             </a:fld>
             <a:endParaRPr lang="en-US"/>
           </a:p>
@@ -2590,7 +2592,7 @@
               <a:pPr>
                 <a:defRPr/>
               </a:pPr>
-              <a:t>57</a:t>
+              <a:t>58</a:t>
             </a:fld>
             <a:endParaRPr lang="en-US"/>
           </a:p>
@@ -2680,7 +2682,7 @@
               <a:pPr>
                 <a:defRPr/>
               </a:pPr>
-              <a:t>58</a:t>
+              <a:t>59</a:t>
             </a:fld>
             <a:endParaRPr lang="en-US"/>
           </a:p>
@@ -2770,7 +2772,7 @@
               <a:pPr>
                 <a:defRPr/>
               </a:pPr>
-              <a:t>59</a:t>
+              <a:t>60</a:t>
             </a:fld>
             <a:endParaRPr lang="en-US"/>
           </a:p>
@@ -2860,7 +2862,7 @@
               <a:pPr>
                 <a:defRPr/>
               </a:pPr>
-              <a:t>60</a:t>
+              <a:t>61</a:t>
             </a:fld>
             <a:endParaRPr lang="en-US"/>
           </a:p>
@@ -2950,7 +2952,7 @@
               <a:pPr>
                 <a:defRPr/>
               </a:pPr>
-              <a:t>61</a:t>
+              <a:t>62</a:t>
             </a:fld>
             <a:endParaRPr lang="en-US"/>
           </a:p>
@@ -3040,7 +3042,7 @@
               <a:pPr>
                 <a:defRPr/>
               </a:pPr>
-              <a:t>62</a:t>
+              <a:t>63</a:t>
             </a:fld>
             <a:endParaRPr lang="en-US"/>
           </a:p>
@@ -3130,7 +3132,7 @@
               <a:pPr>
                 <a:defRPr/>
               </a:pPr>
-              <a:t>63</a:t>
+              <a:t>64</a:t>
             </a:fld>
             <a:endParaRPr lang="en-US"/>
           </a:p>
@@ -3421,7 +3423,7 @@
               <a:pPr>
                 <a:defRPr/>
               </a:pPr>
-              <a:t>64</a:t>
+              <a:t>65</a:t>
             </a:fld>
             <a:endParaRPr lang="en-US"/>
           </a:p>
@@ -3511,7 +3513,7 @@
               <a:pPr>
                 <a:defRPr/>
               </a:pPr>
-              <a:t>65</a:t>
+              <a:t>66</a:t>
             </a:fld>
             <a:endParaRPr lang="en-US"/>
           </a:p>
@@ -3601,7 +3603,7 @@
               <a:pPr>
                 <a:defRPr/>
               </a:pPr>
-              <a:t>66</a:t>
+              <a:t>67</a:t>
             </a:fld>
             <a:endParaRPr lang="en-US"/>
           </a:p>
@@ -3691,7 +3693,7 @@
               <a:pPr>
                 <a:defRPr/>
               </a:pPr>
-              <a:t>67</a:t>
+              <a:t>68</a:t>
             </a:fld>
             <a:endParaRPr lang="en-US"/>
           </a:p>
@@ -3781,7 +3783,7 @@
               <a:pPr>
                 <a:defRPr/>
               </a:pPr>
-              <a:t>68</a:t>
+              <a:t>69</a:t>
             </a:fld>
             <a:endParaRPr lang="en-US"/>
           </a:p>
@@ -3871,7 +3873,7 @@
               <a:pPr>
                 <a:defRPr/>
               </a:pPr>
-              <a:t>69</a:t>
+              <a:t>70</a:t>
             </a:fld>
             <a:endParaRPr lang="en-US"/>
           </a:p>
@@ -3961,7 +3963,7 @@
               <a:pPr>
                 <a:defRPr/>
               </a:pPr>
-              <a:t>70</a:t>
+              <a:t>71</a:t>
             </a:fld>
             <a:endParaRPr lang="en-US"/>
           </a:p>
@@ -4051,7 +4053,7 @@
               <a:pPr>
                 <a:defRPr/>
               </a:pPr>
-              <a:t>71</a:t>
+              <a:t>72</a:t>
             </a:fld>
             <a:endParaRPr lang="en-US"/>
           </a:p>
@@ -4141,7 +4143,7 @@
               <a:pPr>
                 <a:defRPr/>
               </a:pPr>
-              <a:t>72</a:t>
+              <a:t>73</a:t>
             </a:fld>
             <a:endParaRPr lang="en-US"/>
           </a:p>
@@ -4231,7 +4233,7 @@
               <a:pPr>
                 <a:defRPr/>
               </a:pPr>
-              <a:t>73</a:t>
+              <a:t>74</a:t>
             </a:fld>
             <a:endParaRPr lang="en-US"/>
           </a:p>
@@ -4411,7 +4413,7 @@
               <a:pPr>
                 <a:defRPr/>
               </a:pPr>
-              <a:t>74</a:t>
+              <a:t>75</a:t>
             </a:fld>
             <a:endParaRPr lang="en-US"/>
           </a:p>
@@ -4501,7 +4503,7 @@
               <a:pPr>
                 <a:defRPr/>
               </a:pPr>
-              <a:t>75</a:t>
+              <a:t>76</a:t>
             </a:fld>
             <a:endParaRPr lang="en-US"/>
           </a:p>
@@ -4591,7 +4593,7 @@
               <a:pPr>
                 <a:defRPr/>
               </a:pPr>
-              <a:t>76</a:t>
+              <a:t>77</a:t>
             </a:fld>
             <a:endParaRPr lang="en-US"/>
           </a:p>
@@ -4681,7 +4683,7 @@
               <a:pPr>
                 <a:defRPr/>
               </a:pPr>
-              <a:t>77</a:t>
+              <a:t>78</a:t>
             </a:fld>
             <a:endParaRPr lang="en-US"/>
           </a:p>
@@ -4771,7 +4773,7 @@
               <a:pPr>
                 <a:defRPr/>
               </a:pPr>
-              <a:t>78</a:t>
+              <a:t>79</a:t>
             </a:fld>
             <a:endParaRPr lang="en-US"/>
           </a:p>
@@ -4861,7 +4863,7 @@
               <a:pPr>
                 <a:defRPr/>
               </a:pPr>
-              <a:t>79</a:t>
+              <a:t>80</a:t>
             </a:fld>
             <a:endParaRPr lang="en-US"/>
           </a:p>
@@ -4951,7 +4953,7 @@
               <a:pPr>
                 <a:defRPr/>
               </a:pPr>
-              <a:t>80</a:t>
+              <a:t>81</a:t>
             </a:fld>
             <a:endParaRPr lang="en-US"/>
           </a:p>
@@ -5041,7 +5043,7 @@
               <a:pPr>
                 <a:defRPr/>
               </a:pPr>
-              <a:t>81</a:t>
+              <a:t>82</a:t>
             </a:fld>
             <a:endParaRPr lang="en-US"/>
           </a:p>
@@ -5131,7 +5133,7 @@
               <a:pPr>
                 <a:defRPr/>
               </a:pPr>
-              <a:t>82</a:t>
+              <a:t>83</a:t>
             </a:fld>
             <a:endParaRPr lang="en-US"/>
           </a:p>
@@ -5221,7 +5223,7 @@
               <a:pPr>
                 <a:defRPr/>
               </a:pPr>
-              <a:t>83</a:t>
+              <a:t>84</a:t>
             </a:fld>
             <a:endParaRPr lang="en-US"/>
           </a:p>
@@ -5401,7 +5403,7 @@
               <a:pPr>
                 <a:defRPr/>
               </a:pPr>
-              <a:t>84</a:t>
+              <a:t>85</a:t>
             </a:fld>
             <a:endParaRPr lang="en-US"/>
           </a:p>
@@ -5491,7 +5493,7 @@
               <a:pPr>
                 <a:defRPr/>
               </a:pPr>
-              <a:t>85</a:t>
+              <a:t>86</a:t>
             </a:fld>
             <a:endParaRPr lang="en-US"/>
           </a:p>
@@ -5581,7 +5583,7 @@
               <a:pPr>
                 <a:defRPr/>
               </a:pPr>
-              <a:t>86</a:t>
+              <a:t>87</a:t>
             </a:fld>
             <a:endParaRPr lang="en-US"/>
           </a:p>
@@ -5671,7 +5673,7 @@
               <a:pPr>
                 <a:defRPr/>
               </a:pPr>
-              <a:t>87</a:t>
+              <a:t>88</a:t>
             </a:fld>
             <a:endParaRPr lang="en-US"/>
           </a:p>
@@ -5761,7 +5763,7 @@
               <a:pPr>
                 <a:defRPr/>
               </a:pPr>
-              <a:t>88</a:t>
+              <a:t>89</a:t>
             </a:fld>
             <a:endParaRPr lang="en-US"/>
           </a:p>
@@ -5851,7 +5853,7 @@
               <a:pPr>
                 <a:defRPr/>
               </a:pPr>
-              <a:t>89</a:t>
+              <a:t>90</a:t>
             </a:fld>
             <a:endParaRPr lang="en-US"/>
           </a:p>
@@ -5941,7 +5943,7 @@
               <a:pPr>
                 <a:defRPr/>
               </a:pPr>
-              <a:t>90</a:t>
+              <a:t>91</a:t>
             </a:fld>
             <a:endParaRPr lang="en-US"/>
           </a:p>
@@ -6031,7 +6033,7 @@
               <a:pPr>
                 <a:defRPr/>
               </a:pPr>
-              <a:t>91</a:t>
+              <a:t>92</a:t>
             </a:fld>
             <a:endParaRPr lang="en-US"/>
           </a:p>
@@ -6121,7 +6123,7 @@
               <a:pPr>
                 <a:defRPr/>
               </a:pPr>
-              <a:t>92</a:t>
+              <a:t>93</a:t>
             </a:fld>
             <a:endParaRPr lang="en-US"/>
           </a:p>
@@ -6211,7 +6213,7 @@
               <a:pPr>
                 <a:defRPr/>
               </a:pPr>
-              <a:t>93</a:t>
+              <a:t>94</a:t>
             </a:fld>
             <a:endParaRPr lang="en-US"/>
           </a:p>
@@ -21972,11 +21974,7 @@
             </a:r>
             <a:r>
               <a:rPr lang="en-US" i="1" dirty="0"/>
-              <a:t>customer, product, process</a:t>
-            </a:r>
-            <a:r>
-              <a:rPr lang="en-US" i="1"/>
-              <a:t>, location, etc.</a:t>
+              <a:t>customer, product, process, location, etc.</a:t>
             </a:r>
             <a:endParaRPr lang="en-US" dirty="0"/>
           </a:p>
@@ -23378,10 +23376,10 @@
       </p:grpSpPr>
       <p:sp>
         <p:nvSpPr>
-          <p:cNvPr id="4" name="Title 3">
+          <p:cNvPr id="2" name="Title 1">
             <a:extLst>
               <a:ext uri="{FF2B5EF4-FFF2-40B4-BE49-F238E27FC236}">
-                <a16:creationId xmlns:a16="http://schemas.microsoft.com/office/drawing/2014/main" id="{A4A2B281-DC7F-FE4E-81DA-200FBDA2A690}"/>
+                <a16:creationId xmlns:a16="http://schemas.microsoft.com/office/drawing/2014/main" id="{3ADA0004-C134-4F59-B267-DF3334E947D5}"/>
               </a:ext>
             </a:extLst>
           </p:cNvPr>
@@ -23392,24 +23390,29 @@
             <p:ph type="title"/>
           </p:nvPr>
         </p:nvSpPr>
-        <p:spPr/>
+        <p:spPr>
+          <a:xfrm>
+            <a:off x="762000" y="457200"/>
+            <a:ext cx="10668000" cy="1139825"/>
+          </a:xfrm>
+        </p:spPr>
         <p:txBody>
           <a:bodyPr/>
           <a:lstStyle/>
           <a:p>
             <a:r>
               <a:rPr lang="en-US" dirty="0"/>
-              <a:t>Equijoins</a:t>
+              <a:t>Keys</a:t>
             </a:r>
           </a:p>
         </p:txBody>
       </p:sp>
       <p:sp>
         <p:nvSpPr>
-          <p:cNvPr id="5" name="Text Placeholder 4">
+          <p:cNvPr id="3" name="Text Placeholder 2">
             <a:extLst>
               <a:ext uri="{FF2B5EF4-FFF2-40B4-BE49-F238E27FC236}">
-                <a16:creationId xmlns:a16="http://schemas.microsoft.com/office/drawing/2014/main" id="{7F9C326C-28F1-4461-86AA-553B22CCD3F3}"/>
+                <a16:creationId xmlns:a16="http://schemas.microsoft.com/office/drawing/2014/main" id="{71D50E8A-551E-488B-9C5F-8614F96F022F}"/>
               </a:ext>
             </a:extLst>
           </p:cNvPr>
@@ -23420,11 +23423,2349 @@
             <p:ph type="body" sz="quarter" idx="10"/>
           </p:nvPr>
         </p:nvSpPr>
-        <p:spPr/>
+        <p:spPr>
+          <a:xfrm>
+            <a:off x="762000" y="2209800"/>
+            <a:ext cx="10668000" cy="3276600"/>
+          </a:xfrm>
+        </p:spPr>
         <p:txBody>
           <a:bodyPr/>
           <a:lstStyle/>
           <a:p>
+            <a:r>
+              <a:rPr lang="en-US" i="1" dirty="0"/>
+              <a:t>Primary keys:</a:t>
+            </a:r>
+            <a:r>
+              <a:rPr lang="en-US" dirty="0"/>
+              <a:t> Values that uniquely</a:t>
+            </a:r>
+            <a:br>
+              <a:rPr lang="en-US" dirty="0"/>
+            </a:br>
+            <a:r>
+              <a:rPr lang="en-US" dirty="0"/>
+              <a:t>identify rows in a table</a:t>
+            </a:r>
+          </a:p>
+          <a:p>
+            <a:r>
+              <a:rPr lang="en-US" i="1" dirty="0"/>
+              <a:t>Foreign keys:</a:t>
+            </a:r>
+            <a:r>
+              <a:rPr lang="en-US" dirty="0"/>
+              <a:t> Values that reference a</a:t>
+            </a:r>
+            <a:br>
+              <a:rPr lang="en-US" dirty="0"/>
+            </a:br>
+            <a:r>
+              <a:rPr lang="en-US" dirty="0"/>
+              <a:t>primary key (e.g. a “lookup” column)</a:t>
+            </a:r>
+          </a:p>
+          <a:p>
+            <a:r>
+              <a:rPr lang="en-US" dirty="0"/>
+              <a:t>Usually, though not necessarily, numeric </a:t>
+            </a:r>
+            <a:endParaRPr lang="en-US" i="1" dirty="0"/>
+          </a:p>
+        </p:txBody>
+      </p:sp>
+      <p:graphicFrame>
+        <p:nvGraphicFramePr>
+          <p:cNvPr id="5" name="Table 4">
+            <a:extLst>
+              <a:ext uri="{FF2B5EF4-FFF2-40B4-BE49-F238E27FC236}">
+                <a16:creationId xmlns:a16="http://schemas.microsoft.com/office/drawing/2014/main" id="{416CDAEB-BF94-4427-96B1-701D3D8078BA}"/>
+              </a:ext>
+            </a:extLst>
+          </p:cNvPr>
+          <p:cNvGraphicFramePr>
+            <a:graphicFrameLocks noGrp="1"/>
+          </p:cNvGraphicFramePr>
+          <p:nvPr>
+            <p:extLst>
+              <p:ext uri="{D42A27DB-BD31-4B8C-83A1-F6EECF244321}">
+                <p14:modId xmlns:p14="http://schemas.microsoft.com/office/powerpoint/2010/main" val="2992176165"/>
+              </p:ext>
+            </p:extLst>
+          </p:nvPr>
+        </p:nvGraphicFramePr>
+        <p:xfrm>
+          <a:off x="5346034" y="418292"/>
+          <a:ext cx="6083966" cy="1333500"/>
+        </p:xfrm>
+        <a:graphic>
+          <a:graphicData uri="http://schemas.openxmlformats.org/drawingml/2006/table">
+            <a:tbl>
+              <a:tblPr>
+                <a:tableStyleId>{5C22544A-7EE6-4342-B048-85BDC9FD1C3A}</a:tableStyleId>
+              </a:tblPr>
+              <a:tblGrid>
+                <a:gridCol w="888633">
+                  <a:extLst>
+                    <a:ext uri="{9D8B030D-6E8A-4147-A177-3AD203B41FA5}">
+                      <a16:colId xmlns:a16="http://schemas.microsoft.com/office/drawing/2014/main" val="449546053"/>
+                    </a:ext>
+                  </a:extLst>
+                </a:gridCol>
+                <a:gridCol w="1447203">
+                  <a:extLst>
+                    <a:ext uri="{9D8B030D-6E8A-4147-A177-3AD203B41FA5}">
+                      <a16:colId xmlns:a16="http://schemas.microsoft.com/office/drawing/2014/main" val="3046323299"/>
+                    </a:ext>
+                  </a:extLst>
+                </a:gridCol>
+                <a:gridCol w="1437682">
+                  <a:extLst>
+                    <a:ext uri="{9D8B030D-6E8A-4147-A177-3AD203B41FA5}">
+                      <a16:colId xmlns:a16="http://schemas.microsoft.com/office/drawing/2014/main" val="3767186310"/>
+                    </a:ext>
+                  </a:extLst>
+                </a:gridCol>
+                <a:gridCol w="990192">
+                  <a:extLst>
+                    <a:ext uri="{9D8B030D-6E8A-4147-A177-3AD203B41FA5}">
+                      <a16:colId xmlns:a16="http://schemas.microsoft.com/office/drawing/2014/main" val="1395867876"/>
+                    </a:ext>
+                  </a:extLst>
+                </a:gridCol>
+                <a:gridCol w="609349">
+                  <a:extLst>
+                    <a:ext uri="{9D8B030D-6E8A-4147-A177-3AD203B41FA5}">
+                      <a16:colId xmlns:a16="http://schemas.microsoft.com/office/drawing/2014/main" val="3061658291"/>
+                    </a:ext>
+                  </a:extLst>
+                </a:gridCol>
+                <a:gridCol w="710907">
+                  <a:extLst>
+                    <a:ext uri="{9D8B030D-6E8A-4147-A177-3AD203B41FA5}">
+                      <a16:colId xmlns:a16="http://schemas.microsoft.com/office/drawing/2014/main" val="465146952"/>
+                    </a:ext>
+                  </a:extLst>
+                </a:gridCol>
+              </a:tblGrid>
+              <a:tr h="190500">
+                <a:tc>
+                  <a:txBody>
+                    <a:bodyPr/>
+                    <a:lstStyle/>
+                    <a:p>
+                      <a:pPr algn="l" fontAlgn="b"/>
+                      <a:r>
+                        <a:rPr lang="en-US" sz="1100" u="none" strike="noStrike">
+                          <a:effectLst/>
+                        </a:rPr>
+                        <a:t>ProductKey</a:t>
+                      </a:r>
+                      <a:endParaRPr lang="en-US" sz="1100" b="1" i="0" u="none" strike="noStrike">
+                        <a:solidFill>
+                          <a:srgbClr val="FFFFFF"/>
+                        </a:solidFill>
+                        <a:effectLst/>
+                        <a:latin typeface="Calibri" panose="020F0502020204030204" pitchFamily="34" charset="0"/>
+                      </a:endParaRPr>
+                    </a:p>
+                  </a:txBody>
+                  <a:tcPr marL="9525" marR="9525" marT="9525" marB="0" anchor="b"/>
+                </a:tc>
+                <a:tc>
+                  <a:txBody>
+                    <a:bodyPr/>
+                    <a:lstStyle/>
+                    <a:p>
+                      <a:pPr algn="l" fontAlgn="b"/>
+                      <a:r>
+                        <a:rPr lang="en-US" sz="1100" u="none" strike="noStrike">
+                          <a:effectLst/>
+                        </a:rPr>
+                        <a:t>ProductAlternateKey</a:t>
+                      </a:r>
+                      <a:endParaRPr lang="en-US" sz="1100" b="1" i="0" u="none" strike="noStrike">
+                        <a:solidFill>
+                          <a:srgbClr val="FFFFFF"/>
+                        </a:solidFill>
+                        <a:effectLst/>
+                        <a:latin typeface="Calibri" panose="020F0502020204030204" pitchFamily="34" charset="0"/>
+                      </a:endParaRPr>
+                    </a:p>
+                  </a:txBody>
+                  <a:tcPr marL="9525" marR="9525" marT="9525" marB="0" anchor="b"/>
+                </a:tc>
+                <a:tc>
+                  <a:txBody>
+                    <a:bodyPr/>
+                    <a:lstStyle/>
+                    <a:p>
+                      <a:pPr algn="l" fontAlgn="b"/>
+                      <a:r>
+                        <a:rPr lang="en-US" sz="1100" u="none" strike="noStrike">
+                          <a:effectLst/>
+                        </a:rPr>
+                        <a:t>EnglishProductName</a:t>
+                      </a:r>
+                      <a:endParaRPr lang="en-US" sz="1100" b="1" i="0" u="none" strike="noStrike">
+                        <a:solidFill>
+                          <a:srgbClr val="FFFFFF"/>
+                        </a:solidFill>
+                        <a:effectLst/>
+                        <a:latin typeface="Calibri" panose="020F0502020204030204" pitchFamily="34" charset="0"/>
+                      </a:endParaRPr>
+                    </a:p>
+                  </a:txBody>
+                  <a:tcPr marL="9525" marR="9525" marT="9525" marB="0" anchor="b"/>
+                </a:tc>
+                <a:tc>
+                  <a:txBody>
+                    <a:bodyPr/>
+                    <a:lstStyle/>
+                    <a:p>
+                      <a:pPr algn="l" fontAlgn="b"/>
+                      <a:r>
+                        <a:rPr lang="en-US" sz="1100" u="none" strike="noStrike">
+                          <a:effectLst/>
+                        </a:rPr>
+                        <a:t>StandardCost</a:t>
+                      </a:r>
+                      <a:endParaRPr lang="en-US" sz="1100" b="1" i="0" u="none" strike="noStrike">
+                        <a:solidFill>
+                          <a:srgbClr val="FFFFFF"/>
+                        </a:solidFill>
+                        <a:effectLst/>
+                        <a:latin typeface="Calibri" panose="020F0502020204030204" pitchFamily="34" charset="0"/>
+                      </a:endParaRPr>
+                    </a:p>
+                  </a:txBody>
+                  <a:tcPr marL="9525" marR="9525" marT="9525" marB="0" anchor="b"/>
+                </a:tc>
+                <a:tc>
+                  <a:txBody>
+                    <a:bodyPr/>
+                    <a:lstStyle/>
+                    <a:p>
+                      <a:pPr algn="l" fontAlgn="b"/>
+                      <a:r>
+                        <a:rPr lang="en-US" sz="1100" u="none" strike="noStrike">
+                          <a:effectLst/>
+                        </a:rPr>
+                        <a:t>Color</a:t>
+                      </a:r>
+                      <a:endParaRPr lang="en-US" sz="1100" b="1" i="0" u="none" strike="noStrike">
+                        <a:solidFill>
+                          <a:srgbClr val="FFFFFF"/>
+                        </a:solidFill>
+                        <a:effectLst/>
+                        <a:latin typeface="Calibri" panose="020F0502020204030204" pitchFamily="34" charset="0"/>
+                      </a:endParaRPr>
+                    </a:p>
+                  </a:txBody>
+                  <a:tcPr marL="9525" marR="9525" marT="9525" marB="0" anchor="b"/>
+                </a:tc>
+                <a:tc>
+                  <a:txBody>
+                    <a:bodyPr/>
+                    <a:lstStyle/>
+                    <a:p>
+                      <a:pPr algn="l" fontAlgn="b"/>
+                      <a:r>
+                        <a:rPr lang="en-US" sz="1100" u="none" strike="noStrike">
+                          <a:effectLst/>
+                        </a:rPr>
+                        <a:t>ListPrice</a:t>
+                      </a:r>
+                      <a:endParaRPr lang="en-US" sz="1100" b="1" i="0" u="none" strike="noStrike">
+                        <a:solidFill>
+                          <a:srgbClr val="FFFFFF"/>
+                        </a:solidFill>
+                        <a:effectLst/>
+                        <a:latin typeface="Calibri" panose="020F0502020204030204" pitchFamily="34" charset="0"/>
+                      </a:endParaRPr>
+                    </a:p>
+                  </a:txBody>
+                  <a:tcPr marL="9525" marR="9525" marT="9525" marB="0" anchor="b"/>
+                </a:tc>
+                <a:extLst>
+                  <a:ext uri="{0D108BD9-81ED-4DB2-BD59-A6C34878D82A}">
+                    <a16:rowId xmlns:a16="http://schemas.microsoft.com/office/drawing/2014/main" val="1196378383"/>
+                  </a:ext>
+                </a:extLst>
+              </a:tr>
+              <a:tr h="190500">
+                <a:tc>
+                  <a:txBody>
+                    <a:bodyPr/>
+                    <a:lstStyle/>
+                    <a:p>
+                      <a:pPr algn="r" fontAlgn="b"/>
+                      <a:r>
+                        <a:rPr lang="en-US" sz="1100" u="none" strike="noStrike">
+                          <a:effectLst/>
+                        </a:rPr>
+                        <a:t>310</a:t>
+                      </a:r>
+                      <a:endParaRPr lang="en-US" sz="1100" b="0" i="0" u="none" strike="noStrike">
+                        <a:solidFill>
+                          <a:srgbClr val="000000"/>
+                        </a:solidFill>
+                        <a:effectLst/>
+                        <a:latin typeface="Calibri" panose="020F0502020204030204" pitchFamily="34" charset="0"/>
+                      </a:endParaRPr>
+                    </a:p>
+                  </a:txBody>
+                  <a:tcPr marL="9525" marR="9525" marT="9525" marB="0" anchor="b"/>
+                </a:tc>
+                <a:tc>
+                  <a:txBody>
+                    <a:bodyPr/>
+                    <a:lstStyle/>
+                    <a:p>
+                      <a:pPr algn="l" fontAlgn="b"/>
+                      <a:r>
+                        <a:rPr lang="en-US" sz="1100" u="none" strike="noStrike">
+                          <a:effectLst/>
+                        </a:rPr>
+                        <a:t>BK-R93R-62</a:t>
+                      </a:r>
+                      <a:endParaRPr lang="en-US" sz="1100" b="0" i="0" u="none" strike="noStrike">
+                        <a:solidFill>
+                          <a:srgbClr val="000000"/>
+                        </a:solidFill>
+                        <a:effectLst/>
+                        <a:latin typeface="Calibri" panose="020F0502020204030204" pitchFamily="34" charset="0"/>
+                      </a:endParaRPr>
+                    </a:p>
+                  </a:txBody>
+                  <a:tcPr marL="9525" marR="9525" marT="9525" marB="0" anchor="b"/>
+                </a:tc>
+                <a:tc>
+                  <a:txBody>
+                    <a:bodyPr/>
+                    <a:lstStyle/>
+                    <a:p>
+                      <a:pPr algn="l" fontAlgn="b"/>
+                      <a:r>
+                        <a:rPr lang="en-US" sz="1100" u="none" strike="noStrike">
+                          <a:effectLst/>
+                        </a:rPr>
+                        <a:t>Road-150 Red, 62</a:t>
+                      </a:r>
+                      <a:endParaRPr lang="en-US" sz="1100" b="0" i="0" u="none" strike="noStrike">
+                        <a:solidFill>
+                          <a:srgbClr val="000000"/>
+                        </a:solidFill>
+                        <a:effectLst/>
+                        <a:latin typeface="Calibri" panose="020F0502020204030204" pitchFamily="34" charset="0"/>
+                      </a:endParaRPr>
+                    </a:p>
+                  </a:txBody>
+                  <a:tcPr marL="9525" marR="9525" marT="9525" marB="0" anchor="b"/>
+                </a:tc>
+                <a:tc>
+                  <a:txBody>
+                    <a:bodyPr/>
+                    <a:lstStyle/>
+                    <a:p>
+                      <a:pPr algn="r" fontAlgn="b"/>
+                      <a:r>
+                        <a:rPr lang="en-US" sz="1100" u="none" strike="noStrike">
+                          <a:effectLst/>
+                        </a:rPr>
+                        <a:t>2171.2942</a:t>
+                      </a:r>
+                      <a:endParaRPr lang="en-US" sz="1100" b="0" i="0" u="none" strike="noStrike">
+                        <a:solidFill>
+                          <a:srgbClr val="000000"/>
+                        </a:solidFill>
+                        <a:effectLst/>
+                        <a:latin typeface="Calibri" panose="020F0502020204030204" pitchFamily="34" charset="0"/>
+                      </a:endParaRPr>
+                    </a:p>
+                  </a:txBody>
+                  <a:tcPr marL="9525" marR="9525" marT="9525" marB="0" anchor="b"/>
+                </a:tc>
+                <a:tc>
+                  <a:txBody>
+                    <a:bodyPr/>
+                    <a:lstStyle/>
+                    <a:p>
+                      <a:pPr algn="l" fontAlgn="b"/>
+                      <a:r>
+                        <a:rPr lang="en-US" sz="1100" u="none" strike="noStrike">
+                          <a:effectLst/>
+                        </a:rPr>
+                        <a:t>Red</a:t>
+                      </a:r>
+                      <a:endParaRPr lang="en-US" sz="1100" b="0" i="0" u="none" strike="noStrike">
+                        <a:solidFill>
+                          <a:srgbClr val="000000"/>
+                        </a:solidFill>
+                        <a:effectLst/>
+                        <a:latin typeface="Calibri" panose="020F0502020204030204" pitchFamily="34" charset="0"/>
+                      </a:endParaRPr>
+                    </a:p>
+                  </a:txBody>
+                  <a:tcPr marL="9525" marR="9525" marT="9525" marB="0" anchor="b"/>
+                </a:tc>
+                <a:tc>
+                  <a:txBody>
+                    <a:bodyPr/>
+                    <a:lstStyle/>
+                    <a:p>
+                      <a:pPr algn="r" fontAlgn="b"/>
+                      <a:r>
+                        <a:rPr lang="en-US" sz="1100" u="none" strike="noStrike">
+                          <a:effectLst/>
+                        </a:rPr>
+                        <a:t>3578.27</a:t>
+                      </a:r>
+                      <a:endParaRPr lang="en-US" sz="1100" b="0" i="0" u="none" strike="noStrike">
+                        <a:solidFill>
+                          <a:srgbClr val="000000"/>
+                        </a:solidFill>
+                        <a:effectLst/>
+                        <a:latin typeface="Calibri" panose="020F0502020204030204" pitchFamily="34" charset="0"/>
+                      </a:endParaRPr>
+                    </a:p>
+                  </a:txBody>
+                  <a:tcPr marL="9525" marR="9525" marT="9525" marB="0" anchor="b"/>
+                </a:tc>
+                <a:extLst>
+                  <a:ext uri="{0D108BD9-81ED-4DB2-BD59-A6C34878D82A}">
+                    <a16:rowId xmlns:a16="http://schemas.microsoft.com/office/drawing/2014/main" val="710179344"/>
+                  </a:ext>
+                </a:extLst>
+              </a:tr>
+              <a:tr h="190500">
+                <a:tc>
+                  <a:txBody>
+                    <a:bodyPr/>
+                    <a:lstStyle/>
+                    <a:p>
+                      <a:pPr algn="r" fontAlgn="b"/>
+                      <a:r>
+                        <a:rPr lang="en-US" sz="1100" u="none" strike="noStrike">
+                          <a:effectLst/>
+                        </a:rPr>
+                        <a:t>311</a:t>
+                      </a:r>
+                      <a:endParaRPr lang="en-US" sz="1100" b="0" i="0" u="none" strike="noStrike">
+                        <a:solidFill>
+                          <a:srgbClr val="000000"/>
+                        </a:solidFill>
+                        <a:effectLst/>
+                        <a:latin typeface="Calibri" panose="020F0502020204030204" pitchFamily="34" charset="0"/>
+                      </a:endParaRPr>
+                    </a:p>
+                  </a:txBody>
+                  <a:tcPr marL="9525" marR="9525" marT="9525" marB="0" anchor="b"/>
+                </a:tc>
+                <a:tc>
+                  <a:txBody>
+                    <a:bodyPr/>
+                    <a:lstStyle/>
+                    <a:p>
+                      <a:pPr algn="l" fontAlgn="b"/>
+                      <a:r>
+                        <a:rPr lang="en-US" sz="1100" u="none" strike="noStrike">
+                          <a:effectLst/>
+                        </a:rPr>
+                        <a:t>BK-R93R-44</a:t>
+                      </a:r>
+                      <a:endParaRPr lang="en-US" sz="1100" b="0" i="0" u="none" strike="noStrike">
+                        <a:solidFill>
+                          <a:srgbClr val="000000"/>
+                        </a:solidFill>
+                        <a:effectLst/>
+                        <a:latin typeface="Calibri" panose="020F0502020204030204" pitchFamily="34" charset="0"/>
+                      </a:endParaRPr>
+                    </a:p>
+                  </a:txBody>
+                  <a:tcPr marL="9525" marR="9525" marT="9525" marB="0" anchor="b"/>
+                </a:tc>
+                <a:tc>
+                  <a:txBody>
+                    <a:bodyPr/>
+                    <a:lstStyle/>
+                    <a:p>
+                      <a:pPr algn="l" fontAlgn="b"/>
+                      <a:r>
+                        <a:rPr lang="en-US" sz="1100" u="none" strike="noStrike">
+                          <a:effectLst/>
+                        </a:rPr>
+                        <a:t>Road-150 Red, 44</a:t>
+                      </a:r>
+                      <a:endParaRPr lang="en-US" sz="1100" b="0" i="0" u="none" strike="noStrike">
+                        <a:solidFill>
+                          <a:srgbClr val="000000"/>
+                        </a:solidFill>
+                        <a:effectLst/>
+                        <a:latin typeface="Calibri" panose="020F0502020204030204" pitchFamily="34" charset="0"/>
+                      </a:endParaRPr>
+                    </a:p>
+                  </a:txBody>
+                  <a:tcPr marL="9525" marR="9525" marT="9525" marB="0" anchor="b"/>
+                </a:tc>
+                <a:tc>
+                  <a:txBody>
+                    <a:bodyPr/>
+                    <a:lstStyle/>
+                    <a:p>
+                      <a:pPr algn="r" fontAlgn="b"/>
+                      <a:r>
+                        <a:rPr lang="en-US" sz="1100" u="none" strike="noStrike">
+                          <a:effectLst/>
+                        </a:rPr>
+                        <a:t>2171.2942</a:t>
+                      </a:r>
+                      <a:endParaRPr lang="en-US" sz="1100" b="0" i="0" u="none" strike="noStrike">
+                        <a:solidFill>
+                          <a:srgbClr val="000000"/>
+                        </a:solidFill>
+                        <a:effectLst/>
+                        <a:latin typeface="Calibri" panose="020F0502020204030204" pitchFamily="34" charset="0"/>
+                      </a:endParaRPr>
+                    </a:p>
+                  </a:txBody>
+                  <a:tcPr marL="9525" marR="9525" marT="9525" marB="0" anchor="b"/>
+                </a:tc>
+                <a:tc>
+                  <a:txBody>
+                    <a:bodyPr/>
+                    <a:lstStyle/>
+                    <a:p>
+                      <a:pPr algn="l" fontAlgn="b"/>
+                      <a:r>
+                        <a:rPr lang="en-US" sz="1100" u="none" strike="noStrike">
+                          <a:effectLst/>
+                        </a:rPr>
+                        <a:t>Red</a:t>
+                      </a:r>
+                      <a:endParaRPr lang="en-US" sz="1100" b="0" i="0" u="none" strike="noStrike">
+                        <a:solidFill>
+                          <a:srgbClr val="000000"/>
+                        </a:solidFill>
+                        <a:effectLst/>
+                        <a:latin typeface="Calibri" panose="020F0502020204030204" pitchFamily="34" charset="0"/>
+                      </a:endParaRPr>
+                    </a:p>
+                  </a:txBody>
+                  <a:tcPr marL="9525" marR="9525" marT="9525" marB="0" anchor="b"/>
+                </a:tc>
+                <a:tc>
+                  <a:txBody>
+                    <a:bodyPr/>
+                    <a:lstStyle/>
+                    <a:p>
+                      <a:pPr algn="r" fontAlgn="b"/>
+                      <a:r>
+                        <a:rPr lang="en-US" sz="1100" u="none" strike="noStrike">
+                          <a:effectLst/>
+                        </a:rPr>
+                        <a:t>3578.27</a:t>
+                      </a:r>
+                      <a:endParaRPr lang="en-US" sz="1100" b="0" i="0" u="none" strike="noStrike">
+                        <a:solidFill>
+                          <a:srgbClr val="000000"/>
+                        </a:solidFill>
+                        <a:effectLst/>
+                        <a:latin typeface="Calibri" panose="020F0502020204030204" pitchFamily="34" charset="0"/>
+                      </a:endParaRPr>
+                    </a:p>
+                  </a:txBody>
+                  <a:tcPr marL="9525" marR="9525" marT="9525" marB="0" anchor="b"/>
+                </a:tc>
+                <a:extLst>
+                  <a:ext uri="{0D108BD9-81ED-4DB2-BD59-A6C34878D82A}">
+                    <a16:rowId xmlns:a16="http://schemas.microsoft.com/office/drawing/2014/main" val="3694258608"/>
+                  </a:ext>
+                </a:extLst>
+              </a:tr>
+              <a:tr h="190500">
+                <a:tc>
+                  <a:txBody>
+                    <a:bodyPr/>
+                    <a:lstStyle/>
+                    <a:p>
+                      <a:pPr algn="r" fontAlgn="b"/>
+                      <a:r>
+                        <a:rPr lang="en-US" sz="1100" u="none" strike="noStrike">
+                          <a:effectLst/>
+                        </a:rPr>
+                        <a:t>312</a:t>
+                      </a:r>
+                      <a:endParaRPr lang="en-US" sz="1100" b="0" i="0" u="none" strike="noStrike">
+                        <a:solidFill>
+                          <a:srgbClr val="000000"/>
+                        </a:solidFill>
+                        <a:effectLst/>
+                        <a:latin typeface="Calibri" panose="020F0502020204030204" pitchFamily="34" charset="0"/>
+                      </a:endParaRPr>
+                    </a:p>
+                  </a:txBody>
+                  <a:tcPr marL="9525" marR="9525" marT="9525" marB="0" anchor="b"/>
+                </a:tc>
+                <a:tc>
+                  <a:txBody>
+                    <a:bodyPr/>
+                    <a:lstStyle/>
+                    <a:p>
+                      <a:pPr algn="l" fontAlgn="b"/>
+                      <a:r>
+                        <a:rPr lang="en-US" sz="1100" u="none" strike="noStrike">
+                          <a:effectLst/>
+                        </a:rPr>
+                        <a:t>BK-R93R-48</a:t>
+                      </a:r>
+                      <a:endParaRPr lang="en-US" sz="1100" b="0" i="0" u="none" strike="noStrike">
+                        <a:solidFill>
+                          <a:srgbClr val="000000"/>
+                        </a:solidFill>
+                        <a:effectLst/>
+                        <a:latin typeface="Calibri" panose="020F0502020204030204" pitchFamily="34" charset="0"/>
+                      </a:endParaRPr>
+                    </a:p>
+                  </a:txBody>
+                  <a:tcPr marL="9525" marR="9525" marT="9525" marB="0" anchor="b"/>
+                </a:tc>
+                <a:tc>
+                  <a:txBody>
+                    <a:bodyPr/>
+                    <a:lstStyle/>
+                    <a:p>
+                      <a:pPr algn="l" fontAlgn="b"/>
+                      <a:r>
+                        <a:rPr lang="en-US" sz="1100" u="none" strike="noStrike">
+                          <a:effectLst/>
+                        </a:rPr>
+                        <a:t>Road-150 Red, 48</a:t>
+                      </a:r>
+                      <a:endParaRPr lang="en-US" sz="1100" b="0" i="0" u="none" strike="noStrike">
+                        <a:solidFill>
+                          <a:srgbClr val="000000"/>
+                        </a:solidFill>
+                        <a:effectLst/>
+                        <a:latin typeface="Calibri" panose="020F0502020204030204" pitchFamily="34" charset="0"/>
+                      </a:endParaRPr>
+                    </a:p>
+                  </a:txBody>
+                  <a:tcPr marL="9525" marR="9525" marT="9525" marB="0" anchor="b"/>
+                </a:tc>
+                <a:tc>
+                  <a:txBody>
+                    <a:bodyPr/>
+                    <a:lstStyle/>
+                    <a:p>
+                      <a:pPr algn="r" fontAlgn="b"/>
+                      <a:r>
+                        <a:rPr lang="en-US" sz="1100" u="none" strike="noStrike">
+                          <a:effectLst/>
+                        </a:rPr>
+                        <a:t>2171.2942</a:t>
+                      </a:r>
+                      <a:endParaRPr lang="en-US" sz="1100" b="0" i="0" u="none" strike="noStrike">
+                        <a:solidFill>
+                          <a:srgbClr val="000000"/>
+                        </a:solidFill>
+                        <a:effectLst/>
+                        <a:latin typeface="Calibri" panose="020F0502020204030204" pitchFamily="34" charset="0"/>
+                      </a:endParaRPr>
+                    </a:p>
+                  </a:txBody>
+                  <a:tcPr marL="9525" marR="9525" marT="9525" marB="0" anchor="b"/>
+                </a:tc>
+                <a:tc>
+                  <a:txBody>
+                    <a:bodyPr/>
+                    <a:lstStyle/>
+                    <a:p>
+                      <a:pPr algn="l" fontAlgn="b"/>
+                      <a:r>
+                        <a:rPr lang="en-US" sz="1100" u="none" strike="noStrike">
+                          <a:effectLst/>
+                        </a:rPr>
+                        <a:t>Red</a:t>
+                      </a:r>
+                      <a:endParaRPr lang="en-US" sz="1100" b="0" i="0" u="none" strike="noStrike">
+                        <a:solidFill>
+                          <a:srgbClr val="000000"/>
+                        </a:solidFill>
+                        <a:effectLst/>
+                        <a:latin typeface="Calibri" panose="020F0502020204030204" pitchFamily="34" charset="0"/>
+                      </a:endParaRPr>
+                    </a:p>
+                  </a:txBody>
+                  <a:tcPr marL="9525" marR="9525" marT="9525" marB="0" anchor="b"/>
+                </a:tc>
+                <a:tc>
+                  <a:txBody>
+                    <a:bodyPr/>
+                    <a:lstStyle/>
+                    <a:p>
+                      <a:pPr algn="r" fontAlgn="b"/>
+                      <a:r>
+                        <a:rPr lang="en-US" sz="1100" u="none" strike="noStrike">
+                          <a:effectLst/>
+                        </a:rPr>
+                        <a:t>3578.27</a:t>
+                      </a:r>
+                      <a:endParaRPr lang="en-US" sz="1100" b="0" i="0" u="none" strike="noStrike">
+                        <a:solidFill>
+                          <a:srgbClr val="000000"/>
+                        </a:solidFill>
+                        <a:effectLst/>
+                        <a:latin typeface="Calibri" panose="020F0502020204030204" pitchFamily="34" charset="0"/>
+                      </a:endParaRPr>
+                    </a:p>
+                  </a:txBody>
+                  <a:tcPr marL="9525" marR="9525" marT="9525" marB="0" anchor="b"/>
+                </a:tc>
+                <a:extLst>
+                  <a:ext uri="{0D108BD9-81ED-4DB2-BD59-A6C34878D82A}">
+                    <a16:rowId xmlns:a16="http://schemas.microsoft.com/office/drawing/2014/main" val="1552892832"/>
+                  </a:ext>
+                </a:extLst>
+              </a:tr>
+              <a:tr h="190500">
+                <a:tc>
+                  <a:txBody>
+                    <a:bodyPr/>
+                    <a:lstStyle/>
+                    <a:p>
+                      <a:pPr algn="r" fontAlgn="b"/>
+                      <a:r>
+                        <a:rPr lang="en-US" sz="1100" u="none" strike="noStrike">
+                          <a:effectLst/>
+                        </a:rPr>
+                        <a:t>313</a:t>
+                      </a:r>
+                      <a:endParaRPr lang="en-US" sz="1100" b="0" i="0" u="none" strike="noStrike">
+                        <a:solidFill>
+                          <a:srgbClr val="000000"/>
+                        </a:solidFill>
+                        <a:effectLst/>
+                        <a:latin typeface="Calibri" panose="020F0502020204030204" pitchFamily="34" charset="0"/>
+                      </a:endParaRPr>
+                    </a:p>
+                  </a:txBody>
+                  <a:tcPr marL="9525" marR="9525" marT="9525" marB="0" anchor="b"/>
+                </a:tc>
+                <a:tc>
+                  <a:txBody>
+                    <a:bodyPr/>
+                    <a:lstStyle/>
+                    <a:p>
+                      <a:pPr algn="l" fontAlgn="b"/>
+                      <a:r>
+                        <a:rPr lang="en-US" sz="1100" u="none" strike="noStrike">
+                          <a:effectLst/>
+                        </a:rPr>
+                        <a:t>BK-R93R-52</a:t>
+                      </a:r>
+                      <a:endParaRPr lang="en-US" sz="1100" b="0" i="0" u="none" strike="noStrike">
+                        <a:solidFill>
+                          <a:srgbClr val="000000"/>
+                        </a:solidFill>
+                        <a:effectLst/>
+                        <a:latin typeface="Calibri" panose="020F0502020204030204" pitchFamily="34" charset="0"/>
+                      </a:endParaRPr>
+                    </a:p>
+                  </a:txBody>
+                  <a:tcPr marL="9525" marR="9525" marT="9525" marB="0" anchor="b"/>
+                </a:tc>
+                <a:tc>
+                  <a:txBody>
+                    <a:bodyPr/>
+                    <a:lstStyle/>
+                    <a:p>
+                      <a:pPr algn="l" fontAlgn="b"/>
+                      <a:r>
+                        <a:rPr lang="en-US" sz="1100" u="none" strike="noStrike">
+                          <a:effectLst/>
+                        </a:rPr>
+                        <a:t>Road-150 Red, 52</a:t>
+                      </a:r>
+                      <a:endParaRPr lang="en-US" sz="1100" b="0" i="0" u="none" strike="noStrike">
+                        <a:solidFill>
+                          <a:srgbClr val="000000"/>
+                        </a:solidFill>
+                        <a:effectLst/>
+                        <a:latin typeface="Calibri" panose="020F0502020204030204" pitchFamily="34" charset="0"/>
+                      </a:endParaRPr>
+                    </a:p>
+                  </a:txBody>
+                  <a:tcPr marL="9525" marR="9525" marT="9525" marB="0" anchor="b"/>
+                </a:tc>
+                <a:tc>
+                  <a:txBody>
+                    <a:bodyPr/>
+                    <a:lstStyle/>
+                    <a:p>
+                      <a:pPr algn="r" fontAlgn="b"/>
+                      <a:r>
+                        <a:rPr lang="en-US" sz="1100" u="none" strike="noStrike">
+                          <a:effectLst/>
+                        </a:rPr>
+                        <a:t>2171.2942</a:t>
+                      </a:r>
+                      <a:endParaRPr lang="en-US" sz="1100" b="0" i="0" u="none" strike="noStrike">
+                        <a:solidFill>
+                          <a:srgbClr val="000000"/>
+                        </a:solidFill>
+                        <a:effectLst/>
+                        <a:latin typeface="Calibri" panose="020F0502020204030204" pitchFamily="34" charset="0"/>
+                      </a:endParaRPr>
+                    </a:p>
+                  </a:txBody>
+                  <a:tcPr marL="9525" marR="9525" marT="9525" marB="0" anchor="b"/>
+                </a:tc>
+                <a:tc>
+                  <a:txBody>
+                    <a:bodyPr/>
+                    <a:lstStyle/>
+                    <a:p>
+                      <a:pPr algn="l" fontAlgn="b"/>
+                      <a:r>
+                        <a:rPr lang="en-US" sz="1100" u="none" strike="noStrike">
+                          <a:effectLst/>
+                        </a:rPr>
+                        <a:t>Red</a:t>
+                      </a:r>
+                      <a:endParaRPr lang="en-US" sz="1100" b="0" i="0" u="none" strike="noStrike">
+                        <a:solidFill>
+                          <a:srgbClr val="000000"/>
+                        </a:solidFill>
+                        <a:effectLst/>
+                        <a:latin typeface="Calibri" panose="020F0502020204030204" pitchFamily="34" charset="0"/>
+                      </a:endParaRPr>
+                    </a:p>
+                  </a:txBody>
+                  <a:tcPr marL="9525" marR="9525" marT="9525" marB="0" anchor="b"/>
+                </a:tc>
+                <a:tc>
+                  <a:txBody>
+                    <a:bodyPr/>
+                    <a:lstStyle/>
+                    <a:p>
+                      <a:pPr algn="r" fontAlgn="b"/>
+                      <a:r>
+                        <a:rPr lang="en-US" sz="1100" u="none" strike="noStrike">
+                          <a:effectLst/>
+                        </a:rPr>
+                        <a:t>3578.27</a:t>
+                      </a:r>
+                      <a:endParaRPr lang="en-US" sz="1100" b="0" i="0" u="none" strike="noStrike">
+                        <a:solidFill>
+                          <a:srgbClr val="000000"/>
+                        </a:solidFill>
+                        <a:effectLst/>
+                        <a:latin typeface="Calibri" panose="020F0502020204030204" pitchFamily="34" charset="0"/>
+                      </a:endParaRPr>
+                    </a:p>
+                  </a:txBody>
+                  <a:tcPr marL="9525" marR="9525" marT="9525" marB="0" anchor="b"/>
+                </a:tc>
+                <a:extLst>
+                  <a:ext uri="{0D108BD9-81ED-4DB2-BD59-A6C34878D82A}">
+                    <a16:rowId xmlns:a16="http://schemas.microsoft.com/office/drawing/2014/main" val="3097635506"/>
+                  </a:ext>
+                </a:extLst>
+              </a:tr>
+              <a:tr h="190500">
+                <a:tc>
+                  <a:txBody>
+                    <a:bodyPr/>
+                    <a:lstStyle/>
+                    <a:p>
+                      <a:pPr algn="r" fontAlgn="b"/>
+                      <a:r>
+                        <a:rPr lang="en-US" sz="1100" u="none" strike="noStrike">
+                          <a:effectLst/>
+                        </a:rPr>
+                        <a:t>314</a:t>
+                      </a:r>
+                      <a:endParaRPr lang="en-US" sz="1100" b="0" i="0" u="none" strike="noStrike">
+                        <a:solidFill>
+                          <a:srgbClr val="000000"/>
+                        </a:solidFill>
+                        <a:effectLst/>
+                        <a:latin typeface="Calibri" panose="020F0502020204030204" pitchFamily="34" charset="0"/>
+                      </a:endParaRPr>
+                    </a:p>
+                  </a:txBody>
+                  <a:tcPr marL="9525" marR="9525" marT="9525" marB="0" anchor="b"/>
+                </a:tc>
+                <a:tc>
+                  <a:txBody>
+                    <a:bodyPr/>
+                    <a:lstStyle/>
+                    <a:p>
+                      <a:pPr algn="l" fontAlgn="b"/>
+                      <a:r>
+                        <a:rPr lang="en-US" sz="1100" u="none" strike="noStrike">
+                          <a:effectLst/>
+                        </a:rPr>
+                        <a:t>BK-R93R-56</a:t>
+                      </a:r>
+                      <a:endParaRPr lang="en-US" sz="1100" b="0" i="0" u="none" strike="noStrike">
+                        <a:solidFill>
+                          <a:srgbClr val="000000"/>
+                        </a:solidFill>
+                        <a:effectLst/>
+                        <a:latin typeface="Calibri" panose="020F0502020204030204" pitchFamily="34" charset="0"/>
+                      </a:endParaRPr>
+                    </a:p>
+                  </a:txBody>
+                  <a:tcPr marL="9525" marR="9525" marT="9525" marB="0" anchor="b"/>
+                </a:tc>
+                <a:tc>
+                  <a:txBody>
+                    <a:bodyPr/>
+                    <a:lstStyle/>
+                    <a:p>
+                      <a:pPr algn="l" fontAlgn="b"/>
+                      <a:r>
+                        <a:rPr lang="en-US" sz="1100" u="none" strike="noStrike">
+                          <a:effectLst/>
+                        </a:rPr>
+                        <a:t>Road-150 Red, 56</a:t>
+                      </a:r>
+                      <a:endParaRPr lang="en-US" sz="1100" b="0" i="0" u="none" strike="noStrike">
+                        <a:solidFill>
+                          <a:srgbClr val="000000"/>
+                        </a:solidFill>
+                        <a:effectLst/>
+                        <a:latin typeface="Calibri" panose="020F0502020204030204" pitchFamily="34" charset="0"/>
+                      </a:endParaRPr>
+                    </a:p>
+                  </a:txBody>
+                  <a:tcPr marL="9525" marR="9525" marT="9525" marB="0" anchor="b"/>
+                </a:tc>
+                <a:tc>
+                  <a:txBody>
+                    <a:bodyPr/>
+                    <a:lstStyle/>
+                    <a:p>
+                      <a:pPr algn="r" fontAlgn="b"/>
+                      <a:r>
+                        <a:rPr lang="en-US" sz="1100" u="none" strike="noStrike">
+                          <a:effectLst/>
+                        </a:rPr>
+                        <a:t>2171.2942</a:t>
+                      </a:r>
+                      <a:endParaRPr lang="en-US" sz="1100" b="0" i="0" u="none" strike="noStrike">
+                        <a:solidFill>
+                          <a:srgbClr val="000000"/>
+                        </a:solidFill>
+                        <a:effectLst/>
+                        <a:latin typeface="Calibri" panose="020F0502020204030204" pitchFamily="34" charset="0"/>
+                      </a:endParaRPr>
+                    </a:p>
+                  </a:txBody>
+                  <a:tcPr marL="9525" marR="9525" marT="9525" marB="0" anchor="b"/>
+                </a:tc>
+                <a:tc>
+                  <a:txBody>
+                    <a:bodyPr/>
+                    <a:lstStyle/>
+                    <a:p>
+                      <a:pPr algn="l" fontAlgn="b"/>
+                      <a:r>
+                        <a:rPr lang="en-US" sz="1100" u="none" strike="noStrike">
+                          <a:effectLst/>
+                        </a:rPr>
+                        <a:t>Red</a:t>
+                      </a:r>
+                      <a:endParaRPr lang="en-US" sz="1100" b="0" i="0" u="none" strike="noStrike">
+                        <a:solidFill>
+                          <a:srgbClr val="000000"/>
+                        </a:solidFill>
+                        <a:effectLst/>
+                        <a:latin typeface="Calibri" panose="020F0502020204030204" pitchFamily="34" charset="0"/>
+                      </a:endParaRPr>
+                    </a:p>
+                  </a:txBody>
+                  <a:tcPr marL="9525" marR="9525" marT="9525" marB="0" anchor="b"/>
+                </a:tc>
+                <a:tc>
+                  <a:txBody>
+                    <a:bodyPr/>
+                    <a:lstStyle/>
+                    <a:p>
+                      <a:pPr algn="r" fontAlgn="b"/>
+                      <a:r>
+                        <a:rPr lang="en-US" sz="1100" u="none" strike="noStrike">
+                          <a:effectLst/>
+                        </a:rPr>
+                        <a:t>3578.27</a:t>
+                      </a:r>
+                      <a:endParaRPr lang="en-US" sz="1100" b="0" i="0" u="none" strike="noStrike">
+                        <a:solidFill>
+                          <a:srgbClr val="000000"/>
+                        </a:solidFill>
+                        <a:effectLst/>
+                        <a:latin typeface="Calibri" panose="020F0502020204030204" pitchFamily="34" charset="0"/>
+                      </a:endParaRPr>
+                    </a:p>
+                  </a:txBody>
+                  <a:tcPr marL="9525" marR="9525" marT="9525" marB="0" anchor="b"/>
+                </a:tc>
+                <a:extLst>
+                  <a:ext uri="{0D108BD9-81ED-4DB2-BD59-A6C34878D82A}">
+                    <a16:rowId xmlns:a16="http://schemas.microsoft.com/office/drawing/2014/main" val="305212047"/>
+                  </a:ext>
+                </a:extLst>
+              </a:tr>
+              <a:tr h="190500">
+                <a:tc>
+                  <a:txBody>
+                    <a:bodyPr/>
+                    <a:lstStyle/>
+                    <a:p>
+                      <a:pPr algn="r" fontAlgn="b"/>
+                      <a:r>
+                        <a:rPr lang="en-US" sz="1100" u="none" strike="noStrike">
+                          <a:effectLst/>
+                        </a:rPr>
+                        <a:t>315</a:t>
+                      </a:r>
+                      <a:endParaRPr lang="en-US" sz="1100" b="0" i="0" u="none" strike="noStrike">
+                        <a:solidFill>
+                          <a:srgbClr val="000000"/>
+                        </a:solidFill>
+                        <a:effectLst/>
+                        <a:latin typeface="Calibri" panose="020F0502020204030204" pitchFamily="34" charset="0"/>
+                      </a:endParaRPr>
+                    </a:p>
+                  </a:txBody>
+                  <a:tcPr marL="9525" marR="9525" marT="9525" marB="0" anchor="b"/>
+                </a:tc>
+                <a:tc>
+                  <a:txBody>
+                    <a:bodyPr/>
+                    <a:lstStyle/>
+                    <a:p>
+                      <a:pPr algn="l" fontAlgn="b"/>
+                      <a:r>
+                        <a:rPr lang="en-US" sz="1100" u="none" strike="noStrike">
+                          <a:effectLst/>
+                        </a:rPr>
+                        <a:t>BK-R68R-58</a:t>
+                      </a:r>
+                      <a:endParaRPr lang="en-US" sz="1100" b="0" i="0" u="none" strike="noStrike">
+                        <a:solidFill>
+                          <a:srgbClr val="000000"/>
+                        </a:solidFill>
+                        <a:effectLst/>
+                        <a:latin typeface="Calibri" panose="020F0502020204030204" pitchFamily="34" charset="0"/>
+                      </a:endParaRPr>
+                    </a:p>
+                  </a:txBody>
+                  <a:tcPr marL="9525" marR="9525" marT="9525" marB="0" anchor="b"/>
+                </a:tc>
+                <a:tc>
+                  <a:txBody>
+                    <a:bodyPr/>
+                    <a:lstStyle/>
+                    <a:p>
+                      <a:pPr algn="l" fontAlgn="b"/>
+                      <a:r>
+                        <a:rPr lang="en-US" sz="1100" u="none" strike="noStrike" dirty="0">
+                          <a:effectLst/>
+                        </a:rPr>
+                        <a:t>Road-450 Red, 58</a:t>
+                      </a:r>
+                      <a:endParaRPr lang="en-US" sz="1100" b="0" i="0" u="none" strike="noStrike" dirty="0">
+                        <a:solidFill>
+                          <a:srgbClr val="000000"/>
+                        </a:solidFill>
+                        <a:effectLst/>
+                        <a:latin typeface="Calibri" panose="020F0502020204030204" pitchFamily="34" charset="0"/>
+                      </a:endParaRPr>
+                    </a:p>
+                  </a:txBody>
+                  <a:tcPr marL="9525" marR="9525" marT="9525" marB="0" anchor="b"/>
+                </a:tc>
+                <a:tc>
+                  <a:txBody>
+                    <a:bodyPr/>
+                    <a:lstStyle/>
+                    <a:p>
+                      <a:pPr algn="r" fontAlgn="b"/>
+                      <a:r>
+                        <a:rPr lang="en-US" sz="1100" u="none" strike="noStrike">
+                          <a:effectLst/>
+                        </a:rPr>
+                        <a:t>884.7083</a:t>
+                      </a:r>
+                      <a:endParaRPr lang="en-US" sz="1100" b="0" i="0" u="none" strike="noStrike">
+                        <a:solidFill>
+                          <a:srgbClr val="000000"/>
+                        </a:solidFill>
+                        <a:effectLst/>
+                        <a:latin typeface="Calibri" panose="020F0502020204030204" pitchFamily="34" charset="0"/>
+                      </a:endParaRPr>
+                    </a:p>
+                  </a:txBody>
+                  <a:tcPr marL="9525" marR="9525" marT="9525" marB="0" anchor="b"/>
+                </a:tc>
+                <a:tc>
+                  <a:txBody>
+                    <a:bodyPr/>
+                    <a:lstStyle/>
+                    <a:p>
+                      <a:pPr algn="l" fontAlgn="b"/>
+                      <a:r>
+                        <a:rPr lang="en-US" sz="1100" u="none" strike="noStrike">
+                          <a:effectLst/>
+                        </a:rPr>
+                        <a:t>Red</a:t>
+                      </a:r>
+                      <a:endParaRPr lang="en-US" sz="1100" b="0" i="0" u="none" strike="noStrike">
+                        <a:solidFill>
+                          <a:srgbClr val="000000"/>
+                        </a:solidFill>
+                        <a:effectLst/>
+                        <a:latin typeface="Calibri" panose="020F0502020204030204" pitchFamily="34" charset="0"/>
+                      </a:endParaRPr>
+                    </a:p>
+                  </a:txBody>
+                  <a:tcPr marL="9525" marR="9525" marT="9525" marB="0" anchor="b"/>
+                </a:tc>
+                <a:tc>
+                  <a:txBody>
+                    <a:bodyPr/>
+                    <a:lstStyle/>
+                    <a:p>
+                      <a:pPr algn="r" fontAlgn="b"/>
+                      <a:r>
+                        <a:rPr lang="en-US" sz="1100" u="none" strike="noStrike" dirty="0">
+                          <a:effectLst/>
+                        </a:rPr>
+                        <a:t>1457.99</a:t>
+                      </a:r>
+                      <a:endParaRPr lang="en-US" sz="1100" b="0" i="0" u="none" strike="noStrike" dirty="0">
+                        <a:solidFill>
+                          <a:srgbClr val="000000"/>
+                        </a:solidFill>
+                        <a:effectLst/>
+                        <a:latin typeface="Calibri" panose="020F0502020204030204" pitchFamily="34" charset="0"/>
+                      </a:endParaRPr>
+                    </a:p>
+                  </a:txBody>
+                  <a:tcPr marL="9525" marR="9525" marT="9525" marB="0" anchor="b"/>
+                </a:tc>
+                <a:extLst>
+                  <a:ext uri="{0D108BD9-81ED-4DB2-BD59-A6C34878D82A}">
+                    <a16:rowId xmlns:a16="http://schemas.microsoft.com/office/drawing/2014/main" val="2461746732"/>
+                  </a:ext>
+                </a:extLst>
+              </a:tr>
+            </a:tbl>
+          </a:graphicData>
+        </a:graphic>
+      </p:graphicFrame>
+      <p:graphicFrame>
+        <p:nvGraphicFramePr>
+          <p:cNvPr id="6" name="Table 5">
+            <a:extLst>
+              <a:ext uri="{FF2B5EF4-FFF2-40B4-BE49-F238E27FC236}">
+                <a16:creationId xmlns:a16="http://schemas.microsoft.com/office/drawing/2014/main" id="{908BF620-743C-4D27-807A-3BFE34E683B6}"/>
+              </a:ext>
+            </a:extLst>
+          </p:cNvPr>
+          <p:cNvGraphicFramePr>
+            <a:graphicFrameLocks noGrp="1"/>
+          </p:cNvGraphicFramePr>
+          <p:nvPr>
+            <p:extLst>
+              <p:ext uri="{D42A27DB-BD31-4B8C-83A1-F6EECF244321}">
+                <p14:modId xmlns:p14="http://schemas.microsoft.com/office/powerpoint/2010/main" val="1802410322"/>
+              </p:ext>
+            </p:extLst>
+          </p:nvPr>
+        </p:nvGraphicFramePr>
+        <p:xfrm>
+          <a:off x="8255000" y="2420158"/>
+          <a:ext cx="3175000" cy="1905000"/>
+        </p:xfrm>
+        <a:graphic>
+          <a:graphicData uri="http://schemas.openxmlformats.org/drawingml/2006/table">
+            <a:tbl>
+              <a:tblPr>
+                <a:tableStyleId>{5C22544A-7EE6-4342-B048-85BDC9FD1C3A}</a:tableStyleId>
+              </a:tblPr>
+              <a:tblGrid>
+                <a:gridCol w="889000">
+                  <a:extLst>
+                    <a:ext uri="{9D8B030D-6E8A-4147-A177-3AD203B41FA5}">
+                      <a16:colId xmlns:a16="http://schemas.microsoft.com/office/drawing/2014/main" val="2928871060"/>
+                    </a:ext>
+                  </a:extLst>
+                </a:gridCol>
+                <a:gridCol w="990600">
+                  <a:extLst>
+                    <a:ext uri="{9D8B030D-6E8A-4147-A177-3AD203B41FA5}">
+                      <a16:colId xmlns:a16="http://schemas.microsoft.com/office/drawing/2014/main" val="4055393803"/>
+                    </a:ext>
+                  </a:extLst>
+                </a:gridCol>
+                <a:gridCol w="660400">
+                  <a:extLst>
+                    <a:ext uri="{9D8B030D-6E8A-4147-A177-3AD203B41FA5}">
+                      <a16:colId xmlns:a16="http://schemas.microsoft.com/office/drawing/2014/main" val="1624624387"/>
+                    </a:ext>
+                  </a:extLst>
+                </a:gridCol>
+                <a:gridCol w="635000">
+                  <a:extLst>
+                    <a:ext uri="{9D8B030D-6E8A-4147-A177-3AD203B41FA5}">
+                      <a16:colId xmlns:a16="http://schemas.microsoft.com/office/drawing/2014/main" val="1657942800"/>
+                    </a:ext>
+                  </a:extLst>
+                </a:gridCol>
+              </a:tblGrid>
+              <a:tr h="190500">
+                <a:tc>
+                  <a:txBody>
+                    <a:bodyPr/>
+                    <a:lstStyle/>
+                    <a:p>
+                      <a:pPr algn="l" fontAlgn="b"/>
+                      <a:r>
+                        <a:rPr lang="en-US" sz="1100" u="none" strike="noStrike">
+                          <a:effectLst/>
+                        </a:rPr>
+                        <a:t>ProductKey</a:t>
+                      </a:r>
+                      <a:endParaRPr lang="en-US" sz="1100" b="1" i="0" u="none" strike="noStrike">
+                        <a:solidFill>
+                          <a:srgbClr val="FFFFFF"/>
+                        </a:solidFill>
+                        <a:effectLst/>
+                        <a:latin typeface="Calibri" panose="020F0502020204030204" pitchFamily="34" charset="0"/>
+                      </a:endParaRPr>
+                    </a:p>
+                  </a:txBody>
+                  <a:tcPr marL="9525" marR="9525" marT="9525" marB="0" anchor="b"/>
+                </a:tc>
+                <a:tc>
+                  <a:txBody>
+                    <a:bodyPr/>
+                    <a:lstStyle/>
+                    <a:p>
+                      <a:pPr algn="l" fontAlgn="b"/>
+                      <a:r>
+                        <a:rPr lang="en-US" sz="1100" u="none" strike="noStrike">
+                          <a:effectLst/>
+                        </a:rPr>
+                        <a:t>SalesAmount</a:t>
+                      </a:r>
+                      <a:endParaRPr lang="en-US" sz="1100" b="1" i="0" u="none" strike="noStrike">
+                        <a:solidFill>
+                          <a:srgbClr val="FFFFFF"/>
+                        </a:solidFill>
+                        <a:effectLst/>
+                        <a:latin typeface="Calibri" panose="020F0502020204030204" pitchFamily="34" charset="0"/>
+                      </a:endParaRPr>
+                    </a:p>
+                  </a:txBody>
+                  <a:tcPr marL="9525" marR="9525" marT="9525" marB="0" anchor="b"/>
+                </a:tc>
+                <a:tc>
+                  <a:txBody>
+                    <a:bodyPr/>
+                    <a:lstStyle/>
+                    <a:p>
+                      <a:pPr algn="l" fontAlgn="b"/>
+                      <a:r>
+                        <a:rPr lang="en-US" sz="1100" u="none" strike="noStrike">
+                          <a:effectLst/>
+                        </a:rPr>
+                        <a:t>TaxAmt</a:t>
+                      </a:r>
+                      <a:endParaRPr lang="en-US" sz="1100" b="1" i="0" u="none" strike="noStrike">
+                        <a:solidFill>
+                          <a:srgbClr val="FFFFFF"/>
+                        </a:solidFill>
+                        <a:effectLst/>
+                        <a:latin typeface="Calibri" panose="020F0502020204030204" pitchFamily="34" charset="0"/>
+                      </a:endParaRPr>
+                    </a:p>
+                  </a:txBody>
+                  <a:tcPr marL="9525" marR="9525" marT="9525" marB="0" anchor="b"/>
+                </a:tc>
+                <a:tc>
+                  <a:txBody>
+                    <a:bodyPr/>
+                    <a:lstStyle/>
+                    <a:p>
+                      <a:pPr algn="l" fontAlgn="b"/>
+                      <a:r>
+                        <a:rPr lang="en-US" sz="1100" u="none" strike="noStrike">
+                          <a:effectLst/>
+                        </a:rPr>
+                        <a:t>Freight</a:t>
+                      </a:r>
+                      <a:endParaRPr lang="en-US" sz="1100" b="1" i="0" u="none" strike="noStrike">
+                        <a:solidFill>
+                          <a:srgbClr val="FFFFFF"/>
+                        </a:solidFill>
+                        <a:effectLst/>
+                        <a:latin typeface="Calibri" panose="020F0502020204030204" pitchFamily="34" charset="0"/>
+                      </a:endParaRPr>
+                    </a:p>
+                  </a:txBody>
+                  <a:tcPr marL="9525" marR="9525" marT="9525" marB="0" anchor="b"/>
+                </a:tc>
+                <a:extLst>
+                  <a:ext uri="{0D108BD9-81ED-4DB2-BD59-A6C34878D82A}">
+                    <a16:rowId xmlns:a16="http://schemas.microsoft.com/office/drawing/2014/main" val="2901771157"/>
+                  </a:ext>
+                </a:extLst>
+              </a:tr>
+              <a:tr h="190500">
+                <a:tc>
+                  <a:txBody>
+                    <a:bodyPr/>
+                    <a:lstStyle/>
+                    <a:p>
+                      <a:pPr algn="r" fontAlgn="b"/>
+                      <a:r>
+                        <a:rPr lang="en-US" sz="1100" u="none" strike="noStrike">
+                          <a:effectLst/>
+                        </a:rPr>
+                        <a:t>310</a:t>
+                      </a:r>
+                      <a:endParaRPr lang="en-US" sz="1100" b="0" i="0" u="none" strike="noStrike">
+                        <a:solidFill>
+                          <a:srgbClr val="000000"/>
+                        </a:solidFill>
+                        <a:effectLst/>
+                        <a:latin typeface="Calibri" panose="020F0502020204030204" pitchFamily="34" charset="0"/>
+                      </a:endParaRPr>
+                    </a:p>
+                  </a:txBody>
+                  <a:tcPr marL="9525" marR="9525" marT="9525" marB="0" anchor="b"/>
+                </a:tc>
+                <a:tc>
+                  <a:txBody>
+                    <a:bodyPr/>
+                    <a:lstStyle/>
+                    <a:p>
+                      <a:pPr algn="r" fontAlgn="b"/>
+                      <a:r>
+                        <a:rPr lang="en-US" sz="1100" u="none" strike="noStrike" dirty="0">
+                          <a:effectLst/>
+                        </a:rPr>
+                        <a:t>3578.27</a:t>
+                      </a:r>
+                      <a:endParaRPr lang="en-US" sz="1100" b="0" i="0" u="none" strike="noStrike" dirty="0">
+                        <a:solidFill>
+                          <a:srgbClr val="000000"/>
+                        </a:solidFill>
+                        <a:effectLst/>
+                        <a:latin typeface="Calibri" panose="020F0502020204030204" pitchFamily="34" charset="0"/>
+                      </a:endParaRPr>
+                    </a:p>
+                  </a:txBody>
+                  <a:tcPr marL="9525" marR="9525" marT="9525" marB="0" anchor="b"/>
+                </a:tc>
+                <a:tc>
+                  <a:txBody>
+                    <a:bodyPr/>
+                    <a:lstStyle/>
+                    <a:p>
+                      <a:pPr algn="r" fontAlgn="b"/>
+                      <a:r>
+                        <a:rPr lang="en-US" sz="1100" u="none" strike="noStrike">
+                          <a:effectLst/>
+                        </a:rPr>
+                        <a:t>286.2616</a:t>
+                      </a:r>
+                      <a:endParaRPr lang="en-US" sz="1100" b="0" i="0" u="none" strike="noStrike">
+                        <a:solidFill>
+                          <a:srgbClr val="000000"/>
+                        </a:solidFill>
+                        <a:effectLst/>
+                        <a:latin typeface="Calibri" panose="020F0502020204030204" pitchFamily="34" charset="0"/>
+                      </a:endParaRPr>
+                    </a:p>
+                  </a:txBody>
+                  <a:tcPr marL="9525" marR="9525" marT="9525" marB="0" anchor="b"/>
+                </a:tc>
+                <a:tc>
+                  <a:txBody>
+                    <a:bodyPr/>
+                    <a:lstStyle/>
+                    <a:p>
+                      <a:pPr algn="r" fontAlgn="b"/>
+                      <a:r>
+                        <a:rPr lang="en-US" sz="1100" u="none" strike="noStrike">
+                          <a:effectLst/>
+                        </a:rPr>
+                        <a:t>89.4568</a:t>
+                      </a:r>
+                      <a:endParaRPr lang="en-US" sz="1100" b="0" i="0" u="none" strike="noStrike">
+                        <a:solidFill>
+                          <a:srgbClr val="000000"/>
+                        </a:solidFill>
+                        <a:effectLst/>
+                        <a:latin typeface="Calibri" panose="020F0502020204030204" pitchFamily="34" charset="0"/>
+                      </a:endParaRPr>
+                    </a:p>
+                  </a:txBody>
+                  <a:tcPr marL="9525" marR="9525" marT="9525" marB="0" anchor="b"/>
+                </a:tc>
+                <a:extLst>
+                  <a:ext uri="{0D108BD9-81ED-4DB2-BD59-A6C34878D82A}">
+                    <a16:rowId xmlns:a16="http://schemas.microsoft.com/office/drawing/2014/main" val="502503341"/>
+                  </a:ext>
+                </a:extLst>
+              </a:tr>
+              <a:tr h="190500">
+                <a:tc>
+                  <a:txBody>
+                    <a:bodyPr/>
+                    <a:lstStyle/>
+                    <a:p>
+                      <a:pPr algn="r" fontAlgn="b"/>
+                      <a:r>
+                        <a:rPr lang="en-US" sz="1100" u="none" strike="noStrike">
+                          <a:effectLst/>
+                        </a:rPr>
+                        <a:t>311</a:t>
+                      </a:r>
+                      <a:endParaRPr lang="en-US" sz="1100" b="0" i="0" u="none" strike="noStrike">
+                        <a:solidFill>
+                          <a:srgbClr val="000000"/>
+                        </a:solidFill>
+                        <a:effectLst/>
+                        <a:latin typeface="Calibri" panose="020F0502020204030204" pitchFamily="34" charset="0"/>
+                      </a:endParaRPr>
+                    </a:p>
+                  </a:txBody>
+                  <a:tcPr marL="9525" marR="9525" marT="9525" marB="0" anchor="b"/>
+                </a:tc>
+                <a:tc>
+                  <a:txBody>
+                    <a:bodyPr/>
+                    <a:lstStyle/>
+                    <a:p>
+                      <a:pPr algn="r" fontAlgn="b"/>
+                      <a:r>
+                        <a:rPr lang="en-US" sz="1100" u="none" strike="noStrike">
+                          <a:effectLst/>
+                        </a:rPr>
+                        <a:t>3578.27</a:t>
+                      </a:r>
+                      <a:endParaRPr lang="en-US" sz="1100" b="0" i="0" u="none" strike="noStrike">
+                        <a:solidFill>
+                          <a:srgbClr val="000000"/>
+                        </a:solidFill>
+                        <a:effectLst/>
+                        <a:latin typeface="Calibri" panose="020F0502020204030204" pitchFamily="34" charset="0"/>
+                      </a:endParaRPr>
+                    </a:p>
+                  </a:txBody>
+                  <a:tcPr marL="9525" marR="9525" marT="9525" marB="0" anchor="b"/>
+                </a:tc>
+                <a:tc>
+                  <a:txBody>
+                    <a:bodyPr/>
+                    <a:lstStyle/>
+                    <a:p>
+                      <a:pPr algn="r" fontAlgn="b"/>
+                      <a:r>
+                        <a:rPr lang="en-US" sz="1100" u="none" strike="noStrike">
+                          <a:effectLst/>
+                        </a:rPr>
+                        <a:t>286.2616</a:t>
+                      </a:r>
+                      <a:endParaRPr lang="en-US" sz="1100" b="0" i="0" u="none" strike="noStrike">
+                        <a:solidFill>
+                          <a:srgbClr val="000000"/>
+                        </a:solidFill>
+                        <a:effectLst/>
+                        <a:latin typeface="Calibri" panose="020F0502020204030204" pitchFamily="34" charset="0"/>
+                      </a:endParaRPr>
+                    </a:p>
+                  </a:txBody>
+                  <a:tcPr marL="9525" marR="9525" marT="9525" marB="0" anchor="b"/>
+                </a:tc>
+                <a:tc>
+                  <a:txBody>
+                    <a:bodyPr/>
+                    <a:lstStyle/>
+                    <a:p>
+                      <a:pPr algn="r" fontAlgn="b"/>
+                      <a:r>
+                        <a:rPr lang="en-US" sz="1100" u="none" strike="noStrike">
+                          <a:effectLst/>
+                        </a:rPr>
+                        <a:t>89.4568</a:t>
+                      </a:r>
+                      <a:endParaRPr lang="en-US" sz="1100" b="0" i="0" u="none" strike="noStrike">
+                        <a:solidFill>
+                          <a:srgbClr val="000000"/>
+                        </a:solidFill>
+                        <a:effectLst/>
+                        <a:latin typeface="Calibri" panose="020F0502020204030204" pitchFamily="34" charset="0"/>
+                      </a:endParaRPr>
+                    </a:p>
+                  </a:txBody>
+                  <a:tcPr marL="9525" marR="9525" marT="9525" marB="0" anchor="b"/>
+                </a:tc>
+                <a:extLst>
+                  <a:ext uri="{0D108BD9-81ED-4DB2-BD59-A6C34878D82A}">
+                    <a16:rowId xmlns:a16="http://schemas.microsoft.com/office/drawing/2014/main" val="2034883758"/>
+                  </a:ext>
+                </a:extLst>
+              </a:tr>
+              <a:tr h="190500">
+                <a:tc>
+                  <a:txBody>
+                    <a:bodyPr/>
+                    <a:lstStyle/>
+                    <a:p>
+                      <a:pPr algn="r" fontAlgn="b"/>
+                      <a:r>
+                        <a:rPr lang="en-US" sz="1100" u="none" strike="noStrike">
+                          <a:effectLst/>
+                        </a:rPr>
+                        <a:t>310</a:t>
+                      </a:r>
+                      <a:endParaRPr lang="en-US" sz="1100" b="0" i="0" u="none" strike="noStrike">
+                        <a:solidFill>
+                          <a:srgbClr val="000000"/>
+                        </a:solidFill>
+                        <a:effectLst/>
+                        <a:latin typeface="Calibri" panose="020F0502020204030204" pitchFamily="34" charset="0"/>
+                      </a:endParaRPr>
+                    </a:p>
+                  </a:txBody>
+                  <a:tcPr marL="9525" marR="9525" marT="9525" marB="0" anchor="b"/>
+                </a:tc>
+                <a:tc>
+                  <a:txBody>
+                    <a:bodyPr/>
+                    <a:lstStyle/>
+                    <a:p>
+                      <a:pPr algn="r" fontAlgn="b"/>
+                      <a:r>
+                        <a:rPr lang="en-US" sz="1100" u="none" strike="noStrike">
+                          <a:effectLst/>
+                        </a:rPr>
+                        <a:t>3578.27</a:t>
+                      </a:r>
+                      <a:endParaRPr lang="en-US" sz="1100" b="0" i="0" u="none" strike="noStrike">
+                        <a:solidFill>
+                          <a:srgbClr val="000000"/>
+                        </a:solidFill>
+                        <a:effectLst/>
+                        <a:latin typeface="Calibri" panose="020F0502020204030204" pitchFamily="34" charset="0"/>
+                      </a:endParaRPr>
+                    </a:p>
+                  </a:txBody>
+                  <a:tcPr marL="9525" marR="9525" marT="9525" marB="0" anchor="b"/>
+                </a:tc>
+                <a:tc>
+                  <a:txBody>
+                    <a:bodyPr/>
+                    <a:lstStyle/>
+                    <a:p>
+                      <a:pPr algn="r" fontAlgn="b"/>
+                      <a:r>
+                        <a:rPr lang="en-US" sz="1100" u="none" strike="noStrike">
+                          <a:effectLst/>
+                        </a:rPr>
+                        <a:t>286.2616</a:t>
+                      </a:r>
+                      <a:endParaRPr lang="en-US" sz="1100" b="0" i="0" u="none" strike="noStrike">
+                        <a:solidFill>
+                          <a:srgbClr val="000000"/>
+                        </a:solidFill>
+                        <a:effectLst/>
+                        <a:latin typeface="Calibri" panose="020F0502020204030204" pitchFamily="34" charset="0"/>
+                      </a:endParaRPr>
+                    </a:p>
+                  </a:txBody>
+                  <a:tcPr marL="9525" marR="9525" marT="9525" marB="0" anchor="b"/>
+                </a:tc>
+                <a:tc>
+                  <a:txBody>
+                    <a:bodyPr/>
+                    <a:lstStyle/>
+                    <a:p>
+                      <a:pPr algn="r" fontAlgn="b"/>
+                      <a:r>
+                        <a:rPr lang="en-US" sz="1100" u="none" strike="noStrike">
+                          <a:effectLst/>
+                        </a:rPr>
+                        <a:t>89.4568</a:t>
+                      </a:r>
+                      <a:endParaRPr lang="en-US" sz="1100" b="0" i="0" u="none" strike="noStrike">
+                        <a:solidFill>
+                          <a:srgbClr val="000000"/>
+                        </a:solidFill>
+                        <a:effectLst/>
+                        <a:latin typeface="Calibri" panose="020F0502020204030204" pitchFamily="34" charset="0"/>
+                      </a:endParaRPr>
+                    </a:p>
+                  </a:txBody>
+                  <a:tcPr marL="9525" marR="9525" marT="9525" marB="0" anchor="b"/>
+                </a:tc>
+                <a:extLst>
+                  <a:ext uri="{0D108BD9-81ED-4DB2-BD59-A6C34878D82A}">
+                    <a16:rowId xmlns:a16="http://schemas.microsoft.com/office/drawing/2014/main" val="65950504"/>
+                  </a:ext>
+                </a:extLst>
+              </a:tr>
+              <a:tr h="190500">
+                <a:tc>
+                  <a:txBody>
+                    <a:bodyPr/>
+                    <a:lstStyle/>
+                    <a:p>
+                      <a:pPr algn="r" fontAlgn="b"/>
+                      <a:r>
+                        <a:rPr lang="en-US" sz="1100" u="none" strike="noStrike">
+                          <a:effectLst/>
+                        </a:rPr>
+                        <a:t>312</a:t>
+                      </a:r>
+                      <a:endParaRPr lang="en-US" sz="1100" b="0" i="0" u="none" strike="noStrike">
+                        <a:solidFill>
+                          <a:srgbClr val="000000"/>
+                        </a:solidFill>
+                        <a:effectLst/>
+                        <a:latin typeface="Calibri" panose="020F0502020204030204" pitchFamily="34" charset="0"/>
+                      </a:endParaRPr>
+                    </a:p>
+                  </a:txBody>
+                  <a:tcPr marL="9525" marR="9525" marT="9525" marB="0" anchor="b"/>
+                </a:tc>
+                <a:tc>
+                  <a:txBody>
+                    <a:bodyPr/>
+                    <a:lstStyle/>
+                    <a:p>
+                      <a:pPr algn="r" fontAlgn="b"/>
+                      <a:r>
+                        <a:rPr lang="en-US" sz="1100" u="none" strike="noStrike">
+                          <a:effectLst/>
+                        </a:rPr>
+                        <a:t>3578.27</a:t>
+                      </a:r>
+                      <a:endParaRPr lang="en-US" sz="1100" b="0" i="0" u="none" strike="noStrike">
+                        <a:solidFill>
+                          <a:srgbClr val="000000"/>
+                        </a:solidFill>
+                        <a:effectLst/>
+                        <a:latin typeface="Calibri" panose="020F0502020204030204" pitchFamily="34" charset="0"/>
+                      </a:endParaRPr>
+                    </a:p>
+                  </a:txBody>
+                  <a:tcPr marL="9525" marR="9525" marT="9525" marB="0" anchor="b"/>
+                </a:tc>
+                <a:tc>
+                  <a:txBody>
+                    <a:bodyPr/>
+                    <a:lstStyle/>
+                    <a:p>
+                      <a:pPr algn="r" fontAlgn="b"/>
+                      <a:r>
+                        <a:rPr lang="en-US" sz="1100" u="none" strike="noStrike">
+                          <a:effectLst/>
+                        </a:rPr>
+                        <a:t>286.2616</a:t>
+                      </a:r>
+                      <a:endParaRPr lang="en-US" sz="1100" b="0" i="0" u="none" strike="noStrike">
+                        <a:solidFill>
+                          <a:srgbClr val="000000"/>
+                        </a:solidFill>
+                        <a:effectLst/>
+                        <a:latin typeface="Calibri" panose="020F0502020204030204" pitchFamily="34" charset="0"/>
+                      </a:endParaRPr>
+                    </a:p>
+                  </a:txBody>
+                  <a:tcPr marL="9525" marR="9525" marT="9525" marB="0" anchor="b"/>
+                </a:tc>
+                <a:tc>
+                  <a:txBody>
+                    <a:bodyPr/>
+                    <a:lstStyle/>
+                    <a:p>
+                      <a:pPr algn="r" fontAlgn="b"/>
+                      <a:r>
+                        <a:rPr lang="en-US" sz="1100" u="none" strike="noStrike">
+                          <a:effectLst/>
+                        </a:rPr>
+                        <a:t>89.4568</a:t>
+                      </a:r>
+                      <a:endParaRPr lang="en-US" sz="1100" b="0" i="0" u="none" strike="noStrike">
+                        <a:solidFill>
+                          <a:srgbClr val="000000"/>
+                        </a:solidFill>
+                        <a:effectLst/>
+                        <a:latin typeface="Calibri" panose="020F0502020204030204" pitchFamily="34" charset="0"/>
+                      </a:endParaRPr>
+                    </a:p>
+                  </a:txBody>
+                  <a:tcPr marL="9525" marR="9525" marT="9525" marB="0" anchor="b"/>
+                </a:tc>
+                <a:extLst>
+                  <a:ext uri="{0D108BD9-81ED-4DB2-BD59-A6C34878D82A}">
+                    <a16:rowId xmlns:a16="http://schemas.microsoft.com/office/drawing/2014/main" val="974717632"/>
+                  </a:ext>
+                </a:extLst>
+              </a:tr>
+              <a:tr h="190500">
+                <a:tc>
+                  <a:txBody>
+                    <a:bodyPr/>
+                    <a:lstStyle/>
+                    <a:p>
+                      <a:pPr algn="r" fontAlgn="b"/>
+                      <a:r>
+                        <a:rPr lang="en-US" sz="1100" u="none" strike="noStrike">
+                          <a:effectLst/>
+                        </a:rPr>
+                        <a:t>312</a:t>
+                      </a:r>
+                      <a:endParaRPr lang="en-US" sz="1100" b="0" i="0" u="none" strike="noStrike">
+                        <a:solidFill>
+                          <a:srgbClr val="000000"/>
+                        </a:solidFill>
+                        <a:effectLst/>
+                        <a:latin typeface="Calibri" panose="020F0502020204030204" pitchFamily="34" charset="0"/>
+                      </a:endParaRPr>
+                    </a:p>
+                  </a:txBody>
+                  <a:tcPr marL="9525" marR="9525" marT="9525" marB="0" anchor="b"/>
+                </a:tc>
+                <a:tc>
+                  <a:txBody>
+                    <a:bodyPr/>
+                    <a:lstStyle/>
+                    <a:p>
+                      <a:pPr algn="r" fontAlgn="b"/>
+                      <a:r>
+                        <a:rPr lang="en-US" sz="1100" u="none" strike="noStrike">
+                          <a:effectLst/>
+                        </a:rPr>
+                        <a:t>3578.27</a:t>
+                      </a:r>
+                      <a:endParaRPr lang="en-US" sz="1100" b="0" i="0" u="none" strike="noStrike">
+                        <a:solidFill>
+                          <a:srgbClr val="000000"/>
+                        </a:solidFill>
+                        <a:effectLst/>
+                        <a:latin typeface="Calibri" panose="020F0502020204030204" pitchFamily="34" charset="0"/>
+                      </a:endParaRPr>
+                    </a:p>
+                  </a:txBody>
+                  <a:tcPr marL="9525" marR="9525" marT="9525" marB="0" anchor="b"/>
+                </a:tc>
+                <a:tc>
+                  <a:txBody>
+                    <a:bodyPr/>
+                    <a:lstStyle/>
+                    <a:p>
+                      <a:pPr algn="r" fontAlgn="b"/>
+                      <a:r>
+                        <a:rPr lang="en-US" sz="1100" u="none" strike="noStrike">
+                          <a:effectLst/>
+                        </a:rPr>
+                        <a:t>286.2616</a:t>
+                      </a:r>
+                      <a:endParaRPr lang="en-US" sz="1100" b="0" i="0" u="none" strike="noStrike">
+                        <a:solidFill>
+                          <a:srgbClr val="000000"/>
+                        </a:solidFill>
+                        <a:effectLst/>
+                        <a:latin typeface="Calibri" panose="020F0502020204030204" pitchFamily="34" charset="0"/>
+                      </a:endParaRPr>
+                    </a:p>
+                  </a:txBody>
+                  <a:tcPr marL="9525" marR="9525" marT="9525" marB="0" anchor="b"/>
+                </a:tc>
+                <a:tc>
+                  <a:txBody>
+                    <a:bodyPr/>
+                    <a:lstStyle/>
+                    <a:p>
+                      <a:pPr algn="r" fontAlgn="b"/>
+                      <a:r>
+                        <a:rPr lang="en-US" sz="1100" u="none" strike="noStrike">
+                          <a:effectLst/>
+                        </a:rPr>
+                        <a:t>89.4568</a:t>
+                      </a:r>
+                      <a:endParaRPr lang="en-US" sz="1100" b="0" i="0" u="none" strike="noStrike">
+                        <a:solidFill>
+                          <a:srgbClr val="000000"/>
+                        </a:solidFill>
+                        <a:effectLst/>
+                        <a:latin typeface="Calibri" panose="020F0502020204030204" pitchFamily="34" charset="0"/>
+                      </a:endParaRPr>
+                    </a:p>
+                  </a:txBody>
+                  <a:tcPr marL="9525" marR="9525" marT="9525" marB="0" anchor="b"/>
+                </a:tc>
+                <a:extLst>
+                  <a:ext uri="{0D108BD9-81ED-4DB2-BD59-A6C34878D82A}">
+                    <a16:rowId xmlns:a16="http://schemas.microsoft.com/office/drawing/2014/main" val="4201448016"/>
+                  </a:ext>
+                </a:extLst>
+              </a:tr>
+              <a:tr h="190500">
+                <a:tc>
+                  <a:txBody>
+                    <a:bodyPr/>
+                    <a:lstStyle/>
+                    <a:p>
+                      <a:pPr algn="r" fontAlgn="b"/>
+                      <a:r>
+                        <a:rPr lang="en-US" sz="1100" u="none" strike="noStrike">
+                          <a:effectLst/>
+                        </a:rPr>
+                        <a:t>313</a:t>
+                      </a:r>
+                      <a:endParaRPr lang="en-US" sz="1100" b="0" i="0" u="none" strike="noStrike">
+                        <a:solidFill>
+                          <a:srgbClr val="000000"/>
+                        </a:solidFill>
+                        <a:effectLst/>
+                        <a:latin typeface="Calibri" panose="020F0502020204030204" pitchFamily="34" charset="0"/>
+                      </a:endParaRPr>
+                    </a:p>
+                  </a:txBody>
+                  <a:tcPr marL="9525" marR="9525" marT="9525" marB="0" anchor="b"/>
+                </a:tc>
+                <a:tc>
+                  <a:txBody>
+                    <a:bodyPr/>
+                    <a:lstStyle/>
+                    <a:p>
+                      <a:pPr algn="r" fontAlgn="b"/>
+                      <a:r>
+                        <a:rPr lang="en-US" sz="1100" u="none" strike="noStrike">
+                          <a:effectLst/>
+                        </a:rPr>
+                        <a:t>3578.27</a:t>
+                      </a:r>
+                      <a:endParaRPr lang="en-US" sz="1100" b="0" i="0" u="none" strike="noStrike">
+                        <a:solidFill>
+                          <a:srgbClr val="000000"/>
+                        </a:solidFill>
+                        <a:effectLst/>
+                        <a:latin typeface="Calibri" panose="020F0502020204030204" pitchFamily="34" charset="0"/>
+                      </a:endParaRPr>
+                    </a:p>
+                  </a:txBody>
+                  <a:tcPr marL="9525" marR="9525" marT="9525" marB="0" anchor="b"/>
+                </a:tc>
+                <a:tc>
+                  <a:txBody>
+                    <a:bodyPr/>
+                    <a:lstStyle/>
+                    <a:p>
+                      <a:pPr algn="r" fontAlgn="b"/>
+                      <a:r>
+                        <a:rPr lang="en-US" sz="1100" u="none" strike="noStrike">
+                          <a:effectLst/>
+                        </a:rPr>
+                        <a:t>286.2616</a:t>
+                      </a:r>
+                      <a:endParaRPr lang="en-US" sz="1100" b="0" i="0" u="none" strike="noStrike">
+                        <a:solidFill>
+                          <a:srgbClr val="000000"/>
+                        </a:solidFill>
+                        <a:effectLst/>
+                        <a:latin typeface="Calibri" panose="020F0502020204030204" pitchFamily="34" charset="0"/>
+                      </a:endParaRPr>
+                    </a:p>
+                  </a:txBody>
+                  <a:tcPr marL="9525" marR="9525" marT="9525" marB="0" anchor="b"/>
+                </a:tc>
+                <a:tc>
+                  <a:txBody>
+                    <a:bodyPr/>
+                    <a:lstStyle/>
+                    <a:p>
+                      <a:pPr algn="r" fontAlgn="b"/>
+                      <a:r>
+                        <a:rPr lang="en-US" sz="1100" u="none" strike="noStrike">
+                          <a:effectLst/>
+                        </a:rPr>
+                        <a:t>89.4568</a:t>
+                      </a:r>
+                      <a:endParaRPr lang="en-US" sz="1100" b="0" i="0" u="none" strike="noStrike">
+                        <a:solidFill>
+                          <a:srgbClr val="000000"/>
+                        </a:solidFill>
+                        <a:effectLst/>
+                        <a:latin typeface="Calibri" panose="020F0502020204030204" pitchFamily="34" charset="0"/>
+                      </a:endParaRPr>
+                    </a:p>
+                  </a:txBody>
+                  <a:tcPr marL="9525" marR="9525" marT="9525" marB="0" anchor="b"/>
+                </a:tc>
+                <a:extLst>
+                  <a:ext uri="{0D108BD9-81ED-4DB2-BD59-A6C34878D82A}">
+                    <a16:rowId xmlns:a16="http://schemas.microsoft.com/office/drawing/2014/main" val="3892947763"/>
+                  </a:ext>
+                </a:extLst>
+              </a:tr>
+              <a:tr h="190500">
+                <a:tc>
+                  <a:txBody>
+                    <a:bodyPr/>
+                    <a:lstStyle/>
+                    <a:p>
+                      <a:pPr algn="r" fontAlgn="b"/>
+                      <a:r>
+                        <a:rPr lang="en-US" sz="1100" u="none" strike="noStrike">
+                          <a:effectLst/>
+                        </a:rPr>
+                        <a:t>314</a:t>
+                      </a:r>
+                      <a:endParaRPr lang="en-US" sz="1100" b="0" i="0" u="none" strike="noStrike">
+                        <a:solidFill>
+                          <a:srgbClr val="000000"/>
+                        </a:solidFill>
+                        <a:effectLst/>
+                        <a:latin typeface="Calibri" panose="020F0502020204030204" pitchFamily="34" charset="0"/>
+                      </a:endParaRPr>
+                    </a:p>
+                  </a:txBody>
+                  <a:tcPr marL="9525" marR="9525" marT="9525" marB="0" anchor="b"/>
+                </a:tc>
+                <a:tc>
+                  <a:txBody>
+                    <a:bodyPr/>
+                    <a:lstStyle/>
+                    <a:p>
+                      <a:pPr algn="r" fontAlgn="b"/>
+                      <a:r>
+                        <a:rPr lang="en-US" sz="1100" u="none" strike="noStrike">
+                          <a:effectLst/>
+                        </a:rPr>
+                        <a:t>3578.27</a:t>
+                      </a:r>
+                      <a:endParaRPr lang="en-US" sz="1100" b="0" i="0" u="none" strike="noStrike">
+                        <a:solidFill>
+                          <a:srgbClr val="000000"/>
+                        </a:solidFill>
+                        <a:effectLst/>
+                        <a:latin typeface="Calibri" panose="020F0502020204030204" pitchFamily="34" charset="0"/>
+                      </a:endParaRPr>
+                    </a:p>
+                  </a:txBody>
+                  <a:tcPr marL="9525" marR="9525" marT="9525" marB="0" anchor="b"/>
+                </a:tc>
+                <a:tc>
+                  <a:txBody>
+                    <a:bodyPr/>
+                    <a:lstStyle/>
+                    <a:p>
+                      <a:pPr algn="r" fontAlgn="b"/>
+                      <a:r>
+                        <a:rPr lang="en-US" sz="1100" u="none" strike="noStrike">
+                          <a:effectLst/>
+                        </a:rPr>
+                        <a:t>286.2616</a:t>
+                      </a:r>
+                      <a:endParaRPr lang="en-US" sz="1100" b="0" i="0" u="none" strike="noStrike">
+                        <a:solidFill>
+                          <a:srgbClr val="000000"/>
+                        </a:solidFill>
+                        <a:effectLst/>
+                        <a:latin typeface="Calibri" panose="020F0502020204030204" pitchFamily="34" charset="0"/>
+                      </a:endParaRPr>
+                    </a:p>
+                  </a:txBody>
+                  <a:tcPr marL="9525" marR="9525" marT="9525" marB="0" anchor="b"/>
+                </a:tc>
+                <a:tc>
+                  <a:txBody>
+                    <a:bodyPr/>
+                    <a:lstStyle/>
+                    <a:p>
+                      <a:pPr algn="r" fontAlgn="b"/>
+                      <a:r>
+                        <a:rPr lang="en-US" sz="1100" u="none" strike="noStrike">
+                          <a:effectLst/>
+                        </a:rPr>
+                        <a:t>89.4568</a:t>
+                      </a:r>
+                      <a:endParaRPr lang="en-US" sz="1100" b="0" i="0" u="none" strike="noStrike">
+                        <a:solidFill>
+                          <a:srgbClr val="000000"/>
+                        </a:solidFill>
+                        <a:effectLst/>
+                        <a:latin typeface="Calibri" panose="020F0502020204030204" pitchFamily="34" charset="0"/>
+                      </a:endParaRPr>
+                    </a:p>
+                  </a:txBody>
+                  <a:tcPr marL="9525" marR="9525" marT="9525" marB="0" anchor="b"/>
+                </a:tc>
+                <a:extLst>
+                  <a:ext uri="{0D108BD9-81ED-4DB2-BD59-A6C34878D82A}">
+                    <a16:rowId xmlns:a16="http://schemas.microsoft.com/office/drawing/2014/main" val="3130062720"/>
+                  </a:ext>
+                </a:extLst>
+              </a:tr>
+              <a:tr h="190500">
+                <a:tc>
+                  <a:txBody>
+                    <a:bodyPr/>
+                    <a:lstStyle/>
+                    <a:p>
+                      <a:pPr algn="r" fontAlgn="b"/>
+                      <a:r>
+                        <a:rPr lang="en-US" sz="1100" u="none" strike="noStrike">
+                          <a:effectLst/>
+                        </a:rPr>
+                        <a:t>314</a:t>
+                      </a:r>
+                      <a:endParaRPr lang="en-US" sz="1100" b="0" i="0" u="none" strike="noStrike">
+                        <a:solidFill>
+                          <a:srgbClr val="000000"/>
+                        </a:solidFill>
+                        <a:effectLst/>
+                        <a:latin typeface="Calibri" panose="020F0502020204030204" pitchFamily="34" charset="0"/>
+                      </a:endParaRPr>
+                    </a:p>
+                  </a:txBody>
+                  <a:tcPr marL="9525" marR="9525" marT="9525" marB="0" anchor="b"/>
+                </a:tc>
+                <a:tc>
+                  <a:txBody>
+                    <a:bodyPr/>
+                    <a:lstStyle/>
+                    <a:p>
+                      <a:pPr algn="r" fontAlgn="b"/>
+                      <a:r>
+                        <a:rPr lang="en-US" sz="1100" u="none" strike="noStrike">
+                          <a:effectLst/>
+                        </a:rPr>
+                        <a:t>3578.27</a:t>
+                      </a:r>
+                      <a:endParaRPr lang="en-US" sz="1100" b="0" i="0" u="none" strike="noStrike">
+                        <a:solidFill>
+                          <a:srgbClr val="000000"/>
+                        </a:solidFill>
+                        <a:effectLst/>
+                        <a:latin typeface="Calibri" panose="020F0502020204030204" pitchFamily="34" charset="0"/>
+                      </a:endParaRPr>
+                    </a:p>
+                  </a:txBody>
+                  <a:tcPr marL="9525" marR="9525" marT="9525" marB="0" anchor="b"/>
+                </a:tc>
+                <a:tc>
+                  <a:txBody>
+                    <a:bodyPr/>
+                    <a:lstStyle/>
+                    <a:p>
+                      <a:pPr algn="r" fontAlgn="b"/>
+                      <a:r>
+                        <a:rPr lang="en-US" sz="1100" u="none" strike="noStrike">
+                          <a:effectLst/>
+                        </a:rPr>
+                        <a:t>286.2616</a:t>
+                      </a:r>
+                      <a:endParaRPr lang="en-US" sz="1100" b="0" i="0" u="none" strike="noStrike">
+                        <a:solidFill>
+                          <a:srgbClr val="000000"/>
+                        </a:solidFill>
+                        <a:effectLst/>
+                        <a:latin typeface="Calibri" panose="020F0502020204030204" pitchFamily="34" charset="0"/>
+                      </a:endParaRPr>
+                    </a:p>
+                  </a:txBody>
+                  <a:tcPr marL="9525" marR="9525" marT="9525" marB="0" anchor="b"/>
+                </a:tc>
+                <a:tc>
+                  <a:txBody>
+                    <a:bodyPr/>
+                    <a:lstStyle/>
+                    <a:p>
+                      <a:pPr algn="r" fontAlgn="b"/>
+                      <a:r>
+                        <a:rPr lang="en-US" sz="1100" u="none" strike="noStrike">
+                          <a:effectLst/>
+                        </a:rPr>
+                        <a:t>89.4568</a:t>
+                      </a:r>
+                      <a:endParaRPr lang="en-US" sz="1100" b="0" i="0" u="none" strike="noStrike">
+                        <a:solidFill>
+                          <a:srgbClr val="000000"/>
+                        </a:solidFill>
+                        <a:effectLst/>
+                        <a:latin typeface="Calibri" panose="020F0502020204030204" pitchFamily="34" charset="0"/>
+                      </a:endParaRPr>
+                    </a:p>
+                  </a:txBody>
+                  <a:tcPr marL="9525" marR="9525" marT="9525" marB="0" anchor="b"/>
+                </a:tc>
+                <a:extLst>
+                  <a:ext uri="{0D108BD9-81ED-4DB2-BD59-A6C34878D82A}">
+                    <a16:rowId xmlns:a16="http://schemas.microsoft.com/office/drawing/2014/main" val="3449451929"/>
+                  </a:ext>
+                </a:extLst>
+              </a:tr>
+              <a:tr h="190500">
+                <a:tc>
+                  <a:txBody>
+                    <a:bodyPr/>
+                    <a:lstStyle/>
+                    <a:p>
+                      <a:pPr algn="r" fontAlgn="b"/>
+                      <a:r>
+                        <a:rPr lang="en-US" sz="1100" u="none" strike="noStrike">
+                          <a:effectLst/>
+                        </a:rPr>
+                        <a:t>311</a:t>
+                      </a:r>
+                      <a:endParaRPr lang="en-US" sz="1100" b="0" i="0" u="none" strike="noStrike">
+                        <a:solidFill>
+                          <a:srgbClr val="000000"/>
+                        </a:solidFill>
+                        <a:effectLst/>
+                        <a:latin typeface="Calibri" panose="020F0502020204030204" pitchFamily="34" charset="0"/>
+                      </a:endParaRPr>
+                    </a:p>
+                  </a:txBody>
+                  <a:tcPr marL="9525" marR="9525" marT="9525" marB="0" anchor="b"/>
+                </a:tc>
+                <a:tc>
+                  <a:txBody>
+                    <a:bodyPr/>
+                    <a:lstStyle/>
+                    <a:p>
+                      <a:pPr algn="r" fontAlgn="b"/>
+                      <a:r>
+                        <a:rPr lang="en-US" sz="1100" u="none" strike="noStrike">
+                          <a:effectLst/>
+                        </a:rPr>
+                        <a:t>3578.27</a:t>
+                      </a:r>
+                      <a:endParaRPr lang="en-US" sz="1100" b="0" i="0" u="none" strike="noStrike">
+                        <a:solidFill>
+                          <a:srgbClr val="000000"/>
+                        </a:solidFill>
+                        <a:effectLst/>
+                        <a:latin typeface="Calibri" panose="020F0502020204030204" pitchFamily="34" charset="0"/>
+                      </a:endParaRPr>
+                    </a:p>
+                  </a:txBody>
+                  <a:tcPr marL="9525" marR="9525" marT="9525" marB="0" anchor="b"/>
+                </a:tc>
+                <a:tc>
+                  <a:txBody>
+                    <a:bodyPr/>
+                    <a:lstStyle/>
+                    <a:p>
+                      <a:pPr algn="r" fontAlgn="b"/>
+                      <a:r>
+                        <a:rPr lang="en-US" sz="1100" u="none" strike="noStrike">
+                          <a:effectLst/>
+                        </a:rPr>
+                        <a:t>286.2616</a:t>
+                      </a:r>
+                      <a:endParaRPr lang="en-US" sz="1100" b="0" i="0" u="none" strike="noStrike">
+                        <a:solidFill>
+                          <a:srgbClr val="000000"/>
+                        </a:solidFill>
+                        <a:effectLst/>
+                        <a:latin typeface="Calibri" panose="020F0502020204030204" pitchFamily="34" charset="0"/>
+                      </a:endParaRPr>
+                    </a:p>
+                  </a:txBody>
+                  <a:tcPr marL="9525" marR="9525" marT="9525" marB="0" anchor="b"/>
+                </a:tc>
+                <a:tc>
+                  <a:txBody>
+                    <a:bodyPr/>
+                    <a:lstStyle/>
+                    <a:p>
+                      <a:pPr algn="r" fontAlgn="b"/>
+                      <a:r>
+                        <a:rPr lang="en-US" sz="1100" u="none" strike="noStrike" dirty="0">
+                          <a:effectLst/>
+                        </a:rPr>
+                        <a:t>89.4568</a:t>
+                      </a:r>
+                      <a:endParaRPr lang="en-US" sz="1100" b="0" i="0" u="none" strike="noStrike" dirty="0">
+                        <a:solidFill>
+                          <a:srgbClr val="000000"/>
+                        </a:solidFill>
+                        <a:effectLst/>
+                        <a:latin typeface="Calibri" panose="020F0502020204030204" pitchFamily="34" charset="0"/>
+                      </a:endParaRPr>
+                    </a:p>
+                  </a:txBody>
+                  <a:tcPr marL="9525" marR="9525" marT="9525" marB="0" anchor="b"/>
+                </a:tc>
+                <a:extLst>
+                  <a:ext uri="{0D108BD9-81ED-4DB2-BD59-A6C34878D82A}">
+                    <a16:rowId xmlns:a16="http://schemas.microsoft.com/office/drawing/2014/main" val="3769690438"/>
+                  </a:ext>
+                </a:extLst>
+              </a:tr>
+            </a:tbl>
+          </a:graphicData>
+        </a:graphic>
+      </p:graphicFrame>
+      <p:cxnSp>
+        <p:nvCxnSpPr>
+          <p:cNvPr id="8" name="Straight Arrow Connector 7">
+            <a:extLst>
+              <a:ext uri="{FF2B5EF4-FFF2-40B4-BE49-F238E27FC236}">
+                <a16:creationId xmlns:a16="http://schemas.microsoft.com/office/drawing/2014/main" id="{B0C6227E-92DA-4A35-98EF-0CAE3762B6D2}"/>
+              </a:ext>
+            </a:extLst>
+          </p:cNvPr>
+          <p:cNvCxnSpPr>
+            <a:cxnSpLocks/>
+          </p:cNvCxnSpPr>
+          <p:nvPr/>
+        </p:nvCxnSpPr>
+        <p:spPr>
+          <a:xfrm>
+            <a:off x="6248400" y="1752600"/>
+            <a:ext cx="2002421" cy="743758"/>
+          </a:xfrm>
+          <a:prstGeom prst="straightConnector1">
+            <a:avLst/>
+          </a:prstGeom>
+          <a:ln>
+            <a:solidFill>
+              <a:srgbClr val="FF0000"/>
+            </a:solidFill>
+            <a:tailEnd type="triangle"/>
+          </a:ln>
+        </p:spPr>
+        <p:style>
+          <a:lnRef idx="1">
+            <a:schemeClr val="accent1"/>
+          </a:lnRef>
+          <a:fillRef idx="0">
+            <a:schemeClr val="accent1"/>
+          </a:fillRef>
+          <a:effectRef idx="0">
+            <a:schemeClr val="accent1"/>
+          </a:effectRef>
+          <a:fontRef idx="minor">
+            <a:schemeClr val="tx1"/>
+          </a:fontRef>
+        </p:style>
+      </p:cxnSp>
+      <p:sp>
+        <p:nvSpPr>
+          <p:cNvPr id="10" name="Rectangle 9">
+            <a:extLst>
+              <a:ext uri="{FF2B5EF4-FFF2-40B4-BE49-F238E27FC236}">
+                <a16:creationId xmlns:a16="http://schemas.microsoft.com/office/drawing/2014/main" id="{8DE53A71-7DAF-49CD-B517-F0A8D455BCBA}"/>
+              </a:ext>
+            </a:extLst>
+          </p:cNvPr>
+          <p:cNvSpPr/>
+          <p:nvPr/>
+        </p:nvSpPr>
+        <p:spPr>
+          <a:xfrm>
+            <a:off x="8250821" y="2423402"/>
+            <a:ext cx="902366" cy="1901756"/>
+          </a:xfrm>
+          <a:prstGeom prst="rect">
+            <a:avLst/>
+          </a:prstGeom>
+          <a:noFill/>
+          <a:ln>
+            <a:solidFill>
+              <a:srgbClr val="FF0000"/>
+            </a:solidFill>
+          </a:ln>
+        </p:spPr>
+        <p:style>
+          <a:lnRef idx="2">
+            <a:schemeClr val="accent1">
+              <a:shade val="50000"/>
+            </a:schemeClr>
+          </a:lnRef>
+          <a:fillRef idx="1">
+            <a:schemeClr val="accent1"/>
+          </a:fillRef>
+          <a:effectRef idx="0">
+            <a:schemeClr val="accent1"/>
+          </a:effectRef>
+          <a:fontRef idx="minor">
+            <a:schemeClr val="lt1"/>
+          </a:fontRef>
+        </p:style>
+        <p:txBody>
+          <a:bodyPr rtlCol="0" anchor="ctr"/>
+          <a:lstStyle/>
+          <a:p>
+            <a:pPr algn="ctr"/>
+            <a:endParaRPr lang="en-US"/>
+          </a:p>
+        </p:txBody>
+      </p:sp>
+      <p:sp>
+        <p:nvSpPr>
+          <p:cNvPr id="12" name="Rectangle 11">
+            <a:extLst>
+              <a:ext uri="{FF2B5EF4-FFF2-40B4-BE49-F238E27FC236}">
+                <a16:creationId xmlns:a16="http://schemas.microsoft.com/office/drawing/2014/main" id="{68EC6B3B-BF86-414B-9EAC-E0C894351DFF}"/>
+              </a:ext>
+            </a:extLst>
+          </p:cNvPr>
+          <p:cNvSpPr/>
+          <p:nvPr/>
+        </p:nvSpPr>
+        <p:spPr>
+          <a:xfrm>
+            <a:off x="5346034" y="422143"/>
+            <a:ext cx="902366" cy="1333500"/>
+          </a:xfrm>
+          <a:prstGeom prst="rect">
+            <a:avLst/>
+          </a:prstGeom>
+          <a:noFill/>
+          <a:ln>
+            <a:solidFill>
+              <a:srgbClr val="FF0000"/>
+            </a:solidFill>
+          </a:ln>
+        </p:spPr>
+        <p:style>
+          <a:lnRef idx="2">
+            <a:schemeClr val="accent1">
+              <a:shade val="50000"/>
+            </a:schemeClr>
+          </a:lnRef>
+          <a:fillRef idx="1">
+            <a:schemeClr val="accent1"/>
+          </a:fillRef>
+          <a:effectRef idx="0">
+            <a:schemeClr val="accent1"/>
+          </a:effectRef>
+          <a:fontRef idx="minor">
+            <a:schemeClr val="lt1"/>
+          </a:fontRef>
+        </p:style>
+        <p:txBody>
+          <a:bodyPr rtlCol="0" anchor="ctr"/>
+          <a:lstStyle/>
+          <a:p>
+            <a:pPr algn="ctr"/>
             <a:endParaRPr lang="en-US"/>
           </a:p>
         </p:txBody>
@@ -23432,7 +25773,7 @@
     </p:spTree>
     <p:extLst>
       <p:ext uri="{BB962C8B-B14F-4D97-AF65-F5344CB8AC3E}">
-        <p14:creationId xmlns:p14="http://schemas.microsoft.com/office/powerpoint/2010/main" val="1488510711"/>
+        <p14:creationId xmlns:p14="http://schemas.microsoft.com/office/powerpoint/2010/main" val="1667248706"/>
       </p:ext>
     </p:extLst>
   </p:cSld>
@@ -23464,7 +25805,7 @@
           <p:cNvPr id="4" name="Title 3">
             <a:extLst>
               <a:ext uri="{FF2B5EF4-FFF2-40B4-BE49-F238E27FC236}">
-                <a16:creationId xmlns:a16="http://schemas.microsoft.com/office/drawing/2014/main" id="{E16B13A9-922B-DA4A-9F55-8E286CBCB4F9}"/>
+                <a16:creationId xmlns:a16="http://schemas.microsoft.com/office/drawing/2014/main" id="{A4A2B281-DC7F-FE4E-81DA-200FBDA2A690}"/>
               </a:ext>
             </a:extLst>
           </p:cNvPr>
@@ -23482,7 +25823,7 @@
           <a:p>
             <a:r>
               <a:rPr lang="en-US" dirty="0"/>
-              <a:t>Join Types</a:t>
+              <a:t>Equijoins</a:t>
             </a:r>
           </a:p>
         </p:txBody>
@@ -23492,7 +25833,7 @@
           <p:cNvPr id="5" name="Text Placeholder 4">
             <a:extLst>
               <a:ext uri="{FF2B5EF4-FFF2-40B4-BE49-F238E27FC236}">
-                <a16:creationId xmlns:a16="http://schemas.microsoft.com/office/drawing/2014/main" id="{67894C6D-2639-47AC-B1D4-059338ABEFD4}"/>
+                <a16:creationId xmlns:a16="http://schemas.microsoft.com/office/drawing/2014/main" id="{7F9C326C-28F1-4461-86AA-553B22CCD3F3}"/>
               </a:ext>
             </a:extLst>
           </p:cNvPr>
@@ -23503,25 +25844,3627 @@
             <p:ph type="body" sz="quarter" idx="10"/>
           </p:nvPr>
         </p:nvSpPr>
-        <p:spPr/>
+        <p:spPr>
+          <a:xfrm>
+            <a:off x="762000" y="1752600"/>
+            <a:ext cx="4800600" cy="3733800"/>
+          </a:xfrm>
+        </p:spPr>
         <p:txBody>
           <a:bodyPr/>
           <a:lstStyle/>
           <a:p>
+            <a:r>
+              <a:rPr lang="en-US" dirty="0"/>
+              <a:t>Most common</a:t>
+            </a:r>
+          </a:p>
+          <a:p>
+            <a:r>
+              <a:rPr lang="en-US" dirty="0"/>
+              <a:t>Keep only records with keys that match in both tables</a:t>
+            </a:r>
+          </a:p>
+        </p:txBody>
+      </p:sp>
+      <p:graphicFrame>
+        <p:nvGraphicFramePr>
+          <p:cNvPr id="6" name="Table 5">
+            <a:extLst>
+              <a:ext uri="{FF2B5EF4-FFF2-40B4-BE49-F238E27FC236}">
+                <a16:creationId xmlns:a16="http://schemas.microsoft.com/office/drawing/2014/main" id="{D5EE83E8-55EB-41FA-8704-2981E70485A8}"/>
+              </a:ext>
+            </a:extLst>
+          </p:cNvPr>
+          <p:cNvGraphicFramePr>
+            <a:graphicFrameLocks noGrp="1"/>
+          </p:cNvGraphicFramePr>
+          <p:nvPr>
+            <p:extLst>
+              <p:ext uri="{D42A27DB-BD31-4B8C-83A1-F6EECF244321}">
+                <p14:modId xmlns:p14="http://schemas.microsoft.com/office/powerpoint/2010/main" val="2201379913"/>
+              </p:ext>
+            </p:extLst>
+          </p:nvPr>
+        </p:nvGraphicFramePr>
+        <p:xfrm>
+          <a:off x="5346034" y="418292"/>
+          <a:ext cx="6083966" cy="1333500"/>
+        </p:xfrm>
+        <a:graphic>
+          <a:graphicData uri="http://schemas.openxmlformats.org/drawingml/2006/table">
+            <a:tbl>
+              <a:tblPr>
+                <a:tableStyleId>{5C22544A-7EE6-4342-B048-85BDC9FD1C3A}</a:tableStyleId>
+              </a:tblPr>
+              <a:tblGrid>
+                <a:gridCol w="888633">
+                  <a:extLst>
+                    <a:ext uri="{9D8B030D-6E8A-4147-A177-3AD203B41FA5}">
+                      <a16:colId xmlns:a16="http://schemas.microsoft.com/office/drawing/2014/main" val="449546053"/>
+                    </a:ext>
+                  </a:extLst>
+                </a:gridCol>
+                <a:gridCol w="1447203">
+                  <a:extLst>
+                    <a:ext uri="{9D8B030D-6E8A-4147-A177-3AD203B41FA5}">
+                      <a16:colId xmlns:a16="http://schemas.microsoft.com/office/drawing/2014/main" val="3046323299"/>
+                    </a:ext>
+                  </a:extLst>
+                </a:gridCol>
+                <a:gridCol w="1437682">
+                  <a:extLst>
+                    <a:ext uri="{9D8B030D-6E8A-4147-A177-3AD203B41FA5}">
+                      <a16:colId xmlns:a16="http://schemas.microsoft.com/office/drawing/2014/main" val="3767186310"/>
+                    </a:ext>
+                  </a:extLst>
+                </a:gridCol>
+                <a:gridCol w="990192">
+                  <a:extLst>
+                    <a:ext uri="{9D8B030D-6E8A-4147-A177-3AD203B41FA5}">
+                      <a16:colId xmlns:a16="http://schemas.microsoft.com/office/drawing/2014/main" val="1395867876"/>
+                    </a:ext>
+                  </a:extLst>
+                </a:gridCol>
+                <a:gridCol w="609349">
+                  <a:extLst>
+                    <a:ext uri="{9D8B030D-6E8A-4147-A177-3AD203B41FA5}">
+                      <a16:colId xmlns:a16="http://schemas.microsoft.com/office/drawing/2014/main" val="3061658291"/>
+                    </a:ext>
+                  </a:extLst>
+                </a:gridCol>
+                <a:gridCol w="710907">
+                  <a:extLst>
+                    <a:ext uri="{9D8B030D-6E8A-4147-A177-3AD203B41FA5}">
+                      <a16:colId xmlns:a16="http://schemas.microsoft.com/office/drawing/2014/main" val="465146952"/>
+                    </a:ext>
+                  </a:extLst>
+                </a:gridCol>
+              </a:tblGrid>
+              <a:tr h="190500">
+                <a:tc>
+                  <a:txBody>
+                    <a:bodyPr/>
+                    <a:lstStyle/>
+                    <a:p>
+                      <a:pPr algn="l" fontAlgn="b"/>
+                      <a:r>
+                        <a:rPr lang="en-US" sz="1100" u="none" strike="noStrike">
+                          <a:effectLst/>
+                        </a:rPr>
+                        <a:t>ProductKey</a:t>
+                      </a:r>
+                      <a:endParaRPr lang="en-US" sz="1100" b="1" i="0" u="none" strike="noStrike">
+                        <a:solidFill>
+                          <a:srgbClr val="FFFFFF"/>
+                        </a:solidFill>
+                        <a:effectLst/>
+                        <a:latin typeface="Calibri" panose="020F0502020204030204" pitchFamily="34" charset="0"/>
+                      </a:endParaRPr>
+                    </a:p>
+                  </a:txBody>
+                  <a:tcPr marL="9525" marR="9525" marT="9525" marB="0" anchor="b"/>
+                </a:tc>
+                <a:tc>
+                  <a:txBody>
+                    <a:bodyPr/>
+                    <a:lstStyle/>
+                    <a:p>
+                      <a:pPr algn="l" fontAlgn="b"/>
+                      <a:r>
+                        <a:rPr lang="en-US" sz="1100" u="none" strike="noStrike">
+                          <a:effectLst/>
+                        </a:rPr>
+                        <a:t>ProductAlternateKey</a:t>
+                      </a:r>
+                      <a:endParaRPr lang="en-US" sz="1100" b="1" i="0" u="none" strike="noStrike">
+                        <a:solidFill>
+                          <a:srgbClr val="FFFFFF"/>
+                        </a:solidFill>
+                        <a:effectLst/>
+                        <a:latin typeface="Calibri" panose="020F0502020204030204" pitchFamily="34" charset="0"/>
+                      </a:endParaRPr>
+                    </a:p>
+                  </a:txBody>
+                  <a:tcPr marL="9525" marR="9525" marT="9525" marB="0" anchor="b"/>
+                </a:tc>
+                <a:tc>
+                  <a:txBody>
+                    <a:bodyPr/>
+                    <a:lstStyle/>
+                    <a:p>
+                      <a:pPr algn="l" fontAlgn="b"/>
+                      <a:r>
+                        <a:rPr lang="en-US" sz="1100" u="none" strike="noStrike">
+                          <a:effectLst/>
+                        </a:rPr>
+                        <a:t>EnglishProductName</a:t>
+                      </a:r>
+                      <a:endParaRPr lang="en-US" sz="1100" b="1" i="0" u="none" strike="noStrike">
+                        <a:solidFill>
+                          <a:srgbClr val="FFFFFF"/>
+                        </a:solidFill>
+                        <a:effectLst/>
+                        <a:latin typeface="Calibri" panose="020F0502020204030204" pitchFamily="34" charset="0"/>
+                      </a:endParaRPr>
+                    </a:p>
+                  </a:txBody>
+                  <a:tcPr marL="9525" marR="9525" marT="9525" marB="0" anchor="b"/>
+                </a:tc>
+                <a:tc>
+                  <a:txBody>
+                    <a:bodyPr/>
+                    <a:lstStyle/>
+                    <a:p>
+                      <a:pPr algn="l" fontAlgn="b"/>
+                      <a:r>
+                        <a:rPr lang="en-US" sz="1100" u="none" strike="noStrike">
+                          <a:effectLst/>
+                        </a:rPr>
+                        <a:t>StandardCost</a:t>
+                      </a:r>
+                      <a:endParaRPr lang="en-US" sz="1100" b="1" i="0" u="none" strike="noStrike">
+                        <a:solidFill>
+                          <a:srgbClr val="FFFFFF"/>
+                        </a:solidFill>
+                        <a:effectLst/>
+                        <a:latin typeface="Calibri" panose="020F0502020204030204" pitchFamily="34" charset="0"/>
+                      </a:endParaRPr>
+                    </a:p>
+                  </a:txBody>
+                  <a:tcPr marL="9525" marR="9525" marT="9525" marB="0" anchor="b"/>
+                </a:tc>
+                <a:tc>
+                  <a:txBody>
+                    <a:bodyPr/>
+                    <a:lstStyle/>
+                    <a:p>
+                      <a:pPr algn="l" fontAlgn="b"/>
+                      <a:r>
+                        <a:rPr lang="en-US" sz="1100" u="none" strike="noStrike">
+                          <a:effectLst/>
+                        </a:rPr>
+                        <a:t>Color</a:t>
+                      </a:r>
+                      <a:endParaRPr lang="en-US" sz="1100" b="1" i="0" u="none" strike="noStrike">
+                        <a:solidFill>
+                          <a:srgbClr val="FFFFFF"/>
+                        </a:solidFill>
+                        <a:effectLst/>
+                        <a:latin typeface="Calibri" panose="020F0502020204030204" pitchFamily="34" charset="0"/>
+                      </a:endParaRPr>
+                    </a:p>
+                  </a:txBody>
+                  <a:tcPr marL="9525" marR="9525" marT="9525" marB="0" anchor="b"/>
+                </a:tc>
+                <a:tc>
+                  <a:txBody>
+                    <a:bodyPr/>
+                    <a:lstStyle/>
+                    <a:p>
+                      <a:pPr algn="l" fontAlgn="b"/>
+                      <a:r>
+                        <a:rPr lang="en-US" sz="1100" u="none" strike="noStrike">
+                          <a:effectLst/>
+                        </a:rPr>
+                        <a:t>ListPrice</a:t>
+                      </a:r>
+                      <a:endParaRPr lang="en-US" sz="1100" b="1" i="0" u="none" strike="noStrike">
+                        <a:solidFill>
+                          <a:srgbClr val="FFFFFF"/>
+                        </a:solidFill>
+                        <a:effectLst/>
+                        <a:latin typeface="Calibri" panose="020F0502020204030204" pitchFamily="34" charset="0"/>
+                      </a:endParaRPr>
+                    </a:p>
+                  </a:txBody>
+                  <a:tcPr marL="9525" marR="9525" marT="9525" marB="0" anchor="b"/>
+                </a:tc>
+                <a:extLst>
+                  <a:ext uri="{0D108BD9-81ED-4DB2-BD59-A6C34878D82A}">
+                    <a16:rowId xmlns:a16="http://schemas.microsoft.com/office/drawing/2014/main" val="1196378383"/>
+                  </a:ext>
+                </a:extLst>
+              </a:tr>
+              <a:tr h="190500">
+                <a:tc>
+                  <a:txBody>
+                    <a:bodyPr/>
+                    <a:lstStyle/>
+                    <a:p>
+                      <a:pPr algn="r" fontAlgn="b"/>
+                      <a:r>
+                        <a:rPr lang="en-US" sz="1100" u="none" strike="noStrike">
+                          <a:effectLst/>
+                        </a:rPr>
+                        <a:t>310</a:t>
+                      </a:r>
+                      <a:endParaRPr lang="en-US" sz="1100" b="0" i="0" u="none" strike="noStrike">
+                        <a:solidFill>
+                          <a:srgbClr val="000000"/>
+                        </a:solidFill>
+                        <a:effectLst/>
+                        <a:latin typeface="Calibri" panose="020F0502020204030204" pitchFamily="34" charset="0"/>
+                      </a:endParaRPr>
+                    </a:p>
+                  </a:txBody>
+                  <a:tcPr marL="9525" marR="9525" marT="9525" marB="0" anchor="b"/>
+                </a:tc>
+                <a:tc>
+                  <a:txBody>
+                    <a:bodyPr/>
+                    <a:lstStyle/>
+                    <a:p>
+                      <a:pPr algn="l" fontAlgn="b"/>
+                      <a:r>
+                        <a:rPr lang="en-US" sz="1100" u="none" strike="noStrike">
+                          <a:effectLst/>
+                        </a:rPr>
+                        <a:t>BK-R93R-62</a:t>
+                      </a:r>
+                      <a:endParaRPr lang="en-US" sz="1100" b="0" i="0" u="none" strike="noStrike">
+                        <a:solidFill>
+                          <a:srgbClr val="000000"/>
+                        </a:solidFill>
+                        <a:effectLst/>
+                        <a:latin typeface="Calibri" panose="020F0502020204030204" pitchFamily="34" charset="0"/>
+                      </a:endParaRPr>
+                    </a:p>
+                  </a:txBody>
+                  <a:tcPr marL="9525" marR="9525" marT="9525" marB="0" anchor="b"/>
+                </a:tc>
+                <a:tc>
+                  <a:txBody>
+                    <a:bodyPr/>
+                    <a:lstStyle/>
+                    <a:p>
+                      <a:pPr algn="l" fontAlgn="b"/>
+                      <a:r>
+                        <a:rPr lang="en-US" sz="1100" u="none" strike="noStrike">
+                          <a:effectLst/>
+                        </a:rPr>
+                        <a:t>Road-150 Red, 62</a:t>
+                      </a:r>
+                      <a:endParaRPr lang="en-US" sz="1100" b="0" i="0" u="none" strike="noStrike">
+                        <a:solidFill>
+                          <a:srgbClr val="000000"/>
+                        </a:solidFill>
+                        <a:effectLst/>
+                        <a:latin typeface="Calibri" panose="020F0502020204030204" pitchFamily="34" charset="0"/>
+                      </a:endParaRPr>
+                    </a:p>
+                  </a:txBody>
+                  <a:tcPr marL="9525" marR="9525" marT="9525" marB="0" anchor="b"/>
+                </a:tc>
+                <a:tc>
+                  <a:txBody>
+                    <a:bodyPr/>
+                    <a:lstStyle/>
+                    <a:p>
+                      <a:pPr algn="r" fontAlgn="b"/>
+                      <a:r>
+                        <a:rPr lang="en-US" sz="1100" u="none" strike="noStrike">
+                          <a:effectLst/>
+                        </a:rPr>
+                        <a:t>2171.2942</a:t>
+                      </a:r>
+                      <a:endParaRPr lang="en-US" sz="1100" b="0" i="0" u="none" strike="noStrike">
+                        <a:solidFill>
+                          <a:srgbClr val="000000"/>
+                        </a:solidFill>
+                        <a:effectLst/>
+                        <a:latin typeface="Calibri" panose="020F0502020204030204" pitchFamily="34" charset="0"/>
+                      </a:endParaRPr>
+                    </a:p>
+                  </a:txBody>
+                  <a:tcPr marL="9525" marR="9525" marT="9525" marB="0" anchor="b"/>
+                </a:tc>
+                <a:tc>
+                  <a:txBody>
+                    <a:bodyPr/>
+                    <a:lstStyle/>
+                    <a:p>
+                      <a:pPr algn="l" fontAlgn="b"/>
+                      <a:r>
+                        <a:rPr lang="en-US" sz="1100" u="none" strike="noStrike">
+                          <a:effectLst/>
+                        </a:rPr>
+                        <a:t>Red</a:t>
+                      </a:r>
+                      <a:endParaRPr lang="en-US" sz="1100" b="0" i="0" u="none" strike="noStrike">
+                        <a:solidFill>
+                          <a:srgbClr val="000000"/>
+                        </a:solidFill>
+                        <a:effectLst/>
+                        <a:latin typeface="Calibri" panose="020F0502020204030204" pitchFamily="34" charset="0"/>
+                      </a:endParaRPr>
+                    </a:p>
+                  </a:txBody>
+                  <a:tcPr marL="9525" marR="9525" marT="9525" marB="0" anchor="b"/>
+                </a:tc>
+                <a:tc>
+                  <a:txBody>
+                    <a:bodyPr/>
+                    <a:lstStyle/>
+                    <a:p>
+                      <a:pPr algn="r" fontAlgn="b"/>
+                      <a:r>
+                        <a:rPr lang="en-US" sz="1100" u="none" strike="noStrike">
+                          <a:effectLst/>
+                        </a:rPr>
+                        <a:t>3578.27</a:t>
+                      </a:r>
+                      <a:endParaRPr lang="en-US" sz="1100" b="0" i="0" u="none" strike="noStrike">
+                        <a:solidFill>
+                          <a:srgbClr val="000000"/>
+                        </a:solidFill>
+                        <a:effectLst/>
+                        <a:latin typeface="Calibri" panose="020F0502020204030204" pitchFamily="34" charset="0"/>
+                      </a:endParaRPr>
+                    </a:p>
+                  </a:txBody>
+                  <a:tcPr marL="9525" marR="9525" marT="9525" marB="0" anchor="b"/>
+                </a:tc>
+                <a:extLst>
+                  <a:ext uri="{0D108BD9-81ED-4DB2-BD59-A6C34878D82A}">
+                    <a16:rowId xmlns:a16="http://schemas.microsoft.com/office/drawing/2014/main" val="710179344"/>
+                  </a:ext>
+                </a:extLst>
+              </a:tr>
+              <a:tr h="190500">
+                <a:tc>
+                  <a:txBody>
+                    <a:bodyPr/>
+                    <a:lstStyle/>
+                    <a:p>
+                      <a:pPr algn="r" fontAlgn="b"/>
+                      <a:r>
+                        <a:rPr lang="en-US" sz="1100" u="none" strike="noStrike">
+                          <a:effectLst/>
+                        </a:rPr>
+                        <a:t>311</a:t>
+                      </a:r>
+                      <a:endParaRPr lang="en-US" sz="1100" b="0" i="0" u="none" strike="noStrike">
+                        <a:solidFill>
+                          <a:srgbClr val="000000"/>
+                        </a:solidFill>
+                        <a:effectLst/>
+                        <a:latin typeface="Calibri" panose="020F0502020204030204" pitchFamily="34" charset="0"/>
+                      </a:endParaRPr>
+                    </a:p>
+                  </a:txBody>
+                  <a:tcPr marL="9525" marR="9525" marT="9525" marB="0" anchor="b"/>
+                </a:tc>
+                <a:tc>
+                  <a:txBody>
+                    <a:bodyPr/>
+                    <a:lstStyle/>
+                    <a:p>
+                      <a:pPr algn="l" fontAlgn="b"/>
+                      <a:r>
+                        <a:rPr lang="en-US" sz="1100" u="none" strike="noStrike">
+                          <a:effectLst/>
+                        </a:rPr>
+                        <a:t>BK-R93R-44</a:t>
+                      </a:r>
+                      <a:endParaRPr lang="en-US" sz="1100" b="0" i="0" u="none" strike="noStrike">
+                        <a:solidFill>
+                          <a:srgbClr val="000000"/>
+                        </a:solidFill>
+                        <a:effectLst/>
+                        <a:latin typeface="Calibri" panose="020F0502020204030204" pitchFamily="34" charset="0"/>
+                      </a:endParaRPr>
+                    </a:p>
+                  </a:txBody>
+                  <a:tcPr marL="9525" marR="9525" marT="9525" marB="0" anchor="b"/>
+                </a:tc>
+                <a:tc>
+                  <a:txBody>
+                    <a:bodyPr/>
+                    <a:lstStyle/>
+                    <a:p>
+                      <a:pPr algn="l" fontAlgn="b"/>
+                      <a:r>
+                        <a:rPr lang="en-US" sz="1100" u="none" strike="noStrike">
+                          <a:effectLst/>
+                        </a:rPr>
+                        <a:t>Road-150 Red, 44</a:t>
+                      </a:r>
+                      <a:endParaRPr lang="en-US" sz="1100" b="0" i="0" u="none" strike="noStrike">
+                        <a:solidFill>
+                          <a:srgbClr val="000000"/>
+                        </a:solidFill>
+                        <a:effectLst/>
+                        <a:latin typeface="Calibri" panose="020F0502020204030204" pitchFamily="34" charset="0"/>
+                      </a:endParaRPr>
+                    </a:p>
+                  </a:txBody>
+                  <a:tcPr marL="9525" marR="9525" marT="9525" marB="0" anchor="b"/>
+                </a:tc>
+                <a:tc>
+                  <a:txBody>
+                    <a:bodyPr/>
+                    <a:lstStyle/>
+                    <a:p>
+                      <a:pPr algn="r" fontAlgn="b"/>
+                      <a:r>
+                        <a:rPr lang="en-US" sz="1100" u="none" strike="noStrike">
+                          <a:effectLst/>
+                        </a:rPr>
+                        <a:t>2171.2942</a:t>
+                      </a:r>
+                      <a:endParaRPr lang="en-US" sz="1100" b="0" i="0" u="none" strike="noStrike">
+                        <a:solidFill>
+                          <a:srgbClr val="000000"/>
+                        </a:solidFill>
+                        <a:effectLst/>
+                        <a:latin typeface="Calibri" panose="020F0502020204030204" pitchFamily="34" charset="0"/>
+                      </a:endParaRPr>
+                    </a:p>
+                  </a:txBody>
+                  <a:tcPr marL="9525" marR="9525" marT="9525" marB="0" anchor="b"/>
+                </a:tc>
+                <a:tc>
+                  <a:txBody>
+                    <a:bodyPr/>
+                    <a:lstStyle/>
+                    <a:p>
+                      <a:pPr algn="l" fontAlgn="b"/>
+                      <a:r>
+                        <a:rPr lang="en-US" sz="1100" u="none" strike="noStrike">
+                          <a:effectLst/>
+                        </a:rPr>
+                        <a:t>Red</a:t>
+                      </a:r>
+                      <a:endParaRPr lang="en-US" sz="1100" b="0" i="0" u="none" strike="noStrike">
+                        <a:solidFill>
+                          <a:srgbClr val="000000"/>
+                        </a:solidFill>
+                        <a:effectLst/>
+                        <a:latin typeface="Calibri" panose="020F0502020204030204" pitchFamily="34" charset="0"/>
+                      </a:endParaRPr>
+                    </a:p>
+                  </a:txBody>
+                  <a:tcPr marL="9525" marR="9525" marT="9525" marB="0" anchor="b"/>
+                </a:tc>
+                <a:tc>
+                  <a:txBody>
+                    <a:bodyPr/>
+                    <a:lstStyle/>
+                    <a:p>
+                      <a:pPr algn="r" fontAlgn="b"/>
+                      <a:r>
+                        <a:rPr lang="en-US" sz="1100" u="none" strike="noStrike">
+                          <a:effectLst/>
+                        </a:rPr>
+                        <a:t>3578.27</a:t>
+                      </a:r>
+                      <a:endParaRPr lang="en-US" sz="1100" b="0" i="0" u="none" strike="noStrike">
+                        <a:solidFill>
+                          <a:srgbClr val="000000"/>
+                        </a:solidFill>
+                        <a:effectLst/>
+                        <a:latin typeface="Calibri" panose="020F0502020204030204" pitchFamily="34" charset="0"/>
+                      </a:endParaRPr>
+                    </a:p>
+                  </a:txBody>
+                  <a:tcPr marL="9525" marR="9525" marT="9525" marB="0" anchor="b"/>
+                </a:tc>
+                <a:extLst>
+                  <a:ext uri="{0D108BD9-81ED-4DB2-BD59-A6C34878D82A}">
+                    <a16:rowId xmlns:a16="http://schemas.microsoft.com/office/drawing/2014/main" val="3694258608"/>
+                  </a:ext>
+                </a:extLst>
+              </a:tr>
+              <a:tr h="190500">
+                <a:tc>
+                  <a:txBody>
+                    <a:bodyPr/>
+                    <a:lstStyle/>
+                    <a:p>
+                      <a:pPr algn="r" fontAlgn="b"/>
+                      <a:r>
+                        <a:rPr lang="en-US" sz="1100" u="none" strike="noStrike">
+                          <a:effectLst/>
+                        </a:rPr>
+                        <a:t>312</a:t>
+                      </a:r>
+                      <a:endParaRPr lang="en-US" sz="1100" b="0" i="0" u="none" strike="noStrike">
+                        <a:solidFill>
+                          <a:srgbClr val="000000"/>
+                        </a:solidFill>
+                        <a:effectLst/>
+                        <a:latin typeface="Calibri" panose="020F0502020204030204" pitchFamily="34" charset="0"/>
+                      </a:endParaRPr>
+                    </a:p>
+                  </a:txBody>
+                  <a:tcPr marL="9525" marR="9525" marT="9525" marB="0" anchor="b"/>
+                </a:tc>
+                <a:tc>
+                  <a:txBody>
+                    <a:bodyPr/>
+                    <a:lstStyle/>
+                    <a:p>
+                      <a:pPr algn="l" fontAlgn="b"/>
+                      <a:r>
+                        <a:rPr lang="en-US" sz="1100" u="none" strike="noStrike">
+                          <a:effectLst/>
+                        </a:rPr>
+                        <a:t>BK-R93R-48</a:t>
+                      </a:r>
+                      <a:endParaRPr lang="en-US" sz="1100" b="0" i="0" u="none" strike="noStrike">
+                        <a:solidFill>
+                          <a:srgbClr val="000000"/>
+                        </a:solidFill>
+                        <a:effectLst/>
+                        <a:latin typeface="Calibri" panose="020F0502020204030204" pitchFamily="34" charset="0"/>
+                      </a:endParaRPr>
+                    </a:p>
+                  </a:txBody>
+                  <a:tcPr marL="9525" marR="9525" marT="9525" marB="0" anchor="b"/>
+                </a:tc>
+                <a:tc>
+                  <a:txBody>
+                    <a:bodyPr/>
+                    <a:lstStyle/>
+                    <a:p>
+                      <a:pPr algn="l" fontAlgn="b"/>
+                      <a:r>
+                        <a:rPr lang="en-US" sz="1100" u="none" strike="noStrike">
+                          <a:effectLst/>
+                        </a:rPr>
+                        <a:t>Road-150 Red, 48</a:t>
+                      </a:r>
+                      <a:endParaRPr lang="en-US" sz="1100" b="0" i="0" u="none" strike="noStrike">
+                        <a:solidFill>
+                          <a:srgbClr val="000000"/>
+                        </a:solidFill>
+                        <a:effectLst/>
+                        <a:latin typeface="Calibri" panose="020F0502020204030204" pitchFamily="34" charset="0"/>
+                      </a:endParaRPr>
+                    </a:p>
+                  </a:txBody>
+                  <a:tcPr marL="9525" marR="9525" marT="9525" marB="0" anchor="b"/>
+                </a:tc>
+                <a:tc>
+                  <a:txBody>
+                    <a:bodyPr/>
+                    <a:lstStyle/>
+                    <a:p>
+                      <a:pPr algn="r" fontAlgn="b"/>
+                      <a:r>
+                        <a:rPr lang="en-US" sz="1100" u="none" strike="noStrike">
+                          <a:effectLst/>
+                        </a:rPr>
+                        <a:t>2171.2942</a:t>
+                      </a:r>
+                      <a:endParaRPr lang="en-US" sz="1100" b="0" i="0" u="none" strike="noStrike">
+                        <a:solidFill>
+                          <a:srgbClr val="000000"/>
+                        </a:solidFill>
+                        <a:effectLst/>
+                        <a:latin typeface="Calibri" panose="020F0502020204030204" pitchFamily="34" charset="0"/>
+                      </a:endParaRPr>
+                    </a:p>
+                  </a:txBody>
+                  <a:tcPr marL="9525" marR="9525" marT="9525" marB="0" anchor="b"/>
+                </a:tc>
+                <a:tc>
+                  <a:txBody>
+                    <a:bodyPr/>
+                    <a:lstStyle/>
+                    <a:p>
+                      <a:pPr algn="l" fontAlgn="b"/>
+                      <a:r>
+                        <a:rPr lang="en-US" sz="1100" u="none" strike="noStrike">
+                          <a:effectLst/>
+                        </a:rPr>
+                        <a:t>Red</a:t>
+                      </a:r>
+                      <a:endParaRPr lang="en-US" sz="1100" b="0" i="0" u="none" strike="noStrike">
+                        <a:solidFill>
+                          <a:srgbClr val="000000"/>
+                        </a:solidFill>
+                        <a:effectLst/>
+                        <a:latin typeface="Calibri" panose="020F0502020204030204" pitchFamily="34" charset="0"/>
+                      </a:endParaRPr>
+                    </a:p>
+                  </a:txBody>
+                  <a:tcPr marL="9525" marR="9525" marT="9525" marB="0" anchor="b"/>
+                </a:tc>
+                <a:tc>
+                  <a:txBody>
+                    <a:bodyPr/>
+                    <a:lstStyle/>
+                    <a:p>
+                      <a:pPr algn="r" fontAlgn="b"/>
+                      <a:r>
+                        <a:rPr lang="en-US" sz="1100" u="none" strike="noStrike">
+                          <a:effectLst/>
+                        </a:rPr>
+                        <a:t>3578.27</a:t>
+                      </a:r>
+                      <a:endParaRPr lang="en-US" sz="1100" b="0" i="0" u="none" strike="noStrike">
+                        <a:solidFill>
+                          <a:srgbClr val="000000"/>
+                        </a:solidFill>
+                        <a:effectLst/>
+                        <a:latin typeface="Calibri" panose="020F0502020204030204" pitchFamily="34" charset="0"/>
+                      </a:endParaRPr>
+                    </a:p>
+                  </a:txBody>
+                  <a:tcPr marL="9525" marR="9525" marT="9525" marB="0" anchor="b"/>
+                </a:tc>
+                <a:extLst>
+                  <a:ext uri="{0D108BD9-81ED-4DB2-BD59-A6C34878D82A}">
+                    <a16:rowId xmlns:a16="http://schemas.microsoft.com/office/drawing/2014/main" val="1552892832"/>
+                  </a:ext>
+                </a:extLst>
+              </a:tr>
+              <a:tr h="190500">
+                <a:tc>
+                  <a:txBody>
+                    <a:bodyPr/>
+                    <a:lstStyle/>
+                    <a:p>
+                      <a:pPr algn="r" fontAlgn="b"/>
+                      <a:r>
+                        <a:rPr lang="en-US" sz="1100" u="none" strike="noStrike">
+                          <a:effectLst/>
+                        </a:rPr>
+                        <a:t>313</a:t>
+                      </a:r>
+                      <a:endParaRPr lang="en-US" sz="1100" b="0" i="0" u="none" strike="noStrike">
+                        <a:solidFill>
+                          <a:srgbClr val="000000"/>
+                        </a:solidFill>
+                        <a:effectLst/>
+                        <a:latin typeface="Calibri" panose="020F0502020204030204" pitchFamily="34" charset="0"/>
+                      </a:endParaRPr>
+                    </a:p>
+                  </a:txBody>
+                  <a:tcPr marL="9525" marR="9525" marT="9525" marB="0" anchor="b"/>
+                </a:tc>
+                <a:tc>
+                  <a:txBody>
+                    <a:bodyPr/>
+                    <a:lstStyle/>
+                    <a:p>
+                      <a:pPr algn="l" fontAlgn="b"/>
+                      <a:r>
+                        <a:rPr lang="en-US" sz="1100" u="none" strike="noStrike">
+                          <a:effectLst/>
+                        </a:rPr>
+                        <a:t>BK-R93R-52</a:t>
+                      </a:r>
+                      <a:endParaRPr lang="en-US" sz="1100" b="0" i="0" u="none" strike="noStrike">
+                        <a:solidFill>
+                          <a:srgbClr val="000000"/>
+                        </a:solidFill>
+                        <a:effectLst/>
+                        <a:latin typeface="Calibri" panose="020F0502020204030204" pitchFamily="34" charset="0"/>
+                      </a:endParaRPr>
+                    </a:p>
+                  </a:txBody>
+                  <a:tcPr marL="9525" marR="9525" marT="9525" marB="0" anchor="b"/>
+                </a:tc>
+                <a:tc>
+                  <a:txBody>
+                    <a:bodyPr/>
+                    <a:lstStyle/>
+                    <a:p>
+                      <a:pPr algn="l" fontAlgn="b"/>
+                      <a:r>
+                        <a:rPr lang="en-US" sz="1100" u="none" strike="noStrike">
+                          <a:effectLst/>
+                        </a:rPr>
+                        <a:t>Road-150 Red, 52</a:t>
+                      </a:r>
+                      <a:endParaRPr lang="en-US" sz="1100" b="0" i="0" u="none" strike="noStrike">
+                        <a:solidFill>
+                          <a:srgbClr val="000000"/>
+                        </a:solidFill>
+                        <a:effectLst/>
+                        <a:latin typeface="Calibri" panose="020F0502020204030204" pitchFamily="34" charset="0"/>
+                      </a:endParaRPr>
+                    </a:p>
+                  </a:txBody>
+                  <a:tcPr marL="9525" marR="9525" marT="9525" marB="0" anchor="b"/>
+                </a:tc>
+                <a:tc>
+                  <a:txBody>
+                    <a:bodyPr/>
+                    <a:lstStyle/>
+                    <a:p>
+                      <a:pPr algn="r" fontAlgn="b"/>
+                      <a:r>
+                        <a:rPr lang="en-US" sz="1100" u="none" strike="noStrike">
+                          <a:effectLst/>
+                        </a:rPr>
+                        <a:t>2171.2942</a:t>
+                      </a:r>
+                      <a:endParaRPr lang="en-US" sz="1100" b="0" i="0" u="none" strike="noStrike">
+                        <a:solidFill>
+                          <a:srgbClr val="000000"/>
+                        </a:solidFill>
+                        <a:effectLst/>
+                        <a:latin typeface="Calibri" panose="020F0502020204030204" pitchFamily="34" charset="0"/>
+                      </a:endParaRPr>
+                    </a:p>
+                  </a:txBody>
+                  <a:tcPr marL="9525" marR="9525" marT="9525" marB="0" anchor="b"/>
+                </a:tc>
+                <a:tc>
+                  <a:txBody>
+                    <a:bodyPr/>
+                    <a:lstStyle/>
+                    <a:p>
+                      <a:pPr algn="l" fontAlgn="b"/>
+                      <a:r>
+                        <a:rPr lang="en-US" sz="1100" u="none" strike="noStrike">
+                          <a:effectLst/>
+                        </a:rPr>
+                        <a:t>Red</a:t>
+                      </a:r>
+                      <a:endParaRPr lang="en-US" sz="1100" b="0" i="0" u="none" strike="noStrike">
+                        <a:solidFill>
+                          <a:srgbClr val="000000"/>
+                        </a:solidFill>
+                        <a:effectLst/>
+                        <a:latin typeface="Calibri" panose="020F0502020204030204" pitchFamily="34" charset="0"/>
+                      </a:endParaRPr>
+                    </a:p>
+                  </a:txBody>
+                  <a:tcPr marL="9525" marR="9525" marT="9525" marB="0" anchor="b"/>
+                </a:tc>
+                <a:tc>
+                  <a:txBody>
+                    <a:bodyPr/>
+                    <a:lstStyle/>
+                    <a:p>
+                      <a:pPr algn="r" fontAlgn="b"/>
+                      <a:r>
+                        <a:rPr lang="en-US" sz="1100" u="none" strike="noStrike">
+                          <a:effectLst/>
+                        </a:rPr>
+                        <a:t>3578.27</a:t>
+                      </a:r>
+                      <a:endParaRPr lang="en-US" sz="1100" b="0" i="0" u="none" strike="noStrike">
+                        <a:solidFill>
+                          <a:srgbClr val="000000"/>
+                        </a:solidFill>
+                        <a:effectLst/>
+                        <a:latin typeface="Calibri" panose="020F0502020204030204" pitchFamily="34" charset="0"/>
+                      </a:endParaRPr>
+                    </a:p>
+                  </a:txBody>
+                  <a:tcPr marL="9525" marR="9525" marT="9525" marB="0" anchor="b"/>
+                </a:tc>
+                <a:extLst>
+                  <a:ext uri="{0D108BD9-81ED-4DB2-BD59-A6C34878D82A}">
+                    <a16:rowId xmlns:a16="http://schemas.microsoft.com/office/drawing/2014/main" val="3097635506"/>
+                  </a:ext>
+                </a:extLst>
+              </a:tr>
+              <a:tr h="190500">
+                <a:tc>
+                  <a:txBody>
+                    <a:bodyPr/>
+                    <a:lstStyle/>
+                    <a:p>
+                      <a:pPr algn="r" fontAlgn="b"/>
+                      <a:r>
+                        <a:rPr lang="en-US" sz="1100" u="none" strike="noStrike">
+                          <a:effectLst/>
+                        </a:rPr>
+                        <a:t>314</a:t>
+                      </a:r>
+                      <a:endParaRPr lang="en-US" sz="1100" b="0" i="0" u="none" strike="noStrike">
+                        <a:solidFill>
+                          <a:srgbClr val="000000"/>
+                        </a:solidFill>
+                        <a:effectLst/>
+                        <a:latin typeface="Calibri" panose="020F0502020204030204" pitchFamily="34" charset="0"/>
+                      </a:endParaRPr>
+                    </a:p>
+                  </a:txBody>
+                  <a:tcPr marL="9525" marR="9525" marT="9525" marB="0" anchor="b"/>
+                </a:tc>
+                <a:tc>
+                  <a:txBody>
+                    <a:bodyPr/>
+                    <a:lstStyle/>
+                    <a:p>
+                      <a:pPr algn="l" fontAlgn="b"/>
+                      <a:r>
+                        <a:rPr lang="en-US" sz="1100" u="none" strike="noStrike">
+                          <a:effectLst/>
+                        </a:rPr>
+                        <a:t>BK-R93R-56</a:t>
+                      </a:r>
+                      <a:endParaRPr lang="en-US" sz="1100" b="0" i="0" u="none" strike="noStrike">
+                        <a:solidFill>
+                          <a:srgbClr val="000000"/>
+                        </a:solidFill>
+                        <a:effectLst/>
+                        <a:latin typeface="Calibri" panose="020F0502020204030204" pitchFamily="34" charset="0"/>
+                      </a:endParaRPr>
+                    </a:p>
+                  </a:txBody>
+                  <a:tcPr marL="9525" marR="9525" marT="9525" marB="0" anchor="b"/>
+                </a:tc>
+                <a:tc>
+                  <a:txBody>
+                    <a:bodyPr/>
+                    <a:lstStyle/>
+                    <a:p>
+                      <a:pPr algn="l" fontAlgn="b"/>
+                      <a:r>
+                        <a:rPr lang="en-US" sz="1100" u="none" strike="noStrike">
+                          <a:effectLst/>
+                        </a:rPr>
+                        <a:t>Road-150 Red, 56</a:t>
+                      </a:r>
+                      <a:endParaRPr lang="en-US" sz="1100" b="0" i="0" u="none" strike="noStrike">
+                        <a:solidFill>
+                          <a:srgbClr val="000000"/>
+                        </a:solidFill>
+                        <a:effectLst/>
+                        <a:latin typeface="Calibri" panose="020F0502020204030204" pitchFamily="34" charset="0"/>
+                      </a:endParaRPr>
+                    </a:p>
+                  </a:txBody>
+                  <a:tcPr marL="9525" marR="9525" marT="9525" marB="0" anchor="b"/>
+                </a:tc>
+                <a:tc>
+                  <a:txBody>
+                    <a:bodyPr/>
+                    <a:lstStyle/>
+                    <a:p>
+                      <a:pPr algn="r" fontAlgn="b"/>
+                      <a:r>
+                        <a:rPr lang="en-US" sz="1100" u="none" strike="noStrike">
+                          <a:effectLst/>
+                        </a:rPr>
+                        <a:t>2171.2942</a:t>
+                      </a:r>
+                      <a:endParaRPr lang="en-US" sz="1100" b="0" i="0" u="none" strike="noStrike">
+                        <a:solidFill>
+                          <a:srgbClr val="000000"/>
+                        </a:solidFill>
+                        <a:effectLst/>
+                        <a:latin typeface="Calibri" panose="020F0502020204030204" pitchFamily="34" charset="0"/>
+                      </a:endParaRPr>
+                    </a:p>
+                  </a:txBody>
+                  <a:tcPr marL="9525" marR="9525" marT="9525" marB="0" anchor="b"/>
+                </a:tc>
+                <a:tc>
+                  <a:txBody>
+                    <a:bodyPr/>
+                    <a:lstStyle/>
+                    <a:p>
+                      <a:pPr algn="l" fontAlgn="b"/>
+                      <a:r>
+                        <a:rPr lang="en-US" sz="1100" u="none" strike="noStrike">
+                          <a:effectLst/>
+                        </a:rPr>
+                        <a:t>Red</a:t>
+                      </a:r>
+                      <a:endParaRPr lang="en-US" sz="1100" b="0" i="0" u="none" strike="noStrike">
+                        <a:solidFill>
+                          <a:srgbClr val="000000"/>
+                        </a:solidFill>
+                        <a:effectLst/>
+                        <a:latin typeface="Calibri" panose="020F0502020204030204" pitchFamily="34" charset="0"/>
+                      </a:endParaRPr>
+                    </a:p>
+                  </a:txBody>
+                  <a:tcPr marL="9525" marR="9525" marT="9525" marB="0" anchor="b"/>
+                </a:tc>
+                <a:tc>
+                  <a:txBody>
+                    <a:bodyPr/>
+                    <a:lstStyle/>
+                    <a:p>
+                      <a:pPr algn="r" fontAlgn="b"/>
+                      <a:r>
+                        <a:rPr lang="en-US" sz="1100" u="none" strike="noStrike">
+                          <a:effectLst/>
+                        </a:rPr>
+                        <a:t>3578.27</a:t>
+                      </a:r>
+                      <a:endParaRPr lang="en-US" sz="1100" b="0" i="0" u="none" strike="noStrike">
+                        <a:solidFill>
+                          <a:srgbClr val="000000"/>
+                        </a:solidFill>
+                        <a:effectLst/>
+                        <a:latin typeface="Calibri" panose="020F0502020204030204" pitchFamily="34" charset="0"/>
+                      </a:endParaRPr>
+                    </a:p>
+                  </a:txBody>
+                  <a:tcPr marL="9525" marR="9525" marT="9525" marB="0" anchor="b"/>
+                </a:tc>
+                <a:extLst>
+                  <a:ext uri="{0D108BD9-81ED-4DB2-BD59-A6C34878D82A}">
+                    <a16:rowId xmlns:a16="http://schemas.microsoft.com/office/drawing/2014/main" val="305212047"/>
+                  </a:ext>
+                </a:extLst>
+              </a:tr>
+              <a:tr h="190500">
+                <a:tc>
+                  <a:txBody>
+                    <a:bodyPr/>
+                    <a:lstStyle/>
+                    <a:p>
+                      <a:pPr algn="r" fontAlgn="b"/>
+                      <a:r>
+                        <a:rPr lang="en-US" sz="1100" u="none" strike="noStrike">
+                          <a:effectLst/>
+                        </a:rPr>
+                        <a:t>315</a:t>
+                      </a:r>
+                      <a:endParaRPr lang="en-US" sz="1100" b="0" i="0" u="none" strike="noStrike">
+                        <a:solidFill>
+                          <a:srgbClr val="000000"/>
+                        </a:solidFill>
+                        <a:effectLst/>
+                        <a:latin typeface="Calibri" panose="020F0502020204030204" pitchFamily="34" charset="0"/>
+                      </a:endParaRPr>
+                    </a:p>
+                  </a:txBody>
+                  <a:tcPr marL="9525" marR="9525" marT="9525" marB="0" anchor="b"/>
+                </a:tc>
+                <a:tc>
+                  <a:txBody>
+                    <a:bodyPr/>
+                    <a:lstStyle/>
+                    <a:p>
+                      <a:pPr algn="l" fontAlgn="b"/>
+                      <a:r>
+                        <a:rPr lang="en-US" sz="1100" u="none" strike="noStrike">
+                          <a:effectLst/>
+                        </a:rPr>
+                        <a:t>BK-R68R-58</a:t>
+                      </a:r>
+                      <a:endParaRPr lang="en-US" sz="1100" b="0" i="0" u="none" strike="noStrike">
+                        <a:solidFill>
+                          <a:srgbClr val="000000"/>
+                        </a:solidFill>
+                        <a:effectLst/>
+                        <a:latin typeface="Calibri" panose="020F0502020204030204" pitchFamily="34" charset="0"/>
+                      </a:endParaRPr>
+                    </a:p>
+                  </a:txBody>
+                  <a:tcPr marL="9525" marR="9525" marT="9525" marB="0" anchor="b"/>
+                </a:tc>
+                <a:tc>
+                  <a:txBody>
+                    <a:bodyPr/>
+                    <a:lstStyle/>
+                    <a:p>
+                      <a:pPr algn="l" fontAlgn="b"/>
+                      <a:r>
+                        <a:rPr lang="en-US" sz="1100" u="none" strike="noStrike" dirty="0">
+                          <a:effectLst/>
+                        </a:rPr>
+                        <a:t>Road-450 Red, 58</a:t>
+                      </a:r>
+                      <a:endParaRPr lang="en-US" sz="1100" b="0" i="0" u="none" strike="noStrike" dirty="0">
+                        <a:solidFill>
+                          <a:srgbClr val="000000"/>
+                        </a:solidFill>
+                        <a:effectLst/>
+                        <a:latin typeface="Calibri" panose="020F0502020204030204" pitchFamily="34" charset="0"/>
+                      </a:endParaRPr>
+                    </a:p>
+                  </a:txBody>
+                  <a:tcPr marL="9525" marR="9525" marT="9525" marB="0" anchor="b"/>
+                </a:tc>
+                <a:tc>
+                  <a:txBody>
+                    <a:bodyPr/>
+                    <a:lstStyle/>
+                    <a:p>
+                      <a:pPr algn="r" fontAlgn="b"/>
+                      <a:r>
+                        <a:rPr lang="en-US" sz="1100" u="none" strike="noStrike">
+                          <a:effectLst/>
+                        </a:rPr>
+                        <a:t>884.7083</a:t>
+                      </a:r>
+                      <a:endParaRPr lang="en-US" sz="1100" b="0" i="0" u="none" strike="noStrike">
+                        <a:solidFill>
+                          <a:srgbClr val="000000"/>
+                        </a:solidFill>
+                        <a:effectLst/>
+                        <a:latin typeface="Calibri" panose="020F0502020204030204" pitchFamily="34" charset="0"/>
+                      </a:endParaRPr>
+                    </a:p>
+                  </a:txBody>
+                  <a:tcPr marL="9525" marR="9525" marT="9525" marB="0" anchor="b"/>
+                </a:tc>
+                <a:tc>
+                  <a:txBody>
+                    <a:bodyPr/>
+                    <a:lstStyle/>
+                    <a:p>
+                      <a:pPr algn="l" fontAlgn="b"/>
+                      <a:r>
+                        <a:rPr lang="en-US" sz="1100" u="none" strike="noStrike">
+                          <a:effectLst/>
+                        </a:rPr>
+                        <a:t>Red</a:t>
+                      </a:r>
+                      <a:endParaRPr lang="en-US" sz="1100" b="0" i="0" u="none" strike="noStrike">
+                        <a:solidFill>
+                          <a:srgbClr val="000000"/>
+                        </a:solidFill>
+                        <a:effectLst/>
+                        <a:latin typeface="Calibri" panose="020F0502020204030204" pitchFamily="34" charset="0"/>
+                      </a:endParaRPr>
+                    </a:p>
+                  </a:txBody>
+                  <a:tcPr marL="9525" marR="9525" marT="9525" marB="0" anchor="b"/>
+                </a:tc>
+                <a:tc>
+                  <a:txBody>
+                    <a:bodyPr/>
+                    <a:lstStyle/>
+                    <a:p>
+                      <a:pPr algn="r" fontAlgn="b"/>
+                      <a:r>
+                        <a:rPr lang="en-US" sz="1100" u="none" strike="noStrike" dirty="0">
+                          <a:effectLst/>
+                        </a:rPr>
+                        <a:t>1457.99</a:t>
+                      </a:r>
+                      <a:endParaRPr lang="en-US" sz="1100" b="0" i="0" u="none" strike="noStrike" dirty="0">
+                        <a:solidFill>
+                          <a:srgbClr val="000000"/>
+                        </a:solidFill>
+                        <a:effectLst/>
+                        <a:latin typeface="Calibri" panose="020F0502020204030204" pitchFamily="34" charset="0"/>
+                      </a:endParaRPr>
+                    </a:p>
+                  </a:txBody>
+                  <a:tcPr marL="9525" marR="9525" marT="9525" marB="0" anchor="b"/>
+                </a:tc>
+                <a:extLst>
+                  <a:ext uri="{0D108BD9-81ED-4DB2-BD59-A6C34878D82A}">
+                    <a16:rowId xmlns:a16="http://schemas.microsoft.com/office/drawing/2014/main" val="2461746732"/>
+                  </a:ext>
+                </a:extLst>
+              </a:tr>
+            </a:tbl>
+          </a:graphicData>
+        </a:graphic>
+      </p:graphicFrame>
+      <p:graphicFrame>
+        <p:nvGraphicFramePr>
+          <p:cNvPr id="7" name="Table 6">
+            <a:extLst>
+              <a:ext uri="{FF2B5EF4-FFF2-40B4-BE49-F238E27FC236}">
+                <a16:creationId xmlns:a16="http://schemas.microsoft.com/office/drawing/2014/main" id="{3E824A80-2B08-4B8A-84AC-B2F0586659CD}"/>
+              </a:ext>
+            </a:extLst>
+          </p:cNvPr>
+          <p:cNvGraphicFramePr>
+            <a:graphicFrameLocks noGrp="1"/>
+          </p:cNvGraphicFramePr>
+          <p:nvPr>
+            <p:extLst>
+              <p:ext uri="{D42A27DB-BD31-4B8C-83A1-F6EECF244321}">
+                <p14:modId xmlns:p14="http://schemas.microsoft.com/office/powerpoint/2010/main" val="2435090194"/>
+              </p:ext>
+            </p:extLst>
+          </p:nvPr>
+        </p:nvGraphicFramePr>
+        <p:xfrm>
+          <a:off x="8255000" y="2420158"/>
+          <a:ext cx="3175000" cy="1905000"/>
+        </p:xfrm>
+        <a:graphic>
+          <a:graphicData uri="http://schemas.openxmlformats.org/drawingml/2006/table">
+            <a:tbl>
+              <a:tblPr>
+                <a:tableStyleId>{5C22544A-7EE6-4342-B048-85BDC9FD1C3A}</a:tableStyleId>
+              </a:tblPr>
+              <a:tblGrid>
+                <a:gridCol w="889000">
+                  <a:extLst>
+                    <a:ext uri="{9D8B030D-6E8A-4147-A177-3AD203B41FA5}">
+                      <a16:colId xmlns:a16="http://schemas.microsoft.com/office/drawing/2014/main" val="2928871060"/>
+                    </a:ext>
+                  </a:extLst>
+                </a:gridCol>
+                <a:gridCol w="990600">
+                  <a:extLst>
+                    <a:ext uri="{9D8B030D-6E8A-4147-A177-3AD203B41FA5}">
+                      <a16:colId xmlns:a16="http://schemas.microsoft.com/office/drawing/2014/main" val="4055393803"/>
+                    </a:ext>
+                  </a:extLst>
+                </a:gridCol>
+                <a:gridCol w="660400">
+                  <a:extLst>
+                    <a:ext uri="{9D8B030D-6E8A-4147-A177-3AD203B41FA5}">
+                      <a16:colId xmlns:a16="http://schemas.microsoft.com/office/drawing/2014/main" val="1624624387"/>
+                    </a:ext>
+                  </a:extLst>
+                </a:gridCol>
+                <a:gridCol w="635000">
+                  <a:extLst>
+                    <a:ext uri="{9D8B030D-6E8A-4147-A177-3AD203B41FA5}">
+                      <a16:colId xmlns:a16="http://schemas.microsoft.com/office/drawing/2014/main" val="1657942800"/>
+                    </a:ext>
+                  </a:extLst>
+                </a:gridCol>
+              </a:tblGrid>
+              <a:tr h="190500">
+                <a:tc>
+                  <a:txBody>
+                    <a:bodyPr/>
+                    <a:lstStyle/>
+                    <a:p>
+                      <a:pPr algn="l" fontAlgn="b"/>
+                      <a:r>
+                        <a:rPr lang="en-US" sz="1100" u="none" strike="noStrike">
+                          <a:effectLst/>
+                        </a:rPr>
+                        <a:t>ProductKey</a:t>
+                      </a:r>
+                      <a:endParaRPr lang="en-US" sz="1100" b="1" i="0" u="none" strike="noStrike">
+                        <a:solidFill>
+                          <a:srgbClr val="FFFFFF"/>
+                        </a:solidFill>
+                        <a:effectLst/>
+                        <a:latin typeface="Calibri" panose="020F0502020204030204" pitchFamily="34" charset="0"/>
+                      </a:endParaRPr>
+                    </a:p>
+                  </a:txBody>
+                  <a:tcPr marL="9525" marR="9525" marT="9525" marB="0" anchor="b"/>
+                </a:tc>
+                <a:tc>
+                  <a:txBody>
+                    <a:bodyPr/>
+                    <a:lstStyle/>
+                    <a:p>
+                      <a:pPr algn="l" fontAlgn="b"/>
+                      <a:r>
+                        <a:rPr lang="en-US" sz="1100" u="none" strike="noStrike">
+                          <a:effectLst/>
+                        </a:rPr>
+                        <a:t>SalesAmount</a:t>
+                      </a:r>
+                      <a:endParaRPr lang="en-US" sz="1100" b="1" i="0" u="none" strike="noStrike">
+                        <a:solidFill>
+                          <a:srgbClr val="FFFFFF"/>
+                        </a:solidFill>
+                        <a:effectLst/>
+                        <a:latin typeface="Calibri" panose="020F0502020204030204" pitchFamily="34" charset="0"/>
+                      </a:endParaRPr>
+                    </a:p>
+                  </a:txBody>
+                  <a:tcPr marL="9525" marR="9525" marT="9525" marB="0" anchor="b"/>
+                </a:tc>
+                <a:tc>
+                  <a:txBody>
+                    <a:bodyPr/>
+                    <a:lstStyle/>
+                    <a:p>
+                      <a:pPr algn="l" fontAlgn="b"/>
+                      <a:r>
+                        <a:rPr lang="en-US" sz="1100" u="none" strike="noStrike">
+                          <a:effectLst/>
+                        </a:rPr>
+                        <a:t>TaxAmt</a:t>
+                      </a:r>
+                      <a:endParaRPr lang="en-US" sz="1100" b="1" i="0" u="none" strike="noStrike">
+                        <a:solidFill>
+                          <a:srgbClr val="FFFFFF"/>
+                        </a:solidFill>
+                        <a:effectLst/>
+                        <a:latin typeface="Calibri" panose="020F0502020204030204" pitchFamily="34" charset="0"/>
+                      </a:endParaRPr>
+                    </a:p>
+                  </a:txBody>
+                  <a:tcPr marL="9525" marR="9525" marT="9525" marB="0" anchor="b"/>
+                </a:tc>
+                <a:tc>
+                  <a:txBody>
+                    <a:bodyPr/>
+                    <a:lstStyle/>
+                    <a:p>
+                      <a:pPr algn="l" fontAlgn="b"/>
+                      <a:r>
+                        <a:rPr lang="en-US" sz="1100" u="none" strike="noStrike">
+                          <a:effectLst/>
+                        </a:rPr>
+                        <a:t>Freight</a:t>
+                      </a:r>
+                      <a:endParaRPr lang="en-US" sz="1100" b="1" i="0" u="none" strike="noStrike">
+                        <a:solidFill>
+                          <a:srgbClr val="FFFFFF"/>
+                        </a:solidFill>
+                        <a:effectLst/>
+                        <a:latin typeface="Calibri" panose="020F0502020204030204" pitchFamily="34" charset="0"/>
+                      </a:endParaRPr>
+                    </a:p>
+                  </a:txBody>
+                  <a:tcPr marL="9525" marR="9525" marT="9525" marB="0" anchor="b"/>
+                </a:tc>
+                <a:extLst>
+                  <a:ext uri="{0D108BD9-81ED-4DB2-BD59-A6C34878D82A}">
+                    <a16:rowId xmlns:a16="http://schemas.microsoft.com/office/drawing/2014/main" val="2901771157"/>
+                  </a:ext>
+                </a:extLst>
+              </a:tr>
+              <a:tr h="190500">
+                <a:tc>
+                  <a:txBody>
+                    <a:bodyPr/>
+                    <a:lstStyle/>
+                    <a:p>
+                      <a:pPr algn="r" fontAlgn="b"/>
+                      <a:r>
+                        <a:rPr lang="en-US" sz="1100" u="none" strike="noStrike">
+                          <a:effectLst/>
+                        </a:rPr>
+                        <a:t>310</a:t>
+                      </a:r>
+                      <a:endParaRPr lang="en-US" sz="1100" b="0" i="0" u="none" strike="noStrike">
+                        <a:solidFill>
+                          <a:srgbClr val="000000"/>
+                        </a:solidFill>
+                        <a:effectLst/>
+                        <a:latin typeface="Calibri" panose="020F0502020204030204" pitchFamily="34" charset="0"/>
+                      </a:endParaRPr>
+                    </a:p>
+                  </a:txBody>
+                  <a:tcPr marL="9525" marR="9525" marT="9525" marB="0" anchor="b"/>
+                </a:tc>
+                <a:tc>
+                  <a:txBody>
+                    <a:bodyPr/>
+                    <a:lstStyle/>
+                    <a:p>
+                      <a:pPr algn="r" fontAlgn="b"/>
+                      <a:r>
+                        <a:rPr lang="en-US" sz="1100" u="none" strike="noStrike" dirty="0">
+                          <a:effectLst/>
+                        </a:rPr>
+                        <a:t>3578.27</a:t>
+                      </a:r>
+                      <a:endParaRPr lang="en-US" sz="1100" b="0" i="0" u="none" strike="noStrike" dirty="0">
+                        <a:solidFill>
+                          <a:srgbClr val="000000"/>
+                        </a:solidFill>
+                        <a:effectLst/>
+                        <a:latin typeface="Calibri" panose="020F0502020204030204" pitchFamily="34" charset="0"/>
+                      </a:endParaRPr>
+                    </a:p>
+                  </a:txBody>
+                  <a:tcPr marL="9525" marR="9525" marT="9525" marB="0" anchor="b"/>
+                </a:tc>
+                <a:tc>
+                  <a:txBody>
+                    <a:bodyPr/>
+                    <a:lstStyle/>
+                    <a:p>
+                      <a:pPr algn="r" fontAlgn="b"/>
+                      <a:r>
+                        <a:rPr lang="en-US" sz="1100" u="none" strike="noStrike">
+                          <a:effectLst/>
+                        </a:rPr>
+                        <a:t>286.2616</a:t>
+                      </a:r>
+                      <a:endParaRPr lang="en-US" sz="1100" b="0" i="0" u="none" strike="noStrike">
+                        <a:solidFill>
+                          <a:srgbClr val="000000"/>
+                        </a:solidFill>
+                        <a:effectLst/>
+                        <a:latin typeface="Calibri" panose="020F0502020204030204" pitchFamily="34" charset="0"/>
+                      </a:endParaRPr>
+                    </a:p>
+                  </a:txBody>
+                  <a:tcPr marL="9525" marR="9525" marT="9525" marB="0" anchor="b"/>
+                </a:tc>
+                <a:tc>
+                  <a:txBody>
+                    <a:bodyPr/>
+                    <a:lstStyle/>
+                    <a:p>
+                      <a:pPr algn="r" fontAlgn="b"/>
+                      <a:r>
+                        <a:rPr lang="en-US" sz="1100" u="none" strike="noStrike">
+                          <a:effectLst/>
+                        </a:rPr>
+                        <a:t>89.4568</a:t>
+                      </a:r>
+                      <a:endParaRPr lang="en-US" sz="1100" b="0" i="0" u="none" strike="noStrike">
+                        <a:solidFill>
+                          <a:srgbClr val="000000"/>
+                        </a:solidFill>
+                        <a:effectLst/>
+                        <a:latin typeface="Calibri" panose="020F0502020204030204" pitchFamily="34" charset="0"/>
+                      </a:endParaRPr>
+                    </a:p>
+                  </a:txBody>
+                  <a:tcPr marL="9525" marR="9525" marT="9525" marB="0" anchor="b"/>
+                </a:tc>
+                <a:extLst>
+                  <a:ext uri="{0D108BD9-81ED-4DB2-BD59-A6C34878D82A}">
+                    <a16:rowId xmlns:a16="http://schemas.microsoft.com/office/drawing/2014/main" val="502503341"/>
+                  </a:ext>
+                </a:extLst>
+              </a:tr>
+              <a:tr h="190500">
+                <a:tc>
+                  <a:txBody>
+                    <a:bodyPr/>
+                    <a:lstStyle/>
+                    <a:p>
+                      <a:pPr algn="r" fontAlgn="b"/>
+                      <a:r>
+                        <a:rPr lang="en-US" sz="1100" u="none" strike="noStrike">
+                          <a:effectLst/>
+                        </a:rPr>
+                        <a:t>311</a:t>
+                      </a:r>
+                      <a:endParaRPr lang="en-US" sz="1100" b="0" i="0" u="none" strike="noStrike">
+                        <a:solidFill>
+                          <a:srgbClr val="000000"/>
+                        </a:solidFill>
+                        <a:effectLst/>
+                        <a:latin typeface="Calibri" panose="020F0502020204030204" pitchFamily="34" charset="0"/>
+                      </a:endParaRPr>
+                    </a:p>
+                  </a:txBody>
+                  <a:tcPr marL="9525" marR="9525" marT="9525" marB="0" anchor="b"/>
+                </a:tc>
+                <a:tc>
+                  <a:txBody>
+                    <a:bodyPr/>
+                    <a:lstStyle/>
+                    <a:p>
+                      <a:pPr algn="r" fontAlgn="b"/>
+                      <a:r>
+                        <a:rPr lang="en-US" sz="1100" u="none" strike="noStrike">
+                          <a:effectLst/>
+                        </a:rPr>
+                        <a:t>3578.27</a:t>
+                      </a:r>
+                      <a:endParaRPr lang="en-US" sz="1100" b="0" i="0" u="none" strike="noStrike">
+                        <a:solidFill>
+                          <a:srgbClr val="000000"/>
+                        </a:solidFill>
+                        <a:effectLst/>
+                        <a:latin typeface="Calibri" panose="020F0502020204030204" pitchFamily="34" charset="0"/>
+                      </a:endParaRPr>
+                    </a:p>
+                  </a:txBody>
+                  <a:tcPr marL="9525" marR="9525" marT="9525" marB="0" anchor="b"/>
+                </a:tc>
+                <a:tc>
+                  <a:txBody>
+                    <a:bodyPr/>
+                    <a:lstStyle/>
+                    <a:p>
+                      <a:pPr algn="r" fontAlgn="b"/>
+                      <a:r>
+                        <a:rPr lang="en-US" sz="1100" u="none" strike="noStrike">
+                          <a:effectLst/>
+                        </a:rPr>
+                        <a:t>286.2616</a:t>
+                      </a:r>
+                      <a:endParaRPr lang="en-US" sz="1100" b="0" i="0" u="none" strike="noStrike">
+                        <a:solidFill>
+                          <a:srgbClr val="000000"/>
+                        </a:solidFill>
+                        <a:effectLst/>
+                        <a:latin typeface="Calibri" panose="020F0502020204030204" pitchFamily="34" charset="0"/>
+                      </a:endParaRPr>
+                    </a:p>
+                  </a:txBody>
+                  <a:tcPr marL="9525" marR="9525" marT="9525" marB="0" anchor="b"/>
+                </a:tc>
+                <a:tc>
+                  <a:txBody>
+                    <a:bodyPr/>
+                    <a:lstStyle/>
+                    <a:p>
+                      <a:pPr algn="r" fontAlgn="b"/>
+                      <a:r>
+                        <a:rPr lang="en-US" sz="1100" u="none" strike="noStrike">
+                          <a:effectLst/>
+                        </a:rPr>
+                        <a:t>89.4568</a:t>
+                      </a:r>
+                      <a:endParaRPr lang="en-US" sz="1100" b="0" i="0" u="none" strike="noStrike">
+                        <a:solidFill>
+                          <a:srgbClr val="000000"/>
+                        </a:solidFill>
+                        <a:effectLst/>
+                        <a:latin typeface="Calibri" panose="020F0502020204030204" pitchFamily="34" charset="0"/>
+                      </a:endParaRPr>
+                    </a:p>
+                  </a:txBody>
+                  <a:tcPr marL="9525" marR="9525" marT="9525" marB="0" anchor="b"/>
+                </a:tc>
+                <a:extLst>
+                  <a:ext uri="{0D108BD9-81ED-4DB2-BD59-A6C34878D82A}">
+                    <a16:rowId xmlns:a16="http://schemas.microsoft.com/office/drawing/2014/main" val="2034883758"/>
+                  </a:ext>
+                </a:extLst>
+              </a:tr>
+              <a:tr h="190500">
+                <a:tc>
+                  <a:txBody>
+                    <a:bodyPr/>
+                    <a:lstStyle/>
+                    <a:p>
+                      <a:pPr algn="r" fontAlgn="b"/>
+                      <a:r>
+                        <a:rPr lang="en-US" sz="1100" u="none" strike="noStrike">
+                          <a:effectLst/>
+                        </a:rPr>
+                        <a:t>310</a:t>
+                      </a:r>
+                      <a:endParaRPr lang="en-US" sz="1100" b="0" i="0" u="none" strike="noStrike">
+                        <a:solidFill>
+                          <a:srgbClr val="000000"/>
+                        </a:solidFill>
+                        <a:effectLst/>
+                        <a:latin typeface="Calibri" panose="020F0502020204030204" pitchFamily="34" charset="0"/>
+                      </a:endParaRPr>
+                    </a:p>
+                  </a:txBody>
+                  <a:tcPr marL="9525" marR="9525" marT="9525" marB="0" anchor="b"/>
+                </a:tc>
+                <a:tc>
+                  <a:txBody>
+                    <a:bodyPr/>
+                    <a:lstStyle/>
+                    <a:p>
+                      <a:pPr algn="r" fontAlgn="b"/>
+                      <a:r>
+                        <a:rPr lang="en-US" sz="1100" u="none" strike="noStrike">
+                          <a:effectLst/>
+                        </a:rPr>
+                        <a:t>3578.27</a:t>
+                      </a:r>
+                      <a:endParaRPr lang="en-US" sz="1100" b="0" i="0" u="none" strike="noStrike">
+                        <a:solidFill>
+                          <a:srgbClr val="000000"/>
+                        </a:solidFill>
+                        <a:effectLst/>
+                        <a:latin typeface="Calibri" panose="020F0502020204030204" pitchFamily="34" charset="0"/>
+                      </a:endParaRPr>
+                    </a:p>
+                  </a:txBody>
+                  <a:tcPr marL="9525" marR="9525" marT="9525" marB="0" anchor="b"/>
+                </a:tc>
+                <a:tc>
+                  <a:txBody>
+                    <a:bodyPr/>
+                    <a:lstStyle/>
+                    <a:p>
+                      <a:pPr algn="r" fontAlgn="b"/>
+                      <a:r>
+                        <a:rPr lang="en-US" sz="1100" u="none" strike="noStrike">
+                          <a:effectLst/>
+                        </a:rPr>
+                        <a:t>286.2616</a:t>
+                      </a:r>
+                      <a:endParaRPr lang="en-US" sz="1100" b="0" i="0" u="none" strike="noStrike">
+                        <a:solidFill>
+                          <a:srgbClr val="000000"/>
+                        </a:solidFill>
+                        <a:effectLst/>
+                        <a:latin typeface="Calibri" panose="020F0502020204030204" pitchFamily="34" charset="0"/>
+                      </a:endParaRPr>
+                    </a:p>
+                  </a:txBody>
+                  <a:tcPr marL="9525" marR="9525" marT="9525" marB="0" anchor="b"/>
+                </a:tc>
+                <a:tc>
+                  <a:txBody>
+                    <a:bodyPr/>
+                    <a:lstStyle/>
+                    <a:p>
+                      <a:pPr algn="r" fontAlgn="b"/>
+                      <a:r>
+                        <a:rPr lang="en-US" sz="1100" u="none" strike="noStrike">
+                          <a:effectLst/>
+                        </a:rPr>
+                        <a:t>89.4568</a:t>
+                      </a:r>
+                      <a:endParaRPr lang="en-US" sz="1100" b="0" i="0" u="none" strike="noStrike">
+                        <a:solidFill>
+                          <a:srgbClr val="000000"/>
+                        </a:solidFill>
+                        <a:effectLst/>
+                        <a:latin typeface="Calibri" panose="020F0502020204030204" pitchFamily="34" charset="0"/>
+                      </a:endParaRPr>
+                    </a:p>
+                  </a:txBody>
+                  <a:tcPr marL="9525" marR="9525" marT="9525" marB="0" anchor="b"/>
+                </a:tc>
+                <a:extLst>
+                  <a:ext uri="{0D108BD9-81ED-4DB2-BD59-A6C34878D82A}">
+                    <a16:rowId xmlns:a16="http://schemas.microsoft.com/office/drawing/2014/main" val="65950504"/>
+                  </a:ext>
+                </a:extLst>
+              </a:tr>
+              <a:tr h="190500">
+                <a:tc>
+                  <a:txBody>
+                    <a:bodyPr/>
+                    <a:lstStyle/>
+                    <a:p>
+                      <a:pPr algn="r" fontAlgn="b"/>
+                      <a:r>
+                        <a:rPr lang="en-US" sz="1100" u="none" strike="noStrike">
+                          <a:effectLst/>
+                        </a:rPr>
+                        <a:t>312</a:t>
+                      </a:r>
+                      <a:endParaRPr lang="en-US" sz="1100" b="0" i="0" u="none" strike="noStrike">
+                        <a:solidFill>
+                          <a:srgbClr val="000000"/>
+                        </a:solidFill>
+                        <a:effectLst/>
+                        <a:latin typeface="Calibri" panose="020F0502020204030204" pitchFamily="34" charset="0"/>
+                      </a:endParaRPr>
+                    </a:p>
+                  </a:txBody>
+                  <a:tcPr marL="9525" marR="9525" marT="9525" marB="0" anchor="b"/>
+                </a:tc>
+                <a:tc>
+                  <a:txBody>
+                    <a:bodyPr/>
+                    <a:lstStyle/>
+                    <a:p>
+                      <a:pPr algn="r" fontAlgn="b"/>
+                      <a:r>
+                        <a:rPr lang="en-US" sz="1100" u="none" strike="noStrike">
+                          <a:effectLst/>
+                        </a:rPr>
+                        <a:t>3578.27</a:t>
+                      </a:r>
+                      <a:endParaRPr lang="en-US" sz="1100" b="0" i="0" u="none" strike="noStrike">
+                        <a:solidFill>
+                          <a:srgbClr val="000000"/>
+                        </a:solidFill>
+                        <a:effectLst/>
+                        <a:latin typeface="Calibri" panose="020F0502020204030204" pitchFamily="34" charset="0"/>
+                      </a:endParaRPr>
+                    </a:p>
+                  </a:txBody>
+                  <a:tcPr marL="9525" marR="9525" marT="9525" marB="0" anchor="b"/>
+                </a:tc>
+                <a:tc>
+                  <a:txBody>
+                    <a:bodyPr/>
+                    <a:lstStyle/>
+                    <a:p>
+                      <a:pPr algn="r" fontAlgn="b"/>
+                      <a:r>
+                        <a:rPr lang="en-US" sz="1100" u="none" strike="noStrike">
+                          <a:effectLst/>
+                        </a:rPr>
+                        <a:t>286.2616</a:t>
+                      </a:r>
+                      <a:endParaRPr lang="en-US" sz="1100" b="0" i="0" u="none" strike="noStrike">
+                        <a:solidFill>
+                          <a:srgbClr val="000000"/>
+                        </a:solidFill>
+                        <a:effectLst/>
+                        <a:latin typeface="Calibri" panose="020F0502020204030204" pitchFamily="34" charset="0"/>
+                      </a:endParaRPr>
+                    </a:p>
+                  </a:txBody>
+                  <a:tcPr marL="9525" marR="9525" marT="9525" marB="0" anchor="b"/>
+                </a:tc>
+                <a:tc>
+                  <a:txBody>
+                    <a:bodyPr/>
+                    <a:lstStyle/>
+                    <a:p>
+                      <a:pPr algn="r" fontAlgn="b"/>
+                      <a:r>
+                        <a:rPr lang="en-US" sz="1100" u="none" strike="noStrike">
+                          <a:effectLst/>
+                        </a:rPr>
+                        <a:t>89.4568</a:t>
+                      </a:r>
+                      <a:endParaRPr lang="en-US" sz="1100" b="0" i="0" u="none" strike="noStrike">
+                        <a:solidFill>
+                          <a:srgbClr val="000000"/>
+                        </a:solidFill>
+                        <a:effectLst/>
+                        <a:latin typeface="Calibri" panose="020F0502020204030204" pitchFamily="34" charset="0"/>
+                      </a:endParaRPr>
+                    </a:p>
+                  </a:txBody>
+                  <a:tcPr marL="9525" marR="9525" marT="9525" marB="0" anchor="b"/>
+                </a:tc>
+                <a:extLst>
+                  <a:ext uri="{0D108BD9-81ED-4DB2-BD59-A6C34878D82A}">
+                    <a16:rowId xmlns:a16="http://schemas.microsoft.com/office/drawing/2014/main" val="974717632"/>
+                  </a:ext>
+                </a:extLst>
+              </a:tr>
+              <a:tr h="190500">
+                <a:tc>
+                  <a:txBody>
+                    <a:bodyPr/>
+                    <a:lstStyle/>
+                    <a:p>
+                      <a:pPr algn="r" fontAlgn="b"/>
+                      <a:r>
+                        <a:rPr lang="en-US" sz="1100" u="none" strike="noStrike">
+                          <a:effectLst/>
+                        </a:rPr>
+                        <a:t>312</a:t>
+                      </a:r>
+                      <a:endParaRPr lang="en-US" sz="1100" b="0" i="0" u="none" strike="noStrike">
+                        <a:solidFill>
+                          <a:srgbClr val="000000"/>
+                        </a:solidFill>
+                        <a:effectLst/>
+                        <a:latin typeface="Calibri" panose="020F0502020204030204" pitchFamily="34" charset="0"/>
+                      </a:endParaRPr>
+                    </a:p>
+                  </a:txBody>
+                  <a:tcPr marL="9525" marR="9525" marT="9525" marB="0" anchor="b"/>
+                </a:tc>
+                <a:tc>
+                  <a:txBody>
+                    <a:bodyPr/>
+                    <a:lstStyle/>
+                    <a:p>
+                      <a:pPr algn="r" fontAlgn="b"/>
+                      <a:r>
+                        <a:rPr lang="en-US" sz="1100" u="none" strike="noStrike">
+                          <a:effectLst/>
+                        </a:rPr>
+                        <a:t>3578.27</a:t>
+                      </a:r>
+                      <a:endParaRPr lang="en-US" sz="1100" b="0" i="0" u="none" strike="noStrike">
+                        <a:solidFill>
+                          <a:srgbClr val="000000"/>
+                        </a:solidFill>
+                        <a:effectLst/>
+                        <a:latin typeface="Calibri" panose="020F0502020204030204" pitchFamily="34" charset="0"/>
+                      </a:endParaRPr>
+                    </a:p>
+                  </a:txBody>
+                  <a:tcPr marL="9525" marR="9525" marT="9525" marB="0" anchor="b"/>
+                </a:tc>
+                <a:tc>
+                  <a:txBody>
+                    <a:bodyPr/>
+                    <a:lstStyle/>
+                    <a:p>
+                      <a:pPr algn="r" fontAlgn="b"/>
+                      <a:r>
+                        <a:rPr lang="en-US" sz="1100" u="none" strike="noStrike">
+                          <a:effectLst/>
+                        </a:rPr>
+                        <a:t>286.2616</a:t>
+                      </a:r>
+                      <a:endParaRPr lang="en-US" sz="1100" b="0" i="0" u="none" strike="noStrike">
+                        <a:solidFill>
+                          <a:srgbClr val="000000"/>
+                        </a:solidFill>
+                        <a:effectLst/>
+                        <a:latin typeface="Calibri" panose="020F0502020204030204" pitchFamily="34" charset="0"/>
+                      </a:endParaRPr>
+                    </a:p>
+                  </a:txBody>
+                  <a:tcPr marL="9525" marR="9525" marT="9525" marB="0" anchor="b"/>
+                </a:tc>
+                <a:tc>
+                  <a:txBody>
+                    <a:bodyPr/>
+                    <a:lstStyle/>
+                    <a:p>
+                      <a:pPr algn="r" fontAlgn="b"/>
+                      <a:r>
+                        <a:rPr lang="en-US" sz="1100" u="none" strike="noStrike">
+                          <a:effectLst/>
+                        </a:rPr>
+                        <a:t>89.4568</a:t>
+                      </a:r>
+                      <a:endParaRPr lang="en-US" sz="1100" b="0" i="0" u="none" strike="noStrike">
+                        <a:solidFill>
+                          <a:srgbClr val="000000"/>
+                        </a:solidFill>
+                        <a:effectLst/>
+                        <a:latin typeface="Calibri" panose="020F0502020204030204" pitchFamily="34" charset="0"/>
+                      </a:endParaRPr>
+                    </a:p>
+                  </a:txBody>
+                  <a:tcPr marL="9525" marR="9525" marT="9525" marB="0" anchor="b"/>
+                </a:tc>
+                <a:extLst>
+                  <a:ext uri="{0D108BD9-81ED-4DB2-BD59-A6C34878D82A}">
+                    <a16:rowId xmlns:a16="http://schemas.microsoft.com/office/drawing/2014/main" val="4201448016"/>
+                  </a:ext>
+                </a:extLst>
+              </a:tr>
+              <a:tr h="190500">
+                <a:tc>
+                  <a:txBody>
+                    <a:bodyPr/>
+                    <a:lstStyle/>
+                    <a:p>
+                      <a:pPr algn="r" fontAlgn="b"/>
+                      <a:r>
+                        <a:rPr lang="en-US" sz="1100" u="none" strike="noStrike">
+                          <a:effectLst/>
+                        </a:rPr>
+                        <a:t>313</a:t>
+                      </a:r>
+                      <a:endParaRPr lang="en-US" sz="1100" b="0" i="0" u="none" strike="noStrike">
+                        <a:solidFill>
+                          <a:srgbClr val="000000"/>
+                        </a:solidFill>
+                        <a:effectLst/>
+                        <a:latin typeface="Calibri" panose="020F0502020204030204" pitchFamily="34" charset="0"/>
+                      </a:endParaRPr>
+                    </a:p>
+                  </a:txBody>
+                  <a:tcPr marL="9525" marR="9525" marT="9525" marB="0" anchor="b"/>
+                </a:tc>
+                <a:tc>
+                  <a:txBody>
+                    <a:bodyPr/>
+                    <a:lstStyle/>
+                    <a:p>
+                      <a:pPr algn="r" fontAlgn="b"/>
+                      <a:r>
+                        <a:rPr lang="en-US" sz="1100" u="none" strike="noStrike">
+                          <a:effectLst/>
+                        </a:rPr>
+                        <a:t>3578.27</a:t>
+                      </a:r>
+                      <a:endParaRPr lang="en-US" sz="1100" b="0" i="0" u="none" strike="noStrike">
+                        <a:solidFill>
+                          <a:srgbClr val="000000"/>
+                        </a:solidFill>
+                        <a:effectLst/>
+                        <a:latin typeface="Calibri" panose="020F0502020204030204" pitchFamily="34" charset="0"/>
+                      </a:endParaRPr>
+                    </a:p>
+                  </a:txBody>
+                  <a:tcPr marL="9525" marR="9525" marT="9525" marB="0" anchor="b"/>
+                </a:tc>
+                <a:tc>
+                  <a:txBody>
+                    <a:bodyPr/>
+                    <a:lstStyle/>
+                    <a:p>
+                      <a:pPr algn="r" fontAlgn="b"/>
+                      <a:r>
+                        <a:rPr lang="en-US" sz="1100" u="none" strike="noStrike">
+                          <a:effectLst/>
+                        </a:rPr>
+                        <a:t>286.2616</a:t>
+                      </a:r>
+                      <a:endParaRPr lang="en-US" sz="1100" b="0" i="0" u="none" strike="noStrike">
+                        <a:solidFill>
+                          <a:srgbClr val="000000"/>
+                        </a:solidFill>
+                        <a:effectLst/>
+                        <a:latin typeface="Calibri" panose="020F0502020204030204" pitchFamily="34" charset="0"/>
+                      </a:endParaRPr>
+                    </a:p>
+                  </a:txBody>
+                  <a:tcPr marL="9525" marR="9525" marT="9525" marB="0" anchor="b"/>
+                </a:tc>
+                <a:tc>
+                  <a:txBody>
+                    <a:bodyPr/>
+                    <a:lstStyle/>
+                    <a:p>
+                      <a:pPr algn="r" fontAlgn="b"/>
+                      <a:r>
+                        <a:rPr lang="en-US" sz="1100" u="none" strike="noStrike">
+                          <a:effectLst/>
+                        </a:rPr>
+                        <a:t>89.4568</a:t>
+                      </a:r>
+                      <a:endParaRPr lang="en-US" sz="1100" b="0" i="0" u="none" strike="noStrike">
+                        <a:solidFill>
+                          <a:srgbClr val="000000"/>
+                        </a:solidFill>
+                        <a:effectLst/>
+                        <a:latin typeface="Calibri" panose="020F0502020204030204" pitchFamily="34" charset="0"/>
+                      </a:endParaRPr>
+                    </a:p>
+                  </a:txBody>
+                  <a:tcPr marL="9525" marR="9525" marT="9525" marB="0" anchor="b"/>
+                </a:tc>
+                <a:extLst>
+                  <a:ext uri="{0D108BD9-81ED-4DB2-BD59-A6C34878D82A}">
+                    <a16:rowId xmlns:a16="http://schemas.microsoft.com/office/drawing/2014/main" val="3892947763"/>
+                  </a:ext>
+                </a:extLst>
+              </a:tr>
+              <a:tr h="190500">
+                <a:tc>
+                  <a:txBody>
+                    <a:bodyPr/>
+                    <a:lstStyle/>
+                    <a:p>
+                      <a:pPr algn="r" fontAlgn="b"/>
+                      <a:r>
+                        <a:rPr lang="en-US" sz="1100" u="none" strike="noStrike">
+                          <a:effectLst/>
+                        </a:rPr>
+                        <a:t>314</a:t>
+                      </a:r>
+                      <a:endParaRPr lang="en-US" sz="1100" b="0" i="0" u="none" strike="noStrike">
+                        <a:solidFill>
+                          <a:srgbClr val="000000"/>
+                        </a:solidFill>
+                        <a:effectLst/>
+                        <a:latin typeface="Calibri" panose="020F0502020204030204" pitchFamily="34" charset="0"/>
+                      </a:endParaRPr>
+                    </a:p>
+                  </a:txBody>
+                  <a:tcPr marL="9525" marR="9525" marT="9525" marB="0" anchor="b"/>
+                </a:tc>
+                <a:tc>
+                  <a:txBody>
+                    <a:bodyPr/>
+                    <a:lstStyle/>
+                    <a:p>
+                      <a:pPr algn="r" fontAlgn="b"/>
+                      <a:r>
+                        <a:rPr lang="en-US" sz="1100" u="none" strike="noStrike">
+                          <a:effectLst/>
+                        </a:rPr>
+                        <a:t>3578.27</a:t>
+                      </a:r>
+                      <a:endParaRPr lang="en-US" sz="1100" b="0" i="0" u="none" strike="noStrike">
+                        <a:solidFill>
+                          <a:srgbClr val="000000"/>
+                        </a:solidFill>
+                        <a:effectLst/>
+                        <a:latin typeface="Calibri" panose="020F0502020204030204" pitchFamily="34" charset="0"/>
+                      </a:endParaRPr>
+                    </a:p>
+                  </a:txBody>
+                  <a:tcPr marL="9525" marR="9525" marT="9525" marB="0" anchor="b"/>
+                </a:tc>
+                <a:tc>
+                  <a:txBody>
+                    <a:bodyPr/>
+                    <a:lstStyle/>
+                    <a:p>
+                      <a:pPr algn="r" fontAlgn="b"/>
+                      <a:r>
+                        <a:rPr lang="en-US" sz="1100" u="none" strike="noStrike">
+                          <a:effectLst/>
+                        </a:rPr>
+                        <a:t>286.2616</a:t>
+                      </a:r>
+                      <a:endParaRPr lang="en-US" sz="1100" b="0" i="0" u="none" strike="noStrike">
+                        <a:solidFill>
+                          <a:srgbClr val="000000"/>
+                        </a:solidFill>
+                        <a:effectLst/>
+                        <a:latin typeface="Calibri" panose="020F0502020204030204" pitchFamily="34" charset="0"/>
+                      </a:endParaRPr>
+                    </a:p>
+                  </a:txBody>
+                  <a:tcPr marL="9525" marR="9525" marT="9525" marB="0" anchor="b"/>
+                </a:tc>
+                <a:tc>
+                  <a:txBody>
+                    <a:bodyPr/>
+                    <a:lstStyle/>
+                    <a:p>
+                      <a:pPr algn="r" fontAlgn="b"/>
+                      <a:r>
+                        <a:rPr lang="en-US" sz="1100" u="none" strike="noStrike">
+                          <a:effectLst/>
+                        </a:rPr>
+                        <a:t>89.4568</a:t>
+                      </a:r>
+                      <a:endParaRPr lang="en-US" sz="1100" b="0" i="0" u="none" strike="noStrike">
+                        <a:solidFill>
+                          <a:srgbClr val="000000"/>
+                        </a:solidFill>
+                        <a:effectLst/>
+                        <a:latin typeface="Calibri" panose="020F0502020204030204" pitchFamily="34" charset="0"/>
+                      </a:endParaRPr>
+                    </a:p>
+                  </a:txBody>
+                  <a:tcPr marL="9525" marR="9525" marT="9525" marB="0" anchor="b"/>
+                </a:tc>
+                <a:extLst>
+                  <a:ext uri="{0D108BD9-81ED-4DB2-BD59-A6C34878D82A}">
+                    <a16:rowId xmlns:a16="http://schemas.microsoft.com/office/drawing/2014/main" val="3130062720"/>
+                  </a:ext>
+                </a:extLst>
+              </a:tr>
+              <a:tr h="190500">
+                <a:tc>
+                  <a:txBody>
+                    <a:bodyPr/>
+                    <a:lstStyle/>
+                    <a:p>
+                      <a:pPr algn="r" fontAlgn="b"/>
+                      <a:r>
+                        <a:rPr lang="en-US" sz="1100" u="none" strike="noStrike">
+                          <a:effectLst/>
+                        </a:rPr>
+                        <a:t>314</a:t>
+                      </a:r>
+                      <a:endParaRPr lang="en-US" sz="1100" b="0" i="0" u="none" strike="noStrike">
+                        <a:solidFill>
+                          <a:srgbClr val="000000"/>
+                        </a:solidFill>
+                        <a:effectLst/>
+                        <a:latin typeface="Calibri" panose="020F0502020204030204" pitchFamily="34" charset="0"/>
+                      </a:endParaRPr>
+                    </a:p>
+                  </a:txBody>
+                  <a:tcPr marL="9525" marR="9525" marT="9525" marB="0" anchor="b"/>
+                </a:tc>
+                <a:tc>
+                  <a:txBody>
+                    <a:bodyPr/>
+                    <a:lstStyle/>
+                    <a:p>
+                      <a:pPr algn="r" fontAlgn="b"/>
+                      <a:r>
+                        <a:rPr lang="en-US" sz="1100" u="none" strike="noStrike">
+                          <a:effectLst/>
+                        </a:rPr>
+                        <a:t>3578.27</a:t>
+                      </a:r>
+                      <a:endParaRPr lang="en-US" sz="1100" b="0" i="0" u="none" strike="noStrike">
+                        <a:solidFill>
+                          <a:srgbClr val="000000"/>
+                        </a:solidFill>
+                        <a:effectLst/>
+                        <a:latin typeface="Calibri" panose="020F0502020204030204" pitchFamily="34" charset="0"/>
+                      </a:endParaRPr>
+                    </a:p>
+                  </a:txBody>
+                  <a:tcPr marL="9525" marR="9525" marT="9525" marB="0" anchor="b"/>
+                </a:tc>
+                <a:tc>
+                  <a:txBody>
+                    <a:bodyPr/>
+                    <a:lstStyle/>
+                    <a:p>
+                      <a:pPr algn="r" fontAlgn="b"/>
+                      <a:r>
+                        <a:rPr lang="en-US" sz="1100" u="none" strike="noStrike">
+                          <a:effectLst/>
+                        </a:rPr>
+                        <a:t>286.2616</a:t>
+                      </a:r>
+                      <a:endParaRPr lang="en-US" sz="1100" b="0" i="0" u="none" strike="noStrike">
+                        <a:solidFill>
+                          <a:srgbClr val="000000"/>
+                        </a:solidFill>
+                        <a:effectLst/>
+                        <a:latin typeface="Calibri" panose="020F0502020204030204" pitchFamily="34" charset="0"/>
+                      </a:endParaRPr>
+                    </a:p>
+                  </a:txBody>
+                  <a:tcPr marL="9525" marR="9525" marT="9525" marB="0" anchor="b"/>
+                </a:tc>
+                <a:tc>
+                  <a:txBody>
+                    <a:bodyPr/>
+                    <a:lstStyle/>
+                    <a:p>
+                      <a:pPr algn="r" fontAlgn="b"/>
+                      <a:r>
+                        <a:rPr lang="en-US" sz="1100" u="none" strike="noStrike">
+                          <a:effectLst/>
+                        </a:rPr>
+                        <a:t>89.4568</a:t>
+                      </a:r>
+                      <a:endParaRPr lang="en-US" sz="1100" b="0" i="0" u="none" strike="noStrike">
+                        <a:solidFill>
+                          <a:srgbClr val="000000"/>
+                        </a:solidFill>
+                        <a:effectLst/>
+                        <a:latin typeface="Calibri" panose="020F0502020204030204" pitchFamily="34" charset="0"/>
+                      </a:endParaRPr>
+                    </a:p>
+                  </a:txBody>
+                  <a:tcPr marL="9525" marR="9525" marT="9525" marB="0" anchor="b"/>
+                </a:tc>
+                <a:extLst>
+                  <a:ext uri="{0D108BD9-81ED-4DB2-BD59-A6C34878D82A}">
+                    <a16:rowId xmlns:a16="http://schemas.microsoft.com/office/drawing/2014/main" val="3449451929"/>
+                  </a:ext>
+                </a:extLst>
+              </a:tr>
+              <a:tr h="190500">
+                <a:tc>
+                  <a:txBody>
+                    <a:bodyPr/>
+                    <a:lstStyle/>
+                    <a:p>
+                      <a:pPr algn="r" fontAlgn="b"/>
+                      <a:r>
+                        <a:rPr lang="en-US" sz="1100" u="none" strike="noStrike">
+                          <a:effectLst/>
+                        </a:rPr>
+                        <a:t>311</a:t>
+                      </a:r>
+                      <a:endParaRPr lang="en-US" sz="1100" b="0" i="0" u="none" strike="noStrike">
+                        <a:solidFill>
+                          <a:srgbClr val="000000"/>
+                        </a:solidFill>
+                        <a:effectLst/>
+                        <a:latin typeface="Calibri" panose="020F0502020204030204" pitchFamily="34" charset="0"/>
+                      </a:endParaRPr>
+                    </a:p>
+                  </a:txBody>
+                  <a:tcPr marL="9525" marR="9525" marT="9525" marB="0" anchor="b"/>
+                </a:tc>
+                <a:tc>
+                  <a:txBody>
+                    <a:bodyPr/>
+                    <a:lstStyle/>
+                    <a:p>
+                      <a:pPr algn="r" fontAlgn="b"/>
+                      <a:r>
+                        <a:rPr lang="en-US" sz="1100" u="none" strike="noStrike">
+                          <a:effectLst/>
+                        </a:rPr>
+                        <a:t>3578.27</a:t>
+                      </a:r>
+                      <a:endParaRPr lang="en-US" sz="1100" b="0" i="0" u="none" strike="noStrike">
+                        <a:solidFill>
+                          <a:srgbClr val="000000"/>
+                        </a:solidFill>
+                        <a:effectLst/>
+                        <a:latin typeface="Calibri" panose="020F0502020204030204" pitchFamily="34" charset="0"/>
+                      </a:endParaRPr>
+                    </a:p>
+                  </a:txBody>
+                  <a:tcPr marL="9525" marR="9525" marT="9525" marB="0" anchor="b"/>
+                </a:tc>
+                <a:tc>
+                  <a:txBody>
+                    <a:bodyPr/>
+                    <a:lstStyle/>
+                    <a:p>
+                      <a:pPr algn="r" fontAlgn="b"/>
+                      <a:r>
+                        <a:rPr lang="en-US" sz="1100" u="none" strike="noStrike">
+                          <a:effectLst/>
+                        </a:rPr>
+                        <a:t>286.2616</a:t>
+                      </a:r>
+                      <a:endParaRPr lang="en-US" sz="1100" b="0" i="0" u="none" strike="noStrike">
+                        <a:solidFill>
+                          <a:srgbClr val="000000"/>
+                        </a:solidFill>
+                        <a:effectLst/>
+                        <a:latin typeface="Calibri" panose="020F0502020204030204" pitchFamily="34" charset="0"/>
+                      </a:endParaRPr>
+                    </a:p>
+                  </a:txBody>
+                  <a:tcPr marL="9525" marR="9525" marT="9525" marB="0" anchor="b"/>
+                </a:tc>
+                <a:tc>
+                  <a:txBody>
+                    <a:bodyPr/>
+                    <a:lstStyle/>
+                    <a:p>
+                      <a:pPr algn="r" fontAlgn="b"/>
+                      <a:r>
+                        <a:rPr lang="en-US" sz="1100" u="none" strike="noStrike" dirty="0">
+                          <a:effectLst/>
+                        </a:rPr>
+                        <a:t>89.4568</a:t>
+                      </a:r>
+                      <a:endParaRPr lang="en-US" sz="1100" b="0" i="0" u="none" strike="noStrike" dirty="0">
+                        <a:solidFill>
+                          <a:srgbClr val="000000"/>
+                        </a:solidFill>
+                        <a:effectLst/>
+                        <a:latin typeface="Calibri" panose="020F0502020204030204" pitchFamily="34" charset="0"/>
+                      </a:endParaRPr>
+                    </a:p>
+                  </a:txBody>
+                  <a:tcPr marL="9525" marR="9525" marT="9525" marB="0" anchor="b"/>
+                </a:tc>
+                <a:extLst>
+                  <a:ext uri="{0D108BD9-81ED-4DB2-BD59-A6C34878D82A}">
+                    <a16:rowId xmlns:a16="http://schemas.microsoft.com/office/drawing/2014/main" val="3769690438"/>
+                  </a:ext>
+                </a:extLst>
+              </a:tr>
+            </a:tbl>
+          </a:graphicData>
+        </a:graphic>
+      </p:graphicFrame>
+      <p:grpSp>
+        <p:nvGrpSpPr>
+          <p:cNvPr id="11" name="Group 10">
+            <a:extLst>
+              <a:ext uri="{FF2B5EF4-FFF2-40B4-BE49-F238E27FC236}">
+                <a16:creationId xmlns:a16="http://schemas.microsoft.com/office/drawing/2014/main" id="{82641E36-B37D-4F17-9B04-CAB76018F863}"/>
+              </a:ext>
+            </a:extLst>
+          </p:cNvPr>
+          <p:cNvGrpSpPr/>
+          <p:nvPr/>
+        </p:nvGrpSpPr>
+        <p:grpSpPr>
+          <a:xfrm>
+            <a:off x="5346034" y="422143"/>
+            <a:ext cx="3807153" cy="3903015"/>
+            <a:chOff x="5346034" y="422143"/>
+            <a:chExt cx="3807153" cy="3903015"/>
+          </a:xfrm>
+        </p:grpSpPr>
+        <p:cxnSp>
+          <p:nvCxnSpPr>
+            <p:cNvPr id="8" name="Straight Arrow Connector 7">
+              <a:extLst>
+                <a:ext uri="{FF2B5EF4-FFF2-40B4-BE49-F238E27FC236}">
+                  <a16:creationId xmlns:a16="http://schemas.microsoft.com/office/drawing/2014/main" id="{2203E36B-8C8F-414D-BAD1-75C4A07A89F5}"/>
+                </a:ext>
+              </a:extLst>
+            </p:cNvPr>
+            <p:cNvCxnSpPr>
+              <a:cxnSpLocks/>
+            </p:cNvCxnSpPr>
+            <p:nvPr/>
+          </p:nvCxnSpPr>
+          <p:spPr>
+            <a:xfrm>
+              <a:off x="6248400" y="1752600"/>
+              <a:ext cx="2002421" cy="743758"/>
+            </a:xfrm>
+            <a:prstGeom prst="straightConnector1">
+              <a:avLst/>
+            </a:prstGeom>
+            <a:ln>
+              <a:solidFill>
+                <a:srgbClr val="FF0000"/>
+              </a:solidFill>
+              <a:tailEnd type="triangle"/>
+            </a:ln>
+          </p:spPr>
+          <p:style>
+            <a:lnRef idx="1">
+              <a:schemeClr val="accent1"/>
+            </a:lnRef>
+            <a:fillRef idx="0">
+              <a:schemeClr val="accent1"/>
+            </a:fillRef>
+            <a:effectRef idx="0">
+              <a:schemeClr val="accent1"/>
+            </a:effectRef>
+            <a:fontRef idx="minor">
+              <a:schemeClr val="tx1"/>
+            </a:fontRef>
+          </p:style>
+        </p:cxnSp>
+        <p:sp>
+          <p:nvSpPr>
+            <p:cNvPr id="9" name="Rectangle 8">
+              <a:extLst>
+                <a:ext uri="{FF2B5EF4-FFF2-40B4-BE49-F238E27FC236}">
+                  <a16:creationId xmlns:a16="http://schemas.microsoft.com/office/drawing/2014/main" id="{C5EF550C-6FFB-43D9-B8BE-E1D1623CED05}"/>
+                </a:ext>
+              </a:extLst>
+            </p:cNvPr>
+            <p:cNvSpPr/>
+            <p:nvPr/>
+          </p:nvSpPr>
+          <p:spPr>
+            <a:xfrm>
+              <a:off x="8250821" y="2423402"/>
+              <a:ext cx="902366" cy="1901756"/>
+            </a:xfrm>
+            <a:prstGeom prst="rect">
+              <a:avLst/>
+            </a:prstGeom>
+            <a:noFill/>
+            <a:ln>
+              <a:solidFill>
+                <a:srgbClr val="FF0000"/>
+              </a:solidFill>
+            </a:ln>
+          </p:spPr>
+          <p:style>
+            <a:lnRef idx="2">
+              <a:schemeClr val="accent1">
+                <a:shade val="50000"/>
+              </a:schemeClr>
+            </a:lnRef>
+            <a:fillRef idx="1">
+              <a:schemeClr val="accent1"/>
+            </a:fillRef>
+            <a:effectRef idx="0">
+              <a:schemeClr val="accent1"/>
+            </a:effectRef>
+            <a:fontRef idx="minor">
+              <a:schemeClr val="lt1"/>
+            </a:fontRef>
+          </p:style>
+          <p:txBody>
+            <a:bodyPr rtlCol="0" anchor="ctr"/>
+            <a:lstStyle/>
+            <a:p>
+              <a:pPr algn="ctr"/>
+              <a:endParaRPr lang="en-US"/>
+            </a:p>
+          </p:txBody>
+        </p:sp>
+        <p:sp>
+          <p:nvSpPr>
+            <p:cNvPr id="10" name="Rectangle 9">
+              <a:extLst>
+                <a:ext uri="{FF2B5EF4-FFF2-40B4-BE49-F238E27FC236}">
+                  <a16:creationId xmlns:a16="http://schemas.microsoft.com/office/drawing/2014/main" id="{3C3CBF20-5D40-4B4E-9238-6050DCA340D9}"/>
+                </a:ext>
+              </a:extLst>
+            </p:cNvPr>
+            <p:cNvSpPr/>
+            <p:nvPr/>
+          </p:nvSpPr>
+          <p:spPr>
+            <a:xfrm>
+              <a:off x="5346034" y="422143"/>
+              <a:ext cx="902366" cy="1333500"/>
+            </a:xfrm>
+            <a:prstGeom prst="rect">
+              <a:avLst/>
+            </a:prstGeom>
+            <a:noFill/>
+            <a:ln>
+              <a:solidFill>
+                <a:srgbClr val="FF0000"/>
+              </a:solidFill>
+            </a:ln>
+          </p:spPr>
+          <p:style>
+            <a:lnRef idx="2">
+              <a:schemeClr val="accent1">
+                <a:shade val="50000"/>
+              </a:schemeClr>
+            </a:lnRef>
+            <a:fillRef idx="1">
+              <a:schemeClr val="accent1"/>
+            </a:fillRef>
+            <a:effectRef idx="0">
+              <a:schemeClr val="accent1"/>
+            </a:effectRef>
+            <a:fontRef idx="minor">
+              <a:schemeClr val="lt1"/>
+            </a:fontRef>
+          </p:style>
+          <p:txBody>
+            <a:bodyPr rtlCol="0" anchor="ctr"/>
+            <a:lstStyle/>
+            <a:p>
+              <a:pPr algn="ctr"/>
+              <a:endParaRPr lang="en-US"/>
+            </a:p>
+          </p:txBody>
+        </p:sp>
+      </p:grpSp>
+      <p:grpSp>
+        <p:nvGrpSpPr>
+          <p:cNvPr id="27" name="Group 26">
+            <a:extLst>
+              <a:ext uri="{FF2B5EF4-FFF2-40B4-BE49-F238E27FC236}">
+                <a16:creationId xmlns:a16="http://schemas.microsoft.com/office/drawing/2014/main" id="{42A02A69-4C1B-46E1-8989-08562D6A474C}"/>
+              </a:ext>
+            </a:extLst>
+          </p:cNvPr>
+          <p:cNvGrpSpPr/>
+          <p:nvPr/>
+        </p:nvGrpSpPr>
+        <p:grpSpPr>
+          <a:xfrm>
+            <a:off x="5346034" y="609599"/>
+            <a:ext cx="6083966" cy="2570192"/>
+            <a:chOff x="5346034" y="609599"/>
+            <a:chExt cx="6083966" cy="2570192"/>
+          </a:xfrm>
+        </p:grpSpPr>
+        <p:sp>
+          <p:nvSpPr>
+            <p:cNvPr id="12" name="Rectangle 11">
+              <a:extLst>
+                <a:ext uri="{FF2B5EF4-FFF2-40B4-BE49-F238E27FC236}">
+                  <a16:creationId xmlns:a16="http://schemas.microsoft.com/office/drawing/2014/main" id="{DF4873D7-6EBE-43B3-9AB2-3DDB32A3A2F6}"/>
+                </a:ext>
+              </a:extLst>
+            </p:cNvPr>
+            <p:cNvSpPr/>
+            <p:nvPr/>
+          </p:nvSpPr>
+          <p:spPr>
+            <a:xfrm>
+              <a:off x="5346034" y="609599"/>
+              <a:ext cx="6083966" cy="182880"/>
+            </a:xfrm>
+            <a:prstGeom prst="rect">
+              <a:avLst/>
+            </a:prstGeom>
+            <a:solidFill>
+              <a:srgbClr val="FF0000">
+                <a:alpha val="28000"/>
+              </a:srgbClr>
+            </a:solidFill>
+            <a:ln>
+              <a:noFill/>
+            </a:ln>
+          </p:spPr>
+          <p:style>
+            <a:lnRef idx="2">
+              <a:schemeClr val="accent1">
+                <a:shade val="50000"/>
+              </a:schemeClr>
+            </a:lnRef>
+            <a:fillRef idx="1">
+              <a:schemeClr val="accent1"/>
+            </a:fillRef>
+            <a:effectRef idx="0">
+              <a:schemeClr val="accent1"/>
+            </a:effectRef>
+            <a:fontRef idx="minor">
+              <a:schemeClr val="lt1"/>
+            </a:fontRef>
+          </p:style>
+          <p:txBody>
+            <a:bodyPr rtlCol="0" anchor="ctr"/>
+            <a:lstStyle/>
+            <a:p>
+              <a:pPr algn="ctr"/>
+              <a:endParaRPr lang="en-US"/>
+            </a:p>
+          </p:txBody>
+        </p:sp>
+        <p:sp>
+          <p:nvSpPr>
+            <p:cNvPr id="13" name="Rectangle 12">
+              <a:extLst>
+                <a:ext uri="{FF2B5EF4-FFF2-40B4-BE49-F238E27FC236}">
+                  <a16:creationId xmlns:a16="http://schemas.microsoft.com/office/drawing/2014/main" id="{198D7E88-8D67-42BA-8186-921863866F6A}"/>
+                </a:ext>
+              </a:extLst>
+            </p:cNvPr>
+            <p:cNvSpPr/>
+            <p:nvPr/>
+          </p:nvSpPr>
+          <p:spPr>
+            <a:xfrm>
+              <a:off x="8250820" y="2617470"/>
+              <a:ext cx="3179179" cy="182880"/>
+            </a:xfrm>
+            <a:prstGeom prst="rect">
+              <a:avLst/>
+            </a:prstGeom>
+            <a:solidFill>
+              <a:srgbClr val="FF0000">
+                <a:alpha val="28000"/>
+              </a:srgbClr>
+            </a:solidFill>
+            <a:ln>
+              <a:noFill/>
+            </a:ln>
+          </p:spPr>
+          <p:style>
+            <a:lnRef idx="2">
+              <a:schemeClr val="accent1">
+                <a:shade val="50000"/>
+              </a:schemeClr>
+            </a:lnRef>
+            <a:fillRef idx="1">
+              <a:schemeClr val="accent1"/>
+            </a:fillRef>
+            <a:effectRef idx="0">
+              <a:schemeClr val="accent1"/>
+            </a:effectRef>
+            <a:fontRef idx="minor">
+              <a:schemeClr val="lt1"/>
+            </a:fontRef>
+          </p:style>
+          <p:txBody>
+            <a:bodyPr rtlCol="0" anchor="ctr"/>
+            <a:lstStyle/>
+            <a:p>
+              <a:pPr algn="ctr"/>
+              <a:endParaRPr lang="en-US"/>
+            </a:p>
+          </p:txBody>
+        </p:sp>
+        <p:sp>
+          <p:nvSpPr>
+            <p:cNvPr id="14" name="Rectangle 13">
+              <a:extLst>
+                <a:ext uri="{FF2B5EF4-FFF2-40B4-BE49-F238E27FC236}">
+                  <a16:creationId xmlns:a16="http://schemas.microsoft.com/office/drawing/2014/main" id="{FA259707-9CA8-41C4-BFE8-F5B1651443BD}"/>
+                </a:ext>
+              </a:extLst>
+            </p:cNvPr>
+            <p:cNvSpPr/>
+            <p:nvPr/>
+          </p:nvSpPr>
+          <p:spPr>
+            <a:xfrm>
+              <a:off x="8247645" y="2996911"/>
+              <a:ext cx="3179179" cy="182880"/>
+            </a:xfrm>
+            <a:prstGeom prst="rect">
+              <a:avLst/>
+            </a:prstGeom>
+            <a:solidFill>
+              <a:srgbClr val="FF0000">
+                <a:alpha val="28000"/>
+              </a:srgbClr>
+            </a:solidFill>
+            <a:ln>
+              <a:noFill/>
+            </a:ln>
+          </p:spPr>
+          <p:style>
+            <a:lnRef idx="2">
+              <a:schemeClr val="accent1">
+                <a:shade val="50000"/>
+              </a:schemeClr>
+            </a:lnRef>
+            <a:fillRef idx="1">
+              <a:schemeClr val="accent1"/>
+            </a:fillRef>
+            <a:effectRef idx="0">
+              <a:schemeClr val="accent1"/>
+            </a:effectRef>
+            <a:fontRef idx="minor">
+              <a:schemeClr val="lt1"/>
+            </a:fontRef>
+          </p:style>
+          <p:txBody>
+            <a:bodyPr rtlCol="0" anchor="ctr"/>
+            <a:lstStyle/>
+            <a:p>
+              <a:pPr algn="ctr"/>
+              <a:endParaRPr lang="en-US"/>
+            </a:p>
+          </p:txBody>
+        </p:sp>
+      </p:grpSp>
+      <p:grpSp>
+        <p:nvGrpSpPr>
+          <p:cNvPr id="28" name="Group 27">
+            <a:extLst>
+              <a:ext uri="{FF2B5EF4-FFF2-40B4-BE49-F238E27FC236}">
+                <a16:creationId xmlns:a16="http://schemas.microsoft.com/office/drawing/2014/main" id="{001259DF-4439-455F-974C-E39CE107B7E8}"/>
+              </a:ext>
+            </a:extLst>
+          </p:cNvPr>
+          <p:cNvGrpSpPr/>
+          <p:nvPr/>
+        </p:nvGrpSpPr>
+        <p:grpSpPr>
+          <a:xfrm>
+            <a:off x="5342858" y="799438"/>
+            <a:ext cx="6094496" cy="3519388"/>
+            <a:chOff x="5342858" y="799438"/>
+            <a:chExt cx="6094496" cy="3519388"/>
+          </a:xfrm>
+        </p:grpSpPr>
+        <p:sp>
+          <p:nvSpPr>
+            <p:cNvPr id="15" name="Rectangle 14">
+              <a:extLst>
+                <a:ext uri="{FF2B5EF4-FFF2-40B4-BE49-F238E27FC236}">
+                  <a16:creationId xmlns:a16="http://schemas.microsoft.com/office/drawing/2014/main" id="{D241EBD3-3B1F-4BC6-96D7-3D226D6D0900}"/>
+                </a:ext>
+              </a:extLst>
+            </p:cNvPr>
+            <p:cNvSpPr/>
+            <p:nvPr/>
+          </p:nvSpPr>
+          <p:spPr>
+            <a:xfrm>
+              <a:off x="5342858" y="799438"/>
+              <a:ext cx="6083966" cy="182880"/>
+            </a:xfrm>
+            <a:prstGeom prst="rect">
+              <a:avLst/>
+            </a:prstGeom>
+            <a:solidFill>
+              <a:schemeClr val="accent5">
+                <a:lumMod val="60000"/>
+                <a:lumOff val="40000"/>
+                <a:alpha val="28000"/>
+              </a:schemeClr>
+            </a:solidFill>
+            <a:ln>
+              <a:noFill/>
+            </a:ln>
+          </p:spPr>
+          <p:style>
+            <a:lnRef idx="2">
+              <a:schemeClr val="accent1">
+                <a:shade val="50000"/>
+              </a:schemeClr>
+            </a:lnRef>
+            <a:fillRef idx="1">
+              <a:schemeClr val="accent1"/>
+            </a:fillRef>
+            <a:effectRef idx="0">
+              <a:schemeClr val="accent1"/>
+            </a:effectRef>
+            <a:fontRef idx="minor">
+              <a:schemeClr val="lt1"/>
+            </a:fontRef>
+          </p:style>
+          <p:txBody>
+            <a:bodyPr rtlCol="0" anchor="ctr"/>
+            <a:lstStyle/>
+            <a:p>
+              <a:pPr algn="ctr"/>
+              <a:endParaRPr lang="en-US"/>
+            </a:p>
+          </p:txBody>
+        </p:sp>
+        <p:sp>
+          <p:nvSpPr>
+            <p:cNvPr id="16" name="Rectangle 15">
+              <a:extLst>
+                <a:ext uri="{FF2B5EF4-FFF2-40B4-BE49-F238E27FC236}">
+                  <a16:creationId xmlns:a16="http://schemas.microsoft.com/office/drawing/2014/main" id="{BD928934-C24D-4095-8811-0E4D3E737F60}"/>
+                </a:ext>
+              </a:extLst>
+            </p:cNvPr>
+            <p:cNvSpPr/>
+            <p:nvPr/>
+          </p:nvSpPr>
+          <p:spPr>
+            <a:xfrm>
+              <a:off x="8247645" y="2800350"/>
+              <a:ext cx="3182354" cy="194068"/>
+            </a:xfrm>
+            <a:prstGeom prst="rect">
+              <a:avLst/>
+            </a:prstGeom>
+            <a:solidFill>
+              <a:schemeClr val="accent5">
+                <a:lumMod val="60000"/>
+                <a:lumOff val="40000"/>
+                <a:alpha val="28000"/>
+              </a:schemeClr>
+            </a:solidFill>
+            <a:ln>
+              <a:noFill/>
+            </a:ln>
+          </p:spPr>
+          <p:style>
+            <a:lnRef idx="2">
+              <a:schemeClr val="accent1">
+                <a:shade val="50000"/>
+              </a:schemeClr>
+            </a:lnRef>
+            <a:fillRef idx="1">
+              <a:schemeClr val="accent1"/>
+            </a:fillRef>
+            <a:effectRef idx="0">
+              <a:schemeClr val="accent1"/>
+            </a:effectRef>
+            <a:fontRef idx="minor">
+              <a:schemeClr val="lt1"/>
+            </a:fontRef>
+          </p:style>
+          <p:txBody>
+            <a:bodyPr rtlCol="0" anchor="ctr"/>
+            <a:lstStyle/>
+            <a:p>
+              <a:pPr algn="ctr"/>
+              <a:endParaRPr lang="en-US"/>
+            </a:p>
+          </p:txBody>
+        </p:sp>
+        <p:sp>
+          <p:nvSpPr>
+            <p:cNvPr id="17" name="Rectangle 16">
+              <a:extLst>
+                <a:ext uri="{FF2B5EF4-FFF2-40B4-BE49-F238E27FC236}">
+                  <a16:creationId xmlns:a16="http://schemas.microsoft.com/office/drawing/2014/main" id="{7F8BFD7F-CCF9-4822-87F2-4A3A8D5094E1}"/>
+                </a:ext>
+              </a:extLst>
+            </p:cNvPr>
+            <p:cNvSpPr/>
+            <p:nvPr/>
+          </p:nvSpPr>
+          <p:spPr>
+            <a:xfrm>
+              <a:off x="8255000" y="4124758"/>
+              <a:ext cx="3182354" cy="194068"/>
+            </a:xfrm>
+            <a:prstGeom prst="rect">
+              <a:avLst/>
+            </a:prstGeom>
+            <a:solidFill>
+              <a:schemeClr val="accent5">
+                <a:lumMod val="60000"/>
+                <a:lumOff val="40000"/>
+                <a:alpha val="28000"/>
+              </a:schemeClr>
+            </a:solidFill>
+            <a:ln>
+              <a:noFill/>
+            </a:ln>
+          </p:spPr>
+          <p:style>
+            <a:lnRef idx="2">
+              <a:schemeClr val="accent1">
+                <a:shade val="50000"/>
+              </a:schemeClr>
+            </a:lnRef>
+            <a:fillRef idx="1">
+              <a:schemeClr val="accent1"/>
+            </a:fillRef>
+            <a:effectRef idx="0">
+              <a:schemeClr val="accent1"/>
+            </a:effectRef>
+            <a:fontRef idx="minor">
+              <a:schemeClr val="lt1"/>
+            </a:fontRef>
+          </p:style>
+          <p:txBody>
+            <a:bodyPr rtlCol="0" anchor="ctr"/>
+            <a:lstStyle/>
+            <a:p>
+              <a:pPr algn="ctr"/>
+              <a:endParaRPr lang="en-US"/>
+            </a:p>
+          </p:txBody>
+        </p:sp>
+      </p:grpSp>
+      <p:grpSp>
+        <p:nvGrpSpPr>
+          <p:cNvPr id="29" name="Group 28">
+            <a:extLst>
+              <a:ext uri="{FF2B5EF4-FFF2-40B4-BE49-F238E27FC236}">
+                <a16:creationId xmlns:a16="http://schemas.microsoft.com/office/drawing/2014/main" id="{E7951CED-6DA5-4741-8A9F-F1238302503C}"/>
+              </a:ext>
+            </a:extLst>
+          </p:cNvPr>
+          <p:cNvGrpSpPr/>
+          <p:nvPr/>
+        </p:nvGrpSpPr>
+        <p:grpSpPr>
+          <a:xfrm>
+            <a:off x="5342858" y="992981"/>
+            <a:ext cx="6088146" cy="2566509"/>
+            <a:chOff x="5342858" y="992981"/>
+            <a:chExt cx="6088146" cy="2566509"/>
+          </a:xfrm>
+        </p:grpSpPr>
+        <p:sp>
+          <p:nvSpPr>
+            <p:cNvPr id="18" name="Rectangle 17">
+              <a:extLst>
+                <a:ext uri="{FF2B5EF4-FFF2-40B4-BE49-F238E27FC236}">
+                  <a16:creationId xmlns:a16="http://schemas.microsoft.com/office/drawing/2014/main" id="{65769C3D-7D41-49F3-B06F-EDE15188A01C}"/>
+                </a:ext>
+              </a:extLst>
+            </p:cNvPr>
+            <p:cNvSpPr/>
+            <p:nvPr/>
+          </p:nvSpPr>
+          <p:spPr>
+            <a:xfrm>
+              <a:off x="5342858" y="992981"/>
+              <a:ext cx="6083966" cy="182880"/>
+            </a:xfrm>
+            <a:prstGeom prst="rect">
+              <a:avLst/>
+            </a:prstGeom>
+            <a:solidFill>
+              <a:schemeClr val="accent1">
+                <a:lumMod val="60000"/>
+                <a:lumOff val="40000"/>
+                <a:alpha val="28000"/>
+              </a:schemeClr>
+            </a:solidFill>
+            <a:ln>
+              <a:noFill/>
+            </a:ln>
+          </p:spPr>
+          <p:style>
+            <a:lnRef idx="2">
+              <a:schemeClr val="accent1">
+                <a:shade val="50000"/>
+              </a:schemeClr>
+            </a:lnRef>
+            <a:fillRef idx="1">
+              <a:schemeClr val="accent1"/>
+            </a:fillRef>
+            <a:effectRef idx="0">
+              <a:schemeClr val="accent1"/>
+            </a:effectRef>
+            <a:fontRef idx="minor">
+              <a:schemeClr val="lt1"/>
+            </a:fontRef>
+          </p:style>
+          <p:txBody>
+            <a:bodyPr rtlCol="0" anchor="ctr"/>
+            <a:lstStyle/>
+            <a:p>
+              <a:pPr algn="ctr"/>
+              <a:endParaRPr lang="en-US"/>
+            </a:p>
+          </p:txBody>
+        </p:sp>
+        <p:sp>
+          <p:nvSpPr>
+            <p:cNvPr id="19" name="Rectangle 18">
+              <a:extLst>
+                <a:ext uri="{FF2B5EF4-FFF2-40B4-BE49-F238E27FC236}">
+                  <a16:creationId xmlns:a16="http://schemas.microsoft.com/office/drawing/2014/main" id="{48A87973-0A69-457C-87C3-D30BE27B708C}"/>
+                </a:ext>
+              </a:extLst>
+            </p:cNvPr>
+            <p:cNvSpPr/>
+            <p:nvPr/>
+          </p:nvSpPr>
+          <p:spPr>
+            <a:xfrm>
+              <a:off x="8248650" y="3183035"/>
+              <a:ext cx="3179179" cy="182880"/>
+            </a:xfrm>
+            <a:prstGeom prst="rect">
+              <a:avLst/>
+            </a:prstGeom>
+            <a:solidFill>
+              <a:schemeClr val="accent1">
+                <a:lumMod val="60000"/>
+                <a:lumOff val="40000"/>
+                <a:alpha val="28000"/>
+              </a:schemeClr>
+            </a:solidFill>
+            <a:ln>
+              <a:noFill/>
+            </a:ln>
+          </p:spPr>
+          <p:style>
+            <a:lnRef idx="2">
+              <a:schemeClr val="accent1">
+                <a:shade val="50000"/>
+              </a:schemeClr>
+            </a:lnRef>
+            <a:fillRef idx="1">
+              <a:schemeClr val="accent1"/>
+            </a:fillRef>
+            <a:effectRef idx="0">
+              <a:schemeClr val="accent1"/>
+            </a:effectRef>
+            <a:fontRef idx="minor">
+              <a:schemeClr val="lt1"/>
+            </a:fontRef>
+          </p:style>
+          <p:txBody>
+            <a:bodyPr rtlCol="0" anchor="ctr"/>
+            <a:lstStyle/>
+            <a:p>
+              <a:pPr algn="ctr"/>
+              <a:endParaRPr lang="en-US"/>
+            </a:p>
+          </p:txBody>
+        </p:sp>
+        <p:sp>
+          <p:nvSpPr>
+            <p:cNvPr id="20" name="Rectangle 19">
+              <a:extLst>
+                <a:ext uri="{FF2B5EF4-FFF2-40B4-BE49-F238E27FC236}">
+                  <a16:creationId xmlns:a16="http://schemas.microsoft.com/office/drawing/2014/main" id="{4CCE7AC8-79DC-460A-8ECA-4A690E2A9DD1}"/>
+                </a:ext>
+              </a:extLst>
+            </p:cNvPr>
+            <p:cNvSpPr/>
+            <p:nvPr/>
+          </p:nvSpPr>
+          <p:spPr>
+            <a:xfrm>
+              <a:off x="8251825" y="3376610"/>
+              <a:ext cx="3179179" cy="182880"/>
+            </a:xfrm>
+            <a:prstGeom prst="rect">
+              <a:avLst/>
+            </a:prstGeom>
+            <a:solidFill>
+              <a:schemeClr val="accent1">
+                <a:lumMod val="60000"/>
+                <a:lumOff val="40000"/>
+                <a:alpha val="28000"/>
+              </a:schemeClr>
+            </a:solidFill>
+            <a:ln>
+              <a:noFill/>
+            </a:ln>
+          </p:spPr>
+          <p:style>
+            <a:lnRef idx="2">
+              <a:schemeClr val="accent1">
+                <a:shade val="50000"/>
+              </a:schemeClr>
+            </a:lnRef>
+            <a:fillRef idx="1">
+              <a:schemeClr val="accent1"/>
+            </a:fillRef>
+            <a:effectRef idx="0">
+              <a:schemeClr val="accent1"/>
+            </a:effectRef>
+            <a:fontRef idx="minor">
+              <a:schemeClr val="lt1"/>
+            </a:fontRef>
+          </p:style>
+          <p:txBody>
+            <a:bodyPr rtlCol="0" anchor="ctr"/>
+            <a:lstStyle/>
+            <a:p>
+              <a:pPr algn="ctr"/>
+              <a:endParaRPr lang="en-US"/>
+            </a:p>
+          </p:txBody>
+        </p:sp>
+      </p:grpSp>
+      <p:sp>
+        <p:nvSpPr>
+          <p:cNvPr id="23" name="Rectangle 22">
+            <a:extLst>
+              <a:ext uri="{FF2B5EF4-FFF2-40B4-BE49-F238E27FC236}">
+                <a16:creationId xmlns:a16="http://schemas.microsoft.com/office/drawing/2014/main" id="{E130C504-782D-42F4-98FB-B34FADBFC8E1}"/>
+              </a:ext>
+            </a:extLst>
+          </p:cNvPr>
+          <p:cNvSpPr/>
+          <p:nvPr/>
+        </p:nvSpPr>
+        <p:spPr>
+          <a:xfrm>
+            <a:off x="5323808" y="1574976"/>
+            <a:ext cx="6083966" cy="182880"/>
+          </a:xfrm>
+          <a:prstGeom prst="rect">
+            <a:avLst/>
+          </a:prstGeom>
+          <a:solidFill>
+            <a:srgbClr val="FFC000">
+              <a:alpha val="28000"/>
+            </a:srgbClr>
+          </a:solidFill>
+          <a:ln>
+            <a:noFill/>
+          </a:ln>
+        </p:spPr>
+        <p:style>
+          <a:lnRef idx="2">
+            <a:schemeClr val="accent1">
+              <a:shade val="50000"/>
+            </a:schemeClr>
+          </a:lnRef>
+          <a:fillRef idx="1">
+            <a:schemeClr val="accent1"/>
+          </a:fillRef>
+          <a:effectRef idx="0">
+            <a:schemeClr val="accent1"/>
+          </a:effectRef>
+          <a:fontRef idx="minor">
+            <a:schemeClr val="lt1"/>
+          </a:fontRef>
+        </p:style>
+        <p:txBody>
+          <a:bodyPr rtlCol="0" anchor="ctr"/>
+          <a:lstStyle/>
+          <a:p>
+            <a:pPr algn="ctr"/>
             <a:endParaRPr lang="en-US"/>
           </a:p>
         </p:txBody>
       </p:sp>
+      <p:grpSp>
+        <p:nvGrpSpPr>
+          <p:cNvPr id="30" name="Group 29">
+            <a:extLst>
+              <a:ext uri="{FF2B5EF4-FFF2-40B4-BE49-F238E27FC236}">
+                <a16:creationId xmlns:a16="http://schemas.microsoft.com/office/drawing/2014/main" id="{91DE5F75-2396-4138-9BB1-B25C39B2C91A}"/>
+              </a:ext>
+            </a:extLst>
+          </p:cNvPr>
+          <p:cNvGrpSpPr/>
+          <p:nvPr/>
+        </p:nvGrpSpPr>
+        <p:grpSpPr>
+          <a:xfrm>
+            <a:off x="5349210" y="1194870"/>
+            <a:ext cx="6083966" cy="2555124"/>
+            <a:chOff x="5349210" y="1194870"/>
+            <a:chExt cx="6083966" cy="2555124"/>
+          </a:xfrm>
+        </p:grpSpPr>
+        <p:sp>
+          <p:nvSpPr>
+            <p:cNvPr id="21" name="Rectangle 20">
+              <a:extLst>
+                <a:ext uri="{FF2B5EF4-FFF2-40B4-BE49-F238E27FC236}">
+                  <a16:creationId xmlns:a16="http://schemas.microsoft.com/office/drawing/2014/main" id="{E621FC45-5069-4B6C-B08B-33EF75135E16}"/>
+                </a:ext>
+              </a:extLst>
+            </p:cNvPr>
+            <p:cNvSpPr/>
+            <p:nvPr/>
+          </p:nvSpPr>
+          <p:spPr>
+            <a:xfrm>
+              <a:off x="5349210" y="1194870"/>
+              <a:ext cx="6083966" cy="182880"/>
+            </a:xfrm>
+            <a:prstGeom prst="rect">
+              <a:avLst/>
+            </a:prstGeom>
+            <a:solidFill>
+              <a:srgbClr val="FFFF00">
+                <a:alpha val="28000"/>
+              </a:srgbClr>
+            </a:solidFill>
+            <a:ln>
+              <a:noFill/>
+            </a:ln>
+          </p:spPr>
+          <p:style>
+            <a:lnRef idx="2">
+              <a:schemeClr val="accent1">
+                <a:shade val="50000"/>
+              </a:schemeClr>
+            </a:lnRef>
+            <a:fillRef idx="1">
+              <a:schemeClr val="accent1"/>
+            </a:fillRef>
+            <a:effectRef idx="0">
+              <a:schemeClr val="accent1"/>
+            </a:effectRef>
+            <a:fontRef idx="minor">
+              <a:schemeClr val="lt1"/>
+            </a:fontRef>
+          </p:style>
+          <p:txBody>
+            <a:bodyPr rtlCol="0" anchor="ctr"/>
+            <a:lstStyle/>
+            <a:p>
+              <a:pPr algn="ctr"/>
+              <a:endParaRPr lang="en-US"/>
+            </a:p>
+          </p:txBody>
+        </p:sp>
+        <p:sp>
+          <p:nvSpPr>
+            <p:cNvPr id="24" name="Rectangle 23">
+              <a:extLst>
+                <a:ext uri="{FF2B5EF4-FFF2-40B4-BE49-F238E27FC236}">
+                  <a16:creationId xmlns:a16="http://schemas.microsoft.com/office/drawing/2014/main" id="{38631B14-235E-4CF4-B981-E581E69807B1}"/>
+                </a:ext>
+              </a:extLst>
+            </p:cNvPr>
+            <p:cNvSpPr/>
+            <p:nvPr/>
+          </p:nvSpPr>
+          <p:spPr>
+            <a:xfrm>
+              <a:off x="8253994" y="3567114"/>
+              <a:ext cx="3179179" cy="182880"/>
+            </a:xfrm>
+            <a:prstGeom prst="rect">
+              <a:avLst/>
+            </a:prstGeom>
+            <a:solidFill>
+              <a:srgbClr val="FFFF00">
+                <a:alpha val="28000"/>
+              </a:srgbClr>
+            </a:solidFill>
+            <a:ln>
+              <a:noFill/>
+            </a:ln>
+          </p:spPr>
+          <p:style>
+            <a:lnRef idx="2">
+              <a:schemeClr val="accent1">
+                <a:shade val="50000"/>
+              </a:schemeClr>
+            </a:lnRef>
+            <a:fillRef idx="1">
+              <a:schemeClr val="accent1"/>
+            </a:fillRef>
+            <a:effectRef idx="0">
+              <a:schemeClr val="accent1"/>
+            </a:effectRef>
+            <a:fontRef idx="minor">
+              <a:schemeClr val="lt1"/>
+            </a:fontRef>
+          </p:style>
+          <p:txBody>
+            <a:bodyPr rtlCol="0" anchor="ctr"/>
+            <a:lstStyle/>
+            <a:p>
+              <a:pPr algn="ctr"/>
+              <a:endParaRPr lang="en-US"/>
+            </a:p>
+          </p:txBody>
+        </p:sp>
+      </p:grpSp>
+      <p:grpSp>
+        <p:nvGrpSpPr>
+          <p:cNvPr id="31" name="Group 30">
+            <a:extLst>
+              <a:ext uri="{FF2B5EF4-FFF2-40B4-BE49-F238E27FC236}">
+                <a16:creationId xmlns:a16="http://schemas.microsoft.com/office/drawing/2014/main" id="{12910488-2D13-4577-8A66-C512E9A6CA4A}"/>
+              </a:ext>
+            </a:extLst>
+          </p:cNvPr>
+          <p:cNvGrpSpPr/>
+          <p:nvPr/>
+        </p:nvGrpSpPr>
+        <p:grpSpPr>
+          <a:xfrm>
+            <a:off x="5349210" y="1398990"/>
+            <a:ext cx="6083966" cy="2734564"/>
+            <a:chOff x="5349210" y="1398990"/>
+            <a:chExt cx="6083966" cy="2734564"/>
+          </a:xfrm>
+        </p:grpSpPr>
+        <p:sp>
+          <p:nvSpPr>
+            <p:cNvPr id="22" name="Rectangle 21">
+              <a:extLst>
+                <a:ext uri="{FF2B5EF4-FFF2-40B4-BE49-F238E27FC236}">
+                  <a16:creationId xmlns:a16="http://schemas.microsoft.com/office/drawing/2014/main" id="{04D9EDC4-C867-4BCF-AA1C-38898A2CA0D9}"/>
+                </a:ext>
+              </a:extLst>
+            </p:cNvPr>
+            <p:cNvSpPr/>
+            <p:nvPr/>
+          </p:nvSpPr>
+          <p:spPr>
+            <a:xfrm>
+              <a:off x="5349210" y="1398990"/>
+              <a:ext cx="6083966" cy="182880"/>
+            </a:xfrm>
+            <a:prstGeom prst="rect">
+              <a:avLst/>
+            </a:prstGeom>
+            <a:solidFill>
+              <a:srgbClr val="7030A0">
+                <a:alpha val="28000"/>
+              </a:srgbClr>
+            </a:solidFill>
+            <a:ln>
+              <a:noFill/>
+            </a:ln>
+          </p:spPr>
+          <p:style>
+            <a:lnRef idx="2">
+              <a:schemeClr val="accent1">
+                <a:shade val="50000"/>
+              </a:schemeClr>
+            </a:lnRef>
+            <a:fillRef idx="1">
+              <a:schemeClr val="accent1"/>
+            </a:fillRef>
+            <a:effectRef idx="0">
+              <a:schemeClr val="accent1"/>
+            </a:effectRef>
+            <a:fontRef idx="minor">
+              <a:schemeClr val="lt1"/>
+            </a:fontRef>
+          </p:style>
+          <p:txBody>
+            <a:bodyPr rtlCol="0" anchor="ctr"/>
+            <a:lstStyle/>
+            <a:p>
+              <a:pPr algn="ctr"/>
+              <a:endParaRPr lang="en-US"/>
+            </a:p>
+          </p:txBody>
+        </p:sp>
+        <p:sp>
+          <p:nvSpPr>
+            <p:cNvPr id="25" name="Rectangle 24">
+              <a:extLst>
+                <a:ext uri="{FF2B5EF4-FFF2-40B4-BE49-F238E27FC236}">
+                  <a16:creationId xmlns:a16="http://schemas.microsoft.com/office/drawing/2014/main" id="{58FEB910-44F0-4924-9F21-AB39EAF292EF}"/>
+                </a:ext>
+              </a:extLst>
+            </p:cNvPr>
+            <p:cNvSpPr/>
+            <p:nvPr/>
+          </p:nvSpPr>
+          <p:spPr>
+            <a:xfrm>
+              <a:off x="8253995" y="3769515"/>
+              <a:ext cx="3179179" cy="182880"/>
+            </a:xfrm>
+            <a:prstGeom prst="rect">
+              <a:avLst/>
+            </a:prstGeom>
+            <a:solidFill>
+              <a:srgbClr val="7030A0">
+                <a:alpha val="28000"/>
+              </a:srgbClr>
+            </a:solidFill>
+            <a:ln>
+              <a:noFill/>
+            </a:ln>
+          </p:spPr>
+          <p:style>
+            <a:lnRef idx="2">
+              <a:schemeClr val="accent1">
+                <a:shade val="50000"/>
+              </a:schemeClr>
+            </a:lnRef>
+            <a:fillRef idx="1">
+              <a:schemeClr val="accent1"/>
+            </a:fillRef>
+            <a:effectRef idx="0">
+              <a:schemeClr val="accent1"/>
+            </a:effectRef>
+            <a:fontRef idx="minor">
+              <a:schemeClr val="lt1"/>
+            </a:fontRef>
+          </p:style>
+          <p:txBody>
+            <a:bodyPr rtlCol="0" anchor="ctr"/>
+            <a:lstStyle/>
+            <a:p>
+              <a:pPr algn="ctr"/>
+              <a:endParaRPr lang="en-US"/>
+            </a:p>
+          </p:txBody>
+        </p:sp>
+        <p:sp>
+          <p:nvSpPr>
+            <p:cNvPr id="26" name="Rectangle 25">
+              <a:extLst>
+                <a:ext uri="{FF2B5EF4-FFF2-40B4-BE49-F238E27FC236}">
+                  <a16:creationId xmlns:a16="http://schemas.microsoft.com/office/drawing/2014/main" id="{EB2FEB2F-C0ED-40D5-865E-BB9D05F99D2D}"/>
+                </a:ext>
+              </a:extLst>
+            </p:cNvPr>
+            <p:cNvSpPr/>
+            <p:nvPr/>
+          </p:nvSpPr>
+          <p:spPr>
+            <a:xfrm>
+              <a:off x="8253997" y="3954092"/>
+              <a:ext cx="3179179" cy="179462"/>
+            </a:xfrm>
+            <a:prstGeom prst="rect">
+              <a:avLst/>
+            </a:prstGeom>
+            <a:solidFill>
+              <a:srgbClr val="7030A0">
+                <a:alpha val="28000"/>
+              </a:srgbClr>
+            </a:solidFill>
+            <a:ln>
+              <a:noFill/>
+            </a:ln>
+          </p:spPr>
+          <p:style>
+            <a:lnRef idx="2">
+              <a:schemeClr val="accent1">
+                <a:shade val="50000"/>
+              </a:schemeClr>
+            </a:lnRef>
+            <a:fillRef idx="1">
+              <a:schemeClr val="accent1"/>
+            </a:fillRef>
+            <a:effectRef idx="0">
+              <a:schemeClr val="accent1"/>
+            </a:effectRef>
+            <a:fontRef idx="minor">
+              <a:schemeClr val="lt1"/>
+            </a:fontRef>
+          </p:style>
+          <p:txBody>
+            <a:bodyPr rtlCol="0" anchor="ctr"/>
+            <a:lstStyle/>
+            <a:p>
+              <a:pPr algn="ctr"/>
+              <a:endParaRPr lang="en-US"/>
+            </a:p>
+          </p:txBody>
+        </p:sp>
+      </p:grpSp>
+      <p:pic>
+        <p:nvPicPr>
+          <p:cNvPr id="33" name="Picture 32" descr="A picture containing device&#10;&#10;Description automatically generated">
+            <a:extLst>
+              <a:ext uri="{FF2B5EF4-FFF2-40B4-BE49-F238E27FC236}">
+                <a16:creationId xmlns:a16="http://schemas.microsoft.com/office/drawing/2014/main" id="{BEF84E4C-685D-438A-AB66-625537A54F6F}"/>
+              </a:ext>
+            </a:extLst>
+          </p:cNvPr>
+          <p:cNvPicPr>
+            <a:picLocks noChangeAspect="1"/>
+          </p:cNvPicPr>
+          <p:nvPr/>
+        </p:nvPicPr>
+        <p:blipFill>
+          <a:blip r:embed="rId3">
+            <a:extLst>
+              <a:ext uri="{28A0092B-C50C-407E-A947-70E740481C1C}">
+                <a14:useLocalDpi xmlns:a14="http://schemas.microsoft.com/office/drawing/2010/main" val="0"/>
+              </a:ext>
+            </a:extLst>
+          </a:blip>
+          <a:stretch>
+            <a:fillRect/>
+          </a:stretch>
+        </p:blipFill>
+        <p:spPr>
+          <a:xfrm>
+            <a:off x="2209800" y="4109518"/>
+            <a:ext cx="2650672" cy="1737193"/>
+          </a:xfrm>
+          <a:prstGeom prst="rect">
+            <a:avLst/>
+          </a:prstGeom>
+        </p:spPr>
+      </p:pic>
     </p:spTree>
     <p:extLst>
       <p:ext uri="{BB962C8B-B14F-4D97-AF65-F5344CB8AC3E}">
-        <p14:creationId xmlns:p14="http://schemas.microsoft.com/office/powerpoint/2010/main" val="2594980728"/>
+        <p14:creationId xmlns:p14="http://schemas.microsoft.com/office/powerpoint/2010/main" val="1488510711"/>
       </p:ext>
     </p:extLst>
   </p:cSld>
   <p:clrMapOvr>
     <a:masterClrMapping/>
   </p:clrMapOvr>
+  <p:timing>
+    <p:tnLst>
+      <p:par>
+        <p:cTn id="1" dur="indefinite" restart="never" nodeType="tmRoot">
+          <p:childTnLst>
+            <p:seq concurrent="1" nextAc="seek">
+              <p:cTn id="2" dur="indefinite" nodeType="mainSeq">
+                <p:childTnLst>
+                  <p:par>
+                    <p:cTn id="3" fill="hold">
+                      <p:stCondLst>
+                        <p:cond delay="indefinite"/>
+                        <p:cond evt="onBegin" delay="0">
+                          <p:tn val="2"/>
+                        </p:cond>
+                      </p:stCondLst>
+                      <p:childTnLst>
+                        <p:par>
+                          <p:cTn id="4" fill="hold">
+                            <p:stCondLst>
+                              <p:cond delay="0"/>
+                            </p:stCondLst>
+                            <p:childTnLst>
+                              <p:par>
+                                <p:cTn id="5" presetID="10" presetClass="entr" presetSubtype="0" fill="hold" nodeType="afterEffect">
+                                  <p:stCondLst>
+                                    <p:cond delay="1000"/>
+                                  </p:stCondLst>
+                                  <p:childTnLst>
+                                    <p:set>
+                                      <p:cBhvr>
+                                        <p:cTn id="6" dur="1" fill="hold">
+                                          <p:stCondLst>
+                                            <p:cond delay="0"/>
+                                          </p:stCondLst>
+                                        </p:cTn>
+                                        <p:tgtEl>
+                                          <p:spTgt spid="27"/>
+                                        </p:tgtEl>
+                                        <p:attrNameLst>
+                                          <p:attrName>style.visibility</p:attrName>
+                                        </p:attrNameLst>
+                                      </p:cBhvr>
+                                      <p:to>
+                                        <p:strVal val="visible"/>
+                                      </p:to>
+                                    </p:set>
+                                    <p:animEffect transition="in" filter="fade">
+                                      <p:cBhvr>
+                                        <p:cTn id="7" dur="500"/>
+                                        <p:tgtEl>
+                                          <p:spTgt spid="27"/>
+                                        </p:tgtEl>
+                                      </p:cBhvr>
+                                    </p:animEffect>
+                                  </p:childTnLst>
+                                </p:cTn>
+                              </p:par>
+                            </p:childTnLst>
+                          </p:cTn>
+                        </p:par>
+                        <p:par>
+                          <p:cTn id="8" fill="hold">
+                            <p:stCondLst>
+                              <p:cond delay="1500"/>
+                            </p:stCondLst>
+                            <p:childTnLst>
+                              <p:par>
+                                <p:cTn id="9" presetID="10" presetClass="entr" presetSubtype="0" fill="hold" nodeType="afterEffect">
+                                  <p:stCondLst>
+                                    <p:cond delay="1000"/>
+                                  </p:stCondLst>
+                                  <p:childTnLst>
+                                    <p:set>
+                                      <p:cBhvr>
+                                        <p:cTn id="10" dur="1" fill="hold">
+                                          <p:stCondLst>
+                                            <p:cond delay="0"/>
+                                          </p:stCondLst>
+                                        </p:cTn>
+                                        <p:tgtEl>
+                                          <p:spTgt spid="28"/>
+                                        </p:tgtEl>
+                                        <p:attrNameLst>
+                                          <p:attrName>style.visibility</p:attrName>
+                                        </p:attrNameLst>
+                                      </p:cBhvr>
+                                      <p:to>
+                                        <p:strVal val="visible"/>
+                                      </p:to>
+                                    </p:set>
+                                    <p:animEffect transition="in" filter="fade">
+                                      <p:cBhvr>
+                                        <p:cTn id="11" dur="500"/>
+                                        <p:tgtEl>
+                                          <p:spTgt spid="28"/>
+                                        </p:tgtEl>
+                                      </p:cBhvr>
+                                    </p:animEffect>
+                                  </p:childTnLst>
+                                </p:cTn>
+                              </p:par>
+                            </p:childTnLst>
+                          </p:cTn>
+                        </p:par>
+                        <p:par>
+                          <p:cTn id="12" fill="hold">
+                            <p:stCondLst>
+                              <p:cond delay="3000"/>
+                            </p:stCondLst>
+                            <p:childTnLst>
+                              <p:par>
+                                <p:cTn id="13" presetID="10" presetClass="entr" presetSubtype="0" fill="hold" nodeType="afterEffect">
+                                  <p:stCondLst>
+                                    <p:cond delay="1000"/>
+                                  </p:stCondLst>
+                                  <p:childTnLst>
+                                    <p:set>
+                                      <p:cBhvr>
+                                        <p:cTn id="14" dur="1" fill="hold">
+                                          <p:stCondLst>
+                                            <p:cond delay="0"/>
+                                          </p:stCondLst>
+                                        </p:cTn>
+                                        <p:tgtEl>
+                                          <p:spTgt spid="29"/>
+                                        </p:tgtEl>
+                                        <p:attrNameLst>
+                                          <p:attrName>style.visibility</p:attrName>
+                                        </p:attrNameLst>
+                                      </p:cBhvr>
+                                      <p:to>
+                                        <p:strVal val="visible"/>
+                                      </p:to>
+                                    </p:set>
+                                    <p:animEffect transition="in" filter="fade">
+                                      <p:cBhvr>
+                                        <p:cTn id="15" dur="500"/>
+                                        <p:tgtEl>
+                                          <p:spTgt spid="29"/>
+                                        </p:tgtEl>
+                                      </p:cBhvr>
+                                    </p:animEffect>
+                                  </p:childTnLst>
+                                </p:cTn>
+                              </p:par>
+                            </p:childTnLst>
+                          </p:cTn>
+                        </p:par>
+                        <p:par>
+                          <p:cTn id="16" fill="hold">
+                            <p:stCondLst>
+                              <p:cond delay="4500"/>
+                            </p:stCondLst>
+                            <p:childTnLst>
+                              <p:par>
+                                <p:cTn id="17" presetID="10" presetClass="entr" presetSubtype="0" fill="hold" nodeType="afterEffect">
+                                  <p:stCondLst>
+                                    <p:cond delay="1000"/>
+                                  </p:stCondLst>
+                                  <p:childTnLst>
+                                    <p:set>
+                                      <p:cBhvr>
+                                        <p:cTn id="18" dur="1" fill="hold">
+                                          <p:stCondLst>
+                                            <p:cond delay="0"/>
+                                          </p:stCondLst>
+                                        </p:cTn>
+                                        <p:tgtEl>
+                                          <p:spTgt spid="30"/>
+                                        </p:tgtEl>
+                                        <p:attrNameLst>
+                                          <p:attrName>style.visibility</p:attrName>
+                                        </p:attrNameLst>
+                                      </p:cBhvr>
+                                      <p:to>
+                                        <p:strVal val="visible"/>
+                                      </p:to>
+                                    </p:set>
+                                    <p:animEffect transition="in" filter="fade">
+                                      <p:cBhvr>
+                                        <p:cTn id="19" dur="500"/>
+                                        <p:tgtEl>
+                                          <p:spTgt spid="30"/>
+                                        </p:tgtEl>
+                                      </p:cBhvr>
+                                    </p:animEffect>
+                                  </p:childTnLst>
+                                </p:cTn>
+                              </p:par>
+                            </p:childTnLst>
+                          </p:cTn>
+                        </p:par>
+                        <p:par>
+                          <p:cTn id="20" fill="hold">
+                            <p:stCondLst>
+                              <p:cond delay="6000"/>
+                            </p:stCondLst>
+                            <p:childTnLst>
+                              <p:par>
+                                <p:cTn id="21" presetID="10" presetClass="entr" presetSubtype="0" fill="hold" nodeType="afterEffect">
+                                  <p:stCondLst>
+                                    <p:cond delay="1000"/>
+                                  </p:stCondLst>
+                                  <p:childTnLst>
+                                    <p:set>
+                                      <p:cBhvr>
+                                        <p:cTn id="22" dur="1" fill="hold">
+                                          <p:stCondLst>
+                                            <p:cond delay="0"/>
+                                          </p:stCondLst>
+                                        </p:cTn>
+                                        <p:tgtEl>
+                                          <p:spTgt spid="31"/>
+                                        </p:tgtEl>
+                                        <p:attrNameLst>
+                                          <p:attrName>style.visibility</p:attrName>
+                                        </p:attrNameLst>
+                                      </p:cBhvr>
+                                      <p:to>
+                                        <p:strVal val="visible"/>
+                                      </p:to>
+                                    </p:set>
+                                    <p:animEffect transition="in" filter="fade">
+                                      <p:cBhvr>
+                                        <p:cTn id="23" dur="500"/>
+                                        <p:tgtEl>
+                                          <p:spTgt spid="31"/>
+                                        </p:tgtEl>
+                                      </p:cBhvr>
+                                    </p:animEffect>
+                                  </p:childTnLst>
+                                </p:cTn>
+                              </p:par>
+                            </p:childTnLst>
+                          </p:cTn>
+                        </p:par>
+                        <p:par>
+                          <p:cTn id="24" fill="hold">
+                            <p:stCondLst>
+                              <p:cond delay="7500"/>
+                            </p:stCondLst>
+                            <p:childTnLst>
+                              <p:par>
+                                <p:cTn id="25" presetID="10" presetClass="entr" presetSubtype="0" fill="hold" grpId="0" nodeType="afterEffect">
+                                  <p:stCondLst>
+                                    <p:cond delay="1000"/>
+                                  </p:stCondLst>
+                                  <p:childTnLst>
+                                    <p:set>
+                                      <p:cBhvr>
+                                        <p:cTn id="26" dur="1" fill="hold">
+                                          <p:stCondLst>
+                                            <p:cond delay="0"/>
+                                          </p:stCondLst>
+                                        </p:cTn>
+                                        <p:tgtEl>
+                                          <p:spTgt spid="23"/>
+                                        </p:tgtEl>
+                                        <p:attrNameLst>
+                                          <p:attrName>style.visibility</p:attrName>
+                                        </p:attrNameLst>
+                                      </p:cBhvr>
+                                      <p:to>
+                                        <p:strVal val="visible"/>
+                                      </p:to>
+                                    </p:set>
+                                    <p:animEffect transition="in" filter="fade">
+                                      <p:cBhvr>
+                                        <p:cTn id="27" dur="500"/>
+                                        <p:tgtEl>
+                                          <p:spTgt spid="23"/>
+                                        </p:tgtEl>
+                                      </p:cBhvr>
+                                    </p:animEffect>
+                                  </p:childTnLst>
+                                </p:cTn>
+                              </p:par>
+                            </p:childTnLst>
+                          </p:cTn>
+                        </p:par>
+                      </p:childTnLst>
+                    </p:cTn>
+                  </p:par>
+                </p:childTnLst>
+              </p:cTn>
+              <p:prevCondLst>
+                <p:cond evt="onPrev" delay="0">
+                  <p:tgtEl>
+                    <p:sldTgt/>
+                  </p:tgtEl>
+                </p:cond>
+              </p:prevCondLst>
+              <p:nextCondLst>
+                <p:cond evt="onNext" delay="0">
+                  <p:tgtEl>
+                    <p:sldTgt/>
+                  </p:tgtEl>
+                </p:cond>
+              </p:nextCondLst>
+            </p:seq>
+          </p:childTnLst>
+        </p:cTn>
+      </p:par>
+    </p:tnLst>
+    <p:bldLst>
+      <p:bldP spid="23" grpId="0" animBg="1"/>
+    </p:bldLst>
+  </p:timing>
 </p:sld>
 </file>
 
@@ -23547,7 +29490,7 @@
           <p:cNvPr id="4" name="Title 3">
             <a:extLst>
               <a:ext uri="{FF2B5EF4-FFF2-40B4-BE49-F238E27FC236}">
-                <a16:creationId xmlns:a16="http://schemas.microsoft.com/office/drawing/2014/main" id="{B6793C40-AB58-464E-89C2-B817BED1ECC5}"/>
+                <a16:creationId xmlns:a16="http://schemas.microsoft.com/office/drawing/2014/main" id="{E16B13A9-922B-DA4A-9F55-8E286CBCB4F9}"/>
               </a:ext>
             </a:extLst>
           </p:cNvPr>
@@ -23565,7 +29508,7 @@
           <a:p>
             <a:r>
               <a:rPr lang="en-US" dirty="0"/>
-              <a:t>Inner Joins</a:t>
+              <a:t>Join Types</a:t>
             </a:r>
           </a:p>
         </p:txBody>
@@ -23575,7 +29518,7 @@
           <p:cNvPr id="5" name="Text Placeholder 4">
             <a:extLst>
               <a:ext uri="{FF2B5EF4-FFF2-40B4-BE49-F238E27FC236}">
-                <a16:creationId xmlns:a16="http://schemas.microsoft.com/office/drawing/2014/main" id="{258AA416-538D-4380-AF66-CA6DC9899ECC}"/>
+                <a16:creationId xmlns:a16="http://schemas.microsoft.com/office/drawing/2014/main" id="{67894C6D-2639-47AC-B1D4-059338ABEFD4}"/>
               </a:ext>
             </a:extLst>
           </p:cNvPr>
@@ -23586,19 +29529,183 @@
             <p:ph type="body" sz="quarter" idx="10"/>
           </p:nvPr>
         </p:nvSpPr>
-        <p:spPr/>
+        <p:spPr>
+          <a:xfrm>
+            <a:off x="762000" y="1752600"/>
+            <a:ext cx="10668000" cy="3733800"/>
+          </a:xfrm>
+        </p:spPr>
         <p:txBody>
           <a:bodyPr/>
           <a:lstStyle/>
           <a:p>
-            <a:endParaRPr lang="en-US"/>
+            <a:r>
+              <a:rPr lang="en-US" dirty="0"/>
+              <a:t>Inner</a:t>
+            </a:r>
+          </a:p>
+          <a:p>
+            <a:r>
+              <a:rPr lang="en-US" dirty="0"/>
+              <a:t>Left</a:t>
+            </a:r>
+          </a:p>
+          <a:p>
+            <a:r>
+              <a:rPr lang="en-US" dirty="0"/>
+              <a:t>Right</a:t>
+            </a:r>
+          </a:p>
+          <a:p>
+            <a:r>
+              <a:rPr lang="en-US" dirty="0"/>
+              <a:t>Outer</a:t>
+            </a:r>
           </a:p>
         </p:txBody>
       </p:sp>
+      <p:pic>
+        <p:nvPicPr>
+          <p:cNvPr id="7" name="Picture 6" descr="A picture containing device&#10;&#10;Description automatically generated">
+            <a:extLst>
+              <a:ext uri="{FF2B5EF4-FFF2-40B4-BE49-F238E27FC236}">
+                <a16:creationId xmlns:a16="http://schemas.microsoft.com/office/drawing/2014/main" id="{1F72BA34-1CF7-4870-B365-0C531AC1BA76}"/>
+              </a:ext>
+            </a:extLst>
+          </p:cNvPr>
+          <p:cNvPicPr>
+            <a:picLocks noChangeAspect="1"/>
+          </p:cNvPicPr>
+          <p:nvPr/>
+        </p:nvPicPr>
+        <p:blipFill>
+          <a:blip r:embed="rId3" cstate="print">
+            <a:extLst>
+              <a:ext uri="{28A0092B-C50C-407E-A947-70E740481C1C}">
+                <a14:useLocalDpi xmlns:a14="http://schemas.microsoft.com/office/drawing/2010/main" val="0"/>
+              </a:ext>
+            </a:extLst>
+          </a:blip>
+          <a:stretch>
+            <a:fillRect/>
+          </a:stretch>
+        </p:blipFill>
+        <p:spPr>
+          <a:xfrm>
+            <a:off x="2667000" y="1767840"/>
+            <a:ext cx="763014" cy="500063"/>
+          </a:xfrm>
+          <a:prstGeom prst="rect">
+            <a:avLst/>
+          </a:prstGeom>
+        </p:spPr>
+      </p:pic>
+      <p:pic>
+        <p:nvPicPr>
+          <p:cNvPr id="9" name="Picture 8" descr="A picture containing device&#10;&#10;Description automatically generated">
+            <a:extLst>
+              <a:ext uri="{FF2B5EF4-FFF2-40B4-BE49-F238E27FC236}">
+                <a16:creationId xmlns:a16="http://schemas.microsoft.com/office/drawing/2014/main" id="{A35D224C-9E01-4CAC-948D-9C0C4C9FB249}"/>
+              </a:ext>
+            </a:extLst>
+          </p:cNvPr>
+          <p:cNvPicPr>
+            <a:picLocks noChangeAspect="1"/>
+          </p:cNvPicPr>
+          <p:nvPr/>
+        </p:nvPicPr>
+        <p:blipFill>
+          <a:blip r:embed="rId4" cstate="print">
+            <a:extLst>
+              <a:ext uri="{28A0092B-C50C-407E-A947-70E740481C1C}">
+                <a14:useLocalDpi xmlns:a14="http://schemas.microsoft.com/office/drawing/2010/main" val="0"/>
+              </a:ext>
+            </a:extLst>
+          </a:blip>
+          <a:stretch>
+            <a:fillRect/>
+          </a:stretch>
+        </p:blipFill>
+        <p:spPr>
+          <a:xfrm>
+            <a:off x="2667000" y="2465660"/>
+            <a:ext cx="763014" cy="500063"/>
+          </a:xfrm>
+          <a:prstGeom prst="rect">
+            <a:avLst/>
+          </a:prstGeom>
+        </p:spPr>
+      </p:pic>
+      <p:pic>
+        <p:nvPicPr>
+          <p:cNvPr id="10" name="Picture 9">
+            <a:extLst>
+              <a:ext uri="{FF2B5EF4-FFF2-40B4-BE49-F238E27FC236}">
+                <a16:creationId xmlns:a16="http://schemas.microsoft.com/office/drawing/2014/main" id="{30091A50-FA10-4092-978B-B36C0D38CC64}"/>
+              </a:ext>
+            </a:extLst>
+          </p:cNvPr>
+          <p:cNvPicPr>
+            <a:picLocks noChangeAspect="1"/>
+          </p:cNvPicPr>
+          <p:nvPr/>
+        </p:nvPicPr>
+        <p:blipFill>
+          <a:blip r:embed="rId5"/>
+          <a:stretch>
+            <a:fillRect/>
+          </a:stretch>
+        </p:blipFill>
+        <p:spPr>
+          <a:xfrm>
+            <a:off x="2667000" y="3163480"/>
+            <a:ext cx="763015" cy="501626"/>
+          </a:xfrm>
+          <a:prstGeom prst="rect">
+            <a:avLst/>
+          </a:prstGeom>
+        </p:spPr>
+      </p:pic>
+      <p:pic>
+        <p:nvPicPr>
+          <p:cNvPr id="12" name="Picture 11" descr="A picture containing device, computer&#10;&#10;Description automatically generated">
+            <a:extLst>
+              <a:ext uri="{FF2B5EF4-FFF2-40B4-BE49-F238E27FC236}">
+                <a16:creationId xmlns:a16="http://schemas.microsoft.com/office/drawing/2014/main" id="{238DA4DA-DA47-4CBF-B75A-D1F920500125}"/>
+              </a:ext>
+            </a:extLst>
+          </p:cNvPr>
+          <p:cNvPicPr>
+            <a:picLocks noChangeAspect="1"/>
+          </p:cNvPicPr>
+          <p:nvPr/>
+        </p:nvPicPr>
+        <p:blipFill>
+          <a:blip r:embed="rId6" cstate="print">
+            <a:extLst>
+              <a:ext uri="{28A0092B-C50C-407E-A947-70E740481C1C}">
+                <a14:useLocalDpi xmlns:a14="http://schemas.microsoft.com/office/drawing/2010/main" val="0"/>
+              </a:ext>
+            </a:extLst>
+          </a:blip>
+          <a:stretch>
+            <a:fillRect/>
+          </a:stretch>
+        </p:blipFill>
+        <p:spPr>
+          <a:xfrm>
+            <a:off x="2667000" y="3862863"/>
+            <a:ext cx="763014" cy="500063"/>
+          </a:xfrm>
+          <a:prstGeom prst="rect">
+            <a:avLst/>
+          </a:prstGeom>
+        </p:spPr>
+      </p:pic>
     </p:spTree>
     <p:extLst>
       <p:ext uri="{BB962C8B-B14F-4D97-AF65-F5344CB8AC3E}">
-        <p14:creationId xmlns:p14="http://schemas.microsoft.com/office/powerpoint/2010/main" val="570540719"/>
+        <p14:creationId xmlns:p14="http://schemas.microsoft.com/office/powerpoint/2010/main" val="2594980728"/>
       </p:ext>
     </p:extLst>
   </p:cSld>
@@ -23630,7 +29737,7 @@
           <p:cNvPr id="4" name="Title 3">
             <a:extLst>
               <a:ext uri="{FF2B5EF4-FFF2-40B4-BE49-F238E27FC236}">
-                <a16:creationId xmlns:a16="http://schemas.microsoft.com/office/drawing/2014/main" id="{3851C2E4-3439-FC42-92E4-8AD466B1C754}"/>
+                <a16:creationId xmlns:a16="http://schemas.microsoft.com/office/drawing/2014/main" id="{B6793C40-AB58-464E-89C2-B817BED1ECC5}"/>
               </a:ext>
             </a:extLst>
           </p:cNvPr>
@@ -23648,7 +29755,7 @@
           <a:p>
             <a:r>
               <a:rPr lang="en-US" dirty="0"/>
-              <a:t>Left Joins</a:t>
+              <a:t>Inner Joins</a:t>
             </a:r>
           </a:p>
         </p:txBody>
@@ -23658,7 +29765,7 @@
           <p:cNvPr id="5" name="Text Placeholder 4">
             <a:extLst>
               <a:ext uri="{FF2B5EF4-FFF2-40B4-BE49-F238E27FC236}">
-                <a16:creationId xmlns:a16="http://schemas.microsoft.com/office/drawing/2014/main" id="{46DF2E3F-C514-45AF-8FE3-0E3F6A2BD111}"/>
+                <a16:creationId xmlns:a16="http://schemas.microsoft.com/office/drawing/2014/main" id="{258AA416-538D-4380-AF66-CA6DC9899ECC}"/>
               </a:ext>
             </a:extLst>
           </p:cNvPr>
@@ -23678,10 +29785,46 @@
           </a:p>
         </p:txBody>
       </p:sp>
+      <p:pic>
+        <p:nvPicPr>
+          <p:cNvPr id="7" name="Picture 6" descr="A picture containing device&#10;&#10;Description automatically generated">
+            <a:extLst>
+              <a:ext uri="{FF2B5EF4-FFF2-40B4-BE49-F238E27FC236}">
+                <a16:creationId xmlns:a16="http://schemas.microsoft.com/office/drawing/2014/main" id="{9D4D7DD5-C9FB-48EF-A4E7-2F7688381687}"/>
+              </a:ext>
+            </a:extLst>
+          </p:cNvPr>
+          <p:cNvPicPr>
+            <a:picLocks noChangeAspect="1"/>
+          </p:cNvPicPr>
+          <p:nvPr/>
+        </p:nvPicPr>
+        <p:blipFill>
+          <a:blip r:embed="rId3">
+            <a:extLst>
+              <a:ext uri="{28A0092B-C50C-407E-A947-70E740481C1C}">
+                <a14:useLocalDpi xmlns:a14="http://schemas.microsoft.com/office/drawing/2010/main" val="0"/>
+              </a:ext>
+            </a:extLst>
+          </a:blip>
+          <a:stretch>
+            <a:fillRect/>
+          </a:stretch>
+        </p:blipFill>
+        <p:spPr>
+          <a:xfrm>
+            <a:off x="6648450" y="2052637"/>
+            <a:ext cx="4781550" cy="3133725"/>
+          </a:xfrm>
+          <a:prstGeom prst="rect">
+            <a:avLst/>
+          </a:prstGeom>
+        </p:spPr>
+      </p:pic>
     </p:spTree>
     <p:extLst>
       <p:ext uri="{BB962C8B-B14F-4D97-AF65-F5344CB8AC3E}">
-        <p14:creationId xmlns:p14="http://schemas.microsoft.com/office/powerpoint/2010/main" val="600015680"/>
+        <p14:creationId xmlns:p14="http://schemas.microsoft.com/office/powerpoint/2010/main" val="570540719"/>
       </p:ext>
     </p:extLst>
   </p:cSld>
@@ -23713,7 +29856,7 @@
           <p:cNvPr id="4" name="Title 3">
             <a:extLst>
               <a:ext uri="{FF2B5EF4-FFF2-40B4-BE49-F238E27FC236}">
-                <a16:creationId xmlns:a16="http://schemas.microsoft.com/office/drawing/2014/main" id="{4C84724E-AE55-6B42-B5F9-3AF88CAEA3CD}"/>
+                <a16:creationId xmlns:a16="http://schemas.microsoft.com/office/drawing/2014/main" id="{3851C2E4-3439-FC42-92E4-8AD466B1C754}"/>
               </a:ext>
             </a:extLst>
           </p:cNvPr>
@@ -23731,7 +29874,7 @@
           <a:p>
             <a:r>
               <a:rPr lang="en-US" dirty="0"/>
-              <a:t>Right Joins</a:t>
+              <a:t>Left Joins</a:t>
             </a:r>
           </a:p>
         </p:txBody>
@@ -23741,7 +29884,7 @@
           <p:cNvPr id="5" name="Text Placeholder 4">
             <a:extLst>
               <a:ext uri="{FF2B5EF4-FFF2-40B4-BE49-F238E27FC236}">
-                <a16:creationId xmlns:a16="http://schemas.microsoft.com/office/drawing/2014/main" id="{6F2566B1-7AA6-4267-AA5D-432D79383244}"/>
+                <a16:creationId xmlns:a16="http://schemas.microsoft.com/office/drawing/2014/main" id="{46DF2E3F-C514-45AF-8FE3-0E3F6A2BD111}"/>
               </a:ext>
             </a:extLst>
           </p:cNvPr>
@@ -23761,10 +29904,46 @@
           </a:p>
         </p:txBody>
       </p:sp>
+      <p:pic>
+        <p:nvPicPr>
+          <p:cNvPr id="7" name="Picture 6" descr="A picture containing device&#10;&#10;Description automatically generated">
+            <a:extLst>
+              <a:ext uri="{FF2B5EF4-FFF2-40B4-BE49-F238E27FC236}">
+                <a16:creationId xmlns:a16="http://schemas.microsoft.com/office/drawing/2014/main" id="{6DCF0637-BBA1-410E-8B7C-FB74BE6784D1}"/>
+              </a:ext>
+            </a:extLst>
+          </p:cNvPr>
+          <p:cNvPicPr>
+            <a:picLocks noChangeAspect="1"/>
+          </p:cNvPicPr>
+          <p:nvPr/>
+        </p:nvPicPr>
+        <p:blipFill>
+          <a:blip r:embed="rId3">
+            <a:extLst>
+              <a:ext uri="{28A0092B-C50C-407E-A947-70E740481C1C}">
+                <a14:useLocalDpi xmlns:a14="http://schemas.microsoft.com/office/drawing/2010/main" val="0"/>
+              </a:ext>
+            </a:extLst>
+          </a:blip>
+          <a:stretch>
+            <a:fillRect/>
+          </a:stretch>
+        </p:blipFill>
+        <p:spPr>
+          <a:xfrm>
+            <a:off x="6648450" y="2052637"/>
+            <a:ext cx="4781550" cy="3133725"/>
+          </a:xfrm>
+          <a:prstGeom prst="rect">
+            <a:avLst/>
+          </a:prstGeom>
+        </p:spPr>
+      </p:pic>
     </p:spTree>
     <p:extLst>
       <p:ext uri="{BB962C8B-B14F-4D97-AF65-F5344CB8AC3E}">
-        <p14:creationId xmlns:p14="http://schemas.microsoft.com/office/powerpoint/2010/main" val="2679670341"/>
+        <p14:creationId xmlns:p14="http://schemas.microsoft.com/office/powerpoint/2010/main" val="600015680"/>
       </p:ext>
     </p:extLst>
   </p:cSld>
@@ -23796,7 +29975,7 @@
           <p:cNvPr id="4" name="Title 3">
             <a:extLst>
               <a:ext uri="{FF2B5EF4-FFF2-40B4-BE49-F238E27FC236}">
-                <a16:creationId xmlns:a16="http://schemas.microsoft.com/office/drawing/2014/main" id="{1BED0FA6-ED76-7E49-AC9D-C3AD978AA6E4}"/>
+                <a16:creationId xmlns:a16="http://schemas.microsoft.com/office/drawing/2014/main" id="{4C84724E-AE55-6B42-B5F9-3AF88CAEA3CD}"/>
               </a:ext>
             </a:extLst>
           </p:cNvPr>
@@ -23814,7 +29993,7 @@
           <a:p>
             <a:r>
               <a:rPr lang="en-US" dirty="0"/>
-              <a:t>Outer Joins</a:t>
+              <a:t>Right Joins</a:t>
             </a:r>
           </a:p>
         </p:txBody>
@@ -23824,7 +30003,7 @@
           <p:cNvPr id="5" name="Text Placeholder 4">
             <a:extLst>
               <a:ext uri="{FF2B5EF4-FFF2-40B4-BE49-F238E27FC236}">
-                <a16:creationId xmlns:a16="http://schemas.microsoft.com/office/drawing/2014/main" id="{128F6F3C-8622-43C4-A775-1FFA3FBCE2D6}"/>
+                <a16:creationId xmlns:a16="http://schemas.microsoft.com/office/drawing/2014/main" id="{6F2566B1-7AA6-4267-AA5D-432D79383244}"/>
               </a:ext>
             </a:extLst>
           </p:cNvPr>
@@ -23844,10 +30023,40 @@
           </a:p>
         </p:txBody>
       </p:sp>
+      <p:pic>
+        <p:nvPicPr>
+          <p:cNvPr id="6" name="Picture 5">
+            <a:extLst>
+              <a:ext uri="{FF2B5EF4-FFF2-40B4-BE49-F238E27FC236}">
+                <a16:creationId xmlns:a16="http://schemas.microsoft.com/office/drawing/2014/main" id="{B0A8766D-2E29-40AB-BDCB-E04DE76EA2F7}"/>
+              </a:ext>
+            </a:extLst>
+          </p:cNvPr>
+          <p:cNvPicPr>
+            <a:picLocks noChangeAspect="1"/>
+          </p:cNvPicPr>
+          <p:nvPr/>
+        </p:nvPicPr>
+        <p:blipFill>
+          <a:blip r:embed="rId3"/>
+          <a:stretch>
+            <a:fillRect/>
+          </a:stretch>
+        </p:blipFill>
+        <p:spPr>
+          <a:xfrm>
+            <a:off x="6619875" y="2038350"/>
+            <a:ext cx="4810125" cy="3162300"/>
+          </a:xfrm>
+          <a:prstGeom prst="rect">
+            <a:avLst/>
+          </a:prstGeom>
+        </p:spPr>
+      </p:pic>
     </p:spTree>
     <p:extLst>
       <p:ext uri="{BB962C8B-B14F-4D97-AF65-F5344CB8AC3E}">
-        <p14:creationId xmlns:p14="http://schemas.microsoft.com/office/powerpoint/2010/main" val="1136354697"/>
+        <p14:creationId xmlns:p14="http://schemas.microsoft.com/office/powerpoint/2010/main" val="2679670341"/>
       </p:ext>
     </p:extLst>
   </p:cSld>
@@ -23879,7 +30088,7 @@
           <p:cNvPr id="4" name="Title 3">
             <a:extLst>
               <a:ext uri="{FF2B5EF4-FFF2-40B4-BE49-F238E27FC236}">
-                <a16:creationId xmlns:a16="http://schemas.microsoft.com/office/drawing/2014/main" id="{F40906B0-F382-D94A-99D7-F0A5538FEFF2}"/>
+                <a16:creationId xmlns:a16="http://schemas.microsoft.com/office/drawing/2014/main" id="{1BED0FA6-ED76-7E49-AC9D-C3AD978AA6E4}"/>
               </a:ext>
             </a:extLst>
           </p:cNvPr>
@@ -23897,13 +30106,8 @@
           <a:p>
             <a:r>
               <a:rPr lang="en-US" dirty="0"/>
-              <a:t>The Shape of Your</a:t>
+              <a:t>Outer Joins</a:t>
             </a:r>
-            <a:r>
-              <a:rPr lang="en-US" baseline="0" dirty="0"/>
-              <a:t> Data</a:t>
-            </a:r>
-            <a:endParaRPr lang="en-US" dirty="0"/>
           </a:p>
         </p:txBody>
       </p:sp>
@@ -23912,7 +30116,7 @@
           <p:cNvPr id="5" name="Text Placeholder 4">
             <a:extLst>
               <a:ext uri="{FF2B5EF4-FFF2-40B4-BE49-F238E27FC236}">
-                <a16:creationId xmlns:a16="http://schemas.microsoft.com/office/drawing/2014/main" id="{C0C5C11C-87C0-4823-9E66-E49513B67FED}"/>
+                <a16:creationId xmlns:a16="http://schemas.microsoft.com/office/drawing/2014/main" id="{128F6F3C-8622-43C4-A775-1FFA3FBCE2D6}"/>
               </a:ext>
             </a:extLst>
           </p:cNvPr>
@@ -23932,10 +30136,46 @@
           </a:p>
         </p:txBody>
       </p:sp>
+      <p:pic>
+        <p:nvPicPr>
+          <p:cNvPr id="7" name="Picture 6" descr="A picture containing device, computer&#10;&#10;Description automatically generated">
+            <a:extLst>
+              <a:ext uri="{FF2B5EF4-FFF2-40B4-BE49-F238E27FC236}">
+                <a16:creationId xmlns:a16="http://schemas.microsoft.com/office/drawing/2014/main" id="{2166F9FF-4D2A-48A7-8D11-632228457104}"/>
+              </a:ext>
+            </a:extLst>
+          </p:cNvPr>
+          <p:cNvPicPr>
+            <a:picLocks noChangeAspect="1"/>
+          </p:cNvPicPr>
+          <p:nvPr/>
+        </p:nvPicPr>
+        <p:blipFill>
+          <a:blip r:embed="rId3">
+            <a:extLst>
+              <a:ext uri="{28A0092B-C50C-407E-A947-70E740481C1C}">
+                <a14:useLocalDpi xmlns:a14="http://schemas.microsoft.com/office/drawing/2010/main" val="0"/>
+              </a:ext>
+            </a:extLst>
+          </a:blip>
+          <a:stretch>
+            <a:fillRect/>
+          </a:stretch>
+        </p:blipFill>
+        <p:spPr>
+          <a:xfrm>
+            <a:off x="6658178" y="2052637"/>
+            <a:ext cx="4781550" cy="3133725"/>
+          </a:xfrm>
+          <a:prstGeom prst="rect">
+            <a:avLst/>
+          </a:prstGeom>
+        </p:spPr>
+      </p:pic>
     </p:spTree>
     <p:extLst>
       <p:ext uri="{BB962C8B-B14F-4D97-AF65-F5344CB8AC3E}">
-        <p14:creationId xmlns:p14="http://schemas.microsoft.com/office/powerpoint/2010/main" val="3021186209"/>
+        <p14:creationId xmlns:p14="http://schemas.microsoft.com/office/powerpoint/2010/main" val="1136354697"/>
       </p:ext>
     </p:extLst>
   </p:cSld>
@@ -24095,7 +30335,7 @@
           <p:cNvPr id="4" name="Title 3">
             <a:extLst>
               <a:ext uri="{FF2B5EF4-FFF2-40B4-BE49-F238E27FC236}">
-                <a16:creationId xmlns:a16="http://schemas.microsoft.com/office/drawing/2014/main" id="{91923162-363D-1B4C-8F78-0991C5D9D29E}"/>
+                <a16:creationId xmlns:a16="http://schemas.microsoft.com/office/drawing/2014/main" id="{F40906B0-F382-D94A-99D7-F0A5538FEFF2}"/>
               </a:ext>
             </a:extLst>
           </p:cNvPr>
@@ -24113,8 +30353,13 @@
           <a:p>
             <a:r>
               <a:rPr lang="en-US" dirty="0"/>
-              <a:t>Missing Data</a:t>
+              <a:t>The Shape of Your</a:t>
             </a:r>
+            <a:r>
+              <a:rPr lang="en-US" baseline="0" dirty="0"/>
+              <a:t> Data</a:t>
+            </a:r>
+            <a:endParaRPr lang="en-US" dirty="0"/>
           </a:p>
         </p:txBody>
       </p:sp>
@@ -24123,7 +30368,7 @@
           <p:cNvPr id="5" name="Text Placeholder 4">
             <a:extLst>
               <a:ext uri="{FF2B5EF4-FFF2-40B4-BE49-F238E27FC236}">
-                <a16:creationId xmlns:a16="http://schemas.microsoft.com/office/drawing/2014/main" id="{A203D0E2-41AF-4030-A291-5F18ACDEEE0C}"/>
+                <a16:creationId xmlns:a16="http://schemas.microsoft.com/office/drawing/2014/main" id="{C0C5C11C-87C0-4823-9E66-E49513B67FED}"/>
               </a:ext>
             </a:extLst>
           </p:cNvPr>
@@ -24146,7 +30391,7 @@
     </p:spTree>
     <p:extLst>
       <p:ext uri="{BB962C8B-B14F-4D97-AF65-F5344CB8AC3E}">
-        <p14:creationId xmlns:p14="http://schemas.microsoft.com/office/powerpoint/2010/main" val="3069741555"/>
+        <p14:creationId xmlns:p14="http://schemas.microsoft.com/office/powerpoint/2010/main" val="3021186209"/>
       </p:ext>
     </p:extLst>
   </p:cSld>
@@ -24178,7 +30423,7 @@
           <p:cNvPr id="4" name="Title 3">
             <a:extLst>
               <a:ext uri="{FF2B5EF4-FFF2-40B4-BE49-F238E27FC236}">
-                <a16:creationId xmlns:a16="http://schemas.microsoft.com/office/drawing/2014/main" id="{261279C3-A262-E741-8313-4A5E1F8CEAAE}"/>
+                <a16:creationId xmlns:a16="http://schemas.microsoft.com/office/drawing/2014/main" id="{91923162-363D-1B4C-8F78-0991C5D9D29E}"/>
               </a:ext>
             </a:extLst>
           </p:cNvPr>
@@ -24196,13 +30441,8 @@
           <a:p>
             <a:r>
               <a:rPr lang="en-US" dirty="0"/>
-              <a:t>Finding</a:t>
+              <a:t>Missing Data</a:t>
             </a:r>
-            <a:r>
-              <a:rPr lang="en-US" baseline="0" dirty="0"/>
-              <a:t> Missing Records</a:t>
-            </a:r>
-            <a:endParaRPr lang="en-US" dirty="0"/>
           </a:p>
         </p:txBody>
       </p:sp>
@@ -24211,7 +30451,7 @@
           <p:cNvPr id="5" name="Text Placeholder 4">
             <a:extLst>
               <a:ext uri="{FF2B5EF4-FFF2-40B4-BE49-F238E27FC236}">
-                <a16:creationId xmlns:a16="http://schemas.microsoft.com/office/drawing/2014/main" id="{7CDE9426-BEBE-4266-B8E2-4C75DB811E72}"/>
+                <a16:creationId xmlns:a16="http://schemas.microsoft.com/office/drawing/2014/main" id="{A203D0E2-41AF-4030-A291-5F18ACDEEE0C}"/>
               </a:ext>
             </a:extLst>
           </p:cNvPr>
@@ -24234,7 +30474,7 @@
     </p:spTree>
     <p:extLst>
       <p:ext uri="{BB962C8B-B14F-4D97-AF65-F5344CB8AC3E}">
-        <p14:creationId xmlns:p14="http://schemas.microsoft.com/office/powerpoint/2010/main" val="4028250988"/>
+        <p14:creationId xmlns:p14="http://schemas.microsoft.com/office/powerpoint/2010/main" val="3069741555"/>
       </p:ext>
     </p:extLst>
   </p:cSld>
@@ -24266,7 +30506,7 @@
           <p:cNvPr id="4" name="Title 3">
             <a:extLst>
               <a:ext uri="{FF2B5EF4-FFF2-40B4-BE49-F238E27FC236}">
-                <a16:creationId xmlns:a16="http://schemas.microsoft.com/office/drawing/2014/main" id="{5F8B3FAC-76B5-1B44-ACE1-4D3D0E1DE523}"/>
+                <a16:creationId xmlns:a16="http://schemas.microsoft.com/office/drawing/2014/main" id="{261279C3-A262-E741-8313-4A5E1F8CEAAE}"/>
               </a:ext>
             </a:extLst>
           </p:cNvPr>
@@ -24284,8 +30524,13 @@
           <a:p>
             <a:r>
               <a:rPr lang="en-US" dirty="0"/>
-              <a:t>Bringing It All Together</a:t>
+              <a:t>Finding</a:t>
             </a:r>
+            <a:r>
+              <a:rPr lang="en-US" baseline="0" dirty="0"/>
+              <a:t> Missing Records</a:t>
+            </a:r>
+            <a:endParaRPr lang="en-US" dirty="0"/>
           </a:p>
         </p:txBody>
       </p:sp>
@@ -24294,7 +30539,7 @@
           <p:cNvPr id="5" name="Text Placeholder 4">
             <a:extLst>
               <a:ext uri="{FF2B5EF4-FFF2-40B4-BE49-F238E27FC236}">
-                <a16:creationId xmlns:a16="http://schemas.microsoft.com/office/drawing/2014/main" id="{2486C298-3C44-4DD5-A9D4-D733836BDCE6}"/>
+                <a16:creationId xmlns:a16="http://schemas.microsoft.com/office/drawing/2014/main" id="{7CDE9426-BEBE-4266-B8E2-4C75DB811E72}"/>
               </a:ext>
             </a:extLst>
           </p:cNvPr>
@@ -24317,7 +30562,7 @@
     </p:spTree>
     <p:extLst>
       <p:ext uri="{BB962C8B-B14F-4D97-AF65-F5344CB8AC3E}">
-        <p14:creationId xmlns:p14="http://schemas.microsoft.com/office/powerpoint/2010/main" val="130460662"/>
+        <p14:creationId xmlns:p14="http://schemas.microsoft.com/office/powerpoint/2010/main" val="4028250988"/>
       </p:ext>
     </p:extLst>
   </p:cSld>
@@ -24349,7 +30594,7 @@
           <p:cNvPr id="4" name="Title 3">
             <a:extLst>
               <a:ext uri="{FF2B5EF4-FFF2-40B4-BE49-F238E27FC236}">
-                <a16:creationId xmlns:a16="http://schemas.microsoft.com/office/drawing/2014/main" id="{179C3DEC-70AC-AB42-BEB7-99CBEAF719E4}"/>
+                <a16:creationId xmlns:a16="http://schemas.microsoft.com/office/drawing/2014/main" id="{5F8B3FAC-76B5-1B44-ACE1-4D3D0E1DE523}"/>
               </a:ext>
             </a:extLst>
           </p:cNvPr>
@@ -24367,7 +30612,7 @@
           <a:p>
             <a:r>
               <a:rPr lang="en-US" dirty="0"/>
-              <a:t>Join Clause Recommendations</a:t>
+              <a:t>Bringing It All Together</a:t>
             </a:r>
           </a:p>
         </p:txBody>
@@ -24377,7 +30622,7 @@
           <p:cNvPr id="5" name="Text Placeholder 4">
             <a:extLst>
               <a:ext uri="{FF2B5EF4-FFF2-40B4-BE49-F238E27FC236}">
-                <a16:creationId xmlns:a16="http://schemas.microsoft.com/office/drawing/2014/main" id="{C1C012B1-5F2B-44E2-B5E2-1809DAE5E485}"/>
+                <a16:creationId xmlns:a16="http://schemas.microsoft.com/office/drawing/2014/main" id="{2486C298-3C44-4DD5-A9D4-D733836BDCE6}"/>
               </a:ext>
             </a:extLst>
           </p:cNvPr>
@@ -24400,7 +30645,7 @@
     </p:spTree>
     <p:extLst>
       <p:ext uri="{BB962C8B-B14F-4D97-AF65-F5344CB8AC3E}">
-        <p14:creationId xmlns:p14="http://schemas.microsoft.com/office/powerpoint/2010/main" val="614002757"/>
+        <p14:creationId xmlns:p14="http://schemas.microsoft.com/office/powerpoint/2010/main" val="130460662"/>
       </p:ext>
     </p:extLst>
   </p:cSld>
@@ -24432,7 +30677,7 @@
           <p:cNvPr id="4" name="Title 3">
             <a:extLst>
               <a:ext uri="{FF2B5EF4-FFF2-40B4-BE49-F238E27FC236}">
-                <a16:creationId xmlns:a16="http://schemas.microsoft.com/office/drawing/2014/main" id="{1E6D96E9-B635-0245-9098-C1FAA390A091}"/>
+                <a16:creationId xmlns:a16="http://schemas.microsoft.com/office/drawing/2014/main" id="{179C3DEC-70AC-AB42-BEB7-99CBEAF719E4}"/>
               </a:ext>
             </a:extLst>
           </p:cNvPr>
@@ -24450,15 +30695,40 @@
           <a:p>
             <a:r>
               <a:rPr lang="en-US" dirty="0"/>
-              <a:t>Part II: Transform</a:t>
+              <a:t>Join Clause Recommendations</a:t>
             </a:r>
+          </a:p>
+        </p:txBody>
+      </p:sp>
+      <p:sp>
+        <p:nvSpPr>
+          <p:cNvPr id="5" name="Text Placeholder 4">
+            <a:extLst>
+              <a:ext uri="{FF2B5EF4-FFF2-40B4-BE49-F238E27FC236}">
+                <a16:creationId xmlns:a16="http://schemas.microsoft.com/office/drawing/2014/main" id="{C1C012B1-5F2B-44E2-B5E2-1809DAE5E485}"/>
+              </a:ext>
+            </a:extLst>
+          </p:cNvPr>
+          <p:cNvSpPr>
+            <a:spLocks noGrp="1"/>
+          </p:cNvSpPr>
+          <p:nvPr>
+            <p:ph type="body" sz="quarter" idx="10"/>
+          </p:nvPr>
+        </p:nvSpPr>
+        <p:spPr/>
+        <p:txBody>
+          <a:bodyPr/>
+          <a:lstStyle/>
+          <a:p>
+            <a:endParaRPr lang="en-US"/>
           </a:p>
         </p:txBody>
       </p:sp>
     </p:spTree>
     <p:extLst>
       <p:ext uri="{BB962C8B-B14F-4D97-AF65-F5344CB8AC3E}">
-        <p14:creationId xmlns:p14="http://schemas.microsoft.com/office/powerpoint/2010/main" val="1657269070"/>
+        <p14:creationId xmlns:p14="http://schemas.microsoft.com/office/powerpoint/2010/main" val="614002757"/>
       </p:ext>
     </p:extLst>
   </p:cSld>
@@ -24487,10 +30757,10 @@
       </p:grpSpPr>
       <p:sp>
         <p:nvSpPr>
-          <p:cNvPr id="2" name="Title 1">
+          <p:cNvPr id="4" name="Title 3">
             <a:extLst>
               <a:ext uri="{FF2B5EF4-FFF2-40B4-BE49-F238E27FC236}">
-                <a16:creationId xmlns:a16="http://schemas.microsoft.com/office/drawing/2014/main" id="{2DCC4BB7-7A9D-DE44-81A7-84A15E54D20B}"/>
+                <a16:creationId xmlns:a16="http://schemas.microsoft.com/office/drawing/2014/main" id="{1E6D96E9-B635-0245-9098-C1FAA390A091}"/>
               </a:ext>
             </a:extLst>
           </p:cNvPr>
@@ -24508,20 +30778,15 @@
           <a:p>
             <a:r>
               <a:rPr lang="en-US" dirty="0"/>
-              <a:t>Module 5: Auditing &amp; Cleaning</a:t>
+              <a:t>Part II: Transform</a:t>
             </a:r>
-            <a:r>
-              <a:rPr lang="en-US" baseline="0" dirty="0"/>
-              <a:t> Your Data</a:t>
-            </a:r>
-            <a:endParaRPr lang="en-US" dirty="0"/>
           </a:p>
         </p:txBody>
       </p:sp>
     </p:spTree>
     <p:extLst>
       <p:ext uri="{BB962C8B-B14F-4D97-AF65-F5344CB8AC3E}">
-        <p14:creationId xmlns:p14="http://schemas.microsoft.com/office/powerpoint/2010/main" val="228763628"/>
+        <p14:creationId xmlns:p14="http://schemas.microsoft.com/office/powerpoint/2010/main" val="1657269070"/>
       </p:ext>
     </p:extLst>
   </p:cSld>
@@ -24550,10 +30815,10 @@
       </p:grpSpPr>
       <p:sp>
         <p:nvSpPr>
-          <p:cNvPr id="3" name="Title 2">
+          <p:cNvPr id="2" name="Title 1">
             <a:extLst>
               <a:ext uri="{FF2B5EF4-FFF2-40B4-BE49-F238E27FC236}">
-                <a16:creationId xmlns:a16="http://schemas.microsoft.com/office/drawing/2014/main" id="{6A8948BA-33DF-8D4F-BE0B-53151B6B2FE4}"/>
+                <a16:creationId xmlns:a16="http://schemas.microsoft.com/office/drawing/2014/main" id="{2DCC4BB7-7A9D-DE44-81A7-84A15E54D20B}"/>
               </a:ext>
             </a:extLst>
           </p:cNvPr>
@@ -24571,40 +30836,20 @@
           <a:p>
             <a:r>
               <a:rPr lang="en-US" dirty="0"/>
-              <a:t>Auditing Your Data</a:t>
+              <a:t>Module 5: Auditing &amp; Cleaning</a:t>
             </a:r>
-          </a:p>
-        </p:txBody>
-      </p:sp>
-      <p:sp>
-        <p:nvSpPr>
-          <p:cNvPr id="4" name="Text Placeholder 3">
-            <a:extLst>
-              <a:ext uri="{FF2B5EF4-FFF2-40B4-BE49-F238E27FC236}">
-                <a16:creationId xmlns:a16="http://schemas.microsoft.com/office/drawing/2014/main" id="{94D8F0A2-309B-B545-8C29-D643FC88803F}"/>
-              </a:ext>
-            </a:extLst>
-          </p:cNvPr>
-          <p:cNvSpPr>
-            <a:spLocks noGrp="1"/>
-          </p:cNvSpPr>
-          <p:nvPr>
-            <p:ph type="body" sz="quarter" idx="10"/>
-          </p:nvPr>
-        </p:nvSpPr>
-        <p:spPr/>
-        <p:txBody>
-          <a:bodyPr/>
-          <a:lstStyle/>
-          <a:p>
-            <a:endParaRPr lang="en-US"/>
+            <a:r>
+              <a:rPr lang="en-US" baseline="0" dirty="0"/>
+              <a:t> Your Data</a:t>
+            </a:r>
+            <a:endParaRPr lang="en-US" dirty="0"/>
           </a:p>
         </p:txBody>
       </p:sp>
     </p:spTree>
     <p:extLst>
       <p:ext uri="{BB962C8B-B14F-4D97-AF65-F5344CB8AC3E}">
-        <p14:creationId xmlns:p14="http://schemas.microsoft.com/office/powerpoint/2010/main" val="2617968978"/>
+        <p14:creationId xmlns:p14="http://schemas.microsoft.com/office/powerpoint/2010/main" val="228763628"/>
       </p:ext>
     </p:extLst>
   </p:cSld>
@@ -24633,10 +30878,10 @@
       </p:grpSpPr>
       <p:sp>
         <p:nvSpPr>
-          <p:cNvPr id="2" name="Title 1">
+          <p:cNvPr id="3" name="Title 2">
             <a:extLst>
               <a:ext uri="{FF2B5EF4-FFF2-40B4-BE49-F238E27FC236}">
-                <a16:creationId xmlns:a16="http://schemas.microsoft.com/office/drawing/2014/main" id="{0F73A750-FCCE-1B43-B19C-3EF29425C208}"/>
+                <a16:creationId xmlns:a16="http://schemas.microsoft.com/office/drawing/2014/main" id="{6A8948BA-33DF-8D4F-BE0B-53151B6B2FE4}"/>
               </a:ext>
             </a:extLst>
           </p:cNvPr>
@@ -24654,17 +30899,17 @@
           <a:p>
             <a:r>
               <a:rPr lang="en-US" dirty="0"/>
-              <a:t>Cleaning Your Data</a:t>
+              <a:t>Auditing Your Data</a:t>
             </a:r>
           </a:p>
         </p:txBody>
       </p:sp>
       <p:sp>
         <p:nvSpPr>
-          <p:cNvPr id="3" name="Text Placeholder 2">
+          <p:cNvPr id="4" name="Text Placeholder 3">
             <a:extLst>
               <a:ext uri="{FF2B5EF4-FFF2-40B4-BE49-F238E27FC236}">
-                <a16:creationId xmlns:a16="http://schemas.microsoft.com/office/drawing/2014/main" id="{47EB4147-976C-5F4C-8296-9593979C5497}"/>
+                <a16:creationId xmlns:a16="http://schemas.microsoft.com/office/drawing/2014/main" id="{94D8F0A2-309B-B545-8C29-D643FC88803F}"/>
               </a:ext>
             </a:extLst>
           </p:cNvPr>
@@ -24687,7 +30932,7 @@
     </p:spTree>
     <p:extLst>
       <p:ext uri="{BB962C8B-B14F-4D97-AF65-F5344CB8AC3E}">
-        <p14:creationId xmlns:p14="http://schemas.microsoft.com/office/powerpoint/2010/main" val="520519833"/>
+        <p14:creationId xmlns:p14="http://schemas.microsoft.com/office/powerpoint/2010/main" val="2617968978"/>
       </p:ext>
     </p:extLst>
   </p:cSld>
@@ -24719,7 +30964,7 @@
           <p:cNvPr id="2" name="Title 1">
             <a:extLst>
               <a:ext uri="{FF2B5EF4-FFF2-40B4-BE49-F238E27FC236}">
-                <a16:creationId xmlns:a16="http://schemas.microsoft.com/office/drawing/2014/main" id="{8AADCE9C-567B-F343-AD3A-DCEED7751871}"/>
+                <a16:creationId xmlns:a16="http://schemas.microsoft.com/office/drawing/2014/main" id="{0F73A750-FCCE-1B43-B19C-3EF29425C208}"/>
               </a:ext>
             </a:extLst>
           </p:cNvPr>
@@ -24737,7 +30982,7 @@
           <a:p>
             <a:r>
               <a:rPr lang="en-US" dirty="0"/>
-              <a:t>Merge and Clean</a:t>
+              <a:t>Cleaning Your Data</a:t>
             </a:r>
           </a:p>
         </p:txBody>
@@ -24747,7 +30992,7 @@
           <p:cNvPr id="3" name="Text Placeholder 2">
             <a:extLst>
               <a:ext uri="{FF2B5EF4-FFF2-40B4-BE49-F238E27FC236}">
-                <a16:creationId xmlns:a16="http://schemas.microsoft.com/office/drawing/2014/main" id="{9E15A277-1323-9644-A078-4090B3729416}"/>
+                <a16:creationId xmlns:a16="http://schemas.microsoft.com/office/drawing/2014/main" id="{47EB4147-976C-5F4C-8296-9593979C5497}"/>
               </a:ext>
             </a:extLst>
           </p:cNvPr>
@@ -24770,7 +31015,7 @@
     </p:spTree>
     <p:extLst>
       <p:ext uri="{BB962C8B-B14F-4D97-AF65-F5344CB8AC3E}">
-        <p14:creationId xmlns:p14="http://schemas.microsoft.com/office/powerpoint/2010/main" val="3260361871"/>
+        <p14:creationId xmlns:p14="http://schemas.microsoft.com/office/powerpoint/2010/main" val="520519833"/>
       </p:ext>
     </p:extLst>
   </p:cSld>
@@ -24802,7 +31047,7 @@
           <p:cNvPr id="2" name="Title 1">
             <a:extLst>
               <a:ext uri="{FF2B5EF4-FFF2-40B4-BE49-F238E27FC236}">
-                <a16:creationId xmlns:a16="http://schemas.microsoft.com/office/drawing/2014/main" id="{0F9C471B-4CB9-534B-AF00-E0FEFDE63E75}"/>
+                <a16:creationId xmlns:a16="http://schemas.microsoft.com/office/drawing/2014/main" id="{8AADCE9C-567B-F343-AD3A-DCEED7751871}"/>
               </a:ext>
             </a:extLst>
           </p:cNvPr>
@@ -24820,7 +31065,7 @@
           <a:p>
             <a:r>
               <a:rPr lang="en-US" dirty="0"/>
-              <a:t>Making Data More Consistent</a:t>
+              <a:t>Merge and Clean</a:t>
             </a:r>
           </a:p>
         </p:txBody>
@@ -24830,7 +31075,7 @@
           <p:cNvPr id="3" name="Text Placeholder 2">
             <a:extLst>
               <a:ext uri="{FF2B5EF4-FFF2-40B4-BE49-F238E27FC236}">
-                <a16:creationId xmlns:a16="http://schemas.microsoft.com/office/drawing/2014/main" id="{F45FAE89-9E67-0A43-A422-22847A7FD8CA}"/>
+                <a16:creationId xmlns:a16="http://schemas.microsoft.com/office/drawing/2014/main" id="{9E15A277-1323-9644-A078-4090B3729416}"/>
               </a:ext>
             </a:extLst>
           </p:cNvPr>
@@ -24853,7 +31098,7 @@
     </p:spTree>
     <p:extLst>
       <p:ext uri="{BB962C8B-B14F-4D97-AF65-F5344CB8AC3E}">
-        <p14:creationId xmlns:p14="http://schemas.microsoft.com/office/powerpoint/2010/main" val="3958965914"/>
+        <p14:creationId xmlns:p14="http://schemas.microsoft.com/office/powerpoint/2010/main" val="3260361871"/>
       </p:ext>
     </p:extLst>
   </p:cSld>
@@ -24986,7 +31231,7 @@
           <p:cNvPr id="2" name="Title 1">
             <a:extLst>
               <a:ext uri="{FF2B5EF4-FFF2-40B4-BE49-F238E27FC236}">
-                <a16:creationId xmlns:a16="http://schemas.microsoft.com/office/drawing/2014/main" id="{2E92257E-A8A0-2740-A0E2-3034B8C6ADD9}"/>
+                <a16:creationId xmlns:a16="http://schemas.microsoft.com/office/drawing/2014/main" id="{0F9C471B-4CB9-534B-AF00-E0FEFDE63E75}"/>
               </a:ext>
             </a:extLst>
           </p:cNvPr>
@@ -25004,7 +31249,7 @@
           <a:p>
             <a:r>
               <a:rPr lang="en-US" dirty="0"/>
-              <a:t>Splitting Fields</a:t>
+              <a:t>Making Data More Consistent</a:t>
             </a:r>
           </a:p>
         </p:txBody>
@@ -25014,7 +31259,7 @@
           <p:cNvPr id="3" name="Text Placeholder 2">
             <a:extLst>
               <a:ext uri="{FF2B5EF4-FFF2-40B4-BE49-F238E27FC236}">
-                <a16:creationId xmlns:a16="http://schemas.microsoft.com/office/drawing/2014/main" id="{20C4FAF8-0C73-5A41-8B13-61EF434F64B4}"/>
+                <a16:creationId xmlns:a16="http://schemas.microsoft.com/office/drawing/2014/main" id="{F45FAE89-9E67-0A43-A422-22847A7FD8CA}"/>
               </a:ext>
             </a:extLst>
           </p:cNvPr>
@@ -25037,7 +31282,7 @@
     </p:spTree>
     <p:extLst>
       <p:ext uri="{BB962C8B-B14F-4D97-AF65-F5344CB8AC3E}">
-        <p14:creationId xmlns:p14="http://schemas.microsoft.com/office/powerpoint/2010/main" val="49218107"/>
+        <p14:creationId xmlns:p14="http://schemas.microsoft.com/office/powerpoint/2010/main" val="3958965914"/>
       </p:ext>
     </p:extLst>
   </p:cSld>
@@ -25069,7 +31314,7 @@
           <p:cNvPr id="2" name="Title 1">
             <a:extLst>
               <a:ext uri="{FF2B5EF4-FFF2-40B4-BE49-F238E27FC236}">
-                <a16:creationId xmlns:a16="http://schemas.microsoft.com/office/drawing/2014/main" id="{8ECBCB28-8413-5140-A949-761083F81470}"/>
+                <a16:creationId xmlns:a16="http://schemas.microsoft.com/office/drawing/2014/main" id="{2E92257E-A8A0-2740-A0E2-3034B8C6ADD9}"/>
               </a:ext>
             </a:extLst>
           </p:cNvPr>
@@ -25087,7 +31332,7 @@
           <a:p>
             <a:r>
               <a:rPr lang="en-US" dirty="0"/>
-              <a:t>Recommendations</a:t>
+              <a:t>Splitting Fields</a:t>
             </a:r>
           </a:p>
         </p:txBody>
@@ -25097,7 +31342,7 @@
           <p:cNvPr id="3" name="Text Placeholder 2">
             <a:extLst>
               <a:ext uri="{FF2B5EF4-FFF2-40B4-BE49-F238E27FC236}">
-                <a16:creationId xmlns:a16="http://schemas.microsoft.com/office/drawing/2014/main" id="{DE38BA79-005D-F748-8EF0-DDBDB31CFBF0}"/>
+                <a16:creationId xmlns:a16="http://schemas.microsoft.com/office/drawing/2014/main" id="{20C4FAF8-0C73-5A41-8B13-61EF434F64B4}"/>
               </a:ext>
             </a:extLst>
           </p:cNvPr>
@@ -25120,7 +31365,7 @@
     </p:spTree>
     <p:extLst>
       <p:ext uri="{BB962C8B-B14F-4D97-AF65-F5344CB8AC3E}">
-        <p14:creationId xmlns:p14="http://schemas.microsoft.com/office/powerpoint/2010/main" val="3708025470"/>
+        <p14:creationId xmlns:p14="http://schemas.microsoft.com/office/powerpoint/2010/main" val="49218107"/>
       </p:ext>
     </p:extLst>
   </p:cSld>
@@ -25152,7 +31397,7 @@
           <p:cNvPr id="2" name="Title 1">
             <a:extLst>
               <a:ext uri="{FF2B5EF4-FFF2-40B4-BE49-F238E27FC236}">
-                <a16:creationId xmlns:a16="http://schemas.microsoft.com/office/drawing/2014/main" id="{56B44BDD-EA88-2D47-A6B7-E02FE22AD315}"/>
+                <a16:creationId xmlns:a16="http://schemas.microsoft.com/office/drawing/2014/main" id="{8ECBCB28-8413-5140-A949-761083F81470}"/>
               </a:ext>
             </a:extLst>
           </p:cNvPr>
@@ -25170,7 +31415,7 @@
           <a:p>
             <a:r>
               <a:rPr lang="en-US" dirty="0"/>
-              <a:t>Handling NULL Values</a:t>
+              <a:t>Recommendations</a:t>
             </a:r>
           </a:p>
         </p:txBody>
@@ -25180,7 +31425,7 @@
           <p:cNvPr id="3" name="Text Placeholder 2">
             <a:extLst>
               <a:ext uri="{FF2B5EF4-FFF2-40B4-BE49-F238E27FC236}">
-                <a16:creationId xmlns:a16="http://schemas.microsoft.com/office/drawing/2014/main" id="{35B8F14B-39CF-AF41-99E1-2E843C247A56}"/>
+                <a16:creationId xmlns:a16="http://schemas.microsoft.com/office/drawing/2014/main" id="{DE38BA79-005D-F748-8EF0-DDBDB31CFBF0}"/>
               </a:ext>
             </a:extLst>
           </p:cNvPr>
@@ -25203,7 +31448,7 @@
     </p:spTree>
     <p:extLst>
       <p:ext uri="{BB962C8B-B14F-4D97-AF65-F5344CB8AC3E}">
-        <p14:creationId xmlns:p14="http://schemas.microsoft.com/office/powerpoint/2010/main" val="3654839068"/>
+        <p14:creationId xmlns:p14="http://schemas.microsoft.com/office/powerpoint/2010/main" val="3708025470"/>
       </p:ext>
     </p:extLst>
   </p:cSld>
@@ -25235,7 +31480,7 @@
           <p:cNvPr id="2" name="Title 1">
             <a:extLst>
               <a:ext uri="{FF2B5EF4-FFF2-40B4-BE49-F238E27FC236}">
-                <a16:creationId xmlns:a16="http://schemas.microsoft.com/office/drawing/2014/main" id="{505FEF39-4D4F-234C-A7CC-3D508B076ECC}"/>
+                <a16:creationId xmlns:a16="http://schemas.microsoft.com/office/drawing/2014/main" id="{56B44BDD-EA88-2D47-A6B7-E02FE22AD315}"/>
               </a:ext>
             </a:extLst>
           </p:cNvPr>
@@ -25253,7 +31498,7 @@
           <a:p>
             <a:r>
               <a:rPr lang="en-US" dirty="0"/>
-              <a:t>Filtering Records</a:t>
+              <a:t>Handling NULL Values</a:t>
             </a:r>
           </a:p>
         </p:txBody>
@@ -25263,7 +31508,7 @@
           <p:cNvPr id="3" name="Text Placeholder 2">
             <a:extLst>
               <a:ext uri="{FF2B5EF4-FFF2-40B4-BE49-F238E27FC236}">
-                <a16:creationId xmlns:a16="http://schemas.microsoft.com/office/drawing/2014/main" id="{F0A2B6CF-1628-4546-AF20-667E71376CF7}"/>
+                <a16:creationId xmlns:a16="http://schemas.microsoft.com/office/drawing/2014/main" id="{35B8F14B-39CF-AF41-99E1-2E843C247A56}"/>
               </a:ext>
             </a:extLst>
           </p:cNvPr>
@@ -25286,7 +31531,7 @@
     </p:spTree>
     <p:extLst>
       <p:ext uri="{BB962C8B-B14F-4D97-AF65-F5344CB8AC3E}">
-        <p14:creationId xmlns:p14="http://schemas.microsoft.com/office/powerpoint/2010/main" val="1615717970"/>
+        <p14:creationId xmlns:p14="http://schemas.microsoft.com/office/powerpoint/2010/main" val="3654839068"/>
       </p:ext>
     </p:extLst>
   </p:cSld>
@@ -25318,7 +31563,7 @@
           <p:cNvPr id="2" name="Title 1">
             <a:extLst>
               <a:ext uri="{FF2B5EF4-FFF2-40B4-BE49-F238E27FC236}">
-                <a16:creationId xmlns:a16="http://schemas.microsoft.com/office/drawing/2014/main" id="{C3A4853A-6621-BF48-99C0-CF9E50FA3A1F}"/>
+                <a16:creationId xmlns:a16="http://schemas.microsoft.com/office/drawing/2014/main" id="{505FEF39-4D4F-234C-A7CC-3D508B076ECC}"/>
               </a:ext>
             </a:extLst>
           </p:cNvPr>
@@ -25336,15 +31581,40 @@
           <a:p>
             <a:r>
               <a:rPr lang="en-US" dirty="0"/>
-              <a:t>Module 6: Group and Replace</a:t>
+              <a:t>Filtering Records</a:t>
             </a:r>
+          </a:p>
+        </p:txBody>
+      </p:sp>
+      <p:sp>
+        <p:nvSpPr>
+          <p:cNvPr id="3" name="Text Placeholder 2">
+            <a:extLst>
+              <a:ext uri="{FF2B5EF4-FFF2-40B4-BE49-F238E27FC236}">
+                <a16:creationId xmlns:a16="http://schemas.microsoft.com/office/drawing/2014/main" id="{F0A2B6CF-1628-4546-AF20-667E71376CF7}"/>
+              </a:ext>
+            </a:extLst>
+          </p:cNvPr>
+          <p:cNvSpPr>
+            <a:spLocks noGrp="1"/>
+          </p:cNvSpPr>
+          <p:nvPr>
+            <p:ph type="body" sz="quarter" idx="10"/>
+          </p:nvPr>
+        </p:nvSpPr>
+        <p:spPr/>
+        <p:txBody>
+          <a:bodyPr/>
+          <a:lstStyle/>
+          <a:p>
+            <a:endParaRPr lang="en-US"/>
           </a:p>
         </p:txBody>
       </p:sp>
     </p:spTree>
     <p:extLst>
       <p:ext uri="{BB962C8B-B14F-4D97-AF65-F5344CB8AC3E}">
-        <p14:creationId xmlns:p14="http://schemas.microsoft.com/office/powerpoint/2010/main" val="3911395177"/>
+        <p14:creationId xmlns:p14="http://schemas.microsoft.com/office/powerpoint/2010/main" val="1615717970"/>
       </p:ext>
     </p:extLst>
   </p:cSld>
@@ -25376,7 +31646,7 @@
           <p:cNvPr id="2" name="Title 1">
             <a:extLst>
               <a:ext uri="{FF2B5EF4-FFF2-40B4-BE49-F238E27FC236}">
-                <a16:creationId xmlns:a16="http://schemas.microsoft.com/office/drawing/2014/main" id="{3480EC15-00FE-FC41-ADF7-549E87A4B4F2}"/>
+                <a16:creationId xmlns:a16="http://schemas.microsoft.com/office/drawing/2014/main" id="{C3A4853A-6621-BF48-99C0-CF9E50FA3A1F}"/>
               </a:ext>
             </a:extLst>
           </p:cNvPr>
@@ -25394,40 +31664,15 @@
           <a:p>
             <a:r>
               <a:rPr lang="en-US" dirty="0"/>
-              <a:t>Group and Replace</a:t>
+              <a:t>Module 6: Group and Replace</a:t>
             </a:r>
-          </a:p>
-        </p:txBody>
-      </p:sp>
-      <p:sp>
-        <p:nvSpPr>
-          <p:cNvPr id="3" name="Text Placeholder 2">
-            <a:extLst>
-              <a:ext uri="{FF2B5EF4-FFF2-40B4-BE49-F238E27FC236}">
-                <a16:creationId xmlns:a16="http://schemas.microsoft.com/office/drawing/2014/main" id="{52CBEEB9-F887-F642-BD6A-347CE2FA09FB}"/>
-              </a:ext>
-            </a:extLst>
-          </p:cNvPr>
-          <p:cNvSpPr>
-            <a:spLocks noGrp="1"/>
-          </p:cNvSpPr>
-          <p:nvPr>
-            <p:ph type="body" sz="quarter" idx="10"/>
-          </p:nvPr>
-        </p:nvSpPr>
-        <p:spPr/>
-        <p:txBody>
-          <a:bodyPr/>
-          <a:lstStyle/>
-          <a:p>
-            <a:endParaRPr lang="en-US"/>
           </a:p>
         </p:txBody>
       </p:sp>
     </p:spTree>
     <p:extLst>
       <p:ext uri="{BB962C8B-B14F-4D97-AF65-F5344CB8AC3E}">
-        <p14:creationId xmlns:p14="http://schemas.microsoft.com/office/powerpoint/2010/main" val="4144102751"/>
+        <p14:creationId xmlns:p14="http://schemas.microsoft.com/office/powerpoint/2010/main" val="3911395177"/>
       </p:ext>
     </p:extLst>
   </p:cSld>
@@ -25459,7 +31704,7 @@
           <p:cNvPr id="2" name="Title 1">
             <a:extLst>
               <a:ext uri="{FF2B5EF4-FFF2-40B4-BE49-F238E27FC236}">
-                <a16:creationId xmlns:a16="http://schemas.microsoft.com/office/drawing/2014/main" id="{5EF4012B-FF41-2C4E-B2EF-2972C9D9184A}"/>
+                <a16:creationId xmlns:a16="http://schemas.microsoft.com/office/drawing/2014/main" id="{3480EC15-00FE-FC41-ADF7-549E87A4B4F2}"/>
               </a:ext>
             </a:extLst>
           </p:cNvPr>
@@ -25477,13 +31722,8 @@
           <a:p>
             <a:r>
               <a:rPr lang="en-US" dirty="0"/>
-              <a:t>Manual</a:t>
+              <a:t>Group and Replace</a:t>
             </a:r>
-            <a:r>
-              <a:rPr lang="en-US" baseline="0" dirty="0"/>
-              <a:t> Selection</a:t>
-            </a:r>
-            <a:endParaRPr lang="en-US" dirty="0"/>
           </a:p>
         </p:txBody>
       </p:sp>
@@ -25492,7 +31732,7 @@
           <p:cNvPr id="3" name="Text Placeholder 2">
             <a:extLst>
               <a:ext uri="{FF2B5EF4-FFF2-40B4-BE49-F238E27FC236}">
-                <a16:creationId xmlns:a16="http://schemas.microsoft.com/office/drawing/2014/main" id="{404BE848-6263-0145-B9F8-9619C16139F0}"/>
+                <a16:creationId xmlns:a16="http://schemas.microsoft.com/office/drawing/2014/main" id="{52CBEEB9-F887-F642-BD6A-347CE2FA09FB}"/>
               </a:ext>
             </a:extLst>
           </p:cNvPr>
@@ -25515,7 +31755,7 @@
     </p:spTree>
     <p:extLst>
       <p:ext uri="{BB962C8B-B14F-4D97-AF65-F5344CB8AC3E}">
-        <p14:creationId xmlns:p14="http://schemas.microsoft.com/office/powerpoint/2010/main" val="1517578569"/>
+        <p14:creationId xmlns:p14="http://schemas.microsoft.com/office/powerpoint/2010/main" val="4144102751"/>
       </p:ext>
     </p:extLst>
   </p:cSld>
@@ -25547,7 +31787,7 @@
           <p:cNvPr id="2" name="Title 1">
             <a:extLst>
               <a:ext uri="{FF2B5EF4-FFF2-40B4-BE49-F238E27FC236}">
-                <a16:creationId xmlns:a16="http://schemas.microsoft.com/office/drawing/2014/main" id="{B8CB6C30-3AB2-3744-B360-453B167B4FF4}"/>
+                <a16:creationId xmlns:a16="http://schemas.microsoft.com/office/drawing/2014/main" id="{5EF4012B-FF41-2C4E-B2EF-2972C9D9184A}"/>
               </a:ext>
             </a:extLst>
           </p:cNvPr>
@@ -25565,8 +31805,13 @@
           <a:p>
             <a:r>
               <a:rPr lang="en-US" dirty="0"/>
-              <a:t>Grouping by Pronunciation</a:t>
+              <a:t>Manual</a:t>
             </a:r>
+            <a:r>
+              <a:rPr lang="en-US" baseline="0" dirty="0"/>
+              <a:t> Selection</a:t>
+            </a:r>
+            <a:endParaRPr lang="en-US" dirty="0"/>
           </a:p>
         </p:txBody>
       </p:sp>
@@ -25575,7 +31820,7 @@
           <p:cNvPr id="3" name="Text Placeholder 2">
             <a:extLst>
               <a:ext uri="{FF2B5EF4-FFF2-40B4-BE49-F238E27FC236}">
-                <a16:creationId xmlns:a16="http://schemas.microsoft.com/office/drawing/2014/main" id="{3114DC91-50BA-4E48-B2AF-D3791A89BC17}"/>
+                <a16:creationId xmlns:a16="http://schemas.microsoft.com/office/drawing/2014/main" id="{404BE848-6263-0145-B9F8-9619C16139F0}"/>
               </a:ext>
             </a:extLst>
           </p:cNvPr>
@@ -25598,7 +31843,7 @@
     </p:spTree>
     <p:extLst>
       <p:ext uri="{BB962C8B-B14F-4D97-AF65-F5344CB8AC3E}">
-        <p14:creationId xmlns:p14="http://schemas.microsoft.com/office/powerpoint/2010/main" val="4105177919"/>
+        <p14:creationId xmlns:p14="http://schemas.microsoft.com/office/powerpoint/2010/main" val="1517578569"/>
       </p:ext>
     </p:extLst>
   </p:cSld>
@@ -25630,7 +31875,7 @@
           <p:cNvPr id="2" name="Title 1">
             <a:extLst>
               <a:ext uri="{FF2B5EF4-FFF2-40B4-BE49-F238E27FC236}">
-                <a16:creationId xmlns:a16="http://schemas.microsoft.com/office/drawing/2014/main" id="{F667AD0A-11C2-034F-9745-119770BC4F74}"/>
+                <a16:creationId xmlns:a16="http://schemas.microsoft.com/office/drawing/2014/main" id="{B8CB6C30-3AB2-3744-B360-453B167B4FF4}"/>
               </a:ext>
             </a:extLst>
           </p:cNvPr>
@@ -25648,13 +31893,8 @@
           <a:p>
             <a:r>
               <a:rPr lang="en-US" dirty="0"/>
-              <a:t>Grouping</a:t>
+              <a:t>Grouping by Pronunciation</a:t>
             </a:r>
-            <a:r>
-              <a:rPr lang="en-US" baseline="0" dirty="0"/>
-              <a:t> by Common Characters</a:t>
-            </a:r>
-            <a:endParaRPr lang="en-US" dirty="0"/>
           </a:p>
         </p:txBody>
       </p:sp>
@@ -25663,7 +31903,7 @@
           <p:cNvPr id="3" name="Text Placeholder 2">
             <a:extLst>
               <a:ext uri="{FF2B5EF4-FFF2-40B4-BE49-F238E27FC236}">
-                <a16:creationId xmlns:a16="http://schemas.microsoft.com/office/drawing/2014/main" id="{E01C124F-BC23-884A-8940-AE40F6201DB9}"/>
+                <a16:creationId xmlns:a16="http://schemas.microsoft.com/office/drawing/2014/main" id="{3114DC91-50BA-4E48-B2AF-D3791A89BC17}"/>
               </a:ext>
             </a:extLst>
           </p:cNvPr>
@@ -25686,7 +31926,7 @@
     </p:spTree>
     <p:extLst>
       <p:ext uri="{BB962C8B-B14F-4D97-AF65-F5344CB8AC3E}">
-        <p14:creationId xmlns:p14="http://schemas.microsoft.com/office/powerpoint/2010/main" val="737931396"/>
+        <p14:creationId xmlns:p14="http://schemas.microsoft.com/office/powerpoint/2010/main" val="4105177919"/>
       </p:ext>
     </p:extLst>
   </p:cSld>
@@ -25718,7 +31958,7 @@
           <p:cNvPr id="2" name="Title 1">
             <a:extLst>
               <a:ext uri="{FF2B5EF4-FFF2-40B4-BE49-F238E27FC236}">
-                <a16:creationId xmlns:a16="http://schemas.microsoft.com/office/drawing/2014/main" id="{7A902A4D-3605-F64D-99D9-C7BD9542C2E4}"/>
+                <a16:creationId xmlns:a16="http://schemas.microsoft.com/office/drawing/2014/main" id="{F667AD0A-11C2-034F-9745-119770BC4F74}"/>
               </a:ext>
             </a:extLst>
           </p:cNvPr>
@@ -25736,8 +31976,13 @@
           <a:p>
             <a:r>
               <a:rPr lang="en-US" dirty="0"/>
-              <a:t>Grouping by Spelling</a:t>
+              <a:t>Grouping</a:t>
             </a:r>
+            <a:r>
+              <a:rPr lang="en-US" baseline="0" dirty="0"/>
+              <a:t> by Common Characters</a:t>
+            </a:r>
+            <a:endParaRPr lang="en-US" dirty="0"/>
           </a:p>
         </p:txBody>
       </p:sp>
@@ -25746,7 +31991,7 @@
           <p:cNvPr id="3" name="Text Placeholder 2">
             <a:extLst>
               <a:ext uri="{FF2B5EF4-FFF2-40B4-BE49-F238E27FC236}">
-                <a16:creationId xmlns:a16="http://schemas.microsoft.com/office/drawing/2014/main" id="{1D73BADE-B533-CE4F-B5B8-CAB06C368000}"/>
+                <a16:creationId xmlns:a16="http://schemas.microsoft.com/office/drawing/2014/main" id="{E01C124F-BC23-884A-8940-AE40F6201DB9}"/>
               </a:ext>
             </a:extLst>
           </p:cNvPr>
@@ -25769,7 +32014,7 @@
     </p:spTree>
     <p:extLst>
       <p:ext uri="{BB962C8B-B14F-4D97-AF65-F5344CB8AC3E}">
-        <p14:creationId xmlns:p14="http://schemas.microsoft.com/office/powerpoint/2010/main" val="3770955645"/>
+        <p14:creationId xmlns:p14="http://schemas.microsoft.com/office/powerpoint/2010/main" val="737931396"/>
       </p:ext>
     </p:extLst>
   </p:cSld>
@@ -25950,7 +32195,7 @@
           <p:cNvPr id="2" name="Title 1">
             <a:extLst>
               <a:ext uri="{FF2B5EF4-FFF2-40B4-BE49-F238E27FC236}">
-                <a16:creationId xmlns:a16="http://schemas.microsoft.com/office/drawing/2014/main" id="{098CEEC1-7F87-F34D-B9A4-7EA9EFA2F688}"/>
+                <a16:creationId xmlns:a16="http://schemas.microsoft.com/office/drawing/2014/main" id="{7A902A4D-3605-F64D-99D9-C7BD9542C2E4}"/>
               </a:ext>
             </a:extLst>
           </p:cNvPr>
@@ -25968,15 +32213,40 @@
           <a:p>
             <a:r>
               <a:rPr lang="en-US" dirty="0"/>
-              <a:t>Module 7: Aggregating and Pivoting Data</a:t>
+              <a:t>Grouping by Spelling</a:t>
             </a:r>
+          </a:p>
+        </p:txBody>
+      </p:sp>
+      <p:sp>
+        <p:nvSpPr>
+          <p:cNvPr id="3" name="Text Placeholder 2">
+            <a:extLst>
+              <a:ext uri="{FF2B5EF4-FFF2-40B4-BE49-F238E27FC236}">
+                <a16:creationId xmlns:a16="http://schemas.microsoft.com/office/drawing/2014/main" id="{1D73BADE-B533-CE4F-B5B8-CAB06C368000}"/>
+              </a:ext>
+            </a:extLst>
+          </p:cNvPr>
+          <p:cNvSpPr>
+            <a:spLocks noGrp="1"/>
+          </p:cNvSpPr>
+          <p:nvPr>
+            <p:ph type="body" sz="quarter" idx="10"/>
+          </p:nvPr>
+        </p:nvSpPr>
+        <p:spPr/>
+        <p:txBody>
+          <a:bodyPr/>
+          <a:lstStyle/>
+          <a:p>
+            <a:endParaRPr lang="en-US"/>
           </a:p>
         </p:txBody>
       </p:sp>
     </p:spTree>
     <p:extLst>
       <p:ext uri="{BB962C8B-B14F-4D97-AF65-F5344CB8AC3E}">
-        <p14:creationId xmlns:p14="http://schemas.microsoft.com/office/powerpoint/2010/main" val="2030434778"/>
+        <p14:creationId xmlns:p14="http://schemas.microsoft.com/office/powerpoint/2010/main" val="3770955645"/>
       </p:ext>
     </p:extLst>
   </p:cSld>
@@ -26008,7 +32278,7 @@
           <p:cNvPr id="2" name="Title 1">
             <a:extLst>
               <a:ext uri="{FF2B5EF4-FFF2-40B4-BE49-F238E27FC236}">
-                <a16:creationId xmlns:a16="http://schemas.microsoft.com/office/drawing/2014/main" id="{7A459FFD-D6CD-5B4A-9BCB-E8A05891ABD0}"/>
+                <a16:creationId xmlns:a16="http://schemas.microsoft.com/office/drawing/2014/main" id="{098CEEC1-7F87-F34D-B9A4-7EA9EFA2F688}"/>
               </a:ext>
             </a:extLst>
           </p:cNvPr>
@@ -26026,40 +32296,15 @@
           <a:p>
             <a:r>
               <a:rPr lang="en-US" dirty="0"/>
-              <a:t>Aggregating Data</a:t>
+              <a:t>Module 7: Aggregating and Pivoting Data</a:t>
             </a:r>
-          </a:p>
-        </p:txBody>
-      </p:sp>
-      <p:sp>
-        <p:nvSpPr>
-          <p:cNvPr id="3" name="Text Placeholder 2">
-            <a:extLst>
-              <a:ext uri="{FF2B5EF4-FFF2-40B4-BE49-F238E27FC236}">
-                <a16:creationId xmlns:a16="http://schemas.microsoft.com/office/drawing/2014/main" id="{8B206731-BB58-084E-9F91-E2037F0BB52D}"/>
-              </a:ext>
-            </a:extLst>
-          </p:cNvPr>
-          <p:cNvSpPr>
-            <a:spLocks noGrp="1"/>
-          </p:cNvSpPr>
-          <p:nvPr>
-            <p:ph type="body" sz="quarter" idx="10"/>
-          </p:nvPr>
-        </p:nvSpPr>
-        <p:spPr/>
-        <p:txBody>
-          <a:bodyPr/>
-          <a:lstStyle/>
-          <a:p>
-            <a:endParaRPr lang="en-US"/>
           </a:p>
         </p:txBody>
       </p:sp>
     </p:spTree>
     <p:extLst>
       <p:ext uri="{BB962C8B-B14F-4D97-AF65-F5344CB8AC3E}">
-        <p14:creationId xmlns:p14="http://schemas.microsoft.com/office/powerpoint/2010/main" val="3081864923"/>
+        <p14:creationId xmlns:p14="http://schemas.microsoft.com/office/powerpoint/2010/main" val="2030434778"/>
       </p:ext>
     </p:extLst>
   </p:cSld>
@@ -26091,7 +32336,7 @@
           <p:cNvPr id="2" name="Title 1">
             <a:extLst>
               <a:ext uri="{FF2B5EF4-FFF2-40B4-BE49-F238E27FC236}">
-                <a16:creationId xmlns:a16="http://schemas.microsoft.com/office/drawing/2014/main" id="{3B856723-7D74-B54B-8C18-AFFA49BB0578}"/>
+                <a16:creationId xmlns:a16="http://schemas.microsoft.com/office/drawing/2014/main" id="{7A459FFD-D6CD-5B4A-9BCB-E8A05891ABD0}"/>
               </a:ext>
             </a:extLst>
           </p:cNvPr>
@@ -26109,7 +32354,7 @@
           <a:p>
             <a:r>
               <a:rPr lang="en-US" dirty="0"/>
-              <a:t>Pivoting Data</a:t>
+              <a:t>Aggregating Data</a:t>
             </a:r>
           </a:p>
         </p:txBody>
@@ -26119,7 +32364,7 @@
           <p:cNvPr id="3" name="Text Placeholder 2">
             <a:extLst>
               <a:ext uri="{FF2B5EF4-FFF2-40B4-BE49-F238E27FC236}">
-                <a16:creationId xmlns:a16="http://schemas.microsoft.com/office/drawing/2014/main" id="{C07C88D3-0BAE-8749-84FF-FD11C5D739E5}"/>
+                <a16:creationId xmlns:a16="http://schemas.microsoft.com/office/drawing/2014/main" id="{8B206731-BB58-084E-9F91-E2037F0BB52D}"/>
               </a:ext>
             </a:extLst>
           </p:cNvPr>
@@ -26142,7 +32387,7 @@
     </p:spTree>
     <p:extLst>
       <p:ext uri="{BB962C8B-B14F-4D97-AF65-F5344CB8AC3E}">
-        <p14:creationId xmlns:p14="http://schemas.microsoft.com/office/powerpoint/2010/main" val="2826624053"/>
+        <p14:creationId xmlns:p14="http://schemas.microsoft.com/office/powerpoint/2010/main" val="3081864923"/>
       </p:ext>
     </p:extLst>
   </p:cSld>
@@ -26174,7 +32419,7 @@
           <p:cNvPr id="2" name="Title 1">
             <a:extLst>
               <a:ext uri="{FF2B5EF4-FFF2-40B4-BE49-F238E27FC236}">
-                <a16:creationId xmlns:a16="http://schemas.microsoft.com/office/drawing/2014/main" id="{6B5CDC5B-FC9D-9E42-ACCA-21C364287987}"/>
+                <a16:creationId xmlns:a16="http://schemas.microsoft.com/office/drawing/2014/main" id="{3B856723-7D74-B54B-8C18-AFFA49BB0578}"/>
               </a:ext>
             </a:extLst>
           </p:cNvPr>
@@ -26192,7 +32437,7 @@
           <a:p>
             <a:r>
               <a:rPr lang="en-US" dirty="0"/>
-              <a:t>Unpivoting Data</a:t>
+              <a:t>Pivoting Data</a:t>
             </a:r>
           </a:p>
         </p:txBody>
@@ -26202,7 +32447,7 @@
           <p:cNvPr id="3" name="Text Placeholder 2">
             <a:extLst>
               <a:ext uri="{FF2B5EF4-FFF2-40B4-BE49-F238E27FC236}">
-                <a16:creationId xmlns:a16="http://schemas.microsoft.com/office/drawing/2014/main" id="{7D0F7560-7895-1E4C-93E5-863F23F78976}"/>
+                <a16:creationId xmlns:a16="http://schemas.microsoft.com/office/drawing/2014/main" id="{C07C88D3-0BAE-8749-84FF-FD11C5D739E5}"/>
               </a:ext>
             </a:extLst>
           </p:cNvPr>
@@ -26225,7 +32470,7 @@
     </p:spTree>
     <p:extLst>
       <p:ext uri="{BB962C8B-B14F-4D97-AF65-F5344CB8AC3E}">
-        <p14:creationId xmlns:p14="http://schemas.microsoft.com/office/powerpoint/2010/main" val="223869305"/>
+        <p14:creationId xmlns:p14="http://schemas.microsoft.com/office/powerpoint/2010/main" val="2826624053"/>
       </p:ext>
     </p:extLst>
   </p:cSld>
@@ -26257,7 +32502,7 @@
           <p:cNvPr id="2" name="Title 1">
             <a:extLst>
               <a:ext uri="{FF2B5EF4-FFF2-40B4-BE49-F238E27FC236}">
-                <a16:creationId xmlns:a16="http://schemas.microsoft.com/office/drawing/2014/main" id="{BD3CC3C1-820E-1F4C-9494-4CA16BC01F49}"/>
+                <a16:creationId xmlns:a16="http://schemas.microsoft.com/office/drawing/2014/main" id="{6B5CDC5B-FC9D-9E42-ACCA-21C364287987}"/>
               </a:ext>
             </a:extLst>
           </p:cNvPr>
@@ -26275,15 +32520,40 @@
           <a:p>
             <a:r>
               <a:rPr lang="en-US" dirty="0"/>
-              <a:t>Part III: Load</a:t>
+              <a:t>Unpivoting Data</a:t>
             </a:r>
+          </a:p>
+        </p:txBody>
+      </p:sp>
+      <p:sp>
+        <p:nvSpPr>
+          <p:cNvPr id="3" name="Text Placeholder 2">
+            <a:extLst>
+              <a:ext uri="{FF2B5EF4-FFF2-40B4-BE49-F238E27FC236}">
+                <a16:creationId xmlns:a16="http://schemas.microsoft.com/office/drawing/2014/main" id="{7D0F7560-7895-1E4C-93E5-863F23F78976}"/>
+              </a:ext>
+            </a:extLst>
+          </p:cNvPr>
+          <p:cNvSpPr>
+            <a:spLocks noGrp="1"/>
+          </p:cNvSpPr>
+          <p:nvPr>
+            <p:ph type="body" sz="quarter" idx="10"/>
+          </p:nvPr>
+        </p:nvSpPr>
+        <p:spPr/>
+        <p:txBody>
+          <a:bodyPr/>
+          <a:lstStyle/>
+          <a:p>
+            <a:endParaRPr lang="en-US"/>
           </a:p>
         </p:txBody>
       </p:sp>
     </p:spTree>
     <p:extLst>
       <p:ext uri="{BB962C8B-B14F-4D97-AF65-F5344CB8AC3E}">
-        <p14:creationId xmlns:p14="http://schemas.microsoft.com/office/powerpoint/2010/main" val="2503839061"/>
+        <p14:creationId xmlns:p14="http://schemas.microsoft.com/office/powerpoint/2010/main" val="223869305"/>
       </p:ext>
     </p:extLst>
   </p:cSld>
@@ -26315,7 +32585,7 @@
           <p:cNvPr id="2" name="Title 1">
             <a:extLst>
               <a:ext uri="{FF2B5EF4-FFF2-40B4-BE49-F238E27FC236}">
-                <a16:creationId xmlns:a16="http://schemas.microsoft.com/office/drawing/2014/main" id="{C7183894-EC31-F440-9353-89759F05B3EB}"/>
+                <a16:creationId xmlns:a16="http://schemas.microsoft.com/office/drawing/2014/main" id="{BD3CC3C1-820E-1F4C-9494-4CA16BC01F49}"/>
               </a:ext>
             </a:extLst>
           </p:cNvPr>
@@ -26333,7 +32603,7 @@
           <a:p>
             <a:r>
               <a:rPr lang="en-US" dirty="0"/>
-              <a:t>Module 8: Output</a:t>
+              <a:t>Part III: Load</a:t>
             </a:r>
           </a:p>
         </p:txBody>
@@ -26341,7 +32611,7 @@
     </p:spTree>
     <p:extLst>
       <p:ext uri="{BB962C8B-B14F-4D97-AF65-F5344CB8AC3E}">
-        <p14:creationId xmlns:p14="http://schemas.microsoft.com/office/powerpoint/2010/main" val="2381891199"/>
+        <p14:creationId xmlns:p14="http://schemas.microsoft.com/office/powerpoint/2010/main" val="2503839061"/>
       </p:ext>
     </p:extLst>
   </p:cSld>
@@ -26373,7 +32643,7 @@
           <p:cNvPr id="2" name="Title 1">
             <a:extLst>
               <a:ext uri="{FF2B5EF4-FFF2-40B4-BE49-F238E27FC236}">
-                <a16:creationId xmlns:a16="http://schemas.microsoft.com/office/drawing/2014/main" id="{59A8E365-F14F-F541-8BE6-C2E2F4658199}"/>
+                <a16:creationId xmlns:a16="http://schemas.microsoft.com/office/drawing/2014/main" id="{C7183894-EC31-F440-9353-89759F05B3EB}"/>
               </a:ext>
             </a:extLst>
           </p:cNvPr>
@@ -26391,40 +32661,15 @@
           <a:p>
             <a:r>
               <a:rPr lang="en-US" dirty="0"/>
-              <a:t>Outputting to files</a:t>
+              <a:t>Module 8: Output</a:t>
             </a:r>
-          </a:p>
-        </p:txBody>
-      </p:sp>
-      <p:sp>
-        <p:nvSpPr>
-          <p:cNvPr id="3" name="Text Placeholder 2">
-            <a:extLst>
-              <a:ext uri="{FF2B5EF4-FFF2-40B4-BE49-F238E27FC236}">
-                <a16:creationId xmlns:a16="http://schemas.microsoft.com/office/drawing/2014/main" id="{6E648436-C250-D445-8FE2-389E92AF5047}"/>
-              </a:ext>
-            </a:extLst>
-          </p:cNvPr>
-          <p:cNvSpPr>
-            <a:spLocks noGrp="1"/>
-          </p:cNvSpPr>
-          <p:nvPr>
-            <p:ph type="body" sz="quarter" idx="10"/>
-          </p:nvPr>
-        </p:nvSpPr>
-        <p:spPr/>
-        <p:txBody>
-          <a:bodyPr/>
-          <a:lstStyle/>
-          <a:p>
-            <a:endParaRPr lang="en-US"/>
           </a:p>
         </p:txBody>
       </p:sp>
     </p:spTree>
     <p:extLst>
       <p:ext uri="{BB962C8B-B14F-4D97-AF65-F5344CB8AC3E}">
-        <p14:creationId xmlns:p14="http://schemas.microsoft.com/office/powerpoint/2010/main" val="3591092714"/>
+        <p14:creationId xmlns:p14="http://schemas.microsoft.com/office/powerpoint/2010/main" val="2381891199"/>
       </p:ext>
     </p:extLst>
   </p:cSld>
@@ -26456,7 +32701,7 @@
           <p:cNvPr id="2" name="Title 1">
             <a:extLst>
               <a:ext uri="{FF2B5EF4-FFF2-40B4-BE49-F238E27FC236}">
-                <a16:creationId xmlns:a16="http://schemas.microsoft.com/office/drawing/2014/main" id="{321139D9-EE71-5749-A7A3-8AC02267C975}"/>
+                <a16:creationId xmlns:a16="http://schemas.microsoft.com/office/drawing/2014/main" id="{59A8E365-F14F-F541-8BE6-C2E2F4658199}"/>
               </a:ext>
             </a:extLst>
           </p:cNvPr>
@@ -26474,7 +32719,7 @@
           <a:p>
             <a:r>
               <a:rPr lang="en-US" dirty="0"/>
-              <a:t>Outputting to other destinations</a:t>
+              <a:t>Outputting to files</a:t>
             </a:r>
           </a:p>
         </p:txBody>
@@ -26484,7 +32729,7 @@
           <p:cNvPr id="3" name="Text Placeholder 2">
             <a:extLst>
               <a:ext uri="{FF2B5EF4-FFF2-40B4-BE49-F238E27FC236}">
-                <a16:creationId xmlns:a16="http://schemas.microsoft.com/office/drawing/2014/main" id="{05636DDC-007A-D447-8410-CAD87BA30D78}"/>
+                <a16:creationId xmlns:a16="http://schemas.microsoft.com/office/drawing/2014/main" id="{6E648436-C250-D445-8FE2-389E92AF5047}"/>
               </a:ext>
             </a:extLst>
           </p:cNvPr>
@@ -26507,7 +32752,7 @@
     </p:spTree>
     <p:extLst>
       <p:ext uri="{BB962C8B-B14F-4D97-AF65-F5344CB8AC3E}">
-        <p14:creationId xmlns:p14="http://schemas.microsoft.com/office/powerpoint/2010/main" val="4121859749"/>
+        <p14:creationId xmlns:p14="http://schemas.microsoft.com/office/powerpoint/2010/main" val="3591092714"/>
       </p:ext>
     </p:extLst>
   </p:cSld>
@@ -26539,7 +32784,7 @@
           <p:cNvPr id="2" name="Title 1">
             <a:extLst>
               <a:ext uri="{FF2B5EF4-FFF2-40B4-BE49-F238E27FC236}">
-                <a16:creationId xmlns:a16="http://schemas.microsoft.com/office/drawing/2014/main" id="{BC13A45F-B701-6042-A1FC-E51DBE17F7A5}"/>
+                <a16:creationId xmlns:a16="http://schemas.microsoft.com/office/drawing/2014/main" id="{321139D9-EE71-5749-A7A3-8AC02267C975}"/>
               </a:ext>
             </a:extLst>
           </p:cNvPr>
@@ -26557,20 +32802,40 @@
           <a:p>
             <a:r>
               <a:rPr lang="en-US" dirty="0"/>
-              <a:t>Module 9: Prep Builder Conductor and Publishing Workflows</a:t>
+              <a:t>Outputting to other destinations</a:t>
             </a:r>
-            <a:r>
-              <a:rPr lang="en-US" baseline="0" dirty="0"/>
-              <a:t> to Tableau Server</a:t>
-            </a:r>
-            <a:endParaRPr lang="en-US" dirty="0"/>
+          </a:p>
+        </p:txBody>
+      </p:sp>
+      <p:sp>
+        <p:nvSpPr>
+          <p:cNvPr id="3" name="Text Placeholder 2">
+            <a:extLst>
+              <a:ext uri="{FF2B5EF4-FFF2-40B4-BE49-F238E27FC236}">
+                <a16:creationId xmlns:a16="http://schemas.microsoft.com/office/drawing/2014/main" id="{05636DDC-007A-D447-8410-CAD87BA30D78}"/>
+              </a:ext>
+            </a:extLst>
+          </p:cNvPr>
+          <p:cNvSpPr>
+            <a:spLocks noGrp="1"/>
+          </p:cNvSpPr>
+          <p:nvPr>
+            <p:ph type="body" sz="quarter" idx="10"/>
+          </p:nvPr>
+        </p:nvSpPr>
+        <p:spPr/>
+        <p:txBody>
+          <a:bodyPr/>
+          <a:lstStyle/>
+          <a:p>
+            <a:endParaRPr lang="en-US"/>
           </a:p>
         </p:txBody>
       </p:sp>
     </p:spTree>
     <p:extLst>
       <p:ext uri="{BB962C8B-B14F-4D97-AF65-F5344CB8AC3E}">
-        <p14:creationId xmlns:p14="http://schemas.microsoft.com/office/powerpoint/2010/main" val="4173510137"/>
+        <p14:creationId xmlns:p14="http://schemas.microsoft.com/office/powerpoint/2010/main" val="4121859749"/>
       </p:ext>
     </p:extLst>
   </p:cSld>
@@ -26599,39 +32864,18 @@
       </p:grpSpPr>
       <p:sp>
         <p:nvSpPr>
-          <p:cNvPr id="2" name="Title 1"/>
+          <p:cNvPr id="2" name="Title 1">
+            <a:extLst>
+              <a:ext uri="{FF2B5EF4-FFF2-40B4-BE49-F238E27FC236}">
+                <a16:creationId xmlns:a16="http://schemas.microsoft.com/office/drawing/2014/main" id="{BC13A45F-B701-6042-A1FC-E51DBE17F7A5}"/>
+              </a:ext>
+            </a:extLst>
+          </p:cNvPr>
           <p:cNvSpPr>
             <a:spLocks noGrp="1"/>
           </p:cNvSpPr>
           <p:nvPr>
             <p:ph type="title"/>
-          </p:nvPr>
-        </p:nvSpPr>
-        <p:spPr/>
-        <p:txBody>
-          <a:bodyPr>
-            <a:normAutofit/>
-          </a:bodyPr>
-          <a:lstStyle/>
-          <a:p>
-            <a:r>
-              <a:rPr lang="en-US" dirty="0"/>
-              <a:t>Tableau Prep Builder Conductor</a:t>
-            </a:r>
-          </a:p>
-          <a:p>
-            <a:endParaRPr lang="en-US" dirty="0"/>
-          </a:p>
-        </p:txBody>
-      </p:sp>
-      <p:sp>
-        <p:nvSpPr>
-          <p:cNvPr id="5" name="Text Placeholder 4"/>
-          <p:cNvSpPr>
-            <a:spLocks noGrp="1"/>
-          </p:cNvSpPr>
-          <p:nvPr>
-            <p:ph type="body" sz="quarter" idx="10"/>
           </p:nvPr>
         </p:nvSpPr>
         <p:spPr/>
@@ -26639,29 +32883,14 @@
           <a:bodyPr/>
           <a:lstStyle/>
           <a:p>
-            <a:endParaRPr lang="en-US"/>
-          </a:p>
-        </p:txBody>
-      </p:sp>
-      <p:sp>
-        <p:nvSpPr>
-          <p:cNvPr id="4" name="Slide Number Placeholder 3"/>
-          <p:cNvSpPr>
-            <a:spLocks noGrp="1"/>
-          </p:cNvSpPr>
-          <p:nvPr>
-            <p:ph type="sldNum" sz="quarter" idx="4294967295"/>
-          </p:nvPr>
-        </p:nvSpPr>
-        <p:spPr/>
-        <p:txBody>
-          <a:bodyPr/>
-          <a:lstStyle/>
-          <a:p>
-            <a:fld id="{4FAB73BC-B049-4115-A692-8D63A059BFB8}" type="slidenum">
-              <a:rPr lang="en-US" smtClean="0"/>
-              <a:t>89</a:t>
-            </a:fld>
+            <a:r>
+              <a:rPr lang="en-US" dirty="0"/>
+              <a:t>Module 9: Prep Builder Conductor and Publishing Workflows</a:t>
+            </a:r>
+            <a:r>
+              <a:rPr lang="en-US" baseline="0" dirty="0"/>
+              <a:t> to Tableau Server</a:t>
+            </a:r>
             <a:endParaRPr lang="en-US" dirty="0"/>
           </a:p>
         </p:txBody>
@@ -26669,7 +32898,7 @@
     </p:spTree>
     <p:extLst>
       <p:ext uri="{BB962C8B-B14F-4D97-AF65-F5344CB8AC3E}">
-        <p14:creationId xmlns:p14="http://schemas.microsoft.com/office/powerpoint/2010/main" val="3097242473"/>
+        <p14:creationId xmlns:p14="http://schemas.microsoft.com/office/powerpoint/2010/main" val="4173510137"/>
       </p:ext>
     </p:extLst>
   </p:cSld>
@@ -26805,7 +33034,7 @@
           <a:p>
             <a:r>
               <a:rPr lang="en-US" dirty="0"/>
-              <a:t>Publishing Workflows to Server (Discussed)</a:t>
+              <a:t>Tableau Prep Builder Conductor</a:t>
             </a:r>
           </a:p>
           <a:p>
@@ -26858,7 +33087,7 @@
     </p:spTree>
     <p:extLst>
       <p:ext uri="{BB962C8B-B14F-4D97-AF65-F5344CB8AC3E}">
-        <p14:creationId xmlns:p14="http://schemas.microsoft.com/office/powerpoint/2010/main" val="2246816309"/>
+        <p14:creationId xmlns:p14="http://schemas.microsoft.com/office/powerpoint/2010/main" val="3097242473"/>
       </p:ext>
     </p:extLst>
   </p:cSld>
@@ -26897,13 +33126,18 @@
         </p:nvSpPr>
         <p:spPr/>
         <p:txBody>
-          <a:bodyPr/>
+          <a:bodyPr>
+            <a:normAutofit/>
+          </a:bodyPr>
           <a:lstStyle/>
           <a:p>
             <a:r>
               <a:rPr lang="en-US" dirty="0"/>
-              <a:t>Scheduling Workflows to Server (Discussed)</a:t>
+              <a:t>Publishing Workflows to Server (Discussed)</a:t>
             </a:r>
+          </a:p>
+          <a:p>
+            <a:endParaRPr lang="en-US" dirty="0"/>
           </a:p>
         </p:txBody>
       </p:sp>
@@ -26952,7 +33186,7 @@
     </p:spTree>
     <p:extLst>
       <p:ext uri="{BB962C8B-B14F-4D97-AF65-F5344CB8AC3E}">
-        <p14:creationId xmlns:p14="http://schemas.microsoft.com/office/powerpoint/2010/main" val="2531394161"/>
+        <p14:creationId xmlns:p14="http://schemas.microsoft.com/office/powerpoint/2010/main" val="2246816309"/>
       </p:ext>
     </p:extLst>
   </p:cSld>
@@ -26981,6 +33215,100 @@
       </p:grpSpPr>
       <p:sp>
         <p:nvSpPr>
+          <p:cNvPr id="2" name="Title 1"/>
+          <p:cNvSpPr>
+            <a:spLocks noGrp="1"/>
+          </p:cNvSpPr>
+          <p:nvPr>
+            <p:ph type="title"/>
+          </p:nvPr>
+        </p:nvSpPr>
+        <p:spPr/>
+        <p:txBody>
+          <a:bodyPr/>
+          <a:lstStyle/>
+          <a:p>
+            <a:r>
+              <a:rPr lang="en-US" dirty="0"/>
+              <a:t>Scheduling Workflows to Server (Discussed)</a:t>
+            </a:r>
+          </a:p>
+        </p:txBody>
+      </p:sp>
+      <p:sp>
+        <p:nvSpPr>
+          <p:cNvPr id="5" name="Text Placeholder 4"/>
+          <p:cNvSpPr>
+            <a:spLocks noGrp="1"/>
+          </p:cNvSpPr>
+          <p:nvPr>
+            <p:ph type="body" sz="quarter" idx="10"/>
+          </p:nvPr>
+        </p:nvSpPr>
+        <p:spPr/>
+        <p:txBody>
+          <a:bodyPr/>
+          <a:lstStyle/>
+          <a:p>
+            <a:endParaRPr lang="en-US"/>
+          </a:p>
+        </p:txBody>
+      </p:sp>
+      <p:sp>
+        <p:nvSpPr>
+          <p:cNvPr id="4" name="Slide Number Placeholder 3"/>
+          <p:cNvSpPr>
+            <a:spLocks noGrp="1"/>
+          </p:cNvSpPr>
+          <p:nvPr>
+            <p:ph type="sldNum" sz="quarter" idx="4294967295"/>
+          </p:nvPr>
+        </p:nvSpPr>
+        <p:spPr/>
+        <p:txBody>
+          <a:bodyPr/>
+          <a:lstStyle/>
+          <a:p>
+            <a:fld id="{4FAB73BC-B049-4115-A692-8D63A059BFB8}" type="slidenum">
+              <a:rPr lang="en-US" smtClean="0"/>
+              <a:t>92</a:t>
+            </a:fld>
+            <a:endParaRPr lang="en-US" dirty="0"/>
+          </a:p>
+        </p:txBody>
+      </p:sp>
+    </p:spTree>
+    <p:extLst>
+      <p:ext uri="{BB962C8B-B14F-4D97-AF65-F5344CB8AC3E}">
+        <p14:creationId xmlns:p14="http://schemas.microsoft.com/office/powerpoint/2010/main" val="2531394161"/>
+      </p:ext>
+    </p:extLst>
+  </p:cSld>
+  <p:clrMapOvr>
+    <a:masterClrMapping/>
+  </p:clrMapOvr>
+</p:sld>
+</file>
+
+<file path=ppt/slides/slide93.xml><?xml version="1.0" encoding="utf-8"?>
+<p:sld xmlns:a="http://schemas.openxmlformats.org/drawingml/2006/main" xmlns:r="http://schemas.openxmlformats.org/officeDocument/2006/relationships" xmlns:p="http://schemas.openxmlformats.org/presentationml/2006/main">
+  <p:cSld>
+    <p:spTree>
+      <p:nvGrpSpPr>
+        <p:cNvPr id="1" name=""/>
+        <p:cNvGrpSpPr/>
+        <p:nvPr/>
+      </p:nvGrpSpPr>
+      <p:grpSpPr>
+        <a:xfrm>
+          <a:off x="0" y="0"/>
+          <a:ext cx="0" cy="0"/>
+          <a:chOff x="0" y="0"/>
+          <a:chExt cx="0" cy="0"/>
+        </a:xfrm>
+      </p:grpSpPr>
+      <p:sp>
+        <p:nvSpPr>
           <p:cNvPr id="2" name="Title 1">
             <a:extLst>
               <a:ext uri="{FF2B5EF4-FFF2-40B4-BE49-F238E27FC236}">
@@ -27020,7 +33348,7 @@
 </p:sld>
 </file>
 
-<file path=ppt/slides/slide93.xml><?xml version="1.0" encoding="utf-8"?>
+<file path=ppt/slides/slide94.xml><?xml version="1.0" encoding="utf-8"?>
 <p:sld xmlns:a="http://schemas.openxmlformats.org/drawingml/2006/main" xmlns:r="http://schemas.openxmlformats.org/officeDocument/2006/relationships" xmlns:p="http://schemas.openxmlformats.org/presentationml/2006/main">
   <p:cSld>
     <p:spTree>

--- a/ppt/TableauPrepBuilderIntroV1_1.pptx
+++ b/ppt/TableauPrepBuilderIntroV1_1.pptx
@@ -5,10 +5,10 @@
     <p:sldMasterId id="2147483660" r:id="rId4"/>
   </p:sldMasterIdLst>
   <p:notesMasterIdLst>
-    <p:notesMasterId r:id="rId99"/>
+    <p:notesMasterId r:id="rId101"/>
   </p:notesMasterIdLst>
   <p:handoutMasterIdLst>
-    <p:handoutMasterId r:id="rId100"/>
+    <p:handoutMasterId r:id="rId102"/>
   </p:handoutMasterIdLst>
   <p:sldIdLst>
     <p:sldId id="323" r:id="rId5"/>
@@ -72,39 +72,41 @@
     <p:sldId id="460" r:id="rId63"/>
     <p:sldId id="461" r:id="rId64"/>
     <p:sldId id="462" r:id="rId65"/>
-    <p:sldId id="463" r:id="rId66"/>
-    <p:sldId id="464" r:id="rId67"/>
-    <p:sldId id="465" r:id="rId68"/>
-    <p:sldId id="466" r:id="rId69"/>
-    <p:sldId id="467" r:id="rId70"/>
-    <p:sldId id="468" r:id="rId71"/>
-    <p:sldId id="469" r:id="rId72"/>
-    <p:sldId id="470" r:id="rId73"/>
-    <p:sldId id="471" r:id="rId74"/>
-    <p:sldId id="472" r:id="rId75"/>
-    <p:sldId id="473" r:id="rId76"/>
-    <p:sldId id="474" r:id="rId77"/>
-    <p:sldId id="475" r:id="rId78"/>
-    <p:sldId id="476" r:id="rId79"/>
-    <p:sldId id="477" r:id="rId80"/>
-    <p:sldId id="478" r:id="rId81"/>
-    <p:sldId id="479" r:id="rId82"/>
-    <p:sldId id="480" r:id="rId83"/>
-    <p:sldId id="481" r:id="rId84"/>
-    <p:sldId id="482" r:id="rId85"/>
-    <p:sldId id="483" r:id="rId86"/>
-    <p:sldId id="484" r:id="rId87"/>
-    <p:sldId id="485" r:id="rId88"/>
-    <p:sldId id="486" r:id="rId89"/>
-    <p:sldId id="487" r:id="rId90"/>
-    <p:sldId id="488" r:id="rId91"/>
-    <p:sldId id="489" r:id="rId92"/>
-    <p:sldId id="490" r:id="rId93"/>
-    <p:sldId id="382" r:id="rId94"/>
-    <p:sldId id="384" r:id="rId95"/>
-    <p:sldId id="385" r:id="rId96"/>
-    <p:sldId id="491" r:id="rId97"/>
-    <p:sldId id="340" r:id="rId98"/>
+    <p:sldId id="509" r:id="rId66"/>
+    <p:sldId id="463" r:id="rId67"/>
+    <p:sldId id="464" r:id="rId68"/>
+    <p:sldId id="465" r:id="rId69"/>
+    <p:sldId id="510" r:id="rId70"/>
+    <p:sldId id="466" r:id="rId71"/>
+    <p:sldId id="467" r:id="rId72"/>
+    <p:sldId id="468" r:id="rId73"/>
+    <p:sldId id="469" r:id="rId74"/>
+    <p:sldId id="470" r:id="rId75"/>
+    <p:sldId id="471" r:id="rId76"/>
+    <p:sldId id="472" r:id="rId77"/>
+    <p:sldId id="473" r:id="rId78"/>
+    <p:sldId id="474" r:id="rId79"/>
+    <p:sldId id="475" r:id="rId80"/>
+    <p:sldId id="476" r:id="rId81"/>
+    <p:sldId id="477" r:id="rId82"/>
+    <p:sldId id="478" r:id="rId83"/>
+    <p:sldId id="479" r:id="rId84"/>
+    <p:sldId id="480" r:id="rId85"/>
+    <p:sldId id="481" r:id="rId86"/>
+    <p:sldId id="482" r:id="rId87"/>
+    <p:sldId id="483" r:id="rId88"/>
+    <p:sldId id="484" r:id="rId89"/>
+    <p:sldId id="485" r:id="rId90"/>
+    <p:sldId id="486" r:id="rId91"/>
+    <p:sldId id="487" r:id="rId92"/>
+    <p:sldId id="488" r:id="rId93"/>
+    <p:sldId id="489" r:id="rId94"/>
+    <p:sldId id="490" r:id="rId95"/>
+    <p:sldId id="382" r:id="rId96"/>
+    <p:sldId id="384" r:id="rId97"/>
+    <p:sldId id="385" r:id="rId98"/>
+    <p:sldId id="491" r:id="rId99"/>
+    <p:sldId id="340" r:id="rId100"/>
   </p:sldIdLst>
   <p:sldSz cx="12192000" cy="6858000"/>
   <p:notesSz cx="9309100" cy="7053263"/>
@@ -315,9 +317,11 @@
             <p14:sldId id="460"/>
             <p14:sldId id="461"/>
             <p14:sldId id="462"/>
+            <p14:sldId id="509"/>
             <p14:sldId id="463"/>
             <p14:sldId id="464"/>
             <p14:sldId id="465"/>
+            <p14:sldId id="510"/>
           </p14:sldIdLst>
         </p14:section>
         <p14:section name="Module 5: Auditing &amp; Cleaning" id="{1BF98B12-6C3E-CE45-BB0A-8F1232F299D9}">
@@ -2961,7 +2965,7 @@
     </p:spTree>
     <p:extLst>
       <p:ext uri="{BB962C8B-B14F-4D97-AF65-F5344CB8AC3E}">
-        <p14:creationId xmlns:p14="http://schemas.microsoft.com/office/powerpoint/2010/main" val="3370475632"/>
+        <p14:creationId xmlns:p14="http://schemas.microsoft.com/office/powerpoint/2010/main" val="850525088"/>
       </p:ext>
     </p:extLst>
   </p:cSld>
@@ -3051,7 +3055,7 @@
     </p:spTree>
     <p:extLst>
       <p:ext uri="{BB962C8B-B14F-4D97-AF65-F5344CB8AC3E}">
-        <p14:creationId xmlns:p14="http://schemas.microsoft.com/office/powerpoint/2010/main" val="2027347697"/>
+        <p14:creationId xmlns:p14="http://schemas.microsoft.com/office/powerpoint/2010/main" val="3370475632"/>
       </p:ext>
     </p:extLst>
   </p:cSld>
@@ -3105,7 +3109,7 @@
           <a:bodyPr/>
           <a:lstStyle/>
           <a:p>
-            <a:endParaRPr lang="en-US"/>
+            <a:endParaRPr lang="en-US" dirty="0"/>
           </a:p>
         </p:txBody>
       </p:sp>
@@ -3141,7 +3145,7 @@
     </p:spTree>
     <p:extLst>
       <p:ext uri="{BB962C8B-B14F-4D97-AF65-F5344CB8AC3E}">
-        <p14:creationId xmlns:p14="http://schemas.microsoft.com/office/powerpoint/2010/main" val="3289162822"/>
+        <p14:creationId xmlns:p14="http://schemas.microsoft.com/office/powerpoint/2010/main" val="2027347697"/>
       </p:ext>
     </p:extLst>
   </p:cSld>
@@ -3432,7 +3436,7 @@
     </p:spTree>
     <p:extLst>
       <p:ext uri="{BB962C8B-B14F-4D97-AF65-F5344CB8AC3E}">
-        <p14:creationId xmlns:p14="http://schemas.microsoft.com/office/powerpoint/2010/main" val="1707111951"/>
+        <p14:creationId xmlns:p14="http://schemas.microsoft.com/office/powerpoint/2010/main" val="3289162822"/>
       </p:ext>
     </p:extLst>
   </p:cSld>
@@ -3513,7 +3517,7 @@
               <a:pPr>
                 <a:defRPr/>
               </a:pPr>
-              <a:t>66</a:t>
+              <a:t>67</a:t>
             </a:fld>
             <a:endParaRPr lang="en-US"/>
           </a:p>
@@ -3522,7 +3526,7 @@
     </p:spTree>
     <p:extLst>
       <p:ext uri="{BB962C8B-B14F-4D97-AF65-F5344CB8AC3E}">
-        <p14:creationId xmlns:p14="http://schemas.microsoft.com/office/powerpoint/2010/main" val="2320931639"/>
+        <p14:creationId xmlns:p14="http://schemas.microsoft.com/office/powerpoint/2010/main" val="1707111951"/>
       </p:ext>
     </p:extLst>
   </p:cSld>
@@ -3603,7 +3607,7 @@
               <a:pPr>
                 <a:defRPr/>
               </a:pPr>
-              <a:t>67</a:t>
+              <a:t>68</a:t>
             </a:fld>
             <a:endParaRPr lang="en-US"/>
           </a:p>
@@ -3612,7 +3616,7 @@
     </p:spTree>
     <p:extLst>
       <p:ext uri="{BB962C8B-B14F-4D97-AF65-F5344CB8AC3E}">
-        <p14:creationId xmlns:p14="http://schemas.microsoft.com/office/powerpoint/2010/main" val="743050426"/>
+        <p14:creationId xmlns:p14="http://schemas.microsoft.com/office/powerpoint/2010/main" val="2320931639"/>
       </p:ext>
     </p:extLst>
   </p:cSld>
@@ -3693,7 +3697,7 @@
               <a:pPr>
                 <a:defRPr/>
               </a:pPr>
-              <a:t>68</a:t>
+              <a:t>69</a:t>
             </a:fld>
             <a:endParaRPr lang="en-US"/>
           </a:p>
@@ -3702,7 +3706,7 @@
     </p:spTree>
     <p:extLst>
       <p:ext uri="{BB962C8B-B14F-4D97-AF65-F5344CB8AC3E}">
-        <p14:creationId xmlns:p14="http://schemas.microsoft.com/office/powerpoint/2010/main" val="1198822033"/>
+        <p14:creationId xmlns:p14="http://schemas.microsoft.com/office/powerpoint/2010/main" val="743050426"/>
       </p:ext>
     </p:extLst>
   </p:cSld>
@@ -3783,7 +3787,7 @@
               <a:pPr>
                 <a:defRPr/>
               </a:pPr>
-              <a:t>69</a:t>
+              <a:t>70</a:t>
             </a:fld>
             <a:endParaRPr lang="en-US"/>
           </a:p>
@@ -3792,7 +3796,7 @@
     </p:spTree>
     <p:extLst>
       <p:ext uri="{BB962C8B-B14F-4D97-AF65-F5344CB8AC3E}">
-        <p14:creationId xmlns:p14="http://schemas.microsoft.com/office/powerpoint/2010/main" val="3787952476"/>
+        <p14:creationId xmlns:p14="http://schemas.microsoft.com/office/powerpoint/2010/main" val="1198822033"/>
       </p:ext>
     </p:extLst>
   </p:cSld>
@@ -3873,7 +3877,7 @@
               <a:pPr>
                 <a:defRPr/>
               </a:pPr>
-              <a:t>70</a:t>
+              <a:t>71</a:t>
             </a:fld>
             <a:endParaRPr lang="en-US"/>
           </a:p>
@@ -3882,7 +3886,7 @@
     </p:spTree>
     <p:extLst>
       <p:ext uri="{BB962C8B-B14F-4D97-AF65-F5344CB8AC3E}">
-        <p14:creationId xmlns:p14="http://schemas.microsoft.com/office/powerpoint/2010/main" val="3853021930"/>
+        <p14:creationId xmlns:p14="http://schemas.microsoft.com/office/powerpoint/2010/main" val="3787952476"/>
       </p:ext>
     </p:extLst>
   </p:cSld>
@@ -3963,7 +3967,7 @@
               <a:pPr>
                 <a:defRPr/>
               </a:pPr>
-              <a:t>71</a:t>
+              <a:t>72</a:t>
             </a:fld>
             <a:endParaRPr lang="en-US"/>
           </a:p>
@@ -3972,7 +3976,7 @@
     </p:spTree>
     <p:extLst>
       <p:ext uri="{BB962C8B-B14F-4D97-AF65-F5344CB8AC3E}">
-        <p14:creationId xmlns:p14="http://schemas.microsoft.com/office/powerpoint/2010/main" val="1670999290"/>
+        <p14:creationId xmlns:p14="http://schemas.microsoft.com/office/powerpoint/2010/main" val="3853021930"/>
       </p:ext>
     </p:extLst>
   </p:cSld>
@@ -4053,7 +4057,7 @@
               <a:pPr>
                 <a:defRPr/>
               </a:pPr>
-              <a:t>72</a:t>
+              <a:t>73</a:t>
             </a:fld>
             <a:endParaRPr lang="en-US"/>
           </a:p>
@@ -4062,7 +4066,7 @@
     </p:spTree>
     <p:extLst>
       <p:ext uri="{BB962C8B-B14F-4D97-AF65-F5344CB8AC3E}">
-        <p14:creationId xmlns:p14="http://schemas.microsoft.com/office/powerpoint/2010/main" val="3590296749"/>
+        <p14:creationId xmlns:p14="http://schemas.microsoft.com/office/powerpoint/2010/main" val="1670999290"/>
       </p:ext>
     </p:extLst>
   </p:cSld>
@@ -4143,7 +4147,7 @@
               <a:pPr>
                 <a:defRPr/>
               </a:pPr>
-              <a:t>73</a:t>
+              <a:t>74</a:t>
             </a:fld>
             <a:endParaRPr lang="en-US"/>
           </a:p>
@@ -4152,7 +4156,7 @@
     </p:spTree>
     <p:extLst>
       <p:ext uri="{BB962C8B-B14F-4D97-AF65-F5344CB8AC3E}">
-        <p14:creationId xmlns:p14="http://schemas.microsoft.com/office/powerpoint/2010/main" val="712519063"/>
+        <p14:creationId xmlns:p14="http://schemas.microsoft.com/office/powerpoint/2010/main" val="3590296749"/>
       </p:ext>
     </p:extLst>
   </p:cSld>
@@ -4233,7 +4237,7 @@
               <a:pPr>
                 <a:defRPr/>
               </a:pPr>
-              <a:t>74</a:t>
+              <a:t>75</a:t>
             </a:fld>
             <a:endParaRPr lang="en-US"/>
           </a:p>
@@ -4242,7 +4246,7 @@
     </p:spTree>
     <p:extLst>
       <p:ext uri="{BB962C8B-B14F-4D97-AF65-F5344CB8AC3E}">
-        <p14:creationId xmlns:p14="http://schemas.microsoft.com/office/powerpoint/2010/main" val="2190682706"/>
+        <p14:creationId xmlns:p14="http://schemas.microsoft.com/office/powerpoint/2010/main" val="712519063"/>
       </p:ext>
     </p:extLst>
   </p:cSld>
@@ -4413,7 +4417,7 @@
               <a:pPr>
                 <a:defRPr/>
               </a:pPr>
-              <a:t>75</a:t>
+              <a:t>76</a:t>
             </a:fld>
             <a:endParaRPr lang="en-US"/>
           </a:p>
@@ -4422,7 +4426,7 @@
     </p:spTree>
     <p:extLst>
       <p:ext uri="{BB962C8B-B14F-4D97-AF65-F5344CB8AC3E}">
-        <p14:creationId xmlns:p14="http://schemas.microsoft.com/office/powerpoint/2010/main" val="1765388918"/>
+        <p14:creationId xmlns:p14="http://schemas.microsoft.com/office/powerpoint/2010/main" val="2190682706"/>
       </p:ext>
     </p:extLst>
   </p:cSld>
@@ -4503,7 +4507,7 @@
               <a:pPr>
                 <a:defRPr/>
               </a:pPr>
-              <a:t>76</a:t>
+              <a:t>77</a:t>
             </a:fld>
             <a:endParaRPr lang="en-US"/>
           </a:p>
@@ -4512,7 +4516,7 @@
     </p:spTree>
     <p:extLst>
       <p:ext uri="{BB962C8B-B14F-4D97-AF65-F5344CB8AC3E}">
-        <p14:creationId xmlns:p14="http://schemas.microsoft.com/office/powerpoint/2010/main" val="3681254223"/>
+        <p14:creationId xmlns:p14="http://schemas.microsoft.com/office/powerpoint/2010/main" val="1765388918"/>
       </p:ext>
     </p:extLst>
   </p:cSld>
@@ -4593,7 +4597,7 @@
               <a:pPr>
                 <a:defRPr/>
               </a:pPr>
-              <a:t>77</a:t>
+              <a:t>78</a:t>
             </a:fld>
             <a:endParaRPr lang="en-US"/>
           </a:p>
@@ -4602,7 +4606,7 @@
     </p:spTree>
     <p:extLst>
       <p:ext uri="{BB962C8B-B14F-4D97-AF65-F5344CB8AC3E}">
-        <p14:creationId xmlns:p14="http://schemas.microsoft.com/office/powerpoint/2010/main" val="1303845855"/>
+        <p14:creationId xmlns:p14="http://schemas.microsoft.com/office/powerpoint/2010/main" val="3681254223"/>
       </p:ext>
     </p:extLst>
   </p:cSld>
@@ -4683,7 +4687,7 @@
               <a:pPr>
                 <a:defRPr/>
               </a:pPr>
-              <a:t>78</a:t>
+              <a:t>79</a:t>
             </a:fld>
             <a:endParaRPr lang="en-US"/>
           </a:p>
@@ -4692,7 +4696,7 @@
     </p:spTree>
     <p:extLst>
       <p:ext uri="{BB962C8B-B14F-4D97-AF65-F5344CB8AC3E}">
-        <p14:creationId xmlns:p14="http://schemas.microsoft.com/office/powerpoint/2010/main" val="1264308137"/>
+        <p14:creationId xmlns:p14="http://schemas.microsoft.com/office/powerpoint/2010/main" val="1303845855"/>
       </p:ext>
     </p:extLst>
   </p:cSld>
@@ -4773,7 +4777,7 @@
               <a:pPr>
                 <a:defRPr/>
               </a:pPr>
-              <a:t>79</a:t>
+              <a:t>80</a:t>
             </a:fld>
             <a:endParaRPr lang="en-US"/>
           </a:p>
@@ -4782,7 +4786,7 @@
     </p:spTree>
     <p:extLst>
       <p:ext uri="{BB962C8B-B14F-4D97-AF65-F5344CB8AC3E}">
-        <p14:creationId xmlns:p14="http://schemas.microsoft.com/office/powerpoint/2010/main" val="3339491410"/>
+        <p14:creationId xmlns:p14="http://schemas.microsoft.com/office/powerpoint/2010/main" val="1264308137"/>
       </p:ext>
     </p:extLst>
   </p:cSld>
@@ -4863,7 +4867,7 @@
               <a:pPr>
                 <a:defRPr/>
               </a:pPr>
-              <a:t>80</a:t>
+              <a:t>81</a:t>
             </a:fld>
             <a:endParaRPr lang="en-US"/>
           </a:p>
@@ -4872,7 +4876,7 @@
     </p:spTree>
     <p:extLst>
       <p:ext uri="{BB962C8B-B14F-4D97-AF65-F5344CB8AC3E}">
-        <p14:creationId xmlns:p14="http://schemas.microsoft.com/office/powerpoint/2010/main" val="2158574328"/>
+        <p14:creationId xmlns:p14="http://schemas.microsoft.com/office/powerpoint/2010/main" val="3339491410"/>
       </p:ext>
     </p:extLst>
   </p:cSld>
@@ -4953,7 +4957,7 @@
               <a:pPr>
                 <a:defRPr/>
               </a:pPr>
-              <a:t>81</a:t>
+              <a:t>82</a:t>
             </a:fld>
             <a:endParaRPr lang="en-US"/>
           </a:p>
@@ -4962,7 +4966,7 @@
     </p:spTree>
     <p:extLst>
       <p:ext uri="{BB962C8B-B14F-4D97-AF65-F5344CB8AC3E}">
-        <p14:creationId xmlns:p14="http://schemas.microsoft.com/office/powerpoint/2010/main" val="2988952496"/>
+        <p14:creationId xmlns:p14="http://schemas.microsoft.com/office/powerpoint/2010/main" val="2158574328"/>
       </p:ext>
     </p:extLst>
   </p:cSld>
@@ -5043,7 +5047,7 @@
               <a:pPr>
                 <a:defRPr/>
               </a:pPr>
-              <a:t>82</a:t>
+              <a:t>83</a:t>
             </a:fld>
             <a:endParaRPr lang="en-US"/>
           </a:p>
@@ -5052,7 +5056,7 @@
     </p:spTree>
     <p:extLst>
       <p:ext uri="{BB962C8B-B14F-4D97-AF65-F5344CB8AC3E}">
-        <p14:creationId xmlns:p14="http://schemas.microsoft.com/office/powerpoint/2010/main" val="3864465609"/>
+        <p14:creationId xmlns:p14="http://schemas.microsoft.com/office/powerpoint/2010/main" val="2988952496"/>
       </p:ext>
     </p:extLst>
   </p:cSld>
@@ -5133,7 +5137,7 @@
               <a:pPr>
                 <a:defRPr/>
               </a:pPr>
-              <a:t>83</a:t>
+              <a:t>84</a:t>
             </a:fld>
             <a:endParaRPr lang="en-US"/>
           </a:p>
@@ -5142,7 +5146,7 @@
     </p:spTree>
     <p:extLst>
       <p:ext uri="{BB962C8B-B14F-4D97-AF65-F5344CB8AC3E}">
-        <p14:creationId xmlns:p14="http://schemas.microsoft.com/office/powerpoint/2010/main" val="953775842"/>
+        <p14:creationId xmlns:p14="http://schemas.microsoft.com/office/powerpoint/2010/main" val="3864465609"/>
       </p:ext>
     </p:extLst>
   </p:cSld>
@@ -5223,7 +5227,7 @@
               <a:pPr>
                 <a:defRPr/>
               </a:pPr>
-              <a:t>84</a:t>
+              <a:t>85</a:t>
             </a:fld>
             <a:endParaRPr lang="en-US"/>
           </a:p>
@@ -5232,7 +5236,7 @@
     </p:spTree>
     <p:extLst>
       <p:ext uri="{BB962C8B-B14F-4D97-AF65-F5344CB8AC3E}">
-        <p14:creationId xmlns:p14="http://schemas.microsoft.com/office/powerpoint/2010/main" val="1019394216"/>
+        <p14:creationId xmlns:p14="http://schemas.microsoft.com/office/powerpoint/2010/main" val="953775842"/>
       </p:ext>
     </p:extLst>
   </p:cSld>
@@ -5403,7 +5407,7 @@
               <a:pPr>
                 <a:defRPr/>
               </a:pPr>
-              <a:t>85</a:t>
+              <a:t>86</a:t>
             </a:fld>
             <a:endParaRPr lang="en-US"/>
           </a:p>
@@ -5412,7 +5416,7 @@
     </p:spTree>
     <p:extLst>
       <p:ext uri="{BB962C8B-B14F-4D97-AF65-F5344CB8AC3E}">
-        <p14:creationId xmlns:p14="http://schemas.microsoft.com/office/powerpoint/2010/main" val="1364635203"/>
+        <p14:creationId xmlns:p14="http://schemas.microsoft.com/office/powerpoint/2010/main" val="1019394216"/>
       </p:ext>
     </p:extLst>
   </p:cSld>
@@ -5493,7 +5497,7 @@
               <a:pPr>
                 <a:defRPr/>
               </a:pPr>
-              <a:t>86</a:t>
+              <a:t>87</a:t>
             </a:fld>
             <a:endParaRPr lang="en-US"/>
           </a:p>
@@ -5502,7 +5506,7 @@
     </p:spTree>
     <p:extLst>
       <p:ext uri="{BB962C8B-B14F-4D97-AF65-F5344CB8AC3E}">
-        <p14:creationId xmlns:p14="http://schemas.microsoft.com/office/powerpoint/2010/main" val="613960579"/>
+        <p14:creationId xmlns:p14="http://schemas.microsoft.com/office/powerpoint/2010/main" val="1364635203"/>
       </p:ext>
     </p:extLst>
   </p:cSld>
@@ -5583,7 +5587,7 @@
               <a:pPr>
                 <a:defRPr/>
               </a:pPr>
-              <a:t>87</a:t>
+              <a:t>88</a:t>
             </a:fld>
             <a:endParaRPr lang="en-US"/>
           </a:p>
@@ -5592,7 +5596,7 @@
     </p:spTree>
     <p:extLst>
       <p:ext uri="{BB962C8B-B14F-4D97-AF65-F5344CB8AC3E}">
-        <p14:creationId xmlns:p14="http://schemas.microsoft.com/office/powerpoint/2010/main" val="1035260990"/>
+        <p14:creationId xmlns:p14="http://schemas.microsoft.com/office/powerpoint/2010/main" val="613960579"/>
       </p:ext>
     </p:extLst>
   </p:cSld>
@@ -5673,7 +5677,7 @@
               <a:pPr>
                 <a:defRPr/>
               </a:pPr>
-              <a:t>88</a:t>
+              <a:t>89</a:t>
             </a:fld>
             <a:endParaRPr lang="en-US"/>
           </a:p>
@@ -5682,7 +5686,7 @@
     </p:spTree>
     <p:extLst>
       <p:ext uri="{BB962C8B-B14F-4D97-AF65-F5344CB8AC3E}">
-        <p14:creationId xmlns:p14="http://schemas.microsoft.com/office/powerpoint/2010/main" val="1150337588"/>
+        <p14:creationId xmlns:p14="http://schemas.microsoft.com/office/powerpoint/2010/main" val="1035260990"/>
       </p:ext>
     </p:extLst>
   </p:cSld>
@@ -5763,7 +5767,7 @@
               <a:pPr>
                 <a:defRPr/>
               </a:pPr>
-              <a:t>89</a:t>
+              <a:t>90</a:t>
             </a:fld>
             <a:endParaRPr lang="en-US"/>
           </a:p>
@@ -5772,7 +5776,7 @@
     </p:spTree>
     <p:extLst>
       <p:ext uri="{BB962C8B-B14F-4D97-AF65-F5344CB8AC3E}">
-        <p14:creationId xmlns:p14="http://schemas.microsoft.com/office/powerpoint/2010/main" val="1092060189"/>
+        <p14:creationId xmlns:p14="http://schemas.microsoft.com/office/powerpoint/2010/main" val="1150337588"/>
       </p:ext>
     </p:extLst>
   </p:cSld>
@@ -5853,7 +5857,7 @@
               <a:pPr>
                 <a:defRPr/>
               </a:pPr>
-              <a:t>90</a:t>
+              <a:t>91</a:t>
             </a:fld>
             <a:endParaRPr lang="en-US"/>
           </a:p>
@@ -5862,7 +5866,7 @@
     </p:spTree>
     <p:extLst>
       <p:ext uri="{BB962C8B-B14F-4D97-AF65-F5344CB8AC3E}">
-        <p14:creationId xmlns:p14="http://schemas.microsoft.com/office/powerpoint/2010/main" val="3916772145"/>
+        <p14:creationId xmlns:p14="http://schemas.microsoft.com/office/powerpoint/2010/main" val="1092060189"/>
       </p:ext>
     </p:extLst>
   </p:cSld>
@@ -5943,7 +5947,7 @@
               <a:pPr>
                 <a:defRPr/>
               </a:pPr>
-              <a:t>91</a:t>
+              <a:t>92</a:t>
             </a:fld>
             <a:endParaRPr lang="en-US"/>
           </a:p>
@@ -5952,7 +5956,7 @@
     </p:spTree>
     <p:extLst>
       <p:ext uri="{BB962C8B-B14F-4D97-AF65-F5344CB8AC3E}">
-        <p14:creationId xmlns:p14="http://schemas.microsoft.com/office/powerpoint/2010/main" val="3016050643"/>
+        <p14:creationId xmlns:p14="http://schemas.microsoft.com/office/powerpoint/2010/main" val="3916772145"/>
       </p:ext>
     </p:extLst>
   </p:cSld>
@@ -6033,7 +6037,7 @@
               <a:pPr>
                 <a:defRPr/>
               </a:pPr>
-              <a:t>92</a:t>
+              <a:t>93</a:t>
             </a:fld>
             <a:endParaRPr lang="en-US"/>
           </a:p>
@@ -6042,7 +6046,7 @@
     </p:spTree>
     <p:extLst>
       <p:ext uri="{BB962C8B-B14F-4D97-AF65-F5344CB8AC3E}">
-        <p14:creationId xmlns:p14="http://schemas.microsoft.com/office/powerpoint/2010/main" val="1940669753"/>
+        <p14:creationId xmlns:p14="http://schemas.microsoft.com/office/powerpoint/2010/main" val="3016050643"/>
       </p:ext>
     </p:extLst>
   </p:cSld>
@@ -6123,7 +6127,7 @@
               <a:pPr>
                 <a:defRPr/>
               </a:pPr>
-              <a:t>93</a:t>
+              <a:t>94</a:t>
             </a:fld>
             <a:endParaRPr lang="en-US"/>
           </a:p>
@@ -6132,7 +6136,7 @@
     </p:spTree>
     <p:extLst>
       <p:ext uri="{BB962C8B-B14F-4D97-AF65-F5344CB8AC3E}">
-        <p14:creationId xmlns:p14="http://schemas.microsoft.com/office/powerpoint/2010/main" val="4194155776"/>
+        <p14:creationId xmlns:p14="http://schemas.microsoft.com/office/powerpoint/2010/main" val="1940669753"/>
       </p:ext>
     </p:extLst>
   </p:cSld>
@@ -6213,7 +6217,7 @@
               <a:pPr>
                 <a:defRPr/>
               </a:pPr>
-              <a:t>94</a:t>
+              <a:t>95</a:t>
             </a:fld>
             <a:endParaRPr lang="en-US"/>
           </a:p>
@@ -6222,7 +6226,7 @@
     </p:spTree>
     <p:extLst>
       <p:ext uri="{BB962C8B-B14F-4D97-AF65-F5344CB8AC3E}">
-        <p14:creationId xmlns:p14="http://schemas.microsoft.com/office/powerpoint/2010/main" val="1970074558"/>
+        <p14:creationId xmlns:p14="http://schemas.microsoft.com/office/powerpoint/2010/main" val="4194155776"/>
       </p:ext>
     </p:extLst>
   </p:cSld>
@@ -6313,6 +6317,96 @@
     <p:extLst>
       <p:ext uri="{BB962C8B-B14F-4D97-AF65-F5344CB8AC3E}">
         <p14:creationId xmlns:p14="http://schemas.microsoft.com/office/powerpoint/2010/main" val="3269223212"/>
+      </p:ext>
+    </p:extLst>
+  </p:cSld>
+  <p:clrMapOvr>
+    <a:masterClrMapping/>
+  </p:clrMapOvr>
+</p:notes>
+</file>
+
+<file path=ppt/notesSlides/notesSlide60.xml><?xml version="1.0" encoding="utf-8"?>
+<p:notes xmlns:a="http://schemas.openxmlformats.org/drawingml/2006/main" xmlns:r="http://schemas.openxmlformats.org/officeDocument/2006/relationships" xmlns:p="http://schemas.openxmlformats.org/presentationml/2006/main">
+  <p:cSld>
+    <p:spTree>
+      <p:nvGrpSpPr>
+        <p:cNvPr id="1" name=""/>
+        <p:cNvGrpSpPr/>
+        <p:nvPr/>
+      </p:nvGrpSpPr>
+      <p:grpSpPr>
+        <a:xfrm>
+          <a:off x="0" y="0"/>
+          <a:ext cx="0" cy="0"/>
+          <a:chOff x="0" y="0"/>
+          <a:chExt cx="0" cy="0"/>
+        </a:xfrm>
+      </p:grpSpPr>
+      <p:sp>
+        <p:nvSpPr>
+          <p:cNvPr id="2" name="Slide Image Placeholder 1"/>
+          <p:cNvSpPr>
+            <a:spLocks noGrp="1" noRot="1" noChangeAspect="1"/>
+          </p:cNvSpPr>
+          <p:nvPr>
+            <p:ph type="sldImg"/>
+          </p:nvPr>
+        </p:nvSpPr>
+        <p:spPr/>
+      </p:sp>
+      <p:sp>
+        <p:nvSpPr>
+          <p:cNvPr id="3" name="Notes Placeholder 2"/>
+          <p:cNvSpPr>
+            <a:spLocks noGrp="1"/>
+          </p:cNvSpPr>
+          <p:nvPr>
+            <p:ph type="body" idx="1"/>
+          </p:nvPr>
+        </p:nvSpPr>
+        <p:spPr/>
+        <p:txBody>
+          <a:bodyPr/>
+          <a:lstStyle/>
+          <a:p>
+            <a:endParaRPr lang="en-US"/>
+          </a:p>
+        </p:txBody>
+      </p:sp>
+      <p:sp>
+        <p:nvSpPr>
+          <p:cNvPr id="4" name="Slide Number Placeholder 3"/>
+          <p:cNvSpPr>
+            <a:spLocks noGrp="1"/>
+          </p:cNvSpPr>
+          <p:nvPr>
+            <p:ph type="sldNum" sz="quarter" idx="5"/>
+          </p:nvPr>
+        </p:nvSpPr>
+        <p:spPr/>
+        <p:txBody>
+          <a:bodyPr/>
+          <a:lstStyle/>
+          <a:p>
+            <a:pPr>
+              <a:defRPr/>
+            </a:pPr>
+            <a:fld id="{673C55C6-0635-4FFD-BEAC-5E6F89DDB24B}" type="slidenum">
+              <a:rPr lang="en-US" smtClean="0"/>
+              <a:pPr>
+                <a:defRPr/>
+              </a:pPr>
+              <a:t>96</a:t>
+            </a:fld>
+            <a:endParaRPr lang="en-US"/>
+          </a:p>
+        </p:txBody>
+      </p:sp>
+    </p:spTree>
+    <p:extLst>
+      <p:ext uri="{BB962C8B-B14F-4D97-AF65-F5344CB8AC3E}">
+        <p14:creationId xmlns:p14="http://schemas.microsoft.com/office/powerpoint/2010/main" val="1970074558"/>
       </p:ext>
     </p:extLst>
   </p:cSld>
@@ -29776,12 +29870,33 @@
             <p:ph type="body" sz="quarter" idx="10"/>
           </p:nvPr>
         </p:nvSpPr>
-        <p:spPr/>
+        <p:spPr>
+          <a:xfrm>
+            <a:off x="762000" y="1752600"/>
+            <a:ext cx="7391400" cy="3733800"/>
+          </a:xfrm>
+        </p:spPr>
         <p:txBody>
           <a:bodyPr/>
           <a:lstStyle/>
           <a:p>
-            <a:endParaRPr lang="en-US"/>
+            <a:r>
+              <a:rPr lang="en-US" dirty="0"/>
+              <a:t>Only keep rows that match in both tables</a:t>
+            </a:r>
+          </a:p>
+          <a:p>
+            <a:pPr lvl="1"/>
+            <a:r>
+              <a:rPr lang="en-US" dirty="0"/>
+              <a:t>Unrelated records on both sides will be excluded</a:t>
+            </a:r>
+          </a:p>
+          <a:p>
+            <a:r>
+              <a:rPr lang="en-US" dirty="0"/>
+              <a:t>E.g., “All products for which there were sales, and the corresponding sales information.” </a:t>
+            </a:r>
           </a:p>
         </p:txBody>
       </p:sp>
@@ -29800,7 +29915,7 @@
           <p:nvPr/>
         </p:nvPicPr>
         <p:blipFill>
-          <a:blip r:embed="rId3">
+          <a:blip r:embed="rId3" cstate="print">
             <a:extLst>
               <a:ext uri="{28A0092B-C50C-407E-A947-70E740481C1C}">
                 <a14:useLocalDpi xmlns:a14="http://schemas.microsoft.com/office/drawing/2010/main" val="0"/>
@@ -29813,8 +29928,38 @@
         </p:blipFill>
         <p:spPr>
           <a:xfrm>
-            <a:off x="6648450" y="2052637"/>
-            <a:ext cx="4781550" cy="3133725"/>
+            <a:off x="3581400" y="429841"/>
+            <a:ext cx="1409758" cy="923925"/>
+          </a:xfrm>
+          <a:prstGeom prst="rect">
+            <a:avLst/>
+          </a:prstGeom>
+        </p:spPr>
+      </p:pic>
+      <p:pic>
+        <p:nvPicPr>
+          <p:cNvPr id="2" name="Picture 1">
+            <a:extLst>
+              <a:ext uri="{FF2B5EF4-FFF2-40B4-BE49-F238E27FC236}">
+                <a16:creationId xmlns:a16="http://schemas.microsoft.com/office/drawing/2014/main" id="{78DD1273-E254-4428-8342-8C732B47A283}"/>
+              </a:ext>
+            </a:extLst>
+          </p:cNvPr>
+          <p:cNvPicPr>
+            <a:picLocks noChangeAspect="1"/>
+          </p:cNvPicPr>
+          <p:nvPr/>
+        </p:nvPicPr>
+        <p:blipFill>
+          <a:blip r:embed="rId4"/>
+          <a:stretch>
+            <a:fillRect/>
+          </a:stretch>
+        </p:blipFill>
+        <p:spPr>
+          <a:xfrm>
+            <a:off x="8219627" y="742288"/>
+            <a:ext cx="3210373" cy="4744112"/>
           </a:xfrm>
           <a:prstGeom prst="rect">
             <a:avLst/>
@@ -29895,12 +30040,33 @@
             <p:ph type="body" sz="quarter" idx="10"/>
           </p:nvPr>
         </p:nvSpPr>
-        <p:spPr/>
+        <p:spPr>
+          <a:xfrm>
+            <a:off x="762000" y="1752600"/>
+            <a:ext cx="7315200" cy="3733800"/>
+          </a:xfrm>
+        </p:spPr>
         <p:txBody>
           <a:bodyPr/>
           <a:lstStyle/>
           <a:p>
-            <a:endParaRPr lang="en-US"/>
+            <a:r>
+              <a:rPr lang="en-US" dirty="0"/>
+              <a:t>Keep all rows from the “left” table and any rows that match from the “right”</a:t>
+            </a:r>
+          </a:p>
+          <a:p>
+            <a:pPr lvl="1"/>
+            <a:r>
+              <a:rPr lang="en-US" dirty="0"/>
+              <a:t>Everything from the left is included, unrelated records from the right are excluded</a:t>
+            </a:r>
+          </a:p>
+          <a:p>
+            <a:r>
+              <a:rPr lang="en-US" dirty="0"/>
+              <a:t>E.g., “All products regardless of whether they were sold or not, and any corresponding sales information.”</a:t>
+            </a:r>
           </a:p>
         </p:txBody>
       </p:sp>
@@ -29919,7 +30085,7 @@
           <p:nvPr/>
         </p:nvPicPr>
         <p:blipFill>
-          <a:blip r:embed="rId3">
+          <a:blip r:embed="rId3" cstate="print">
             <a:extLst>
               <a:ext uri="{28A0092B-C50C-407E-A947-70E740481C1C}">
                 <a14:useLocalDpi xmlns:a14="http://schemas.microsoft.com/office/drawing/2010/main" val="0"/>
@@ -29932,8 +30098,38 @@
         </p:blipFill>
         <p:spPr>
           <a:xfrm>
-            <a:off x="6648450" y="2052637"/>
-            <a:ext cx="4781550" cy="3133725"/>
+            <a:off x="3581400" y="429840"/>
+            <a:ext cx="1409758" cy="923925"/>
+          </a:xfrm>
+          <a:prstGeom prst="rect">
+            <a:avLst/>
+          </a:prstGeom>
+        </p:spPr>
+      </p:pic>
+      <p:pic>
+        <p:nvPicPr>
+          <p:cNvPr id="8" name="Picture 7">
+            <a:extLst>
+              <a:ext uri="{FF2B5EF4-FFF2-40B4-BE49-F238E27FC236}">
+                <a16:creationId xmlns:a16="http://schemas.microsoft.com/office/drawing/2014/main" id="{9B6CC474-D0C9-44D3-9867-8C38E878CA3A}"/>
+              </a:ext>
+            </a:extLst>
+          </p:cNvPr>
+          <p:cNvPicPr>
+            <a:picLocks noChangeAspect="1"/>
+          </p:cNvPicPr>
+          <p:nvPr/>
+        </p:nvPicPr>
+        <p:blipFill>
+          <a:blip r:embed="rId4"/>
+          <a:stretch>
+            <a:fillRect/>
+          </a:stretch>
+        </p:blipFill>
+        <p:spPr>
+          <a:xfrm>
+            <a:off x="8152943" y="789920"/>
+            <a:ext cx="3277057" cy="4696480"/>
           </a:xfrm>
           <a:prstGeom prst="rect">
             <a:avLst/>
@@ -30014,12 +30210,36 @@
             <p:ph type="body" sz="quarter" idx="10"/>
           </p:nvPr>
         </p:nvSpPr>
-        <p:spPr/>
+        <p:spPr>
+          <a:xfrm>
+            <a:off x="762000" y="1752600"/>
+            <a:ext cx="7162800" cy="3733800"/>
+          </a:xfrm>
+        </p:spPr>
         <p:txBody>
           <a:bodyPr/>
           <a:lstStyle/>
           <a:p>
-            <a:endParaRPr lang="en-US"/>
+            <a:r>
+              <a:rPr lang="en-US" dirty="0"/>
+              <a:t>Keep all rows from the “right” table and any rows that match from the “left”</a:t>
+            </a:r>
+          </a:p>
+          <a:p>
+            <a:pPr lvl="1"/>
+            <a:r>
+              <a:rPr lang="en-US" dirty="0"/>
+              <a:t>Everything from the right is included, unrelated records from the left are excluded</a:t>
+            </a:r>
+          </a:p>
+          <a:p>
+            <a:r>
+              <a:rPr lang="en-US" dirty="0"/>
+              <a:t>E.g., “All sales regardless of whether or not there is corresponding product information, and any product information that exists.”</a:t>
+            </a:r>
+          </a:p>
+          <a:p>
+            <a:endParaRPr lang="en-US" dirty="0"/>
           </a:p>
         </p:txBody>
       </p:sp>
@@ -30045,8 +30265,38 @@
         </p:blipFill>
         <p:spPr>
           <a:xfrm>
-            <a:off x="6619875" y="2038350"/>
-            <a:ext cx="4810125" cy="3162300"/>
+            <a:off x="3581400" y="426598"/>
+            <a:ext cx="1405368" cy="923925"/>
+          </a:xfrm>
+          <a:prstGeom prst="rect">
+            <a:avLst/>
+          </a:prstGeom>
+        </p:spPr>
+      </p:pic>
+      <p:pic>
+        <p:nvPicPr>
+          <p:cNvPr id="8" name="Picture 7">
+            <a:extLst>
+              <a:ext uri="{FF2B5EF4-FFF2-40B4-BE49-F238E27FC236}">
+                <a16:creationId xmlns:a16="http://schemas.microsoft.com/office/drawing/2014/main" id="{A7F55A1E-0CBA-4959-902A-12FAD71AF2D1}"/>
+              </a:ext>
+            </a:extLst>
+          </p:cNvPr>
+          <p:cNvPicPr>
+            <a:picLocks noChangeAspect="1"/>
+          </p:cNvPicPr>
+          <p:nvPr/>
+        </p:nvPicPr>
+        <p:blipFill>
+          <a:blip r:embed="rId4"/>
+          <a:stretch>
+            <a:fillRect/>
+          </a:stretch>
+        </p:blipFill>
+        <p:spPr>
+          <a:xfrm>
+            <a:off x="8152943" y="789920"/>
+            <a:ext cx="3277057" cy="4725059"/>
           </a:xfrm>
           <a:prstGeom prst="rect">
             <a:avLst/>
@@ -30127,12 +30377,37 @@
             <p:ph type="body" sz="quarter" idx="10"/>
           </p:nvPr>
         </p:nvSpPr>
-        <p:spPr/>
+        <p:spPr>
+          <a:xfrm>
+            <a:off x="762000" y="1752600"/>
+            <a:ext cx="7315200" cy="3733800"/>
+          </a:xfrm>
+        </p:spPr>
         <p:txBody>
           <a:bodyPr/>
           <a:lstStyle/>
           <a:p>
-            <a:endParaRPr lang="en-US"/>
+            <a:r>
+              <a:rPr lang="en-US" dirty="0"/>
+              <a:t>Keep all rows from both side of the join, matching where matches exist but still retaining all rows, matched or not</a:t>
+            </a:r>
+          </a:p>
+          <a:p>
+            <a:r>
+              <a:rPr lang="en-US" dirty="0"/>
+              <a:t>E.g., “All products regardless of whether they were sold or not, any corresponding sales information, </a:t>
+            </a:r>
+            <a:r>
+              <a:rPr lang="en-US" i="1" dirty="0"/>
+              <a:t>and</a:t>
+            </a:r>
+            <a:r>
+              <a:rPr lang="en-US" dirty="0"/>
+              <a:t> any sales information not associated with any products.”</a:t>
+            </a:r>
+          </a:p>
+          <a:p>
+            <a:endParaRPr lang="en-US" dirty="0"/>
           </a:p>
         </p:txBody>
       </p:sp>
@@ -30151,7 +30426,7 @@
           <p:nvPr/>
         </p:nvPicPr>
         <p:blipFill>
-          <a:blip r:embed="rId3">
+          <a:blip r:embed="rId3" cstate="print">
             <a:extLst>
               <a:ext uri="{28A0092B-C50C-407E-A947-70E740481C1C}">
                 <a14:useLocalDpi xmlns:a14="http://schemas.microsoft.com/office/drawing/2010/main" val="0"/>
@@ -30164,8 +30439,38 @@
         </p:blipFill>
         <p:spPr>
           <a:xfrm>
-            <a:off x="6658178" y="2052637"/>
-            <a:ext cx="4781550" cy="3133725"/>
+            <a:off x="3581399" y="429840"/>
+            <a:ext cx="1409759" cy="923926"/>
+          </a:xfrm>
+          <a:prstGeom prst="rect">
+            <a:avLst/>
+          </a:prstGeom>
+        </p:spPr>
+      </p:pic>
+      <p:pic>
+        <p:nvPicPr>
+          <p:cNvPr id="8" name="Picture 7">
+            <a:extLst>
+              <a:ext uri="{FF2B5EF4-FFF2-40B4-BE49-F238E27FC236}">
+                <a16:creationId xmlns:a16="http://schemas.microsoft.com/office/drawing/2014/main" id="{292C639A-8DED-4F09-9A89-DD09583BFB7B}"/>
+              </a:ext>
+            </a:extLst>
+          </p:cNvPr>
+          <p:cNvPicPr>
+            <a:picLocks noChangeAspect="1"/>
+          </p:cNvPicPr>
+          <p:nvPr/>
+        </p:nvPicPr>
+        <p:blipFill>
+          <a:blip r:embed="rId4"/>
+          <a:stretch>
+            <a:fillRect/>
+          </a:stretch>
+        </p:blipFill>
+        <p:spPr>
+          <a:xfrm>
+            <a:off x="8152943" y="799446"/>
+            <a:ext cx="3277057" cy="4715533"/>
           </a:xfrm>
           <a:prstGeom prst="rect">
             <a:avLst/>
@@ -30379,15 +30684,91 @@
             <p:ph type="body" sz="quarter" idx="10"/>
           </p:nvPr>
         </p:nvSpPr>
-        <p:spPr/>
+        <p:spPr>
+          <a:xfrm>
+            <a:off x="762000" y="4371832"/>
+            <a:ext cx="10668000" cy="1114567"/>
+          </a:xfrm>
+        </p:spPr>
         <p:txBody>
           <a:bodyPr/>
           <a:lstStyle/>
           <a:p>
-            <a:endParaRPr lang="en-US"/>
+            <a:r>
+              <a:rPr lang="en-US" dirty="0"/>
+              <a:t>Use joins to restructure or “</a:t>
+            </a:r>
+            <a:r>
+              <a:rPr lang="en-US" dirty="0" err="1"/>
+              <a:t>denormalize</a:t>
+            </a:r>
+            <a:r>
+              <a:rPr lang="en-US" dirty="0"/>
+              <a:t>” data to better suit your analytical needs</a:t>
+            </a:r>
           </a:p>
         </p:txBody>
       </p:sp>
+      <p:pic>
+        <p:nvPicPr>
+          <p:cNvPr id="2" name="Picture 1">
+            <a:extLst>
+              <a:ext uri="{FF2B5EF4-FFF2-40B4-BE49-F238E27FC236}">
+                <a16:creationId xmlns:a16="http://schemas.microsoft.com/office/drawing/2014/main" id="{67E34F6A-F3D4-4499-A5FB-25D985172A27}"/>
+              </a:ext>
+            </a:extLst>
+          </p:cNvPr>
+          <p:cNvPicPr>
+            <a:picLocks noChangeAspect="1"/>
+          </p:cNvPicPr>
+          <p:nvPr/>
+        </p:nvPicPr>
+        <p:blipFill>
+          <a:blip r:embed="rId3"/>
+          <a:stretch>
+            <a:fillRect/>
+          </a:stretch>
+        </p:blipFill>
+        <p:spPr>
+          <a:xfrm>
+            <a:off x="1981200" y="1093627"/>
+            <a:ext cx="8229600" cy="2030573"/>
+          </a:xfrm>
+          <a:prstGeom prst="rect">
+            <a:avLst/>
+          </a:prstGeom>
+        </p:spPr>
+      </p:pic>
+      <p:pic>
+        <p:nvPicPr>
+          <p:cNvPr id="3" name="Picture 2">
+            <a:extLst>
+              <a:ext uri="{FF2B5EF4-FFF2-40B4-BE49-F238E27FC236}">
+                <a16:creationId xmlns:a16="http://schemas.microsoft.com/office/drawing/2014/main" id="{531E3F04-904D-4D25-953B-C0B12E9E103B}"/>
+              </a:ext>
+            </a:extLst>
+          </p:cNvPr>
+          <p:cNvPicPr>
+            <a:picLocks noChangeAspect="1"/>
+          </p:cNvPicPr>
+          <p:nvPr/>
+        </p:nvPicPr>
+        <p:blipFill>
+          <a:blip r:embed="rId4"/>
+          <a:stretch>
+            <a:fillRect/>
+          </a:stretch>
+        </p:blipFill>
+        <p:spPr>
+          <a:xfrm>
+            <a:off x="762000" y="3243032"/>
+            <a:ext cx="10668000" cy="1114567"/>
+          </a:xfrm>
+          <a:prstGeom prst="rect">
+            <a:avLst/>
+          </a:prstGeom>
+        </p:spPr>
+      </p:pic>
     </p:spTree>
     <p:extLst>
       <p:ext uri="{BB962C8B-B14F-4D97-AF65-F5344CB8AC3E}">
@@ -30467,10 +30848,124 @@
           <a:bodyPr/>
           <a:lstStyle/>
           <a:p>
-            <a:endParaRPr lang="en-US"/>
+            <a:r>
+              <a:rPr lang="en-US" dirty="0"/>
+              <a:t>A </a:t>
+            </a:r>
+            <a:r>
+              <a:rPr lang="en-US" i="1" dirty="0"/>
+              <a:t>very</a:t>
+            </a:r>
+            <a:r>
+              <a:rPr lang="en-US" dirty="0"/>
+              <a:t> common problem:</a:t>
+            </a:r>
+            <a:br>
+              <a:rPr lang="en-US" dirty="0"/>
+            </a:br>
+            <a:r>
+              <a:rPr lang="en-US" dirty="0"/>
+              <a:t>data from disparate systems</a:t>
+            </a:r>
+            <a:br>
+              <a:rPr lang="en-US" dirty="0"/>
+            </a:br>
+            <a:r>
+              <a:rPr lang="en-US" dirty="0"/>
+              <a:t>that should match perfectly,</a:t>
+            </a:r>
+            <a:br>
+              <a:rPr lang="en-US" dirty="0"/>
+            </a:br>
+            <a:r>
+              <a:rPr lang="en-US" dirty="0"/>
+              <a:t>but doesn’t</a:t>
+            </a:r>
+          </a:p>
+          <a:p>
+            <a:r>
+              <a:rPr lang="en-US" dirty="0"/>
+              <a:t>E.g., some records show up in the </a:t>
+            </a:r>
+            <a:r>
+              <a:rPr lang="en-US" i="1" dirty="0"/>
+              <a:t>shipping</a:t>
+            </a:r>
+            <a:r>
+              <a:rPr lang="en-US" dirty="0"/>
+              <a:t> table that don’t match any records in </a:t>
+            </a:r>
+            <a:r>
+              <a:rPr lang="en-US" i="1" dirty="0"/>
+              <a:t>inventory</a:t>
+            </a:r>
+            <a:r>
+              <a:rPr lang="en-US" dirty="0"/>
+              <a:t>, and vice versa</a:t>
+            </a:r>
           </a:p>
         </p:txBody>
       </p:sp>
+      <p:pic>
+        <p:nvPicPr>
+          <p:cNvPr id="2" name="Picture 1">
+            <a:extLst>
+              <a:ext uri="{FF2B5EF4-FFF2-40B4-BE49-F238E27FC236}">
+                <a16:creationId xmlns:a16="http://schemas.microsoft.com/office/drawing/2014/main" id="{D762C56F-410D-4536-BB18-0EE4289230C3}"/>
+              </a:ext>
+            </a:extLst>
+          </p:cNvPr>
+          <p:cNvPicPr>
+            <a:picLocks noChangeAspect="1"/>
+          </p:cNvPicPr>
+          <p:nvPr/>
+        </p:nvPicPr>
+        <p:blipFill>
+          <a:blip r:embed="rId3"/>
+          <a:stretch>
+            <a:fillRect/>
+          </a:stretch>
+        </p:blipFill>
+        <p:spPr>
+          <a:xfrm>
+            <a:off x="6270510" y="365985"/>
+            <a:ext cx="2568690" cy="2834416"/>
+          </a:xfrm>
+          <a:prstGeom prst="rect">
+            <a:avLst/>
+          </a:prstGeom>
+        </p:spPr>
+      </p:pic>
+      <p:pic>
+        <p:nvPicPr>
+          <p:cNvPr id="3" name="Picture 2">
+            <a:extLst>
+              <a:ext uri="{FF2B5EF4-FFF2-40B4-BE49-F238E27FC236}">
+                <a16:creationId xmlns:a16="http://schemas.microsoft.com/office/drawing/2014/main" id="{331F42A6-7203-4FBC-B788-03EC54587D8A}"/>
+              </a:ext>
+            </a:extLst>
+          </p:cNvPr>
+          <p:cNvPicPr>
+            <a:picLocks noChangeAspect="1"/>
+          </p:cNvPicPr>
+          <p:nvPr/>
+        </p:nvPicPr>
+        <p:blipFill>
+          <a:blip r:embed="rId4"/>
+          <a:stretch>
+            <a:fillRect/>
+          </a:stretch>
+        </p:blipFill>
+        <p:spPr>
+          <a:xfrm>
+            <a:off x="9029132" y="375510"/>
+            <a:ext cx="2515545" cy="2825559"/>
+          </a:xfrm>
+          <a:prstGeom prst="rect">
+            <a:avLst/>
+          </a:prstGeom>
+        </p:spPr>
+      </p:pic>
     </p:spTree>
     <p:extLst>
       <p:ext uri="{BB962C8B-B14F-4D97-AF65-F5344CB8AC3E}">
@@ -30550,11 +31045,154 @@
             <p:ph type="body" sz="quarter" idx="10"/>
           </p:nvPr>
         </p:nvSpPr>
-        <p:spPr/>
+        <p:spPr>
+          <a:xfrm>
+            <a:off x="762000" y="1752600"/>
+            <a:ext cx="7239000" cy="3733800"/>
+          </a:xfrm>
+        </p:spPr>
         <p:txBody>
           <a:bodyPr/>
           <a:lstStyle/>
           <a:p>
+            <a:r>
+              <a:rPr lang="en-US" dirty="0"/>
+              <a:t>The join step shows you which things were matched, and which weren’t</a:t>
+            </a:r>
+          </a:p>
+        </p:txBody>
+      </p:sp>
+      <p:pic>
+        <p:nvPicPr>
+          <p:cNvPr id="2" name="Picture 1">
+            <a:hlinkClick r:id="rId3" action="ppaction://hlinkfile"/>
+            <a:extLst>
+              <a:ext uri="{FF2B5EF4-FFF2-40B4-BE49-F238E27FC236}">
+                <a16:creationId xmlns:a16="http://schemas.microsoft.com/office/drawing/2014/main" id="{1CD868CF-0B5E-464C-BA35-5EBB56F545A0}"/>
+              </a:ext>
+            </a:extLst>
+          </p:cNvPr>
+          <p:cNvPicPr>
+            <a:picLocks noChangeAspect="1"/>
+          </p:cNvPicPr>
+          <p:nvPr/>
+        </p:nvPicPr>
+        <p:blipFill>
+          <a:blip r:embed="rId4"/>
+          <a:stretch>
+            <a:fillRect/>
+          </a:stretch>
+        </p:blipFill>
+        <p:spPr>
+          <a:xfrm>
+            <a:off x="8104092" y="513656"/>
+            <a:ext cx="3343742" cy="4972744"/>
+          </a:xfrm>
+          <a:prstGeom prst="rect">
+            <a:avLst/>
+          </a:prstGeom>
+        </p:spPr>
+      </p:pic>
+      <p:sp>
+        <p:nvSpPr>
+          <p:cNvPr id="3" name="Rectangle 2">
+            <a:extLst>
+              <a:ext uri="{FF2B5EF4-FFF2-40B4-BE49-F238E27FC236}">
+                <a16:creationId xmlns:a16="http://schemas.microsoft.com/office/drawing/2014/main" id="{4F287DA5-4A9D-4965-A356-A47F43F19624}"/>
+              </a:ext>
+            </a:extLst>
+          </p:cNvPr>
+          <p:cNvSpPr/>
+          <p:nvPr/>
+        </p:nvSpPr>
+        <p:spPr>
+          <a:xfrm>
+            <a:off x="8763000" y="3200400"/>
+            <a:ext cx="1219200" cy="1600200"/>
+          </a:xfrm>
+          <a:prstGeom prst="rect">
+            <a:avLst/>
+          </a:prstGeom>
+          <a:noFill/>
+          <a:ln>
+            <a:solidFill>
+              <a:srgbClr val="FF0000"/>
+            </a:solidFill>
+          </a:ln>
+        </p:spPr>
+        <p:style>
+          <a:lnRef idx="2">
+            <a:schemeClr val="accent1">
+              <a:shade val="50000"/>
+            </a:schemeClr>
+          </a:lnRef>
+          <a:fillRef idx="1">
+            <a:schemeClr val="accent1"/>
+          </a:fillRef>
+          <a:effectRef idx="0">
+            <a:schemeClr val="accent1"/>
+          </a:effectRef>
+          <a:fontRef idx="minor">
+            <a:schemeClr val="lt1"/>
+          </a:fontRef>
+        </p:style>
+        <p:txBody>
+          <a:bodyPr rtlCol="0" anchor="ctr"/>
+          <a:lstStyle/>
+          <a:p>
+            <a:pPr algn="ctr"/>
+            <a:endParaRPr lang="en-US"/>
+          </a:p>
+        </p:txBody>
+      </p:sp>
+      <p:sp>
+        <p:nvSpPr>
+          <p:cNvPr id="6" name="Rectangle 5">
+            <a:extLst>
+              <a:ext uri="{FF2B5EF4-FFF2-40B4-BE49-F238E27FC236}">
+                <a16:creationId xmlns:a16="http://schemas.microsoft.com/office/drawing/2014/main" id="{37EF3862-649D-4BD0-A89A-1AA0F3732CCE}"/>
+              </a:ext>
+            </a:extLst>
+          </p:cNvPr>
+          <p:cNvSpPr/>
+          <p:nvPr/>
+        </p:nvSpPr>
+        <p:spPr>
+          <a:xfrm>
+            <a:off x="10031508" y="3200400"/>
+            <a:ext cx="1169892" cy="1600200"/>
+          </a:xfrm>
+          <a:prstGeom prst="rect">
+            <a:avLst/>
+          </a:prstGeom>
+          <a:noFill/>
+          <a:ln>
+            <a:solidFill>
+              <a:srgbClr val="FF0000"/>
+            </a:solidFill>
+          </a:ln>
+        </p:spPr>
+        <p:style>
+          <a:lnRef idx="2">
+            <a:schemeClr val="accent1">
+              <a:shade val="50000"/>
+            </a:schemeClr>
+          </a:lnRef>
+          <a:fillRef idx="1">
+            <a:schemeClr val="accent1"/>
+          </a:fillRef>
+          <a:effectRef idx="0">
+            <a:schemeClr val="accent1"/>
+          </a:effectRef>
+          <a:fontRef idx="minor">
+            <a:schemeClr val="lt1"/>
+          </a:fontRef>
+        </p:style>
+        <p:txBody>
+          <a:bodyPr rtlCol="0" anchor="ctr"/>
+          <a:lstStyle/>
+          <a:p>
+            <a:pPr algn="ctr"/>
             <a:endParaRPr lang="en-US"/>
           </a:p>
         </p:txBody>
@@ -30562,13 +31200,147 @@
     </p:spTree>
     <p:extLst>
       <p:ext uri="{BB962C8B-B14F-4D97-AF65-F5344CB8AC3E}">
-        <p14:creationId xmlns:p14="http://schemas.microsoft.com/office/powerpoint/2010/main" val="4028250988"/>
+        <p14:creationId xmlns:p14="http://schemas.microsoft.com/office/powerpoint/2010/main" val="1499975806"/>
       </p:ext>
     </p:extLst>
   </p:cSld>
   <p:clrMapOvr>
     <a:masterClrMapping/>
   </p:clrMapOvr>
+  <p:timing>
+    <p:tnLst>
+      <p:par>
+        <p:cTn id="1" dur="indefinite" restart="never" nodeType="tmRoot">
+          <p:childTnLst>
+            <p:seq concurrent="1" nextAc="seek">
+              <p:cTn id="2" dur="indefinite" nodeType="mainSeq">
+                <p:childTnLst>
+                  <p:par>
+                    <p:cTn id="3" fill="hold">
+                      <p:stCondLst>
+                        <p:cond delay="indefinite"/>
+                        <p:cond evt="onBegin" delay="0">
+                          <p:tn val="2"/>
+                        </p:cond>
+                      </p:stCondLst>
+                      <p:childTnLst>
+                        <p:par>
+                          <p:cTn id="4" fill="hold">
+                            <p:stCondLst>
+                              <p:cond delay="0"/>
+                            </p:stCondLst>
+                            <p:childTnLst>
+                              <p:par>
+                                <p:cTn id="5" presetID="10" presetClass="entr" presetSubtype="0" fill="hold" grpId="0" nodeType="afterEffect">
+                                  <p:stCondLst>
+                                    <p:cond delay="0"/>
+                                  </p:stCondLst>
+                                  <p:childTnLst>
+                                    <p:set>
+                                      <p:cBhvr>
+                                        <p:cTn id="6" dur="1" fill="hold">
+                                          <p:stCondLst>
+                                            <p:cond delay="0"/>
+                                          </p:stCondLst>
+                                        </p:cTn>
+                                        <p:tgtEl>
+                                          <p:spTgt spid="3"/>
+                                        </p:tgtEl>
+                                        <p:attrNameLst>
+                                          <p:attrName>style.visibility</p:attrName>
+                                        </p:attrNameLst>
+                                      </p:cBhvr>
+                                      <p:to>
+                                        <p:strVal val="visible"/>
+                                      </p:to>
+                                    </p:set>
+                                    <p:animEffect transition="in" filter="fade">
+                                      <p:cBhvr>
+                                        <p:cTn id="7" dur="1000"/>
+                                        <p:tgtEl>
+                                          <p:spTgt spid="3"/>
+                                        </p:tgtEl>
+                                      </p:cBhvr>
+                                    </p:animEffect>
+                                  </p:childTnLst>
+                                </p:cTn>
+                              </p:par>
+                            </p:childTnLst>
+                          </p:cTn>
+                        </p:par>
+                        <p:par>
+                          <p:cTn id="8" fill="hold">
+                            <p:stCondLst>
+                              <p:cond delay="1000"/>
+                            </p:stCondLst>
+                            <p:childTnLst>
+                              <p:par>
+                                <p:cTn id="9" presetID="10" presetClass="entr" presetSubtype="0" fill="hold" grpId="0" nodeType="afterEffect">
+                                  <p:stCondLst>
+                                    <p:cond delay="0"/>
+                                  </p:stCondLst>
+                                  <p:childTnLst>
+                                    <p:set>
+                                      <p:cBhvr>
+                                        <p:cTn id="10" dur="1" fill="hold">
+                                          <p:stCondLst>
+                                            <p:cond delay="0"/>
+                                          </p:stCondLst>
+                                        </p:cTn>
+                                        <p:tgtEl>
+                                          <p:spTgt spid="6"/>
+                                        </p:tgtEl>
+                                        <p:attrNameLst>
+                                          <p:attrName>style.visibility</p:attrName>
+                                        </p:attrNameLst>
+                                      </p:cBhvr>
+                                      <p:to>
+                                        <p:strVal val="visible"/>
+                                      </p:to>
+                                    </p:set>
+                                    <p:animEffect transition="in" filter="fade">
+                                      <p:cBhvr>
+                                        <p:cTn id="11" dur="1000"/>
+                                        <p:tgtEl>
+                                          <p:spTgt spid="6"/>
+                                        </p:tgtEl>
+                                      </p:cBhvr>
+                                    </p:animEffect>
+                                  </p:childTnLst>
+                                </p:cTn>
+                              </p:par>
+                            </p:childTnLst>
+                          </p:cTn>
+                        </p:par>
+                      </p:childTnLst>
+                    </p:cTn>
+                  </p:par>
+                </p:childTnLst>
+              </p:cTn>
+              <p:prevCondLst>
+                <p:cond evt="onPrev" delay="0">
+                  <p:tgtEl>
+                    <p:sldTgt/>
+                  </p:tgtEl>
+                </p:cond>
+              </p:prevCondLst>
+              <p:nextCondLst>
+                <p:cond evt="onNext" delay="0">
+                  <p:tgtEl>
+                    <p:sldTgt/>
+                  </p:tgtEl>
+                </p:cond>
+              </p:nextCondLst>
+            </p:seq>
+          </p:childTnLst>
+        </p:cTn>
+      </p:par>
+    </p:tnLst>
+    <p:bldLst>
+      <p:bldP spid="3" grpId="0" animBg="1"/>
+      <p:bldP spid="6" grpId="0" animBg="1"/>
+    </p:bldLst>
+  </p:timing>
 </p:sld>
 </file>
 
@@ -30594,7 +31366,7 @@
           <p:cNvPr id="4" name="Title 3">
             <a:extLst>
               <a:ext uri="{FF2B5EF4-FFF2-40B4-BE49-F238E27FC236}">
-                <a16:creationId xmlns:a16="http://schemas.microsoft.com/office/drawing/2014/main" id="{5F8B3FAC-76B5-1B44-ACE1-4D3D0E1DE523}"/>
+                <a16:creationId xmlns:a16="http://schemas.microsoft.com/office/drawing/2014/main" id="{261279C3-A262-E741-8313-4A5E1F8CEAAE}"/>
               </a:ext>
             </a:extLst>
           </p:cNvPr>
@@ -30612,8 +31384,13 @@
           <a:p>
             <a:r>
               <a:rPr lang="en-US" dirty="0"/>
-              <a:t>Bringing It All Together</a:t>
+              <a:t>Finding</a:t>
             </a:r>
+            <a:r>
+              <a:rPr lang="en-US" baseline="0" dirty="0"/>
+              <a:t> Missing Records</a:t>
+            </a:r>
+            <a:endParaRPr lang="en-US" dirty="0"/>
           </a:p>
         </p:txBody>
       </p:sp>
@@ -30622,7 +31399,7 @@
           <p:cNvPr id="5" name="Text Placeholder 4">
             <a:extLst>
               <a:ext uri="{FF2B5EF4-FFF2-40B4-BE49-F238E27FC236}">
-                <a16:creationId xmlns:a16="http://schemas.microsoft.com/office/drawing/2014/main" id="{2486C298-3C44-4DD5-A9D4-D733836BDCE6}"/>
+                <a16:creationId xmlns:a16="http://schemas.microsoft.com/office/drawing/2014/main" id="{7CDE9426-BEBE-4266-B8E2-4C75DB811E72}"/>
               </a:ext>
             </a:extLst>
           </p:cNvPr>
@@ -30633,25 +31410,184 @@
             <p:ph type="body" sz="quarter" idx="10"/>
           </p:nvPr>
         </p:nvSpPr>
-        <p:spPr/>
+        <p:spPr>
+          <a:xfrm>
+            <a:off x="762000" y="1752600"/>
+            <a:ext cx="6705600" cy="3733800"/>
+          </a:xfrm>
+        </p:spPr>
         <p:txBody>
           <a:bodyPr/>
           <a:lstStyle/>
           <a:p>
-            <a:endParaRPr lang="en-US"/>
+            <a:r>
+              <a:rPr lang="en-US" dirty="0"/>
+              <a:t>It also includes the option to “Show only mismatched values”</a:t>
+            </a:r>
+          </a:p>
+          <a:p>
+            <a:r>
+              <a:rPr lang="en-US" dirty="0"/>
+              <a:t>Provides insight into where the problems are</a:t>
+            </a:r>
           </a:p>
         </p:txBody>
       </p:sp>
+      <p:pic>
+        <p:nvPicPr>
+          <p:cNvPr id="7" name="Picture 6">
+            <a:extLst>
+              <a:ext uri="{FF2B5EF4-FFF2-40B4-BE49-F238E27FC236}">
+                <a16:creationId xmlns:a16="http://schemas.microsoft.com/office/drawing/2014/main" id="{88B30374-6A5E-4090-AC6B-09D30C9B7F72}"/>
+              </a:ext>
+            </a:extLst>
+          </p:cNvPr>
+          <p:cNvPicPr>
+            <a:picLocks noChangeAspect="1"/>
+          </p:cNvPicPr>
+          <p:nvPr/>
+        </p:nvPicPr>
+        <p:blipFill>
+          <a:blip r:embed="rId3"/>
+          <a:stretch>
+            <a:fillRect/>
+          </a:stretch>
+        </p:blipFill>
+        <p:spPr>
+          <a:xfrm>
+            <a:off x="7696200" y="457200"/>
+            <a:ext cx="3886742" cy="3781953"/>
+          </a:xfrm>
+          <a:prstGeom prst="rect">
+            <a:avLst/>
+          </a:prstGeom>
+        </p:spPr>
+      </p:pic>
+      <p:pic>
+        <p:nvPicPr>
+          <p:cNvPr id="8" name="Picture 7">
+            <a:extLst>
+              <a:ext uri="{FF2B5EF4-FFF2-40B4-BE49-F238E27FC236}">
+                <a16:creationId xmlns:a16="http://schemas.microsoft.com/office/drawing/2014/main" id="{C0F66497-7F86-4DC9-BB22-9214B68441EB}"/>
+              </a:ext>
+            </a:extLst>
+          </p:cNvPr>
+          <p:cNvPicPr>
+            <a:picLocks noChangeAspect="1"/>
+          </p:cNvPicPr>
+          <p:nvPr/>
+        </p:nvPicPr>
+        <p:blipFill rotWithShape="1">
+          <a:blip r:embed="rId4"/>
+          <a:srcRect b="11525"/>
+          <a:stretch/>
+        </p:blipFill>
+        <p:spPr>
+          <a:xfrm>
+            <a:off x="7696200" y="457200"/>
+            <a:ext cx="3867690" cy="3733800"/>
+          </a:xfrm>
+          <a:prstGeom prst="rect">
+            <a:avLst/>
+          </a:prstGeom>
+        </p:spPr>
+      </p:pic>
     </p:spTree>
     <p:extLst>
       <p:ext uri="{BB962C8B-B14F-4D97-AF65-F5344CB8AC3E}">
-        <p14:creationId xmlns:p14="http://schemas.microsoft.com/office/powerpoint/2010/main" val="130460662"/>
+        <p14:creationId xmlns:p14="http://schemas.microsoft.com/office/powerpoint/2010/main" val="4028250988"/>
       </p:ext>
     </p:extLst>
   </p:cSld>
   <p:clrMapOvr>
     <a:masterClrMapping/>
   </p:clrMapOvr>
+  <p:timing>
+    <p:tnLst>
+      <p:par>
+        <p:cTn id="1" dur="indefinite" restart="never" nodeType="tmRoot">
+          <p:childTnLst>
+            <p:seq concurrent="1" nextAc="seek">
+              <p:cTn id="2" dur="indefinite" nodeType="mainSeq">
+                <p:childTnLst>
+                  <p:par>
+                    <p:cTn id="3" fill="hold">
+                      <p:stCondLst>
+                        <p:cond delay="indefinite"/>
+                        <p:cond evt="onBegin" delay="0">
+                          <p:tn val="2"/>
+                        </p:cond>
+                      </p:stCondLst>
+                      <p:childTnLst>
+                        <p:par>
+                          <p:cTn id="4" fill="hold">
+                            <p:stCondLst>
+                              <p:cond delay="0"/>
+                            </p:stCondLst>
+                            <p:childTnLst>
+                              <p:par>
+                                <p:cTn id="5" presetID="10" presetClass="entr" presetSubtype="0" fill="hold" nodeType="afterEffect">
+                                  <p:stCondLst>
+                                    <p:cond delay="0"/>
+                                  </p:stCondLst>
+                                  <p:childTnLst>
+                                    <p:set>
+                                      <p:cBhvr>
+                                        <p:cTn id="6" dur="1" fill="hold">
+                                          <p:stCondLst>
+                                            <p:cond delay="0"/>
+                                          </p:stCondLst>
+                                        </p:cTn>
+                                        <p:tgtEl>
+                                          <p:spTgt spid="8"/>
+                                        </p:tgtEl>
+                                        <p:attrNameLst>
+                                          <p:attrName>style.visibility</p:attrName>
+                                        </p:attrNameLst>
+                                      </p:cBhvr>
+                                      <p:to>
+                                        <p:strVal val="visible"/>
+                                      </p:to>
+                                    </p:set>
+                                    <p:animEffect transition="in" filter="fade">
+                                      <p:cBhvr>
+                                        <p:cTn id="7" dur="2500"/>
+                                        <p:tgtEl>
+                                          <p:spTgt spid="8"/>
+                                        </p:tgtEl>
+                                      </p:cBhvr>
+                                    </p:animEffect>
+                                  </p:childTnLst>
+                                </p:cTn>
+                              </p:par>
+                            </p:childTnLst>
+                          </p:cTn>
+                        </p:par>
+                      </p:childTnLst>
+                    </p:cTn>
+                  </p:par>
+                </p:childTnLst>
+              </p:cTn>
+              <p:prevCondLst>
+                <p:cond evt="onPrev" delay="0">
+                  <p:tgtEl>
+                    <p:sldTgt/>
+                  </p:tgtEl>
+                </p:cond>
+              </p:prevCondLst>
+              <p:nextCondLst>
+                <p:cond evt="onNext" delay="0">
+                  <p:tgtEl>
+                    <p:sldTgt/>
+                  </p:tgtEl>
+                </p:cond>
+              </p:nextCondLst>
+            </p:seq>
+          </p:childTnLst>
+        </p:cTn>
+      </p:par>
+    </p:tnLst>
+  </p:timing>
 </p:sld>
 </file>
 
@@ -30677,7 +31613,7 @@
           <p:cNvPr id="4" name="Title 3">
             <a:extLst>
               <a:ext uri="{FF2B5EF4-FFF2-40B4-BE49-F238E27FC236}">
-                <a16:creationId xmlns:a16="http://schemas.microsoft.com/office/drawing/2014/main" id="{179C3DEC-70AC-AB42-BEB7-99CBEAF719E4}"/>
+                <a16:creationId xmlns:a16="http://schemas.microsoft.com/office/drawing/2014/main" id="{5F8B3FAC-76B5-1B44-ACE1-4D3D0E1DE523}"/>
               </a:ext>
             </a:extLst>
           </p:cNvPr>
@@ -30695,7 +31631,7 @@
           <a:p>
             <a:r>
               <a:rPr lang="en-US" dirty="0"/>
-              <a:t>Join Clause Recommendations</a:t>
+              <a:t>Bringing It All Together</a:t>
             </a:r>
           </a:p>
         </p:txBody>
@@ -30705,7 +31641,7 @@
           <p:cNvPr id="5" name="Text Placeholder 4">
             <a:extLst>
               <a:ext uri="{FF2B5EF4-FFF2-40B4-BE49-F238E27FC236}">
-                <a16:creationId xmlns:a16="http://schemas.microsoft.com/office/drawing/2014/main" id="{C1C012B1-5F2B-44E2-B5E2-1809DAE5E485}"/>
+                <a16:creationId xmlns:a16="http://schemas.microsoft.com/office/drawing/2014/main" id="{2486C298-3C44-4DD5-A9D4-D733836BDCE6}"/>
               </a:ext>
             </a:extLst>
           </p:cNvPr>
@@ -30716,19 +31652,181 @@
             <p:ph type="body" sz="quarter" idx="10"/>
           </p:nvPr>
         </p:nvSpPr>
-        <p:spPr/>
+        <p:spPr>
+          <a:xfrm>
+            <a:off x="762000" y="1752600"/>
+            <a:ext cx="7761141" cy="3733800"/>
+          </a:xfrm>
+        </p:spPr>
         <p:txBody>
           <a:bodyPr/>
           <a:lstStyle/>
           <a:p>
-            <a:endParaRPr lang="en-US"/>
+            <a:r>
+              <a:rPr lang="en-US" dirty="0"/>
+              <a:t>Prep provides tools for dealing with anomalies</a:t>
+            </a:r>
+          </a:p>
+          <a:p>
+            <a:pPr marL="858837" lvl="1" indent="-514350">
+              <a:buFont typeface="+mj-lt"/>
+              <a:buAutoNum type="arabicPeriod"/>
+            </a:pPr>
+            <a:r>
+              <a:rPr lang="en-US" dirty="0"/>
+              <a:t>Switch Join Type to </a:t>
+            </a:r>
+            <a:r>
+              <a:rPr lang="en-US" i="1" dirty="0"/>
+              <a:t>full</a:t>
+            </a:r>
+          </a:p>
+          <a:p>
+            <a:pPr marL="858837" lvl="1" indent="-514350">
+              <a:buFont typeface="+mj-lt"/>
+              <a:buAutoNum type="arabicPeriod"/>
+            </a:pPr>
+            <a:r>
+              <a:rPr lang="en-US" dirty="0"/>
+              <a:t>Add a calculated field to fill in missing values</a:t>
+            </a:r>
+          </a:p>
+          <a:p>
+            <a:pPr marL="858837" lvl="1" indent="-514350">
+              <a:buFont typeface="+mj-lt"/>
+              <a:buAutoNum type="arabicPeriod"/>
+            </a:pPr>
+            <a:r>
+              <a:rPr lang="en-US" dirty="0"/>
+              <a:t>Add another calculated field to describe the issue</a:t>
+            </a:r>
           </a:p>
         </p:txBody>
       </p:sp>
+      <p:pic>
+        <p:nvPicPr>
+          <p:cNvPr id="2" name="Picture 1">
+            <a:extLst>
+              <a:ext uri="{FF2B5EF4-FFF2-40B4-BE49-F238E27FC236}">
+                <a16:creationId xmlns:a16="http://schemas.microsoft.com/office/drawing/2014/main" id="{346FB5B1-9385-4056-95C0-3A6BE157B23A}"/>
+              </a:ext>
+            </a:extLst>
+          </p:cNvPr>
+          <p:cNvPicPr>
+            <a:picLocks noChangeAspect="1"/>
+          </p:cNvPicPr>
+          <p:nvPr/>
+        </p:nvPicPr>
+        <p:blipFill>
+          <a:blip r:embed="rId3"/>
+          <a:stretch>
+            <a:fillRect/>
+          </a:stretch>
+        </p:blipFill>
+        <p:spPr>
+          <a:xfrm>
+            <a:off x="9512102" y="370998"/>
+            <a:ext cx="1919519" cy="1570515"/>
+          </a:xfrm>
+          <a:prstGeom prst="rect">
+            <a:avLst/>
+          </a:prstGeom>
+        </p:spPr>
+      </p:pic>
+      <p:pic>
+        <p:nvPicPr>
+          <p:cNvPr id="3" name="Picture 2">
+            <a:extLst>
+              <a:ext uri="{FF2B5EF4-FFF2-40B4-BE49-F238E27FC236}">
+                <a16:creationId xmlns:a16="http://schemas.microsoft.com/office/drawing/2014/main" id="{CF4985B1-298D-42F8-90E3-FBB7D2F51C01}"/>
+              </a:ext>
+            </a:extLst>
+          </p:cNvPr>
+          <p:cNvPicPr>
+            <a:picLocks noChangeAspect="1"/>
+          </p:cNvPicPr>
+          <p:nvPr/>
+        </p:nvPicPr>
+        <p:blipFill>
+          <a:blip r:embed="rId4"/>
+          <a:stretch>
+            <a:fillRect/>
+          </a:stretch>
+        </p:blipFill>
+        <p:spPr>
+          <a:xfrm>
+            <a:off x="8690043" y="2286001"/>
+            <a:ext cx="2743200" cy="803482"/>
+          </a:xfrm>
+          <a:prstGeom prst="rect">
+            <a:avLst/>
+          </a:prstGeom>
+        </p:spPr>
+      </p:pic>
+      <p:pic>
+        <p:nvPicPr>
+          <p:cNvPr id="6" name="Picture 5">
+            <a:extLst>
+              <a:ext uri="{FF2B5EF4-FFF2-40B4-BE49-F238E27FC236}">
+                <a16:creationId xmlns:a16="http://schemas.microsoft.com/office/drawing/2014/main" id="{571AE528-8D28-446C-8FF0-02AD79554C1F}"/>
+              </a:ext>
+            </a:extLst>
+          </p:cNvPr>
+          <p:cNvPicPr>
+            <a:picLocks noChangeAspect="1"/>
+          </p:cNvPicPr>
+          <p:nvPr/>
+        </p:nvPicPr>
+        <p:blipFill>
+          <a:blip r:embed="rId5"/>
+          <a:stretch>
+            <a:fillRect/>
+          </a:stretch>
+        </p:blipFill>
+        <p:spPr>
+          <a:xfrm>
+            <a:off x="8523141" y="3164323"/>
+            <a:ext cx="3077004" cy="771633"/>
+          </a:xfrm>
+          <a:prstGeom prst="rect">
+            <a:avLst/>
+          </a:prstGeom>
+        </p:spPr>
+      </p:pic>
+      <p:pic>
+        <p:nvPicPr>
+          <p:cNvPr id="7" name="Picture 6">
+            <a:extLst>
+              <a:ext uri="{FF2B5EF4-FFF2-40B4-BE49-F238E27FC236}">
+                <a16:creationId xmlns:a16="http://schemas.microsoft.com/office/drawing/2014/main" id="{1A9DDC1D-C869-4CAA-AFCF-B0DAD3C6EF54}"/>
+              </a:ext>
+            </a:extLst>
+          </p:cNvPr>
+          <p:cNvPicPr>
+            <a:picLocks noChangeAspect="1"/>
+          </p:cNvPicPr>
+          <p:nvPr/>
+        </p:nvPicPr>
+        <p:blipFill>
+          <a:blip r:embed="rId6"/>
+          <a:stretch>
+            <a:fillRect/>
+          </a:stretch>
+        </p:blipFill>
+        <p:spPr>
+          <a:xfrm>
+            <a:off x="8808014" y="4034808"/>
+            <a:ext cx="2572109" cy="1352739"/>
+          </a:xfrm>
+          <a:prstGeom prst="rect">
+            <a:avLst/>
+          </a:prstGeom>
+        </p:spPr>
+      </p:pic>
     </p:spTree>
     <p:extLst>
       <p:ext uri="{BB962C8B-B14F-4D97-AF65-F5344CB8AC3E}">
-        <p14:creationId xmlns:p14="http://schemas.microsoft.com/office/powerpoint/2010/main" val="614002757"/>
+        <p14:creationId xmlns:p14="http://schemas.microsoft.com/office/powerpoint/2010/main" val="130460662"/>
       </p:ext>
     </p:extLst>
   </p:cSld>
@@ -30760,7 +31858,7 @@
           <p:cNvPr id="4" name="Title 3">
             <a:extLst>
               <a:ext uri="{FF2B5EF4-FFF2-40B4-BE49-F238E27FC236}">
-                <a16:creationId xmlns:a16="http://schemas.microsoft.com/office/drawing/2014/main" id="{1E6D96E9-B635-0245-9098-C1FAA390A091}"/>
+                <a16:creationId xmlns:a16="http://schemas.microsoft.com/office/drawing/2014/main" id="{179C3DEC-70AC-AB42-BEB7-99CBEAF719E4}"/>
               </a:ext>
             </a:extLst>
           </p:cNvPr>
@@ -30778,15 +31876,114 @@
           <a:p>
             <a:r>
               <a:rPr lang="en-US" dirty="0"/>
-              <a:t>Part II: Transform</a:t>
+              <a:t>Join Clause Recommendations</a:t>
             </a:r>
           </a:p>
         </p:txBody>
       </p:sp>
+      <p:sp>
+        <p:nvSpPr>
+          <p:cNvPr id="5" name="Text Placeholder 4">
+            <a:extLst>
+              <a:ext uri="{FF2B5EF4-FFF2-40B4-BE49-F238E27FC236}">
+                <a16:creationId xmlns:a16="http://schemas.microsoft.com/office/drawing/2014/main" id="{C1C012B1-5F2B-44E2-B5E2-1809DAE5E485}"/>
+              </a:ext>
+            </a:extLst>
+          </p:cNvPr>
+          <p:cNvSpPr>
+            <a:spLocks noGrp="1"/>
+          </p:cNvSpPr>
+          <p:nvPr>
+            <p:ph type="body" sz="quarter" idx="10"/>
+          </p:nvPr>
+        </p:nvSpPr>
+        <p:spPr>
+          <a:xfrm>
+            <a:off x="762000" y="1752600"/>
+            <a:ext cx="6409444" cy="3733800"/>
+          </a:xfrm>
+        </p:spPr>
+        <p:txBody>
+          <a:bodyPr/>
+          <a:lstStyle/>
+          <a:p>
+            <a:r>
+              <a:rPr lang="en-US" dirty="0"/>
+              <a:t>Prep Builder shows you the join clauses that are active and allows you to edit them </a:t>
+            </a:r>
+          </a:p>
+          <a:p>
+            <a:r>
+              <a:rPr lang="en-US" dirty="0"/>
+              <a:t>It will also identify candidates for the join clause and “recommend” them</a:t>
+            </a:r>
+          </a:p>
+        </p:txBody>
+      </p:sp>
+      <p:pic>
+        <p:nvPicPr>
+          <p:cNvPr id="2" name="Picture 1">
+            <a:extLst>
+              <a:ext uri="{FF2B5EF4-FFF2-40B4-BE49-F238E27FC236}">
+                <a16:creationId xmlns:a16="http://schemas.microsoft.com/office/drawing/2014/main" id="{6E9F3E68-DAF8-4270-9C16-674B68D8445C}"/>
+              </a:ext>
+            </a:extLst>
+          </p:cNvPr>
+          <p:cNvPicPr>
+            <a:picLocks noChangeAspect="1"/>
+          </p:cNvPicPr>
+          <p:nvPr/>
+        </p:nvPicPr>
+        <p:blipFill>
+          <a:blip r:embed="rId3"/>
+          <a:stretch>
+            <a:fillRect/>
+          </a:stretch>
+        </p:blipFill>
+        <p:spPr>
+          <a:xfrm>
+            <a:off x="7363300" y="2615804"/>
+            <a:ext cx="4258556" cy="995590"/>
+          </a:xfrm>
+          <a:prstGeom prst="rect">
+            <a:avLst/>
+          </a:prstGeom>
+        </p:spPr>
+      </p:pic>
+      <p:pic>
+        <p:nvPicPr>
+          <p:cNvPr id="3" name="Picture 2">
+            <a:extLst>
+              <a:ext uri="{FF2B5EF4-FFF2-40B4-BE49-F238E27FC236}">
+                <a16:creationId xmlns:a16="http://schemas.microsoft.com/office/drawing/2014/main" id="{1C38CB7F-C68B-4822-9B4D-FC41D222E98E}"/>
+              </a:ext>
+            </a:extLst>
+          </p:cNvPr>
+          <p:cNvPicPr>
+            <a:picLocks noChangeAspect="1"/>
+          </p:cNvPicPr>
+          <p:nvPr/>
+        </p:nvPicPr>
+        <p:blipFill>
+          <a:blip r:embed="rId4"/>
+          <a:stretch>
+            <a:fillRect/>
+          </a:stretch>
+        </p:blipFill>
+        <p:spPr>
+          <a:xfrm>
+            <a:off x="7354678" y="1201682"/>
+            <a:ext cx="4275800" cy="1040737"/>
+          </a:xfrm>
+          <a:prstGeom prst="rect">
+            <a:avLst/>
+          </a:prstGeom>
+        </p:spPr>
+      </p:pic>
     </p:spTree>
     <p:extLst>
       <p:ext uri="{BB962C8B-B14F-4D97-AF65-F5344CB8AC3E}">
-        <p14:creationId xmlns:p14="http://schemas.microsoft.com/office/powerpoint/2010/main" val="1657269070"/>
+        <p14:creationId xmlns:p14="http://schemas.microsoft.com/office/powerpoint/2010/main" val="614002757"/>
       </p:ext>
     </p:extLst>
   </p:cSld>
@@ -30815,10 +32012,10 @@
       </p:grpSpPr>
       <p:sp>
         <p:nvSpPr>
-          <p:cNvPr id="2" name="Title 1">
+          <p:cNvPr id="2" name="Subtitle 1">
             <a:extLst>
               <a:ext uri="{FF2B5EF4-FFF2-40B4-BE49-F238E27FC236}">
-                <a16:creationId xmlns:a16="http://schemas.microsoft.com/office/drawing/2014/main" id="{2DCC4BB7-7A9D-DE44-81A7-84A15E54D20B}"/>
+                <a16:creationId xmlns:a16="http://schemas.microsoft.com/office/drawing/2014/main" id="{828A7028-F2AD-42E1-A8A2-92B8AC321143}"/>
               </a:ext>
             </a:extLst>
           </p:cNvPr>
@@ -30826,7 +32023,7 @@
             <a:spLocks noGrp="1"/>
           </p:cNvSpPr>
           <p:nvPr>
-            <p:ph type="title"/>
+            <p:ph type="subTitle" idx="1"/>
           </p:nvPr>
         </p:nvSpPr>
         <p:spPr/>
@@ -30834,22 +32031,94 @@
           <a:bodyPr/>
           <a:lstStyle/>
           <a:p>
+            <a:pPr marL="342900" indent="-342900">
+              <a:buFont typeface="Arial" panose="020B0604020202020204" pitchFamily="34" charset="0"/>
+              <a:buChar char="•"/>
+            </a:pPr>
             <a:r>
               <a:rPr lang="en-US" dirty="0"/>
-              <a:t>Module 5: Auditing &amp; Cleaning</a:t>
+              <a:t>Exercise 5.1: pp. 58-66</a:t>
             </a:r>
+          </a:p>
+          <a:p>
+            <a:pPr marL="342900" indent="-342900">
+              <a:buFont typeface="Arial" panose="020B0604020202020204" pitchFamily="34" charset="0"/>
+              <a:buChar char="•"/>
+            </a:pPr>
             <a:r>
-              <a:rPr lang="en-US" baseline="0" dirty="0"/>
-              <a:t> Your Data</a:t>
+              <a:rPr lang="en-US" dirty="0"/>
+              <a:t>“Missing Data”, “Finding Missing Records”, “Bringing it all together”:</a:t>
             </a:r>
-            <a:endParaRPr lang="en-US" dirty="0"/>
+            <a:br>
+              <a:rPr lang="en-US" dirty="0"/>
+            </a:br>
+            <a:r>
+              <a:rPr lang="en-US" dirty="0"/>
+              <a:t> pp. 67-74</a:t>
+            </a:r>
+          </a:p>
+        </p:txBody>
+      </p:sp>
+      <p:sp>
+        <p:nvSpPr>
+          <p:cNvPr id="3" name="Text Placeholder 2">
+            <a:extLst>
+              <a:ext uri="{FF2B5EF4-FFF2-40B4-BE49-F238E27FC236}">
+                <a16:creationId xmlns:a16="http://schemas.microsoft.com/office/drawing/2014/main" id="{71265BD5-0532-4512-A178-C29C2D03FD16}"/>
+              </a:ext>
+            </a:extLst>
+          </p:cNvPr>
+          <p:cNvSpPr>
+            <a:spLocks noGrp="1"/>
+          </p:cNvSpPr>
+          <p:nvPr>
+            <p:ph type="body" sz="quarter" idx="11"/>
+          </p:nvPr>
+        </p:nvSpPr>
+        <p:spPr/>
+        <p:txBody>
+          <a:bodyPr/>
+          <a:lstStyle/>
+          <a:p>
+            <a:r>
+              <a:rPr lang="en-US" dirty="0"/>
+              <a:t>30 Minutes</a:t>
+            </a:r>
+          </a:p>
+        </p:txBody>
+      </p:sp>
+      <p:sp>
+        <p:nvSpPr>
+          <p:cNvPr id="4" name="Title 3">
+            <a:extLst>
+              <a:ext uri="{FF2B5EF4-FFF2-40B4-BE49-F238E27FC236}">
+                <a16:creationId xmlns:a16="http://schemas.microsoft.com/office/drawing/2014/main" id="{C120D6B4-67D7-42B8-B676-E028F6F72A51}"/>
+              </a:ext>
+            </a:extLst>
+          </p:cNvPr>
+          <p:cNvSpPr>
+            <a:spLocks noGrp="1"/>
+          </p:cNvSpPr>
+          <p:nvPr>
+            <p:ph type="title"/>
+          </p:nvPr>
+        </p:nvSpPr>
+        <p:spPr/>
+        <p:txBody>
+          <a:bodyPr/>
+          <a:lstStyle/>
+          <a:p>
+            <a:r>
+              <a:rPr lang="en-US" dirty="0"/>
+              <a:t>Lab 4: Joins</a:t>
+            </a:r>
           </a:p>
         </p:txBody>
       </p:sp>
     </p:spTree>
     <p:extLst>
       <p:ext uri="{BB962C8B-B14F-4D97-AF65-F5344CB8AC3E}">
-        <p14:creationId xmlns:p14="http://schemas.microsoft.com/office/powerpoint/2010/main" val="228763628"/>
+        <p14:creationId xmlns:p14="http://schemas.microsoft.com/office/powerpoint/2010/main" val="108929934"/>
       </p:ext>
     </p:extLst>
   </p:cSld>
@@ -30878,10 +32147,10 @@
       </p:grpSpPr>
       <p:sp>
         <p:nvSpPr>
-          <p:cNvPr id="3" name="Title 2">
+          <p:cNvPr id="4" name="Title 3">
             <a:extLst>
               <a:ext uri="{FF2B5EF4-FFF2-40B4-BE49-F238E27FC236}">
-                <a16:creationId xmlns:a16="http://schemas.microsoft.com/office/drawing/2014/main" id="{6A8948BA-33DF-8D4F-BE0B-53151B6B2FE4}"/>
+                <a16:creationId xmlns:a16="http://schemas.microsoft.com/office/drawing/2014/main" id="{1E6D96E9-B635-0245-9098-C1FAA390A091}"/>
               </a:ext>
             </a:extLst>
           </p:cNvPr>
@@ -30899,40 +32168,15 @@
           <a:p>
             <a:r>
               <a:rPr lang="en-US" dirty="0"/>
-              <a:t>Auditing Your Data</a:t>
+              <a:t>Part II: Transform</a:t>
             </a:r>
-          </a:p>
-        </p:txBody>
-      </p:sp>
-      <p:sp>
-        <p:nvSpPr>
-          <p:cNvPr id="4" name="Text Placeholder 3">
-            <a:extLst>
-              <a:ext uri="{FF2B5EF4-FFF2-40B4-BE49-F238E27FC236}">
-                <a16:creationId xmlns:a16="http://schemas.microsoft.com/office/drawing/2014/main" id="{94D8F0A2-309B-B545-8C29-D643FC88803F}"/>
-              </a:ext>
-            </a:extLst>
-          </p:cNvPr>
-          <p:cNvSpPr>
-            <a:spLocks noGrp="1"/>
-          </p:cNvSpPr>
-          <p:nvPr>
-            <p:ph type="body" sz="quarter" idx="10"/>
-          </p:nvPr>
-        </p:nvSpPr>
-        <p:spPr/>
-        <p:txBody>
-          <a:bodyPr/>
-          <a:lstStyle/>
-          <a:p>
-            <a:endParaRPr lang="en-US"/>
           </a:p>
         </p:txBody>
       </p:sp>
     </p:spTree>
     <p:extLst>
       <p:ext uri="{BB962C8B-B14F-4D97-AF65-F5344CB8AC3E}">
-        <p14:creationId xmlns:p14="http://schemas.microsoft.com/office/powerpoint/2010/main" val="2617968978"/>
+        <p14:creationId xmlns:p14="http://schemas.microsoft.com/office/powerpoint/2010/main" val="1657269070"/>
       </p:ext>
     </p:extLst>
   </p:cSld>
@@ -30964,7 +32208,7 @@
           <p:cNvPr id="2" name="Title 1">
             <a:extLst>
               <a:ext uri="{FF2B5EF4-FFF2-40B4-BE49-F238E27FC236}">
-                <a16:creationId xmlns:a16="http://schemas.microsoft.com/office/drawing/2014/main" id="{0F73A750-FCCE-1B43-B19C-3EF29425C208}"/>
+                <a16:creationId xmlns:a16="http://schemas.microsoft.com/office/drawing/2014/main" id="{2DCC4BB7-7A9D-DE44-81A7-84A15E54D20B}"/>
               </a:ext>
             </a:extLst>
           </p:cNvPr>
@@ -30982,40 +32226,20 @@
           <a:p>
             <a:r>
               <a:rPr lang="en-US" dirty="0"/>
-              <a:t>Cleaning Your Data</a:t>
+              <a:t>Module 5: Auditing &amp; Cleaning</a:t>
             </a:r>
-          </a:p>
-        </p:txBody>
-      </p:sp>
-      <p:sp>
-        <p:nvSpPr>
-          <p:cNvPr id="3" name="Text Placeholder 2">
-            <a:extLst>
-              <a:ext uri="{FF2B5EF4-FFF2-40B4-BE49-F238E27FC236}">
-                <a16:creationId xmlns:a16="http://schemas.microsoft.com/office/drawing/2014/main" id="{47EB4147-976C-5F4C-8296-9593979C5497}"/>
-              </a:ext>
-            </a:extLst>
-          </p:cNvPr>
-          <p:cNvSpPr>
-            <a:spLocks noGrp="1"/>
-          </p:cNvSpPr>
-          <p:nvPr>
-            <p:ph type="body" sz="quarter" idx="10"/>
-          </p:nvPr>
-        </p:nvSpPr>
-        <p:spPr/>
-        <p:txBody>
-          <a:bodyPr/>
-          <a:lstStyle/>
-          <a:p>
-            <a:endParaRPr lang="en-US"/>
+            <a:r>
+              <a:rPr lang="en-US" baseline="0" dirty="0"/>
+              <a:t> Your Data</a:t>
+            </a:r>
+            <a:endParaRPr lang="en-US" dirty="0"/>
           </a:p>
         </p:txBody>
       </p:sp>
     </p:spTree>
     <p:extLst>
       <p:ext uri="{BB962C8B-B14F-4D97-AF65-F5344CB8AC3E}">
-        <p14:creationId xmlns:p14="http://schemas.microsoft.com/office/powerpoint/2010/main" val="520519833"/>
+        <p14:creationId xmlns:p14="http://schemas.microsoft.com/office/powerpoint/2010/main" val="228763628"/>
       </p:ext>
     </p:extLst>
   </p:cSld>
@@ -31044,10 +32268,10 @@
       </p:grpSpPr>
       <p:sp>
         <p:nvSpPr>
-          <p:cNvPr id="2" name="Title 1">
+          <p:cNvPr id="3" name="Title 2">
             <a:extLst>
               <a:ext uri="{FF2B5EF4-FFF2-40B4-BE49-F238E27FC236}">
-                <a16:creationId xmlns:a16="http://schemas.microsoft.com/office/drawing/2014/main" id="{8AADCE9C-567B-F343-AD3A-DCEED7751871}"/>
+                <a16:creationId xmlns:a16="http://schemas.microsoft.com/office/drawing/2014/main" id="{6A8948BA-33DF-8D4F-BE0B-53151B6B2FE4}"/>
               </a:ext>
             </a:extLst>
           </p:cNvPr>
@@ -31065,17 +32289,17 @@
           <a:p>
             <a:r>
               <a:rPr lang="en-US" dirty="0"/>
-              <a:t>Merge and Clean</a:t>
+              <a:t>Auditing Your Data</a:t>
             </a:r>
           </a:p>
         </p:txBody>
       </p:sp>
       <p:sp>
         <p:nvSpPr>
-          <p:cNvPr id="3" name="Text Placeholder 2">
+          <p:cNvPr id="4" name="Text Placeholder 3">
             <a:extLst>
               <a:ext uri="{FF2B5EF4-FFF2-40B4-BE49-F238E27FC236}">
-                <a16:creationId xmlns:a16="http://schemas.microsoft.com/office/drawing/2014/main" id="{9E15A277-1323-9644-A078-4090B3729416}"/>
+                <a16:creationId xmlns:a16="http://schemas.microsoft.com/office/drawing/2014/main" id="{94D8F0A2-309B-B545-8C29-D643FC88803F}"/>
               </a:ext>
             </a:extLst>
           </p:cNvPr>
@@ -31091,14 +32315,14 @@
           <a:bodyPr/>
           <a:lstStyle/>
           <a:p>
-            <a:endParaRPr lang="en-US"/>
+            <a:endParaRPr lang="en-US" dirty="0"/>
           </a:p>
         </p:txBody>
       </p:sp>
     </p:spTree>
     <p:extLst>
       <p:ext uri="{BB962C8B-B14F-4D97-AF65-F5344CB8AC3E}">
-        <p14:creationId xmlns:p14="http://schemas.microsoft.com/office/powerpoint/2010/main" val="3260361871"/>
+        <p14:creationId xmlns:p14="http://schemas.microsoft.com/office/powerpoint/2010/main" val="2617968978"/>
       </p:ext>
     </p:extLst>
   </p:cSld>
@@ -31231,7 +32455,7 @@
           <p:cNvPr id="2" name="Title 1">
             <a:extLst>
               <a:ext uri="{FF2B5EF4-FFF2-40B4-BE49-F238E27FC236}">
-                <a16:creationId xmlns:a16="http://schemas.microsoft.com/office/drawing/2014/main" id="{0F9C471B-4CB9-534B-AF00-E0FEFDE63E75}"/>
+                <a16:creationId xmlns:a16="http://schemas.microsoft.com/office/drawing/2014/main" id="{0F73A750-FCCE-1B43-B19C-3EF29425C208}"/>
               </a:ext>
             </a:extLst>
           </p:cNvPr>
@@ -31249,7 +32473,7 @@
           <a:p>
             <a:r>
               <a:rPr lang="en-US" dirty="0"/>
-              <a:t>Making Data More Consistent</a:t>
+              <a:t>Cleaning Your Data</a:t>
             </a:r>
           </a:p>
         </p:txBody>
@@ -31259,7 +32483,7 @@
           <p:cNvPr id="3" name="Text Placeholder 2">
             <a:extLst>
               <a:ext uri="{FF2B5EF4-FFF2-40B4-BE49-F238E27FC236}">
-                <a16:creationId xmlns:a16="http://schemas.microsoft.com/office/drawing/2014/main" id="{F45FAE89-9E67-0A43-A422-22847A7FD8CA}"/>
+                <a16:creationId xmlns:a16="http://schemas.microsoft.com/office/drawing/2014/main" id="{47EB4147-976C-5F4C-8296-9593979C5497}"/>
               </a:ext>
             </a:extLst>
           </p:cNvPr>
@@ -31282,7 +32506,7 @@
     </p:spTree>
     <p:extLst>
       <p:ext uri="{BB962C8B-B14F-4D97-AF65-F5344CB8AC3E}">
-        <p14:creationId xmlns:p14="http://schemas.microsoft.com/office/powerpoint/2010/main" val="3958965914"/>
+        <p14:creationId xmlns:p14="http://schemas.microsoft.com/office/powerpoint/2010/main" val="520519833"/>
       </p:ext>
     </p:extLst>
   </p:cSld>
@@ -31314,7 +32538,7 @@
           <p:cNvPr id="2" name="Title 1">
             <a:extLst>
               <a:ext uri="{FF2B5EF4-FFF2-40B4-BE49-F238E27FC236}">
-                <a16:creationId xmlns:a16="http://schemas.microsoft.com/office/drawing/2014/main" id="{2E92257E-A8A0-2740-A0E2-3034B8C6ADD9}"/>
+                <a16:creationId xmlns:a16="http://schemas.microsoft.com/office/drawing/2014/main" id="{8AADCE9C-567B-F343-AD3A-DCEED7751871}"/>
               </a:ext>
             </a:extLst>
           </p:cNvPr>
@@ -31332,7 +32556,7 @@
           <a:p>
             <a:r>
               <a:rPr lang="en-US" dirty="0"/>
-              <a:t>Splitting Fields</a:t>
+              <a:t>Merge and Clean</a:t>
             </a:r>
           </a:p>
         </p:txBody>
@@ -31342,7 +32566,7 @@
           <p:cNvPr id="3" name="Text Placeholder 2">
             <a:extLst>
               <a:ext uri="{FF2B5EF4-FFF2-40B4-BE49-F238E27FC236}">
-                <a16:creationId xmlns:a16="http://schemas.microsoft.com/office/drawing/2014/main" id="{20C4FAF8-0C73-5A41-8B13-61EF434F64B4}"/>
+                <a16:creationId xmlns:a16="http://schemas.microsoft.com/office/drawing/2014/main" id="{9E15A277-1323-9644-A078-4090B3729416}"/>
               </a:ext>
             </a:extLst>
           </p:cNvPr>
@@ -31365,7 +32589,7 @@
     </p:spTree>
     <p:extLst>
       <p:ext uri="{BB962C8B-B14F-4D97-AF65-F5344CB8AC3E}">
-        <p14:creationId xmlns:p14="http://schemas.microsoft.com/office/powerpoint/2010/main" val="49218107"/>
+        <p14:creationId xmlns:p14="http://schemas.microsoft.com/office/powerpoint/2010/main" val="3260361871"/>
       </p:ext>
     </p:extLst>
   </p:cSld>
@@ -31397,7 +32621,7 @@
           <p:cNvPr id="2" name="Title 1">
             <a:extLst>
               <a:ext uri="{FF2B5EF4-FFF2-40B4-BE49-F238E27FC236}">
-                <a16:creationId xmlns:a16="http://schemas.microsoft.com/office/drawing/2014/main" id="{8ECBCB28-8413-5140-A949-761083F81470}"/>
+                <a16:creationId xmlns:a16="http://schemas.microsoft.com/office/drawing/2014/main" id="{0F9C471B-4CB9-534B-AF00-E0FEFDE63E75}"/>
               </a:ext>
             </a:extLst>
           </p:cNvPr>
@@ -31415,7 +32639,7 @@
           <a:p>
             <a:r>
               <a:rPr lang="en-US" dirty="0"/>
-              <a:t>Recommendations</a:t>
+              <a:t>Making Data More Consistent</a:t>
             </a:r>
           </a:p>
         </p:txBody>
@@ -31425,7 +32649,7 @@
           <p:cNvPr id="3" name="Text Placeholder 2">
             <a:extLst>
               <a:ext uri="{FF2B5EF4-FFF2-40B4-BE49-F238E27FC236}">
-                <a16:creationId xmlns:a16="http://schemas.microsoft.com/office/drawing/2014/main" id="{DE38BA79-005D-F748-8EF0-DDBDB31CFBF0}"/>
+                <a16:creationId xmlns:a16="http://schemas.microsoft.com/office/drawing/2014/main" id="{F45FAE89-9E67-0A43-A422-22847A7FD8CA}"/>
               </a:ext>
             </a:extLst>
           </p:cNvPr>
@@ -31448,7 +32672,7 @@
     </p:spTree>
     <p:extLst>
       <p:ext uri="{BB962C8B-B14F-4D97-AF65-F5344CB8AC3E}">
-        <p14:creationId xmlns:p14="http://schemas.microsoft.com/office/powerpoint/2010/main" val="3708025470"/>
+        <p14:creationId xmlns:p14="http://schemas.microsoft.com/office/powerpoint/2010/main" val="3958965914"/>
       </p:ext>
     </p:extLst>
   </p:cSld>
@@ -31480,7 +32704,7 @@
           <p:cNvPr id="2" name="Title 1">
             <a:extLst>
               <a:ext uri="{FF2B5EF4-FFF2-40B4-BE49-F238E27FC236}">
-                <a16:creationId xmlns:a16="http://schemas.microsoft.com/office/drawing/2014/main" id="{56B44BDD-EA88-2D47-A6B7-E02FE22AD315}"/>
+                <a16:creationId xmlns:a16="http://schemas.microsoft.com/office/drawing/2014/main" id="{2E92257E-A8A0-2740-A0E2-3034B8C6ADD9}"/>
               </a:ext>
             </a:extLst>
           </p:cNvPr>
@@ -31498,7 +32722,7 @@
           <a:p>
             <a:r>
               <a:rPr lang="en-US" dirty="0"/>
-              <a:t>Handling NULL Values</a:t>
+              <a:t>Splitting Fields</a:t>
             </a:r>
           </a:p>
         </p:txBody>
@@ -31508,7 +32732,7 @@
           <p:cNvPr id="3" name="Text Placeholder 2">
             <a:extLst>
               <a:ext uri="{FF2B5EF4-FFF2-40B4-BE49-F238E27FC236}">
-                <a16:creationId xmlns:a16="http://schemas.microsoft.com/office/drawing/2014/main" id="{35B8F14B-39CF-AF41-99E1-2E843C247A56}"/>
+                <a16:creationId xmlns:a16="http://schemas.microsoft.com/office/drawing/2014/main" id="{20C4FAF8-0C73-5A41-8B13-61EF434F64B4}"/>
               </a:ext>
             </a:extLst>
           </p:cNvPr>
@@ -31531,7 +32755,7 @@
     </p:spTree>
     <p:extLst>
       <p:ext uri="{BB962C8B-B14F-4D97-AF65-F5344CB8AC3E}">
-        <p14:creationId xmlns:p14="http://schemas.microsoft.com/office/powerpoint/2010/main" val="3654839068"/>
+        <p14:creationId xmlns:p14="http://schemas.microsoft.com/office/powerpoint/2010/main" val="49218107"/>
       </p:ext>
     </p:extLst>
   </p:cSld>
@@ -31563,7 +32787,7 @@
           <p:cNvPr id="2" name="Title 1">
             <a:extLst>
               <a:ext uri="{FF2B5EF4-FFF2-40B4-BE49-F238E27FC236}">
-                <a16:creationId xmlns:a16="http://schemas.microsoft.com/office/drawing/2014/main" id="{505FEF39-4D4F-234C-A7CC-3D508B076ECC}"/>
+                <a16:creationId xmlns:a16="http://schemas.microsoft.com/office/drawing/2014/main" id="{8ECBCB28-8413-5140-A949-761083F81470}"/>
               </a:ext>
             </a:extLst>
           </p:cNvPr>
@@ -31581,7 +32805,7 @@
           <a:p>
             <a:r>
               <a:rPr lang="en-US" dirty="0"/>
-              <a:t>Filtering Records</a:t>
+              <a:t>Recommendations</a:t>
             </a:r>
           </a:p>
         </p:txBody>
@@ -31591,7 +32815,7 @@
           <p:cNvPr id="3" name="Text Placeholder 2">
             <a:extLst>
               <a:ext uri="{FF2B5EF4-FFF2-40B4-BE49-F238E27FC236}">
-                <a16:creationId xmlns:a16="http://schemas.microsoft.com/office/drawing/2014/main" id="{F0A2B6CF-1628-4546-AF20-667E71376CF7}"/>
+                <a16:creationId xmlns:a16="http://schemas.microsoft.com/office/drawing/2014/main" id="{DE38BA79-005D-F748-8EF0-DDBDB31CFBF0}"/>
               </a:ext>
             </a:extLst>
           </p:cNvPr>
@@ -31614,7 +32838,7 @@
     </p:spTree>
     <p:extLst>
       <p:ext uri="{BB962C8B-B14F-4D97-AF65-F5344CB8AC3E}">
-        <p14:creationId xmlns:p14="http://schemas.microsoft.com/office/powerpoint/2010/main" val="1615717970"/>
+        <p14:creationId xmlns:p14="http://schemas.microsoft.com/office/powerpoint/2010/main" val="3708025470"/>
       </p:ext>
     </p:extLst>
   </p:cSld>
@@ -31646,7 +32870,7 @@
           <p:cNvPr id="2" name="Title 1">
             <a:extLst>
               <a:ext uri="{FF2B5EF4-FFF2-40B4-BE49-F238E27FC236}">
-                <a16:creationId xmlns:a16="http://schemas.microsoft.com/office/drawing/2014/main" id="{C3A4853A-6621-BF48-99C0-CF9E50FA3A1F}"/>
+                <a16:creationId xmlns:a16="http://schemas.microsoft.com/office/drawing/2014/main" id="{56B44BDD-EA88-2D47-A6B7-E02FE22AD315}"/>
               </a:ext>
             </a:extLst>
           </p:cNvPr>
@@ -31664,15 +32888,40 @@
           <a:p>
             <a:r>
               <a:rPr lang="en-US" dirty="0"/>
-              <a:t>Module 6: Group and Replace</a:t>
+              <a:t>Handling NULL Values</a:t>
             </a:r>
+          </a:p>
+        </p:txBody>
+      </p:sp>
+      <p:sp>
+        <p:nvSpPr>
+          <p:cNvPr id="3" name="Text Placeholder 2">
+            <a:extLst>
+              <a:ext uri="{FF2B5EF4-FFF2-40B4-BE49-F238E27FC236}">
+                <a16:creationId xmlns:a16="http://schemas.microsoft.com/office/drawing/2014/main" id="{35B8F14B-39CF-AF41-99E1-2E843C247A56}"/>
+              </a:ext>
+            </a:extLst>
+          </p:cNvPr>
+          <p:cNvSpPr>
+            <a:spLocks noGrp="1"/>
+          </p:cNvSpPr>
+          <p:nvPr>
+            <p:ph type="body" sz="quarter" idx="10"/>
+          </p:nvPr>
+        </p:nvSpPr>
+        <p:spPr/>
+        <p:txBody>
+          <a:bodyPr/>
+          <a:lstStyle/>
+          <a:p>
+            <a:endParaRPr lang="en-US"/>
           </a:p>
         </p:txBody>
       </p:sp>
     </p:spTree>
     <p:extLst>
       <p:ext uri="{BB962C8B-B14F-4D97-AF65-F5344CB8AC3E}">
-        <p14:creationId xmlns:p14="http://schemas.microsoft.com/office/powerpoint/2010/main" val="3911395177"/>
+        <p14:creationId xmlns:p14="http://schemas.microsoft.com/office/powerpoint/2010/main" val="3654839068"/>
       </p:ext>
     </p:extLst>
   </p:cSld>
@@ -31704,7 +32953,7 @@
           <p:cNvPr id="2" name="Title 1">
             <a:extLst>
               <a:ext uri="{FF2B5EF4-FFF2-40B4-BE49-F238E27FC236}">
-                <a16:creationId xmlns:a16="http://schemas.microsoft.com/office/drawing/2014/main" id="{3480EC15-00FE-FC41-ADF7-549E87A4B4F2}"/>
+                <a16:creationId xmlns:a16="http://schemas.microsoft.com/office/drawing/2014/main" id="{505FEF39-4D4F-234C-A7CC-3D508B076ECC}"/>
               </a:ext>
             </a:extLst>
           </p:cNvPr>
@@ -31722,7 +32971,7 @@
           <a:p>
             <a:r>
               <a:rPr lang="en-US" dirty="0"/>
-              <a:t>Group and Replace</a:t>
+              <a:t>Filtering Records</a:t>
             </a:r>
           </a:p>
         </p:txBody>
@@ -31732,7 +32981,7 @@
           <p:cNvPr id="3" name="Text Placeholder 2">
             <a:extLst>
               <a:ext uri="{FF2B5EF4-FFF2-40B4-BE49-F238E27FC236}">
-                <a16:creationId xmlns:a16="http://schemas.microsoft.com/office/drawing/2014/main" id="{52CBEEB9-F887-F642-BD6A-347CE2FA09FB}"/>
+                <a16:creationId xmlns:a16="http://schemas.microsoft.com/office/drawing/2014/main" id="{F0A2B6CF-1628-4546-AF20-667E71376CF7}"/>
               </a:ext>
             </a:extLst>
           </p:cNvPr>
@@ -31755,7 +33004,7 @@
     </p:spTree>
     <p:extLst>
       <p:ext uri="{BB962C8B-B14F-4D97-AF65-F5344CB8AC3E}">
-        <p14:creationId xmlns:p14="http://schemas.microsoft.com/office/powerpoint/2010/main" val="4144102751"/>
+        <p14:creationId xmlns:p14="http://schemas.microsoft.com/office/powerpoint/2010/main" val="1615717970"/>
       </p:ext>
     </p:extLst>
   </p:cSld>
@@ -31787,7 +33036,7 @@
           <p:cNvPr id="2" name="Title 1">
             <a:extLst>
               <a:ext uri="{FF2B5EF4-FFF2-40B4-BE49-F238E27FC236}">
-                <a16:creationId xmlns:a16="http://schemas.microsoft.com/office/drawing/2014/main" id="{5EF4012B-FF41-2C4E-B2EF-2972C9D9184A}"/>
+                <a16:creationId xmlns:a16="http://schemas.microsoft.com/office/drawing/2014/main" id="{C3A4853A-6621-BF48-99C0-CF9E50FA3A1F}"/>
               </a:ext>
             </a:extLst>
           </p:cNvPr>
@@ -31805,45 +33054,15 @@
           <a:p>
             <a:r>
               <a:rPr lang="en-US" dirty="0"/>
-              <a:t>Manual</a:t>
+              <a:t>Module 6: Group and Replace</a:t>
             </a:r>
-            <a:r>
-              <a:rPr lang="en-US" baseline="0" dirty="0"/>
-              <a:t> Selection</a:t>
-            </a:r>
-            <a:endParaRPr lang="en-US" dirty="0"/>
-          </a:p>
-        </p:txBody>
-      </p:sp>
-      <p:sp>
-        <p:nvSpPr>
-          <p:cNvPr id="3" name="Text Placeholder 2">
-            <a:extLst>
-              <a:ext uri="{FF2B5EF4-FFF2-40B4-BE49-F238E27FC236}">
-                <a16:creationId xmlns:a16="http://schemas.microsoft.com/office/drawing/2014/main" id="{404BE848-6263-0145-B9F8-9619C16139F0}"/>
-              </a:ext>
-            </a:extLst>
-          </p:cNvPr>
-          <p:cNvSpPr>
-            <a:spLocks noGrp="1"/>
-          </p:cNvSpPr>
-          <p:nvPr>
-            <p:ph type="body" sz="quarter" idx="10"/>
-          </p:nvPr>
-        </p:nvSpPr>
-        <p:spPr/>
-        <p:txBody>
-          <a:bodyPr/>
-          <a:lstStyle/>
-          <a:p>
-            <a:endParaRPr lang="en-US"/>
           </a:p>
         </p:txBody>
       </p:sp>
     </p:spTree>
     <p:extLst>
       <p:ext uri="{BB962C8B-B14F-4D97-AF65-F5344CB8AC3E}">
-        <p14:creationId xmlns:p14="http://schemas.microsoft.com/office/powerpoint/2010/main" val="1517578569"/>
+        <p14:creationId xmlns:p14="http://schemas.microsoft.com/office/powerpoint/2010/main" val="3911395177"/>
       </p:ext>
     </p:extLst>
   </p:cSld>
@@ -31875,7 +33094,7 @@
           <p:cNvPr id="2" name="Title 1">
             <a:extLst>
               <a:ext uri="{FF2B5EF4-FFF2-40B4-BE49-F238E27FC236}">
-                <a16:creationId xmlns:a16="http://schemas.microsoft.com/office/drawing/2014/main" id="{B8CB6C30-3AB2-3744-B360-453B167B4FF4}"/>
+                <a16:creationId xmlns:a16="http://schemas.microsoft.com/office/drawing/2014/main" id="{3480EC15-00FE-FC41-ADF7-549E87A4B4F2}"/>
               </a:ext>
             </a:extLst>
           </p:cNvPr>
@@ -31893,7 +33112,7 @@
           <a:p>
             <a:r>
               <a:rPr lang="en-US" dirty="0"/>
-              <a:t>Grouping by Pronunciation</a:t>
+              <a:t>Group and Replace</a:t>
             </a:r>
           </a:p>
         </p:txBody>
@@ -31903,7 +33122,7 @@
           <p:cNvPr id="3" name="Text Placeholder 2">
             <a:extLst>
               <a:ext uri="{FF2B5EF4-FFF2-40B4-BE49-F238E27FC236}">
-                <a16:creationId xmlns:a16="http://schemas.microsoft.com/office/drawing/2014/main" id="{3114DC91-50BA-4E48-B2AF-D3791A89BC17}"/>
+                <a16:creationId xmlns:a16="http://schemas.microsoft.com/office/drawing/2014/main" id="{52CBEEB9-F887-F642-BD6A-347CE2FA09FB}"/>
               </a:ext>
             </a:extLst>
           </p:cNvPr>
@@ -31926,7 +33145,7 @@
     </p:spTree>
     <p:extLst>
       <p:ext uri="{BB962C8B-B14F-4D97-AF65-F5344CB8AC3E}">
-        <p14:creationId xmlns:p14="http://schemas.microsoft.com/office/powerpoint/2010/main" val="4105177919"/>
+        <p14:creationId xmlns:p14="http://schemas.microsoft.com/office/powerpoint/2010/main" val="4144102751"/>
       </p:ext>
     </p:extLst>
   </p:cSld>
@@ -31958,7 +33177,7 @@
           <p:cNvPr id="2" name="Title 1">
             <a:extLst>
               <a:ext uri="{FF2B5EF4-FFF2-40B4-BE49-F238E27FC236}">
-                <a16:creationId xmlns:a16="http://schemas.microsoft.com/office/drawing/2014/main" id="{F667AD0A-11C2-034F-9745-119770BC4F74}"/>
+                <a16:creationId xmlns:a16="http://schemas.microsoft.com/office/drawing/2014/main" id="{5EF4012B-FF41-2C4E-B2EF-2972C9D9184A}"/>
               </a:ext>
             </a:extLst>
           </p:cNvPr>
@@ -31976,11 +33195,11 @@
           <a:p>
             <a:r>
               <a:rPr lang="en-US" dirty="0"/>
-              <a:t>Grouping</a:t>
+              <a:t>Manual</a:t>
             </a:r>
             <a:r>
               <a:rPr lang="en-US" baseline="0" dirty="0"/>
-              <a:t> by Common Characters</a:t>
+              <a:t> Selection</a:t>
             </a:r>
             <a:endParaRPr lang="en-US" dirty="0"/>
           </a:p>
@@ -31991,7 +33210,7 @@
           <p:cNvPr id="3" name="Text Placeholder 2">
             <a:extLst>
               <a:ext uri="{FF2B5EF4-FFF2-40B4-BE49-F238E27FC236}">
-                <a16:creationId xmlns:a16="http://schemas.microsoft.com/office/drawing/2014/main" id="{E01C124F-BC23-884A-8940-AE40F6201DB9}"/>
+                <a16:creationId xmlns:a16="http://schemas.microsoft.com/office/drawing/2014/main" id="{404BE848-6263-0145-B9F8-9619C16139F0}"/>
               </a:ext>
             </a:extLst>
           </p:cNvPr>
@@ -32014,7 +33233,7 @@
     </p:spTree>
     <p:extLst>
       <p:ext uri="{BB962C8B-B14F-4D97-AF65-F5344CB8AC3E}">
-        <p14:creationId xmlns:p14="http://schemas.microsoft.com/office/powerpoint/2010/main" val="737931396"/>
+        <p14:creationId xmlns:p14="http://schemas.microsoft.com/office/powerpoint/2010/main" val="1517578569"/>
       </p:ext>
     </p:extLst>
   </p:cSld>
@@ -32195,7 +33414,7 @@
           <p:cNvPr id="2" name="Title 1">
             <a:extLst>
               <a:ext uri="{FF2B5EF4-FFF2-40B4-BE49-F238E27FC236}">
-                <a16:creationId xmlns:a16="http://schemas.microsoft.com/office/drawing/2014/main" id="{7A902A4D-3605-F64D-99D9-C7BD9542C2E4}"/>
+                <a16:creationId xmlns:a16="http://schemas.microsoft.com/office/drawing/2014/main" id="{B8CB6C30-3AB2-3744-B360-453B167B4FF4}"/>
               </a:ext>
             </a:extLst>
           </p:cNvPr>
@@ -32213,7 +33432,7 @@
           <a:p>
             <a:r>
               <a:rPr lang="en-US" dirty="0"/>
-              <a:t>Grouping by Spelling</a:t>
+              <a:t>Grouping by Pronunciation</a:t>
             </a:r>
           </a:p>
         </p:txBody>
@@ -32223,7 +33442,7 @@
           <p:cNvPr id="3" name="Text Placeholder 2">
             <a:extLst>
               <a:ext uri="{FF2B5EF4-FFF2-40B4-BE49-F238E27FC236}">
-                <a16:creationId xmlns:a16="http://schemas.microsoft.com/office/drawing/2014/main" id="{1D73BADE-B533-CE4F-B5B8-CAB06C368000}"/>
+                <a16:creationId xmlns:a16="http://schemas.microsoft.com/office/drawing/2014/main" id="{3114DC91-50BA-4E48-B2AF-D3791A89BC17}"/>
               </a:ext>
             </a:extLst>
           </p:cNvPr>
@@ -32246,7 +33465,7 @@
     </p:spTree>
     <p:extLst>
       <p:ext uri="{BB962C8B-B14F-4D97-AF65-F5344CB8AC3E}">
-        <p14:creationId xmlns:p14="http://schemas.microsoft.com/office/powerpoint/2010/main" val="3770955645"/>
+        <p14:creationId xmlns:p14="http://schemas.microsoft.com/office/powerpoint/2010/main" val="4105177919"/>
       </p:ext>
     </p:extLst>
   </p:cSld>
@@ -32278,7 +33497,7 @@
           <p:cNvPr id="2" name="Title 1">
             <a:extLst>
               <a:ext uri="{FF2B5EF4-FFF2-40B4-BE49-F238E27FC236}">
-                <a16:creationId xmlns:a16="http://schemas.microsoft.com/office/drawing/2014/main" id="{098CEEC1-7F87-F34D-B9A4-7EA9EFA2F688}"/>
+                <a16:creationId xmlns:a16="http://schemas.microsoft.com/office/drawing/2014/main" id="{F667AD0A-11C2-034F-9745-119770BC4F74}"/>
               </a:ext>
             </a:extLst>
           </p:cNvPr>
@@ -32296,15 +33515,45 @@
           <a:p>
             <a:r>
               <a:rPr lang="en-US" dirty="0"/>
-              <a:t>Module 7: Aggregating and Pivoting Data</a:t>
+              <a:t>Grouping</a:t>
             </a:r>
+            <a:r>
+              <a:rPr lang="en-US" baseline="0" dirty="0"/>
+              <a:t> by Common Characters</a:t>
+            </a:r>
+            <a:endParaRPr lang="en-US" dirty="0"/>
+          </a:p>
+        </p:txBody>
+      </p:sp>
+      <p:sp>
+        <p:nvSpPr>
+          <p:cNvPr id="3" name="Text Placeholder 2">
+            <a:extLst>
+              <a:ext uri="{FF2B5EF4-FFF2-40B4-BE49-F238E27FC236}">
+                <a16:creationId xmlns:a16="http://schemas.microsoft.com/office/drawing/2014/main" id="{E01C124F-BC23-884A-8940-AE40F6201DB9}"/>
+              </a:ext>
+            </a:extLst>
+          </p:cNvPr>
+          <p:cNvSpPr>
+            <a:spLocks noGrp="1"/>
+          </p:cNvSpPr>
+          <p:nvPr>
+            <p:ph type="body" sz="quarter" idx="10"/>
+          </p:nvPr>
+        </p:nvSpPr>
+        <p:spPr/>
+        <p:txBody>
+          <a:bodyPr/>
+          <a:lstStyle/>
+          <a:p>
+            <a:endParaRPr lang="en-US"/>
           </a:p>
         </p:txBody>
       </p:sp>
     </p:spTree>
     <p:extLst>
       <p:ext uri="{BB962C8B-B14F-4D97-AF65-F5344CB8AC3E}">
-        <p14:creationId xmlns:p14="http://schemas.microsoft.com/office/powerpoint/2010/main" val="2030434778"/>
+        <p14:creationId xmlns:p14="http://schemas.microsoft.com/office/powerpoint/2010/main" val="737931396"/>
       </p:ext>
     </p:extLst>
   </p:cSld>
@@ -32336,7 +33585,7 @@
           <p:cNvPr id="2" name="Title 1">
             <a:extLst>
               <a:ext uri="{FF2B5EF4-FFF2-40B4-BE49-F238E27FC236}">
-                <a16:creationId xmlns:a16="http://schemas.microsoft.com/office/drawing/2014/main" id="{7A459FFD-D6CD-5B4A-9BCB-E8A05891ABD0}"/>
+                <a16:creationId xmlns:a16="http://schemas.microsoft.com/office/drawing/2014/main" id="{7A902A4D-3605-F64D-99D9-C7BD9542C2E4}"/>
               </a:ext>
             </a:extLst>
           </p:cNvPr>
@@ -32354,7 +33603,7 @@
           <a:p>
             <a:r>
               <a:rPr lang="en-US" dirty="0"/>
-              <a:t>Aggregating Data</a:t>
+              <a:t>Grouping by Spelling</a:t>
             </a:r>
           </a:p>
         </p:txBody>
@@ -32364,7 +33613,7 @@
           <p:cNvPr id="3" name="Text Placeholder 2">
             <a:extLst>
               <a:ext uri="{FF2B5EF4-FFF2-40B4-BE49-F238E27FC236}">
-                <a16:creationId xmlns:a16="http://schemas.microsoft.com/office/drawing/2014/main" id="{8B206731-BB58-084E-9F91-E2037F0BB52D}"/>
+                <a16:creationId xmlns:a16="http://schemas.microsoft.com/office/drawing/2014/main" id="{1D73BADE-B533-CE4F-B5B8-CAB06C368000}"/>
               </a:ext>
             </a:extLst>
           </p:cNvPr>
@@ -32387,7 +33636,7 @@
     </p:spTree>
     <p:extLst>
       <p:ext uri="{BB962C8B-B14F-4D97-AF65-F5344CB8AC3E}">
-        <p14:creationId xmlns:p14="http://schemas.microsoft.com/office/powerpoint/2010/main" val="3081864923"/>
+        <p14:creationId xmlns:p14="http://schemas.microsoft.com/office/powerpoint/2010/main" val="3770955645"/>
       </p:ext>
     </p:extLst>
   </p:cSld>
@@ -32419,7 +33668,7 @@
           <p:cNvPr id="2" name="Title 1">
             <a:extLst>
               <a:ext uri="{FF2B5EF4-FFF2-40B4-BE49-F238E27FC236}">
-                <a16:creationId xmlns:a16="http://schemas.microsoft.com/office/drawing/2014/main" id="{3B856723-7D74-B54B-8C18-AFFA49BB0578}"/>
+                <a16:creationId xmlns:a16="http://schemas.microsoft.com/office/drawing/2014/main" id="{098CEEC1-7F87-F34D-B9A4-7EA9EFA2F688}"/>
               </a:ext>
             </a:extLst>
           </p:cNvPr>
@@ -32437,40 +33686,15 @@
           <a:p>
             <a:r>
               <a:rPr lang="en-US" dirty="0"/>
-              <a:t>Pivoting Data</a:t>
+              <a:t>Module 7: Aggregating and Pivoting Data</a:t>
             </a:r>
-          </a:p>
-        </p:txBody>
-      </p:sp>
-      <p:sp>
-        <p:nvSpPr>
-          <p:cNvPr id="3" name="Text Placeholder 2">
-            <a:extLst>
-              <a:ext uri="{FF2B5EF4-FFF2-40B4-BE49-F238E27FC236}">
-                <a16:creationId xmlns:a16="http://schemas.microsoft.com/office/drawing/2014/main" id="{C07C88D3-0BAE-8749-84FF-FD11C5D739E5}"/>
-              </a:ext>
-            </a:extLst>
-          </p:cNvPr>
-          <p:cNvSpPr>
-            <a:spLocks noGrp="1"/>
-          </p:cNvSpPr>
-          <p:nvPr>
-            <p:ph type="body" sz="quarter" idx="10"/>
-          </p:nvPr>
-        </p:nvSpPr>
-        <p:spPr/>
-        <p:txBody>
-          <a:bodyPr/>
-          <a:lstStyle/>
-          <a:p>
-            <a:endParaRPr lang="en-US"/>
           </a:p>
         </p:txBody>
       </p:sp>
     </p:spTree>
     <p:extLst>
       <p:ext uri="{BB962C8B-B14F-4D97-AF65-F5344CB8AC3E}">
-        <p14:creationId xmlns:p14="http://schemas.microsoft.com/office/powerpoint/2010/main" val="2826624053"/>
+        <p14:creationId xmlns:p14="http://schemas.microsoft.com/office/powerpoint/2010/main" val="2030434778"/>
       </p:ext>
     </p:extLst>
   </p:cSld>
@@ -32502,7 +33726,7 @@
           <p:cNvPr id="2" name="Title 1">
             <a:extLst>
               <a:ext uri="{FF2B5EF4-FFF2-40B4-BE49-F238E27FC236}">
-                <a16:creationId xmlns:a16="http://schemas.microsoft.com/office/drawing/2014/main" id="{6B5CDC5B-FC9D-9E42-ACCA-21C364287987}"/>
+                <a16:creationId xmlns:a16="http://schemas.microsoft.com/office/drawing/2014/main" id="{7A459FFD-D6CD-5B4A-9BCB-E8A05891ABD0}"/>
               </a:ext>
             </a:extLst>
           </p:cNvPr>
@@ -32520,7 +33744,7 @@
           <a:p>
             <a:r>
               <a:rPr lang="en-US" dirty="0"/>
-              <a:t>Unpivoting Data</a:t>
+              <a:t>Aggregating Data</a:t>
             </a:r>
           </a:p>
         </p:txBody>
@@ -32530,7 +33754,7 @@
           <p:cNvPr id="3" name="Text Placeholder 2">
             <a:extLst>
               <a:ext uri="{FF2B5EF4-FFF2-40B4-BE49-F238E27FC236}">
-                <a16:creationId xmlns:a16="http://schemas.microsoft.com/office/drawing/2014/main" id="{7D0F7560-7895-1E4C-93E5-863F23F78976}"/>
+                <a16:creationId xmlns:a16="http://schemas.microsoft.com/office/drawing/2014/main" id="{8B206731-BB58-084E-9F91-E2037F0BB52D}"/>
               </a:ext>
             </a:extLst>
           </p:cNvPr>
@@ -32553,7 +33777,7 @@
     </p:spTree>
     <p:extLst>
       <p:ext uri="{BB962C8B-B14F-4D97-AF65-F5344CB8AC3E}">
-        <p14:creationId xmlns:p14="http://schemas.microsoft.com/office/powerpoint/2010/main" val="223869305"/>
+        <p14:creationId xmlns:p14="http://schemas.microsoft.com/office/powerpoint/2010/main" val="3081864923"/>
       </p:ext>
     </p:extLst>
   </p:cSld>
@@ -32585,7 +33809,7 @@
           <p:cNvPr id="2" name="Title 1">
             <a:extLst>
               <a:ext uri="{FF2B5EF4-FFF2-40B4-BE49-F238E27FC236}">
-                <a16:creationId xmlns:a16="http://schemas.microsoft.com/office/drawing/2014/main" id="{BD3CC3C1-820E-1F4C-9494-4CA16BC01F49}"/>
+                <a16:creationId xmlns:a16="http://schemas.microsoft.com/office/drawing/2014/main" id="{3B856723-7D74-B54B-8C18-AFFA49BB0578}"/>
               </a:ext>
             </a:extLst>
           </p:cNvPr>
@@ -32603,15 +33827,40 @@
           <a:p>
             <a:r>
               <a:rPr lang="en-US" dirty="0"/>
-              <a:t>Part III: Load</a:t>
+              <a:t>Pivoting Data</a:t>
             </a:r>
+          </a:p>
+        </p:txBody>
+      </p:sp>
+      <p:sp>
+        <p:nvSpPr>
+          <p:cNvPr id="3" name="Text Placeholder 2">
+            <a:extLst>
+              <a:ext uri="{FF2B5EF4-FFF2-40B4-BE49-F238E27FC236}">
+                <a16:creationId xmlns:a16="http://schemas.microsoft.com/office/drawing/2014/main" id="{C07C88D3-0BAE-8749-84FF-FD11C5D739E5}"/>
+              </a:ext>
+            </a:extLst>
+          </p:cNvPr>
+          <p:cNvSpPr>
+            <a:spLocks noGrp="1"/>
+          </p:cNvSpPr>
+          <p:nvPr>
+            <p:ph type="body" sz="quarter" idx="10"/>
+          </p:nvPr>
+        </p:nvSpPr>
+        <p:spPr/>
+        <p:txBody>
+          <a:bodyPr/>
+          <a:lstStyle/>
+          <a:p>
+            <a:endParaRPr lang="en-US"/>
           </a:p>
         </p:txBody>
       </p:sp>
     </p:spTree>
     <p:extLst>
       <p:ext uri="{BB962C8B-B14F-4D97-AF65-F5344CB8AC3E}">
-        <p14:creationId xmlns:p14="http://schemas.microsoft.com/office/powerpoint/2010/main" val="2503839061"/>
+        <p14:creationId xmlns:p14="http://schemas.microsoft.com/office/powerpoint/2010/main" val="2826624053"/>
       </p:ext>
     </p:extLst>
   </p:cSld>
@@ -32643,7 +33892,7 @@
           <p:cNvPr id="2" name="Title 1">
             <a:extLst>
               <a:ext uri="{FF2B5EF4-FFF2-40B4-BE49-F238E27FC236}">
-                <a16:creationId xmlns:a16="http://schemas.microsoft.com/office/drawing/2014/main" id="{C7183894-EC31-F440-9353-89759F05B3EB}"/>
+                <a16:creationId xmlns:a16="http://schemas.microsoft.com/office/drawing/2014/main" id="{6B5CDC5B-FC9D-9E42-ACCA-21C364287987}"/>
               </a:ext>
             </a:extLst>
           </p:cNvPr>
@@ -32661,15 +33910,40 @@
           <a:p>
             <a:r>
               <a:rPr lang="en-US" dirty="0"/>
-              <a:t>Module 8: Output</a:t>
+              <a:t>Unpivoting Data</a:t>
             </a:r>
+          </a:p>
+        </p:txBody>
+      </p:sp>
+      <p:sp>
+        <p:nvSpPr>
+          <p:cNvPr id="3" name="Text Placeholder 2">
+            <a:extLst>
+              <a:ext uri="{FF2B5EF4-FFF2-40B4-BE49-F238E27FC236}">
+                <a16:creationId xmlns:a16="http://schemas.microsoft.com/office/drawing/2014/main" id="{7D0F7560-7895-1E4C-93E5-863F23F78976}"/>
+              </a:ext>
+            </a:extLst>
+          </p:cNvPr>
+          <p:cNvSpPr>
+            <a:spLocks noGrp="1"/>
+          </p:cNvSpPr>
+          <p:nvPr>
+            <p:ph type="body" sz="quarter" idx="10"/>
+          </p:nvPr>
+        </p:nvSpPr>
+        <p:spPr/>
+        <p:txBody>
+          <a:bodyPr/>
+          <a:lstStyle/>
+          <a:p>
+            <a:endParaRPr lang="en-US"/>
           </a:p>
         </p:txBody>
       </p:sp>
     </p:spTree>
     <p:extLst>
       <p:ext uri="{BB962C8B-B14F-4D97-AF65-F5344CB8AC3E}">
-        <p14:creationId xmlns:p14="http://schemas.microsoft.com/office/powerpoint/2010/main" val="2381891199"/>
+        <p14:creationId xmlns:p14="http://schemas.microsoft.com/office/powerpoint/2010/main" val="223869305"/>
       </p:ext>
     </p:extLst>
   </p:cSld>
@@ -32701,7 +33975,7 @@
           <p:cNvPr id="2" name="Title 1">
             <a:extLst>
               <a:ext uri="{FF2B5EF4-FFF2-40B4-BE49-F238E27FC236}">
-                <a16:creationId xmlns:a16="http://schemas.microsoft.com/office/drawing/2014/main" id="{59A8E365-F14F-F541-8BE6-C2E2F4658199}"/>
+                <a16:creationId xmlns:a16="http://schemas.microsoft.com/office/drawing/2014/main" id="{BD3CC3C1-820E-1F4C-9494-4CA16BC01F49}"/>
               </a:ext>
             </a:extLst>
           </p:cNvPr>
@@ -32719,40 +33993,15 @@
           <a:p>
             <a:r>
               <a:rPr lang="en-US" dirty="0"/>
-              <a:t>Outputting to files</a:t>
+              <a:t>Part III: Load</a:t>
             </a:r>
-          </a:p>
-        </p:txBody>
-      </p:sp>
-      <p:sp>
-        <p:nvSpPr>
-          <p:cNvPr id="3" name="Text Placeholder 2">
-            <a:extLst>
-              <a:ext uri="{FF2B5EF4-FFF2-40B4-BE49-F238E27FC236}">
-                <a16:creationId xmlns:a16="http://schemas.microsoft.com/office/drawing/2014/main" id="{6E648436-C250-D445-8FE2-389E92AF5047}"/>
-              </a:ext>
-            </a:extLst>
-          </p:cNvPr>
-          <p:cNvSpPr>
-            <a:spLocks noGrp="1"/>
-          </p:cNvSpPr>
-          <p:nvPr>
-            <p:ph type="body" sz="quarter" idx="10"/>
-          </p:nvPr>
-        </p:nvSpPr>
-        <p:spPr/>
-        <p:txBody>
-          <a:bodyPr/>
-          <a:lstStyle/>
-          <a:p>
-            <a:endParaRPr lang="en-US"/>
           </a:p>
         </p:txBody>
       </p:sp>
     </p:spTree>
     <p:extLst>
       <p:ext uri="{BB962C8B-B14F-4D97-AF65-F5344CB8AC3E}">
-        <p14:creationId xmlns:p14="http://schemas.microsoft.com/office/powerpoint/2010/main" val="3591092714"/>
+        <p14:creationId xmlns:p14="http://schemas.microsoft.com/office/powerpoint/2010/main" val="2503839061"/>
       </p:ext>
     </p:extLst>
   </p:cSld>
@@ -32784,7 +34033,7 @@
           <p:cNvPr id="2" name="Title 1">
             <a:extLst>
               <a:ext uri="{FF2B5EF4-FFF2-40B4-BE49-F238E27FC236}">
-                <a16:creationId xmlns:a16="http://schemas.microsoft.com/office/drawing/2014/main" id="{321139D9-EE71-5749-A7A3-8AC02267C975}"/>
+                <a16:creationId xmlns:a16="http://schemas.microsoft.com/office/drawing/2014/main" id="{C7183894-EC31-F440-9353-89759F05B3EB}"/>
               </a:ext>
             </a:extLst>
           </p:cNvPr>
@@ -32802,40 +34051,15 @@
           <a:p>
             <a:r>
               <a:rPr lang="en-US" dirty="0"/>
-              <a:t>Outputting to other destinations</a:t>
+              <a:t>Module 8: Output</a:t>
             </a:r>
-          </a:p>
-        </p:txBody>
-      </p:sp>
-      <p:sp>
-        <p:nvSpPr>
-          <p:cNvPr id="3" name="Text Placeholder 2">
-            <a:extLst>
-              <a:ext uri="{FF2B5EF4-FFF2-40B4-BE49-F238E27FC236}">
-                <a16:creationId xmlns:a16="http://schemas.microsoft.com/office/drawing/2014/main" id="{05636DDC-007A-D447-8410-CAD87BA30D78}"/>
-              </a:ext>
-            </a:extLst>
-          </p:cNvPr>
-          <p:cNvSpPr>
-            <a:spLocks noGrp="1"/>
-          </p:cNvSpPr>
-          <p:nvPr>
-            <p:ph type="body" sz="quarter" idx="10"/>
-          </p:nvPr>
-        </p:nvSpPr>
-        <p:spPr/>
-        <p:txBody>
-          <a:bodyPr/>
-          <a:lstStyle/>
-          <a:p>
-            <a:endParaRPr lang="en-US"/>
           </a:p>
         </p:txBody>
       </p:sp>
     </p:spTree>
     <p:extLst>
       <p:ext uri="{BB962C8B-B14F-4D97-AF65-F5344CB8AC3E}">
-        <p14:creationId xmlns:p14="http://schemas.microsoft.com/office/powerpoint/2010/main" val="4121859749"/>
+        <p14:creationId xmlns:p14="http://schemas.microsoft.com/office/powerpoint/2010/main" val="2381891199"/>
       </p:ext>
     </p:extLst>
   </p:cSld>
@@ -32867,7 +34091,7 @@
           <p:cNvPr id="2" name="Title 1">
             <a:extLst>
               <a:ext uri="{FF2B5EF4-FFF2-40B4-BE49-F238E27FC236}">
-                <a16:creationId xmlns:a16="http://schemas.microsoft.com/office/drawing/2014/main" id="{BC13A45F-B701-6042-A1FC-E51DBE17F7A5}"/>
+                <a16:creationId xmlns:a16="http://schemas.microsoft.com/office/drawing/2014/main" id="{59A8E365-F14F-F541-8BE6-C2E2F4658199}"/>
               </a:ext>
             </a:extLst>
           </p:cNvPr>
@@ -32885,20 +34109,40 @@
           <a:p>
             <a:r>
               <a:rPr lang="en-US" dirty="0"/>
-              <a:t>Module 9: Prep Builder Conductor and Publishing Workflows</a:t>
+              <a:t>Outputting to files</a:t>
             </a:r>
-            <a:r>
-              <a:rPr lang="en-US" baseline="0" dirty="0"/>
-              <a:t> to Tableau Server</a:t>
-            </a:r>
-            <a:endParaRPr lang="en-US" dirty="0"/>
+          </a:p>
+        </p:txBody>
+      </p:sp>
+      <p:sp>
+        <p:nvSpPr>
+          <p:cNvPr id="3" name="Text Placeholder 2">
+            <a:extLst>
+              <a:ext uri="{FF2B5EF4-FFF2-40B4-BE49-F238E27FC236}">
+                <a16:creationId xmlns:a16="http://schemas.microsoft.com/office/drawing/2014/main" id="{6E648436-C250-D445-8FE2-389E92AF5047}"/>
+              </a:ext>
+            </a:extLst>
+          </p:cNvPr>
+          <p:cNvSpPr>
+            <a:spLocks noGrp="1"/>
+          </p:cNvSpPr>
+          <p:nvPr>
+            <p:ph type="body" sz="quarter" idx="10"/>
+          </p:nvPr>
+        </p:nvSpPr>
+        <p:spPr/>
+        <p:txBody>
+          <a:bodyPr/>
+          <a:lstStyle/>
+          <a:p>
+            <a:endParaRPr lang="en-US"/>
           </a:p>
         </p:txBody>
       </p:sp>
     </p:spTree>
     <p:extLst>
       <p:ext uri="{BB962C8B-B14F-4D97-AF65-F5344CB8AC3E}">
-        <p14:creationId xmlns:p14="http://schemas.microsoft.com/office/powerpoint/2010/main" val="4173510137"/>
+        <p14:creationId xmlns:p14="http://schemas.microsoft.com/office/powerpoint/2010/main" val="3591092714"/>
       </p:ext>
     </p:extLst>
   </p:cSld>
@@ -33017,39 +34261,18 @@
       </p:grpSpPr>
       <p:sp>
         <p:nvSpPr>
-          <p:cNvPr id="2" name="Title 1"/>
+          <p:cNvPr id="2" name="Title 1">
+            <a:extLst>
+              <a:ext uri="{FF2B5EF4-FFF2-40B4-BE49-F238E27FC236}">
+                <a16:creationId xmlns:a16="http://schemas.microsoft.com/office/drawing/2014/main" id="{321139D9-EE71-5749-A7A3-8AC02267C975}"/>
+              </a:ext>
+            </a:extLst>
+          </p:cNvPr>
           <p:cNvSpPr>
             <a:spLocks noGrp="1"/>
           </p:cNvSpPr>
           <p:nvPr>
             <p:ph type="title"/>
-          </p:nvPr>
-        </p:nvSpPr>
-        <p:spPr/>
-        <p:txBody>
-          <a:bodyPr>
-            <a:normAutofit/>
-          </a:bodyPr>
-          <a:lstStyle/>
-          <a:p>
-            <a:r>
-              <a:rPr lang="en-US" dirty="0"/>
-              <a:t>Tableau Prep Builder Conductor</a:t>
-            </a:r>
-          </a:p>
-          <a:p>
-            <a:endParaRPr lang="en-US" dirty="0"/>
-          </a:p>
-        </p:txBody>
-      </p:sp>
-      <p:sp>
-        <p:nvSpPr>
-          <p:cNvPr id="5" name="Text Placeholder 4"/>
-          <p:cNvSpPr>
-            <a:spLocks noGrp="1"/>
-          </p:cNvSpPr>
-          <p:nvPr>
-            <p:ph type="body" sz="quarter" idx="10"/>
           </p:nvPr>
         </p:nvSpPr>
         <p:spPr/>
@@ -33057,18 +34280,27 @@
           <a:bodyPr/>
           <a:lstStyle/>
           <a:p>
-            <a:endParaRPr lang="en-US"/>
+            <a:r>
+              <a:rPr lang="en-US" dirty="0"/>
+              <a:t>Outputting to other destinations</a:t>
+            </a:r>
           </a:p>
         </p:txBody>
       </p:sp>
       <p:sp>
         <p:nvSpPr>
-          <p:cNvPr id="4" name="Slide Number Placeholder 3"/>
+          <p:cNvPr id="3" name="Text Placeholder 2">
+            <a:extLst>
+              <a:ext uri="{FF2B5EF4-FFF2-40B4-BE49-F238E27FC236}">
+                <a16:creationId xmlns:a16="http://schemas.microsoft.com/office/drawing/2014/main" id="{05636DDC-007A-D447-8410-CAD87BA30D78}"/>
+              </a:ext>
+            </a:extLst>
+          </p:cNvPr>
           <p:cNvSpPr>
             <a:spLocks noGrp="1"/>
           </p:cNvSpPr>
           <p:nvPr>
-            <p:ph type="sldNum" sz="quarter" idx="4294967295"/>
+            <p:ph type="body" sz="quarter" idx="10"/>
           </p:nvPr>
         </p:nvSpPr>
         <p:spPr/>
@@ -33076,18 +34308,14 @@
           <a:bodyPr/>
           <a:lstStyle/>
           <a:p>
-            <a:fld id="{4FAB73BC-B049-4115-A692-8D63A059BFB8}" type="slidenum">
-              <a:rPr lang="en-US" smtClean="0"/>
-              <a:t>90</a:t>
-            </a:fld>
-            <a:endParaRPr lang="en-US" dirty="0"/>
+            <a:endParaRPr lang="en-US"/>
           </a:p>
         </p:txBody>
       </p:sp>
     </p:spTree>
     <p:extLst>
       <p:ext uri="{BB962C8B-B14F-4D97-AF65-F5344CB8AC3E}">
-        <p14:creationId xmlns:p14="http://schemas.microsoft.com/office/powerpoint/2010/main" val="3097242473"/>
+        <p14:creationId xmlns:p14="http://schemas.microsoft.com/office/powerpoint/2010/main" val="4121859749"/>
       </p:ext>
     </p:extLst>
   </p:cSld>
@@ -33116,39 +34344,18 @@
       </p:grpSpPr>
       <p:sp>
         <p:nvSpPr>
-          <p:cNvPr id="2" name="Title 1"/>
+          <p:cNvPr id="2" name="Title 1">
+            <a:extLst>
+              <a:ext uri="{FF2B5EF4-FFF2-40B4-BE49-F238E27FC236}">
+                <a16:creationId xmlns:a16="http://schemas.microsoft.com/office/drawing/2014/main" id="{BC13A45F-B701-6042-A1FC-E51DBE17F7A5}"/>
+              </a:ext>
+            </a:extLst>
+          </p:cNvPr>
           <p:cNvSpPr>
             <a:spLocks noGrp="1"/>
           </p:cNvSpPr>
           <p:nvPr>
             <p:ph type="title"/>
-          </p:nvPr>
-        </p:nvSpPr>
-        <p:spPr/>
-        <p:txBody>
-          <a:bodyPr>
-            <a:normAutofit/>
-          </a:bodyPr>
-          <a:lstStyle/>
-          <a:p>
-            <a:r>
-              <a:rPr lang="en-US" dirty="0"/>
-              <a:t>Publishing Workflows to Server (Discussed)</a:t>
-            </a:r>
-          </a:p>
-          <a:p>
-            <a:endParaRPr lang="en-US" dirty="0"/>
-          </a:p>
-        </p:txBody>
-      </p:sp>
-      <p:sp>
-        <p:nvSpPr>
-          <p:cNvPr id="5" name="Text Placeholder 4"/>
-          <p:cNvSpPr>
-            <a:spLocks noGrp="1"/>
-          </p:cNvSpPr>
-          <p:nvPr>
-            <p:ph type="body" sz="quarter" idx="10"/>
           </p:nvPr>
         </p:nvSpPr>
         <p:spPr/>
@@ -33156,29 +34363,14 @@
           <a:bodyPr/>
           <a:lstStyle/>
           <a:p>
-            <a:endParaRPr lang="en-US"/>
-          </a:p>
-        </p:txBody>
-      </p:sp>
-      <p:sp>
-        <p:nvSpPr>
-          <p:cNvPr id="4" name="Slide Number Placeholder 3"/>
-          <p:cNvSpPr>
-            <a:spLocks noGrp="1"/>
-          </p:cNvSpPr>
-          <p:nvPr>
-            <p:ph type="sldNum" sz="quarter" idx="4294967295"/>
-          </p:nvPr>
-        </p:nvSpPr>
-        <p:spPr/>
-        <p:txBody>
-          <a:bodyPr/>
-          <a:lstStyle/>
-          <a:p>
-            <a:fld id="{4FAB73BC-B049-4115-A692-8D63A059BFB8}" type="slidenum">
-              <a:rPr lang="en-US" smtClean="0"/>
-              <a:t>91</a:t>
-            </a:fld>
+            <a:r>
+              <a:rPr lang="en-US" dirty="0"/>
+              <a:t>Module 9: Prep Builder Conductor and Publishing Workflows</a:t>
+            </a:r>
+            <a:r>
+              <a:rPr lang="en-US" baseline="0" dirty="0"/>
+              <a:t> to Tableau Server</a:t>
+            </a:r>
             <a:endParaRPr lang="en-US" dirty="0"/>
           </a:p>
         </p:txBody>
@@ -33186,7 +34378,7 @@
     </p:spTree>
     <p:extLst>
       <p:ext uri="{BB962C8B-B14F-4D97-AF65-F5344CB8AC3E}">
-        <p14:creationId xmlns:p14="http://schemas.microsoft.com/office/powerpoint/2010/main" val="2246816309"/>
+        <p14:creationId xmlns:p14="http://schemas.microsoft.com/office/powerpoint/2010/main" val="4173510137"/>
       </p:ext>
     </p:extLst>
   </p:cSld>
@@ -33225,13 +34417,18 @@
         </p:nvSpPr>
         <p:spPr/>
         <p:txBody>
-          <a:bodyPr/>
+          <a:bodyPr>
+            <a:normAutofit/>
+          </a:bodyPr>
           <a:lstStyle/>
           <a:p>
             <a:r>
               <a:rPr lang="en-US" dirty="0"/>
-              <a:t>Scheduling Workflows to Server (Discussed)</a:t>
+              <a:t>Tableau Prep Builder Conductor</a:t>
             </a:r>
+          </a:p>
+          <a:p>
+            <a:endParaRPr lang="en-US" dirty="0"/>
           </a:p>
         </p:txBody>
       </p:sp>
@@ -33280,7 +34477,7 @@
     </p:spTree>
     <p:extLst>
       <p:ext uri="{BB962C8B-B14F-4D97-AF65-F5344CB8AC3E}">
-        <p14:creationId xmlns:p14="http://schemas.microsoft.com/office/powerpoint/2010/main" val="2531394161"/>
+        <p14:creationId xmlns:p14="http://schemas.microsoft.com/office/powerpoint/2010/main" val="3097242473"/>
       </p:ext>
     </p:extLst>
   </p:cSld>
@@ -33309,6 +34506,199 @@
       </p:grpSpPr>
       <p:sp>
         <p:nvSpPr>
+          <p:cNvPr id="2" name="Title 1"/>
+          <p:cNvSpPr>
+            <a:spLocks noGrp="1"/>
+          </p:cNvSpPr>
+          <p:nvPr>
+            <p:ph type="title"/>
+          </p:nvPr>
+        </p:nvSpPr>
+        <p:spPr/>
+        <p:txBody>
+          <a:bodyPr>
+            <a:normAutofit/>
+          </a:bodyPr>
+          <a:lstStyle/>
+          <a:p>
+            <a:r>
+              <a:rPr lang="en-US" dirty="0"/>
+              <a:t>Publishing Workflows to Server (Discussed)</a:t>
+            </a:r>
+          </a:p>
+          <a:p>
+            <a:endParaRPr lang="en-US" dirty="0"/>
+          </a:p>
+        </p:txBody>
+      </p:sp>
+      <p:sp>
+        <p:nvSpPr>
+          <p:cNvPr id="5" name="Text Placeholder 4"/>
+          <p:cNvSpPr>
+            <a:spLocks noGrp="1"/>
+          </p:cNvSpPr>
+          <p:nvPr>
+            <p:ph type="body" sz="quarter" idx="10"/>
+          </p:nvPr>
+        </p:nvSpPr>
+        <p:spPr/>
+        <p:txBody>
+          <a:bodyPr/>
+          <a:lstStyle/>
+          <a:p>
+            <a:endParaRPr lang="en-US"/>
+          </a:p>
+        </p:txBody>
+      </p:sp>
+      <p:sp>
+        <p:nvSpPr>
+          <p:cNvPr id="4" name="Slide Number Placeholder 3"/>
+          <p:cNvSpPr>
+            <a:spLocks noGrp="1"/>
+          </p:cNvSpPr>
+          <p:nvPr>
+            <p:ph type="sldNum" sz="quarter" idx="4294967295"/>
+          </p:nvPr>
+        </p:nvSpPr>
+        <p:spPr/>
+        <p:txBody>
+          <a:bodyPr/>
+          <a:lstStyle/>
+          <a:p>
+            <a:fld id="{4FAB73BC-B049-4115-A692-8D63A059BFB8}" type="slidenum">
+              <a:rPr lang="en-US" smtClean="0"/>
+              <a:t>93</a:t>
+            </a:fld>
+            <a:endParaRPr lang="en-US" dirty="0"/>
+          </a:p>
+        </p:txBody>
+      </p:sp>
+    </p:spTree>
+    <p:extLst>
+      <p:ext uri="{BB962C8B-B14F-4D97-AF65-F5344CB8AC3E}">
+        <p14:creationId xmlns:p14="http://schemas.microsoft.com/office/powerpoint/2010/main" val="2246816309"/>
+      </p:ext>
+    </p:extLst>
+  </p:cSld>
+  <p:clrMapOvr>
+    <a:masterClrMapping/>
+  </p:clrMapOvr>
+</p:sld>
+</file>
+
+<file path=ppt/slides/slide94.xml><?xml version="1.0" encoding="utf-8"?>
+<p:sld xmlns:a="http://schemas.openxmlformats.org/drawingml/2006/main" xmlns:r="http://schemas.openxmlformats.org/officeDocument/2006/relationships" xmlns:p="http://schemas.openxmlformats.org/presentationml/2006/main">
+  <p:cSld>
+    <p:spTree>
+      <p:nvGrpSpPr>
+        <p:cNvPr id="1" name=""/>
+        <p:cNvGrpSpPr/>
+        <p:nvPr/>
+      </p:nvGrpSpPr>
+      <p:grpSpPr>
+        <a:xfrm>
+          <a:off x="0" y="0"/>
+          <a:ext cx="0" cy="0"/>
+          <a:chOff x="0" y="0"/>
+          <a:chExt cx="0" cy="0"/>
+        </a:xfrm>
+      </p:grpSpPr>
+      <p:sp>
+        <p:nvSpPr>
+          <p:cNvPr id="2" name="Title 1"/>
+          <p:cNvSpPr>
+            <a:spLocks noGrp="1"/>
+          </p:cNvSpPr>
+          <p:nvPr>
+            <p:ph type="title"/>
+          </p:nvPr>
+        </p:nvSpPr>
+        <p:spPr/>
+        <p:txBody>
+          <a:bodyPr/>
+          <a:lstStyle/>
+          <a:p>
+            <a:r>
+              <a:rPr lang="en-US" dirty="0"/>
+              <a:t>Scheduling Workflows to Server (Discussed)</a:t>
+            </a:r>
+          </a:p>
+        </p:txBody>
+      </p:sp>
+      <p:sp>
+        <p:nvSpPr>
+          <p:cNvPr id="5" name="Text Placeholder 4"/>
+          <p:cNvSpPr>
+            <a:spLocks noGrp="1"/>
+          </p:cNvSpPr>
+          <p:nvPr>
+            <p:ph type="body" sz="quarter" idx="10"/>
+          </p:nvPr>
+        </p:nvSpPr>
+        <p:spPr/>
+        <p:txBody>
+          <a:bodyPr/>
+          <a:lstStyle/>
+          <a:p>
+            <a:endParaRPr lang="en-US"/>
+          </a:p>
+        </p:txBody>
+      </p:sp>
+      <p:sp>
+        <p:nvSpPr>
+          <p:cNvPr id="4" name="Slide Number Placeholder 3"/>
+          <p:cNvSpPr>
+            <a:spLocks noGrp="1"/>
+          </p:cNvSpPr>
+          <p:nvPr>
+            <p:ph type="sldNum" sz="quarter" idx="4294967295"/>
+          </p:nvPr>
+        </p:nvSpPr>
+        <p:spPr/>
+        <p:txBody>
+          <a:bodyPr/>
+          <a:lstStyle/>
+          <a:p>
+            <a:fld id="{4FAB73BC-B049-4115-A692-8D63A059BFB8}" type="slidenum">
+              <a:rPr lang="en-US" smtClean="0"/>
+              <a:t>94</a:t>
+            </a:fld>
+            <a:endParaRPr lang="en-US" dirty="0"/>
+          </a:p>
+        </p:txBody>
+      </p:sp>
+    </p:spTree>
+    <p:extLst>
+      <p:ext uri="{BB962C8B-B14F-4D97-AF65-F5344CB8AC3E}">
+        <p14:creationId xmlns:p14="http://schemas.microsoft.com/office/powerpoint/2010/main" val="2531394161"/>
+      </p:ext>
+    </p:extLst>
+  </p:cSld>
+  <p:clrMapOvr>
+    <a:masterClrMapping/>
+  </p:clrMapOvr>
+</p:sld>
+</file>
+
+<file path=ppt/slides/slide95.xml><?xml version="1.0" encoding="utf-8"?>
+<p:sld xmlns:a="http://schemas.openxmlformats.org/drawingml/2006/main" xmlns:r="http://schemas.openxmlformats.org/officeDocument/2006/relationships" xmlns:p="http://schemas.openxmlformats.org/presentationml/2006/main">
+  <p:cSld>
+    <p:spTree>
+      <p:nvGrpSpPr>
+        <p:cNvPr id="1" name=""/>
+        <p:cNvGrpSpPr/>
+        <p:nvPr/>
+      </p:nvGrpSpPr>
+      <p:grpSpPr>
+        <a:xfrm>
+          <a:off x="0" y="0"/>
+          <a:ext cx="0" cy="0"/>
+          <a:chOff x="0" y="0"/>
+          <a:chExt cx="0" cy="0"/>
+        </a:xfrm>
+      </p:grpSpPr>
+      <p:sp>
+        <p:nvSpPr>
           <p:cNvPr id="2" name="Title 1">
             <a:extLst>
               <a:ext uri="{FF2B5EF4-FFF2-40B4-BE49-F238E27FC236}">
@@ -33348,7 +34738,7 @@
 </p:sld>
 </file>
 
-<file path=ppt/slides/slide94.xml><?xml version="1.0" encoding="utf-8"?>
+<file path=ppt/slides/slide96.xml><?xml version="1.0" encoding="utf-8"?>
 <p:sld xmlns:a="http://schemas.openxmlformats.org/drawingml/2006/main" xmlns:r="http://schemas.openxmlformats.org/officeDocument/2006/relationships" xmlns:p="http://schemas.openxmlformats.org/presentationml/2006/main">
   <p:cSld>
     <p:spTree>
@@ -34829,16 +36219,16 @@
 <file path=customXml/itemProps3.xml><?xml version="1.0" encoding="utf-8"?>
 <ds:datastoreItem xmlns:ds="http://schemas.openxmlformats.org/officeDocument/2006/customXml" ds:itemID="{FF9AC6B8-7021-4B23-A9AF-61295A177099}">
   <ds:schemaRefs>
+    <ds:schemaRef ds:uri="http://www.w3.org/XML/1998/namespace"/>
+    <ds:schemaRef ds:uri="http://schemas.microsoft.com/office/2006/metadata/properties"/>
+    <ds:schemaRef ds:uri="http://schemas.microsoft.com/office/infopath/2007/PartnerControls"/>
+    <ds:schemaRef ds:uri="http://schemas.microsoft.com/office/2006/documentManagement/types"/>
     <ds:schemaRef ds:uri="http://purl.org/dc/elements/1.1/"/>
+    <ds:schemaRef ds:uri="http://purl.org/dc/terms/"/>
     <ds:schemaRef ds:uri="http://schemas.openxmlformats.org/package/2006/metadata/core-properties"/>
     <ds:schemaRef ds:uri="6549f357-ea04-4fdc-a4ff-01e398dbae1f"/>
     <ds:schemaRef ds:uri="8ae4afce-818c-4ab4-8e35-377c82201c18"/>
-    <ds:schemaRef ds:uri="http://schemas.microsoft.com/office/2006/documentManagement/types"/>
     <ds:schemaRef ds:uri="http://purl.org/dc/dcmitype/"/>
-    <ds:schemaRef ds:uri="http://schemas.microsoft.com/office/infopath/2007/PartnerControls"/>
-    <ds:schemaRef ds:uri="http://schemas.microsoft.com/office/2006/metadata/properties"/>
-    <ds:schemaRef ds:uri="http://www.w3.org/XML/1998/namespace"/>
-    <ds:schemaRef ds:uri="http://purl.org/dc/terms/"/>
   </ds:schemaRefs>
 </ds:datastoreItem>
 </file>
--- a/ppt/TableauPrepBuilderIntroV1_1.pptx
+++ b/ppt/TableauPrepBuilderIntroV1_1.pptx
@@ -5,10 +5,10 @@
     <p:sldMasterId id="2147483660" r:id="rId4"/>
   </p:sldMasterIdLst>
   <p:notesMasterIdLst>
-    <p:notesMasterId r:id="rId101"/>
+    <p:notesMasterId r:id="rId104"/>
   </p:notesMasterIdLst>
   <p:handoutMasterIdLst>
-    <p:handoutMasterId r:id="rId102"/>
+    <p:handoutMasterId r:id="rId105"/>
   </p:handoutMasterIdLst>
   <p:sldIdLst>
     <p:sldId id="323" r:id="rId5"/>
@@ -27,86 +27,89 @@
     <p:sldId id="420" r:id="rId18"/>
     <p:sldId id="421" r:id="rId19"/>
     <p:sldId id="495" r:id="rId20"/>
-    <p:sldId id="497" r:id="rId21"/>
-    <p:sldId id="498" r:id="rId22"/>
-    <p:sldId id="499" r:id="rId23"/>
-    <p:sldId id="500" r:id="rId24"/>
-    <p:sldId id="501" r:id="rId25"/>
-    <p:sldId id="502" r:id="rId26"/>
-    <p:sldId id="503" r:id="rId27"/>
-    <p:sldId id="504" r:id="rId28"/>
-    <p:sldId id="505" r:id="rId29"/>
-    <p:sldId id="506" r:id="rId30"/>
-    <p:sldId id="507" r:id="rId31"/>
-    <p:sldId id="447" r:id="rId32"/>
-    <p:sldId id="492" r:id="rId33"/>
-    <p:sldId id="422" r:id="rId34"/>
-    <p:sldId id="426" r:id="rId35"/>
-    <p:sldId id="423" r:id="rId36"/>
-    <p:sldId id="424" r:id="rId37"/>
-    <p:sldId id="425" r:id="rId38"/>
-    <p:sldId id="427" r:id="rId39"/>
-    <p:sldId id="428" r:id="rId40"/>
-    <p:sldId id="429" r:id="rId41"/>
-    <p:sldId id="430" r:id="rId42"/>
-    <p:sldId id="431" r:id="rId43"/>
-    <p:sldId id="493" r:id="rId44"/>
-    <p:sldId id="432" r:id="rId45"/>
-    <p:sldId id="452" r:id="rId46"/>
-    <p:sldId id="433" r:id="rId47"/>
-    <p:sldId id="446" r:id="rId48"/>
-    <p:sldId id="448" r:id="rId49"/>
-    <p:sldId id="449" r:id="rId50"/>
-    <p:sldId id="496" r:id="rId51"/>
-    <p:sldId id="450" r:id="rId52"/>
-    <p:sldId id="451" r:id="rId53"/>
-    <p:sldId id="494" r:id="rId54"/>
-    <p:sldId id="453" r:id="rId55"/>
-    <p:sldId id="454" r:id="rId56"/>
-    <p:sldId id="508" r:id="rId57"/>
-    <p:sldId id="455" r:id="rId58"/>
-    <p:sldId id="456" r:id="rId59"/>
-    <p:sldId id="457" r:id="rId60"/>
-    <p:sldId id="458" r:id="rId61"/>
-    <p:sldId id="459" r:id="rId62"/>
-    <p:sldId id="460" r:id="rId63"/>
-    <p:sldId id="461" r:id="rId64"/>
-    <p:sldId id="462" r:id="rId65"/>
-    <p:sldId id="509" r:id="rId66"/>
-    <p:sldId id="463" r:id="rId67"/>
-    <p:sldId id="464" r:id="rId68"/>
-    <p:sldId id="465" r:id="rId69"/>
-    <p:sldId id="510" r:id="rId70"/>
-    <p:sldId id="466" r:id="rId71"/>
-    <p:sldId id="467" r:id="rId72"/>
-    <p:sldId id="468" r:id="rId73"/>
-    <p:sldId id="469" r:id="rId74"/>
-    <p:sldId id="470" r:id="rId75"/>
-    <p:sldId id="471" r:id="rId76"/>
-    <p:sldId id="472" r:id="rId77"/>
-    <p:sldId id="473" r:id="rId78"/>
-    <p:sldId id="474" r:id="rId79"/>
-    <p:sldId id="475" r:id="rId80"/>
-    <p:sldId id="476" r:id="rId81"/>
-    <p:sldId id="477" r:id="rId82"/>
-    <p:sldId id="478" r:id="rId83"/>
-    <p:sldId id="479" r:id="rId84"/>
-    <p:sldId id="480" r:id="rId85"/>
-    <p:sldId id="481" r:id="rId86"/>
-    <p:sldId id="482" r:id="rId87"/>
-    <p:sldId id="483" r:id="rId88"/>
-    <p:sldId id="484" r:id="rId89"/>
-    <p:sldId id="485" r:id="rId90"/>
-    <p:sldId id="486" r:id="rId91"/>
-    <p:sldId id="487" r:id="rId92"/>
-    <p:sldId id="488" r:id="rId93"/>
-    <p:sldId id="489" r:id="rId94"/>
-    <p:sldId id="490" r:id="rId95"/>
-    <p:sldId id="382" r:id="rId96"/>
-    <p:sldId id="384" r:id="rId97"/>
-    <p:sldId id="385" r:id="rId98"/>
-    <p:sldId id="491" r:id="rId99"/>
-    <p:sldId id="340" r:id="rId100"/>
+    <p:sldId id="512" r:id="rId21"/>
+    <p:sldId id="497" r:id="rId22"/>
+    <p:sldId id="498" r:id="rId23"/>
+    <p:sldId id="499" r:id="rId24"/>
+    <p:sldId id="500" r:id="rId25"/>
+    <p:sldId id="501" r:id="rId26"/>
+    <p:sldId id="502" r:id="rId27"/>
+    <p:sldId id="503" r:id="rId28"/>
+    <p:sldId id="504" r:id="rId29"/>
+    <p:sldId id="505" r:id="rId30"/>
+    <p:sldId id="506" r:id="rId31"/>
+    <p:sldId id="507" r:id="rId32"/>
+    <p:sldId id="447" r:id="rId33"/>
+    <p:sldId id="492" r:id="rId34"/>
+    <p:sldId id="422" r:id="rId35"/>
+    <p:sldId id="426" r:id="rId36"/>
+    <p:sldId id="423" r:id="rId37"/>
+    <p:sldId id="424" r:id="rId38"/>
+    <p:sldId id="425" r:id="rId39"/>
+    <p:sldId id="427" r:id="rId40"/>
+    <p:sldId id="428" r:id="rId41"/>
+    <p:sldId id="429" r:id="rId42"/>
+    <p:sldId id="430" r:id="rId43"/>
+    <p:sldId id="431" r:id="rId44"/>
+    <p:sldId id="493" r:id="rId45"/>
+    <p:sldId id="432" r:id="rId46"/>
+    <p:sldId id="452" r:id="rId47"/>
+    <p:sldId id="433" r:id="rId48"/>
+    <p:sldId id="446" r:id="rId49"/>
+    <p:sldId id="448" r:id="rId50"/>
+    <p:sldId id="449" r:id="rId51"/>
+    <p:sldId id="496" r:id="rId52"/>
+    <p:sldId id="450" r:id="rId53"/>
+    <p:sldId id="451" r:id="rId54"/>
+    <p:sldId id="494" r:id="rId55"/>
+    <p:sldId id="453" r:id="rId56"/>
+    <p:sldId id="454" r:id="rId57"/>
+    <p:sldId id="508" r:id="rId58"/>
+    <p:sldId id="455" r:id="rId59"/>
+    <p:sldId id="456" r:id="rId60"/>
+    <p:sldId id="457" r:id="rId61"/>
+    <p:sldId id="458" r:id="rId62"/>
+    <p:sldId id="459" r:id="rId63"/>
+    <p:sldId id="460" r:id="rId64"/>
+    <p:sldId id="461" r:id="rId65"/>
+    <p:sldId id="462" r:id="rId66"/>
+    <p:sldId id="509" r:id="rId67"/>
+    <p:sldId id="463" r:id="rId68"/>
+    <p:sldId id="464" r:id="rId69"/>
+    <p:sldId id="465" r:id="rId70"/>
+    <p:sldId id="510" r:id="rId71"/>
+    <p:sldId id="466" r:id="rId72"/>
+    <p:sldId id="467" r:id="rId73"/>
+    <p:sldId id="468" r:id="rId74"/>
+    <p:sldId id="513" r:id="rId75"/>
+    <p:sldId id="511" r:id="rId76"/>
+    <p:sldId id="469" r:id="rId77"/>
+    <p:sldId id="470" r:id="rId78"/>
+    <p:sldId id="471" r:id="rId79"/>
+    <p:sldId id="472" r:id="rId80"/>
+    <p:sldId id="473" r:id="rId81"/>
+    <p:sldId id="474" r:id="rId82"/>
+    <p:sldId id="475" r:id="rId83"/>
+    <p:sldId id="476" r:id="rId84"/>
+    <p:sldId id="477" r:id="rId85"/>
+    <p:sldId id="478" r:id="rId86"/>
+    <p:sldId id="479" r:id="rId87"/>
+    <p:sldId id="480" r:id="rId88"/>
+    <p:sldId id="481" r:id="rId89"/>
+    <p:sldId id="482" r:id="rId90"/>
+    <p:sldId id="483" r:id="rId91"/>
+    <p:sldId id="484" r:id="rId92"/>
+    <p:sldId id="485" r:id="rId93"/>
+    <p:sldId id="486" r:id="rId94"/>
+    <p:sldId id="487" r:id="rId95"/>
+    <p:sldId id="488" r:id="rId96"/>
+    <p:sldId id="489" r:id="rId97"/>
+    <p:sldId id="490" r:id="rId98"/>
+    <p:sldId id="382" r:id="rId99"/>
+    <p:sldId id="384" r:id="rId100"/>
+    <p:sldId id="385" r:id="rId101"/>
+    <p:sldId id="491" r:id="rId102"/>
+    <p:sldId id="340" r:id="rId103"/>
   </p:sldIdLst>
   <p:sldSz cx="12192000" cy="6858000"/>
   <p:notesSz cx="9309100" cy="7053263"/>
@@ -260,6 +263,7 @@
             <p14:sldId id="420"/>
             <p14:sldId id="421"/>
             <p14:sldId id="495"/>
+            <p14:sldId id="512"/>
             <p14:sldId id="497"/>
             <p14:sldId id="498"/>
             <p14:sldId id="499"/>
@@ -329,6 +333,8 @@
             <p14:sldId id="466"/>
             <p14:sldId id="467"/>
             <p14:sldId id="468"/>
+            <p14:sldId id="513"/>
+            <p14:sldId id="511"/>
             <p14:sldId id="469"/>
             <p14:sldId id="470"/>
             <p14:sldId id="471"/>
@@ -1244,7 +1250,7 @@
               <a:pPr>
                 <a:defRPr/>
               </a:pPr>
-              <a:t>42</a:t>
+              <a:t>43</a:t>
             </a:fld>
             <a:endParaRPr lang="en-US"/>
           </a:p>
@@ -1334,7 +1340,7 @@
               <a:pPr>
                 <a:defRPr/>
               </a:pPr>
-              <a:t>43</a:t>
+              <a:t>44</a:t>
             </a:fld>
             <a:endParaRPr lang="en-US"/>
           </a:p>
@@ -1424,7 +1430,7 @@
               <a:pPr>
                 <a:defRPr/>
               </a:pPr>
-              <a:t>44</a:t>
+              <a:t>45</a:t>
             </a:fld>
             <a:endParaRPr lang="en-US"/>
           </a:p>
@@ -1514,7 +1520,7 @@
               <a:pPr>
                 <a:defRPr/>
               </a:pPr>
-              <a:t>45</a:t>
+              <a:t>46</a:t>
             </a:fld>
             <a:endParaRPr lang="en-US"/>
           </a:p>
@@ -1604,7 +1610,7 @@
               <a:pPr>
                 <a:defRPr/>
               </a:pPr>
-              <a:t>46</a:t>
+              <a:t>47</a:t>
             </a:fld>
             <a:endParaRPr lang="en-US"/>
           </a:p>
@@ -1694,7 +1700,7 @@
               <a:pPr>
                 <a:defRPr/>
               </a:pPr>
-              <a:t>48</a:t>
+              <a:t>49</a:t>
             </a:fld>
             <a:endParaRPr lang="en-US"/>
           </a:p>
@@ -1784,7 +1790,7 @@
               <a:pPr>
                 <a:defRPr/>
               </a:pPr>
-              <a:t>49</a:t>
+              <a:t>50</a:t>
             </a:fld>
             <a:endParaRPr lang="en-US"/>
           </a:p>
@@ -1874,7 +1880,7 @@
               <a:pPr>
                 <a:defRPr/>
               </a:pPr>
-              <a:t>51</a:t>
+              <a:t>52</a:t>
             </a:fld>
             <a:endParaRPr lang="en-US"/>
           </a:p>
@@ -1964,7 +1970,7 @@
               <a:pPr>
                 <a:defRPr/>
               </a:pPr>
-              <a:t>52</a:t>
+              <a:t>53</a:t>
             </a:fld>
             <a:endParaRPr lang="en-US"/>
           </a:p>
@@ -2054,7 +2060,7 @@
               <a:pPr>
                 <a:defRPr/>
               </a:pPr>
-              <a:t>54</a:t>
+              <a:t>55</a:t>
             </a:fld>
             <a:endParaRPr lang="en-US"/>
           </a:p>
@@ -2326,7 +2332,7 @@
               <a:pPr>
                 <a:defRPr/>
               </a:pPr>
-              <a:t>55</a:t>
+              <a:t>56</a:t>
             </a:fld>
             <a:endParaRPr lang="en-US"/>
           </a:p>
@@ -2416,7 +2422,7 @@
               <a:pPr>
                 <a:defRPr/>
               </a:pPr>
-              <a:t>56</a:t>
+              <a:t>57</a:t>
             </a:fld>
             <a:endParaRPr lang="en-US"/>
           </a:p>
@@ -2506,7 +2512,7 @@
               <a:pPr>
                 <a:defRPr/>
               </a:pPr>
-              <a:t>57</a:t>
+              <a:t>58</a:t>
             </a:fld>
             <a:endParaRPr lang="en-US"/>
           </a:p>
@@ -2596,7 +2602,7 @@
               <a:pPr>
                 <a:defRPr/>
               </a:pPr>
-              <a:t>58</a:t>
+              <a:t>59</a:t>
             </a:fld>
             <a:endParaRPr lang="en-US"/>
           </a:p>
@@ -2686,7 +2692,7 @@
               <a:pPr>
                 <a:defRPr/>
               </a:pPr>
-              <a:t>59</a:t>
+              <a:t>60</a:t>
             </a:fld>
             <a:endParaRPr lang="en-US"/>
           </a:p>
@@ -2776,7 +2782,7 @@
               <a:pPr>
                 <a:defRPr/>
               </a:pPr>
-              <a:t>60</a:t>
+              <a:t>61</a:t>
             </a:fld>
             <a:endParaRPr lang="en-US"/>
           </a:p>
@@ -2866,7 +2872,7 @@
               <a:pPr>
                 <a:defRPr/>
               </a:pPr>
-              <a:t>61</a:t>
+              <a:t>62</a:t>
             </a:fld>
             <a:endParaRPr lang="en-US"/>
           </a:p>
@@ -2956,7 +2962,7 @@
               <a:pPr>
                 <a:defRPr/>
               </a:pPr>
-              <a:t>62</a:t>
+              <a:t>63</a:t>
             </a:fld>
             <a:endParaRPr lang="en-US"/>
           </a:p>
@@ -3046,7 +3052,7 @@
               <a:pPr>
                 <a:defRPr/>
               </a:pPr>
-              <a:t>63</a:t>
+              <a:t>64</a:t>
             </a:fld>
             <a:endParaRPr lang="en-US"/>
           </a:p>
@@ -3136,7 +3142,7 @@
               <a:pPr>
                 <a:defRPr/>
               </a:pPr>
-              <a:t>64</a:t>
+              <a:t>65</a:t>
             </a:fld>
             <a:endParaRPr lang="en-US"/>
           </a:p>
@@ -3427,7 +3433,7 @@
               <a:pPr>
                 <a:defRPr/>
               </a:pPr>
-              <a:t>65</a:t>
+              <a:t>66</a:t>
             </a:fld>
             <a:endParaRPr lang="en-US"/>
           </a:p>
@@ -3517,7 +3523,7 @@
               <a:pPr>
                 <a:defRPr/>
               </a:pPr>
-              <a:t>67</a:t>
+              <a:t>68</a:t>
             </a:fld>
             <a:endParaRPr lang="en-US"/>
           </a:p>
@@ -3607,7 +3613,7 @@
               <a:pPr>
                 <a:defRPr/>
               </a:pPr>
-              <a:t>68</a:t>
+              <a:t>69</a:t>
             </a:fld>
             <a:endParaRPr lang="en-US"/>
           </a:p>
@@ -3697,7 +3703,7 @@
               <a:pPr>
                 <a:defRPr/>
               </a:pPr>
-              <a:t>69</a:t>
+              <a:t>70</a:t>
             </a:fld>
             <a:endParaRPr lang="en-US"/>
           </a:p>
@@ -3787,7 +3793,7 @@
               <a:pPr>
                 <a:defRPr/>
               </a:pPr>
-              <a:t>70</a:t>
+              <a:t>73</a:t>
             </a:fld>
             <a:endParaRPr lang="en-US"/>
           </a:p>
@@ -3877,7 +3883,7 @@
               <a:pPr>
                 <a:defRPr/>
               </a:pPr>
-              <a:t>71</a:t>
+              <a:t>74</a:t>
             </a:fld>
             <a:endParaRPr lang="en-US"/>
           </a:p>
@@ -3967,7 +3973,7 @@
               <a:pPr>
                 <a:defRPr/>
               </a:pPr>
-              <a:t>72</a:t>
+              <a:t>75</a:t>
             </a:fld>
             <a:endParaRPr lang="en-US"/>
           </a:p>
@@ -4057,7 +4063,7 @@
               <a:pPr>
                 <a:defRPr/>
               </a:pPr>
-              <a:t>73</a:t>
+              <a:t>76</a:t>
             </a:fld>
             <a:endParaRPr lang="en-US"/>
           </a:p>
@@ -4147,7 +4153,7 @@
               <a:pPr>
                 <a:defRPr/>
               </a:pPr>
-              <a:t>74</a:t>
+              <a:t>77</a:t>
             </a:fld>
             <a:endParaRPr lang="en-US"/>
           </a:p>
@@ -4237,7 +4243,7 @@
               <a:pPr>
                 <a:defRPr/>
               </a:pPr>
-              <a:t>75</a:t>
+              <a:t>78</a:t>
             </a:fld>
             <a:endParaRPr lang="en-US"/>
           </a:p>
@@ -4417,7 +4423,7 @@
               <a:pPr>
                 <a:defRPr/>
               </a:pPr>
-              <a:t>76</a:t>
+              <a:t>79</a:t>
             </a:fld>
             <a:endParaRPr lang="en-US"/>
           </a:p>
@@ -4507,7 +4513,7 @@
               <a:pPr>
                 <a:defRPr/>
               </a:pPr>
-              <a:t>77</a:t>
+              <a:t>80</a:t>
             </a:fld>
             <a:endParaRPr lang="en-US"/>
           </a:p>
@@ -4597,7 +4603,7 @@
               <a:pPr>
                 <a:defRPr/>
               </a:pPr>
-              <a:t>78</a:t>
+              <a:t>81</a:t>
             </a:fld>
             <a:endParaRPr lang="en-US"/>
           </a:p>
@@ -4687,7 +4693,7 @@
               <a:pPr>
                 <a:defRPr/>
               </a:pPr>
-              <a:t>79</a:t>
+              <a:t>82</a:t>
             </a:fld>
             <a:endParaRPr lang="en-US"/>
           </a:p>
@@ -4777,7 +4783,7 @@
               <a:pPr>
                 <a:defRPr/>
               </a:pPr>
-              <a:t>80</a:t>
+              <a:t>83</a:t>
             </a:fld>
             <a:endParaRPr lang="en-US"/>
           </a:p>
@@ -4867,7 +4873,7 @@
               <a:pPr>
                 <a:defRPr/>
               </a:pPr>
-              <a:t>81</a:t>
+              <a:t>84</a:t>
             </a:fld>
             <a:endParaRPr lang="en-US"/>
           </a:p>
@@ -4957,7 +4963,7 @@
               <a:pPr>
                 <a:defRPr/>
               </a:pPr>
-              <a:t>82</a:t>
+              <a:t>85</a:t>
             </a:fld>
             <a:endParaRPr lang="en-US"/>
           </a:p>
@@ -5047,7 +5053,7 @@
               <a:pPr>
                 <a:defRPr/>
               </a:pPr>
-              <a:t>83</a:t>
+              <a:t>86</a:t>
             </a:fld>
             <a:endParaRPr lang="en-US"/>
           </a:p>
@@ -5137,7 +5143,7 @@
               <a:pPr>
                 <a:defRPr/>
               </a:pPr>
-              <a:t>84</a:t>
+              <a:t>87</a:t>
             </a:fld>
             <a:endParaRPr lang="en-US"/>
           </a:p>
@@ -5227,7 +5233,7 @@
               <a:pPr>
                 <a:defRPr/>
               </a:pPr>
-              <a:t>85</a:t>
+              <a:t>88</a:t>
             </a:fld>
             <a:endParaRPr lang="en-US"/>
           </a:p>
@@ -5317,7 +5323,7 @@
               <a:pPr>
                 <a:defRPr/>
               </a:pPr>
-              <a:t>26</a:t>
+              <a:t>27</a:t>
             </a:fld>
             <a:endParaRPr lang="en-US"/>
           </a:p>
@@ -5407,7 +5413,7 @@
               <a:pPr>
                 <a:defRPr/>
               </a:pPr>
-              <a:t>86</a:t>
+              <a:t>89</a:t>
             </a:fld>
             <a:endParaRPr lang="en-US"/>
           </a:p>
@@ -5497,7 +5503,7 @@
               <a:pPr>
                 <a:defRPr/>
               </a:pPr>
-              <a:t>87</a:t>
+              <a:t>90</a:t>
             </a:fld>
             <a:endParaRPr lang="en-US"/>
           </a:p>
@@ -5587,7 +5593,7 @@
               <a:pPr>
                 <a:defRPr/>
               </a:pPr>
-              <a:t>88</a:t>
+              <a:t>91</a:t>
             </a:fld>
             <a:endParaRPr lang="en-US"/>
           </a:p>
@@ -5677,7 +5683,7 @@
               <a:pPr>
                 <a:defRPr/>
               </a:pPr>
-              <a:t>89</a:t>
+              <a:t>92</a:t>
             </a:fld>
             <a:endParaRPr lang="en-US"/>
           </a:p>
@@ -5767,7 +5773,7 @@
               <a:pPr>
                 <a:defRPr/>
               </a:pPr>
-              <a:t>90</a:t>
+              <a:t>93</a:t>
             </a:fld>
             <a:endParaRPr lang="en-US"/>
           </a:p>
@@ -5857,7 +5863,7 @@
               <a:pPr>
                 <a:defRPr/>
               </a:pPr>
-              <a:t>91</a:t>
+              <a:t>94</a:t>
             </a:fld>
             <a:endParaRPr lang="en-US"/>
           </a:p>
@@ -5947,7 +5953,7 @@
               <a:pPr>
                 <a:defRPr/>
               </a:pPr>
-              <a:t>92</a:t>
+              <a:t>95</a:t>
             </a:fld>
             <a:endParaRPr lang="en-US"/>
           </a:p>
@@ -6037,7 +6043,7 @@
               <a:pPr>
                 <a:defRPr/>
               </a:pPr>
-              <a:t>93</a:t>
+              <a:t>96</a:t>
             </a:fld>
             <a:endParaRPr lang="en-US"/>
           </a:p>
@@ -6127,7 +6133,7 @@
               <a:pPr>
                 <a:defRPr/>
               </a:pPr>
-              <a:t>94</a:t>
+              <a:t>97</a:t>
             </a:fld>
             <a:endParaRPr lang="en-US"/>
           </a:p>
@@ -6217,7 +6223,7 @@
               <a:pPr>
                 <a:defRPr/>
               </a:pPr>
-              <a:t>95</a:t>
+              <a:t>98</a:t>
             </a:fld>
             <a:endParaRPr lang="en-US"/>
           </a:p>
@@ -6307,7 +6313,7 @@
               <a:pPr>
                 <a:defRPr/>
               </a:pPr>
-              <a:t>28</a:t>
+              <a:t>29</a:t>
             </a:fld>
             <a:endParaRPr lang="en-US"/>
           </a:p>
@@ -6397,7 +6403,7 @@
               <a:pPr>
                 <a:defRPr/>
               </a:pPr>
-              <a:t>96</a:t>
+              <a:t>99</a:t>
             </a:fld>
             <a:endParaRPr lang="en-US"/>
           </a:p>
@@ -6487,7 +6493,7 @@
               <a:pPr>
                 <a:defRPr/>
               </a:pPr>
-              <a:t>30</a:t>
+              <a:t>31</a:t>
             </a:fld>
             <a:endParaRPr lang="en-US"/>
           </a:p>
@@ -6577,7 +6583,7 @@
               <a:pPr>
                 <a:defRPr/>
               </a:pPr>
-              <a:t>37</a:t>
+              <a:t>38</a:t>
             </a:fld>
             <a:endParaRPr lang="en-US"/>
           </a:p>
@@ -6667,7 +6673,7 @@
               <a:pPr>
                 <a:defRPr/>
               </a:pPr>
-              <a:t>41</a:t>
+              <a:t>42</a:t>
             </a:fld>
             <a:endParaRPr lang="en-US"/>
           </a:p>
@@ -9934,7 +9940,13 @@
           <a:bodyPr/>
           <a:lstStyle/>
           <a:p>
-            <a:endParaRPr lang="en-US"/>
+            <a:r>
+              <a:rPr lang="en-US" dirty="0">
+                <a:sym typeface="Wingdings" panose="05000000000000000000" pitchFamily="2" charset="2"/>
+              </a:rPr>
+              <a:t>GEOCORR Education Data</a:t>
+            </a:r>
+            <a:endParaRPr lang="en-US" dirty="0"/>
           </a:p>
         </p:txBody>
       </p:sp>
@@ -9959,7 +9971,16 @@
           <a:bodyPr/>
           <a:lstStyle/>
           <a:p>
-            <a:endParaRPr lang="en-US" dirty="0"/>
+            <a:r>
+              <a:rPr lang="en-US" dirty="0"/>
+              <a:t>State-by-state csv files</a:t>
+            </a:r>
+          </a:p>
+          <a:p>
+            <a:r>
+              <a:rPr lang="en-US" dirty="0"/>
+              <a:t>School district data</a:t>
+            </a:r>
           </a:p>
         </p:txBody>
       </p:sp>
@@ -12194,6 +12215,140 @@
           <p:cNvPr id="2" name="Title 1">
             <a:extLst>
               <a:ext uri="{FF2B5EF4-FFF2-40B4-BE49-F238E27FC236}">
+                <a16:creationId xmlns:a16="http://schemas.microsoft.com/office/drawing/2014/main" id="{E80E82B5-410A-43A3-99A3-9443C2378F70}"/>
+              </a:ext>
+            </a:extLst>
+          </p:cNvPr>
+          <p:cNvSpPr>
+            <a:spLocks noGrp="1"/>
+          </p:cNvSpPr>
+          <p:nvPr>
+            <p:ph type="title"/>
+          </p:nvPr>
+        </p:nvSpPr>
+        <p:spPr/>
+        <p:txBody>
+          <a:bodyPr/>
+          <a:lstStyle/>
+          <a:p>
+            <a:r>
+              <a:rPr lang="en-US" dirty="0"/>
+              <a:t>ZTCA </a:t>
+            </a:r>
+            <a:r>
+              <a:rPr lang="en-US" dirty="0">
+                <a:sym typeface="Wingdings" panose="05000000000000000000" pitchFamily="2" charset="2"/>
+              </a:rPr>
+              <a:t> Census</a:t>
+            </a:r>
+            <a:endParaRPr lang="en-US" dirty="0"/>
+          </a:p>
+        </p:txBody>
+      </p:sp>
+      <p:sp>
+        <p:nvSpPr>
+          <p:cNvPr id="3" name="Text Placeholder 2">
+            <a:extLst>
+              <a:ext uri="{FF2B5EF4-FFF2-40B4-BE49-F238E27FC236}">
+                <a16:creationId xmlns:a16="http://schemas.microsoft.com/office/drawing/2014/main" id="{ECADBEFF-309F-48BF-8F95-163D10C3407D}"/>
+              </a:ext>
+            </a:extLst>
+          </p:cNvPr>
+          <p:cNvSpPr>
+            <a:spLocks noGrp="1"/>
+          </p:cNvSpPr>
+          <p:nvPr>
+            <p:ph type="body" sz="quarter" idx="10"/>
+          </p:nvPr>
+        </p:nvSpPr>
+        <p:spPr>
+          <a:xfrm>
+            <a:off x="762000" y="1752600"/>
+            <a:ext cx="5334000" cy="3733800"/>
+          </a:xfrm>
+        </p:spPr>
+        <p:txBody>
+          <a:bodyPr/>
+          <a:lstStyle/>
+          <a:p>
+            <a:r>
+              <a:rPr lang="en-US" dirty="0"/>
+              <a:t>Zcta_tract_rel_10</a:t>
+            </a:r>
+          </a:p>
+          <a:p>
+            <a:r>
+              <a:rPr lang="en-US" dirty="0"/>
+              <a:t>Population data from the 2010 census</a:t>
+            </a:r>
+          </a:p>
+        </p:txBody>
+      </p:sp>
+      <p:pic>
+        <p:nvPicPr>
+          <p:cNvPr id="5" name="Picture 4">
+            <a:extLst>
+              <a:ext uri="{FF2B5EF4-FFF2-40B4-BE49-F238E27FC236}">
+                <a16:creationId xmlns:a16="http://schemas.microsoft.com/office/drawing/2014/main" id="{6A026247-6F2E-4559-9449-D33B19202CF1}"/>
+              </a:ext>
+            </a:extLst>
+          </p:cNvPr>
+          <p:cNvPicPr>
+            <a:picLocks noChangeAspect="1"/>
+          </p:cNvPicPr>
+          <p:nvPr/>
+        </p:nvPicPr>
+        <p:blipFill>
+          <a:blip r:embed="rId2"/>
+          <a:stretch>
+            <a:fillRect/>
+          </a:stretch>
+        </p:blipFill>
+        <p:spPr>
+          <a:xfrm>
+            <a:off x="6276505" y="1752600"/>
+            <a:ext cx="5153496" cy="3733800"/>
+          </a:xfrm>
+          <a:prstGeom prst="rect">
+            <a:avLst/>
+          </a:prstGeom>
+        </p:spPr>
+      </p:pic>
+    </p:spTree>
+    <p:extLst>
+      <p:ext uri="{BB962C8B-B14F-4D97-AF65-F5344CB8AC3E}">
+        <p14:creationId xmlns:p14="http://schemas.microsoft.com/office/powerpoint/2010/main" val="1529687448"/>
+      </p:ext>
+    </p:extLst>
+  </p:cSld>
+  <p:clrMapOvr>
+    <a:masterClrMapping/>
+  </p:clrMapOvr>
+</p:sld>
+</file>
+
+<file path=ppt/slides/slide18.xml><?xml version="1.0" encoding="utf-8"?>
+<p:sld xmlns:a="http://schemas.openxmlformats.org/drawingml/2006/main" xmlns:r="http://schemas.openxmlformats.org/officeDocument/2006/relationships" xmlns:p="http://schemas.openxmlformats.org/presentationml/2006/main">
+  <p:cSld>
+    <p:spTree>
+      <p:nvGrpSpPr>
+        <p:cNvPr id="1" name=""/>
+        <p:cNvGrpSpPr/>
+        <p:nvPr/>
+      </p:nvGrpSpPr>
+      <p:grpSpPr>
+        <a:xfrm>
+          <a:off x="0" y="0"/>
+          <a:ext cx="0" cy="0"/>
+          <a:chOff x="0" y="0"/>
+          <a:chExt cx="0" cy="0"/>
+        </a:xfrm>
+      </p:grpSpPr>
+      <p:sp>
+        <p:nvSpPr>
+          <p:cNvPr id="2" name="Title 1">
+            <a:extLst>
+              <a:ext uri="{FF2B5EF4-FFF2-40B4-BE49-F238E27FC236}">
                 <a16:creationId xmlns:a16="http://schemas.microsoft.com/office/drawing/2014/main" id="{2F9107B2-B03A-47A3-9DEF-9F4CBBEA060C}"/>
               </a:ext>
             </a:extLst>
@@ -12285,7 +12440,7 @@
 </p:sld>
 </file>
 
-<file path=ppt/slides/slide18.xml><?xml version="1.0" encoding="utf-8"?>
+<file path=ppt/slides/slide19.xml><?xml version="1.0" encoding="utf-8"?>
 <p:sld xmlns:a="http://schemas.openxmlformats.org/drawingml/2006/main" xmlns:r="http://schemas.openxmlformats.org/officeDocument/2006/relationships" xmlns:p="http://schemas.openxmlformats.org/presentationml/2006/main">
   <p:cSld>
     <p:spTree>
@@ -12398,7 +12553,59 @@
 </p:sld>
 </file>
 
-<file path=ppt/slides/slide19.xml><?xml version="1.0" encoding="utf-8"?>
+<file path=ppt/slides/slide2.xml><?xml version="1.0" encoding="utf-8"?>
+<p:sld xmlns:a="http://schemas.openxmlformats.org/drawingml/2006/main" xmlns:r="http://schemas.openxmlformats.org/officeDocument/2006/relationships" xmlns:p="http://schemas.openxmlformats.org/presentationml/2006/main">
+  <p:cSld>
+    <p:spTree>
+      <p:nvGrpSpPr>
+        <p:cNvPr id="1" name=""/>
+        <p:cNvGrpSpPr/>
+        <p:nvPr/>
+      </p:nvGrpSpPr>
+      <p:grpSpPr>
+        <a:xfrm>
+          <a:off x="0" y="0"/>
+          <a:ext cx="0" cy="0"/>
+          <a:chOff x="0" y="0"/>
+          <a:chExt cx="0" cy="0"/>
+        </a:xfrm>
+      </p:grpSpPr>
+      <p:sp>
+        <p:nvSpPr>
+          <p:cNvPr id="3" name="Text Placeholder 2"/>
+          <p:cNvSpPr>
+            <a:spLocks noGrp="1"/>
+          </p:cNvSpPr>
+          <p:nvPr>
+            <p:ph type="body" sz="quarter" idx="11"/>
+          </p:nvPr>
+        </p:nvSpPr>
+        <p:spPr/>
+        <p:txBody>
+          <a:bodyPr/>
+          <a:lstStyle/>
+          <a:p>
+            <a:r>
+              <a:rPr lang="en-US" dirty="0"/>
+              <a:t>Introduction to Tableau Prep</a:t>
+            </a:r>
+          </a:p>
+        </p:txBody>
+      </p:sp>
+    </p:spTree>
+    <p:extLst>
+      <p:ext uri="{BB962C8B-B14F-4D97-AF65-F5344CB8AC3E}">
+        <p14:creationId xmlns:p14="http://schemas.microsoft.com/office/powerpoint/2010/main" val="3917667801"/>
+      </p:ext>
+    </p:extLst>
+  </p:cSld>
+  <p:clrMapOvr>
+    <a:masterClrMapping/>
+  </p:clrMapOvr>
+</p:sld>
+</file>
+
+<file path=ppt/slides/slide20.xml><?xml version="1.0" encoding="utf-8"?>
 <p:sld xmlns:a="http://schemas.openxmlformats.org/drawingml/2006/main" xmlns:r="http://schemas.openxmlformats.org/officeDocument/2006/relationships" xmlns:p="http://schemas.openxmlformats.org/presentationml/2006/main">
   <p:cSld>
     <p:spTree>
@@ -12888,59 +13095,7 @@
 </p:sld>
 </file>
 
-<file path=ppt/slides/slide2.xml><?xml version="1.0" encoding="utf-8"?>
-<p:sld xmlns:a="http://schemas.openxmlformats.org/drawingml/2006/main" xmlns:r="http://schemas.openxmlformats.org/officeDocument/2006/relationships" xmlns:p="http://schemas.openxmlformats.org/presentationml/2006/main">
-  <p:cSld>
-    <p:spTree>
-      <p:nvGrpSpPr>
-        <p:cNvPr id="1" name=""/>
-        <p:cNvGrpSpPr/>
-        <p:nvPr/>
-      </p:nvGrpSpPr>
-      <p:grpSpPr>
-        <a:xfrm>
-          <a:off x="0" y="0"/>
-          <a:ext cx="0" cy="0"/>
-          <a:chOff x="0" y="0"/>
-          <a:chExt cx="0" cy="0"/>
-        </a:xfrm>
-      </p:grpSpPr>
-      <p:sp>
-        <p:nvSpPr>
-          <p:cNvPr id="3" name="Text Placeholder 2"/>
-          <p:cNvSpPr>
-            <a:spLocks noGrp="1"/>
-          </p:cNvSpPr>
-          <p:nvPr>
-            <p:ph type="body" sz="quarter" idx="11"/>
-          </p:nvPr>
-        </p:nvSpPr>
-        <p:spPr/>
-        <p:txBody>
-          <a:bodyPr/>
-          <a:lstStyle/>
-          <a:p>
-            <a:r>
-              <a:rPr lang="en-US" dirty="0"/>
-              <a:t>Introduction to Tableau Prep</a:t>
-            </a:r>
-          </a:p>
-        </p:txBody>
-      </p:sp>
-    </p:spTree>
-    <p:extLst>
-      <p:ext uri="{BB962C8B-B14F-4D97-AF65-F5344CB8AC3E}">
-        <p14:creationId xmlns:p14="http://schemas.microsoft.com/office/powerpoint/2010/main" val="3917667801"/>
-      </p:ext>
-    </p:extLst>
-  </p:cSld>
-  <p:clrMapOvr>
-    <a:masterClrMapping/>
-  </p:clrMapOvr>
-</p:sld>
-</file>
-
-<file path=ppt/slides/slide20.xml><?xml version="1.0" encoding="utf-8"?>
+<file path=ppt/slides/slide21.xml><?xml version="1.0" encoding="utf-8"?>
 <p:sld xmlns:a="http://schemas.openxmlformats.org/drawingml/2006/main" xmlns:r="http://schemas.openxmlformats.org/officeDocument/2006/relationships" xmlns:p="http://schemas.openxmlformats.org/presentationml/2006/main">
   <p:cSld>
     <p:spTree>
@@ -13783,7 +13938,7 @@
 </p:sld>
 </file>
 
-<file path=ppt/slides/slide21.xml><?xml version="1.0" encoding="utf-8"?>
+<file path=ppt/slides/slide22.xml><?xml version="1.0" encoding="utf-8"?>
 <p:sld xmlns:a="http://schemas.openxmlformats.org/drawingml/2006/main" xmlns:r="http://schemas.openxmlformats.org/officeDocument/2006/relationships" xmlns:p="http://schemas.openxmlformats.org/presentationml/2006/main">
   <p:cSld>
     <p:spTree>
@@ -13896,7 +14051,7 @@
 </p:sld>
 </file>
 
-<file path=ppt/slides/slide22.xml><?xml version="1.0" encoding="utf-8"?>
+<file path=ppt/slides/slide23.xml><?xml version="1.0" encoding="utf-8"?>
 <p:sld xmlns:a="http://schemas.openxmlformats.org/drawingml/2006/main" xmlns:r="http://schemas.openxmlformats.org/officeDocument/2006/relationships" xmlns:p="http://schemas.openxmlformats.org/presentationml/2006/main">
   <p:cSld>
     <p:spTree>
@@ -14009,7 +14164,7 @@
 </p:sld>
 </file>
 
-<file path=ppt/slides/slide23.xml><?xml version="1.0" encoding="utf-8"?>
+<file path=ppt/slides/slide24.xml><?xml version="1.0" encoding="utf-8"?>
 <p:sld xmlns:a="http://schemas.openxmlformats.org/drawingml/2006/main" xmlns:r="http://schemas.openxmlformats.org/officeDocument/2006/relationships" xmlns:p="http://schemas.openxmlformats.org/presentationml/2006/main">
   <p:cSld>
     <p:spTree>
@@ -14122,7 +14277,7 @@
 </p:sld>
 </file>
 
-<file path=ppt/slides/slide24.xml><?xml version="1.0" encoding="utf-8"?>
+<file path=ppt/slides/slide25.xml><?xml version="1.0" encoding="utf-8"?>
 <p:sld xmlns:a="http://schemas.openxmlformats.org/drawingml/2006/main" xmlns:r="http://schemas.openxmlformats.org/officeDocument/2006/relationships" xmlns:p="http://schemas.openxmlformats.org/presentationml/2006/main">
   <p:cSld>
     <p:spTree>
@@ -14235,7 +14390,7 @@
 </p:sld>
 </file>
 
-<file path=ppt/slides/slide25.xml><?xml version="1.0" encoding="utf-8"?>
+<file path=ppt/slides/slide26.xml><?xml version="1.0" encoding="utf-8"?>
 <p:sld xmlns:a="http://schemas.openxmlformats.org/drawingml/2006/main" xmlns:r="http://schemas.openxmlformats.org/officeDocument/2006/relationships" xmlns:p="http://schemas.openxmlformats.org/presentationml/2006/main">
   <p:cSld>
     <p:spTree>
@@ -14348,7 +14503,7 @@
 </p:sld>
 </file>
 
-<file path=ppt/slides/slide26.xml><?xml version="1.0" encoding="utf-8"?>
+<file path=ppt/slides/slide27.xml><?xml version="1.0" encoding="utf-8"?>
 <p:sld xmlns:a="http://schemas.openxmlformats.org/drawingml/2006/main" xmlns:r="http://schemas.openxmlformats.org/officeDocument/2006/relationships" xmlns:p="http://schemas.openxmlformats.org/presentationml/2006/main">
   <p:cSld>
     <p:spTree>
@@ -14500,7 +14655,7 @@
 </p:sld>
 </file>
 
-<file path=ppt/slides/slide27.xml><?xml version="1.0" encoding="utf-8"?>
+<file path=ppt/slides/slide28.xml><?xml version="1.0" encoding="utf-8"?>
 <p:sld xmlns:a="http://schemas.openxmlformats.org/drawingml/2006/main" xmlns:r="http://schemas.openxmlformats.org/officeDocument/2006/relationships" xmlns:p="http://schemas.openxmlformats.org/presentationml/2006/main">
   <p:cSld>
     <p:spTree>
@@ -14614,64 +14769,6 @@
 </p:sld>
 </file>
 
-<file path=ppt/slides/slide28.xml><?xml version="1.0" encoding="utf-8"?>
-<p:sld xmlns:a="http://schemas.openxmlformats.org/drawingml/2006/main" xmlns:r="http://schemas.openxmlformats.org/officeDocument/2006/relationships" xmlns:p="http://schemas.openxmlformats.org/presentationml/2006/main">
-  <p:cSld>
-    <p:spTree>
-      <p:nvGrpSpPr>
-        <p:cNvPr id="1" name=""/>
-        <p:cNvGrpSpPr/>
-        <p:nvPr/>
-      </p:nvGrpSpPr>
-      <p:grpSpPr>
-        <a:xfrm>
-          <a:off x="0" y="0"/>
-          <a:ext cx="0" cy="0"/>
-          <a:chOff x="0" y="0"/>
-          <a:chExt cx="0" cy="0"/>
-        </a:xfrm>
-      </p:grpSpPr>
-      <p:sp>
-        <p:nvSpPr>
-          <p:cNvPr id="2" name="Title 1">
-            <a:extLst>
-              <a:ext uri="{FF2B5EF4-FFF2-40B4-BE49-F238E27FC236}">
-                <a16:creationId xmlns:a16="http://schemas.microsoft.com/office/drawing/2014/main" id="{3BACBCDC-7F7D-AF42-875C-5B645068A491}"/>
-              </a:ext>
-            </a:extLst>
-          </p:cNvPr>
-          <p:cNvSpPr>
-            <a:spLocks noGrp="1"/>
-          </p:cNvSpPr>
-          <p:nvPr>
-            <p:ph type="title"/>
-          </p:nvPr>
-        </p:nvSpPr>
-        <p:spPr/>
-        <p:txBody>
-          <a:bodyPr/>
-          <a:lstStyle/>
-          <a:p>
-            <a:r>
-              <a:rPr lang="en-US" dirty="0"/>
-              <a:t>Part I: Extract</a:t>
-            </a:r>
-          </a:p>
-        </p:txBody>
-      </p:sp>
-    </p:spTree>
-    <p:extLst>
-      <p:ext uri="{BB962C8B-B14F-4D97-AF65-F5344CB8AC3E}">
-        <p14:creationId xmlns:p14="http://schemas.microsoft.com/office/powerpoint/2010/main" val="2994392188"/>
-      </p:ext>
-    </p:extLst>
-  </p:cSld>
-  <p:clrMapOvr>
-    <a:masterClrMapping/>
-  </p:clrMapOvr>
-</p:sld>
-</file>
-
 <file path=ppt/slides/slide29.xml><?xml version="1.0" encoding="utf-8"?>
 <p:sld xmlns:a="http://schemas.openxmlformats.org/drawingml/2006/main" xmlns:r="http://schemas.openxmlformats.org/officeDocument/2006/relationships" xmlns:p="http://schemas.openxmlformats.org/presentationml/2006/main">
   <p:cSld>
@@ -14694,7 +14791,7 @@
           <p:cNvPr id="2" name="Title 1">
             <a:extLst>
               <a:ext uri="{FF2B5EF4-FFF2-40B4-BE49-F238E27FC236}">
-                <a16:creationId xmlns:a16="http://schemas.microsoft.com/office/drawing/2014/main" id="{992CB1AB-C077-6F4D-9364-4D6903E3E3E6}"/>
+                <a16:creationId xmlns:a16="http://schemas.microsoft.com/office/drawing/2014/main" id="{3BACBCDC-7F7D-AF42-875C-5B645068A491}"/>
               </a:ext>
             </a:extLst>
           </p:cNvPr>
@@ -14712,7 +14809,7 @@
           <a:p>
             <a:r>
               <a:rPr lang="en-US" dirty="0"/>
-              <a:t>Module 2: Connecting to Data</a:t>
+              <a:t>Part I: Extract</a:t>
             </a:r>
           </a:p>
         </p:txBody>
@@ -14720,7 +14817,7 @@
     </p:spTree>
     <p:extLst>
       <p:ext uri="{BB962C8B-B14F-4D97-AF65-F5344CB8AC3E}">
-        <p14:creationId xmlns:p14="http://schemas.microsoft.com/office/powerpoint/2010/main" val="3314587122"/>
+        <p14:creationId xmlns:p14="http://schemas.microsoft.com/office/powerpoint/2010/main" val="2994392188"/>
       </p:ext>
     </p:extLst>
   </p:cSld>
@@ -14841,6 +14938,64 @@
 </file>
 
 <file path=ppt/slides/slide30.xml><?xml version="1.0" encoding="utf-8"?>
+<p:sld xmlns:a="http://schemas.openxmlformats.org/drawingml/2006/main" xmlns:r="http://schemas.openxmlformats.org/officeDocument/2006/relationships" xmlns:p="http://schemas.openxmlformats.org/presentationml/2006/main">
+  <p:cSld>
+    <p:spTree>
+      <p:nvGrpSpPr>
+        <p:cNvPr id="1" name=""/>
+        <p:cNvGrpSpPr/>
+        <p:nvPr/>
+      </p:nvGrpSpPr>
+      <p:grpSpPr>
+        <a:xfrm>
+          <a:off x="0" y="0"/>
+          <a:ext cx="0" cy="0"/>
+          <a:chOff x="0" y="0"/>
+          <a:chExt cx="0" cy="0"/>
+        </a:xfrm>
+      </p:grpSpPr>
+      <p:sp>
+        <p:nvSpPr>
+          <p:cNvPr id="2" name="Title 1">
+            <a:extLst>
+              <a:ext uri="{FF2B5EF4-FFF2-40B4-BE49-F238E27FC236}">
+                <a16:creationId xmlns:a16="http://schemas.microsoft.com/office/drawing/2014/main" id="{992CB1AB-C077-6F4D-9364-4D6903E3E3E6}"/>
+              </a:ext>
+            </a:extLst>
+          </p:cNvPr>
+          <p:cNvSpPr>
+            <a:spLocks noGrp="1"/>
+          </p:cNvSpPr>
+          <p:nvPr>
+            <p:ph type="title"/>
+          </p:nvPr>
+        </p:nvSpPr>
+        <p:spPr/>
+        <p:txBody>
+          <a:bodyPr/>
+          <a:lstStyle/>
+          <a:p>
+            <a:r>
+              <a:rPr lang="en-US" dirty="0"/>
+              <a:t>Module 2: Connecting to Data</a:t>
+            </a:r>
+          </a:p>
+        </p:txBody>
+      </p:sp>
+    </p:spTree>
+    <p:extLst>
+      <p:ext uri="{BB962C8B-B14F-4D97-AF65-F5344CB8AC3E}">
+        <p14:creationId xmlns:p14="http://schemas.microsoft.com/office/powerpoint/2010/main" val="3314587122"/>
+      </p:ext>
+    </p:extLst>
+  </p:cSld>
+  <p:clrMapOvr>
+    <a:masterClrMapping/>
+  </p:clrMapOvr>
+</p:sld>
+</file>
+
+<file path=ppt/slides/slide31.xml><?xml version="1.0" encoding="utf-8"?>
 <p:sld xmlns:a="http://schemas.openxmlformats.org/drawingml/2006/main" xmlns:r="http://schemas.openxmlformats.org/officeDocument/2006/relationships" xmlns:p="http://schemas.openxmlformats.org/presentationml/2006/main">
   <p:cSld>
     <p:spTree>
@@ -14949,7 +15104,7 @@
 </p:sld>
 </file>
 
-<file path=ppt/slides/slide31.xml><?xml version="1.0" encoding="utf-8"?>
+<file path=ppt/slides/slide32.xml><?xml version="1.0" encoding="utf-8"?>
 <p:sld xmlns:a="http://schemas.openxmlformats.org/drawingml/2006/main" xmlns:r="http://schemas.openxmlformats.org/officeDocument/2006/relationships" xmlns:p="http://schemas.openxmlformats.org/presentationml/2006/main">
   <p:cSld>
     <p:spTree>
@@ -15062,7 +15217,7 @@
 </p:sld>
 </file>
 
-<file path=ppt/slides/slide32.xml><?xml version="1.0" encoding="utf-8"?>
+<file path=ppt/slides/slide33.xml><?xml version="1.0" encoding="utf-8"?>
 <p:sld xmlns:a="http://schemas.openxmlformats.org/drawingml/2006/main" xmlns:r="http://schemas.openxmlformats.org/officeDocument/2006/relationships" xmlns:p="http://schemas.openxmlformats.org/presentationml/2006/main">
   <p:cSld>
     <p:spTree>
@@ -15244,7 +15399,7 @@
 </p:sld>
 </file>
 
-<file path=ppt/slides/slide33.xml><?xml version="1.0" encoding="utf-8"?>
+<file path=ppt/slides/slide34.xml><?xml version="1.0" encoding="utf-8"?>
 <p:sld xmlns:a="http://schemas.openxmlformats.org/drawingml/2006/main" xmlns:r="http://schemas.openxmlformats.org/officeDocument/2006/relationships" xmlns:p="http://schemas.openxmlformats.org/presentationml/2006/main">
   <p:cSld>
     <p:spTree>
@@ -15480,7 +15635,7 @@
 </p:sld>
 </file>
 
-<file path=ppt/slides/slide34.xml><?xml version="1.0" encoding="utf-8"?>
+<file path=ppt/slides/slide35.xml><?xml version="1.0" encoding="utf-8"?>
 <p:sld xmlns:a="http://schemas.openxmlformats.org/drawingml/2006/main" xmlns:r="http://schemas.openxmlformats.org/officeDocument/2006/relationships" xmlns:p="http://schemas.openxmlformats.org/presentationml/2006/main">
   <p:cSld>
     <p:spTree>
@@ -15603,7 +15758,7 @@
 </p:sld>
 </file>
 
-<file path=ppt/slides/slide35.xml><?xml version="1.0" encoding="utf-8"?>
+<file path=ppt/slides/slide36.xml><?xml version="1.0" encoding="utf-8"?>
 <p:sld xmlns:a="http://schemas.openxmlformats.org/drawingml/2006/main" xmlns:r="http://schemas.openxmlformats.org/officeDocument/2006/relationships" xmlns:p="http://schemas.openxmlformats.org/presentationml/2006/main">
   <p:cSld>
     <p:spTree>
@@ -15734,7 +15889,7 @@
 </p:sld>
 </file>
 
-<file path=ppt/slides/slide36.xml><?xml version="1.0" encoding="utf-8"?>
+<file path=ppt/slides/slide37.xml><?xml version="1.0" encoding="utf-8"?>
 <p:sld xmlns:a="http://schemas.openxmlformats.org/drawingml/2006/main" xmlns:r="http://schemas.openxmlformats.org/officeDocument/2006/relationships" xmlns:p="http://schemas.openxmlformats.org/presentationml/2006/main">
   <p:cSld>
     <p:spTree>
@@ -15844,7 +15999,7 @@
 </p:sld>
 </file>
 
-<file path=ppt/slides/slide37.xml><?xml version="1.0" encoding="utf-8"?>
+<file path=ppt/slides/slide38.xml><?xml version="1.0" encoding="utf-8"?>
 <p:sld xmlns:a="http://schemas.openxmlformats.org/drawingml/2006/main" xmlns:r="http://schemas.openxmlformats.org/officeDocument/2006/relationships" xmlns:p="http://schemas.openxmlformats.org/presentationml/2006/main">
   <p:cSld>
     <p:spTree>
@@ -16060,7 +16215,7 @@
 </p:sld>
 </file>
 
-<file path=ppt/slides/slide38.xml><?xml version="1.0" encoding="utf-8"?>
+<file path=ppt/slides/slide39.xml><?xml version="1.0" encoding="utf-8"?>
 <p:sld xmlns:a="http://schemas.openxmlformats.org/drawingml/2006/main" xmlns:r="http://schemas.openxmlformats.org/officeDocument/2006/relationships" xmlns:p="http://schemas.openxmlformats.org/presentationml/2006/main">
   <p:cSld>
     <p:spTree>
@@ -16275,157 +16430,6 @@
     <p:extLst>
       <p:ext uri="{BB962C8B-B14F-4D97-AF65-F5344CB8AC3E}">
         <p14:creationId xmlns:p14="http://schemas.microsoft.com/office/powerpoint/2010/main" val="88523654"/>
-      </p:ext>
-    </p:extLst>
-  </p:cSld>
-  <p:clrMapOvr>
-    <a:masterClrMapping/>
-  </p:clrMapOvr>
-</p:sld>
-</file>
-
-<file path=ppt/slides/slide39.xml><?xml version="1.0" encoding="utf-8"?>
-<p:sld xmlns:a="http://schemas.openxmlformats.org/drawingml/2006/main" xmlns:r="http://schemas.openxmlformats.org/officeDocument/2006/relationships" xmlns:p="http://schemas.openxmlformats.org/presentationml/2006/main">
-  <p:cSld>
-    <p:spTree>
-      <p:nvGrpSpPr>
-        <p:cNvPr id="1" name=""/>
-        <p:cNvGrpSpPr/>
-        <p:nvPr/>
-      </p:nvGrpSpPr>
-      <p:grpSpPr>
-        <a:xfrm>
-          <a:off x="0" y="0"/>
-          <a:ext cx="0" cy="0"/>
-          <a:chOff x="0" y="0"/>
-          <a:chExt cx="0" cy="0"/>
-        </a:xfrm>
-      </p:grpSpPr>
-      <p:sp>
-        <p:nvSpPr>
-          <p:cNvPr id="2" name="Title 1"/>
-          <p:cNvSpPr>
-            <a:spLocks noGrp="1"/>
-          </p:cNvSpPr>
-          <p:nvPr>
-            <p:ph type="title"/>
-          </p:nvPr>
-        </p:nvSpPr>
-        <p:spPr/>
-        <p:txBody>
-          <a:bodyPr/>
-          <a:lstStyle/>
-          <a:p>
-            <a:r>
-              <a:rPr lang="en-US" dirty="0"/>
-              <a:t>Connecting</a:t>
-            </a:r>
-            <a:r>
-              <a:rPr lang="en-US" baseline="0" dirty="0"/>
-              <a:t> to Text Files</a:t>
-            </a:r>
-            <a:endParaRPr lang="en-US" dirty="0"/>
-          </a:p>
-        </p:txBody>
-      </p:sp>
-      <p:sp>
-        <p:nvSpPr>
-          <p:cNvPr id="3" name="Text Placeholder 2"/>
-          <p:cNvSpPr>
-            <a:spLocks noGrp="1"/>
-          </p:cNvSpPr>
-          <p:nvPr>
-            <p:ph type="body" sz="quarter" idx="10"/>
-          </p:nvPr>
-        </p:nvSpPr>
-        <p:spPr/>
-        <p:txBody>
-          <a:bodyPr/>
-          <a:lstStyle/>
-          <a:p>
-            <a:r>
-              <a:rPr lang="en-US" dirty="0"/>
-              <a:t>CSV, TSV, Fixed-width, etc.</a:t>
-            </a:r>
-          </a:p>
-          <a:p>
-            <a:r>
-              <a:rPr lang="en-US" dirty="0"/>
-              <a:t>Currently no support for JSON or XML</a:t>
-            </a:r>
-          </a:p>
-          <a:p>
-            <a:pPr lvl="1"/>
-            <a:r>
-              <a:rPr lang="en-US" sz="2400" dirty="0"/>
-              <a:t>Need a converter, e.g. </a:t>
-            </a:r>
-            <a:r>
-              <a:rPr lang="en-US" sz="2400" dirty="0">
-                <a:hlinkClick r:id="rId2"/>
-              </a:rPr>
-              <a:t>CSVJSON</a:t>
-            </a:r>
-            <a:r>
-              <a:rPr lang="en-US" sz="2400" dirty="0"/>
-              <a:t>, </a:t>
-            </a:r>
-            <a:r>
-              <a:rPr lang="en-US" sz="2400" dirty="0">
-                <a:hlinkClick r:id="rId3"/>
-              </a:rPr>
-              <a:t>CONVERTCSV</a:t>
-            </a:r>
-            <a:endParaRPr lang="en-US" sz="2400" dirty="0"/>
-          </a:p>
-          <a:p>
-            <a:r>
-              <a:rPr lang="en-US" sz="2800" dirty="0"/>
-              <a:t>Automatically detects encoding, delimiters, etc.</a:t>
-            </a:r>
-          </a:p>
-          <a:p>
-            <a:r>
-              <a:rPr lang="en-US" sz="2800" dirty="0"/>
-              <a:t>Single or multiple files</a:t>
-            </a:r>
-          </a:p>
-        </p:txBody>
-      </p:sp>
-      <p:pic>
-        <p:nvPicPr>
-          <p:cNvPr id="4" name="Picture 3">
-            <a:extLst>
-              <a:ext uri="{FF2B5EF4-FFF2-40B4-BE49-F238E27FC236}">
-                <a16:creationId xmlns:a16="http://schemas.microsoft.com/office/drawing/2014/main" id="{B9ABFF27-049E-4A4E-B76C-7EBB0A41F3CE}"/>
-              </a:ext>
-            </a:extLst>
-          </p:cNvPr>
-          <p:cNvPicPr>
-            <a:picLocks noChangeAspect="1"/>
-          </p:cNvPicPr>
-          <p:nvPr/>
-        </p:nvPicPr>
-        <p:blipFill>
-          <a:blip r:embed="rId4"/>
-          <a:stretch>
-            <a:fillRect/>
-          </a:stretch>
-        </p:blipFill>
-        <p:spPr>
-          <a:xfrm>
-            <a:off x="8806070" y="914400"/>
-            <a:ext cx="2623930" cy="4191000"/>
-          </a:xfrm>
-          <a:prstGeom prst="rect">
-            <a:avLst/>
-          </a:prstGeom>
-        </p:spPr>
-      </p:pic>
-    </p:spTree>
-    <p:extLst>
-      <p:ext uri="{BB962C8B-B14F-4D97-AF65-F5344CB8AC3E}">
-        <p14:creationId xmlns:p14="http://schemas.microsoft.com/office/powerpoint/2010/main" val="3719378937"/>
       </p:ext>
     </p:extLst>
   </p:cSld>
@@ -17000,18 +17004,12 @@
       </p:grpSpPr>
       <p:sp>
         <p:nvSpPr>
-          <p:cNvPr id="2" name="Subtitle 1">
-            <a:extLst>
-              <a:ext uri="{FF2B5EF4-FFF2-40B4-BE49-F238E27FC236}">
-                <a16:creationId xmlns:a16="http://schemas.microsoft.com/office/drawing/2014/main" id="{AAD2439F-1DBE-744B-A703-1383FC8F2CCC}"/>
-              </a:ext>
-            </a:extLst>
-          </p:cNvPr>
+          <p:cNvPr id="2" name="Title 1"/>
           <p:cNvSpPr>
             <a:spLocks noGrp="1"/>
           </p:cNvSpPr>
           <p:nvPr>
-            <p:ph type="subTitle" idx="1"/>
+            <p:ph type="title"/>
           </p:nvPr>
         </p:nvSpPr>
         <p:spPr/>
@@ -17019,87 +17017,13 @@
           <a:bodyPr/>
           <a:lstStyle/>
           <a:p>
-            <a:pPr marL="342900" indent="-342900">
-              <a:buFont typeface="Arial" panose="020B0604020202020204" pitchFamily="34" charset="0"/>
-              <a:buChar char="•"/>
-            </a:pPr>
             <a:r>
               <a:rPr lang="en-US" dirty="0"/>
-              <a:t>Experiment with connecting to data</a:t>
-            </a:r>
-          </a:p>
-          <a:p>
-            <a:pPr marL="342900" indent="-342900">
-              <a:buFont typeface="Arial" panose="020B0604020202020204" pitchFamily="34" charset="0"/>
-              <a:buChar char="•"/>
-            </a:pPr>
-            <a:r>
-              <a:rPr lang="en-US" dirty="0"/>
-              <a:t>Data files in: C:\XTBP10Classfiles\Data</a:t>
-            </a:r>
-          </a:p>
-          <a:p>
-            <a:pPr marL="1012825" lvl="1" indent="-342900">
-              <a:buFont typeface="Arial" panose="020B0604020202020204" pitchFamily="34" charset="0"/>
-              <a:buChar char="•"/>
-            </a:pPr>
-            <a:r>
-              <a:rPr lang="en-US" sz="1800" dirty="0"/>
-              <a:t>SQL Server: pp. 14-18</a:t>
-            </a:r>
-          </a:p>
-          <a:p>
-            <a:pPr marL="1012825" lvl="1" indent="-342900">
-              <a:buFont typeface="Arial" panose="020B0604020202020204" pitchFamily="34" charset="0"/>
-              <a:buChar char="•"/>
-            </a:pPr>
-            <a:r>
-              <a:rPr lang="en-US" sz="1800" dirty="0"/>
-              <a:t>Tableau Data Extracts: p. 19</a:t>
-            </a:r>
-          </a:p>
-          <a:p>
-            <a:pPr marL="1012825" lvl="1" indent="-342900">
-              <a:buFont typeface="Arial" panose="020B0604020202020204" pitchFamily="34" charset="0"/>
-              <a:buChar char="•"/>
-            </a:pPr>
-            <a:r>
-              <a:rPr lang="en-US" sz="1800" i="1" dirty="0">
-                <a:solidFill>
-                  <a:srgbClr val="FF0000"/>
-                </a:solidFill>
-              </a:rPr>
-              <a:t>Skip Access, pp. 20-21</a:t>
-            </a:r>
-          </a:p>
-          <a:p>
-            <a:pPr marL="1012825" lvl="1" indent="-342900">
-              <a:buFont typeface="Arial" panose="020B0604020202020204" pitchFamily="34" charset="0"/>
-              <a:buChar char="•"/>
-            </a:pPr>
-            <a:r>
-              <a:rPr lang="en-US" sz="1800" dirty="0"/>
-              <a:t>Excel: pp. 22-23</a:t>
-            </a:r>
-          </a:p>
-          <a:p>
-            <a:pPr marL="1012825" lvl="1" indent="-342900">
-              <a:buFont typeface="Arial" panose="020B0604020202020204" pitchFamily="34" charset="0"/>
-              <a:buChar char="•"/>
-            </a:pPr>
-            <a:r>
-              <a:rPr lang="en-US" sz="1800" dirty="0"/>
-              <a:t>PDF Files: p. 24</a:t>
-            </a:r>
-          </a:p>
-          <a:p>
-            <a:pPr marL="1012825" lvl="1" indent="-342900">
-              <a:buFont typeface="Arial" panose="020B0604020202020204" pitchFamily="34" charset="0"/>
-              <a:buChar char="•"/>
-            </a:pPr>
-            <a:r>
-              <a:rPr lang="en-US" sz="1800" dirty="0"/>
-              <a:t>Text files: pp. 24-25</a:t>
+              <a:t>Connecting</a:t>
+            </a:r>
+            <a:r>
+              <a:rPr lang="en-US" baseline="0" dirty="0"/>
+              <a:t> to Text Files</a:t>
             </a:r>
             <a:endParaRPr lang="en-US" dirty="0"/>
           </a:p>
@@ -17107,18 +17031,12 @@
       </p:sp>
       <p:sp>
         <p:nvSpPr>
-          <p:cNvPr id="3" name="Text Placeholder 2">
-            <a:extLst>
-              <a:ext uri="{FF2B5EF4-FFF2-40B4-BE49-F238E27FC236}">
-                <a16:creationId xmlns:a16="http://schemas.microsoft.com/office/drawing/2014/main" id="{B34D6F55-4A1C-8C4F-9AF3-A38CD56C25CA}"/>
-              </a:ext>
-            </a:extLst>
-          </p:cNvPr>
+          <p:cNvPr id="3" name="Text Placeholder 2"/>
           <p:cNvSpPr>
             <a:spLocks noGrp="1"/>
           </p:cNvSpPr>
           <p:nvPr>
-            <p:ph type="body" sz="quarter" idx="11"/>
+            <p:ph type="body" sz="quarter" idx="10"/>
           </p:nvPr>
         </p:nvSpPr>
         <p:spPr/>
@@ -17128,43 +17046,87 @@
           <a:p>
             <a:r>
               <a:rPr lang="en-US" dirty="0"/>
-              <a:t>20 minutes</a:t>
+              <a:t>CSV, TSV, Fixed-width, etc.</a:t>
+            </a:r>
+          </a:p>
+          <a:p>
+            <a:r>
+              <a:rPr lang="en-US" dirty="0"/>
+              <a:t>Currently no support for JSON or XML</a:t>
+            </a:r>
+          </a:p>
+          <a:p>
+            <a:pPr lvl="1"/>
+            <a:r>
+              <a:rPr lang="en-US" sz="2400" dirty="0"/>
+              <a:t>Need a converter, e.g. </a:t>
+            </a:r>
+            <a:r>
+              <a:rPr lang="en-US" sz="2400" dirty="0">
+                <a:hlinkClick r:id="rId2"/>
+              </a:rPr>
+              <a:t>CSVJSON</a:t>
+            </a:r>
+            <a:r>
+              <a:rPr lang="en-US" sz="2400" dirty="0"/>
+              <a:t>, </a:t>
+            </a:r>
+            <a:r>
+              <a:rPr lang="en-US" sz="2400" dirty="0">
+                <a:hlinkClick r:id="rId3"/>
+              </a:rPr>
+              <a:t>CONVERTCSV</a:t>
+            </a:r>
+            <a:endParaRPr lang="en-US" sz="2400" dirty="0"/>
+          </a:p>
+          <a:p>
+            <a:r>
+              <a:rPr lang="en-US" sz="2800" dirty="0"/>
+              <a:t>Automatically detects encoding, delimiters, etc.</a:t>
+            </a:r>
+          </a:p>
+          <a:p>
+            <a:r>
+              <a:rPr lang="en-US" sz="2800" dirty="0"/>
+              <a:t>Single or multiple files</a:t>
             </a:r>
           </a:p>
         </p:txBody>
       </p:sp>
-      <p:sp>
-        <p:nvSpPr>
-          <p:cNvPr id="4" name="Title 3">
+      <p:pic>
+        <p:nvPicPr>
+          <p:cNvPr id="4" name="Picture 3">
             <a:extLst>
               <a:ext uri="{FF2B5EF4-FFF2-40B4-BE49-F238E27FC236}">
-                <a16:creationId xmlns:a16="http://schemas.microsoft.com/office/drawing/2014/main" id="{BACB2514-CF03-6F4B-98A8-05F8396F2D7E}"/>
+                <a16:creationId xmlns:a16="http://schemas.microsoft.com/office/drawing/2014/main" id="{B9ABFF27-049E-4A4E-B76C-7EBB0A41F3CE}"/>
               </a:ext>
             </a:extLst>
           </p:cNvPr>
-          <p:cNvSpPr>
-            <a:spLocks noGrp="1"/>
-          </p:cNvSpPr>
-          <p:nvPr>
-            <p:ph type="title"/>
-          </p:nvPr>
-        </p:nvSpPr>
-        <p:spPr/>
-        <p:txBody>
-          <a:bodyPr/>
-          <a:lstStyle/>
-          <a:p>
-            <a:r>
-              <a:rPr lang="en-US" dirty="0"/>
-              <a:t>Lab 2: Connecting to Data</a:t>
-            </a:r>
-          </a:p>
-        </p:txBody>
-      </p:sp>
+          <p:cNvPicPr>
+            <a:picLocks noChangeAspect="1"/>
+          </p:cNvPicPr>
+          <p:nvPr/>
+        </p:nvPicPr>
+        <p:blipFill>
+          <a:blip r:embed="rId4"/>
+          <a:stretch>
+            <a:fillRect/>
+          </a:stretch>
+        </p:blipFill>
+        <p:spPr>
+          <a:xfrm>
+            <a:off x="8806070" y="914400"/>
+            <a:ext cx="2623930" cy="4191000"/>
+          </a:xfrm>
+          <a:prstGeom prst="rect">
+            <a:avLst/>
+          </a:prstGeom>
+        </p:spPr>
+      </p:pic>
     </p:spTree>
     <p:extLst>
       <p:ext uri="{BB962C8B-B14F-4D97-AF65-F5344CB8AC3E}">
-        <p14:creationId xmlns:p14="http://schemas.microsoft.com/office/powerpoint/2010/main" val="2282883991"/>
+        <p14:creationId xmlns:p14="http://schemas.microsoft.com/office/powerpoint/2010/main" val="3719378937"/>
       </p:ext>
     </p:extLst>
   </p:cSld>
@@ -17193,6 +17155,199 @@
       </p:grpSpPr>
       <p:sp>
         <p:nvSpPr>
+          <p:cNvPr id="2" name="Subtitle 1">
+            <a:extLst>
+              <a:ext uri="{FF2B5EF4-FFF2-40B4-BE49-F238E27FC236}">
+                <a16:creationId xmlns:a16="http://schemas.microsoft.com/office/drawing/2014/main" id="{AAD2439F-1DBE-744B-A703-1383FC8F2CCC}"/>
+              </a:ext>
+            </a:extLst>
+          </p:cNvPr>
+          <p:cNvSpPr>
+            <a:spLocks noGrp="1"/>
+          </p:cNvSpPr>
+          <p:nvPr>
+            <p:ph type="subTitle" idx="1"/>
+          </p:nvPr>
+        </p:nvSpPr>
+        <p:spPr/>
+        <p:txBody>
+          <a:bodyPr/>
+          <a:lstStyle/>
+          <a:p>
+            <a:pPr marL="342900" indent="-342900">
+              <a:buFont typeface="Arial" panose="020B0604020202020204" pitchFamily="34" charset="0"/>
+              <a:buChar char="•"/>
+            </a:pPr>
+            <a:r>
+              <a:rPr lang="en-US" dirty="0"/>
+              <a:t>Experiment with connecting to data</a:t>
+            </a:r>
+          </a:p>
+          <a:p>
+            <a:pPr marL="342900" indent="-342900">
+              <a:buFont typeface="Arial" panose="020B0604020202020204" pitchFamily="34" charset="0"/>
+              <a:buChar char="•"/>
+            </a:pPr>
+            <a:r>
+              <a:rPr lang="en-US" dirty="0"/>
+              <a:t>Data files in: C:\XTBP10Classfiles\Data</a:t>
+            </a:r>
+          </a:p>
+          <a:p>
+            <a:pPr marL="1012825" lvl="1" indent="-342900">
+              <a:buFont typeface="Arial" panose="020B0604020202020204" pitchFamily="34" charset="0"/>
+              <a:buChar char="•"/>
+            </a:pPr>
+            <a:r>
+              <a:rPr lang="en-US" sz="1800" dirty="0"/>
+              <a:t>SQL Server: pp. 14-18</a:t>
+            </a:r>
+          </a:p>
+          <a:p>
+            <a:pPr marL="1012825" lvl="1" indent="-342900">
+              <a:buFont typeface="Arial" panose="020B0604020202020204" pitchFamily="34" charset="0"/>
+              <a:buChar char="•"/>
+            </a:pPr>
+            <a:r>
+              <a:rPr lang="en-US" sz="1800" dirty="0"/>
+              <a:t>Tableau Data Extracts: p. 19</a:t>
+            </a:r>
+          </a:p>
+          <a:p>
+            <a:pPr marL="1012825" lvl="1" indent="-342900">
+              <a:buFont typeface="Arial" panose="020B0604020202020204" pitchFamily="34" charset="0"/>
+              <a:buChar char="•"/>
+            </a:pPr>
+            <a:r>
+              <a:rPr lang="en-US" sz="1800" i="1" dirty="0">
+                <a:solidFill>
+                  <a:srgbClr val="FF0000"/>
+                </a:solidFill>
+              </a:rPr>
+              <a:t>Skip Access, pp. 20-21</a:t>
+            </a:r>
+          </a:p>
+          <a:p>
+            <a:pPr marL="1012825" lvl="1" indent="-342900">
+              <a:buFont typeface="Arial" panose="020B0604020202020204" pitchFamily="34" charset="0"/>
+              <a:buChar char="•"/>
+            </a:pPr>
+            <a:r>
+              <a:rPr lang="en-US" sz="1800" dirty="0"/>
+              <a:t>Excel: pp. 22-23</a:t>
+            </a:r>
+          </a:p>
+          <a:p>
+            <a:pPr marL="1012825" lvl="1" indent="-342900">
+              <a:buFont typeface="Arial" panose="020B0604020202020204" pitchFamily="34" charset="0"/>
+              <a:buChar char="•"/>
+            </a:pPr>
+            <a:r>
+              <a:rPr lang="en-US" sz="1800" dirty="0"/>
+              <a:t>PDF Files: p. 24</a:t>
+            </a:r>
+          </a:p>
+          <a:p>
+            <a:pPr marL="1012825" lvl="1" indent="-342900">
+              <a:buFont typeface="Arial" panose="020B0604020202020204" pitchFamily="34" charset="0"/>
+              <a:buChar char="•"/>
+            </a:pPr>
+            <a:r>
+              <a:rPr lang="en-US" sz="1800" dirty="0"/>
+              <a:t>Text files: pp. 24-25</a:t>
+            </a:r>
+            <a:endParaRPr lang="en-US" dirty="0"/>
+          </a:p>
+        </p:txBody>
+      </p:sp>
+      <p:sp>
+        <p:nvSpPr>
+          <p:cNvPr id="3" name="Text Placeholder 2">
+            <a:extLst>
+              <a:ext uri="{FF2B5EF4-FFF2-40B4-BE49-F238E27FC236}">
+                <a16:creationId xmlns:a16="http://schemas.microsoft.com/office/drawing/2014/main" id="{B34D6F55-4A1C-8C4F-9AF3-A38CD56C25CA}"/>
+              </a:ext>
+            </a:extLst>
+          </p:cNvPr>
+          <p:cNvSpPr>
+            <a:spLocks noGrp="1"/>
+          </p:cNvSpPr>
+          <p:nvPr>
+            <p:ph type="body" sz="quarter" idx="11"/>
+          </p:nvPr>
+        </p:nvSpPr>
+        <p:spPr/>
+        <p:txBody>
+          <a:bodyPr/>
+          <a:lstStyle/>
+          <a:p>
+            <a:r>
+              <a:rPr lang="en-US" dirty="0"/>
+              <a:t>20 minutes</a:t>
+            </a:r>
+          </a:p>
+        </p:txBody>
+      </p:sp>
+      <p:sp>
+        <p:nvSpPr>
+          <p:cNvPr id="4" name="Title 3">
+            <a:extLst>
+              <a:ext uri="{FF2B5EF4-FFF2-40B4-BE49-F238E27FC236}">
+                <a16:creationId xmlns:a16="http://schemas.microsoft.com/office/drawing/2014/main" id="{BACB2514-CF03-6F4B-98A8-05F8396F2D7E}"/>
+              </a:ext>
+            </a:extLst>
+          </p:cNvPr>
+          <p:cNvSpPr>
+            <a:spLocks noGrp="1"/>
+          </p:cNvSpPr>
+          <p:nvPr>
+            <p:ph type="title"/>
+          </p:nvPr>
+        </p:nvSpPr>
+        <p:spPr/>
+        <p:txBody>
+          <a:bodyPr/>
+          <a:lstStyle/>
+          <a:p>
+            <a:r>
+              <a:rPr lang="en-US" dirty="0"/>
+              <a:t>Lab 2: Connecting to Data</a:t>
+            </a:r>
+          </a:p>
+        </p:txBody>
+      </p:sp>
+    </p:spTree>
+    <p:extLst>
+      <p:ext uri="{BB962C8B-B14F-4D97-AF65-F5344CB8AC3E}">
+        <p14:creationId xmlns:p14="http://schemas.microsoft.com/office/powerpoint/2010/main" val="2282883991"/>
+      </p:ext>
+    </p:extLst>
+  </p:cSld>
+  <p:clrMapOvr>
+    <a:masterClrMapping/>
+  </p:clrMapOvr>
+</p:sld>
+</file>
+
+<file path=ppt/slides/slide42.xml><?xml version="1.0" encoding="utf-8"?>
+<p:sld xmlns:a="http://schemas.openxmlformats.org/drawingml/2006/main" xmlns:r="http://schemas.openxmlformats.org/officeDocument/2006/relationships" xmlns:p="http://schemas.openxmlformats.org/presentationml/2006/main">
+  <p:cSld>
+    <p:spTree>
+      <p:nvGrpSpPr>
+        <p:cNvPr id="1" name=""/>
+        <p:cNvGrpSpPr/>
+        <p:nvPr/>
+      </p:nvGrpSpPr>
+      <p:grpSpPr>
+        <a:xfrm>
+          <a:off x="0" y="0"/>
+          <a:ext cx="0" cy="0"/>
+          <a:chOff x="0" y="0"/>
+          <a:chExt cx="0" cy="0"/>
+        </a:xfrm>
+      </p:grpSpPr>
+      <p:sp>
+        <p:nvSpPr>
           <p:cNvPr id="2" name="Title 1"/>
           <p:cNvSpPr>
             <a:spLocks noGrp="1"/>
@@ -17226,7 +17381,7 @@
 </p:sld>
 </file>
 
-<file path=ppt/slides/slide42.xml><?xml version="1.0" encoding="utf-8"?>
+<file path=ppt/slides/slide43.xml><?xml version="1.0" encoding="utf-8"?>
 <p:sld xmlns:a="http://schemas.openxmlformats.org/drawingml/2006/main" xmlns:r="http://schemas.openxmlformats.org/officeDocument/2006/relationships" xmlns:p="http://schemas.openxmlformats.org/presentationml/2006/main">
   <p:cSld>
     <p:spTree>
@@ -20414,7 +20569,7 @@
 </p:sld>
 </file>
 
-<file path=ppt/slides/slide43.xml><?xml version="1.0" encoding="utf-8"?>
+<file path=ppt/slides/slide44.xml><?xml version="1.0" encoding="utf-8"?>
 <p:sld xmlns:a="http://schemas.openxmlformats.org/drawingml/2006/main" xmlns:r="http://schemas.openxmlformats.org/officeDocument/2006/relationships" xmlns:p="http://schemas.openxmlformats.org/presentationml/2006/main">
   <p:cSld>
     <p:spTree>
@@ -20548,7 +20703,7 @@
 </p:sld>
 </file>
 
-<file path=ppt/slides/slide44.xml><?xml version="1.0" encoding="utf-8"?>
+<file path=ppt/slides/slide45.xml><?xml version="1.0" encoding="utf-8"?>
 <p:sld xmlns:a="http://schemas.openxmlformats.org/drawingml/2006/main" xmlns:r="http://schemas.openxmlformats.org/officeDocument/2006/relationships" xmlns:p="http://schemas.openxmlformats.org/presentationml/2006/main">
   <p:cSld>
     <p:spTree>
@@ -20711,7 +20866,7 @@
 </p:sld>
 </file>
 
-<file path=ppt/slides/slide45.xml><?xml version="1.0" encoding="utf-8"?>
+<file path=ppt/slides/slide46.xml><?xml version="1.0" encoding="utf-8"?>
 <p:sld xmlns:a="http://schemas.openxmlformats.org/drawingml/2006/main" xmlns:r="http://schemas.openxmlformats.org/officeDocument/2006/relationships" xmlns:p="http://schemas.openxmlformats.org/presentationml/2006/main">
   <p:cSld>
     <p:spTree>
@@ -20940,7 +21095,7 @@
 </p:sld>
 </file>
 
-<file path=ppt/slides/slide46.xml><?xml version="1.0" encoding="utf-8"?>
+<file path=ppt/slides/slide47.xml><?xml version="1.0" encoding="utf-8"?>
 <p:sld xmlns:a="http://schemas.openxmlformats.org/drawingml/2006/main" xmlns:r="http://schemas.openxmlformats.org/officeDocument/2006/relationships" xmlns:p="http://schemas.openxmlformats.org/presentationml/2006/main">
   <p:cSld>
     <p:spTree>
@@ -21104,7 +21259,7 @@
 </p:sld>
 </file>
 
-<file path=ppt/slides/slide47.xml><?xml version="1.0" encoding="utf-8"?>
+<file path=ppt/slides/slide48.xml><?xml version="1.0" encoding="utf-8"?>
 <p:sld xmlns:a="http://schemas.openxmlformats.org/drawingml/2006/main" xmlns:r="http://schemas.openxmlformats.org/officeDocument/2006/relationships" xmlns:p="http://schemas.openxmlformats.org/presentationml/2006/main">
   <p:cSld>
     <p:spTree>
@@ -21313,7 +21468,7 @@
 </p:sld>
 </file>
 
-<file path=ppt/slides/slide48.xml><?xml version="1.0" encoding="utf-8"?>
+<file path=ppt/slides/slide49.xml><?xml version="1.0" encoding="utf-8"?>
 <p:sld xmlns:a="http://schemas.openxmlformats.org/drawingml/2006/main" xmlns:r="http://schemas.openxmlformats.org/officeDocument/2006/relationships" xmlns:p="http://schemas.openxmlformats.org/presentationml/2006/main">
   <p:cSld>
     <p:spTree>
@@ -21469,130 +21624,6 @@
     <p:extLst>
       <p:ext uri="{BB962C8B-B14F-4D97-AF65-F5344CB8AC3E}">
         <p14:creationId xmlns:p14="http://schemas.microsoft.com/office/powerpoint/2010/main" val="1700663258"/>
-      </p:ext>
-    </p:extLst>
-  </p:cSld>
-  <p:clrMapOvr>
-    <a:masterClrMapping/>
-  </p:clrMapOvr>
-</p:sld>
-</file>
-
-<file path=ppt/slides/slide49.xml><?xml version="1.0" encoding="utf-8"?>
-<p:sld xmlns:a="http://schemas.openxmlformats.org/drawingml/2006/main" xmlns:r="http://schemas.openxmlformats.org/officeDocument/2006/relationships" xmlns:p="http://schemas.openxmlformats.org/presentationml/2006/main">
-  <p:cSld>
-    <p:spTree>
-      <p:nvGrpSpPr>
-        <p:cNvPr id="1" name=""/>
-        <p:cNvGrpSpPr/>
-        <p:nvPr/>
-      </p:nvGrpSpPr>
-      <p:grpSpPr>
-        <a:xfrm>
-          <a:off x="0" y="0"/>
-          <a:ext cx="0" cy="0"/>
-          <a:chOff x="0" y="0"/>
-          <a:chExt cx="0" cy="0"/>
-        </a:xfrm>
-      </p:grpSpPr>
-      <p:sp>
-        <p:nvSpPr>
-          <p:cNvPr id="4" name="Title 3">
-            <a:extLst>
-              <a:ext uri="{FF2B5EF4-FFF2-40B4-BE49-F238E27FC236}">
-                <a16:creationId xmlns:a16="http://schemas.microsoft.com/office/drawing/2014/main" id="{F48C7965-0EC8-CF4E-94D4-3E5D48D199A8}"/>
-              </a:ext>
-            </a:extLst>
-          </p:cNvPr>
-          <p:cNvSpPr>
-            <a:spLocks noGrp="1"/>
-          </p:cNvSpPr>
-          <p:nvPr>
-            <p:ph type="title"/>
-          </p:nvPr>
-        </p:nvSpPr>
-        <p:spPr/>
-        <p:txBody>
-          <a:bodyPr/>
-          <a:lstStyle/>
-          <a:p>
-            <a:r>
-              <a:rPr lang="en-US" dirty="0"/>
-              <a:t>Which Is</a:t>
-            </a:r>
-            <a:r>
-              <a:rPr lang="en-US" baseline="0" dirty="0"/>
-              <a:t> Better?</a:t>
-            </a:r>
-            <a:endParaRPr lang="en-US" dirty="0"/>
-          </a:p>
-        </p:txBody>
-      </p:sp>
-      <p:sp>
-        <p:nvSpPr>
-          <p:cNvPr id="5" name="Text Placeholder 4">
-            <a:extLst>
-              <a:ext uri="{FF2B5EF4-FFF2-40B4-BE49-F238E27FC236}">
-                <a16:creationId xmlns:a16="http://schemas.microsoft.com/office/drawing/2014/main" id="{755D2355-832A-48BC-8501-4AA723839B16}"/>
-              </a:ext>
-            </a:extLst>
-          </p:cNvPr>
-          <p:cNvSpPr>
-            <a:spLocks noGrp="1"/>
-          </p:cNvSpPr>
-          <p:nvPr>
-            <p:ph type="body" sz="quarter" idx="10"/>
-          </p:nvPr>
-        </p:nvSpPr>
-        <p:spPr/>
-        <p:txBody>
-          <a:bodyPr/>
-          <a:lstStyle/>
-          <a:p>
-            <a:r>
-              <a:rPr lang="en-US" dirty="0">
-                <a:sym typeface="Wingdings" panose="05000000000000000000" pitchFamily="2" charset="2"/>
-              </a:rPr>
-              <a:t>One-off or ongoing?</a:t>
-            </a:r>
-            <a:endParaRPr lang="en-US" dirty="0"/>
-          </a:p>
-          <a:p>
-            <a:r>
-              <a:rPr lang="en-US" dirty="0"/>
-              <a:t>Automated systems </a:t>
-            </a:r>
-            <a:r>
-              <a:rPr lang="en-US" dirty="0">
-                <a:sym typeface="Wingdings" panose="05000000000000000000" pitchFamily="2" charset="2"/>
-              </a:rPr>
-              <a:t> Identical files = Wildcard</a:t>
-            </a:r>
-          </a:p>
-          <a:p>
-            <a:r>
-              <a:rPr lang="en-US" dirty="0">
-                <a:sym typeface="Wingdings" panose="05000000000000000000" pitchFamily="2" charset="2"/>
-              </a:rPr>
-              <a:t>Ad hoc/manual data entry, disparate sources = judgement call</a:t>
-            </a:r>
-          </a:p>
-          <a:p>
-            <a:pPr lvl="1"/>
-            <a:r>
-              <a:rPr lang="en-US" dirty="0">
-                <a:sym typeface="Wingdings" panose="05000000000000000000" pitchFamily="2" charset="2"/>
-              </a:rPr>
-              <a:t>Wildcard may require so much tuning that it’s more work than manual</a:t>
-            </a:r>
-            <a:endParaRPr lang="en-US" dirty="0"/>
-          </a:p>
-        </p:txBody>
-      </p:sp>
-    </p:spTree>
-    <p:extLst>
-      <p:ext uri="{BB962C8B-B14F-4D97-AF65-F5344CB8AC3E}">
-        <p14:creationId xmlns:p14="http://schemas.microsoft.com/office/powerpoint/2010/main" val="307961116"/>
       </p:ext>
     </p:extLst>
   </p:cSld>
@@ -21798,10 +21829,10 @@
       </p:grpSpPr>
       <p:sp>
         <p:nvSpPr>
-          <p:cNvPr id="2" name="Subtitle 1">
+          <p:cNvPr id="4" name="Title 3">
             <a:extLst>
               <a:ext uri="{FF2B5EF4-FFF2-40B4-BE49-F238E27FC236}">
-                <a16:creationId xmlns:a16="http://schemas.microsoft.com/office/drawing/2014/main" id="{DA3B231E-6805-BE41-BD6F-D9C9EAED8B76}"/>
+                <a16:creationId xmlns:a16="http://schemas.microsoft.com/office/drawing/2014/main" id="{F48C7965-0EC8-CF4E-94D4-3E5D48D199A8}"/>
               </a:ext>
             </a:extLst>
           </p:cNvPr>
@@ -21809,7 +21840,7 @@
             <a:spLocks noGrp="1"/>
           </p:cNvSpPr>
           <p:nvPr>
-            <p:ph type="subTitle" idx="1"/>
+            <p:ph type="title"/>
           </p:nvPr>
         </p:nvSpPr>
         <p:spPr/>
@@ -21819,29 +21850,22 @@
           <a:p>
             <a:r>
               <a:rPr lang="en-US" dirty="0"/>
-              <a:t>Exercise 4.1: UNION Join, pp. 27-32</a:t>
-            </a:r>
-          </a:p>
-          <a:p>
-            <a:r>
-              <a:rPr lang="en-US" dirty="0"/>
-              <a:t>Exercise 4.2: Wildcard UNION, pp. 41-44</a:t>
-            </a:r>
-          </a:p>
-          <a:p>
-            <a:r>
-              <a:rPr lang="en-US" dirty="0"/>
-              <a:t>Exercise 4.3: Refine a Wildcard UNION, pp. 47-48</a:t>
-            </a:r>
+              <a:t>Which Is</a:t>
+            </a:r>
+            <a:r>
+              <a:rPr lang="en-US" baseline="0" dirty="0"/>
+              <a:t> Better?</a:t>
+            </a:r>
+            <a:endParaRPr lang="en-US" dirty="0"/>
           </a:p>
         </p:txBody>
       </p:sp>
       <p:sp>
         <p:nvSpPr>
-          <p:cNvPr id="3" name="Text Placeholder 2">
+          <p:cNvPr id="5" name="Text Placeholder 4">
             <a:extLst>
               <a:ext uri="{FF2B5EF4-FFF2-40B4-BE49-F238E27FC236}">
-                <a16:creationId xmlns:a16="http://schemas.microsoft.com/office/drawing/2014/main" id="{490D3781-8EE3-BE42-B0BB-32D1562D9008}"/>
+                <a16:creationId xmlns:a16="http://schemas.microsoft.com/office/drawing/2014/main" id="{755D2355-832A-48BC-8501-4AA723839B16}"/>
               </a:ext>
             </a:extLst>
           </p:cNvPr>
@@ -21849,7 +21873,7 @@
             <a:spLocks noGrp="1"/>
           </p:cNvSpPr>
           <p:nvPr>
-            <p:ph type="body" sz="quarter" idx="11"/>
+            <p:ph type="body" sz="quarter" idx="10"/>
           </p:nvPr>
         </p:nvSpPr>
         <p:spPr/>
@@ -21858,44 +21882,49 @@
           <a:lstStyle/>
           <a:p>
             <a:r>
+              <a:rPr lang="en-US" dirty="0">
+                <a:sym typeface="Wingdings" panose="05000000000000000000" pitchFamily="2" charset="2"/>
+              </a:rPr>
+              <a:t>One-off or ongoing?</a:t>
+            </a:r>
+            <a:endParaRPr lang="en-US" dirty="0"/>
+          </a:p>
+          <a:p>
+            <a:r>
               <a:rPr lang="en-US" dirty="0"/>
-              <a:t>30 Minutes</a:t>
-            </a:r>
-          </a:p>
-        </p:txBody>
-      </p:sp>
-      <p:sp>
-        <p:nvSpPr>
-          <p:cNvPr id="4" name="Title 3">
-            <a:extLst>
-              <a:ext uri="{FF2B5EF4-FFF2-40B4-BE49-F238E27FC236}">
-                <a16:creationId xmlns:a16="http://schemas.microsoft.com/office/drawing/2014/main" id="{09F33829-237D-F84E-9895-54A257840138}"/>
-              </a:ext>
-            </a:extLst>
-          </p:cNvPr>
-          <p:cNvSpPr>
-            <a:spLocks noGrp="1"/>
-          </p:cNvSpPr>
-          <p:nvPr>
-            <p:ph type="title"/>
-          </p:nvPr>
-        </p:nvSpPr>
-        <p:spPr/>
-        <p:txBody>
-          <a:bodyPr/>
-          <a:lstStyle/>
-          <a:p>
-            <a:r>
-              <a:rPr lang="en-US" dirty="0"/>
-              <a:t>Lab 3: UNION Joins</a:t>
-            </a:r>
+              <a:t>Automated systems </a:t>
+            </a:r>
+            <a:r>
+              <a:rPr lang="en-US" dirty="0">
+                <a:sym typeface="Wingdings" panose="05000000000000000000" pitchFamily="2" charset="2"/>
+              </a:rPr>
+              <a:t> Identical files = Wildcard</a:t>
+            </a:r>
+          </a:p>
+          <a:p>
+            <a:r>
+              <a:rPr lang="en-US" dirty="0">
+                <a:sym typeface="Wingdings" panose="05000000000000000000" pitchFamily="2" charset="2"/>
+              </a:rPr>
+              <a:t>Ad hoc/manual data entry, disparate sources = judgement call</a:t>
+            </a:r>
+          </a:p>
+          <a:p>
+            <a:pPr lvl="1"/>
+            <a:r>
+              <a:rPr lang="en-US" dirty="0">
+                <a:sym typeface="Wingdings" panose="05000000000000000000" pitchFamily="2" charset="2"/>
+              </a:rPr>
+              <a:t>Wildcard may require so much tuning that it’s more work than manual</a:t>
+            </a:r>
+            <a:endParaRPr lang="en-US" dirty="0"/>
           </a:p>
         </p:txBody>
       </p:sp>
     </p:spTree>
     <p:extLst>
       <p:ext uri="{BB962C8B-B14F-4D97-AF65-F5344CB8AC3E}">
-        <p14:creationId xmlns:p14="http://schemas.microsoft.com/office/powerpoint/2010/main" val="2529152538"/>
+        <p14:creationId xmlns:p14="http://schemas.microsoft.com/office/powerpoint/2010/main" val="307961116"/>
       </p:ext>
     </p:extLst>
   </p:cSld>
@@ -21924,6 +21953,132 @@
       </p:grpSpPr>
       <p:sp>
         <p:nvSpPr>
+          <p:cNvPr id="2" name="Subtitle 1">
+            <a:extLst>
+              <a:ext uri="{FF2B5EF4-FFF2-40B4-BE49-F238E27FC236}">
+                <a16:creationId xmlns:a16="http://schemas.microsoft.com/office/drawing/2014/main" id="{DA3B231E-6805-BE41-BD6F-D9C9EAED8B76}"/>
+              </a:ext>
+            </a:extLst>
+          </p:cNvPr>
+          <p:cNvSpPr>
+            <a:spLocks noGrp="1"/>
+          </p:cNvSpPr>
+          <p:nvPr>
+            <p:ph type="subTitle" idx="1"/>
+          </p:nvPr>
+        </p:nvSpPr>
+        <p:spPr/>
+        <p:txBody>
+          <a:bodyPr/>
+          <a:lstStyle/>
+          <a:p>
+            <a:r>
+              <a:rPr lang="en-US" dirty="0"/>
+              <a:t>Exercise 4.1: UNION Join, pp. 27-32</a:t>
+            </a:r>
+          </a:p>
+          <a:p>
+            <a:r>
+              <a:rPr lang="en-US" dirty="0"/>
+              <a:t>Exercise 4.2: Wildcard UNION, pp. 41-44</a:t>
+            </a:r>
+          </a:p>
+          <a:p>
+            <a:r>
+              <a:rPr lang="en-US" dirty="0"/>
+              <a:t>Exercise 4.3: Refine a Wildcard UNION, pp. 47-48</a:t>
+            </a:r>
+          </a:p>
+        </p:txBody>
+      </p:sp>
+      <p:sp>
+        <p:nvSpPr>
+          <p:cNvPr id="3" name="Text Placeholder 2">
+            <a:extLst>
+              <a:ext uri="{FF2B5EF4-FFF2-40B4-BE49-F238E27FC236}">
+                <a16:creationId xmlns:a16="http://schemas.microsoft.com/office/drawing/2014/main" id="{490D3781-8EE3-BE42-B0BB-32D1562D9008}"/>
+              </a:ext>
+            </a:extLst>
+          </p:cNvPr>
+          <p:cNvSpPr>
+            <a:spLocks noGrp="1"/>
+          </p:cNvSpPr>
+          <p:nvPr>
+            <p:ph type="body" sz="quarter" idx="11"/>
+          </p:nvPr>
+        </p:nvSpPr>
+        <p:spPr/>
+        <p:txBody>
+          <a:bodyPr/>
+          <a:lstStyle/>
+          <a:p>
+            <a:r>
+              <a:rPr lang="en-US" dirty="0"/>
+              <a:t>30 Minutes</a:t>
+            </a:r>
+          </a:p>
+        </p:txBody>
+      </p:sp>
+      <p:sp>
+        <p:nvSpPr>
+          <p:cNvPr id="4" name="Title 3">
+            <a:extLst>
+              <a:ext uri="{FF2B5EF4-FFF2-40B4-BE49-F238E27FC236}">
+                <a16:creationId xmlns:a16="http://schemas.microsoft.com/office/drawing/2014/main" id="{09F33829-237D-F84E-9895-54A257840138}"/>
+              </a:ext>
+            </a:extLst>
+          </p:cNvPr>
+          <p:cNvSpPr>
+            <a:spLocks noGrp="1"/>
+          </p:cNvSpPr>
+          <p:nvPr>
+            <p:ph type="title"/>
+          </p:nvPr>
+        </p:nvSpPr>
+        <p:spPr/>
+        <p:txBody>
+          <a:bodyPr/>
+          <a:lstStyle/>
+          <a:p>
+            <a:r>
+              <a:rPr lang="en-US" dirty="0"/>
+              <a:t>Lab 3: UNION Joins</a:t>
+            </a:r>
+          </a:p>
+        </p:txBody>
+      </p:sp>
+    </p:spTree>
+    <p:extLst>
+      <p:ext uri="{BB962C8B-B14F-4D97-AF65-F5344CB8AC3E}">
+        <p14:creationId xmlns:p14="http://schemas.microsoft.com/office/powerpoint/2010/main" val="2529152538"/>
+      </p:ext>
+    </p:extLst>
+  </p:cSld>
+  <p:clrMapOvr>
+    <a:masterClrMapping/>
+  </p:clrMapOvr>
+</p:sld>
+</file>
+
+<file path=ppt/slides/slide52.xml><?xml version="1.0" encoding="utf-8"?>
+<p:sld xmlns:a="http://schemas.openxmlformats.org/drawingml/2006/main" xmlns:r="http://schemas.openxmlformats.org/officeDocument/2006/relationships" xmlns:p="http://schemas.openxmlformats.org/presentationml/2006/main">
+  <p:cSld>
+    <p:spTree>
+      <p:nvGrpSpPr>
+        <p:cNvPr id="1" name=""/>
+        <p:cNvGrpSpPr/>
+        <p:nvPr/>
+      </p:nvGrpSpPr>
+      <p:grpSpPr>
+        <a:xfrm>
+          <a:off x="0" y="0"/>
+          <a:ext cx="0" cy="0"/>
+          <a:chOff x="0" y="0"/>
+          <a:chExt cx="0" cy="0"/>
+        </a:xfrm>
+      </p:grpSpPr>
+      <p:sp>
+        <p:nvSpPr>
           <p:cNvPr id="4" name="Title 3">
             <a:extLst>
               <a:ext uri="{FF2B5EF4-FFF2-40B4-BE49-F238E27FC236}">
@@ -21963,7 +22118,7 @@
 </p:sld>
 </file>
 
-<file path=ppt/slides/slide52.xml><?xml version="1.0" encoding="utf-8"?>
+<file path=ppt/slides/slide53.xml><?xml version="1.0" encoding="utf-8"?>
 <p:sld xmlns:a="http://schemas.openxmlformats.org/drawingml/2006/main" xmlns:r="http://schemas.openxmlformats.org/officeDocument/2006/relationships" xmlns:p="http://schemas.openxmlformats.org/presentationml/2006/main">
   <p:cSld>
     <p:spTree>
@@ -23451,7 +23606,7 @@
 </p:sld>
 </file>
 
-<file path=ppt/slides/slide53.xml><?xml version="1.0" encoding="utf-8"?>
+<file path=ppt/slides/slide54.xml><?xml version="1.0" encoding="utf-8"?>
 <p:sld xmlns:a="http://schemas.openxmlformats.org/drawingml/2006/main" xmlns:r="http://schemas.openxmlformats.org/officeDocument/2006/relationships" xmlns:p="http://schemas.openxmlformats.org/presentationml/2006/main">
   <p:cSld>
     <p:spTree>
@@ -25877,7 +26032,7 @@
 </p:sld>
 </file>
 
-<file path=ppt/slides/slide54.xml><?xml version="1.0" encoding="utf-8"?>
+<file path=ppt/slides/slide55.xml><?xml version="1.0" encoding="utf-8"?>
 <p:sld xmlns:a="http://schemas.openxmlformats.org/drawingml/2006/main" xmlns:r="http://schemas.openxmlformats.org/officeDocument/2006/relationships" xmlns:p="http://schemas.openxmlformats.org/presentationml/2006/main">
   <p:cSld>
     <p:spTree>
@@ -29562,7 +29717,7 @@
 </p:sld>
 </file>
 
-<file path=ppt/slides/slide55.xml><?xml version="1.0" encoding="utf-8"?>
+<file path=ppt/slides/slide56.xml><?xml version="1.0" encoding="utf-8"?>
 <p:sld xmlns:a="http://schemas.openxmlformats.org/drawingml/2006/main" xmlns:r="http://schemas.openxmlformats.org/officeDocument/2006/relationships" xmlns:p="http://schemas.openxmlformats.org/presentationml/2006/main">
   <p:cSld>
     <p:spTree>
@@ -29809,7 +29964,7 @@
 </p:sld>
 </file>
 
-<file path=ppt/slides/slide56.xml><?xml version="1.0" encoding="utf-8"?>
+<file path=ppt/slides/slide57.xml><?xml version="1.0" encoding="utf-8"?>
 <p:sld xmlns:a="http://schemas.openxmlformats.org/drawingml/2006/main" xmlns:r="http://schemas.openxmlformats.org/officeDocument/2006/relationships" xmlns:p="http://schemas.openxmlformats.org/presentationml/2006/main">
   <p:cSld>
     <p:spTree>
@@ -29979,7 +30134,7 @@
 </p:sld>
 </file>
 
-<file path=ppt/slides/slide57.xml><?xml version="1.0" encoding="utf-8"?>
+<file path=ppt/slides/slide58.xml><?xml version="1.0" encoding="utf-8"?>
 <p:sld xmlns:a="http://schemas.openxmlformats.org/drawingml/2006/main" xmlns:r="http://schemas.openxmlformats.org/officeDocument/2006/relationships" xmlns:p="http://schemas.openxmlformats.org/presentationml/2006/main">
   <p:cSld>
     <p:spTree>
@@ -30149,7 +30304,7 @@
 </p:sld>
 </file>
 
-<file path=ppt/slides/slide58.xml><?xml version="1.0" encoding="utf-8"?>
+<file path=ppt/slides/slide59.xml><?xml version="1.0" encoding="utf-8"?>
 <p:sld xmlns:a="http://schemas.openxmlformats.org/drawingml/2006/main" xmlns:r="http://schemas.openxmlformats.org/officeDocument/2006/relationships" xmlns:p="http://schemas.openxmlformats.org/presentationml/2006/main">
   <p:cSld>
     <p:spTree>
@@ -30316,7 +30471,135 @@
 </p:sld>
 </file>
 
-<file path=ppt/slides/slide59.xml><?xml version="1.0" encoding="utf-8"?>
+<file path=ppt/slides/slide6.xml><?xml version="1.0" encoding="utf-8"?>
+<p:sld xmlns:a="http://schemas.openxmlformats.org/drawingml/2006/main" xmlns:r="http://schemas.openxmlformats.org/officeDocument/2006/relationships" xmlns:p="http://schemas.openxmlformats.org/presentationml/2006/main">
+  <p:cSld>
+    <p:spTree>
+      <p:nvGrpSpPr>
+        <p:cNvPr id="1" name=""/>
+        <p:cNvGrpSpPr/>
+        <p:nvPr/>
+      </p:nvGrpSpPr>
+      <p:grpSpPr>
+        <a:xfrm>
+          <a:off x="0" y="0"/>
+          <a:ext cx="0" cy="0"/>
+          <a:chOff x="0" y="0"/>
+          <a:chExt cx="0" cy="0"/>
+        </a:xfrm>
+      </p:grpSpPr>
+      <p:sp>
+        <p:nvSpPr>
+          <p:cNvPr id="2" name="Title 1"/>
+          <p:cNvSpPr>
+            <a:spLocks noGrp="1"/>
+          </p:cNvSpPr>
+          <p:nvPr>
+            <p:ph type="title"/>
+          </p:nvPr>
+        </p:nvSpPr>
+        <p:spPr/>
+        <p:txBody>
+          <a:bodyPr/>
+          <a:lstStyle/>
+          <a:p>
+            <a:r>
+              <a:rPr lang="en-US"/>
+              <a:t>Classroom Setup</a:t>
+            </a:r>
+            <a:endParaRPr lang="en-US" dirty="0"/>
+          </a:p>
+        </p:txBody>
+      </p:sp>
+      <p:sp>
+        <p:nvSpPr>
+          <p:cNvPr id="4" name="Text Placeholder 3"/>
+          <p:cNvSpPr>
+            <a:spLocks noGrp="1"/>
+          </p:cNvSpPr>
+          <p:nvPr>
+            <p:ph type="body" sz="quarter" idx="10"/>
+          </p:nvPr>
+        </p:nvSpPr>
+        <p:spPr>
+          <a:xfrm>
+            <a:off x="762000" y="1752600"/>
+            <a:ext cx="10668000" cy="3733800"/>
+          </a:xfrm>
+        </p:spPr>
+        <p:txBody>
+          <a:bodyPr/>
+          <a:lstStyle/>
+          <a:p>
+            <a:r>
+              <a:rPr lang="en-US" dirty="0"/>
+              <a:t>Windows 10</a:t>
+            </a:r>
+          </a:p>
+          <a:p>
+            <a:r>
+              <a:rPr lang="en-US" dirty="0"/>
+              <a:t>Course Files</a:t>
+            </a:r>
+          </a:p>
+          <a:p>
+            <a:r>
+              <a:rPr lang="en-US" dirty="0"/>
+              <a:t>Username: </a:t>
+            </a:r>
+            <a:r>
+              <a:rPr lang="en-US" i="1" dirty="0"/>
+              <a:t>Student</a:t>
+            </a:r>
+            <a:r>
+              <a:rPr lang="en-US" dirty="0"/>
+              <a:t>, Password: </a:t>
+            </a:r>
+            <a:r>
+              <a:rPr lang="en-US" i="1" dirty="0"/>
+              <a:t>Pa55w.rd</a:t>
+            </a:r>
+          </a:p>
+        </p:txBody>
+      </p:sp>
+      <p:sp>
+        <p:nvSpPr>
+          <p:cNvPr id="3" name="Slide Number Placeholder 2"/>
+          <p:cNvSpPr>
+            <a:spLocks noGrp="1"/>
+          </p:cNvSpPr>
+          <p:nvPr>
+            <p:ph type="sldNum" sz="quarter" idx="4294967295"/>
+          </p:nvPr>
+        </p:nvSpPr>
+        <p:spPr/>
+        <p:txBody>
+          <a:bodyPr/>
+          <a:lstStyle/>
+          <a:p>
+            <a:fld id="{D814DA60-3BEE-4BCE-BEDB-E433FD970963}" type="slidenum">
+              <a:rPr lang="en-US" smtClean="0"/>
+              <a:pPr/>
+              <a:t>6</a:t>
+            </a:fld>
+            <a:endParaRPr lang="en-US" dirty="0"/>
+          </a:p>
+        </p:txBody>
+      </p:sp>
+    </p:spTree>
+    <p:extLst>
+      <p:ext uri="{BB962C8B-B14F-4D97-AF65-F5344CB8AC3E}">
+        <p14:creationId xmlns:p14="http://schemas.microsoft.com/office/powerpoint/2010/main" val="2470414402"/>
+      </p:ext>
+    </p:extLst>
+  </p:cSld>
+  <p:clrMapOvr>
+    <a:masterClrMapping/>
+  </p:clrMapOvr>
+</p:sld>
+</file>
+
+<file path=ppt/slides/slide60.xml><?xml version="1.0" encoding="utf-8"?>
 <p:sld xmlns:a="http://schemas.openxmlformats.org/drawingml/2006/main" xmlns:r="http://schemas.openxmlformats.org/officeDocument/2006/relationships" xmlns:p="http://schemas.openxmlformats.org/presentationml/2006/main">
   <p:cSld>
     <p:spTree>
@@ -30490,135 +30773,7 @@
 </p:sld>
 </file>
 
-<file path=ppt/slides/slide6.xml><?xml version="1.0" encoding="utf-8"?>
-<p:sld xmlns:a="http://schemas.openxmlformats.org/drawingml/2006/main" xmlns:r="http://schemas.openxmlformats.org/officeDocument/2006/relationships" xmlns:p="http://schemas.openxmlformats.org/presentationml/2006/main">
-  <p:cSld>
-    <p:spTree>
-      <p:nvGrpSpPr>
-        <p:cNvPr id="1" name=""/>
-        <p:cNvGrpSpPr/>
-        <p:nvPr/>
-      </p:nvGrpSpPr>
-      <p:grpSpPr>
-        <a:xfrm>
-          <a:off x="0" y="0"/>
-          <a:ext cx="0" cy="0"/>
-          <a:chOff x="0" y="0"/>
-          <a:chExt cx="0" cy="0"/>
-        </a:xfrm>
-      </p:grpSpPr>
-      <p:sp>
-        <p:nvSpPr>
-          <p:cNvPr id="2" name="Title 1"/>
-          <p:cNvSpPr>
-            <a:spLocks noGrp="1"/>
-          </p:cNvSpPr>
-          <p:nvPr>
-            <p:ph type="title"/>
-          </p:nvPr>
-        </p:nvSpPr>
-        <p:spPr/>
-        <p:txBody>
-          <a:bodyPr/>
-          <a:lstStyle/>
-          <a:p>
-            <a:r>
-              <a:rPr lang="en-US"/>
-              <a:t>Classroom Setup</a:t>
-            </a:r>
-            <a:endParaRPr lang="en-US" dirty="0"/>
-          </a:p>
-        </p:txBody>
-      </p:sp>
-      <p:sp>
-        <p:nvSpPr>
-          <p:cNvPr id="4" name="Text Placeholder 3"/>
-          <p:cNvSpPr>
-            <a:spLocks noGrp="1"/>
-          </p:cNvSpPr>
-          <p:nvPr>
-            <p:ph type="body" sz="quarter" idx="10"/>
-          </p:nvPr>
-        </p:nvSpPr>
-        <p:spPr>
-          <a:xfrm>
-            <a:off x="762000" y="1752600"/>
-            <a:ext cx="10668000" cy="3733800"/>
-          </a:xfrm>
-        </p:spPr>
-        <p:txBody>
-          <a:bodyPr/>
-          <a:lstStyle/>
-          <a:p>
-            <a:r>
-              <a:rPr lang="en-US" dirty="0"/>
-              <a:t>Windows 10</a:t>
-            </a:r>
-          </a:p>
-          <a:p>
-            <a:r>
-              <a:rPr lang="en-US" dirty="0"/>
-              <a:t>Course Files</a:t>
-            </a:r>
-          </a:p>
-          <a:p>
-            <a:r>
-              <a:rPr lang="en-US" dirty="0"/>
-              <a:t>Username: </a:t>
-            </a:r>
-            <a:r>
-              <a:rPr lang="en-US" i="1" dirty="0"/>
-              <a:t>Student</a:t>
-            </a:r>
-            <a:r>
-              <a:rPr lang="en-US" dirty="0"/>
-              <a:t>, Password: </a:t>
-            </a:r>
-            <a:r>
-              <a:rPr lang="en-US" i="1" dirty="0"/>
-              <a:t>Pa55w.rd</a:t>
-            </a:r>
-          </a:p>
-        </p:txBody>
-      </p:sp>
-      <p:sp>
-        <p:nvSpPr>
-          <p:cNvPr id="3" name="Slide Number Placeholder 2"/>
-          <p:cNvSpPr>
-            <a:spLocks noGrp="1"/>
-          </p:cNvSpPr>
-          <p:nvPr>
-            <p:ph type="sldNum" sz="quarter" idx="4294967295"/>
-          </p:nvPr>
-        </p:nvSpPr>
-        <p:spPr/>
-        <p:txBody>
-          <a:bodyPr/>
-          <a:lstStyle/>
-          <a:p>
-            <a:fld id="{D814DA60-3BEE-4BCE-BEDB-E433FD970963}" type="slidenum">
-              <a:rPr lang="en-US" smtClean="0"/>
-              <a:pPr/>
-              <a:t>6</a:t>
-            </a:fld>
-            <a:endParaRPr lang="en-US" dirty="0"/>
-          </a:p>
-        </p:txBody>
-      </p:sp>
-    </p:spTree>
-    <p:extLst>
-      <p:ext uri="{BB962C8B-B14F-4D97-AF65-F5344CB8AC3E}">
-        <p14:creationId xmlns:p14="http://schemas.microsoft.com/office/powerpoint/2010/main" val="2470414402"/>
-      </p:ext>
-    </p:extLst>
-  </p:cSld>
-  <p:clrMapOvr>
-    <a:masterClrMapping/>
-  </p:clrMapOvr>
-</p:sld>
-</file>
-
-<file path=ppt/slides/slide60.xml><?xml version="1.0" encoding="utf-8"?>
+<file path=ppt/slides/slide61.xml><?xml version="1.0" encoding="utf-8"?>
 <p:sld xmlns:a="http://schemas.openxmlformats.org/drawingml/2006/main" xmlns:r="http://schemas.openxmlformats.org/officeDocument/2006/relationships" xmlns:p="http://schemas.openxmlformats.org/presentationml/2006/main">
   <p:cSld>
     <p:spTree>
@@ -30782,7 +30937,7 @@
 </p:sld>
 </file>
 
-<file path=ppt/slides/slide61.xml><?xml version="1.0" encoding="utf-8"?>
+<file path=ppt/slides/slide62.xml><?xml version="1.0" encoding="utf-8"?>
 <p:sld xmlns:a="http://schemas.openxmlformats.org/drawingml/2006/main" xmlns:r="http://schemas.openxmlformats.org/officeDocument/2006/relationships" xmlns:p="http://schemas.openxmlformats.org/presentationml/2006/main">
   <p:cSld>
     <p:spTree>
@@ -30979,7 +31134,7 @@
 </p:sld>
 </file>
 
-<file path=ppt/slides/slide62.xml><?xml version="1.0" encoding="utf-8"?>
+<file path=ppt/slides/slide63.xml><?xml version="1.0" encoding="utf-8"?>
 <p:sld xmlns:a="http://schemas.openxmlformats.org/drawingml/2006/main" xmlns:r="http://schemas.openxmlformats.org/officeDocument/2006/relationships" xmlns:p="http://schemas.openxmlformats.org/presentationml/2006/main">
   <p:cSld>
     <p:spTree>
@@ -31344,7 +31499,7 @@
 </p:sld>
 </file>
 
-<file path=ppt/slides/slide63.xml><?xml version="1.0" encoding="utf-8"?>
+<file path=ppt/slides/slide64.xml><?xml version="1.0" encoding="utf-8"?>
 <p:sld xmlns:a="http://schemas.openxmlformats.org/drawingml/2006/main" xmlns:r="http://schemas.openxmlformats.org/officeDocument/2006/relationships" xmlns:p="http://schemas.openxmlformats.org/presentationml/2006/main">
   <p:cSld>
     <p:spTree>
@@ -31591,7 +31746,7 @@
 </p:sld>
 </file>
 
-<file path=ppt/slides/slide64.xml><?xml version="1.0" encoding="utf-8"?>
+<file path=ppt/slides/slide65.xml><?xml version="1.0" encoding="utf-8"?>
 <p:sld xmlns:a="http://schemas.openxmlformats.org/drawingml/2006/main" xmlns:r="http://schemas.openxmlformats.org/officeDocument/2006/relationships" xmlns:p="http://schemas.openxmlformats.org/presentationml/2006/main">
   <p:cSld>
     <p:spTree>
@@ -31836,163 +31991,6 @@
 </p:sld>
 </file>
 
-<file path=ppt/slides/slide65.xml><?xml version="1.0" encoding="utf-8"?>
-<p:sld xmlns:a="http://schemas.openxmlformats.org/drawingml/2006/main" xmlns:r="http://schemas.openxmlformats.org/officeDocument/2006/relationships" xmlns:p="http://schemas.openxmlformats.org/presentationml/2006/main">
-  <p:cSld>
-    <p:spTree>
-      <p:nvGrpSpPr>
-        <p:cNvPr id="1" name=""/>
-        <p:cNvGrpSpPr/>
-        <p:nvPr/>
-      </p:nvGrpSpPr>
-      <p:grpSpPr>
-        <a:xfrm>
-          <a:off x="0" y="0"/>
-          <a:ext cx="0" cy="0"/>
-          <a:chOff x="0" y="0"/>
-          <a:chExt cx="0" cy="0"/>
-        </a:xfrm>
-      </p:grpSpPr>
-      <p:sp>
-        <p:nvSpPr>
-          <p:cNvPr id="4" name="Title 3">
-            <a:extLst>
-              <a:ext uri="{FF2B5EF4-FFF2-40B4-BE49-F238E27FC236}">
-                <a16:creationId xmlns:a16="http://schemas.microsoft.com/office/drawing/2014/main" id="{179C3DEC-70AC-AB42-BEB7-99CBEAF719E4}"/>
-              </a:ext>
-            </a:extLst>
-          </p:cNvPr>
-          <p:cNvSpPr>
-            <a:spLocks noGrp="1"/>
-          </p:cNvSpPr>
-          <p:nvPr>
-            <p:ph type="title"/>
-          </p:nvPr>
-        </p:nvSpPr>
-        <p:spPr/>
-        <p:txBody>
-          <a:bodyPr/>
-          <a:lstStyle/>
-          <a:p>
-            <a:r>
-              <a:rPr lang="en-US" dirty="0"/>
-              <a:t>Join Clause Recommendations</a:t>
-            </a:r>
-          </a:p>
-        </p:txBody>
-      </p:sp>
-      <p:sp>
-        <p:nvSpPr>
-          <p:cNvPr id="5" name="Text Placeholder 4">
-            <a:extLst>
-              <a:ext uri="{FF2B5EF4-FFF2-40B4-BE49-F238E27FC236}">
-                <a16:creationId xmlns:a16="http://schemas.microsoft.com/office/drawing/2014/main" id="{C1C012B1-5F2B-44E2-B5E2-1809DAE5E485}"/>
-              </a:ext>
-            </a:extLst>
-          </p:cNvPr>
-          <p:cNvSpPr>
-            <a:spLocks noGrp="1"/>
-          </p:cNvSpPr>
-          <p:nvPr>
-            <p:ph type="body" sz="quarter" idx="10"/>
-          </p:nvPr>
-        </p:nvSpPr>
-        <p:spPr>
-          <a:xfrm>
-            <a:off x="762000" y="1752600"/>
-            <a:ext cx="6409444" cy="3733800"/>
-          </a:xfrm>
-        </p:spPr>
-        <p:txBody>
-          <a:bodyPr/>
-          <a:lstStyle/>
-          <a:p>
-            <a:r>
-              <a:rPr lang="en-US" dirty="0"/>
-              <a:t>Prep Builder shows you the join clauses that are active and allows you to edit them </a:t>
-            </a:r>
-          </a:p>
-          <a:p>
-            <a:r>
-              <a:rPr lang="en-US" dirty="0"/>
-              <a:t>It will also identify candidates for the join clause and “recommend” them</a:t>
-            </a:r>
-          </a:p>
-        </p:txBody>
-      </p:sp>
-      <p:pic>
-        <p:nvPicPr>
-          <p:cNvPr id="2" name="Picture 1">
-            <a:extLst>
-              <a:ext uri="{FF2B5EF4-FFF2-40B4-BE49-F238E27FC236}">
-                <a16:creationId xmlns:a16="http://schemas.microsoft.com/office/drawing/2014/main" id="{6E9F3E68-DAF8-4270-9C16-674B68D8445C}"/>
-              </a:ext>
-            </a:extLst>
-          </p:cNvPr>
-          <p:cNvPicPr>
-            <a:picLocks noChangeAspect="1"/>
-          </p:cNvPicPr>
-          <p:nvPr/>
-        </p:nvPicPr>
-        <p:blipFill>
-          <a:blip r:embed="rId3"/>
-          <a:stretch>
-            <a:fillRect/>
-          </a:stretch>
-        </p:blipFill>
-        <p:spPr>
-          <a:xfrm>
-            <a:off x="7363300" y="2615804"/>
-            <a:ext cx="4258556" cy="995590"/>
-          </a:xfrm>
-          <a:prstGeom prst="rect">
-            <a:avLst/>
-          </a:prstGeom>
-        </p:spPr>
-      </p:pic>
-      <p:pic>
-        <p:nvPicPr>
-          <p:cNvPr id="3" name="Picture 2">
-            <a:extLst>
-              <a:ext uri="{FF2B5EF4-FFF2-40B4-BE49-F238E27FC236}">
-                <a16:creationId xmlns:a16="http://schemas.microsoft.com/office/drawing/2014/main" id="{1C38CB7F-C68B-4822-9B4D-FC41D222E98E}"/>
-              </a:ext>
-            </a:extLst>
-          </p:cNvPr>
-          <p:cNvPicPr>
-            <a:picLocks noChangeAspect="1"/>
-          </p:cNvPicPr>
-          <p:nvPr/>
-        </p:nvPicPr>
-        <p:blipFill>
-          <a:blip r:embed="rId4"/>
-          <a:stretch>
-            <a:fillRect/>
-          </a:stretch>
-        </p:blipFill>
-        <p:spPr>
-          <a:xfrm>
-            <a:off x="7354678" y="1201682"/>
-            <a:ext cx="4275800" cy="1040737"/>
-          </a:xfrm>
-          <a:prstGeom prst="rect">
-            <a:avLst/>
-          </a:prstGeom>
-        </p:spPr>
-      </p:pic>
-    </p:spTree>
-    <p:extLst>
-      <p:ext uri="{BB962C8B-B14F-4D97-AF65-F5344CB8AC3E}">
-        <p14:creationId xmlns:p14="http://schemas.microsoft.com/office/powerpoint/2010/main" val="614002757"/>
-      </p:ext>
-    </p:extLst>
-  </p:cSld>
-  <p:clrMapOvr>
-    <a:masterClrMapping/>
-  </p:clrMapOvr>
-</p:sld>
-</file>
-
 <file path=ppt/slides/slide66.xml><?xml version="1.0" encoding="utf-8"?>
 <p:sld xmlns:a="http://schemas.openxmlformats.org/drawingml/2006/main" xmlns:r="http://schemas.openxmlformats.org/officeDocument/2006/relationships" xmlns:p="http://schemas.openxmlformats.org/presentationml/2006/main">
   <p:cSld>
@@ -32012,10 +32010,10 @@
       </p:grpSpPr>
       <p:sp>
         <p:nvSpPr>
-          <p:cNvPr id="2" name="Subtitle 1">
+          <p:cNvPr id="4" name="Title 3">
             <a:extLst>
               <a:ext uri="{FF2B5EF4-FFF2-40B4-BE49-F238E27FC236}">
-                <a16:creationId xmlns:a16="http://schemas.microsoft.com/office/drawing/2014/main" id="{828A7028-F2AD-42E1-A8A2-92B8AC321143}"/>
+                <a16:creationId xmlns:a16="http://schemas.microsoft.com/office/drawing/2014/main" id="{179C3DEC-70AC-AB42-BEB7-99CBEAF719E4}"/>
               </a:ext>
             </a:extLst>
           </p:cNvPr>
@@ -32023,7 +32021,7 @@
             <a:spLocks noGrp="1"/>
           </p:cNvSpPr>
           <p:nvPr>
-            <p:ph type="subTitle" idx="1"/>
+            <p:ph type="title"/>
           </p:nvPr>
         </p:nvSpPr>
         <p:spPr/>
@@ -32031,40 +32029,19 @@
           <a:bodyPr/>
           <a:lstStyle/>
           <a:p>
-            <a:pPr marL="342900" indent="-342900">
-              <a:buFont typeface="Arial" panose="020B0604020202020204" pitchFamily="34" charset="0"/>
-              <a:buChar char="•"/>
-            </a:pPr>
             <a:r>
               <a:rPr lang="en-US" dirty="0"/>
-              <a:t>Exercise 5.1: pp. 58-66</a:t>
-            </a:r>
-          </a:p>
-          <a:p>
-            <a:pPr marL="342900" indent="-342900">
-              <a:buFont typeface="Arial" panose="020B0604020202020204" pitchFamily="34" charset="0"/>
-              <a:buChar char="•"/>
-            </a:pPr>
-            <a:r>
-              <a:rPr lang="en-US" dirty="0"/>
-              <a:t>“Missing Data”, “Finding Missing Records”, “Bringing it all together”:</a:t>
-            </a:r>
-            <a:br>
-              <a:rPr lang="en-US" dirty="0"/>
-            </a:br>
-            <a:r>
-              <a:rPr lang="en-US" dirty="0"/>
-              <a:t> pp. 67-74</a:t>
+              <a:t>Join Clause Recommendations</a:t>
             </a:r>
           </a:p>
         </p:txBody>
       </p:sp>
       <p:sp>
         <p:nvSpPr>
-          <p:cNvPr id="3" name="Text Placeholder 2">
+          <p:cNvPr id="5" name="Text Placeholder 4">
             <a:extLst>
               <a:ext uri="{FF2B5EF4-FFF2-40B4-BE49-F238E27FC236}">
-                <a16:creationId xmlns:a16="http://schemas.microsoft.com/office/drawing/2014/main" id="{71265BD5-0532-4512-A178-C29C2D03FD16}"/>
+                <a16:creationId xmlns:a16="http://schemas.microsoft.com/office/drawing/2014/main" id="{C1C012B1-5F2B-44E2-B5E2-1809DAE5E485}"/>
               </a:ext>
             </a:extLst>
           </p:cNvPr>
@@ -32072,53 +32049,96 @@
             <a:spLocks noGrp="1"/>
           </p:cNvSpPr>
           <p:nvPr>
-            <p:ph type="body" sz="quarter" idx="11"/>
-          </p:nvPr>
-        </p:nvSpPr>
-        <p:spPr/>
+            <p:ph type="body" sz="quarter" idx="10"/>
+          </p:nvPr>
+        </p:nvSpPr>
+        <p:spPr>
+          <a:xfrm>
+            <a:off x="762000" y="1752600"/>
+            <a:ext cx="6409444" cy="3733800"/>
+          </a:xfrm>
+        </p:spPr>
         <p:txBody>
           <a:bodyPr/>
           <a:lstStyle/>
           <a:p>
             <a:r>
               <a:rPr lang="en-US" dirty="0"/>
-              <a:t>30 Minutes</a:t>
+              <a:t>Prep Builder shows you the join clauses that are active and allows you to edit them </a:t>
+            </a:r>
+          </a:p>
+          <a:p>
+            <a:r>
+              <a:rPr lang="en-US" dirty="0"/>
+              <a:t>It will also identify candidates for the join clause and “recommend” them</a:t>
             </a:r>
           </a:p>
         </p:txBody>
       </p:sp>
-      <p:sp>
-        <p:nvSpPr>
-          <p:cNvPr id="4" name="Title 3">
+      <p:pic>
+        <p:nvPicPr>
+          <p:cNvPr id="3" name="Picture 2">
             <a:extLst>
               <a:ext uri="{FF2B5EF4-FFF2-40B4-BE49-F238E27FC236}">
-                <a16:creationId xmlns:a16="http://schemas.microsoft.com/office/drawing/2014/main" id="{C120D6B4-67D7-42B8-B676-E028F6F72A51}"/>
+                <a16:creationId xmlns:a16="http://schemas.microsoft.com/office/drawing/2014/main" id="{1C38CB7F-C68B-4822-9B4D-FC41D222E98E}"/>
               </a:ext>
             </a:extLst>
           </p:cNvPr>
-          <p:cNvSpPr>
-            <a:spLocks noGrp="1"/>
-          </p:cNvSpPr>
-          <p:nvPr>
-            <p:ph type="title"/>
-          </p:nvPr>
-        </p:nvSpPr>
-        <p:spPr/>
-        <p:txBody>
-          <a:bodyPr/>
-          <a:lstStyle/>
-          <a:p>
-            <a:r>
-              <a:rPr lang="en-US" dirty="0"/>
-              <a:t>Lab 4: Joins</a:t>
-            </a:r>
-          </a:p>
-        </p:txBody>
-      </p:sp>
+          <p:cNvPicPr>
+            <a:picLocks noChangeAspect="1"/>
+          </p:cNvPicPr>
+          <p:nvPr/>
+        </p:nvPicPr>
+        <p:blipFill>
+          <a:blip r:embed="rId3"/>
+          <a:stretch>
+            <a:fillRect/>
+          </a:stretch>
+        </p:blipFill>
+        <p:spPr>
+          <a:xfrm>
+            <a:off x="7354678" y="1201682"/>
+            <a:ext cx="4275800" cy="1040737"/>
+          </a:xfrm>
+          <a:prstGeom prst="rect">
+            <a:avLst/>
+          </a:prstGeom>
+        </p:spPr>
+      </p:pic>
+      <p:pic>
+        <p:nvPicPr>
+          <p:cNvPr id="6" name="Picture 5">
+            <a:extLst>
+              <a:ext uri="{FF2B5EF4-FFF2-40B4-BE49-F238E27FC236}">
+                <a16:creationId xmlns:a16="http://schemas.microsoft.com/office/drawing/2014/main" id="{C35D48E8-589A-4F0D-80F8-5318B2D4AEDF}"/>
+              </a:ext>
+            </a:extLst>
+          </p:cNvPr>
+          <p:cNvPicPr>
+            <a:picLocks noChangeAspect="1"/>
+          </p:cNvPicPr>
+          <p:nvPr/>
+        </p:nvPicPr>
+        <p:blipFill>
+          <a:blip r:embed="rId4"/>
+          <a:stretch>
+            <a:fillRect/>
+          </a:stretch>
+        </p:blipFill>
+        <p:spPr>
+          <a:xfrm>
+            <a:off x="7538670" y="2895600"/>
+            <a:ext cx="3907815" cy="1794154"/>
+          </a:xfrm>
+          <a:prstGeom prst="rect">
+            <a:avLst/>
+          </a:prstGeom>
+        </p:spPr>
+      </p:pic>
     </p:spTree>
     <p:extLst>
       <p:ext uri="{BB962C8B-B14F-4D97-AF65-F5344CB8AC3E}">
-        <p14:creationId xmlns:p14="http://schemas.microsoft.com/office/powerpoint/2010/main" val="108929934"/>
+        <p14:creationId xmlns:p14="http://schemas.microsoft.com/office/powerpoint/2010/main" val="614002757"/>
       </p:ext>
     </p:extLst>
   </p:cSld>
@@ -32147,10 +32167,10 @@
       </p:grpSpPr>
       <p:sp>
         <p:nvSpPr>
-          <p:cNvPr id="4" name="Title 3">
+          <p:cNvPr id="2" name="Subtitle 1">
             <a:extLst>
               <a:ext uri="{FF2B5EF4-FFF2-40B4-BE49-F238E27FC236}">
-                <a16:creationId xmlns:a16="http://schemas.microsoft.com/office/drawing/2014/main" id="{1E6D96E9-B635-0245-9098-C1FAA390A091}"/>
+                <a16:creationId xmlns:a16="http://schemas.microsoft.com/office/drawing/2014/main" id="{828A7028-F2AD-42E1-A8A2-92B8AC321143}"/>
               </a:ext>
             </a:extLst>
           </p:cNvPr>
@@ -32158,7 +32178,7 @@
             <a:spLocks noGrp="1"/>
           </p:cNvSpPr>
           <p:nvPr>
-            <p:ph type="title"/>
+            <p:ph type="subTitle" idx="1"/>
           </p:nvPr>
         </p:nvSpPr>
         <p:spPr/>
@@ -32166,9 +32186,86 @@
           <a:bodyPr/>
           <a:lstStyle/>
           <a:p>
+            <a:pPr marL="342900" indent="-342900">
+              <a:buFont typeface="Arial" panose="020B0604020202020204" pitchFamily="34" charset="0"/>
+              <a:buChar char="•"/>
+            </a:pPr>
             <a:r>
               <a:rPr lang="en-US" dirty="0"/>
-              <a:t>Part II: Transform</a:t>
+              <a:t>Exercise 5.1: pp. 58-66</a:t>
+            </a:r>
+          </a:p>
+          <a:p>
+            <a:pPr marL="342900" indent="-342900">
+              <a:buFont typeface="Arial" panose="020B0604020202020204" pitchFamily="34" charset="0"/>
+              <a:buChar char="•"/>
+            </a:pPr>
+            <a:r>
+              <a:rPr lang="en-US" dirty="0"/>
+              <a:t>“Missing Data”, “Finding Missing Records”, “Bringing it all together”:</a:t>
+            </a:r>
+            <a:br>
+              <a:rPr lang="en-US" dirty="0"/>
+            </a:br>
+            <a:r>
+              <a:rPr lang="en-US" dirty="0"/>
+              <a:t> pp. 67-74</a:t>
+            </a:r>
+          </a:p>
+        </p:txBody>
+      </p:sp>
+      <p:sp>
+        <p:nvSpPr>
+          <p:cNvPr id="3" name="Text Placeholder 2">
+            <a:extLst>
+              <a:ext uri="{FF2B5EF4-FFF2-40B4-BE49-F238E27FC236}">
+                <a16:creationId xmlns:a16="http://schemas.microsoft.com/office/drawing/2014/main" id="{71265BD5-0532-4512-A178-C29C2D03FD16}"/>
+              </a:ext>
+            </a:extLst>
+          </p:cNvPr>
+          <p:cNvSpPr>
+            <a:spLocks noGrp="1"/>
+          </p:cNvSpPr>
+          <p:nvPr>
+            <p:ph type="body" sz="quarter" idx="11"/>
+          </p:nvPr>
+        </p:nvSpPr>
+        <p:spPr/>
+        <p:txBody>
+          <a:bodyPr/>
+          <a:lstStyle/>
+          <a:p>
+            <a:r>
+              <a:rPr lang="en-US" dirty="0"/>
+              <a:t>30 Minutes</a:t>
+            </a:r>
+          </a:p>
+        </p:txBody>
+      </p:sp>
+      <p:sp>
+        <p:nvSpPr>
+          <p:cNvPr id="4" name="Title 3">
+            <a:extLst>
+              <a:ext uri="{FF2B5EF4-FFF2-40B4-BE49-F238E27FC236}">
+                <a16:creationId xmlns:a16="http://schemas.microsoft.com/office/drawing/2014/main" id="{C120D6B4-67D7-42B8-B676-E028F6F72A51}"/>
+              </a:ext>
+            </a:extLst>
+          </p:cNvPr>
+          <p:cNvSpPr>
+            <a:spLocks noGrp="1"/>
+          </p:cNvSpPr>
+          <p:nvPr>
+            <p:ph type="title"/>
+          </p:nvPr>
+        </p:nvSpPr>
+        <p:spPr/>
+        <p:txBody>
+          <a:bodyPr/>
+          <a:lstStyle/>
+          <a:p>
+            <a:r>
+              <a:rPr lang="en-US" dirty="0"/>
+              <a:t>Lab 4: Joins</a:t>
             </a:r>
           </a:p>
         </p:txBody>
@@ -32176,7 +32273,7 @@
     </p:spTree>
     <p:extLst>
       <p:ext uri="{BB962C8B-B14F-4D97-AF65-F5344CB8AC3E}">
-        <p14:creationId xmlns:p14="http://schemas.microsoft.com/office/powerpoint/2010/main" val="1657269070"/>
+        <p14:creationId xmlns:p14="http://schemas.microsoft.com/office/powerpoint/2010/main" val="108929934"/>
       </p:ext>
     </p:extLst>
   </p:cSld>
@@ -32205,10 +32302,10 @@
       </p:grpSpPr>
       <p:sp>
         <p:nvSpPr>
-          <p:cNvPr id="2" name="Title 1">
+          <p:cNvPr id="4" name="Title 3">
             <a:extLst>
               <a:ext uri="{FF2B5EF4-FFF2-40B4-BE49-F238E27FC236}">
-                <a16:creationId xmlns:a16="http://schemas.microsoft.com/office/drawing/2014/main" id="{2DCC4BB7-7A9D-DE44-81A7-84A15E54D20B}"/>
+                <a16:creationId xmlns:a16="http://schemas.microsoft.com/office/drawing/2014/main" id="{1E6D96E9-B635-0245-9098-C1FAA390A091}"/>
               </a:ext>
             </a:extLst>
           </p:cNvPr>
@@ -32226,20 +32323,15 @@
           <a:p>
             <a:r>
               <a:rPr lang="en-US" dirty="0"/>
-              <a:t>Module 5: Auditing &amp; Cleaning</a:t>
-            </a:r>
-            <a:r>
-              <a:rPr lang="en-US" baseline="0" dirty="0"/>
-              <a:t> Your Data</a:t>
-            </a:r>
-            <a:endParaRPr lang="en-US" dirty="0"/>
+              <a:t>Part II: Transform</a:t>
+            </a:r>
           </a:p>
         </p:txBody>
       </p:sp>
     </p:spTree>
     <p:extLst>
       <p:ext uri="{BB962C8B-B14F-4D97-AF65-F5344CB8AC3E}">
-        <p14:creationId xmlns:p14="http://schemas.microsoft.com/office/powerpoint/2010/main" val="228763628"/>
+        <p14:creationId xmlns:p14="http://schemas.microsoft.com/office/powerpoint/2010/main" val="1657269070"/>
       </p:ext>
     </p:extLst>
   </p:cSld>
@@ -32268,10 +32360,10 @@
       </p:grpSpPr>
       <p:sp>
         <p:nvSpPr>
-          <p:cNvPr id="3" name="Title 2">
+          <p:cNvPr id="2" name="Title 1">
             <a:extLst>
               <a:ext uri="{FF2B5EF4-FFF2-40B4-BE49-F238E27FC236}">
-                <a16:creationId xmlns:a16="http://schemas.microsoft.com/office/drawing/2014/main" id="{6A8948BA-33DF-8D4F-BE0B-53151B6B2FE4}"/>
+                <a16:creationId xmlns:a16="http://schemas.microsoft.com/office/drawing/2014/main" id="{2DCC4BB7-7A9D-DE44-81A7-84A15E54D20B}"/>
               </a:ext>
             </a:extLst>
           </p:cNvPr>
@@ -32289,32 +32381,12 @@
           <a:p>
             <a:r>
               <a:rPr lang="en-US" dirty="0"/>
-              <a:t>Auditing Your Data</a:t>
-            </a:r>
-          </a:p>
-        </p:txBody>
-      </p:sp>
-      <p:sp>
-        <p:nvSpPr>
-          <p:cNvPr id="4" name="Text Placeholder 3">
-            <a:extLst>
-              <a:ext uri="{FF2B5EF4-FFF2-40B4-BE49-F238E27FC236}">
-                <a16:creationId xmlns:a16="http://schemas.microsoft.com/office/drawing/2014/main" id="{94D8F0A2-309B-B545-8C29-D643FC88803F}"/>
-              </a:ext>
-            </a:extLst>
-          </p:cNvPr>
-          <p:cNvSpPr>
-            <a:spLocks noGrp="1"/>
-          </p:cNvSpPr>
-          <p:nvPr>
-            <p:ph type="body" sz="quarter" idx="10"/>
-          </p:nvPr>
-        </p:nvSpPr>
-        <p:spPr/>
-        <p:txBody>
-          <a:bodyPr/>
-          <a:lstStyle/>
-          <a:p>
+              <a:t>Module 5: Auditing &amp; Cleaning</a:t>
+            </a:r>
+            <a:r>
+              <a:rPr lang="en-US" baseline="0" dirty="0"/>
+              <a:t> Your Data</a:t>
+            </a:r>
             <a:endParaRPr lang="en-US" dirty="0"/>
           </a:p>
         </p:txBody>
@@ -32322,7 +32394,7 @@
     </p:spTree>
     <p:extLst>
       <p:ext uri="{BB962C8B-B14F-4D97-AF65-F5344CB8AC3E}">
-        <p14:creationId xmlns:p14="http://schemas.microsoft.com/office/powerpoint/2010/main" val="2617968978"/>
+        <p14:creationId xmlns:p14="http://schemas.microsoft.com/office/powerpoint/2010/main" val="228763628"/>
       </p:ext>
     </p:extLst>
   </p:cSld>
@@ -32452,10 +32524,10 @@
       </p:grpSpPr>
       <p:sp>
         <p:nvSpPr>
-          <p:cNvPr id="2" name="Title 1">
+          <p:cNvPr id="3" name="Title 2">
             <a:extLst>
               <a:ext uri="{FF2B5EF4-FFF2-40B4-BE49-F238E27FC236}">
-                <a16:creationId xmlns:a16="http://schemas.microsoft.com/office/drawing/2014/main" id="{0F73A750-FCCE-1B43-B19C-3EF29425C208}"/>
+                <a16:creationId xmlns:a16="http://schemas.microsoft.com/office/drawing/2014/main" id="{6A8948BA-33DF-8D4F-BE0B-53151B6B2FE4}"/>
               </a:ext>
             </a:extLst>
           </p:cNvPr>
@@ -32473,17 +32545,17 @@
           <a:p>
             <a:r>
               <a:rPr lang="en-US" dirty="0"/>
-              <a:t>Cleaning Your Data</a:t>
+              <a:t>Auditing Your Data</a:t>
             </a:r>
           </a:p>
         </p:txBody>
       </p:sp>
       <p:sp>
         <p:nvSpPr>
-          <p:cNvPr id="3" name="Text Placeholder 2">
+          <p:cNvPr id="4" name="Text Placeholder 3">
             <a:extLst>
               <a:ext uri="{FF2B5EF4-FFF2-40B4-BE49-F238E27FC236}">
-                <a16:creationId xmlns:a16="http://schemas.microsoft.com/office/drawing/2014/main" id="{47EB4147-976C-5F4C-8296-9593979C5497}"/>
+                <a16:creationId xmlns:a16="http://schemas.microsoft.com/office/drawing/2014/main" id="{94D8F0A2-309B-B545-8C29-D643FC88803F}"/>
               </a:ext>
             </a:extLst>
           </p:cNvPr>
@@ -32499,14 +32571,53 @@
           <a:bodyPr/>
           <a:lstStyle/>
           <a:p>
-            <a:endParaRPr lang="en-US"/>
+            <a:r>
+              <a:rPr lang="en-US" dirty="0"/>
+              <a:t>Get an overview of your data</a:t>
+            </a:r>
+          </a:p>
+          <a:p>
+            <a:r>
+              <a:rPr lang="en-US" dirty="0"/>
+              <a:t>Identify anomalies, outliers, and errors</a:t>
+            </a:r>
           </a:p>
         </p:txBody>
       </p:sp>
+      <p:pic>
+        <p:nvPicPr>
+          <p:cNvPr id="2" name="Picture 1">
+            <a:extLst>
+              <a:ext uri="{FF2B5EF4-FFF2-40B4-BE49-F238E27FC236}">
+                <a16:creationId xmlns:a16="http://schemas.microsoft.com/office/drawing/2014/main" id="{676BF74E-44F3-4DDD-ADBE-1F2F7B3EF428}"/>
+              </a:ext>
+            </a:extLst>
+          </p:cNvPr>
+          <p:cNvPicPr>
+            <a:picLocks noChangeAspect="1"/>
+          </p:cNvPicPr>
+          <p:nvPr/>
+        </p:nvPicPr>
+        <p:blipFill>
+          <a:blip r:embed="rId3"/>
+          <a:stretch>
+            <a:fillRect/>
+          </a:stretch>
+        </p:blipFill>
+        <p:spPr>
+          <a:xfrm>
+            <a:off x="457200" y="3429000"/>
+            <a:ext cx="8305800" cy="2530244"/>
+          </a:xfrm>
+          <a:prstGeom prst="rect">
+            <a:avLst/>
+          </a:prstGeom>
+        </p:spPr>
+      </p:pic>
     </p:spTree>
     <p:extLst>
       <p:ext uri="{BB962C8B-B14F-4D97-AF65-F5344CB8AC3E}">
-        <p14:creationId xmlns:p14="http://schemas.microsoft.com/office/powerpoint/2010/main" val="520519833"/>
+        <p14:creationId xmlns:p14="http://schemas.microsoft.com/office/powerpoint/2010/main" val="2617968978"/>
       </p:ext>
     </p:extLst>
   </p:cSld>
@@ -32538,7 +32649,7 @@
           <p:cNvPr id="2" name="Title 1">
             <a:extLst>
               <a:ext uri="{FF2B5EF4-FFF2-40B4-BE49-F238E27FC236}">
-                <a16:creationId xmlns:a16="http://schemas.microsoft.com/office/drawing/2014/main" id="{8AADCE9C-567B-F343-AD3A-DCEED7751871}"/>
+                <a16:creationId xmlns:a16="http://schemas.microsoft.com/office/drawing/2014/main" id="{F222D0FF-69DE-49EC-8513-365DC6BBFAE2}"/>
               </a:ext>
             </a:extLst>
           </p:cNvPr>
@@ -32556,7 +32667,7 @@
           <a:p>
             <a:r>
               <a:rPr lang="en-US" dirty="0"/>
-              <a:t>Merge and Clean</a:t>
+              <a:t>The data</a:t>
             </a:r>
           </a:p>
         </p:txBody>
@@ -32566,7 +32677,7 @@
           <p:cNvPr id="3" name="Text Placeholder 2">
             <a:extLst>
               <a:ext uri="{FF2B5EF4-FFF2-40B4-BE49-F238E27FC236}">
-                <a16:creationId xmlns:a16="http://schemas.microsoft.com/office/drawing/2014/main" id="{9E15A277-1323-9644-A078-4090B3729416}"/>
+                <a16:creationId xmlns:a16="http://schemas.microsoft.com/office/drawing/2014/main" id="{49BBC7EF-460B-4541-9BBE-2C7EC603EDAB}"/>
               </a:ext>
             </a:extLst>
           </p:cNvPr>
@@ -32582,14 +32693,47 @@
           <a:bodyPr/>
           <a:lstStyle/>
           <a:p>
-            <a:endParaRPr lang="en-US"/>
+            <a:r>
+              <a:rPr lang="en-US" dirty="0"/>
+              <a:t>(Just for reference)</a:t>
+            </a:r>
           </a:p>
         </p:txBody>
       </p:sp>
+      <p:pic>
+        <p:nvPicPr>
+          <p:cNvPr id="4" name="Picture 3">
+            <a:extLst>
+              <a:ext uri="{FF2B5EF4-FFF2-40B4-BE49-F238E27FC236}">
+                <a16:creationId xmlns:a16="http://schemas.microsoft.com/office/drawing/2014/main" id="{6C3165C2-6021-44C0-B8E4-B07836F33D25}"/>
+              </a:ext>
+            </a:extLst>
+          </p:cNvPr>
+          <p:cNvPicPr>
+            <a:picLocks noChangeAspect="1"/>
+          </p:cNvPicPr>
+          <p:nvPr/>
+        </p:nvPicPr>
+        <p:blipFill>
+          <a:blip r:embed="rId2"/>
+          <a:stretch>
+            <a:fillRect/>
+          </a:stretch>
+        </p:blipFill>
+        <p:spPr>
+          <a:xfrm>
+            <a:off x="6276505" y="1752600"/>
+            <a:ext cx="5153496" cy="3733800"/>
+          </a:xfrm>
+          <a:prstGeom prst="rect">
+            <a:avLst/>
+          </a:prstGeom>
+        </p:spPr>
+      </p:pic>
     </p:spTree>
     <p:extLst>
       <p:ext uri="{BB962C8B-B14F-4D97-AF65-F5344CB8AC3E}">
-        <p14:creationId xmlns:p14="http://schemas.microsoft.com/office/powerpoint/2010/main" val="3260361871"/>
+        <p14:creationId xmlns:p14="http://schemas.microsoft.com/office/powerpoint/2010/main" val="3672945644"/>
       </p:ext>
     </p:extLst>
   </p:cSld>
@@ -32621,7 +32765,7 @@
           <p:cNvPr id="2" name="Title 1">
             <a:extLst>
               <a:ext uri="{FF2B5EF4-FFF2-40B4-BE49-F238E27FC236}">
-                <a16:creationId xmlns:a16="http://schemas.microsoft.com/office/drawing/2014/main" id="{0F9C471B-4CB9-534B-AF00-E0FEFDE63E75}"/>
+                <a16:creationId xmlns:a16="http://schemas.microsoft.com/office/drawing/2014/main" id="{5C9733CA-F4C5-403A-865E-ADBBE0ACB893}"/>
               </a:ext>
             </a:extLst>
           </p:cNvPr>
@@ -32639,7 +32783,7 @@
           <a:p>
             <a:r>
               <a:rPr lang="en-US" dirty="0"/>
-              <a:t>Making Data More Consistent</a:t>
+              <a:t>Histograms</a:t>
             </a:r>
           </a:p>
         </p:txBody>
@@ -32649,7 +32793,7 @@
           <p:cNvPr id="3" name="Text Placeholder 2">
             <a:extLst>
               <a:ext uri="{FF2B5EF4-FFF2-40B4-BE49-F238E27FC236}">
-                <a16:creationId xmlns:a16="http://schemas.microsoft.com/office/drawing/2014/main" id="{F45FAE89-9E67-0A43-A422-22847A7FD8CA}"/>
+                <a16:creationId xmlns:a16="http://schemas.microsoft.com/office/drawing/2014/main" id="{7CF8A13A-9539-4870-8C90-9B6963572A2E}"/>
               </a:ext>
             </a:extLst>
           </p:cNvPr>
@@ -32660,19 +32804,96 @@
             <p:ph type="body" sz="quarter" idx="10"/>
           </p:nvPr>
         </p:nvSpPr>
-        <p:spPr/>
+        <p:spPr>
+          <a:xfrm>
+            <a:off x="761999" y="1752600"/>
+            <a:ext cx="5877245" cy="3733800"/>
+          </a:xfrm>
+        </p:spPr>
         <p:txBody>
           <a:bodyPr/>
           <a:lstStyle/>
           <a:p>
-            <a:endParaRPr lang="en-US"/>
+            <a:r>
+              <a:rPr lang="en-US" dirty="0"/>
+              <a:t>Numeric fields are broken into bins</a:t>
+            </a:r>
+          </a:p>
+          <a:p>
+            <a:r>
+              <a:rPr lang="en-US" dirty="0"/>
+              <a:t>Text fields show one bar per discrete value</a:t>
+            </a:r>
+          </a:p>
+          <a:p>
+            <a:endParaRPr lang="en-US" dirty="0"/>
           </a:p>
         </p:txBody>
       </p:sp>
+      <p:pic>
+        <p:nvPicPr>
+          <p:cNvPr id="4" name="Picture 3">
+            <a:extLst>
+              <a:ext uri="{FF2B5EF4-FFF2-40B4-BE49-F238E27FC236}">
+                <a16:creationId xmlns:a16="http://schemas.microsoft.com/office/drawing/2014/main" id="{63A3F7F0-D522-4C5D-A951-8CB01ACA702F}"/>
+              </a:ext>
+            </a:extLst>
+          </p:cNvPr>
+          <p:cNvPicPr>
+            <a:picLocks noChangeAspect="1"/>
+          </p:cNvPicPr>
+          <p:nvPr/>
+        </p:nvPicPr>
+        <p:blipFill>
+          <a:blip r:embed="rId2"/>
+          <a:stretch>
+            <a:fillRect/>
+          </a:stretch>
+        </p:blipFill>
+        <p:spPr>
+          <a:xfrm>
+            <a:off x="6890425" y="1773677"/>
+            <a:ext cx="2295845" cy="3381847"/>
+          </a:xfrm>
+          <a:prstGeom prst="rect">
+            <a:avLst/>
+          </a:prstGeom>
+        </p:spPr>
+      </p:pic>
+      <p:pic>
+        <p:nvPicPr>
+          <p:cNvPr id="5" name="Picture 4">
+            <a:extLst>
+              <a:ext uri="{FF2B5EF4-FFF2-40B4-BE49-F238E27FC236}">
+                <a16:creationId xmlns:a16="http://schemas.microsoft.com/office/drawing/2014/main" id="{226FF568-DF8E-4732-84C3-772C5128A342}"/>
+              </a:ext>
+            </a:extLst>
+          </p:cNvPr>
+          <p:cNvPicPr>
+            <a:picLocks noChangeAspect="1"/>
+          </p:cNvPicPr>
+          <p:nvPr/>
+        </p:nvPicPr>
+        <p:blipFill>
+          <a:blip r:embed="rId3"/>
+          <a:stretch>
+            <a:fillRect/>
+          </a:stretch>
+        </p:blipFill>
+        <p:spPr>
+          <a:xfrm>
+            <a:off x="9372600" y="1757129"/>
+            <a:ext cx="2514951" cy="3343742"/>
+          </a:xfrm>
+          <a:prstGeom prst="rect">
+            <a:avLst/>
+          </a:prstGeom>
+        </p:spPr>
+      </p:pic>
     </p:spTree>
     <p:extLst>
       <p:ext uri="{BB962C8B-B14F-4D97-AF65-F5344CB8AC3E}">
-        <p14:creationId xmlns:p14="http://schemas.microsoft.com/office/powerpoint/2010/main" val="3958965914"/>
+        <p14:creationId xmlns:p14="http://schemas.microsoft.com/office/powerpoint/2010/main" val="1294839019"/>
       </p:ext>
     </p:extLst>
   </p:cSld>
@@ -32704,7 +32925,7 @@
           <p:cNvPr id="2" name="Title 1">
             <a:extLst>
               <a:ext uri="{FF2B5EF4-FFF2-40B4-BE49-F238E27FC236}">
-                <a16:creationId xmlns:a16="http://schemas.microsoft.com/office/drawing/2014/main" id="{2E92257E-A8A0-2740-A0E2-3034B8C6ADD9}"/>
+                <a16:creationId xmlns:a16="http://schemas.microsoft.com/office/drawing/2014/main" id="{0F73A750-FCCE-1B43-B19C-3EF29425C208}"/>
               </a:ext>
             </a:extLst>
           </p:cNvPr>
@@ -32722,7 +32943,7 @@
           <a:p>
             <a:r>
               <a:rPr lang="en-US" dirty="0"/>
-              <a:t>Splitting Fields</a:t>
+              <a:t>Cleaning Your Data</a:t>
             </a:r>
           </a:p>
         </p:txBody>
@@ -32732,7 +32953,7 @@
           <p:cNvPr id="3" name="Text Placeholder 2">
             <a:extLst>
               <a:ext uri="{FF2B5EF4-FFF2-40B4-BE49-F238E27FC236}">
-                <a16:creationId xmlns:a16="http://schemas.microsoft.com/office/drawing/2014/main" id="{20C4FAF8-0C73-5A41-8B13-61EF434F64B4}"/>
+                <a16:creationId xmlns:a16="http://schemas.microsoft.com/office/drawing/2014/main" id="{47EB4147-976C-5F4C-8296-9593979C5497}"/>
               </a:ext>
             </a:extLst>
           </p:cNvPr>
@@ -32755,7 +32976,7 @@
     </p:spTree>
     <p:extLst>
       <p:ext uri="{BB962C8B-B14F-4D97-AF65-F5344CB8AC3E}">
-        <p14:creationId xmlns:p14="http://schemas.microsoft.com/office/powerpoint/2010/main" val="49218107"/>
+        <p14:creationId xmlns:p14="http://schemas.microsoft.com/office/powerpoint/2010/main" val="520519833"/>
       </p:ext>
     </p:extLst>
   </p:cSld>
@@ -32787,7 +33008,7 @@
           <p:cNvPr id="2" name="Title 1">
             <a:extLst>
               <a:ext uri="{FF2B5EF4-FFF2-40B4-BE49-F238E27FC236}">
-                <a16:creationId xmlns:a16="http://schemas.microsoft.com/office/drawing/2014/main" id="{8ECBCB28-8413-5140-A949-761083F81470}"/>
+                <a16:creationId xmlns:a16="http://schemas.microsoft.com/office/drawing/2014/main" id="{8AADCE9C-567B-F343-AD3A-DCEED7751871}"/>
               </a:ext>
             </a:extLst>
           </p:cNvPr>
@@ -32805,7 +33026,7 @@
           <a:p>
             <a:r>
               <a:rPr lang="en-US" dirty="0"/>
-              <a:t>Recommendations</a:t>
+              <a:t>Merge and Clean</a:t>
             </a:r>
           </a:p>
         </p:txBody>
@@ -32815,7 +33036,7 @@
           <p:cNvPr id="3" name="Text Placeholder 2">
             <a:extLst>
               <a:ext uri="{FF2B5EF4-FFF2-40B4-BE49-F238E27FC236}">
-                <a16:creationId xmlns:a16="http://schemas.microsoft.com/office/drawing/2014/main" id="{DE38BA79-005D-F748-8EF0-DDBDB31CFBF0}"/>
+                <a16:creationId xmlns:a16="http://schemas.microsoft.com/office/drawing/2014/main" id="{9E15A277-1323-9644-A078-4090B3729416}"/>
               </a:ext>
             </a:extLst>
           </p:cNvPr>
@@ -32838,7 +33059,7 @@
     </p:spTree>
     <p:extLst>
       <p:ext uri="{BB962C8B-B14F-4D97-AF65-F5344CB8AC3E}">
-        <p14:creationId xmlns:p14="http://schemas.microsoft.com/office/powerpoint/2010/main" val="3708025470"/>
+        <p14:creationId xmlns:p14="http://schemas.microsoft.com/office/powerpoint/2010/main" val="3260361871"/>
       </p:ext>
     </p:extLst>
   </p:cSld>
@@ -32870,7 +33091,7 @@
           <p:cNvPr id="2" name="Title 1">
             <a:extLst>
               <a:ext uri="{FF2B5EF4-FFF2-40B4-BE49-F238E27FC236}">
-                <a16:creationId xmlns:a16="http://schemas.microsoft.com/office/drawing/2014/main" id="{56B44BDD-EA88-2D47-A6B7-E02FE22AD315}"/>
+                <a16:creationId xmlns:a16="http://schemas.microsoft.com/office/drawing/2014/main" id="{0F9C471B-4CB9-534B-AF00-E0FEFDE63E75}"/>
               </a:ext>
             </a:extLst>
           </p:cNvPr>
@@ -32888,7 +33109,7 @@
           <a:p>
             <a:r>
               <a:rPr lang="en-US" dirty="0"/>
-              <a:t>Handling NULL Values</a:t>
+              <a:t>Making Data More Consistent</a:t>
             </a:r>
           </a:p>
         </p:txBody>
@@ -32898,7 +33119,7 @@
           <p:cNvPr id="3" name="Text Placeholder 2">
             <a:extLst>
               <a:ext uri="{FF2B5EF4-FFF2-40B4-BE49-F238E27FC236}">
-                <a16:creationId xmlns:a16="http://schemas.microsoft.com/office/drawing/2014/main" id="{35B8F14B-39CF-AF41-99E1-2E843C247A56}"/>
+                <a16:creationId xmlns:a16="http://schemas.microsoft.com/office/drawing/2014/main" id="{F45FAE89-9E67-0A43-A422-22847A7FD8CA}"/>
               </a:ext>
             </a:extLst>
           </p:cNvPr>
@@ -32921,7 +33142,7 @@
     </p:spTree>
     <p:extLst>
       <p:ext uri="{BB962C8B-B14F-4D97-AF65-F5344CB8AC3E}">
-        <p14:creationId xmlns:p14="http://schemas.microsoft.com/office/powerpoint/2010/main" val="3654839068"/>
+        <p14:creationId xmlns:p14="http://schemas.microsoft.com/office/powerpoint/2010/main" val="3958965914"/>
       </p:ext>
     </p:extLst>
   </p:cSld>
@@ -32953,7 +33174,7 @@
           <p:cNvPr id="2" name="Title 1">
             <a:extLst>
               <a:ext uri="{FF2B5EF4-FFF2-40B4-BE49-F238E27FC236}">
-                <a16:creationId xmlns:a16="http://schemas.microsoft.com/office/drawing/2014/main" id="{505FEF39-4D4F-234C-A7CC-3D508B076ECC}"/>
+                <a16:creationId xmlns:a16="http://schemas.microsoft.com/office/drawing/2014/main" id="{2E92257E-A8A0-2740-A0E2-3034B8C6ADD9}"/>
               </a:ext>
             </a:extLst>
           </p:cNvPr>
@@ -32971,7 +33192,7 @@
           <a:p>
             <a:r>
               <a:rPr lang="en-US" dirty="0"/>
-              <a:t>Filtering Records</a:t>
+              <a:t>Splitting Fields</a:t>
             </a:r>
           </a:p>
         </p:txBody>
@@ -32981,7 +33202,7 @@
           <p:cNvPr id="3" name="Text Placeholder 2">
             <a:extLst>
               <a:ext uri="{FF2B5EF4-FFF2-40B4-BE49-F238E27FC236}">
-                <a16:creationId xmlns:a16="http://schemas.microsoft.com/office/drawing/2014/main" id="{F0A2B6CF-1628-4546-AF20-667E71376CF7}"/>
+                <a16:creationId xmlns:a16="http://schemas.microsoft.com/office/drawing/2014/main" id="{20C4FAF8-0C73-5A41-8B13-61EF434F64B4}"/>
               </a:ext>
             </a:extLst>
           </p:cNvPr>
@@ -33004,7 +33225,7 @@
     </p:spTree>
     <p:extLst>
       <p:ext uri="{BB962C8B-B14F-4D97-AF65-F5344CB8AC3E}">
-        <p14:creationId xmlns:p14="http://schemas.microsoft.com/office/powerpoint/2010/main" val="1615717970"/>
+        <p14:creationId xmlns:p14="http://schemas.microsoft.com/office/powerpoint/2010/main" val="49218107"/>
       </p:ext>
     </p:extLst>
   </p:cSld>
@@ -33036,7 +33257,7 @@
           <p:cNvPr id="2" name="Title 1">
             <a:extLst>
               <a:ext uri="{FF2B5EF4-FFF2-40B4-BE49-F238E27FC236}">
-                <a16:creationId xmlns:a16="http://schemas.microsoft.com/office/drawing/2014/main" id="{C3A4853A-6621-BF48-99C0-CF9E50FA3A1F}"/>
+                <a16:creationId xmlns:a16="http://schemas.microsoft.com/office/drawing/2014/main" id="{8ECBCB28-8413-5140-A949-761083F81470}"/>
               </a:ext>
             </a:extLst>
           </p:cNvPr>
@@ -33054,15 +33275,40 @@
           <a:p>
             <a:r>
               <a:rPr lang="en-US" dirty="0"/>
-              <a:t>Module 6: Group and Replace</a:t>
-            </a:r>
+              <a:t>Recommendations</a:t>
+            </a:r>
+          </a:p>
+        </p:txBody>
+      </p:sp>
+      <p:sp>
+        <p:nvSpPr>
+          <p:cNvPr id="3" name="Text Placeholder 2">
+            <a:extLst>
+              <a:ext uri="{FF2B5EF4-FFF2-40B4-BE49-F238E27FC236}">
+                <a16:creationId xmlns:a16="http://schemas.microsoft.com/office/drawing/2014/main" id="{DE38BA79-005D-F748-8EF0-DDBDB31CFBF0}"/>
+              </a:ext>
+            </a:extLst>
+          </p:cNvPr>
+          <p:cNvSpPr>
+            <a:spLocks noGrp="1"/>
+          </p:cNvSpPr>
+          <p:nvPr>
+            <p:ph type="body" sz="quarter" idx="10"/>
+          </p:nvPr>
+        </p:nvSpPr>
+        <p:spPr/>
+        <p:txBody>
+          <a:bodyPr/>
+          <a:lstStyle/>
+          <a:p>
+            <a:endParaRPr lang="en-US"/>
           </a:p>
         </p:txBody>
       </p:sp>
     </p:spTree>
     <p:extLst>
       <p:ext uri="{BB962C8B-B14F-4D97-AF65-F5344CB8AC3E}">
-        <p14:creationId xmlns:p14="http://schemas.microsoft.com/office/powerpoint/2010/main" val="3911395177"/>
+        <p14:creationId xmlns:p14="http://schemas.microsoft.com/office/powerpoint/2010/main" val="3708025470"/>
       </p:ext>
     </p:extLst>
   </p:cSld>
@@ -33094,7 +33340,7 @@
           <p:cNvPr id="2" name="Title 1">
             <a:extLst>
               <a:ext uri="{FF2B5EF4-FFF2-40B4-BE49-F238E27FC236}">
-                <a16:creationId xmlns:a16="http://schemas.microsoft.com/office/drawing/2014/main" id="{3480EC15-00FE-FC41-ADF7-549E87A4B4F2}"/>
+                <a16:creationId xmlns:a16="http://schemas.microsoft.com/office/drawing/2014/main" id="{56B44BDD-EA88-2D47-A6B7-E02FE22AD315}"/>
               </a:ext>
             </a:extLst>
           </p:cNvPr>
@@ -33112,7 +33358,7 @@
           <a:p>
             <a:r>
               <a:rPr lang="en-US" dirty="0"/>
-              <a:t>Group and Replace</a:t>
+              <a:t>Handling NULL Values</a:t>
             </a:r>
           </a:p>
         </p:txBody>
@@ -33122,7 +33368,7 @@
           <p:cNvPr id="3" name="Text Placeholder 2">
             <a:extLst>
               <a:ext uri="{FF2B5EF4-FFF2-40B4-BE49-F238E27FC236}">
-                <a16:creationId xmlns:a16="http://schemas.microsoft.com/office/drawing/2014/main" id="{52CBEEB9-F887-F642-BD6A-347CE2FA09FB}"/>
+                <a16:creationId xmlns:a16="http://schemas.microsoft.com/office/drawing/2014/main" id="{35B8F14B-39CF-AF41-99E1-2E843C247A56}"/>
               </a:ext>
             </a:extLst>
           </p:cNvPr>
@@ -33145,7 +33391,7 @@
     </p:spTree>
     <p:extLst>
       <p:ext uri="{BB962C8B-B14F-4D97-AF65-F5344CB8AC3E}">
-        <p14:creationId xmlns:p14="http://schemas.microsoft.com/office/powerpoint/2010/main" val="4144102751"/>
+        <p14:creationId xmlns:p14="http://schemas.microsoft.com/office/powerpoint/2010/main" val="3654839068"/>
       </p:ext>
     </p:extLst>
   </p:cSld>
@@ -33177,7 +33423,7 @@
           <p:cNvPr id="2" name="Title 1">
             <a:extLst>
               <a:ext uri="{FF2B5EF4-FFF2-40B4-BE49-F238E27FC236}">
-                <a16:creationId xmlns:a16="http://schemas.microsoft.com/office/drawing/2014/main" id="{5EF4012B-FF41-2C4E-B2EF-2972C9D9184A}"/>
+                <a16:creationId xmlns:a16="http://schemas.microsoft.com/office/drawing/2014/main" id="{505FEF39-4D4F-234C-A7CC-3D508B076ECC}"/>
               </a:ext>
             </a:extLst>
           </p:cNvPr>
@@ -33195,13 +33441,8 @@
           <a:p>
             <a:r>
               <a:rPr lang="en-US" dirty="0"/>
-              <a:t>Manual</a:t>
-            </a:r>
-            <a:r>
-              <a:rPr lang="en-US" baseline="0" dirty="0"/>
-              <a:t> Selection</a:t>
-            </a:r>
-            <a:endParaRPr lang="en-US" dirty="0"/>
+              <a:t>Filtering Records</a:t>
+            </a:r>
           </a:p>
         </p:txBody>
       </p:sp>
@@ -33210,7 +33451,7 @@
           <p:cNvPr id="3" name="Text Placeholder 2">
             <a:extLst>
               <a:ext uri="{FF2B5EF4-FFF2-40B4-BE49-F238E27FC236}">
-                <a16:creationId xmlns:a16="http://schemas.microsoft.com/office/drawing/2014/main" id="{404BE848-6263-0145-B9F8-9619C16139F0}"/>
+                <a16:creationId xmlns:a16="http://schemas.microsoft.com/office/drawing/2014/main" id="{F0A2B6CF-1628-4546-AF20-667E71376CF7}"/>
               </a:ext>
             </a:extLst>
           </p:cNvPr>
@@ -33233,7 +33474,7 @@
     </p:spTree>
     <p:extLst>
       <p:ext uri="{BB962C8B-B14F-4D97-AF65-F5344CB8AC3E}">
-        <p14:creationId xmlns:p14="http://schemas.microsoft.com/office/powerpoint/2010/main" val="1517578569"/>
+        <p14:creationId xmlns:p14="http://schemas.microsoft.com/office/powerpoint/2010/main" val="1615717970"/>
       </p:ext>
     </p:extLst>
   </p:cSld>
@@ -33414,7 +33655,7 @@
           <p:cNvPr id="2" name="Title 1">
             <a:extLst>
               <a:ext uri="{FF2B5EF4-FFF2-40B4-BE49-F238E27FC236}">
-                <a16:creationId xmlns:a16="http://schemas.microsoft.com/office/drawing/2014/main" id="{B8CB6C30-3AB2-3744-B360-453B167B4FF4}"/>
+                <a16:creationId xmlns:a16="http://schemas.microsoft.com/office/drawing/2014/main" id="{C3A4853A-6621-BF48-99C0-CF9E50FA3A1F}"/>
               </a:ext>
             </a:extLst>
           </p:cNvPr>
@@ -33432,40 +33673,15 @@
           <a:p>
             <a:r>
               <a:rPr lang="en-US" dirty="0"/>
-              <a:t>Grouping by Pronunciation</a:t>
-            </a:r>
-          </a:p>
-        </p:txBody>
-      </p:sp>
-      <p:sp>
-        <p:nvSpPr>
-          <p:cNvPr id="3" name="Text Placeholder 2">
-            <a:extLst>
-              <a:ext uri="{FF2B5EF4-FFF2-40B4-BE49-F238E27FC236}">
-                <a16:creationId xmlns:a16="http://schemas.microsoft.com/office/drawing/2014/main" id="{3114DC91-50BA-4E48-B2AF-D3791A89BC17}"/>
-              </a:ext>
-            </a:extLst>
-          </p:cNvPr>
-          <p:cNvSpPr>
-            <a:spLocks noGrp="1"/>
-          </p:cNvSpPr>
-          <p:nvPr>
-            <p:ph type="body" sz="quarter" idx="10"/>
-          </p:nvPr>
-        </p:nvSpPr>
-        <p:spPr/>
-        <p:txBody>
-          <a:bodyPr/>
-          <a:lstStyle/>
-          <a:p>
-            <a:endParaRPr lang="en-US"/>
+              <a:t>Module 6: Group and Replace</a:t>
+            </a:r>
           </a:p>
         </p:txBody>
       </p:sp>
     </p:spTree>
     <p:extLst>
       <p:ext uri="{BB962C8B-B14F-4D97-AF65-F5344CB8AC3E}">
-        <p14:creationId xmlns:p14="http://schemas.microsoft.com/office/powerpoint/2010/main" val="4105177919"/>
+        <p14:creationId xmlns:p14="http://schemas.microsoft.com/office/powerpoint/2010/main" val="3911395177"/>
       </p:ext>
     </p:extLst>
   </p:cSld>
@@ -33497,7 +33713,7 @@
           <p:cNvPr id="2" name="Title 1">
             <a:extLst>
               <a:ext uri="{FF2B5EF4-FFF2-40B4-BE49-F238E27FC236}">
-                <a16:creationId xmlns:a16="http://schemas.microsoft.com/office/drawing/2014/main" id="{F667AD0A-11C2-034F-9745-119770BC4F74}"/>
+                <a16:creationId xmlns:a16="http://schemas.microsoft.com/office/drawing/2014/main" id="{3480EC15-00FE-FC41-ADF7-549E87A4B4F2}"/>
               </a:ext>
             </a:extLst>
           </p:cNvPr>
@@ -33515,13 +33731,8 @@
           <a:p>
             <a:r>
               <a:rPr lang="en-US" dirty="0"/>
-              <a:t>Grouping</a:t>
-            </a:r>
-            <a:r>
-              <a:rPr lang="en-US" baseline="0" dirty="0"/>
-              <a:t> by Common Characters</a:t>
-            </a:r>
-            <a:endParaRPr lang="en-US" dirty="0"/>
+              <a:t>Group and Replace</a:t>
+            </a:r>
           </a:p>
         </p:txBody>
       </p:sp>
@@ -33530,7 +33741,7 @@
           <p:cNvPr id="3" name="Text Placeholder 2">
             <a:extLst>
               <a:ext uri="{FF2B5EF4-FFF2-40B4-BE49-F238E27FC236}">
-                <a16:creationId xmlns:a16="http://schemas.microsoft.com/office/drawing/2014/main" id="{E01C124F-BC23-884A-8940-AE40F6201DB9}"/>
+                <a16:creationId xmlns:a16="http://schemas.microsoft.com/office/drawing/2014/main" id="{52CBEEB9-F887-F642-BD6A-347CE2FA09FB}"/>
               </a:ext>
             </a:extLst>
           </p:cNvPr>
@@ -33553,7 +33764,7 @@
     </p:spTree>
     <p:extLst>
       <p:ext uri="{BB962C8B-B14F-4D97-AF65-F5344CB8AC3E}">
-        <p14:creationId xmlns:p14="http://schemas.microsoft.com/office/powerpoint/2010/main" val="737931396"/>
+        <p14:creationId xmlns:p14="http://schemas.microsoft.com/office/powerpoint/2010/main" val="4144102751"/>
       </p:ext>
     </p:extLst>
   </p:cSld>
@@ -33585,7 +33796,7 @@
           <p:cNvPr id="2" name="Title 1">
             <a:extLst>
               <a:ext uri="{FF2B5EF4-FFF2-40B4-BE49-F238E27FC236}">
-                <a16:creationId xmlns:a16="http://schemas.microsoft.com/office/drawing/2014/main" id="{7A902A4D-3605-F64D-99D9-C7BD9542C2E4}"/>
+                <a16:creationId xmlns:a16="http://schemas.microsoft.com/office/drawing/2014/main" id="{5EF4012B-FF41-2C4E-B2EF-2972C9D9184A}"/>
               </a:ext>
             </a:extLst>
           </p:cNvPr>
@@ -33603,8 +33814,13 @@
           <a:p>
             <a:r>
               <a:rPr lang="en-US" dirty="0"/>
-              <a:t>Grouping by Spelling</a:t>
-            </a:r>
+              <a:t>Manual</a:t>
+            </a:r>
+            <a:r>
+              <a:rPr lang="en-US" baseline="0" dirty="0"/>
+              <a:t> Selection</a:t>
+            </a:r>
+            <a:endParaRPr lang="en-US" dirty="0"/>
           </a:p>
         </p:txBody>
       </p:sp>
@@ -33613,7 +33829,7 @@
           <p:cNvPr id="3" name="Text Placeholder 2">
             <a:extLst>
               <a:ext uri="{FF2B5EF4-FFF2-40B4-BE49-F238E27FC236}">
-                <a16:creationId xmlns:a16="http://schemas.microsoft.com/office/drawing/2014/main" id="{1D73BADE-B533-CE4F-B5B8-CAB06C368000}"/>
+                <a16:creationId xmlns:a16="http://schemas.microsoft.com/office/drawing/2014/main" id="{404BE848-6263-0145-B9F8-9619C16139F0}"/>
               </a:ext>
             </a:extLst>
           </p:cNvPr>
@@ -33636,7 +33852,7 @@
     </p:spTree>
     <p:extLst>
       <p:ext uri="{BB962C8B-B14F-4D97-AF65-F5344CB8AC3E}">
-        <p14:creationId xmlns:p14="http://schemas.microsoft.com/office/powerpoint/2010/main" val="3770955645"/>
+        <p14:creationId xmlns:p14="http://schemas.microsoft.com/office/powerpoint/2010/main" val="1517578569"/>
       </p:ext>
     </p:extLst>
   </p:cSld>
@@ -33668,7 +33884,7 @@
           <p:cNvPr id="2" name="Title 1">
             <a:extLst>
               <a:ext uri="{FF2B5EF4-FFF2-40B4-BE49-F238E27FC236}">
-                <a16:creationId xmlns:a16="http://schemas.microsoft.com/office/drawing/2014/main" id="{098CEEC1-7F87-F34D-B9A4-7EA9EFA2F688}"/>
+                <a16:creationId xmlns:a16="http://schemas.microsoft.com/office/drawing/2014/main" id="{B8CB6C30-3AB2-3744-B360-453B167B4FF4}"/>
               </a:ext>
             </a:extLst>
           </p:cNvPr>
@@ -33686,15 +33902,40 @@
           <a:p>
             <a:r>
               <a:rPr lang="en-US" dirty="0"/>
-              <a:t>Module 7: Aggregating and Pivoting Data</a:t>
-            </a:r>
+              <a:t>Grouping by Pronunciation</a:t>
+            </a:r>
+          </a:p>
+        </p:txBody>
+      </p:sp>
+      <p:sp>
+        <p:nvSpPr>
+          <p:cNvPr id="3" name="Text Placeholder 2">
+            <a:extLst>
+              <a:ext uri="{FF2B5EF4-FFF2-40B4-BE49-F238E27FC236}">
+                <a16:creationId xmlns:a16="http://schemas.microsoft.com/office/drawing/2014/main" id="{3114DC91-50BA-4E48-B2AF-D3791A89BC17}"/>
+              </a:ext>
+            </a:extLst>
+          </p:cNvPr>
+          <p:cNvSpPr>
+            <a:spLocks noGrp="1"/>
+          </p:cNvSpPr>
+          <p:nvPr>
+            <p:ph type="body" sz="quarter" idx="10"/>
+          </p:nvPr>
+        </p:nvSpPr>
+        <p:spPr/>
+        <p:txBody>
+          <a:bodyPr/>
+          <a:lstStyle/>
+          <a:p>
+            <a:endParaRPr lang="en-US"/>
           </a:p>
         </p:txBody>
       </p:sp>
     </p:spTree>
     <p:extLst>
       <p:ext uri="{BB962C8B-B14F-4D97-AF65-F5344CB8AC3E}">
-        <p14:creationId xmlns:p14="http://schemas.microsoft.com/office/powerpoint/2010/main" val="2030434778"/>
+        <p14:creationId xmlns:p14="http://schemas.microsoft.com/office/powerpoint/2010/main" val="4105177919"/>
       </p:ext>
     </p:extLst>
   </p:cSld>
@@ -33726,7 +33967,7 @@
           <p:cNvPr id="2" name="Title 1">
             <a:extLst>
               <a:ext uri="{FF2B5EF4-FFF2-40B4-BE49-F238E27FC236}">
-                <a16:creationId xmlns:a16="http://schemas.microsoft.com/office/drawing/2014/main" id="{7A459FFD-D6CD-5B4A-9BCB-E8A05891ABD0}"/>
+                <a16:creationId xmlns:a16="http://schemas.microsoft.com/office/drawing/2014/main" id="{F667AD0A-11C2-034F-9745-119770BC4F74}"/>
               </a:ext>
             </a:extLst>
           </p:cNvPr>
@@ -33744,8 +33985,13 @@
           <a:p>
             <a:r>
               <a:rPr lang="en-US" dirty="0"/>
-              <a:t>Aggregating Data</a:t>
-            </a:r>
+              <a:t>Grouping</a:t>
+            </a:r>
+            <a:r>
+              <a:rPr lang="en-US" baseline="0" dirty="0"/>
+              <a:t> by Common Characters</a:t>
+            </a:r>
+            <a:endParaRPr lang="en-US" dirty="0"/>
           </a:p>
         </p:txBody>
       </p:sp>
@@ -33754,7 +34000,7 @@
           <p:cNvPr id="3" name="Text Placeholder 2">
             <a:extLst>
               <a:ext uri="{FF2B5EF4-FFF2-40B4-BE49-F238E27FC236}">
-                <a16:creationId xmlns:a16="http://schemas.microsoft.com/office/drawing/2014/main" id="{8B206731-BB58-084E-9F91-E2037F0BB52D}"/>
+                <a16:creationId xmlns:a16="http://schemas.microsoft.com/office/drawing/2014/main" id="{E01C124F-BC23-884A-8940-AE40F6201DB9}"/>
               </a:ext>
             </a:extLst>
           </p:cNvPr>
@@ -33777,7 +34023,7 @@
     </p:spTree>
     <p:extLst>
       <p:ext uri="{BB962C8B-B14F-4D97-AF65-F5344CB8AC3E}">
-        <p14:creationId xmlns:p14="http://schemas.microsoft.com/office/powerpoint/2010/main" val="3081864923"/>
+        <p14:creationId xmlns:p14="http://schemas.microsoft.com/office/powerpoint/2010/main" val="737931396"/>
       </p:ext>
     </p:extLst>
   </p:cSld>
@@ -33809,7 +34055,7 @@
           <p:cNvPr id="2" name="Title 1">
             <a:extLst>
               <a:ext uri="{FF2B5EF4-FFF2-40B4-BE49-F238E27FC236}">
-                <a16:creationId xmlns:a16="http://schemas.microsoft.com/office/drawing/2014/main" id="{3B856723-7D74-B54B-8C18-AFFA49BB0578}"/>
+                <a16:creationId xmlns:a16="http://schemas.microsoft.com/office/drawing/2014/main" id="{7A902A4D-3605-F64D-99D9-C7BD9542C2E4}"/>
               </a:ext>
             </a:extLst>
           </p:cNvPr>
@@ -33827,7 +34073,7 @@
           <a:p>
             <a:r>
               <a:rPr lang="en-US" dirty="0"/>
-              <a:t>Pivoting Data</a:t>
+              <a:t>Grouping by Spelling</a:t>
             </a:r>
           </a:p>
         </p:txBody>
@@ -33837,7 +34083,7 @@
           <p:cNvPr id="3" name="Text Placeholder 2">
             <a:extLst>
               <a:ext uri="{FF2B5EF4-FFF2-40B4-BE49-F238E27FC236}">
-                <a16:creationId xmlns:a16="http://schemas.microsoft.com/office/drawing/2014/main" id="{C07C88D3-0BAE-8749-84FF-FD11C5D739E5}"/>
+                <a16:creationId xmlns:a16="http://schemas.microsoft.com/office/drawing/2014/main" id="{1D73BADE-B533-CE4F-B5B8-CAB06C368000}"/>
               </a:ext>
             </a:extLst>
           </p:cNvPr>
@@ -33860,7 +34106,7 @@
     </p:spTree>
     <p:extLst>
       <p:ext uri="{BB962C8B-B14F-4D97-AF65-F5344CB8AC3E}">
-        <p14:creationId xmlns:p14="http://schemas.microsoft.com/office/powerpoint/2010/main" val="2826624053"/>
+        <p14:creationId xmlns:p14="http://schemas.microsoft.com/office/powerpoint/2010/main" val="3770955645"/>
       </p:ext>
     </p:extLst>
   </p:cSld>
@@ -33892,7 +34138,7 @@
           <p:cNvPr id="2" name="Title 1">
             <a:extLst>
               <a:ext uri="{FF2B5EF4-FFF2-40B4-BE49-F238E27FC236}">
-                <a16:creationId xmlns:a16="http://schemas.microsoft.com/office/drawing/2014/main" id="{6B5CDC5B-FC9D-9E42-ACCA-21C364287987}"/>
+                <a16:creationId xmlns:a16="http://schemas.microsoft.com/office/drawing/2014/main" id="{098CEEC1-7F87-F34D-B9A4-7EA9EFA2F688}"/>
               </a:ext>
             </a:extLst>
           </p:cNvPr>
@@ -33910,40 +34156,15 @@
           <a:p>
             <a:r>
               <a:rPr lang="en-US" dirty="0"/>
-              <a:t>Unpivoting Data</a:t>
-            </a:r>
-          </a:p>
-        </p:txBody>
-      </p:sp>
-      <p:sp>
-        <p:nvSpPr>
-          <p:cNvPr id="3" name="Text Placeholder 2">
-            <a:extLst>
-              <a:ext uri="{FF2B5EF4-FFF2-40B4-BE49-F238E27FC236}">
-                <a16:creationId xmlns:a16="http://schemas.microsoft.com/office/drawing/2014/main" id="{7D0F7560-7895-1E4C-93E5-863F23F78976}"/>
-              </a:ext>
-            </a:extLst>
-          </p:cNvPr>
-          <p:cNvSpPr>
-            <a:spLocks noGrp="1"/>
-          </p:cNvSpPr>
-          <p:nvPr>
-            <p:ph type="body" sz="quarter" idx="10"/>
-          </p:nvPr>
-        </p:nvSpPr>
-        <p:spPr/>
-        <p:txBody>
-          <a:bodyPr/>
-          <a:lstStyle/>
-          <a:p>
-            <a:endParaRPr lang="en-US"/>
+              <a:t>Module 7: Aggregating and Pivoting Data</a:t>
+            </a:r>
           </a:p>
         </p:txBody>
       </p:sp>
     </p:spTree>
     <p:extLst>
       <p:ext uri="{BB962C8B-B14F-4D97-AF65-F5344CB8AC3E}">
-        <p14:creationId xmlns:p14="http://schemas.microsoft.com/office/powerpoint/2010/main" val="223869305"/>
+        <p14:creationId xmlns:p14="http://schemas.microsoft.com/office/powerpoint/2010/main" val="2030434778"/>
       </p:ext>
     </p:extLst>
   </p:cSld>
@@ -33975,7 +34196,7 @@
           <p:cNvPr id="2" name="Title 1">
             <a:extLst>
               <a:ext uri="{FF2B5EF4-FFF2-40B4-BE49-F238E27FC236}">
-                <a16:creationId xmlns:a16="http://schemas.microsoft.com/office/drawing/2014/main" id="{BD3CC3C1-820E-1F4C-9494-4CA16BC01F49}"/>
+                <a16:creationId xmlns:a16="http://schemas.microsoft.com/office/drawing/2014/main" id="{7A459FFD-D6CD-5B4A-9BCB-E8A05891ABD0}"/>
               </a:ext>
             </a:extLst>
           </p:cNvPr>
@@ -33993,15 +34214,40 @@
           <a:p>
             <a:r>
               <a:rPr lang="en-US" dirty="0"/>
-              <a:t>Part III: Load</a:t>
-            </a:r>
+              <a:t>Aggregating Data</a:t>
+            </a:r>
+          </a:p>
+        </p:txBody>
+      </p:sp>
+      <p:sp>
+        <p:nvSpPr>
+          <p:cNvPr id="3" name="Text Placeholder 2">
+            <a:extLst>
+              <a:ext uri="{FF2B5EF4-FFF2-40B4-BE49-F238E27FC236}">
+                <a16:creationId xmlns:a16="http://schemas.microsoft.com/office/drawing/2014/main" id="{8B206731-BB58-084E-9F91-E2037F0BB52D}"/>
+              </a:ext>
+            </a:extLst>
+          </p:cNvPr>
+          <p:cNvSpPr>
+            <a:spLocks noGrp="1"/>
+          </p:cNvSpPr>
+          <p:nvPr>
+            <p:ph type="body" sz="quarter" idx="10"/>
+          </p:nvPr>
+        </p:nvSpPr>
+        <p:spPr/>
+        <p:txBody>
+          <a:bodyPr/>
+          <a:lstStyle/>
+          <a:p>
+            <a:endParaRPr lang="en-US"/>
           </a:p>
         </p:txBody>
       </p:sp>
     </p:spTree>
     <p:extLst>
       <p:ext uri="{BB962C8B-B14F-4D97-AF65-F5344CB8AC3E}">
-        <p14:creationId xmlns:p14="http://schemas.microsoft.com/office/powerpoint/2010/main" val="2503839061"/>
+        <p14:creationId xmlns:p14="http://schemas.microsoft.com/office/powerpoint/2010/main" val="3081864923"/>
       </p:ext>
     </p:extLst>
   </p:cSld>
@@ -34033,7 +34279,7 @@
           <p:cNvPr id="2" name="Title 1">
             <a:extLst>
               <a:ext uri="{FF2B5EF4-FFF2-40B4-BE49-F238E27FC236}">
-                <a16:creationId xmlns:a16="http://schemas.microsoft.com/office/drawing/2014/main" id="{C7183894-EC31-F440-9353-89759F05B3EB}"/>
+                <a16:creationId xmlns:a16="http://schemas.microsoft.com/office/drawing/2014/main" id="{3B856723-7D74-B54B-8C18-AFFA49BB0578}"/>
               </a:ext>
             </a:extLst>
           </p:cNvPr>
@@ -34051,15 +34297,40 @@
           <a:p>
             <a:r>
               <a:rPr lang="en-US" dirty="0"/>
-              <a:t>Module 8: Output</a:t>
-            </a:r>
+              <a:t>Pivoting Data</a:t>
+            </a:r>
+          </a:p>
+        </p:txBody>
+      </p:sp>
+      <p:sp>
+        <p:nvSpPr>
+          <p:cNvPr id="3" name="Text Placeholder 2">
+            <a:extLst>
+              <a:ext uri="{FF2B5EF4-FFF2-40B4-BE49-F238E27FC236}">
+                <a16:creationId xmlns:a16="http://schemas.microsoft.com/office/drawing/2014/main" id="{C07C88D3-0BAE-8749-84FF-FD11C5D739E5}"/>
+              </a:ext>
+            </a:extLst>
+          </p:cNvPr>
+          <p:cNvSpPr>
+            <a:spLocks noGrp="1"/>
+          </p:cNvSpPr>
+          <p:nvPr>
+            <p:ph type="body" sz="quarter" idx="10"/>
+          </p:nvPr>
+        </p:nvSpPr>
+        <p:spPr/>
+        <p:txBody>
+          <a:bodyPr/>
+          <a:lstStyle/>
+          <a:p>
+            <a:endParaRPr lang="en-US"/>
           </a:p>
         </p:txBody>
       </p:sp>
     </p:spTree>
     <p:extLst>
       <p:ext uri="{BB962C8B-B14F-4D97-AF65-F5344CB8AC3E}">
-        <p14:creationId xmlns:p14="http://schemas.microsoft.com/office/powerpoint/2010/main" val="2381891199"/>
+        <p14:creationId xmlns:p14="http://schemas.microsoft.com/office/powerpoint/2010/main" val="2826624053"/>
       </p:ext>
     </p:extLst>
   </p:cSld>
@@ -34091,7 +34362,7 @@
           <p:cNvPr id="2" name="Title 1">
             <a:extLst>
               <a:ext uri="{FF2B5EF4-FFF2-40B4-BE49-F238E27FC236}">
-                <a16:creationId xmlns:a16="http://schemas.microsoft.com/office/drawing/2014/main" id="{59A8E365-F14F-F541-8BE6-C2E2F4658199}"/>
+                <a16:creationId xmlns:a16="http://schemas.microsoft.com/office/drawing/2014/main" id="{6B5CDC5B-FC9D-9E42-ACCA-21C364287987}"/>
               </a:ext>
             </a:extLst>
           </p:cNvPr>
@@ -34109,7 +34380,7 @@
           <a:p>
             <a:r>
               <a:rPr lang="en-US" dirty="0"/>
-              <a:t>Outputting to files</a:t>
+              <a:t>Unpivoting Data</a:t>
             </a:r>
           </a:p>
         </p:txBody>
@@ -34119,7 +34390,7 @@
           <p:cNvPr id="3" name="Text Placeholder 2">
             <a:extLst>
               <a:ext uri="{FF2B5EF4-FFF2-40B4-BE49-F238E27FC236}">
-                <a16:creationId xmlns:a16="http://schemas.microsoft.com/office/drawing/2014/main" id="{6E648436-C250-D445-8FE2-389E92AF5047}"/>
+                <a16:creationId xmlns:a16="http://schemas.microsoft.com/office/drawing/2014/main" id="{7D0F7560-7895-1E4C-93E5-863F23F78976}"/>
               </a:ext>
             </a:extLst>
           </p:cNvPr>
@@ -34142,7 +34413,7 @@
     </p:spTree>
     <p:extLst>
       <p:ext uri="{BB962C8B-B14F-4D97-AF65-F5344CB8AC3E}">
-        <p14:creationId xmlns:p14="http://schemas.microsoft.com/office/powerpoint/2010/main" val="3591092714"/>
+        <p14:creationId xmlns:p14="http://schemas.microsoft.com/office/powerpoint/2010/main" val="223869305"/>
       </p:ext>
     </p:extLst>
   </p:cSld>
@@ -34264,7 +34535,7 @@
           <p:cNvPr id="2" name="Title 1">
             <a:extLst>
               <a:ext uri="{FF2B5EF4-FFF2-40B4-BE49-F238E27FC236}">
-                <a16:creationId xmlns:a16="http://schemas.microsoft.com/office/drawing/2014/main" id="{321139D9-EE71-5749-A7A3-8AC02267C975}"/>
+                <a16:creationId xmlns:a16="http://schemas.microsoft.com/office/drawing/2014/main" id="{BD3CC3C1-820E-1F4C-9494-4CA16BC01F49}"/>
               </a:ext>
             </a:extLst>
           </p:cNvPr>
@@ -34282,40 +34553,15 @@
           <a:p>
             <a:r>
               <a:rPr lang="en-US" dirty="0"/>
-              <a:t>Outputting to other destinations</a:t>
-            </a:r>
-          </a:p>
-        </p:txBody>
-      </p:sp>
-      <p:sp>
-        <p:nvSpPr>
-          <p:cNvPr id="3" name="Text Placeholder 2">
-            <a:extLst>
-              <a:ext uri="{FF2B5EF4-FFF2-40B4-BE49-F238E27FC236}">
-                <a16:creationId xmlns:a16="http://schemas.microsoft.com/office/drawing/2014/main" id="{05636DDC-007A-D447-8410-CAD87BA30D78}"/>
-              </a:ext>
-            </a:extLst>
-          </p:cNvPr>
-          <p:cNvSpPr>
-            <a:spLocks noGrp="1"/>
-          </p:cNvSpPr>
-          <p:nvPr>
-            <p:ph type="body" sz="quarter" idx="10"/>
-          </p:nvPr>
-        </p:nvSpPr>
-        <p:spPr/>
-        <p:txBody>
-          <a:bodyPr/>
-          <a:lstStyle/>
-          <a:p>
-            <a:endParaRPr lang="en-US"/>
+              <a:t>Part III: Load</a:t>
+            </a:r>
           </a:p>
         </p:txBody>
       </p:sp>
     </p:spTree>
     <p:extLst>
       <p:ext uri="{BB962C8B-B14F-4D97-AF65-F5344CB8AC3E}">
-        <p14:creationId xmlns:p14="http://schemas.microsoft.com/office/powerpoint/2010/main" val="4121859749"/>
+        <p14:creationId xmlns:p14="http://schemas.microsoft.com/office/powerpoint/2010/main" val="2503839061"/>
       </p:ext>
     </p:extLst>
   </p:cSld>
@@ -34347,7 +34593,7 @@
           <p:cNvPr id="2" name="Title 1">
             <a:extLst>
               <a:ext uri="{FF2B5EF4-FFF2-40B4-BE49-F238E27FC236}">
-                <a16:creationId xmlns:a16="http://schemas.microsoft.com/office/drawing/2014/main" id="{BC13A45F-B701-6042-A1FC-E51DBE17F7A5}"/>
+                <a16:creationId xmlns:a16="http://schemas.microsoft.com/office/drawing/2014/main" id="{C7183894-EC31-F440-9353-89759F05B3EB}"/>
               </a:ext>
             </a:extLst>
           </p:cNvPr>
@@ -34365,20 +34611,15 @@
           <a:p>
             <a:r>
               <a:rPr lang="en-US" dirty="0"/>
-              <a:t>Module 9: Prep Builder Conductor and Publishing Workflows</a:t>
-            </a:r>
-            <a:r>
-              <a:rPr lang="en-US" baseline="0" dirty="0"/>
-              <a:t> to Tableau Server</a:t>
-            </a:r>
-            <a:endParaRPr lang="en-US" dirty="0"/>
+              <a:t>Module 8: Output</a:t>
+            </a:r>
           </a:p>
         </p:txBody>
       </p:sp>
     </p:spTree>
     <p:extLst>
       <p:ext uri="{BB962C8B-B14F-4D97-AF65-F5344CB8AC3E}">
-        <p14:creationId xmlns:p14="http://schemas.microsoft.com/office/powerpoint/2010/main" val="4173510137"/>
+        <p14:creationId xmlns:p14="http://schemas.microsoft.com/office/powerpoint/2010/main" val="2381891199"/>
       </p:ext>
     </p:extLst>
   </p:cSld>
@@ -34407,39 +34648,18 @@
       </p:grpSpPr>
       <p:sp>
         <p:nvSpPr>
-          <p:cNvPr id="2" name="Title 1"/>
+          <p:cNvPr id="2" name="Title 1">
+            <a:extLst>
+              <a:ext uri="{FF2B5EF4-FFF2-40B4-BE49-F238E27FC236}">
+                <a16:creationId xmlns:a16="http://schemas.microsoft.com/office/drawing/2014/main" id="{59A8E365-F14F-F541-8BE6-C2E2F4658199}"/>
+              </a:ext>
+            </a:extLst>
+          </p:cNvPr>
           <p:cNvSpPr>
             <a:spLocks noGrp="1"/>
           </p:cNvSpPr>
           <p:nvPr>
             <p:ph type="title"/>
-          </p:nvPr>
-        </p:nvSpPr>
-        <p:spPr/>
-        <p:txBody>
-          <a:bodyPr>
-            <a:normAutofit/>
-          </a:bodyPr>
-          <a:lstStyle/>
-          <a:p>
-            <a:r>
-              <a:rPr lang="en-US" dirty="0"/>
-              <a:t>Tableau Prep Builder Conductor</a:t>
-            </a:r>
-          </a:p>
-          <a:p>
-            <a:endParaRPr lang="en-US" dirty="0"/>
-          </a:p>
-        </p:txBody>
-      </p:sp>
-      <p:sp>
-        <p:nvSpPr>
-          <p:cNvPr id="5" name="Text Placeholder 4"/>
-          <p:cNvSpPr>
-            <a:spLocks noGrp="1"/>
-          </p:cNvSpPr>
-          <p:nvPr>
-            <p:ph type="body" sz="quarter" idx="10"/>
           </p:nvPr>
         </p:nvSpPr>
         <p:spPr/>
@@ -34447,18 +34667,27 @@
           <a:bodyPr/>
           <a:lstStyle/>
           <a:p>
-            <a:endParaRPr lang="en-US"/>
+            <a:r>
+              <a:rPr lang="en-US" dirty="0"/>
+              <a:t>Outputting to files</a:t>
+            </a:r>
           </a:p>
         </p:txBody>
       </p:sp>
       <p:sp>
         <p:nvSpPr>
-          <p:cNvPr id="4" name="Slide Number Placeholder 3"/>
+          <p:cNvPr id="3" name="Text Placeholder 2">
+            <a:extLst>
+              <a:ext uri="{FF2B5EF4-FFF2-40B4-BE49-F238E27FC236}">
+                <a16:creationId xmlns:a16="http://schemas.microsoft.com/office/drawing/2014/main" id="{6E648436-C250-D445-8FE2-389E92AF5047}"/>
+              </a:ext>
+            </a:extLst>
+          </p:cNvPr>
           <p:cNvSpPr>
             <a:spLocks noGrp="1"/>
           </p:cNvSpPr>
           <p:nvPr>
-            <p:ph type="sldNum" sz="quarter" idx="4294967295"/>
+            <p:ph type="body" sz="quarter" idx="10"/>
           </p:nvPr>
         </p:nvSpPr>
         <p:spPr/>
@@ -34466,18 +34695,14 @@
           <a:bodyPr/>
           <a:lstStyle/>
           <a:p>
-            <a:fld id="{4FAB73BC-B049-4115-A692-8D63A059BFB8}" type="slidenum">
-              <a:rPr lang="en-US" smtClean="0"/>
-              <a:t>92</a:t>
-            </a:fld>
-            <a:endParaRPr lang="en-US" dirty="0"/>
+            <a:endParaRPr lang="en-US"/>
           </a:p>
         </p:txBody>
       </p:sp>
     </p:spTree>
     <p:extLst>
       <p:ext uri="{BB962C8B-B14F-4D97-AF65-F5344CB8AC3E}">
-        <p14:creationId xmlns:p14="http://schemas.microsoft.com/office/powerpoint/2010/main" val="3097242473"/>
+        <p14:creationId xmlns:p14="http://schemas.microsoft.com/office/powerpoint/2010/main" val="3591092714"/>
       </p:ext>
     </p:extLst>
   </p:cSld>
@@ -34506,39 +34731,18 @@
       </p:grpSpPr>
       <p:sp>
         <p:nvSpPr>
-          <p:cNvPr id="2" name="Title 1"/>
+          <p:cNvPr id="2" name="Title 1">
+            <a:extLst>
+              <a:ext uri="{FF2B5EF4-FFF2-40B4-BE49-F238E27FC236}">
+                <a16:creationId xmlns:a16="http://schemas.microsoft.com/office/drawing/2014/main" id="{321139D9-EE71-5749-A7A3-8AC02267C975}"/>
+              </a:ext>
+            </a:extLst>
+          </p:cNvPr>
           <p:cNvSpPr>
             <a:spLocks noGrp="1"/>
           </p:cNvSpPr>
           <p:nvPr>
             <p:ph type="title"/>
-          </p:nvPr>
-        </p:nvSpPr>
-        <p:spPr/>
-        <p:txBody>
-          <a:bodyPr>
-            <a:normAutofit/>
-          </a:bodyPr>
-          <a:lstStyle/>
-          <a:p>
-            <a:r>
-              <a:rPr lang="en-US" dirty="0"/>
-              <a:t>Publishing Workflows to Server (Discussed)</a:t>
-            </a:r>
-          </a:p>
-          <a:p>
-            <a:endParaRPr lang="en-US" dirty="0"/>
-          </a:p>
-        </p:txBody>
-      </p:sp>
-      <p:sp>
-        <p:nvSpPr>
-          <p:cNvPr id="5" name="Text Placeholder 4"/>
-          <p:cNvSpPr>
-            <a:spLocks noGrp="1"/>
-          </p:cNvSpPr>
-          <p:nvPr>
-            <p:ph type="body" sz="quarter" idx="10"/>
           </p:nvPr>
         </p:nvSpPr>
         <p:spPr/>
@@ -34546,18 +34750,27 @@
           <a:bodyPr/>
           <a:lstStyle/>
           <a:p>
-            <a:endParaRPr lang="en-US"/>
+            <a:r>
+              <a:rPr lang="en-US" dirty="0"/>
+              <a:t>Outputting to other destinations</a:t>
+            </a:r>
           </a:p>
         </p:txBody>
       </p:sp>
       <p:sp>
         <p:nvSpPr>
-          <p:cNvPr id="4" name="Slide Number Placeholder 3"/>
+          <p:cNvPr id="3" name="Text Placeholder 2">
+            <a:extLst>
+              <a:ext uri="{FF2B5EF4-FFF2-40B4-BE49-F238E27FC236}">
+                <a16:creationId xmlns:a16="http://schemas.microsoft.com/office/drawing/2014/main" id="{05636DDC-007A-D447-8410-CAD87BA30D78}"/>
+              </a:ext>
+            </a:extLst>
+          </p:cNvPr>
           <p:cNvSpPr>
             <a:spLocks noGrp="1"/>
           </p:cNvSpPr>
           <p:nvPr>
-            <p:ph type="sldNum" sz="quarter" idx="4294967295"/>
+            <p:ph type="body" sz="quarter" idx="10"/>
           </p:nvPr>
         </p:nvSpPr>
         <p:spPr/>
@@ -34565,18 +34778,14 @@
           <a:bodyPr/>
           <a:lstStyle/>
           <a:p>
-            <a:fld id="{4FAB73BC-B049-4115-A692-8D63A059BFB8}" type="slidenum">
-              <a:rPr lang="en-US" smtClean="0"/>
-              <a:t>93</a:t>
-            </a:fld>
-            <a:endParaRPr lang="en-US" dirty="0"/>
+            <a:endParaRPr lang="en-US"/>
           </a:p>
         </p:txBody>
       </p:sp>
     </p:spTree>
     <p:extLst>
       <p:ext uri="{BB962C8B-B14F-4D97-AF65-F5344CB8AC3E}">
-        <p14:creationId xmlns:p14="http://schemas.microsoft.com/office/powerpoint/2010/main" val="2246816309"/>
+        <p14:creationId xmlns:p14="http://schemas.microsoft.com/office/powerpoint/2010/main" val="4121859749"/>
       </p:ext>
     </p:extLst>
   </p:cSld>
@@ -34605,7 +34814,13 @@
       </p:grpSpPr>
       <p:sp>
         <p:nvSpPr>
-          <p:cNvPr id="2" name="Title 1"/>
+          <p:cNvPr id="2" name="Title 1">
+            <a:extLst>
+              <a:ext uri="{FF2B5EF4-FFF2-40B4-BE49-F238E27FC236}">
+                <a16:creationId xmlns:a16="http://schemas.microsoft.com/office/drawing/2014/main" id="{BC13A45F-B701-6042-A1FC-E51DBE17F7A5}"/>
+              </a:ext>
+            </a:extLst>
+          </p:cNvPr>
           <p:cNvSpPr>
             <a:spLocks noGrp="1"/>
           </p:cNvSpPr>
@@ -34620,49 +34835,12 @@
           <a:p>
             <a:r>
               <a:rPr lang="en-US" dirty="0"/>
-              <a:t>Scheduling Workflows to Server (Discussed)</a:t>
-            </a:r>
-          </a:p>
-        </p:txBody>
-      </p:sp>
-      <p:sp>
-        <p:nvSpPr>
-          <p:cNvPr id="5" name="Text Placeholder 4"/>
-          <p:cNvSpPr>
-            <a:spLocks noGrp="1"/>
-          </p:cNvSpPr>
-          <p:nvPr>
-            <p:ph type="body" sz="quarter" idx="10"/>
-          </p:nvPr>
-        </p:nvSpPr>
-        <p:spPr/>
-        <p:txBody>
-          <a:bodyPr/>
-          <a:lstStyle/>
-          <a:p>
-            <a:endParaRPr lang="en-US"/>
-          </a:p>
-        </p:txBody>
-      </p:sp>
-      <p:sp>
-        <p:nvSpPr>
-          <p:cNvPr id="4" name="Slide Number Placeholder 3"/>
-          <p:cNvSpPr>
-            <a:spLocks noGrp="1"/>
-          </p:cNvSpPr>
-          <p:nvPr>
-            <p:ph type="sldNum" sz="quarter" idx="4294967295"/>
-          </p:nvPr>
-        </p:nvSpPr>
-        <p:spPr/>
-        <p:txBody>
-          <a:bodyPr/>
-          <a:lstStyle/>
-          <a:p>
-            <a:fld id="{4FAB73BC-B049-4115-A692-8D63A059BFB8}" type="slidenum">
-              <a:rPr lang="en-US" smtClean="0"/>
-              <a:t>94</a:t>
-            </a:fld>
+              <a:t>Module 9: Prep Builder Conductor and Publishing Workflows</a:t>
+            </a:r>
+            <a:r>
+              <a:rPr lang="en-US" baseline="0" dirty="0"/>
+              <a:t> to Tableau Server</a:t>
+            </a:r>
             <a:endParaRPr lang="en-US" dirty="0"/>
           </a:p>
         </p:txBody>
@@ -34670,7 +34848,7 @@
     </p:spTree>
     <p:extLst>
       <p:ext uri="{BB962C8B-B14F-4D97-AF65-F5344CB8AC3E}">
-        <p14:creationId xmlns:p14="http://schemas.microsoft.com/office/powerpoint/2010/main" val="2531394161"/>
+        <p14:creationId xmlns:p14="http://schemas.microsoft.com/office/powerpoint/2010/main" val="4173510137"/>
       </p:ext>
     </p:extLst>
   </p:cSld>
@@ -34699,6 +34877,298 @@
       </p:grpSpPr>
       <p:sp>
         <p:nvSpPr>
+          <p:cNvPr id="2" name="Title 1"/>
+          <p:cNvSpPr>
+            <a:spLocks noGrp="1"/>
+          </p:cNvSpPr>
+          <p:nvPr>
+            <p:ph type="title"/>
+          </p:nvPr>
+        </p:nvSpPr>
+        <p:spPr/>
+        <p:txBody>
+          <a:bodyPr>
+            <a:normAutofit/>
+          </a:bodyPr>
+          <a:lstStyle/>
+          <a:p>
+            <a:r>
+              <a:rPr lang="en-US" dirty="0"/>
+              <a:t>Tableau Prep Builder Conductor</a:t>
+            </a:r>
+          </a:p>
+          <a:p>
+            <a:endParaRPr lang="en-US" dirty="0"/>
+          </a:p>
+        </p:txBody>
+      </p:sp>
+      <p:sp>
+        <p:nvSpPr>
+          <p:cNvPr id="5" name="Text Placeholder 4"/>
+          <p:cNvSpPr>
+            <a:spLocks noGrp="1"/>
+          </p:cNvSpPr>
+          <p:nvPr>
+            <p:ph type="body" sz="quarter" idx="10"/>
+          </p:nvPr>
+        </p:nvSpPr>
+        <p:spPr/>
+        <p:txBody>
+          <a:bodyPr/>
+          <a:lstStyle/>
+          <a:p>
+            <a:endParaRPr lang="en-US"/>
+          </a:p>
+        </p:txBody>
+      </p:sp>
+      <p:sp>
+        <p:nvSpPr>
+          <p:cNvPr id="4" name="Slide Number Placeholder 3"/>
+          <p:cNvSpPr>
+            <a:spLocks noGrp="1"/>
+          </p:cNvSpPr>
+          <p:nvPr>
+            <p:ph type="sldNum" sz="quarter" idx="4294967295"/>
+          </p:nvPr>
+        </p:nvSpPr>
+        <p:spPr/>
+        <p:txBody>
+          <a:bodyPr/>
+          <a:lstStyle/>
+          <a:p>
+            <a:fld id="{4FAB73BC-B049-4115-A692-8D63A059BFB8}" type="slidenum">
+              <a:rPr lang="en-US" smtClean="0"/>
+              <a:t>95</a:t>
+            </a:fld>
+            <a:endParaRPr lang="en-US" dirty="0"/>
+          </a:p>
+        </p:txBody>
+      </p:sp>
+    </p:spTree>
+    <p:extLst>
+      <p:ext uri="{BB962C8B-B14F-4D97-AF65-F5344CB8AC3E}">
+        <p14:creationId xmlns:p14="http://schemas.microsoft.com/office/powerpoint/2010/main" val="3097242473"/>
+      </p:ext>
+    </p:extLst>
+  </p:cSld>
+  <p:clrMapOvr>
+    <a:masterClrMapping/>
+  </p:clrMapOvr>
+</p:sld>
+</file>
+
+<file path=ppt/slides/slide96.xml><?xml version="1.0" encoding="utf-8"?>
+<p:sld xmlns:a="http://schemas.openxmlformats.org/drawingml/2006/main" xmlns:r="http://schemas.openxmlformats.org/officeDocument/2006/relationships" xmlns:p="http://schemas.openxmlformats.org/presentationml/2006/main">
+  <p:cSld>
+    <p:spTree>
+      <p:nvGrpSpPr>
+        <p:cNvPr id="1" name=""/>
+        <p:cNvGrpSpPr/>
+        <p:nvPr/>
+      </p:nvGrpSpPr>
+      <p:grpSpPr>
+        <a:xfrm>
+          <a:off x="0" y="0"/>
+          <a:ext cx="0" cy="0"/>
+          <a:chOff x="0" y="0"/>
+          <a:chExt cx="0" cy="0"/>
+        </a:xfrm>
+      </p:grpSpPr>
+      <p:sp>
+        <p:nvSpPr>
+          <p:cNvPr id="2" name="Title 1"/>
+          <p:cNvSpPr>
+            <a:spLocks noGrp="1"/>
+          </p:cNvSpPr>
+          <p:nvPr>
+            <p:ph type="title"/>
+          </p:nvPr>
+        </p:nvSpPr>
+        <p:spPr/>
+        <p:txBody>
+          <a:bodyPr>
+            <a:normAutofit/>
+          </a:bodyPr>
+          <a:lstStyle/>
+          <a:p>
+            <a:r>
+              <a:rPr lang="en-US" dirty="0"/>
+              <a:t>Publishing Workflows to Server (Discussed)</a:t>
+            </a:r>
+          </a:p>
+          <a:p>
+            <a:endParaRPr lang="en-US" dirty="0"/>
+          </a:p>
+        </p:txBody>
+      </p:sp>
+      <p:sp>
+        <p:nvSpPr>
+          <p:cNvPr id="5" name="Text Placeholder 4"/>
+          <p:cNvSpPr>
+            <a:spLocks noGrp="1"/>
+          </p:cNvSpPr>
+          <p:nvPr>
+            <p:ph type="body" sz="quarter" idx="10"/>
+          </p:nvPr>
+        </p:nvSpPr>
+        <p:spPr/>
+        <p:txBody>
+          <a:bodyPr/>
+          <a:lstStyle/>
+          <a:p>
+            <a:endParaRPr lang="en-US"/>
+          </a:p>
+        </p:txBody>
+      </p:sp>
+      <p:sp>
+        <p:nvSpPr>
+          <p:cNvPr id="4" name="Slide Number Placeholder 3"/>
+          <p:cNvSpPr>
+            <a:spLocks noGrp="1"/>
+          </p:cNvSpPr>
+          <p:nvPr>
+            <p:ph type="sldNum" sz="quarter" idx="4294967295"/>
+          </p:nvPr>
+        </p:nvSpPr>
+        <p:spPr/>
+        <p:txBody>
+          <a:bodyPr/>
+          <a:lstStyle/>
+          <a:p>
+            <a:fld id="{4FAB73BC-B049-4115-A692-8D63A059BFB8}" type="slidenum">
+              <a:rPr lang="en-US" smtClean="0"/>
+              <a:t>96</a:t>
+            </a:fld>
+            <a:endParaRPr lang="en-US" dirty="0"/>
+          </a:p>
+        </p:txBody>
+      </p:sp>
+    </p:spTree>
+    <p:extLst>
+      <p:ext uri="{BB962C8B-B14F-4D97-AF65-F5344CB8AC3E}">
+        <p14:creationId xmlns:p14="http://schemas.microsoft.com/office/powerpoint/2010/main" val="2246816309"/>
+      </p:ext>
+    </p:extLst>
+  </p:cSld>
+  <p:clrMapOvr>
+    <a:masterClrMapping/>
+  </p:clrMapOvr>
+</p:sld>
+</file>
+
+<file path=ppt/slides/slide97.xml><?xml version="1.0" encoding="utf-8"?>
+<p:sld xmlns:a="http://schemas.openxmlformats.org/drawingml/2006/main" xmlns:r="http://schemas.openxmlformats.org/officeDocument/2006/relationships" xmlns:p="http://schemas.openxmlformats.org/presentationml/2006/main">
+  <p:cSld>
+    <p:spTree>
+      <p:nvGrpSpPr>
+        <p:cNvPr id="1" name=""/>
+        <p:cNvGrpSpPr/>
+        <p:nvPr/>
+      </p:nvGrpSpPr>
+      <p:grpSpPr>
+        <a:xfrm>
+          <a:off x="0" y="0"/>
+          <a:ext cx="0" cy="0"/>
+          <a:chOff x="0" y="0"/>
+          <a:chExt cx="0" cy="0"/>
+        </a:xfrm>
+      </p:grpSpPr>
+      <p:sp>
+        <p:nvSpPr>
+          <p:cNvPr id="2" name="Title 1"/>
+          <p:cNvSpPr>
+            <a:spLocks noGrp="1"/>
+          </p:cNvSpPr>
+          <p:nvPr>
+            <p:ph type="title"/>
+          </p:nvPr>
+        </p:nvSpPr>
+        <p:spPr/>
+        <p:txBody>
+          <a:bodyPr/>
+          <a:lstStyle/>
+          <a:p>
+            <a:r>
+              <a:rPr lang="en-US" dirty="0"/>
+              <a:t>Scheduling Workflows to Server (Discussed)</a:t>
+            </a:r>
+          </a:p>
+        </p:txBody>
+      </p:sp>
+      <p:sp>
+        <p:nvSpPr>
+          <p:cNvPr id="5" name="Text Placeholder 4"/>
+          <p:cNvSpPr>
+            <a:spLocks noGrp="1"/>
+          </p:cNvSpPr>
+          <p:nvPr>
+            <p:ph type="body" sz="quarter" idx="10"/>
+          </p:nvPr>
+        </p:nvSpPr>
+        <p:spPr/>
+        <p:txBody>
+          <a:bodyPr/>
+          <a:lstStyle/>
+          <a:p>
+            <a:endParaRPr lang="en-US"/>
+          </a:p>
+        </p:txBody>
+      </p:sp>
+      <p:sp>
+        <p:nvSpPr>
+          <p:cNvPr id="4" name="Slide Number Placeholder 3"/>
+          <p:cNvSpPr>
+            <a:spLocks noGrp="1"/>
+          </p:cNvSpPr>
+          <p:nvPr>
+            <p:ph type="sldNum" sz="quarter" idx="4294967295"/>
+          </p:nvPr>
+        </p:nvSpPr>
+        <p:spPr/>
+        <p:txBody>
+          <a:bodyPr/>
+          <a:lstStyle/>
+          <a:p>
+            <a:fld id="{4FAB73BC-B049-4115-A692-8D63A059BFB8}" type="slidenum">
+              <a:rPr lang="en-US" smtClean="0"/>
+              <a:t>97</a:t>
+            </a:fld>
+            <a:endParaRPr lang="en-US" dirty="0"/>
+          </a:p>
+        </p:txBody>
+      </p:sp>
+    </p:spTree>
+    <p:extLst>
+      <p:ext uri="{BB962C8B-B14F-4D97-AF65-F5344CB8AC3E}">
+        <p14:creationId xmlns:p14="http://schemas.microsoft.com/office/powerpoint/2010/main" val="2531394161"/>
+      </p:ext>
+    </p:extLst>
+  </p:cSld>
+  <p:clrMapOvr>
+    <a:masterClrMapping/>
+  </p:clrMapOvr>
+</p:sld>
+</file>
+
+<file path=ppt/slides/slide98.xml><?xml version="1.0" encoding="utf-8"?>
+<p:sld xmlns:a="http://schemas.openxmlformats.org/drawingml/2006/main" xmlns:r="http://schemas.openxmlformats.org/officeDocument/2006/relationships" xmlns:p="http://schemas.openxmlformats.org/presentationml/2006/main">
+  <p:cSld>
+    <p:spTree>
+      <p:nvGrpSpPr>
+        <p:cNvPr id="1" name=""/>
+        <p:cNvGrpSpPr/>
+        <p:nvPr/>
+      </p:nvGrpSpPr>
+      <p:grpSpPr>
+        <a:xfrm>
+          <a:off x="0" y="0"/>
+          <a:ext cx="0" cy="0"/>
+          <a:chOff x="0" y="0"/>
+          <a:chExt cx="0" cy="0"/>
+        </a:xfrm>
+      </p:grpSpPr>
+      <p:sp>
+        <p:nvSpPr>
           <p:cNvPr id="2" name="Title 1">
             <a:extLst>
               <a:ext uri="{FF2B5EF4-FFF2-40B4-BE49-F238E27FC236}">
@@ -34738,7 +35208,7 @@
 </p:sld>
 </file>
 
-<file path=ppt/slides/slide96.xml><?xml version="1.0" encoding="utf-8"?>
+<file path=ppt/slides/slide99.xml><?xml version="1.0" encoding="utf-8"?>
 <p:sld xmlns:a="http://schemas.openxmlformats.org/drawingml/2006/main" xmlns:r="http://schemas.openxmlformats.org/officeDocument/2006/relationships" xmlns:p="http://schemas.openxmlformats.org/presentationml/2006/main">
   <p:cSld>
     <p:spTree>

--- a/ppt/TableauPrepBuilderIntroV1_1.pptx
+++ b/ppt/TableauPrepBuilderIntroV1_1.pptx
@@ -5,10 +5,10 @@
     <p:sldMasterId id="2147483660" r:id="rId4"/>
   </p:sldMasterIdLst>
   <p:notesMasterIdLst>
-    <p:notesMasterId r:id="rId104"/>
+    <p:notesMasterId r:id="rId108"/>
   </p:notesMasterIdLst>
   <p:handoutMasterIdLst>
-    <p:handoutMasterId r:id="rId105"/>
+    <p:handoutMasterId r:id="rId109"/>
   </p:handoutMasterIdLst>
   <p:sldIdLst>
     <p:sldId id="323" r:id="rId5"/>
@@ -84,32 +84,36 @@
     <p:sldId id="513" r:id="rId75"/>
     <p:sldId id="511" r:id="rId76"/>
     <p:sldId id="469" r:id="rId77"/>
-    <p:sldId id="470" r:id="rId78"/>
-    <p:sldId id="471" r:id="rId79"/>
-    <p:sldId id="472" r:id="rId80"/>
-    <p:sldId id="473" r:id="rId81"/>
-    <p:sldId id="474" r:id="rId82"/>
-    <p:sldId id="475" r:id="rId83"/>
-    <p:sldId id="476" r:id="rId84"/>
-    <p:sldId id="477" r:id="rId85"/>
-    <p:sldId id="478" r:id="rId86"/>
-    <p:sldId id="479" r:id="rId87"/>
-    <p:sldId id="480" r:id="rId88"/>
-    <p:sldId id="481" r:id="rId89"/>
-    <p:sldId id="482" r:id="rId90"/>
-    <p:sldId id="483" r:id="rId91"/>
-    <p:sldId id="484" r:id="rId92"/>
-    <p:sldId id="485" r:id="rId93"/>
-    <p:sldId id="486" r:id="rId94"/>
-    <p:sldId id="487" r:id="rId95"/>
-    <p:sldId id="488" r:id="rId96"/>
-    <p:sldId id="489" r:id="rId97"/>
-    <p:sldId id="490" r:id="rId98"/>
-    <p:sldId id="382" r:id="rId99"/>
-    <p:sldId id="384" r:id="rId100"/>
-    <p:sldId id="385" r:id="rId101"/>
-    <p:sldId id="491" r:id="rId102"/>
-    <p:sldId id="340" r:id="rId103"/>
+    <p:sldId id="514" r:id="rId78"/>
+    <p:sldId id="470" r:id="rId79"/>
+    <p:sldId id="515" r:id="rId80"/>
+    <p:sldId id="472" r:id="rId81"/>
+    <p:sldId id="473" r:id="rId82"/>
+    <p:sldId id="474" r:id="rId83"/>
+    <p:sldId id="475" r:id="rId84"/>
+    <p:sldId id="516" r:id="rId85"/>
+    <p:sldId id="476" r:id="rId86"/>
+    <p:sldId id="477" r:id="rId87"/>
+    <p:sldId id="478" r:id="rId88"/>
+    <p:sldId id="479" r:id="rId89"/>
+    <p:sldId id="480" r:id="rId90"/>
+    <p:sldId id="481" r:id="rId91"/>
+    <p:sldId id="517" r:id="rId92"/>
+    <p:sldId id="482" r:id="rId93"/>
+    <p:sldId id="483" r:id="rId94"/>
+    <p:sldId id="484" r:id="rId95"/>
+    <p:sldId id="485" r:id="rId96"/>
+    <p:sldId id="518" r:id="rId97"/>
+    <p:sldId id="486" r:id="rId98"/>
+    <p:sldId id="487" r:id="rId99"/>
+    <p:sldId id="488" r:id="rId100"/>
+    <p:sldId id="489" r:id="rId101"/>
+    <p:sldId id="490" r:id="rId102"/>
+    <p:sldId id="382" r:id="rId103"/>
+    <p:sldId id="384" r:id="rId104"/>
+    <p:sldId id="385" r:id="rId105"/>
+    <p:sldId id="491" r:id="rId106"/>
+    <p:sldId id="340" r:id="rId107"/>
   </p:sldIdLst>
   <p:sldSz cx="12192000" cy="6858000"/>
   <p:notesSz cx="9309100" cy="7053263"/>
@@ -336,12 +340,14 @@
             <p14:sldId id="513"/>
             <p14:sldId id="511"/>
             <p14:sldId id="469"/>
+            <p14:sldId id="514"/>
             <p14:sldId id="470"/>
-            <p14:sldId id="471"/>
+            <p14:sldId id="515"/>
             <p14:sldId id="472"/>
             <p14:sldId id="473"/>
             <p14:sldId id="474"/>
             <p14:sldId id="475"/>
+            <p14:sldId id="516"/>
           </p14:sldIdLst>
         </p14:section>
         <p14:section name="Module 6: Group and Replace" id="{983B8C1D-7380-2B4F-95FC-27AA743F4022}">
@@ -352,6 +358,7 @@
             <p14:sldId id="479"/>
             <p14:sldId id="480"/>
             <p14:sldId id="481"/>
+            <p14:sldId id="517"/>
           </p14:sldIdLst>
         </p14:section>
         <p14:section name="Module 7: Aggregating &amp; Pivoting Data" id="{0543B30F-16F3-BA42-B592-69FBA19F9C2C}">
@@ -360,6 +367,7 @@
             <p14:sldId id="483"/>
             <p14:sldId id="484"/>
             <p14:sldId id="485"/>
+            <p14:sldId id="518"/>
           </p14:sldIdLst>
         </p14:section>
         <p14:section name="Module 8: Output" id="{0466654E-BA6F-3742-B5A2-D2B9C1B39689}">
@@ -3892,7 +3900,7 @@
     </p:spTree>
     <p:extLst>
       <p:ext uri="{BB962C8B-B14F-4D97-AF65-F5344CB8AC3E}">
-        <p14:creationId xmlns:p14="http://schemas.microsoft.com/office/powerpoint/2010/main" val="3787952476"/>
+        <p14:creationId xmlns:p14="http://schemas.microsoft.com/office/powerpoint/2010/main" val="308102577"/>
       </p:ext>
     </p:extLst>
   </p:cSld>
@@ -3946,7 +3954,7 @@
           <a:bodyPr/>
           <a:lstStyle/>
           <a:p>
-            <a:endParaRPr lang="en-US"/>
+            <a:endParaRPr lang="en-US" dirty="0"/>
           </a:p>
         </p:txBody>
       </p:sp>
@@ -3982,7 +3990,7 @@
     </p:spTree>
     <p:extLst>
       <p:ext uri="{BB962C8B-B14F-4D97-AF65-F5344CB8AC3E}">
-        <p14:creationId xmlns:p14="http://schemas.microsoft.com/office/powerpoint/2010/main" val="3853021930"/>
+        <p14:creationId xmlns:p14="http://schemas.microsoft.com/office/powerpoint/2010/main" val="3787952476"/>
       </p:ext>
     </p:extLst>
   </p:cSld>
@@ -4063,7 +4071,7 @@
               <a:pPr>
                 <a:defRPr/>
               </a:pPr>
-              <a:t>76</a:t>
+              <a:t>77</a:t>
             </a:fld>
             <a:endParaRPr lang="en-US"/>
           </a:p>
@@ -4153,7 +4161,7 @@
               <a:pPr>
                 <a:defRPr/>
               </a:pPr>
-              <a:t>77</a:t>
+              <a:t>78</a:t>
             </a:fld>
             <a:endParaRPr lang="en-US"/>
           </a:p>
@@ -4243,7 +4251,7 @@
               <a:pPr>
                 <a:defRPr/>
               </a:pPr>
-              <a:t>78</a:t>
+              <a:t>79</a:t>
             </a:fld>
             <a:endParaRPr lang="en-US"/>
           </a:p>
@@ -4423,7 +4431,7 @@
               <a:pPr>
                 <a:defRPr/>
               </a:pPr>
-              <a:t>79</a:t>
+              <a:t>80</a:t>
             </a:fld>
             <a:endParaRPr lang="en-US"/>
           </a:p>
@@ -4513,7 +4521,7 @@
               <a:pPr>
                 <a:defRPr/>
               </a:pPr>
-              <a:t>80</a:t>
+              <a:t>82</a:t>
             </a:fld>
             <a:endParaRPr lang="en-US"/>
           </a:p>
@@ -4603,7 +4611,7 @@
               <a:pPr>
                 <a:defRPr/>
               </a:pPr>
-              <a:t>81</a:t>
+              <a:t>83</a:t>
             </a:fld>
             <a:endParaRPr lang="en-US"/>
           </a:p>
@@ -4693,7 +4701,7 @@
               <a:pPr>
                 <a:defRPr/>
               </a:pPr>
-              <a:t>82</a:t>
+              <a:t>84</a:t>
             </a:fld>
             <a:endParaRPr lang="en-US"/>
           </a:p>
@@ -4783,7 +4791,7 @@
               <a:pPr>
                 <a:defRPr/>
               </a:pPr>
-              <a:t>83</a:t>
+              <a:t>85</a:t>
             </a:fld>
             <a:endParaRPr lang="en-US"/>
           </a:p>
@@ -4873,7 +4881,7 @@
               <a:pPr>
                 <a:defRPr/>
               </a:pPr>
-              <a:t>84</a:t>
+              <a:t>86</a:t>
             </a:fld>
             <a:endParaRPr lang="en-US"/>
           </a:p>
@@ -4963,7 +4971,7 @@
               <a:pPr>
                 <a:defRPr/>
               </a:pPr>
-              <a:t>85</a:t>
+              <a:t>87</a:t>
             </a:fld>
             <a:endParaRPr lang="en-US"/>
           </a:p>
@@ -5053,7 +5061,7 @@
               <a:pPr>
                 <a:defRPr/>
               </a:pPr>
-              <a:t>86</a:t>
+              <a:t>89</a:t>
             </a:fld>
             <a:endParaRPr lang="en-US"/>
           </a:p>
@@ -5143,7 +5151,7 @@
               <a:pPr>
                 <a:defRPr/>
               </a:pPr>
-              <a:t>87</a:t>
+              <a:t>90</a:t>
             </a:fld>
             <a:endParaRPr lang="en-US"/>
           </a:p>
@@ -5233,7 +5241,7 @@
               <a:pPr>
                 <a:defRPr/>
               </a:pPr>
-              <a:t>88</a:t>
+              <a:t>91</a:t>
             </a:fld>
             <a:endParaRPr lang="en-US"/>
           </a:p>
@@ -5413,7 +5421,7 @@
               <a:pPr>
                 <a:defRPr/>
               </a:pPr>
-              <a:t>89</a:t>
+              <a:t>92</a:t>
             </a:fld>
             <a:endParaRPr lang="en-US"/>
           </a:p>
@@ -5503,7 +5511,7 @@
               <a:pPr>
                 <a:defRPr/>
               </a:pPr>
-              <a:t>90</a:t>
+              <a:t>94</a:t>
             </a:fld>
             <a:endParaRPr lang="en-US"/>
           </a:p>
@@ -5593,7 +5601,7 @@
               <a:pPr>
                 <a:defRPr/>
               </a:pPr>
-              <a:t>91</a:t>
+              <a:t>95</a:t>
             </a:fld>
             <a:endParaRPr lang="en-US"/>
           </a:p>
@@ -5683,7 +5691,7 @@
               <a:pPr>
                 <a:defRPr/>
               </a:pPr>
-              <a:t>92</a:t>
+              <a:t>96</a:t>
             </a:fld>
             <a:endParaRPr lang="en-US"/>
           </a:p>
@@ -5773,7 +5781,7 @@
               <a:pPr>
                 <a:defRPr/>
               </a:pPr>
-              <a:t>93</a:t>
+              <a:t>97</a:t>
             </a:fld>
             <a:endParaRPr lang="en-US"/>
           </a:p>
@@ -5863,7 +5871,7 @@
               <a:pPr>
                 <a:defRPr/>
               </a:pPr>
-              <a:t>94</a:t>
+              <a:t>98</a:t>
             </a:fld>
             <a:endParaRPr lang="en-US"/>
           </a:p>
@@ -5953,7 +5961,7 @@
               <a:pPr>
                 <a:defRPr/>
               </a:pPr>
-              <a:t>95</a:t>
+              <a:t>99</a:t>
             </a:fld>
             <a:endParaRPr lang="en-US"/>
           </a:p>
@@ -6043,7 +6051,7 @@
               <a:pPr>
                 <a:defRPr/>
               </a:pPr>
-              <a:t>96</a:t>
+              <a:t>100</a:t>
             </a:fld>
             <a:endParaRPr lang="en-US"/>
           </a:p>
@@ -6133,7 +6141,7 @@
               <a:pPr>
                 <a:defRPr/>
               </a:pPr>
-              <a:t>97</a:t>
+              <a:t>101</a:t>
             </a:fld>
             <a:endParaRPr lang="en-US"/>
           </a:p>
@@ -6223,7 +6231,7 @@
               <a:pPr>
                 <a:defRPr/>
               </a:pPr>
-              <a:t>98</a:t>
+              <a:t>102</a:t>
             </a:fld>
             <a:endParaRPr lang="en-US"/>
           </a:p>
@@ -6403,7 +6411,7 @@
               <a:pPr>
                 <a:defRPr/>
               </a:pPr>
-              <a:t>99</a:t>
+              <a:t>103</a:t>
             </a:fld>
             <a:endParaRPr lang="en-US"/>
           </a:p>
@@ -9380,6 +9388,350 @@
     <p:extLst>
       <p:ext uri="{BB962C8B-B14F-4D97-AF65-F5344CB8AC3E}">
         <p14:creationId xmlns:p14="http://schemas.microsoft.com/office/powerpoint/2010/main" val="931031284"/>
+      </p:ext>
+    </p:extLst>
+  </p:cSld>
+  <p:clrMapOvr>
+    <a:masterClrMapping/>
+  </p:clrMapOvr>
+</p:sld>
+</file>
+
+<file path=ppt/slides/slide100.xml><?xml version="1.0" encoding="utf-8"?>
+<p:sld xmlns:a="http://schemas.openxmlformats.org/drawingml/2006/main" xmlns:r="http://schemas.openxmlformats.org/officeDocument/2006/relationships" xmlns:p="http://schemas.openxmlformats.org/presentationml/2006/main">
+  <p:cSld>
+    <p:spTree>
+      <p:nvGrpSpPr>
+        <p:cNvPr id="1" name=""/>
+        <p:cNvGrpSpPr/>
+        <p:nvPr/>
+      </p:nvGrpSpPr>
+      <p:grpSpPr>
+        <a:xfrm>
+          <a:off x="0" y="0"/>
+          <a:ext cx="0" cy="0"/>
+          <a:chOff x="0" y="0"/>
+          <a:chExt cx="0" cy="0"/>
+        </a:xfrm>
+      </p:grpSpPr>
+      <p:sp>
+        <p:nvSpPr>
+          <p:cNvPr id="2" name="Title 1"/>
+          <p:cNvSpPr>
+            <a:spLocks noGrp="1"/>
+          </p:cNvSpPr>
+          <p:nvPr>
+            <p:ph type="title"/>
+          </p:nvPr>
+        </p:nvSpPr>
+        <p:spPr/>
+        <p:txBody>
+          <a:bodyPr>
+            <a:normAutofit/>
+          </a:bodyPr>
+          <a:lstStyle/>
+          <a:p>
+            <a:r>
+              <a:rPr lang="en-US" dirty="0"/>
+              <a:t>Publishing Workflows to Server (Discussed)</a:t>
+            </a:r>
+          </a:p>
+          <a:p>
+            <a:endParaRPr lang="en-US" dirty="0"/>
+          </a:p>
+        </p:txBody>
+      </p:sp>
+      <p:sp>
+        <p:nvSpPr>
+          <p:cNvPr id="5" name="Text Placeholder 4"/>
+          <p:cNvSpPr>
+            <a:spLocks noGrp="1"/>
+          </p:cNvSpPr>
+          <p:nvPr>
+            <p:ph type="body" sz="quarter" idx="10"/>
+          </p:nvPr>
+        </p:nvSpPr>
+        <p:spPr/>
+        <p:txBody>
+          <a:bodyPr/>
+          <a:lstStyle/>
+          <a:p>
+            <a:endParaRPr lang="en-US"/>
+          </a:p>
+        </p:txBody>
+      </p:sp>
+      <p:sp>
+        <p:nvSpPr>
+          <p:cNvPr id="4" name="Slide Number Placeholder 3"/>
+          <p:cNvSpPr>
+            <a:spLocks noGrp="1"/>
+          </p:cNvSpPr>
+          <p:nvPr>
+            <p:ph type="sldNum" sz="quarter" idx="4294967295"/>
+          </p:nvPr>
+        </p:nvSpPr>
+        <p:spPr/>
+        <p:txBody>
+          <a:bodyPr/>
+          <a:lstStyle/>
+          <a:p>
+            <a:fld id="{4FAB73BC-B049-4115-A692-8D63A059BFB8}" type="slidenum">
+              <a:rPr lang="en-US" smtClean="0"/>
+              <a:t>100</a:t>
+            </a:fld>
+            <a:endParaRPr lang="en-US" dirty="0"/>
+          </a:p>
+        </p:txBody>
+      </p:sp>
+    </p:spTree>
+    <p:extLst>
+      <p:ext uri="{BB962C8B-B14F-4D97-AF65-F5344CB8AC3E}">
+        <p14:creationId xmlns:p14="http://schemas.microsoft.com/office/powerpoint/2010/main" val="2246816309"/>
+      </p:ext>
+    </p:extLst>
+  </p:cSld>
+  <p:clrMapOvr>
+    <a:masterClrMapping/>
+  </p:clrMapOvr>
+</p:sld>
+</file>
+
+<file path=ppt/slides/slide101.xml><?xml version="1.0" encoding="utf-8"?>
+<p:sld xmlns:a="http://schemas.openxmlformats.org/drawingml/2006/main" xmlns:r="http://schemas.openxmlformats.org/officeDocument/2006/relationships" xmlns:p="http://schemas.openxmlformats.org/presentationml/2006/main">
+  <p:cSld>
+    <p:spTree>
+      <p:nvGrpSpPr>
+        <p:cNvPr id="1" name=""/>
+        <p:cNvGrpSpPr/>
+        <p:nvPr/>
+      </p:nvGrpSpPr>
+      <p:grpSpPr>
+        <a:xfrm>
+          <a:off x="0" y="0"/>
+          <a:ext cx="0" cy="0"/>
+          <a:chOff x="0" y="0"/>
+          <a:chExt cx="0" cy="0"/>
+        </a:xfrm>
+      </p:grpSpPr>
+      <p:sp>
+        <p:nvSpPr>
+          <p:cNvPr id="2" name="Title 1"/>
+          <p:cNvSpPr>
+            <a:spLocks noGrp="1"/>
+          </p:cNvSpPr>
+          <p:nvPr>
+            <p:ph type="title"/>
+          </p:nvPr>
+        </p:nvSpPr>
+        <p:spPr/>
+        <p:txBody>
+          <a:bodyPr/>
+          <a:lstStyle/>
+          <a:p>
+            <a:r>
+              <a:rPr lang="en-US" dirty="0"/>
+              <a:t>Scheduling Workflows to Server (Discussed)</a:t>
+            </a:r>
+          </a:p>
+        </p:txBody>
+      </p:sp>
+      <p:sp>
+        <p:nvSpPr>
+          <p:cNvPr id="5" name="Text Placeholder 4"/>
+          <p:cNvSpPr>
+            <a:spLocks noGrp="1"/>
+          </p:cNvSpPr>
+          <p:nvPr>
+            <p:ph type="body" sz="quarter" idx="10"/>
+          </p:nvPr>
+        </p:nvSpPr>
+        <p:spPr/>
+        <p:txBody>
+          <a:bodyPr/>
+          <a:lstStyle/>
+          <a:p>
+            <a:endParaRPr lang="en-US"/>
+          </a:p>
+        </p:txBody>
+      </p:sp>
+      <p:sp>
+        <p:nvSpPr>
+          <p:cNvPr id="4" name="Slide Number Placeholder 3"/>
+          <p:cNvSpPr>
+            <a:spLocks noGrp="1"/>
+          </p:cNvSpPr>
+          <p:nvPr>
+            <p:ph type="sldNum" sz="quarter" idx="4294967295"/>
+          </p:nvPr>
+        </p:nvSpPr>
+        <p:spPr/>
+        <p:txBody>
+          <a:bodyPr/>
+          <a:lstStyle/>
+          <a:p>
+            <a:fld id="{4FAB73BC-B049-4115-A692-8D63A059BFB8}" type="slidenum">
+              <a:rPr lang="en-US" smtClean="0"/>
+              <a:t>101</a:t>
+            </a:fld>
+            <a:endParaRPr lang="en-US" dirty="0"/>
+          </a:p>
+        </p:txBody>
+      </p:sp>
+    </p:spTree>
+    <p:extLst>
+      <p:ext uri="{BB962C8B-B14F-4D97-AF65-F5344CB8AC3E}">
+        <p14:creationId xmlns:p14="http://schemas.microsoft.com/office/powerpoint/2010/main" val="2531394161"/>
+      </p:ext>
+    </p:extLst>
+  </p:cSld>
+  <p:clrMapOvr>
+    <a:masterClrMapping/>
+  </p:clrMapOvr>
+</p:sld>
+</file>
+
+<file path=ppt/slides/slide102.xml><?xml version="1.0" encoding="utf-8"?>
+<p:sld xmlns:a="http://schemas.openxmlformats.org/drawingml/2006/main" xmlns:r="http://schemas.openxmlformats.org/officeDocument/2006/relationships" xmlns:p="http://schemas.openxmlformats.org/presentationml/2006/main">
+  <p:cSld>
+    <p:spTree>
+      <p:nvGrpSpPr>
+        <p:cNvPr id="1" name=""/>
+        <p:cNvGrpSpPr/>
+        <p:nvPr/>
+      </p:nvGrpSpPr>
+      <p:grpSpPr>
+        <a:xfrm>
+          <a:off x="0" y="0"/>
+          <a:ext cx="0" cy="0"/>
+          <a:chOff x="0" y="0"/>
+          <a:chExt cx="0" cy="0"/>
+        </a:xfrm>
+      </p:grpSpPr>
+      <p:sp>
+        <p:nvSpPr>
+          <p:cNvPr id="2" name="Title 1">
+            <a:extLst>
+              <a:ext uri="{FF2B5EF4-FFF2-40B4-BE49-F238E27FC236}">
+                <a16:creationId xmlns:a16="http://schemas.microsoft.com/office/drawing/2014/main" id="{7657EA3D-211E-5446-93D5-5F5CF81BBCDA}"/>
+              </a:ext>
+            </a:extLst>
+          </p:cNvPr>
+          <p:cNvSpPr>
+            <a:spLocks noGrp="1"/>
+          </p:cNvSpPr>
+          <p:nvPr>
+            <p:ph type="title"/>
+          </p:nvPr>
+        </p:nvSpPr>
+        <p:spPr/>
+        <p:txBody>
+          <a:bodyPr/>
+          <a:lstStyle/>
+          <a:p>
+            <a:r>
+              <a:rPr lang="en-US" dirty="0"/>
+              <a:t>Appendix: Preparing Data In Tableau</a:t>
+            </a:r>
+          </a:p>
+        </p:txBody>
+      </p:sp>
+    </p:spTree>
+    <p:extLst>
+      <p:ext uri="{BB962C8B-B14F-4D97-AF65-F5344CB8AC3E}">
+        <p14:creationId xmlns:p14="http://schemas.microsoft.com/office/powerpoint/2010/main" val="746464040"/>
+      </p:ext>
+    </p:extLst>
+  </p:cSld>
+  <p:clrMapOvr>
+    <a:masterClrMapping/>
+  </p:clrMapOvr>
+</p:sld>
+</file>
+
+<file path=ppt/slides/slide103.xml><?xml version="1.0" encoding="utf-8"?>
+<p:sld xmlns:a="http://schemas.openxmlformats.org/drawingml/2006/main" xmlns:r="http://schemas.openxmlformats.org/officeDocument/2006/relationships" xmlns:p="http://schemas.openxmlformats.org/presentationml/2006/main">
+  <p:cSld>
+    <p:spTree>
+      <p:nvGrpSpPr>
+        <p:cNvPr id="1" name=""/>
+        <p:cNvGrpSpPr/>
+        <p:nvPr/>
+      </p:nvGrpSpPr>
+      <p:grpSpPr>
+        <a:xfrm>
+          <a:off x="0" y="0"/>
+          <a:ext cx="0" cy="0"/>
+          <a:chOff x="0" y="0"/>
+          <a:chExt cx="0" cy="0"/>
+        </a:xfrm>
+      </p:grpSpPr>
+      <p:sp>
+        <p:nvSpPr>
+          <p:cNvPr id="2" name="Title 1"/>
+          <p:cNvSpPr>
+            <a:spLocks noGrp="1"/>
+          </p:cNvSpPr>
+          <p:nvPr>
+            <p:ph type="ctrTitle"/>
+          </p:nvPr>
+        </p:nvSpPr>
+        <p:spPr/>
+        <p:txBody>
+          <a:bodyPr/>
+          <a:lstStyle/>
+          <a:p>
+            <a:r>
+              <a:rPr lang="en-US" dirty="0"/>
+              <a:t>Thank you!</a:t>
+            </a:r>
+          </a:p>
+        </p:txBody>
+      </p:sp>
+      <p:sp>
+        <p:nvSpPr>
+          <p:cNvPr id="5" name="Subtitle 4"/>
+          <p:cNvSpPr>
+            <a:spLocks noGrp="1"/>
+          </p:cNvSpPr>
+          <p:nvPr>
+            <p:ph type="subTitle" idx="1"/>
+          </p:nvPr>
+        </p:nvSpPr>
+        <p:spPr/>
+        <p:txBody>
+          <a:bodyPr/>
+          <a:lstStyle/>
+          <a:p>
+            <a:r>
+              <a:rPr lang="en-US" dirty="0"/>
+              <a:t>Questions?</a:t>
+            </a:r>
+          </a:p>
+          <a:p>
+            <a:r>
+              <a:rPr lang="en-US" dirty="0"/>
+              <a:t>Survey: http://</a:t>
+            </a:r>
+            <a:r>
+              <a:rPr lang="en-US" dirty="0" err="1"/>
+              <a:t>www.onlc.com</a:t>
+            </a:r>
+            <a:r>
+              <a:rPr lang="en-US" dirty="0"/>
+              <a:t>/</a:t>
+            </a:r>
+            <a:r>
+              <a:rPr lang="en-US" dirty="0" err="1"/>
+              <a:t>eval</a:t>
+            </a:r>
+            <a:endParaRPr lang="en-US" dirty="0"/>
+          </a:p>
+        </p:txBody>
+      </p:sp>
+    </p:spTree>
+    <p:extLst>
+      <p:ext uri="{BB962C8B-B14F-4D97-AF65-F5344CB8AC3E}">
+        <p14:creationId xmlns:p14="http://schemas.microsoft.com/office/powerpoint/2010/main" val="1768650418"/>
       </p:ext>
     </p:extLst>
   </p:cSld>
@@ -33047,11 +33399,155 @@
             <p:ph type="body" sz="quarter" idx="10"/>
           </p:nvPr>
         </p:nvSpPr>
-        <p:spPr/>
+        <p:spPr>
+          <a:xfrm>
+            <a:off x="762000" y="1752600"/>
+            <a:ext cx="3612930" cy="3733800"/>
+          </a:xfrm>
+        </p:spPr>
         <p:txBody>
           <a:bodyPr/>
           <a:lstStyle/>
           <a:p>
+            <a:r>
+              <a:rPr lang="en-US" dirty="0"/>
+              <a:t>Merge Fields “collapses” multiple columns into one, eliminating nulls</a:t>
+            </a:r>
+          </a:p>
+        </p:txBody>
+      </p:sp>
+      <p:pic>
+        <p:nvPicPr>
+          <p:cNvPr id="4" name="Picture 3">
+            <a:extLst>
+              <a:ext uri="{FF2B5EF4-FFF2-40B4-BE49-F238E27FC236}">
+                <a16:creationId xmlns:a16="http://schemas.microsoft.com/office/drawing/2014/main" id="{837D9067-CC92-46FD-8FC8-89D794B3464E}"/>
+              </a:ext>
+            </a:extLst>
+          </p:cNvPr>
+          <p:cNvPicPr>
+            <a:picLocks noChangeAspect="1"/>
+          </p:cNvPicPr>
+          <p:nvPr/>
+        </p:nvPicPr>
+        <p:blipFill>
+          <a:blip r:embed="rId3"/>
+          <a:stretch>
+            <a:fillRect/>
+          </a:stretch>
+        </p:blipFill>
+        <p:spPr>
+          <a:xfrm>
+            <a:off x="5410200" y="614237"/>
+            <a:ext cx="1171739" cy="409632"/>
+          </a:xfrm>
+          <a:prstGeom prst="rect">
+            <a:avLst/>
+          </a:prstGeom>
+        </p:spPr>
+      </p:pic>
+      <p:pic>
+        <p:nvPicPr>
+          <p:cNvPr id="5" name="Picture 4">
+            <a:extLst>
+              <a:ext uri="{FF2B5EF4-FFF2-40B4-BE49-F238E27FC236}">
+                <a16:creationId xmlns:a16="http://schemas.microsoft.com/office/drawing/2014/main" id="{96B972FD-E327-4527-9F62-DC422C69FE64}"/>
+              </a:ext>
+            </a:extLst>
+          </p:cNvPr>
+          <p:cNvPicPr>
+            <a:picLocks noChangeAspect="1"/>
+          </p:cNvPicPr>
+          <p:nvPr/>
+        </p:nvPicPr>
+        <p:blipFill>
+          <a:blip r:embed="rId4"/>
+          <a:stretch>
+            <a:fillRect/>
+          </a:stretch>
+        </p:blipFill>
+        <p:spPr>
+          <a:xfrm>
+            <a:off x="4374931" y="2451380"/>
+            <a:ext cx="5125165" cy="3010320"/>
+          </a:xfrm>
+          <a:prstGeom prst="rect">
+            <a:avLst/>
+          </a:prstGeom>
+        </p:spPr>
+      </p:pic>
+      <p:pic>
+        <p:nvPicPr>
+          <p:cNvPr id="8" name="Picture 7">
+            <a:extLst>
+              <a:ext uri="{FF2B5EF4-FFF2-40B4-BE49-F238E27FC236}">
+                <a16:creationId xmlns:a16="http://schemas.microsoft.com/office/drawing/2014/main" id="{D0F6D974-F53D-4000-8381-0E564926AD72}"/>
+              </a:ext>
+            </a:extLst>
+          </p:cNvPr>
+          <p:cNvPicPr>
+            <a:picLocks noChangeAspect="1"/>
+          </p:cNvPicPr>
+          <p:nvPr/>
+        </p:nvPicPr>
+        <p:blipFill>
+          <a:blip r:embed="rId5"/>
+          <a:stretch>
+            <a:fillRect/>
+          </a:stretch>
+        </p:blipFill>
+        <p:spPr>
+          <a:xfrm>
+            <a:off x="9930252" y="2438400"/>
+            <a:ext cx="1486107" cy="3057952"/>
+          </a:xfrm>
+          <a:prstGeom prst="rect">
+            <a:avLst/>
+          </a:prstGeom>
+        </p:spPr>
+      </p:pic>
+      <p:sp>
+        <p:nvSpPr>
+          <p:cNvPr id="7" name="Arrow: Right 6">
+            <a:extLst>
+              <a:ext uri="{FF2B5EF4-FFF2-40B4-BE49-F238E27FC236}">
+                <a16:creationId xmlns:a16="http://schemas.microsoft.com/office/drawing/2014/main" id="{8F21A28B-2C89-4AA1-ACA9-1B33195BE8A7}"/>
+              </a:ext>
+            </a:extLst>
+          </p:cNvPr>
+          <p:cNvSpPr/>
+          <p:nvPr/>
+        </p:nvSpPr>
+        <p:spPr>
+          <a:xfrm>
+            <a:off x="9500096" y="3663695"/>
+            <a:ext cx="430155" cy="495300"/>
+          </a:xfrm>
+          <a:prstGeom prst="rightArrow">
+            <a:avLst/>
+          </a:prstGeom>
+        </p:spPr>
+        <p:style>
+          <a:lnRef idx="2">
+            <a:schemeClr val="accent1">
+              <a:shade val="50000"/>
+            </a:schemeClr>
+          </a:lnRef>
+          <a:fillRef idx="1">
+            <a:schemeClr val="accent1"/>
+          </a:fillRef>
+          <a:effectRef idx="0">
+            <a:schemeClr val="accent1"/>
+          </a:effectRef>
+          <a:fontRef idx="minor">
+            <a:schemeClr val="lt1"/>
+          </a:fontRef>
+        </p:style>
+        <p:txBody>
+          <a:bodyPr rtlCol="0" anchor="ctr"/>
+          <a:lstStyle/>
+          <a:p>
+            <a:pPr algn="ctr"/>
             <a:endParaRPr lang="en-US"/>
           </a:p>
         </p:txBody>
@@ -33059,7 +33555,7 @@
     </p:spTree>
     <p:extLst>
       <p:ext uri="{BB962C8B-B14F-4D97-AF65-F5344CB8AC3E}">
-        <p14:creationId xmlns:p14="http://schemas.microsoft.com/office/powerpoint/2010/main" val="3260361871"/>
+        <p14:creationId xmlns:p14="http://schemas.microsoft.com/office/powerpoint/2010/main" val="2120574743"/>
       </p:ext>
     </p:extLst>
   </p:cSld>
@@ -33091,7 +33587,7 @@
           <p:cNvPr id="2" name="Title 1">
             <a:extLst>
               <a:ext uri="{FF2B5EF4-FFF2-40B4-BE49-F238E27FC236}">
-                <a16:creationId xmlns:a16="http://schemas.microsoft.com/office/drawing/2014/main" id="{0F9C471B-4CB9-534B-AF00-E0FEFDE63E75}"/>
+                <a16:creationId xmlns:a16="http://schemas.microsoft.com/office/drawing/2014/main" id="{8AADCE9C-567B-F343-AD3A-DCEED7751871}"/>
               </a:ext>
             </a:extLst>
           </p:cNvPr>
@@ -33109,7 +33605,7 @@
           <a:p>
             <a:r>
               <a:rPr lang="en-US" dirty="0"/>
-              <a:t>Making Data More Consistent</a:t>
+              <a:t>Merge and Clean</a:t>
             </a:r>
           </a:p>
         </p:txBody>
@@ -33119,7 +33615,7 @@
           <p:cNvPr id="3" name="Text Placeholder 2">
             <a:extLst>
               <a:ext uri="{FF2B5EF4-FFF2-40B4-BE49-F238E27FC236}">
-                <a16:creationId xmlns:a16="http://schemas.microsoft.com/office/drawing/2014/main" id="{F45FAE89-9E67-0A43-A422-22847A7FD8CA}"/>
+                <a16:creationId xmlns:a16="http://schemas.microsoft.com/office/drawing/2014/main" id="{9E15A277-1323-9644-A078-4090B3729416}"/>
               </a:ext>
             </a:extLst>
           </p:cNvPr>
@@ -33130,25 +33626,332 @@
             <p:ph type="body" sz="quarter" idx="10"/>
           </p:nvPr>
         </p:nvSpPr>
-        <p:spPr/>
+        <p:spPr>
+          <a:xfrm>
+            <a:off x="762000" y="1752600"/>
+            <a:ext cx="7315200" cy="3733800"/>
+          </a:xfrm>
+        </p:spPr>
         <p:txBody>
           <a:bodyPr/>
           <a:lstStyle/>
           <a:p>
-            <a:endParaRPr lang="en-US"/>
+            <a:r>
+              <a:rPr lang="en-US" dirty="0"/>
+              <a:t>Cleaning includes a number of transforms: </a:t>
+            </a:r>
+            <a:r>
+              <a:rPr lang="en-US" i="1" dirty="0"/>
+              <a:t>Trim Space, Remove Extra Spaces, Remove All Spaces, Remove Numbers, Remove Punctuation, etc.</a:t>
+            </a:r>
+            <a:endParaRPr lang="en-US" dirty="0"/>
           </a:p>
         </p:txBody>
       </p:sp>
+      <p:pic>
+        <p:nvPicPr>
+          <p:cNvPr id="9" name="Picture 8">
+            <a:extLst>
+              <a:ext uri="{FF2B5EF4-FFF2-40B4-BE49-F238E27FC236}">
+                <a16:creationId xmlns:a16="http://schemas.microsoft.com/office/drawing/2014/main" id="{F6CE8715-78E0-415A-BAE3-054100F767A8}"/>
+              </a:ext>
+            </a:extLst>
+          </p:cNvPr>
+          <p:cNvPicPr>
+            <a:picLocks noChangeAspect="1"/>
+          </p:cNvPicPr>
+          <p:nvPr/>
+        </p:nvPicPr>
+        <p:blipFill>
+          <a:blip r:embed="rId3"/>
+          <a:stretch>
+            <a:fillRect/>
+          </a:stretch>
+        </p:blipFill>
+        <p:spPr>
+          <a:xfrm>
+            <a:off x="8510694" y="475034"/>
+            <a:ext cx="2867425" cy="3229426"/>
+          </a:xfrm>
+          <a:prstGeom prst="rect">
+            <a:avLst/>
+          </a:prstGeom>
+        </p:spPr>
+      </p:pic>
+      <p:pic>
+        <p:nvPicPr>
+          <p:cNvPr id="10" name="Picture 9">
+            <a:extLst>
+              <a:ext uri="{FF2B5EF4-FFF2-40B4-BE49-F238E27FC236}">
+                <a16:creationId xmlns:a16="http://schemas.microsoft.com/office/drawing/2014/main" id="{1B7C07F4-0D63-4777-A104-ACFA21840AA5}"/>
+              </a:ext>
+            </a:extLst>
+          </p:cNvPr>
+          <p:cNvPicPr>
+            <a:picLocks noChangeAspect="1"/>
+          </p:cNvPicPr>
+          <p:nvPr/>
+        </p:nvPicPr>
+        <p:blipFill>
+          <a:blip r:embed="rId4"/>
+          <a:stretch>
+            <a:fillRect/>
+          </a:stretch>
+        </p:blipFill>
+        <p:spPr>
+          <a:xfrm>
+            <a:off x="10134600" y="1027112"/>
+            <a:ext cx="1428949" cy="1867161"/>
+          </a:xfrm>
+          <a:prstGeom prst="rect">
+            <a:avLst/>
+          </a:prstGeom>
+        </p:spPr>
+      </p:pic>
+      <p:pic>
+        <p:nvPicPr>
+          <p:cNvPr id="11" name="Picture 10">
+            <a:extLst>
+              <a:ext uri="{FF2B5EF4-FFF2-40B4-BE49-F238E27FC236}">
+                <a16:creationId xmlns:a16="http://schemas.microsoft.com/office/drawing/2014/main" id="{90BA007D-84FB-453D-8519-C0AD47028A31}"/>
+              </a:ext>
+            </a:extLst>
+          </p:cNvPr>
+          <p:cNvPicPr>
+            <a:picLocks noChangeAspect="1"/>
+          </p:cNvPicPr>
+          <p:nvPr/>
+        </p:nvPicPr>
+        <p:blipFill>
+          <a:blip r:embed="rId5"/>
+          <a:stretch>
+            <a:fillRect/>
+          </a:stretch>
+        </p:blipFill>
+        <p:spPr>
+          <a:xfrm>
+            <a:off x="10255903" y="1160930"/>
+            <a:ext cx="1390844" cy="1857634"/>
+          </a:xfrm>
+          <a:prstGeom prst="rect">
+            <a:avLst/>
+          </a:prstGeom>
+        </p:spPr>
+      </p:pic>
+      <p:pic>
+        <p:nvPicPr>
+          <p:cNvPr id="12" name="Picture 11">
+            <a:extLst>
+              <a:ext uri="{FF2B5EF4-FFF2-40B4-BE49-F238E27FC236}">
+                <a16:creationId xmlns:a16="http://schemas.microsoft.com/office/drawing/2014/main" id="{8D6B29DD-A3C8-444A-82C7-E605875B6047}"/>
+              </a:ext>
+            </a:extLst>
+          </p:cNvPr>
+          <p:cNvPicPr>
+            <a:picLocks noChangeAspect="1"/>
+          </p:cNvPicPr>
+          <p:nvPr/>
+        </p:nvPicPr>
+        <p:blipFill>
+          <a:blip r:embed="rId6"/>
+          <a:stretch>
+            <a:fillRect/>
+          </a:stretch>
+        </p:blipFill>
+        <p:spPr>
+          <a:xfrm>
+            <a:off x="10339101" y="1254663"/>
+            <a:ext cx="1428949" cy="1886213"/>
+          </a:xfrm>
+          <a:prstGeom prst="rect">
+            <a:avLst/>
+          </a:prstGeom>
+        </p:spPr>
+      </p:pic>
     </p:spTree>
     <p:extLst>
       <p:ext uri="{BB962C8B-B14F-4D97-AF65-F5344CB8AC3E}">
-        <p14:creationId xmlns:p14="http://schemas.microsoft.com/office/powerpoint/2010/main" val="3958965914"/>
+        <p14:creationId xmlns:p14="http://schemas.microsoft.com/office/powerpoint/2010/main" val="3260361871"/>
       </p:ext>
     </p:extLst>
   </p:cSld>
   <p:clrMapOvr>
     <a:masterClrMapping/>
   </p:clrMapOvr>
+  <p:timing>
+    <p:tnLst>
+      <p:par>
+        <p:cTn id="1" dur="indefinite" restart="never" nodeType="tmRoot">
+          <p:childTnLst>
+            <p:seq concurrent="1" nextAc="seek">
+              <p:cTn id="2" dur="indefinite" nodeType="mainSeq">
+                <p:childTnLst>
+                  <p:par>
+                    <p:cTn id="3" fill="hold">
+                      <p:stCondLst>
+                        <p:cond delay="indefinite"/>
+                        <p:cond evt="onBegin" delay="0">
+                          <p:tn val="2"/>
+                        </p:cond>
+                      </p:stCondLst>
+                      <p:childTnLst>
+                        <p:par>
+                          <p:cTn id="4" fill="hold">
+                            <p:stCondLst>
+                              <p:cond delay="0"/>
+                            </p:stCondLst>
+                            <p:childTnLst>
+                              <p:par>
+                                <p:cTn id="5" presetID="10" presetClass="entr" presetSubtype="0" fill="hold" nodeType="afterEffect">
+                                  <p:stCondLst>
+                                    <p:cond delay="0"/>
+                                  </p:stCondLst>
+                                  <p:childTnLst>
+                                    <p:set>
+                                      <p:cBhvr>
+                                        <p:cTn id="6" dur="1" fill="hold">
+                                          <p:stCondLst>
+                                            <p:cond delay="0"/>
+                                          </p:stCondLst>
+                                        </p:cTn>
+                                        <p:tgtEl>
+                                          <p:spTgt spid="10"/>
+                                        </p:tgtEl>
+                                        <p:attrNameLst>
+                                          <p:attrName>style.visibility</p:attrName>
+                                        </p:attrNameLst>
+                                      </p:cBhvr>
+                                      <p:to>
+                                        <p:strVal val="visible"/>
+                                      </p:to>
+                                    </p:set>
+                                    <p:animEffect transition="in" filter="fade">
+                                      <p:cBhvr>
+                                        <p:cTn id="7" dur="500"/>
+                                        <p:tgtEl>
+                                          <p:spTgt spid="10"/>
+                                        </p:tgtEl>
+                                      </p:cBhvr>
+                                    </p:animEffect>
+                                  </p:childTnLst>
+                                </p:cTn>
+                              </p:par>
+                            </p:childTnLst>
+                          </p:cTn>
+                        </p:par>
+                        <p:par>
+                          <p:cTn id="8" fill="hold">
+                            <p:stCondLst>
+                              <p:cond delay="500"/>
+                            </p:stCondLst>
+                            <p:childTnLst>
+                              <p:par>
+                                <p:cTn id="9" presetID="10" presetClass="entr" presetSubtype="0" fill="hold" nodeType="afterEffect">
+                                  <p:stCondLst>
+                                    <p:cond delay="0"/>
+                                  </p:stCondLst>
+                                  <p:childTnLst>
+                                    <p:set>
+                                      <p:cBhvr>
+                                        <p:cTn id="10" dur="1" fill="hold">
+                                          <p:stCondLst>
+                                            <p:cond delay="0"/>
+                                          </p:stCondLst>
+                                        </p:cTn>
+                                        <p:tgtEl>
+                                          <p:spTgt spid="11"/>
+                                        </p:tgtEl>
+                                        <p:attrNameLst>
+                                          <p:attrName>style.visibility</p:attrName>
+                                        </p:attrNameLst>
+                                      </p:cBhvr>
+                                      <p:to>
+                                        <p:strVal val="visible"/>
+                                      </p:to>
+                                    </p:set>
+                                    <p:animEffect transition="in" filter="fade">
+                                      <p:cBhvr>
+                                        <p:cTn id="11" dur="500"/>
+                                        <p:tgtEl>
+                                          <p:spTgt spid="11"/>
+                                        </p:tgtEl>
+                                      </p:cBhvr>
+                                    </p:animEffect>
+                                  </p:childTnLst>
+                                </p:cTn>
+                              </p:par>
+                            </p:childTnLst>
+                          </p:cTn>
+                        </p:par>
+                        <p:par>
+                          <p:cTn id="12" fill="hold">
+                            <p:stCondLst>
+                              <p:cond delay="1000"/>
+                            </p:stCondLst>
+                            <p:childTnLst>
+                              <p:par>
+                                <p:cTn id="13" presetID="10" presetClass="entr" presetSubtype="0" fill="hold" nodeType="afterEffect">
+                                  <p:stCondLst>
+                                    <p:cond delay="0"/>
+                                  </p:stCondLst>
+                                  <p:childTnLst>
+                                    <p:set>
+                                      <p:cBhvr>
+                                        <p:cTn id="14" dur="1" fill="hold">
+                                          <p:stCondLst>
+                                            <p:cond delay="0"/>
+                                          </p:stCondLst>
+                                        </p:cTn>
+                                        <p:tgtEl>
+                                          <p:spTgt spid="12"/>
+                                        </p:tgtEl>
+                                        <p:attrNameLst>
+                                          <p:attrName>style.visibility</p:attrName>
+                                        </p:attrNameLst>
+                                      </p:cBhvr>
+                                      <p:to>
+                                        <p:strVal val="visible"/>
+                                      </p:to>
+                                    </p:set>
+                                    <p:animEffect transition="in" filter="fade">
+                                      <p:cBhvr>
+                                        <p:cTn id="15" dur="500"/>
+                                        <p:tgtEl>
+                                          <p:spTgt spid="12"/>
+                                        </p:tgtEl>
+                                      </p:cBhvr>
+                                    </p:animEffect>
+                                  </p:childTnLst>
+                                </p:cTn>
+                              </p:par>
+                            </p:childTnLst>
+                          </p:cTn>
+                        </p:par>
+                      </p:childTnLst>
+                    </p:cTn>
+                  </p:par>
+                </p:childTnLst>
+              </p:cTn>
+              <p:prevCondLst>
+                <p:cond evt="onPrev" delay="0">
+                  <p:tgtEl>
+                    <p:sldTgt/>
+                  </p:tgtEl>
+                </p:cond>
+              </p:prevCondLst>
+              <p:nextCondLst>
+                <p:cond evt="onNext" delay="0">
+                  <p:tgtEl>
+                    <p:sldTgt/>
+                  </p:tgtEl>
+                </p:cond>
+              </p:nextCondLst>
+            </p:seq>
+          </p:childTnLst>
+        </p:cTn>
+      </p:par>
+    </p:tnLst>
+  </p:timing>
 </p:sld>
 </file>
 
@@ -33174,7 +33977,7 @@
           <p:cNvPr id="2" name="Title 1">
             <a:extLst>
               <a:ext uri="{FF2B5EF4-FFF2-40B4-BE49-F238E27FC236}">
-                <a16:creationId xmlns:a16="http://schemas.microsoft.com/office/drawing/2014/main" id="{2E92257E-A8A0-2740-A0E2-3034B8C6ADD9}"/>
+                <a16:creationId xmlns:a16="http://schemas.microsoft.com/office/drawing/2014/main" id="{322C3083-178A-444F-8F9B-FB6A67B8C9DE}"/>
               </a:ext>
             </a:extLst>
           </p:cNvPr>
@@ -33192,7 +33995,7 @@
           <a:p>
             <a:r>
               <a:rPr lang="en-US" dirty="0"/>
-              <a:t>Splitting Fields</a:t>
+              <a:t>Calculated Fields</a:t>
             </a:r>
           </a:p>
         </p:txBody>
@@ -33202,7 +34005,7 @@
           <p:cNvPr id="3" name="Text Placeholder 2">
             <a:extLst>
               <a:ext uri="{FF2B5EF4-FFF2-40B4-BE49-F238E27FC236}">
-                <a16:creationId xmlns:a16="http://schemas.microsoft.com/office/drawing/2014/main" id="{20C4FAF8-0C73-5A41-8B13-61EF434F64B4}"/>
+                <a16:creationId xmlns:a16="http://schemas.microsoft.com/office/drawing/2014/main" id="{D18A1372-D7B9-49B9-863C-C5CBBCEB2CAD}"/>
               </a:ext>
             </a:extLst>
           </p:cNvPr>
@@ -33213,19 +34016,123 @@
             <p:ph type="body" sz="quarter" idx="10"/>
           </p:nvPr>
         </p:nvSpPr>
-        <p:spPr/>
+        <p:spPr>
+          <a:xfrm>
+            <a:off x="762000" y="1752600"/>
+            <a:ext cx="8839200" cy="3733800"/>
+          </a:xfrm>
+        </p:spPr>
         <p:txBody>
           <a:bodyPr/>
           <a:lstStyle/>
           <a:p>
-            <a:endParaRPr lang="en-US"/>
+            <a:r>
+              <a:rPr lang="en-US" dirty="0"/>
+              <a:t>Dozens of options</a:t>
+            </a:r>
+          </a:p>
+          <a:p>
+            <a:r>
+              <a:rPr lang="en-US" dirty="0"/>
+              <a:t>Write custom logic, e.g., math, text manipulation, regular expressions, etc.</a:t>
+            </a:r>
           </a:p>
         </p:txBody>
       </p:sp>
+      <p:pic>
+        <p:nvPicPr>
+          <p:cNvPr id="4" name="Picture 3">
+            <a:extLst>
+              <a:ext uri="{FF2B5EF4-FFF2-40B4-BE49-F238E27FC236}">
+                <a16:creationId xmlns:a16="http://schemas.microsoft.com/office/drawing/2014/main" id="{C4AC18E9-216B-49D6-8DBF-A8635413D82D}"/>
+              </a:ext>
+            </a:extLst>
+          </p:cNvPr>
+          <p:cNvPicPr>
+            <a:picLocks noChangeAspect="1"/>
+          </p:cNvPicPr>
+          <p:nvPr/>
+        </p:nvPicPr>
+        <p:blipFill>
+          <a:blip r:embed="rId2"/>
+          <a:stretch>
+            <a:fillRect/>
+          </a:stretch>
+        </p:blipFill>
+        <p:spPr>
+          <a:xfrm>
+            <a:off x="9858156" y="609600"/>
+            <a:ext cx="1571844" cy="3219899"/>
+          </a:xfrm>
+          <a:prstGeom prst="rect">
+            <a:avLst/>
+          </a:prstGeom>
+        </p:spPr>
+      </p:pic>
+      <p:pic>
+        <p:nvPicPr>
+          <p:cNvPr id="5" name="Picture 4">
+            <a:extLst>
+              <a:ext uri="{FF2B5EF4-FFF2-40B4-BE49-F238E27FC236}">
+                <a16:creationId xmlns:a16="http://schemas.microsoft.com/office/drawing/2014/main" id="{7F638FAD-62C4-4DDF-B9FD-14EF90F331C4}"/>
+              </a:ext>
+            </a:extLst>
+          </p:cNvPr>
+          <p:cNvPicPr>
+            <a:picLocks noChangeAspect="1"/>
+          </p:cNvPicPr>
+          <p:nvPr/>
+        </p:nvPicPr>
+        <p:blipFill>
+          <a:blip r:embed="rId3"/>
+          <a:stretch>
+            <a:fillRect/>
+          </a:stretch>
+        </p:blipFill>
+        <p:spPr>
+          <a:xfrm>
+            <a:off x="990600" y="5062478"/>
+            <a:ext cx="2695951" cy="847843"/>
+          </a:xfrm>
+          <a:prstGeom prst="rect">
+            <a:avLst/>
+          </a:prstGeom>
+        </p:spPr>
+      </p:pic>
+      <p:pic>
+        <p:nvPicPr>
+          <p:cNvPr id="6" name="Picture 5">
+            <a:extLst>
+              <a:ext uri="{FF2B5EF4-FFF2-40B4-BE49-F238E27FC236}">
+                <a16:creationId xmlns:a16="http://schemas.microsoft.com/office/drawing/2014/main" id="{483818F2-A0BE-4EDA-A796-98CF10E44381}"/>
+              </a:ext>
+            </a:extLst>
+          </p:cNvPr>
+          <p:cNvPicPr>
+            <a:picLocks noChangeAspect="1"/>
+          </p:cNvPicPr>
+          <p:nvPr/>
+        </p:nvPicPr>
+        <p:blipFill>
+          <a:blip r:embed="rId4"/>
+          <a:stretch>
+            <a:fillRect/>
+          </a:stretch>
+        </p:blipFill>
+        <p:spPr>
+          <a:xfrm>
+            <a:off x="4343400" y="4981503"/>
+            <a:ext cx="2934109" cy="1009791"/>
+          </a:xfrm>
+          <a:prstGeom prst="rect">
+            <a:avLst/>
+          </a:prstGeom>
+        </p:spPr>
+      </p:pic>
     </p:spTree>
     <p:extLst>
       <p:ext uri="{BB962C8B-B14F-4D97-AF65-F5344CB8AC3E}">
-        <p14:creationId xmlns:p14="http://schemas.microsoft.com/office/powerpoint/2010/main" val="49218107"/>
+        <p14:creationId xmlns:p14="http://schemas.microsoft.com/office/powerpoint/2010/main" val="1776825389"/>
       </p:ext>
     </p:extLst>
   </p:cSld>
@@ -33257,7 +34164,7 @@
           <p:cNvPr id="2" name="Title 1">
             <a:extLst>
               <a:ext uri="{FF2B5EF4-FFF2-40B4-BE49-F238E27FC236}">
-                <a16:creationId xmlns:a16="http://schemas.microsoft.com/office/drawing/2014/main" id="{8ECBCB28-8413-5140-A949-761083F81470}"/>
+                <a16:creationId xmlns:a16="http://schemas.microsoft.com/office/drawing/2014/main" id="{2E92257E-A8A0-2740-A0E2-3034B8C6ADD9}"/>
               </a:ext>
             </a:extLst>
           </p:cNvPr>
@@ -33275,7 +34182,7 @@
           <a:p>
             <a:r>
               <a:rPr lang="en-US" dirty="0"/>
-              <a:t>Recommendations</a:t>
+              <a:t>Splitting Fields</a:t>
             </a:r>
           </a:p>
         </p:txBody>
@@ -33285,7 +34192,7 @@
           <p:cNvPr id="3" name="Text Placeholder 2">
             <a:extLst>
               <a:ext uri="{FF2B5EF4-FFF2-40B4-BE49-F238E27FC236}">
-                <a16:creationId xmlns:a16="http://schemas.microsoft.com/office/drawing/2014/main" id="{DE38BA79-005D-F748-8EF0-DDBDB31CFBF0}"/>
+                <a16:creationId xmlns:a16="http://schemas.microsoft.com/office/drawing/2014/main" id="{20C4FAF8-0C73-5A41-8B13-61EF434F64B4}"/>
               </a:ext>
             </a:extLst>
           </p:cNvPr>
@@ -33296,19 +34203,108 @@
             <p:ph type="body" sz="quarter" idx="10"/>
           </p:nvPr>
         </p:nvSpPr>
-        <p:spPr/>
+        <p:spPr>
+          <a:xfrm>
+            <a:off x="762000" y="1752600"/>
+            <a:ext cx="6934200" cy="3733800"/>
+          </a:xfrm>
+        </p:spPr>
         <p:txBody>
           <a:bodyPr/>
           <a:lstStyle/>
           <a:p>
-            <a:endParaRPr lang="en-US"/>
+            <a:r>
+              <a:rPr lang="en-US" i="1" dirty="0"/>
+              <a:t>Automatic Split</a:t>
+            </a:r>
+            <a:r>
+              <a:rPr lang="en-US" dirty="0"/>
+              <a:t>=split on common delimiters</a:t>
+            </a:r>
+          </a:p>
+          <a:p>
+            <a:pPr lvl="1"/>
+            <a:r>
+              <a:rPr lang="en-US" dirty="0"/>
+              <a:t>(actually generates a series of calculated fields)</a:t>
+            </a:r>
+          </a:p>
+          <a:p>
+            <a:r>
+              <a:rPr lang="en-US" i="1" dirty="0"/>
+              <a:t>Custom Split…= </a:t>
+            </a:r>
+            <a:r>
+              <a:rPr lang="en-US" dirty="0"/>
+              <a:t>you choose the delimiter</a:t>
+            </a:r>
           </a:p>
         </p:txBody>
       </p:sp>
+      <p:pic>
+        <p:nvPicPr>
+          <p:cNvPr id="4" name="Picture 3">
+            <a:extLst>
+              <a:ext uri="{FF2B5EF4-FFF2-40B4-BE49-F238E27FC236}">
+                <a16:creationId xmlns:a16="http://schemas.microsoft.com/office/drawing/2014/main" id="{F92D5BBB-4EC3-400A-BE7E-610172DBDE95}"/>
+              </a:ext>
+            </a:extLst>
+          </p:cNvPr>
+          <p:cNvPicPr>
+            <a:picLocks noChangeAspect="1"/>
+          </p:cNvPicPr>
+          <p:nvPr/>
+        </p:nvPicPr>
+        <p:blipFill>
+          <a:blip r:embed="rId3"/>
+          <a:stretch>
+            <a:fillRect/>
+          </a:stretch>
+        </p:blipFill>
+        <p:spPr>
+          <a:xfrm>
+            <a:off x="8773442" y="1027112"/>
+            <a:ext cx="2648320" cy="1219370"/>
+          </a:xfrm>
+          <a:prstGeom prst="rect">
+            <a:avLst/>
+          </a:prstGeom>
+        </p:spPr>
+      </p:pic>
+      <p:pic>
+        <p:nvPicPr>
+          <p:cNvPr id="5" name="Picture 4">
+            <a:extLst>
+              <a:ext uri="{FF2B5EF4-FFF2-40B4-BE49-F238E27FC236}">
+                <a16:creationId xmlns:a16="http://schemas.microsoft.com/office/drawing/2014/main" id="{DC2109ED-ED8E-4DB9-B356-DFF4C6BA4390}"/>
+              </a:ext>
+            </a:extLst>
+          </p:cNvPr>
+          <p:cNvPicPr>
+            <a:picLocks noChangeAspect="1"/>
+          </p:cNvPicPr>
+          <p:nvPr/>
+        </p:nvPicPr>
+        <p:blipFill>
+          <a:blip r:embed="rId4"/>
+          <a:stretch>
+            <a:fillRect/>
+          </a:stretch>
+        </p:blipFill>
+        <p:spPr>
+          <a:xfrm>
+            <a:off x="7924800" y="2816394"/>
+            <a:ext cx="3667637" cy="1952898"/>
+          </a:xfrm>
+          <a:prstGeom prst="rect">
+            <a:avLst/>
+          </a:prstGeom>
+        </p:spPr>
+      </p:pic>
     </p:spTree>
     <p:extLst>
       <p:ext uri="{BB962C8B-B14F-4D97-AF65-F5344CB8AC3E}">
-        <p14:creationId xmlns:p14="http://schemas.microsoft.com/office/powerpoint/2010/main" val="3708025470"/>
+        <p14:creationId xmlns:p14="http://schemas.microsoft.com/office/powerpoint/2010/main" val="49218107"/>
       </p:ext>
     </p:extLst>
   </p:cSld>
@@ -33340,7 +34336,7 @@
           <p:cNvPr id="2" name="Title 1">
             <a:extLst>
               <a:ext uri="{FF2B5EF4-FFF2-40B4-BE49-F238E27FC236}">
-                <a16:creationId xmlns:a16="http://schemas.microsoft.com/office/drawing/2014/main" id="{56B44BDD-EA88-2D47-A6B7-E02FE22AD315}"/>
+                <a16:creationId xmlns:a16="http://schemas.microsoft.com/office/drawing/2014/main" id="{8ECBCB28-8413-5140-A949-761083F81470}"/>
               </a:ext>
             </a:extLst>
           </p:cNvPr>
@@ -33358,7 +34354,7 @@
           <a:p>
             <a:r>
               <a:rPr lang="en-US" dirty="0"/>
-              <a:t>Handling NULL Values</a:t>
+              <a:t>Recommendations</a:t>
             </a:r>
           </a:p>
         </p:txBody>
@@ -33368,7 +34364,7 @@
           <p:cNvPr id="3" name="Text Placeholder 2">
             <a:extLst>
               <a:ext uri="{FF2B5EF4-FFF2-40B4-BE49-F238E27FC236}">
-                <a16:creationId xmlns:a16="http://schemas.microsoft.com/office/drawing/2014/main" id="{35B8F14B-39CF-AF41-99E1-2E843C247A56}"/>
+                <a16:creationId xmlns:a16="http://schemas.microsoft.com/office/drawing/2014/main" id="{DE38BA79-005D-F748-8EF0-DDBDB31CFBF0}"/>
               </a:ext>
             </a:extLst>
           </p:cNvPr>
@@ -33384,14 +34380,53 @@
           <a:bodyPr/>
           <a:lstStyle/>
           <a:p>
-            <a:endParaRPr lang="en-US"/>
+            <a:r>
+              <a:rPr lang="en-US" dirty="0"/>
+              <a:t>Prep analyzes data and makes recommendations</a:t>
+            </a:r>
+          </a:p>
+          <a:p>
+            <a:r>
+              <a:rPr lang="en-US" dirty="0"/>
+              <a:t>Includes proposed data roles, deletions, data type changes, etc.</a:t>
+            </a:r>
           </a:p>
         </p:txBody>
       </p:sp>
+      <p:pic>
+        <p:nvPicPr>
+          <p:cNvPr id="4" name="Picture 3">
+            <a:extLst>
+              <a:ext uri="{FF2B5EF4-FFF2-40B4-BE49-F238E27FC236}">
+                <a16:creationId xmlns:a16="http://schemas.microsoft.com/office/drawing/2014/main" id="{6FD13E33-0613-4AF9-8CBE-428365F694FB}"/>
+              </a:ext>
+            </a:extLst>
+          </p:cNvPr>
+          <p:cNvPicPr>
+            <a:picLocks noChangeAspect="1"/>
+          </p:cNvPicPr>
+          <p:nvPr/>
+        </p:nvPicPr>
+        <p:blipFill>
+          <a:blip r:embed="rId3"/>
+          <a:stretch>
+            <a:fillRect/>
+          </a:stretch>
+        </p:blipFill>
+        <p:spPr>
+          <a:xfrm>
+            <a:off x="8248206" y="723756"/>
+            <a:ext cx="3181794" cy="1028844"/>
+          </a:xfrm>
+          <a:prstGeom prst="rect">
+            <a:avLst/>
+          </a:prstGeom>
+        </p:spPr>
+      </p:pic>
     </p:spTree>
     <p:extLst>
       <p:ext uri="{BB962C8B-B14F-4D97-AF65-F5344CB8AC3E}">
-        <p14:creationId xmlns:p14="http://schemas.microsoft.com/office/powerpoint/2010/main" val="3654839068"/>
+        <p14:creationId xmlns:p14="http://schemas.microsoft.com/office/powerpoint/2010/main" val="3708025470"/>
       </p:ext>
     </p:extLst>
   </p:cSld>
@@ -33423,7 +34458,7 @@
           <p:cNvPr id="2" name="Title 1">
             <a:extLst>
               <a:ext uri="{FF2B5EF4-FFF2-40B4-BE49-F238E27FC236}">
-                <a16:creationId xmlns:a16="http://schemas.microsoft.com/office/drawing/2014/main" id="{505FEF39-4D4F-234C-A7CC-3D508B076ECC}"/>
+                <a16:creationId xmlns:a16="http://schemas.microsoft.com/office/drawing/2014/main" id="{56B44BDD-EA88-2D47-A6B7-E02FE22AD315}"/>
               </a:ext>
             </a:extLst>
           </p:cNvPr>
@@ -33441,7 +34476,7 @@
           <a:p>
             <a:r>
               <a:rPr lang="en-US" dirty="0"/>
-              <a:t>Filtering Records</a:t>
+              <a:t>Handling NULL Values</a:t>
             </a:r>
           </a:p>
         </p:txBody>
@@ -33451,7 +34486,7 @@
           <p:cNvPr id="3" name="Text Placeholder 2">
             <a:extLst>
               <a:ext uri="{FF2B5EF4-FFF2-40B4-BE49-F238E27FC236}">
-                <a16:creationId xmlns:a16="http://schemas.microsoft.com/office/drawing/2014/main" id="{F0A2B6CF-1628-4546-AF20-667E71376CF7}"/>
+                <a16:creationId xmlns:a16="http://schemas.microsoft.com/office/drawing/2014/main" id="{35B8F14B-39CF-AF41-99E1-2E843C247A56}"/>
               </a:ext>
             </a:extLst>
           </p:cNvPr>
@@ -33462,19 +34497,93 @@
             <p:ph type="body" sz="quarter" idx="10"/>
           </p:nvPr>
         </p:nvSpPr>
-        <p:spPr/>
+        <p:spPr>
+          <a:xfrm>
+            <a:off x="762000" y="1752600"/>
+            <a:ext cx="6858000" cy="3733800"/>
+          </a:xfrm>
+        </p:spPr>
         <p:txBody>
           <a:bodyPr/>
           <a:lstStyle/>
           <a:p>
-            <a:endParaRPr lang="en-US"/>
+            <a:r>
+              <a:rPr lang="en-US" dirty="0"/>
+              <a:t>Replace with something meaningful, e.g., “NA”,””,0,”Unknown”, etc.</a:t>
+            </a:r>
+          </a:p>
+          <a:p>
+            <a:r>
+              <a:rPr lang="en-US" dirty="0"/>
+              <a:t>Filter records where NULL makes them invalid</a:t>
+            </a:r>
           </a:p>
         </p:txBody>
       </p:sp>
+      <p:pic>
+        <p:nvPicPr>
+          <p:cNvPr id="4" name="Picture 3">
+            <a:extLst>
+              <a:ext uri="{FF2B5EF4-FFF2-40B4-BE49-F238E27FC236}">
+                <a16:creationId xmlns:a16="http://schemas.microsoft.com/office/drawing/2014/main" id="{5ED12035-12D3-4C80-ADD7-C7683729A337}"/>
+              </a:ext>
+            </a:extLst>
+          </p:cNvPr>
+          <p:cNvPicPr>
+            <a:picLocks noChangeAspect="1"/>
+          </p:cNvPicPr>
+          <p:nvPr/>
+        </p:nvPicPr>
+        <p:blipFill>
+          <a:blip r:embed="rId3"/>
+          <a:stretch>
+            <a:fillRect/>
+          </a:stretch>
+        </p:blipFill>
+        <p:spPr>
+          <a:xfrm>
+            <a:off x="7620000" y="544365"/>
+            <a:ext cx="3858163" cy="2105319"/>
+          </a:xfrm>
+          <a:prstGeom prst="rect">
+            <a:avLst/>
+          </a:prstGeom>
+        </p:spPr>
+      </p:pic>
+      <p:pic>
+        <p:nvPicPr>
+          <p:cNvPr id="5" name="Picture 4">
+            <a:extLst>
+              <a:ext uri="{FF2B5EF4-FFF2-40B4-BE49-F238E27FC236}">
+                <a16:creationId xmlns:a16="http://schemas.microsoft.com/office/drawing/2014/main" id="{B5416CA6-18A5-424C-B9DE-364DD8853520}"/>
+              </a:ext>
+            </a:extLst>
+          </p:cNvPr>
+          <p:cNvPicPr>
+            <a:picLocks noChangeAspect="1"/>
+          </p:cNvPicPr>
+          <p:nvPr/>
+        </p:nvPicPr>
+        <p:blipFill>
+          <a:blip r:embed="rId4"/>
+          <a:stretch>
+            <a:fillRect/>
+          </a:stretch>
+        </p:blipFill>
+        <p:spPr>
+          <a:xfrm>
+            <a:off x="8077200" y="3253541"/>
+            <a:ext cx="1667108" cy="1629002"/>
+          </a:xfrm>
+          <a:prstGeom prst="rect">
+            <a:avLst/>
+          </a:prstGeom>
+        </p:spPr>
+      </p:pic>
     </p:spTree>
     <p:extLst>
       <p:ext uri="{BB962C8B-B14F-4D97-AF65-F5344CB8AC3E}">
-        <p14:creationId xmlns:p14="http://schemas.microsoft.com/office/powerpoint/2010/main" val="1615717970"/>
+        <p14:creationId xmlns:p14="http://schemas.microsoft.com/office/powerpoint/2010/main" val="3654839068"/>
       </p:ext>
     </p:extLst>
   </p:cSld>
@@ -33655,7 +34764,7 @@
           <p:cNvPr id="2" name="Title 1">
             <a:extLst>
               <a:ext uri="{FF2B5EF4-FFF2-40B4-BE49-F238E27FC236}">
-                <a16:creationId xmlns:a16="http://schemas.microsoft.com/office/drawing/2014/main" id="{C3A4853A-6621-BF48-99C0-CF9E50FA3A1F}"/>
+                <a16:creationId xmlns:a16="http://schemas.microsoft.com/office/drawing/2014/main" id="{505FEF39-4D4F-234C-A7CC-3D508B076ECC}"/>
               </a:ext>
             </a:extLst>
           </p:cNvPr>
@@ -33673,15 +34782,127 @@
           <a:p>
             <a:r>
               <a:rPr lang="en-US" dirty="0"/>
-              <a:t>Module 6: Group and Replace</a:t>
+              <a:t>Filtering Records</a:t>
             </a:r>
           </a:p>
         </p:txBody>
       </p:sp>
+      <p:sp>
+        <p:nvSpPr>
+          <p:cNvPr id="3" name="Text Placeholder 2">
+            <a:extLst>
+              <a:ext uri="{FF2B5EF4-FFF2-40B4-BE49-F238E27FC236}">
+                <a16:creationId xmlns:a16="http://schemas.microsoft.com/office/drawing/2014/main" id="{F0A2B6CF-1628-4546-AF20-667E71376CF7}"/>
+              </a:ext>
+            </a:extLst>
+          </p:cNvPr>
+          <p:cNvSpPr>
+            <a:spLocks noGrp="1"/>
+          </p:cNvSpPr>
+          <p:nvPr>
+            <p:ph type="body" sz="quarter" idx="10"/>
+          </p:nvPr>
+        </p:nvSpPr>
+        <p:spPr/>
+        <p:txBody>
+          <a:bodyPr/>
+          <a:lstStyle/>
+          <a:p>
+            <a:r>
+              <a:rPr lang="en-US" dirty="0"/>
+              <a:t>Records can be filtered on almost any condition</a:t>
+            </a:r>
+          </a:p>
+          <a:p>
+            <a:r>
+              <a:rPr lang="en-US" dirty="0"/>
+              <a:t>General rule: </a:t>
+            </a:r>
+            <a:r>
+              <a:rPr lang="en-US" i="1" dirty="0"/>
+              <a:t>only keep the data you need</a:t>
+            </a:r>
+          </a:p>
+          <a:p>
+            <a:pPr lvl="1"/>
+            <a:r>
+              <a:rPr lang="en-US" dirty="0"/>
+              <a:t>Old records</a:t>
+            </a:r>
+          </a:p>
+          <a:p>
+            <a:pPr lvl="1"/>
+            <a:r>
+              <a:rPr lang="en-US" dirty="0"/>
+              <a:t>Invalid records</a:t>
+            </a:r>
+          </a:p>
+        </p:txBody>
+      </p:sp>
+      <p:pic>
+        <p:nvPicPr>
+          <p:cNvPr id="4" name="Picture 3">
+            <a:extLst>
+              <a:ext uri="{FF2B5EF4-FFF2-40B4-BE49-F238E27FC236}">
+                <a16:creationId xmlns:a16="http://schemas.microsoft.com/office/drawing/2014/main" id="{28411A70-A75A-4A86-87BA-78D1742A1C41}"/>
+              </a:ext>
+            </a:extLst>
+          </p:cNvPr>
+          <p:cNvPicPr>
+            <a:picLocks noChangeAspect="1"/>
+          </p:cNvPicPr>
+          <p:nvPr/>
+        </p:nvPicPr>
+        <p:blipFill>
+          <a:blip r:embed="rId3"/>
+          <a:stretch>
+            <a:fillRect/>
+          </a:stretch>
+        </p:blipFill>
+        <p:spPr>
+          <a:xfrm>
+            <a:off x="7467600" y="3252736"/>
+            <a:ext cx="3477110" cy="733527"/>
+          </a:xfrm>
+          <a:prstGeom prst="rect">
+            <a:avLst/>
+          </a:prstGeom>
+        </p:spPr>
+      </p:pic>
+      <p:pic>
+        <p:nvPicPr>
+          <p:cNvPr id="5" name="Picture 4">
+            <a:extLst>
+              <a:ext uri="{FF2B5EF4-FFF2-40B4-BE49-F238E27FC236}">
+                <a16:creationId xmlns:a16="http://schemas.microsoft.com/office/drawing/2014/main" id="{0E1E6A73-D09F-4459-9C8A-3E8F995441C0}"/>
+              </a:ext>
+            </a:extLst>
+          </p:cNvPr>
+          <p:cNvPicPr>
+            <a:picLocks noChangeAspect="1"/>
+          </p:cNvPicPr>
+          <p:nvPr/>
+        </p:nvPicPr>
+        <p:blipFill>
+          <a:blip r:embed="rId4"/>
+          <a:stretch>
+            <a:fillRect/>
+          </a:stretch>
+        </p:blipFill>
+        <p:spPr>
+          <a:xfrm>
+            <a:off x="7958206" y="4141838"/>
+            <a:ext cx="2495898" cy="600159"/>
+          </a:xfrm>
+          <a:prstGeom prst="rect">
+            <a:avLst/>
+          </a:prstGeom>
+        </p:spPr>
+      </p:pic>
     </p:spTree>
     <p:extLst>
       <p:ext uri="{BB962C8B-B14F-4D97-AF65-F5344CB8AC3E}">
-        <p14:creationId xmlns:p14="http://schemas.microsoft.com/office/powerpoint/2010/main" val="3911395177"/>
+        <p14:creationId xmlns:p14="http://schemas.microsoft.com/office/powerpoint/2010/main" val="1615717970"/>
       </p:ext>
     </p:extLst>
   </p:cSld>
@@ -33710,10 +34931,10 @@
       </p:grpSpPr>
       <p:sp>
         <p:nvSpPr>
-          <p:cNvPr id="2" name="Title 1">
+          <p:cNvPr id="2" name="Subtitle 1">
             <a:extLst>
               <a:ext uri="{FF2B5EF4-FFF2-40B4-BE49-F238E27FC236}">
-                <a16:creationId xmlns:a16="http://schemas.microsoft.com/office/drawing/2014/main" id="{3480EC15-00FE-FC41-ADF7-549E87A4B4F2}"/>
+                <a16:creationId xmlns:a16="http://schemas.microsoft.com/office/drawing/2014/main" id="{A439E777-8114-4C67-9651-AB51CE460424}"/>
               </a:ext>
             </a:extLst>
           </p:cNvPr>
@@ -33721,7 +34942,7 @@
             <a:spLocks noGrp="1"/>
           </p:cNvSpPr>
           <p:nvPr>
-            <p:ph type="title"/>
+            <p:ph type="subTitle" idx="1"/>
           </p:nvPr>
         </p:nvSpPr>
         <p:spPr/>
@@ -33729,9 +34950,43 @@
           <a:bodyPr/>
           <a:lstStyle/>
           <a:p>
+            <a:pPr marL="342900" indent="-342900">
+              <a:buFont typeface="Arial" panose="020B0604020202020204" pitchFamily="34" charset="0"/>
+              <a:buChar char="•"/>
+            </a:pPr>
             <a:r>
               <a:rPr lang="en-US" dirty="0"/>
-              <a:t>Group and Replace</a:t>
+              <a:t>Exercise 6.1: pp. 79-89</a:t>
+            </a:r>
+          </a:p>
+          <a:p>
+            <a:pPr marL="342900" indent="-342900">
+              <a:buFont typeface="Arial" panose="020B0604020202020204" pitchFamily="34" charset="0"/>
+              <a:buChar char="•"/>
+            </a:pPr>
+            <a:r>
+              <a:rPr lang="en-US" dirty="0"/>
+              <a:t>Exercise 7.1: pp. 91-94</a:t>
+            </a:r>
+          </a:p>
+          <a:p>
+            <a:pPr marL="342900" indent="-342900">
+              <a:buFont typeface="Arial" panose="020B0604020202020204" pitchFamily="34" charset="0"/>
+              <a:buChar char="•"/>
+            </a:pPr>
+            <a:r>
+              <a:rPr lang="en-US" dirty="0"/>
+              <a:t>Exercise 7.2: pp. 94-104</a:t>
+            </a:r>
+          </a:p>
+          <a:p>
+            <a:pPr marL="342900" indent="-342900">
+              <a:buFont typeface="Arial" panose="020B0604020202020204" pitchFamily="34" charset="0"/>
+              <a:buChar char="•"/>
+            </a:pPr>
+            <a:r>
+              <a:rPr lang="en-US" dirty="0"/>
+              <a:t>Exercise 7.3: pp. 105, 110-118</a:t>
             </a:r>
           </a:p>
         </p:txBody>
@@ -33741,7 +34996,7 @@
           <p:cNvPr id="3" name="Text Placeholder 2">
             <a:extLst>
               <a:ext uri="{FF2B5EF4-FFF2-40B4-BE49-F238E27FC236}">
-                <a16:creationId xmlns:a16="http://schemas.microsoft.com/office/drawing/2014/main" id="{52CBEEB9-F887-F642-BD6A-347CE2FA09FB}"/>
+                <a16:creationId xmlns:a16="http://schemas.microsoft.com/office/drawing/2014/main" id="{0E71895F-EE2C-48F3-9B62-E0FB864298C9}"/>
               </a:ext>
             </a:extLst>
           </p:cNvPr>
@@ -33749,7 +35004,7 @@
             <a:spLocks noGrp="1"/>
           </p:cNvSpPr>
           <p:nvPr>
-            <p:ph type="body" sz="quarter" idx="10"/>
+            <p:ph type="body" sz="quarter" idx="11"/>
           </p:nvPr>
         </p:nvSpPr>
         <p:spPr/>
@@ -33757,14 +35012,45 @@
           <a:bodyPr/>
           <a:lstStyle/>
           <a:p>
-            <a:endParaRPr lang="en-US"/>
+            <a:r>
+              <a:rPr lang="en-US" dirty="0"/>
+              <a:t>45 Minutes</a:t>
+            </a:r>
+          </a:p>
+        </p:txBody>
+      </p:sp>
+      <p:sp>
+        <p:nvSpPr>
+          <p:cNvPr id="4" name="Title 3">
+            <a:extLst>
+              <a:ext uri="{FF2B5EF4-FFF2-40B4-BE49-F238E27FC236}">
+                <a16:creationId xmlns:a16="http://schemas.microsoft.com/office/drawing/2014/main" id="{C07AA40D-746C-46A7-A1DA-66CDD43B4BEA}"/>
+              </a:ext>
+            </a:extLst>
+          </p:cNvPr>
+          <p:cNvSpPr>
+            <a:spLocks noGrp="1"/>
+          </p:cNvSpPr>
+          <p:nvPr>
+            <p:ph type="title"/>
+          </p:nvPr>
+        </p:nvSpPr>
+        <p:spPr/>
+        <p:txBody>
+          <a:bodyPr/>
+          <a:lstStyle/>
+          <a:p>
+            <a:r>
+              <a:rPr lang="en-US" dirty="0"/>
+              <a:t>Lab 5: Auditing and Filtering</a:t>
+            </a:r>
           </a:p>
         </p:txBody>
       </p:sp>
     </p:spTree>
     <p:extLst>
       <p:ext uri="{BB962C8B-B14F-4D97-AF65-F5344CB8AC3E}">
-        <p14:creationId xmlns:p14="http://schemas.microsoft.com/office/powerpoint/2010/main" val="4144102751"/>
+        <p14:creationId xmlns:p14="http://schemas.microsoft.com/office/powerpoint/2010/main" val="2508201423"/>
       </p:ext>
     </p:extLst>
   </p:cSld>
@@ -33796,7 +35082,7 @@
           <p:cNvPr id="2" name="Title 1">
             <a:extLst>
               <a:ext uri="{FF2B5EF4-FFF2-40B4-BE49-F238E27FC236}">
-                <a16:creationId xmlns:a16="http://schemas.microsoft.com/office/drawing/2014/main" id="{5EF4012B-FF41-2C4E-B2EF-2972C9D9184A}"/>
+                <a16:creationId xmlns:a16="http://schemas.microsoft.com/office/drawing/2014/main" id="{C3A4853A-6621-BF48-99C0-CF9E50FA3A1F}"/>
               </a:ext>
             </a:extLst>
           </p:cNvPr>
@@ -33814,45 +35100,15 @@
           <a:p>
             <a:r>
               <a:rPr lang="en-US" dirty="0"/>
-              <a:t>Manual</a:t>
-            </a:r>
-            <a:r>
-              <a:rPr lang="en-US" baseline="0" dirty="0"/>
-              <a:t> Selection</a:t>
-            </a:r>
-            <a:endParaRPr lang="en-US" dirty="0"/>
-          </a:p>
-        </p:txBody>
-      </p:sp>
-      <p:sp>
-        <p:nvSpPr>
-          <p:cNvPr id="3" name="Text Placeholder 2">
-            <a:extLst>
-              <a:ext uri="{FF2B5EF4-FFF2-40B4-BE49-F238E27FC236}">
-                <a16:creationId xmlns:a16="http://schemas.microsoft.com/office/drawing/2014/main" id="{404BE848-6263-0145-B9F8-9619C16139F0}"/>
-              </a:ext>
-            </a:extLst>
-          </p:cNvPr>
-          <p:cNvSpPr>
-            <a:spLocks noGrp="1"/>
-          </p:cNvSpPr>
-          <p:nvPr>
-            <p:ph type="body" sz="quarter" idx="10"/>
-          </p:nvPr>
-        </p:nvSpPr>
-        <p:spPr/>
-        <p:txBody>
-          <a:bodyPr/>
-          <a:lstStyle/>
-          <a:p>
-            <a:endParaRPr lang="en-US"/>
+              <a:t>Module 6: Group and Replace</a:t>
+            </a:r>
           </a:p>
         </p:txBody>
       </p:sp>
     </p:spTree>
     <p:extLst>
       <p:ext uri="{BB962C8B-B14F-4D97-AF65-F5344CB8AC3E}">
-        <p14:creationId xmlns:p14="http://schemas.microsoft.com/office/powerpoint/2010/main" val="1517578569"/>
+        <p14:creationId xmlns:p14="http://schemas.microsoft.com/office/powerpoint/2010/main" val="3911395177"/>
       </p:ext>
     </p:extLst>
   </p:cSld>
@@ -33884,7 +35140,7 @@
           <p:cNvPr id="2" name="Title 1">
             <a:extLst>
               <a:ext uri="{FF2B5EF4-FFF2-40B4-BE49-F238E27FC236}">
-                <a16:creationId xmlns:a16="http://schemas.microsoft.com/office/drawing/2014/main" id="{B8CB6C30-3AB2-3744-B360-453B167B4FF4}"/>
+                <a16:creationId xmlns:a16="http://schemas.microsoft.com/office/drawing/2014/main" id="{3480EC15-00FE-FC41-ADF7-549E87A4B4F2}"/>
               </a:ext>
             </a:extLst>
           </p:cNvPr>
@@ -33902,7 +35158,7 @@
           <a:p>
             <a:r>
               <a:rPr lang="en-US" dirty="0"/>
-              <a:t>Grouping by Pronunciation</a:t>
+              <a:t>Group and Replace</a:t>
             </a:r>
           </a:p>
         </p:txBody>
@@ -33912,7 +35168,7 @@
           <p:cNvPr id="3" name="Text Placeholder 2">
             <a:extLst>
               <a:ext uri="{FF2B5EF4-FFF2-40B4-BE49-F238E27FC236}">
-                <a16:creationId xmlns:a16="http://schemas.microsoft.com/office/drawing/2014/main" id="{3114DC91-50BA-4E48-B2AF-D3791A89BC17}"/>
+                <a16:creationId xmlns:a16="http://schemas.microsoft.com/office/drawing/2014/main" id="{52CBEEB9-F887-F642-BD6A-347CE2FA09FB}"/>
               </a:ext>
             </a:extLst>
           </p:cNvPr>
@@ -33935,7 +35191,7 @@
     </p:spTree>
     <p:extLst>
       <p:ext uri="{BB962C8B-B14F-4D97-AF65-F5344CB8AC3E}">
-        <p14:creationId xmlns:p14="http://schemas.microsoft.com/office/powerpoint/2010/main" val="4105177919"/>
+        <p14:creationId xmlns:p14="http://schemas.microsoft.com/office/powerpoint/2010/main" val="4144102751"/>
       </p:ext>
     </p:extLst>
   </p:cSld>
@@ -33967,7 +35223,7 @@
           <p:cNvPr id="2" name="Title 1">
             <a:extLst>
               <a:ext uri="{FF2B5EF4-FFF2-40B4-BE49-F238E27FC236}">
-                <a16:creationId xmlns:a16="http://schemas.microsoft.com/office/drawing/2014/main" id="{F667AD0A-11C2-034F-9745-119770BC4F74}"/>
+                <a16:creationId xmlns:a16="http://schemas.microsoft.com/office/drawing/2014/main" id="{5EF4012B-FF41-2C4E-B2EF-2972C9D9184A}"/>
               </a:ext>
             </a:extLst>
           </p:cNvPr>
@@ -33985,11 +35241,11 @@
           <a:p>
             <a:r>
               <a:rPr lang="en-US" dirty="0"/>
-              <a:t>Grouping</a:t>
+              <a:t>Manual</a:t>
             </a:r>
             <a:r>
               <a:rPr lang="en-US" baseline="0" dirty="0"/>
-              <a:t> by Common Characters</a:t>
+              <a:t> Selection</a:t>
             </a:r>
             <a:endParaRPr lang="en-US" dirty="0"/>
           </a:p>
@@ -34000,7 +35256,7 @@
           <p:cNvPr id="3" name="Text Placeholder 2">
             <a:extLst>
               <a:ext uri="{FF2B5EF4-FFF2-40B4-BE49-F238E27FC236}">
-                <a16:creationId xmlns:a16="http://schemas.microsoft.com/office/drawing/2014/main" id="{E01C124F-BC23-884A-8940-AE40F6201DB9}"/>
+                <a16:creationId xmlns:a16="http://schemas.microsoft.com/office/drawing/2014/main" id="{404BE848-6263-0145-B9F8-9619C16139F0}"/>
               </a:ext>
             </a:extLst>
           </p:cNvPr>
@@ -34011,11 +35267,155 @@
             <p:ph type="body" sz="quarter" idx="10"/>
           </p:nvPr>
         </p:nvSpPr>
-        <p:spPr/>
+        <p:spPr>
+          <a:xfrm>
+            <a:off x="762000" y="1752600"/>
+            <a:ext cx="7315200" cy="3733800"/>
+          </a:xfrm>
+        </p:spPr>
         <p:txBody>
           <a:bodyPr/>
           <a:lstStyle/>
           <a:p>
+            <a:r>
+              <a:rPr lang="en-US" dirty="0"/>
+              <a:t>Manually choose multiple terms to collapse into one</a:t>
+            </a:r>
+          </a:p>
+        </p:txBody>
+      </p:sp>
+      <p:pic>
+        <p:nvPicPr>
+          <p:cNvPr id="4" name="Picture 3">
+            <a:extLst>
+              <a:ext uri="{FF2B5EF4-FFF2-40B4-BE49-F238E27FC236}">
+                <a16:creationId xmlns:a16="http://schemas.microsoft.com/office/drawing/2014/main" id="{4803028B-64BB-49E5-AE12-E854398E64B7}"/>
+              </a:ext>
+            </a:extLst>
+          </p:cNvPr>
+          <p:cNvPicPr>
+            <a:picLocks noChangeAspect="1"/>
+          </p:cNvPicPr>
+          <p:nvPr/>
+        </p:nvPicPr>
+        <p:blipFill>
+          <a:blip r:embed="rId3"/>
+          <a:stretch>
+            <a:fillRect/>
+          </a:stretch>
+        </p:blipFill>
+        <p:spPr>
+          <a:xfrm>
+            <a:off x="8352996" y="385625"/>
+            <a:ext cx="3077004" cy="1971950"/>
+          </a:xfrm>
+          <a:prstGeom prst="rect">
+            <a:avLst/>
+          </a:prstGeom>
+        </p:spPr>
+      </p:pic>
+      <p:pic>
+        <p:nvPicPr>
+          <p:cNvPr id="5" name="Picture 4">
+            <a:extLst>
+              <a:ext uri="{FF2B5EF4-FFF2-40B4-BE49-F238E27FC236}">
+                <a16:creationId xmlns:a16="http://schemas.microsoft.com/office/drawing/2014/main" id="{B1E4EED0-886D-4280-A484-C546D40AEC2D}"/>
+              </a:ext>
+            </a:extLst>
+          </p:cNvPr>
+          <p:cNvPicPr>
+            <a:picLocks noChangeAspect="1"/>
+          </p:cNvPicPr>
+          <p:nvPr/>
+        </p:nvPicPr>
+        <p:blipFill>
+          <a:blip r:embed="rId4"/>
+          <a:stretch>
+            <a:fillRect/>
+          </a:stretch>
+        </p:blipFill>
+        <p:spPr>
+          <a:xfrm>
+            <a:off x="685800" y="3124200"/>
+            <a:ext cx="5134692" cy="2133898"/>
+          </a:xfrm>
+          <a:prstGeom prst="rect">
+            <a:avLst/>
+          </a:prstGeom>
+        </p:spPr>
+      </p:pic>
+      <p:pic>
+        <p:nvPicPr>
+          <p:cNvPr id="6" name="Picture 5">
+            <a:extLst>
+              <a:ext uri="{FF2B5EF4-FFF2-40B4-BE49-F238E27FC236}">
+                <a16:creationId xmlns:a16="http://schemas.microsoft.com/office/drawing/2014/main" id="{F72EA6CB-9F31-45E5-83A4-BC4DC3F74DCB}"/>
+              </a:ext>
+            </a:extLst>
+          </p:cNvPr>
+          <p:cNvPicPr>
+            <a:picLocks noChangeAspect="1"/>
+          </p:cNvPicPr>
+          <p:nvPr/>
+        </p:nvPicPr>
+        <p:blipFill>
+          <a:blip r:embed="rId5"/>
+          <a:stretch>
+            <a:fillRect/>
+          </a:stretch>
+        </p:blipFill>
+        <p:spPr>
+          <a:xfrm>
+            <a:off x="6447730" y="3371884"/>
+            <a:ext cx="4982270" cy="1638529"/>
+          </a:xfrm>
+          <a:prstGeom prst="rect">
+            <a:avLst/>
+          </a:prstGeom>
+        </p:spPr>
+      </p:pic>
+      <p:sp>
+        <p:nvSpPr>
+          <p:cNvPr id="7" name="Arrow: Right 6">
+            <a:extLst>
+              <a:ext uri="{FF2B5EF4-FFF2-40B4-BE49-F238E27FC236}">
+                <a16:creationId xmlns:a16="http://schemas.microsoft.com/office/drawing/2014/main" id="{53257CA3-278C-422B-8041-DCBD3B68433A}"/>
+              </a:ext>
+            </a:extLst>
+          </p:cNvPr>
+          <p:cNvSpPr/>
+          <p:nvPr/>
+        </p:nvSpPr>
+        <p:spPr>
+          <a:xfrm>
+            <a:off x="5896692" y="4000648"/>
+            <a:ext cx="474818" cy="381000"/>
+          </a:xfrm>
+          <a:prstGeom prst="rightArrow">
+            <a:avLst/>
+          </a:prstGeom>
+        </p:spPr>
+        <p:style>
+          <a:lnRef idx="2">
+            <a:schemeClr val="accent1">
+              <a:shade val="50000"/>
+            </a:schemeClr>
+          </a:lnRef>
+          <a:fillRef idx="1">
+            <a:schemeClr val="accent1"/>
+          </a:fillRef>
+          <a:effectRef idx="0">
+            <a:schemeClr val="accent1"/>
+          </a:effectRef>
+          <a:fontRef idx="minor">
+            <a:schemeClr val="lt1"/>
+          </a:fontRef>
+        </p:style>
+        <p:txBody>
+          <a:bodyPr rtlCol="0" anchor="ctr"/>
+          <a:lstStyle/>
+          <a:p>
+            <a:pPr algn="ctr"/>
             <a:endParaRPr lang="en-US"/>
           </a:p>
         </p:txBody>
@@ -34023,7 +35423,7 @@
     </p:spTree>
     <p:extLst>
       <p:ext uri="{BB962C8B-B14F-4D97-AF65-F5344CB8AC3E}">
-        <p14:creationId xmlns:p14="http://schemas.microsoft.com/office/powerpoint/2010/main" val="737931396"/>
+        <p14:creationId xmlns:p14="http://schemas.microsoft.com/office/powerpoint/2010/main" val="1517578569"/>
       </p:ext>
     </p:extLst>
   </p:cSld>
@@ -34055,7 +35455,7 @@
           <p:cNvPr id="2" name="Title 1">
             <a:extLst>
               <a:ext uri="{FF2B5EF4-FFF2-40B4-BE49-F238E27FC236}">
-                <a16:creationId xmlns:a16="http://schemas.microsoft.com/office/drawing/2014/main" id="{7A902A4D-3605-F64D-99D9-C7BD9542C2E4}"/>
+                <a16:creationId xmlns:a16="http://schemas.microsoft.com/office/drawing/2014/main" id="{B8CB6C30-3AB2-3744-B360-453B167B4FF4}"/>
               </a:ext>
             </a:extLst>
           </p:cNvPr>
@@ -34073,7 +35473,7 @@
           <a:p>
             <a:r>
               <a:rPr lang="en-US" dirty="0"/>
-              <a:t>Grouping by Spelling</a:t>
+              <a:t>Grouping by Pronunciation</a:t>
             </a:r>
           </a:p>
         </p:txBody>
@@ -34083,7 +35483,7 @@
           <p:cNvPr id="3" name="Text Placeholder 2">
             <a:extLst>
               <a:ext uri="{FF2B5EF4-FFF2-40B4-BE49-F238E27FC236}">
-                <a16:creationId xmlns:a16="http://schemas.microsoft.com/office/drawing/2014/main" id="{1D73BADE-B533-CE4F-B5B8-CAB06C368000}"/>
+                <a16:creationId xmlns:a16="http://schemas.microsoft.com/office/drawing/2014/main" id="{3114DC91-50BA-4E48-B2AF-D3791A89BC17}"/>
               </a:ext>
             </a:extLst>
           </p:cNvPr>
@@ -34094,19 +35494,69 @@
             <p:ph type="body" sz="quarter" idx="10"/>
           </p:nvPr>
         </p:nvSpPr>
-        <p:spPr/>
+        <p:spPr>
+          <a:xfrm>
+            <a:off x="762000" y="1752600"/>
+            <a:ext cx="5486400" cy="3733800"/>
+          </a:xfrm>
+        </p:spPr>
         <p:txBody>
           <a:bodyPr/>
           <a:lstStyle/>
           <a:p>
-            <a:endParaRPr lang="en-US"/>
+            <a:r>
+              <a:rPr lang="en-US" dirty="0"/>
+              <a:t>Algorithmic detection of similar terms</a:t>
+            </a:r>
+          </a:p>
+          <a:p>
+            <a:r>
+              <a:rPr lang="en-US" dirty="0"/>
+              <a:t>Accuracy slider gives some control</a:t>
+            </a:r>
+          </a:p>
+          <a:p>
+            <a:r>
+              <a:rPr lang="en-US" dirty="0"/>
+              <a:t>Typically will still require further manual work</a:t>
+            </a:r>
           </a:p>
         </p:txBody>
       </p:sp>
+      <p:pic>
+        <p:nvPicPr>
+          <p:cNvPr id="6" name="Picture 5">
+            <a:extLst>
+              <a:ext uri="{FF2B5EF4-FFF2-40B4-BE49-F238E27FC236}">
+                <a16:creationId xmlns:a16="http://schemas.microsoft.com/office/drawing/2014/main" id="{D21031CA-5DA6-47AF-BDB1-89AF4138D3EC}"/>
+              </a:ext>
+            </a:extLst>
+          </p:cNvPr>
+          <p:cNvPicPr>
+            <a:picLocks noChangeAspect="1"/>
+          </p:cNvPicPr>
+          <p:nvPr/>
+        </p:nvPicPr>
+        <p:blipFill>
+          <a:blip r:embed="rId3"/>
+          <a:stretch>
+            <a:fillRect/>
+          </a:stretch>
+        </p:blipFill>
+        <p:spPr>
+          <a:xfrm>
+            <a:off x="6400800" y="231749"/>
+            <a:ext cx="5125165" cy="3258005"/>
+          </a:xfrm>
+          <a:prstGeom prst="rect">
+            <a:avLst/>
+          </a:prstGeom>
+        </p:spPr>
+      </p:pic>
     </p:spTree>
     <p:extLst>
       <p:ext uri="{BB962C8B-B14F-4D97-AF65-F5344CB8AC3E}">
-        <p14:creationId xmlns:p14="http://schemas.microsoft.com/office/powerpoint/2010/main" val="3770955645"/>
+        <p14:creationId xmlns:p14="http://schemas.microsoft.com/office/powerpoint/2010/main" val="4105177919"/>
       </p:ext>
     </p:extLst>
   </p:cSld>
@@ -34138,7 +35588,7 @@
           <p:cNvPr id="2" name="Title 1">
             <a:extLst>
               <a:ext uri="{FF2B5EF4-FFF2-40B4-BE49-F238E27FC236}">
-                <a16:creationId xmlns:a16="http://schemas.microsoft.com/office/drawing/2014/main" id="{098CEEC1-7F87-F34D-B9A4-7EA9EFA2F688}"/>
+                <a16:creationId xmlns:a16="http://schemas.microsoft.com/office/drawing/2014/main" id="{F667AD0A-11C2-034F-9745-119770BC4F74}"/>
               </a:ext>
             </a:extLst>
           </p:cNvPr>
@@ -34156,15 +35606,95 @@
           <a:p>
             <a:r>
               <a:rPr lang="en-US" dirty="0"/>
-              <a:t>Module 7: Aggregating and Pivoting Data</a:t>
-            </a:r>
+              <a:t>Grouping</a:t>
+            </a:r>
+            <a:r>
+              <a:rPr lang="en-US" baseline="0" dirty="0"/>
+              <a:t> by Common Characters</a:t>
+            </a:r>
+            <a:endParaRPr lang="en-US" dirty="0"/>
           </a:p>
         </p:txBody>
       </p:sp>
+      <p:sp>
+        <p:nvSpPr>
+          <p:cNvPr id="3" name="Text Placeholder 2">
+            <a:extLst>
+              <a:ext uri="{FF2B5EF4-FFF2-40B4-BE49-F238E27FC236}">
+                <a16:creationId xmlns:a16="http://schemas.microsoft.com/office/drawing/2014/main" id="{E01C124F-BC23-884A-8940-AE40F6201DB9}"/>
+              </a:ext>
+            </a:extLst>
+          </p:cNvPr>
+          <p:cNvSpPr>
+            <a:spLocks noGrp="1"/>
+          </p:cNvSpPr>
+          <p:nvPr>
+            <p:ph type="body" sz="quarter" idx="10"/>
+          </p:nvPr>
+        </p:nvSpPr>
+        <p:spPr>
+          <a:xfrm>
+            <a:off x="762000" y="1752600"/>
+            <a:ext cx="5334000" cy="3733800"/>
+          </a:xfrm>
+        </p:spPr>
+        <p:txBody>
+          <a:bodyPr/>
+          <a:lstStyle/>
+          <a:p>
+            <a:r>
+              <a:rPr lang="en-US" dirty="0"/>
+              <a:t>Works by matching words with small “distance” between the characters they contain</a:t>
+            </a:r>
+          </a:p>
+          <a:p>
+            <a:r>
+              <a:rPr lang="en-US" dirty="0"/>
+              <a:t>Minimal control</a:t>
+            </a:r>
+          </a:p>
+          <a:p>
+            <a:r>
+              <a:rPr lang="en-US" dirty="0"/>
+              <a:t>Allows manual adjustment</a:t>
+            </a:r>
+          </a:p>
+        </p:txBody>
+      </p:sp>
+      <p:pic>
+        <p:nvPicPr>
+          <p:cNvPr id="4" name="Picture 3">
+            <a:extLst>
+              <a:ext uri="{FF2B5EF4-FFF2-40B4-BE49-F238E27FC236}">
+                <a16:creationId xmlns:a16="http://schemas.microsoft.com/office/drawing/2014/main" id="{701DAE2D-FD38-420D-8634-0D0F5F226BCB}"/>
+              </a:ext>
+            </a:extLst>
+          </p:cNvPr>
+          <p:cNvPicPr>
+            <a:picLocks noChangeAspect="1"/>
+          </p:cNvPicPr>
+          <p:nvPr/>
+        </p:nvPicPr>
+        <p:blipFill>
+          <a:blip r:embed="rId3"/>
+          <a:stretch>
+            <a:fillRect/>
+          </a:stretch>
+        </p:blipFill>
+        <p:spPr>
+          <a:xfrm>
+            <a:off x="6266476" y="1938103"/>
+            <a:ext cx="5134692" cy="3362794"/>
+          </a:xfrm>
+          <a:prstGeom prst="rect">
+            <a:avLst/>
+          </a:prstGeom>
+        </p:spPr>
+      </p:pic>
     </p:spTree>
     <p:extLst>
       <p:ext uri="{BB962C8B-B14F-4D97-AF65-F5344CB8AC3E}">
-        <p14:creationId xmlns:p14="http://schemas.microsoft.com/office/powerpoint/2010/main" val="2030434778"/>
+        <p14:creationId xmlns:p14="http://schemas.microsoft.com/office/powerpoint/2010/main" val="737931396"/>
       </p:ext>
     </p:extLst>
   </p:cSld>
@@ -34196,7 +35726,7 @@
           <p:cNvPr id="2" name="Title 1">
             <a:extLst>
               <a:ext uri="{FF2B5EF4-FFF2-40B4-BE49-F238E27FC236}">
-                <a16:creationId xmlns:a16="http://schemas.microsoft.com/office/drawing/2014/main" id="{7A459FFD-D6CD-5B4A-9BCB-E8A05891ABD0}"/>
+                <a16:creationId xmlns:a16="http://schemas.microsoft.com/office/drawing/2014/main" id="{7A902A4D-3605-F64D-99D9-C7BD9542C2E4}"/>
               </a:ext>
             </a:extLst>
           </p:cNvPr>
@@ -34214,7 +35744,7 @@
           <a:p>
             <a:r>
               <a:rPr lang="en-US" dirty="0"/>
-              <a:t>Aggregating Data</a:t>
+              <a:t>Grouping by Spelling</a:t>
             </a:r>
           </a:p>
         </p:txBody>
@@ -34224,7 +35754,7 @@
           <p:cNvPr id="3" name="Text Placeholder 2">
             <a:extLst>
               <a:ext uri="{FF2B5EF4-FFF2-40B4-BE49-F238E27FC236}">
-                <a16:creationId xmlns:a16="http://schemas.microsoft.com/office/drawing/2014/main" id="{8B206731-BB58-084E-9F91-E2037F0BB52D}"/>
+                <a16:creationId xmlns:a16="http://schemas.microsoft.com/office/drawing/2014/main" id="{1D73BADE-B533-CE4F-B5B8-CAB06C368000}"/>
               </a:ext>
             </a:extLst>
           </p:cNvPr>
@@ -34235,19 +35765,57 @@
             <p:ph type="body" sz="quarter" idx="10"/>
           </p:nvPr>
         </p:nvSpPr>
-        <p:spPr/>
+        <p:spPr>
+          <a:xfrm>
+            <a:off x="762000" y="1752600"/>
+            <a:ext cx="5514256" cy="3733800"/>
+          </a:xfrm>
+        </p:spPr>
         <p:txBody>
           <a:bodyPr/>
           <a:lstStyle/>
           <a:p>
-            <a:endParaRPr lang="en-US"/>
+            <a:r>
+              <a:rPr lang="en-US" dirty="0"/>
+              <a:t>Similar to Common Characters, gives more control</a:t>
+            </a:r>
           </a:p>
         </p:txBody>
       </p:sp>
+      <p:pic>
+        <p:nvPicPr>
+          <p:cNvPr id="4" name="Picture 3">
+            <a:extLst>
+              <a:ext uri="{FF2B5EF4-FFF2-40B4-BE49-F238E27FC236}">
+                <a16:creationId xmlns:a16="http://schemas.microsoft.com/office/drawing/2014/main" id="{1CAA19BE-3573-4E6A-B7C8-1C790E017379}"/>
+              </a:ext>
+            </a:extLst>
+          </p:cNvPr>
+          <p:cNvPicPr>
+            <a:picLocks noChangeAspect="1"/>
+          </p:cNvPicPr>
+          <p:nvPr/>
+        </p:nvPicPr>
+        <p:blipFill>
+          <a:blip r:embed="rId3"/>
+          <a:stretch>
+            <a:fillRect/>
+          </a:stretch>
+        </p:blipFill>
+        <p:spPr>
+          <a:xfrm>
+            <a:off x="6276256" y="1775254"/>
+            <a:ext cx="5153744" cy="3372321"/>
+          </a:xfrm>
+          <a:prstGeom prst="rect">
+            <a:avLst/>
+          </a:prstGeom>
+        </p:spPr>
+      </p:pic>
     </p:spTree>
     <p:extLst>
       <p:ext uri="{BB962C8B-B14F-4D97-AF65-F5344CB8AC3E}">
-        <p14:creationId xmlns:p14="http://schemas.microsoft.com/office/powerpoint/2010/main" val="3081864923"/>
+        <p14:creationId xmlns:p14="http://schemas.microsoft.com/office/powerpoint/2010/main" val="3770955645"/>
       </p:ext>
     </p:extLst>
   </p:cSld>
@@ -34276,10 +35844,10 @@
       </p:grpSpPr>
       <p:sp>
         <p:nvSpPr>
-          <p:cNvPr id="2" name="Title 1">
+          <p:cNvPr id="2" name="Subtitle 1">
             <a:extLst>
               <a:ext uri="{FF2B5EF4-FFF2-40B4-BE49-F238E27FC236}">
-                <a16:creationId xmlns:a16="http://schemas.microsoft.com/office/drawing/2014/main" id="{3B856723-7D74-B54B-8C18-AFFA49BB0578}"/>
+                <a16:creationId xmlns:a16="http://schemas.microsoft.com/office/drawing/2014/main" id="{07EF8D3E-4F42-45AE-873D-02C29E857AB0}"/>
               </a:ext>
             </a:extLst>
           </p:cNvPr>
@@ -34287,7 +35855,7 @@
             <a:spLocks noGrp="1"/>
           </p:cNvSpPr>
           <p:nvPr>
-            <p:ph type="title"/>
+            <p:ph type="subTitle" idx="1"/>
           </p:nvPr>
         </p:nvSpPr>
         <p:spPr/>
@@ -34295,9 +35863,13 @@
           <a:bodyPr/>
           <a:lstStyle/>
           <a:p>
+            <a:pPr marL="342900" indent="-342900">
+              <a:buFont typeface="Arial" panose="020B0604020202020204" pitchFamily="34" charset="0"/>
+              <a:buChar char="•"/>
+            </a:pPr>
             <a:r>
               <a:rPr lang="en-US" dirty="0"/>
-              <a:t>Pivoting Data</a:t>
+              <a:t>Follow instructions on pp. 123-129</a:t>
             </a:r>
           </a:p>
         </p:txBody>
@@ -34307,7 +35879,7 @@
           <p:cNvPr id="3" name="Text Placeholder 2">
             <a:extLst>
               <a:ext uri="{FF2B5EF4-FFF2-40B4-BE49-F238E27FC236}">
-                <a16:creationId xmlns:a16="http://schemas.microsoft.com/office/drawing/2014/main" id="{C07C88D3-0BAE-8749-84FF-FD11C5D739E5}"/>
+                <a16:creationId xmlns:a16="http://schemas.microsoft.com/office/drawing/2014/main" id="{14B99462-05B1-4D66-BC2A-B42EA59706CB}"/>
               </a:ext>
             </a:extLst>
           </p:cNvPr>
@@ -34315,7 +35887,7 @@
             <a:spLocks noGrp="1"/>
           </p:cNvSpPr>
           <p:nvPr>
-            <p:ph type="body" sz="quarter" idx="10"/>
+            <p:ph type="body" sz="quarter" idx="11"/>
           </p:nvPr>
         </p:nvSpPr>
         <p:spPr/>
@@ -34323,14 +35895,45 @@
           <a:bodyPr/>
           <a:lstStyle/>
           <a:p>
-            <a:endParaRPr lang="en-US"/>
+            <a:r>
+              <a:rPr lang="en-US" dirty="0"/>
+              <a:t>15 minutes</a:t>
+            </a:r>
+          </a:p>
+        </p:txBody>
+      </p:sp>
+      <p:sp>
+        <p:nvSpPr>
+          <p:cNvPr id="4" name="Title 3">
+            <a:extLst>
+              <a:ext uri="{FF2B5EF4-FFF2-40B4-BE49-F238E27FC236}">
+                <a16:creationId xmlns:a16="http://schemas.microsoft.com/office/drawing/2014/main" id="{04D7B03E-9D97-45B8-8106-32D722231C4F}"/>
+              </a:ext>
+            </a:extLst>
+          </p:cNvPr>
+          <p:cNvSpPr>
+            <a:spLocks noGrp="1"/>
+          </p:cNvSpPr>
+          <p:nvPr>
+            <p:ph type="title"/>
+          </p:nvPr>
+        </p:nvSpPr>
+        <p:spPr/>
+        <p:txBody>
+          <a:bodyPr/>
+          <a:lstStyle/>
+          <a:p>
+            <a:r>
+              <a:rPr lang="en-US" dirty="0"/>
+              <a:t>Lab 6: Group and Replace</a:t>
+            </a:r>
           </a:p>
         </p:txBody>
       </p:sp>
     </p:spTree>
     <p:extLst>
       <p:ext uri="{BB962C8B-B14F-4D97-AF65-F5344CB8AC3E}">
-        <p14:creationId xmlns:p14="http://schemas.microsoft.com/office/powerpoint/2010/main" val="2826624053"/>
+        <p14:creationId xmlns:p14="http://schemas.microsoft.com/office/powerpoint/2010/main" val="2505969754"/>
       </p:ext>
     </p:extLst>
   </p:cSld>
@@ -34362,7 +35965,7 @@
           <p:cNvPr id="2" name="Title 1">
             <a:extLst>
               <a:ext uri="{FF2B5EF4-FFF2-40B4-BE49-F238E27FC236}">
-                <a16:creationId xmlns:a16="http://schemas.microsoft.com/office/drawing/2014/main" id="{6B5CDC5B-FC9D-9E42-ACCA-21C364287987}"/>
+                <a16:creationId xmlns:a16="http://schemas.microsoft.com/office/drawing/2014/main" id="{098CEEC1-7F87-F34D-B9A4-7EA9EFA2F688}"/>
               </a:ext>
             </a:extLst>
           </p:cNvPr>
@@ -34380,40 +35983,15 @@
           <a:p>
             <a:r>
               <a:rPr lang="en-US" dirty="0"/>
-              <a:t>Unpivoting Data</a:t>
-            </a:r>
-          </a:p>
-        </p:txBody>
-      </p:sp>
-      <p:sp>
-        <p:nvSpPr>
-          <p:cNvPr id="3" name="Text Placeholder 2">
-            <a:extLst>
-              <a:ext uri="{FF2B5EF4-FFF2-40B4-BE49-F238E27FC236}">
-                <a16:creationId xmlns:a16="http://schemas.microsoft.com/office/drawing/2014/main" id="{7D0F7560-7895-1E4C-93E5-863F23F78976}"/>
-              </a:ext>
-            </a:extLst>
-          </p:cNvPr>
-          <p:cNvSpPr>
-            <a:spLocks noGrp="1"/>
-          </p:cNvSpPr>
-          <p:nvPr>
-            <p:ph type="body" sz="quarter" idx="10"/>
-          </p:nvPr>
-        </p:nvSpPr>
-        <p:spPr/>
-        <p:txBody>
-          <a:bodyPr/>
-          <a:lstStyle/>
-          <a:p>
-            <a:endParaRPr lang="en-US"/>
+              <a:t>Module 7: Aggregating and Pivoting Data</a:t>
+            </a:r>
           </a:p>
         </p:txBody>
       </p:sp>
     </p:spTree>
     <p:extLst>
       <p:ext uri="{BB962C8B-B14F-4D97-AF65-F5344CB8AC3E}">
-        <p14:creationId xmlns:p14="http://schemas.microsoft.com/office/powerpoint/2010/main" val="223869305"/>
+        <p14:creationId xmlns:p14="http://schemas.microsoft.com/office/powerpoint/2010/main" val="2030434778"/>
       </p:ext>
     </p:extLst>
   </p:cSld>
@@ -34535,7 +36113,7 @@
           <p:cNvPr id="2" name="Title 1">
             <a:extLst>
               <a:ext uri="{FF2B5EF4-FFF2-40B4-BE49-F238E27FC236}">
-                <a16:creationId xmlns:a16="http://schemas.microsoft.com/office/drawing/2014/main" id="{BD3CC3C1-820E-1F4C-9494-4CA16BC01F49}"/>
+                <a16:creationId xmlns:a16="http://schemas.microsoft.com/office/drawing/2014/main" id="{7A459FFD-D6CD-5B4A-9BCB-E8A05891ABD0}"/>
               </a:ext>
             </a:extLst>
           </p:cNvPr>
@@ -34553,7 +36131,46 @@
           <a:p>
             <a:r>
               <a:rPr lang="en-US" dirty="0"/>
-              <a:t>Part III: Load</a:t>
+              <a:t>Aggregating Data</a:t>
+            </a:r>
+          </a:p>
+        </p:txBody>
+      </p:sp>
+      <p:sp>
+        <p:nvSpPr>
+          <p:cNvPr id="3" name="Text Placeholder 2">
+            <a:extLst>
+              <a:ext uri="{FF2B5EF4-FFF2-40B4-BE49-F238E27FC236}">
+                <a16:creationId xmlns:a16="http://schemas.microsoft.com/office/drawing/2014/main" id="{8B206731-BB58-084E-9F91-E2037F0BB52D}"/>
+              </a:ext>
+            </a:extLst>
+          </p:cNvPr>
+          <p:cNvSpPr>
+            <a:spLocks noGrp="1"/>
+          </p:cNvSpPr>
+          <p:nvPr>
+            <p:ph type="body" sz="quarter" idx="10"/>
+          </p:nvPr>
+        </p:nvSpPr>
+        <p:spPr>
+          <a:xfrm>
+            <a:off x="762000" y="1752600"/>
+            <a:ext cx="6629400" cy="3733800"/>
+          </a:xfrm>
+        </p:spPr>
+        <p:txBody>
+          <a:bodyPr/>
+          <a:lstStyle/>
+          <a:p>
+            <a:r>
+              <a:rPr lang="en-US" dirty="0"/>
+              <a:t>Group by some common attribute</a:t>
+            </a:r>
+          </a:p>
+          <a:p>
+            <a:r>
+              <a:rPr lang="en-US" dirty="0"/>
+              <a:t>Summarize other (usually numeric) columns</a:t>
             </a:r>
           </a:p>
         </p:txBody>
@@ -34561,7 +36178,7 @@
     </p:spTree>
     <p:extLst>
       <p:ext uri="{BB962C8B-B14F-4D97-AF65-F5344CB8AC3E}">
-        <p14:creationId xmlns:p14="http://schemas.microsoft.com/office/powerpoint/2010/main" val="2503839061"/>
+        <p14:creationId xmlns:p14="http://schemas.microsoft.com/office/powerpoint/2010/main" val="3081864923"/>
       </p:ext>
     </p:extLst>
   </p:cSld>
@@ -34593,7 +36210,7 @@
           <p:cNvPr id="2" name="Title 1">
             <a:extLst>
               <a:ext uri="{FF2B5EF4-FFF2-40B4-BE49-F238E27FC236}">
-                <a16:creationId xmlns:a16="http://schemas.microsoft.com/office/drawing/2014/main" id="{C7183894-EC31-F440-9353-89759F05B3EB}"/>
+                <a16:creationId xmlns:a16="http://schemas.microsoft.com/office/drawing/2014/main" id="{3B856723-7D74-B54B-8C18-AFFA49BB0578}"/>
               </a:ext>
             </a:extLst>
           </p:cNvPr>
@@ -34611,15 +36228,40 @@
           <a:p>
             <a:r>
               <a:rPr lang="en-US" dirty="0"/>
-              <a:t>Module 8: Output</a:t>
-            </a:r>
+              <a:t>Pivoting Data</a:t>
+            </a:r>
+          </a:p>
+        </p:txBody>
+      </p:sp>
+      <p:sp>
+        <p:nvSpPr>
+          <p:cNvPr id="3" name="Text Placeholder 2">
+            <a:extLst>
+              <a:ext uri="{FF2B5EF4-FFF2-40B4-BE49-F238E27FC236}">
+                <a16:creationId xmlns:a16="http://schemas.microsoft.com/office/drawing/2014/main" id="{C07C88D3-0BAE-8749-84FF-FD11C5D739E5}"/>
+              </a:ext>
+            </a:extLst>
+          </p:cNvPr>
+          <p:cNvSpPr>
+            <a:spLocks noGrp="1"/>
+          </p:cNvSpPr>
+          <p:nvPr>
+            <p:ph type="body" sz="quarter" idx="10"/>
+          </p:nvPr>
+        </p:nvSpPr>
+        <p:spPr/>
+        <p:txBody>
+          <a:bodyPr/>
+          <a:lstStyle/>
+          <a:p>
+            <a:endParaRPr lang="en-US"/>
           </a:p>
         </p:txBody>
       </p:sp>
     </p:spTree>
     <p:extLst>
       <p:ext uri="{BB962C8B-B14F-4D97-AF65-F5344CB8AC3E}">
-        <p14:creationId xmlns:p14="http